--- a/windows/masters_thesis_imgs.pptx
+++ b/windows/masters_thesis_imgs.pptx
@@ -6,8 +6,10 @@
   </p:sldMasterIdLst>
   <p:sldIdLst>
     <p:sldId id="256" r:id="rId2"/>
-    <p:sldId id="257" r:id="rId3"/>
-    <p:sldId id="258" r:id="rId4"/>
+    <p:sldId id="259" r:id="rId3"/>
+    <p:sldId id="257" r:id="rId4"/>
+    <p:sldId id="258" r:id="rId5"/>
+    <p:sldId id="260" r:id="rId6"/>
   </p:sldIdLst>
   <p:sldSz cx="12192000" cy="6858000"/>
   <p:notesSz cx="6858000" cy="9144000"/>
@@ -274,7 +276,7 @@
           <a:p>
             <a:fld id="{E9193408-0E9E-4716-B232-5E8342DA9E48}" type="datetimeFigureOut">
               <a:rPr lang="en-GB" smtClean="0"/>
-              <a:t>21/05/2019</a:t>
+              <a:t>22/05/2019</a:t>
             </a:fld>
             <a:endParaRPr lang="en-GB"/>
           </a:p>
@@ -474,7 +476,7 @@
           <a:p>
             <a:fld id="{E9193408-0E9E-4716-B232-5E8342DA9E48}" type="datetimeFigureOut">
               <a:rPr lang="en-GB" smtClean="0"/>
-              <a:t>21/05/2019</a:t>
+              <a:t>22/05/2019</a:t>
             </a:fld>
             <a:endParaRPr lang="en-GB"/>
           </a:p>
@@ -684,7 +686,7 @@
           <a:p>
             <a:fld id="{E9193408-0E9E-4716-B232-5E8342DA9E48}" type="datetimeFigureOut">
               <a:rPr lang="en-GB" smtClean="0"/>
-              <a:t>21/05/2019</a:t>
+              <a:t>22/05/2019</a:t>
             </a:fld>
             <a:endParaRPr lang="en-GB"/>
           </a:p>
@@ -884,7 +886,7 @@
           <a:p>
             <a:fld id="{E9193408-0E9E-4716-B232-5E8342DA9E48}" type="datetimeFigureOut">
               <a:rPr lang="en-GB" smtClean="0"/>
-              <a:t>21/05/2019</a:t>
+              <a:t>22/05/2019</a:t>
             </a:fld>
             <a:endParaRPr lang="en-GB"/>
           </a:p>
@@ -1160,7 +1162,7 @@
           <a:p>
             <a:fld id="{E9193408-0E9E-4716-B232-5E8342DA9E48}" type="datetimeFigureOut">
               <a:rPr lang="en-GB" smtClean="0"/>
-              <a:t>21/05/2019</a:t>
+              <a:t>22/05/2019</a:t>
             </a:fld>
             <a:endParaRPr lang="en-GB"/>
           </a:p>
@@ -1428,7 +1430,7 @@
           <a:p>
             <a:fld id="{E9193408-0E9E-4716-B232-5E8342DA9E48}" type="datetimeFigureOut">
               <a:rPr lang="en-GB" smtClean="0"/>
-              <a:t>21/05/2019</a:t>
+              <a:t>22/05/2019</a:t>
             </a:fld>
             <a:endParaRPr lang="en-GB"/>
           </a:p>
@@ -1843,7 +1845,7 @@
           <a:p>
             <a:fld id="{E9193408-0E9E-4716-B232-5E8342DA9E48}" type="datetimeFigureOut">
               <a:rPr lang="en-GB" smtClean="0"/>
-              <a:t>21/05/2019</a:t>
+              <a:t>22/05/2019</a:t>
             </a:fld>
             <a:endParaRPr lang="en-GB"/>
           </a:p>
@@ -1985,7 +1987,7 @@
           <a:p>
             <a:fld id="{E9193408-0E9E-4716-B232-5E8342DA9E48}" type="datetimeFigureOut">
               <a:rPr lang="en-GB" smtClean="0"/>
-              <a:t>21/05/2019</a:t>
+              <a:t>22/05/2019</a:t>
             </a:fld>
             <a:endParaRPr lang="en-GB"/>
           </a:p>
@@ -2098,7 +2100,7 @@
           <a:p>
             <a:fld id="{E9193408-0E9E-4716-B232-5E8342DA9E48}" type="datetimeFigureOut">
               <a:rPr lang="en-GB" smtClean="0"/>
-              <a:t>21/05/2019</a:t>
+              <a:t>22/05/2019</a:t>
             </a:fld>
             <a:endParaRPr lang="en-GB"/>
           </a:p>
@@ -2411,7 +2413,7 @@
           <a:p>
             <a:fld id="{E9193408-0E9E-4716-B232-5E8342DA9E48}" type="datetimeFigureOut">
               <a:rPr lang="en-GB" smtClean="0"/>
-              <a:t>21/05/2019</a:t>
+              <a:t>22/05/2019</a:t>
             </a:fld>
             <a:endParaRPr lang="en-GB"/>
           </a:p>
@@ -2700,7 +2702,7 @@
           <a:p>
             <a:fld id="{E9193408-0E9E-4716-B232-5E8342DA9E48}" type="datetimeFigureOut">
               <a:rPr lang="en-GB" smtClean="0"/>
-              <a:t>21/05/2019</a:t>
+              <a:t>22/05/2019</a:t>
             </a:fld>
             <a:endParaRPr lang="en-GB"/>
           </a:p>
@@ -2943,7 +2945,7 @@
           <a:p>
             <a:fld id="{E9193408-0E9E-4716-B232-5E8342DA9E48}" type="datetimeFigureOut">
               <a:rPr lang="en-GB" smtClean="0"/>
-              <a:t>21/05/2019</a:t>
+              <a:t>22/05/2019</a:t>
             </a:fld>
             <a:endParaRPr lang="en-GB"/>
           </a:p>
@@ -5945,6 +5947,14 @@
 <file path=ppt/slides/slide2.xml><?xml version="1.0" encoding="utf-8"?>
 <p:sld xmlns:a="http://schemas.openxmlformats.org/drawingml/2006/main" xmlns:r="http://schemas.openxmlformats.org/officeDocument/2006/relationships" xmlns:p="http://schemas.openxmlformats.org/presentationml/2006/main">
   <p:cSld>
+    <p:bg>
+      <p:bgPr>
+        <a:solidFill>
+          <a:schemeClr val="bg1"/>
+        </a:solidFill>
+        <a:effectLst/>
+      </p:bgPr>
+    </p:bg>
     <p:spTree>
       <p:nvGrpSpPr>
         <p:cNvPr id="1" name=""/>
@@ -5964,7 +5974,7 @@
           <p:cNvPr id="69" name="Gruppieren 68">
             <a:extLst>
               <a:ext uri="{FF2B5EF4-FFF2-40B4-BE49-F238E27FC236}">
-                <a16:creationId xmlns:a16="http://schemas.microsoft.com/office/drawing/2014/main" id="{72D9678F-2457-4EBE-9D72-3BC746901AAD}"/>
+                <a16:creationId xmlns:a16="http://schemas.microsoft.com/office/drawing/2014/main" id="{E741D15C-E498-4660-9F12-250A90728EF5}"/>
               </a:ext>
             </a:extLst>
           </p:cNvPr>
@@ -5973,53 +5983,594 @@
         </p:nvGrpSpPr>
         <p:grpSpPr>
           <a:xfrm>
-            <a:off x="3165941" y="1043507"/>
-            <a:ext cx="5707792" cy="5143933"/>
-            <a:chOff x="3165941" y="1043507"/>
-            <a:chExt cx="5707792" cy="5143933"/>
+            <a:off x="3885229" y="215626"/>
+            <a:ext cx="6381065" cy="5242869"/>
+            <a:chOff x="3885229" y="215626"/>
+            <a:chExt cx="6381065" cy="5242869"/>
           </a:xfrm>
         </p:grpSpPr>
-        <p:pic>
-          <p:nvPicPr>
-            <p:cNvPr id="29" name="Grafik 28">
+        <p:grpSp>
+          <p:nvGrpSpPr>
+            <p:cNvPr id="68" name="Gruppieren 67">
               <a:extLst>
                 <a:ext uri="{FF2B5EF4-FFF2-40B4-BE49-F238E27FC236}">
-                  <a16:creationId xmlns:a16="http://schemas.microsoft.com/office/drawing/2014/main" id="{4BA56075-DC89-461C-A1EE-5F27D8F778E2}"/>
+                  <a16:creationId xmlns:a16="http://schemas.microsoft.com/office/drawing/2014/main" id="{F2C8FFAC-D493-4AFD-BA58-45F115EAF665}"/>
                 </a:ext>
               </a:extLst>
             </p:cNvPr>
-            <p:cNvPicPr>
-              <a:picLocks noChangeAspect="1"/>
-            </p:cNvPicPr>
+            <p:cNvGrpSpPr/>
             <p:nvPr/>
-          </p:nvPicPr>
-          <p:blipFill rotWithShape="1">
-            <a:blip r:embed="rId11">
-              <a:extLst>
-                <a:ext uri="{28A0092B-C50C-407E-A947-70E740481C1C}">
-                  <a14:useLocalDpi xmlns:a14="http://schemas.microsoft.com/office/drawing/2010/main" val="0"/>
-                </a:ext>
-              </a:extLst>
-            </a:blip>
-            <a:srcRect l="56227" t="27945" r="33262" b="41567"/>
-            <a:stretch/>
-          </p:blipFill>
-          <p:spPr>
+          </p:nvGrpSpPr>
+          <p:grpSpPr>
             <a:xfrm>
-              <a:off x="5783000" y="4418979"/>
-              <a:ext cx="1086334" cy="1768461"/>
+              <a:off x="8995614" y="1994163"/>
+              <a:ext cx="1270680" cy="1082822"/>
+              <a:chOff x="8995614" y="1994163"/>
+              <a:chExt cx="1270680" cy="1082822"/>
             </a:xfrm>
-            <a:prstGeom prst="rect">
-              <a:avLst/>
-            </a:prstGeom>
-          </p:spPr>
-        </p:pic>
+          </p:grpSpPr>
+          <p:cxnSp>
+            <p:nvCxnSpPr>
+              <p:cNvPr id="37" name="Gerader Verbinder 36">
+                <a:extLst>
+                  <a:ext uri="{FF2B5EF4-FFF2-40B4-BE49-F238E27FC236}">
+                    <a16:creationId xmlns:a16="http://schemas.microsoft.com/office/drawing/2014/main" id="{1225149E-3E97-4BC1-9D16-5AE28EC25527}"/>
+                  </a:ext>
+                </a:extLst>
+              </p:cNvPr>
+              <p:cNvCxnSpPr>
+                <a:cxnSpLocks/>
+              </p:cNvCxnSpPr>
+              <p:nvPr/>
+            </p:nvCxnSpPr>
+            <p:spPr>
+              <a:xfrm>
+                <a:off x="9562106" y="2322922"/>
+                <a:ext cx="0" cy="380337"/>
+              </a:xfrm>
+              <a:prstGeom prst="line">
+                <a:avLst/>
+              </a:prstGeom>
+              <a:ln w="12700">
+                <a:solidFill>
+                  <a:schemeClr val="tx1"/>
+                </a:solidFill>
+              </a:ln>
+            </p:spPr>
+            <p:style>
+              <a:lnRef idx="1">
+                <a:schemeClr val="accent1"/>
+              </a:lnRef>
+              <a:fillRef idx="0">
+                <a:schemeClr val="accent1"/>
+              </a:fillRef>
+              <a:effectRef idx="0">
+                <a:schemeClr val="accent1"/>
+              </a:effectRef>
+              <a:fontRef idx="minor">
+                <a:schemeClr val="tx1"/>
+              </a:fontRef>
+            </p:style>
+          </p:cxnSp>
+          <p:cxnSp>
+            <p:nvCxnSpPr>
+              <p:cNvPr id="38" name="Gerader Verbinder 37">
+                <a:extLst>
+                  <a:ext uri="{FF2B5EF4-FFF2-40B4-BE49-F238E27FC236}">
+                    <a16:creationId xmlns:a16="http://schemas.microsoft.com/office/drawing/2014/main" id="{22BC326D-2FC9-47D2-A198-F78DDC30222E}"/>
+                  </a:ext>
+                </a:extLst>
+              </p:cNvPr>
+              <p:cNvCxnSpPr>
+                <a:cxnSpLocks/>
+              </p:cNvCxnSpPr>
+              <p:nvPr/>
+            </p:nvCxnSpPr>
+            <p:spPr>
+              <a:xfrm flipH="1">
+                <a:off x="9562106" y="2703259"/>
+                <a:ext cx="346710" cy="0"/>
+              </a:xfrm>
+              <a:prstGeom prst="line">
+                <a:avLst/>
+              </a:prstGeom>
+              <a:ln w="12700">
+                <a:solidFill>
+                  <a:schemeClr val="tx1"/>
+                </a:solidFill>
+              </a:ln>
+            </p:spPr>
+            <p:style>
+              <a:lnRef idx="1">
+                <a:schemeClr val="accent1"/>
+              </a:lnRef>
+              <a:fillRef idx="0">
+                <a:schemeClr val="accent1"/>
+              </a:fillRef>
+              <a:effectRef idx="0">
+                <a:schemeClr val="accent1"/>
+              </a:effectRef>
+              <a:fontRef idx="minor">
+                <a:schemeClr val="tx1"/>
+              </a:fontRef>
+            </p:style>
+          </p:cxnSp>
+          <p:cxnSp>
+            <p:nvCxnSpPr>
+              <p:cNvPr id="39" name="Gerader Verbinder 38">
+                <a:extLst>
+                  <a:ext uri="{FF2B5EF4-FFF2-40B4-BE49-F238E27FC236}">
+                    <a16:creationId xmlns:a16="http://schemas.microsoft.com/office/drawing/2014/main" id="{417D9B01-D2C7-4A57-A869-224039D4F588}"/>
+                  </a:ext>
+                </a:extLst>
+              </p:cNvPr>
+              <p:cNvCxnSpPr>
+                <a:cxnSpLocks/>
+              </p:cNvCxnSpPr>
+              <p:nvPr/>
+            </p:nvCxnSpPr>
+            <p:spPr>
+              <a:xfrm flipH="1">
+                <a:off x="9366760" y="2703259"/>
+                <a:ext cx="195347" cy="129505"/>
+              </a:xfrm>
+              <a:prstGeom prst="line">
+                <a:avLst/>
+              </a:prstGeom>
+              <a:ln w="12700">
+                <a:solidFill>
+                  <a:schemeClr val="tx1"/>
+                </a:solidFill>
+              </a:ln>
+            </p:spPr>
+            <p:style>
+              <a:lnRef idx="1">
+                <a:schemeClr val="accent1"/>
+              </a:lnRef>
+              <a:fillRef idx="0">
+                <a:schemeClr val="accent1"/>
+              </a:fillRef>
+              <a:effectRef idx="0">
+                <a:schemeClr val="accent1"/>
+              </a:effectRef>
+              <a:fontRef idx="minor">
+                <a:schemeClr val="tx1"/>
+              </a:fontRef>
+            </p:style>
+          </p:cxnSp>
+          <p:sp>
+            <p:nvSpPr>
+              <p:cNvPr id="40" name="Pfeil: nach rechts gekrümmt 39">
+                <a:extLst>
+                  <a:ext uri="{FF2B5EF4-FFF2-40B4-BE49-F238E27FC236}">
+                    <a16:creationId xmlns:a16="http://schemas.microsoft.com/office/drawing/2014/main" id="{5E6F5523-A710-49C8-950B-BAEC231F859F}"/>
+                  </a:ext>
+                </a:extLst>
+              </p:cNvPr>
+              <p:cNvSpPr/>
+              <p:nvPr/>
+            </p:nvSpPr>
+            <p:spPr>
+              <a:xfrm>
+                <a:off x="9414385" y="2262656"/>
+                <a:ext cx="288213" cy="212009"/>
+              </a:xfrm>
+              <a:prstGeom prst="curvedRightArrow">
+                <a:avLst/>
+              </a:prstGeom>
+              <a:solidFill>
+                <a:srgbClr val="2C10F8"/>
+              </a:solidFill>
+              <a:ln>
+                <a:solidFill>
+                  <a:srgbClr val="1C06BE"/>
+                </a:solidFill>
+              </a:ln>
+            </p:spPr>
+            <p:style>
+              <a:lnRef idx="2">
+                <a:schemeClr val="accent1">
+                  <a:shade val="50000"/>
+                </a:schemeClr>
+              </a:lnRef>
+              <a:fillRef idx="1">
+                <a:schemeClr val="accent1"/>
+              </a:fillRef>
+              <a:effectRef idx="0">
+                <a:schemeClr val="accent1"/>
+              </a:effectRef>
+              <a:fontRef idx="minor">
+                <a:schemeClr val="lt1"/>
+              </a:fontRef>
+            </p:style>
+            <p:txBody>
+              <a:bodyPr rtlCol="0" anchor="ctr"/>
+              <a:lstStyle/>
+              <a:p>
+                <a:pPr algn="ctr"/>
+                <a:endParaRPr lang="en-GB">
+                  <a:solidFill>
+                    <a:schemeClr val="tx1"/>
+                  </a:solidFill>
+                </a:endParaRPr>
+              </a:p>
+            </p:txBody>
+          </p:sp>
+          <p:sp>
+            <p:nvSpPr>
+              <p:cNvPr id="41" name="Pfeil: nach rechts gekrümmt 40">
+                <a:extLst>
+                  <a:ext uri="{FF2B5EF4-FFF2-40B4-BE49-F238E27FC236}">
+                    <a16:creationId xmlns:a16="http://schemas.microsoft.com/office/drawing/2014/main" id="{0BF27E9B-CCC0-401E-B688-D52929755C84}"/>
+                  </a:ext>
+                </a:extLst>
+              </p:cNvPr>
+              <p:cNvSpPr/>
+              <p:nvPr/>
+            </p:nvSpPr>
+            <p:spPr>
+              <a:xfrm rot="14510669">
+                <a:off x="9263532" y="2632852"/>
+                <a:ext cx="229684" cy="356604"/>
+              </a:xfrm>
+              <a:prstGeom prst="curvedRightArrow">
+                <a:avLst/>
+              </a:prstGeom>
+              <a:solidFill>
+                <a:srgbClr val="FF0000"/>
+              </a:solidFill>
+              <a:ln>
+                <a:solidFill>
+                  <a:srgbClr val="E20000"/>
+                </a:solidFill>
+              </a:ln>
+            </p:spPr>
+            <p:style>
+              <a:lnRef idx="2">
+                <a:schemeClr val="accent1">
+                  <a:shade val="50000"/>
+                </a:schemeClr>
+              </a:lnRef>
+              <a:fillRef idx="1">
+                <a:schemeClr val="accent1"/>
+              </a:fillRef>
+              <a:effectRef idx="0">
+                <a:schemeClr val="accent1"/>
+              </a:effectRef>
+              <a:fontRef idx="minor">
+                <a:schemeClr val="lt1"/>
+              </a:fontRef>
+            </p:style>
+            <p:txBody>
+              <a:bodyPr rtlCol="0" anchor="ctr"/>
+              <a:lstStyle/>
+              <a:p>
+                <a:pPr algn="ctr"/>
+                <a:endParaRPr lang="en-GB">
+                  <a:solidFill>
+                    <a:schemeClr val="tx1"/>
+                  </a:solidFill>
+                </a:endParaRPr>
+              </a:p>
+            </p:txBody>
+          </p:sp>
+          <p:cxnSp>
+            <p:nvCxnSpPr>
+              <p:cNvPr id="42" name="Gerade Verbindung mit Pfeil 41">
+                <a:extLst>
+                  <a:ext uri="{FF2B5EF4-FFF2-40B4-BE49-F238E27FC236}">
+                    <a16:creationId xmlns:a16="http://schemas.microsoft.com/office/drawing/2014/main" id="{71D36BD9-95B7-4C3A-B141-C5F79DA369F4}"/>
+                  </a:ext>
+                </a:extLst>
+              </p:cNvPr>
+              <p:cNvCxnSpPr>
+                <a:cxnSpLocks/>
+              </p:cNvCxnSpPr>
+              <p:nvPr/>
+            </p:nvCxnSpPr>
+            <p:spPr>
+              <a:xfrm flipH="1">
+                <a:off x="9160385" y="2832764"/>
+                <a:ext cx="206375" cy="129439"/>
+              </a:xfrm>
+              <a:prstGeom prst="straightConnector1">
+                <a:avLst/>
+              </a:prstGeom>
+              <a:ln w="12700">
+                <a:solidFill>
+                  <a:schemeClr val="tx1"/>
+                </a:solidFill>
+                <a:tailEnd type="triangle"/>
+              </a:ln>
+            </p:spPr>
+            <p:style>
+              <a:lnRef idx="1">
+                <a:schemeClr val="accent1"/>
+              </a:lnRef>
+              <a:fillRef idx="0">
+                <a:schemeClr val="accent1"/>
+              </a:fillRef>
+              <a:effectRef idx="0">
+                <a:schemeClr val="accent1"/>
+              </a:effectRef>
+              <a:fontRef idx="minor">
+                <a:schemeClr val="tx1"/>
+              </a:fontRef>
+            </p:style>
+          </p:cxnSp>
+          <p:cxnSp>
+            <p:nvCxnSpPr>
+              <p:cNvPr id="43" name="Gerade Verbindung mit Pfeil 42">
+                <a:extLst>
+                  <a:ext uri="{FF2B5EF4-FFF2-40B4-BE49-F238E27FC236}">
+                    <a16:creationId xmlns:a16="http://schemas.microsoft.com/office/drawing/2014/main" id="{5292F41B-44EC-4171-8BBD-C4EAFA3D5E4F}"/>
+                  </a:ext>
+                </a:extLst>
+              </p:cNvPr>
+              <p:cNvCxnSpPr>
+                <a:cxnSpLocks/>
+              </p:cNvCxnSpPr>
+              <p:nvPr/>
+            </p:nvCxnSpPr>
+            <p:spPr>
+              <a:xfrm flipV="1">
+                <a:off x="9562106" y="2148383"/>
+                <a:ext cx="0" cy="220277"/>
+              </a:xfrm>
+              <a:prstGeom prst="straightConnector1">
+                <a:avLst/>
+              </a:prstGeom>
+              <a:ln w="12700">
+                <a:solidFill>
+                  <a:schemeClr val="tx1"/>
+                </a:solidFill>
+                <a:tailEnd type="triangle"/>
+              </a:ln>
+            </p:spPr>
+            <p:style>
+              <a:lnRef idx="1">
+                <a:schemeClr val="accent1"/>
+              </a:lnRef>
+              <a:fillRef idx="0">
+                <a:schemeClr val="accent1"/>
+              </a:fillRef>
+              <a:effectRef idx="0">
+                <a:schemeClr val="accent1"/>
+              </a:effectRef>
+              <a:fontRef idx="minor">
+                <a:schemeClr val="tx1"/>
+              </a:fontRef>
+            </p:style>
+          </p:cxnSp>
+          <p:sp>
+            <p:nvSpPr>
+              <p:cNvPr id="44" name="Pfeil: nach rechts gekrümmt 43">
+                <a:extLst>
+                  <a:ext uri="{FF2B5EF4-FFF2-40B4-BE49-F238E27FC236}">
+                    <a16:creationId xmlns:a16="http://schemas.microsoft.com/office/drawing/2014/main" id="{D20B44C8-C4EC-4F8B-AC52-8425211398DD}"/>
+                  </a:ext>
+                </a:extLst>
+              </p:cNvPr>
+              <p:cNvSpPr/>
+              <p:nvPr/>
+            </p:nvSpPr>
+            <p:spPr>
+              <a:xfrm rot="5400000">
+                <a:off x="9723032" y="2598760"/>
+                <a:ext cx="288213" cy="212009"/>
+              </a:xfrm>
+              <a:prstGeom prst="curvedRightArrow">
+                <a:avLst/>
+              </a:prstGeom>
+              <a:solidFill>
+                <a:srgbClr val="28F83C"/>
+              </a:solidFill>
+              <a:ln>
+                <a:solidFill>
+                  <a:srgbClr val="07D31A"/>
+                </a:solidFill>
+              </a:ln>
+            </p:spPr>
+            <p:style>
+              <a:lnRef idx="2">
+                <a:schemeClr val="accent1">
+                  <a:shade val="50000"/>
+                </a:schemeClr>
+              </a:lnRef>
+              <a:fillRef idx="1">
+                <a:schemeClr val="accent1"/>
+              </a:fillRef>
+              <a:effectRef idx="0">
+                <a:schemeClr val="accent1"/>
+              </a:effectRef>
+              <a:fontRef idx="minor">
+                <a:schemeClr val="lt1"/>
+              </a:fontRef>
+            </p:style>
+            <p:txBody>
+              <a:bodyPr rtlCol="0" anchor="ctr"/>
+              <a:lstStyle/>
+              <a:p>
+                <a:pPr algn="ctr"/>
+                <a:endParaRPr lang="en-GB">
+                  <a:solidFill>
+                    <a:schemeClr val="tx1"/>
+                  </a:solidFill>
+                </a:endParaRPr>
+              </a:p>
+            </p:txBody>
+          </p:sp>
+          <p:cxnSp>
+            <p:nvCxnSpPr>
+              <p:cNvPr id="45" name="Gerade Verbindung mit Pfeil 44">
+                <a:extLst>
+                  <a:ext uri="{FF2B5EF4-FFF2-40B4-BE49-F238E27FC236}">
+                    <a16:creationId xmlns:a16="http://schemas.microsoft.com/office/drawing/2014/main" id="{6829463C-C1BA-45A9-95C1-317123F7618E}"/>
+                  </a:ext>
+                </a:extLst>
+              </p:cNvPr>
+              <p:cNvCxnSpPr>
+                <a:cxnSpLocks/>
+              </p:cNvCxnSpPr>
+              <p:nvPr/>
+            </p:nvCxnSpPr>
+            <p:spPr>
+              <a:xfrm>
+                <a:off x="9871350" y="2703259"/>
+                <a:ext cx="233681" cy="0"/>
+              </a:xfrm>
+              <a:prstGeom prst="straightConnector1">
+                <a:avLst/>
+              </a:prstGeom>
+              <a:ln w="12700">
+                <a:solidFill>
+                  <a:schemeClr val="tx1"/>
+                </a:solidFill>
+                <a:tailEnd type="triangle"/>
+              </a:ln>
+            </p:spPr>
+            <p:style>
+              <a:lnRef idx="1">
+                <a:schemeClr val="accent1"/>
+              </a:lnRef>
+              <a:fillRef idx="0">
+                <a:schemeClr val="accent1"/>
+              </a:fillRef>
+              <a:effectRef idx="0">
+                <a:schemeClr val="accent1"/>
+              </a:effectRef>
+              <a:fontRef idx="minor">
+                <a:schemeClr val="tx1"/>
+              </a:fontRef>
+            </p:style>
+          </p:cxnSp>
+          <p:pic>
+            <p:nvPicPr>
+              <p:cNvPr id="67" name="Grafik 66">
+                <a:extLst>
+                  <a:ext uri="{FF2B5EF4-FFF2-40B4-BE49-F238E27FC236}">
+                    <a16:creationId xmlns:a16="http://schemas.microsoft.com/office/drawing/2014/main" id="{5DDAF63A-88D9-4795-B0CD-F47CD2E88BE9}"/>
+                  </a:ext>
+                </a:extLst>
+              </p:cNvPr>
+              <p:cNvPicPr>
+                <a:picLocks noChangeAspect="1"/>
+              </p:cNvPicPr>
+              <p:nvPr>
+                <p:custDataLst>
+                  <p:tags r:id="rId5"/>
+                </p:custDataLst>
+              </p:nvPr>
+            </p:nvPicPr>
+            <p:blipFill>
+              <a:blip r:embed="rId9">
+                <a:extLst>
+                  <a:ext uri="{28A0092B-C50C-407E-A947-70E740481C1C}">
+                    <a14:useLocalDpi xmlns:a14="http://schemas.microsoft.com/office/drawing/2010/main" val="0"/>
+                  </a:ext>
+                </a:extLst>
+              </a:blip>
+              <a:stretch>
+                <a:fillRect/>
+              </a:stretch>
+            </p:blipFill>
+            <p:spPr>
+              <a:xfrm>
+                <a:off x="8995614" y="2962203"/>
+                <a:ext cx="130048" cy="114782"/>
+              </a:xfrm>
+              <a:prstGeom prst="rect">
+                <a:avLst/>
+              </a:prstGeom>
+            </p:spPr>
+          </p:pic>
+          <p:pic>
+            <p:nvPicPr>
+              <p:cNvPr id="59" name="Grafik 58">
+                <a:extLst>
+                  <a:ext uri="{FF2B5EF4-FFF2-40B4-BE49-F238E27FC236}">
+                    <a16:creationId xmlns:a16="http://schemas.microsoft.com/office/drawing/2014/main" id="{DA1EC8BE-A3E6-4D0F-9540-07E2E20E392C}"/>
+                  </a:ext>
+                </a:extLst>
+              </p:cNvPr>
+              <p:cNvPicPr>
+                <a:picLocks noChangeAspect="1"/>
+              </p:cNvPicPr>
+              <p:nvPr>
+                <p:custDataLst>
+                  <p:tags r:id="rId6"/>
+                </p:custDataLst>
+              </p:nvPr>
+            </p:nvPicPr>
+            <p:blipFill>
+              <a:blip r:embed="rId10">
+                <a:extLst>
+                  <a:ext uri="{28A0092B-C50C-407E-A947-70E740481C1C}">
+                    <a14:useLocalDpi xmlns:a14="http://schemas.microsoft.com/office/drawing/2010/main" val="0"/>
+                  </a:ext>
+                </a:extLst>
+              </a:blip>
+              <a:stretch>
+                <a:fillRect/>
+              </a:stretch>
+            </p:blipFill>
+            <p:spPr>
+              <a:xfrm>
+                <a:off x="10144509" y="2623698"/>
+                <a:ext cx="121785" cy="164247"/>
+              </a:xfrm>
+              <a:prstGeom prst="rect">
+                <a:avLst/>
+              </a:prstGeom>
+            </p:spPr>
+          </p:pic>
+          <p:pic>
+            <p:nvPicPr>
+              <p:cNvPr id="63" name="Grafik 62">
+                <a:extLst>
+                  <a:ext uri="{FF2B5EF4-FFF2-40B4-BE49-F238E27FC236}">
+                    <a16:creationId xmlns:a16="http://schemas.microsoft.com/office/drawing/2014/main" id="{475B58F0-FD87-40CD-8FD2-38F0B413C956}"/>
+                  </a:ext>
+                </a:extLst>
+              </p:cNvPr>
+              <p:cNvPicPr>
+                <a:picLocks noChangeAspect="1"/>
+              </p:cNvPicPr>
+              <p:nvPr>
+                <p:custDataLst>
+                  <p:tags r:id="rId7"/>
+                </p:custDataLst>
+              </p:nvPr>
+            </p:nvPicPr>
+            <p:blipFill>
+              <a:blip r:embed="rId11">
+                <a:extLst>
+                  <a:ext uri="{28A0092B-C50C-407E-A947-70E740481C1C}">
+                    <a14:useLocalDpi xmlns:a14="http://schemas.microsoft.com/office/drawing/2010/main" val="0"/>
+                  </a:ext>
+                </a:extLst>
+              </a:blip>
+              <a:stretch>
+                <a:fillRect/>
+              </a:stretch>
+            </p:blipFill>
+            <p:spPr>
+              <a:xfrm>
+                <a:off x="9503063" y="1994163"/>
+                <a:ext cx="111364" cy="115627"/>
+              </a:xfrm>
+              <a:prstGeom prst="rect">
+                <a:avLst/>
+              </a:prstGeom>
+            </p:spPr>
+          </p:pic>
+        </p:grpSp>
         <p:sp>
           <p:nvSpPr>
-            <p:cNvPr id="4" name="Rechteck: abgerundete Ecken 3">
+            <p:cNvPr id="6" name="Flussdiagramm: Datenträger mit direktem Zugriff 5">
               <a:extLst>
                 <a:ext uri="{FF2B5EF4-FFF2-40B4-BE49-F238E27FC236}">
-                  <a16:creationId xmlns:a16="http://schemas.microsoft.com/office/drawing/2014/main" id="{DCE1CDB4-4A36-460D-99F6-936745BCE1DC}"/>
+                  <a16:creationId xmlns:a16="http://schemas.microsoft.com/office/drawing/2014/main" id="{2B179598-D2C5-4450-AE4D-CA4016F5894B}"/>
                 </a:ext>
               </a:extLst>
             </p:cNvPr>
@@ -6028,17 +6579,17 @@
           </p:nvSpPr>
           <p:spPr>
             <a:xfrm>
-              <a:off x="5362940" y="2725883"/>
-              <a:ext cx="1926455" cy="1023151"/>
+              <a:off x="7264535" y="1187168"/>
+              <a:ext cx="495300" cy="190500"/>
             </a:xfrm>
-            <a:prstGeom prst="roundRect">
+            <a:prstGeom prst="flowChartMagneticDrum">
               <a:avLst/>
             </a:prstGeom>
-            <a:solidFill>
-              <a:srgbClr val="FF7F2B"/>
-            </a:solidFill>
-            <a:ln>
-              <a:noFill/>
+            <a:noFill/>
+            <a:ln w="31750">
+              <a:solidFill>
+                <a:schemeClr val="tx1"/>
+              </a:solidFill>
             </a:ln>
           </p:spPr>
           <p:style>
@@ -6062,365 +6613,526 @@
             <a:lstStyle/>
             <a:p>
               <a:pPr algn="ctr"/>
-              <a:endParaRPr lang="en-GB" dirty="0"/>
+              <a:endParaRPr lang="en-GB"/>
+            </a:p>
+          </p:txBody>
+        </p:sp>
+        <p:grpSp>
+          <p:nvGrpSpPr>
+            <p:cNvPr id="7" name="Gruppieren 6">
+              <a:extLst>
+                <a:ext uri="{FF2B5EF4-FFF2-40B4-BE49-F238E27FC236}">
+                  <a16:creationId xmlns:a16="http://schemas.microsoft.com/office/drawing/2014/main" id="{9D00F500-3D6B-4CB4-9C22-81D8B4CA8752}"/>
+                </a:ext>
+              </a:extLst>
+            </p:cNvPr>
+            <p:cNvGrpSpPr/>
+            <p:nvPr/>
+          </p:nvGrpSpPr>
+          <p:grpSpPr>
+            <a:xfrm>
+              <a:off x="6427468" y="2018010"/>
+              <a:ext cx="523186" cy="1153414"/>
+              <a:chOff x="6427468" y="2018010"/>
+              <a:chExt cx="523186" cy="1153414"/>
+            </a:xfrm>
+          </p:grpSpPr>
+          <p:sp>
+            <p:nvSpPr>
+              <p:cNvPr id="34" name="Flussdiagramm: Datenträger mit direktem Zugriff 33">
+                <a:extLst>
+                  <a:ext uri="{FF2B5EF4-FFF2-40B4-BE49-F238E27FC236}">
+                    <a16:creationId xmlns:a16="http://schemas.microsoft.com/office/drawing/2014/main" id="{C24C32E9-E2D6-467E-8632-E33E0DBA9514}"/>
+                  </a:ext>
+                </a:extLst>
+              </p:cNvPr>
+              <p:cNvSpPr/>
+              <p:nvPr/>
+            </p:nvSpPr>
+            <p:spPr>
+              <a:xfrm rot="16200000">
+                <a:off x="6427468" y="2828524"/>
+                <a:ext cx="495300" cy="190500"/>
+              </a:xfrm>
+              <a:prstGeom prst="flowChartMagneticDrum">
+                <a:avLst/>
+              </a:prstGeom>
+              <a:noFill/>
+              <a:ln w="31750">
+                <a:solidFill>
+                  <a:schemeClr val="tx1"/>
+                </a:solidFill>
+              </a:ln>
+            </p:spPr>
+            <p:style>
+              <a:lnRef idx="2">
+                <a:schemeClr val="accent1">
+                  <a:shade val="50000"/>
+                </a:schemeClr>
+              </a:lnRef>
+              <a:fillRef idx="1">
+                <a:schemeClr val="accent1"/>
+              </a:fillRef>
+              <a:effectRef idx="0">
+                <a:schemeClr val="accent1"/>
+              </a:effectRef>
+              <a:fontRef idx="minor">
+                <a:schemeClr val="lt1"/>
+              </a:fontRef>
+            </p:style>
+            <p:txBody>
+              <a:bodyPr rtlCol="0" anchor="ctr"/>
+              <a:lstStyle/>
+              <a:p>
+                <a:pPr algn="ctr"/>
+                <a:endParaRPr lang="en-GB"/>
+              </a:p>
+            </p:txBody>
+          </p:sp>
+          <p:sp>
+            <p:nvSpPr>
+              <p:cNvPr id="35" name="Flussdiagramm: Datenträger mit direktem Zugriff 34">
+                <a:extLst>
+                  <a:ext uri="{FF2B5EF4-FFF2-40B4-BE49-F238E27FC236}">
+                    <a16:creationId xmlns:a16="http://schemas.microsoft.com/office/drawing/2014/main" id="{EC0237B9-1429-4BCB-B56B-70BFB5A76A73}"/>
+                  </a:ext>
+                </a:extLst>
+              </p:cNvPr>
+              <p:cNvSpPr/>
+              <p:nvPr/>
+            </p:nvSpPr>
+            <p:spPr>
+              <a:xfrm>
+                <a:off x="6427468" y="2018010"/>
+                <a:ext cx="495300" cy="190500"/>
+              </a:xfrm>
+              <a:prstGeom prst="flowChartMagneticDrum">
+                <a:avLst/>
+              </a:prstGeom>
+              <a:noFill/>
+              <a:ln w="31750">
+                <a:solidFill>
+                  <a:schemeClr val="tx1"/>
+                </a:solidFill>
+              </a:ln>
+            </p:spPr>
+            <p:style>
+              <a:lnRef idx="2">
+                <a:schemeClr val="accent1">
+                  <a:shade val="50000"/>
+                </a:schemeClr>
+              </a:lnRef>
+              <a:fillRef idx="1">
+                <a:schemeClr val="accent1"/>
+              </a:fillRef>
+              <a:effectRef idx="0">
+                <a:schemeClr val="accent1"/>
+              </a:effectRef>
+              <a:fontRef idx="minor">
+                <a:schemeClr val="lt1"/>
+              </a:fontRef>
+            </p:style>
+            <p:txBody>
+              <a:bodyPr rtlCol="0" anchor="ctr"/>
+              <a:lstStyle/>
+              <a:p>
+                <a:pPr algn="ctr"/>
+                <a:endParaRPr lang="en-GB"/>
+              </a:p>
+            </p:txBody>
+          </p:sp>
+          <p:sp>
+            <p:nvSpPr>
+              <p:cNvPr id="36" name="Flussdiagramm: Datenträger mit direktem Zugriff 35">
+                <a:extLst>
+                  <a:ext uri="{FF2B5EF4-FFF2-40B4-BE49-F238E27FC236}">
+                    <a16:creationId xmlns:a16="http://schemas.microsoft.com/office/drawing/2014/main" id="{F8A991CB-F58F-40B4-B39C-F7E076533F9E}"/>
+                  </a:ext>
+                </a:extLst>
+              </p:cNvPr>
+              <p:cNvSpPr/>
+              <p:nvPr/>
+            </p:nvSpPr>
+            <p:spPr>
+              <a:xfrm rot="8972512">
+                <a:off x="6455354" y="2373231"/>
+                <a:ext cx="495300" cy="190500"/>
+              </a:xfrm>
+              <a:prstGeom prst="flowChartMagneticDrum">
+                <a:avLst/>
+              </a:prstGeom>
+              <a:noFill/>
+              <a:ln w="31750">
+                <a:solidFill>
+                  <a:schemeClr val="tx1"/>
+                </a:solidFill>
+              </a:ln>
+            </p:spPr>
+            <p:style>
+              <a:lnRef idx="2">
+                <a:schemeClr val="accent1">
+                  <a:shade val="50000"/>
+                </a:schemeClr>
+              </a:lnRef>
+              <a:fillRef idx="1">
+                <a:schemeClr val="accent1"/>
+              </a:fillRef>
+              <a:effectRef idx="0">
+                <a:schemeClr val="accent1"/>
+              </a:effectRef>
+              <a:fontRef idx="minor">
+                <a:schemeClr val="lt1"/>
+              </a:fontRef>
+            </p:style>
+            <p:txBody>
+              <a:bodyPr rtlCol="0" anchor="ctr"/>
+              <a:lstStyle/>
+              <a:p>
+                <a:pPr algn="ctr"/>
+                <a:endParaRPr lang="en-GB"/>
+              </a:p>
+            </p:txBody>
+          </p:sp>
+        </p:grpSp>
+        <p:sp>
+          <p:nvSpPr>
+            <p:cNvPr id="8" name="Flussdiagramm: Datenträger mit direktem Zugriff 7">
+              <a:extLst>
+                <a:ext uri="{FF2B5EF4-FFF2-40B4-BE49-F238E27FC236}">
+                  <a16:creationId xmlns:a16="http://schemas.microsoft.com/office/drawing/2014/main" id="{5260606E-4905-4B89-A265-58E297814A2F}"/>
+                </a:ext>
+              </a:extLst>
+            </p:cNvPr>
+            <p:cNvSpPr/>
+            <p:nvPr/>
+          </p:nvSpPr>
+          <p:spPr>
+            <a:xfrm>
+              <a:off x="6427468" y="3953893"/>
+              <a:ext cx="495300" cy="190500"/>
+            </a:xfrm>
+            <a:prstGeom prst="flowChartMagneticDrum">
+              <a:avLst/>
+            </a:prstGeom>
+            <a:noFill/>
+            <a:ln w="31750">
+              <a:solidFill>
+                <a:schemeClr val="tx1"/>
+              </a:solidFill>
+            </a:ln>
+          </p:spPr>
+          <p:style>
+            <a:lnRef idx="2">
+              <a:schemeClr val="accent1">
+                <a:shade val="50000"/>
+              </a:schemeClr>
+            </a:lnRef>
+            <a:fillRef idx="1">
+              <a:schemeClr val="accent1"/>
+            </a:fillRef>
+            <a:effectRef idx="0">
+              <a:schemeClr val="accent1"/>
+            </a:effectRef>
+            <a:fontRef idx="minor">
+              <a:schemeClr val="lt1"/>
+            </a:fontRef>
+          </p:style>
+          <p:txBody>
+            <a:bodyPr rtlCol="0" anchor="ctr"/>
+            <a:lstStyle/>
+            <a:p>
+              <a:pPr algn="ctr"/>
+              <a:endParaRPr lang="en-GB"/>
+            </a:p>
+          </p:txBody>
+        </p:sp>
+        <p:sp>
+          <p:nvSpPr>
+            <p:cNvPr id="9" name="Flussdiagramm: Datenträger mit direktem Zugriff 8">
+              <a:extLst>
+                <a:ext uri="{FF2B5EF4-FFF2-40B4-BE49-F238E27FC236}">
+                  <a16:creationId xmlns:a16="http://schemas.microsoft.com/office/drawing/2014/main" id="{DDAC8C66-5FC1-4CD3-89CE-54D8D3279A79}"/>
+                </a:ext>
+              </a:extLst>
+            </p:cNvPr>
+            <p:cNvSpPr/>
+            <p:nvPr/>
+          </p:nvSpPr>
+          <p:spPr>
+            <a:xfrm>
+              <a:off x="8144508" y="3953893"/>
+              <a:ext cx="495300" cy="190500"/>
+            </a:xfrm>
+            <a:prstGeom prst="flowChartMagneticDrum">
+              <a:avLst/>
+            </a:prstGeom>
+            <a:noFill/>
+            <a:ln w="31750">
+              <a:solidFill>
+                <a:schemeClr val="tx1"/>
+              </a:solidFill>
+            </a:ln>
+          </p:spPr>
+          <p:style>
+            <a:lnRef idx="2">
+              <a:schemeClr val="accent1">
+                <a:shade val="50000"/>
+              </a:schemeClr>
+            </a:lnRef>
+            <a:fillRef idx="1">
+              <a:schemeClr val="accent1"/>
+            </a:fillRef>
+            <a:effectRef idx="0">
+              <a:schemeClr val="accent1"/>
+            </a:effectRef>
+            <a:fontRef idx="minor">
+              <a:schemeClr val="lt1"/>
+            </a:fontRef>
+          </p:style>
+          <p:txBody>
+            <a:bodyPr rtlCol="0" anchor="ctr"/>
+            <a:lstStyle/>
+            <a:p>
+              <a:pPr algn="ctr"/>
+              <a:endParaRPr lang="en-GB"/>
+            </a:p>
+          </p:txBody>
+        </p:sp>
+        <p:grpSp>
+          <p:nvGrpSpPr>
+            <p:cNvPr id="10" name="Gruppieren 9">
+              <a:extLst>
+                <a:ext uri="{FF2B5EF4-FFF2-40B4-BE49-F238E27FC236}">
+                  <a16:creationId xmlns:a16="http://schemas.microsoft.com/office/drawing/2014/main" id="{7C151AE0-F86C-4703-8C7D-69510DA19085}"/>
+                </a:ext>
+              </a:extLst>
+            </p:cNvPr>
+            <p:cNvGrpSpPr/>
+            <p:nvPr/>
+          </p:nvGrpSpPr>
+          <p:grpSpPr>
+            <a:xfrm>
+              <a:off x="6427468" y="4926862"/>
+              <a:ext cx="519312" cy="531633"/>
+              <a:chOff x="8144509" y="5034324"/>
+              <a:chExt cx="519312" cy="531633"/>
+            </a:xfrm>
+          </p:grpSpPr>
+          <p:sp>
+            <p:nvSpPr>
+              <p:cNvPr id="32" name="Flussdiagramm: Datenträger mit direktem Zugriff 31">
+                <a:extLst>
+                  <a:ext uri="{FF2B5EF4-FFF2-40B4-BE49-F238E27FC236}">
+                    <a16:creationId xmlns:a16="http://schemas.microsoft.com/office/drawing/2014/main" id="{09104C19-FDF2-4AD6-B586-48471E92C86A}"/>
+                  </a:ext>
+                </a:extLst>
+              </p:cNvPr>
+              <p:cNvSpPr/>
+              <p:nvPr/>
+            </p:nvSpPr>
+            <p:spPr>
+              <a:xfrm>
+                <a:off x="8144509" y="5034324"/>
+                <a:ext cx="495300" cy="190500"/>
+              </a:xfrm>
+              <a:prstGeom prst="flowChartMagneticDrum">
+                <a:avLst/>
+              </a:prstGeom>
+              <a:noFill/>
+              <a:ln w="31750">
+                <a:solidFill>
+                  <a:schemeClr val="tx1"/>
+                </a:solidFill>
+              </a:ln>
+            </p:spPr>
+            <p:style>
+              <a:lnRef idx="2">
+                <a:schemeClr val="accent1">
+                  <a:shade val="50000"/>
+                </a:schemeClr>
+              </a:lnRef>
+              <a:fillRef idx="1">
+                <a:schemeClr val="accent1"/>
+              </a:fillRef>
+              <a:effectRef idx="0">
+                <a:schemeClr val="accent1"/>
+              </a:effectRef>
+              <a:fontRef idx="minor">
+                <a:schemeClr val="lt1"/>
+              </a:fontRef>
+            </p:style>
+            <p:txBody>
+              <a:bodyPr rtlCol="0" anchor="ctr"/>
+              <a:lstStyle/>
+              <a:p>
+                <a:pPr algn="ctr"/>
+                <a:endParaRPr lang="en-GB"/>
+              </a:p>
+            </p:txBody>
+          </p:sp>
+          <p:sp>
+            <p:nvSpPr>
+              <p:cNvPr id="33" name="Flussdiagramm: Datenträger mit direktem Zugriff 32">
+                <a:extLst>
+                  <a:ext uri="{FF2B5EF4-FFF2-40B4-BE49-F238E27FC236}">
+                    <a16:creationId xmlns:a16="http://schemas.microsoft.com/office/drawing/2014/main" id="{F3AB36A6-FE84-495A-9CD2-0A9375B6531A}"/>
+                  </a:ext>
+                </a:extLst>
+              </p:cNvPr>
+              <p:cNvSpPr/>
+              <p:nvPr/>
+            </p:nvSpPr>
+            <p:spPr>
+              <a:xfrm rot="8972512">
+                <a:off x="8168521" y="5375457"/>
+                <a:ext cx="495300" cy="190500"/>
+              </a:xfrm>
+              <a:prstGeom prst="flowChartMagneticDrum">
+                <a:avLst/>
+              </a:prstGeom>
+              <a:noFill/>
+              <a:ln w="31750">
+                <a:solidFill>
+                  <a:schemeClr val="tx1"/>
+                </a:solidFill>
+              </a:ln>
+            </p:spPr>
+            <p:style>
+              <a:lnRef idx="2">
+                <a:schemeClr val="accent1">
+                  <a:shade val="50000"/>
+                </a:schemeClr>
+              </a:lnRef>
+              <a:fillRef idx="1">
+                <a:schemeClr val="accent1"/>
+              </a:fillRef>
+              <a:effectRef idx="0">
+                <a:schemeClr val="accent1"/>
+              </a:effectRef>
+              <a:fontRef idx="minor">
+                <a:schemeClr val="lt1"/>
+              </a:fontRef>
+            </p:style>
+            <p:txBody>
+              <a:bodyPr rtlCol="0" anchor="ctr"/>
+              <a:lstStyle/>
+              <a:p>
+                <a:pPr algn="ctr"/>
+                <a:endParaRPr lang="en-GB"/>
+              </a:p>
+            </p:txBody>
+          </p:sp>
+        </p:grpSp>
+        <p:sp>
+          <p:nvSpPr>
+            <p:cNvPr id="11" name="Flussdiagramm: Datenträger mit direktem Zugriff 10">
+              <a:extLst>
+                <a:ext uri="{FF2B5EF4-FFF2-40B4-BE49-F238E27FC236}">
+                  <a16:creationId xmlns:a16="http://schemas.microsoft.com/office/drawing/2014/main" id="{65509977-B38E-4AC3-B351-2F371FDD617A}"/>
+                </a:ext>
+              </a:extLst>
+            </p:cNvPr>
+            <p:cNvSpPr/>
+            <p:nvPr/>
+          </p:nvSpPr>
+          <p:spPr>
+            <a:xfrm rot="16200000">
+              <a:off x="7250428" y="368026"/>
+              <a:ext cx="495300" cy="190500"/>
+            </a:xfrm>
+            <a:prstGeom prst="flowChartMagneticDrum">
+              <a:avLst/>
+            </a:prstGeom>
+            <a:noFill/>
+            <a:ln w="31750">
+              <a:solidFill>
+                <a:schemeClr val="tx1"/>
+              </a:solidFill>
+            </a:ln>
+          </p:spPr>
+          <p:style>
+            <a:lnRef idx="2">
+              <a:schemeClr val="accent1">
+                <a:shade val="50000"/>
+              </a:schemeClr>
+            </a:lnRef>
+            <a:fillRef idx="1">
+              <a:schemeClr val="accent1"/>
+            </a:fillRef>
+            <a:effectRef idx="0">
+              <a:schemeClr val="accent1"/>
+            </a:effectRef>
+            <a:fontRef idx="minor">
+              <a:schemeClr val="lt1"/>
+            </a:fontRef>
+          </p:style>
+          <p:txBody>
+            <a:bodyPr rtlCol="0" anchor="ctr"/>
+            <a:lstStyle/>
+            <a:p>
+              <a:pPr algn="ctr"/>
+              <a:endParaRPr lang="en-GB"/>
+            </a:p>
+          </p:txBody>
+        </p:sp>
+        <p:sp>
+          <p:nvSpPr>
+            <p:cNvPr id="12" name="Flussdiagramm: Datenträger mit direktem Zugriff 11">
+              <a:extLst>
+                <a:ext uri="{FF2B5EF4-FFF2-40B4-BE49-F238E27FC236}">
+                  <a16:creationId xmlns:a16="http://schemas.microsoft.com/office/drawing/2014/main" id="{4B1649E2-6533-43AB-B1DA-5DFA43B9CB0A}"/>
+                </a:ext>
+              </a:extLst>
+            </p:cNvPr>
+            <p:cNvSpPr/>
+            <p:nvPr/>
+          </p:nvSpPr>
+          <p:spPr>
+            <a:xfrm rot="8972512">
+              <a:off x="7278643" y="853796"/>
+              <a:ext cx="495300" cy="190500"/>
+            </a:xfrm>
+            <a:prstGeom prst="flowChartMagneticDrum">
+              <a:avLst/>
+            </a:prstGeom>
+            <a:noFill/>
+            <a:ln w="31750">
+              <a:solidFill>
+                <a:schemeClr val="tx1"/>
+              </a:solidFill>
+            </a:ln>
+          </p:spPr>
+          <p:style>
+            <a:lnRef idx="2">
+              <a:schemeClr val="accent1">
+                <a:shade val="50000"/>
+              </a:schemeClr>
+            </a:lnRef>
+            <a:fillRef idx="1">
+              <a:schemeClr val="accent1"/>
+            </a:fillRef>
+            <a:effectRef idx="0">
+              <a:schemeClr val="accent1"/>
+            </a:effectRef>
+            <a:fontRef idx="minor">
+              <a:schemeClr val="lt1"/>
+            </a:fontRef>
+          </p:style>
+          <p:txBody>
+            <a:bodyPr rtlCol="0" anchor="ctr"/>
+            <a:lstStyle/>
+            <a:p>
+              <a:pPr algn="ctr"/>
+              <a:endParaRPr lang="en-GB"/>
             </a:p>
           </p:txBody>
         </p:sp>
         <p:pic>
           <p:nvPicPr>
-            <p:cNvPr id="9" name="Grafik 8" descr="Mann">
+            <p:cNvPr id="50" name="Grafik 49">
               <a:extLst>
                 <a:ext uri="{FF2B5EF4-FFF2-40B4-BE49-F238E27FC236}">
-                  <a16:creationId xmlns:a16="http://schemas.microsoft.com/office/drawing/2014/main" id="{D0606321-D810-4950-A535-AE32A500388D}"/>
-                </a:ext>
-              </a:extLst>
-            </p:cNvPr>
-            <p:cNvPicPr>
-              <a:picLocks noChangeAspect="1"/>
-            </p:cNvPicPr>
-            <p:nvPr/>
-          </p:nvPicPr>
-          <p:blipFill>
-            <a:blip r:embed="rId12">
-              <a:extLst>
-                <a:ext uri="{28A0092B-C50C-407E-A947-70E740481C1C}">
-                  <a14:useLocalDpi xmlns:a14="http://schemas.microsoft.com/office/drawing/2010/main" val="0"/>
-                </a:ext>
-                <a:ext uri="{96DAC541-7B7A-43D3-8B79-37D633B846F1}">
-                  <asvg:svgBlip xmlns:asvg="http://schemas.microsoft.com/office/drawing/2016/SVG/main" r:embed="rId13"/>
-                </a:ext>
-              </a:extLst>
-            </a:blip>
-            <a:stretch>
-              <a:fillRect/>
-            </a:stretch>
-          </p:blipFill>
-          <p:spPr>
-            <a:xfrm>
-              <a:off x="6410991" y="1043507"/>
-              <a:ext cx="1081596" cy="1081596"/>
-            </a:xfrm>
-            <a:prstGeom prst="rect">
-              <a:avLst/>
-            </a:prstGeom>
-          </p:spPr>
-        </p:pic>
-        <p:pic>
-          <p:nvPicPr>
-            <p:cNvPr id="13" name="Grafik 12" descr="Kopf mit Zahnrädern">
-              <a:extLst>
-                <a:ext uri="{FF2B5EF4-FFF2-40B4-BE49-F238E27FC236}">
-                  <a16:creationId xmlns:a16="http://schemas.microsoft.com/office/drawing/2014/main" id="{9213A048-B87B-4B74-A8A8-B9A708F6A7D7}"/>
-                </a:ext>
-              </a:extLst>
-            </p:cNvPr>
-            <p:cNvPicPr>
-              <a:picLocks noChangeAspect="1"/>
-            </p:cNvPicPr>
-            <p:nvPr/>
-          </p:nvPicPr>
-          <p:blipFill>
-            <a:blip r:embed="rId14">
-              <a:extLst>
-                <a:ext uri="{28A0092B-C50C-407E-A947-70E740481C1C}">
-                  <a14:useLocalDpi xmlns:a14="http://schemas.microsoft.com/office/drawing/2010/main" val="0"/>
-                </a:ext>
-                <a:ext uri="{96DAC541-7B7A-43D3-8B79-37D633B846F1}">
-                  <asvg:svgBlip xmlns:asvg="http://schemas.microsoft.com/office/drawing/2016/SVG/main" r:embed="rId15"/>
-                </a:ext>
-              </a:extLst>
-            </a:blip>
-            <a:stretch>
-              <a:fillRect/>
-            </a:stretch>
-          </p:blipFill>
-          <p:spPr>
-            <a:xfrm>
-              <a:off x="4960946" y="1043507"/>
-              <a:ext cx="1081596" cy="1081596"/>
-            </a:xfrm>
-            <a:prstGeom prst="rect">
-              <a:avLst/>
-            </a:prstGeom>
-          </p:spPr>
-        </p:pic>
-        <p:cxnSp>
-          <p:nvCxnSpPr>
-            <p:cNvPr id="17" name="Gerade Verbindung mit Pfeil 16">
-              <a:extLst>
-                <a:ext uri="{FF2B5EF4-FFF2-40B4-BE49-F238E27FC236}">
-                  <a16:creationId xmlns:a16="http://schemas.microsoft.com/office/drawing/2014/main" id="{7AE33529-BA75-4E1A-9FAA-2A56D1969209}"/>
-                </a:ext>
-              </a:extLst>
-            </p:cNvPr>
-            <p:cNvCxnSpPr/>
-            <p:nvPr/>
-          </p:nvCxnSpPr>
-          <p:spPr>
-            <a:xfrm>
-              <a:off x="6360939" y="3896325"/>
-              <a:ext cx="0" cy="504000"/>
-            </a:xfrm>
-            <a:prstGeom prst="straightConnector1">
-              <a:avLst/>
-            </a:prstGeom>
-            <a:ln w="34925">
-              <a:solidFill>
-                <a:schemeClr val="tx1"/>
-              </a:solidFill>
-              <a:tailEnd type="triangle"/>
-            </a:ln>
-          </p:spPr>
-          <p:style>
-            <a:lnRef idx="1">
-              <a:schemeClr val="accent1"/>
-            </a:lnRef>
-            <a:fillRef idx="0">
-              <a:schemeClr val="accent1"/>
-            </a:fillRef>
-            <a:effectRef idx="0">
-              <a:schemeClr val="accent1"/>
-            </a:effectRef>
-            <a:fontRef idx="minor">
-              <a:schemeClr val="tx1"/>
-            </a:fontRef>
-          </p:style>
-        </p:cxnSp>
-        <p:cxnSp>
-          <p:nvCxnSpPr>
-            <p:cNvPr id="18" name="Gerade Verbindung mit Pfeil 17">
-              <a:extLst>
-                <a:ext uri="{FF2B5EF4-FFF2-40B4-BE49-F238E27FC236}">
-                  <a16:creationId xmlns:a16="http://schemas.microsoft.com/office/drawing/2014/main" id="{1C779DBC-D59B-4F19-81B1-5DE68F1ED7C1}"/>
-                </a:ext>
-              </a:extLst>
-            </p:cNvPr>
-            <p:cNvCxnSpPr>
-              <a:cxnSpLocks/>
-            </p:cNvCxnSpPr>
-            <p:nvPr/>
-          </p:nvCxnSpPr>
-          <p:spPr>
-            <a:xfrm flipH="1">
-              <a:off x="6042542" y="1584305"/>
-              <a:ext cx="534881" cy="0"/>
-            </a:xfrm>
-            <a:prstGeom prst="straightConnector1">
-              <a:avLst/>
-            </a:prstGeom>
-            <a:ln w="34925">
-              <a:solidFill>
-                <a:schemeClr val="tx1"/>
-              </a:solidFill>
-              <a:headEnd type="triangle"/>
-              <a:tailEnd type="triangle"/>
-            </a:ln>
-          </p:spPr>
-          <p:style>
-            <a:lnRef idx="1">
-              <a:schemeClr val="accent1"/>
-            </a:lnRef>
-            <a:fillRef idx="0">
-              <a:schemeClr val="accent1"/>
-            </a:fillRef>
-            <a:effectRef idx="0">
-              <a:schemeClr val="accent1"/>
-            </a:effectRef>
-            <a:fontRef idx="minor">
-              <a:schemeClr val="tx1"/>
-            </a:fontRef>
-          </p:style>
-        </p:cxnSp>
-        <p:cxnSp>
-          <p:nvCxnSpPr>
-            <p:cNvPr id="22" name="Gerade Verbindung mit Pfeil 21">
-              <a:extLst>
-                <a:ext uri="{FF2B5EF4-FFF2-40B4-BE49-F238E27FC236}">
-                  <a16:creationId xmlns:a16="http://schemas.microsoft.com/office/drawing/2014/main" id="{4655365E-B909-446B-9383-5AA297F5D81C}"/>
-                </a:ext>
-              </a:extLst>
-            </p:cNvPr>
-            <p:cNvCxnSpPr>
-              <a:cxnSpLocks/>
-            </p:cNvCxnSpPr>
-            <p:nvPr/>
-          </p:nvCxnSpPr>
-          <p:spPr>
-            <a:xfrm>
-              <a:off x="6309983" y="2109823"/>
-              <a:ext cx="0" cy="504000"/>
-            </a:xfrm>
-            <a:prstGeom prst="straightConnector1">
-              <a:avLst/>
-            </a:prstGeom>
-            <a:ln w="34925">
-              <a:solidFill>
-                <a:schemeClr val="tx1"/>
-              </a:solidFill>
-              <a:tailEnd type="triangle"/>
-            </a:ln>
-          </p:spPr>
-          <p:style>
-            <a:lnRef idx="1">
-              <a:schemeClr val="accent1"/>
-            </a:lnRef>
-            <a:fillRef idx="0">
-              <a:schemeClr val="accent1"/>
-            </a:fillRef>
-            <a:effectRef idx="0">
-              <a:schemeClr val="accent1"/>
-            </a:effectRef>
-            <a:fontRef idx="minor">
-              <a:schemeClr val="tx1"/>
-            </a:fontRef>
-          </p:style>
-        </p:cxnSp>
-        <p:cxnSp>
-          <p:nvCxnSpPr>
-            <p:cNvPr id="30" name="Gerade Verbindung mit Pfeil 29">
-              <a:extLst>
-                <a:ext uri="{FF2B5EF4-FFF2-40B4-BE49-F238E27FC236}">
-                  <a16:creationId xmlns:a16="http://schemas.microsoft.com/office/drawing/2014/main" id="{64CED8B6-66A4-4545-AFED-10A0B98C0DC2}"/>
-                </a:ext>
-              </a:extLst>
-            </p:cNvPr>
-            <p:cNvCxnSpPr>
-              <a:cxnSpLocks/>
-            </p:cNvCxnSpPr>
-            <p:nvPr/>
-          </p:nvCxnSpPr>
-          <p:spPr>
-            <a:xfrm flipV="1">
-              <a:off x="6235547" y="3896325"/>
-              <a:ext cx="0" cy="504000"/>
-            </a:xfrm>
-            <a:prstGeom prst="straightConnector1">
-              <a:avLst/>
-            </a:prstGeom>
-            <a:ln w="34925">
-              <a:solidFill>
-                <a:schemeClr val="tx1"/>
-              </a:solidFill>
-              <a:tailEnd type="triangle"/>
-            </a:ln>
-          </p:spPr>
-          <p:style>
-            <a:lnRef idx="1">
-              <a:schemeClr val="accent1"/>
-            </a:lnRef>
-            <a:fillRef idx="0">
-              <a:schemeClr val="accent1"/>
-            </a:fillRef>
-            <a:effectRef idx="0">
-              <a:schemeClr val="accent1"/>
-            </a:effectRef>
-            <a:fontRef idx="minor">
-              <a:schemeClr val="tx1"/>
-            </a:fontRef>
-          </p:style>
-        </p:cxnSp>
-        <p:cxnSp>
-          <p:nvCxnSpPr>
-            <p:cNvPr id="38" name="Verbinder: gewinkelt 37">
-              <a:extLst>
-                <a:ext uri="{FF2B5EF4-FFF2-40B4-BE49-F238E27FC236}">
-                  <a16:creationId xmlns:a16="http://schemas.microsoft.com/office/drawing/2014/main" id="{8FDD56F4-1A7E-486C-930A-3D8B7D29CC97}"/>
-                </a:ext>
-              </a:extLst>
-            </p:cNvPr>
-            <p:cNvCxnSpPr>
-              <a:cxnSpLocks/>
-              <a:stCxn id="29" idx="1"/>
-              <a:endCxn id="3" idx="1"/>
-            </p:cNvCxnSpPr>
-            <p:nvPr/>
-          </p:nvCxnSpPr>
-          <p:spPr>
-            <a:xfrm rot="10800000">
-              <a:off x="3165942" y="1467090"/>
-              <a:ext cx="2617059" cy="3836120"/>
-            </a:xfrm>
-            <a:prstGeom prst="bentConnector3">
-              <a:avLst>
-                <a:gd name="adj1" fmla="val 108735"/>
-              </a:avLst>
-            </a:prstGeom>
-            <a:ln w="38100">
-              <a:solidFill>
-                <a:schemeClr val="tx1"/>
-              </a:solidFill>
-              <a:tailEnd type="triangle"/>
-            </a:ln>
-          </p:spPr>
-          <p:style>
-            <a:lnRef idx="1">
-              <a:schemeClr val="accent1"/>
-            </a:lnRef>
-            <a:fillRef idx="0">
-              <a:schemeClr val="accent1"/>
-            </a:fillRef>
-            <a:effectRef idx="0">
-              <a:schemeClr val="accent1"/>
-            </a:effectRef>
-            <a:fontRef idx="minor">
-              <a:schemeClr val="tx1"/>
-            </a:fontRef>
-          </p:style>
-        </p:cxnSp>
-        <p:cxnSp>
-          <p:nvCxnSpPr>
-            <p:cNvPr id="40" name="Verbinder: gewinkelt 39">
-              <a:extLst>
-                <a:ext uri="{FF2B5EF4-FFF2-40B4-BE49-F238E27FC236}">
-                  <a16:creationId xmlns:a16="http://schemas.microsoft.com/office/drawing/2014/main" id="{234B108E-2506-4295-AB26-75015D0F335F}"/>
-                </a:ext>
-              </a:extLst>
-            </p:cNvPr>
-            <p:cNvCxnSpPr>
-              <a:cxnSpLocks/>
-              <a:stCxn id="29" idx="3"/>
-              <a:endCxn id="6" idx="3"/>
-            </p:cNvCxnSpPr>
-            <p:nvPr/>
-          </p:nvCxnSpPr>
-          <p:spPr>
-            <a:xfrm flipV="1">
-              <a:off x="6869334" y="1527528"/>
-              <a:ext cx="2004399" cy="3775682"/>
-            </a:xfrm>
-            <a:prstGeom prst="bentConnector3">
-              <a:avLst>
-                <a:gd name="adj1" fmla="val 111405"/>
-              </a:avLst>
-            </a:prstGeom>
-            <a:ln w="38100">
-              <a:solidFill>
-                <a:schemeClr val="tx1"/>
-              </a:solidFill>
-              <a:tailEnd type="triangle"/>
-            </a:ln>
-          </p:spPr>
-          <p:style>
-            <a:lnRef idx="1">
-              <a:schemeClr val="accent1"/>
-            </a:lnRef>
-            <a:fillRef idx="0">
-              <a:schemeClr val="accent1"/>
-            </a:fillRef>
-            <a:effectRef idx="0">
-              <a:schemeClr val="accent1"/>
-            </a:effectRef>
-            <a:fontRef idx="minor">
-              <a:schemeClr val="tx1"/>
-            </a:fontRef>
-          </p:style>
-        </p:cxnSp>
-        <p:pic>
-          <p:nvPicPr>
-            <p:cNvPr id="3" name="Grafik 2">
-              <a:extLst>
-                <a:ext uri="{FF2B5EF4-FFF2-40B4-BE49-F238E27FC236}">
-                  <a16:creationId xmlns:a16="http://schemas.microsoft.com/office/drawing/2014/main" id="{1A559C18-DE77-462E-A4ED-D45EB373D610}"/>
+                  <a16:creationId xmlns:a16="http://schemas.microsoft.com/office/drawing/2014/main" id="{DD1C8DD9-A981-47F6-AD56-056DAC2D3903}"/>
                 </a:ext>
               </a:extLst>
             </p:cNvPr>
@@ -6433,21 +7145,22 @@
               </p:custDataLst>
             </p:nvPr>
           </p:nvPicPr>
-          <p:blipFill rotWithShape="1">
-            <a:blip r:embed="rId16">
+          <p:blipFill>
+            <a:blip r:embed="rId12">
               <a:extLst>
                 <a:ext uri="{28A0092B-C50C-407E-A947-70E740481C1C}">
                   <a14:useLocalDpi xmlns:a14="http://schemas.microsoft.com/office/drawing/2010/main" val="0"/>
                 </a:ext>
               </a:extLst>
             </a:blip>
-            <a:srcRect l="-5459" t="-1213" b="-1"/>
-            <a:stretch/>
+            <a:stretch>
+              <a:fillRect/>
+            </a:stretch>
           </p:blipFill>
           <p:spPr>
             <a:xfrm>
-              <a:off x="3165941" y="1349874"/>
-              <a:ext cx="1795006" cy="234432"/>
+              <a:off x="4691184" y="773810"/>
+              <a:ext cx="600310" cy="175725"/>
             </a:xfrm>
             <a:prstGeom prst="rect">
               <a:avLst/>
@@ -6456,10 +7169,10 @@
         </p:pic>
         <p:pic>
           <p:nvPicPr>
-            <p:cNvPr id="6" name="Grafik 5">
+            <p:cNvPr id="52" name="Grafik 51">
               <a:extLst>
                 <a:ext uri="{FF2B5EF4-FFF2-40B4-BE49-F238E27FC236}">
-                  <a16:creationId xmlns:a16="http://schemas.microsoft.com/office/drawing/2014/main" id="{F26028D6-936D-4444-8A05-8B37C197D5D2}"/>
+                  <a16:creationId xmlns:a16="http://schemas.microsoft.com/office/drawing/2014/main" id="{0586A955-3792-4938-AC73-84016193A0A3}"/>
                 </a:ext>
               </a:extLst>
             </p:cNvPr>
@@ -6472,21 +7185,22 @@
               </p:custDataLst>
             </p:nvPr>
           </p:nvPicPr>
-          <p:blipFill rotWithShape="1">
-            <a:blip r:embed="rId17">
+          <p:blipFill>
+            <a:blip r:embed="rId13">
               <a:extLst>
                 <a:ext uri="{28A0092B-C50C-407E-A947-70E740481C1C}">
                   <a14:useLocalDpi xmlns:a14="http://schemas.microsoft.com/office/drawing/2010/main" val="0"/>
                 </a:ext>
               </a:extLst>
             </a:blip>
-            <a:srcRect l="-1" t="1" r="-9197" b="-30048"/>
-            <a:stretch/>
+            <a:stretch>
+              <a:fillRect/>
+            </a:stretch>
           </p:blipFill>
           <p:spPr>
             <a:xfrm>
-              <a:off x="7366685" y="1410588"/>
-              <a:ext cx="1507048" cy="233880"/>
+              <a:off x="3935107" y="2364276"/>
+              <a:ext cx="2111768" cy="230201"/>
             </a:xfrm>
             <a:prstGeom prst="rect">
               <a:avLst/>
@@ -6495,10 +7209,10 @@
         </p:pic>
         <p:pic>
           <p:nvPicPr>
-            <p:cNvPr id="8" name="Grafik 7">
+            <p:cNvPr id="54" name="Grafik 53">
               <a:extLst>
                 <a:ext uri="{FF2B5EF4-FFF2-40B4-BE49-F238E27FC236}">
-                  <a16:creationId xmlns:a16="http://schemas.microsoft.com/office/drawing/2014/main" id="{13C6A248-1A1E-4BB2-A8A0-1475F6751728}"/>
+                  <a16:creationId xmlns:a16="http://schemas.microsoft.com/office/drawing/2014/main" id="{04E96C5C-3F59-48A8-B357-789A54E36A1E}"/>
                 </a:ext>
               </a:extLst>
             </p:cNvPr>
@@ -6512,7 +7226,7 @@
             </p:nvPr>
           </p:nvPicPr>
           <p:blipFill>
-            <a:blip r:embed="rId18">
+            <a:blip r:embed="rId14">
               <a:extLst>
                 <a:ext uri="{28A0092B-C50C-407E-A947-70E740481C1C}">
                   <a14:useLocalDpi xmlns:a14="http://schemas.microsoft.com/office/drawing/2010/main" val="0"/>
@@ -6525,8 +7239,8 @@
           </p:blipFill>
           <p:spPr>
             <a:xfrm>
-              <a:off x="6575919" y="2263213"/>
-              <a:ext cx="1216605" cy="187569"/>
+              <a:off x="3885230" y="3934042"/>
+              <a:ext cx="2276513" cy="231200"/>
             </a:xfrm>
             <a:prstGeom prst="rect">
               <a:avLst/>
@@ -6535,10 +7249,10 @@
         </p:pic>
         <p:pic>
           <p:nvPicPr>
-            <p:cNvPr id="11" name="Grafik 10">
+            <p:cNvPr id="56" name="Grafik 55">
               <a:extLst>
                 <a:ext uri="{FF2B5EF4-FFF2-40B4-BE49-F238E27FC236}">
-                  <a16:creationId xmlns:a16="http://schemas.microsoft.com/office/drawing/2014/main" id="{DE087A64-F71B-40D4-A228-66907D567C3F}"/>
+                  <a16:creationId xmlns:a16="http://schemas.microsoft.com/office/drawing/2014/main" id="{B76488F8-CAB3-49B7-991C-7AC5D4AED70A}"/>
                 </a:ext>
               </a:extLst>
             </p:cNvPr>
@@ -6552,7 +7266,7 @@
             </p:nvPr>
           </p:nvPicPr>
           <p:blipFill>
-            <a:blip r:embed="rId19">
+            <a:blip r:embed="rId15">
               <a:extLst>
                 <a:ext uri="{28A0092B-C50C-407E-A947-70E740481C1C}">
                   <a14:useLocalDpi xmlns:a14="http://schemas.microsoft.com/office/drawing/2010/main" val="0"/>
@@ -6565,219 +7279,729 @@
           </p:blipFill>
           <p:spPr>
             <a:xfrm>
-              <a:off x="4079745" y="4034931"/>
-              <a:ext cx="1940823" cy="234432"/>
+              <a:off x="3885229" y="5155605"/>
+              <a:ext cx="2211514" cy="232203"/>
             </a:xfrm>
             <a:prstGeom prst="rect">
               <a:avLst/>
             </a:prstGeom>
           </p:spPr>
         </p:pic>
-        <p:pic>
-          <p:nvPicPr>
-            <p:cNvPr id="14" name="Grafik 13">
+        <p:grpSp>
+          <p:nvGrpSpPr>
+            <p:cNvPr id="17" name="Gruppieren 16">
               <a:extLst>
                 <a:ext uri="{FF2B5EF4-FFF2-40B4-BE49-F238E27FC236}">
-                  <a16:creationId xmlns:a16="http://schemas.microsoft.com/office/drawing/2014/main" id="{438347D1-2EE7-4387-8A0D-04BB4A6F21A1}"/>
+                  <a16:creationId xmlns:a16="http://schemas.microsoft.com/office/drawing/2014/main" id="{81E3C591-8B3C-46ED-957E-39DB28FC0FA4}"/>
                 </a:ext>
               </a:extLst>
             </p:cNvPr>
-            <p:cNvPicPr>
-              <a:picLocks noChangeAspect="1"/>
-            </p:cNvPicPr>
-            <p:nvPr>
-              <p:custDataLst>
-                <p:tags r:id="rId5"/>
-              </p:custDataLst>
-            </p:nvPr>
-          </p:nvPicPr>
-          <p:blipFill>
-            <a:blip r:embed="rId20">
-              <a:extLst>
-                <a:ext uri="{28A0092B-C50C-407E-A947-70E740481C1C}">
-                  <a14:useLocalDpi xmlns:a14="http://schemas.microsoft.com/office/drawing/2010/main" val="0"/>
-                </a:ext>
-              </a:extLst>
-            </a:blip>
-            <a:stretch>
-              <a:fillRect/>
-            </a:stretch>
-          </p:blipFill>
+            <p:cNvGrpSpPr/>
+            <p:nvPr/>
+          </p:nvGrpSpPr>
+          <p:grpSpPr>
+            <a:xfrm>
+              <a:off x="8132819" y="2018010"/>
+              <a:ext cx="523186" cy="1153414"/>
+              <a:chOff x="6427468" y="2018010"/>
+              <a:chExt cx="523186" cy="1153414"/>
+            </a:xfrm>
+          </p:grpSpPr>
+          <p:sp>
+            <p:nvSpPr>
+              <p:cNvPr id="29" name="Flussdiagramm: Datenträger mit direktem Zugriff 28">
+                <a:extLst>
+                  <a:ext uri="{FF2B5EF4-FFF2-40B4-BE49-F238E27FC236}">
+                    <a16:creationId xmlns:a16="http://schemas.microsoft.com/office/drawing/2014/main" id="{3DCF4739-1CEB-48A7-9C1D-DAB906144DA2}"/>
+                  </a:ext>
+                </a:extLst>
+              </p:cNvPr>
+              <p:cNvSpPr/>
+              <p:nvPr/>
+            </p:nvSpPr>
+            <p:spPr>
+              <a:xfrm rot="16200000">
+                <a:off x="6427468" y="2828524"/>
+                <a:ext cx="495300" cy="190500"/>
+              </a:xfrm>
+              <a:prstGeom prst="flowChartMagneticDrum">
+                <a:avLst/>
+              </a:prstGeom>
+              <a:noFill/>
+              <a:ln w="31750">
+                <a:solidFill>
+                  <a:schemeClr val="tx1"/>
+                </a:solidFill>
+              </a:ln>
+            </p:spPr>
+            <p:style>
+              <a:lnRef idx="2">
+                <a:schemeClr val="accent1">
+                  <a:shade val="50000"/>
+                </a:schemeClr>
+              </a:lnRef>
+              <a:fillRef idx="1">
+                <a:schemeClr val="accent1"/>
+              </a:fillRef>
+              <a:effectRef idx="0">
+                <a:schemeClr val="accent1"/>
+              </a:effectRef>
+              <a:fontRef idx="minor">
+                <a:schemeClr val="lt1"/>
+              </a:fontRef>
+            </p:style>
+            <p:txBody>
+              <a:bodyPr rtlCol="0" anchor="ctr"/>
+              <a:lstStyle/>
+              <a:p>
+                <a:pPr algn="ctr"/>
+                <a:endParaRPr lang="en-GB"/>
+              </a:p>
+            </p:txBody>
+          </p:sp>
+          <p:sp>
+            <p:nvSpPr>
+              <p:cNvPr id="30" name="Flussdiagramm: Datenträger mit direktem Zugriff 29">
+                <a:extLst>
+                  <a:ext uri="{FF2B5EF4-FFF2-40B4-BE49-F238E27FC236}">
+                    <a16:creationId xmlns:a16="http://schemas.microsoft.com/office/drawing/2014/main" id="{581AED38-2429-4761-957A-8B96A0D28746}"/>
+                  </a:ext>
+                </a:extLst>
+              </p:cNvPr>
+              <p:cNvSpPr/>
+              <p:nvPr/>
+            </p:nvSpPr>
+            <p:spPr>
+              <a:xfrm>
+                <a:off x="6427468" y="2018010"/>
+                <a:ext cx="495300" cy="190500"/>
+              </a:xfrm>
+              <a:prstGeom prst="flowChartMagneticDrum">
+                <a:avLst/>
+              </a:prstGeom>
+              <a:noFill/>
+              <a:ln w="31750">
+                <a:solidFill>
+                  <a:schemeClr val="tx1"/>
+                </a:solidFill>
+              </a:ln>
+            </p:spPr>
+            <p:style>
+              <a:lnRef idx="2">
+                <a:schemeClr val="accent1">
+                  <a:shade val="50000"/>
+                </a:schemeClr>
+              </a:lnRef>
+              <a:fillRef idx="1">
+                <a:schemeClr val="accent1"/>
+              </a:fillRef>
+              <a:effectRef idx="0">
+                <a:schemeClr val="accent1"/>
+              </a:effectRef>
+              <a:fontRef idx="minor">
+                <a:schemeClr val="lt1"/>
+              </a:fontRef>
+            </p:style>
+            <p:txBody>
+              <a:bodyPr rtlCol="0" anchor="ctr"/>
+              <a:lstStyle/>
+              <a:p>
+                <a:pPr algn="ctr"/>
+                <a:endParaRPr lang="en-GB"/>
+              </a:p>
+            </p:txBody>
+          </p:sp>
+          <p:sp>
+            <p:nvSpPr>
+              <p:cNvPr id="31" name="Flussdiagramm: Datenträger mit direktem Zugriff 30">
+                <a:extLst>
+                  <a:ext uri="{FF2B5EF4-FFF2-40B4-BE49-F238E27FC236}">
+                    <a16:creationId xmlns:a16="http://schemas.microsoft.com/office/drawing/2014/main" id="{3BBA8BC9-A53F-4A41-9689-DD843B85A73C}"/>
+                  </a:ext>
+                </a:extLst>
+              </p:cNvPr>
+              <p:cNvSpPr/>
+              <p:nvPr/>
+            </p:nvSpPr>
+            <p:spPr>
+              <a:xfrm rot="8972512">
+                <a:off x="6455354" y="2373231"/>
+                <a:ext cx="495300" cy="190500"/>
+              </a:xfrm>
+              <a:prstGeom prst="flowChartMagneticDrum">
+                <a:avLst/>
+              </a:prstGeom>
+              <a:noFill/>
+              <a:ln w="31750">
+                <a:solidFill>
+                  <a:schemeClr val="tx1"/>
+                </a:solidFill>
+              </a:ln>
+            </p:spPr>
+            <p:style>
+              <a:lnRef idx="2">
+                <a:schemeClr val="accent1">
+                  <a:shade val="50000"/>
+                </a:schemeClr>
+              </a:lnRef>
+              <a:fillRef idx="1">
+                <a:schemeClr val="accent1"/>
+              </a:fillRef>
+              <a:effectRef idx="0">
+                <a:schemeClr val="accent1"/>
+              </a:effectRef>
+              <a:fontRef idx="minor">
+                <a:schemeClr val="lt1"/>
+              </a:fontRef>
+            </p:style>
+            <p:txBody>
+              <a:bodyPr rtlCol="0" anchor="ctr"/>
+              <a:lstStyle/>
+              <a:p>
+                <a:pPr algn="ctr"/>
+                <a:endParaRPr lang="en-GB"/>
+              </a:p>
+            </p:txBody>
+          </p:sp>
+        </p:grpSp>
+        <p:grpSp>
+          <p:nvGrpSpPr>
+            <p:cNvPr id="18" name="Gruppieren 17">
+              <a:extLst>
+                <a:ext uri="{FF2B5EF4-FFF2-40B4-BE49-F238E27FC236}">
+                  <a16:creationId xmlns:a16="http://schemas.microsoft.com/office/drawing/2014/main" id="{80E169E0-91E7-40C7-B0A8-0A19DD3813AF}"/>
+                </a:ext>
+              </a:extLst>
+            </p:cNvPr>
+            <p:cNvGrpSpPr/>
+            <p:nvPr/>
+          </p:nvGrpSpPr>
+          <p:grpSpPr>
+            <a:xfrm>
+              <a:off x="8150801" y="4926862"/>
+              <a:ext cx="519312" cy="531633"/>
+              <a:chOff x="8144509" y="5034324"/>
+              <a:chExt cx="519312" cy="531633"/>
+            </a:xfrm>
+          </p:grpSpPr>
+          <p:sp>
+            <p:nvSpPr>
+              <p:cNvPr id="27" name="Flussdiagramm: Datenträger mit direktem Zugriff 26">
+                <a:extLst>
+                  <a:ext uri="{FF2B5EF4-FFF2-40B4-BE49-F238E27FC236}">
+                    <a16:creationId xmlns:a16="http://schemas.microsoft.com/office/drawing/2014/main" id="{E3E9B11F-D64C-41B4-B367-1D7C371825DA}"/>
+                  </a:ext>
+                </a:extLst>
+              </p:cNvPr>
+              <p:cNvSpPr/>
+              <p:nvPr/>
+            </p:nvSpPr>
+            <p:spPr>
+              <a:xfrm>
+                <a:off x="8144509" y="5034324"/>
+                <a:ext cx="495300" cy="190500"/>
+              </a:xfrm>
+              <a:prstGeom prst="flowChartMagneticDrum">
+                <a:avLst/>
+              </a:prstGeom>
+              <a:noFill/>
+              <a:ln w="31750">
+                <a:solidFill>
+                  <a:schemeClr val="tx1"/>
+                </a:solidFill>
+              </a:ln>
+            </p:spPr>
+            <p:style>
+              <a:lnRef idx="2">
+                <a:schemeClr val="accent1">
+                  <a:shade val="50000"/>
+                </a:schemeClr>
+              </a:lnRef>
+              <a:fillRef idx="1">
+                <a:schemeClr val="accent1"/>
+              </a:fillRef>
+              <a:effectRef idx="0">
+                <a:schemeClr val="accent1"/>
+              </a:effectRef>
+              <a:fontRef idx="minor">
+                <a:schemeClr val="lt1"/>
+              </a:fontRef>
+            </p:style>
+            <p:txBody>
+              <a:bodyPr rtlCol="0" anchor="ctr"/>
+              <a:lstStyle/>
+              <a:p>
+                <a:pPr algn="ctr"/>
+                <a:endParaRPr lang="en-GB"/>
+              </a:p>
+            </p:txBody>
+          </p:sp>
+          <p:sp>
+            <p:nvSpPr>
+              <p:cNvPr id="28" name="Flussdiagramm: Datenträger mit direktem Zugriff 27">
+                <a:extLst>
+                  <a:ext uri="{FF2B5EF4-FFF2-40B4-BE49-F238E27FC236}">
+                    <a16:creationId xmlns:a16="http://schemas.microsoft.com/office/drawing/2014/main" id="{F0BD9595-D58B-4B71-996D-00ABCDD862FE}"/>
+                  </a:ext>
+                </a:extLst>
+              </p:cNvPr>
+              <p:cNvSpPr/>
+              <p:nvPr/>
+            </p:nvSpPr>
+            <p:spPr>
+              <a:xfrm rot="8972512">
+                <a:off x="8168521" y="5375457"/>
+                <a:ext cx="495300" cy="190500"/>
+              </a:xfrm>
+              <a:prstGeom prst="flowChartMagneticDrum">
+                <a:avLst/>
+              </a:prstGeom>
+              <a:noFill/>
+              <a:ln w="31750">
+                <a:solidFill>
+                  <a:schemeClr val="tx1"/>
+                </a:solidFill>
+              </a:ln>
+            </p:spPr>
+            <p:style>
+              <a:lnRef idx="2">
+                <a:schemeClr val="accent1">
+                  <a:shade val="50000"/>
+                </a:schemeClr>
+              </a:lnRef>
+              <a:fillRef idx="1">
+                <a:schemeClr val="accent1"/>
+              </a:fillRef>
+              <a:effectRef idx="0">
+                <a:schemeClr val="accent1"/>
+              </a:effectRef>
+              <a:fontRef idx="minor">
+                <a:schemeClr val="lt1"/>
+              </a:fontRef>
+            </p:style>
+            <p:txBody>
+              <a:bodyPr rtlCol="0" anchor="ctr"/>
+              <a:lstStyle/>
+              <a:p>
+                <a:pPr algn="ctr"/>
+                <a:endParaRPr lang="en-GB"/>
+              </a:p>
+            </p:txBody>
+          </p:sp>
+        </p:grpSp>
+        <p:cxnSp>
+          <p:nvCxnSpPr>
+            <p:cNvPr id="19" name="Gerader Verbinder 18">
+              <a:extLst>
+                <a:ext uri="{FF2B5EF4-FFF2-40B4-BE49-F238E27FC236}">
+                  <a16:creationId xmlns:a16="http://schemas.microsoft.com/office/drawing/2014/main" id="{12A23B4B-C2CD-4084-ABAA-69B7E53371D9}"/>
+                </a:ext>
+              </a:extLst>
+            </p:cNvPr>
+            <p:cNvCxnSpPr>
+              <a:cxnSpLocks/>
+              <a:stCxn id="8" idx="2"/>
+              <a:endCxn id="32" idx="0"/>
+            </p:cNvCxnSpPr>
+            <p:nvPr/>
+          </p:nvCxnSpPr>
           <p:spPr>
             <a:xfrm>
-              <a:off x="6575919" y="4031385"/>
-              <a:ext cx="2297814" cy="233880"/>
+              <a:off x="6675118" y="4144393"/>
+              <a:ext cx="0" cy="782469"/>
             </a:xfrm>
-            <a:prstGeom prst="rect">
+            <a:prstGeom prst="line">
               <a:avLst/>
             </a:prstGeom>
+            <a:ln w="31750">
+              <a:solidFill>
+                <a:schemeClr val="tx1"/>
+              </a:solidFill>
+              <a:prstDash val="dash"/>
+            </a:ln>
           </p:spPr>
-        </p:pic>
-        <p:pic>
-          <p:nvPicPr>
-            <p:cNvPr id="16" name="Grafik 15">
+          <p:style>
+            <a:lnRef idx="1">
+              <a:schemeClr val="accent1"/>
+            </a:lnRef>
+            <a:fillRef idx="0">
+              <a:schemeClr val="accent1"/>
+            </a:fillRef>
+            <a:effectRef idx="0">
+              <a:schemeClr val="accent1"/>
+            </a:effectRef>
+            <a:fontRef idx="minor">
+              <a:schemeClr val="tx1"/>
+            </a:fontRef>
+          </p:style>
+        </p:cxnSp>
+        <p:cxnSp>
+          <p:nvCxnSpPr>
+            <p:cNvPr id="20" name="Gerader Verbinder 19">
               <a:extLst>
                 <a:ext uri="{FF2B5EF4-FFF2-40B4-BE49-F238E27FC236}">
-                  <a16:creationId xmlns:a16="http://schemas.microsoft.com/office/drawing/2014/main" id="{20C2EBA7-1960-45B0-8889-5B6C95C6B381}"/>
+                  <a16:creationId xmlns:a16="http://schemas.microsoft.com/office/drawing/2014/main" id="{6D7A211E-821E-471E-9BE0-33E5E12FC5E7}"/>
                 </a:ext>
               </a:extLst>
             </p:cNvPr>
-            <p:cNvPicPr>
-              <a:picLocks noChangeAspect="1"/>
-            </p:cNvPicPr>
-            <p:nvPr>
-              <p:custDataLst>
-                <p:tags r:id="rId6"/>
-              </p:custDataLst>
-            </p:nvPr>
-          </p:nvPicPr>
-          <p:blipFill>
-            <a:blip r:embed="rId21">
-              <a:extLst>
-                <a:ext uri="{28A0092B-C50C-407E-A947-70E740481C1C}">
-                  <a14:useLocalDpi xmlns:a14="http://schemas.microsoft.com/office/drawing/2010/main" val="0"/>
-                </a:ext>
-              </a:extLst>
-            </a:blip>
-            <a:stretch>
-              <a:fillRect/>
-            </a:stretch>
-          </p:blipFill>
+            <p:cNvCxnSpPr>
+              <a:cxnSpLocks/>
+              <a:stCxn id="9" idx="2"/>
+              <a:endCxn id="27" idx="0"/>
+            </p:cNvCxnSpPr>
+            <p:nvPr/>
+          </p:nvCxnSpPr>
           <p:spPr>
             <a:xfrm>
-              <a:off x="3671249" y="5463369"/>
-              <a:ext cx="1795007" cy="186449"/>
+              <a:off x="8392158" y="4144393"/>
+              <a:ext cx="6293" cy="782469"/>
             </a:xfrm>
-            <a:prstGeom prst="rect">
+            <a:prstGeom prst="line">
               <a:avLst/>
             </a:prstGeom>
+            <a:ln w="31750">
+              <a:solidFill>
+                <a:schemeClr val="tx1"/>
+              </a:solidFill>
+              <a:prstDash val="dash"/>
+            </a:ln>
           </p:spPr>
-        </p:pic>
-        <p:pic>
-          <p:nvPicPr>
-            <p:cNvPr id="42" name="Grafik 41">
+          <p:style>
+            <a:lnRef idx="1">
+              <a:schemeClr val="accent1"/>
+            </a:lnRef>
+            <a:fillRef idx="0">
+              <a:schemeClr val="accent1"/>
+            </a:fillRef>
+            <a:effectRef idx="0">
+              <a:schemeClr val="accent1"/>
+            </a:effectRef>
+            <a:fontRef idx="minor">
+              <a:schemeClr val="tx1"/>
+            </a:fontRef>
+          </p:style>
+        </p:cxnSp>
+        <p:cxnSp>
+          <p:nvCxnSpPr>
+            <p:cNvPr id="21" name="Gerader Verbinder 20">
               <a:extLst>
                 <a:ext uri="{FF2B5EF4-FFF2-40B4-BE49-F238E27FC236}">
-                  <a16:creationId xmlns:a16="http://schemas.microsoft.com/office/drawing/2014/main" id="{FDB1340D-2E85-464A-966D-5A9D0468F43B}"/>
+                  <a16:creationId xmlns:a16="http://schemas.microsoft.com/office/drawing/2014/main" id="{2528D5D4-339A-4594-9D95-02C1D1B3A761}"/>
                 </a:ext>
               </a:extLst>
             </p:cNvPr>
-            <p:cNvPicPr>
-              <a:picLocks noChangeAspect="1"/>
-            </p:cNvPicPr>
-            <p:nvPr>
-              <p:custDataLst>
-                <p:tags r:id="rId7"/>
-              </p:custDataLst>
-            </p:nvPr>
-          </p:nvPicPr>
-          <p:blipFill>
-            <a:blip r:embed="rId22">
-              <a:extLst>
-                <a:ext uri="{28A0092B-C50C-407E-A947-70E740481C1C}">
-                  <a14:useLocalDpi xmlns:a14="http://schemas.microsoft.com/office/drawing/2010/main" val="0"/>
-                </a:ext>
-              </a:extLst>
-            </a:blip>
-            <a:stretch>
-              <a:fillRect/>
-            </a:stretch>
-          </p:blipFill>
+            <p:cNvCxnSpPr>
+              <a:cxnSpLocks/>
+              <a:stCxn id="34" idx="1"/>
+              <a:endCxn id="8" idx="0"/>
+            </p:cNvCxnSpPr>
+            <p:nvPr/>
+          </p:nvCxnSpPr>
           <p:spPr>
             <a:xfrm>
-              <a:off x="5908756" y="2972859"/>
-              <a:ext cx="834821" cy="185736"/>
+              <a:off x="6675118" y="3171424"/>
+              <a:ext cx="0" cy="782469"/>
             </a:xfrm>
-            <a:prstGeom prst="rect">
+            <a:prstGeom prst="line">
               <a:avLst/>
             </a:prstGeom>
+            <a:ln w="31750">
+              <a:solidFill>
+                <a:schemeClr val="tx1"/>
+              </a:solidFill>
+              <a:prstDash val="dash"/>
+            </a:ln>
           </p:spPr>
-        </p:pic>
-        <p:pic>
-          <p:nvPicPr>
-            <p:cNvPr id="44" name="Grafik 43">
+          <p:style>
+            <a:lnRef idx="1">
+              <a:schemeClr val="accent1"/>
+            </a:lnRef>
+            <a:fillRef idx="0">
+              <a:schemeClr val="accent1"/>
+            </a:fillRef>
+            <a:effectRef idx="0">
+              <a:schemeClr val="accent1"/>
+            </a:effectRef>
+            <a:fontRef idx="minor">
+              <a:schemeClr val="tx1"/>
+            </a:fontRef>
+          </p:style>
+        </p:cxnSp>
+        <p:cxnSp>
+          <p:nvCxnSpPr>
+            <p:cNvPr id="22" name="Gerader Verbinder 21">
               <a:extLst>
                 <a:ext uri="{FF2B5EF4-FFF2-40B4-BE49-F238E27FC236}">
-                  <a16:creationId xmlns:a16="http://schemas.microsoft.com/office/drawing/2014/main" id="{CAB61578-3EE6-4A3A-8059-07A8F7110033}"/>
+                  <a16:creationId xmlns:a16="http://schemas.microsoft.com/office/drawing/2014/main" id="{8306AB54-1707-4B6E-8E42-ED9484AD7C48}"/>
                 </a:ext>
               </a:extLst>
             </p:cNvPr>
-            <p:cNvPicPr>
-              <a:picLocks noChangeAspect="1"/>
-            </p:cNvPicPr>
-            <p:nvPr>
-              <p:custDataLst>
-                <p:tags r:id="rId8"/>
-              </p:custDataLst>
-            </p:nvPr>
-          </p:nvPicPr>
-          <p:blipFill>
-            <a:blip r:embed="rId23">
-              <a:extLst>
-                <a:ext uri="{28A0092B-C50C-407E-A947-70E740481C1C}">
-                  <a14:useLocalDpi xmlns:a14="http://schemas.microsoft.com/office/drawing/2010/main" val="0"/>
-                </a:ext>
-              </a:extLst>
-            </a:blip>
-            <a:stretch>
-              <a:fillRect/>
-            </a:stretch>
-          </p:blipFill>
+            <p:cNvCxnSpPr>
+              <a:cxnSpLocks/>
+              <a:stCxn id="29" idx="1"/>
+              <a:endCxn id="9" idx="0"/>
+            </p:cNvCxnSpPr>
+            <p:nvPr/>
+          </p:nvCxnSpPr>
           <p:spPr>
             <a:xfrm>
-              <a:off x="5751821" y="3310260"/>
-              <a:ext cx="1218235" cy="195970"/>
+              <a:off x="8380469" y="3171424"/>
+              <a:ext cx="11689" cy="782469"/>
             </a:xfrm>
-            <a:prstGeom prst="rect">
+            <a:prstGeom prst="line">
               <a:avLst/>
             </a:prstGeom>
+            <a:ln w="31750">
+              <a:solidFill>
+                <a:schemeClr val="tx1"/>
+              </a:solidFill>
+              <a:prstDash val="dash"/>
+            </a:ln>
           </p:spPr>
-        </p:pic>
-        <p:pic>
-          <p:nvPicPr>
-            <p:cNvPr id="49" name="Grafik 48">
+          <p:style>
+            <a:lnRef idx="1">
+              <a:schemeClr val="accent1"/>
+            </a:lnRef>
+            <a:fillRef idx="0">
+              <a:schemeClr val="accent1"/>
+            </a:fillRef>
+            <a:effectRef idx="0">
+              <a:schemeClr val="accent1"/>
+            </a:effectRef>
+            <a:fontRef idx="minor">
+              <a:schemeClr val="tx1"/>
+            </a:fontRef>
+          </p:style>
+        </p:cxnSp>
+        <p:cxnSp>
+          <p:nvCxnSpPr>
+            <p:cNvPr id="23" name="Gerader Verbinder 22">
               <a:extLst>
                 <a:ext uri="{FF2B5EF4-FFF2-40B4-BE49-F238E27FC236}">
-                  <a16:creationId xmlns:a16="http://schemas.microsoft.com/office/drawing/2014/main" id="{71ED7288-8192-4D59-AADF-44842D636943}"/>
+                  <a16:creationId xmlns:a16="http://schemas.microsoft.com/office/drawing/2014/main" id="{ED70E66A-94D4-45AC-A232-700BD790CFE1}"/>
                 </a:ext>
               </a:extLst>
             </p:cNvPr>
-            <p:cNvPicPr>
-              <a:picLocks noChangeAspect="1"/>
-            </p:cNvPicPr>
-            <p:nvPr>
-              <p:custDataLst>
-                <p:tags r:id="rId9"/>
-              </p:custDataLst>
-            </p:nvPr>
-          </p:nvPicPr>
-          <p:blipFill>
-            <a:blip r:embed="rId21">
-              <a:extLst>
-                <a:ext uri="{28A0092B-C50C-407E-A947-70E740481C1C}">
-                  <a14:useLocalDpi xmlns:a14="http://schemas.microsoft.com/office/drawing/2010/main" val="0"/>
-                </a:ext>
-              </a:extLst>
-            </a:blip>
-            <a:stretch>
-              <a:fillRect/>
-            </a:stretch>
-          </p:blipFill>
+            <p:cNvCxnSpPr>
+              <a:cxnSpLocks/>
+              <a:stCxn id="30" idx="0"/>
+            </p:cNvCxnSpPr>
+            <p:nvPr/>
+          </p:nvCxnSpPr>
+          <p:spPr>
+            <a:xfrm flipH="1" flipV="1">
+              <a:off x="8374980" y="1282418"/>
+              <a:ext cx="5489" cy="735592"/>
+            </a:xfrm>
+            <a:prstGeom prst="line">
+              <a:avLst/>
+            </a:prstGeom>
+            <a:ln w="31750">
+              <a:solidFill>
+                <a:schemeClr val="tx1"/>
+              </a:solidFill>
+              <a:prstDash val="dash"/>
+            </a:ln>
+          </p:spPr>
+          <p:style>
+            <a:lnRef idx="1">
+              <a:schemeClr val="accent1"/>
+            </a:lnRef>
+            <a:fillRef idx="0">
+              <a:schemeClr val="accent1"/>
+            </a:fillRef>
+            <a:effectRef idx="0">
+              <a:schemeClr val="accent1"/>
+            </a:effectRef>
+            <a:fontRef idx="minor">
+              <a:schemeClr val="tx1"/>
+            </a:fontRef>
+          </p:style>
+        </p:cxnSp>
+        <p:cxnSp>
+          <p:nvCxnSpPr>
+            <p:cNvPr id="24" name="Gerader Verbinder 23">
+              <a:extLst>
+                <a:ext uri="{FF2B5EF4-FFF2-40B4-BE49-F238E27FC236}">
+                  <a16:creationId xmlns:a16="http://schemas.microsoft.com/office/drawing/2014/main" id="{0A8D165F-1ABA-4F31-9264-05624C402E39}"/>
+                </a:ext>
+              </a:extLst>
+            </p:cNvPr>
+            <p:cNvCxnSpPr>
+              <a:cxnSpLocks/>
+              <a:endCxn id="35" idx="0"/>
+            </p:cNvCxnSpPr>
+            <p:nvPr/>
+          </p:nvCxnSpPr>
           <p:spPr>
             <a:xfrm>
-              <a:off x="6951789" y="5467348"/>
-              <a:ext cx="1795007" cy="186449"/>
+              <a:off x="6675118" y="1320589"/>
+              <a:ext cx="0" cy="697421"/>
             </a:xfrm>
-            <a:prstGeom prst="rect">
+            <a:prstGeom prst="line">
               <a:avLst/>
             </a:prstGeom>
+            <a:ln w="31750">
+              <a:solidFill>
+                <a:schemeClr val="tx1"/>
+              </a:solidFill>
+              <a:prstDash val="dash"/>
+            </a:ln>
           </p:spPr>
-        </p:pic>
+          <p:style>
+            <a:lnRef idx="1">
+              <a:schemeClr val="accent1"/>
+            </a:lnRef>
+            <a:fillRef idx="0">
+              <a:schemeClr val="accent1"/>
+            </a:fillRef>
+            <a:effectRef idx="0">
+              <a:schemeClr val="accent1"/>
+            </a:effectRef>
+            <a:fontRef idx="minor">
+              <a:schemeClr val="tx1"/>
+            </a:fontRef>
+          </p:style>
+        </p:cxnSp>
+        <p:cxnSp>
+          <p:nvCxnSpPr>
+            <p:cNvPr id="25" name="Gerader Verbinder 24">
+              <a:extLst>
+                <a:ext uri="{FF2B5EF4-FFF2-40B4-BE49-F238E27FC236}">
+                  <a16:creationId xmlns:a16="http://schemas.microsoft.com/office/drawing/2014/main" id="{A46FB991-E47D-42CB-AE30-8170139D1788}"/>
+                </a:ext>
+              </a:extLst>
+            </p:cNvPr>
+            <p:cNvCxnSpPr>
+              <a:cxnSpLocks/>
+              <a:stCxn id="6" idx="1"/>
+            </p:cNvCxnSpPr>
+            <p:nvPr/>
+          </p:nvCxnSpPr>
+          <p:spPr>
+            <a:xfrm flipH="1">
+              <a:off x="6675118" y="1282418"/>
+              <a:ext cx="589417" cy="0"/>
+            </a:xfrm>
+            <a:prstGeom prst="line">
+              <a:avLst/>
+            </a:prstGeom>
+            <a:ln w="31750">
+              <a:solidFill>
+                <a:schemeClr val="tx1"/>
+              </a:solidFill>
+              <a:prstDash val="dash"/>
+            </a:ln>
+          </p:spPr>
+          <p:style>
+            <a:lnRef idx="1">
+              <a:schemeClr val="accent1"/>
+            </a:lnRef>
+            <a:fillRef idx="0">
+              <a:schemeClr val="accent1"/>
+            </a:fillRef>
+            <a:effectRef idx="0">
+              <a:schemeClr val="accent1"/>
+            </a:effectRef>
+            <a:fontRef idx="minor">
+              <a:schemeClr val="tx1"/>
+            </a:fontRef>
+          </p:style>
+        </p:cxnSp>
+        <p:cxnSp>
+          <p:nvCxnSpPr>
+            <p:cNvPr id="26" name="Gerader Verbinder 25">
+              <a:extLst>
+                <a:ext uri="{FF2B5EF4-FFF2-40B4-BE49-F238E27FC236}">
+                  <a16:creationId xmlns:a16="http://schemas.microsoft.com/office/drawing/2014/main" id="{C30EF0A4-02B6-40E4-B5F5-E01FC14FE5B6}"/>
+                </a:ext>
+              </a:extLst>
+            </p:cNvPr>
+            <p:cNvCxnSpPr>
+              <a:cxnSpLocks/>
+              <a:endCxn id="6" idx="4"/>
+            </p:cNvCxnSpPr>
+            <p:nvPr/>
+          </p:nvCxnSpPr>
+          <p:spPr>
+            <a:xfrm flipH="1">
+              <a:off x="7759835" y="1282418"/>
+              <a:ext cx="589416" cy="0"/>
+            </a:xfrm>
+            <a:prstGeom prst="line">
+              <a:avLst/>
+            </a:prstGeom>
+            <a:ln w="31750">
+              <a:solidFill>
+                <a:schemeClr val="tx1"/>
+              </a:solidFill>
+              <a:prstDash val="dash"/>
+            </a:ln>
+          </p:spPr>
+          <p:style>
+            <a:lnRef idx="1">
+              <a:schemeClr val="accent1"/>
+            </a:lnRef>
+            <a:fillRef idx="0">
+              <a:schemeClr val="accent1"/>
+            </a:fillRef>
+            <a:effectRef idx="0">
+              <a:schemeClr val="accent1"/>
+            </a:effectRef>
+            <a:fontRef idx="minor">
+              <a:schemeClr val="tx1"/>
+            </a:fontRef>
+          </p:style>
+        </p:cxnSp>
       </p:grpSp>
+      <p:sp>
+        <p:nvSpPr>
+          <p:cNvPr id="71" name="Textfeld 70">
+            <a:extLst>
+              <a:ext uri="{FF2B5EF4-FFF2-40B4-BE49-F238E27FC236}">
+                <a16:creationId xmlns:a16="http://schemas.microsoft.com/office/drawing/2014/main" id="{FE013BED-C66F-4839-839D-5CE989AB8503}"/>
+              </a:ext>
+            </a:extLst>
+          </p:cNvPr>
+          <p:cNvSpPr txBox="1"/>
+          <p:nvPr/>
+        </p:nvSpPr>
+        <p:spPr>
+          <a:xfrm>
+            <a:off x="76199" y="66675"/>
+            <a:ext cx="1647825" cy="369332"/>
+          </a:xfrm>
+          <a:prstGeom prst="rect">
+            <a:avLst/>
+          </a:prstGeom>
+          <a:noFill/>
+        </p:spPr>
+        <p:txBody>
+          <a:bodyPr wrap="square" rtlCol="0">
+            <a:spAutoFit/>
+          </a:bodyPr>
+          <a:lstStyle/>
+          <a:p>
+            <a:r>
+              <a:rPr lang="de-DE" dirty="0" err="1"/>
+              <a:t>Kinematic</a:t>
+            </a:r>
+            <a:r>
+              <a:rPr lang="de-DE" dirty="0"/>
+              <a:t> </a:t>
+            </a:r>
+            <a:r>
+              <a:rPr lang="de-DE" dirty="0" err="1"/>
+              <a:t>Tree</a:t>
+            </a:r>
+            <a:endParaRPr lang="en-GB" dirty="0"/>
+          </a:p>
+        </p:txBody>
+      </p:sp>
     </p:spTree>
     <p:extLst>
       <p:ext uri="{BB962C8B-B14F-4D97-AF65-F5344CB8AC3E}">
-        <p14:creationId xmlns:p14="http://schemas.microsoft.com/office/powerpoint/2010/main" val="1588954707"/>
+        <p14:creationId xmlns:p14="http://schemas.microsoft.com/office/powerpoint/2010/main" val="476609469"/>
       </p:ext>
     </p:extLst>
   </p:cSld>
@@ -6806,58 +8030,2680 @@
       </p:grpSpPr>
       <p:sp>
         <p:nvSpPr>
-          <p:cNvPr id="2" name="Titel 1">
+          <p:cNvPr id="7" name="Textfeld 6">
             <a:extLst>
               <a:ext uri="{FF2B5EF4-FFF2-40B4-BE49-F238E27FC236}">
-                <a16:creationId xmlns:a16="http://schemas.microsoft.com/office/drawing/2014/main" id="{B53E116B-DEEA-423F-AA4A-A2D4E31308D1}"/>
+                <a16:creationId xmlns:a16="http://schemas.microsoft.com/office/drawing/2014/main" id="{D6DB06F2-946D-4396-8674-F563DEEFEABE}"/>
               </a:ext>
             </a:extLst>
           </p:cNvPr>
-          <p:cNvSpPr>
-            <a:spLocks noGrp="1"/>
-          </p:cNvSpPr>
-          <p:nvPr>
-            <p:ph type="title"/>
-          </p:nvPr>
+          <p:cNvSpPr txBox="1"/>
+          <p:nvPr/>
         </p:nvSpPr>
-        <p:spPr/>
+        <p:spPr>
+          <a:xfrm>
+            <a:off x="76200" y="66675"/>
+            <a:ext cx="1428750" cy="369332"/>
+          </a:xfrm>
+          <a:prstGeom prst="rect">
+            <a:avLst/>
+          </a:prstGeom>
+          <a:noFill/>
+        </p:spPr>
         <p:txBody>
-          <a:bodyPr/>
+          <a:bodyPr wrap="square" rtlCol="0">
+            <a:spAutoFit/>
+          </a:bodyPr>
           <a:lstStyle/>
           <a:p>
-            <a:endParaRPr lang="en-GB"/>
+            <a:r>
+              <a:rPr lang="de-DE" dirty="0"/>
+              <a:t>Control Loop</a:t>
+            </a:r>
+            <a:endParaRPr lang="en-GB" dirty="0"/>
           </a:p>
         </p:txBody>
       </p:sp>
-      <p:sp>
-        <p:nvSpPr>
-          <p:cNvPr id="3" name="Inhaltsplatzhalter 2">
+      <p:grpSp>
+        <p:nvGrpSpPr>
+          <p:cNvPr id="26" name="Gruppieren 25">
             <a:extLst>
               <a:ext uri="{FF2B5EF4-FFF2-40B4-BE49-F238E27FC236}">
-                <a16:creationId xmlns:a16="http://schemas.microsoft.com/office/drawing/2014/main" id="{BA5CA68B-9F57-497A-8DF5-E91AF5FF8416}"/>
+                <a16:creationId xmlns:a16="http://schemas.microsoft.com/office/drawing/2014/main" id="{734511AF-C603-431F-A4ED-59A1A796F573}"/>
               </a:ext>
             </a:extLst>
           </p:cNvPr>
-          <p:cNvSpPr>
-            <a:spLocks noGrp="1"/>
-          </p:cNvSpPr>
-          <p:nvPr>
-            <p:ph idx="1"/>
-          </p:nvPr>
+          <p:cNvGrpSpPr/>
+          <p:nvPr/>
+        </p:nvGrpSpPr>
+        <p:grpSpPr>
+          <a:xfrm>
+            <a:off x="3165941" y="1043507"/>
+            <a:ext cx="5707792" cy="5208771"/>
+            <a:chOff x="3165941" y="1043507"/>
+            <a:chExt cx="5707792" cy="5208771"/>
+          </a:xfrm>
+        </p:grpSpPr>
+        <p:sp>
+          <p:nvSpPr>
+            <p:cNvPr id="4" name="Rechteck: abgerundete Ecken 3">
+              <a:extLst>
+                <a:ext uri="{FF2B5EF4-FFF2-40B4-BE49-F238E27FC236}">
+                  <a16:creationId xmlns:a16="http://schemas.microsoft.com/office/drawing/2014/main" id="{DCE1CDB4-4A36-460D-99F6-936745BCE1DC}"/>
+                </a:ext>
+              </a:extLst>
+            </p:cNvPr>
+            <p:cNvSpPr/>
+            <p:nvPr/>
+          </p:nvSpPr>
+          <p:spPr>
+            <a:xfrm>
+              <a:off x="5362940" y="2725883"/>
+              <a:ext cx="1926455" cy="1023151"/>
+            </a:xfrm>
+            <a:prstGeom prst="roundRect">
+              <a:avLst/>
+            </a:prstGeom>
+            <a:solidFill>
+              <a:srgbClr val="FF7F2B"/>
+            </a:solidFill>
+            <a:ln>
+              <a:noFill/>
+            </a:ln>
+          </p:spPr>
+          <p:style>
+            <a:lnRef idx="2">
+              <a:schemeClr val="accent1">
+                <a:shade val="50000"/>
+              </a:schemeClr>
+            </a:lnRef>
+            <a:fillRef idx="1">
+              <a:schemeClr val="accent1"/>
+            </a:fillRef>
+            <a:effectRef idx="0">
+              <a:schemeClr val="accent1"/>
+            </a:effectRef>
+            <a:fontRef idx="minor">
+              <a:schemeClr val="lt1"/>
+            </a:fontRef>
+          </p:style>
+          <p:txBody>
+            <a:bodyPr rtlCol="0" anchor="ctr"/>
+            <a:lstStyle/>
+            <a:p>
+              <a:pPr algn="ctr"/>
+              <a:endParaRPr lang="en-GB" dirty="0"/>
+            </a:p>
+          </p:txBody>
+        </p:sp>
+        <p:pic>
+          <p:nvPicPr>
+            <p:cNvPr id="9" name="Grafik 8" descr="Mann">
+              <a:extLst>
+                <a:ext uri="{FF2B5EF4-FFF2-40B4-BE49-F238E27FC236}">
+                  <a16:creationId xmlns:a16="http://schemas.microsoft.com/office/drawing/2014/main" id="{D0606321-D810-4950-A535-AE32A500388D}"/>
+                </a:ext>
+              </a:extLst>
+            </p:cNvPr>
+            <p:cNvPicPr>
+              <a:picLocks noChangeAspect="1"/>
+            </p:cNvPicPr>
+            <p:nvPr/>
+          </p:nvPicPr>
+          <p:blipFill>
+            <a:blip r:embed="rId11">
+              <a:extLst>
+                <a:ext uri="{28A0092B-C50C-407E-A947-70E740481C1C}">
+                  <a14:useLocalDpi xmlns:a14="http://schemas.microsoft.com/office/drawing/2010/main" val="0"/>
+                </a:ext>
+                <a:ext uri="{96DAC541-7B7A-43D3-8B79-37D633B846F1}">
+                  <asvg:svgBlip xmlns:asvg="http://schemas.microsoft.com/office/drawing/2016/SVG/main" r:embed="rId12"/>
+                </a:ext>
+              </a:extLst>
+            </a:blip>
+            <a:stretch>
+              <a:fillRect/>
+            </a:stretch>
+          </p:blipFill>
+          <p:spPr>
+            <a:xfrm>
+              <a:off x="6410991" y="1043507"/>
+              <a:ext cx="1081596" cy="1081596"/>
+            </a:xfrm>
+            <a:prstGeom prst="rect">
+              <a:avLst/>
+            </a:prstGeom>
+          </p:spPr>
+        </p:pic>
+        <p:pic>
+          <p:nvPicPr>
+            <p:cNvPr id="13" name="Grafik 12" descr="Kopf mit Zahnrädern">
+              <a:extLst>
+                <a:ext uri="{FF2B5EF4-FFF2-40B4-BE49-F238E27FC236}">
+                  <a16:creationId xmlns:a16="http://schemas.microsoft.com/office/drawing/2014/main" id="{9213A048-B87B-4B74-A8A8-B9A708F6A7D7}"/>
+                </a:ext>
+              </a:extLst>
+            </p:cNvPr>
+            <p:cNvPicPr>
+              <a:picLocks noChangeAspect="1"/>
+            </p:cNvPicPr>
+            <p:nvPr/>
+          </p:nvPicPr>
+          <p:blipFill>
+            <a:blip r:embed="rId13">
+              <a:extLst>
+                <a:ext uri="{28A0092B-C50C-407E-A947-70E740481C1C}">
+                  <a14:useLocalDpi xmlns:a14="http://schemas.microsoft.com/office/drawing/2010/main" val="0"/>
+                </a:ext>
+                <a:ext uri="{96DAC541-7B7A-43D3-8B79-37D633B846F1}">
+                  <asvg:svgBlip xmlns:asvg="http://schemas.microsoft.com/office/drawing/2016/SVG/main" r:embed="rId14"/>
+                </a:ext>
+              </a:extLst>
+            </a:blip>
+            <a:stretch>
+              <a:fillRect/>
+            </a:stretch>
+          </p:blipFill>
+          <p:spPr>
+            <a:xfrm>
+              <a:off x="4960946" y="1043507"/>
+              <a:ext cx="1081596" cy="1081596"/>
+            </a:xfrm>
+            <a:prstGeom prst="rect">
+              <a:avLst/>
+            </a:prstGeom>
+          </p:spPr>
+        </p:pic>
+        <p:cxnSp>
+          <p:nvCxnSpPr>
+            <p:cNvPr id="17" name="Gerade Verbindung mit Pfeil 16">
+              <a:extLst>
+                <a:ext uri="{FF2B5EF4-FFF2-40B4-BE49-F238E27FC236}">
+                  <a16:creationId xmlns:a16="http://schemas.microsoft.com/office/drawing/2014/main" id="{7AE33529-BA75-4E1A-9FAA-2A56D1969209}"/>
+                </a:ext>
+              </a:extLst>
+            </p:cNvPr>
+            <p:cNvCxnSpPr/>
+            <p:nvPr/>
+          </p:nvCxnSpPr>
+          <p:spPr>
+            <a:xfrm>
+              <a:off x="6360939" y="3896325"/>
+              <a:ext cx="0" cy="504000"/>
+            </a:xfrm>
+            <a:prstGeom prst="straightConnector1">
+              <a:avLst/>
+            </a:prstGeom>
+            <a:ln w="25400">
+              <a:solidFill>
+                <a:schemeClr val="tx1"/>
+              </a:solidFill>
+              <a:tailEnd type="triangle"/>
+            </a:ln>
+          </p:spPr>
+          <p:style>
+            <a:lnRef idx="1">
+              <a:schemeClr val="accent1"/>
+            </a:lnRef>
+            <a:fillRef idx="0">
+              <a:schemeClr val="accent1"/>
+            </a:fillRef>
+            <a:effectRef idx="0">
+              <a:schemeClr val="accent1"/>
+            </a:effectRef>
+            <a:fontRef idx="minor">
+              <a:schemeClr val="tx1"/>
+            </a:fontRef>
+          </p:style>
+        </p:cxnSp>
+        <p:cxnSp>
+          <p:nvCxnSpPr>
+            <p:cNvPr id="18" name="Gerade Verbindung mit Pfeil 17">
+              <a:extLst>
+                <a:ext uri="{FF2B5EF4-FFF2-40B4-BE49-F238E27FC236}">
+                  <a16:creationId xmlns:a16="http://schemas.microsoft.com/office/drawing/2014/main" id="{1C779DBC-D59B-4F19-81B1-5DE68F1ED7C1}"/>
+                </a:ext>
+              </a:extLst>
+            </p:cNvPr>
+            <p:cNvCxnSpPr>
+              <a:cxnSpLocks/>
+            </p:cNvCxnSpPr>
+            <p:nvPr/>
+          </p:nvCxnSpPr>
+          <p:spPr>
+            <a:xfrm flipH="1">
+              <a:off x="6042542" y="1584305"/>
+              <a:ext cx="534881" cy="0"/>
+            </a:xfrm>
+            <a:prstGeom prst="straightConnector1">
+              <a:avLst/>
+            </a:prstGeom>
+            <a:ln w="25400">
+              <a:solidFill>
+                <a:schemeClr val="tx1"/>
+              </a:solidFill>
+              <a:headEnd type="triangle"/>
+              <a:tailEnd type="triangle"/>
+            </a:ln>
+          </p:spPr>
+          <p:style>
+            <a:lnRef idx="1">
+              <a:schemeClr val="accent1"/>
+            </a:lnRef>
+            <a:fillRef idx="0">
+              <a:schemeClr val="accent1"/>
+            </a:fillRef>
+            <a:effectRef idx="0">
+              <a:schemeClr val="accent1"/>
+            </a:effectRef>
+            <a:fontRef idx="minor">
+              <a:schemeClr val="tx1"/>
+            </a:fontRef>
+          </p:style>
+        </p:cxnSp>
+        <p:cxnSp>
+          <p:nvCxnSpPr>
+            <p:cNvPr id="22" name="Gerade Verbindung mit Pfeil 21">
+              <a:extLst>
+                <a:ext uri="{FF2B5EF4-FFF2-40B4-BE49-F238E27FC236}">
+                  <a16:creationId xmlns:a16="http://schemas.microsoft.com/office/drawing/2014/main" id="{4655365E-B909-446B-9383-5AA297F5D81C}"/>
+                </a:ext>
+              </a:extLst>
+            </p:cNvPr>
+            <p:cNvCxnSpPr>
+              <a:cxnSpLocks/>
+            </p:cNvCxnSpPr>
+            <p:nvPr/>
+          </p:nvCxnSpPr>
+          <p:spPr>
+            <a:xfrm>
+              <a:off x="6309983" y="2109823"/>
+              <a:ext cx="0" cy="504000"/>
+            </a:xfrm>
+            <a:prstGeom prst="straightConnector1">
+              <a:avLst/>
+            </a:prstGeom>
+            <a:ln w="25400">
+              <a:solidFill>
+                <a:schemeClr val="tx1"/>
+              </a:solidFill>
+              <a:tailEnd type="triangle"/>
+            </a:ln>
+          </p:spPr>
+          <p:style>
+            <a:lnRef idx="1">
+              <a:schemeClr val="accent1"/>
+            </a:lnRef>
+            <a:fillRef idx="0">
+              <a:schemeClr val="accent1"/>
+            </a:fillRef>
+            <a:effectRef idx="0">
+              <a:schemeClr val="accent1"/>
+            </a:effectRef>
+            <a:fontRef idx="minor">
+              <a:schemeClr val="tx1"/>
+            </a:fontRef>
+          </p:style>
+        </p:cxnSp>
+        <p:cxnSp>
+          <p:nvCxnSpPr>
+            <p:cNvPr id="30" name="Gerade Verbindung mit Pfeil 29">
+              <a:extLst>
+                <a:ext uri="{FF2B5EF4-FFF2-40B4-BE49-F238E27FC236}">
+                  <a16:creationId xmlns:a16="http://schemas.microsoft.com/office/drawing/2014/main" id="{64CED8B6-66A4-4545-AFED-10A0B98C0DC2}"/>
+                </a:ext>
+              </a:extLst>
+            </p:cNvPr>
+            <p:cNvCxnSpPr>
+              <a:cxnSpLocks/>
+            </p:cNvCxnSpPr>
+            <p:nvPr/>
+          </p:nvCxnSpPr>
+          <p:spPr>
+            <a:xfrm flipV="1">
+              <a:off x="6235547" y="3896325"/>
+              <a:ext cx="0" cy="504000"/>
+            </a:xfrm>
+            <a:prstGeom prst="straightConnector1">
+              <a:avLst/>
+            </a:prstGeom>
+            <a:ln w="25400">
+              <a:solidFill>
+                <a:schemeClr val="tx1"/>
+              </a:solidFill>
+              <a:tailEnd type="triangle"/>
+            </a:ln>
+          </p:spPr>
+          <p:style>
+            <a:lnRef idx="1">
+              <a:schemeClr val="accent1"/>
+            </a:lnRef>
+            <a:fillRef idx="0">
+              <a:schemeClr val="accent1"/>
+            </a:fillRef>
+            <a:effectRef idx="0">
+              <a:schemeClr val="accent1"/>
+            </a:effectRef>
+            <a:fontRef idx="minor">
+              <a:schemeClr val="tx1"/>
+            </a:fontRef>
+          </p:style>
+        </p:cxnSp>
+        <p:cxnSp>
+          <p:nvCxnSpPr>
+            <p:cNvPr id="38" name="Verbinder: gewinkelt 37">
+              <a:extLst>
+                <a:ext uri="{FF2B5EF4-FFF2-40B4-BE49-F238E27FC236}">
+                  <a16:creationId xmlns:a16="http://schemas.microsoft.com/office/drawing/2014/main" id="{8FDD56F4-1A7E-486C-930A-3D8B7D29CC97}"/>
+                </a:ext>
+              </a:extLst>
+            </p:cNvPr>
+            <p:cNvCxnSpPr>
+              <a:cxnSpLocks/>
+              <a:stCxn id="27" idx="1"/>
+              <a:endCxn id="3" idx="1"/>
+            </p:cNvCxnSpPr>
+            <p:nvPr/>
+          </p:nvCxnSpPr>
+          <p:spPr>
+            <a:xfrm rot="10800000">
+              <a:off x="3165941" y="1467091"/>
+              <a:ext cx="2646574" cy="3877297"/>
+            </a:xfrm>
+            <a:prstGeom prst="bentConnector3">
+              <a:avLst>
+                <a:gd name="adj1" fmla="val 108638"/>
+              </a:avLst>
+            </a:prstGeom>
+            <a:ln w="25400">
+              <a:solidFill>
+                <a:schemeClr val="tx1"/>
+              </a:solidFill>
+              <a:tailEnd type="triangle"/>
+            </a:ln>
+          </p:spPr>
+          <p:style>
+            <a:lnRef idx="1">
+              <a:schemeClr val="accent1"/>
+            </a:lnRef>
+            <a:fillRef idx="0">
+              <a:schemeClr val="accent1"/>
+            </a:fillRef>
+            <a:effectRef idx="0">
+              <a:schemeClr val="accent1"/>
+            </a:effectRef>
+            <a:fontRef idx="minor">
+              <a:schemeClr val="tx1"/>
+            </a:fontRef>
+          </p:style>
+        </p:cxnSp>
+        <p:cxnSp>
+          <p:nvCxnSpPr>
+            <p:cNvPr id="40" name="Verbinder: gewinkelt 39">
+              <a:extLst>
+                <a:ext uri="{FF2B5EF4-FFF2-40B4-BE49-F238E27FC236}">
+                  <a16:creationId xmlns:a16="http://schemas.microsoft.com/office/drawing/2014/main" id="{234B108E-2506-4295-AB26-75015D0F335F}"/>
+                </a:ext>
+              </a:extLst>
+            </p:cNvPr>
+            <p:cNvCxnSpPr>
+              <a:cxnSpLocks/>
+              <a:stCxn id="27" idx="3"/>
+              <a:endCxn id="6" idx="3"/>
+            </p:cNvCxnSpPr>
+            <p:nvPr/>
+          </p:nvCxnSpPr>
+          <p:spPr>
+            <a:xfrm flipV="1">
+              <a:off x="6658579" y="1466814"/>
+              <a:ext cx="2215154" cy="3877573"/>
+            </a:xfrm>
+            <a:prstGeom prst="bentConnector3">
+              <a:avLst>
+                <a:gd name="adj1" fmla="val 110320"/>
+              </a:avLst>
+            </a:prstGeom>
+            <a:ln w="25400">
+              <a:solidFill>
+                <a:schemeClr val="tx1"/>
+              </a:solidFill>
+              <a:tailEnd type="triangle"/>
+            </a:ln>
+          </p:spPr>
+          <p:style>
+            <a:lnRef idx="1">
+              <a:schemeClr val="accent1"/>
+            </a:lnRef>
+            <a:fillRef idx="0">
+              <a:schemeClr val="accent1"/>
+            </a:fillRef>
+            <a:effectRef idx="0">
+              <a:schemeClr val="accent1"/>
+            </a:effectRef>
+            <a:fontRef idx="minor">
+              <a:schemeClr val="tx1"/>
+            </a:fontRef>
+          </p:style>
+        </p:cxnSp>
+        <p:pic>
+          <p:nvPicPr>
+            <p:cNvPr id="3" name="Grafik 2">
+              <a:extLst>
+                <a:ext uri="{FF2B5EF4-FFF2-40B4-BE49-F238E27FC236}">
+                  <a16:creationId xmlns:a16="http://schemas.microsoft.com/office/drawing/2014/main" id="{1A559C18-DE77-462E-A4ED-D45EB373D610}"/>
+                </a:ext>
+              </a:extLst>
+            </p:cNvPr>
+            <p:cNvPicPr>
+              <a:picLocks noChangeAspect="1"/>
+            </p:cNvPicPr>
+            <p:nvPr>
+              <p:custDataLst>
+                <p:tags r:id="rId1"/>
+              </p:custDataLst>
+            </p:nvPr>
+          </p:nvPicPr>
+          <p:blipFill rotWithShape="1">
+            <a:blip r:embed="rId15">
+              <a:extLst>
+                <a:ext uri="{28A0092B-C50C-407E-A947-70E740481C1C}">
+                  <a14:useLocalDpi xmlns:a14="http://schemas.microsoft.com/office/drawing/2010/main" val="0"/>
+                </a:ext>
+              </a:extLst>
+            </a:blip>
+            <a:srcRect l="-5459" t="-1213" b="-1"/>
+            <a:stretch/>
+          </p:blipFill>
+          <p:spPr>
+            <a:xfrm>
+              <a:off x="3165941" y="1349874"/>
+              <a:ext cx="1795006" cy="234432"/>
+            </a:xfrm>
+            <a:prstGeom prst="rect">
+              <a:avLst/>
+            </a:prstGeom>
+          </p:spPr>
+        </p:pic>
+        <p:pic>
+          <p:nvPicPr>
+            <p:cNvPr id="6" name="Grafik 5">
+              <a:extLst>
+                <a:ext uri="{FF2B5EF4-FFF2-40B4-BE49-F238E27FC236}">
+                  <a16:creationId xmlns:a16="http://schemas.microsoft.com/office/drawing/2014/main" id="{F26028D6-936D-4444-8A05-8B37C197D5D2}"/>
+                </a:ext>
+              </a:extLst>
+            </p:cNvPr>
+            <p:cNvPicPr>
+              <a:picLocks noChangeAspect="1"/>
+            </p:cNvPicPr>
+            <p:nvPr>
+              <p:custDataLst>
+                <p:tags r:id="rId2"/>
+              </p:custDataLst>
+            </p:nvPr>
+          </p:nvPicPr>
+          <p:blipFill rotWithShape="1">
+            <a:blip r:embed="rId16">
+              <a:extLst>
+                <a:ext uri="{28A0092B-C50C-407E-A947-70E740481C1C}">
+                  <a14:useLocalDpi xmlns:a14="http://schemas.microsoft.com/office/drawing/2010/main" val="0"/>
+                </a:ext>
+              </a:extLst>
+            </a:blip>
+            <a:srcRect l="-1" t="1" r="-9197" b="-30048"/>
+            <a:stretch/>
+          </p:blipFill>
+          <p:spPr>
+            <a:xfrm>
+              <a:off x="7366685" y="1349874"/>
+              <a:ext cx="1507048" cy="233880"/>
+            </a:xfrm>
+            <a:prstGeom prst="rect">
+              <a:avLst/>
+            </a:prstGeom>
+          </p:spPr>
+        </p:pic>
+        <p:pic>
+          <p:nvPicPr>
+            <p:cNvPr id="8" name="Grafik 7">
+              <a:extLst>
+                <a:ext uri="{FF2B5EF4-FFF2-40B4-BE49-F238E27FC236}">
+                  <a16:creationId xmlns:a16="http://schemas.microsoft.com/office/drawing/2014/main" id="{13C6A248-1A1E-4BB2-A8A0-1475F6751728}"/>
+                </a:ext>
+              </a:extLst>
+            </p:cNvPr>
+            <p:cNvPicPr>
+              <a:picLocks noChangeAspect="1"/>
+            </p:cNvPicPr>
+            <p:nvPr>
+              <p:custDataLst>
+                <p:tags r:id="rId3"/>
+              </p:custDataLst>
+            </p:nvPr>
+          </p:nvPicPr>
+          <p:blipFill>
+            <a:blip r:embed="rId17">
+              <a:extLst>
+                <a:ext uri="{28A0092B-C50C-407E-A947-70E740481C1C}">
+                  <a14:useLocalDpi xmlns:a14="http://schemas.microsoft.com/office/drawing/2010/main" val="0"/>
+                </a:ext>
+              </a:extLst>
+            </a:blip>
+            <a:stretch>
+              <a:fillRect/>
+            </a:stretch>
+          </p:blipFill>
+          <p:spPr>
+            <a:xfrm>
+              <a:off x="6575919" y="2263213"/>
+              <a:ext cx="1216605" cy="187569"/>
+            </a:xfrm>
+            <a:prstGeom prst="rect">
+              <a:avLst/>
+            </a:prstGeom>
+          </p:spPr>
+        </p:pic>
+        <p:pic>
+          <p:nvPicPr>
+            <p:cNvPr id="11" name="Grafik 10">
+              <a:extLst>
+                <a:ext uri="{FF2B5EF4-FFF2-40B4-BE49-F238E27FC236}">
+                  <a16:creationId xmlns:a16="http://schemas.microsoft.com/office/drawing/2014/main" id="{DE087A64-F71B-40D4-A228-66907D567C3F}"/>
+                </a:ext>
+              </a:extLst>
+            </p:cNvPr>
+            <p:cNvPicPr>
+              <a:picLocks noChangeAspect="1"/>
+            </p:cNvPicPr>
+            <p:nvPr>
+              <p:custDataLst>
+                <p:tags r:id="rId4"/>
+              </p:custDataLst>
+            </p:nvPr>
+          </p:nvPicPr>
+          <p:blipFill>
+            <a:blip r:embed="rId18">
+              <a:extLst>
+                <a:ext uri="{28A0092B-C50C-407E-A947-70E740481C1C}">
+                  <a14:useLocalDpi xmlns:a14="http://schemas.microsoft.com/office/drawing/2010/main" val="0"/>
+                </a:ext>
+              </a:extLst>
+            </a:blip>
+            <a:stretch>
+              <a:fillRect/>
+            </a:stretch>
+          </p:blipFill>
+          <p:spPr>
+            <a:xfrm>
+              <a:off x="4079745" y="4034931"/>
+              <a:ext cx="1940823" cy="234432"/>
+            </a:xfrm>
+            <a:prstGeom prst="rect">
+              <a:avLst/>
+            </a:prstGeom>
+          </p:spPr>
+        </p:pic>
+        <p:pic>
+          <p:nvPicPr>
+            <p:cNvPr id="14" name="Grafik 13">
+              <a:extLst>
+                <a:ext uri="{FF2B5EF4-FFF2-40B4-BE49-F238E27FC236}">
+                  <a16:creationId xmlns:a16="http://schemas.microsoft.com/office/drawing/2014/main" id="{438347D1-2EE7-4387-8A0D-04BB4A6F21A1}"/>
+                </a:ext>
+              </a:extLst>
+            </p:cNvPr>
+            <p:cNvPicPr>
+              <a:picLocks noChangeAspect="1"/>
+            </p:cNvPicPr>
+            <p:nvPr>
+              <p:custDataLst>
+                <p:tags r:id="rId5"/>
+              </p:custDataLst>
+            </p:nvPr>
+          </p:nvPicPr>
+          <p:blipFill>
+            <a:blip r:embed="rId19">
+              <a:extLst>
+                <a:ext uri="{28A0092B-C50C-407E-A947-70E740481C1C}">
+                  <a14:useLocalDpi xmlns:a14="http://schemas.microsoft.com/office/drawing/2010/main" val="0"/>
+                </a:ext>
+              </a:extLst>
+            </a:blip>
+            <a:stretch>
+              <a:fillRect/>
+            </a:stretch>
+          </p:blipFill>
+          <p:spPr>
+            <a:xfrm>
+              <a:off x="6575919" y="4031385"/>
+              <a:ext cx="2297814" cy="233880"/>
+            </a:xfrm>
+            <a:prstGeom prst="rect">
+              <a:avLst/>
+            </a:prstGeom>
+          </p:spPr>
+        </p:pic>
+        <p:pic>
+          <p:nvPicPr>
+            <p:cNvPr id="16" name="Grafik 15">
+              <a:extLst>
+                <a:ext uri="{FF2B5EF4-FFF2-40B4-BE49-F238E27FC236}">
+                  <a16:creationId xmlns:a16="http://schemas.microsoft.com/office/drawing/2014/main" id="{20C2EBA7-1960-45B0-8889-5B6C95C6B381}"/>
+                </a:ext>
+              </a:extLst>
+            </p:cNvPr>
+            <p:cNvPicPr>
+              <a:picLocks noChangeAspect="1"/>
+            </p:cNvPicPr>
+            <p:nvPr>
+              <p:custDataLst>
+                <p:tags r:id="rId6"/>
+              </p:custDataLst>
+            </p:nvPr>
+          </p:nvPicPr>
+          <p:blipFill>
+            <a:blip r:embed="rId20">
+              <a:extLst>
+                <a:ext uri="{28A0092B-C50C-407E-A947-70E740481C1C}">
+                  <a14:useLocalDpi xmlns:a14="http://schemas.microsoft.com/office/drawing/2010/main" val="0"/>
+                </a:ext>
+              </a:extLst>
+            </a:blip>
+            <a:stretch>
+              <a:fillRect/>
+            </a:stretch>
+          </p:blipFill>
+          <p:spPr>
+            <a:xfrm>
+              <a:off x="3671249" y="5463369"/>
+              <a:ext cx="1795007" cy="186449"/>
+            </a:xfrm>
+            <a:prstGeom prst="rect">
+              <a:avLst/>
+            </a:prstGeom>
+          </p:spPr>
+        </p:pic>
+        <p:pic>
+          <p:nvPicPr>
+            <p:cNvPr id="15" name="Grafik 14">
+              <a:extLst>
+                <a:ext uri="{FF2B5EF4-FFF2-40B4-BE49-F238E27FC236}">
+                  <a16:creationId xmlns:a16="http://schemas.microsoft.com/office/drawing/2014/main" id="{9946B7EA-C735-484E-BCE7-5C0B08881976}"/>
+                </a:ext>
+              </a:extLst>
+            </p:cNvPr>
+            <p:cNvPicPr>
+              <a:picLocks noChangeAspect="1"/>
+            </p:cNvPicPr>
+            <p:nvPr>
+              <p:custDataLst>
+                <p:tags r:id="rId7"/>
+              </p:custDataLst>
+            </p:nvPr>
+          </p:nvPicPr>
+          <p:blipFill>
+            <a:blip r:embed="rId21">
+              <a:extLst>
+                <a:ext uri="{28A0092B-C50C-407E-A947-70E740481C1C}">
+                  <a14:useLocalDpi xmlns:a14="http://schemas.microsoft.com/office/drawing/2010/main" val="0"/>
+                </a:ext>
+              </a:extLst>
+            </a:blip>
+            <a:stretch>
+              <a:fillRect/>
+            </a:stretch>
+          </p:blipFill>
+          <p:spPr>
+            <a:xfrm>
+              <a:off x="5908756" y="2972860"/>
+              <a:ext cx="836768" cy="186253"/>
+            </a:xfrm>
+            <a:prstGeom prst="rect">
+              <a:avLst/>
+            </a:prstGeom>
+          </p:spPr>
+        </p:pic>
+        <p:pic>
+          <p:nvPicPr>
+            <p:cNvPr id="23" name="Grafik 22">
+              <a:extLst>
+                <a:ext uri="{FF2B5EF4-FFF2-40B4-BE49-F238E27FC236}">
+                  <a16:creationId xmlns:a16="http://schemas.microsoft.com/office/drawing/2014/main" id="{00E8961F-8E20-4A29-BECC-02334F5FCD83}"/>
+                </a:ext>
+              </a:extLst>
+            </p:cNvPr>
+            <p:cNvPicPr>
+              <a:picLocks noChangeAspect="1"/>
+            </p:cNvPicPr>
+            <p:nvPr>
+              <p:custDataLst>
+                <p:tags r:id="rId8"/>
+              </p:custDataLst>
+            </p:nvPr>
+          </p:nvPicPr>
+          <p:blipFill>
+            <a:blip r:embed="rId22">
+              <a:extLst>
+                <a:ext uri="{28A0092B-C50C-407E-A947-70E740481C1C}">
+                  <a14:useLocalDpi xmlns:a14="http://schemas.microsoft.com/office/drawing/2010/main" val="0"/>
+                </a:ext>
+              </a:extLst>
+            </a:blip>
+            <a:stretch>
+              <a:fillRect/>
+            </a:stretch>
+          </p:blipFill>
+          <p:spPr>
+            <a:xfrm>
+              <a:off x="5751821" y="3310260"/>
+              <a:ext cx="1220137" cy="197578"/>
+            </a:xfrm>
+            <a:prstGeom prst="rect">
+              <a:avLst/>
+            </a:prstGeom>
+          </p:spPr>
+        </p:pic>
+        <p:pic>
+          <p:nvPicPr>
+            <p:cNvPr id="49" name="Grafik 48">
+              <a:extLst>
+                <a:ext uri="{FF2B5EF4-FFF2-40B4-BE49-F238E27FC236}">
+                  <a16:creationId xmlns:a16="http://schemas.microsoft.com/office/drawing/2014/main" id="{71ED7288-8192-4D59-AADF-44842D636943}"/>
+                </a:ext>
+              </a:extLst>
+            </p:cNvPr>
+            <p:cNvPicPr>
+              <a:picLocks noChangeAspect="1"/>
+            </p:cNvPicPr>
+            <p:nvPr>
+              <p:custDataLst>
+                <p:tags r:id="rId9"/>
+              </p:custDataLst>
+            </p:nvPr>
+          </p:nvPicPr>
+          <p:blipFill>
+            <a:blip r:embed="rId20">
+              <a:extLst>
+                <a:ext uri="{28A0092B-C50C-407E-A947-70E740481C1C}">
+                  <a14:useLocalDpi xmlns:a14="http://schemas.microsoft.com/office/drawing/2010/main" val="0"/>
+                </a:ext>
+              </a:extLst>
+            </a:blip>
+            <a:stretch>
+              <a:fillRect/>
+            </a:stretch>
+          </p:blipFill>
+          <p:spPr>
+            <a:xfrm>
+              <a:off x="6951789" y="5467348"/>
+              <a:ext cx="1795007" cy="186449"/>
+            </a:xfrm>
+            <a:prstGeom prst="rect">
+              <a:avLst/>
+            </a:prstGeom>
+          </p:spPr>
+        </p:pic>
+        <p:pic>
+          <p:nvPicPr>
+            <p:cNvPr id="27" name="Grafik 26">
+              <a:extLst>
+                <a:ext uri="{FF2B5EF4-FFF2-40B4-BE49-F238E27FC236}">
+                  <a16:creationId xmlns:a16="http://schemas.microsoft.com/office/drawing/2014/main" id="{148AB7EF-79BF-4CE2-8C75-840B64115F2D}"/>
+                </a:ext>
+              </a:extLst>
+            </p:cNvPr>
+            <p:cNvPicPr>
+              <a:picLocks noChangeAspect="1"/>
+            </p:cNvPicPr>
+            <p:nvPr/>
+          </p:nvPicPr>
+          <p:blipFill rotWithShape="1">
+            <a:blip r:embed="rId23">
+              <a:extLst>
+                <a:ext uri="{28A0092B-C50C-407E-A947-70E740481C1C}">
+                  <a14:useLocalDpi xmlns:a14="http://schemas.microsoft.com/office/drawing/2010/main" val="0"/>
+                </a:ext>
+              </a:extLst>
+            </a:blip>
+            <a:srcRect l="42068" t="20351" r="42113" b="27628"/>
+            <a:stretch/>
+          </p:blipFill>
+          <p:spPr>
+            <a:xfrm>
+              <a:off x="5812515" y="4436496"/>
+              <a:ext cx="846064" cy="1815782"/>
+            </a:xfrm>
+            <a:prstGeom prst="rect">
+              <a:avLst/>
+            </a:prstGeom>
+          </p:spPr>
+        </p:pic>
+      </p:grpSp>
+    </p:spTree>
+    <p:extLst>
+      <p:ext uri="{BB962C8B-B14F-4D97-AF65-F5344CB8AC3E}">
+        <p14:creationId xmlns:p14="http://schemas.microsoft.com/office/powerpoint/2010/main" val="1588954707"/>
+      </p:ext>
+    </p:extLst>
+  </p:cSld>
+  <p:clrMapOvr>
+    <a:masterClrMapping/>
+  </p:clrMapOvr>
+</p:sld>
+</file>
+
+<file path=ppt/slides/slide4.xml><?xml version="1.0" encoding="utf-8"?>
+<p:sld xmlns:a="http://schemas.openxmlformats.org/drawingml/2006/main" xmlns:r="http://schemas.openxmlformats.org/officeDocument/2006/relationships" xmlns:p="http://schemas.openxmlformats.org/presentationml/2006/main">
+  <p:cSld>
+    <p:spTree>
+      <p:nvGrpSpPr>
+        <p:cNvPr id="1" name=""/>
+        <p:cNvGrpSpPr/>
+        <p:nvPr/>
+      </p:nvGrpSpPr>
+      <p:grpSpPr>
+        <a:xfrm>
+          <a:off x="0" y="0"/>
+          <a:ext cx="0" cy="0"/>
+          <a:chOff x="0" y="0"/>
+          <a:chExt cx="0" cy="0"/>
+        </a:xfrm>
+      </p:grpSpPr>
+      <p:sp>
+        <p:nvSpPr>
+          <p:cNvPr id="82" name="Textfeld 81">
+            <a:extLst>
+              <a:ext uri="{FF2B5EF4-FFF2-40B4-BE49-F238E27FC236}">
+                <a16:creationId xmlns:a16="http://schemas.microsoft.com/office/drawing/2014/main" id="{AE05E4AA-5609-479E-97E6-DCFF894AD8F1}"/>
+              </a:ext>
+            </a:extLst>
+          </p:cNvPr>
+          <p:cNvSpPr txBox="1"/>
+          <p:nvPr/>
         </p:nvSpPr>
-        <p:spPr/>
+        <p:spPr>
+          <a:xfrm>
+            <a:off x="76199" y="66675"/>
+            <a:ext cx="2088017" cy="369332"/>
+          </a:xfrm>
+          <a:prstGeom prst="rect">
+            <a:avLst/>
+          </a:prstGeom>
+          <a:noFill/>
+        </p:spPr>
         <p:txBody>
-          <a:bodyPr/>
+          <a:bodyPr wrap="square" rtlCol="0">
+            <a:spAutoFit/>
+          </a:bodyPr>
           <a:lstStyle/>
           <a:p>
-            <a:endParaRPr lang="en-GB"/>
+            <a:r>
+              <a:rPr lang="de-DE" dirty="0"/>
+              <a:t>Pattern Generation</a:t>
+            </a:r>
+            <a:endParaRPr lang="en-GB" dirty="0"/>
           </a:p>
         </p:txBody>
       </p:sp>
+      <p:grpSp>
+        <p:nvGrpSpPr>
+          <p:cNvPr id="275" name="Gruppieren 274">
+            <a:extLst>
+              <a:ext uri="{FF2B5EF4-FFF2-40B4-BE49-F238E27FC236}">
+                <a16:creationId xmlns:a16="http://schemas.microsoft.com/office/drawing/2014/main" id="{9CBD866A-7172-4A13-9D52-81ED3A786740}"/>
+              </a:ext>
+            </a:extLst>
+          </p:cNvPr>
+          <p:cNvGrpSpPr/>
+          <p:nvPr/>
+        </p:nvGrpSpPr>
+        <p:grpSpPr>
+          <a:xfrm>
+            <a:off x="1461879" y="-66686"/>
+            <a:ext cx="11157599" cy="6950614"/>
+            <a:chOff x="1461879" y="-66686"/>
+            <a:chExt cx="11157599" cy="6950614"/>
+          </a:xfrm>
+        </p:grpSpPr>
+        <p:grpSp>
+          <p:nvGrpSpPr>
+            <p:cNvPr id="43" name="Gruppieren 42">
+              <a:extLst>
+                <a:ext uri="{FF2B5EF4-FFF2-40B4-BE49-F238E27FC236}">
+                  <a16:creationId xmlns:a16="http://schemas.microsoft.com/office/drawing/2014/main" id="{DB77A54C-4795-48F1-AA94-10C261FE2FBB}"/>
+                </a:ext>
+              </a:extLst>
+            </p:cNvPr>
+            <p:cNvGrpSpPr/>
+            <p:nvPr/>
+          </p:nvGrpSpPr>
+          <p:grpSpPr>
+            <a:xfrm>
+              <a:off x="5704621" y="-66686"/>
+              <a:ext cx="1926455" cy="1023151"/>
+              <a:chOff x="5169285" y="914838"/>
+              <a:chExt cx="1926455" cy="1023151"/>
+            </a:xfrm>
+          </p:grpSpPr>
+          <p:sp>
+            <p:nvSpPr>
+              <p:cNvPr id="4" name="Rechteck: abgerundete Ecken 3">
+                <a:extLst>
+                  <a:ext uri="{FF2B5EF4-FFF2-40B4-BE49-F238E27FC236}">
+                    <a16:creationId xmlns:a16="http://schemas.microsoft.com/office/drawing/2014/main" id="{34119A8D-AC7F-4819-B0C8-B7F1B468A93C}"/>
+                  </a:ext>
+                </a:extLst>
+              </p:cNvPr>
+              <p:cNvSpPr/>
+              <p:nvPr/>
+            </p:nvSpPr>
+            <p:spPr>
+              <a:xfrm>
+                <a:off x="5169285" y="914838"/>
+                <a:ext cx="1926455" cy="1023151"/>
+              </a:xfrm>
+              <a:prstGeom prst="roundRect">
+                <a:avLst/>
+              </a:prstGeom>
+              <a:solidFill>
+                <a:srgbClr val="FF7F2B"/>
+              </a:solidFill>
+              <a:ln>
+                <a:noFill/>
+              </a:ln>
+            </p:spPr>
+            <p:style>
+              <a:lnRef idx="2">
+                <a:schemeClr val="accent1">
+                  <a:shade val="50000"/>
+                </a:schemeClr>
+              </a:lnRef>
+              <a:fillRef idx="1">
+                <a:schemeClr val="accent1"/>
+              </a:fillRef>
+              <a:effectRef idx="0">
+                <a:schemeClr val="accent1"/>
+              </a:effectRef>
+              <a:fontRef idx="minor">
+                <a:schemeClr val="lt1"/>
+              </a:fontRef>
+            </p:style>
+            <p:txBody>
+              <a:bodyPr rtlCol="0" anchor="ctr"/>
+              <a:lstStyle/>
+              <a:p>
+                <a:pPr algn="ctr"/>
+                <a:endParaRPr lang="en-GB" dirty="0"/>
+              </a:p>
+            </p:txBody>
+          </p:sp>
+          <p:pic>
+            <p:nvPicPr>
+              <p:cNvPr id="42" name="Grafik 41">
+                <a:extLst>
+                  <a:ext uri="{FF2B5EF4-FFF2-40B4-BE49-F238E27FC236}">
+                    <a16:creationId xmlns:a16="http://schemas.microsoft.com/office/drawing/2014/main" id="{C9C7DE59-3214-4135-9FCE-4F5DA05C999C}"/>
+                  </a:ext>
+                </a:extLst>
+              </p:cNvPr>
+              <p:cNvPicPr>
+                <a:picLocks noChangeAspect="1"/>
+              </p:cNvPicPr>
+              <p:nvPr>
+                <p:custDataLst>
+                  <p:tags r:id="rId16"/>
+                </p:custDataLst>
+              </p:nvPr>
+            </p:nvPicPr>
+            <p:blipFill>
+              <a:blip r:embed="rId19">
+                <a:extLst>
+                  <a:ext uri="{28A0092B-C50C-407E-A947-70E740481C1C}">
+                    <a14:useLocalDpi xmlns:a14="http://schemas.microsoft.com/office/drawing/2010/main" val="0"/>
+                  </a:ext>
+                </a:extLst>
+              </a:blip>
+              <a:stretch>
+                <a:fillRect/>
+              </a:stretch>
+            </p:blipFill>
+            <p:spPr>
+              <a:xfrm>
+                <a:off x="5715101" y="1161815"/>
+                <a:ext cx="836768" cy="186253"/>
+              </a:xfrm>
+              <a:prstGeom prst="rect">
+                <a:avLst/>
+              </a:prstGeom>
+            </p:spPr>
+          </p:pic>
+          <p:pic>
+            <p:nvPicPr>
+              <p:cNvPr id="38" name="Grafik 37">
+                <a:extLst>
+                  <a:ext uri="{FF2B5EF4-FFF2-40B4-BE49-F238E27FC236}">
+                    <a16:creationId xmlns:a16="http://schemas.microsoft.com/office/drawing/2014/main" id="{00749362-A9F8-4373-A071-629641FEAE40}"/>
+                  </a:ext>
+                </a:extLst>
+              </p:cNvPr>
+              <p:cNvPicPr>
+                <a:picLocks noChangeAspect="1"/>
+              </p:cNvPicPr>
+              <p:nvPr>
+                <p:custDataLst>
+                  <p:tags r:id="rId17"/>
+                </p:custDataLst>
+              </p:nvPr>
+            </p:nvPicPr>
+            <p:blipFill>
+              <a:blip r:embed="rId20">
+                <a:extLst>
+                  <a:ext uri="{28A0092B-C50C-407E-A947-70E740481C1C}">
+                    <a14:useLocalDpi xmlns:a14="http://schemas.microsoft.com/office/drawing/2010/main" val="0"/>
+                  </a:ext>
+                </a:extLst>
+              </a:blip>
+              <a:stretch>
+                <a:fillRect/>
+              </a:stretch>
+            </p:blipFill>
+            <p:spPr>
+              <a:xfrm>
+                <a:off x="5558166" y="1499215"/>
+                <a:ext cx="1220137" cy="197578"/>
+              </a:xfrm>
+              <a:prstGeom prst="rect">
+                <a:avLst/>
+              </a:prstGeom>
+            </p:spPr>
+          </p:pic>
+        </p:grpSp>
+        <p:sp>
+          <p:nvSpPr>
+            <p:cNvPr id="21" name="Geschweifte Klammer rechts 20">
+              <a:extLst>
+                <a:ext uri="{FF2B5EF4-FFF2-40B4-BE49-F238E27FC236}">
+                  <a16:creationId xmlns:a16="http://schemas.microsoft.com/office/drawing/2014/main" id="{401AF267-1161-4DEF-9A65-E00F5B54FD54}"/>
+                </a:ext>
+              </a:extLst>
+            </p:cNvPr>
+            <p:cNvSpPr/>
+            <p:nvPr/>
+          </p:nvSpPr>
+          <p:spPr>
+            <a:xfrm rot="16200000">
+              <a:off x="6355431" y="-3742031"/>
+              <a:ext cx="624840" cy="10411941"/>
+            </a:xfrm>
+            <a:prstGeom prst="rightBrace">
+              <a:avLst/>
+            </a:prstGeom>
+            <a:ln w="25400">
+              <a:solidFill>
+                <a:schemeClr val="tx1"/>
+              </a:solidFill>
+            </a:ln>
+          </p:spPr>
+          <p:style>
+            <a:lnRef idx="1">
+              <a:schemeClr val="accent1"/>
+            </a:lnRef>
+            <a:fillRef idx="0">
+              <a:schemeClr val="accent1"/>
+            </a:fillRef>
+            <a:effectRef idx="0">
+              <a:schemeClr val="accent1"/>
+            </a:effectRef>
+            <a:fontRef idx="minor">
+              <a:schemeClr val="tx1"/>
+            </a:fontRef>
+          </p:style>
+          <p:txBody>
+            <a:bodyPr rtlCol="0" anchor="ctr"/>
+            <a:lstStyle/>
+            <a:p>
+              <a:pPr algn="ctr"/>
+              <a:endParaRPr lang="en-GB"/>
+            </a:p>
+          </p:txBody>
+        </p:sp>
+        <p:cxnSp>
+          <p:nvCxnSpPr>
+            <p:cNvPr id="76" name="Verbinder: gewinkelt 75">
+              <a:extLst>
+                <a:ext uri="{FF2B5EF4-FFF2-40B4-BE49-F238E27FC236}">
+                  <a16:creationId xmlns:a16="http://schemas.microsoft.com/office/drawing/2014/main" id="{AE7D2104-57AA-4026-9F85-58FF46D74D87}"/>
+                </a:ext>
+              </a:extLst>
+            </p:cNvPr>
+            <p:cNvCxnSpPr>
+              <a:cxnSpLocks/>
+              <a:stCxn id="258" idx="0"/>
+              <a:endCxn id="140" idx="3"/>
+            </p:cNvCxnSpPr>
+            <p:nvPr/>
+          </p:nvCxnSpPr>
+          <p:spPr>
+            <a:xfrm rot="16200000" flipH="1" flipV="1">
+              <a:off x="7976663" y="2679981"/>
+              <a:ext cx="2239290" cy="3628569"/>
+            </a:xfrm>
+            <a:prstGeom prst="bentConnector4">
+              <a:avLst>
+                <a:gd name="adj1" fmla="val -10209"/>
+                <a:gd name="adj2" fmla="val -33699"/>
+              </a:avLst>
+            </a:prstGeom>
+            <a:ln w="25400">
+              <a:solidFill>
+                <a:schemeClr val="tx1"/>
+              </a:solidFill>
+              <a:tailEnd type="triangle"/>
+            </a:ln>
+          </p:spPr>
+          <p:style>
+            <a:lnRef idx="1">
+              <a:schemeClr val="accent1"/>
+            </a:lnRef>
+            <a:fillRef idx="0">
+              <a:schemeClr val="accent1"/>
+            </a:fillRef>
+            <a:effectRef idx="0">
+              <a:schemeClr val="accent1"/>
+            </a:effectRef>
+            <a:fontRef idx="minor">
+              <a:schemeClr val="tx1"/>
+            </a:fontRef>
+          </p:style>
+        </p:cxnSp>
+        <p:cxnSp>
+          <p:nvCxnSpPr>
+            <p:cNvPr id="79" name="Verbinder: gewinkelt 78">
+              <a:extLst>
+                <a:ext uri="{FF2B5EF4-FFF2-40B4-BE49-F238E27FC236}">
+                  <a16:creationId xmlns:a16="http://schemas.microsoft.com/office/drawing/2014/main" id="{25C49AD9-EF83-4E53-A707-A70E2A8E2EBB}"/>
+                </a:ext>
+              </a:extLst>
+            </p:cNvPr>
+            <p:cNvCxnSpPr>
+              <a:cxnSpLocks/>
+              <a:stCxn id="140" idx="1"/>
+              <a:endCxn id="254" idx="1"/>
+            </p:cNvCxnSpPr>
+            <p:nvPr/>
+          </p:nvCxnSpPr>
+          <p:spPr>
+            <a:xfrm rot="10800000">
+              <a:off x="1461879" y="3879283"/>
+              <a:ext cx="4591794" cy="1734629"/>
+            </a:xfrm>
+            <a:prstGeom prst="bentConnector3">
+              <a:avLst>
+                <a:gd name="adj1" fmla="val 104978"/>
+              </a:avLst>
+            </a:prstGeom>
+            <a:ln w="25400">
+              <a:solidFill>
+                <a:schemeClr val="tx1"/>
+              </a:solidFill>
+              <a:tailEnd type="triangle"/>
+            </a:ln>
+          </p:spPr>
+          <p:style>
+            <a:lnRef idx="1">
+              <a:schemeClr val="accent1"/>
+            </a:lnRef>
+            <a:fillRef idx="0">
+              <a:schemeClr val="accent1"/>
+            </a:fillRef>
+            <a:effectRef idx="0">
+              <a:schemeClr val="accent1"/>
+            </a:effectRef>
+            <a:fontRef idx="minor">
+              <a:schemeClr val="tx1"/>
+            </a:fontRef>
+          </p:style>
+        </p:cxnSp>
+        <p:cxnSp>
+          <p:nvCxnSpPr>
+            <p:cNvPr id="33" name="Verbinder: gewinkelt 32">
+              <a:extLst>
+                <a:ext uri="{FF2B5EF4-FFF2-40B4-BE49-F238E27FC236}">
+                  <a16:creationId xmlns:a16="http://schemas.microsoft.com/office/drawing/2014/main" id="{E02133DA-5788-4897-9E87-E3AD04721A33}"/>
+                </a:ext>
+              </a:extLst>
+            </p:cNvPr>
+            <p:cNvCxnSpPr>
+              <a:cxnSpLocks/>
+              <a:stCxn id="131" idx="3"/>
+              <a:endCxn id="83" idx="1"/>
+            </p:cNvCxnSpPr>
+            <p:nvPr/>
+          </p:nvCxnSpPr>
+          <p:spPr>
+            <a:xfrm>
+              <a:off x="2749521" y="2478867"/>
+              <a:ext cx="1540853" cy="1407331"/>
+            </a:xfrm>
+            <a:prstGeom prst="bentConnector3">
+              <a:avLst>
+                <a:gd name="adj1" fmla="val 85306"/>
+              </a:avLst>
+            </a:prstGeom>
+            <a:ln w="25400">
+              <a:solidFill>
+                <a:schemeClr val="tx1"/>
+              </a:solidFill>
+              <a:tailEnd type="triangle"/>
+            </a:ln>
+          </p:spPr>
+          <p:style>
+            <a:lnRef idx="1">
+              <a:schemeClr val="accent1"/>
+            </a:lnRef>
+            <a:fillRef idx="0">
+              <a:schemeClr val="accent1"/>
+            </a:fillRef>
+            <a:effectRef idx="0">
+              <a:schemeClr val="accent1"/>
+            </a:effectRef>
+            <a:fontRef idx="minor">
+              <a:schemeClr val="tx1"/>
+            </a:fontRef>
+          </p:style>
+        </p:cxnSp>
+        <p:cxnSp>
+          <p:nvCxnSpPr>
+            <p:cNvPr id="74" name="Verbinder: gewinkelt 73">
+              <a:extLst>
+                <a:ext uri="{FF2B5EF4-FFF2-40B4-BE49-F238E27FC236}">
+                  <a16:creationId xmlns:a16="http://schemas.microsoft.com/office/drawing/2014/main" id="{8D9F5B45-AC0B-4855-8CC6-AF0E8371DBD7}"/>
+                </a:ext>
+              </a:extLst>
+            </p:cNvPr>
+            <p:cNvCxnSpPr>
+              <a:cxnSpLocks/>
+              <a:stCxn id="89" idx="3"/>
+              <a:endCxn id="217" idx="1"/>
+            </p:cNvCxnSpPr>
+            <p:nvPr/>
+          </p:nvCxnSpPr>
+          <p:spPr>
+            <a:xfrm>
+              <a:off x="6216829" y="2476282"/>
+              <a:ext cx="902040" cy="1409917"/>
+            </a:xfrm>
+            <a:prstGeom prst="bentConnector3">
+              <a:avLst>
+                <a:gd name="adj1" fmla="val 75663"/>
+              </a:avLst>
+            </a:prstGeom>
+            <a:ln w="25400">
+              <a:solidFill>
+                <a:schemeClr val="tx1"/>
+              </a:solidFill>
+              <a:tailEnd type="triangle"/>
+            </a:ln>
+          </p:spPr>
+          <p:style>
+            <a:lnRef idx="1">
+              <a:schemeClr val="accent1"/>
+            </a:lnRef>
+            <a:fillRef idx="0">
+              <a:schemeClr val="accent1"/>
+            </a:fillRef>
+            <a:effectRef idx="0">
+              <a:schemeClr val="accent1"/>
+            </a:effectRef>
+            <a:fontRef idx="minor">
+              <a:schemeClr val="tx1"/>
+            </a:fontRef>
+          </p:style>
+        </p:cxnSp>
+        <p:cxnSp>
+          <p:nvCxnSpPr>
+            <p:cNvPr id="75" name="Verbinder: gewinkelt 74">
+              <a:extLst>
+                <a:ext uri="{FF2B5EF4-FFF2-40B4-BE49-F238E27FC236}">
+                  <a16:creationId xmlns:a16="http://schemas.microsoft.com/office/drawing/2014/main" id="{64FB5DF9-37DD-4119-B468-2C102C7FB518}"/>
+                </a:ext>
+              </a:extLst>
+            </p:cNvPr>
+            <p:cNvCxnSpPr>
+              <a:cxnSpLocks/>
+              <a:stCxn id="88" idx="3"/>
+              <a:endCxn id="258" idx="1"/>
+            </p:cNvCxnSpPr>
+            <p:nvPr/>
+          </p:nvCxnSpPr>
+          <p:spPr>
+            <a:xfrm>
+              <a:off x="9045324" y="2478867"/>
+              <a:ext cx="902040" cy="1407330"/>
+            </a:xfrm>
+            <a:prstGeom prst="bentConnector3">
+              <a:avLst>
+                <a:gd name="adj1" fmla="val 75663"/>
+              </a:avLst>
+            </a:prstGeom>
+            <a:ln w="25400">
+              <a:solidFill>
+                <a:schemeClr val="tx1"/>
+              </a:solidFill>
+              <a:tailEnd type="triangle"/>
+            </a:ln>
+          </p:spPr>
+          <p:style>
+            <a:lnRef idx="1">
+              <a:schemeClr val="accent1"/>
+            </a:lnRef>
+            <a:fillRef idx="0">
+              <a:schemeClr val="accent1"/>
+            </a:fillRef>
+            <a:effectRef idx="0">
+              <a:schemeClr val="accent1"/>
+            </a:effectRef>
+            <a:fontRef idx="minor">
+              <a:schemeClr val="tx1"/>
+            </a:fontRef>
+          </p:style>
+        </p:cxnSp>
+        <p:grpSp>
+          <p:nvGrpSpPr>
+            <p:cNvPr id="81" name="Gruppieren 80">
+              <a:extLst>
+                <a:ext uri="{FF2B5EF4-FFF2-40B4-BE49-F238E27FC236}">
+                  <a16:creationId xmlns:a16="http://schemas.microsoft.com/office/drawing/2014/main" id="{CE101209-E446-4069-98BF-2601F357698F}"/>
+                </a:ext>
+              </a:extLst>
+            </p:cNvPr>
+            <p:cNvGrpSpPr/>
+            <p:nvPr/>
+          </p:nvGrpSpPr>
+          <p:grpSpPr>
+            <a:xfrm>
+              <a:off x="4290374" y="3374622"/>
+              <a:ext cx="1926455" cy="1023151"/>
+              <a:chOff x="870577" y="4717059"/>
+              <a:chExt cx="1926455" cy="1023151"/>
+            </a:xfrm>
+          </p:grpSpPr>
+          <p:sp>
+            <p:nvSpPr>
+              <p:cNvPr id="83" name="Rechteck: abgerundete Ecken 82">
+                <a:extLst>
+                  <a:ext uri="{FF2B5EF4-FFF2-40B4-BE49-F238E27FC236}">
+                    <a16:creationId xmlns:a16="http://schemas.microsoft.com/office/drawing/2014/main" id="{6BB4E082-4C52-47B7-8630-A4CBBE99BAD4}"/>
+                  </a:ext>
+                </a:extLst>
+              </p:cNvPr>
+              <p:cNvSpPr/>
+              <p:nvPr/>
+            </p:nvSpPr>
+            <p:spPr>
+              <a:xfrm>
+                <a:off x="870577" y="4717059"/>
+                <a:ext cx="1926455" cy="1023151"/>
+              </a:xfrm>
+              <a:prstGeom prst="roundRect">
+                <a:avLst/>
+              </a:prstGeom>
+              <a:solidFill>
+                <a:srgbClr val="9FFD5F"/>
+              </a:solidFill>
+              <a:ln>
+                <a:noFill/>
+              </a:ln>
+            </p:spPr>
+            <p:style>
+              <a:lnRef idx="2">
+                <a:schemeClr val="accent1">
+                  <a:shade val="50000"/>
+                </a:schemeClr>
+              </a:lnRef>
+              <a:fillRef idx="1">
+                <a:schemeClr val="accent1"/>
+              </a:fillRef>
+              <a:effectRef idx="0">
+                <a:schemeClr val="accent1"/>
+              </a:effectRef>
+              <a:fontRef idx="minor">
+                <a:schemeClr val="lt1"/>
+              </a:fontRef>
+            </p:style>
+            <p:txBody>
+              <a:bodyPr rtlCol="0" anchor="ctr"/>
+              <a:lstStyle/>
+              <a:p>
+                <a:pPr algn="ctr"/>
+                <a:endParaRPr lang="en-GB" dirty="0"/>
+              </a:p>
+            </p:txBody>
+          </p:sp>
+          <p:pic>
+            <p:nvPicPr>
+              <p:cNvPr id="84" name="Grafik 83">
+                <a:extLst>
+                  <a:ext uri="{FF2B5EF4-FFF2-40B4-BE49-F238E27FC236}">
+                    <a16:creationId xmlns:a16="http://schemas.microsoft.com/office/drawing/2014/main" id="{47BACA87-EBBA-41B0-9DDC-77DB8AB27A1F}"/>
+                  </a:ext>
+                </a:extLst>
+              </p:cNvPr>
+              <p:cNvPicPr>
+                <a:picLocks noChangeAspect="1"/>
+              </p:cNvPicPr>
+              <p:nvPr>
+                <p:custDataLst>
+                  <p:tags r:id="rId15"/>
+                </p:custDataLst>
+              </p:nvPr>
+            </p:nvPicPr>
+            <p:blipFill>
+              <a:blip r:embed="rId21">
+                <a:extLst>
+                  <a:ext uri="{28A0092B-C50C-407E-A947-70E740481C1C}">
+                    <a14:useLocalDpi xmlns:a14="http://schemas.microsoft.com/office/drawing/2010/main" val="0"/>
+                  </a:ext>
+                </a:extLst>
+              </a:blip>
+              <a:stretch>
+                <a:fillRect/>
+              </a:stretch>
+            </p:blipFill>
+            <p:spPr>
+              <a:xfrm>
+                <a:off x="1455897" y="5129845"/>
+                <a:ext cx="761815" cy="197578"/>
+              </a:xfrm>
+              <a:prstGeom prst="rect">
+                <a:avLst/>
+              </a:prstGeom>
+            </p:spPr>
+          </p:pic>
+        </p:grpSp>
+        <p:pic>
+          <p:nvPicPr>
+            <p:cNvPr id="88" name="Grafik 87">
+              <a:extLst>
+                <a:ext uri="{FF2B5EF4-FFF2-40B4-BE49-F238E27FC236}">
+                  <a16:creationId xmlns:a16="http://schemas.microsoft.com/office/drawing/2014/main" id="{A90F6B48-F239-4FBE-99D1-C29B3FDE74EE}"/>
+                </a:ext>
+              </a:extLst>
+            </p:cNvPr>
+            <p:cNvPicPr>
+              <a:picLocks noChangeAspect="1"/>
+            </p:cNvPicPr>
+            <p:nvPr/>
+          </p:nvPicPr>
+          <p:blipFill rotWithShape="1">
+            <a:blip r:embed="rId22">
+              <a:extLst>
+                <a:ext uri="{28A0092B-C50C-407E-A947-70E740481C1C}">
+                  <a14:useLocalDpi xmlns:a14="http://schemas.microsoft.com/office/drawing/2010/main" val="0"/>
+                </a:ext>
+              </a:extLst>
+            </a:blip>
+            <a:srcRect l="11811" t="11427" r="9494" b="11413"/>
+            <a:stretch/>
+          </p:blipFill>
+          <p:spPr>
+            <a:xfrm>
+              <a:off x="7118869" y="1770550"/>
+              <a:ext cx="1926455" cy="1416633"/>
+            </a:xfrm>
+            <a:prstGeom prst="rect">
+              <a:avLst/>
+            </a:prstGeom>
+          </p:spPr>
+        </p:pic>
+        <p:pic>
+          <p:nvPicPr>
+            <p:cNvPr id="89" name="Grafik 88" descr="Ein Bild, das Text enthält.&#10;&#10;Automatisch generierte Beschreibung">
+              <a:extLst>
+                <a:ext uri="{FF2B5EF4-FFF2-40B4-BE49-F238E27FC236}">
+                  <a16:creationId xmlns:a16="http://schemas.microsoft.com/office/drawing/2014/main" id="{FF73B24A-F79A-4EF6-99A5-E5E58E8C892F}"/>
+                </a:ext>
+              </a:extLst>
+            </p:cNvPr>
+            <p:cNvPicPr>
+              <a:picLocks noChangeAspect="1"/>
+            </p:cNvPicPr>
+            <p:nvPr/>
+          </p:nvPicPr>
+          <p:blipFill rotWithShape="1">
+            <a:blip r:embed="rId23">
+              <a:extLst>
+                <a:ext uri="{28A0092B-C50C-407E-A947-70E740481C1C}">
+                  <a14:useLocalDpi xmlns:a14="http://schemas.microsoft.com/office/drawing/2010/main" val="0"/>
+                </a:ext>
+              </a:extLst>
+            </a:blip>
+            <a:srcRect l="11811" t="10885" r="9494" b="11956"/>
+            <a:stretch/>
+          </p:blipFill>
+          <p:spPr>
+            <a:xfrm>
+              <a:off x="4290374" y="1767965"/>
+              <a:ext cx="1926455" cy="1416633"/>
+            </a:xfrm>
+            <a:prstGeom prst="rect">
+              <a:avLst/>
+            </a:prstGeom>
+          </p:spPr>
+        </p:pic>
+        <p:cxnSp>
+          <p:nvCxnSpPr>
+            <p:cNvPr id="90" name="Gerade Verbindung mit Pfeil 89">
+              <a:extLst>
+                <a:ext uri="{FF2B5EF4-FFF2-40B4-BE49-F238E27FC236}">
+                  <a16:creationId xmlns:a16="http://schemas.microsoft.com/office/drawing/2014/main" id="{D9D6EFA3-D94F-4E42-94AC-617130304AF6}"/>
+                </a:ext>
+              </a:extLst>
+            </p:cNvPr>
+            <p:cNvCxnSpPr>
+              <a:cxnSpLocks/>
+              <a:stCxn id="83" idx="0"/>
+              <a:endCxn id="89" idx="2"/>
+            </p:cNvCxnSpPr>
+            <p:nvPr/>
+          </p:nvCxnSpPr>
+          <p:spPr>
+            <a:xfrm flipV="1">
+              <a:off x="5253602" y="3184598"/>
+              <a:ext cx="0" cy="190024"/>
+            </a:xfrm>
+            <a:prstGeom prst="straightConnector1">
+              <a:avLst/>
+            </a:prstGeom>
+            <a:ln w="25400">
+              <a:solidFill>
+                <a:schemeClr val="tx1"/>
+              </a:solidFill>
+              <a:tailEnd type="triangle"/>
+            </a:ln>
+          </p:spPr>
+          <p:style>
+            <a:lnRef idx="1">
+              <a:schemeClr val="accent1"/>
+            </a:lnRef>
+            <a:fillRef idx="0">
+              <a:schemeClr val="accent1"/>
+            </a:fillRef>
+            <a:effectRef idx="0">
+              <a:schemeClr val="accent1"/>
+            </a:effectRef>
+            <a:fontRef idx="minor">
+              <a:schemeClr val="tx1"/>
+            </a:fontRef>
+          </p:style>
+        </p:cxnSp>
+        <p:cxnSp>
+          <p:nvCxnSpPr>
+            <p:cNvPr id="91" name="Gerade Verbindung mit Pfeil 90">
+              <a:extLst>
+                <a:ext uri="{FF2B5EF4-FFF2-40B4-BE49-F238E27FC236}">
+                  <a16:creationId xmlns:a16="http://schemas.microsoft.com/office/drawing/2014/main" id="{0B507A0B-6F3D-4353-9518-F1B8ACCF2BE9}"/>
+                </a:ext>
+              </a:extLst>
+            </p:cNvPr>
+            <p:cNvCxnSpPr>
+              <a:cxnSpLocks/>
+              <a:stCxn id="217" idx="0"/>
+              <a:endCxn id="88" idx="2"/>
+            </p:cNvCxnSpPr>
+            <p:nvPr/>
+          </p:nvCxnSpPr>
+          <p:spPr>
+            <a:xfrm flipV="1">
+              <a:off x="8082097" y="3187183"/>
+              <a:ext cx="0" cy="187440"/>
+            </a:xfrm>
+            <a:prstGeom prst="straightConnector1">
+              <a:avLst/>
+            </a:prstGeom>
+            <a:ln w="25400">
+              <a:solidFill>
+                <a:schemeClr val="tx1"/>
+              </a:solidFill>
+              <a:tailEnd type="triangle"/>
+            </a:ln>
+          </p:spPr>
+          <p:style>
+            <a:lnRef idx="1">
+              <a:schemeClr val="accent1"/>
+            </a:lnRef>
+            <a:fillRef idx="0">
+              <a:schemeClr val="accent1"/>
+            </a:fillRef>
+            <a:effectRef idx="0">
+              <a:schemeClr val="accent1"/>
+            </a:effectRef>
+            <a:fontRef idx="minor">
+              <a:schemeClr val="tx1"/>
+            </a:fontRef>
+          </p:style>
+        </p:cxnSp>
+        <p:pic>
+          <p:nvPicPr>
+            <p:cNvPr id="153" name="Grafik 152">
+              <a:extLst>
+                <a:ext uri="{FF2B5EF4-FFF2-40B4-BE49-F238E27FC236}">
+                  <a16:creationId xmlns:a16="http://schemas.microsoft.com/office/drawing/2014/main" id="{9335920A-F07A-412B-9612-260D289FA40B}"/>
+                </a:ext>
+              </a:extLst>
+            </p:cNvPr>
+            <p:cNvPicPr>
+              <a:picLocks noChangeAspect="1"/>
+            </p:cNvPicPr>
+            <p:nvPr>
+              <p:custDataLst>
+                <p:tags r:id="rId1"/>
+              </p:custDataLst>
+            </p:nvPr>
+          </p:nvPicPr>
+          <p:blipFill>
+            <a:blip r:embed="rId24">
+              <a:extLst>
+                <a:ext uri="{28A0092B-C50C-407E-A947-70E740481C1C}">
+                  <a14:useLocalDpi xmlns:a14="http://schemas.microsoft.com/office/drawing/2010/main" val="0"/>
+                </a:ext>
+              </a:extLst>
+            </a:blip>
+            <a:stretch>
+              <a:fillRect/>
+            </a:stretch>
+          </p:blipFill>
+          <p:spPr>
+            <a:xfrm>
+              <a:off x="2331290" y="5791273"/>
+              <a:ext cx="2377313" cy="238588"/>
+            </a:xfrm>
+            <a:prstGeom prst="rect">
+              <a:avLst/>
+            </a:prstGeom>
+          </p:spPr>
+        </p:pic>
+        <p:pic>
+          <p:nvPicPr>
+            <p:cNvPr id="103" name="Grafik 102">
+              <a:extLst>
+                <a:ext uri="{FF2B5EF4-FFF2-40B4-BE49-F238E27FC236}">
+                  <a16:creationId xmlns:a16="http://schemas.microsoft.com/office/drawing/2014/main" id="{41977C4A-FE35-47C2-9F99-A4B4E968BAC9}"/>
+                </a:ext>
+              </a:extLst>
+            </p:cNvPr>
+            <p:cNvPicPr>
+              <a:picLocks noChangeAspect="1"/>
+            </p:cNvPicPr>
+            <p:nvPr>
+              <p:custDataLst>
+                <p:tags r:id="rId2"/>
+              </p:custDataLst>
+            </p:nvPr>
+          </p:nvPicPr>
+          <p:blipFill>
+            <a:blip r:embed="rId25">
+              <a:extLst>
+                <a:ext uri="{28A0092B-C50C-407E-A947-70E740481C1C}">
+                  <a14:useLocalDpi xmlns:a14="http://schemas.microsoft.com/office/drawing/2010/main" val="0"/>
+                </a:ext>
+              </a:extLst>
+            </a:blip>
+            <a:stretch>
+              <a:fillRect/>
+            </a:stretch>
+          </p:blipFill>
+          <p:spPr>
+            <a:xfrm>
+              <a:off x="5518941" y="6650048"/>
+              <a:ext cx="2297814" cy="233880"/>
+            </a:xfrm>
+            <a:prstGeom prst="rect">
+              <a:avLst/>
+            </a:prstGeom>
+          </p:spPr>
+        </p:pic>
+        <p:cxnSp>
+          <p:nvCxnSpPr>
+            <p:cNvPr id="104" name="Gerade Verbindung mit Pfeil 103">
+              <a:extLst>
+                <a:ext uri="{FF2B5EF4-FFF2-40B4-BE49-F238E27FC236}">
+                  <a16:creationId xmlns:a16="http://schemas.microsoft.com/office/drawing/2014/main" id="{3137792F-9CE3-4CF0-894D-467D126CF676}"/>
+                </a:ext>
+              </a:extLst>
+            </p:cNvPr>
+            <p:cNvCxnSpPr>
+              <a:cxnSpLocks/>
+              <a:endCxn id="83" idx="2"/>
+            </p:cNvCxnSpPr>
+            <p:nvPr/>
+          </p:nvCxnSpPr>
+          <p:spPr>
+            <a:xfrm flipV="1">
+              <a:off x="5253600" y="4397773"/>
+              <a:ext cx="2" cy="417791"/>
+            </a:xfrm>
+            <a:prstGeom prst="straightConnector1">
+              <a:avLst/>
+            </a:prstGeom>
+            <a:ln w="25400">
+              <a:solidFill>
+                <a:schemeClr val="tx1"/>
+              </a:solidFill>
+              <a:tailEnd type="triangle"/>
+            </a:ln>
+          </p:spPr>
+          <p:style>
+            <a:lnRef idx="1">
+              <a:schemeClr val="accent1"/>
+            </a:lnRef>
+            <a:fillRef idx="0">
+              <a:schemeClr val="accent1"/>
+            </a:fillRef>
+            <a:effectRef idx="0">
+              <a:schemeClr val="accent1"/>
+            </a:effectRef>
+            <a:fontRef idx="minor">
+              <a:schemeClr val="tx1"/>
+            </a:fontRef>
+          </p:style>
+        </p:cxnSp>
+        <p:pic>
+          <p:nvPicPr>
+            <p:cNvPr id="131" name="Grafik 130">
+              <a:extLst>
+                <a:ext uri="{FF2B5EF4-FFF2-40B4-BE49-F238E27FC236}">
+                  <a16:creationId xmlns:a16="http://schemas.microsoft.com/office/drawing/2014/main" id="{6BC9310F-9451-4016-9775-100E578077BA}"/>
+                </a:ext>
+              </a:extLst>
+            </p:cNvPr>
+            <p:cNvPicPr>
+              <a:picLocks noChangeAspect="1"/>
+            </p:cNvPicPr>
+            <p:nvPr/>
+          </p:nvPicPr>
+          <p:blipFill rotWithShape="1">
+            <a:blip r:embed="rId26">
+              <a:extLst>
+                <a:ext uri="{28A0092B-C50C-407E-A947-70E740481C1C}">
+                  <a14:useLocalDpi xmlns:a14="http://schemas.microsoft.com/office/drawing/2010/main" val="0"/>
+                </a:ext>
+              </a:extLst>
+            </a:blip>
+            <a:srcRect l="42068" t="20351" r="42113" b="27628"/>
+            <a:stretch/>
+          </p:blipFill>
+          <p:spPr>
+            <a:xfrm>
+              <a:off x="2091728" y="1773005"/>
+              <a:ext cx="657793" cy="1411724"/>
+            </a:xfrm>
+            <a:prstGeom prst="rect">
+              <a:avLst/>
+            </a:prstGeom>
+          </p:spPr>
+        </p:pic>
+        <p:cxnSp>
+          <p:nvCxnSpPr>
+            <p:cNvPr id="137" name="Gerade Verbindung mit Pfeil 136">
+              <a:extLst>
+                <a:ext uri="{FF2B5EF4-FFF2-40B4-BE49-F238E27FC236}">
+                  <a16:creationId xmlns:a16="http://schemas.microsoft.com/office/drawing/2014/main" id="{89447557-2C66-409B-AE68-6C85946CB644}"/>
+                </a:ext>
+              </a:extLst>
+            </p:cNvPr>
+            <p:cNvCxnSpPr>
+              <a:cxnSpLocks/>
+              <a:stCxn id="254" idx="0"/>
+              <a:endCxn id="131" idx="2"/>
+            </p:cNvCxnSpPr>
+            <p:nvPr/>
+          </p:nvCxnSpPr>
+          <p:spPr>
+            <a:xfrm flipH="1" flipV="1">
+              <a:off x="2420625" y="3184729"/>
+              <a:ext cx="4482" cy="182977"/>
+            </a:xfrm>
+            <a:prstGeom prst="straightConnector1">
+              <a:avLst/>
+            </a:prstGeom>
+            <a:ln w="25400">
+              <a:solidFill>
+                <a:schemeClr val="tx1"/>
+              </a:solidFill>
+              <a:tailEnd type="triangle"/>
+            </a:ln>
+          </p:spPr>
+          <p:style>
+            <a:lnRef idx="1">
+              <a:schemeClr val="accent1"/>
+            </a:lnRef>
+            <a:fillRef idx="0">
+              <a:schemeClr val="accent1"/>
+            </a:fillRef>
+            <a:effectRef idx="0">
+              <a:schemeClr val="accent1"/>
+            </a:effectRef>
+            <a:fontRef idx="minor">
+              <a:schemeClr val="tx1"/>
+            </a:fontRef>
+          </p:style>
+        </p:cxnSp>
+        <p:pic>
+          <p:nvPicPr>
+            <p:cNvPr id="140" name="Grafik 139" descr="Ein Bild, das Feuerwerk enthält.&#10;&#10;Automatisch generierte Beschreibung">
+              <a:extLst>
+                <a:ext uri="{FF2B5EF4-FFF2-40B4-BE49-F238E27FC236}">
+                  <a16:creationId xmlns:a16="http://schemas.microsoft.com/office/drawing/2014/main" id="{E0AD5AF4-BE8C-444A-B6D2-68B2E32495D2}"/>
+                </a:ext>
+              </a:extLst>
+            </p:cNvPr>
+            <p:cNvPicPr>
+              <a:picLocks noChangeAspect="1"/>
+            </p:cNvPicPr>
+            <p:nvPr/>
+          </p:nvPicPr>
+          <p:blipFill rotWithShape="1">
+            <a:blip r:embed="rId27">
+              <a:extLst>
+                <a:ext uri="{28A0092B-C50C-407E-A947-70E740481C1C}">
+                  <a14:useLocalDpi xmlns:a14="http://schemas.microsoft.com/office/drawing/2010/main" val="0"/>
+                </a:ext>
+              </a:extLst>
+            </a:blip>
+            <a:srcRect l="38031" t="18956" r="36864" b="26268"/>
+            <a:stretch/>
+          </p:blipFill>
+          <p:spPr>
+            <a:xfrm>
+              <a:off x="6053673" y="4733729"/>
+              <a:ext cx="1228350" cy="1760363"/>
+            </a:xfrm>
+            <a:prstGeom prst="rect">
+              <a:avLst/>
+            </a:prstGeom>
+          </p:spPr>
+        </p:pic>
+        <p:pic>
+          <p:nvPicPr>
+            <p:cNvPr id="188" name="Grafik 187">
+              <a:extLst>
+                <a:ext uri="{FF2B5EF4-FFF2-40B4-BE49-F238E27FC236}">
+                  <a16:creationId xmlns:a16="http://schemas.microsoft.com/office/drawing/2014/main" id="{85F76393-1A59-441E-9E50-323466CFDD9A}"/>
+                </a:ext>
+              </a:extLst>
+            </p:cNvPr>
+            <p:cNvPicPr>
+              <a:picLocks noChangeAspect="1"/>
+            </p:cNvPicPr>
+            <p:nvPr>
+              <p:custDataLst>
+                <p:tags r:id="rId3"/>
+              </p:custDataLst>
+            </p:nvPr>
+          </p:nvPicPr>
+          <p:blipFill>
+            <a:blip r:embed="rId28">
+              <a:extLst>
+                <a:ext uri="{28A0092B-C50C-407E-A947-70E740481C1C}">
+                  <a14:useLocalDpi xmlns:a14="http://schemas.microsoft.com/office/drawing/2010/main" val="0"/>
+                </a:ext>
+              </a:extLst>
+            </a:blip>
+            <a:stretch>
+              <a:fillRect/>
+            </a:stretch>
+          </p:blipFill>
+          <p:spPr>
+            <a:xfrm>
+              <a:off x="10439821" y="2800460"/>
+              <a:ext cx="2179657" cy="237600"/>
+            </a:xfrm>
+            <a:prstGeom prst="rect">
+              <a:avLst/>
+            </a:prstGeom>
+          </p:spPr>
+        </p:pic>
+        <p:pic>
+          <p:nvPicPr>
+            <p:cNvPr id="176" name="Grafik 175">
+              <a:extLst>
+                <a:ext uri="{FF2B5EF4-FFF2-40B4-BE49-F238E27FC236}">
+                  <a16:creationId xmlns:a16="http://schemas.microsoft.com/office/drawing/2014/main" id="{1507A4BE-59A7-46F3-A33F-277F24BA2E0C}"/>
+                </a:ext>
+              </a:extLst>
+            </p:cNvPr>
+            <p:cNvPicPr>
+              <a:picLocks noChangeAspect="1"/>
+            </p:cNvPicPr>
+            <p:nvPr>
+              <p:custDataLst>
+                <p:tags r:id="rId4"/>
+              </p:custDataLst>
+            </p:nvPr>
+          </p:nvPicPr>
+          <p:blipFill>
+            <a:blip r:embed="rId29">
+              <a:extLst>
+                <a:ext uri="{28A0092B-C50C-407E-A947-70E740481C1C}">
+                  <a14:useLocalDpi xmlns:a14="http://schemas.microsoft.com/office/drawing/2010/main" val="0"/>
+                </a:ext>
+              </a:extLst>
+            </a:blip>
+            <a:stretch>
+              <a:fillRect/>
+            </a:stretch>
+          </p:blipFill>
+          <p:spPr>
+            <a:xfrm>
+              <a:off x="4342987" y="4931576"/>
+              <a:ext cx="1292466" cy="199419"/>
+            </a:xfrm>
+            <a:prstGeom prst="rect">
+              <a:avLst/>
+            </a:prstGeom>
+          </p:spPr>
+        </p:pic>
+        <p:pic>
+          <p:nvPicPr>
+            <p:cNvPr id="195" name="Grafik 194">
+              <a:extLst>
+                <a:ext uri="{FF2B5EF4-FFF2-40B4-BE49-F238E27FC236}">
+                  <a16:creationId xmlns:a16="http://schemas.microsoft.com/office/drawing/2014/main" id="{1FBAE77A-C79C-4C7E-8369-A03C94CCE22D}"/>
+                </a:ext>
+              </a:extLst>
+            </p:cNvPr>
+            <p:cNvPicPr>
+              <a:picLocks noChangeAspect="1"/>
+            </p:cNvPicPr>
+            <p:nvPr>
+              <p:custDataLst>
+                <p:tags r:id="rId5"/>
+              </p:custDataLst>
+            </p:nvPr>
+          </p:nvPicPr>
+          <p:blipFill>
+            <a:blip r:embed="rId30">
+              <a:extLst>
+                <a:ext uri="{28A0092B-C50C-407E-A947-70E740481C1C}">
+                  <a14:useLocalDpi xmlns:a14="http://schemas.microsoft.com/office/drawing/2010/main" val="0"/>
+                </a:ext>
+              </a:extLst>
+            </a:blip>
+            <a:stretch>
+              <a:fillRect/>
+            </a:stretch>
+          </p:blipFill>
+          <p:spPr>
+            <a:xfrm rot="16200000">
+              <a:off x="3106883" y="3274859"/>
+              <a:ext cx="1244438" cy="147133"/>
+            </a:xfrm>
+            <a:prstGeom prst="rect">
+              <a:avLst/>
+            </a:prstGeom>
+          </p:spPr>
+        </p:pic>
+        <p:grpSp>
+          <p:nvGrpSpPr>
+            <p:cNvPr id="229" name="Gruppieren 228">
+              <a:extLst>
+                <a:ext uri="{FF2B5EF4-FFF2-40B4-BE49-F238E27FC236}">
+                  <a16:creationId xmlns:a16="http://schemas.microsoft.com/office/drawing/2014/main" id="{CE97AA5C-B66C-441C-9274-E347176F2D38}"/>
+                </a:ext>
+              </a:extLst>
+            </p:cNvPr>
+            <p:cNvGrpSpPr/>
+            <p:nvPr/>
+          </p:nvGrpSpPr>
+          <p:grpSpPr>
+            <a:xfrm rot="16200000">
+              <a:off x="5813930" y="3242578"/>
+              <a:ext cx="1482876" cy="372844"/>
+              <a:chOff x="7448108" y="591390"/>
+              <a:chExt cx="1482876" cy="372844"/>
+            </a:xfrm>
+          </p:grpSpPr>
+          <p:pic>
+            <p:nvPicPr>
+              <p:cNvPr id="212" name="Grafik 211">
+                <a:extLst>
+                  <a:ext uri="{FF2B5EF4-FFF2-40B4-BE49-F238E27FC236}">
+                    <a16:creationId xmlns:a16="http://schemas.microsoft.com/office/drawing/2014/main" id="{DB3DEFC3-9AEA-4BDB-94FE-8248450331D0}"/>
+                  </a:ext>
+                </a:extLst>
+              </p:cNvPr>
+              <p:cNvPicPr>
+                <a:picLocks noChangeAspect="1"/>
+              </p:cNvPicPr>
+              <p:nvPr>
+                <p:custDataLst>
+                  <p:tags r:id="rId13"/>
+                </p:custDataLst>
+              </p:nvPr>
+            </p:nvPicPr>
+            <p:blipFill>
+              <a:blip r:embed="rId31">
+                <a:extLst>
+                  <a:ext uri="{28A0092B-C50C-407E-A947-70E740481C1C}">
+                    <a14:useLocalDpi xmlns:a14="http://schemas.microsoft.com/office/drawing/2010/main" val="0"/>
+                  </a:ext>
+                </a:extLst>
+              </a:blip>
+              <a:stretch>
+                <a:fillRect/>
+              </a:stretch>
+            </p:blipFill>
+            <p:spPr>
+              <a:xfrm>
+                <a:off x="7448108" y="591390"/>
+                <a:ext cx="1482876" cy="150785"/>
+              </a:xfrm>
+              <a:prstGeom prst="rect">
+                <a:avLst/>
+              </a:prstGeom>
+            </p:spPr>
+          </p:pic>
+          <p:pic>
+            <p:nvPicPr>
+              <p:cNvPr id="215" name="Grafik 214">
+                <a:extLst>
+                  <a:ext uri="{FF2B5EF4-FFF2-40B4-BE49-F238E27FC236}">
+                    <a16:creationId xmlns:a16="http://schemas.microsoft.com/office/drawing/2014/main" id="{B4647DBB-55E0-4B67-B50F-0FFC24BBD133}"/>
+                  </a:ext>
+                </a:extLst>
+              </p:cNvPr>
+              <p:cNvPicPr>
+                <a:picLocks noChangeAspect="1"/>
+              </p:cNvPicPr>
+              <p:nvPr>
+                <p:custDataLst>
+                  <p:tags r:id="rId14"/>
+                </p:custDataLst>
+              </p:nvPr>
+            </p:nvPicPr>
+            <p:blipFill>
+              <a:blip r:embed="rId32">
+                <a:extLst>
+                  <a:ext uri="{28A0092B-C50C-407E-A947-70E740481C1C}">
+                    <a14:useLocalDpi xmlns:a14="http://schemas.microsoft.com/office/drawing/2010/main" val="0"/>
+                  </a:ext>
+                </a:extLst>
+              </a:blip>
+              <a:stretch>
+                <a:fillRect/>
+              </a:stretch>
+            </p:blipFill>
+            <p:spPr>
+              <a:xfrm>
+                <a:off x="7594923" y="819750"/>
+                <a:ext cx="1177568" cy="144484"/>
+              </a:xfrm>
+              <a:prstGeom prst="rect">
+                <a:avLst/>
+              </a:prstGeom>
+            </p:spPr>
+          </p:pic>
+        </p:grpSp>
+        <p:grpSp>
+          <p:nvGrpSpPr>
+            <p:cNvPr id="216" name="Gruppieren 215">
+              <a:extLst>
+                <a:ext uri="{FF2B5EF4-FFF2-40B4-BE49-F238E27FC236}">
+                  <a16:creationId xmlns:a16="http://schemas.microsoft.com/office/drawing/2014/main" id="{DCA97463-6A2B-4358-80E7-9F268DE719E3}"/>
+                </a:ext>
+              </a:extLst>
+            </p:cNvPr>
+            <p:cNvGrpSpPr/>
+            <p:nvPr/>
+          </p:nvGrpSpPr>
+          <p:grpSpPr>
+            <a:xfrm>
+              <a:off x="7118869" y="3374623"/>
+              <a:ext cx="1926455" cy="1023151"/>
+              <a:chOff x="1351130" y="5174259"/>
+              <a:chExt cx="1926455" cy="1023151"/>
+            </a:xfrm>
+          </p:grpSpPr>
+          <p:sp>
+            <p:nvSpPr>
+              <p:cNvPr id="217" name="Rechteck: abgerundete Ecken 216">
+                <a:extLst>
+                  <a:ext uri="{FF2B5EF4-FFF2-40B4-BE49-F238E27FC236}">
+                    <a16:creationId xmlns:a16="http://schemas.microsoft.com/office/drawing/2014/main" id="{C6118E7A-9121-49F6-B4F1-4E7F41B0706E}"/>
+                  </a:ext>
+                </a:extLst>
+              </p:cNvPr>
+              <p:cNvSpPr/>
+              <p:nvPr/>
+            </p:nvSpPr>
+            <p:spPr>
+              <a:xfrm>
+                <a:off x="1351130" y="5174259"/>
+                <a:ext cx="1926455" cy="1023151"/>
+              </a:xfrm>
+              <a:prstGeom prst="roundRect">
+                <a:avLst/>
+              </a:prstGeom>
+              <a:solidFill>
+                <a:srgbClr val="25BCFF"/>
+              </a:solidFill>
+              <a:ln>
+                <a:noFill/>
+              </a:ln>
+            </p:spPr>
+            <p:style>
+              <a:lnRef idx="2">
+                <a:schemeClr val="accent1">
+                  <a:shade val="50000"/>
+                </a:schemeClr>
+              </a:lnRef>
+              <a:fillRef idx="1">
+                <a:schemeClr val="accent1"/>
+              </a:fillRef>
+              <a:effectRef idx="0">
+                <a:schemeClr val="accent1"/>
+              </a:effectRef>
+              <a:fontRef idx="minor">
+                <a:schemeClr val="lt1"/>
+              </a:fontRef>
+            </p:style>
+            <p:txBody>
+              <a:bodyPr rtlCol="0" anchor="ctr"/>
+              <a:lstStyle/>
+              <a:p>
+                <a:pPr algn="ctr"/>
+                <a:endParaRPr lang="en-GB" dirty="0">
+                  <a:solidFill>
+                    <a:srgbClr val="3399FF"/>
+                  </a:solidFill>
+                </a:endParaRPr>
+              </a:p>
+            </p:txBody>
+          </p:sp>
+          <p:pic>
+            <p:nvPicPr>
+              <p:cNvPr id="218" name="Grafik 217">
+                <a:extLst>
+                  <a:ext uri="{FF2B5EF4-FFF2-40B4-BE49-F238E27FC236}">
+                    <a16:creationId xmlns:a16="http://schemas.microsoft.com/office/drawing/2014/main" id="{F803C7C4-003F-4888-B7A0-6A504669F3B4}"/>
+                  </a:ext>
+                </a:extLst>
+              </p:cNvPr>
+              <p:cNvPicPr>
+                <a:picLocks noChangeAspect="1"/>
+              </p:cNvPicPr>
+              <p:nvPr>
+                <p:custDataLst>
+                  <p:tags r:id="rId12"/>
+                </p:custDataLst>
+              </p:nvPr>
+            </p:nvPicPr>
+            <p:blipFill>
+              <a:blip r:embed="rId33">
+                <a:extLst>
+                  <a:ext uri="{28A0092B-C50C-407E-A947-70E740481C1C}">
+                    <a14:useLocalDpi xmlns:a14="http://schemas.microsoft.com/office/drawing/2010/main" val="0"/>
+                  </a:ext>
+                </a:extLst>
+              </a:blip>
+              <a:stretch>
+                <a:fillRect/>
+              </a:stretch>
+            </p:blipFill>
+            <p:spPr>
+              <a:xfrm>
+                <a:off x="1595951" y="5562248"/>
+                <a:ext cx="1445933" cy="242003"/>
+              </a:xfrm>
+              <a:prstGeom prst="rect">
+                <a:avLst/>
+              </a:prstGeom>
+            </p:spPr>
+          </p:pic>
+        </p:grpSp>
+        <p:grpSp>
+          <p:nvGrpSpPr>
+            <p:cNvPr id="239" name="Gruppieren 238">
+              <a:extLst>
+                <a:ext uri="{FF2B5EF4-FFF2-40B4-BE49-F238E27FC236}">
+                  <a16:creationId xmlns:a16="http://schemas.microsoft.com/office/drawing/2014/main" id="{2DDAB05F-75CD-466F-84E1-699FA74B6BB3}"/>
+                </a:ext>
+              </a:extLst>
+            </p:cNvPr>
+            <p:cNvGrpSpPr/>
+            <p:nvPr/>
+          </p:nvGrpSpPr>
+          <p:grpSpPr>
+            <a:xfrm>
+              <a:off x="9190836" y="2701500"/>
+              <a:ext cx="349376" cy="1890431"/>
+              <a:chOff x="9226970" y="3102313"/>
+              <a:chExt cx="349376" cy="1890431"/>
+            </a:xfrm>
+          </p:grpSpPr>
+          <p:pic>
+            <p:nvPicPr>
+              <p:cNvPr id="238" name="Grafik 237">
+                <a:extLst>
+                  <a:ext uri="{FF2B5EF4-FFF2-40B4-BE49-F238E27FC236}">
+                    <a16:creationId xmlns:a16="http://schemas.microsoft.com/office/drawing/2014/main" id="{0EFE77B8-2BBF-4621-890B-89CF9CAE27FD}"/>
+                  </a:ext>
+                </a:extLst>
+              </p:cNvPr>
+              <p:cNvPicPr>
+                <a:picLocks noChangeAspect="1"/>
+              </p:cNvPicPr>
+              <p:nvPr>
+                <p:custDataLst>
+                  <p:tags r:id="rId10"/>
+                </p:custDataLst>
+              </p:nvPr>
+            </p:nvPicPr>
+            <p:blipFill>
+              <a:blip r:embed="rId34">
+                <a:extLst>
+                  <a:ext uri="{28A0092B-C50C-407E-A947-70E740481C1C}">
+                    <a14:useLocalDpi xmlns:a14="http://schemas.microsoft.com/office/drawing/2010/main" val="0"/>
+                  </a:ext>
+                </a:extLst>
+              </a:blip>
+              <a:stretch>
+                <a:fillRect/>
+              </a:stretch>
+            </p:blipFill>
+            <p:spPr>
+              <a:xfrm rot="16200000">
+                <a:off x="8375355" y="3953928"/>
+                <a:ext cx="1890431" cy="187201"/>
+              </a:xfrm>
+              <a:prstGeom prst="rect">
+                <a:avLst/>
+              </a:prstGeom>
+            </p:spPr>
+          </p:pic>
+          <p:pic>
+            <p:nvPicPr>
+              <p:cNvPr id="236" name="Grafik 235">
+                <a:extLst>
+                  <a:ext uri="{FF2B5EF4-FFF2-40B4-BE49-F238E27FC236}">
+                    <a16:creationId xmlns:a16="http://schemas.microsoft.com/office/drawing/2014/main" id="{50A273CC-9120-4563-91A4-5615FD135860}"/>
+                  </a:ext>
+                </a:extLst>
+              </p:cNvPr>
+              <p:cNvPicPr>
+                <a:picLocks noChangeAspect="1"/>
+              </p:cNvPicPr>
+              <p:nvPr>
+                <p:custDataLst>
+                  <p:tags r:id="rId11"/>
+                </p:custDataLst>
+              </p:nvPr>
+            </p:nvPicPr>
+            <p:blipFill>
+              <a:blip r:embed="rId32">
+                <a:extLst>
+                  <a:ext uri="{28A0092B-C50C-407E-A947-70E740481C1C}">
+                    <a14:useLocalDpi xmlns:a14="http://schemas.microsoft.com/office/drawing/2010/main" val="0"/>
+                  </a:ext>
+                </a:extLst>
+              </a:blip>
+              <a:stretch>
+                <a:fillRect/>
+              </a:stretch>
+            </p:blipFill>
+            <p:spPr>
+              <a:xfrm rot="16200000">
+                <a:off x="8915320" y="3991386"/>
+                <a:ext cx="1177568" cy="144484"/>
+              </a:xfrm>
+              <a:prstGeom prst="rect">
+                <a:avLst/>
+              </a:prstGeom>
+            </p:spPr>
+          </p:pic>
+        </p:grpSp>
+        <p:grpSp>
+          <p:nvGrpSpPr>
+            <p:cNvPr id="253" name="Gruppieren 252">
+              <a:extLst>
+                <a:ext uri="{FF2B5EF4-FFF2-40B4-BE49-F238E27FC236}">
+                  <a16:creationId xmlns:a16="http://schemas.microsoft.com/office/drawing/2014/main" id="{91156795-15A6-4BD5-B598-2AEC7AC2F9E5}"/>
+                </a:ext>
+              </a:extLst>
+            </p:cNvPr>
+            <p:cNvGrpSpPr/>
+            <p:nvPr/>
+          </p:nvGrpSpPr>
+          <p:grpSpPr>
+            <a:xfrm>
+              <a:off x="1461879" y="3367706"/>
+              <a:ext cx="1926455" cy="1023151"/>
+              <a:chOff x="7058019" y="914838"/>
+              <a:chExt cx="1926455" cy="1023151"/>
+            </a:xfrm>
+          </p:grpSpPr>
+          <p:sp>
+            <p:nvSpPr>
+              <p:cNvPr id="254" name="Rechteck: abgerundete Ecken 253">
+                <a:extLst>
+                  <a:ext uri="{FF2B5EF4-FFF2-40B4-BE49-F238E27FC236}">
+                    <a16:creationId xmlns:a16="http://schemas.microsoft.com/office/drawing/2014/main" id="{A27BA2ED-07FC-444B-9A26-C4FFDCDF7F36}"/>
+                  </a:ext>
+                </a:extLst>
+              </p:cNvPr>
+              <p:cNvSpPr/>
+              <p:nvPr/>
+            </p:nvSpPr>
+            <p:spPr>
+              <a:xfrm>
+                <a:off x="7058019" y="914838"/>
+                <a:ext cx="1926455" cy="1023151"/>
+              </a:xfrm>
+              <a:prstGeom prst="roundRect">
+                <a:avLst/>
+              </a:prstGeom>
+              <a:solidFill>
+                <a:srgbClr val="FFFD39"/>
+              </a:solidFill>
+              <a:ln>
+                <a:noFill/>
+              </a:ln>
+            </p:spPr>
+            <p:style>
+              <a:lnRef idx="2">
+                <a:schemeClr val="accent1">
+                  <a:shade val="50000"/>
+                </a:schemeClr>
+              </a:lnRef>
+              <a:fillRef idx="1">
+                <a:schemeClr val="accent1"/>
+              </a:fillRef>
+              <a:effectRef idx="0">
+                <a:schemeClr val="accent1"/>
+              </a:effectRef>
+              <a:fontRef idx="minor">
+                <a:schemeClr val="lt1"/>
+              </a:fontRef>
+            </p:style>
+            <p:txBody>
+              <a:bodyPr rtlCol="0" anchor="ctr"/>
+              <a:lstStyle/>
+              <a:p>
+                <a:pPr algn="ctr"/>
+                <a:endParaRPr lang="en-GB" dirty="0"/>
+              </a:p>
+            </p:txBody>
+          </p:sp>
+          <p:pic>
+            <p:nvPicPr>
+              <p:cNvPr id="255" name="Grafik 254">
+                <a:extLst>
+                  <a:ext uri="{FF2B5EF4-FFF2-40B4-BE49-F238E27FC236}">
+                    <a16:creationId xmlns:a16="http://schemas.microsoft.com/office/drawing/2014/main" id="{EFC84804-F152-4216-AF74-2BD1624CA8A9}"/>
+                  </a:ext>
+                </a:extLst>
+              </p:cNvPr>
+              <p:cNvPicPr>
+                <a:picLocks noChangeAspect="1"/>
+              </p:cNvPicPr>
+              <p:nvPr>
+                <p:custDataLst>
+                  <p:tags r:id="rId8"/>
+                </p:custDataLst>
+              </p:nvPr>
+            </p:nvPicPr>
+            <p:blipFill>
+              <a:blip r:embed="rId35">
+                <a:extLst>
+                  <a:ext uri="{28A0092B-C50C-407E-A947-70E740481C1C}">
+                    <a14:useLocalDpi xmlns:a14="http://schemas.microsoft.com/office/drawing/2010/main" val="0"/>
+                  </a:ext>
+                </a:extLst>
+              </a:blip>
+              <a:stretch>
+                <a:fillRect/>
+              </a:stretch>
+            </p:blipFill>
+            <p:spPr>
+              <a:xfrm>
+                <a:off x="7567756" y="1162914"/>
+                <a:ext cx="906980" cy="192615"/>
+              </a:xfrm>
+              <a:prstGeom prst="rect">
+                <a:avLst/>
+              </a:prstGeom>
+            </p:spPr>
+          </p:pic>
+          <p:pic>
+            <p:nvPicPr>
+              <p:cNvPr id="256" name="Grafik 255">
+                <a:extLst>
+                  <a:ext uri="{FF2B5EF4-FFF2-40B4-BE49-F238E27FC236}">
+                    <a16:creationId xmlns:a16="http://schemas.microsoft.com/office/drawing/2014/main" id="{9534DEA7-156D-4228-AF27-C06CBC4BF4B4}"/>
+                  </a:ext>
+                </a:extLst>
+              </p:cNvPr>
+              <p:cNvPicPr>
+                <a:picLocks noChangeAspect="1"/>
+              </p:cNvPicPr>
+              <p:nvPr>
+                <p:custDataLst>
+                  <p:tags r:id="rId9"/>
+                </p:custDataLst>
+              </p:nvPr>
+            </p:nvPicPr>
+            <p:blipFill>
+              <a:blip r:embed="rId36">
+                <a:extLst>
+                  <a:ext uri="{28A0092B-C50C-407E-A947-70E740481C1C}">
+                    <a14:useLocalDpi xmlns:a14="http://schemas.microsoft.com/office/drawing/2010/main" val="0"/>
+                  </a:ext>
+                </a:extLst>
+              </a:blip>
+              <a:stretch>
+                <a:fillRect/>
+              </a:stretch>
+            </p:blipFill>
+            <p:spPr>
+              <a:xfrm>
+                <a:off x="7404100" y="1501708"/>
+                <a:ext cx="1236917" cy="192591"/>
+              </a:xfrm>
+              <a:prstGeom prst="rect">
+                <a:avLst/>
+              </a:prstGeom>
+            </p:spPr>
+          </p:pic>
+        </p:grpSp>
+        <p:grpSp>
+          <p:nvGrpSpPr>
+            <p:cNvPr id="257" name="Gruppieren 256">
+              <a:extLst>
+                <a:ext uri="{FF2B5EF4-FFF2-40B4-BE49-F238E27FC236}">
+                  <a16:creationId xmlns:a16="http://schemas.microsoft.com/office/drawing/2014/main" id="{207C722C-DB5B-4FA5-B8B5-58AA23D404AE}"/>
+                </a:ext>
+              </a:extLst>
+            </p:cNvPr>
+            <p:cNvGrpSpPr/>
+            <p:nvPr/>
+          </p:nvGrpSpPr>
+          <p:grpSpPr>
+            <a:xfrm>
+              <a:off x="9947364" y="3374621"/>
+              <a:ext cx="1926455" cy="1023151"/>
+              <a:chOff x="7324119" y="914838"/>
+              <a:chExt cx="1926455" cy="1023151"/>
+            </a:xfrm>
+          </p:grpSpPr>
+          <p:sp>
+            <p:nvSpPr>
+              <p:cNvPr id="258" name="Rechteck: abgerundete Ecken 257">
+                <a:extLst>
+                  <a:ext uri="{FF2B5EF4-FFF2-40B4-BE49-F238E27FC236}">
+                    <a16:creationId xmlns:a16="http://schemas.microsoft.com/office/drawing/2014/main" id="{4FEB8629-9485-4EFB-B0DF-3D3DFDA21BFB}"/>
+                  </a:ext>
+                </a:extLst>
+              </p:cNvPr>
+              <p:cNvSpPr/>
+              <p:nvPr/>
+            </p:nvSpPr>
+            <p:spPr>
+              <a:xfrm>
+                <a:off x="7324119" y="914838"/>
+                <a:ext cx="1926455" cy="1023151"/>
+              </a:xfrm>
+              <a:prstGeom prst="roundRect">
+                <a:avLst/>
+              </a:prstGeom>
+              <a:solidFill>
+                <a:srgbClr val="FF5B5B"/>
+              </a:solidFill>
+              <a:ln>
+                <a:noFill/>
+              </a:ln>
+            </p:spPr>
+            <p:style>
+              <a:lnRef idx="2">
+                <a:schemeClr val="accent1">
+                  <a:shade val="50000"/>
+                </a:schemeClr>
+              </a:lnRef>
+              <a:fillRef idx="1">
+                <a:schemeClr val="accent1"/>
+              </a:fillRef>
+              <a:effectRef idx="0">
+                <a:schemeClr val="accent1"/>
+              </a:effectRef>
+              <a:fontRef idx="minor">
+                <a:schemeClr val="lt1"/>
+              </a:fontRef>
+            </p:style>
+            <p:txBody>
+              <a:bodyPr rtlCol="0" anchor="ctr"/>
+              <a:lstStyle/>
+              <a:p>
+                <a:pPr algn="ctr"/>
+                <a:endParaRPr lang="en-GB" dirty="0"/>
+              </a:p>
+            </p:txBody>
+          </p:sp>
+          <p:pic>
+            <p:nvPicPr>
+              <p:cNvPr id="259" name="Grafik 258">
+                <a:extLst>
+                  <a:ext uri="{FF2B5EF4-FFF2-40B4-BE49-F238E27FC236}">
+                    <a16:creationId xmlns:a16="http://schemas.microsoft.com/office/drawing/2014/main" id="{11986100-0231-4AC7-9B52-0D7676D713D4}"/>
+                  </a:ext>
+                </a:extLst>
+              </p:cNvPr>
+              <p:cNvPicPr>
+                <a:picLocks noChangeAspect="1"/>
+              </p:cNvPicPr>
+              <p:nvPr>
+                <p:custDataLst>
+                  <p:tags r:id="rId6"/>
+                </p:custDataLst>
+              </p:nvPr>
+            </p:nvPicPr>
+            <p:blipFill>
+              <a:blip r:embed="rId37">
+                <a:extLst>
+                  <a:ext uri="{28A0092B-C50C-407E-A947-70E740481C1C}">
+                    <a14:useLocalDpi xmlns:a14="http://schemas.microsoft.com/office/drawing/2010/main" val="0"/>
+                  </a:ext>
+                </a:extLst>
+              </a:blip>
+              <a:stretch>
+                <a:fillRect/>
+              </a:stretch>
+            </p:blipFill>
+            <p:spPr>
+              <a:xfrm>
+                <a:off x="7902380" y="1157100"/>
+                <a:ext cx="769932" cy="190968"/>
+              </a:xfrm>
+              <a:prstGeom prst="rect">
+                <a:avLst/>
+              </a:prstGeom>
+            </p:spPr>
+          </p:pic>
+          <p:pic>
+            <p:nvPicPr>
+              <p:cNvPr id="260" name="Grafik 259">
+                <a:extLst>
+                  <a:ext uri="{FF2B5EF4-FFF2-40B4-BE49-F238E27FC236}">
+                    <a16:creationId xmlns:a16="http://schemas.microsoft.com/office/drawing/2014/main" id="{FE18EBC8-FFF6-4539-88A0-B264DF852D01}"/>
+                  </a:ext>
+                </a:extLst>
+              </p:cNvPr>
+              <p:cNvPicPr>
+                <a:picLocks noChangeAspect="1"/>
+              </p:cNvPicPr>
+              <p:nvPr>
+                <p:custDataLst>
+                  <p:tags r:id="rId7"/>
+                </p:custDataLst>
+              </p:nvPr>
+            </p:nvPicPr>
+            <p:blipFill>
+              <a:blip r:embed="rId36">
+                <a:extLst>
+                  <a:ext uri="{28A0092B-C50C-407E-A947-70E740481C1C}">
+                    <a14:useLocalDpi xmlns:a14="http://schemas.microsoft.com/office/drawing/2010/main" val="0"/>
+                  </a:ext>
+                </a:extLst>
+              </a:blip>
+              <a:stretch>
+                <a:fillRect/>
+              </a:stretch>
+            </p:blipFill>
+            <p:spPr>
+              <a:xfrm>
+                <a:off x="7668287" y="1493748"/>
+                <a:ext cx="1238118" cy="193164"/>
+              </a:xfrm>
+              <a:prstGeom prst="rect">
+                <a:avLst/>
+              </a:prstGeom>
+            </p:spPr>
+          </p:pic>
+        </p:grpSp>
+      </p:grpSp>
     </p:spTree>
     <p:extLst>
       <p:ext uri="{BB962C8B-B14F-4D97-AF65-F5344CB8AC3E}">
         <p14:creationId xmlns:p14="http://schemas.microsoft.com/office/powerpoint/2010/main" val="3759451208"/>
+      </p:ext>
+    </p:extLst>
+  </p:cSld>
+  <p:clrMapOvr>
+    <a:masterClrMapping/>
+  </p:clrMapOvr>
+</p:sld>
+</file>
+
+<file path=ppt/slides/slide5.xml><?xml version="1.0" encoding="utf-8"?>
+<p:sld xmlns:a="http://schemas.openxmlformats.org/drawingml/2006/main" xmlns:r="http://schemas.openxmlformats.org/officeDocument/2006/relationships" xmlns:p="http://schemas.openxmlformats.org/presentationml/2006/main">
+  <p:cSld>
+    <p:spTree>
+      <p:nvGrpSpPr>
+        <p:cNvPr id="1" name=""/>
+        <p:cNvGrpSpPr/>
+        <p:nvPr/>
+      </p:nvGrpSpPr>
+      <p:grpSpPr>
+        <a:xfrm>
+          <a:off x="0" y="0"/>
+          <a:ext cx="0" cy="0"/>
+          <a:chOff x="0" y="0"/>
+          <a:chExt cx="0" cy="0"/>
+        </a:xfrm>
+      </p:grpSpPr>
+    </p:spTree>
+    <p:extLst>
+      <p:ext uri="{BB962C8B-B14F-4D97-AF65-F5344CB8AC3E}">
+        <p14:creationId xmlns:p14="http://schemas.microsoft.com/office/powerpoint/2010/main" val="2434083157"/>
       </p:ext>
     </p:extLst>
   </p:cSld>
@@ -6908,6 +10754,139 @@
 <file path=ppt/tags/tag11.xml><?xml version="1.0" encoding="utf-8"?>
 <p:tagLst xmlns:a="http://schemas.openxmlformats.org/drawingml/2006/main" xmlns:r="http://schemas.openxmlformats.org/officeDocument/2006/relationships" xmlns:p="http://schemas.openxmlformats.org/presentationml/2006/main">
   <p:tag name="OUTPUTDPI" val="1200"/>
+  <p:tag name="ORIGINALHEIGHT" val="86,23921"/>
+  <p:tag name="ORIGINALWIDTH" val="294,7131"/>
+  <p:tag name="LATEXADDIN" val="\documentclass{article}&#10;\usepackage{amsmath}&#10;\usepackage{color}&#10;\pagestyle{empty}&#10;\begin{document}&#10;Torso&#10;\end{document}"/>
+  <p:tag name="IGUANATEXSIZE" val="20"/>
+  <p:tag name="IGUANATEXCURSOR" val="98"/>
+  <p:tag name="TRANSPARENCY" val="Wahr"/>
+  <p:tag name="FILENAME" val=""/>
+  <p:tag name="LATEXENGINEID" val="0"/>
+  <p:tag name="TEMPFOLDER" val="c:\temp\"/>
+  <p:tag name="LATEXFORMHEIGHT" val="312"/>
+  <p:tag name="LATEXFORMWIDTH" val="384"/>
+  <p:tag name="LATEXFORMWRAP" val="Wahr"/>
+  <p:tag name="BITMAPVECTOR" val="0"/>
+</p:tagLst>
+</file>
+
+<file path=ppt/tags/tag12.xml><?xml version="1.0" encoding="utf-8"?>
+<p:tagLst xmlns:a="http://schemas.openxmlformats.org/drawingml/2006/main" xmlns:r="http://schemas.openxmlformats.org/officeDocument/2006/relationships" xmlns:p="http://schemas.openxmlformats.org/presentationml/2006/main">
+  <p:tag name="OUTPUTDPI" val="1200"/>
+  <p:tag name="ORIGINALHEIGHT" val="112,4859"/>
+  <p:tag name="ORIGINALWIDTH" val="1036,37"/>
+  <p:tag name="LATEXADDIN" val="\documentclass{article}&#10;\usepackage{amsmath}&#10;\usepackage{color}&#10;\pagestyle{empty}&#10;\begin{document}&#10;Left and Right Hip&#10;\end{document}"/>
+  <p:tag name="IGUANATEXSIZE" val="20"/>
+  <p:tag name="IGUANATEXCURSOR" val="98"/>
+  <p:tag name="TRANSPARENCY" val="Wahr"/>
+  <p:tag name="FILENAME" val=""/>
+  <p:tag name="LATEXENGINEID" val="0"/>
+  <p:tag name="TEMPFOLDER" val="c:\temp\"/>
+  <p:tag name="LATEXFORMHEIGHT" val="312"/>
+  <p:tag name="LATEXFORMWIDTH" val="384"/>
+  <p:tag name="LATEXFORMWRAP" val="Wahr"/>
+  <p:tag name="BITMAPVECTOR" val="0"/>
+</p:tagLst>
+</file>
+
+<file path=ppt/tags/tag13.xml><?xml version="1.0" encoding="utf-8"?>
+<p:tagLst xmlns:a="http://schemas.openxmlformats.org/drawingml/2006/main" xmlns:r="http://schemas.openxmlformats.org/officeDocument/2006/relationships" xmlns:p="http://schemas.openxmlformats.org/presentationml/2006/main">
+  <p:tag name="OUTPUTDPI" val="1200"/>
+  <p:tag name="ORIGINALHEIGHT" val="112,4859"/>
+  <p:tag name="ORIGINALWIDTH" val="1116,61"/>
+  <p:tag name="LATEXADDIN" val="\documentclass{article}&#10;\usepackage{amsmath}&#10;\usepackage{color}&#10;\pagestyle{empty}&#10;\begin{document}&#10;Left and Right Knee&#10;\end{document}"/>
+  <p:tag name="IGUANATEXSIZE" val="20"/>
+  <p:tag name="IGUANATEXCURSOR" val="98"/>
+  <p:tag name="TRANSPARENCY" val="Wahr"/>
+  <p:tag name="FILENAME" val=""/>
+  <p:tag name="LATEXENGINEID" val="0"/>
+  <p:tag name="TEMPFOLDER" val="c:\temp\"/>
+  <p:tag name="LATEXFORMHEIGHT" val="312"/>
+  <p:tag name="LATEXFORMWIDTH" val="384"/>
+  <p:tag name="LATEXFORMWRAP" val="Wahr"/>
+  <p:tag name="BITMAPVECTOR" val="0"/>
+</p:tagLst>
+</file>
+
+<file path=ppt/tags/tag14.xml><?xml version="1.0" encoding="utf-8"?>
+<p:tagLst xmlns:a="http://schemas.openxmlformats.org/drawingml/2006/main" xmlns:r="http://schemas.openxmlformats.org/officeDocument/2006/relationships" xmlns:p="http://schemas.openxmlformats.org/presentationml/2006/main">
+  <p:tag name="OUTPUTDPI" val="1200"/>
+  <p:tag name="ORIGINALHEIGHT" val="112,4859"/>
+  <p:tag name="ORIGINALWIDTH" val="1084,364"/>
+  <p:tag name="LATEXADDIN" val="\documentclass{article}&#10;\usepackage{amsmath}&#10;\usepackage{color}&#10;\pagestyle{empty}&#10;\begin{document}&#10;Left and Right Foot&#10;\end{document}"/>
+  <p:tag name="IGUANATEXSIZE" val="20"/>
+  <p:tag name="IGUANATEXCURSOR" val="98"/>
+  <p:tag name="TRANSPARENCY" val="Wahr"/>
+  <p:tag name="FILENAME" val=""/>
+  <p:tag name="LATEXENGINEID" val="0"/>
+  <p:tag name="TEMPFOLDER" val="c:\temp\"/>
+  <p:tag name="LATEXFORMHEIGHT" val="312"/>
+  <p:tag name="LATEXFORMWIDTH" val="384"/>
+  <p:tag name="LATEXFORMWRAP" val="Wahr"/>
+  <p:tag name="BITMAPVECTOR" val="0"/>
+</p:tagLst>
+</file>
+
+<file path=ppt/tags/tag15.xml><?xml version="1.0" encoding="utf-8"?>
+<p:tagLst xmlns:a="http://schemas.openxmlformats.org/drawingml/2006/main" xmlns:r="http://schemas.openxmlformats.org/officeDocument/2006/relationships" xmlns:p="http://schemas.openxmlformats.org/presentationml/2006/main">
+  <p:tag name="OUTPUTDPI" val="1200"/>
+  <p:tag name="ORIGINALHEIGHT" val="56,24299"/>
+  <p:tag name="ORIGINALWIDTH" val="62,99213"/>
+  <p:tag name="LATEXADDIN" val="\documentclass{article}&#10;\usepackage{amsmath}&#10;\usepackage{color}&#10;\pagestyle{empty}&#10;\begin{document}&#10;\begin{equation}&#10;x&#10;\nonumber&#10;\end{equation}&#10;\end{document}"/>
+  <p:tag name="IGUANATEXSIZE" val="20"/>
+  <p:tag name="IGUANATEXCURSOR" val="98"/>
+  <p:tag name="TRANSPARENCY" val="Wahr"/>
+  <p:tag name="FILENAME" val=""/>
+  <p:tag name="LATEXENGINEID" val="0"/>
+  <p:tag name="TEMPFOLDER" val="c:\temp\"/>
+  <p:tag name="LATEXFORMHEIGHT" val="312"/>
+  <p:tag name="LATEXFORMWIDTH" val="384"/>
+  <p:tag name="LATEXFORMWRAP" val="Wahr"/>
+  <p:tag name="BITMAPVECTOR" val="0"/>
+</p:tagLst>
+</file>
+
+<file path=ppt/tags/tag16.xml><?xml version="1.0" encoding="utf-8"?>
+<p:tagLst xmlns:a="http://schemas.openxmlformats.org/drawingml/2006/main" xmlns:r="http://schemas.openxmlformats.org/officeDocument/2006/relationships" xmlns:p="http://schemas.openxmlformats.org/presentationml/2006/main">
+  <p:tag name="OUTPUTDPI" val="1200"/>
+  <p:tag name="ORIGINALHEIGHT" val="80,24"/>
+  <p:tag name="ORIGINALWIDTH" val="58,49268"/>
+  <p:tag name="LATEXADDIN" val="\documentclass{article}&#10;\usepackage{amsmath}&#10;\usepackage{color}&#10;\pagestyle{empty}&#10;\begin{document}&#10;\begin{equation}&#10;y&#10;\nonumber&#10;\end{equation}&#10;\end{document}"/>
+  <p:tag name="IGUANATEXSIZE" val="20"/>
+  <p:tag name="IGUANATEXCURSOR" val="98"/>
+  <p:tag name="TRANSPARENCY" val="Wahr"/>
+  <p:tag name="FILENAME" val=""/>
+  <p:tag name="LATEXENGINEID" val="0"/>
+  <p:tag name="TEMPFOLDER" val="c:\temp\"/>
+  <p:tag name="LATEXFORMHEIGHT" val="312"/>
+  <p:tag name="LATEXFORMWIDTH" val="384"/>
+  <p:tag name="LATEXFORMWRAP" val="Wahr"/>
+  <p:tag name="BITMAPVECTOR" val="0"/>
+</p:tagLst>
+</file>
+
+<file path=ppt/tags/tag17.xml><?xml version="1.0" encoding="utf-8"?>
+<p:tagLst xmlns:a="http://schemas.openxmlformats.org/drawingml/2006/main" xmlns:r="http://schemas.openxmlformats.org/officeDocument/2006/relationships" xmlns:p="http://schemas.openxmlformats.org/presentationml/2006/main">
+  <p:tag name="OUTPUTDPI" val="1200"/>
+  <p:tag name="ORIGINALHEIGHT" val="56,24299"/>
+  <p:tag name="ORIGINALWIDTH" val="53,24331"/>
+  <p:tag name="LATEXADDIN" val="\documentclass{article}&#10;\usepackage{amsmath}&#10;\usepackage{color}&#10;\pagestyle{empty}&#10;\begin{document}&#10;\begin{equation}&#10;z&#10;\nonumber&#10;\end{equation}&#10;\end{document}"/>
+  <p:tag name="IGUANATEXSIZE" val="20"/>
+  <p:tag name="IGUANATEXCURSOR" val="98"/>
+  <p:tag name="TRANSPARENCY" val="Wahr"/>
+  <p:tag name="FILENAME" val=""/>
+  <p:tag name="LATEXENGINEID" val="0"/>
+  <p:tag name="TEMPFOLDER" val="c:\temp\"/>
+  <p:tag name="LATEXFORMHEIGHT" val="312"/>
+  <p:tag name="LATEXFORMWIDTH" val="384"/>
+  <p:tag name="LATEXFORMWRAP" val="Wahr"/>
+  <p:tag name="BITMAPVECTOR" val="0"/>
+</p:tagLst>
+</file>
+
+<file path=ppt/tags/tag18.xml><?xml version="1.0" encoding="utf-8"?>
+<p:tagLst xmlns:a="http://schemas.openxmlformats.org/drawingml/2006/main" xmlns:r="http://schemas.openxmlformats.org/officeDocument/2006/relationships" xmlns:p="http://schemas.openxmlformats.org/presentationml/2006/main">
+  <p:tag name="OUTPUTDPI" val="1200"/>
   <p:tag name="ORIGINALHEIGHT" val="113,9857"/>
   <p:tag name="ORIGINALWIDTH" val="837,6453"/>
   <p:tag name="LATEXADDIN" val="\documentclass{article}&#10;\usepackage{amsmath}&#10;\usepackage{color}&#10;\pagestyle{empty}&#10;\begin{document}&#10;%\color{white}&#10;Artificial Agent&#10;\end{document}"/>
@@ -6924,7 +10903,7 @@
 </p:tagLst>
 </file>
 
-<file path=ppt/tags/tag12.xml><?xml version="1.0" encoding="utf-8"?>
+<file path=ppt/tags/tag19.xml><?xml version="1.0" encoding="utf-8"?>
 <p:tagLst xmlns:a="http://schemas.openxmlformats.org/drawingml/2006/main" xmlns:r="http://schemas.openxmlformats.org/officeDocument/2006/relationships" xmlns:p="http://schemas.openxmlformats.org/presentationml/2006/main">
   <p:tag name="OUTPUTDPI" val="1200"/>
   <p:tag name="ORIGINALHEIGHT" val="87,73905"/>
@@ -6932,139 +10911,6 @@
   <p:tag name="LATEXADDIN" val="\documentclass{article}&#10;\usepackage{amsmath}&#10;\usepackage{color}&#10;\pagestyle{empty}&#10;\begin{document}&#10;%\color{white}&#10;Human User&#10;\end{document}"/>
   <p:tag name="IGUANATEXSIZE" val="20"/>
   <p:tag name="IGUANATEXCURSOR" val="124"/>
-  <p:tag name="TRANSPARENCY" val="Wahr"/>
-  <p:tag name="FILENAME" val=""/>
-  <p:tag name="LATEXENGINEID" val="0"/>
-  <p:tag name="TEMPFOLDER" val="c:\temp\"/>
-  <p:tag name="LATEXFORMHEIGHT" val="312"/>
-  <p:tag name="LATEXFORMWIDTH" val="384"/>
-  <p:tag name="LATEXFORMWRAP" val="Wahr"/>
-  <p:tag name="BITMAPVECTOR" val="0"/>
-</p:tagLst>
-</file>
-
-<file path=ppt/tags/tag13.xml><?xml version="1.0" encoding="utf-8"?>
-<p:tagLst xmlns:a="http://schemas.openxmlformats.org/drawingml/2006/main" xmlns:r="http://schemas.openxmlformats.org/officeDocument/2006/relationships" xmlns:p="http://schemas.openxmlformats.org/presentationml/2006/main">
-  <p:tag name="OUTPUTDPI" val="1200"/>
-  <p:tag name="ORIGINALHEIGHT" val="90,73866"/>
-  <p:tag name="ORIGINALWIDTH" val="597,6753"/>
-  <p:tag name="LATEXADDIN" val="\documentclass{article}&#10;\usepackage{amsmath}&#10;\usepackage{color}&#10;\pagestyle{empty}&#10;\begin{document}&#10;%\color{white}&#10;Commands&#10;\end{document}"/>
-  <p:tag name="IGUANATEXSIZE" val="20"/>
-  <p:tag name="IGUANATEXCURSOR" val="122"/>
-  <p:tag name="TRANSPARENCY" val="Wahr"/>
-  <p:tag name="FILENAME" val=""/>
-  <p:tag name="LATEXENGINEID" val="0"/>
-  <p:tag name="TEMPFOLDER" val="c:\temp\"/>
-  <p:tag name="LATEXFORMHEIGHT" val="312"/>
-  <p:tag name="LATEXFORMWIDTH" val="384"/>
-  <p:tag name="LATEXFORMWRAP" val="Wahr"/>
-  <p:tag name="BITMAPVECTOR" val="0"/>
-</p:tagLst>
-</file>
-
-<file path=ppt/tags/tag14.xml><?xml version="1.0" encoding="utf-8"?>
-<p:tagLst xmlns:a="http://schemas.openxmlformats.org/drawingml/2006/main" xmlns:r="http://schemas.openxmlformats.org/officeDocument/2006/relationships" xmlns:p="http://schemas.openxmlformats.org/presentationml/2006/main">
-  <p:tag name="OUTPUTDPI" val="1200"/>
-  <p:tag name="ORIGINALHEIGHT" val="112,4859"/>
-  <p:tag name="ORIGINALWIDTH" val="952,3809"/>
-  <p:tag name="LATEXADDIN" val="\documentclass{article}&#10;\usepackage{amsmath}&#10;\usepackage{color}&#10;\pagestyle{empty}&#10;\begin{document}&#10;%\color{white}&#10;Sensory Feedback&#10;\end{document}"/>
-  <p:tag name="IGUANATEXSIZE" val="20"/>
-  <p:tag name="IGUANATEXCURSOR" val="130"/>
-  <p:tag name="TRANSPARENCY" val="Wahr"/>
-  <p:tag name="FILENAME" val=""/>
-  <p:tag name="LATEXENGINEID" val="0"/>
-  <p:tag name="TEMPFOLDER" val="c:\temp\"/>
-  <p:tag name="LATEXFORMHEIGHT" val="312"/>
-  <p:tag name="LATEXFORMWIDTH" val="384"/>
-  <p:tag name="LATEXFORMWRAP" val="Wahr"/>
-  <p:tag name="BITMAPVECTOR" val="0"/>
-</p:tagLst>
-</file>
-
-<file path=ppt/tags/tag15.xml><?xml version="1.0" encoding="utf-8"?>
-<p:tagLst xmlns:a="http://schemas.openxmlformats.org/drawingml/2006/main" xmlns:r="http://schemas.openxmlformats.org/officeDocument/2006/relationships" xmlns:p="http://schemas.openxmlformats.org/presentationml/2006/main">
-  <p:tag name="OUTPUTDPI" val="1200"/>
-  <p:tag name="ORIGINALHEIGHT" val="111,7361"/>
-  <p:tag name="ORIGINALWIDTH" val="1127,109"/>
-  <p:tag name="LATEXADDIN" val="\documentclass{article}&#10;\usepackage{amsmath}&#10;\usepackage{color}&#10;\pagestyle{empty}&#10;\begin{document}&#10;%\color{white}&#10;Walking Trajectories&#10;\end{document}"/>
-  <p:tag name="IGUANATEXSIZE" val="20"/>
-  <p:tag name="IGUANATEXCURSOR" val="134"/>
-  <p:tag name="TRANSPARENCY" val="Wahr"/>
-  <p:tag name="FILENAME" val=""/>
-  <p:tag name="LATEXENGINEID" val="0"/>
-  <p:tag name="TEMPFOLDER" val="c:\temp\"/>
-  <p:tag name="LATEXFORMHEIGHT" val="312"/>
-  <p:tag name="LATEXFORMWIDTH" val="384"/>
-  <p:tag name="LATEXFORMWRAP" val="Wahr"/>
-  <p:tag name="BITMAPVECTOR" val="0"/>
-</p:tagLst>
-</file>
-
-<file path=ppt/tags/tag16.xml><?xml version="1.0" encoding="utf-8"?>
-<p:tagLst xmlns:a="http://schemas.openxmlformats.org/drawingml/2006/main" xmlns:r="http://schemas.openxmlformats.org/officeDocument/2006/relationships" xmlns:p="http://schemas.openxmlformats.org/presentationml/2006/main">
-  <p:tag name="OUTPUTDPI" val="1200"/>
-  <p:tag name="ORIGINALHEIGHT" val="88,48898"/>
-  <p:tag name="ORIGINALWIDTH" val="880,3899"/>
-  <p:tag name="LATEXADDIN" val="\documentclass{article}&#10;\usepackage{amsmath}&#10;\usepackage{color}&#10;\pagestyle{empty}&#10;\begin{document}&#10;%\color{white}&#10;Visual Feedback&#10;\end{document}"/>
-  <p:tag name="IGUANATEXSIZE" val="20"/>
-  <p:tag name="IGUANATEXCURSOR" val="129"/>
-  <p:tag name="TRANSPARENCY" val="Wahr"/>
-  <p:tag name="FILENAME" val=""/>
-  <p:tag name="LATEXENGINEID" val="0"/>
-  <p:tag name="TEMPFOLDER" val="c:\temp\"/>
-  <p:tag name="LATEXFORMHEIGHT" val="312"/>
-  <p:tag name="LATEXFORMWIDTH" val="384"/>
-  <p:tag name="LATEXFORMWRAP" val="Wahr"/>
-  <p:tag name="BITMAPVECTOR" val="0"/>
-</p:tagLst>
-</file>
-
-<file path=ppt/tags/tag17.xml><?xml version="1.0" encoding="utf-8"?>
-<p:tagLst xmlns:a="http://schemas.openxmlformats.org/drawingml/2006/main" xmlns:r="http://schemas.openxmlformats.org/officeDocument/2006/relationships" xmlns:p="http://schemas.openxmlformats.org/presentationml/2006/main">
-  <p:tag name="OUTPUTDPI" val="1200"/>
-  <p:tag name="ORIGINALHEIGHT" val="86,23921"/>
-  <p:tag name="ORIGINALWIDTH" val="407,949"/>
-  <p:tag name="LATEXADDIN" val="\documentclass{article}&#10;\usepackage{amsmath}&#10;\usepackage{color}&#10;\pagestyle{empty}&#10;\begin{document}&#10;\color{white}&#10;Pattern&#10;\end{document}"/>
-  <p:tag name="IGUANATEXSIZE" val="20"/>
-  <p:tag name="IGUANATEXCURSOR" val="120"/>
-  <p:tag name="TRANSPARENCY" val="Wahr"/>
-  <p:tag name="FILENAME" val=""/>
-  <p:tag name="LATEXENGINEID" val="0"/>
-  <p:tag name="TEMPFOLDER" val="c:\temp\"/>
-  <p:tag name="LATEXFORMHEIGHT" val="312"/>
-  <p:tag name="LATEXFORMWIDTH" val="384"/>
-  <p:tag name="LATEXFORMWRAP" val="Wahr"/>
-  <p:tag name="BITMAPVECTOR" val="0"/>
-</p:tagLst>
-</file>
-
-<file path=ppt/tags/tag18.xml><?xml version="1.0" encoding="utf-8"?>
-<p:tagLst xmlns:a="http://schemas.openxmlformats.org/drawingml/2006/main" xmlns:r="http://schemas.openxmlformats.org/officeDocument/2006/relationships" xmlns:p="http://schemas.openxmlformats.org/presentationml/2006/main">
-  <p:tag name="OUTPUTDPI" val="1200"/>
-  <p:tag name="ORIGINALHEIGHT" val="90,73866"/>
-  <p:tag name="ORIGINALWIDTH" val="593,9257"/>
-  <p:tag name="LATEXADDIN" val="\documentclass{article}&#10;\usepackage{amsmath}&#10;\usepackage{color}&#10;\pagestyle{empty}&#10;\begin{document}&#10;\color{white}&#10;Generation&#10;\end{document}"/>
-  <p:tag name="IGUANATEXSIZE" val="20"/>
-  <p:tag name="IGUANATEXCURSOR" val="123"/>
-  <p:tag name="TRANSPARENCY" val="Wahr"/>
-  <p:tag name="FILENAME" val=""/>
-  <p:tag name="LATEXENGINEID" val="0"/>
-  <p:tag name="TEMPFOLDER" val="c:\temp\"/>
-  <p:tag name="LATEXFORMHEIGHT" val="312"/>
-  <p:tag name="LATEXFORMWIDTH" val="384"/>
-  <p:tag name="LATEXFORMWRAP" val="Wahr"/>
-  <p:tag name="BITMAPVECTOR" val="0"/>
-</p:tagLst>
-</file>
-
-<file path=ppt/tags/tag19.xml><?xml version="1.0" encoding="utf-8"?>
-<p:tagLst xmlns:a="http://schemas.openxmlformats.org/drawingml/2006/main" xmlns:r="http://schemas.openxmlformats.org/officeDocument/2006/relationships" xmlns:p="http://schemas.openxmlformats.org/presentationml/2006/main">
-  <p:tag name="OUTPUTDPI" val="1200"/>
-  <p:tag name="ORIGINALHEIGHT" val="88,48898"/>
-  <p:tag name="ORIGINALWIDTH" val="880,3899"/>
-  <p:tag name="LATEXADDIN" val="\documentclass{article}&#10;\usepackage{amsmath}&#10;\usepackage{color}&#10;\pagestyle{empty}&#10;\begin{document}&#10;%\color{white}&#10;Visual Feedback&#10;\end{document}"/>
-  <p:tag name="IGUANATEXSIZE" val="20"/>
-  <p:tag name="IGUANATEXCURSOR" val="129"/>
   <p:tag name="TRANSPARENCY" val="Wahr"/>
   <p:tag name="FILENAME" val=""/>
   <p:tag name="LATEXENGINEID" val="0"/>
@@ -7095,6 +10941,196 @@
 </p:tagLst>
 </file>
 
+<file path=ppt/tags/tag20.xml><?xml version="1.0" encoding="utf-8"?>
+<p:tagLst xmlns:a="http://schemas.openxmlformats.org/drawingml/2006/main" xmlns:r="http://schemas.openxmlformats.org/officeDocument/2006/relationships" xmlns:p="http://schemas.openxmlformats.org/presentationml/2006/main">
+  <p:tag name="OUTPUTDPI" val="1200"/>
+  <p:tag name="ORIGINALHEIGHT" val="90,73866"/>
+  <p:tag name="ORIGINALWIDTH" val="597,6753"/>
+  <p:tag name="LATEXADDIN" val="\documentclass{article}&#10;\usepackage{amsmath}&#10;\usepackage{color}&#10;\pagestyle{empty}&#10;\begin{document}&#10;%\color{white}&#10;Commands&#10;\end{document}"/>
+  <p:tag name="IGUANATEXSIZE" val="20"/>
+  <p:tag name="IGUANATEXCURSOR" val="122"/>
+  <p:tag name="TRANSPARENCY" val="Wahr"/>
+  <p:tag name="FILENAME" val=""/>
+  <p:tag name="LATEXENGINEID" val="0"/>
+  <p:tag name="TEMPFOLDER" val="c:\temp\"/>
+  <p:tag name="LATEXFORMHEIGHT" val="312"/>
+  <p:tag name="LATEXFORMWIDTH" val="384"/>
+  <p:tag name="LATEXFORMWRAP" val="Wahr"/>
+  <p:tag name="BITMAPVECTOR" val="0"/>
+</p:tagLst>
+</file>
+
+<file path=ppt/tags/tag21.xml><?xml version="1.0" encoding="utf-8"?>
+<p:tagLst xmlns:a="http://schemas.openxmlformats.org/drawingml/2006/main" xmlns:r="http://schemas.openxmlformats.org/officeDocument/2006/relationships" xmlns:p="http://schemas.openxmlformats.org/presentationml/2006/main">
+  <p:tag name="OUTPUTDPI" val="1200"/>
+  <p:tag name="ORIGINALHEIGHT" val="112,4859"/>
+  <p:tag name="ORIGINALWIDTH" val="952,3809"/>
+  <p:tag name="LATEXADDIN" val="\documentclass{article}&#10;\usepackage{amsmath}&#10;\usepackage{color}&#10;\pagestyle{empty}&#10;\begin{document}&#10;%\color{white}&#10;Sensory Feedback&#10;\end{document}"/>
+  <p:tag name="IGUANATEXSIZE" val="20"/>
+  <p:tag name="IGUANATEXCURSOR" val="130"/>
+  <p:tag name="TRANSPARENCY" val="Wahr"/>
+  <p:tag name="FILENAME" val=""/>
+  <p:tag name="LATEXENGINEID" val="0"/>
+  <p:tag name="TEMPFOLDER" val="c:\temp\"/>
+  <p:tag name="LATEXFORMHEIGHT" val="312"/>
+  <p:tag name="LATEXFORMWIDTH" val="384"/>
+  <p:tag name="LATEXFORMWRAP" val="Wahr"/>
+  <p:tag name="BITMAPVECTOR" val="0"/>
+</p:tagLst>
+</file>
+
+<file path=ppt/tags/tag22.xml><?xml version="1.0" encoding="utf-8"?>
+<p:tagLst xmlns:a="http://schemas.openxmlformats.org/drawingml/2006/main" xmlns:r="http://schemas.openxmlformats.org/officeDocument/2006/relationships" xmlns:p="http://schemas.openxmlformats.org/presentationml/2006/main">
+  <p:tag name="OUTPUTDPI" val="1200"/>
+  <p:tag name="ORIGINALHEIGHT" val="111,7361"/>
+  <p:tag name="ORIGINALWIDTH" val="1127,109"/>
+  <p:tag name="LATEXADDIN" val="\documentclass{article}&#10;\usepackage{amsmath}&#10;\usepackage{color}&#10;\pagestyle{empty}&#10;\begin{document}&#10;%\color{white}&#10;Walking Trajectories&#10;\end{document}"/>
+  <p:tag name="IGUANATEXSIZE" val="20"/>
+  <p:tag name="IGUANATEXCURSOR" val="134"/>
+  <p:tag name="TRANSPARENCY" val="Wahr"/>
+  <p:tag name="FILENAME" val=""/>
+  <p:tag name="LATEXENGINEID" val="0"/>
+  <p:tag name="TEMPFOLDER" val="c:\temp\"/>
+  <p:tag name="LATEXFORMHEIGHT" val="312"/>
+  <p:tag name="LATEXFORMWIDTH" val="384"/>
+  <p:tag name="LATEXFORMWRAP" val="Wahr"/>
+  <p:tag name="BITMAPVECTOR" val="0"/>
+</p:tagLst>
+</file>
+
+<file path=ppt/tags/tag23.xml><?xml version="1.0" encoding="utf-8"?>
+<p:tagLst xmlns:a="http://schemas.openxmlformats.org/drawingml/2006/main" xmlns:r="http://schemas.openxmlformats.org/officeDocument/2006/relationships" xmlns:p="http://schemas.openxmlformats.org/presentationml/2006/main">
+  <p:tag name="OUTPUTDPI" val="1200"/>
+  <p:tag name="ORIGINALHEIGHT" val="88,48898"/>
+  <p:tag name="ORIGINALWIDTH" val="880,3899"/>
+  <p:tag name="LATEXADDIN" val="\documentclass{article}&#10;\usepackage{amsmath}&#10;\usepackage{color}&#10;\pagestyle{empty}&#10;\begin{document}&#10;%\color{white}&#10;Visual Feedback&#10;\end{document}"/>
+  <p:tag name="IGUANATEXSIZE" val="20"/>
+  <p:tag name="IGUANATEXCURSOR" val="129"/>
+  <p:tag name="TRANSPARENCY" val="Wahr"/>
+  <p:tag name="FILENAME" val=""/>
+  <p:tag name="LATEXENGINEID" val="0"/>
+  <p:tag name="TEMPFOLDER" val="c:\temp\"/>
+  <p:tag name="LATEXFORMHEIGHT" val="312"/>
+  <p:tag name="LATEXFORMWIDTH" val="384"/>
+  <p:tag name="LATEXFORMWRAP" val="Wahr"/>
+  <p:tag name="BITMAPVECTOR" val="0"/>
+</p:tagLst>
+</file>
+
+<file path=ppt/tags/tag24.xml><?xml version="1.0" encoding="utf-8"?>
+<p:tagLst xmlns:a="http://schemas.openxmlformats.org/drawingml/2006/main" xmlns:r="http://schemas.openxmlformats.org/officeDocument/2006/relationships" xmlns:p="http://schemas.openxmlformats.org/presentationml/2006/main">
+  <p:tag name="OUTPUTDPI" val="1200"/>
+  <p:tag name="ORIGINALHEIGHT" val="86,23921"/>
+  <p:tag name="ORIGINALWIDTH" val="407,949"/>
+  <p:tag name="LATEXADDIN" val="\documentclass{article}&#10;\usepackage{amsmath}&#10;\usepackage{color}&#10;\pagestyle{empty}&#10;\begin{document}&#10;Pattern&#10;\end{document}"/>
+  <p:tag name="IGUANATEXSIZE" val="20"/>
+  <p:tag name="IGUANATEXCURSOR" val="98"/>
+  <p:tag name="TRANSPARENCY" val="Wahr"/>
+  <p:tag name="FILENAME" val=""/>
+  <p:tag name="LATEXENGINEID" val="0"/>
+  <p:tag name="TEMPFOLDER" val="c:\temp\"/>
+  <p:tag name="LATEXFORMHEIGHT" val="312"/>
+  <p:tag name="LATEXFORMWIDTH" val="384"/>
+  <p:tag name="LATEXFORMWRAP" val="Wahr"/>
+  <p:tag name="BITMAPVECTOR" val="0"/>
+</p:tagLst>
+</file>
+
+<file path=ppt/tags/tag25.xml><?xml version="1.0" encoding="utf-8"?>
+<p:tagLst xmlns:a="http://schemas.openxmlformats.org/drawingml/2006/main" xmlns:r="http://schemas.openxmlformats.org/officeDocument/2006/relationships" xmlns:p="http://schemas.openxmlformats.org/presentationml/2006/main">
+  <p:tag name="OUTPUTDPI" val="1200"/>
+  <p:tag name="ORIGINALHEIGHT" val="90,73866"/>
+  <p:tag name="ORIGINALWIDTH" val="593,9257"/>
+  <p:tag name="LATEXADDIN" val="\documentclass{article}&#10;\usepackage{amsmath}&#10;\usepackage{color}&#10;\pagestyle{empty}&#10;\begin{document}&#10;Generation&#10;\end{document}"/>
+  <p:tag name="IGUANATEXSIZE" val="20"/>
+  <p:tag name="IGUANATEXCURSOR" val="98"/>
+  <p:tag name="TRANSPARENCY" val="Wahr"/>
+  <p:tag name="FILENAME" val=""/>
+  <p:tag name="LATEXENGINEID" val="0"/>
+  <p:tag name="TEMPFOLDER" val="c:\temp\"/>
+  <p:tag name="LATEXFORMHEIGHT" val="312"/>
+  <p:tag name="LATEXFORMWIDTH" val="384"/>
+  <p:tag name="LATEXFORMWRAP" val="Wahr"/>
+  <p:tag name="BITMAPVECTOR" val="0"/>
+</p:tagLst>
+</file>
+
+<file path=ppt/tags/tag26.xml><?xml version="1.0" encoding="utf-8"?>
+<p:tagLst xmlns:a="http://schemas.openxmlformats.org/drawingml/2006/main" xmlns:r="http://schemas.openxmlformats.org/officeDocument/2006/relationships" xmlns:p="http://schemas.openxmlformats.org/presentationml/2006/main">
+  <p:tag name="OUTPUTDPI" val="1200"/>
+  <p:tag name="ORIGINALHEIGHT" val="88,48898"/>
+  <p:tag name="ORIGINALWIDTH" val="880,3899"/>
+  <p:tag name="LATEXADDIN" val="\documentclass{article}&#10;\usepackage{amsmath}&#10;\usepackage{color}&#10;\pagestyle{empty}&#10;\begin{document}&#10;%\color{white}&#10;Visual Feedback&#10;\end{document}"/>
+  <p:tag name="IGUANATEXSIZE" val="20"/>
+  <p:tag name="IGUANATEXCURSOR" val="129"/>
+  <p:tag name="TRANSPARENCY" val="Wahr"/>
+  <p:tag name="FILENAME" val=""/>
+  <p:tag name="LATEXENGINEID" val="0"/>
+  <p:tag name="TEMPFOLDER" val="c:\temp\"/>
+  <p:tag name="LATEXFORMHEIGHT" val="312"/>
+  <p:tag name="LATEXFORMWIDTH" val="384"/>
+  <p:tag name="LATEXFORMWRAP" val="Wahr"/>
+  <p:tag name="BITMAPVECTOR" val="0"/>
+</p:tagLst>
+</file>
+
+<file path=ppt/tags/tag27.xml><?xml version="1.0" encoding="utf-8"?>
+<p:tagLst xmlns:a="http://schemas.openxmlformats.org/drawingml/2006/main" xmlns:r="http://schemas.openxmlformats.org/officeDocument/2006/relationships" xmlns:p="http://schemas.openxmlformats.org/presentationml/2006/main">
+  <p:tag name="OUTPUTDPI" val="1200"/>
+  <p:tag name="ORIGINALHEIGHT" val="113,9857"/>
+  <p:tag name="ORIGINALWIDTH" val="1166,104"/>
+  <p:tag name="LATEXADDIN" val="\documentclass{article}&#10;\usepackage{amsmath}&#10;\usepackage{color}&#10;\pagestyle{empty}&#10;\begin{document}&#10;%\color{white}&#10;Joint Angle Feedback&#10;\end{document}"/>
+  <p:tag name="IGUANATEXSIZE" val="20"/>
+  <p:tag name="IGUANATEXCURSOR" val="134"/>
+  <p:tag name="TRANSPARENCY" val="Wahr"/>
+  <p:tag name="FILENAME" val=""/>
+  <p:tag name="LATEXENGINEID" val="0"/>
+  <p:tag name="TEMPFOLDER" val="c:\temp\"/>
+  <p:tag name="LATEXFORMHEIGHT" val="312"/>
+  <p:tag name="LATEXFORMWIDTH" val="384"/>
+  <p:tag name="LATEXFORMWRAP" val="Wahr"/>
+  <p:tag name="BITMAPVECTOR" val="0"/>
+</p:tagLst>
+</file>
+
+<file path=ppt/tags/tag28.xml><?xml version="1.0" encoding="utf-8"?>
+<p:tagLst xmlns:a="http://schemas.openxmlformats.org/drawingml/2006/main" xmlns:r="http://schemas.openxmlformats.org/officeDocument/2006/relationships" xmlns:p="http://schemas.openxmlformats.org/presentationml/2006/main">
+  <p:tag name="OUTPUTDPI" val="1200"/>
+  <p:tag name="ORIGINALHEIGHT" val="111,7361"/>
+  <p:tag name="ORIGINALWIDTH" val="1127,109"/>
+  <p:tag name="LATEXADDIN" val="\documentclass{article}&#10;\usepackage{amsmath}&#10;\usepackage{color}&#10;\pagestyle{empty}&#10;\begin{document}&#10;%\color{white}&#10;Walking Trajectories&#10;\end{document}"/>
+  <p:tag name="IGUANATEXSIZE" val="20"/>
+  <p:tag name="IGUANATEXCURSOR" val="134"/>
+  <p:tag name="TRANSPARENCY" val="Wahr"/>
+  <p:tag name="FILENAME" val=""/>
+  <p:tag name="LATEXENGINEID" val="0"/>
+  <p:tag name="TEMPFOLDER" val="c:\temp\"/>
+  <p:tag name="LATEXFORMHEIGHT" val="312"/>
+  <p:tag name="LATEXFORMWIDTH" val="384"/>
+  <p:tag name="LATEXFORMWRAP" val="Wahr"/>
+  <p:tag name="BITMAPVECTOR" val="0"/>
+</p:tagLst>
+</file>
+
+<file path=ppt/tags/tag29.xml><?xml version="1.0" encoding="utf-8"?>
+<p:tagLst xmlns:a="http://schemas.openxmlformats.org/drawingml/2006/main" xmlns:r="http://schemas.openxmlformats.org/officeDocument/2006/relationships" xmlns:p="http://schemas.openxmlformats.org/presentationml/2006/main">
+  <p:tag name="OUTPUTDPI" val="1200"/>
+  <p:tag name="ORIGINALHEIGHT" val="113,9857"/>
+  <p:tag name="ORIGINALWIDTH" val="1121,11"/>
+  <p:tag name="LATEXADDIN" val="\documentclass{article}&#10;\usepackage{amsmath}&#10;\usepackage{color}&#10;\pagestyle{empty}&#10;\begin{document}&#10;%\color{white}&#10;Desired Joint Angles&#10;\end{document}"/>
+  <p:tag name="IGUANATEXSIZE" val="20"/>
+  <p:tag name="IGUANATEXCURSOR" val="122"/>
+  <p:tag name="TRANSPARENCY" val="Wahr"/>
+  <p:tag name="FILENAME" val=""/>
+  <p:tag name="LATEXENGINEID" val="0"/>
+  <p:tag name="TEMPFOLDER" val="c:\temp\"/>
+  <p:tag name="LATEXFORMHEIGHT" val="312"/>
+  <p:tag name="LATEXFORMWIDTH" val="384"/>
+  <p:tag name="LATEXFORMWRAP" val="Wahr"/>
+  <p:tag name="BITMAPVECTOR" val="0"/>
+</p:tagLst>
+</file>
+
 <file path=ppt/tags/tag3.xml><?xml version="1.0" encoding="utf-8"?>
 <p:tagLst xmlns:a="http://schemas.openxmlformats.org/drawingml/2006/main" xmlns:r="http://schemas.openxmlformats.org/officeDocument/2006/relationships" xmlns:p="http://schemas.openxmlformats.org/presentationml/2006/main">
   <p:tag name="OUTPUTDPI" val="1200"/>
@@ -7114,6 +11150,196 @@
 </p:tagLst>
 </file>
 
+<file path=ppt/tags/tag30.xml><?xml version="1.0" encoding="utf-8"?>
+<p:tagLst xmlns:a="http://schemas.openxmlformats.org/drawingml/2006/main" xmlns:r="http://schemas.openxmlformats.org/officeDocument/2006/relationships" xmlns:p="http://schemas.openxmlformats.org/presentationml/2006/main">
+  <p:tag name="OUTPUTDPI" val="1200"/>
+  <p:tag name="ORIGINALHEIGHT" val="90,73866"/>
+  <p:tag name="ORIGINALWIDTH" val="597,6753"/>
+  <p:tag name="LATEXADDIN" val="\documentclass{article}&#10;\usepackage{amsmath}&#10;\usepackage{color}&#10;\pagestyle{empty}&#10;\begin{document}&#10;%\color{white}&#10;Commands&#10;\end{document}"/>
+  <p:tag name="IGUANATEXSIZE" val="20"/>
+  <p:tag name="IGUANATEXCURSOR" val="122"/>
+  <p:tag name="TRANSPARENCY" val="Wahr"/>
+  <p:tag name="FILENAME" val=""/>
+  <p:tag name="LATEXENGINEID" val="0"/>
+  <p:tag name="TEMPFOLDER" val="c:\temp\"/>
+  <p:tag name="LATEXFORMHEIGHT" val="312"/>
+  <p:tag name="LATEXFORMWIDTH" val="384"/>
+  <p:tag name="LATEXFORMWRAP" val="Wahr"/>
+  <p:tag name="BITMAPVECTOR" val="0"/>
+</p:tagLst>
+</file>
+
+<file path=ppt/tags/tag31.xml><?xml version="1.0" encoding="utf-8"?>
+<p:tagLst xmlns:a="http://schemas.openxmlformats.org/drawingml/2006/main" xmlns:r="http://schemas.openxmlformats.org/officeDocument/2006/relationships" xmlns:p="http://schemas.openxmlformats.org/presentationml/2006/main">
+  <p:tag name="OUTPUTDPI" val="1200"/>
+  <p:tag name="ORIGINALHEIGHT" val="90,73866"/>
+  <p:tag name="ORIGINALWIDTH" val="798,6501"/>
+  <p:tag name="LATEXADDIN" val="\documentclass{article}&#10;\usepackage{amsmath}&#10;\usepackage{color}&#10;\pagestyle{empty}&#10;\begin{document}&#10;%\color{white}&#10;CoM Feedback&#10;\end{document}"/>
+  <p:tag name="IGUANATEXSIZE" val="20"/>
+  <p:tag name="IGUANATEXCURSOR" val="126"/>
+  <p:tag name="TRANSPARENCY" val="Wahr"/>
+  <p:tag name="FILENAME" val=""/>
+  <p:tag name="LATEXENGINEID" val="0"/>
+  <p:tag name="TEMPFOLDER" val="c:\temp\"/>
+  <p:tag name="LATEXFORMHEIGHT" val="312"/>
+  <p:tag name="LATEXFORMWIDTH" val="384"/>
+  <p:tag name="LATEXFORMWRAP" val="Wahr"/>
+  <p:tag name="BITMAPVECTOR" val="0"/>
+</p:tagLst>
+</file>
+
+<file path=ppt/tags/tag32.xml><?xml version="1.0" encoding="utf-8"?>
+<p:tagLst xmlns:a="http://schemas.openxmlformats.org/drawingml/2006/main" xmlns:r="http://schemas.openxmlformats.org/officeDocument/2006/relationships" xmlns:p="http://schemas.openxmlformats.org/presentationml/2006/main">
+  <p:tag name="OUTPUTDPI" val="1200"/>
+  <p:tag name="ORIGINALHEIGHT" val="86,98914"/>
+  <p:tag name="ORIGINALWIDTH" val="374,9532"/>
+  <p:tag name="LATEXADDIN" val="\documentclass{article}&#10;\usepackage{amsmath}&#10;\usepackage{color}&#10;\pagestyle{empty}&#10;\begin{document}&#10;Inverse&#10;\end{document}"/>
+  <p:tag name="IGUANATEXSIZE" val="20"/>
+  <p:tag name="IGUANATEXCURSOR" val="106"/>
+  <p:tag name="TRANSPARENCY" val="Wahr"/>
+  <p:tag name="FILENAME" val=""/>
+  <p:tag name="LATEXENGINEID" val="0"/>
+  <p:tag name="TEMPFOLDER" val="c:\temp\"/>
+  <p:tag name="LATEXFORMHEIGHT" val="312"/>
+  <p:tag name="LATEXFORMWIDTH" val="384"/>
+  <p:tag name="LATEXFORMWRAP" val="Wahr"/>
+  <p:tag name="BITMAPVECTOR" val="0"/>
+</p:tagLst>
+</file>
+
+<file path=ppt/tags/tag33.xml><?xml version="1.0" encoding="utf-8"?>
+<p:tagLst xmlns:a="http://schemas.openxmlformats.org/drawingml/2006/main" xmlns:r="http://schemas.openxmlformats.org/officeDocument/2006/relationships" xmlns:p="http://schemas.openxmlformats.org/presentationml/2006/main">
+  <p:tag name="OUTPUTDPI" val="1200"/>
+  <p:tag name="ORIGINALHEIGHT" val="86,98914"/>
+  <p:tag name="ORIGINALWIDTH" val="601,4248"/>
+  <p:tag name="LATEXADDIN" val="\documentclass{article}&#10;\usepackage{amsmath}&#10;\usepackage{color}&#10;\pagestyle{empty}&#10;\begin{document}&#10;Kinematics&#10;\end{document}"/>
+  <p:tag name="IGUANATEXSIZE" val="20"/>
+  <p:tag name="IGUANATEXCURSOR" val="109"/>
+  <p:tag name="TRANSPARENCY" val="Wahr"/>
+  <p:tag name="FILENAME" val=""/>
+  <p:tag name="LATEXENGINEID" val="0"/>
+  <p:tag name="TEMPFOLDER" val="c:\temp\"/>
+  <p:tag name="LATEXFORMHEIGHT" val="312"/>
+  <p:tag name="LATEXFORMWIDTH" val="384"/>
+  <p:tag name="LATEXFORMWRAP" val="Wahr"/>
+  <p:tag name="BITMAPVECTOR" val="0"/>
+</p:tagLst>
+</file>
+
+<file path=ppt/tags/tag34.xml><?xml version="1.0" encoding="utf-8"?>
+<p:tagLst xmlns:a="http://schemas.openxmlformats.org/drawingml/2006/main" xmlns:r="http://schemas.openxmlformats.org/officeDocument/2006/relationships" xmlns:p="http://schemas.openxmlformats.org/presentationml/2006/main">
+  <p:tag name="OUTPUTDPI" val="1200"/>
+  <p:tag name="ORIGINALHEIGHT" val="87,73905"/>
+  <p:tag name="ORIGINALWIDTH" val="441,6948"/>
+  <p:tag name="LATEXADDIN" val="\documentclass{article}&#10;\usepackage{amsmath}&#10;\usepackage{color}&#10;\pagestyle{empty}&#10;\begin{document}&#10;Forward&#10;\end{document}"/>
+  <p:tag name="IGUANATEXSIZE" val="20"/>
+  <p:tag name="IGUANATEXCURSOR" val="106"/>
+  <p:tag name="TRANSPARENCY" val="Wahr"/>
+  <p:tag name="FILENAME" val=""/>
+  <p:tag name="LATEXENGINEID" val="0"/>
+  <p:tag name="TEMPFOLDER" val="c:\temp\"/>
+  <p:tag name="LATEXFORMHEIGHT" val="312"/>
+  <p:tag name="LATEXFORMWIDTH" val="384"/>
+  <p:tag name="LATEXFORMWRAP" val="Wahr"/>
+  <p:tag name="BITMAPVECTOR" val="0"/>
+</p:tagLst>
+</file>
+
+<file path=ppt/tags/tag35.xml><?xml version="1.0" encoding="utf-8"?>
+<p:tagLst xmlns:a="http://schemas.openxmlformats.org/drawingml/2006/main" xmlns:r="http://schemas.openxmlformats.org/officeDocument/2006/relationships" xmlns:p="http://schemas.openxmlformats.org/presentationml/2006/main">
+  <p:tag name="OUTPUTDPI" val="1200"/>
+  <p:tag name="ORIGINALHEIGHT" val="86,98914"/>
+  <p:tag name="ORIGINALWIDTH" val="601,4248"/>
+  <p:tag name="LATEXADDIN" val="\documentclass{article}&#10;\usepackage{amsmath}&#10;\usepackage{color}&#10;\pagestyle{empty}&#10;\begin{document}&#10;Kinematics&#10;\end{document}"/>
+  <p:tag name="IGUANATEXSIZE" val="20"/>
+  <p:tag name="IGUANATEXCURSOR" val="109"/>
+  <p:tag name="TRANSPARENCY" val="Wahr"/>
+  <p:tag name="FILENAME" val=""/>
+  <p:tag name="LATEXENGINEID" val="0"/>
+  <p:tag name="TEMPFOLDER" val="c:\temp\"/>
+  <p:tag name="LATEXFORMHEIGHT" val="312"/>
+  <p:tag name="LATEXFORMWIDTH" val="384"/>
+  <p:tag name="LATEXFORMWRAP" val="Wahr"/>
+  <p:tag name="BITMAPVECTOR" val="0"/>
+</p:tagLst>
+</file>
+
+<file path=ppt/tags/tag36.xml><?xml version="1.0" encoding="utf-8"?>
+<p:tagLst xmlns:a="http://schemas.openxmlformats.org/drawingml/2006/main" xmlns:r="http://schemas.openxmlformats.org/officeDocument/2006/relationships" xmlns:p="http://schemas.openxmlformats.org/presentationml/2006/main">
+  <p:tag name="OUTPUTDPI" val="1200"/>
+  <p:tag name="ORIGINALHEIGHT" val="111,7361"/>
+  <p:tag name="ORIGINALWIDTH" val="1211,099"/>
+  <p:tag name="LATEXADDIN" val="\documentclass{article}&#10;\usepackage{amsmath}&#10;\usepackage{color}&#10;\pagestyle{empty}&#10;\begin{document}&#10;%\color{white}&#10;Interpolated CoM and&#10;\end{document}"/>
+  <p:tag name="IGUANATEXSIZE" val="20"/>
+  <p:tag name="IGUANATEXCURSOR" val="126"/>
+  <p:tag name="TRANSPARENCY" val="Wahr"/>
+  <p:tag name="FILENAME" val=""/>
+  <p:tag name="LATEXENGINEID" val="0"/>
+  <p:tag name="TEMPFOLDER" val="c:\temp\"/>
+  <p:tag name="LATEXFORMHEIGHT" val="312"/>
+  <p:tag name="LATEXFORMWIDTH" val="384"/>
+  <p:tag name="LATEXFORMWRAP" val="Wahr"/>
+  <p:tag name="BITMAPVECTOR" val="0"/>
+</p:tagLst>
+</file>
+
+<file path=ppt/tags/tag37.xml><?xml version="1.0" encoding="utf-8"?>
+<p:tagLst xmlns:a="http://schemas.openxmlformats.org/drawingml/2006/main" xmlns:r="http://schemas.openxmlformats.org/officeDocument/2006/relationships" xmlns:p="http://schemas.openxmlformats.org/presentationml/2006/main">
+  <p:tag name="OUTPUTDPI" val="1200"/>
+  <p:tag name="ORIGINALHEIGHT" val="86,23921"/>
+  <p:tag name="ORIGINALWIDTH" val="754,4056"/>
+  <p:tag name="LATEXADDIN" val="\documentclass{article}&#10;\usepackage{amsmath}&#10;\usepackage{color}&#10;\pagestyle{empty}&#10;\begin{document}&#10;%\color{white}&#10;Feet Positions&#10;\end{document}"/>
+  <p:tag name="IGUANATEXSIZE" val="20"/>
+  <p:tag name="IGUANATEXCURSOR" val="128"/>
+  <p:tag name="TRANSPARENCY" val="Wahr"/>
+  <p:tag name="FILENAME" val=""/>
+  <p:tag name="LATEXENGINEID" val="0"/>
+  <p:tag name="TEMPFOLDER" val="c:\temp\"/>
+  <p:tag name="LATEXFORMHEIGHT" val="312"/>
+  <p:tag name="LATEXFORMWIDTH" val="384"/>
+  <p:tag name="LATEXFORMWRAP" val="Wahr"/>
+  <p:tag name="BITMAPVECTOR" val="0"/>
+</p:tagLst>
+</file>
+
+<file path=ppt/tags/tag38.xml><?xml version="1.0" encoding="utf-8"?>
+<p:tagLst xmlns:a="http://schemas.openxmlformats.org/drawingml/2006/main" xmlns:r="http://schemas.openxmlformats.org/officeDocument/2006/relationships" xmlns:p="http://schemas.openxmlformats.org/presentationml/2006/main">
+  <p:tag name="OUTPUTDPI" val="1200"/>
+  <p:tag name="ORIGINALHEIGHT" val="110,2362"/>
+  <p:tag name="ORIGINALWIDTH" val="704,162"/>
+  <p:tag name="LATEXADDIN" val="\documentclass{article}&#10;\usepackage{amsmath}&#10;\usepackage{color}&#10;\pagestyle{empty}&#10;\begin{document}&#10;Interpolation&#10;\end{document}"/>
+  <p:tag name="IGUANATEXSIZE" val="20"/>
+  <p:tag name="IGUANATEXCURSOR" val="112"/>
+  <p:tag name="TRANSPARENCY" val="Wahr"/>
+  <p:tag name="FILENAME" val=""/>
+  <p:tag name="LATEXENGINEID" val="0"/>
+  <p:tag name="TEMPFOLDER" val="c:\temp\"/>
+  <p:tag name="LATEXFORMHEIGHT" val="312"/>
+  <p:tag name="LATEXFORMWIDTH" val="384"/>
+  <p:tag name="LATEXFORMWRAP" val="Wahr"/>
+  <p:tag name="BITMAPVECTOR" val="0"/>
+</p:tagLst>
+</file>
+
+<file path=ppt/tags/tag39.xml><?xml version="1.0" encoding="utf-8"?>
+<p:tagLst xmlns:a="http://schemas.openxmlformats.org/drawingml/2006/main" xmlns:r="http://schemas.openxmlformats.org/officeDocument/2006/relationships" xmlns:p="http://schemas.openxmlformats.org/presentationml/2006/main">
+  <p:tag name="OUTPUTDPI" val="1200"/>
+  <p:tag name="ORIGINALHEIGHT" val="90,73866"/>
+  <p:tag name="ORIGINALWIDTH" val="950,1313"/>
+  <p:tag name="LATEXADDIN" val="\documentclass{article}&#10;\usepackage{amsmath}&#10;\usepackage{color}&#10;\pagestyle{empty}&#10;\begin{document}&#10;%\color{white}&#10;Desired CoM and&#10;\end{document}"/>
+  <p:tag name="IGUANATEXSIZE" val="20"/>
+  <p:tag name="IGUANATEXCURSOR" val="129"/>
+  <p:tag name="TRANSPARENCY" val="Wahr"/>
+  <p:tag name="FILENAME" val=""/>
+  <p:tag name="LATEXENGINEID" val="0"/>
+  <p:tag name="TEMPFOLDER" val="c:\temp\"/>
+  <p:tag name="LATEXFORMHEIGHT" val="312"/>
+  <p:tag name="LATEXFORMWIDTH" val="384"/>
+  <p:tag name="LATEXFORMWRAP" val="Wahr"/>
+  <p:tag name="BITMAPVECTOR" val="0"/>
+</p:tagLst>
+</file>
+
 <file path=ppt/tags/tag4.xml><?xml version="1.0" encoding="utf-8"?>
 <p:tagLst xmlns:a="http://schemas.openxmlformats.org/drawingml/2006/main" xmlns:r="http://schemas.openxmlformats.org/officeDocument/2006/relationships" xmlns:p="http://schemas.openxmlformats.org/presentationml/2006/main">
   <p:tag name="OUTPUTDPI" val="1200"/>
@@ -7122,6 +11348,82 @@
   <p:tag name="LATEXADDIN" val="\documentclass{article}&#10;\usepackage{amsmath}&#10;\usepackage{color}&#10;\pagestyle{empty}&#10;\begin{document}&#10;\color{white}&#10;Torso&#10;\end{document}"/>
   <p:tag name="IGUANATEXSIZE" val="20"/>
   <p:tag name="IGUANATEXCURSOR" val="118"/>
+  <p:tag name="TRANSPARENCY" val="Wahr"/>
+  <p:tag name="FILENAME" val=""/>
+  <p:tag name="LATEXENGINEID" val="0"/>
+  <p:tag name="TEMPFOLDER" val="c:\temp\"/>
+  <p:tag name="LATEXFORMHEIGHT" val="312"/>
+  <p:tag name="LATEXFORMWIDTH" val="384"/>
+  <p:tag name="LATEXFORMWRAP" val="Wahr"/>
+  <p:tag name="BITMAPVECTOR" val="0"/>
+</p:tagLst>
+</file>
+
+<file path=ppt/tags/tag40.xml><?xml version="1.0" encoding="utf-8"?>
+<p:tagLst xmlns:a="http://schemas.openxmlformats.org/drawingml/2006/main" xmlns:r="http://schemas.openxmlformats.org/officeDocument/2006/relationships" xmlns:p="http://schemas.openxmlformats.org/presentationml/2006/main">
+  <p:tag name="OUTPUTDPI" val="1200"/>
+  <p:tag name="ORIGINALHEIGHT" val="86,23921"/>
+  <p:tag name="ORIGINALWIDTH" val="754,4056"/>
+  <p:tag name="LATEXADDIN" val="\documentclass{article}&#10;\usepackage{amsmath}&#10;\usepackage{color}&#10;\pagestyle{empty}&#10;\begin{document}&#10;%\color{white}&#10;Feet Positions&#10;\end{document}"/>
+  <p:tag name="IGUANATEXSIZE" val="20"/>
+  <p:tag name="IGUANATEXCURSOR" val="128"/>
+  <p:tag name="TRANSPARENCY" val="Wahr"/>
+  <p:tag name="FILENAME" val=""/>
+  <p:tag name="LATEXENGINEID" val="0"/>
+  <p:tag name="TEMPFOLDER" val="c:\temp\"/>
+  <p:tag name="LATEXFORMHEIGHT" val="312"/>
+  <p:tag name="LATEXFORMWIDTH" val="384"/>
+  <p:tag name="LATEXFORMWRAP" val="Wahr"/>
+  <p:tag name="BITMAPVECTOR" val="0"/>
+</p:tagLst>
+</file>
+
+<file path=ppt/tags/tag41.xml><?xml version="1.0" encoding="utf-8"?>
+<p:tagLst xmlns:a="http://schemas.openxmlformats.org/drawingml/2006/main" xmlns:r="http://schemas.openxmlformats.org/officeDocument/2006/relationships" xmlns:p="http://schemas.openxmlformats.org/presentationml/2006/main">
+  <p:tag name="OUTPUTDPI" val="1200"/>
+  <p:tag name="ORIGINALHEIGHT" val="90,73866"/>
+  <p:tag name="ORIGINALWIDTH" val="371,2036"/>
+  <p:tag name="LATEXADDIN" val="\documentclass{article}&#10;\usepackage{amsmath}&#10;\usepackage{color}&#10;\pagestyle{empty}&#10;\begin{document}&#10;NMPC&#10;\end{document}"/>
+  <p:tag name="IGUANATEXSIZE" val="20"/>
+  <p:tag name="IGUANATEXCURSOR" val="98"/>
+  <p:tag name="TRANSPARENCY" val="Wahr"/>
+  <p:tag name="FILENAME" val=""/>
+  <p:tag name="LATEXENGINEID" val="0"/>
+  <p:tag name="TEMPFOLDER" val="c:\temp\"/>
+  <p:tag name="LATEXFORMHEIGHT" val="312"/>
+  <p:tag name="LATEXFORMWIDTH" val="384"/>
+  <p:tag name="LATEXFORMWRAP" val="Wahr"/>
+  <p:tag name="BITMAPVECTOR" val="0"/>
+</p:tagLst>
+</file>
+
+<file path=ppt/tags/tag42.xml><?xml version="1.0" encoding="utf-8"?>
+<p:tagLst xmlns:a="http://schemas.openxmlformats.org/drawingml/2006/main" xmlns:r="http://schemas.openxmlformats.org/officeDocument/2006/relationships" xmlns:p="http://schemas.openxmlformats.org/presentationml/2006/main">
+  <p:tag name="OUTPUTDPI" val="1200"/>
+  <p:tag name="ORIGINALHEIGHT" val="86,23921"/>
+  <p:tag name="ORIGINALWIDTH" val="407,949"/>
+  <p:tag name="LATEXADDIN" val="\documentclass{article}&#10;\usepackage{amsmath}&#10;\usepackage{color}&#10;\pagestyle{empty}&#10;\begin{document}&#10;Pattern&#10;\end{document}"/>
+  <p:tag name="IGUANATEXSIZE" val="20"/>
+  <p:tag name="IGUANATEXCURSOR" val="98"/>
+  <p:tag name="TRANSPARENCY" val="Wahr"/>
+  <p:tag name="FILENAME" val=""/>
+  <p:tag name="LATEXENGINEID" val="0"/>
+  <p:tag name="TEMPFOLDER" val="c:\temp\"/>
+  <p:tag name="LATEXFORMHEIGHT" val="312"/>
+  <p:tag name="LATEXFORMWIDTH" val="384"/>
+  <p:tag name="LATEXFORMWRAP" val="Wahr"/>
+  <p:tag name="BITMAPVECTOR" val="0"/>
+</p:tagLst>
+</file>
+
+<file path=ppt/tags/tag43.xml><?xml version="1.0" encoding="utf-8"?>
+<p:tagLst xmlns:a="http://schemas.openxmlformats.org/drawingml/2006/main" xmlns:r="http://schemas.openxmlformats.org/officeDocument/2006/relationships" xmlns:p="http://schemas.openxmlformats.org/presentationml/2006/main">
+  <p:tag name="OUTPUTDPI" val="1200"/>
+  <p:tag name="ORIGINALHEIGHT" val="90,73866"/>
+  <p:tag name="ORIGINALWIDTH" val="593,9257"/>
+  <p:tag name="LATEXADDIN" val="\documentclass{article}&#10;\usepackage{amsmath}&#10;\usepackage{color}&#10;\pagestyle{empty}&#10;\begin{document}&#10;Generation&#10;\end{document}"/>
+  <p:tag name="IGUANATEXSIZE" val="20"/>
+  <p:tag name="IGUANATEXCURSOR" val="98"/>
   <p:tag name="TRANSPARENCY" val="Wahr"/>
   <p:tag name="FILENAME" val=""/>
   <p:tag name="LATEXENGINEID" val="0"/>

--- a/windows/masters_thesis_imgs.pptx
+++ b/windows/masters_thesis_imgs.pptx
@@ -276,7 +276,7 @@
           <a:p>
             <a:fld id="{E9193408-0E9E-4716-B232-5E8342DA9E48}" type="datetimeFigureOut">
               <a:rPr lang="en-GB" smtClean="0"/>
-              <a:t>22/05/2019</a:t>
+              <a:t>25/05/2019</a:t>
             </a:fld>
             <a:endParaRPr lang="en-GB"/>
           </a:p>
@@ -476,7 +476,7 @@
           <a:p>
             <a:fld id="{E9193408-0E9E-4716-B232-5E8342DA9E48}" type="datetimeFigureOut">
               <a:rPr lang="en-GB" smtClean="0"/>
-              <a:t>22/05/2019</a:t>
+              <a:t>25/05/2019</a:t>
             </a:fld>
             <a:endParaRPr lang="en-GB"/>
           </a:p>
@@ -686,7 +686,7 @@
           <a:p>
             <a:fld id="{E9193408-0E9E-4716-B232-5E8342DA9E48}" type="datetimeFigureOut">
               <a:rPr lang="en-GB" smtClean="0"/>
-              <a:t>22/05/2019</a:t>
+              <a:t>25/05/2019</a:t>
             </a:fld>
             <a:endParaRPr lang="en-GB"/>
           </a:p>
@@ -886,7 +886,7 @@
           <a:p>
             <a:fld id="{E9193408-0E9E-4716-B232-5E8342DA9E48}" type="datetimeFigureOut">
               <a:rPr lang="en-GB" smtClean="0"/>
-              <a:t>22/05/2019</a:t>
+              <a:t>25/05/2019</a:t>
             </a:fld>
             <a:endParaRPr lang="en-GB"/>
           </a:p>
@@ -1162,7 +1162,7 @@
           <a:p>
             <a:fld id="{E9193408-0E9E-4716-B232-5E8342DA9E48}" type="datetimeFigureOut">
               <a:rPr lang="en-GB" smtClean="0"/>
-              <a:t>22/05/2019</a:t>
+              <a:t>25/05/2019</a:t>
             </a:fld>
             <a:endParaRPr lang="en-GB"/>
           </a:p>
@@ -1430,7 +1430,7 @@
           <a:p>
             <a:fld id="{E9193408-0E9E-4716-B232-5E8342DA9E48}" type="datetimeFigureOut">
               <a:rPr lang="en-GB" smtClean="0"/>
-              <a:t>22/05/2019</a:t>
+              <a:t>25/05/2019</a:t>
             </a:fld>
             <a:endParaRPr lang="en-GB"/>
           </a:p>
@@ -1845,7 +1845,7 @@
           <a:p>
             <a:fld id="{E9193408-0E9E-4716-B232-5E8342DA9E48}" type="datetimeFigureOut">
               <a:rPr lang="en-GB" smtClean="0"/>
-              <a:t>22/05/2019</a:t>
+              <a:t>25/05/2019</a:t>
             </a:fld>
             <a:endParaRPr lang="en-GB"/>
           </a:p>
@@ -1987,7 +1987,7 @@
           <a:p>
             <a:fld id="{E9193408-0E9E-4716-B232-5E8342DA9E48}" type="datetimeFigureOut">
               <a:rPr lang="en-GB" smtClean="0"/>
-              <a:t>22/05/2019</a:t>
+              <a:t>25/05/2019</a:t>
             </a:fld>
             <a:endParaRPr lang="en-GB"/>
           </a:p>
@@ -2100,7 +2100,7 @@
           <a:p>
             <a:fld id="{E9193408-0E9E-4716-B232-5E8342DA9E48}" type="datetimeFigureOut">
               <a:rPr lang="en-GB" smtClean="0"/>
-              <a:t>22/05/2019</a:t>
+              <a:t>25/05/2019</a:t>
             </a:fld>
             <a:endParaRPr lang="en-GB"/>
           </a:p>
@@ -2413,7 +2413,7 @@
           <a:p>
             <a:fld id="{E9193408-0E9E-4716-B232-5E8342DA9E48}" type="datetimeFigureOut">
               <a:rPr lang="en-GB" smtClean="0"/>
-              <a:t>22/05/2019</a:t>
+              <a:t>25/05/2019</a:t>
             </a:fld>
             <a:endParaRPr lang="en-GB"/>
           </a:p>
@@ -2702,7 +2702,7 @@
           <a:p>
             <a:fld id="{E9193408-0E9E-4716-B232-5E8342DA9E48}" type="datetimeFigureOut">
               <a:rPr lang="en-GB" smtClean="0"/>
-              <a:t>22/05/2019</a:t>
+              <a:t>25/05/2019</a:t>
             </a:fld>
             <a:endParaRPr lang="en-GB"/>
           </a:p>
@@ -2945,7 +2945,7 @@
           <a:p>
             <a:fld id="{E9193408-0E9E-4716-B232-5E8342DA9E48}" type="datetimeFigureOut">
               <a:rPr lang="en-GB" smtClean="0"/>
-              <a:t>22/05/2019</a:t>
+              <a:t>25/05/2019</a:t>
             </a:fld>
             <a:endParaRPr lang="en-GB"/>
           </a:p>
@@ -8947,10 +8947,10 @@
       </p:sp>
       <p:grpSp>
         <p:nvGrpSpPr>
-          <p:cNvPr id="275" name="Gruppieren 274">
+          <p:cNvPr id="9" name="Gruppieren 8">
             <a:extLst>
               <a:ext uri="{FF2B5EF4-FFF2-40B4-BE49-F238E27FC236}">
-                <a16:creationId xmlns:a16="http://schemas.microsoft.com/office/drawing/2014/main" id="{9CBD866A-7172-4A13-9D52-81ED3A786740}"/>
+                <a16:creationId xmlns:a16="http://schemas.microsoft.com/office/drawing/2014/main" id="{DF428158-18C6-4E9F-9C46-7D22956FCB11}"/>
               </a:ext>
             </a:extLst>
           </p:cNvPr>
@@ -9051,12 +9051,12 @@
               </p:cNvPicPr>
               <p:nvPr>
                 <p:custDataLst>
-                  <p:tags r:id="rId16"/>
+                  <p:tags r:id="rId18"/>
                 </p:custDataLst>
               </p:nvPr>
             </p:nvPicPr>
             <p:blipFill>
-              <a:blip r:embed="rId19">
+              <a:blip r:embed="rId21">
                 <a:extLst>
                   <a:ext uri="{28A0092B-C50C-407E-A947-70E740481C1C}">
                     <a14:useLocalDpi xmlns:a14="http://schemas.microsoft.com/office/drawing/2010/main" val="0"/>
@@ -9091,12 +9091,12 @@
               </p:cNvPicPr>
               <p:nvPr>
                 <p:custDataLst>
-                  <p:tags r:id="rId17"/>
+                  <p:tags r:id="rId19"/>
                 </p:custDataLst>
               </p:nvPr>
             </p:nvPicPr>
             <p:blipFill>
-              <a:blip r:embed="rId20">
+              <a:blip r:embed="rId22">
                 <a:extLst>
                   <a:ext uri="{28A0092B-C50C-407E-A947-70E740481C1C}">
                     <a14:useLocalDpi xmlns:a14="http://schemas.microsoft.com/office/drawing/2010/main" val="0"/>
@@ -9494,12 +9494,12 @@
               </p:cNvPicPr>
               <p:nvPr>
                 <p:custDataLst>
-                  <p:tags r:id="rId15"/>
+                  <p:tags r:id="rId17"/>
                 </p:custDataLst>
               </p:nvPr>
             </p:nvPicPr>
             <p:blipFill>
-              <a:blip r:embed="rId21">
+              <a:blip r:embed="rId23">
                 <a:extLst>
                   <a:ext uri="{28A0092B-C50C-407E-A947-70E740481C1C}">
                     <a14:useLocalDpi xmlns:a14="http://schemas.microsoft.com/office/drawing/2010/main" val="0"/>
@@ -9536,7 +9536,7 @@
             <p:nvPr/>
           </p:nvPicPr>
           <p:blipFill rotWithShape="1">
-            <a:blip r:embed="rId22">
+            <a:blip r:embed="rId24">
               <a:extLst>
                 <a:ext uri="{28A0092B-C50C-407E-A947-70E740481C1C}">
                   <a14:useLocalDpi xmlns:a14="http://schemas.microsoft.com/office/drawing/2010/main" val="0"/>
@@ -9571,7 +9571,7 @@
             <p:nvPr/>
           </p:nvPicPr>
           <p:blipFill rotWithShape="1">
-            <a:blip r:embed="rId23">
+            <a:blip r:embed="rId25">
               <a:extLst>
                 <a:ext uri="{28A0092B-C50C-407E-A947-70E740481C1C}">
                   <a14:useLocalDpi xmlns:a14="http://schemas.microsoft.com/office/drawing/2010/main" val="0"/>
@@ -9702,7 +9702,7 @@
             </p:nvPr>
           </p:nvPicPr>
           <p:blipFill>
-            <a:blip r:embed="rId24">
+            <a:blip r:embed="rId26">
               <a:extLst>
                 <a:ext uri="{28A0092B-C50C-407E-A947-70E740481C1C}">
                   <a14:useLocalDpi xmlns:a14="http://schemas.microsoft.com/office/drawing/2010/main" val="0"/>
@@ -9742,7 +9742,7 @@
             </p:nvPr>
           </p:nvPicPr>
           <p:blipFill>
-            <a:blip r:embed="rId25">
+            <a:blip r:embed="rId27">
               <a:extLst>
                 <a:ext uri="{28A0092B-C50C-407E-A947-70E740481C1C}">
                   <a14:useLocalDpi xmlns:a14="http://schemas.microsoft.com/office/drawing/2010/main" val="0"/>
@@ -9823,7 +9823,7 @@
             <p:nvPr/>
           </p:nvPicPr>
           <p:blipFill rotWithShape="1">
-            <a:blip r:embed="rId26">
+            <a:blip r:embed="rId28">
               <a:extLst>
                 <a:ext uri="{28A0092B-C50C-407E-A947-70E740481C1C}">
                   <a14:useLocalDpi xmlns:a14="http://schemas.microsoft.com/office/drawing/2010/main" val="0"/>
@@ -9904,7 +9904,7 @@
             <p:nvPr/>
           </p:nvPicPr>
           <p:blipFill rotWithShape="1">
-            <a:blip r:embed="rId27">
+            <a:blip r:embed="rId29">
               <a:extLst>
                 <a:ext uri="{28A0092B-C50C-407E-A947-70E740481C1C}">
                   <a14:useLocalDpi xmlns:a14="http://schemas.microsoft.com/office/drawing/2010/main" val="0"/>
@@ -9943,7 +9943,7 @@
             </p:nvPr>
           </p:nvPicPr>
           <p:blipFill>
-            <a:blip r:embed="rId28">
+            <a:blip r:embed="rId30">
               <a:extLst>
                 <a:ext uri="{28A0092B-C50C-407E-A947-70E740481C1C}">
                   <a14:useLocalDpi xmlns:a14="http://schemas.microsoft.com/office/drawing/2010/main" val="0"/>
@@ -9983,7 +9983,7 @@
             </p:nvPr>
           </p:nvPicPr>
           <p:blipFill>
-            <a:blip r:embed="rId29">
+            <a:blip r:embed="rId31">
               <a:extLst>
                 <a:ext uri="{28A0092B-C50C-407E-A947-70E740481C1C}">
                   <a14:useLocalDpi xmlns:a14="http://schemas.microsoft.com/office/drawing/2010/main" val="0"/>
@@ -10023,7 +10023,7 @@
             </p:nvPr>
           </p:nvPicPr>
           <p:blipFill>
-            <a:blip r:embed="rId30">
+            <a:blip r:embed="rId32">
               <a:extLst>
                 <a:ext uri="{28A0092B-C50C-407E-A947-70E740481C1C}">
                   <a14:useLocalDpi xmlns:a14="http://schemas.microsoft.com/office/drawing/2010/main" val="0"/>
@@ -10044,107 +10044,6 @@
             </a:prstGeom>
           </p:spPr>
         </p:pic>
-        <p:grpSp>
-          <p:nvGrpSpPr>
-            <p:cNvPr id="229" name="Gruppieren 228">
-              <a:extLst>
-                <a:ext uri="{FF2B5EF4-FFF2-40B4-BE49-F238E27FC236}">
-                  <a16:creationId xmlns:a16="http://schemas.microsoft.com/office/drawing/2014/main" id="{CE97AA5C-B66C-441C-9274-E347176F2D38}"/>
-                </a:ext>
-              </a:extLst>
-            </p:cNvPr>
-            <p:cNvGrpSpPr/>
-            <p:nvPr/>
-          </p:nvGrpSpPr>
-          <p:grpSpPr>
-            <a:xfrm rot="16200000">
-              <a:off x="5813930" y="3242578"/>
-              <a:ext cx="1482876" cy="372844"/>
-              <a:chOff x="7448108" y="591390"/>
-              <a:chExt cx="1482876" cy="372844"/>
-            </a:xfrm>
-          </p:grpSpPr>
-          <p:pic>
-            <p:nvPicPr>
-              <p:cNvPr id="212" name="Grafik 211">
-                <a:extLst>
-                  <a:ext uri="{FF2B5EF4-FFF2-40B4-BE49-F238E27FC236}">
-                    <a16:creationId xmlns:a16="http://schemas.microsoft.com/office/drawing/2014/main" id="{DB3DEFC3-9AEA-4BDB-94FE-8248450331D0}"/>
-                  </a:ext>
-                </a:extLst>
-              </p:cNvPr>
-              <p:cNvPicPr>
-                <a:picLocks noChangeAspect="1"/>
-              </p:cNvPicPr>
-              <p:nvPr>
-                <p:custDataLst>
-                  <p:tags r:id="rId13"/>
-                </p:custDataLst>
-              </p:nvPr>
-            </p:nvPicPr>
-            <p:blipFill>
-              <a:blip r:embed="rId31">
-                <a:extLst>
-                  <a:ext uri="{28A0092B-C50C-407E-A947-70E740481C1C}">
-                    <a14:useLocalDpi xmlns:a14="http://schemas.microsoft.com/office/drawing/2010/main" val="0"/>
-                  </a:ext>
-                </a:extLst>
-              </a:blip>
-              <a:stretch>
-                <a:fillRect/>
-              </a:stretch>
-            </p:blipFill>
-            <p:spPr>
-              <a:xfrm>
-                <a:off x="7448108" y="591390"/>
-                <a:ext cx="1482876" cy="150785"/>
-              </a:xfrm>
-              <a:prstGeom prst="rect">
-                <a:avLst/>
-              </a:prstGeom>
-            </p:spPr>
-          </p:pic>
-          <p:pic>
-            <p:nvPicPr>
-              <p:cNvPr id="215" name="Grafik 214">
-                <a:extLst>
-                  <a:ext uri="{FF2B5EF4-FFF2-40B4-BE49-F238E27FC236}">
-                    <a16:creationId xmlns:a16="http://schemas.microsoft.com/office/drawing/2014/main" id="{B4647DBB-55E0-4B67-B50F-0FFC24BBD133}"/>
-                  </a:ext>
-                </a:extLst>
-              </p:cNvPr>
-              <p:cNvPicPr>
-                <a:picLocks noChangeAspect="1"/>
-              </p:cNvPicPr>
-              <p:nvPr>
-                <p:custDataLst>
-                  <p:tags r:id="rId14"/>
-                </p:custDataLst>
-              </p:nvPr>
-            </p:nvPicPr>
-            <p:blipFill>
-              <a:blip r:embed="rId32">
-                <a:extLst>
-                  <a:ext uri="{28A0092B-C50C-407E-A947-70E740481C1C}">
-                    <a14:useLocalDpi xmlns:a14="http://schemas.microsoft.com/office/drawing/2010/main" val="0"/>
-                  </a:ext>
-                </a:extLst>
-              </a:blip>
-              <a:stretch>
-                <a:fillRect/>
-              </a:stretch>
-            </p:blipFill>
-            <p:spPr>
-              <a:xfrm>
-                <a:off x="7594923" y="819750"/>
-                <a:ext cx="1177568" cy="144484"/>
-              </a:xfrm>
-              <a:prstGeom prst="rect">
-                <a:avLst/>
-              </a:prstGeom>
-            </p:spPr>
-          </p:pic>
-        </p:grpSp>
         <p:grpSp>
           <p:nvGrpSpPr>
             <p:cNvPr id="216" name="Gruppieren 215">
@@ -10235,7 +10134,7 @@
               </p:cNvPicPr>
               <p:nvPr>
                 <p:custDataLst>
-                  <p:tags r:id="rId12"/>
+                  <p:tags r:id="rId16"/>
                 </p:custDataLst>
               </p:nvPr>
             </p:nvPicPr>
@@ -10255,107 +10154,6 @@
               <a:xfrm>
                 <a:off x="1595951" y="5562248"/>
                 <a:ext cx="1445933" cy="242003"/>
-              </a:xfrm>
-              <a:prstGeom prst="rect">
-                <a:avLst/>
-              </a:prstGeom>
-            </p:spPr>
-          </p:pic>
-        </p:grpSp>
-        <p:grpSp>
-          <p:nvGrpSpPr>
-            <p:cNvPr id="239" name="Gruppieren 238">
-              <a:extLst>
-                <a:ext uri="{FF2B5EF4-FFF2-40B4-BE49-F238E27FC236}">
-                  <a16:creationId xmlns:a16="http://schemas.microsoft.com/office/drawing/2014/main" id="{2DDAB05F-75CD-466F-84E1-699FA74B6BB3}"/>
-                </a:ext>
-              </a:extLst>
-            </p:cNvPr>
-            <p:cNvGrpSpPr/>
-            <p:nvPr/>
-          </p:nvGrpSpPr>
-          <p:grpSpPr>
-            <a:xfrm>
-              <a:off x="9190836" y="2701500"/>
-              <a:ext cx="349376" cy="1890431"/>
-              <a:chOff x="9226970" y="3102313"/>
-              <a:chExt cx="349376" cy="1890431"/>
-            </a:xfrm>
-          </p:grpSpPr>
-          <p:pic>
-            <p:nvPicPr>
-              <p:cNvPr id="238" name="Grafik 237">
-                <a:extLst>
-                  <a:ext uri="{FF2B5EF4-FFF2-40B4-BE49-F238E27FC236}">
-                    <a16:creationId xmlns:a16="http://schemas.microsoft.com/office/drawing/2014/main" id="{0EFE77B8-2BBF-4621-890B-89CF9CAE27FD}"/>
-                  </a:ext>
-                </a:extLst>
-              </p:cNvPr>
-              <p:cNvPicPr>
-                <a:picLocks noChangeAspect="1"/>
-              </p:cNvPicPr>
-              <p:nvPr>
-                <p:custDataLst>
-                  <p:tags r:id="rId10"/>
-                </p:custDataLst>
-              </p:nvPr>
-            </p:nvPicPr>
-            <p:blipFill>
-              <a:blip r:embed="rId34">
-                <a:extLst>
-                  <a:ext uri="{28A0092B-C50C-407E-A947-70E740481C1C}">
-                    <a14:useLocalDpi xmlns:a14="http://schemas.microsoft.com/office/drawing/2010/main" val="0"/>
-                  </a:ext>
-                </a:extLst>
-              </a:blip>
-              <a:stretch>
-                <a:fillRect/>
-              </a:stretch>
-            </p:blipFill>
-            <p:spPr>
-              <a:xfrm rot="16200000">
-                <a:off x="8375355" y="3953928"/>
-                <a:ext cx="1890431" cy="187201"/>
-              </a:xfrm>
-              <a:prstGeom prst="rect">
-                <a:avLst/>
-              </a:prstGeom>
-            </p:spPr>
-          </p:pic>
-          <p:pic>
-            <p:nvPicPr>
-              <p:cNvPr id="236" name="Grafik 235">
-                <a:extLst>
-                  <a:ext uri="{FF2B5EF4-FFF2-40B4-BE49-F238E27FC236}">
-                    <a16:creationId xmlns:a16="http://schemas.microsoft.com/office/drawing/2014/main" id="{50A273CC-9120-4563-91A4-5615FD135860}"/>
-                  </a:ext>
-                </a:extLst>
-              </p:cNvPr>
-              <p:cNvPicPr>
-                <a:picLocks noChangeAspect="1"/>
-              </p:cNvPicPr>
-              <p:nvPr>
-                <p:custDataLst>
-                  <p:tags r:id="rId11"/>
-                </p:custDataLst>
-              </p:nvPr>
-            </p:nvPicPr>
-            <p:blipFill>
-              <a:blip r:embed="rId32">
-                <a:extLst>
-                  <a:ext uri="{28A0092B-C50C-407E-A947-70E740481C1C}">
-                    <a14:useLocalDpi xmlns:a14="http://schemas.microsoft.com/office/drawing/2010/main" val="0"/>
-                  </a:ext>
-                </a:extLst>
-              </a:blip>
-              <a:stretch>
-                <a:fillRect/>
-              </a:stretch>
-            </p:blipFill>
-            <p:spPr>
-              <a:xfrm rot="16200000">
-                <a:off x="8915320" y="3991386"/>
-                <a:ext cx="1177568" cy="144484"/>
               </a:xfrm>
               <a:prstGeom prst="rect">
                 <a:avLst/>
@@ -10449,12 +10247,12 @@
               </p:cNvPicPr>
               <p:nvPr>
                 <p:custDataLst>
-                  <p:tags r:id="rId8"/>
+                  <p:tags r:id="rId14"/>
                 </p:custDataLst>
               </p:nvPr>
             </p:nvPicPr>
             <p:blipFill>
-              <a:blip r:embed="rId35">
+              <a:blip r:embed="rId34">
                 <a:extLst>
                   <a:ext uri="{28A0092B-C50C-407E-A947-70E740481C1C}">
                     <a14:useLocalDpi xmlns:a14="http://schemas.microsoft.com/office/drawing/2010/main" val="0"/>
@@ -10489,12 +10287,12 @@
               </p:cNvPicPr>
               <p:nvPr>
                 <p:custDataLst>
-                  <p:tags r:id="rId9"/>
+                  <p:tags r:id="rId15"/>
                 </p:custDataLst>
               </p:nvPr>
             </p:nvPicPr>
             <p:blipFill>
-              <a:blip r:embed="rId36">
+              <a:blip r:embed="rId35">
                 <a:extLst>
                   <a:ext uri="{28A0092B-C50C-407E-A947-70E740481C1C}">
                     <a14:useLocalDpi xmlns:a14="http://schemas.microsoft.com/office/drawing/2010/main" val="0"/>
@@ -10602,12 +10400,12 @@
               </p:cNvPicPr>
               <p:nvPr>
                 <p:custDataLst>
-                  <p:tags r:id="rId6"/>
+                  <p:tags r:id="rId12"/>
                 </p:custDataLst>
               </p:nvPr>
             </p:nvPicPr>
             <p:blipFill>
-              <a:blip r:embed="rId37">
+              <a:blip r:embed="rId36">
                 <a:extLst>
                   <a:ext uri="{28A0092B-C50C-407E-A947-70E740481C1C}">
                     <a14:useLocalDpi xmlns:a14="http://schemas.microsoft.com/office/drawing/2010/main" val="0"/>
@@ -10642,12 +10440,12 @@
               </p:cNvPicPr>
               <p:nvPr>
                 <p:custDataLst>
-                  <p:tags r:id="rId7"/>
+                  <p:tags r:id="rId13"/>
                 </p:custDataLst>
               </p:nvPr>
             </p:nvPicPr>
             <p:blipFill>
-              <a:blip r:embed="rId36">
+              <a:blip r:embed="rId35">
                 <a:extLst>
                   <a:ext uri="{28A0092B-C50C-407E-A947-70E740481C1C}">
                     <a14:useLocalDpi xmlns:a14="http://schemas.microsoft.com/office/drawing/2010/main" val="0"/>
@@ -10662,6 +10460,288 @@
               <a:xfrm>
                 <a:off x="7668287" y="1493748"/>
                 <a:ext cx="1238118" cy="193164"/>
+              </a:xfrm>
+              <a:prstGeom prst="rect">
+                <a:avLst/>
+              </a:prstGeom>
+            </p:spPr>
+          </p:pic>
+        </p:grpSp>
+        <p:grpSp>
+          <p:nvGrpSpPr>
+            <p:cNvPr id="8" name="Gruppieren 7">
+              <a:extLst>
+                <a:ext uri="{FF2B5EF4-FFF2-40B4-BE49-F238E27FC236}">
+                  <a16:creationId xmlns:a16="http://schemas.microsoft.com/office/drawing/2014/main" id="{F4B3FA6B-816A-4925-B57D-610CF62858BF}"/>
+                </a:ext>
+              </a:extLst>
+            </p:cNvPr>
+            <p:cNvGrpSpPr/>
+            <p:nvPr/>
+          </p:nvGrpSpPr>
+          <p:grpSpPr>
+            <a:xfrm>
+              <a:off x="6266931" y="2812495"/>
+              <a:ext cx="552140" cy="1557662"/>
+              <a:chOff x="6252106" y="2650169"/>
+              <a:chExt cx="552140" cy="1557662"/>
+            </a:xfrm>
+          </p:grpSpPr>
+          <p:pic>
+            <p:nvPicPr>
+              <p:cNvPr id="212" name="Grafik 211">
+                <a:extLst>
+                  <a:ext uri="{FF2B5EF4-FFF2-40B4-BE49-F238E27FC236}">
+                    <a16:creationId xmlns:a16="http://schemas.microsoft.com/office/drawing/2014/main" id="{DB3DEFC3-9AEA-4BDB-94FE-8248450331D0}"/>
+                  </a:ext>
+                </a:extLst>
+              </p:cNvPr>
+              <p:cNvPicPr>
+                <a:picLocks noChangeAspect="1"/>
+              </p:cNvPicPr>
+              <p:nvPr>
+                <p:custDataLst>
+                  <p:tags r:id="rId9"/>
+                </p:custDataLst>
+              </p:nvPr>
+            </p:nvPicPr>
+            <p:blipFill>
+              <a:blip r:embed="rId37">
+                <a:extLst>
+                  <a:ext uri="{28A0092B-C50C-407E-A947-70E740481C1C}">
+                    <a14:useLocalDpi xmlns:a14="http://schemas.microsoft.com/office/drawing/2010/main" val="0"/>
+                  </a:ext>
+                </a:extLst>
+              </a:blip>
+              <a:stretch>
+                <a:fillRect/>
+              </a:stretch>
+            </p:blipFill>
+            <p:spPr>
+              <a:xfrm rot="16200000">
+                <a:off x="5586061" y="3353608"/>
+                <a:ext cx="1482876" cy="150785"/>
+              </a:xfrm>
+              <a:prstGeom prst="rect">
+                <a:avLst/>
+              </a:prstGeom>
+            </p:spPr>
+          </p:pic>
+          <p:pic>
+            <p:nvPicPr>
+              <p:cNvPr id="3" name="Grafik 2">
+                <a:extLst>
+                  <a:ext uri="{FF2B5EF4-FFF2-40B4-BE49-F238E27FC236}">
+                    <a16:creationId xmlns:a16="http://schemas.microsoft.com/office/drawing/2014/main" id="{DF86A9FF-1DFD-4E4B-8E3A-784F6EFAFB43}"/>
+                  </a:ext>
+                </a:extLst>
+              </p:cNvPr>
+              <p:cNvPicPr>
+                <a:picLocks noChangeAspect="1"/>
+              </p:cNvPicPr>
+              <p:nvPr>
+                <p:custDataLst>
+                  <p:tags r:id="rId10"/>
+                </p:custDataLst>
+              </p:nvPr>
+            </p:nvPicPr>
+            <p:blipFill>
+              <a:blip r:embed="rId38">
+                <a:extLst>
+                  <a:ext uri="{28A0092B-C50C-407E-A947-70E740481C1C}">
+                    <a14:useLocalDpi xmlns:a14="http://schemas.microsoft.com/office/drawing/2010/main" val="0"/>
+                  </a:ext>
+                </a:extLst>
+              </a:blip>
+              <a:stretch>
+                <a:fillRect/>
+              </a:stretch>
+            </p:blipFill>
+            <p:spPr>
+              <a:xfrm rot="16200000">
+                <a:off x="5750121" y="3355297"/>
+                <a:ext cx="1557662" cy="147406"/>
+              </a:xfrm>
+              <a:prstGeom prst="rect">
+                <a:avLst/>
+              </a:prstGeom>
+            </p:spPr>
+          </p:pic>
+          <p:pic>
+            <p:nvPicPr>
+              <p:cNvPr id="6" name="Grafik 5">
+                <a:extLst>
+                  <a:ext uri="{FF2B5EF4-FFF2-40B4-BE49-F238E27FC236}">
+                    <a16:creationId xmlns:a16="http://schemas.microsoft.com/office/drawing/2014/main" id="{805CA09A-F5B2-42B7-96F8-CF207092FE50}"/>
+                  </a:ext>
+                </a:extLst>
+              </p:cNvPr>
+              <p:cNvPicPr>
+                <a:picLocks noChangeAspect="1"/>
+              </p:cNvPicPr>
+              <p:nvPr>
+                <p:custDataLst>
+                  <p:tags r:id="rId11"/>
+                </p:custDataLst>
+              </p:nvPr>
+            </p:nvPicPr>
+            <p:blipFill>
+              <a:blip r:embed="rId39">
+                <a:extLst>
+                  <a:ext uri="{28A0092B-C50C-407E-A947-70E740481C1C}">
+                    <a14:useLocalDpi xmlns:a14="http://schemas.microsoft.com/office/drawing/2010/main" val="0"/>
+                  </a:ext>
+                </a:extLst>
+              </a:blip>
+              <a:stretch>
+                <a:fillRect/>
+              </a:stretch>
+            </p:blipFill>
+            <p:spPr>
+              <a:xfrm rot="16200000">
+                <a:off x="6207764" y="3352437"/>
+                <a:ext cx="1039223" cy="153740"/>
+              </a:xfrm>
+              <a:prstGeom prst="rect">
+                <a:avLst/>
+              </a:prstGeom>
+            </p:spPr>
+          </p:pic>
+        </p:grpSp>
+        <p:grpSp>
+          <p:nvGrpSpPr>
+            <p:cNvPr id="7" name="Gruppieren 6">
+              <a:extLst>
+                <a:ext uri="{FF2B5EF4-FFF2-40B4-BE49-F238E27FC236}">
+                  <a16:creationId xmlns:a16="http://schemas.microsoft.com/office/drawing/2014/main" id="{09AC91DB-CF92-4597-BADD-715736E97241}"/>
+                </a:ext>
+              </a:extLst>
+            </p:cNvPr>
+            <p:cNvGrpSpPr/>
+            <p:nvPr/>
+          </p:nvGrpSpPr>
+          <p:grpSpPr>
+            <a:xfrm>
+              <a:off x="9074378" y="2672113"/>
+              <a:ext cx="583856" cy="1890431"/>
+              <a:chOff x="9109556" y="2701500"/>
+              <a:chExt cx="583856" cy="1890431"/>
+            </a:xfrm>
+          </p:grpSpPr>
+          <p:pic>
+            <p:nvPicPr>
+              <p:cNvPr id="238" name="Grafik 237">
+                <a:extLst>
+                  <a:ext uri="{FF2B5EF4-FFF2-40B4-BE49-F238E27FC236}">
+                    <a16:creationId xmlns:a16="http://schemas.microsoft.com/office/drawing/2014/main" id="{0EFE77B8-2BBF-4621-890B-89CF9CAE27FD}"/>
+                  </a:ext>
+                </a:extLst>
+              </p:cNvPr>
+              <p:cNvPicPr>
+                <a:picLocks noChangeAspect="1"/>
+              </p:cNvPicPr>
+              <p:nvPr>
+                <p:custDataLst>
+                  <p:tags r:id="rId6"/>
+                </p:custDataLst>
+              </p:nvPr>
+            </p:nvPicPr>
+            <p:blipFill>
+              <a:blip r:embed="rId40">
+                <a:extLst>
+                  <a:ext uri="{28A0092B-C50C-407E-A947-70E740481C1C}">
+                    <a14:useLocalDpi xmlns:a14="http://schemas.microsoft.com/office/drawing/2010/main" val="0"/>
+                  </a:ext>
+                </a:extLst>
+              </a:blip>
+              <a:stretch>
+                <a:fillRect/>
+              </a:stretch>
+            </p:blipFill>
+            <p:spPr>
+              <a:xfrm rot="16200000">
+                <a:off x="8257941" y="3553115"/>
+                <a:ext cx="1890431" cy="187201"/>
+              </a:xfrm>
+              <a:prstGeom prst="rect">
+                <a:avLst/>
+              </a:prstGeom>
+            </p:spPr>
+          </p:pic>
+          <p:pic>
+            <p:nvPicPr>
+              <p:cNvPr id="52" name="Grafik 51">
+                <a:extLst>
+                  <a:ext uri="{FF2B5EF4-FFF2-40B4-BE49-F238E27FC236}">
+                    <a16:creationId xmlns:a16="http://schemas.microsoft.com/office/drawing/2014/main" id="{A7965B54-FC5D-42AB-97F0-D1D92A924575}"/>
+                  </a:ext>
+                </a:extLst>
+              </p:cNvPr>
+              <p:cNvPicPr>
+                <a:picLocks noChangeAspect="1"/>
+              </p:cNvPicPr>
+              <p:nvPr>
+                <p:custDataLst>
+                  <p:tags r:id="rId7"/>
+                </p:custDataLst>
+              </p:nvPr>
+            </p:nvPicPr>
+            <p:blipFill>
+              <a:blip r:embed="rId38">
+                <a:extLst>
+                  <a:ext uri="{28A0092B-C50C-407E-A947-70E740481C1C}">
+                    <a14:useLocalDpi xmlns:a14="http://schemas.microsoft.com/office/drawing/2010/main" val="0"/>
+                  </a:ext>
+                </a:extLst>
+              </a:blip>
+              <a:stretch>
+                <a:fillRect/>
+              </a:stretch>
+            </p:blipFill>
+            <p:spPr>
+              <a:xfrm rot="16200000">
+                <a:off x="8641731" y="3573012"/>
+                <a:ext cx="1557662" cy="147406"/>
+              </a:xfrm>
+              <a:prstGeom prst="rect">
+                <a:avLst/>
+              </a:prstGeom>
+            </p:spPr>
+          </p:pic>
+          <p:pic>
+            <p:nvPicPr>
+              <p:cNvPr id="53" name="Grafik 52">
+                <a:extLst>
+                  <a:ext uri="{FF2B5EF4-FFF2-40B4-BE49-F238E27FC236}">
+                    <a16:creationId xmlns:a16="http://schemas.microsoft.com/office/drawing/2014/main" id="{62AE832D-4832-4A1A-B422-D9952AD6CAE0}"/>
+                  </a:ext>
+                </a:extLst>
+              </p:cNvPr>
+              <p:cNvPicPr>
+                <a:picLocks noChangeAspect="1"/>
+              </p:cNvPicPr>
+              <p:nvPr>
+                <p:custDataLst>
+                  <p:tags r:id="rId8"/>
+                </p:custDataLst>
+              </p:nvPr>
+            </p:nvPicPr>
+            <p:blipFill>
+              <a:blip r:embed="rId39">
+                <a:extLst>
+                  <a:ext uri="{28A0092B-C50C-407E-A947-70E740481C1C}">
+                    <a14:useLocalDpi xmlns:a14="http://schemas.microsoft.com/office/drawing/2010/main" val="0"/>
+                  </a:ext>
+                </a:extLst>
+              </a:blip>
+              <a:stretch>
+                <a:fillRect/>
+              </a:stretch>
+            </p:blipFill>
+            <p:spPr>
+              <a:xfrm rot="16200000">
+                <a:off x="9096930" y="3538911"/>
+                <a:ext cx="1039223" cy="153740"/>
               </a:xfrm>
               <a:prstGeom prst="rect">
                 <a:avLst/>
@@ -11191,6 +11271,120 @@
 <file path=ppt/tags/tag32.xml><?xml version="1.0" encoding="utf-8"?>
 <p:tagLst xmlns:a="http://schemas.openxmlformats.org/drawingml/2006/main" xmlns:r="http://schemas.openxmlformats.org/officeDocument/2006/relationships" xmlns:p="http://schemas.openxmlformats.org/presentationml/2006/main">
   <p:tag name="OUTPUTDPI" val="1200"/>
+  <p:tag name="ORIGINALHEIGHT" val="111,7361"/>
+  <p:tag name="ORIGINALWIDTH" val="1211,099"/>
+  <p:tag name="LATEXADDIN" val="\documentclass{article}&#10;\usepackage{amsmath}&#10;\usepackage{color}&#10;\pagestyle{empty}&#10;\begin{document}&#10;%\color{white}&#10;Interpolated CoM and&#10;\end{document}"/>
+  <p:tag name="IGUANATEXSIZE" val="20"/>
+  <p:tag name="IGUANATEXCURSOR" val="126"/>
+  <p:tag name="TRANSPARENCY" val="Wahr"/>
+  <p:tag name="FILENAME" val=""/>
+  <p:tag name="LATEXENGINEID" val="0"/>
+  <p:tag name="TEMPFOLDER" val="c:\temp\"/>
+  <p:tag name="LATEXFORMHEIGHT" val="312"/>
+  <p:tag name="LATEXFORMWIDTH" val="384"/>
+  <p:tag name="LATEXFORMWRAP" val="Wahr"/>
+  <p:tag name="BITMAPVECTOR" val="0"/>
+</p:tagLst>
+</file>
+
+<file path=ppt/tags/tag33.xml><?xml version="1.0" encoding="utf-8"?>
+<p:tagLst xmlns:a="http://schemas.openxmlformats.org/drawingml/2006/main" xmlns:r="http://schemas.openxmlformats.org/officeDocument/2006/relationships" xmlns:p="http://schemas.openxmlformats.org/presentationml/2006/main">
+  <p:tag name="OUTPUTDPI" val="1200"/>
+  <p:tag name="ORIGINALHEIGHT" val="87,73905"/>
+  <p:tag name="ORIGINALWIDTH" val="997,3754"/>
+  <p:tag name="LATEXADDIN" val="\documentclass{article}&#10;\usepackage{amsmath}&#10;\usepackage{color}&#10;\pagestyle{empty}&#10;\begin{document}&#10;%\color{white}&#10;Feet Positions and&#10;\end{document}"/>
+  <p:tag name="IGUANATEXSIZE" val="20"/>
+  <p:tag name="IGUANATEXCURSOR" val="132"/>
+  <p:tag name="TRANSPARENCY" val="Wahr"/>
+  <p:tag name="FILENAME" val=""/>
+  <p:tag name="LATEXENGINEID" val="0"/>
+  <p:tag name="TEMPFOLDER" val="c:\temp\"/>
+  <p:tag name="LATEXFORMHEIGHT" val="312"/>
+  <p:tag name="LATEXFORMWIDTH" val="384"/>
+  <p:tag name="LATEXFORMWRAP" val="Wahr"/>
+  <p:tag name="BITMAPVECTOR" val="0"/>
+</p:tagLst>
+</file>
+
+<file path=ppt/tags/tag34.xml><?xml version="1.0" encoding="utf-8"?>
+<p:tagLst xmlns:a="http://schemas.openxmlformats.org/drawingml/2006/main" xmlns:r="http://schemas.openxmlformats.org/officeDocument/2006/relationships" xmlns:p="http://schemas.openxmlformats.org/presentationml/2006/main">
+  <p:tag name="OUTPUTDPI" val="1200"/>
+  <p:tag name="ORIGINALHEIGHT" val="90,73866"/>
+  <p:tag name="ORIGINALWIDTH" val="665,1669"/>
+  <p:tag name="LATEXADDIN" val="\documentclass{article}&#10;\usepackage{amsmath}&#10;\usepackage{color}&#10;\pagestyle{empty}&#10;\begin{document}&#10;%\color{white}&#10;Orientations&#10;\end{document}"/>
+  <p:tag name="IGUANATEXSIZE" val="20"/>
+  <p:tag name="IGUANATEXCURSOR" val="126"/>
+  <p:tag name="TRANSPARENCY" val="Wahr"/>
+  <p:tag name="FILENAME" val=""/>
+  <p:tag name="LATEXENGINEID" val="0"/>
+  <p:tag name="TEMPFOLDER" val="c:\temp\"/>
+  <p:tag name="LATEXFORMHEIGHT" val="312"/>
+  <p:tag name="LATEXFORMWIDTH" val="384"/>
+  <p:tag name="LATEXFORMWRAP" val="Wahr"/>
+  <p:tag name="BITMAPVECTOR" val="0"/>
+</p:tagLst>
+</file>
+
+<file path=ppt/tags/tag35.xml><?xml version="1.0" encoding="utf-8"?>
+<p:tagLst xmlns:a="http://schemas.openxmlformats.org/drawingml/2006/main" xmlns:r="http://schemas.openxmlformats.org/officeDocument/2006/relationships" xmlns:p="http://schemas.openxmlformats.org/presentationml/2006/main">
+  <p:tag name="OUTPUTDPI" val="1200"/>
+  <p:tag name="ORIGINALHEIGHT" val="90,73866"/>
+  <p:tag name="ORIGINALWIDTH" val="950,1313"/>
+  <p:tag name="LATEXADDIN" val="\documentclass{article}&#10;\usepackage{amsmath}&#10;\usepackage{color}&#10;\pagestyle{empty}&#10;\begin{document}&#10;%\color{white}&#10;Desired CoM and&#10;\end{document}"/>
+  <p:tag name="IGUANATEXSIZE" val="20"/>
+  <p:tag name="IGUANATEXCURSOR" val="129"/>
+  <p:tag name="TRANSPARENCY" val="Wahr"/>
+  <p:tag name="FILENAME" val=""/>
+  <p:tag name="LATEXENGINEID" val="0"/>
+  <p:tag name="TEMPFOLDER" val="c:\temp\"/>
+  <p:tag name="LATEXFORMHEIGHT" val="312"/>
+  <p:tag name="LATEXFORMWIDTH" val="384"/>
+  <p:tag name="LATEXFORMWRAP" val="Wahr"/>
+  <p:tag name="BITMAPVECTOR" val="0"/>
+</p:tagLst>
+</file>
+
+<file path=ppt/tags/tag36.xml><?xml version="1.0" encoding="utf-8"?>
+<p:tagLst xmlns:a="http://schemas.openxmlformats.org/drawingml/2006/main" xmlns:r="http://schemas.openxmlformats.org/officeDocument/2006/relationships" xmlns:p="http://schemas.openxmlformats.org/presentationml/2006/main">
+  <p:tag name="OUTPUTDPI" val="1200"/>
+  <p:tag name="ORIGINALHEIGHT" val="87,73905"/>
+  <p:tag name="ORIGINALWIDTH" val="997,3754"/>
+  <p:tag name="LATEXADDIN" val="\documentclass{article}&#10;\usepackage{amsmath}&#10;\usepackage{color}&#10;\pagestyle{empty}&#10;\begin{document}&#10;%\color{white}&#10;Feet Positions and&#10;\end{document}"/>
+  <p:tag name="IGUANATEXSIZE" val="20"/>
+  <p:tag name="IGUANATEXCURSOR" val="132"/>
+  <p:tag name="TRANSPARENCY" val="Wahr"/>
+  <p:tag name="FILENAME" val=""/>
+  <p:tag name="LATEXENGINEID" val="0"/>
+  <p:tag name="TEMPFOLDER" val="c:\temp\"/>
+  <p:tag name="LATEXFORMHEIGHT" val="312"/>
+  <p:tag name="LATEXFORMWIDTH" val="384"/>
+  <p:tag name="LATEXFORMWRAP" val="Wahr"/>
+  <p:tag name="BITMAPVECTOR" val="0"/>
+</p:tagLst>
+</file>
+
+<file path=ppt/tags/tag37.xml><?xml version="1.0" encoding="utf-8"?>
+<p:tagLst xmlns:a="http://schemas.openxmlformats.org/drawingml/2006/main" xmlns:r="http://schemas.openxmlformats.org/officeDocument/2006/relationships" xmlns:p="http://schemas.openxmlformats.org/presentationml/2006/main">
+  <p:tag name="OUTPUTDPI" val="1200"/>
+  <p:tag name="ORIGINALHEIGHT" val="90,73866"/>
+  <p:tag name="ORIGINALWIDTH" val="665,1669"/>
+  <p:tag name="LATEXADDIN" val="\documentclass{article}&#10;\usepackage{amsmath}&#10;\usepackage{color}&#10;\pagestyle{empty}&#10;\begin{document}&#10;%\color{white}&#10;Orientations&#10;\end{document}"/>
+  <p:tag name="IGUANATEXSIZE" val="20"/>
+  <p:tag name="IGUANATEXCURSOR" val="126"/>
+  <p:tag name="TRANSPARENCY" val="Wahr"/>
+  <p:tag name="FILENAME" val=""/>
+  <p:tag name="LATEXENGINEID" val="0"/>
+  <p:tag name="TEMPFOLDER" val="c:\temp\"/>
+  <p:tag name="LATEXFORMHEIGHT" val="312"/>
+  <p:tag name="LATEXFORMWIDTH" val="384"/>
+  <p:tag name="LATEXFORMWRAP" val="Wahr"/>
+  <p:tag name="BITMAPVECTOR" val="0"/>
+</p:tagLst>
+</file>
+
+<file path=ppt/tags/tag38.xml><?xml version="1.0" encoding="utf-8"?>
+<p:tagLst xmlns:a="http://schemas.openxmlformats.org/drawingml/2006/main" xmlns:r="http://schemas.openxmlformats.org/officeDocument/2006/relationships" xmlns:p="http://schemas.openxmlformats.org/presentationml/2006/main">
+  <p:tag name="OUTPUTDPI" val="1200"/>
   <p:tag name="ORIGINALHEIGHT" val="86,98914"/>
   <p:tag name="ORIGINALWIDTH" val="374,9532"/>
   <p:tag name="LATEXADDIN" val="\documentclass{article}&#10;\usepackage{amsmath}&#10;\usepackage{color}&#10;\pagestyle{empty}&#10;\begin{document}&#10;Inverse&#10;\end{document}"/>
@@ -11207,7 +11401,7 @@
 </p:tagLst>
 </file>
 
-<file path=ppt/tags/tag33.xml><?xml version="1.0" encoding="utf-8"?>
+<file path=ppt/tags/tag39.xml><?xml version="1.0" encoding="utf-8"?>
 <p:tagLst xmlns:a="http://schemas.openxmlformats.org/drawingml/2006/main" xmlns:r="http://schemas.openxmlformats.org/officeDocument/2006/relationships" xmlns:p="http://schemas.openxmlformats.org/presentationml/2006/main">
   <p:tag name="OUTPUTDPI" val="1200"/>
   <p:tag name="ORIGINALHEIGHT" val="86,98914"/>
@@ -11215,120 +11409,6 @@
   <p:tag name="LATEXADDIN" val="\documentclass{article}&#10;\usepackage{amsmath}&#10;\usepackage{color}&#10;\pagestyle{empty}&#10;\begin{document}&#10;Kinematics&#10;\end{document}"/>
   <p:tag name="IGUANATEXSIZE" val="20"/>
   <p:tag name="IGUANATEXCURSOR" val="109"/>
-  <p:tag name="TRANSPARENCY" val="Wahr"/>
-  <p:tag name="FILENAME" val=""/>
-  <p:tag name="LATEXENGINEID" val="0"/>
-  <p:tag name="TEMPFOLDER" val="c:\temp\"/>
-  <p:tag name="LATEXFORMHEIGHT" val="312"/>
-  <p:tag name="LATEXFORMWIDTH" val="384"/>
-  <p:tag name="LATEXFORMWRAP" val="Wahr"/>
-  <p:tag name="BITMAPVECTOR" val="0"/>
-</p:tagLst>
-</file>
-
-<file path=ppt/tags/tag34.xml><?xml version="1.0" encoding="utf-8"?>
-<p:tagLst xmlns:a="http://schemas.openxmlformats.org/drawingml/2006/main" xmlns:r="http://schemas.openxmlformats.org/officeDocument/2006/relationships" xmlns:p="http://schemas.openxmlformats.org/presentationml/2006/main">
-  <p:tag name="OUTPUTDPI" val="1200"/>
-  <p:tag name="ORIGINALHEIGHT" val="87,73905"/>
-  <p:tag name="ORIGINALWIDTH" val="441,6948"/>
-  <p:tag name="LATEXADDIN" val="\documentclass{article}&#10;\usepackage{amsmath}&#10;\usepackage{color}&#10;\pagestyle{empty}&#10;\begin{document}&#10;Forward&#10;\end{document}"/>
-  <p:tag name="IGUANATEXSIZE" val="20"/>
-  <p:tag name="IGUANATEXCURSOR" val="106"/>
-  <p:tag name="TRANSPARENCY" val="Wahr"/>
-  <p:tag name="FILENAME" val=""/>
-  <p:tag name="LATEXENGINEID" val="0"/>
-  <p:tag name="TEMPFOLDER" val="c:\temp\"/>
-  <p:tag name="LATEXFORMHEIGHT" val="312"/>
-  <p:tag name="LATEXFORMWIDTH" val="384"/>
-  <p:tag name="LATEXFORMWRAP" val="Wahr"/>
-  <p:tag name="BITMAPVECTOR" val="0"/>
-</p:tagLst>
-</file>
-
-<file path=ppt/tags/tag35.xml><?xml version="1.0" encoding="utf-8"?>
-<p:tagLst xmlns:a="http://schemas.openxmlformats.org/drawingml/2006/main" xmlns:r="http://schemas.openxmlformats.org/officeDocument/2006/relationships" xmlns:p="http://schemas.openxmlformats.org/presentationml/2006/main">
-  <p:tag name="OUTPUTDPI" val="1200"/>
-  <p:tag name="ORIGINALHEIGHT" val="86,98914"/>
-  <p:tag name="ORIGINALWIDTH" val="601,4248"/>
-  <p:tag name="LATEXADDIN" val="\documentclass{article}&#10;\usepackage{amsmath}&#10;\usepackage{color}&#10;\pagestyle{empty}&#10;\begin{document}&#10;Kinematics&#10;\end{document}"/>
-  <p:tag name="IGUANATEXSIZE" val="20"/>
-  <p:tag name="IGUANATEXCURSOR" val="109"/>
-  <p:tag name="TRANSPARENCY" val="Wahr"/>
-  <p:tag name="FILENAME" val=""/>
-  <p:tag name="LATEXENGINEID" val="0"/>
-  <p:tag name="TEMPFOLDER" val="c:\temp\"/>
-  <p:tag name="LATEXFORMHEIGHT" val="312"/>
-  <p:tag name="LATEXFORMWIDTH" val="384"/>
-  <p:tag name="LATEXFORMWRAP" val="Wahr"/>
-  <p:tag name="BITMAPVECTOR" val="0"/>
-</p:tagLst>
-</file>
-
-<file path=ppt/tags/tag36.xml><?xml version="1.0" encoding="utf-8"?>
-<p:tagLst xmlns:a="http://schemas.openxmlformats.org/drawingml/2006/main" xmlns:r="http://schemas.openxmlformats.org/officeDocument/2006/relationships" xmlns:p="http://schemas.openxmlformats.org/presentationml/2006/main">
-  <p:tag name="OUTPUTDPI" val="1200"/>
-  <p:tag name="ORIGINALHEIGHT" val="111,7361"/>
-  <p:tag name="ORIGINALWIDTH" val="1211,099"/>
-  <p:tag name="LATEXADDIN" val="\documentclass{article}&#10;\usepackage{amsmath}&#10;\usepackage{color}&#10;\pagestyle{empty}&#10;\begin{document}&#10;%\color{white}&#10;Interpolated CoM and&#10;\end{document}"/>
-  <p:tag name="IGUANATEXSIZE" val="20"/>
-  <p:tag name="IGUANATEXCURSOR" val="126"/>
-  <p:tag name="TRANSPARENCY" val="Wahr"/>
-  <p:tag name="FILENAME" val=""/>
-  <p:tag name="LATEXENGINEID" val="0"/>
-  <p:tag name="TEMPFOLDER" val="c:\temp\"/>
-  <p:tag name="LATEXFORMHEIGHT" val="312"/>
-  <p:tag name="LATEXFORMWIDTH" val="384"/>
-  <p:tag name="LATEXFORMWRAP" val="Wahr"/>
-  <p:tag name="BITMAPVECTOR" val="0"/>
-</p:tagLst>
-</file>
-
-<file path=ppt/tags/tag37.xml><?xml version="1.0" encoding="utf-8"?>
-<p:tagLst xmlns:a="http://schemas.openxmlformats.org/drawingml/2006/main" xmlns:r="http://schemas.openxmlformats.org/officeDocument/2006/relationships" xmlns:p="http://schemas.openxmlformats.org/presentationml/2006/main">
-  <p:tag name="OUTPUTDPI" val="1200"/>
-  <p:tag name="ORIGINALHEIGHT" val="86,23921"/>
-  <p:tag name="ORIGINALWIDTH" val="754,4056"/>
-  <p:tag name="LATEXADDIN" val="\documentclass{article}&#10;\usepackage{amsmath}&#10;\usepackage{color}&#10;\pagestyle{empty}&#10;\begin{document}&#10;%\color{white}&#10;Feet Positions&#10;\end{document}"/>
-  <p:tag name="IGUANATEXSIZE" val="20"/>
-  <p:tag name="IGUANATEXCURSOR" val="128"/>
-  <p:tag name="TRANSPARENCY" val="Wahr"/>
-  <p:tag name="FILENAME" val=""/>
-  <p:tag name="LATEXENGINEID" val="0"/>
-  <p:tag name="TEMPFOLDER" val="c:\temp\"/>
-  <p:tag name="LATEXFORMHEIGHT" val="312"/>
-  <p:tag name="LATEXFORMWIDTH" val="384"/>
-  <p:tag name="LATEXFORMWRAP" val="Wahr"/>
-  <p:tag name="BITMAPVECTOR" val="0"/>
-</p:tagLst>
-</file>
-
-<file path=ppt/tags/tag38.xml><?xml version="1.0" encoding="utf-8"?>
-<p:tagLst xmlns:a="http://schemas.openxmlformats.org/drawingml/2006/main" xmlns:r="http://schemas.openxmlformats.org/officeDocument/2006/relationships" xmlns:p="http://schemas.openxmlformats.org/presentationml/2006/main">
-  <p:tag name="OUTPUTDPI" val="1200"/>
-  <p:tag name="ORIGINALHEIGHT" val="110,2362"/>
-  <p:tag name="ORIGINALWIDTH" val="704,162"/>
-  <p:tag name="LATEXADDIN" val="\documentclass{article}&#10;\usepackage{amsmath}&#10;\usepackage{color}&#10;\pagestyle{empty}&#10;\begin{document}&#10;Interpolation&#10;\end{document}"/>
-  <p:tag name="IGUANATEXSIZE" val="20"/>
-  <p:tag name="IGUANATEXCURSOR" val="112"/>
-  <p:tag name="TRANSPARENCY" val="Wahr"/>
-  <p:tag name="FILENAME" val=""/>
-  <p:tag name="LATEXENGINEID" val="0"/>
-  <p:tag name="TEMPFOLDER" val="c:\temp\"/>
-  <p:tag name="LATEXFORMHEIGHT" val="312"/>
-  <p:tag name="LATEXFORMWIDTH" val="384"/>
-  <p:tag name="LATEXFORMWRAP" val="Wahr"/>
-  <p:tag name="BITMAPVECTOR" val="0"/>
-</p:tagLst>
-</file>
-
-<file path=ppt/tags/tag39.xml><?xml version="1.0" encoding="utf-8"?>
-<p:tagLst xmlns:a="http://schemas.openxmlformats.org/drawingml/2006/main" xmlns:r="http://schemas.openxmlformats.org/officeDocument/2006/relationships" xmlns:p="http://schemas.openxmlformats.org/presentationml/2006/main">
-  <p:tag name="OUTPUTDPI" val="1200"/>
-  <p:tag name="ORIGINALHEIGHT" val="90,73866"/>
-  <p:tag name="ORIGINALWIDTH" val="950,1313"/>
-  <p:tag name="LATEXADDIN" val="\documentclass{article}&#10;\usepackage{amsmath}&#10;\usepackage{color}&#10;\pagestyle{empty}&#10;\begin{document}&#10;%\color{white}&#10;Desired CoM and&#10;\end{document}"/>
-  <p:tag name="IGUANATEXSIZE" val="20"/>
-  <p:tag name="IGUANATEXCURSOR" val="129"/>
   <p:tag name="TRANSPARENCY" val="Wahr"/>
   <p:tag name="FILENAME" val=""/>
   <p:tag name="LATEXENGINEID" val="0"/>
@@ -11362,11 +11442,11 @@
 <file path=ppt/tags/tag40.xml><?xml version="1.0" encoding="utf-8"?>
 <p:tagLst xmlns:a="http://schemas.openxmlformats.org/drawingml/2006/main" xmlns:r="http://schemas.openxmlformats.org/officeDocument/2006/relationships" xmlns:p="http://schemas.openxmlformats.org/presentationml/2006/main">
   <p:tag name="OUTPUTDPI" val="1200"/>
-  <p:tag name="ORIGINALHEIGHT" val="86,23921"/>
-  <p:tag name="ORIGINALWIDTH" val="754,4056"/>
-  <p:tag name="LATEXADDIN" val="\documentclass{article}&#10;\usepackage{amsmath}&#10;\usepackage{color}&#10;\pagestyle{empty}&#10;\begin{document}&#10;%\color{white}&#10;Feet Positions&#10;\end{document}"/>
+  <p:tag name="ORIGINALHEIGHT" val="87,73905"/>
+  <p:tag name="ORIGINALWIDTH" val="441,6948"/>
+  <p:tag name="LATEXADDIN" val="\documentclass{article}&#10;\usepackage{amsmath}&#10;\usepackage{color}&#10;\pagestyle{empty}&#10;\begin{document}&#10;Forward&#10;\end{document}"/>
   <p:tag name="IGUANATEXSIZE" val="20"/>
-  <p:tag name="IGUANATEXCURSOR" val="128"/>
+  <p:tag name="IGUANATEXCURSOR" val="106"/>
   <p:tag name="TRANSPARENCY" val="Wahr"/>
   <p:tag name="FILENAME" val=""/>
   <p:tag name="LATEXENGINEID" val="0"/>
@@ -11379,6 +11459,44 @@
 </file>
 
 <file path=ppt/tags/tag41.xml><?xml version="1.0" encoding="utf-8"?>
+<p:tagLst xmlns:a="http://schemas.openxmlformats.org/drawingml/2006/main" xmlns:r="http://schemas.openxmlformats.org/officeDocument/2006/relationships" xmlns:p="http://schemas.openxmlformats.org/presentationml/2006/main">
+  <p:tag name="OUTPUTDPI" val="1200"/>
+  <p:tag name="ORIGINALHEIGHT" val="86,98914"/>
+  <p:tag name="ORIGINALWIDTH" val="601,4248"/>
+  <p:tag name="LATEXADDIN" val="\documentclass{article}&#10;\usepackage{amsmath}&#10;\usepackage{color}&#10;\pagestyle{empty}&#10;\begin{document}&#10;Kinematics&#10;\end{document}"/>
+  <p:tag name="IGUANATEXSIZE" val="20"/>
+  <p:tag name="IGUANATEXCURSOR" val="109"/>
+  <p:tag name="TRANSPARENCY" val="Wahr"/>
+  <p:tag name="FILENAME" val=""/>
+  <p:tag name="LATEXENGINEID" val="0"/>
+  <p:tag name="TEMPFOLDER" val="c:\temp\"/>
+  <p:tag name="LATEXFORMHEIGHT" val="312"/>
+  <p:tag name="LATEXFORMWIDTH" val="384"/>
+  <p:tag name="LATEXFORMWRAP" val="Wahr"/>
+  <p:tag name="BITMAPVECTOR" val="0"/>
+</p:tagLst>
+</file>
+
+<file path=ppt/tags/tag42.xml><?xml version="1.0" encoding="utf-8"?>
+<p:tagLst xmlns:a="http://schemas.openxmlformats.org/drawingml/2006/main" xmlns:r="http://schemas.openxmlformats.org/officeDocument/2006/relationships" xmlns:p="http://schemas.openxmlformats.org/presentationml/2006/main">
+  <p:tag name="OUTPUTDPI" val="1200"/>
+  <p:tag name="ORIGINALHEIGHT" val="110,2362"/>
+  <p:tag name="ORIGINALWIDTH" val="704,162"/>
+  <p:tag name="LATEXADDIN" val="\documentclass{article}&#10;\usepackage{amsmath}&#10;\usepackage{color}&#10;\pagestyle{empty}&#10;\begin{document}&#10;Interpolation&#10;\end{document}"/>
+  <p:tag name="IGUANATEXSIZE" val="20"/>
+  <p:tag name="IGUANATEXCURSOR" val="112"/>
+  <p:tag name="TRANSPARENCY" val="Wahr"/>
+  <p:tag name="FILENAME" val=""/>
+  <p:tag name="LATEXENGINEID" val="0"/>
+  <p:tag name="TEMPFOLDER" val="c:\temp\"/>
+  <p:tag name="LATEXFORMHEIGHT" val="312"/>
+  <p:tag name="LATEXFORMWIDTH" val="384"/>
+  <p:tag name="LATEXFORMWRAP" val="Wahr"/>
+  <p:tag name="BITMAPVECTOR" val="0"/>
+</p:tagLst>
+</file>
+
+<file path=ppt/tags/tag43.xml><?xml version="1.0" encoding="utf-8"?>
 <p:tagLst xmlns:a="http://schemas.openxmlformats.org/drawingml/2006/main" xmlns:r="http://schemas.openxmlformats.org/officeDocument/2006/relationships" xmlns:p="http://schemas.openxmlformats.org/presentationml/2006/main">
   <p:tag name="OUTPUTDPI" val="1200"/>
   <p:tag name="ORIGINALHEIGHT" val="90,73866"/>
@@ -11397,7 +11515,7 @@
 </p:tagLst>
 </file>
 
-<file path=ppt/tags/tag42.xml><?xml version="1.0" encoding="utf-8"?>
+<file path=ppt/tags/tag44.xml><?xml version="1.0" encoding="utf-8"?>
 <p:tagLst xmlns:a="http://schemas.openxmlformats.org/drawingml/2006/main" xmlns:r="http://schemas.openxmlformats.org/officeDocument/2006/relationships" xmlns:p="http://schemas.openxmlformats.org/presentationml/2006/main">
   <p:tag name="OUTPUTDPI" val="1200"/>
   <p:tag name="ORIGINALHEIGHT" val="86,23921"/>
@@ -11416,7 +11534,7 @@
 </p:tagLst>
 </file>
 
-<file path=ppt/tags/tag43.xml><?xml version="1.0" encoding="utf-8"?>
+<file path=ppt/tags/tag45.xml><?xml version="1.0" encoding="utf-8"?>
 <p:tagLst xmlns:a="http://schemas.openxmlformats.org/drawingml/2006/main" xmlns:r="http://schemas.openxmlformats.org/officeDocument/2006/relationships" xmlns:p="http://schemas.openxmlformats.org/presentationml/2006/main">
   <p:tag name="OUTPUTDPI" val="1200"/>
   <p:tag name="ORIGINALHEIGHT" val="90,73866"/>

--- a/windows/masters_thesis_imgs.pptx
+++ b/windows/masters_thesis_imgs.pptx
@@ -9,7 +9,8 @@
     <p:sldId id="259" r:id="rId3"/>
     <p:sldId id="257" r:id="rId4"/>
     <p:sldId id="258" r:id="rId5"/>
-    <p:sldId id="260" r:id="rId6"/>
+    <p:sldId id="261" r:id="rId6"/>
+    <p:sldId id="260" r:id="rId7"/>
   </p:sldIdLst>
   <p:sldSz cx="12192000" cy="6858000"/>
   <p:notesSz cx="6858000" cy="9144000"/>
@@ -116,7 +117,7 @@
             <a:srgbClr val="A4A3A4"/>
           </p15:clr>
         </p15:guide>
-        <p15:guide id="2" pos="3863" userDrawn="1">
+        <p15:guide id="2" pos="4702" userDrawn="1">
           <p15:clr>
             <a:srgbClr val="A4A3A4"/>
           </p15:clr>
@@ -276,7 +277,7 @@
           <a:p>
             <a:fld id="{E9193408-0E9E-4716-B232-5E8342DA9E48}" type="datetimeFigureOut">
               <a:rPr lang="en-GB" smtClean="0"/>
-              <a:t>25/05/2019</a:t>
+              <a:t>30/05/2019</a:t>
             </a:fld>
             <a:endParaRPr lang="en-GB"/>
           </a:p>
@@ -476,7 +477,7 @@
           <a:p>
             <a:fld id="{E9193408-0E9E-4716-B232-5E8342DA9E48}" type="datetimeFigureOut">
               <a:rPr lang="en-GB" smtClean="0"/>
-              <a:t>25/05/2019</a:t>
+              <a:t>30/05/2019</a:t>
             </a:fld>
             <a:endParaRPr lang="en-GB"/>
           </a:p>
@@ -686,7 +687,7 @@
           <a:p>
             <a:fld id="{E9193408-0E9E-4716-B232-5E8342DA9E48}" type="datetimeFigureOut">
               <a:rPr lang="en-GB" smtClean="0"/>
-              <a:t>25/05/2019</a:t>
+              <a:t>30/05/2019</a:t>
             </a:fld>
             <a:endParaRPr lang="en-GB"/>
           </a:p>
@@ -886,7 +887,7 @@
           <a:p>
             <a:fld id="{E9193408-0E9E-4716-B232-5E8342DA9E48}" type="datetimeFigureOut">
               <a:rPr lang="en-GB" smtClean="0"/>
-              <a:t>25/05/2019</a:t>
+              <a:t>30/05/2019</a:t>
             </a:fld>
             <a:endParaRPr lang="en-GB"/>
           </a:p>
@@ -1162,7 +1163,7 @@
           <a:p>
             <a:fld id="{E9193408-0E9E-4716-B232-5E8342DA9E48}" type="datetimeFigureOut">
               <a:rPr lang="en-GB" smtClean="0"/>
-              <a:t>25/05/2019</a:t>
+              <a:t>30/05/2019</a:t>
             </a:fld>
             <a:endParaRPr lang="en-GB"/>
           </a:p>
@@ -1430,7 +1431,7 @@
           <a:p>
             <a:fld id="{E9193408-0E9E-4716-B232-5E8342DA9E48}" type="datetimeFigureOut">
               <a:rPr lang="en-GB" smtClean="0"/>
-              <a:t>25/05/2019</a:t>
+              <a:t>30/05/2019</a:t>
             </a:fld>
             <a:endParaRPr lang="en-GB"/>
           </a:p>
@@ -1845,7 +1846,7 @@
           <a:p>
             <a:fld id="{E9193408-0E9E-4716-B232-5E8342DA9E48}" type="datetimeFigureOut">
               <a:rPr lang="en-GB" smtClean="0"/>
-              <a:t>25/05/2019</a:t>
+              <a:t>30/05/2019</a:t>
             </a:fld>
             <a:endParaRPr lang="en-GB"/>
           </a:p>
@@ -1987,7 +1988,7 @@
           <a:p>
             <a:fld id="{E9193408-0E9E-4716-B232-5E8342DA9E48}" type="datetimeFigureOut">
               <a:rPr lang="en-GB" smtClean="0"/>
-              <a:t>25/05/2019</a:t>
+              <a:t>30/05/2019</a:t>
             </a:fld>
             <a:endParaRPr lang="en-GB"/>
           </a:p>
@@ -2100,7 +2101,7 @@
           <a:p>
             <a:fld id="{E9193408-0E9E-4716-B232-5E8342DA9E48}" type="datetimeFigureOut">
               <a:rPr lang="en-GB" smtClean="0"/>
-              <a:t>25/05/2019</a:t>
+              <a:t>30/05/2019</a:t>
             </a:fld>
             <a:endParaRPr lang="en-GB"/>
           </a:p>
@@ -2413,7 +2414,7 @@
           <a:p>
             <a:fld id="{E9193408-0E9E-4716-B232-5E8342DA9E48}" type="datetimeFigureOut">
               <a:rPr lang="en-GB" smtClean="0"/>
-              <a:t>25/05/2019</a:t>
+              <a:t>30/05/2019</a:t>
             </a:fld>
             <a:endParaRPr lang="en-GB"/>
           </a:p>
@@ -2702,7 +2703,7 @@
           <a:p>
             <a:fld id="{E9193408-0E9E-4716-B232-5E8342DA9E48}" type="datetimeFigureOut">
               <a:rPr lang="en-GB" smtClean="0"/>
-              <a:t>25/05/2019</a:t>
+              <a:t>30/05/2019</a:t>
             </a:fld>
             <a:endParaRPr lang="en-GB"/>
           </a:p>
@@ -2945,7 +2946,7 @@
           <a:p>
             <a:fld id="{E9193408-0E9E-4716-B232-5E8342DA9E48}" type="datetimeFigureOut">
               <a:rPr lang="en-GB" smtClean="0"/>
-              <a:t>25/05/2019</a:t>
+              <a:t>30/05/2019</a:t>
             </a:fld>
             <a:endParaRPr lang="en-GB"/>
           </a:p>
@@ -5971,10 +5972,10 @@
       </p:grpSpPr>
       <p:grpSp>
         <p:nvGrpSpPr>
-          <p:cNvPr id="69" name="Gruppieren 68">
+          <p:cNvPr id="48" name="Gruppieren 47">
             <a:extLst>
               <a:ext uri="{FF2B5EF4-FFF2-40B4-BE49-F238E27FC236}">
-                <a16:creationId xmlns:a16="http://schemas.microsoft.com/office/drawing/2014/main" id="{E741D15C-E498-4660-9F12-250A90728EF5}"/>
+                <a16:creationId xmlns:a16="http://schemas.microsoft.com/office/drawing/2014/main" id="{92603C53-1F7D-4786-B512-4A0800EB6A66}"/>
               </a:ext>
             </a:extLst>
           </p:cNvPr>
@@ -5984,587 +5985,566 @@
         <p:grpSpPr>
           <a:xfrm>
             <a:off x="3885229" y="215626"/>
-            <a:ext cx="6381065" cy="5242869"/>
+            <a:ext cx="6404144" cy="5242869"/>
             <a:chOff x="3885229" y="215626"/>
-            <a:chExt cx="6381065" cy="5242869"/>
+            <a:chExt cx="6404144" cy="5242869"/>
           </a:xfrm>
         </p:grpSpPr>
-        <p:grpSp>
-          <p:nvGrpSpPr>
-            <p:cNvPr id="68" name="Gruppieren 67">
+        <p:cxnSp>
+          <p:nvCxnSpPr>
+            <p:cNvPr id="37" name="Gerader Verbinder 36">
               <a:extLst>
                 <a:ext uri="{FF2B5EF4-FFF2-40B4-BE49-F238E27FC236}">
-                  <a16:creationId xmlns:a16="http://schemas.microsoft.com/office/drawing/2014/main" id="{F2C8FFAC-D493-4AFD-BA58-45F115EAF665}"/>
+                  <a16:creationId xmlns:a16="http://schemas.microsoft.com/office/drawing/2014/main" id="{1225149E-3E97-4BC1-9D16-5AE28EC25527}"/>
                 </a:ext>
               </a:extLst>
             </p:cNvPr>
-            <p:cNvGrpSpPr/>
+            <p:cNvCxnSpPr>
+              <a:cxnSpLocks/>
+            </p:cNvCxnSpPr>
             <p:nvPr/>
-          </p:nvGrpSpPr>
-          <p:grpSpPr>
+          </p:nvCxnSpPr>
+          <p:spPr>
             <a:xfrm>
-              <a:off x="8995614" y="1994163"/>
-              <a:ext cx="1270680" cy="1082822"/>
-              <a:chOff x="8995614" y="1994163"/>
-              <a:chExt cx="1270680" cy="1082822"/>
+              <a:off x="9562106" y="2322922"/>
+              <a:ext cx="0" cy="380337"/>
             </a:xfrm>
-          </p:grpSpPr>
-          <p:cxnSp>
-            <p:nvCxnSpPr>
-              <p:cNvPr id="37" name="Gerader Verbinder 36">
-                <a:extLst>
-                  <a:ext uri="{FF2B5EF4-FFF2-40B4-BE49-F238E27FC236}">
-                    <a16:creationId xmlns:a16="http://schemas.microsoft.com/office/drawing/2014/main" id="{1225149E-3E97-4BC1-9D16-5AE28EC25527}"/>
-                  </a:ext>
-                </a:extLst>
-              </p:cNvPr>
-              <p:cNvCxnSpPr>
-                <a:cxnSpLocks/>
-              </p:cNvCxnSpPr>
-              <p:nvPr/>
-            </p:nvCxnSpPr>
-            <p:spPr>
-              <a:xfrm>
-                <a:off x="9562106" y="2322922"/>
-                <a:ext cx="0" cy="380337"/>
-              </a:xfrm>
-              <a:prstGeom prst="line">
-                <a:avLst/>
-              </a:prstGeom>
-              <a:ln w="12700">
+            <a:prstGeom prst="line">
+              <a:avLst/>
+            </a:prstGeom>
+            <a:ln w="12700">
+              <a:solidFill>
+                <a:schemeClr val="tx1"/>
+              </a:solidFill>
+            </a:ln>
+          </p:spPr>
+          <p:style>
+            <a:lnRef idx="1">
+              <a:schemeClr val="accent1"/>
+            </a:lnRef>
+            <a:fillRef idx="0">
+              <a:schemeClr val="accent1"/>
+            </a:fillRef>
+            <a:effectRef idx="0">
+              <a:schemeClr val="accent1"/>
+            </a:effectRef>
+            <a:fontRef idx="minor">
+              <a:schemeClr val="tx1"/>
+            </a:fontRef>
+          </p:style>
+        </p:cxnSp>
+        <p:cxnSp>
+          <p:nvCxnSpPr>
+            <p:cNvPr id="38" name="Gerader Verbinder 37">
+              <a:extLst>
+                <a:ext uri="{FF2B5EF4-FFF2-40B4-BE49-F238E27FC236}">
+                  <a16:creationId xmlns:a16="http://schemas.microsoft.com/office/drawing/2014/main" id="{22BC326D-2FC9-47D2-A198-F78DDC30222E}"/>
+                </a:ext>
+              </a:extLst>
+            </p:cNvPr>
+            <p:cNvCxnSpPr>
+              <a:cxnSpLocks/>
+            </p:cNvCxnSpPr>
+            <p:nvPr/>
+          </p:nvCxnSpPr>
+          <p:spPr>
+            <a:xfrm flipH="1">
+              <a:off x="9562106" y="2703259"/>
+              <a:ext cx="346710" cy="0"/>
+            </a:xfrm>
+            <a:prstGeom prst="line">
+              <a:avLst/>
+            </a:prstGeom>
+            <a:ln w="12700">
+              <a:solidFill>
+                <a:schemeClr val="tx1"/>
+              </a:solidFill>
+            </a:ln>
+          </p:spPr>
+          <p:style>
+            <a:lnRef idx="1">
+              <a:schemeClr val="accent1"/>
+            </a:lnRef>
+            <a:fillRef idx="0">
+              <a:schemeClr val="accent1"/>
+            </a:fillRef>
+            <a:effectRef idx="0">
+              <a:schemeClr val="accent1"/>
+            </a:effectRef>
+            <a:fontRef idx="minor">
+              <a:schemeClr val="tx1"/>
+            </a:fontRef>
+          </p:style>
+        </p:cxnSp>
+        <p:cxnSp>
+          <p:nvCxnSpPr>
+            <p:cNvPr id="39" name="Gerader Verbinder 38">
+              <a:extLst>
+                <a:ext uri="{FF2B5EF4-FFF2-40B4-BE49-F238E27FC236}">
+                  <a16:creationId xmlns:a16="http://schemas.microsoft.com/office/drawing/2014/main" id="{417D9B01-D2C7-4A57-A869-224039D4F588}"/>
+                </a:ext>
+              </a:extLst>
+            </p:cNvPr>
+            <p:cNvCxnSpPr>
+              <a:cxnSpLocks/>
+            </p:cNvCxnSpPr>
+            <p:nvPr/>
+          </p:nvCxnSpPr>
+          <p:spPr>
+            <a:xfrm flipH="1">
+              <a:off x="9366760" y="2703259"/>
+              <a:ext cx="195347" cy="129505"/>
+            </a:xfrm>
+            <a:prstGeom prst="line">
+              <a:avLst/>
+            </a:prstGeom>
+            <a:ln w="12700">
+              <a:solidFill>
+                <a:schemeClr val="tx1"/>
+              </a:solidFill>
+            </a:ln>
+          </p:spPr>
+          <p:style>
+            <a:lnRef idx="1">
+              <a:schemeClr val="accent1"/>
+            </a:lnRef>
+            <a:fillRef idx="0">
+              <a:schemeClr val="accent1"/>
+            </a:fillRef>
+            <a:effectRef idx="0">
+              <a:schemeClr val="accent1"/>
+            </a:effectRef>
+            <a:fontRef idx="minor">
+              <a:schemeClr val="tx1"/>
+            </a:fontRef>
+          </p:style>
+        </p:cxnSp>
+        <p:sp>
+          <p:nvSpPr>
+            <p:cNvPr id="40" name="Pfeil: nach rechts gekrümmt 39">
+              <a:extLst>
+                <a:ext uri="{FF2B5EF4-FFF2-40B4-BE49-F238E27FC236}">
+                  <a16:creationId xmlns:a16="http://schemas.microsoft.com/office/drawing/2014/main" id="{5E6F5523-A710-49C8-950B-BAEC231F859F}"/>
+                </a:ext>
+              </a:extLst>
+            </p:cNvPr>
+            <p:cNvSpPr/>
+            <p:nvPr/>
+          </p:nvSpPr>
+          <p:spPr>
+            <a:xfrm>
+              <a:off x="9414385" y="2262656"/>
+              <a:ext cx="288213" cy="212009"/>
+            </a:xfrm>
+            <a:prstGeom prst="curvedRightArrow">
+              <a:avLst/>
+            </a:prstGeom>
+            <a:solidFill>
+              <a:srgbClr val="2C10F8"/>
+            </a:solidFill>
+            <a:ln>
+              <a:solidFill>
+                <a:srgbClr val="1C06BE"/>
+              </a:solidFill>
+            </a:ln>
+          </p:spPr>
+          <p:style>
+            <a:lnRef idx="2">
+              <a:schemeClr val="accent1">
+                <a:shade val="50000"/>
+              </a:schemeClr>
+            </a:lnRef>
+            <a:fillRef idx="1">
+              <a:schemeClr val="accent1"/>
+            </a:fillRef>
+            <a:effectRef idx="0">
+              <a:schemeClr val="accent1"/>
+            </a:effectRef>
+            <a:fontRef idx="minor">
+              <a:schemeClr val="lt1"/>
+            </a:fontRef>
+          </p:style>
+          <p:txBody>
+            <a:bodyPr rtlCol="0" anchor="ctr"/>
+            <a:lstStyle/>
+            <a:p>
+              <a:pPr algn="ctr"/>
+              <a:endParaRPr lang="en-GB">
                 <a:solidFill>
                   <a:schemeClr val="tx1"/>
                 </a:solidFill>
-              </a:ln>
-            </p:spPr>
-            <p:style>
-              <a:lnRef idx="1">
-                <a:schemeClr val="accent1"/>
-              </a:lnRef>
-              <a:fillRef idx="0">
-                <a:schemeClr val="accent1"/>
-              </a:fillRef>
-              <a:effectRef idx="0">
-                <a:schemeClr val="accent1"/>
-              </a:effectRef>
-              <a:fontRef idx="minor">
-                <a:schemeClr val="tx1"/>
-              </a:fontRef>
-            </p:style>
-          </p:cxnSp>
-          <p:cxnSp>
-            <p:nvCxnSpPr>
-              <p:cNvPr id="38" name="Gerader Verbinder 37">
-                <a:extLst>
-                  <a:ext uri="{FF2B5EF4-FFF2-40B4-BE49-F238E27FC236}">
-                    <a16:creationId xmlns:a16="http://schemas.microsoft.com/office/drawing/2014/main" id="{22BC326D-2FC9-47D2-A198-F78DDC30222E}"/>
-                  </a:ext>
-                </a:extLst>
-              </p:cNvPr>
-              <p:cNvCxnSpPr>
-                <a:cxnSpLocks/>
-              </p:cNvCxnSpPr>
-              <p:nvPr/>
-            </p:nvCxnSpPr>
-            <p:spPr>
-              <a:xfrm flipH="1">
-                <a:off x="9562106" y="2703259"/>
-                <a:ext cx="346710" cy="0"/>
-              </a:xfrm>
-              <a:prstGeom prst="line">
-                <a:avLst/>
-              </a:prstGeom>
-              <a:ln w="12700">
+              </a:endParaRPr>
+            </a:p>
+          </p:txBody>
+        </p:sp>
+        <p:sp>
+          <p:nvSpPr>
+            <p:cNvPr id="41" name="Pfeil: nach rechts gekrümmt 40">
+              <a:extLst>
+                <a:ext uri="{FF2B5EF4-FFF2-40B4-BE49-F238E27FC236}">
+                  <a16:creationId xmlns:a16="http://schemas.microsoft.com/office/drawing/2014/main" id="{0BF27E9B-CCC0-401E-B688-D52929755C84}"/>
+                </a:ext>
+              </a:extLst>
+            </p:cNvPr>
+            <p:cNvSpPr/>
+            <p:nvPr/>
+          </p:nvSpPr>
+          <p:spPr>
+            <a:xfrm rot="14510669">
+              <a:off x="9263532" y="2632852"/>
+              <a:ext cx="229684" cy="356604"/>
+            </a:xfrm>
+            <a:prstGeom prst="curvedRightArrow">
+              <a:avLst/>
+            </a:prstGeom>
+            <a:solidFill>
+              <a:srgbClr val="FF0000"/>
+            </a:solidFill>
+            <a:ln>
+              <a:solidFill>
+                <a:srgbClr val="E20000"/>
+              </a:solidFill>
+            </a:ln>
+          </p:spPr>
+          <p:style>
+            <a:lnRef idx="2">
+              <a:schemeClr val="accent1">
+                <a:shade val="50000"/>
+              </a:schemeClr>
+            </a:lnRef>
+            <a:fillRef idx="1">
+              <a:schemeClr val="accent1"/>
+            </a:fillRef>
+            <a:effectRef idx="0">
+              <a:schemeClr val="accent1"/>
+            </a:effectRef>
+            <a:fontRef idx="minor">
+              <a:schemeClr val="lt1"/>
+            </a:fontRef>
+          </p:style>
+          <p:txBody>
+            <a:bodyPr rtlCol="0" anchor="ctr"/>
+            <a:lstStyle/>
+            <a:p>
+              <a:pPr algn="ctr"/>
+              <a:endParaRPr lang="en-GB">
                 <a:solidFill>
                   <a:schemeClr val="tx1"/>
                 </a:solidFill>
-              </a:ln>
-            </p:spPr>
-            <p:style>
-              <a:lnRef idx="1">
-                <a:schemeClr val="accent1"/>
-              </a:lnRef>
-              <a:fillRef idx="0">
-                <a:schemeClr val="accent1"/>
-              </a:fillRef>
-              <a:effectRef idx="0">
-                <a:schemeClr val="accent1"/>
-              </a:effectRef>
-              <a:fontRef idx="minor">
+              </a:endParaRPr>
+            </a:p>
+          </p:txBody>
+        </p:sp>
+        <p:cxnSp>
+          <p:nvCxnSpPr>
+            <p:cNvPr id="42" name="Gerade Verbindung mit Pfeil 41">
+              <a:extLst>
+                <a:ext uri="{FF2B5EF4-FFF2-40B4-BE49-F238E27FC236}">
+                  <a16:creationId xmlns:a16="http://schemas.microsoft.com/office/drawing/2014/main" id="{71D36BD9-95B7-4C3A-B141-C5F79DA369F4}"/>
+                </a:ext>
+              </a:extLst>
+            </p:cNvPr>
+            <p:cNvCxnSpPr>
+              <a:cxnSpLocks/>
+            </p:cNvCxnSpPr>
+            <p:nvPr/>
+          </p:nvCxnSpPr>
+          <p:spPr>
+            <a:xfrm flipH="1">
+              <a:off x="9160385" y="2832764"/>
+              <a:ext cx="206375" cy="129439"/>
+            </a:xfrm>
+            <a:prstGeom prst="straightConnector1">
+              <a:avLst/>
+            </a:prstGeom>
+            <a:ln w="12700">
+              <a:solidFill>
                 <a:schemeClr val="tx1"/>
-              </a:fontRef>
-            </p:style>
-          </p:cxnSp>
-          <p:cxnSp>
-            <p:nvCxnSpPr>
-              <p:cNvPr id="39" name="Gerader Verbinder 38">
-                <a:extLst>
-                  <a:ext uri="{FF2B5EF4-FFF2-40B4-BE49-F238E27FC236}">
-                    <a16:creationId xmlns:a16="http://schemas.microsoft.com/office/drawing/2014/main" id="{417D9B01-D2C7-4A57-A869-224039D4F588}"/>
-                  </a:ext>
-                </a:extLst>
-              </p:cNvPr>
-              <p:cNvCxnSpPr>
-                <a:cxnSpLocks/>
-              </p:cNvCxnSpPr>
-              <p:nvPr/>
-            </p:nvCxnSpPr>
-            <p:spPr>
-              <a:xfrm flipH="1">
-                <a:off x="9366760" y="2703259"/>
-                <a:ext cx="195347" cy="129505"/>
-              </a:xfrm>
-              <a:prstGeom prst="line">
-                <a:avLst/>
-              </a:prstGeom>
-              <a:ln w="12700">
+              </a:solidFill>
+              <a:tailEnd type="triangle"/>
+            </a:ln>
+          </p:spPr>
+          <p:style>
+            <a:lnRef idx="1">
+              <a:schemeClr val="accent1"/>
+            </a:lnRef>
+            <a:fillRef idx="0">
+              <a:schemeClr val="accent1"/>
+            </a:fillRef>
+            <a:effectRef idx="0">
+              <a:schemeClr val="accent1"/>
+            </a:effectRef>
+            <a:fontRef idx="minor">
+              <a:schemeClr val="tx1"/>
+            </a:fontRef>
+          </p:style>
+        </p:cxnSp>
+        <p:cxnSp>
+          <p:nvCxnSpPr>
+            <p:cNvPr id="43" name="Gerade Verbindung mit Pfeil 42">
+              <a:extLst>
+                <a:ext uri="{FF2B5EF4-FFF2-40B4-BE49-F238E27FC236}">
+                  <a16:creationId xmlns:a16="http://schemas.microsoft.com/office/drawing/2014/main" id="{5292F41B-44EC-4171-8BBD-C4EAFA3D5E4F}"/>
+                </a:ext>
+              </a:extLst>
+            </p:cNvPr>
+            <p:cNvCxnSpPr>
+              <a:cxnSpLocks/>
+            </p:cNvCxnSpPr>
+            <p:nvPr/>
+          </p:nvCxnSpPr>
+          <p:spPr>
+            <a:xfrm flipV="1">
+              <a:off x="9562106" y="2148383"/>
+              <a:ext cx="0" cy="220277"/>
+            </a:xfrm>
+            <a:prstGeom prst="straightConnector1">
+              <a:avLst/>
+            </a:prstGeom>
+            <a:ln w="12700">
+              <a:solidFill>
+                <a:schemeClr val="tx1"/>
+              </a:solidFill>
+              <a:tailEnd type="triangle"/>
+            </a:ln>
+          </p:spPr>
+          <p:style>
+            <a:lnRef idx="1">
+              <a:schemeClr val="accent1"/>
+            </a:lnRef>
+            <a:fillRef idx="0">
+              <a:schemeClr val="accent1"/>
+            </a:fillRef>
+            <a:effectRef idx="0">
+              <a:schemeClr val="accent1"/>
+            </a:effectRef>
+            <a:fontRef idx="minor">
+              <a:schemeClr val="tx1"/>
+            </a:fontRef>
+          </p:style>
+        </p:cxnSp>
+        <p:sp>
+          <p:nvSpPr>
+            <p:cNvPr id="44" name="Pfeil: nach rechts gekrümmt 43">
+              <a:extLst>
+                <a:ext uri="{FF2B5EF4-FFF2-40B4-BE49-F238E27FC236}">
+                  <a16:creationId xmlns:a16="http://schemas.microsoft.com/office/drawing/2014/main" id="{D20B44C8-C4EC-4F8B-AC52-8425211398DD}"/>
+                </a:ext>
+              </a:extLst>
+            </p:cNvPr>
+            <p:cNvSpPr/>
+            <p:nvPr/>
+          </p:nvSpPr>
+          <p:spPr>
+            <a:xfrm rot="5400000">
+              <a:off x="9723032" y="2598760"/>
+              <a:ext cx="288213" cy="212009"/>
+            </a:xfrm>
+            <a:prstGeom prst="curvedRightArrow">
+              <a:avLst/>
+            </a:prstGeom>
+            <a:solidFill>
+              <a:srgbClr val="28F83C"/>
+            </a:solidFill>
+            <a:ln>
+              <a:solidFill>
+                <a:srgbClr val="07D31A"/>
+              </a:solidFill>
+            </a:ln>
+          </p:spPr>
+          <p:style>
+            <a:lnRef idx="2">
+              <a:schemeClr val="accent1">
+                <a:shade val="50000"/>
+              </a:schemeClr>
+            </a:lnRef>
+            <a:fillRef idx="1">
+              <a:schemeClr val="accent1"/>
+            </a:fillRef>
+            <a:effectRef idx="0">
+              <a:schemeClr val="accent1"/>
+            </a:effectRef>
+            <a:fontRef idx="minor">
+              <a:schemeClr val="lt1"/>
+            </a:fontRef>
+          </p:style>
+          <p:txBody>
+            <a:bodyPr rtlCol="0" anchor="ctr"/>
+            <a:lstStyle/>
+            <a:p>
+              <a:pPr algn="ctr"/>
+              <a:endParaRPr lang="en-GB">
                 <a:solidFill>
                   <a:schemeClr val="tx1"/>
                 </a:solidFill>
-              </a:ln>
-            </p:spPr>
-            <p:style>
-              <a:lnRef idx="1">
-                <a:schemeClr val="accent1"/>
-              </a:lnRef>
-              <a:fillRef idx="0">
-                <a:schemeClr val="accent1"/>
-              </a:fillRef>
-              <a:effectRef idx="0">
-                <a:schemeClr val="accent1"/>
-              </a:effectRef>
-              <a:fontRef idx="minor">
+              </a:endParaRPr>
+            </a:p>
+          </p:txBody>
+        </p:sp>
+        <p:cxnSp>
+          <p:nvCxnSpPr>
+            <p:cNvPr id="45" name="Gerade Verbindung mit Pfeil 44">
+              <a:extLst>
+                <a:ext uri="{FF2B5EF4-FFF2-40B4-BE49-F238E27FC236}">
+                  <a16:creationId xmlns:a16="http://schemas.microsoft.com/office/drawing/2014/main" id="{6829463C-C1BA-45A9-95C1-317123F7618E}"/>
+                </a:ext>
+              </a:extLst>
+            </p:cNvPr>
+            <p:cNvCxnSpPr>
+              <a:cxnSpLocks/>
+            </p:cNvCxnSpPr>
+            <p:nvPr/>
+          </p:nvCxnSpPr>
+          <p:spPr>
+            <a:xfrm>
+              <a:off x="9871350" y="2703259"/>
+              <a:ext cx="233681" cy="0"/>
+            </a:xfrm>
+            <a:prstGeom prst="straightConnector1">
+              <a:avLst/>
+            </a:prstGeom>
+            <a:ln w="12700">
+              <a:solidFill>
                 <a:schemeClr val="tx1"/>
-              </a:fontRef>
-            </p:style>
-          </p:cxnSp>
-          <p:sp>
-            <p:nvSpPr>
-              <p:cNvPr id="40" name="Pfeil: nach rechts gekrümmt 39">
-                <a:extLst>
-                  <a:ext uri="{FF2B5EF4-FFF2-40B4-BE49-F238E27FC236}">
-                    <a16:creationId xmlns:a16="http://schemas.microsoft.com/office/drawing/2014/main" id="{5E6F5523-A710-49C8-950B-BAEC231F859F}"/>
-                  </a:ext>
-                </a:extLst>
-              </p:cNvPr>
-              <p:cNvSpPr/>
-              <p:nvPr/>
-            </p:nvSpPr>
-            <p:spPr>
-              <a:xfrm>
-                <a:off x="9414385" y="2262656"/>
-                <a:ext cx="288213" cy="212009"/>
-              </a:xfrm>
-              <a:prstGeom prst="curvedRightArrow">
-                <a:avLst/>
-              </a:prstGeom>
-              <a:solidFill>
-                <a:srgbClr val="2C10F8"/>
               </a:solidFill>
-              <a:ln>
-                <a:solidFill>
-                  <a:srgbClr val="1C06BE"/>
-                </a:solidFill>
-              </a:ln>
-            </p:spPr>
-            <p:style>
-              <a:lnRef idx="2">
-                <a:schemeClr val="accent1">
-                  <a:shade val="50000"/>
-                </a:schemeClr>
-              </a:lnRef>
-              <a:fillRef idx="1">
-                <a:schemeClr val="accent1"/>
-              </a:fillRef>
-              <a:effectRef idx="0">
-                <a:schemeClr val="accent1"/>
-              </a:effectRef>
-              <a:fontRef idx="minor">
-                <a:schemeClr val="lt1"/>
-              </a:fontRef>
-            </p:style>
-            <p:txBody>
-              <a:bodyPr rtlCol="0" anchor="ctr"/>
-              <a:lstStyle/>
-              <a:p>
-                <a:pPr algn="ctr"/>
-                <a:endParaRPr lang="en-GB">
-                  <a:solidFill>
-                    <a:schemeClr val="tx1"/>
-                  </a:solidFill>
-                </a:endParaRPr>
-              </a:p>
-            </p:txBody>
-          </p:sp>
-          <p:sp>
-            <p:nvSpPr>
-              <p:cNvPr id="41" name="Pfeil: nach rechts gekrümmt 40">
-                <a:extLst>
-                  <a:ext uri="{FF2B5EF4-FFF2-40B4-BE49-F238E27FC236}">
-                    <a16:creationId xmlns:a16="http://schemas.microsoft.com/office/drawing/2014/main" id="{0BF27E9B-CCC0-401E-B688-D52929755C84}"/>
-                  </a:ext>
-                </a:extLst>
-              </p:cNvPr>
-              <p:cNvSpPr/>
-              <p:nvPr/>
-            </p:nvSpPr>
-            <p:spPr>
-              <a:xfrm rot="14510669">
-                <a:off x="9263532" y="2632852"/>
-                <a:ext cx="229684" cy="356604"/>
-              </a:xfrm>
-              <a:prstGeom prst="curvedRightArrow">
-                <a:avLst/>
-              </a:prstGeom>
-              <a:solidFill>
-                <a:srgbClr val="FF0000"/>
-              </a:solidFill>
-              <a:ln>
-                <a:solidFill>
-                  <a:srgbClr val="E20000"/>
-                </a:solidFill>
-              </a:ln>
-            </p:spPr>
-            <p:style>
-              <a:lnRef idx="2">
-                <a:schemeClr val="accent1">
-                  <a:shade val="50000"/>
-                </a:schemeClr>
-              </a:lnRef>
-              <a:fillRef idx="1">
-                <a:schemeClr val="accent1"/>
-              </a:fillRef>
-              <a:effectRef idx="0">
-                <a:schemeClr val="accent1"/>
-              </a:effectRef>
-              <a:fontRef idx="minor">
-                <a:schemeClr val="lt1"/>
-              </a:fontRef>
-            </p:style>
-            <p:txBody>
-              <a:bodyPr rtlCol="0" anchor="ctr"/>
-              <a:lstStyle/>
-              <a:p>
-                <a:pPr algn="ctr"/>
-                <a:endParaRPr lang="en-GB">
-                  <a:solidFill>
-                    <a:schemeClr val="tx1"/>
-                  </a:solidFill>
-                </a:endParaRPr>
-              </a:p>
-            </p:txBody>
-          </p:sp>
-          <p:cxnSp>
-            <p:nvCxnSpPr>
-              <p:cNvPr id="42" name="Gerade Verbindung mit Pfeil 41">
-                <a:extLst>
-                  <a:ext uri="{FF2B5EF4-FFF2-40B4-BE49-F238E27FC236}">
-                    <a16:creationId xmlns:a16="http://schemas.microsoft.com/office/drawing/2014/main" id="{71D36BD9-95B7-4C3A-B141-C5F79DA369F4}"/>
-                  </a:ext>
-                </a:extLst>
-              </p:cNvPr>
-              <p:cNvCxnSpPr>
-                <a:cxnSpLocks/>
-              </p:cNvCxnSpPr>
-              <p:nvPr/>
-            </p:nvCxnSpPr>
-            <p:spPr>
-              <a:xfrm flipH="1">
-                <a:off x="9160385" y="2832764"/>
-                <a:ext cx="206375" cy="129439"/>
-              </a:xfrm>
-              <a:prstGeom prst="straightConnector1">
-                <a:avLst/>
-              </a:prstGeom>
-              <a:ln w="12700">
-                <a:solidFill>
-                  <a:schemeClr val="tx1"/>
-                </a:solidFill>
-                <a:tailEnd type="triangle"/>
-              </a:ln>
-            </p:spPr>
-            <p:style>
-              <a:lnRef idx="1">
-                <a:schemeClr val="accent1"/>
-              </a:lnRef>
-              <a:fillRef idx="0">
-                <a:schemeClr val="accent1"/>
-              </a:fillRef>
-              <a:effectRef idx="0">
-                <a:schemeClr val="accent1"/>
-              </a:effectRef>
-              <a:fontRef idx="minor">
-                <a:schemeClr val="tx1"/>
-              </a:fontRef>
-            </p:style>
-          </p:cxnSp>
-          <p:cxnSp>
-            <p:nvCxnSpPr>
-              <p:cNvPr id="43" name="Gerade Verbindung mit Pfeil 42">
-                <a:extLst>
-                  <a:ext uri="{FF2B5EF4-FFF2-40B4-BE49-F238E27FC236}">
-                    <a16:creationId xmlns:a16="http://schemas.microsoft.com/office/drawing/2014/main" id="{5292F41B-44EC-4171-8BBD-C4EAFA3D5E4F}"/>
-                  </a:ext>
-                </a:extLst>
-              </p:cNvPr>
-              <p:cNvCxnSpPr>
-                <a:cxnSpLocks/>
-              </p:cNvCxnSpPr>
-              <p:nvPr/>
-            </p:nvCxnSpPr>
-            <p:spPr>
-              <a:xfrm flipV="1">
-                <a:off x="9562106" y="2148383"/>
-                <a:ext cx="0" cy="220277"/>
-              </a:xfrm>
-              <a:prstGeom prst="straightConnector1">
-                <a:avLst/>
-              </a:prstGeom>
-              <a:ln w="12700">
-                <a:solidFill>
-                  <a:schemeClr val="tx1"/>
-                </a:solidFill>
-                <a:tailEnd type="triangle"/>
-              </a:ln>
-            </p:spPr>
-            <p:style>
-              <a:lnRef idx="1">
-                <a:schemeClr val="accent1"/>
-              </a:lnRef>
-              <a:fillRef idx="0">
-                <a:schemeClr val="accent1"/>
-              </a:fillRef>
-              <a:effectRef idx="0">
-                <a:schemeClr val="accent1"/>
-              </a:effectRef>
-              <a:fontRef idx="minor">
-                <a:schemeClr val="tx1"/>
-              </a:fontRef>
-            </p:style>
-          </p:cxnSp>
-          <p:sp>
-            <p:nvSpPr>
-              <p:cNvPr id="44" name="Pfeil: nach rechts gekrümmt 43">
-                <a:extLst>
-                  <a:ext uri="{FF2B5EF4-FFF2-40B4-BE49-F238E27FC236}">
-                    <a16:creationId xmlns:a16="http://schemas.microsoft.com/office/drawing/2014/main" id="{D20B44C8-C4EC-4F8B-AC52-8425211398DD}"/>
-                  </a:ext>
-                </a:extLst>
-              </p:cNvPr>
-              <p:cNvSpPr/>
-              <p:nvPr/>
-            </p:nvSpPr>
-            <p:spPr>
-              <a:xfrm rot="5400000">
-                <a:off x="9723032" y="2598760"/>
-                <a:ext cx="288213" cy="212009"/>
-              </a:xfrm>
-              <a:prstGeom prst="curvedRightArrow">
-                <a:avLst/>
-              </a:prstGeom>
-              <a:solidFill>
-                <a:srgbClr val="28F83C"/>
-              </a:solidFill>
-              <a:ln>
-                <a:solidFill>
-                  <a:srgbClr val="07D31A"/>
-                </a:solidFill>
-              </a:ln>
-            </p:spPr>
-            <p:style>
-              <a:lnRef idx="2">
-                <a:schemeClr val="accent1">
-                  <a:shade val="50000"/>
-                </a:schemeClr>
-              </a:lnRef>
-              <a:fillRef idx="1">
-                <a:schemeClr val="accent1"/>
-              </a:fillRef>
-              <a:effectRef idx="0">
-                <a:schemeClr val="accent1"/>
-              </a:effectRef>
-              <a:fontRef idx="minor">
-                <a:schemeClr val="lt1"/>
-              </a:fontRef>
-            </p:style>
-            <p:txBody>
-              <a:bodyPr rtlCol="0" anchor="ctr"/>
-              <a:lstStyle/>
-              <a:p>
-                <a:pPr algn="ctr"/>
-                <a:endParaRPr lang="en-GB">
-                  <a:solidFill>
-                    <a:schemeClr val="tx1"/>
-                  </a:solidFill>
-                </a:endParaRPr>
-              </a:p>
-            </p:txBody>
-          </p:sp>
-          <p:cxnSp>
-            <p:nvCxnSpPr>
-              <p:cNvPr id="45" name="Gerade Verbindung mit Pfeil 44">
-                <a:extLst>
-                  <a:ext uri="{FF2B5EF4-FFF2-40B4-BE49-F238E27FC236}">
-                    <a16:creationId xmlns:a16="http://schemas.microsoft.com/office/drawing/2014/main" id="{6829463C-C1BA-45A9-95C1-317123F7618E}"/>
-                  </a:ext>
-                </a:extLst>
-              </p:cNvPr>
-              <p:cNvCxnSpPr>
-                <a:cxnSpLocks/>
-              </p:cNvCxnSpPr>
-              <p:nvPr/>
-            </p:nvCxnSpPr>
-            <p:spPr>
-              <a:xfrm>
-                <a:off x="9871350" y="2703259"/>
-                <a:ext cx="233681" cy="0"/>
-              </a:xfrm>
-              <a:prstGeom prst="straightConnector1">
-                <a:avLst/>
-              </a:prstGeom>
-              <a:ln w="12700">
-                <a:solidFill>
-                  <a:schemeClr val="tx1"/>
-                </a:solidFill>
-                <a:tailEnd type="triangle"/>
-              </a:ln>
-            </p:spPr>
-            <p:style>
-              <a:lnRef idx="1">
-                <a:schemeClr val="accent1"/>
-              </a:lnRef>
-              <a:fillRef idx="0">
-                <a:schemeClr val="accent1"/>
-              </a:fillRef>
-              <a:effectRef idx="0">
-                <a:schemeClr val="accent1"/>
-              </a:effectRef>
-              <a:fontRef idx="minor">
-                <a:schemeClr val="tx1"/>
-              </a:fontRef>
-            </p:style>
-          </p:cxnSp>
-          <p:pic>
-            <p:nvPicPr>
-              <p:cNvPr id="67" name="Grafik 66">
-                <a:extLst>
-                  <a:ext uri="{FF2B5EF4-FFF2-40B4-BE49-F238E27FC236}">
-                    <a16:creationId xmlns:a16="http://schemas.microsoft.com/office/drawing/2014/main" id="{5DDAF63A-88D9-4795-B0CD-F47CD2E88BE9}"/>
-                  </a:ext>
-                </a:extLst>
-              </p:cNvPr>
-              <p:cNvPicPr>
-                <a:picLocks noChangeAspect="1"/>
-              </p:cNvPicPr>
-              <p:nvPr>
-                <p:custDataLst>
-                  <p:tags r:id="rId5"/>
-                </p:custDataLst>
-              </p:nvPr>
-            </p:nvPicPr>
-            <p:blipFill>
-              <a:blip r:embed="rId9">
-                <a:extLst>
-                  <a:ext uri="{28A0092B-C50C-407E-A947-70E740481C1C}">
-                    <a14:useLocalDpi xmlns:a14="http://schemas.microsoft.com/office/drawing/2010/main" val="0"/>
-                  </a:ext>
-                </a:extLst>
-              </a:blip>
-              <a:stretch>
-                <a:fillRect/>
-              </a:stretch>
-            </p:blipFill>
-            <p:spPr>
-              <a:xfrm>
-                <a:off x="8995614" y="2962203"/>
-                <a:ext cx="130048" cy="114782"/>
-              </a:xfrm>
-              <a:prstGeom prst="rect">
-                <a:avLst/>
-              </a:prstGeom>
-            </p:spPr>
-          </p:pic>
-          <p:pic>
-            <p:nvPicPr>
-              <p:cNvPr id="59" name="Grafik 58">
-                <a:extLst>
-                  <a:ext uri="{FF2B5EF4-FFF2-40B4-BE49-F238E27FC236}">
-                    <a16:creationId xmlns:a16="http://schemas.microsoft.com/office/drawing/2014/main" id="{DA1EC8BE-A3E6-4D0F-9540-07E2E20E392C}"/>
-                  </a:ext>
-                </a:extLst>
-              </p:cNvPr>
-              <p:cNvPicPr>
-                <a:picLocks noChangeAspect="1"/>
-              </p:cNvPicPr>
-              <p:nvPr>
-                <p:custDataLst>
-                  <p:tags r:id="rId6"/>
-                </p:custDataLst>
-              </p:nvPr>
-            </p:nvPicPr>
-            <p:blipFill>
-              <a:blip r:embed="rId10">
-                <a:extLst>
-                  <a:ext uri="{28A0092B-C50C-407E-A947-70E740481C1C}">
-                    <a14:useLocalDpi xmlns:a14="http://schemas.microsoft.com/office/drawing/2010/main" val="0"/>
-                  </a:ext>
-                </a:extLst>
-              </a:blip>
-              <a:stretch>
-                <a:fillRect/>
-              </a:stretch>
-            </p:blipFill>
-            <p:spPr>
-              <a:xfrm>
-                <a:off x="10144509" y="2623698"/>
-                <a:ext cx="121785" cy="164247"/>
-              </a:xfrm>
-              <a:prstGeom prst="rect">
-                <a:avLst/>
-              </a:prstGeom>
-            </p:spPr>
-          </p:pic>
-          <p:pic>
-            <p:nvPicPr>
-              <p:cNvPr id="63" name="Grafik 62">
-                <a:extLst>
-                  <a:ext uri="{FF2B5EF4-FFF2-40B4-BE49-F238E27FC236}">
-                    <a16:creationId xmlns:a16="http://schemas.microsoft.com/office/drawing/2014/main" id="{475B58F0-FD87-40CD-8FD2-38F0B413C956}"/>
-                  </a:ext>
-                </a:extLst>
-              </p:cNvPr>
-              <p:cNvPicPr>
-                <a:picLocks noChangeAspect="1"/>
-              </p:cNvPicPr>
-              <p:nvPr>
-                <p:custDataLst>
-                  <p:tags r:id="rId7"/>
-                </p:custDataLst>
-              </p:nvPr>
-            </p:nvPicPr>
-            <p:blipFill>
-              <a:blip r:embed="rId11">
-                <a:extLst>
-                  <a:ext uri="{28A0092B-C50C-407E-A947-70E740481C1C}">
-                    <a14:useLocalDpi xmlns:a14="http://schemas.microsoft.com/office/drawing/2010/main" val="0"/>
-                  </a:ext>
-                </a:extLst>
-              </a:blip>
-              <a:stretch>
-                <a:fillRect/>
-              </a:stretch>
-            </p:blipFill>
-            <p:spPr>
-              <a:xfrm>
-                <a:off x="9503063" y="1994163"/>
-                <a:ext cx="111364" cy="115627"/>
-              </a:xfrm>
-              <a:prstGeom prst="rect">
-                <a:avLst/>
-              </a:prstGeom>
-            </p:spPr>
-          </p:pic>
-        </p:grpSp>
+              <a:tailEnd type="triangle"/>
+            </a:ln>
+          </p:spPr>
+          <p:style>
+            <a:lnRef idx="1">
+              <a:schemeClr val="accent1"/>
+            </a:lnRef>
+            <a:fillRef idx="0">
+              <a:schemeClr val="accent1"/>
+            </a:fillRef>
+            <a:effectRef idx="0">
+              <a:schemeClr val="accent1"/>
+            </a:effectRef>
+            <a:fontRef idx="minor">
+              <a:schemeClr val="tx1"/>
+            </a:fontRef>
+          </p:style>
+        </p:cxnSp>
+        <p:pic>
+          <p:nvPicPr>
+            <p:cNvPr id="14" name="Grafik 13">
+              <a:extLst>
+                <a:ext uri="{FF2B5EF4-FFF2-40B4-BE49-F238E27FC236}">
+                  <a16:creationId xmlns:a16="http://schemas.microsoft.com/office/drawing/2014/main" id="{4CC8829E-5AB2-4FF0-8B96-CF3007D4219F}"/>
+                </a:ext>
+              </a:extLst>
+            </p:cNvPr>
+            <p:cNvPicPr>
+              <a:picLocks noChangeAspect="1"/>
+            </p:cNvPicPr>
+            <p:nvPr>
+              <p:custDataLst>
+                <p:tags r:id="rId1"/>
+              </p:custDataLst>
+            </p:nvPr>
+          </p:nvPicPr>
+          <p:blipFill>
+            <a:blip r:embed="rId9">
+              <a:extLst>
+                <a:ext uri="{28A0092B-C50C-407E-A947-70E740481C1C}">
+                  <a14:useLocalDpi xmlns:a14="http://schemas.microsoft.com/office/drawing/2010/main" val="0"/>
+                </a:ext>
+              </a:extLst>
+            </a:blip>
+            <a:stretch>
+              <a:fillRect/>
+            </a:stretch>
+          </p:blipFill>
+          <p:spPr>
+            <a:xfrm>
+              <a:off x="8995615" y="2962204"/>
+              <a:ext cx="150448" cy="120055"/>
+            </a:xfrm>
+            <a:prstGeom prst="rect">
+              <a:avLst/>
+            </a:prstGeom>
+          </p:spPr>
+        </p:pic>
+        <p:pic>
+          <p:nvPicPr>
+            <p:cNvPr id="47" name="Grafik 46">
+              <a:extLst>
+                <a:ext uri="{FF2B5EF4-FFF2-40B4-BE49-F238E27FC236}">
+                  <a16:creationId xmlns:a16="http://schemas.microsoft.com/office/drawing/2014/main" id="{6138A033-A70D-4F29-9F5B-220C7CE38090}"/>
+                </a:ext>
+              </a:extLst>
+            </p:cNvPr>
+            <p:cNvPicPr>
+              <a:picLocks noChangeAspect="1"/>
+            </p:cNvPicPr>
+            <p:nvPr>
+              <p:custDataLst>
+                <p:tags r:id="rId2"/>
+              </p:custDataLst>
+            </p:nvPr>
+          </p:nvPicPr>
+          <p:blipFill>
+            <a:blip r:embed="rId10">
+              <a:extLst>
+                <a:ext uri="{28A0092B-C50C-407E-A947-70E740481C1C}">
+                  <a14:useLocalDpi xmlns:a14="http://schemas.microsoft.com/office/drawing/2010/main" val="0"/>
+                </a:ext>
+              </a:extLst>
+            </a:blip>
+            <a:stretch>
+              <a:fillRect/>
+            </a:stretch>
+          </p:blipFill>
+          <p:spPr>
+            <a:xfrm>
+              <a:off x="10144509" y="2623698"/>
+              <a:ext cx="144864" cy="166279"/>
+            </a:xfrm>
+            <a:prstGeom prst="rect">
+              <a:avLst/>
+            </a:prstGeom>
+          </p:spPr>
+        </p:pic>
+        <p:pic>
+          <p:nvPicPr>
+            <p:cNvPr id="16" name="Grafik 15">
+              <a:extLst>
+                <a:ext uri="{FF2B5EF4-FFF2-40B4-BE49-F238E27FC236}">
+                  <a16:creationId xmlns:a16="http://schemas.microsoft.com/office/drawing/2014/main" id="{D15134B3-7A24-45B0-A092-57FFAC578E82}"/>
+                </a:ext>
+              </a:extLst>
+            </p:cNvPr>
+            <p:cNvPicPr>
+              <a:picLocks noChangeAspect="1"/>
+            </p:cNvPicPr>
+            <p:nvPr>
+              <p:custDataLst>
+                <p:tags r:id="rId3"/>
+              </p:custDataLst>
+            </p:nvPr>
+          </p:nvPicPr>
+          <p:blipFill>
+            <a:blip r:embed="rId11">
+              <a:extLst>
+                <a:ext uri="{28A0092B-C50C-407E-A947-70E740481C1C}">
+                  <a14:useLocalDpi xmlns:a14="http://schemas.microsoft.com/office/drawing/2010/main" val="0"/>
+                </a:ext>
+              </a:extLst>
+            </a:blip>
+            <a:stretch>
+              <a:fillRect/>
+            </a:stretch>
+          </p:blipFill>
+          <p:spPr>
+            <a:xfrm>
+              <a:off x="9503063" y="1994164"/>
+              <a:ext cx="132360" cy="117677"/>
+            </a:xfrm>
+            <a:prstGeom prst="rect">
+              <a:avLst/>
+            </a:prstGeom>
+          </p:spPr>
+        </p:pic>
         <p:sp>
           <p:nvSpPr>
             <p:cNvPr id="6" name="Flussdiagramm: Datenträger mit direktem Zugriff 5">
@@ -7141,7 +7121,7 @@
             </p:cNvPicPr>
             <p:nvPr>
               <p:custDataLst>
-                <p:tags r:id="rId1"/>
+                <p:tags r:id="rId4"/>
               </p:custDataLst>
             </p:nvPr>
           </p:nvPicPr>
@@ -7181,7 +7161,7 @@
             </p:cNvPicPr>
             <p:nvPr>
               <p:custDataLst>
-                <p:tags r:id="rId2"/>
+                <p:tags r:id="rId5"/>
               </p:custDataLst>
             </p:nvPr>
           </p:nvPicPr>
@@ -7221,7 +7201,7 @@
             </p:cNvPicPr>
             <p:nvPr>
               <p:custDataLst>
-                <p:tags r:id="rId3"/>
+                <p:tags r:id="rId6"/>
               </p:custDataLst>
             </p:nvPr>
           </p:nvPicPr>
@@ -7261,7 +7241,7 @@
             </p:cNvPicPr>
             <p:nvPr>
               <p:custDataLst>
-                <p:tags r:id="rId4"/>
+                <p:tags r:id="rId7"/>
               </p:custDataLst>
             </p:nvPr>
           </p:nvPicPr>
@@ -10780,6 +10760,5665 @@
           <a:chExt cx="0" cy="0"/>
         </a:xfrm>
       </p:grpSpPr>
+      <p:sp>
+        <p:nvSpPr>
+          <p:cNvPr id="10" name="Textfeld 9">
+            <a:extLst>
+              <a:ext uri="{FF2B5EF4-FFF2-40B4-BE49-F238E27FC236}">
+                <a16:creationId xmlns:a16="http://schemas.microsoft.com/office/drawing/2014/main" id="{416903E2-9EC2-47D6-9DB0-865F38174190}"/>
+              </a:ext>
+            </a:extLst>
+          </p:cNvPr>
+          <p:cNvSpPr txBox="1"/>
+          <p:nvPr/>
+        </p:nvSpPr>
+        <p:spPr>
+          <a:xfrm>
+            <a:off x="76199" y="66675"/>
+            <a:ext cx="2088017" cy="369332"/>
+          </a:xfrm>
+          <a:prstGeom prst="rect">
+            <a:avLst/>
+          </a:prstGeom>
+          <a:noFill/>
+        </p:spPr>
+        <p:txBody>
+          <a:bodyPr wrap="square" rtlCol="0">
+            <a:spAutoFit/>
+          </a:bodyPr>
+          <a:lstStyle/>
+          <a:p>
+            <a:r>
+              <a:rPr lang="de-DE" dirty="0"/>
+              <a:t>Zero Moment Point</a:t>
+            </a:r>
+            <a:endParaRPr lang="en-GB" dirty="0"/>
+          </a:p>
+        </p:txBody>
+      </p:sp>
+      <p:grpSp>
+        <p:nvGrpSpPr>
+          <p:cNvPr id="134" name="Gruppieren 133">
+            <a:extLst>
+              <a:ext uri="{FF2B5EF4-FFF2-40B4-BE49-F238E27FC236}">
+                <a16:creationId xmlns:a16="http://schemas.microsoft.com/office/drawing/2014/main" id="{61529A0A-F2BE-41F5-807C-34FD2893664B}"/>
+              </a:ext>
+            </a:extLst>
+          </p:cNvPr>
+          <p:cNvGrpSpPr/>
+          <p:nvPr/>
+        </p:nvGrpSpPr>
+        <p:grpSpPr>
+          <a:xfrm>
+            <a:off x="577798" y="3722469"/>
+            <a:ext cx="3164229" cy="2418094"/>
+            <a:chOff x="577798" y="3722469"/>
+            <a:chExt cx="3164229" cy="2418094"/>
+          </a:xfrm>
+        </p:grpSpPr>
+        <p:sp>
+          <p:nvSpPr>
+            <p:cNvPr id="45" name="Freihandform: Form 44">
+              <a:extLst>
+                <a:ext uri="{FF2B5EF4-FFF2-40B4-BE49-F238E27FC236}">
+                  <a16:creationId xmlns:a16="http://schemas.microsoft.com/office/drawing/2014/main" id="{0BAA82DE-8A3F-40E0-821C-4AE1A8EE895A}"/>
+                </a:ext>
+              </a:extLst>
+            </p:cNvPr>
+            <p:cNvSpPr/>
+            <p:nvPr/>
+          </p:nvSpPr>
+          <p:spPr>
+            <a:xfrm>
+              <a:off x="875804" y="4986941"/>
+              <a:ext cx="2692836" cy="355648"/>
+            </a:xfrm>
+            <a:custGeom>
+              <a:avLst/>
+              <a:gdLst>
+                <a:gd name="connsiteX0" fmla="*/ 5668 w 2662799"/>
+                <a:gd name="connsiteY0" fmla="*/ 206778 h 390145"/>
+                <a:gd name="connsiteX1" fmla="*/ 912448 w 2662799"/>
+                <a:gd name="connsiteY1" fmla="*/ 16278 h 390145"/>
+                <a:gd name="connsiteX2" fmla="*/ 1346788 w 2662799"/>
+                <a:gd name="connsiteY2" fmla="*/ 145818 h 390145"/>
+                <a:gd name="connsiteX3" fmla="*/ 2200228 w 2662799"/>
+                <a:gd name="connsiteY3" fmla="*/ 1038 h 390145"/>
+                <a:gd name="connsiteX4" fmla="*/ 2657428 w 2662799"/>
+                <a:gd name="connsiteY4" fmla="*/ 237258 h 390145"/>
+                <a:gd name="connsiteX5" fmla="*/ 1910668 w 2662799"/>
+                <a:gd name="connsiteY5" fmla="*/ 389658 h 390145"/>
+                <a:gd name="connsiteX6" fmla="*/ 1240108 w 2662799"/>
+                <a:gd name="connsiteY6" fmla="*/ 282978 h 390145"/>
+                <a:gd name="connsiteX7" fmla="*/ 561928 w 2662799"/>
+                <a:gd name="connsiteY7" fmla="*/ 389658 h 390145"/>
+                <a:gd name="connsiteX8" fmla="*/ 5668 w 2662799"/>
+                <a:gd name="connsiteY8" fmla="*/ 206778 h 390145"/>
+                <a:gd name="connsiteX0" fmla="*/ 5760 w 2652731"/>
+                <a:gd name="connsiteY0" fmla="*/ 206778 h 390603"/>
+                <a:gd name="connsiteX1" fmla="*/ 902380 w 2652731"/>
+                <a:gd name="connsiteY1" fmla="*/ 16278 h 390603"/>
+                <a:gd name="connsiteX2" fmla="*/ 1336720 w 2652731"/>
+                <a:gd name="connsiteY2" fmla="*/ 145818 h 390603"/>
+                <a:gd name="connsiteX3" fmla="*/ 2190160 w 2652731"/>
+                <a:gd name="connsiteY3" fmla="*/ 1038 h 390603"/>
+                <a:gd name="connsiteX4" fmla="*/ 2647360 w 2652731"/>
+                <a:gd name="connsiteY4" fmla="*/ 237258 h 390603"/>
+                <a:gd name="connsiteX5" fmla="*/ 1900600 w 2652731"/>
+                <a:gd name="connsiteY5" fmla="*/ 389658 h 390603"/>
+                <a:gd name="connsiteX6" fmla="*/ 1230040 w 2652731"/>
+                <a:gd name="connsiteY6" fmla="*/ 282978 h 390603"/>
+                <a:gd name="connsiteX7" fmla="*/ 551860 w 2652731"/>
+                <a:gd name="connsiteY7" fmla="*/ 389658 h 390603"/>
+                <a:gd name="connsiteX8" fmla="*/ 5760 w 2652731"/>
+                <a:gd name="connsiteY8" fmla="*/ 206778 h 390603"/>
+                <a:gd name="connsiteX0" fmla="*/ 9692 w 2656663"/>
+                <a:gd name="connsiteY0" fmla="*/ 206778 h 390603"/>
+                <a:gd name="connsiteX1" fmla="*/ 906312 w 2656663"/>
+                <a:gd name="connsiteY1" fmla="*/ 16278 h 390603"/>
+                <a:gd name="connsiteX2" fmla="*/ 1340652 w 2656663"/>
+                <a:gd name="connsiteY2" fmla="*/ 145818 h 390603"/>
+                <a:gd name="connsiteX3" fmla="*/ 2194092 w 2656663"/>
+                <a:gd name="connsiteY3" fmla="*/ 1038 h 390603"/>
+                <a:gd name="connsiteX4" fmla="*/ 2651292 w 2656663"/>
+                <a:gd name="connsiteY4" fmla="*/ 237258 h 390603"/>
+                <a:gd name="connsiteX5" fmla="*/ 1904532 w 2656663"/>
+                <a:gd name="connsiteY5" fmla="*/ 389658 h 390603"/>
+                <a:gd name="connsiteX6" fmla="*/ 1233972 w 2656663"/>
+                <a:gd name="connsiteY6" fmla="*/ 282978 h 390603"/>
+                <a:gd name="connsiteX7" fmla="*/ 555792 w 2656663"/>
+                <a:gd name="connsiteY7" fmla="*/ 389658 h 390603"/>
+                <a:gd name="connsiteX8" fmla="*/ 9692 w 2656663"/>
+                <a:gd name="connsiteY8" fmla="*/ 206778 h 390603"/>
+                <a:gd name="connsiteX0" fmla="*/ 5467 w 2652438"/>
+                <a:gd name="connsiteY0" fmla="*/ 206774 h 390599"/>
+                <a:gd name="connsiteX1" fmla="*/ 891927 w 2652438"/>
+                <a:gd name="connsiteY1" fmla="*/ 11194 h 390599"/>
+                <a:gd name="connsiteX2" fmla="*/ 1336427 w 2652438"/>
+                <a:gd name="connsiteY2" fmla="*/ 145814 h 390599"/>
+                <a:gd name="connsiteX3" fmla="*/ 2189867 w 2652438"/>
+                <a:gd name="connsiteY3" fmla="*/ 1034 h 390599"/>
+                <a:gd name="connsiteX4" fmla="*/ 2647067 w 2652438"/>
+                <a:gd name="connsiteY4" fmla="*/ 237254 h 390599"/>
+                <a:gd name="connsiteX5" fmla="*/ 1900307 w 2652438"/>
+                <a:gd name="connsiteY5" fmla="*/ 389654 h 390599"/>
+                <a:gd name="connsiteX6" fmla="*/ 1229747 w 2652438"/>
+                <a:gd name="connsiteY6" fmla="*/ 282974 h 390599"/>
+                <a:gd name="connsiteX7" fmla="*/ 551567 w 2652438"/>
+                <a:gd name="connsiteY7" fmla="*/ 389654 h 390599"/>
+                <a:gd name="connsiteX8" fmla="*/ 5467 w 2652438"/>
+                <a:gd name="connsiteY8" fmla="*/ 206774 h 390599"/>
+                <a:gd name="connsiteX0" fmla="*/ 5447 w 2652418"/>
+                <a:gd name="connsiteY0" fmla="*/ 206774 h 392198"/>
+                <a:gd name="connsiteX1" fmla="*/ 891907 w 2652418"/>
+                <a:gd name="connsiteY1" fmla="*/ 11194 h 392198"/>
+                <a:gd name="connsiteX2" fmla="*/ 1336407 w 2652418"/>
+                <a:gd name="connsiteY2" fmla="*/ 145814 h 392198"/>
+                <a:gd name="connsiteX3" fmla="*/ 2189847 w 2652418"/>
+                <a:gd name="connsiteY3" fmla="*/ 1034 h 392198"/>
+                <a:gd name="connsiteX4" fmla="*/ 2647047 w 2652418"/>
+                <a:gd name="connsiteY4" fmla="*/ 237254 h 392198"/>
+                <a:gd name="connsiteX5" fmla="*/ 1900287 w 2652418"/>
+                <a:gd name="connsiteY5" fmla="*/ 389654 h 392198"/>
+                <a:gd name="connsiteX6" fmla="*/ 1219567 w 2652418"/>
+                <a:gd name="connsiteY6" fmla="*/ 318534 h 392198"/>
+                <a:gd name="connsiteX7" fmla="*/ 551547 w 2652418"/>
+                <a:gd name="connsiteY7" fmla="*/ 389654 h 392198"/>
+                <a:gd name="connsiteX8" fmla="*/ 5447 w 2652418"/>
+                <a:gd name="connsiteY8" fmla="*/ 206774 h 392198"/>
+                <a:gd name="connsiteX0" fmla="*/ 5447 w 2652378"/>
+                <a:gd name="connsiteY0" fmla="*/ 208090 h 393514"/>
+                <a:gd name="connsiteX1" fmla="*/ 891907 w 2652378"/>
+                <a:gd name="connsiteY1" fmla="*/ 12510 h 393514"/>
+                <a:gd name="connsiteX2" fmla="*/ 1351647 w 2652378"/>
+                <a:gd name="connsiteY2" fmla="*/ 111570 h 393514"/>
+                <a:gd name="connsiteX3" fmla="*/ 2189847 w 2652378"/>
+                <a:gd name="connsiteY3" fmla="*/ 2350 h 393514"/>
+                <a:gd name="connsiteX4" fmla="*/ 2647047 w 2652378"/>
+                <a:gd name="connsiteY4" fmla="*/ 238570 h 393514"/>
+                <a:gd name="connsiteX5" fmla="*/ 1900287 w 2652378"/>
+                <a:gd name="connsiteY5" fmla="*/ 390970 h 393514"/>
+                <a:gd name="connsiteX6" fmla="*/ 1219567 w 2652378"/>
+                <a:gd name="connsiteY6" fmla="*/ 319850 h 393514"/>
+                <a:gd name="connsiteX7" fmla="*/ 551547 w 2652378"/>
+                <a:gd name="connsiteY7" fmla="*/ 390970 h 393514"/>
+                <a:gd name="connsiteX8" fmla="*/ 5447 w 2652378"/>
+                <a:gd name="connsiteY8" fmla="*/ 208090 h 393514"/>
+                <a:gd name="connsiteX0" fmla="*/ 5447 w 2652378"/>
+                <a:gd name="connsiteY0" fmla="*/ 197142 h 382566"/>
+                <a:gd name="connsiteX1" fmla="*/ 891907 w 2652378"/>
+                <a:gd name="connsiteY1" fmla="*/ 1562 h 382566"/>
+                <a:gd name="connsiteX2" fmla="*/ 1351647 w 2652378"/>
+                <a:gd name="connsiteY2" fmla="*/ 100622 h 382566"/>
+                <a:gd name="connsiteX3" fmla="*/ 2189847 w 2652378"/>
+                <a:gd name="connsiteY3" fmla="*/ 11722 h 382566"/>
+                <a:gd name="connsiteX4" fmla="*/ 2647047 w 2652378"/>
+                <a:gd name="connsiteY4" fmla="*/ 227622 h 382566"/>
+                <a:gd name="connsiteX5" fmla="*/ 1900287 w 2652378"/>
+                <a:gd name="connsiteY5" fmla="*/ 380022 h 382566"/>
+                <a:gd name="connsiteX6" fmla="*/ 1219567 w 2652378"/>
+                <a:gd name="connsiteY6" fmla="*/ 308902 h 382566"/>
+                <a:gd name="connsiteX7" fmla="*/ 551547 w 2652378"/>
+                <a:gd name="connsiteY7" fmla="*/ 380022 h 382566"/>
+                <a:gd name="connsiteX8" fmla="*/ 5447 w 2652378"/>
+                <a:gd name="connsiteY8" fmla="*/ 197142 h 382566"/>
+                <a:gd name="connsiteX0" fmla="*/ 5447 w 2702574"/>
+                <a:gd name="connsiteY0" fmla="*/ 197142 h 382566"/>
+                <a:gd name="connsiteX1" fmla="*/ 891907 w 2702574"/>
+                <a:gd name="connsiteY1" fmla="*/ 1562 h 382566"/>
+                <a:gd name="connsiteX2" fmla="*/ 1351647 w 2702574"/>
+                <a:gd name="connsiteY2" fmla="*/ 100622 h 382566"/>
+                <a:gd name="connsiteX3" fmla="*/ 2189847 w 2702574"/>
+                <a:gd name="connsiteY3" fmla="*/ 11722 h 382566"/>
+                <a:gd name="connsiteX4" fmla="*/ 2697847 w 2702574"/>
+                <a:gd name="connsiteY4" fmla="*/ 197142 h 382566"/>
+                <a:gd name="connsiteX5" fmla="*/ 1900287 w 2702574"/>
+                <a:gd name="connsiteY5" fmla="*/ 380022 h 382566"/>
+                <a:gd name="connsiteX6" fmla="*/ 1219567 w 2702574"/>
+                <a:gd name="connsiteY6" fmla="*/ 308902 h 382566"/>
+                <a:gd name="connsiteX7" fmla="*/ 551547 w 2702574"/>
+                <a:gd name="connsiteY7" fmla="*/ 380022 h 382566"/>
+                <a:gd name="connsiteX8" fmla="*/ 5447 w 2702574"/>
+                <a:gd name="connsiteY8" fmla="*/ 197142 h 382566"/>
+                <a:gd name="connsiteX0" fmla="*/ 5447 w 2705831"/>
+                <a:gd name="connsiteY0" fmla="*/ 197142 h 382566"/>
+                <a:gd name="connsiteX1" fmla="*/ 891907 w 2705831"/>
+                <a:gd name="connsiteY1" fmla="*/ 1562 h 382566"/>
+                <a:gd name="connsiteX2" fmla="*/ 1351647 w 2705831"/>
+                <a:gd name="connsiteY2" fmla="*/ 100622 h 382566"/>
+                <a:gd name="connsiteX3" fmla="*/ 2189847 w 2705831"/>
+                <a:gd name="connsiteY3" fmla="*/ 11722 h 382566"/>
+                <a:gd name="connsiteX4" fmla="*/ 2697847 w 2705831"/>
+                <a:gd name="connsiteY4" fmla="*/ 197142 h 382566"/>
+                <a:gd name="connsiteX5" fmla="*/ 1798687 w 2705831"/>
+                <a:gd name="connsiteY5" fmla="*/ 380022 h 382566"/>
+                <a:gd name="connsiteX6" fmla="*/ 1219567 w 2705831"/>
+                <a:gd name="connsiteY6" fmla="*/ 308902 h 382566"/>
+                <a:gd name="connsiteX7" fmla="*/ 551547 w 2705831"/>
+                <a:gd name="connsiteY7" fmla="*/ 380022 h 382566"/>
+                <a:gd name="connsiteX8" fmla="*/ 5447 w 2705831"/>
+                <a:gd name="connsiteY8" fmla="*/ 197142 h 382566"/>
+                <a:gd name="connsiteX0" fmla="*/ 5447 w 2699658"/>
+                <a:gd name="connsiteY0" fmla="*/ 197142 h 382566"/>
+                <a:gd name="connsiteX1" fmla="*/ 891907 w 2699658"/>
+                <a:gd name="connsiteY1" fmla="*/ 1562 h 382566"/>
+                <a:gd name="connsiteX2" fmla="*/ 1351647 w 2699658"/>
+                <a:gd name="connsiteY2" fmla="*/ 100622 h 382566"/>
+                <a:gd name="connsiteX3" fmla="*/ 2012047 w 2699658"/>
+                <a:gd name="connsiteY3" fmla="*/ 11722 h 382566"/>
+                <a:gd name="connsiteX4" fmla="*/ 2697847 w 2699658"/>
+                <a:gd name="connsiteY4" fmla="*/ 197142 h 382566"/>
+                <a:gd name="connsiteX5" fmla="*/ 1798687 w 2699658"/>
+                <a:gd name="connsiteY5" fmla="*/ 380022 h 382566"/>
+                <a:gd name="connsiteX6" fmla="*/ 1219567 w 2699658"/>
+                <a:gd name="connsiteY6" fmla="*/ 308902 h 382566"/>
+                <a:gd name="connsiteX7" fmla="*/ 551547 w 2699658"/>
+                <a:gd name="connsiteY7" fmla="*/ 380022 h 382566"/>
+                <a:gd name="connsiteX8" fmla="*/ 5447 w 2699658"/>
+                <a:gd name="connsiteY8" fmla="*/ 197142 h 382566"/>
+                <a:gd name="connsiteX0" fmla="*/ 5447 w 2699712"/>
+                <a:gd name="connsiteY0" fmla="*/ 198862 h 384286"/>
+                <a:gd name="connsiteX1" fmla="*/ 891907 w 2699712"/>
+                <a:gd name="connsiteY1" fmla="*/ 3282 h 384286"/>
+                <a:gd name="connsiteX2" fmla="*/ 1260207 w 2699712"/>
+                <a:gd name="connsiteY2" fmla="*/ 71862 h 384286"/>
+                <a:gd name="connsiteX3" fmla="*/ 2012047 w 2699712"/>
+                <a:gd name="connsiteY3" fmla="*/ 13442 h 384286"/>
+                <a:gd name="connsiteX4" fmla="*/ 2697847 w 2699712"/>
+                <a:gd name="connsiteY4" fmla="*/ 198862 h 384286"/>
+                <a:gd name="connsiteX5" fmla="*/ 1798687 w 2699712"/>
+                <a:gd name="connsiteY5" fmla="*/ 381742 h 384286"/>
+                <a:gd name="connsiteX6" fmla="*/ 1219567 w 2699712"/>
+                <a:gd name="connsiteY6" fmla="*/ 310622 h 384286"/>
+                <a:gd name="connsiteX7" fmla="*/ 551547 w 2699712"/>
+                <a:gd name="connsiteY7" fmla="*/ 381742 h 384286"/>
+                <a:gd name="connsiteX8" fmla="*/ 5447 w 2699712"/>
+                <a:gd name="connsiteY8" fmla="*/ 198862 h 384286"/>
+                <a:gd name="connsiteX0" fmla="*/ 817 w 2695082"/>
+                <a:gd name="connsiteY0" fmla="*/ 198862 h 384286"/>
+                <a:gd name="connsiteX1" fmla="*/ 668837 w 2695082"/>
+                <a:gd name="connsiteY1" fmla="*/ 3282 h 384286"/>
+                <a:gd name="connsiteX2" fmla="*/ 1255577 w 2695082"/>
+                <a:gd name="connsiteY2" fmla="*/ 71862 h 384286"/>
+                <a:gd name="connsiteX3" fmla="*/ 2007417 w 2695082"/>
+                <a:gd name="connsiteY3" fmla="*/ 13442 h 384286"/>
+                <a:gd name="connsiteX4" fmla="*/ 2693217 w 2695082"/>
+                <a:gd name="connsiteY4" fmla="*/ 198862 h 384286"/>
+                <a:gd name="connsiteX5" fmla="*/ 1794057 w 2695082"/>
+                <a:gd name="connsiteY5" fmla="*/ 381742 h 384286"/>
+                <a:gd name="connsiteX6" fmla="*/ 1214937 w 2695082"/>
+                <a:gd name="connsiteY6" fmla="*/ 310622 h 384286"/>
+                <a:gd name="connsiteX7" fmla="*/ 546917 w 2695082"/>
+                <a:gd name="connsiteY7" fmla="*/ 381742 h 384286"/>
+                <a:gd name="connsiteX8" fmla="*/ 817 w 2695082"/>
+                <a:gd name="connsiteY8" fmla="*/ 198862 h 384286"/>
+                <a:gd name="connsiteX0" fmla="*/ 2354 w 2696619"/>
+                <a:gd name="connsiteY0" fmla="*/ 198862 h 384286"/>
+                <a:gd name="connsiteX1" fmla="*/ 670374 w 2696619"/>
+                <a:gd name="connsiteY1" fmla="*/ 3282 h 384286"/>
+                <a:gd name="connsiteX2" fmla="*/ 1257114 w 2696619"/>
+                <a:gd name="connsiteY2" fmla="*/ 71862 h 384286"/>
+                <a:gd name="connsiteX3" fmla="*/ 2008954 w 2696619"/>
+                <a:gd name="connsiteY3" fmla="*/ 13442 h 384286"/>
+                <a:gd name="connsiteX4" fmla="*/ 2694754 w 2696619"/>
+                <a:gd name="connsiteY4" fmla="*/ 198862 h 384286"/>
+                <a:gd name="connsiteX5" fmla="*/ 1795594 w 2696619"/>
+                <a:gd name="connsiteY5" fmla="*/ 381742 h 384286"/>
+                <a:gd name="connsiteX6" fmla="*/ 1216474 w 2696619"/>
+                <a:gd name="connsiteY6" fmla="*/ 310622 h 384286"/>
+                <a:gd name="connsiteX7" fmla="*/ 477334 w 2696619"/>
+                <a:gd name="connsiteY7" fmla="*/ 381742 h 384286"/>
+                <a:gd name="connsiteX8" fmla="*/ 2354 w 2696619"/>
+                <a:gd name="connsiteY8" fmla="*/ 198862 h 384286"/>
+                <a:gd name="connsiteX0" fmla="*/ 2354 w 2696675"/>
+                <a:gd name="connsiteY0" fmla="*/ 198862 h 384286"/>
+                <a:gd name="connsiteX1" fmla="*/ 670374 w 2696675"/>
+                <a:gd name="connsiteY1" fmla="*/ 3282 h 384286"/>
+                <a:gd name="connsiteX2" fmla="*/ 1165674 w 2696675"/>
+                <a:gd name="connsiteY2" fmla="*/ 71862 h 384286"/>
+                <a:gd name="connsiteX3" fmla="*/ 2008954 w 2696675"/>
+                <a:gd name="connsiteY3" fmla="*/ 13442 h 384286"/>
+                <a:gd name="connsiteX4" fmla="*/ 2694754 w 2696675"/>
+                <a:gd name="connsiteY4" fmla="*/ 198862 h 384286"/>
+                <a:gd name="connsiteX5" fmla="*/ 1795594 w 2696675"/>
+                <a:gd name="connsiteY5" fmla="*/ 381742 h 384286"/>
+                <a:gd name="connsiteX6" fmla="*/ 1216474 w 2696675"/>
+                <a:gd name="connsiteY6" fmla="*/ 310622 h 384286"/>
+                <a:gd name="connsiteX7" fmla="*/ 477334 w 2696675"/>
+                <a:gd name="connsiteY7" fmla="*/ 381742 h 384286"/>
+                <a:gd name="connsiteX8" fmla="*/ 2354 w 2696675"/>
+                <a:gd name="connsiteY8" fmla="*/ 198862 h 384286"/>
+                <a:gd name="connsiteX0" fmla="*/ 2102 w 2696423"/>
+                <a:gd name="connsiteY0" fmla="*/ 198862 h 385422"/>
+                <a:gd name="connsiteX1" fmla="*/ 670122 w 2696423"/>
+                <a:gd name="connsiteY1" fmla="*/ 3282 h 385422"/>
+                <a:gd name="connsiteX2" fmla="*/ 1165422 w 2696423"/>
+                <a:gd name="connsiteY2" fmla="*/ 71862 h 385422"/>
+                <a:gd name="connsiteX3" fmla="*/ 2008702 w 2696423"/>
+                <a:gd name="connsiteY3" fmla="*/ 13442 h 385422"/>
+                <a:gd name="connsiteX4" fmla="*/ 2694502 w 2696423"/>
+                <a:gd name="connsiteY4" fmla="*/ 198862 h 385422"/>
+                <a:gd name="connsiteX5" fmla="*/ 1795342 w 2696423"/>
+                <a:gd name="connsiteY5" fmla="*/ 381742 h 385422"/>
+                <a:gd name="connsiteX6" fmla="*/ 972382 w 2696423"/>
+                <a:gd name="connsiteY6" fmla="*/ 325862 h 385422"/>
+                <a:gd name="connsiteX7" fmla="*/ 477082 w 2696423"/>
+                <a:gd name="connsiteY7" fmla="*/ 381742 h 385422"/>
+                <a:gd name="connsiteX8" fmla="*/ 2102 w 2696423"/>
+                <a:gd name="connsiteY8" fmla="*/ 198862 h 385422"/>
+                <a:gd name="connsiteX0" fmla="*/ 2102 w 2696423"/>
+                <a:gd name="connsiteY0" fmla="*/ 189032 h 375592"/>
+                <a:gd name="connsiteX1" fmla="*/ 670122 w 2696423"/>
+                <a:gd name="connsiteY1" fmla="*/ 8692 h 375592"/>
+                <a:gd name="connsiteX2" fmla="*/ 1165422 w 2696423"/>
+                <a:gd name="connsiteY2" fmla="*/ 62032 h 375592"/>
+                <a:gd name="connsiteX3" fmla="*/ 2008702 w 2696423"/>
+                <a:gd name="connsiteY3" fmla="*/ 3612 h 375592"/>
+                <a:gd name="connsiteX4" fmla="*/ 2694502 w 2696423"/>
+                <a:gd name="connsiteY4" fmla="*/ 189032 h 375592"/>
+                <a:gd name="connsiteX5" fmla="*/ 1795342 w 2696423"/>
+                <a:gd name="connsiteY5" fmla="*/ 371912 h 375592"/>
+                <a:gd name="connsiteX6" fmla="*/ 972382 w 2696423"/>
+                <a:gd name="connsiteY6" fmla="*/ 316032 h 375592"/>
+                <a:gd name="connsiteX7" fmla="*/ 477082 w 2696423"/>
+                <a:gd name="connsiteY7" fmla="*/ 371912 h 375592"/>
+                <a:gd name="connsiteX8" fmla="*/ 2102 w 2696423"/>
+                <a:gd name="connsiteY8" fmla="*/ 189032 h 375592"/>
+                <a:gd name="connsiteX0" fmla="*/ 2102 w 2696123"/>
+                <a:gd name="connsiteY0" fmla="*/ 189032 h 375592"/>
+                <a:gd name="connsiteX1" fmla="*/ 670122 w 2696123"/>
+                <a:gd name="connsiteY1" fmla="*/ 8692 h 375592"/>
+                <a:gd name="connsiteX2" fmla="*/ 1165422 w 2696123"/>
+                <a:gd name="connsiteY2" fmla="*/ 62032 h 375592"/>
+                <a:gd name="connsiteX3" fmla="*/ 1993462 w 2696123"/>
+                <a:gd name="connsiteY3" fmla="*/ 3612 h 375592"/>
+                <a:gd name="connsiteX4" fmla="*/ 2694502 w 2696123"/>
+                <a:gd name="connsiteY4" fmla="*/ 189032 h 375592"/>
+                <a:gd name="connsiteX5" fmla="*/ 1795342 w 2696123"/>
+                <a:gd name="connsiteY5" fmla="*/ 371912 h 375592"/>
+                <a:gd name="connsiteX6" fmla="*/ 972382 w 2696123"/>
+                <a:gd name="connsiteY6" fmla="*/ 316032 h 375592"/>
+                <a:gd name="connsiteX7" fmla="*/ 477082 w 2696123"/>
+                <a:gd name="connsiteY7" fmla="*/ 371912 h 375592"/>
+                <a:gd name="connsiteX8" fmla="*/ 2102 w 2696123"/>
+                <a:gd name="connsiteY8" fmla="*/ 189032 h 375592"/>
+                <a:gd name="connsiteX0" fmla="*/ 23173 w 2717194"/>
+                <a:gd name="connsiteY0" fmla="*/ 189032 h 375592"/>
+                <a:gd name="connsiteX1" fmla="*/ 691193 w 2717194"/>
+                <a:gd name="connsiteY1" fmla="*/ 8692 h 375592"/>
+                <a:gd name="connsiteX2" fmla="*/ 1186493 w 2717194"/>
+                <a:gd name="connsiteY2" fmla="*/ 62032 h 375592"/>
+                <a:gd name="connsiteX3" fmla="*/ 2014533 w 2717194"/>
+                <a:gd name="connsiteY3" fmla="*/ 3612 h 375592"/>
+                <a:gd name="connsiteX4" fmla="*/ 2715573 w 2717194"/>
+                <a:gd name="connsiteY4" fmla="*/ 189032 h 375592"/>
+                <a:gd name="connsiteX5" fmla="*/ 1816413 w 2717194"/>
+                <a:gd name="connsiteY5" fmla="*/ 371912 h 375592"/>
+                <a:gd name="connsiteX6" fmla="*/ 993453 w 2717194"/>
+                <a:gd name="connsiteY6" fmla="*/ 316032 h 375592"/>
+                <a:gd name="connsiteX7" fmla="*/ 498153 w 2717194"/>
+                <a:gd name="connsiteY7" fmla="*/ 371912 h 375592"/>
+                <a:gd name="connsiteX8" fmla="*/ 23173 w 2717194"/>
+                <a:gd name="connsiteY8" fmla="*/ 189032 h 375592"/>
+                <a:gd name="connsiteX0" fmla="*/ 24118 w 2692739"/>
+                <a:gd name="connsiteY0" fmla="*/ 189032 h 375592"/>
+                <a:gd name="connsiteX1" fmla="*/ 666738 w 2692739"/>
+                <a:gd name="connsiteY1" fmla="*/ 8692 h 375592"/>
+                <a:gd name="connsiteX2" fmla="*/ 1162038 w 2692739"/>
+                <a:gd name="connsiteY2" fmla="*/ 62032 h 375592"/>
+                <a:gd name="connsiteX3" fmla="*/ 1990078 w 2692739"/>
+                <a:gd name="connsiteY3" fmla="*/ 3612 h 375592"/>
+                <a:gd name="connsiteX4" fmla="*/ 2691118 w 2692739"/>
+                <a:gd name="connsiteY4" fmla="*/ 189032 h 375592"/>
+                <a:gd name="connsiteX5" fmla="*/ 1791958 w 2692739"/>
+                <a:gd name="connsiteY5" fmla="*/ 371912 h 375592"/>
+                <a:gd name="connsiteX6" fmla="*/ 968998 w 2692739"/>
+                <a:gd name="connsiteY6" fmla="*/ 316032 h 375592"/>
+                <a:gd name="connsiteX7" fmla="*/ 473698 w 2692739"/>
+                <a:gd name="connsiteY7" fmla="*/ 371912 h 375592"/>
+                <a:gd name="connsiteX8" fmla="*/ 24118 w 2692739"/>
+                <a:gd name="connsiteY8" fmla="*/ 189032 h 375592"/>
+                <a:gd name="connsiteX0" fmla="*/ 24118 w 2692739"/>
+                <a:gd name="connsiteY0" fmla="*/ 189032 h 375592"/>
+                <a:gd name="connsiteX1" fmla="*/ 666738 w 2692739"/>
+                <a:gd name="connsiteY1" fmla="*/ 8692 h 375592"/>
+                <a:gd name="connsiteX2" fmla="*/ 1162038 w 2692739"/>
+                <a:gd name="connsiteY2" fmla="*/ 62032 h 375592"/>
+                <a:gd name="connsiteX3" fmla="*/ 1990078 w 2692739"/>
+                <a:gd name="connsiteY3" fmla="*/ 3612 h 375592"/>
+                <a:gd name="connsiteX4" fmla="*/ 2691118 w 2692739"/>
+                <a:gd name="connsiteY4" fmla="*/ 189032 h 375592"/>
+                <a:gd name="connsiteX5" fmla="*/ 1791958 w 2692739"/>
+                <a:gd name="connsiteY5" fmla="*/ 371912 h 375592"/>
+                <a:gd name="connsiteX6" fmla="*/ 968998 w 2692739"/>
+                <a:gd name="connsiteY6" fmla="*/ 316032 h 375592"/>
+                <a:gd name="connsiteX7" fmla="*/ 473698 w 2692739"/>
+                <a:gd name="connsiteY7" fmla="*/ 371912 h 375592"/>
+                <a:gd name="connsiteX8" fmla="*/ 24118 w 2692739"/>
+                <a:gd name="connsiteY8" fmla="*/ 189032 h 375592"/>
+                <a:gd name="connsiteX0" fmla="*/ 24118 w 2692739"/>
+                <a:gd name="connsiteY0" fmla="*/ 189032 h 375592"/>
+                <a:gd name="connsiteX1" fmla="*/ 666738 w 2692739"/>
+                <a:gd name="connsiteY1" fmla="*/ 8692 h 375592"/>
+                <a:gd name="connsiteX2" fmla="*/ 1162038 w 2692739"/>
+                <a:gd name="connsiteY2" fmla="*/ 62032 h 375592"/>
+                <a:gd name="connsiteX3" fmla="*/ 1990078 w 2692739"/>
+                <a:gd name="connsiteY3" fmla="*/ 3612 h 375592"/>
+                <a:gd name="connsiteX4" fmla="*/ 2691118 w 2692739"/>
+                <a:gd name="connsiteY4" fmla="*/ 189032 h 375592"/>
+                <a:gd name="connsiteX5" fmla="*/ 1791958 w 2692739"/>
+                <a:gd name="connsiteY5" fmla="*/ 371912 h 375592"/>
+                <a:gd name="connsiteX6" fmla="*/ 968998 w 2692739"/>
+                <a:gd name="connsiteY6" fmla="*/ 316032 h 375592"/>
+                <a:gd name="connsiteX7" fmla="*/ 473698 w 2692739"/>
+                <a:gd name="connsiteY7" fmla="*/ 371912 h 375592"/>
+                <a:gd name="connsiteX8" fmla="*/ 24118 w 2692739"/>
+                <a:gd name="connsiteY8" fmla="*/ 189032 h 375592"/>
+                <a:gd name="connsiteX0" fmla="*/ 24118 w 2692739"/>
+                <a:gd name="connsiteY0" fmla="*/ 189032 h 375592"/>
+                <a:gd name="connsiteX1" fmla="*/ 666738 w 2692739"/>
+                <a:gd name="connsiteY1" fmla="*/ 8692 h 375592"/>
+                <a:gd name="connsiteX2" fmla="*/ 1162038 w 2692739"/>
+                <a:gd name="connsiteY2" fmla="*/ 62032 h 375592"/>
+                <a:gd name="connsiteX3" fmla="*/ 1990078 w 2692739"/>
+                <a:gd name="connsiteY3" fmla="*/ 3612 h 375592"/>
+                <a:gd name="connsiteX4" fmla="*/ 2691118 w 2692739"/>
+                <a:gd name="connsiteY4" fmla="*/ 189032 h 375592"/>
+                <a:gd name="connsiteX5" fmla="*/ 1791958 w 2692739"/>
+                <a:gd name="connsiteY5" fmla="*/ 371912 h 375592"/>
+                <a:gd name="connsiteX6" fmla="*/ 968998 w 2692739"/>
+                <a:gd name="connsiteY6" fmla="*/ 316032 h 375592"/>
+                <a:gd name="connsiteX7" fmla="*/ 473698 w 2692739"/>
+                <a:gd name="connsiteY7" fmla="*/ 371912 h 375592"/>
+                <a:gd name="connsiteX8" fmla="*/ 24118 w 2692739"/>
+                <a:gd name="connsiteY8" fmla="*/ 189032 h 375592"/>
+                <a:gd name="connsiteX0" fmla="*/ 24118 w 2692739"/>
+                <a:gd name="connsiteY0" fmla="*/ 189032 h 375798"/>
+                <a:gd name="connsiteX1" fmla="*/ 666738 w 2692739"/>
+                <a:gd name="connsiteY1" fmla="*/ 8692 h 375798"/>
+                <a:gd name="connsiteX2" fmla="*/ 1162038 w 2692739"/>
+                <a:gd name="connsiteY2" fmla="*/ 62032 h 375798"/>
+                <a:gd name="connsiteX3" fmla="*/ 1990078 w 2692739"/>
+                <a:gd name="connsiteY3" fmla="*/ 3612 h 375798"/>
+                <a:gd name="connsiteX4" fmla="*/ 2691118 w 2692739"/>
+                <a:gd name="connsiteY4" fmla="*/ 189032 h 375798"/>
+                <a:gd name="connsiteX5" fmla="*/ 1791958 w 2692739"/>
+                <a:gd name="connsiteY5" fmla="*/ 371912 h 375798"/>
+                <a:gd name="connsiteX6" fmla="*/ 968998 w 2692739"/>
+                <a:gd name="connsiteY6" fmla="*/ 316032 h 375798"/>
+                <a:gd name="connsiteX7" fmla="*/ 473698 w 2692739"/>
+                <a:gd name="connsiteY7" fmla="*/ 371912 h 375798"/>
+                <a:gd name="connsiteX8" fmla="*/ 24118 w 2692739"/>
+                <a:gd name="connsiteY8" fmla="*/ 189032 h 375798"/>
+                <a:gd name="connsiteX0" fmla="*/ 24118 w 2692739"/>
+                <a:gd name="connsiteY0" fmla="*/ 189032 h 375798"/>
+                <a:gd name="connsiteX1" fmla="*/ 666738 w 2692739"/>
+                <a:gd name="connsiteY1" fmla="*/ 8692 h 375798"/>
+                <a:gd name="connsiteX2" fmla="*/ 1162038 w 2692739"/>
+                <a:gd name="connsiteY2" fmla="*/ 62032 h 375798"/>
+                <a:gd name="connsiteX3" fmla="*/ 1990078 w 2692739"/>
+                <a:gd name="connsiteY3" fmla="*/ 3612 h 375798"/>
+                <a:gd name="connsiteX4" fmla="*/ 2691118 w 2692739"/>
+                <a:gd name="connsiteY4" fmla="*/ 189032 h 375798"/>
+                <a:gd name="connsiteX5" fmla="*/ 1791958 w 2692739"/>
+                <a:gd name="connsiteY5" fmla="*/ 371912 h 375798"/>
+                <a:gd name="connsiteX6" fmla="*/ 968998 w 2692739"/>
+                <a:gd name="connsiteY6" fmla="*/ 316032 h 375798"/>
+                <a:gd name="connsiteX7" fmla="*/ 473698 w 2692739"/>
+                <a:gd name="connsiteY7" fmla="*/ 371912 h 375798"/>
+                <a:gd name="connsiteX8" fmla="*/ 24118 w 2692739"/>
+                <a:gd name="connsiteY8" fmla="*/ 189032 h 375798"/>
+                <a:gd name="connsiteX0" fmla="*/ 2522 w 2671143"/>
+                <a:gd name="connsiteY0" fmla="*/ 189032 h 375592"/>
+                <a:gd name="connsiteX1" fmla="*/ 645142 w 2671143"/>
+                <a:gd name="connsiteY1" fmla="*/ 8692 h 375592"/>
+                <a:gd name="connsiteX2" fmla="*/ 1140442 w 2671143"/>
+                <a:gd name="connsiteY2" fmla="*/ 62032 h 375592"/>
+                <a:gd name="connsiteX3" fmla="*/ 1968482 w 2671143"/>
+                <a:gd name="connsiteY3" fmla="*/ 3612 h 375592"/>
+                <a:gd name="connsiteX4" fmla="*/ 2669522 w 2671143"/>
+                <a:gd name="connsiteY4" fmla="*/ 189032 h 375592"/>
+                <a:gd name="connsiteX5" fmla="*/ 1770362 w 2671143"/>
+                <a:gd name="connsiteY5" fmla="*/ 371912 h 375592"/>
+                <a:gd name="connsiteX6" fmla="*/ 947402 w 2671143"/>
+                <a:gd name="connsiteY6" fmla="*/ 316032 h 375592"/>
+                <a:gd name="connsiteX7" fmla="*/ 441942 w 2671143"/>
+                <a:gd name="connsiteY7" fmla="*/ 366832 h 375592"/>
+                <a:gd name="connsiteX8" fmla="*/ 2522 w 2671143"/>
+                <a:gd name="connsiteY8" fmla="*/ 189032 h 375592"/>
+                <a:gd name="connsiteX0" fmla="*/ 2522 w 2671143"/>
+                <a:gd name="connsiteY0" fmla="*/ 189032 h 375592"/>
+                <a:gd name="connsiteX1" fmla="*/ 645142 w 2671143"/>
+                <a:gd name="connsiteY1" fmla="*/ 8692 h 375592"/>
+                <a:gd name="connsiteX2" fmla="*/ 1140442 w 2671143"/>
+                <a:gd name="connsiteY2" fmla="*/ 62032 h 375592"/>
+                <a:gd name="connsiteX3" fmla="*/ 1968482 w 2671143"/>
+                <a:gd name="connsiteY3" fmla="*/ 3612 h 375592"/>
+                <a:gd name="connsiteX4" fmla="*/ 2669522 w 2671143"/>
+                <a:gd name="connsiteY4" fmla="*/ 189032 h 375592"/>
+                <a:gd name="connsiteX5" fmla="*/ 1770362 w 2671143"/>
+                <a:gd name="connsiteY5" fmla="*/ 371912 h 375592"/>
+                <a:gd name="connsiteX6" fmla="*/ 947402 w 2671143"/>
+                <a:gd name="connsiteY6" fmla="*/ 316032 h 375592"/>
+                <a:gd name="connsiteX7" fmla="*/ 441942 w 2671143"/>
+                <a:gd name="connsiteY7" fmla="*/ 366832 h 375592"/>
+                <a:gd name="connsiteX8" fmla="*/ 2522 w 2671143"/>
+                <a:gd name="connsiteY8" fmla="*/ 189032 h 375592"/>
+                <a:gd name="connsiteX0" fmla="*/ 4612 w 2673233"/>
+                <a:gd name="connsiteY0" fmla="*/ 189032 h 375592"/>
+                <a:gd name="connsiteX1" fmla="*/ 647232 w 2673233"/>
+                <a:gd name="connsiteY1" fmla="*/ 8692 h 375592"/>
+                <a:gd name="connsiteX2" fmla="*/ 1142532 w 2673233"/>
+                <a:gd name="connsiteY2" fmla="*/ 62032 h 375592"/>
+                <a:gd name="connsiteX3" fmla="*/ 1970572 w 2673233"/>
+                <a:gd name="connsiteY3" fmla="*/ 3612 h 375592"/>
+                <a:gd name="connsiteX4" fmla="*/ 2671612 w 2673233"/>
+                <a:gd name="connsiteY4" fmla="*/ 189032 h 375592"/>
+                <a:gd name="connsiteX5" fmla="*/ 1772452 w 2673233"/>
+                <a:gd name="connsiteY5" fmla="*/ 371912 h 375592"/>
+                <a:gd name="connsiteX6" fmla="*/ 949492 w 2673233"/>
+                <a:gd name="connsiteY6" fmla="*/ 316032 h 375592"/>
+                <a:gd name="connsiteX7" fmla="*/ 444032 w 2673233"/>
+                <a:gd name="connsiteY7" fmla="*/ 366832 h 375592"/>
+                <a:gd name="connsiteX8" fmla="*/ 4612 w 2673233"/>
+                <a:gd name="connsiteY8" fmla="*/ 189032 h 375592"/>
+                <a:gd name="connsiteX0" fmla="*/ 4612 w 2673233"/>
+                <a:gd name="connsiteY0" fmla="*/ 189032 h 375592"/>
+                <a:gd name="connsiteX1" fmla="*/ 647232 w 2673233"/>
+                <a:gd name="connsiteY1" fmla="*/ 8692 h 375592"/>
+                <a:gd name="connsiteX2" fmla="*/ 1142532 w 2673233"/>
+                <a:gd name="connsiteY2" fmla="*/ 62032 h 375592"/>
+                <a:gd name="connsiteX3" fmla="*/ 1970572 w 2673233"/>
+                <a:gd name="connsiteY3" fmla="*/ 3612 h 375592"/>
+                <a:gd name="connsiteX4" fmla="*/ 2671612 w 2673233"/>
+                <a:gd name="connsiteY4" fmla="*/ 189032 h 375592"/>
+                <a:gd name="connsiteX5" fmla="*/ 1772452 w 2673233"/>
+                <a:gd name="connsiteY5" fmla="*/ 371912 h 375592"/>
+                <a:gd name="connsiteX6" fmla="*/ 949492 w 2673233"/>
+                <a:gd name="connsiteY6" fmla="*/ 316032 h 375592"/>
+                <a:gd name="connsiteX7" fmla="*/ 444032 w 2673233"/>
+                <a:gd name="connsiteY7" fmla="*/ 366832 h 375592"/>
+                <a:gd name="connsiteX8" fmla="*/ 4612 w 2673233"/>
+                <a:gd name="connsiteY8" fmla="*/ 189032 h 375592"/>
+                <a:gd name="connsiteX0" fmla="*/ 17543 w 2686164"/>
+                <a:gd name="connsiteY0" fmla="*/ 189032 h 375592"/>
+                <a:gd name="connsiteX1" fmla="*/ 660163 w 2686164"/>
+                <a:gd name="connsiteY1" fmla="*/ 8692 h 375592"/>
+                <a:gd name="connsiteX2" fmla="*/ 1155463 w 2686164"/>
+                <a:gd name="connsiteY2" fmla="*/ 62032 h 375592"/>
+                <a:gd name="connsiteX3" fmla="*/ 1983503 w 2686164"/>
+                <a:gd name="connsiteY3" fmla="*/ 3612 h 375592"/>
+                <a:gd name="connsiteX4" fmla="*/ 2684543 w 2686164"/>
+                <a:gd name="connsiteY4" fmla="*/ 189032 h 375592"/>
+                <a:gd name="connsiteX5" fmla="*/ 1785383 w 2686164"/>
+                <a:gd name="connsiteY5" fmla="*/ 371912 h 375592"/>
+                <a:gd name="connsiteX6" fmla="*/ 962423 w 2686164"/>
+                <a:gd name="connsiteY6" fmla="*/ 316032 h 375592"/>
+                <a:gd name="connsiteX7" fmla="*/ 456963 w 2686164"/>
+                <a:gd name="connsiteY7" fmla="*/ 366832 h 375592"/>
+                <a:gd name="connsiteX8" fmla="*/ 17543 w 2686164"/>
+                <a:gd name="connsiteY8" fmla="*/ 189032 h 375592"/>
+                <a:gd name="connsiteX0" fmla="*/ 17543 w 2686164"/>
+                <a:gd name="connsiteY0" fmla="*/ 189032 h 375592"/>
+                <a:gd name="connsiteX1" fmla="*/ 660163 w 2686164"/>
+                <a:gd name="connsiteY1" fmla="*/ 8692 h 375592"/>
+                <a:gd name="connsiteX2" fmla="*/ 1155463 w 2686164"/>
+                <a:gd name="connsiteY2" fmla="*/ 62032 h 375592"/>
+                <a:gd name="connsiteX3" fmla="*/ 1983503 w 2686164"/>
+                <a:gd name="connsiteY3" fmla="*/ 3612 h 375592"/>
+                <a:gd name="connsiteX4" fmla="*/ 2684543 w 2686164"/>
+                <a:gd name="connsiteY4" fmla="*/ 189032 h 375592"/>
+                <a:gd name="connsiteX5" fmla="*/ 1785383 w 2686164"/>
+                <a:gd name="connsiteY5" fmla="*/ 371912 h 375592"/>
+                <a:gd name="connsiteX6" fmla="*/ 962423 w 2686164"/>
+                <a:gd name="connsiteY6" fmla="*/ 316032 h 375592"/>
+                <a:gd name="connsiteX7" fmla="*/ 456963 w 2686164"/>
+                <a:gd name="connsiteY7" fmla="*/ 366832 h 375592"/>
+                <a:gd name="connsiteX8" fmla="*/ 17543 w 2686164"/>
+                <a:gd name="connsiteY8" fmla="*/ 189032 h 375592"/>
+                <a:gd name="connsiteX0" fmla="*/ 17543 w 2686164"/>
+                <a:gd name="connsiteY0" fmla="*/ 189032 h 375592"/>
+                <a:gd name="connsiteX1" fmla="*/ 660163 w 2686164"/>
+                <a:gd name="connsiteY1" fmla="*/ 8692 h 375592"/>
+                <a:gd name="connsiteX2" fmla="*/ 1155463 w 2686164"/>
+                <a:gd name="connsiteY2" fmla="*/ 62032 h 375592"/>
+                <a:gd name="connsiteX3" fmla="*/ 1983503 w 2686164"/>
+                <a:gd name="connsiteY3" fmla="*/ 3612 h 375592"/>
+                <a:gd name="connsiteX4" fmla="*/ 2684543 w 2686164"/>
+                <a:gd name="connsiteY4" fmla="*/ 189032 h 375592"/>
+                <a:gd name="connsiteX5" fmla="*/ 1785383 w 2686164"/>
+                <a:gd name="connsiteY5" fmla="*/ 371912 h 375592"/>
+                <a:gd name="connsiteX6" fmla="*/ 962423 w 2686164"/>
+                <a:gd name="connsiteY6" fmla="*/ 316032 h 375592"/>
+                <a:gd name="connsiteX7" fmla="*/ 456963 w 2686164"/>
+                <a:gd name="connsiteY7" fmla="*/ 366832 h 375592"/>
+                <a:gd name="connsiteX8" fmla="*/ 17543 w 2686164"/>
+                <a:gd name="connsiteY8" fmla="*/ 189032 h 375592"/>
+                <a:gd name="connsiteX0" fmla="*/ 17543 w 2686164"/>
+                <a:gd name="connsiteY0" fmla="*/ 189032 h 375592"/>
+                <a:gd name="connsiteX1" fmla="*/ 660163 w 2686164"/>
+                <a:gd name="connsiteY1" fmla="*/ 8692 h 375592"/>
+                <a:gd name="connsiteX2" fmla="*/ 1155463 w 2686164"/>
+                <a:gd name="connsiteY2" fmla="*/ 62032 h 375592"/>
+                <a:gd name="connsiteX3" fmla="*/ 1983503 w 2686164"/>
+                <a:gd name="connsiteY3" fmla="*/ 3612 h 375592"/>
+                <a:gd name="connsiteX4" fmla="*/ 2684543 w 2686164"/>
+                <a:gd name="connsiteY4" fmla="*/ 189032 h 375592"/>
+                <a:gd name="connsiteX5" fmla="*/ 1785383 w 2686164"/>
+                <a:gd name="connsiteY5" fmla="*/ 371912 h 375592"/>
+                <a:gd name="connsiteX6" fmla="*/ 962423 w 2686164"/>
+                <a:gd name="connsiteY6" fmla="*/ 316032 h 375592"/>
+                <a:gd name="connsiteX7" fmla="*/ 456963 w 2686164"/>
+                <a:gd name="connsiteY7" fmla="*/ 366832 h 375592"/>
+                <a:gd name="connsiteX8" fmla="*/ 17543 w 2686164"/>
+                <a:gd name="connsiteY8" fmla="*/ 189032 h 375592"/>
+                <a:gd name="connsiteX0" fmla="*/ 17543 w 2686164"/>
+                <a:gd name="connsiteY0" fmla="*/ 189032 h 375592"/>
+                <a:gd name="connsiteX1" fmla="*/ 660163 w 2686164"/>
+                <a:gd name="connsiteY1" fmla="*/ 8692 h 375592"/>
+                <a:gd name="connsiteX2" fmla="*/ 1155463 w 2686164"/>
+                <a:gd name="connsiteY2" fmla="*/ 62032 h 375592"/>
+                <a:gd name="connsiteX3" fmla="*/ 1983503 w 2686164"/>
+                <a:gd name="connsiteY3" fmla="*/ 3612 h 375592"/>
+                <a:gd name="connsiteX4" fmla="*/ 2684543 w 2686164"/>
+                <a:gd name="connsiteY4" fmla="*/ 189032 h 375592"/>
+                <a:gd name="connsiteX5" fmla="*/ 1785383 w 2686164"/>
+                <a:gd name="connsiteY5" fmla="*/ 371912 h 375592"/>
+                <a:gd name="connsiteX6" fmla="*/ 962423 w 2686164"/>
+                <a:gd name="connsiteY6" fmla="*/ 316032 h 375592"/>
+                <a:gd name="connsiteX7" fmla="*/ 456963 w 2686164"/>
+                <a:gd name="connsiteY7" fmla="*/ 366832 h 375592"/>
+                <a:gd name="connsiteX8" fmla="*/ 17543 w 2686164"/>
+                <a:gd name="connsiteY8" fmla="*/ 189032 h 375592"/>
+                <a:gd name="connsiteX0" fmla="*/ 17543 w 2684543"/>
+                <a:gd name="connsiteY0" fmla="*/ 189032 h 375592"/>
+                <a:gd name="connsiteX1" fmla="*/ 660163 w 2684543"/>
+                <a:gd name="connsiteY1" fmla="*/ 8692 h 375592"/>
+                <a:gd name="connsiteX2" fmla="*/ 1155463 w 2684543"/>
+                <a:gd name="connsiteY2" fmla="*/ 62032 h 375592"/>
+                <a:gd name="connsiteX3" fmla="*/ 1983503 w 2684543"/>
+                <a:gd name="connsiteY3" fmla="*/ 3612 h 375592"/>
+                <a:gd name="connsiteX4" fmla="*/ 2684543 w 2684543"/>
+                <a:gd name="connsiteY4" fmla="*/ 189032 h 375592"/>
+                <a:gd name="connsiteX5" fmla="*/ 1785383 w 2684543"/>
+                <a:gd name="connsiteY5" fmla="*/ 371912 h 375592"/>
+                <a:gd name="connsiteX6" fmla="*/ 962423 w 2684543"/>
+                <a:gd name="connsiteY6" fmla="*/ 316032 h 375592"/>
+                <a:gd name="connsiteX7" fmla="*/ 456963 w 2684543"/>
+                <a:gd name="connsiteY7" fmla="*/ 366832 h 375592"/>
+                <a:gd name="connsiteX8" fmla="*/ 17543 w 2684543"/>
+                <a:gd name="connsiteY8" fmla="*/ 189032 h 375592"/>
+                <a:gd name="connsiteX0" fmla="*/ 17543 w 2684543"/>
+                <a:gd name="connsiteY0" fmla="*/ 189032 h 375592"/>
+                <a:gd name="connsiteX1" fmla="*/ 660163 w 2684543"/>
+                <a:gd name="connsiteY1" fmla="*/ 8692 h 375592"/>
+                <a:gd name="connsiteX2" fmla="*/ 1155463 w 2684543"/>
+                <a:gd name="connsiteY2" fmla="*/ 62032 h 375592"/>
+                <a:gd name="connsiteX3" fmla="*/ 1983503 w 2684543"/>
+                <a:gd name="connsiteY3" fmla="*/ 3612 h 375592"/>
+                <a:gd name="connsiteX4" fmla="*/ 2684543 w 2684543"/>
+                <a:gd name="connsiteY4" fmla="*/ 189032 h 375592"/>
+                <a:gd name="connsiteX5" fmla="*/ 1785383 w 2684543"/>
+                <a:gd name="connsiteY5" fmla="*/ 371912 h 375592"/>
+                <a:gd name="connsiteX6" fmla="*/ 962423 w 2684543"/>
+                <a:gd name="connsiteY6" fmla="*/ 316032 h 375592"/>
+                <a:gd name="connsiteX7" fmla="*/ 456963 w 2684543"/>
+                <a:gd name="connsiteY7" fmla="*/ 366832 h 375592"/>
+                <a:gd name="connsiteX8" fmla="*/ 17543 w 2684543"/>
+                <a:gd name="connsiteY8" fmla="*/ 189032 h 375592"/>
+                <a:gd name="connsiteX0" fmla="*/ 17543 w 2684543"/>
+                <a:gd name="connsiteY0" fmla="*/ 189032 h 375592"/>
+                <a:gd name="connsiteX1" fmla="*/ 660163 w 2684543"/>
+                <a:gd name="connsiteY1" fmla="*/ 8692 h 375592"/>
+                <a:gd name="connsiteX2" fmla="*/ 1155463 w 2684543"/>
+                <a:gd name="connsiteY2" fmla="*/ 62032 h 375592"/>
+                <a:gd name="connsiteX3" fmla="*/ 1983503 w 2684543"/>
+                <a:gd name="connsiteY3" fmla="*/ 3612 h 375592"/>
+                <a:gd name="connsiteX4" fmla="*/ 2684543 w 2684543"/>
+                <a:gd name="connsiteY4" fmla="*/ 189032 h 375592"/>
+                <a:gd name="connsiteX5" fmla="*/ 1785383 w 2684543"/>
+                <a:gd name="connsiteY5" fmla="*/ 371912 h 375592"/>
+                <a:gd name="connsiteX6" fmla="*/ 962423 w 2684543"/>
+                <a:gd name="connsiteY6" fmla="*/ 316032 h 375592"/>
+                <a:gd name="connsiteX7" fmla="*/ 456963 w 2684543"/>
+                <a:gd name="connsiteY7" fmla="*/ 366832 h 375592"/>
+                <a:gd name="connsiteX8" fmla="*/ 17543 w 2684543"/>
+                <a:gd name="connsiteY8" fmla="*/ 189032 h 375592"/>
+                <a:gd name="connsiteX0" fmla="*/ 17543 w 2684543"/>
+                <a:gd name="connsiteY0" fmla="*/ 189032 h 375592"/>
+                <a:gd name="connsiteX1" fmla="*/ 660163 w 2684543"/>
+                <a:gd name="connsiteY1" fmla="*/ 8692 h 375592"/>
+                <a:gd name="connsiteX2" fmla="*/ 1155463 w 2684543"/>
+                <a:gd name="connsiteY2" fmla="*/ 62032 h 375592"/>
+                <a:gd name="connsiteX3" fmla="*/ 1983503 w 2684543"/>
+                <a:gd name="connsiteY3" fmla="*/ 3612 h 375592"/>
+                <a:gd name="connsiteX4" fmla="*/ 2684543 w 2684543"/>
+                <a:gd name="connsiteY4" fmla="*/ 189032 h 375592"/>
+                <a:gd name="connsiteX5" fmla="*/ 1785383 w 2684543"/>
+                <a:gd name="connsiteY5" fmla="*/ 371912 h 375592"/>
+                <a:gd name="connsiteX6" fmla="*/ 962423 w 2684543"/>
+                <a:gd name="connsiteY6" fmla="*/ 316032 h 375592"/>
+                <a:gd name="connsiteX7" fmla="*/ 456963 w 2684543"/>
+                <a:gd name="connsiteY7" fmla="*/ 366832 h 375592"/>
+                <a:gd name="connsiteX8" fmla="*/ 17543 w 2684543"/>
+                <a:gd name="connsiteY8" fmla="*/ 189032 h 375592"/>
+                <a:gd name="connsiteX0" fmla="*/ 17543 w 2684543"/>
+                <a:gd name="connsiteY0" fmla="*/ 189032 h 375592"/>
+                <a:gd name="connsiteX1" fmla="*/ 660163 w 2684543"/>
+                <a:gd name="connsiteY1" fmla="*/ 8692 h 375592"/>
+                <a:gd name="connsiteX2" fmla="*/ 1155463 w 2684543"/>
+                <a:gd name="connsiteY2" fmla="*/ 62032 h 375592"/>
+                <a:gd name="connsiteX3" fmla="*/ 1983503 w 2684543"/>
+                <a:gd name="connsiteY3" fmla="*/ 3612 h 375592"/>
+                <a:gd name="connsiteX4" fmla="*/ 2684543 w 2684543"/>
+                <a:gd name="connsiteY4" fmla="*/ 189032 h 375592"/>
+                <a:gd name="connsiteX5" fmla="*/ 1785383 w 2684543"/>
+                <a:gd name="connsiteY5" fmla="*/ 371912 h 375592"/>
+                <a:gd name="connsiteX6" fmla="*/ 962423 w 2684543"/>
+                <a:gd name="connsiteY6" fmla="*/ 316032 h 375592"/>
+                <a:gd name="connsiteX7" fmla="*/ 456963 w 2684543"/>
+                <a:gd name="connsiteY7" fmla="*/ 366832 h 375592"/>
+                <a:gd name="connsiteX8" fmla="*/ 17543 w 2684543"/>
+                <a:gd name="connsiteY8" fmla="*/ 189032 h 375592"/>
+                <a:gd name="connsiteX0" fmla="*/ 17543 w 2694703"/>
+                <a:gd name="connsiteY0" fmla="*/ 189032 h 375592"/>
+                <a:gd name="connsiteX1" fmla="*/ 660163 w 2694703"/>
+                <a:gd name="connsiteY1" fmla="*/ 8692 h 375592"/>
+                <a:gd name="connsiteX2" fmla="*/ 1155463 w 2694703"/>
+                <a:gd name="connsiteY2" fmla="*/ 62032 h 375592"/>
+                <a:gd name="connsiteX3" fmla="*/ 1983503 w 2694703"/>
+                <a:gd name="connsiteY3" fmla="*/ 3612 h 375592"/>
+                <a:gd name="connsiteX4" fmla="*/ 2694703 w 2694703"/>
+                <a:gd name="connsiteY4" fmla="*/ 199192 h 375592"/>
+                <a:gd name="connsiteX5" fmla="*/ 1785383 w 2694703"/>
+                <a:gd name="connsiteY5" fmla="*/ 371912 h 375592"/>
+                <a:gd name="connsiteX6" fmla="*/ 962423 w 2694703"/>
+                <a:gd name="connsiteY6" fmla="*/ 316032 h 375592"/>
+                <a:gd name="connsiteX7" fmla="*/ 456963 w 2694703"/>
+                <a:gd name="connsiteY7" fmla="*/ 366832 h 375592"/>
+                <a:gd name="connsiteX8" fmla="*/ 17543 w 2694703"/>
+                <a:gd name="connsiteY8" fmla="*/ 189032 h 375592"/>
+                <a:gd name="connsiteX0" fmla="*/ 17543 w 2674383"/>
+                <a:gd name="connsiteY0" fmla="*/ 189032 h 375592"/>
+                <a:gd name="connsiteX1" fmla="*/ 660163 w 2674383"/>
+                <a:gd name="connsiteY1" fmla="*/ 8692 h 375592"/>
+                <a:gd name="connsiteX2" fmla="*/ 1155463 w 2674383"/>
+                <a:gd name="connsiteY2" fmla="*/ 62032 h 375592"/>
+                <a:gd name="connsiteX3" fmla="*/ 1983503 w 2674383"/>
+                <a:gd name="connsiteY3" fmla="*/ 3612 h 375592"/>
+                <a:gd name="connsiteX4" fmla="*/ 2674383 w 2674383"/>
+                <a:gd name="connsiteY4" fmla="*/ 199192 h 375592"/>
+                <a:gd name="connsiteX5" fmla="*/ 1785383 w 2674383"/>
+                <a:gd name="connsiteY5" fmla="*/ 371912 h 375592"/>
+                <a:gd name="connsiteX6" fmla="*/ 962423 w 2674383"/>
+                <a:gd name="connsiteY6" fmla="*/ 316032 h 375592"/>
+                <a:gd name="connsiteX7" fmla="*/ 456963 w 2674383"/>
+                <a:gd name="connsiteY7" fmla="*/ 366832 h 375592"/>
+                <a:gd name="connsiteX8" fmla="*/ 17543 w 2674383"/>
+                <a:gd name="connsiteY8" fmla="*/ 189032 h 375592"/>
+                <a:gd name="connsiteX0" fmla="*/ 17543 w 2674479"/>
+                <a:gd name="connsiteY0" fmla="*/ 189032 h 375592"/>
+                <a:gd name="connsiteX1" fmla="*/ 660163 w 2674479"/>
+                <a:gd name="connsiteY1" fmla="*/ 8692 h 375592"/>
+                <a:gd name="connsiteX2" fmla="*/ 1155463 w 2674479"/>
+                <a:gd name="connsiteY2" fmla="*/ 62032 h 375592"/>
+                <a:gd name="connsiteX3" fmla="*/ 1983503 w 2674479"/>
+                <a:gd name="connsiteY3" fmla="*/ 3612 h 375592"/>
+                <a:gd name="connsiteX4" fmla="*/ 2674383 w 2674479"/>
+                <a:gd name="connsiteY4" fmla="*/ 199192 h 375592"/>
+                <a:gd name="connsiteX5" fmla="*/ 1785383 w 2674479"/>
+                <a:gd name="connsiteY5" fmla="*/ 371912 h 375592"/>
+                <a:gd name="connsiteX6" fmla="*/ 962423 w 2674479"/>
+                <a:gd name="connsiteY6" fmla="*/ 316032 h 375592"/>
+                <a:gd name="connsiteX7" fmla="*/ 456963 w 2674479"/>
+                <a:gd name="connsiteY7" fmla="*/ 366832 h 375592"/>
+                <a:gd name="connsiteX8" fmla="*/ 17543 w 2674479"/>
+                <a:gd name="connsiteY8" fmla="*/ 189032 h 375592"/>
+                <a:gd name="connsiteX0" fmla="*/ 17543 w 2674479"/>
+                <a:gd name="connsiteY0" fmla="*/ 189032 h 375592"/>
+                <a:gd name="connsiteX1" fmla="*/ 660163 w 2674479"/>
+                <a:gd name="connsiteY1" fmla="*/ 8692 h 375592"/>
+                <a:gd name="connsiteX2" fmla="*/ 1155463 w 2674479"/>
+                <a:gd name="connsiteY2" fmla="*/ 62032 h 375592"/>
+                <a:gd name="connsiteX3" fmla="*/ 1983503 w 2674479"/>
+                <a:gd name="connsiteY3" fmla="*/ 3612 h 375592"/>
+                <a:gd name="connsiteX4" fmla="*/ 2674383 w 2674479"/>
+                <a:gd name="connsiteY4" fmla="*/ 199192 h 375592"/>
+                <a:gd name="connsiteX5" fmla="*/ 1785383 w 2674479"/>
+                <a:gd name="connsiteY5" fmla="*/ 371912 h 375592"/>
+                <a:gd name="connsiteX6" fmla="*/ 962423 w 2674479"/>
+                <a:gd name="connsiteY6" fmla="*/ 316032 h 375592"/>
+                <a:gd name="connsiteX7" fmla="*/ 456963 w 2674479"/>
+                <a:gd name="connsiteY7" fmla="*/ 366832 h 375592"/>
+                <a:gd name="connsiteX8" fmla="*/ 17543 w 2674479"/>
+                <a:gd name="connsiteY8" fmla="*/ 189032 h 375592"/>
+                <a:gd name="connsiteX0" fmla="*/ 17543 w 2674479"/>
+                <a:gd name="connsiteY0" fmla="*/ 189032 h 366832"/>
+                <a:gd name="connsiteX1" fmla="*/ 660163 w 2674479"/>
+                <a:gd name="connsiteY1" fmla="*/ 8692 h 366832"/>
+                <a:gd name="connsiteX2" fmla="*/ 1155463 w 2674479"/>
+                <a:gd name="connsiteY2" fmla="*/ 62032 h 366832"/>
+                <a:gd name="connsiteX3" fmla="*/ 1983503 w 2674479"/>
+                <a:gd name="connsiteY3" fmla="*/ 3612 h 366832"/>
+                <a:gd name="connsiteX4" fmla="*/ 2674383 w 2674479"/>
+                <a:gd name="connsiteY4" fmla="*/ 199192 h 366832"/>
+                <a:gd name="connsiteX5" fmla="*/ 1785383 w 2674479"/>
+                <a:gd name="connsiteY5" fmla="*/ 356672 h 366832"/>
+                <a:gd name="connsiteX6" fmla="*/ 962423 w 2674479"/>
+                <a:gd name="connsiteY6" fmla="*/ 316032 h 366832"/>
+                <a:gd name="connsiteX7" fmla="*/ 456963 w 2674479"/>
+                <a:gd name="connsiteY7" fmla="*/ 366832 h 366832"/>
+                <a:gd name="connsiteX8" fmla="*/ 17543 w 2674479"/>
+                <a:gd name="connsiteY8" fmla="*/ 189032 h 366832"/>
+                <a:gd name="connsiteX0" fmla="*/ 17543 w 2674479"/>
+                <a:gd name="connsiteY0" fmla="*/ 189032 h 366832"/>
+                <a:gd name="connsiteX1" fmla="*/ 660163 w 2674479"/>
+                <a:gd name="connsiteY1" fmla="*/ 8692 h 366832"/>
+                <a:gd name="connsiteX2" fmla="*/ 1155463 w 2674479"/>
+                <a:gd name="connsiteY2" fmla="*/ 62032 h 366832"/>
+                <a:gd name="connsiteX3" fmla="*/ 1983503 w 2674479"/>
+                <a:gd name="connsiteY3" fmla="*/ 3612 h 366832"/>
+                <a:gd name="connsiteX4" fmla="*/ 2674383 w 2674479"/>
+                <a:gd name="connsiteY4" fmla="*/ 199192 h 366832"/>
+                <a:gd name="connsiteX5" fmla="*/ 1785383 w 2674479"/>
+                <a:gd name="connsiteY5" fmla="*/ 356672 h 366832"/>
+                <a:gd name="connsiteX6" fmla="*/ 962423 w 2674479"/>
+                <a:gd name="connsiteY6" fmla="*/ 316032 h 366832"/>
+                <a:gd name="connsiteX7" fmla="*/ 456963 w 2674479"/>
+                <a:gd name="connsiteY7" fmla="*/ 366832 h 366832"/>
+                <a:gd name="connsiteX8" fmla="*/ 17543 w 2674479"/>
+                <a:gd name="connsiteY8" fmla="*/ 189032 h 366832"/>
+                <a:gd name="connsiteX0" fmla="*/ 17543 w 2674479"/>
+                <a:gd name="connsiteY0" fmla="*/ 189032 h 366832"/>
+                <a:gd name="connsiteX1" fmla="*/ 660163 w 2674479"/>
+                <a:gd name="connsiteY1" fmla="*/ 8692 h 366832"/>
+                <a:gd name="connsiteX2" fmla="*/ 1155463 w 2674479"/>
+                <a:gd name="connsiteY2" fmla="*/ 62032 h 366832"/>
+                <a:gd name="connsiteX3" fmla="*/ 1983503 w 2674479"/>
+                <a:gd name="connsiteY3" fmla="*/ 3612 h 366832"/>
+                <a:gd name="connsiteX4" fmla="*/ 2674383 w 2674479"/>
+                <a:gd name="connsiteY4" fmla="*/ 199192 h 366832"/>
+                <a:gd name="connsiteX5" fmla="*/ 1785383 w 2674479"/>
+                <a:gd name="connsiteY5" fmla="*/ 356672 h 366832"/>
+                <a:gd name="connsiteX6" fmla="*/ 962423 w 2674479"/>
+                <a:gd name="connsiteY6" fmla="*/ 316032 h 366832"/>
+                <a:gd name="connsiteX7" fmla="*/ 456963 w 2674479"/>
+                <a:gd name="connsiteY7" fmla="*/ 366832 h 366832"/>
+                <a:gd name="connsiteX8" fmla="*/ 17543 w 2674479"/>
+                <a:gd name="connsiteY8" fmla="*/ 189032 h 366832"/>
+                <a:gd name="connsiteX0" fmla="*/ 17543 w 2674479"/>
+                <a:gd name="connsiteY0" fmla="*/ 189032 h 366832"/>
+                <a:gd name="connsiteX1" fmla="*/ 660163 w 2674479"/>
+                <a:gd name="connsiteY1" fmla="*/ 8692 h 366832"/>
+                <a:gd name="connsiteX2" fmla="*/ 1155463 w 2674479"/>
+                <a:gd name="connsiteY2" fmla="*/ 62032 h 366832"/>
+                <a:gd name="connsiteX3" fmla="*/ 1983503 w 2674479"/>
+                <a:gd name="connsiteY3" fmla="*/ 3612 h 366832"/>
+                <a:gd name="connsiteX4" fmla="*/ 2674383 w 2674479"/>
+                <a:gd name="connsiteY4" fmla="*/ 199192 h 366832"/>
+                <a:gd name="connsiteX5" fmla="*/ 1785383 w 2674479"/>
+                <a:gd name="connsiteY5" fmla="*/ 356672 h 366832"/>
+                <a:gd name="connsiteX6" fmla="*/ 962423 w 2674479"/>
+                <a:gd name="connsiteY6" fmla="*/ 316032 h 366832"/>
+                <a:gd name="connsiteX7" fmla="*/ 456963 w 2674479"/>
+                <a:gd name="connsiteY7" fmla="*/ 366832 h 366832"/>
+                <a:gd name="connsiteX8" fmla="*/ 17543 w 2674479"/>
+                <a:gd name="connsiteY8" fmla="*/ 189032 h 366832"/>
+                <a:gd name="connsiteX0" fmla="*/ 17543 w 2674480"/>
+                <a:gd name="connsiteY0" fmla="*/ 184126 h 361926"/>
+                <a:gd name="connsiteX1" fmla="*/ 660163 w 2674480"/>
+                <a:gd name="connsiteY1" fmla="*/ 3786 h 361926"/>
+                <a:gd name="connsiteX2" fmla="*/ 1155463 w 2674480"/>
+                <a:gd name="connsiteY2" fmla="*/ 57126 h 361926"/>
+                <a:gd name="connsiteX3" fmla="*/ 1988583 w 2674480"/>
+                <a:gd name="connsiteY3" fmla="*/ 3786 h 361926"/>
+                <a:gd name="connsiteX4" fmla="*/ 2674383 w 2674480"/>
+                <a:gd name="connsiteY4" fmla="*/ 194286 h 361926"/>
+                <a:gd name="connsiteX5" fmla="*/ 1785383 w 2674480"/>
+                <a:gd name="connsiteY5" fmla="*/ 351766 h 361926"/>
+                <a:gd name="connsiteX6" fmla="*/ 962423 w 2674480"/>
+                <a:gd name="connsiteY6" fmla="*/ 311126 h 361926"/>
+                <a:gd name="connsiteX7" fmla="*/ 456963 w 2674480"/>
+                <a:gd name="connsiteY7" fmla="*/ 361926 h 361926"/>
+                <a:gd name="connsiteX8" fmla="*/ 17543 w 2674480"/>
+                <a:gd name="connsiteY8" fmla="*/ 184126 h 361926"/>
+                <a:gd name="connsiteX0" fmla="*/ 17543 w 2678450"/>
+                <a:gd name="connsiteY0" fmla="*/ 184126 h 361926"/>
+                <a:gd name="connsiteX1" fmla="*/ 660163 w 2678450"/>
+                <a:gd name="connsiteY1" fmla="*/ 3786 h 361926"/>
+                <a:gd name="connsiteX2" fmla="*/ 1155463 w 2678450"/>
+                <a:gd name="connsiteY2" fmla="*/ 57126 h 361926"/>
+                <a:gd name="connsiteX3" fmla="*/ 1988583 w 2678450"/>
+                <a:gd name="connsiteY3" fmla="*/ 3786 h 361926"/>
+                <a:gd name="connsiteX4" fmla="*/ 2674383 w 2678450"/>
+                <a:gd name="connsiteY4" fmla="*/ 194286 h 361926"/>
+                <a:gd name="connsiteX5" fmla="*/ 1785383 w 2678450"/>
+                <a:gd name="connsiteY5" fmla="*/ 351766 h 361926"/>
+                <a:gd name="connsiteX6" fmla="*/ 962423 w 2678450"/>
+                <a:gd name="connsiteY6" fmla="*/ 311126 h 361926"/>
+                <a:gd name="connsiteX7" fmla="*/ 456963 w 2678450"/>
+                <a:gd name="connsiteY7" fmla="*/ 361926 h 361926"/>
+                <a:gd name="connsiteX8" fmla="*/ 17543 w 2678450"/>
+                <a:gd name="connsiteY8" fmla="*/ 184126 h 361926"/>
+                <a:gd name="connsiteX0" fmla="*/ 17543 w 2683492"/>
+                <a:gd name="connsiteY0" fmla="*/ 184126 h 361926"/>
+                <a:gd name="connsiteX1" fmla="*/ 660163 w 2683492"/>
+                <a:gd name="connsiteY1" fmla="*/ 3786 h 361926"/>
+                <a:gd name="connsiteX2" fmla="*/ 1155463 w 2683492"/>
+                <a:gd name="connsiteY2" fmla="*/ 57126 h 361926"/>
+                <a:gd name="connsiteX3" fmla="*/ 1988583 w 2683492"/>
+                <a:gd name="connsiteY3" fmla="*/ 3786 h 361926"/>
+                <a:gd name="connsiteX4" fmla="*/ 2679463 w 2683492"/>
+                <a:gd name="connsiteY4" fmla="*/ 184126 h 361926"/>
+                <a:gd name="connsiteX5" fmla="*/ 1785383 w 2683492"/>
+                <a:gd name="connsiteY5" fmla="*/ 351766 h 361926"/>
+                <a:gd name="connsiteX6" fmla="*/ 962423 w 2683492"/>
+                <a:gd name="connsiteY6" fmla="*/ 311126 h 361926"/>
+                <a:gd name="connsiteX7" fmla="*/ 456963 w 2683492"/>
+                <a:gd name="connsiteY7" fmla="*/ 361926 h 361926"/>
+                <a:gd name="connsiteX8" fmla="*/ 17543 w 2683492"/>
+                <a:gd name="connsiteY8" fmla="*/ 184126 h 361926"/>
+                <a:gd name="connsiteX0" fmla="*/ 17543 w 2693577"/>
+                <a:gd name="connsiteY0" fmla="*/ 184126 h 361926"/>
+                <a:gd name="connsiteX1" fmla="*/ 660163 w 2693577"/>
+                <a:gd name="connsiteY1" fmla="*/ 3786 h 361926"/>
+                <a:gd name="connsiteX2" fmla="*/ 1155463 w 2693577"/>
+                <a:gd name="connsiteY2" fmla="*/ 57126 h 361926"/>
+                <a:gd name="connsiteX3" fmla="*/ 1988583 w 2693577"/>
+                <a:gd name="connsiteY3" fmla="*/ 3786 h 361926"/>
+                <a:gd name="connsiteX4" fmla="*/ 2689623 w 2693577"/>
+                <a:gd name="connsiteY4" fmla="*/ 184126 h 361926"/>
+                <a:gd name="connsiteX5" fmla="*/ 1785383 w 2693577"/>
+                <a:gd name="connsiteY5" fmla="*/ 351766 h 361926"/>
+                <a:gd name="connsiteX6" fmla="*/ 962423 w 2693577"/>
+                <a:gd name="connsiteY6" fmla="*/ 311126 h 361926"/>
+                <a:gd name="connsiteX7" fmla="*/ 456963 w 2693577"/>
+                <a:gd name="connsiteY7" fmla="*/ 361926 h 361926"/>
+                <a:gd name="connsiteX8" fmla="*/ 17543 w 2693577"/>
+                <a:gd name="connsiteY8" fmla="*/ 184126 h 361926"/>
+                <a:gd name="connsiteX0" fmla="*/ 17543 w 2693577"/>
+                <a:gd name="connsiteY0" fmla="*/ 184126 h 361926"/>
+                <a:gd name="connsiteX1" fmla="*/ 660163 w 2693577"/>
+                <a:gd name="connsiteY1" fmla="*/ 3786 h 361926"/>
+                <a:gd name="connsiteX2" fmla="*/ 1155463 w 2693577"/>
+                <a:gd name="connsiteY2" fmla="*/ 57126 h 361926"/>
+                <a:gd name="connsiteX3" fmla="*/ 1988583 w 2693577"/>
+                <a:gd name="connsiteY3" fmla="*/ 3786 h 361926"/>
+                <a:gd name="connsiteX4" fmla="*/ 2689623 w 2693577"/>
+                <a:gd name="connsiteY4" fmla="*/ 184126 h 361926"/>
+                <a:gd name="connsiteX5" fmla="*/ 1785383 w 2693577"/>
+                <a:gd name="connsiteY5" fmla="*/ 351766 h 361926"/>
+                <a:gd name="connsiteX6" fmla="*/ 962423 w 2693577"/>
+                <a:gd name="connsiteY6" fmla="*/ 311126 h 361926"/>
+                <a:gd name="connsiteX7" fmla="*/ 456963 w 2693577"/>
+                <a:gd name="connsiteY7" fmla="*/ 361926 h 361926"/>
+                <a:gd name="connsiteX8" fmla="*/ 17543 w 2693577"/>
+                <a:gd name="connsiteY8" fmla="*/ 184126 h 361926"/>
+                <a:gd name="connsiteX0" fmla="*/ 17543 w 2703664"/>
+                <a:gd name="connsiteY0" fmla="*/ 184126 h 361926"/>
+                <a:gd name="connsiteX1" fmla="*/ 660163 w 2703664"/>
+                <a:gd name="connsiteY1" fmla="*/ 3786 h 361926"/>
+                <a:gd name="connsiteX2" fmla="*/ 1155463 w 2703664"/>
+                <a:gd name="connsiteY2" fmla="*/ 57126 h 361926"/>
+                <a:gd name="connsiteX3" fmla="*/ 1988583 w 2703664"/>
+                <a:gd name="connsiteY3" fmla="*/ 3786 h 361926"/>
+                <a:gd name="connsiteX4" fmla="*/ 2699783 w 2703664"/>
+                <a:gd name="connsiteY4" fmla="*/ 179046 h 361926"/>
+                <a:gd name="connsiteX5" fmla="*/ 1785383 w 2703664"/>
+                <a:gd name="connsiteY5" fmla="*/ 351766 h 361926"/>
+                <a:gd name="connsiteX6" fmla="*/ 962423 w 2703664"/>
+                <a:gd name="connsiteY6" fmla="*/ 311126 h 361926"/>
+                <a:gd name="connsiteX7" fmla="*/ 456963 w 2703664"/>
+                <a:gd name="connsiteY7" fmla="*/ 361926 h 361926"/>
+                <a:gd name="connsiteX8" fmla="*/ 17543 w 2703664"/>
+                <a:gd name="connsiteY8" fmla="*/ 184126 h 361926"/>
+                <a:gd name="connsiteX0" fmla="*/ 17543 w 2703664"/>
+                <a:gd name="connsiteY0" fmla="*/ 184126 h 361926"/>
+                <a:gd name="connsiteX1" fmla="*/ 660163 w 2703664"/>
+                <a:gd name="connsiteY1" fmla="*/ 3786 h 361926"/>
+                <a:gd name="connsiteX2" fmla="*/ 1155463 w 2703664"/>
+                <a:gd name="connsiteY2" fmla="*/ 57126 h 361926"/>
+                <a:gd name="connsiteX3" fmla="*/ 1988583 w 2703664"/>
+                <a:gd name="connsiteY3" fmla="*/ 3786 h 361926"/>
+                <a:gd name="connsiteX4" fmla="*/ 2699783 w 2703664"/>
+                <a:gd name="connsiteY4" fmla="*/ 179046 h 361926"/>
+                <a:gd name="connsiteX5" fmla="*/ 1785383 w 2703664"/>
+                <a:gd name="connsiteY5" fmla="*/ 351766 h 361926"/>
+                <a:gd name="connsiteX6" fmla="*/ 962423 w 2703664"/>
+                <a:gd name="connsiteY6" fmla="*/ 311126 h 361926"/>
+                <a:gd name="connsiteX7" fmla="*/ 456963 w 2703664"/>
+                <a:gd name="connsiteY7" fmla="*/ 361926 h 361926"/>
+                <a:gd name="connsiteX8" fmla="*/ 17543 w 2703664"/>
+                <a:gd name="connsiteY8" fmla="*/ 184126 h 361926"/>
+                <a:gd name="connsiteX0" fmla="*/ 17543 w 2703664"/>
+                <a:gd name="connsiteY0" fmla="*/ 184126 h 361926"/>
+                <a:gd name="connsiteX1" fmla="*/ 660163 w 2703664"/>
+                <a:gd name="connsiteY1" fmla="*/ 3786 h 361926"/>
+                <a:gd name="connsiteX2" fmla="*/ 1155463 w 2703664"/>
+                <a:gd name="connsiteY2" fmla="*/ 57126 h 361926"/>
+                <a:gd name="connsiteX3" fmla="*/ 1988583 w 2703664"/>
+                <a:gd name="connsiteY3" fmla="*/ 3786 h 361926"/>
+                <a:gd name="connsiteX4" fmla="*/ 2699783 w 2703664"/>
+                <a:gd name="connsiteY4" fmla="*/ 179046 h 361926"/>
+                <a:gd name="connsiteX5" fmla="*/ 1785383 w 2703664"/>
+                <a:gd name="connsiteY5" fmla="*/ 351766 h 361926"/>
+                <a:gd name="connsiteX6" fmla="*/ 962423 w 2703664"/>
+                <a:gd name="connsiteY6" fmla="*/ 311126 h 361926"/>
+                <a:gd name="connsiteX7" fmla="*/ 456963 w 2703664"/>
+                <a:gd name="connsiteY7" fmla="*/ 361926 h 361926"/>
+                <a:gd name="connsiteX8" fmla="*/ 17543 w 2703664"/>
+                <a:gd name="connsiteY8" fmla="*/ 184126 h 361926"/>
+                <a:gd name="connsiteX0" fmla="*/ 17543 w 2683492"/>
+                <a:gd name="connsiteY0" fmla="*/ 184126 h 361926"/>
+                <a:gd name="connsiteX1" fmla="*/ 660163 w 2683492"/>
+                <a:gd name="connsiteY1" fmla="*/ 3786 h 361926"/>
+                <a:gd name="connsiteX2" fmla="*/ 1155463 w 2683492"/>
+                <a:gd name="connsiteY2" fmla="*/ 57126 h 361926"/>
+                <a:gd name="connsiteX3" fmla="*/ 1988583 w 2683492"/>
+                <a:gd name="connsiteY3" fmla="*/ 3786 h 361926"/>
+                <a:gd name="connsiteX4" fmla="*/ 2679463 w 2683492"/>
+                <a:gd name="connsiteY4" fmla="*/ 179046 h 361926"/>
+                <a:gd name="connsiteX5" fmla="*/ 1785383 w 2683492"/>
+                <a:gd name="connsiteY5" fmla="*/ 351766 h 361926"/>
+                <a:gd name="connsiteX6" fmla="*/ 962423 w 2683492"/>
+                <a:gd name="connsiteY6" fmla="*/ 311126 h 361926"/>
+                <a:gd name="connsiteX7" fmla="*/ 456963 w 2683492"/>
+                <a:gd name="connsiteY7" fmla="*/ 361926 h 361926"/>
+                <a:gd name="connsiteX8" fmla="*/ 17543 w 2683492"/>
+                <a:gd name="connsiteY8" fmla="*/ 184126 h 361926"/>
+                <a:gd name="connsiteX0" fmla="*/ 17543 w 2692626"/>
+                <a:gd name="connsiteY0" fmla="*/ 184126 h 361926"/>
+                <a:gd name="connsiteX1" fmla="*/ 660163 w 2692626"/>
+                <a:gd name="connsiteY1" fmla="*/ 3786 h 361926"/>
+                <a:gd name="connsiteX2" fmla="*/ 1155463 w 2692626"/>
+                <a:gd name="connsiteY2" fmla="*/ 57126 h 361926"/>
+                <a:gd name="connsiteX3" fmla="*/ 1988583 w 2692626"/>
+                <a:gd name="connsiteY3" fmla="*/ 3786 h 361926"/>
+                <a:gd name="connsiteX4" fmla="*/ 2679463 w 2692626"/>
+                <a:gd name="connsiteY4" fmla="*/ 179046 h 361926"/>
+                <a:gd name="connsiteX5" fmla="*/ 1785383 w 2692626"/>
+                <a:gd name="connsiteY5" fmla="*/ 351766 h 361926"/>
+                <a:gd name="connsiteX6" fmla="*/ 962423 w 2692626"/>
+                <a:gd name="connsiteY6" fmla="*/ 311126 h 361926"/>
+                <a:gd name="connsiteX7" fmla="*/ 456963 w 2692626"/>
+                <a:gd name="connsiteY7" fmla="*/ 361926 h 361926"/>
+                <a:gd name="connsiteX8" fmla="*/ 17543 w 2692626"/>
+                <a:gd name="connsiteY8" fmla="*/ 184126 h 361926"/>
+                <a:gd name="connsiteX0" fmla="*/ 17543 w 2692626"/>
+                <a:gd name="connsiteY0" fmla="*/ 184126 h 361926"/>
+                <a:gd name="connsiteX1" fmla="*/ 660163 w 2692626"/>
+                <a:gd name="connsiteY1" fmla="*/ 3786 h 361926"/>
+                <a:gd name="connsiteX2" fmla="*/ 1155463 w 2692626"/>
+                <a:gd name="connsiteY2" fmla="*/ 57126 h 361926"/>
+                <a:gd name="connsiteX3" fmla="*/ 1988583 w 2692626"/>
+                <a:gd name="connsiteY3" fmla="*/ 3786 h 361926"/>
+                <a:gd name="connsiteX4" fmla="*/ 2679463 w 2692626"/>
+                <a:gd name="connsiteY4" fmla="*/ 179046 h 361926"/>
+                <a:gd name="connsiteX5" fmla="*/ 1785383 w 2692626"/>
+                <a:gd name="connsiteY5" fmla="*/ 346686 h 361926"/>
+                <a:gd name="connsiteX6" fmla="*/ 962423 w 2692626"/>
+                <a:gd name="connsiteY6" fmla="*/ 311126 h 361926"/>
+                <a:gd name="connsiteX7" fmla="*/ 456963 w 2692626"/>
+                <a:gd name="connsiteY7" fmla="*/ 361926 h 361926"/>
+                <a:gd name="connsiteX8" fmla="*/ 17543 w 2692626"/>
+                <a:gd name="connsiteY8" fmla="*/ 184126 h 361926"/>
+                <a:gd name="connsiteX0" fmla="*/ 17543 w 2692626"/>
+                <a:gd name="connsiteY0" fmla="*/ 180768 h 358568"/>
+                <a:gd name="connsiteX1" fmla="*/ 660163 w 2692626"/>
+                <a:gd name="connsiteY1" fmla="*/ 428 h 358568"/>
+                <a:gd name="connsiteX2" fmla="*/ 1155463 w 2692626"/>
+                <a:gd name="connsiteY2" fmla="*/ 53768 h 358568"/>
+                <a:gd name="connsiteX3" fmla="*/ 1988583 w 2692626"/>
+                <a:gd name="connsiteY3" fmla="*/ 10588 h 358568"/>
+                <a:gd name="connsiteX4" fmla="*/ 2679463 w 2692626"/>
+                <a:gd name="connsiteY4" fmla="*/ 175688 h 358568"/>
+                <a:gd name="connsiteX5" fmla="*/ 1785383 w 2692626"/>
+                <a:gd name="connsiteY5" fmla="*/ 343328 h 358568"/>
+                <a:gd name="connsiteX6" fmla="*/ 962423 w 2692626"/>
+                <a:gd name="connsiteY6" fmla="*/ 307768 h 358568"/>
+                <a:gd name="connsiteX7" fmla="*/ 456963 w 2692626"/>
+                <a:gd name="connsiteY7" fmla="*/ 358568 h 358568"/>
+                <a:gd name="connsiteX8" fmla="*/ 17543 w 2692626"/>
+                <a:gd name="connsiteY8" fmla="*/ 180768 h 358568"/>
+                <a:gd name="connsiteX0" fmla="*/ 17543 w 2692626"/>
+                <a:gd name="connsiteY0" fmla="*/ 180763 h 358563"/>
+                <a:gd name="connsiteX1" fmla="*/ 660163 w 2692626"/>
+                <a:gd name="connsiteY1" fmla="*/ 423 h 358563"/>
+                <a:gd name="connsiteX2" fmla="*/ 1155463 w 2692626"/>
+                <a:gd name="connsiteY2" fmla="*/ 53763 h 358563"/>
+                <a:gd name="connsiteX3" fmla="*/ 1988583 w 2692626"/>
+                <a:gd name="connsiteY3" fmla="*/ 5503 h 358563"/>
+                <a:gd name="connsiteX4" fmla="*/ 2679463 w 2692626"/>
+                <a:gd name="connsiteY4" fmla="*/ 175683 h 358563"/>
+                <a:gd name="connsiteX5" fmla="*/ 1785383 w 2692626"/>
+                <a:gd name="connsiteY5" fmla="*/ 343323 h 358563"/>
+                <a:gd name="connsiteX6" fmla="*/ 962423 w 2692626"/>
+                <a:gd name="connsiteY6" fmla="*/ 307763 h 358563"/>
+                <a:gd name="connsiteX7" fmla="*/ 456963 w 2692626"/>
+                <a:gd name="connsiteY7" fmla="*/ 358563 h 358563"/>
+                <a:gd name="connsiteX8" fmla="*/ 17543 w 2692626"/>
+                <a:gd name="connsiteY8" fmla="*/ 180763 h 358563"/>
+                <a:gd name="connsiteX0" fmla="*/ 17543 w 2692836"/>
+                <a:gd name="connsiteY0" fmla="*/ 180763 h 358563"/>
+                <a:gd name="connsiteX1" fmla="*/ 660163 w 2692836"/>
+                <a:gd name="connsiteY1" fmla="*/ 423 h 358563"/>
+                <a:gd name="connsiteX2" fmla="*/ 1155463 w 2692836"/>
+                <a:gd name="connsiteY2" fmla="*/ 53763 h 358563"/>
+                <a:gd name="connsiteX3" fmla="*/ 1988583 w 2692836"/>
+                <a:gd name="connsiteY3" fmla="*/ 5503 h 358563"/>
+                <a:gd name="connsiteX4" fmla="*/ 2679463 w 2692836"/>
+                <a:gd name="connsiteY4" fmla="*/ 175683 h 358563"/>
+                <a:gd name="connsiteX5" fmla="*/ 1785383 w 2692836"/>
+                <a:gd name="connsiteY5" fmla="*/ 343323 h 358563"/>
+                <a:gd name="connsiteX6" fmla="*/ 962423 w 2692836"/>
+                <a:gd name="connsiteY6" fmla="*/ 307763 h 358563"/>
+                <a:gd name="connsiteX7" fmla="*/ 456963 w 2692836"/>
+                <a:gd name="connsiteY7" fmla="*/ 358563 h 358563"/>
+                <a:gd name="connsiteX8" fmla="*/ 17543 w 2692836"/>
+                <a:gd name="connsiteY8" fmla="*/ 180763 h 358563"/>
+                <a:gd name="connsiteX0" fmla="*/ 17543 w 2692836"/>
+                <a:gd name="connsiteY0" fmla="*/ 180763 h 358563"/>
+                <a:gd name="connsiteX1" fmla="*/ 660163 w 2692836"/>
+                <a:gd name="connsiteY1" fmla="*/ 423 h 358563"/>
+                <a:gd name="connsiteX2" fmla="*/ 1155463 w 2692836"/>
+                <a:gd name="connsiteY2" fmla="*/ 53763 h 358563"/>
+                <a:gd name="connsiteX3" fmla="*/ 1988583 w 2692836"/>
+                <a:gd name="connsiteY3" fmla="*/ 5503 h 358563"/>
+                <a:gd name="connsiteX4" fmla="*/ 2679463 w 2692836"/>
+                <a:gd name="connsiteY4" fmla="*/ 175683 h 358563"/>
+                <a:gd name="connsiteX5" fmla="*/ 1785383 w 2692836"/>
+                <a:gd name="connsiteY5" fmla="*/ 343323 h 358563"/>
+                <a:gd name="connsiteX6" fmla="*/ 962423 w 2692836"/>
+                <a:gd name="connsiteY6" fmla="*/ 307763 h 358563"/>
+                <a:gd name="connsiteX7" fmla="*/ 456963 w 2692836"/>
+                <a:gd name="connsiteY7" fmla="*/ 358563 h 358563"/>
+                <a:gd name="connsiteX8" fmla="*/ 17543 w 2692836"/>
+                <a:gd name="connsiteY8" fmla="*/ 180763 h 358563"/>
+                <a:gd name="connsiteX0" fmla="*/ 17543 w 2692836"/>
+                <a:gd name="connsiteY0" fmla="*/ 180763 h 358563"/>
+                <a:gd name="connsiteX1" fmla="*/ 660163 w 2692836"/>
+                <a:gd name="connsiteY1" fmla="*/ 423 h 358563"/>
+                <a:gd name="connsiteX2" fmla="*/ 1155463 w 2692836"/>
+                <a:gd name="connsiteY2" fmla="*/ 53763 h 358563"/>
+                <a:gd name="connsiteX3" fmla="*/ 1988583 w 2692836"/>
+                <a:gd name="connsiteY3" fmla="*/ 5503 h 358563"/>
+                <a:gd name="connsiteX4" fmla="*/ 2679463 w 2692836"/>
+                <a:gd name="connsiteY4" fmla="*/ 175683 h 358563"/>
+                <a:gd name="connsiteX5" fmla="*/ 1785383 w 2692836"/>
+                <a:gd name="connsiteY5" fmla="*/ 343323 h 358563"/>
+                <a:gd name="connsiteX6" fmla="*/ 962423 w 2692836"/>
+                <a:gd name="connsiteY6" fmla="*/ 307763 h 358563"/>
+                <a:gd name="connsiteX7" fmla="*/ 456963 w 2692836"/>
+                <a:gd name="connsiteY7" fmla="*/ 358563 h 358563"/>
+                <a:gd name="connsiteX8" fmla="*/ 17543 w 2692836"/>
+                <a:gd name="connsiteY8" fmla="*/ 180763 h 358563"/>
+                <a:gd name="connsiteX0" fmla="*/ 17543 w 2692836"/>
+                <a:gd name="connsiteY0" fmla="*/ 177848 h 355648"/>
+                <a:gd name="connsiteX1" fmla="*/ 660163 w 2692836"/>
+                <a:gd name="connsiteY1" fmla="*/ 3604 h 355648"/>
+                <a:gd name="connsiteX2" fmla="*/ 1155463 w 2692836"/>
+                <a:gd name="connsiteY2" fmla="*/ 50848 h 355648"/>
+                <a:gd name="connsiteX3" fmla="*/ 1988583 w 2692836"/>
+                <a:gd name="connsiteY3" fmla="*/ 2588 h 355648"/>
+                <a:gd name="connsiteX4" fmla="*/ 2679463 w 2692836"/>
+                <a:gd name="connsiteY4" fmla="*/ 172768 h 355648"/>
+                <a:gd name="connsiteX5" fmla="*/ 1785383 w 2692836"/>
+                <a:gd name="connsiteY5" fmla="*/ 340408 h 355648"/>
+                <a:gd name="connsiteX6" fmla="*/ 962423 w 2692836"/>
+                <a:gd name="connsiteY6" fmla="*/ 304848 h 355648"/>
+                <a:gd name="connsiteX7" fmla="*/ 456963 w 2692836"/>
+                <a:gd name="connsiteY7" fmla="*/ 355648 h 355648"/>
+                <a:gd name="connsiteX8" fmla="*/ 17543 w 2692836"/>
+                <a:gd name="connsiteY8" fmla="*/ 177848 h 355648"/>
+              </a:gdLst>
+              <a:ahLst/>
+              <a:cxnLst>
+                <a:cxn ang="0">
+                  <a:pos x="connsiteX0" y="connsiteY0"/>
+                </a:cxn>
+                <a:cxn ang="0">
+                  <a:pos x="connsiteX1" y="connsiteY1"/>
+                </a:cxn>
+                <a:cxn ang="0">
+                  <a:pos x="connsiteX2" y="connsiteY2"/>
+                </a:cxn>
+                <a:cxn ang="0">
+                  <a:pos x="connsiteX3" y="connsiteY3"/>
+                </a:cxn>
+                <a:cxn ang="0">
+                  <a:pos x="connsiteX4" y="connsiteY4"/>
+                </a:cxn>
+                <a:cxn ang="0">
+                  <a:pos x="connsiteX5" y="connsiteY5"/>
+                </a:cxn>
+                <a:cxn ang="0">
+                  <a:pos x="connsiteX6" y="connsiteY6"/>
+                </a:cxn>
+                <a:cxn ang="0">
+                  <a:pos x="connsiteX7" y="connsiteY7"/>
+                </a:cxn>
+                <a:cxn ang="0">
+                  <a:pos x="connsiteX8" y="connsiteY8"/>
+                </a:cxn>
+              </a:cxnLst>
+              <a:rect l="l" t="t" r="r" b="b"/>
+              <a:pathLst>
+                <a:path w="2692836" h="355648">
+                  <a:moveTo>
+                    <a:pt x="17543" y="177848"/>
+                  </a:moveTo>
+                  <a:cubicBezTo>
+                    <a:pt x="203810" y="47038"/>
+                    <a:pt x="470510" y="14611"/>
+                    <a:pt x="660163" y="3604"/>
+                  </a:cubicBezTo>
+                  <a:cubicBezTo>
+                    <a:pt x="920936" y="-2323"/>
+                    <a:pt x="934060" y="51017"/>
+                    <a:pt x="1155463" y="50848"/>
+                  </a:cubicBezTo>
+                  <a:cubicBezTo>
+                    <a:pt x="1376866" y="50679"/>
+                    <a:pt x="1733736" y="-13499"/>
+                    <a:pt x="1988583" y="2588"/>
+                  </a:cubicBezTo>
+                  <a:cubicBezTo>
+                    <a:pt x="2253590" y="3435"/>
+                    <a:pt x="2783603" y="45345"/>
+                    <a:pt x="2679463" y="172768"/>
+                  </a:cubicBezTo>
+                  <a:cubicBezTo>
+                    <a:pt x="2504203" y="320511"/>
+                    <a:pt x="2072403" y="334481"/>
+                    <a:pt x="1785383" y="340408"/>
+                  </a:cubicBezTo>
+                  <a:cubicBezTo>
+                    <a:pt x="1462803" y="361575"/>
+                    <a:pt x="1187213" y="304848"/>
+                    <a:pt x="962423" y="304848"/>
+                  </a:cubicBezTo>
+                  <a:cubicBezTo>
+                    <a:pt x="788433" y="309928"/>
+                    <a:pt x="705883" y="326015"/>
+                    <a:pt x="456963" y="355648"/>
+                  </a:cubicBezTo>
+                  <a:cubicBezTo>
+                    <a:pt x="136923" y="349721"/>
+                    <a:pt x="-62044" y="268018"/>
+                    <a:pt x="17543" y="177848"/>
+                  </a:cubicBezTo>
+                  <a:close/>
+                </a:path>
+              </a:pathLst>
+            </a:custGeom>
+            <a:noFill/>
+            <a:ln w="25400">
+              <a:solidFill>
+                <a:srgbClr val="FF7F2B"/>
+              </a:solidFill>
+            </a:ln>
+          </p:spPr>
+          <p:style>
+            <a:lnRef idx="2">
+              <a:schemeClr val="accent1">
+                <a:shade val="50000"/>
+              </a:schemeClr>
+            </a:lnRef>
+            <a:fillRef idx="1">
+              <a:schemeClr val="accent1"/>
+            </a:fillRef>
+            <a:effectRef idx="0">
+              <a:schemeClr val="accent1"/>
+            </a:effectRef>
+            <a:fontRef idx="minor">
+              <a:schemeClr val="lt1"/>
+            </a:fontRef>
+          </p:style>
+          <p:txBody>
+            <a:bodyPr rtlCol="0" anchor="ctr"/>
+            <a:lstStyle/>
+            <a:p>
+              <a:pPr algn="ctr"/>
+              <a:endParaRPr lang="en-GB"/>
+            </a:p>
+          </p:txBody>
+        </p:sp>
+        <p:pic>
+          <p:nvPicPr>
+            <p:cNvPr id="133" name="Grafik 132">
+              <a:extLst>
+                <a:ext uri="{FF2B5EF4-FFF2-40B4-BE49-F238E27FC236}">
+                  <a16:creationId xmlns:a16="http://schemas.microsoft.com/office/drawing/2014/main" id="{00CE8C09-8A69-4A11-B200-3DDAAA9C1155}"/>
+                </a:ext>
+              </a:extLst>
+            </p:cNvPr>
+            <p:cNvPicPr>
+              <a:picLocks noChangeAspect="1"/>
+            </p:cNvPicPr>
+            <p:nvPr>
+              <p:custDataLst>
+                <p:tags r:id="rId5"/>
+              </p:custDataLst>
+            </p:nvPr>
+          </p:nvPicPr>
+          <p:blipFill>
+            <a:blip r:embed="rId13">
+              <a:extLst>
+                <a:ext uri="{28A0092B-C50C-407E-A947-70E740481C1C}">
+                  <a14:useLocalDpi xmlns:a14="http://schemas.microsoft.com/office/drawing/2010/main" val="0"/>
+                </a:ext>
+              </a:extLst>
+            </a:blip>
+            <a:stretch>
+              <a:fillRect/>
+            </a:stretch>
+          </p:blipFill>
+          <p:spPr>
+            <a:xfrm>
+              <a:off x="3271122" y="5055945"/>
+              <a:ext cx="192370" cy="184794"/>
+            </a:xfrm>
+            <a:prstGeom prst="rect">
+              <a:avLst/>
+            </a:prstGeom>
+          </p:spPr>
+        </p:pic>
+        <p:pic>
+          <p:nvPicPr>
+            <p:cNvPr id="123" name="Grafik 122">
+              <a:extLst>
+                <a:ext uri="{FF2B5EF4-FFF2-40B4-BE49-F238E27FC236}">
+                  <a16:creationId xmlns:a16="http://schemas.microsoft.com/office/drawing/2014/main" id="{6C688009-7F00-42A1-BEC8-94C72F078DA5}"/>
+                </a:ext>
+              </a:extLst>
+            </p:cNvPr>
+            <p:cNvPicPr>
+              <a:picLocks noChangeAspect="1"/>
+            </p:cNvPicPr>
+            <p:nvPr>
+              <p:custDataLst>
+                <p:tags r:id="rId6"/>
+              </p:custDataLst>
+            </p:nvPr>
+          </p:nvPicPr>
+          <p:blipFill>
+            <a:blip r:embed="rId14">
+              <a:extLst>
+                <a:ext uri="{28A0092B-C50C-407E-A947-70E740481C1C}">
+                  <a14:useLocalDpi xmlns:a14="http://schemas.microsoft.com/office/drawing/2010/main" val="0"/>
+                </a:ext>
+              </a:extLst>
+            </a:blip>
+            <a:stretch>
+              <a:fillRect/>
+            </a:stretch>
+          </p:blipFill>
+          <p:spPr>
+            <a:xfrm>
+              <a:off x="3352301" y="4480772"/>
+              <a:ext cx="389726" cy="324188"/>
+            </a:xfrm>
+            <a:prstGeom prst="rect">
+              <a:avLst/>
+            </a:prstGeom>
+          </p:spPr>
+        </p:pic>
+        <p:cxnSp>
+          <p:nvCxnSpPr>
+            <p:cNvPr id="38" name="Gerade Verbindung mit Pfeil 37">
+              <a:extLst>
+                <a:ext uri="{FF2B5EF4-FFF2-40B4-BE49-F238E27FC236}">
+                  <a16:creationId xmlns:a16="http://schemas.microsoft.com/office/drawing/2014/main" id="{9D1706C5-4EB8-4D7E-AA67-C70B1ED43EF2}"/>
+                </a:ext>
+              </a:extLst>
+            </p:cNvPr>
+            <p:cNvCxnSpPr>
+              <a:cxnSpLocks/>
+            </p:cNvCxnSpPr>
+            <p:nvPr/>
+          </p:nvCxnSpPr>
+          <p:spPr>
+            <a:xfrm flipV="1">
+              <a:off x="1786815" y="5053974"/>
+              <a:ext cx="1376875" cy="129966"/>
+            </a:xfrm>
+            <a:prstGeom prst="straightConnector1">
+              <a:avLst/>
+            </a:prstGeom>
+            <a:ln w="25400">
+              <a:solidFill>
+                <a:schemeClr val="tx1"/>
+              </a:solidFill>
+              <a:tailEnd type="triangle"/>
+            </a:ln>
+          </p:spPr>
+          <p:style>
+            <a:lnRef idx="1">
+              <a:schemeClr val="accent1"/>
+            </a:lnRef>
+            <a:fillRef idx="0">
+              <a:schemeClr val="accent1"/>
+            </a:fillRef>
+            <a:effectRef idx="0">
+              <a:schemeClr val="accent1"/>
+            </a:effectRef>
+            <a:fontRef idx="minor">
+              <a:schemeClr val="tx1"/>
+            </a:fontRef>
+          </p:style>
+        </p:cxnSp>
+        <p:cxnSp>
+          <p:nvCxnSpPr>
+            <p:cNvPr id="39" name="Gerade Verbindung mit Pfeil 38">
+              <a:extLst>
+                <a:ext uri="{FF2B5EF4-FFF2-40B4-BE49-F238E27FC236}">
+                  <a16:creationId xmlns:a16="http://schemas.microsoft.com/office/drawing/2014/main" id="{42EA9C84-C5F5-4FAF-A43E-03E8FD3F9533}"/>
+                </a:ext>
+              </a:extLst>
+            </p:cNvPr>
+            <p:cNvCxnSpPr>
+              <a:cxnSpLocks/>
+            </p:cNvCxnSpPr>
+            <p:nvPr/>
+          </p:nvCxnSpPr>
+          <p:spPr>
+            <a:xfrm flipV="1">
+              <a:off x="3164975" y="4492599"/>
+              <a:ext cx="0" cy="561375"/>
+            </a:xfrm>
+            <a:prstGeom prst="straightConnector1">
+              <a:avLst/>
+            </a:prstGeom>
+            <a:ln w="25400">
+              <a:solidFill>
+                <a:schemeClr val="tx1"/>
+              </a:solidFill>
+              <a:tailEnd type="triangle"/>
+            </a:ln>
+          </p:spPr>
+          <p:style>
+            <a:lnRef idx="1">
+              <a:schemeClr val="accent1"/>
+            </a:lnRef>
+            <a:fillRef idx="0">
+              <a:schemeClr val="accent1"/>
+            </a:fillRef>
+            <a:effectRef idx="0">
+              <a:schemeClr val="accent1"/>
+            </a:effectRef>
+            <a:fontRef idx="minor">
+              <a:schemeClr val="tx1"/>
+            </a:fontRef>
+          </p:style>
+        </p:cxnSp>
+        <p:sp>
+          <p:nvSpPr>
+            <p:cNvPr id="46" name="Pfeil: nach rechts gekrümmt 45">
+              <a:extLst>
+                <a:ext uri="{FF2B5EF4-FFF2-40B4-BE49-F238E27FC236}">
+                  <a16:creationId xmlns:a16="http://schemas.microsoft.com/office/drawing/2014/main" id="{2A051000-BADB-4EBF-A3B7-3B020F42A82F}"/>
+                </a:ext>
+              </a:extLst>
+            </p:cNvPr>
+            <p:cNvSpPr/>
+            <p:nvPr/>
+          </p:nvSpPr>
+          <p:spPr>
+            <a:xfrm>
+              <a:off x="1642707" y="4218059"/>
+              <a:ext cx="288213" cy="212009"/>
+            </a:xfrm>
+            <a:prstGeom prst="curvedRightArrow">
+              <a:avLst/>
+            </a:prstGeom>
+            <a:solidFill>
+              <a:srgbClr val="2C10F8"/>
+            </a:solidFill>
+            <a:ln>
+              <a:solidFill>
+                <a:srgbClr val="1C06BE"/>
+              </a:solidFill>
+            </a:ln>
+          </p:spPr>
+          <p:style>
+            <a:lnRef idx="2">
+              <a:schemeClr val="accent1">
+                <a:shade val="50000"/>
+              </a:schemeClr>
+            </a:lnRef>
+            <a:fillRef idx="1">
+              <a:schemeClr val="accent1"/>
+            </a:fillRef>
+            <a:effectRef idx="0">
+              <a:schemeClr val="accent1"/>
+            </a:effectRef>
+            <a:fontRef idx="minor">
+              <a:schemeClr val="lt1"/>
+            </a:fontRef>
+          </p:style>
+          <p:txBody>
+            <a:bodyPr rtlCol="0" anchor="ctr"/>
+            <a:lstStyle/>
+            <a:p>
+              <a:pPr algn="ctr"/>
+              <a:endParaRPr lang="en-GB">
+                <a:solidFill>
+                  <a:schemeClr val="tx1"/>
+                </a:solidFill>
+              </a:endParaRPr>
+            </a:p>
+          </p:txBody>
+        </p:sp>
+        <p:sp>
+          <p:nvSpPr>
+            <p:cNvPr id="47" name="Pfeil: nach rechts gekrümmt 46">
+              <a:extLst>
+                <a:ext uri="{FF2B5EF4-FFF2-40B4-BE49-F238E27FC236}">
+                  <a16:creationId xmlns:a16="http://schemas.microsoft.com/office/drawing/2014/main" id="{F99FFBCF-1BDB-4E49-9994-EEF1385946AF}"/>
+                </a:ext>
+              </a:extLst>
+            </p:cNvPr>
+            <p:cNvSpPr/>
+            <p:nvPr/>
+          </p:nvSpPr>
+          <p:spPr>
+            <a:xfrm rot="14510669">
+              <a:off x="1238522" y="5430116"/>
+              <a:ext cx="229684" cy="356604"/>
+            </a:xfrm>
+            <a:prstGeom prst="curvedRightArrow">
+              <a:avLst/>
+            </a:prstGeom>
+            <a:solidFill>
+              <a:srgbClr val="FF0000"/>
+            </a:solidFill>
+            <a:ln>
+              <a:solidFill>
+                <a:srgbClr val="E20000"/>
+              </a:solidFill>
+            </a:ln>
+          </p:spPr>
+          <p:style>
+            <a:lnRef idx="2">
+              <a:schemeClr val="accent1">
+                <a:shade val="50000"/>
+              </a:schemeClr>
+            </a:lnRef>
+            <a:fillRef idx="1">
+              <a:schemeClr val="accent1"/>
+            </a:fillRef>
+            <a:effectRef idx="0">
+              <a:schemeClr val="accent1"/>
+            </a:effectRef>
+            <a:fontRef idx="minor">
+              <a:schemeClr val="lt1"/>
+            </a:fontRef>
+          </p:style>
+          <p:txBody>
+            <a:bodyPr rtlCol="0" anchor="ctr"/>
+            <a:lstStyle/>
+            <a:p>
+              <a:pPr algn="ctr"/>
+              <a:endParaRPr lang="en-GB">
+                <a:solidFill>
+                  <a:schemeClr val="tx1"/>
+                </a:solidFill>
+              </a:endParaRPr>
+            </a:p>
+          </p:txBody>
+        </p:sp>
+        <p:sp>
+          <p:nvSpPr>
+            <p:cNvPr id="48" name="Pfeil: nach rechts gekrümmt 47">
+              <a:extLst>
+                <a:ext uri="{FF2B5EF4-FFF2-40B4-BE49-F238E27FC236}">
+                  <a16:creationId xmlns:a16="http://schemas.microsoft.com/office/drawing/2014/main" id="{BE78D246-F942-43F9-AC48-B2AC322B4B97}"/>
+                </a:ext>
+              </a:extLst>
+            </p:cNvPr>
+            <p:cNvSpPr/>
+            <p:nvPr/>
+          </p:nvSpPr>
+          <p:spPr>
+            <a:xfrm rot="5400000">
+              <a:off x="2167057" y="4790987"/>
+              <a:ext cx="288213" cy="212009"/>
+            </a:xfrm>
+            <a:prstGeom prst="curvedRightArrow">
+              <a:avLst/>
+            </a:prstGeom>
+            <a:solidFill>
+              <a:srgbClr val="28F83C"/>
+            </a:solidFill>
+            <a:ln>
+              <a:solidFill>
+                <a:srgbClr val="07D31A"/>
+              </a:solidFill>
+            </a:ln>
+          </p:spPr>
+          <p:style>
+            <a:lnRef idx="2">
+              <a:schemeClr val="accent1">
+                <a:shade val="50000"/>
+              </a:schemeClr>
+            </a:lnRef>
+            <a:fillRef idx="1">
+              <a:schemeClr val="accent1"/>
+            </a:fillRef>
+            <a:effectRef idx="0">
+              <a:schemeClr val="accent1"/>
+            </a:effectRef>
+            <a:fontRef idx="minor">
+              <a:schemeClr val="lt1"/>
+            </a:fontRef>
+          </p:style>
+          <p:txBody>
+            <a:bodyPr rtlCol="0" anchor="ctr"/>
+            <a:lstStyle/>
+            <a:p>
+              <a:pPr algn="ctr"/>
+              <a:endParaRPr lang="en-GB">
+                <a:solidFill>
+                  <a:schemeClr val="tx1"/>
+                </a:solidFill>
+              </a:endParaRPr>
+            </a:p>
+          </p:txBody>
+        </p:sp>
+        <p:cxnSp>
+          <p:nvCxnSpPr>
+            <p:cNvPr id="49" name="Gerade Verbindung mit Pfeil 48">
+              <a:extLst>
+                <a:ext uri="{FF2B5EF4-FFF2-40B4-BE49-F238E27FC236}">
+                  <a16:creationId xmlns:a16="http://schemas.microsoft.com/office/drawing/2014/main" id="{57D4B136-1F40-4A1C-ADEC-3352A25800EF}"/>
+                </a:ext>
+              </a:extLst>
+            </p:cNvPr>
+            <p:cNvCxnSpPr>
+              <a:cxnSpLocks/>
+            </p:cNvCxnSpPr>
+            <p:nvPr/>
+          </p:nvCxnSpPr>
+          <p:spPr>
+            <a:xfrm flipH="1" flipV="1">
+              <a:off x="1788493" y="4541488"/>
+              <a:ext cx="6615" cy="642449"/>
+            </a:xfrm>
+            <a:prstGeom prst="straightConnector1">
+              <a:avLst/>
+            </a:prstGeom>
+            <a:ln w="25400">
+              <a:solidFill>
+                <a:schemeClr val="tx1"/>
+              </a:solidFill>
+              <a:tailEnd type="triangle"/>
+            </a:ln>
+          </p:spPr>
+          <p:style>
+            <a:lnRef idx="1">
+              <a:schemeClr val="accent1"/>
+            </a:lnRef>
+            <a:fillRef idx="0">
+              <a:schemeClr val="accent1"/>
+            </a:fillRef>
+            <a:effectRef idx="0">
+              <a:schemeClr val="accent1"/>
+            </a:effectRef>
+            <a:fontRef idx="minor">
+              <a:schemeClr val="tx1"/>
+            </a:fontRef>
+          </p:style>
+        </p:cxnSp>
+        <p:cxnSp>
+          <p:nvCxnSpPr>
+            <p:cNvPr id="51" name="Gerade Verbindung mit Pfeil 50">
+              <a:extLst>
+                <a:ext uri="{FF2B5EF4-FFF2-40B4-BE49-F238E27FC236}">
+                  <a16:creationId xmlns:a16="http://schemas.microsoft.com/office/drawing/2014/main" id="{A64CD373-958C-454C-A873-6B5A4B4BAB5A}"/>
+                </a:ext>
+              </a:extLst>
+            </p:cNvPr>
+            <p:cNvCxnSpPr>
+              <a:cxnSpLocks/>
+            </p:cNvCxnSpPr>
+            <p:nvPr/>
+          </p:nvCxnSpPr>
+          <p:spPr>
+            <a:xfrm flipH="1">
+              <a:off x="1284264" y="5178471"/>
+              <a:ext cx="505907" cy="239521"/>
+            </a:xfrm>
+            <a:prstGeom prst="straightConnector1">
+              <a:avLst/>
+            </a:prstGeom>
+            <a:ln w="25400">
+              <a:solidFill>
+                <a:schemeClr val="tx1"/>
+              </a:solidFill>
+              <a:tailEnd type="triangle"/>
+            </a:ln>
+          </p:spPr>
+          <p:style>
+            <a:lnRef idx="1">
+              <a:schemeClr val="accent1"/>
+            </a:lnRef>
+            <a:fillRef idx="0">
+              <a:schemeClr val="accent1"/>
+            </a:fillRef>
+            <a:effectRef idx="0">
+              <a:schemeClr val="accent1"/>
+            </a:effectRef>
+            <a:fontRef idx="minor">
+              <a:schemeClr val="tx1"/>
+            </a:fontRef>
+          </p:style>
+        </p:cxnSp>
+        <p:cxnSp>
+          <p:nvCxnSpPr>
+            <p:cNvPr id="53" name="Gerade Verbindung mit Pfeil 52">
+              <a:extLst>
+                <a:ext uri="{FF2B5EF4-FFF2-40B4-BE49-F238E27FC236}">
+                  <a16:creationId xmlns:a16="http://schemas.microsoft.com/office/drawing/2014/main" id="{0F340783-3990-4232-A2CD-9133FB583FBD}"/>
+                </a:ext>
+              </a:extLst>
+            </p:cNvPr>
+            <p:cNvCxnSpPr>
+              <a:cxnSpLocks/>
+            </p:cNvCxnSpPr>
+            <p:nvPr/>
+          </p:nvCxnSpPr>
+          <p:spPr>
+            <a:xfrm>
+              <a:off x="1795109" y="5178471"/>
+              <a:ext cx="624695" cy="0"/>
+            </a:xfrm>
+            <a:prstGeom prst="straightConnector1">
+              <a:avLst/>
+            </a:prstGeom>
+            <a:ln w="25400">
+              <a:solidFill>
+                <a:schemeClr val="tx1"/>
+              </a:solidFill>
+              <a:tailEnd type="triangle"/>
+            </a:ln>
+          </p:spPr>
+          <p:style>
+            <a:lnRef idx="1">
+              <a:schemeClr val="accent1"/>
+            </a:lnRef>
+            <a:fillRef idx="0">
+              <a:schemeClr val="accent1"/>
+            </a:fillRef>
+            <a:effectRef idx="0">
+              <a:schemeClr val="accent1"/>
+            </a:effectRef>
+            <a:fontRef idx="minor">
+              <a:schemeClr val="tx1"/>
+            </a:fontRef>
+          </p:style>
+        </p:cxnSp>
+        <p:pic>
+          <p:nvPicPr>
+            <p:cNvPr id="125" name="Grafik 124">
+              <a:extLst>
+                <a:ext uri="{FF2B5EF4-FFF2-40B4-BE49-F238E27FC236}">
+                  <a16:creationId xmlns:a16="http://schemas.microsoft.com/office/drawing/2014/main" id="{C2AD7CC2-7232-418B-8533-3755C42CCC95}"/>
+                </a:ext>
+              </a:extLst>
+            </p:cNvPr>
+            <p:cNvPicPr>
+              <a:picLocks noChangeAspect="1"/>
+            </p:cNvPicPr>
+            <p:nvPr>
+              <p:custDataLst>
+                <p:tags r:id="rId7"/>
+              </p:custDataLst>
+            </p:nvPr>
+          </p:nvPicPr>
+          <p:blipFill>
+            <a:blip r:embed="rId15">
+              <a:extLst>
+                <a:ext uri="{28A0092B-C50C-407E-A947-70E740481C1C}">
+                  <a14:useLocalDpi xmlns:a14="http://schemas.microsoft.com/office/drawing/2010/main" val="0"/>
+                </a:ext>
+              </a:extLst>
+            </a:blip>
+            <a:stretch>
+              <a:fillRect/>
+            </a:stretch>
+          </p:blipFill>
+          <p:spPr>
+            <a:xfrm>
+              <a:off x="2364938" y="4305407"/>
+              <a:ext cx="592540" cy="337809"/>
+            </a:xfrm>
+            <a:prstGeom prst="rect">
+              <a:avLst/>
+            </a:prstGeom>
+          </p:spPr>
+        </p:pic>
+        <p:pic>
+          <p:nvPicPr>
+            <p:cNvPr id="127" name="Grafik 126">
+              <a:extLst>
+                <a:ext uri="{FF2B5EF4-FFF2-40B4-BE49-F238E27FC236}">
+                  <a16:creationId xmlns:a16="http://schemas.microsoft.com/office/drawing/2014/main" id="{5F080990-0CC0-47EA-BCA9-6DFD760B0A0E}"/>
+                </a:ext>
+              </a:extLst>
+            </p:cNvPr>
+            <p:cNvPicPr>
+              <a:picLocks noChangeAspect="1"/>
+            </p:cNvPicPr>
+            <p:nvPr>
+              <p:custDataLst>
+                <p:tags r:id="rId8"/>
+              </p:custDataLst>
+            </p:nvPr>
+          </p:nvPicPr>
+          <p:blipFill>
+            <a:blip r:embed="rId16">
+              <a:extLst>
+                <a:ext uri="{28A0092B-C50C-407E-A947-70E740481C1C}">
+                  <a14:useLocalDpi xmlns:a14="http://schemas.microsoft.com/office/drawing/2010/main" val="0"/>
+                </a:ext>
+              </a:extLst>
+            </a:blip>
+            <a:stretch>
+              <a:fillRect/>
+            </a:stretch>
+          </p:blipFill>
+          <p:spPr>
+            <a:xfrm>
+              <a:off x="1537217" y="3722469"/>
+              <a:ext cx="583338" cy="338972"/>
+            </a:xfrm>
+            <a:prstGeom prst="rect">
+              <a:avLst/>
+            </a:prstGeom>
+          </p:spPr>
+        </p:pic>
+        <p:pic>
+          <p:nvPicPr>
+            <p:cNvPr id="129" name="Grafik 128">
+              <a:extLst>
+                <a:ext uri="{FF2B5EF4-FFF2-40B4-BE49-F238E27FC236}">
+                  <a16:creationId xmlns:a16="http://schemas.microsoft.com/office/drawing/2014/main" id="{E42E9EBE-0367-49C0-BE81-7AEC3B15883B}"/>
+                </a:ext>
+              </a:extLst>
+            </p:cNvPr>
+            <p:cNvPicPr>
+              <a:picLocks noChangeAspect="1"/>
+            </p:cNvPicPr>
+            <p:nvPr>
+              <p:custDataLst>
+                <p:tags r:id="rId9"/>
+              </p:custDataLst>
+            </p:nvPr>
+          </p:nvPicPr>
+          <p:blipFill>
+            <a:blip r:embed="rId17">
+              <a:extLst>
+                <a:ext uri="{28A0092B-C50C-407E-A947-70E740481C1C}">
+                  <a14:useLocalDpi xmlns:a14="http://schemas.microsoft.com/office/drawing/2010/main" val="0"/>
+                </a:ext>
+              </a:extLst>
+            </a:blip>
+            <a:stretch>
+              <a:fillRect/>
+            </a:stretch>
+          </p:blipFill>
+          <p:spPr>
+            <a:xfrm>
+              <a:off x="577798" y="5748275"/>
+              <a:ext cx="591974" cy="392288"/>
+            </a:xfrm>
+            <a:prstGeom prst="rect">
+              <a:avLst/>
+            </a:prstGeom>
+          </p:spPr>
+        </p:pic>
+        <p:pic>
+          <p:nvPicPr>
+            <p:cNvPr id="72" name="Grafik 71">
+              <a:extLst>
+                <a:ext uri="{FF2B5EF4-FFF2-40B4-BE49-F238E27FC236}">
+                  <a16:creationId xmlns:a16="http://schemas.microsoft.com/office/drawing/2014/main" id="{6FF618E1-C8AD-4133-A18B-FBC7AFF8DA50}"/>
+                </a:ext>
+              </a:extLst>
+            </p:cNvPr>
+            <p:cNvPicPr>
+              <a:picLocks noChangeAspect="1"/>
+            </p:cNvPicPr>
+            <p:nvPr>
+              <p:custDataLst>
+                <p:tags r:id="rId10"/>
+              </p:custDataLst>
+            </p:nvPr>
+          </p:nvPicPr>
+          <p:blipFill>
+            <a:blip r:embed="rId18">
+              <a:extLst>
+                <a:ext uri="{28A0092B-C50C-407E-A947-70E740481C1C}">
+                  <a14:useLocalDpi xmlns:a14="http://schemas.microsoft.com/office/drawing/2010/main" val="0"/>
+                </a:ext>
+              </a:extLst>
+            </a:blip>
+            <a:stretch>
+              <a:fillRect/>
+            </a:stretch>
+          </p:blipFill>
+          <p:spPr>
+            <a:xfrm>
+              <a:off x="2311163" y="5770156"/>
+              <a:ext cx="808185" cy="295187"/>
+            </a:xfrm>
+            <a:prstGeom prst="rect">
+              <a:avLst/>
+            </a:prstGeom>
+          </p:spPr>
+        </p:pic>
+        <p:cxnSp>
+          <p:nvCxnSpPr>
+            <p:cNvPr id="87" name="Gerade Verbindung mit Pfeil 86">
+              <a:extLst>
+                <a:ext uri="{FF2B5EF4-FFF2-40B4-BE49-F238E27FC236}">
+                  <a16:creationId xmlns:a16="http://schemas.microsoft.com/office/drawing/2014/main" id="{7CAADE98-CB70-4C80-BAE0-83CB569FFEEC}"/>
+                </a:ext>
+              </a:extLst>
+            </p:cNvPr>
+            <p:cNvCxnSpPr>
+              <a:cxnSpLocks/>
+            </p:cNvCxnSpPr>
+            <p:nvPr/>
+          </p:nvCxnSpPr>
+          <p:spPr>
+            <a:xfrm flipH="1" flipV="1">
+              <a:off x="1457352" y="4609650"/>
+              <a:ext cx="324930" cy="574288"/>
+            </a:xfrm>
+            <a:prstGeom prst="straightConnector1">
+              <a:avLst/>
+            </a:prstGeom>
+            <a:ln w="25400">
+              <a:solidFill>
+                <a:schemeClr val="tx1"/>
+              </a:solidFill>
+              <a:tailEnd type="triangle"/>
+            </a:ln>
+          </p:spPr>
+          <p:style>
+            <a:lnRef idx="1">
+              <a:schemeClr val="accent1"/>
+            </a:lnRef>
+            <a:fillRef idx="0">
+              <a:schemeClr val="accent1"/>
+            </a:fillRef>
+            <a:effectRef idx="0">
+              <a:schemeClr val="accent1"/>
+            </a:effectRef>
+            <a:fontRef idx="minor">
+              <a:schemeClr val="tx1"/>
+            </a:fontRef>
+          </p:style>
+        </p:cxnSp>
+        <p:pic>
+          <p:nvPicPr>
+            <p:cNvPr id="131" name="Grafik 130">
+              <a:extLst>
+                <a:ext uri="{FF2B5EF4-FFF2-40B4-BE49-F238E27FC236}">
+                  <a16:creationId xmlns:a16="http://schemas.microsoft.com/office/drawing/2014/main" id="{9E574DD1-C902-45D3-B2AF-DA805395EC2B}"/>
+                </a:ext>
+              </a:extLst>
+            </p:cNvPr>
+            <p:cNvPicPr>
+              <a:picLocks noChangeAspect="1"/>
+            </p:cNvPicPr>
+            <p:nvPr>
+              <p:custDataLst>
+                <p:tags r:id="rId11"/>
+              </p:custDataLst>
+            </p:nvPr>
+          </p:nvPicPr>
+          <p:blipFill>
+            <a:blip r:embed="rId19">
+              <a:extLst>
+                <a:ext uri="{28A0092B-C50C-407E-A947-70E740481C1C}">
+                  <a14:useLocalDpi xmlns:a14="http://schemas.microsoft.com/office/drawing/2010/main" val="0"/>
+                </a:ext>
+              </a:extLst>
+            </a:blip>
+            <a:stretch>
+              <a:fillRect/>
+            </a:stretch>
+          </p:blipFill>
+          <p:spPr>
+            <a:xfrm>
+              <a:off x="1000463" y="4224582"/>
+              <a:ext cx="406736" cy="324927"/>
+            </a:xfrm>
+            <a:prstGeom prst="rect">
+              <a:avLst/>
+            </a:prstGeom>
+          </p:spPr>
+        </p:pic>
+      </p:grpSp>
+      <p:grpSp>
+        <p:nvGrpSpPr>
+          <p:cNvPr id="32" name="Gruppieren 31">
+            <a:extLst>
+              <a:ext uri="{FF2B5EF4-FFF2-40B4-BE49-F238E27FC236}">
+                <a16:creationId xmlns:a16="http://schemas.microsoft.com/office/drawing/2014/main" id="{00A3EBDB-B471-4E4C-A231-0F77F2A3C7D6}"/>
+              </a:ext>
+            </a:extLst>
+          </p:cNvPr>
+          <p:cNvGrpSpPr/>
+          <p:nvPr/>
+        </p:nvGrpSpPr>
+        <p:grpSpPr>
+          <a:xfrm>
+            <a:off x="2575314" y="905893"/>
+            <a:ext cx="8964405" cy="1865268"/>
+            <a:chOff x="2575314" y="905893"/>
+            <a:chExt cx="8964405" cy="1865268"/>
+          </a:xfrm>
+        </p:grpSpPr>
+        <p:grpSp>
+          <p:nvGrpSpPr>
+            <p:cNvPr id="4" name="Gruppieren 3">
+              <a:extLst>
+                <a:ext uri="{FF2B5EF4-FFF2-40B4-BE49-F238E27FC236}">
+                  <a16:creationId xmlns:a16="http://schemas.microsoft.com/office/drawing/2014/main" id="{E5650567-787B-40E1-9286-EA5BBFE99DC3}"/>
+                </a:ext>
+              </a:extLst>
+            </p:cNvPr>
+            <p:cNvGrpSpPr>
+              <a:grpSpLocks noChangeAspect="1"/>
+            </p:cNvGrpSpPr>
+            <p:nvPr/>
+          </p:nvGrpSpPr>
+          <p:grpSpPr>
+            <a:xfrm>
+              <a:off x="5622378" y="1686215"/>
+              <a:ext cx="3384661" cy="383363"/>
+              <a:chOff x="2486025" y="4010025"/>
+              <a:chExt cx="2691039" cy="304800"/>
+            </a:xfrm>
+          </p:grpSpPr>
+          <p:cxnSp>
+            <p:nvCxnSpPr>
+              <p:cNvPr id="7" name="Gerader Verbinder 6">
+                <a:extLst>
+                  <a:ext uri="{FF2B5EF4-FFF2-40B4-BE49-F238E27FC236}">
+                    <a16:creationId xmlns:a16="http://schemas.microsoft.com/office/drawing/2014/main" id="{D014D6C1-1C8C-4F4F-AEFC-7BD864C8DA16}"/>
+                  </a:ext>
+                </a:extLst>
+              </p:cNvPr>
+              <p:cNvCxnSpPr>
+                <a:cxnSpLocks/>
+              </p:cNvCxnSpPr>
+              <p:nvPr/>
+            </p:nvCxnSpPr>
+            <p:spPr>
+              <a:xfrm flipV="1">
+                <a:off x="2486025" y="4010025"/>
+                <a:ext cx="512473" cy="304800"/>
+              </a:xfrm>
+              <a:prstGeom prst="line">
+                <a:avLst/>
+              </a:prstGeom>
+              <a:ln w="25400">
+                <a:solidFill>
+                  <a:schemeClr val="tx1"/>
+                </a:solidFill>
+              </a:ln>
+            </p:spPr>
+            <p:style>
+              <a:lnRef idx="1">
+                <a:schemeClr val="accent1"/>
+              </a:lnRef>
+              <a:fillRef idx="0">
+                <a:schemeClr val="accent1"/>
+              </a:fillRef>
+              <a:effectRef idx="0">
+                <a:schemeClr val="accent1"/>
+              </a:effectRef>
+              <a:fontRef idx="minor">
+                <a:schemeClr val="tx1"/>
+              </a:fontRef>
+            </p:style>
+          </p:cxnSp>
+          <p:cxnSp>
+            <p:nvCxnSpPr>
+              <p:cNvPr id="5" name="Gerader Verbinder 4">
+                <a:extLst>
+                  <a:ext uri="{FF2B5EF4-FFF2-40B4-BE49-F238E27FC236}">
+                    <a16:creationId xmlns:a16="http://schemas.microsoft.com/office/drawing/2014/main" id="{078A3663-3364-4E9A-95FC-DA271BC26652}"/>
+                  </a:ext>
+                </a:extLst>
+              </p:cNvPr>
+              <p:cNvCxnSpPr/>
+              <p:nvPr/>
+            </p:nvCxnSpPr>
+            <p:spPr>
+              <a:xfrm>
+                <a:off x="2486025" y="4314825"/>
+                <a:ext cx="2178566" cy="0"/>
+              </a:xfrm>
+              <a:prstGeom prst="line">
+                <a:avLst/>
+              </a:prstGeom>
+              <a:ln w="25400">
+                <a:solidFill>
+                  <a:schemeClr val="tx1"/>
+                </a:solidFill>
+              </a:ln>
+            </p:spPr>
+            <p:style>
+              <a:lnRef idx="1">
+                <a:schemeClr val="accent1"/>
+              </a:lnRef>
+              <a:fillRef idx="0">
+                <a:schemeClr val="accent1"/>
+              </a:fillRef>
+              <a:effectRef idx="0">
+                <a:schemeClr val="accent1"/>
+              </a:effectRef>
+              <a:fontRef idx="minor">
+                <a:schemeClr val="tx1"/>
+              </a:fontRef>
+            </p:style>
+          </p:cxnSp>
+          <p:cxnSp>
+            <p:nvCxnSpPr>
+              <p:cNvPr id="8" name="Gerader Verbinder 7">
+                <a:extLst>
+                  <a:ext uri="{FF2B5EF4-FFF2-40B4-BE49-F238E27FC236}">
+                    <a16:creationId xmlns:a16="http://schemas.microsoft.com/office/drawing/2014/main" id="{03119CF5-B652-4F4E-8B1B-8D5384C9F8AF}"/>
+                  </a:ext>
+                </a:extLst>
+              </p:cNvPr>
+              <p:cNvCxnSpPr/>
+              <p:nvPr/>
+            </p:nvCxnSpPr>
+            <p:spPr>
+              <a:xfrm>
+                <a:off x="2998498" y="4010025"/>
+                <a:ext cx="2178566" cy="0"/>
+              </a:xfrm>
+              <a:prstGeom prst="line">
+                <a:avLst/>
+              </a:prstGeom>
+              <a:ln w="25400">
+                <a:solidFill>
+                  <a:schemeClr val="tx1"/>
+                </a:solidFill>
+              </a:ln>
+            </p:spPr>
+            <p:style>
+              <a:lnRef idx="1">
+                <a:schemeClr val="accent1"/>
+              </a:lnRef>
+              <a:fillRef idx="0">
+                <a:schemeClr val="accent1"/>
+              </a:fillRef>
+              <a:effectRef idx="0">
+                <a:schemeClr val="accent1"/>
+              </a:effectRef>
+              <a:fontRef idx="minor">
+                <a:schemeClr val="tx1"/>
+              </a:fontRef>
+            </p:style>
+          </p:cxnSp>
+          <p:cxnSp>
+            <p:nvCxnSpPr>
+              <p:cNvPr id="6" name="Gerader Verbinder 5">
+                <a:extLst>
+                  <a:ext uri="{FF2B5EF4-FFF2-40B4-BE49-F238E27FC236}">
+                    <a16:creationId xmlns:a16="http://schemas.microsoft.com/office/drawing/2014/main" id="{0FBE568E-FF54-432B-B368-BA77DDDEC6E7}"/>
+                  </a:ext>
+                </a:extLst>
+              </p:cNvPr>
+              <p:cNvCxnSpPr>
+                <a:cxnSpLocks/>
+              </p:cNvCxnSpPr>
+              <p:nvPr/>
+            </p:nvCxnSpPr>
+            <p:spPr>
+              <a:xfrm flipV="1">
+                <a:off x="4664591" y="4010025"/>
+                <a:ext cx="512473" cy="304800"/>
+              </a:xfrm>
+              <a:prstGeom prst="line">
+                <a:avLst/>
+              </a:prstGeom>
+              <a:ln w="25400">
+                <a:solidFill>
+                  <a:schemeClr val="tx1"/>
+                </a:solidFill>
+              </a:ln>
+            </p:spPr>
+            <p:style>
+              <a:lnRef idx="1">
+                <a:schemeClr val="accent1"/>
+              </a:lnRef>
+              <a:fillRef idx="0">
+                <a:schemeClr val="accent1"/>
+              </a:fillRef>
+              <a:effectRef idx="0">
+                <a:schemeClr val="accent1"/>
+              </a:effectRef>
+              <a:fontRef idx="minor">
+                <a:schemeClr val="tx1"/>
+              </a:fontRef>
+            </p:style>
+          </p:cxnSp>
+        </p:grpSp>
+        <p:pic>
+          <p:nvPicPr>
+            <p:cNvPr id="9" name="Grafik 8">
+              <a:extLst>
+                <a:ext uri="{FF2B5EF4-FFF2-40B4-BE49-F238E27FC236}">
+                  <a16:creationId xmlns:a16="http://schemas.microsoft.com/office/drawing/2014/main" id="{A7C6B47D-9F34-408B-AB44-FFEAFBCD4B1B}"/>
+                </a:ext>
+              </a:extLst>
+            </p:cNvPr>
+            <p:cNvPicPr>
+              <a:picLocks noChangeAspect="1"/>
+            </p:cNvPicPr>
+            <p:nvPr>
+              <p:custDataLst>
+                <p:tags r:id="rId1"/>
+              </p:custDataLst>
+            </p:nvPr>
+          </p:nvPicPr>
+          <p:blipFill>
+            <a:blip r:embed="rId20">
+              <a:extLst>
+                <a:ext uri="{28A0092B-C50C-407E-A947-70E740481C1C}">
+                  <a14:useLocalDpi xmlns:a14="http://schemas.microsoft.com/office/drawing/2010/main" val="0"/>
+                </a:ext>
+              </a:extLst>
+            </a:blip>
+            <a:stretch>
+              <a:fillRect/>
+            </a:stretch>
+          </p:blipFill>
+          <p:spPr>
+            <a:xfrm>
+              <a:off x="6529441" y="2387798"/>
+              <a:ext cx="3100135" cy="383363"/>
+            </a:xfrm>
+            <a:prstGeom prst="rect">
+              <a:avLst/>
+            </a:prstGeom>
+          </p:spPr>
+        </p:pic>
+        <p:pic>
+          <p:nvPicPr>
+            <p:cNvPr id="16" name="Grafik 15">
+              <a:extLst>
+                <a:ext uri="{FF2B5EF4-FFF2-40B4-BE49-F238E27FC236}">
+                  <a16:creationId xmlns:a16="http://schemas.microsoft.com/office/drawing/2014/main" id="{07D0CF08-889E-450B-8C12-6FEC3878E3F7}"/>
+                </a:ext>
+              </a:extLst>
+            </p:cNvPr>
+            <p:cNvPicPr>
+              <a:picLocks noChangeAspect="1"/>
+            </p:cNvPicPr>
+            <p:nvPr>
+              <p:custDataLst>
+                <p:tags r:id="rId2"/>
+              </p:custDataLst>
+            </p:nvPr>
+          </p:nvPicPr>
+          <p:blipFill>
+            <a:blip r:embed="rId21">
+              <a:extLst>
+                <a:ext uri="{28A0092B-C50C-407E-A947-70E740481C1C}">
+                  <a14:useLocalDpi xmlns:a14="http://schemas.microsoft.com/office/drawing/2010/main" val="0"/>
+                </a:ext>
+              </a:extLst>
+            </a:blip>
+            <a:stretch>
+              <a:fillRect/>
+            </a:stretch>
+          </p:blipFill>
+          <p:spPr>
+            <a:xfrm>
+              <a:off x="6502717" y="905893"/>
+              <a:ext cx="2268545" cy="382460"/>
+            </a:xfrm>
+            <a:prstGeom prst="rect">
+              <a:avLst/>
+            </a:prstGeom>
+          </p:spPr>
+        </p:pic>
+        <p:pic>
+          <p:nvPicPr>
+            <p:cNvPr id="14" name="Grafik 13">
+              <a:extLst>
+                <a:ext uri="{FF2B5EF4-FFF2-40B4-BE49-F238E27FC236}">
+                  <a16:creationId xmlns:a16="http://schemas.microsoft.com/office/drawing/2014/main" id="{D962F7C1-3BED-4BE9-9DA8-A4A0D5F7529D}"/>
+                </a:ext>
+              </a:extLst>
+            </p:cNvPr>
+            <p:cNvPicPr>
+              <a:picLocks noChangeAspect="1"/>
+            </p:cNvPicPr>
+            <p:nvPr>
+              <p:custDataLst>
+                <p:tags r:id="rId3"/>
+              </p:custDataLst>
+            </p:nvPr>
+          </p:nvPicPr>
+          <p:blipFill>
+            <a:blip r:embed="rId22">
+              <a:extLst>
+                <a:ext uri="{28A0092B-C50C-407E-A947-70E740481C1C}">
+                  <a14:useLocalDpi xmlns:a14="http://schemas.microsoft.com/office/drawing/2010/main" val="0"/>
+                </a:ext>
+              </a:extLst>
+            </a:blip>
+            <a:stretch>
+              <a:fillRect/>
+            </a:stretch>
+          </p:blipFill>
+          <p:spPr>
+            <a:xfrm>
+              <a:off x="9383706" y="1725169"/>
+              <a:ext cx="2156013" cy="305454"/>
+            </a:xfrm>
+            <a:prstGeom prst="rect">
+              <a:avLst/>
+            </a:prstGeom>
+          </p:spPr>
+        </p:pic>
+        <p:sp>
+          <p:nvSpPr>
+            <p:cNvPr id="21" name="Freihandform: Form 20">
+              <a:extLst>
+                <a:ext uri="{FF2B5EF4-FFF2-40B4-BE49-F238E27FC236}">
+                  <a16:creationId xmlns:a16="http://schemas.microsoft.com/office/drawing/2014/main" id="{21B1E46E-8C83-47F9-A27D-CBC749D636BD}"/>
+                </a:ext>
+              </a:extLst>
+            </p:cNvPr>
+            <p:cNvSpPr/>
+            <p:nvPr/>
+          </p:nvSpPr>
+          <p:spPr>
+            <a:xfrm>
+              <a:off x="5968301" y="1703114"/>
+              <a:ext cx="2692836" cy="355648"/>
+            </a:xfrm>
+            <a:custGeom>
+              <a:avLst/>
+              <a:gdLst>
+                <a:gd name="connsiteX0" fmla="*/ 5668 w 2662799"/>
+                <a:gd name="connsiteY0" fmla="*/ 206778 h 390145"/>
+                <a:gd name="connsiteX1" fmla="*/ 912448 w 2662799"/>
+                <a:gd name="connsiteY1" fmla="*/ 16278 h 390145"/>
+                <a:gd name="connsiteX2" fmla="*/ 1346788 w 2662799"/>
+                <a:gd name="connsiteY2" fmla="*/ 145818 h 390145"/>
+                <a:gd name="connsiteX3" fmla="*/ 2200228 w 2662799"/>
+                <a:gd name="connsiteY3" fmla="*/ 1038 h 390145"/>
+                <a:gd name="connsiteX4" fmla="*/ 2657428 w 2662799"/>
+                <a:gd name="connsiteY4" fmla="*/ 237258 h 390145"/>
+                <a:gd name="connsiteX5" fmla="*/ 1910668 w 2662799"/>
+                <a:gd name="connsiteY5" fmla="*/ 389658 h 390145"/>
+                <a:gd name="connsiteX6" fmla="*/ 1240108 w 2662799"/>
+                <a:gd name="connsiteY6" fmla="*/ 282978 h 390145"/>
+                <a:gd name="connsiteX7" fmla="*/ 561928 w 2662799"/>
+                <a:gd name="connsiteY7" fmla="*/ 389658 h 390145"/>
+                <a:gd name="connsiteX8" fmla="*/ 5668 w 2662799"/>
+                <a:gd name="connsiteY8" fmla="*/ 206778 h 390145"/>
+                <a:gd name="connsiteX0" fmla="*/ 5760 w 2652731"/>
+                <a:gd name="connsiteY0" fmla="*/ 206778 h 390603"/>
+                <a:gd name="connsiteX1" fmla="*/ 902380 w 2652731"/>
+                <a:gd name="connsiteY1" fmla="*/ 16278 h 390603"/>
+                <a:gd name="connsiteX2" fmla="*/ 1336720 w 2652731"/>
+                <a:gd name="connsiteY2" fmla="*/ 145818 h 390603"/>
+                <a:gd name="connsiteX3" fmla="*/ 2190160 w 2652731"/>
+                <a:gd name="connsiteY3" fmla="*/ 1038 h 390603"/>
+                <a:gd name="connsiteX4" fmla="*/ 2647360 w 2652731"/>
+                <a:gd name="connsiteY4" fmla="*/ 237258 h 390603"/>
+                <a:gd name="connsiteX5" fmla="*/ 1900600 w 2652731"/>
+                <a:gd name="connsiteY5" fmla="*/ 389658 h 390603"/>
+                <a:gd name="connsiteX6" fmla="*/ 1230040 w 2652731"/>
+                <a:gd name="connsiteY6" fmla="*/ 282978 h 390603"/>
+                <a:gd name="connsiteX7" fmla="*/ 551860 w 2652731"/>
+                <a:gd name="connsiteY7" fmla="*/ 389658 h 390603"/>
+                <a:gd name="connsiteX8" fmla="*/ 5760 w 2652731"/>
+                <a:gd name="connsiteY8" fmla="*/ 206778 h 390603"/>
+                <a:gd name="connsiteX0" fmla="*/ 9692 w 2656663"/>
+                <a:gd name="connsiteY0" fmla="*/ 206778 h 390603"/>
+                <a:gd name="connsiteX1" fmla="*/ 906312 w 2656663"/>
+                <a:gd name="connsiteY1" fmla="*/ 16278 h 390603"/>
+                <a:gd name="connsiteX2" fmla="*/ 1340652 w 2656663"/>
+                <a:gd name="connsiteY2" fmla="*/ 145818 h 390603"/>
+                <a:gd name="connsiteX3" fmla="*/ 2194092 w 2656663"/>
+                <a:gd name="connsiteY3" fmla="*/ 1038 h 390603"/>
+                <a:gd name="connsiteX4" fmla="*/ 2651292 w 2656663"/>
+                <a:gd name="connsiteY4" fmla="*/ 237258 h 390603"/>
+                <a:gd name="connsiteX5" fmla="*/ 1904532 w 2656663"/>
+                <a:gd name="connsiteY5" fmla="*/ 389658 h 390603"/>
+                <a:gd name="connsiteX6" fmla="*/ 1233972 w 2656663"/>
+                <a:gd name="connsiteY6" fmla="*/ 282978 h 390603"/>
+                <a:gd name="connsiteX7" fmla="*/ 555792 w 2656663"/>
+                <a:gd name="connsiteY7" fmla="*/ 389658 h 390603"/>
+                <a:gd name="connsiteX8" fmla="*/ 9692 w 2656663"/>
+                <a:gd name="connsiteY8" fmla="*/ 206778 h 390603"/>
+                <a:gd name="connsiteX0" fmla="*/ 5467 w 2652438"/>
+                <a:gd name="connsiteY0" fmla="*/ 206774 h 390599"/>
+                <a:gd name="connsiteX1" fmla="*/ 891927 w 2652438"/>
+                <a:gd name="connsiteY1" fmla="*/ 11194 h 390599"/>
+                <a:gd name="connsiteX2" fmla="*/ 1336427 w 2652438"/>
+                <a:gd name="connsiteY2" fmla="*/ 145814 h 390599"/>
+                <a:gd name="connsiteX3" fmla="*/ 2189867 w 2652438"/>
+                <a:gd name="connsiteY3" fmla="*/ 1034 h 390599"/>
+                <a:gd name="connsiteX4" fmla="*/ 2647067 w 2652438"/>
+                <a:gd name="connsiteY4" fmla="*/ 237254 h 390599"/>
+                <a:gd name="connsiteX5" fmla="*/ 1900307 w 2652438"/>
+                <a:gd name="connsiteY5" fmla="*/ 389654 h 390599"/>
+                <a:gd name="connsiteX6" fmla="*/ 1229747 w 2652438"/>
+                <a:gd name="connsiteY6" fmla="*/ 282974 h 390599"/>
+                <a:gd name="connsiteX7" fmla="*/ 551567 w 2652438"/>
+                <a:gd name="connsiteY7" fmla="*/ 389654 h 390599"/>
+                <a:gd name="connsiteX8" fmla="*/ 5467 w 2652438"/>
+                <a:gd name="connsiteY8" fmla="*/ 206774 h 390599"/>
+                <a:gd name="connsiteX0" fmla="*/ 5447 w 2652418"/>
+                <a:gd name="connsiteY0" fmla="*/ 206774 h 392198"/>
+                <a:gd name="connsiteX1" fmla="*/ 891907 w 2652418"/>
+                <a:gd name="connsiteY1" fmla="*/ 11194 h 392198"/>
+                <a:gd name="connsiteX2" fmla="*/ 1336407 w 2652418"/>
+                <a:gd name="connsiteY2" fmla="*/ 145814 h 392198"/>
+                <a:gd name="connsiteX3" fmla="*/ 2189847 w 2652418"/>
+                <a:gd name="connsiteY3" fmla="*/ 1034 h 392198"/>
+                <a:gd name="connsiteX4" fmla="*/ 2647047 w 2652418"/>
+                <a:gd name="connsiteY4" fmla="*/ 237254 h 392198"/>
+                <a:gd name="connsiteX5" fmla="*/ 1900287 w 2652418"/>
+                <a:gd name="connsiteY5" fmla="*/ 389654 h 392198"/>
+                <a:gd name="connsiteX6" fmla="*/ 1219567 w 2652418"/>
+                <a:gd name="connsiteY6" fmla="*/ 318534 h 392198"/>
+                <a:gd name="connsiteX7" fmla="*/ 551547 w 2652418"/>
+                <a:gd name="connsiteY7" fmla="*/ 389654 h 392198"/>
+                <a:gd name="connsiteX8" fmla="*/ 5447 w 2652418"/>
+                <a:gd name="connsiteY8" fmla="*/ 206774 h 392198"/>
+                <a:gd name="connsiteX0" fmla="*/ 5447 w 2652378"/>
+                <a:gd name="connsiteY0" fmla="*/ 208090 h 393514"/>
+                <a:gd name="connsiteX1" fmla="*/ 891907 w 2652378"/>
+                <a:gd name="connsiteY1" fmla="*/ 12510 h 393514"/>
+                <a:gd name="connsiteX2" fmla="*/ 1351647 w 2652378"/>
+                <a:gd name="connsiteY2" fmla="*/ 111570 h 393514"/>
+                <a:gd name="connsiteX3" fmla="*/ 2189847 w 2652378"/>
+                <a:gd name="connsiteY3" fmla="*/ 2350 h 393514"/>
+                <a:gd name="connsiteX4" fmla="*/ 2647047 w 2652378"/>
+                <a:gd name="connsiteY4" fmla="*/ 238570 h 393514"/>
+                <a:gd name="connsiteX5" fmla="*/ 1900287 w 2652378"/>
+                <a:gd name="connsiteY5" fmla="*/ 390970 h 393514"/>
+                <a:gd name="connsiteX6" fmla="*/ 1219567 w 2652378"/>
+                <a:gd name="connsiteY6" fmla="*/ 319850 h 393514"/>
+                <a:gd name="connsiteX7" fmla="*/ 551547 w 2652378"/>
+                <a:gd name="connsiteY7" fmla="*/ 390970 h 393514"/>
+                <a:gd name="connsiteX8" fmla="*/ 5447 w 2652378"/>
+                <a:gd name="connsiteY8" fmla="*/ 208090 h 393514"/>
+                <a:gd name="connsiteX0" fmla="*/ 5447 w 2652378"/>
+                <a:gd name="connsiteY0" fmla="*/ 197142 h 382566"/>
+                <a:gd name="connsiteX1" fmla="*/ 891907 w 2652378"/>
+                <a:gd name="connsiteY1" fmla="*/ 1562 h 382566"/>
+                <a:gd name="connsiteX2" fmla="*/ 1351647 w 2652378"/>
+                <a:gd name="connsiteY2" fmla="*/ 100622 h 382566"/>
+                <a:gd name="connsiteX3" fmla="*/ 2189847 w 2652378"/>
+                <a:gd name="connsiteY3" fmla="*/ 11722 h 382566"/>
+                <a:gd name="connsiteX4" fmla="*/ 2647047 w 2652378"/>
+                <a:gd name="connsiteY4" fmla="*/ 227622 h 382566"/>
+                <a:gd name="connsiteX5" fmla="*/ 1900287 w 2652378"/>
+                <a:gd name="connsiteY5" fmla="*/ 380022 h 382566"/>
+                <a:gd name="connsiteX6" fmla="*/ 1219567 w 2652378"/>
+                <a:gd name="connsiteY6" fmla="*/ 308902 h 382566"/>
+                <a:gd name="connsiteX7" fmla="*/ 551547 w 2652378"/>
+                <a:gd name="connsiteY7" fmla="*/ 380022 h 382566"/>
+                <a:gd name="connsiteX8" fmla="*/ 5447 w 2652378"/>
+                <a:gd name="connsiteY8" fmla="*/ 197142 h 382566"/>
+                <a:gd name="connsiteX0" fmla="*/ 5447 w 2702574"/>
+                <a:gd name="connsiteY0" fmla="*/ 197142 h 382566"/>
+                <a:gd name="connsiteX1" fmla="*/ 891907 w 2702574"/>
+                <a:gd name="connsiteY1" fmla="*/ 1562 h 382566"/>
+                <a:gd name="connsiteX2" fmla="*/ 1351647 w 2702574"/>
+                <a:gd name="connsiteY2" fmla="*/ 100622 h 382566"/>
+                <a:gd name="connsiteX3" fmla="*/ 2189847 w 2702574"/>
+                <a:gd name="connsiteY3" fmla="*/ 11722 h 382566"/>
+                <a:gd name="connsiteX4" fmla="*/ 2697847 w 2702574"/>
+                <a:gd name="connsiteY4" fmla="*/ 197142 h 382566"/>
+                <a:gd name="connsiteX5" fmla="*/ 1900287 w 2702574"/>
+                <a:gd name="connsiteY5" fmla="*/ 380022 h 382566"/>
+                <a:gd name="connsiteX6" fmla="*/ 1219567 w 2702574"/>
+                <a:gd name="connsiteY6" fmla="*/ 308902 h 382566"/>
+                <a:gd name="connsiteX7" fmla="*/ 551547 w 2702574"/>
+                <a:gd name="connsiteY7" fmla="*/ 380022 h 382566"/>
+                <a:gd name="connsiteX8" fmla="*/ 5447 w 2702574"/>
+                <a:gd name="connsiteY8" fmla="*/ 197142 h 382566"/>
+                <a:gd name="connsiteX0" fmla="*/ 5447 w 2705831"/>
+                <a:gd name="connsiteY0" fmla="*/ 197142 h 382566"/>
+                <a:gd name="connsiteX1" fmla="*/ 891907 w 2705831"/>
+                <a:gd name="connsiteY1" fmla="*/ 1562 h 382566"/>
+                <a:gd name="connsiteX2" fmla="*/ 1351647 w 2705831"/>
+                <a:gd name="connsiteY2" fmla="*/ 100622 h 382566"/>
+                <a:gd name="connsiteX3" fmla="*/ 2189847 w 2705831"/>
+                <a:gd name="connsiteY3" fmla="*/ 11722 h 382566"/>
+                <a:gd name="connsiteX4" fmla="*/ 2697847 w 2705831"/>
+                <a:gd name="connsiteY4" fmla="*/ 197142 h 382566"/>
+                <a:gd name="connsiteX5" fmla="*/ 1798687 w 2705831"/>
+                <a:gd name="connsiteY5" fmla="*/ 380022 h 382566"/>
+                <a:gd name="connsiteX6" fmla="*/ 1219567 w 2705831"/>
+                <a:gd name="connsiteY6" fmla="*/ 308902 h 382566"/>
+                <a:gd name="connsiteX7" fmla="*/ 551547 w 2705831"/>
+                <a:gd name="connsiteY7" fmla="*/ 380022 h 382566"/>
+                <a:gd name="connsiteX8" fmla="*/ 5447 w 2705831"/>
+                <a:gd name="connsiteY8" fmla="*/ 197142 h 382566"/>
+                <a:gd name="connsiteX0" fmla="*/ 5447 w 2699658"/>
+                <a:gd name="connsiteY0" fmla="*/ 197142 h 382566"/>
+                <a:gd name="connsiteX1" fmla="*/ 891907 w 2699658"/>
+                <a:gd name="connsiteY1" fmla="*/ 1562 h 382566"/>
+                <a:gd name="connsiteX2" fmla="*/ 1351647 w 2699658"/>
+                <a:gd name="connsiteY2" fmla="*/ 100622 h 382566"/>
+                <a:gd name="connsiteX3" fmla="*/ 2012047 w 2699658"/>
+                <a:gd name="connsiteY3" fmla="*/ 11722 h 382566"/>
+                <a:gd name="connsiteX4" fmla="*/ 2697847 w 2699658"/>
+                <a:gd name="connsiteY4" fmla="*/ 197142 h 382566"/>
+                <a:gd name="connsiteX5" fmla="*/ 1798687 w 2699658"/>
+                <a:gd name="connsiteY5" fmla="*/ 380022 h 382566"/>
+                <a:gd name="connsiteX6" fmla="*/ 1219567 w 2699658"/>
+                <a:gd name="connsiteY6" fmla="*/ 308902 h 382566"/>
+                <a:gd name="connsiteX7" fmla="*/ 551547 w 2699658"/>
+                <a:gd name="connsiteY7" fmla="*/ 380022 h 382566"/>
+                <a:gd name="connsiteX8" fmla="*/ 5447 w 2699658"/>
+                <a:gd name="connsiteY8" fmla="*/ 197142 h 382566"/>
+                <a:gd name="connsiteX0" fmla="*/ 5447 w 2699712"/>
+                <a:gd name="connsiteY0" fmla="*/ 198862 h 384286"/>
+                <a:gd name="connsiteX1" fmla="*/ 891907 w 2699712"/>
+                <a:gd name="connsiteY1" fmla="*/ 3282 h 384286"/>
+                <a:gd name="connsiteX2" fmla="*/ 1260207 w 2699712"/>
+                <a:gd name="connsiteY2" fmla="*/ 71862 h 384286"/>
+                <a:gd name="connsiteX3" fmla="*/ 2012047 w 2699712"/>
+                <a:gd name="connsiteY3" fmla="*/ 13442 h 384286"/>
+                <a:gd name="connsiteX4" fmla="*/ 2697847 w 2699712"/>
+                <a:gd name="connsiteY4" fmla="*/ 198862 h 384286"/>
+                <a:gd name="connsiteX5" fmla="*/ 1798687 w 2699712"/>
+                <a:gd name="connsiteY5" fmla="*/ 381742 h 384286"/>
+                <a:gd name="connsiteX6" fmla="*/ 1219567 w 2699712"/>
+                <a:gd name="connsiteY6" fmla="*/ 310622 h 384286"/>
+                <a:gd name="connsiteX7" fmla="*/ 551547 w 2699712"/>
+                <a:gd name="connsiteY7" fmla="*/ 381742 h 384286"/>
+                <a:gd name="connsiteX8" fmla="*/ 5447 w 2699712"/>
+                <a:gd name="connsiteY8" fmla="*/ 198862 h 384286"/>
+                <a:gd name="connsiteX0" fmla="*/ 817 w 2695082"/>
+                <a:gd name="connsiteY0" fmla="*/ 198862 h 384286"/>
+                <a:gd name="connsiteX1" fmla="*/ 668837 w 2695082"/>
+                <a:gd name="connsiteY1" fmla="*/ 3282 h 384286"/>
+                <a:gd name="connsiteX2" fmla="*/ 1255577 w 2695082"/>
+                <a:gd name="connsiteY2" fmla="*/ 71862 h 384286"/>
+                <a:gd name="connsiteX3" fmla="*/ 2007417 w 2695082"/>
+                <a:gd name="connsiteY3" fmla="*/ 13442 h 384286"/>
+                <a:gd name="connsiteX4" fmla="*/ 2693217 w 2695082"/>
+                <a:gd name="connsiteY4" fmla="*/ 198862 h 384286"/>
+                <a:gd name="connsiteX5" fmla="*/ 1794057 w 2695082"/>
+                <a:gd name="connsiteY5" fmla="*/ 381742 h 384286"/>
+                <a:gd name="connsiteX6" fmla="*/ 1214937 w 2695082"/>
+                <a:gd name="connsiteY6" fmla="*/ 310622 h 384286"/>
+                <a:gd name="connsiteX7" fmla="*/ 546917 w 2695082"/>
+                <a:gd name="connsiteY7" fmla="*/ 381742 h 384286"/>
+                <a:gd name="connsiteX8" fmla="*/ 817 w 2695082"/>
+                <a:gd name="connsiteY8" fmla="*/ 198862 h 384286"/>
+                <a:gd name="connsiteX0" fmla="*/ 2354 w 2696619"/>
+                <a:gd name="connsiteY0" fmla="*/ 198862 h 384286"/>
+                <a:gd name="connsiteX1" fmla="*/ 670374 w 2696619"/>
+                <a:gd name="connsiteY1" fmla="*/ 3282 h 384286"/>
+                <a:gd name="connsiteX2" fmla="*/ 1257114 w 2696619"/>
+                <a:gd name="connsiteY2" fmla="*/ 71862 h 384286"/>
+                <a:gd name="connsiteX3" fmla="*/ 2008954 w 2696619"/>
+                <a:gd name="connsiteY3" fmla="*/ 13442 h 384286"/>
+                <a:gd name="connsiteX4" fmla="*/ 2694754 w 2696619"/>
+                <a:gd name="connsiteY4" fmla="*/ 198862 h 384286"/>
+                <a:gd name="connsiteX5" fmla="*/ 1795594 w 2696619"/>
+                <a:gd name="connsiteY5" fmla="*/ 381742 h 384286"/>
+                <a:gd name="connsiteX6" fmla="*/ 1216474 w 2696619"/>
+                <a:gd name="connsiteY6" fmla="*/ 310622 h 384286"/>
+                <a:gd name="connsiteX7" fmla="*/ 477334 w 2696619"/>
+                <a:gd name="connsiteY7" fmla="*/ 381742 h 384286"/>
+                <a:gd name="connsiteX8" fmla="*/ 2354 w 2696619"/>
+                <a:gd name="connsiteY8" fmla="*/ 198862 h 384286"/>
+                <a:gd name="connsiteX0" fmla="*/ 2354 w 2696675"/>
+                <a:gd name="connsiteY0" fmla="*/ 198862 h 384286"/>
+                <a:gd name="connsiteX1" fmla="*/ 670374 w 2696675"/>
+                <a:gd name="connsiteY1" fmla="*/ 3282 h 384286"/>
+                <a:gd name="connsiteX2" fmla="*/ 1165674 w 2696675"/>
+                <a:gd name="connsiteY2" fmla="*/ 71862 h 384286"/>
+                <a:gd name="connsiteX3" fmla="*/ 2008954 w 2696675"/>
+                <a:gd name="connsiteY3" fmla="*/ 13442 h 384286"/>
+                <a:gd name="connsiteX4" fmla="*/ 2694754 w 2696675"/>
+                <a:gd name="connsiteY4" fmla="*/ 198862 h 384286"/>
+                <a:gd name="connsiteX5" fmla="*/ 1795594 w 2696675"/>
+                <a:gd name="connsiteY5" fmla="*/ 381742 h 384286"/>
+                <a:gd name="connsiteX6" fmla="*/ 1216474 w 2696675"/>
+                <a:gd name="connsiteY6" fmla="*/ 310622 h 384286"/>
+                <a:gd name="connsiteX7" fmla="*/ 477334 w 2696675"/>
+                <a:gd name="connsiteY7" fmla="*/ 381742 h 384286"/>
+                <a:gd name="connsiteX8" fmla="*/ 2354 w 2696675"/>
+                <a:gd name="connsiteY8" fmla="*/ 198862 h 384286"/>
+                <a:gd name="connsiteX0" fmla="*/ 2102 w 2696423"/>
+                <a:gd name="connsiteY0" fmla="*/ 198862 h 385422"/>
+                <a:gd name="connsiteX1" fmla="*/ 670122 w 2696423"/>
+                <a:gd name="connsiteY1" fmla="*/ 3282 h 385422"/>
+                <a:gd name="connsiteX2" fmla="*/ 1165422 w 2696423"/>
+                <a:gd name="connsiteY2" fmla="*/ 71862 h 385422"/>
+                <a:gd name="connsiteX3" fmla="*/ 2008702 w 2696423"/>
+                <a:gd name="connsiteY3" fmla="*/ 13442 h 385422"/>
+                <a:gd name="connsiteX4" fmla="*/ 2694502 w 2696423"/>
+                <a:gd name="connsiteY4" fmla="*/ 198862 h 385422"/>
+                <a:gd name="connsiteX5" fmla="*/ 1795342 w 2696423"/>
+                <a:gd name="connsiteY5" fmla="*/ 381742 h 385422"/>
+                <a:gd name="connsiteX6" fmla="*/ 972382 w 2696423"/>
+                <a:gd name="connsiteY6" fmla="*/ 325862 h 385422"/>
+                <a:gd name="connsiteX7" fmla="*/ 477082 w 2696423"/>
+                <a:gd name="connsiteY7" fmla="*/ 381742 h 385422"/>
+                <a:gd name="connsiteX8" fmla="*/ 2102 w 2696423"/>
+                <a:gd name="connsiteY8" fmla="*/ 198862 h 385422"/>
+                <a:gd name="connsiteX0" fmla="*/ 2102 w 2696423"/>
+                <a:gd name="connsiteY0" fmla="*/ 189032 h 375592"/>
+                <a:gd name="connsiteX1" fmla="*/ 670122 w 2696423"/>
+                <a:gd name="connsiteY1" fmla="*/ 8692 h 375592"/>
+                <a:gd name="connsiteX2" fmla="*/ 1165422 w 2696423"/>
+                <a:gd name="connsiteY2" fmla="*/ 62032 h 375592"/>
+                <a:gd name="connsiteX3" fmla="*/ 2008702 w 2696423"/>
+                <a:gd name="connsiteY3" fmla="*/ 3612 h 375592"/>
+                <a:gd name="connsiteX4" fmla="*/ 2694502 w 2696423"/>
+                <a:gd name="connsiteY4" fmla="*/ 189032 h 375592"/>
+                <a:gd name="connsiteX5" fmla="*/ 1795342 w 2696423"/>
+                <a:gd name="connsiteY5" fmla="*/ 371912 h 375592"/>
+                <a:gd name="connsiteX6" fmla="*/ 972382 w 2696423"/>
+                <a:gd name="connsiteY6" fmla="*/ 316032 h 375592"/>
+                <a:gd name="connsiteX7" fmla="*/ 477082 w 2696423"/>
+                <a:gd name="connsiteY7" fmla="*/ 371912 h 375592"/>
+                <a:gd name="connsiteX8" fmla="*/ 2102 w 2696423"/>
+                <a:gd name="connsiteY8" fmla="*/ 189032 h 375592"/>
+                <a:gd name="connsiteX0" fmla="*/ 2102 w 2696123"/>
+                <a:gd name="connsiteY0" fmla="*/ 189032 h 375592"/>
+                <a:gd name="connsiteX1" fmla="*/ 670122 w 2696123"/>
+                <a:gd name="connsiteY1" fmla="*/ 8692 h 375592"/>
+                <a:gd name="connsiteX2" fmla="*/ 1165422 w 2696123"/>
+                <a:gd name="connsiteY2" fmla="*/ 62032 h 375592"/>
+                <a:gd name="connsiteX3" fmla="*/ 1993462 w 2696123"/>
+                <a:gd name="connsiteY3" fmla="*/ 3612 h 375592"/>
+                <a:gd name="connsiteX4" fmla="*/ 2694502 w 2696123"/>
+                <a:gd name="connsiteY4" fmla="*/ 189032 h 375592"/>
+                <a:gd name="connsiteX5" fmla="*/ 1795342 w 2696123"/>
+                <a:gd name="connsiteY5" fmla="*/ 371912 h 375592"/>
+                <a:gd name="connsiteX6" fmla="*/ 972382 w 2696123"/>
+                <a:gd name="connsiteY6" fmla="*/ 316032 h 375592"/>
+                <a:gd name="connsiteX7" fmla="*/ 477082 w 2696123"/>
+                <a:gd name="connsiteY7" fmla="*/ 371912 h 375592"/>
+                <a:gd name="connsiteX8" fmla="*/ 2102 w 2696123"/>
+                <a:gd name="connsiteY8" fmla="*/ 189032 h 375592"/>
+                <a:gd name="connsiteX0" fmla="*/ 23173 w 2717194"/>
+                <a:gd name="connsiteY0" fmla="*/ 189032 h 375592"/>
+                <a:gd name="connsiteX1" fmla="*/ 691193 w 2717194"/>
+                <a:gd name="connsiteY1" fmla="*/ 8692 h 375592"/>
+                <a:gd name="connsiteX2" fmla="*/ 1186493 w 2717194"/>
+                <a:gd name="connsiteY2" fmla="*/ 62032 h 375592"/>
+                <a:gd name="connsiteX3" fmla="*/ 2014533 w 2717194"/>
+                <a:gd name="connsiteY3" fmla="*/ 3612 h 375592"/>
+                <a:gd name="connsiteX4" fmla="*/ 2715573 w 2717194"/>
+                <a:gd name="connsiteY4" fmla="*/ 189032 h 375592"/>
+                <a:gd name="connsiteX5" fmla="*/ 1816413 w 2717194"/>
+                <a:gd name="connsiteY5" fmla="*/ 371912 h 375592"/>
+                <a:gd name="connsiteX6" fmla="*/ 993453 w 2717194"/>
+                <a:gd name="connsiteY6" fmla="*/ 316032 h 375592"/>
+                <a:gd name="connsiteX7" fmla="*/ 498153 w 2717194"/>
+                <a:gd name="connsiteY7" fmla="*/ 371912 h 375592"/>
+                <a:gd name="connsiteX8" fmla="*/ 23173 w 2717194"/>
+                <a:gd name="connsiteY8" fmla="*/ 189032 h 375592"/>
+                <a:gd name="connsiteX0" fmla="*/ 24118 w 2692739"/>
+                <a:gd name="connsiteY0" fmla="*/ 189032 h 375592"/>
+                <a:gd name="connsiteX1" fmla="*/ 666738 w 2692739"/>
+                <a:gd name="connsiteY1" fmla="*/ 8692 h 375592"/>
+                <a:gd name="connsiteX2" fmla="*/ 1162038 w 2692739"/>
+                <a:gd name="connsiteY2" fmla="*/ 62032 h 375592"/>
+                <a:gd name="connsiteX3" fmla="*/ 1990078 w 2692739"/>
+                <a:gd name="connsiteY3" fmla="*/ 3612 h 375592"/>
+                <a:gd name="connsiteX4" fmla="*/ 2691118 w 2692739"/>
+                <a:gd name="connsiteY4" fmla="*/ 189032 h 375592"/>
+                <a:gd name="connsiteX5" fmla="*/ 1791958 w 2692739"/>
+                <a:gd name="connsiteY5" fmla="*/ 371912 h 375592"/>
+                <a:gd name="connsiteX6" fmla="*/ 968998 w 2692739"/>
+                <a:gd name="connsiteY6" fmla="*/ 316032 h 375592"/>
+                <a:gd name="connsiteX7" fmla="*/ 473698 w 2692739"/>
+                <a:gd name="connsiteY7" fmla="*/ 371912 h 375592"/>
+                <a:gd name="connsiteX8" fmla="*/ 24118 w 2692739"/>
+                <a:gd name="connsiteY8" fmla="*/ 189032 h 375592"/>
+                <a:gd name="connsiteX0" fmla="*/ 24118 w 2692739"/>
+                <a:gd name="connsiteY0" fmla="*/ 189032 h 375592"/>
+                <a:gd name="connsiteX1" fmla="*/ 666738 w 2692739"/>
+                <a:gd name="connsiteY1" fmla="*/ 8692 h 375592"/>
+                <a:gd name="connsiteX2" fmla="*/ 1162038 w 2692739"/>
+                <a:gd name="connsiteY2" fmla="*/ 62032 h 375592"/>
+                <a:gd name="connsiteX3" fmla="*/ 1990078 w 2692739"/>
+                <a:gd name="connsiteY3" fmla="*/ 3612 h 375592"/>
+                <a:gd name="connsiteX4" fmla="*/ 2691118 w 2692739"/>
+                <a:gd name="connsiteY4" fmla="*/ 189032 h 375592"/>
+                <a:gd name="connsiteX5" fmla="*/ 1791958 w 2692739"/>
+                <a:gd name="connsiteY5" fmla="*/ 371912 h 375592"/>
+                <a:gd name="connsiteX6" fmla="*/ 968998 w 2692739"/>
+                <a:gd name="connsiteY6" fmla="*/ 316032 h 375592"/>
+                <a:gd name="connsiteX7" fmla="*/ 473698 w 2692739"/>
+                <a:gd name="connsiteY7" fmla="*/ 371912 h 375592"/>
+                <a:gd name="connsiteX8" fmla="*/ 24118 w 2692739"/>
+                <a:gd name="connsiteY8" fmla="*/ 189032 h 375592"/>
+                <a:gd name="connsiteX0" fmla="*/ 24118 w 2692739"/>
+                <a:gd name="connsiteY0" fmla="*/ 189032 h 375592"/>
+                <a:gd name="connsiteX1" fmla="*/ 666738 w 2692739"/>
+                <a:gd name="connsiteY1" fmla="*/ 8692 h 375592"/>
+                <a:gd name="connsiteX2" fmla="*/ 1162038 w 2692739"/>
+                <a:gd name="connsiteY2" fmla="*/ 62032 h 375592"/>
+                <a:gd name="connsiteX3" fmla="*/ 1990078 w 2692739"/>
+                <a:gd name="connsiteY3" fmla="*/ 3612 h 375592"/>
+                <a:gd name="connsiteX4" fmla="*/ 2691118 w 2692739"/>
+                <a:gd name="connsiteY4" fmla="*/ 189032 h 375592"/>
+                <a:gd name="connsiteX5" fmla="*/ 1791958 w 2692739"/>
+                <a:gd name="connsiteY5" fmla="*/ 371912 h 375592"/>
+                <a:gd name="connsiteX6" fmla="*/ 968998 w 2692739"/>
+                <a:gd name="connsiteY6" fmla="*/ 316032 h 375592"/>
+                <a:gd name="connsiteX7" fmla="*/ 473698 w 2692739"/>
+                <a:gd name="connsiteY7" fmla="*/ 371912 h 375592"/>
+                <a:gd name="connsiteX8" fmla="*/ 24118 w 2692739"/>
+                <a:gd name="connsiteY8" fmla="*/ 189032 h 375592"/>
+                <a:gd name="connsiteX0" fmla="*/ 24118 w 2692739"/>
+                <a:gd name="connsiteY0" fmla="*/ 189032 h 375592"/>
+                <a:gd name="connsiteX1" fmla="*/ 666738 w 2692739"/>
+                <a:gd name="connsiteY1" fmla="*/ 8692 h 375592"/>
+                <a:gd name="connsiteX2" fmla="*/ 1162038 w 2692739"/>
+                <a:gd name="connsiteY2" fmla="*/ 62032 h 375592"/>
+                <a:gd name="connsiteX3" fmla="*/ 1990078 w 2692739"/>
+                <a:gd name="connsiteY3" fmla="*/ 3612 h 375592"/>
+                <a:gd name="connsiteX4" fmla="*/ 2691118 w 2692739"/>
+                <a:gd name="connsiteY4" fmla="*/ 189032 h 375592"/>
+                <a:gd name="connsiteX5" fmla="*/ 1791958 w 2692739"/>
+                <a:gd name="connsiteY5" fmla="*/ 371912 h 375592"/>
+                <a:gd name="connsiteX6" fmla="*/ 968998 w 2692739"/>
+                <a:gd name="connsiteY6" fmla="*/ 316032 h 375592"/>
+                <a:gd name="connsiteX7" fmla="*/ 473698 w 2692739"/>
+                <a:gd name="connsiteY7" fmla="*/ 371912 h 375592"/>
+                <a:gd name="connsiteX8" fmla="*/ 24118 w 2692739"/>
+                <a:gd name="connsiteY8" fmla="*/ 189032 h 375592"/>
+                <a:gd name="connsiteX0" fmla="*/ 24118 w 2692739"/>
+                <a:gd name="connsiteY0" fmla="*/ 189032 h 375798"/>
+                <a:gd name="connsiteX1" fmla="*/ 666738 w 2692739"/>
+                <a:gd name="connsiteY1" fmla="*/ 8692 h 375798"/>
+                <a:gd name="connsiteX2" fmla="*/ 1162038 w 2692739"/>
+                <a:gd name="connsiteY2" fmla="*/ 62032 h 375798"/>
+                <a:gd name="connsiteX3" fmla="*/ 1990078 w 2692739"/>
+                <a:gd name="connsiteY3" fmla="*/ 3612 h 375798"/>
+                <a:gd name="connsiteX4" fmla="*/ 2691118 w 2692739"/>
+                <a:gd name="connsiteY4" fmla="*/ 189032 h 375798"/>
+                <a:gd name="connsiteX5" fmla="*/ 1791958 w 2692739"/>
+                <a:gd name="connsiteY5" fmla="*/ 371912 h 375798"/>
+                <a:gd name="connsiteX6" fmla="*/ 968998 w 2692739"/>
+                <a:gd name="connsiteY6" fmla="*/ 316032 h 375798"/>
+                <a:gd name="connsiteX7" fmla="*/ 473698 w 2692739"/>
+                <a:gd name="connsiteY7" fmla="*/ 371912 h 375798"/>
+                <a:gd name="connsiteX8" fmla="*/ 24118 w 2692739"/>
+                <a:gd name="connsiteY8" fmla="*/ 189032 h 375798"/>
+                <a:gd name="connsiteX0" fmla="*/ 24118 w 2692739"/>
+                <a:gd name="connsiteY0" fmla="*/ 189032 h 375798"/>
+                <a:gd name="connsiteX1" fmla="*/ 666738 w 2692739"/>
+                <a:gd name="connsiteY1" fmla="*/ 8692 h 375798"/>
+                <a:gd name="connsiteX2" fmla="*/ 1162038 w 2692739"/>
+                <a:gd name="connsiteY2" fmla="*/ 62032 h 375798"/>
+                <a:gd name="connsiteX3" fmla="*/ 1990078 w 2692739"/>
+                <a:gd name="connsiteY3" fmla="*/ 3612 h 375798"/>
+                <a:gd name="connsiteX4" fmla="*/ 2691118 w 2692739"/>
+                <a:gd name="connsiteY4" fmla="*/ 189032 h 375798"/>
+                <a:gd name="connsiteX5" fmla="*/ 1791958 w 2692739"/>
+                <a:gd name="connsiteY5" fmla="*/ 371912 h 375798"/>
+                <a:gd name="connsiteX6" fmla="*/ 968998 w 2692739"/>
+                <a:gd name="connsiteY6" fmla="*/ 316032 h 375798"/>
+                <a:gd name="connsiteX7" fmla="*/ 473698 w 2692739"/>
+                <a:gd name="connsiteY7" fmla="*/ 371912 h 375798"/>
+                <a:gd name="connsiteX8" fmla="*/ 24118 w 2692739"/>
+                <a:gd name="connsiteY8" fmla="*/ 189032 h 375798"/>
+                <a:gd name="connsiteX0" fmla="*/ 2522 w 2671143"/>
+                <a:gd name="connsiteY0" fmla="*/ 189032 h 375592"/>
+                <a:gd name="connsiteX1" fmla="*/ 645142 w 2671143"/>
+                <a:gd name="connsiteY1" fmla="*/ 8692 h 375592"/>
+                <a:gd name="connsiteX2" fmla="*/ 1140442 w 2671143"/>
+                <a:gd name="connsiteY2" fmla="*/ 62032 h 375592"/>
+                <a:gd name="connsiteX3" fmla="*/ 1968482 w 2671143"/>
+                <a:gd name="connsiteY3" fmla="*/ 3612 h 375592"/>
+                <a:gd name="connsiteX4" fmla="*/ 2669522 w 2671143"/>
+                <a:gd name="connsiteY4" fmla="*/ 189032 h 375592"/>
+                <a:gd name="connsiteX5" fmla="*/ 1770362 w 2671143"/>
+                <a:gd name="connsiteY5" fmla="*/ 371912 h 375592"/>
+                <a:gd name="connsiteX6" fmla="*/ 947402 w 2671143"/>
+                <a:gd name="connsiteY6" fmla="*/ 316032 h 375592"/>
+                <a:gd name="connsiteX7" fmla="*/ 441942 w 2671143"/>
+                <a:gd name="connsiteY7" fmla="*/ 366832 h 375592"/>
+                <a:gd name="connsiteX8" fmla="*/ 2522 w 2671143"/>
+                <a:gd name="connsiteY8" fmla="*/ 189032 h 375592"/>
+                <a:gd name="connsiteX0" fmla="*/ 2522 w 2671143"/>
+                <a:gd name="connsiteY0" fmla="*/ 189032 h 375592"/>
+                <a:gd name="connsiteX1" fmla="*/ 645142 w 2671143"/>
+                <a:gd name="connsiteY1" fmla="*/ 8692 h 375592"/>
+                <a:gd name="connsiteX2" fmla="*/ 1140442 w 2671143"/>
+                <a:gd name="connsiteY2" fmla="*/ 62032 h 375592"/>
+                <a:gd name="connsiteX3" fmla="*/ 1968482 w 2671143"/>
+                <a:gd name="connsiteY3" fmla="*/ 3612 h 375592"/>
+                <a:gd name="connsiteX4" fmla="*/ 2669522 w 2671143"/>
+                <a:gd name="connsiteY4" fmla="*/ 189032 h 375592"/>
+                <a:gd name="connsiteX5" fmla="*/ 1770362 w 2671143"/>
+                <a:gd name="connsiteY5" fmla="*/ 371912 h 375592"/>
+                <a:gd name="connsiteX6" fmla="*/ 947402 w 2671143"/>
+                <a:gd name="connsiteY6" fmla="*/ 316032 h 375592"/>
+                <a:gd name="connsiteX7" fmla="*/ 441942 w 2671143"/>
+                <a:gd name="connsiteY7" fmla="*/ 366832 h 375592"/>
+                <a:gd name="connsiteX8" fmla="*/ 2522 w 2671143"/>
+                <a:gd name="connsiteY8" fmla="*/ 189032 h 375592"/>
+                <a:gd name="connsiteX0" fmla="*/ 4612 w 2673233"/>
+                <a:gd name="connsiteY0" fmla="*/ 189032 h 375592"/>
+                <a:gd name="connsiteX1" fmla="*/ 647232 w 2673233"/>
+                <a:gd name="connsiteY1" fmla="*/ 8692 h 375592"/>
+                <a:gd name="connsiteX2" fmla="*/ 1142532 w 2673233"/>
+                <a:gd name="connsiteY2" fmla="*/ 62032 h 375592"/>
+                <a:gd name="connsiteX3" fmla="*/ 1970572 w 2673233"/>
+                <a:gd name="connsiteY3" fmla="*/ 3612 h 375592"/>
+                <a:gd name="connsiteX4" fmla="*/ 2671612 w 2673233"/>
+                <a:gd name="connsiteY4" fmla="*/ 189032 h 375592"/>
+                <a:gd name="connsiteX5" fmla="*/ 1772452 w 2673233"/>
+                <a:gd name="connsiteY5" fmla="*/ 371912 h 375592"/>
+                <a:gd name="connsiteX6" fmla="*/ 949492 w 2673233"/>
+                <a:gd name="connsiteY6" fmla="*/ 316032 h 375592"/>
+                <a:gd name="connsiteX7" fmla="*/ 444032 w 2673233"/>
+                <a:gd name="connsiteY7" fmla="*/ 366832 h 375592"/>
+                <a:gd name="connsiteX8" fmla="*/ 4612 w 2673233"/>
+                <a:gd name="connsiteY8" fmla="*/ 189032 h 375592"/>
+                <a:gd name="connsiteX0" fmla="*/ 4612 w 2673233"/>
+                <a:gd name="connsiteY0" fmla="*/ 189032 h 375592"/>
+                <a:gd name="connsiteX1" fmla="*/ 647232 w 2673233"/>
+                <a:gd name="connsiteY1" fmla="*/ 8692 h 375592"/>
+                <a:gd name="connsiteX2" fmla="*/ 1142532 w 2673233"/>
+                <a:gd name="connsiteY2" fmla="*/ 62032 h 375592"/>
+                <a:gd name="connsiteX3" fmla="*/ 1970572 w 2673233"/>
+                <a:gd name="connsiteY3" fmla="*/ 3612 h 375592"/>
+                <a:gd name="connsiteX4" fmla="*/ 2671612 w 2673233"/>
+                <a:gd name="connsiteY4" fmla="*/ 189032 h 375592"/>
+                <a:gd name="connsiteX5" fmla="*/ 1772452 w 2673233"/>
+                <a:gd name="connsiteY5" fmla="*/ 371912 h 375592"/>
+                <a:gd name="connsiteX6" fmla="*/ 949492 w 2673233"/>
+                <a:gd name="connsiteY6" fmla="*/ 316032 h 375592"/>
+                <a:gd name="connsiteX7" fmla="*/ 444032 w 2673233"/>
+                <a:gd name="connsiteY7" fmla="*/ 366832 h 375592"/>
+                <a:gd name="connsiteX8" fmla="*/ 4612 w 2673233"/>
+                <a:gd name="connsiteY8" fmla="*/ 189032 h 375592"/>
+                <a:gd name="connsiteX0" fmla="*/ 17543 w 2686164"/>
+                <a:gd name="connsiteY0" fmla="*/ 189032 h 375592"/>
+                <a:gd name="connsiteX1" fmla="*/ 660163 w 2686164"/>
+                <a:gd name="connsiteY1" fmla="*/ 8692 h 375592"/>
+                <a:gd name="connsiteX2" fmla="*/ 1155463 w 2686164"/>
+                <a:gd name="connsiteY2" fmla="*/ 62032 h 375592"/>
+                <a:gd name="connsiteX3" fmla="*/ 1983503 w 2686164"/>
+                <a:gd name="connsiteY3" fmla="*/ 3612 h 375592"/>
+                <a:gd name="connsiteX4" fmla="*/ 2684543 w 2686164"/>
+                <a:gd name="connsiteY4" fmla="*/ 189032 h 375592"/>
+                <a:gd name="connsiteX5" fmla="*/ 1785383 w 2686164"/>
+                <a:gd name="connsiteY5" fmla="*/ 371912 h 375592"/>
+                <a:gd name="connsiteX6" fmla="*/ 962423 w 2686164"/>
+                <a:gd name="connsiteY6" fmla="*/ 316032 h 375592"/>
+                <a:gd name="connsiteX7" fmla="*/ 456963 w 2686164"/>
+                <a:gd name="connsiteY7" fmla="*/ 366832 h 375592"/>
+                <a:gd name="connsiteX8" fmla="*/ 17543 w 2686164"/>
+                <a:gd name="connsiteY8" fmla="*/ 189032 h 375592"/>
+                <a:gd name="connsiteX0" fmla="*/ 17543 w 2686164"/>
+                <a:gd name="connsiteY0" fmla="*/ 189032 h 375592"/>
+                <a:gd name="connsiteX1" fmla="*/ 660163 w 2686164"/>
+                <a:gd name="connsiteY1" fmla="*/ 8692 h 375592"/>
+                <a:gd name="connsiteX2" fmla="*/ 1155463 w 2686164"/>
+                <a:gd name="connsiteY2" fmla="*/ 62032 h 375592"/>
+                <a:gd name="connsiteX3" fmla="*/ 1983503 w 2686164"/>
+                <a:gd name="connsiteY3" fmla="*/ 3612 h 375592"/>
+                <a:gd name="connsiteX4" fmla="*/ 2684543 w 2686164"/>
+                <a:gd name="connsiteY4" fmla="*/ 189032 h 375592"/>
+                <a:gd name="connsiteX5" fmla="*/ 1785383 w 2686164"/>
+                <a:gd name="connsiteY5" fmla="*/ 371912 h 375592"/>
+                <a:gd name="connsiteX6" fmla="*/ 962423 w 2686164"/>
+                <a:gd name="connsiteY6" fmla="*/ 316032 h 375592"/>
+                <a:gd name="connsiteX7" fmla="*/ 456963 w 2686164"/>
+                <a:gd name="connsiteY7" fmla="*/ 366832 h 375592"/>
+                <a:gd name="connsiteX8" fmla="*/ 17543 w 2686164"/>
+                <a:gd name="connsiteY8" fmla="*/ 189032 h 375592"/>
+                <a:gd name="connsiteX0" fmla="*/ 17543 w 2686164"/>
+                <a:gd name="connsiteY0" fmla="*/ 189032 h 375592"/>
+                <a:gd name="connsiteX1" fmla="*/ 660163 w 2686164"/>
+                <a:gd name="connsiteY1" fmla="*/ 8692 h 375592"/>
+                <a:gd name="connsiteX2" fmla="*/ 1155463 w 2686164"/>
+                <a:gd name="connsiteY2" fmla="*/ 62032 h 375592"/>
+                <a:gd name="connsiteX3" fmla="*/ 1983503 w 2686164"/>
+                <a:gd name="connsiteY3" fmla="*/ 3612 h 375592"/>
+                <a:gd name="connsiteX4" fmla="*/ 2684543 w 2686164"/>
+                <a:gd name="connsiteY4" fmla="*/ 189032 h 375592"/>
+                <a:gd name="connsiteX5" fmla="*/ 1785383 w 2686164"/>
+                <a:gd name="connsiteY5" fmla="*/ 371912 h 375592"/>
+                <a:gd name="connsiteX6" fmla="*/ 962423 w 2686164"/>
+                <a:gd name="connsiteY6" fmla="*/ 316032 h 375592"/>
+                <a:gd name="connsiteX7" fmla="*/ 456963 w 2686164"/>
+                <a:gd name="connsiteY7" fmla="*/ 366832 h 375592"/>
+                <a:gd name="connsiteX8" fmla="*/ 17543 w 2686164"/>
+                <a:gd name="connsiteY8" fmla="*/ 189032 h 375592"/>
+                <a:gd name="connsiteX0" fmla="*/ 17543 w 2686164"/>
+                <a:gd name="connsiteY0" fmla="*/ 189032 h 375592"/>
+                <a:gd name="connsiteX1" fmla="*/ 660163 w 2686164"/>
+                <a:gd name="connsiteY1" fmla="*/ 8692 h 375592"/>
+                <a:gd name="connsiteX2" fmla="*/ 1155463 w 2686164"/>
+                <a:gd name="connsiteY2" fmla="*/ 62032 h 375592"/>
+                <a:gd name="connsiteX3" fmla="*/ 1983503 w 2686164"/>
+                <a:gd name="connsiteY3" fmla="*/ 3612 h 375592"/>
+                <a:gd name="connsiteX4" fmla="*/ 2684543 w 2686164"/>
+                <a:gd name="connsiteY4" fmla="*/ 189032 h 375592"/>
+                <a:gd name="connsiteX5" fmla="*/ 1785383 w 2686164"/>
+                <a:gd name="connsiteY5" fmla="*/ 371912 h 375592"/>
+                <a:gd name="connsiteX6" fmla="*/ 962423 w 2686164"/>
+                <a:gd name="connsiteY6" fmla="*/ 316032 h 375592"/>
+                <a:gd name="connsiteX7" fmla="*/ 456963 w 2686164"/>
+                <a:gd name="connsiteY7" fmla="*/ 366832 h 375592"/>
+                <a:gd name="connsiteX8" fmla="*/ 17543 w 2686164"/>
+                <a:gd name="connsiteY8" fmla="*/ 189032 h 375592"/>
+                <a:gd name="connsiteX0" fmla="*/ 17543 w 2686164"/>
+                <a:gd name="connsiteY0" fmla="*/ 189032 h 375592"/>
+                <a:gd name="connsiteX1" fmla="*/ 660163 w 2686164"/>
+                <a:gd name="connsiteY1" fmla="*/ 8692 h 375592"/>
+                <a:gd name="connsiteX2" fmla="*/ 1155463 w 2686164"/>
+                <a:gd name="connsiteY2" fmla="*/ 62032 h 375592"/>
+                <a:gd name="connsiteX3" fmla="*/ 1983503 w 2686164"/>
+                <a:gd name="connsiteY3" fmla="*/ 3612 h 375592"/>
+                <a:gd name="connsiteX4" fmla="*/ 2684543 w 2686164"/>
+                <a:gd name="connsiteY4" fmla="*/ 189032 h 375592"/>
+                <a:gd name="connsiteX5" fmla="*/ 1785383 w 2686164"/>
+                <a:gd name="connsiteY5" fmla="*/ 371912 h 375592"/>
+                <a:gd name="connsiteX6" fmla="*/ 962423 w 2686164"/>
+                <a:gd name="connsiteY6" fmla="*/ 316032 h 375592"/>
+                <a:gd name="connsiteX7" fmla="*/ 456963 w 2686164"/>
+                <a:gd name="connsiteY7" fmla="*/ 366832 h 375592"/>
+                <a:gd name="connsiteX8" fmla="*/ 17543 w 2686164"/>
+                <a:gd name="connsiteY8" fmla="*/ 189032 h 375592"/>
+                <a:gd name="connsiteX0" fmla="*/ 17543 w 2684543"/>
+                <a:gd name="connsiteY0" fmla="*/ 189032 h 375592"/>
+                <a:gd name="connsiteX1" fmla="*/ 660163 w 2684543"/>
+                <a:gd name="connsiteY1" fmla="*/ 8692 h 375592"/>
+                <a:gd name="connsiteX2" fmla="*/ 1155463 w 2684543"/>
+                <a:gd name="connsiteY2" fmla="*/ 62032 h 375592"/>
+                <a:gd name="connsiteX3" fmla="*/ 1983503 w 2684543"/>
+                <a:gd name="connsiteY3" fmla="*/ 3612 h 375592"/>
+                <a:gd name="connsiteX4" fmla="*/ 2684543 w 2684543"/>
+                <a:gd name="connsiteY4" fmla="*/ 189032 h 375592"/>
+                <a:gd name="connsiteX5" fmla="*/ 1785383 w 2684543"/>
+                <a:gd name="connsiteY5" fmla="*/ 371912 h 375592"/>
+                <a:gd name="connsiteX6" fmla="*/ 962423 w 2684543"/>
+                <a:gd name="connsiteY6" fmla="*/ 316032 h 375592"/>
+                <a:gd name="connsiteX7" fmla="*/ 456963 w 2684543"/>
+                <a:gd name="connsiteY7" fmla="*/ 366832 h 375592"/>
+                <a:gd name="connsiteX8" fmla="*/ 17543 w 2684543"/>
+                <a:gd name="connsiteY8" fmla="*/ 189032 h 375592"/>
+                <a:gd name="connsiteX0" fmla="*/ 17543 w 2684543"/>
+                <a:gd name="connsiteY0" fmla="*/ 189032 h 375592"/>
+                <a:gd name="connsiteX1" fmla="*/ 660163 w 2684543"/>
+                <a:gd name="connsiteY1" fmla="*/ 8692 h 375592"/>
+                <a:gd name="connsiteX2" fmla="*/ 1155463 w 2684543"/>
+                <a:gd name="connsiteY2" fmla="*/ 62032 h 375592"/>
+                <a:gd name="connsiteX3" fmla="*/ 1983503 w 2684543"/>
+                <a:gd name="connsiteY3" fmla="*/ 3612 h 375592"/>
+                <a:gd name="connsiteX4" fmla="*/ 2684543 w 2684543"/>
+                <a:gd name="connsiteY4" fmla="*/ 189032 h 375592"/>
+                <a:gd name="connsiteX5" fmla="*/ 1785383 w 2684543"/>
+                <a:gd name="connsiteY5" fmla="*/ 371912 h 375592"/>
+                <a:gd name="connsiteX6" fmla="*/ 962423 w 2684543"/>
+                <a:gd name="connsiteY6" fmla="*/ 316032 h 375592"/>
+                <a:gd name="connsiteX7" fmla="*/ 456963 w 2684543"/>
+                <a:gd name="connsiteY7" fmla="*/ 366832 h 375592"/>
+                <a:gd name="connsiteX8" fmla="*/ 17543 w 2684543"/>
+                <a:gd name="connsiteY8" fmla="*/ 189032 h 375592"/>
+                <a:gd name="connsiteX0" fmla="*/ 17543 w 2684543"/>
+                <a:gd name="connsiteY0" fmla="*/ 189032 h 375592"/>
+                <a:gd name="connsiteX1" fmla="*/ 660163 w 2684543"/>
+                <a:gd name="connsiteY1" fmla="*/ 8692 h 375592"/>
+                <a:gd name="connsiteX2" fmla="*/ 1155463 w 2684543"/>
+                <a:gd name="connsiteY2" fmla="*/ 62032 h 375592"/>
+                <a:gd name="connsiteX3" fmla="*/ 1983503 w 2684543"/>
+                <a:gd name="connsiteY3" fmla="*/ 3612 h 375592"/>
+                <a:gd name="connsiteX4" fmla="*/ 2684543 w 2684543"/>
+                <a:gd name="connsiteY4" fmla="*/ 189032 h 375592"/>
+                <a:gd name="connsiteX5" fmla="*/ 1785383 w 2684543"/>
+                <a:gd name="connsiteY5" fmla="*/ 371912 h 375592"/>
+                <a:gd name="connsiteX6" fmla="*/ 962423 w 2684543"/>
+                <a:gd name="connsiteY6" fmla="*/ 316032 h 375592"/>
+                <a:gd name="connsiteX7" fmla="*/ 456963 w 2684543"/>
+                <a:gd name="connsiteY7" fmla="*/ 366832 h 375592"/>
+                <a:gd name="connsiteX8" fmla="*/ 17543 w 2684543"/>
+                <a:gd name="connsiteY8" fmla="*/ 189032 h 375592"/>
+                <a:gd name="connsiteX0" fmla="*/ 17543 w 2684543"/>
+                <a:gd name="connsiteY0" fmla="*/ 189032 h 375592"/>
+                <a:gd name="connsiteX1" fmla="*/ 660163 w 2684543"/>
+                <a:gd name="connsiteY1" fmla="*/ 8692 h 375592"/>
+                <a:gd name="connsiteX2" fmla="*/ 1155463 w 2684543"/>
+                <a:gd name="connsiteY2" fmla="*/ 62032 h 375592"/>
+                <a:gd name="connsiteX3" fmla="*/ 1983503 w 2684543"/>
+                <a:gd name="connsiteY3" fmla="*/ 3612 h 375592"/>
+                <a:gd name="connsiteX4" fmla="*/ 2684543 w 2684543"/>
+                <a:gd name="connsiteY4" fmla="*/ 189032 h 375592"/>
+                <a:gd name="connsiteX5" fmla="*/ 1785383 w 2684543"/>
+                <a:gd name="connsiteY5" fmla="*/ 371912 h 375592"/>
+                <a:gd name="connsiteX6" fmla="*/ 962423 w 2684543"/>
+                <a:gd name="connsiteY6" fmla="*/ 316032 h 375592"/>
+                <a:gd name="connsiteX7" fmla="*/ 456963 w 2684543"/>
+                <a:gd name="connsiteY7" fmla="*/ 366832 h 375592"/>
+                <a:gd name="connsiteX8" fmla="*/ 17543 w 2684543"/>
+                <a:gd name="connsiteY8" fmla="*/ 189032 h 375592"/>
+                <a:gd name="connsiteX0" fmla="*/ 17543 w 2684543"/>
+                <a:gd name="connsiteY0" fmla="*/ 189032 h 375592"/>
+                <a:gd name="connsiteX1" fmla="*/ 660163 w 2684543"/>
+                <a:gd name="connsiteY1" fmla="*/ 8692 h 375592"/>
+                <a:gd name="connsiteX2" fmla="*/ 1155463 w 2684543"/>
+                <a:gd name="connsiteY2" fmla="*/ 62032 h 375592"/>
+                <a:gd name="connsiteX3" fmla="*/ 1983503 w 2684543"/>
+                <a:gd name="connsiteY3" fmla="*/ 3612 h 375592"/>
+                <a:gd name="connsiteX4" fmla="*/ 2684543 w 2684543"/>
+                <a:gd name="connsiteY4" fmla="*/ 189032 h 375592"/>
+                <a:gd name="connsiteX5" fmla="*/ 1785383 w 2684543"/>
+                <a:gd name="connsiteY5" fmla="*/ 371912 h 375592"/>
+                <a:gd name="connsiteX6" fmla="*/ 962423 w 2684543"/>
+                <a:gd name="connsiteY6" fmla="*/ 316032 h 375592"/>
+                <a:gd name="connsiteX7" fmla="*/ 456963 w 2684543"/>
+                <a:gd name="connsiteY7" fmla="*/ 366832 h 375592"/>
+                <a:gd name="connsiteX8" fmla="*/ 17543 w 2684543"/>
+                <a:gd name="connsiteY8" fmla="*/ 189032 h 375592"/>
+                <a:gd name="connsiteX0" fmla="*/ 17543 w 2694703"/>
+                <a:gd name="connsiteY0" fmla="*/ 189032 h 375592"/>
+                <a:gd name="connsiteX1" fmla="*/ 660163 w 2694703"/>
+                <a:gd name="connsiteY1" fmla="*/ 8692 h 375592"/>
+                <a:gd name="connsiteX2" fmla="*/ 1155463 w 2694703"/>
+                <a:gd name="connsiteY2" fmla="*/ 62032 h 375592"/>
+                <a:gd name="connsiteX3" fmla="*/ 1983503 w 2694703"/>
+                <a:gd name="connsiteY3" fmla="*/ 3612 h 375592"/>
+                <a:gd name="connsiteX4" fmla="*/ 2694703 w 2694703"/>
+                <a:gd name="connsiteY4" fmla="*/ 199192 h 375592"/>
+                <a:gd name="connsiteX5" fmla="*/ 1785383 w 2694703"/>
+                <a:gd name="connsiteY5" fmla="*/ 371912 h 375592"/>
+                <a:gd name="connsiteX6" fmla="*/ 962423 w 2694703"/>
+                <a:gd name="connsiteY6" fmla="*/ 316032 h 375592"/>
+                <a:gd name="connsiteX7" fmla="*/ 456963 w 2694703"/>
+                <a:gd name="connsiteY7" fmla="*/ 366832 h 375592"/>
+                <a:gd name="connsiteX8" fmla="*/ 17543 w 2694703"/>
+                <a:gd name="connsiteY8" fmla="*/ 189032 h 375592"/>
+                <a:gd name="connsiteX0" fmla="*/ 17543 w 2674383"/>
+                <a:gd name="connsiteY0" fmla="*/ 189032 h 375592"/>
+                <a:gd name="connsiteX1" fmla="*/ 660163 w 2674383"/>
+                <a:gd name="connsiteY1" fmla="*/ 8692 h 375592"/>
+                <a:gd name="connsiteX2" fmla="*/ 1155463 w 2674383"/>
+                <a:gd name="connsiteY2" fmla="*/ 62032 h 375592"/>
+                <a:gd name="connsiteX3" fmla="*/ 1983503 w 2674383"/>
+                <a:gd name="connsiteY3" fmla="*/ 3612 h 375592"/>
+                <a:gd name="connsiteX4" fmla="*/ 2674383 w 2674383"/>
+                <a:gd name="connsiteY4" fmla="*/ 199192 h 375592"/>
+                <a:gd name="connsiteX5" fmla="*/ 1785383 w 2674383"/>
+                <a:gd name="connsiteY5" fmla="*/ 371912 h 375592"/>
+                <a:gd name="connsiteX6" fmla="*/ 962423 w 2674383"/>
+                <a:gd name="connsiteY6" fmla="*/ 316032 h 375592"/>
+                <a:gd name="connsiteX7" fmla="*/ 456963 w 2674383"/>
+                <a:gd name="connsiteY7" fmla="*/ 366832 h 375592"/>
+                <a:gd name="connsiteX8" fmla="*/ 17543 w 2674383"/>
+                <a:gd name="connsiteY8" fmla="*/ 189032 h 375592"/>
+                <a:gd name="connsiteX0" fmla="*/ 17543 w 2674479"/>
+                <a:gd name="connsiteY0" fmla="*/ 189032 h 375592"/>
+                <a:gd name="connsiteX1" fmla="*/ 660163 w 2674479"/>
+                <a:gd name="connsiteY1" fmla="*/ 8692 h 375592"/>
+                <a:gd name="connsiteX2" fmla="*/ 1155463 w 2674479"/>
+                <a:gd name="connsiteY2" fmla="*/ 62032 h 375592"/>
+                <a:gd name="connsiteX3" fmla="*/ 1983503 w 2674479"/>
+                <a:gd name="connsiteY3" fmla="*/ 3612 h 375592"/>
+                <a:gd name="connsiteX4" fmla="*/ 2674383 w 2674479"/>
+                <a:gd name="connsiteY4" fmla="*/ 199192 h 375592"/>
+                <a:gd name="connsiteX5" fmla="*/ 1785383 w 2674479"/>
+                <a:gd name="connsiteY5" fmla="*/ 371912 h 375592"/>
+                <a:gd name="connsiteX6" fmla="*/ 962423 w 2674479"/>
+                <a:gd name="connsiteY6" fmla="*/ 316032 h 375592"/>
+                <a:gd name="connsiteX7" fmla="*/ 456963 w 2674479"/>
+                <a:gd name="connsiteY7" fmla="*/ 366832 h 375592"/>
+                <a:gd name="connsiteX8" fmla="*/ 17543 w 2674479"/>
+                <a:gd name="connsiteY8" fmla="*/ 189032 h 375592"/>
+                <a:gd name="connsiteX0" fmla="*/ 17543 w 2674479"/>
+                <a:gd name="connsiteY0" fmla="*/ 189032 h 375592"/>
+                <a:gd name="connsiteX1" fmla="*/ 660163 w 2674479"/>
+                <a:gd name="connsiteY1" fmla="*/ 8692 h 375592"/>
+                <a:gd name="connsiteX2" fmla="*/ 1155463 w 2674479"/>
+                <a:gd name="connsiteY2" fmla="*/ 62032 h 375592"/>
+                <a:gd name="connsiteX3" fmla="*/ 1983503 w 2674479"/>
+                <a:gd name="connsiteY3" fmla="*/ 3612 h 375592"/>
+                <a:gd name="connsiteX4" fmla="*/ 2674383 w 2674479"/>
+                <a:gd name="connsiteY4" fmla="*/ 199192 h 375592"/>
+                <a:gd name="connsiteX5" fmla="*/ 1785383 w 2674479"/>
+                <a:gd name="connsiteY5" fmla="*/ 371912 h 375592"/>
+                <a:gd name="connsiteX6" fmla="*/ 962423 w 2674479"/>
+                <a:gd name="connsiteY6" fmla="*/ 316032 h 375592"/>
+                <a:gd name="connsiteX7" fmla="*/ 456963 w 2674479"/>
+                <a:gd name="connsiteY7" fmla="*/ 366832 h 375592"/>
+                <a:gd name="connsiteX8" fmla="*/ 17543 w 2674479"/>
+                <a:gd name="connsiteY8" fmla="*/ 189032 h 375592"/>
+                <a:gd name="connsiteX0" fmla="*/ 17543 w 2674479"/>
+                <a:gd name="connsiteY0" fmla="*/ 189032 h 366832"/>
+                <a:gd name="connsiteX1" fmla="*/ 660163 w 2674479"/>
+                <a:gd name="connsiteY1" fmla="*/ 8692 h 366832"/>
+                <a:gd name="connsiteX2" fmla="*/ 1155463 w 2674479"/>
+                <a:gd name="connsiteY2" fmla="*/ 62032 h 366832"/>
+                <a:gd name="connsiteX3" fmla="*/ 1983503 w 2674479"/>
+                <a:gd name="connsiteY3" fmla="*/ 3612 h 366832"/>
+                <a:gd name="connsiteX4" fmla="*/ 2674383 w 2674479"/>
+                <a:gd name="connsiteY4" fmla="*/ 199192 h 366832"/>
+                <a:gd name="connsiteX5" fmla="*/ 1785383 w 2674479"/>
+                <a:gd name="connsiteY5" fmla="*/ 356672 h 366832"/>
+                <a:gd name="connsiteX6" fmla="*/ 962423 w 2674479"/>
+                <a:gd name="connsiteY6" fmla="*/ 316032 h 366832"/>
+                <a:gd name="connsiteX7" fmla="*/ 456963 w 2674479"/>
+                <a:gd name="connsiteY7" fmla="*/ 366832 h 366832"/>
+                <a:gd name="connsiteX8" fmla="*/ 17543 w 2674479"/>
+                <a:gd name="connsiteY8" fmla="*/ 189032 h 366832"/>
+                <a:gd name="connsiteX0" fmla="*/ 17543 w 2674479"/>
+                <a:gd name="connsiteY0" fmla="*/ 189032 h 366832"/>
+                <a:gd name="connsiteX1" fmla="*/ 660163 w 2674479"/>
+                <a:gd name="connsiteY1" fmla="*/ 8692 h 366832"/>
+                <a:gd name="connsiteX2" fmla="*/ 1155463 w 2674479"/>
+                <a:gd name="connsiteY2" fmla="*/ 62032 h 366832"/>
+                <a:gd name="connsiteX3" fmla="*/ 1983503 w 2674479"/>
+                <a:gd name="connsiteY3" fmla="*/ 3612 h 366832"/>
+                <a:gd name="connsiteX4" fmla="*/ 2674383 w 2674479"/>
+                <a:gd name="connsiteY4" fmla="*/ 199192 h 366832"/>
+                <a:gd name="connsiteX5" fmla="*/ 1785383 w 2674479"/>
+                <a:gd name="connsiteY5" fmla="*/ 356672 h 366832"/>
+                <a:gd name="connsiteX6" fmla="*/ 962423 w 2674479"/>
+                <a:gd name="connsiteY6" fmla="*/ 316032 h 366832"/>
+                <a:gd name="connsiteX7" fmla="*/ 456963 w 2674479"/>
+                <a:gd name="connsiteY7" fmla="*/ 366832 h 366832"/>
+                <a:gd name="connsiteX8" fmla="*/ 17543 w 2674479"/>
+                <a:gd name="connsiteY8" fmla="*/ 189032 h 366832"/>
+                <a:gd name="connsiteX0" fmla="*/ 17543 w 2674479"/>
+                <a:gd name="connsiteY0" fmla="*/ 189032 h 366832"/>
+                <a:gd name="connsiteX1" fmla="*/ 660163 w 2674479"/>
+                <a:gd name="connsiteY1" fmla="*/ 8692 h 366832"/>
+                <a:gd name="connsiteX2" fmla="*/ 1155463 w 2674479"/>
+                <a:gd name="connsiteY2" fmla="*/ 62032 h 366832"/>
+                <a:gd name="connsiteX3" fmla="*/ 1983503 w 2674479"/>
+                <a:gd name="connsiteY3" fmla="*/ 3612 h 366832"/>
+                <a:gd name="connsiteX4" fmla="*/ 2674383 w 2674479"/>
+                <a:gd name="connsiteY4" fmla="*/ 199192 h 366832"/>
+                <a:gd name="connsiteX5" fmla="*/ 1785383 w 2674479"/>
+                <a:gd name="connsiteY5" fmla="*/ 356672 h 366832"/>
+                <a:gd name="connsiteX6" fmla="*/ 962423 w 2674479"/>
+                <a:gd name="connsiteY6" fmla="*/ 316032 h 366832"/>
+                <a:gd name="connsiteX7" fmla="*/ 456963 w 2674479"/>
+                <a:gd name="connsiteY7" fmla="*/ 366832 h 366832"/>
+                <a:gd name="connsiteX8" fmla="*/ 17543 w 2674479"/>
+                <a:gd name="connsiteY8" fmla="*/ 189032 h 366832"/>
+                <a:gd name="connsiteX0" fmla="*/ 17543 w 2674479"/>
+                <a:gd name="connsiteY0" fmla="*/ 189032 h 366832"/>
+                <a:gd name="connsiteX1" fmla="*/ 660163 w 2674479"/>
+                <a:gd name="connsiteY1" fmla="*/ 8692 h 366832"/>
+                <a:gd name="connsiteX2" fmla="*/ 1155463 w 2674479"/>
+                <a:gd name="connsiteY2" fmla="*/ 62032 h 366832"/>
+                <a:gd name="connsiteX3" fmla="*/ 1983503 w 2674479"/>
+                <a:gd name="connsiteY3" fmla="*/ 3612 h 366832"/>
+                <a:gd name="connsiteX4" fmla="*/ 2674383 w 2674479"/>
+                <a:gd name="connsiteY4" fmla="*/ 199192 h 366832"/>
+                <a:gd name="connsiteX5" fmla="*/ 1785383 w 2674479"/>
+                <a:gd name="connsiteY5" fmla="*/ 356672 h 366832"/>
+                <a:gd name="connsiteX6" fmla="*/ 962423 w 2674479"/>
+                <a:gd name="connsiteY6" fmla="*/ 316032 h 366832"/>
+                <a:gd name="connsiteX7" fmla="*/ 456963 w 2674479"/>
+                <a:gd name="connsiteY7" fmla="*/ 366832 h 366832"/>
+                <a:gd name="connsiteX8" fmla="*/ 17543 w 2674479"/>
+                <a:gd name="connsiteY8" fmla="*/ 189032 h 366832"/>
+                <a:gd name="connsiteX0" fmla="*/ 17543 w 2674480"/>
+                <a:gd name="connsiteY0" fmla="*/ 184126 h 361926"/>
+                <a:gd name="connsiteX1" fmla="*/ 660163 w 2674480"/>
+                <a:gd name="connsiteY1" fmla="*/ 3786 h 361926"/>
+                <a:gd name="connsiteX2" fmla="*/ 1155463 w 2674480"/>
+                <a:gd name="connsiteY2" fmla="*/ 57126 h 361926"/>
+                <a:gd name="connsiteX3" fmla="*/ 1988583 w 2674480"/>
+                <a:gd name="connsiteY3" fmla="*/ 3786 h 361926"/>
+                <a:gd name="connsiteX4" fmla="*/ 2674383 w 2674480"/>
+                <a:gd name="connsiteY4" fmla="*/ 194286 h 361926"/>
+                <a:gd name="connsiteX5" fmla="*/ 1785383 w 2674480"/>
+                <a:gd name="connsiteY5" fmla="*/ 351766 h 361926"/>
+                <a:gd name="connsiteX6" fmla="*/ 962423 w 2674480"/>
+                <a:gd name="connsiteY6" fmla="*/ 311126 h 361926"/>
+                <a:gd name="connsiteX7" fmla="*/ 456963 w 2674480"/>
+                <a:gd name="connsiteY7" fmla="*/ 361926 h 361926"/>
+                <a:gd name="connsiteX8" fmla="*/ 17543 w 2674480"/>
+                <a:gd name="connsiteY8" fmla="*/ 184126 h 361926"/>
+                <a:gd name="connsiteX0" fmla="*/ 17543 w 2678450"/>
+                <a:gd name="connsiteY0" fmla="*/ 184126 h 361926"/>
+                <a:gd name="connsiteX1" fmla="*/ 660163 w 2678450"/>
+                <a:gd name="connsiteY1" fmla="*/ 3786 h 361926"/>
+                <a:gd name="connsiteX2" fmla="*/ 1155463 w 2678450"/>
+                <a:gd name="connsiteY2" fmla="*/ 57126 h 361926"/>
+                <a:gd name="connsiteX3" fmla="*/ 1988583 w 2678450"/>
+                <a:gd name="connsiteY3" fmla="*/ 3786 h 361926"/>
+                <a:gd name="connsiteX4" fmla="*/ 2674383 w 2678450"/>
+                <a:gd name="connsiteY4" fmla="*/ 194286 h 361926"/>
+                <a:gd name="connsiteX5" fmla="*/ 1785383 w 2678450"/>
+                <a:gd name="connsiteY5" fmla="*/ 351766 h 361926"/>
+                <a:gd name="connsiteX6" fmla="*/ 962423 w 2678450"/>
+                <a:gd name="connsiteY6" fmla="*/ 311126 h 361926"/>
+                <a:gd name="connsiteX7" fmla="*/ 456963 w 2678450"/>
+                <a:gd name="connsiteY7" fmla="*/ 361926 h 361926"/>
+                <a:gd name="connsiteX8" fmla="*/ 17543 w 2678450"/>
+                <a:gd name="connsiteY8" fmla="*/ 184126 h 361926"/>
+                <a:gd name="connsiteX0" fmla="*/ 17543 w 2683492"/>
+                <a:gd name="connsiteY0" fmla="*/ 184126 h 361926"/>
+                <a:gd name="connsiteX1" fmla="*/ 660163 w 2683492"/>
+                <a:gd name="connsiteY1" fmla="*/ 3786 h 361926"/>
+                <a:gd name="connsiteX2" fmla="*/ 1155463 w 2683492"/>
+                <a:gd name="connsiteY2" fmla="*/ 57126 h 361926"/>
+                <a:gd name="connsiteX3" fmla="*/ 1988583 w 2683492"/>
+                <a:gd name="connsiteY3" fmla="*/ 3786 h 361926"/>
+                <a:gd name="connsiteX4" fmla="*/ 2679463 w 2683492"/>
+                <a:gd name="connsiteY4" fmla="*/ 184126 h 361926"/>
+                <a:gd name="connsiteX5" fmla="*/ 1785383 w 2683492"/>
+                <a:gd name="connsiteY5" fmla="*/ 351766 h 361926"/>
+                <a:gd name="connsiteX6" fmla="*/ 962423 w 2683492"/>
+                <a:gd name="connsiteY6" fmla="*/ 311126 h 361926"/>
+                <a:gd name="connsiteX7" fmla="*/ 456963 w 2683492"/>
+                <a:gd name="connsiteY7" fmla="*/ 361926 h 361926"/>
+                <a:gd name="connsiteX8" fmla="*/ 17543 w 2683492"/>
+                <a:gd name="connsiteY8" fmla="*/ 184126 h 361926"/>
+                <a:gd name="connsiteX0" fmla="*/ 17543 w 2693577"/>
+                <a:gd name="connsiteY0" fmla="*/ 184126 h 361926"/>
+                <a:gd name="connsiteX1" fmla="*/ 660163 w 2693577"/>
+                <a:gd name="connsiteY1" fmla="*/ 3786 h 361926"/>
+                <a:gd name="connsiteX2" fmla="*/ 1155463 w 2693577"/>
+                <a:gd name="connsiteY2" fmla="*/ 57126 h 361926"/>
+                <a:gd name="connsiteX3" fmla="*/ 1988583 w 2693577"/>
+                <a:gd name="connsiteY3" fmla="*/ 3786 h 361926"/>
+                <a:gd name="connsiteX4" fmla="*/ 2689623 w 2693577"/>
+                <a:gd name="connsiteY4" fmla="*/ 184126 h 361926"/>
+                <a:gd name="connsiteX5" fmla="*/ 1785383 w 2693577"/>
+                <a:gd name="connsiteY5" fmla="*/ 351766 h 361926"/>
+                <a:gd name="connsiteX6" fmla="*/ 962423 w 2693577"/>
+                <a:gd name="connsiteY6" fmla="*/ 311126 h 361926"/>
+                <a:gd name="connsiteX7" fmla="*/ 456963 w 2693577"/>
+                <a:gd name="connsiteY7" fmla="*/ 361926 h 361926"/>
+                <a:gd name="connsiteX8" fmla="*/ 17543 w 2693577"/>
+                <a:gd name="connsiteY8" fmla="*/ 184126 h 361926"/>
+                <a:gd name="connsiteX0" fmla="*/ 17543 w 2693577"/>
+                <a:gd name="connsiteY0" fmla="*/ 184126 h 361926"/>
+                <a:gd name="connsiteX1" fmla="*/ 660163 w 2693577"/>
+                <a:gd name="connsiteY1" fmla="*/ 3786 h 361926"/>
+                <a:gd name="connsiteX2" fmla="*/ 1155463 w 2693577"/>
+                <a:gd name="connsiteY2" fmla="*/ 57126 h 361926"/>
+                <a:gd name="connsiteX3" fmla="*/ 1988583 w 2693577"/>
+                <a:gd name="connsiteY3" fmla="*/ 3786 h 361926"/>
+                <a:gd name="connsiteX4" fmla="*/ 2689623 w 2693577"/>
+                <a:gd name="connsiteY4" fmla="*/ 184126 h 361926"/>
+                <a:gd name="connsiteX5" fmla="*/ 1785383 w 2693577"/>
+                <a:gd name="connsiteY5" fmla="*/ 351766 h 361926"/>
+                <a:gd name="connsiteX6" fmla="*/ 962423 w 2693577"/>
+                <a:gd name="connsiteY6" fmla="*/ 311126 h 361926"/>
+                <a:gd name="connsiteX7" fmla="*/ 456963 w 2693577"/>
+                <a:gd name="connsiteY7" fmla="*/ 361926 h 361926"/>
+                <a:gd name="connsiteX8" fmla="*/ 17543 w 2693577"/>
+                <a:gd name="connsiteY8" fmla="*/ 184126 h 361926"/>
+                <a:gd name="connsiteX0" fmla="*/ 17543 w 2703664"/>
+                <a:gd name="connsiteY0" fmla="*/ 184126 h 361926"/>
+                <a:gd name="connsiteX1" fmla="*/ 660163 w 2703664"/>
+                <a:gd name="connsiteY1" fmla="*/ 3786 h 361926"/>
+                <a:gd name="connsiteX2" fmla="*/ 1155463 w 2703664"/>
+                <a:gd name="connsiteY2" fmla="*/ 57126 h 361926"/>
+                <a:gd name="connsiteX3" fmla="*/ 1988583 w 2703664"/>
+                <a:gd name="connsiteY3" fmla="*/ 3786 h 361926"/>
+                <a:gd name="connsiteX4" fmla="*/ 2699783 w 2703664"/>
+                <a:gd name="connsiteY4" fmla="*/ 179046 h 361926"/>
+                <a:gd name="connsiteX5" fmla="*/ 1785383 w 2703664"/>
+                <a:gd name="connsiteY5" fmla="*/ 351766 h 361926"/>
+                <a:gd name="connsiteX6" fmla="*/ 962423 w 2703664"/>
+                <a:gd name="connsiteY6" fmla="*/ 311126 h 361926"/>
+                <a:gd name="connsiteX7" fmla="*/ 456963 w 2703664"/>
+                <a:gd name="connsiteY7" fmla="*/ 361926 h 361926"/>
+                <a:gd name="connsiteX8" fmla="*/ 17543 w 2703664"/>
+                <a:gd name="connsiteY8" fmla="*/ 184126 h 361926"/>
+                <a:gd name="connsiteX0" fmla="*/ 17543 w 2703664"/>
+                <a:gd name="connsiteY0" fmla="*/ 184126 h 361926"/>
+                <a:gd name="connsiteX1" fmla="*/ 660163 w 2703664"/>
+                <a:gd name="connsiteY1" fmla="*/ 3786 h 361926"/>
+                <a:gd name="connsiteX2" fmla="*/ 1155463 w 2703664"/>
+                <a:gd name="connsiteY2" fmla="*/ 57126 h 361926"/>
+                <a:gd name="connsiteX3" fmla="*/ 1988583 w 2703664"/>
+                <a:gd name="connsiteY3" fmla="*/ 3786 h 361926"/>
+                <a:gd name="connsiteX4" fmla="*/ 2699783 w 2703664"/>
+                <a:gd name="connsiteY4" fmla="*/ 179046 h 361926"/>
+                <a:gd name="connsiteX5" fmla="*/ 1785383 w 2703664"/>
+                <a:gd name="connsiteY5" fmla="*/ 351766 h 361926"/>
+                <a:gd name="connsiteX6" fmla="*/ 962423 w 2703664"/>
+                <a:gd name="connsiteY6" fmla="*/ 311126 h 361926"/>
+                <a:gd name="connsiteX7" fmla="*/ 456963 w 2703664"/>
+                <a:gd name="connsiteY7" fmla="*/ 361926 h 361926"/>
+                <a:gd name="connsiteX8" fmla="*/ 17543 w 2703664"/>
+                <a:gd name="connsiteY8" fmla="*/ 184126 h 361926"/>
+                <a:gd name="connsiteX0" fmla="*/ 17543 w 2703664"/>
+                <a:gd name="connsiteY0" fmla="*/ 184126 h 361926"/>
+                <a:gd name="connsiteX1" fmla="*/ 660163 w 2703664"/>
+                <a:gd name="connsiteY1" fmla="*/ 3786 h 361926"/>
+                <a:gd name="connsiteX2" fmla="*/ 1155463 w 2703664"/>
+                <a:gd name="connsiteY2" fmla="*/ 57126 h 361926"/>
+                <a:gd name="connsiteX3" fmla="*/ 1988583 w 2703664"/>
+                <a:gd name="connsiteY3" fmla="*/ 3786 h 361926"/>
+                <a:gd name="connsiteX4" fmla="*/ 2699783 w 2703664"/>
+                <a:gd name="connsiteY4" fmla="*/ 179046 h 361926"/>
+                <a:gd name="connsiteX5" fmla="*/ 1785383 w 2703664"/>
+                <a:gd name="connsiteY5" fmla="*/ 351766 h 361926"/>
+                <a:gd name="connsiteX6" fmla="*/ 962423 w 2703664"/>
+                <a:gd name="connsiteY6" fmla="*/ 311126 h 361926"/>
+                <a:gd name="connsiteX7" fmla="*/ 456963 w 2703664"/>
+                <a:gd name="connsiteY7" fmla="*/ 361926 h 361926"/>
+                <a:gd name="connsiteX8" fmla="*/ 17543 w 2703664"/>
+                <a:gd name="connsiteY8" fmla="*/ 184126 h 361926"/>
+                <a:gd name="connsiteX0" fmla="*/ 17543 w 2683492"/>
+                <a:gd name="connsiteY0" fmla="*/ 184126 h 361926"/>
+                <a:gd name="connsiteX1" fmla="*/ 660163 w 2683492"/>
+                <a:gd name="connsiteY1" fmla="*/ 3786 h 361926"/>
+                <a:gd name="connsiteX2" fmla="*/ 1155463 w 2683492"/>
+                <a:gd name="connsiteY2" fmla="*/ 57126 h 361926"/>
+                <a:gd name="connsiteX3" fmla="*/ 1988583 w 2683492"/>
+                <a:gd name="connsiteY3" fmla="*/ 3786 h 361926"/>
+                <a:gd name="connsiteX4" fmla="*/ 2679463 w 2683492"/>
+                <a:gd name="connsiteY4" fmla="*/ 179046 h 361926"/>
+                <a:gd name="connsiteX5" fmla="*/ 1785383 w 2683492"/>
+                <a:gd name="connsiteY5" fmla="*/ 351766 h 361926"/>
+                <a:gd name="connsiteX6" fmla="*/ 962423 w 2683492"/>
+                <a:gd name="connsiteY6" fmla="*/ 311126 h 361926"/>
+                <a:gd name="connsiteX7" fmla="*/ 456963 w 2683492"/>
+                <a:gd name="connsiteY7" fmla="*/ 361926 h 361926"/>
+                <a:gd name="connsiteX8" fmla="*/ 17543 w 2683492"/>
+                <a:gd name="connsiteY8" fmla="*/ 184126 h 361926"/>
+                <a:gd name="connsiteX0" fmla="*/ 17543 w 2692626"/>
+                <a:gd name="connsiteY0" fmla="*/ 184126 h 361926"/>
+                <a:gd name="connsiteX1" fmla="*/ 660163 w 2692626"/>
+                <a:gd name="connsiteY1" fmla="*/ 3786 h 361926"/>
+                <a:gd name="connsiteX2" fmla="*/ 1155463 w 2692626"/>
+                <a:gd name="connsiteY2" fmla="*/ 57126 h 361926"/>
+                <a:gd name="connsiteX3" fmla="*/ 1988583 w 2692626"/>
+                <a:gd name="connsiteY3" fmla="*/ 3786 h 361926"/>
+                <a:gd name="connsiteX4" fmla="*/ 2679463 w 2692626"/>
+                <a:gd name="connsiteY4" fmla="*/ 179046 h 361926"/>
+                <a:gd name="connsiteX5" fmla="*/ 1785383 w 2692626"/>
+                <a:gd name="connsiteY5" fmla="*/ 351766 h 361926"/>
+                <a:gd name="connsiteX6" fmla="*/ 962423 w 2692626"/>
+                <a:gd name="connsiteY6" fmla="*/ 311126 h 361926"/>
+                <a:gd name="connsiteX7" fmla="*/ 456963 w 2692626"/>
+                <a:gd name="connsiteY7" fmla="*/ 361926 h 361926"/>
+                <a:gd name="connsiteX8" fmla="*/ 17543 w 2692626"/>
+                <a:gd name="connsiteY8" fmla="*/ 184126 h 361926"/>
+                <a:gd name="connsiteX0" fmla="*/ 17543 w 2692626"/>
+                <a:gd name="connsiteY0" fmla="*/ 184126 h 361926"/>
+                <a:gd name="connsiteX1" fmla="*/ 660163 w 2692626"/>
+                <a:gd name="connsiteY1" fmla="*/ 3786 h 361926"/>
+                <a:gd name="connsiteX2" fmla="*/ 1155463 w 2692626"/>
+                <a:gd name="connsiteY2" fmla="*/ 57126 h 361926"/>
+                <a:gd name="connsiteX3" fmla="*/ 1988583 w 2692626"/>
+                <a:gd name="connsiteY3" fmla="*/ 3786 h 361926"/>
+                <a:gd name="connsiteX4" fmla="*/ 2679463 w 2692626"/>
+                <a:gd name="connsiteY4" fmla="*/ 179046 h 361926"/>
+                <a:gd name="connsiteX5" fmla="*/ 1785383 w 2692626"/>
+                <a:gd name="connsiteY5" fmla="*/ 346686 h 361926"/>
+                <a:gd name="connsiteX6" fmla="*/ 962423 w 2692626"/>
+                <a:gd name="connsiteY6" fmla="*/ 311126 h 361926"/>
+                <a:gd name="connsiteX7" fmla="*/ 456963 w 2692626"/>
+                <a:gd name="connsiteY7" fmla="*/ 361926 h 361926"/>
+                <a:gd name="connsiteX8" fmla="*/ 17543 w 2692626"/>
+                <a:gd name="connsiteY8" fmla="*/ 184126 h 361926"/>
+                <a:gd name="connsiteX0" fmla="*/ 17543 w 2692626"/>
+                <a:gd name="connsiteY0" fmla="*/ 180768 h 358568"/>
+                <a:gd name="connsiteX1" fmla="*/ 660163 w 2692626"/>
+                <a:gd name="connsiteY1" fmla="*/ 428 h 358568"/>
+                <a:gd name="connsiteX2" fmla="*/ 1155463 w 2692626"/>
+                <a:gd name="connsiteY2" fmla="*/ 53768 h 358568"/>
+                <a:gd name="connsiteX3" fmla="*/ 1988583 w 2692626"/>
+                <a:gd name="connsiteY3" fmla="*/ 10588 h 358568"/>
+                <a:gd name="connsiteX4" fmla="*/ 2679463 w 2692626"/>
+                <a:gd name="connsiteY4" fmla="*/ 175688 h 358568"/>
+                <a:gd name="connsiteX5" fmla="*/ 1785383 w 2692626"/>
+                <a:gd name="connsiteY5" fmla="*/ 343328 h 358568"/>
+                <a:gd name="connsiteX6" fmla="*/ 962423 w 2692626"/>
+                <a:gd name="connsiteY6" fmla="*/ 307768 h 358568"/>
+                <a:gd name="connsiteX7" fmla="*/ 456963 w 2692626"/>
+                <a:gd name="connsiteY7" fmla="*/ 358568 h 358568"/>
+                <a:gd name="connsiteX8" fmla="*/ 17543 w 2692626"/>
+                <a:gd name="connsiteY8" fmla="*/ 180768 h 358568"/>
+                <a:gd name="connsiteX0" fmla="*/ 17543 w 2692626"/>
+                <a:gd name="connsiteY0" fmla="*/ 180763 h 358563"/>
+                <a:gd name="connsiteX1" fmla="*/ 660163 w 2692626"/>
+                <a:gd name="connsiteY1" fmla="*/ 423 h 358563"/>
+                <a:gd name="connsiteX2" fmla="*/ 1155463 w 2692626"/>
+                <a:gd name="connsiteY2" fmla="*/ 53763 h 358563"/>
+                <a:gd name="connsiteX3" fmla="*/ 1988583 w 2692626"/>
+                <a:gd name="connsiteY3" fmla="*/ 5503 h 358563"/>
+                <a:gd name="connsiteX4" fmla="*/ 2679463 w 2692626"/>
+                <a:gd name="connsiteY4" fmla="*/ 175683 h 358563"/>
+                <a:gd name="connsiteX5" fmla="*/ 1785383 w 2692626"/>
+                <a:gd name="connsiteY5" fmla="*/ 343323 h 358563"/>
+                <a:gd name="connsiteX6" fmla="*/ 962423 w 2692626"/>
+                <a:gd name="connsiteY6" fmla="*/ 307763 h 358563"/>
+                <a:gd name="connsiteX7" fmla="*/ 456963 w 2692626"/>
+                <a:gd name="connsiteY7" fmla="*/ 358563 h 358563"/>
+                <a:gd name="connsiteX8" fmla="*/ 17543 w 2692626"/>
+                <a:gd name="connsiteY8" fmla="*/ 180763 h 358563"/>
+                <a:gd name="connsiteX0" fmla="*/ 17543 w 2692836"/>
+                <a:gd name="connsiteY0" fmla="*/ 180763 h 358563"/>
+                <a:gd name="connsiteX1" fmla="*/ 660163 w 2692836"/>
+                <a:gd name="connsiteY1" fmla="*/ 423 h 358563"/>
+                <a:gd name="connsiteX2" fmla="*/ 1155463 w 2692836"/>
+                <a:gd name="connsiteY2" fmla="*/ 53763 h 358563"/>
+                <a:gd name="connsiteX3" fmla="*/ 1988583 w 2692836"/>
+                <a:gd name="connsiteY3" fmla="*/ 5503 h 358563"/>
+                <a:gd name="connsiteX4" fmla="*/ 2679463 w 2692836"/>
+                <a:gd name="connsiteY4" fmla="*/ 175683 h 358563"/>
+                <a:gd name="connsiteX5" fmla="*/ 1785383 w 2692836"/>
+                <a:gd name="connsiteY5" fmla="*/ 343323 h 358563"/>
+                <a:gd name="connsiteX6" fmla="*/ 962423 w 2692836"/>
+                <a:gd name="connsiteY6" fmla="*/ 307763 h 358563"/>
+                <a:gd name="connsiteX7" fmla="*/ 456963 w 2692836"/>
+                <a:gd name="connsiteY7" fmla="*/ 358563 h 358563"/>
+                <a:gd name="connsiteX8" fmla="*/ 17543 w 2692836"/>
+                <a:gd name="connsiteY8" fmla="*/ 180763 h 358563"/>
+                <a:gd name="connsiteX0" fmla="*/ 17543 w 2692836"/>
+                <a:gd name="connsiteY0" fmla="*/ 180763 h 358563"/>
+                <a:gd name="connsiteX1" fmla="*/ 660163 w 2692836"/>
+                <a:gd name="connsiteY1" fmla="*/ 423 h 358563"/>
+                <a:gd name="connsiteX2" fmla="*/ 1155463 w 2692836"/>
+                <a:gd name="connsiteY2" fmla="*/ 53763 h 358563"/>
+                <a:gd name="connsiteX3" fmla="*/ 1988583 w 2692836"/>
+                <a:gd name="connsiteY3" fmla="*/ 5503 h 358563"/>
+                <a:gd name="connsiteX4" fmla="*/ 2679463 w 2692836"/>
+                <a:gd name="connsiteY4" fmla="*/ 175683 h 358563"/>
+                <a:gd name="connsiteX5" fmla="*/ 1785383 w 2692836"/>
+                <a:gd name="connsiteY5" fmla="*/ 343323 h 358563"/>
+                <a:gd name="connsiteX6" fmla="*/ 962423 w 2692836"/>
+                <a:gd name="connsiteY6" fmla="*/ 307763 h 358563"/>
+                <a:gd name="connsiteX7" fmla="*/ 456963 w 2692836"/>
+                <a:gd name="connsiteY7" fmla="*/ 358563 h 358563"/>
+                <a:gd name="connsiteX8" fmla="*/ 17543 w 2692836"/>
+                <a:gd name="connsiteY8" fmla="*/ 180763 h 358563"/>
+                <a:gd name="connsiteX0" fmla="*/ 17543 w 2692836"/>
+                <a:gd name="connsiteY0" fmla="*/ 180763 h 358563"/>
+                <a:gd name="connsiteX1" fmla="*/ 660163 w 2692836"/>
+                <a:gd name="connsiteY1" fmla="*/ 423 h 358563"/>
+                <a:gd name="connsiteX2" fmla="*/ 1155463 w 2692836"/>
+                <a:gd name="connsiteY2" fmla="*/ 53763 h 358563"/>
+                <a:gd name="connsiteX3" fmla="*/ 1988583 w 2692836"/>
+                <a:gd name="connsiteY3" fmla="*/ 5503 h 358563"/>
+                <a:gd name="connsiteX4" fmla="*/ 2679463 w 2692836"/>
+                <a:gd name="connsiteY4" fmla="*/ 175683 h 358563"/>
+                <a:gd name="connsiteX5" fmla="*/ 1785383 w 2692836"/>
+                <a:gd name="connsiteY5" fmla="*/ 343323 h 358563"/>
+                <a:gd name="connsiteX6" fmla="*/ 962423 w 2692836"/>
+                <a:gd name="connsiteY6" fmla="*/ 307763 h 358563"/>
+                <a:gd name="connsiteX7" fmla="*/ 456963 w 2692836"/>
+                <a:gd name="connsiteY7" fmla="*/ 358563 h 358563"/>
+                <a:gd name="connsiteX8" fmla="*/ 17543 w 2692836"/>
+                <a:gd name="connsiteY8" fmla="*/ 180763 h 358563"/>
+                <a:gd name="connsiteX0" fmla="*/ 17543 w 2692836"/>
+                <a:gd name="connsiteY0" fmla="*/ 177848 h 355648"/>
+                <a:gd name="connsiteX1" fmla="*/ 660163 w 2692836"/>
+                <a:gd name="connsiteY1" fmla="*/ 3604 h 355648"/>
+                <a:gd name="connsiteX2" fmla="*/ 1155463 w 2692836"/>
+                <a:gd name="connsiteY2" fmla="*/ 50848 h 355648"/>
+                <a:gd name="connsiteX3" fmla="*/ 1988583 w 2692836"/>
+                <a:gd name="connsiteY3" fmla="*/ 2588 h 355648"/>
+                <a:gd name="connsiteX4" fmla="*/ 2679463 w 2692836"/>
+                <a:gd name="connsiteY4" fmla="*/ 172768 h 355648"/>
+                <a:gd name="connsiteX5" fmla="*/ 1785383 w 2692836"/>
+                <a:gd name="connsiteY5" fmla="*/ 340408 h 355648"/>
+                <a:gd name="connsiteX6" fmla="*/ 962423 w 2692836"/>
+                <a:gd name="connsiteY6" fmla="*/ 304848 h 355648"/>
+                <a:gd name="connsiteX7" fmla="*/ 456963 w 2692836"/>
+                <a:gd name="connsiteY7" fmla="*/ 355648 h 355648"/>
+                <a:gd name="connsiteX8" fmla="*/ 17543 w 2692836"/>
+                <a:gd name="connsiteY8" fmla="*/ 177848 h 355648"/>
+              </a:gdLst>
+              <a:ahLst/>
+              <a:cxnLst>
+                <a:cxn ang="0">
+                  <a:pos x="connsiteX0" y="connsiteY0"/>
+                </a:cxn>
+                <a:cxn ang="0">
+                  <a:pos x="connsiteX1" y="connsiteY1"/>
+                </a:cxn>
+                <a:cxn ang="0">
+                  <a:pos x="connsiteX2" y="connsiteY2"/>
+                </a:cxn>
+                <a:cxn ang="0">
+                  <a:pos x="connsiteX3" y="connsiteY3"/>
+                </a:cxn>
+                <a:cxn ang="0">
+                  <a:pos x="connsiteX4" y="connsiteY4"/>
+                </a:cxn>
+                <a:cxn ang="0">
+                  <a:pos x="connsiteX5" y="connsiteY5"/>
+                </a:cxn>
+                <a:cxn ang="0">
+                  <a:pos x="connsiteX6" y="connsiteY6"/>
+                </a:cxn>
+                <a:cxn ang="0">
+                  <a:pos x="connsiteX7" y="connsiteY7"/>
+                </a:cxn>
+                <a:cxn ang="0">
+                  <a:pos x="connsiteX8" y="connsiteY8"/>
+                </a:cxn>
+              </a:cxnLst>
+              <a:rect l="l" t="t" r="r" b="b"/>
+              <a:pathLst>
+                <a:path w="2692836" h="355648">
+                  <a:moveTo>
+                    <a:pt x="17543" y="177848"/>
+                  </a:moveTo>
+                  <a:cubicBezTo>
+                    <a:pt x="203810" y="47038"/>
+                    <a:pt x="470510" y="14611"/>
+                    <a:pt x="660163" y="3604"/>
+                  </a:cubicBezTo>
+                  <a:cubicBezTo>
+                    <a:pt x="920936" y="-2323"/>
+                    <a:pt x="934060" y="51017"/>
+                    <a:pt x="1155463" y="50848"/>
+                  </a:cubicBezTo>
+                  <a:cubicBezTo>
+                    <a:pt x="1376866" y="50679"/>
+                    <a:pt x="1733736" y="-13499"/>
+                    <a:pt x="1988583" y="2588"/>
+                  </a:cubicBezTo>
+                  <a:cubicBezTo>
+                    <a:pt x="2253590" y="3435"/>
+                    <a:pt x="2783603" y="45345"/>
+                    <a:pt x="2679463" y="172768"/>
+                  </a:cubicBezTo>
+                  <a:cubicBezTo>
+                    <a:pt x="2504203" y="320511"/>
+                    <a:pt x="2072403" y="334481"/>
+                    <a:pt x="1785383" y="340408"/>
+                  </a:cubicBezTo>
+                  <a:cubicBezTo>
+                    <a:pt x="1462803" y="361575"/>
+                    <a:pt x="1187213" y="304848"/>
+                    <a:pt x="962423" y="304848"/>
+                  </a:cubicBezTo>
+                  <a:cubicBezTo>
+                    <a:pt x="788433" y="309928"/>
+                    <a:pt x="705883" y="326015"/>
+                    <a:pt x="456963" y="355648"/>
+                  </a:cubicBezTo>
+                  <a:cubicBezTo>
+                    <a:pt x="136923" y="349721"/>
+                    <a:pt x="-62044" y="268018"/>
+                    <a:pt x="17543" y="177848"/>
+                  </a:cubicBezTo>
+                  <a:close/>
+                </a:path>
+              </a:pathLst>
+            </a:custGeom>
+            <a:noFill/>
+            <a:ln w="25400">
+              <a:solidFill>
+                <a:srgbClr val="FF7F2B"/>
+              </a:solidFill>
+            </a:ln>
+          </p:spPr>
+          <p:style>
+            <a:lnRef idx="2">
+              <a:schemeClr val="accent1">
+                <a:shade val="50000"/>
+              </a:schemeClr>
+            </a:lnRef>
+            <a:fillRef idx="1">
+              <a:schemeClr val="accent1"/>
+            </a:fillRef>
+            <a:effectRef idx="0">
+              <a:schemeClr val="accent1"/>
+            </a:effectRef>
+            <a:fontRef idx="minor">
+              <a:schemeClr val="lt1"/>
+            </a:fontRef>
+          </p:style>
+          <p:txBody>
+            <a:bodyPr rtlCol="0" anchor="ctr"/>
+            <a:lstStyle/>
+            <a:p>
+              <a:pPr algn="ctr"/>
+              <a:endParaRPr lang="en-GB"/>
+            </a:p>
+          </p:txBody>
+        </p:sp>
+        <p:cxnSp>
+          <p:nvCxnSpPr>
+            <p:cNvPr id="23" name="Gerade Verbindung mit Pfeil 22">
+              <a:extLst>
+                <a:ext uri="{FF2B5EF4-FFF2-40B4-BE49-F238E27FC236}">
+                  <a16:creationId xmlns:a16="http://schemas.microsoft.com/office/drawing/2014/main" id="{49BD2203-8817-493E-819E-68AE5E486131}"/>
+                </a:ext>
+              </a:extLst>
+            </p:cNvPr>
+            <p:cNvCxnSpPr/>
+            <p:nvPr/>
+          </p:nvCxnSpPr>
+          <p:spPr>
+            <a:xfrm flipV="1">
+              <a:off x="6266942" y="1454305"/>
+              <a:ext cx="2740097" cy="10816"/>
+            </a:xfrm>
+            <a:prstGeom prst="straightConnector1">
+              <a:avLst/>
+            </a:prstGeom>
+            <a:ln w="25400">
+              <a:solidFill>
+                <a:schemeClr val="tx1"/>
+              </a:solidFill>
+              <a:headEnd type="triangle"/>
+              <a:tailEnd type="triangle"/>
+            </a:ln>
+          </p:spPr>
+          <p:style>
+            <a:lnRef idx="1">
+              <a:schemeClr val="accent1"/>
+            </a:lnRef>
+            <a:fillRef idx="0">
+              <a:schemeClr val="accent1"/>
+            </a:fillRef>
+            <a:effectRef idx="0">
+              <a:schemeClr val="accent1"/>
+            </a:effectRef>
+            <a:fontRef idx="minor">
+              <a:schemeClr val="tx1"/>
+            </a:fontRef>
+          </p:style>
+        </p:cxnSp>
+        <p:cxnSp>
+          <p:nvCxnSpPr>
+            <p:cNvPr id="24" name="Gerade Verbindung mit Pfeil 23">
+              <a:extLst>
+                <a:ext uri="{FF2B5EF4-FFF2-40B4-BE49-F238E27FC236}">
+                  <a16:creationId xmlns:a16="http://schemas.microsoft.com/office/drawing/2014/main" id="{BFACA0EA-49E4-4F53-B07C-0D77F956637D}"/>
+                </a:ext>
+              </a:extLst>
+            </p:cNvPr>
+            <p:cNvCxnSpPr>
+              <a:cxnSpLocks/>
+            </p:cNvCxnSpPr>
+            <p:nvPr/>
+          </p:nvCxnSpPr>
+          <p:spPr>
+            <a:xfrm flipV="1">
+              <a:off x="8627382" y="1703115"/>
+              <a:ext cx="610809" cy="366463"/>
+            </a:xfrm>
+            <a:prstGeom prst="straightConnector1">
+              <a:avLst/>
+            </a:prstGeom>
+            <a:ln w="25400">
+              <a:solidFill>
+                <a:schemeClr val="tx1"/>
+              </a:solidFill>
+              <a:headEnd type="triangle"/>
+              <a:tailEnd type="triangle"/>
+            </a:ln>
+          </p:spPr>
+          <p:style>
+            <a:lnRef idx="1">
+              <a:schemeClr val="accent1"/>
+            </a:lnRef>
+            <a:fillRef idx="0">
+              <a:schemeClr val="accent1"/>
+            </a:fillRef>
+            <a:effectRef idx="0">
+              <a:schemeClr val="accent1"/>
+            </a:effectRef>
+            <a:fontRef idx="minor">
+              <a:schemeClr val="tx1"/>
+            </a:fontRef>
+          </p:style>
+        </p:cxnSp>
+        <p:cxnSp>
+          <p:nvCxnSpPr>
+            <p:cNvPr id="33" name="Gerader Verbinder 32">
+              <a:extLst>
+                <a:ext uri="{FF2B5EF4-FFF2-40B4-BE49-F238E27FC236}">
+                  <a16:creationId xmlns:a16="http://schemas.microsoft.com/office/drawing/2014/main" id="{5C34CCE6-4588-4AA9-B26F-AAD69E89D572}"/>
+                </a:ext>
+              </a:extLst>
+            </p:cNvPr>
+            <p:cNvCxnSpPr>
+              <a:cxnSpLocks/>
+            </p:cNvCxnSpPr>
+            <p:nvPr/>
+          </p:nvCxnSpPr>
+          <p:spPr>
+            <a:xfrm>
+              <a:off x="6191250" y="1959088"/>
+              <a:ext cx="1985010" cy="0"/>
+            </a:xfrm>
+            <a:prstGeom prst="line">
+              <a:avLst/>
+            </a:prstGeom>
+            <a:ln w="25400">
+              <a:solidFill>
+                <a:schemeClr val="tx1"/>
+              </a:solidFill>
+              <a:prstDash val="dash"/>
+            </a:ln>
+          </p:spPr>
+          <p:style>
+            <a:lnRef idx="1">
+              <a:schemeClr val="accent1"/>
+            </a:lnRef>
+            <a:fillRef idx="0">
+              <a:schemeClr val="accent1"/>
+            </a:fillRef>
+            <a:effectRef idx="0">
+              <a:schemeClr val="accent1"/>
+            </a:effectRef>
+            <a:fontRef idx="minor">
+              <a:schemeClr val="tx1"/>
+            </a:fontRef>
+          </p:style>
+        </p:cxnSp>
+        <p:cxnSp>
+          <p:nvCxnSpPr>
+            <p:cNvPr id="36" name="Gerader Verbinder 35">
+              <a:extLst>
+                <a:ext uri="{FF2B5EF4-FFF2-40B4-BE49-F238E27FC236}">
+                  <a16:creationId xmlns:a16="http://schemas.microsoft.com/office/drawing/2014/main" id="{27B850ED-FBA0-44A8-A58F-3CD2BD8EA63E}"/>
+                </a:ext>
+              </a:extLst>
+            </p:cNvPr>
+            <p:cNvCxnSpPr>
+              <a:cxnSpLocks/>
+            </p:cNvCxnSpPr>
+            <p:nvPr/>
+          </p:nvCxnSpPr>
+          <p:spPr>
+            <a:xfrm>
+              <a:off x="6427470" y="1814308"/>
+              <a:ext cx="1985010" cy="0"/>
+            </a:xfrm>
+            <a:prstGeom prst="line">
+              <a:avLst/>
+            </a:prstGeom>
+            <a:ln w="25400">
+              <a:solidFill>
+                <a:schemeClr val="tx1"/>
+              </a:solidFill>
+              <a:prstDash val="dash"/>
+            </a:ln>
+          </p:spPr>
+          <p:style>
+            <a:lnRef idx="1">
+              <a:schemeClr val="accent1"/>
+            </a:lnRef>
+            <a:fillRef idx="0">
+              <a:schemeClr val="accent1"/>
+            </a:fillRef>
+            <a:effectRef idx="0">
+              <a:schemeClr val="accent1"/>
+            </a:effectRef>
+            <a:fontRef idx="minor">
+              <a:schemeClr val="tx1"/>
+            </a:fontRef>
+          </p:style>
+        </p:cxnSp>
+        <p:cxnSp>
+          <p:nvCxnSpPr>
+            <p:cNvPr id="37" name="Gerader Verbinder 36">
+              <a:extLst>
+                <a:ext uri="{FF2B5EF4-FFF2-40B4-BE49-F238E27FC236}">
+                  <a16:creationId xmlns:a16="http://schemas.microsoft.com/office/drawing/2014/main" id="{AB368F8B-2FB8-455C-B043-046698DF34C7}"/>
+                </a:ext>
+              </a:extLst>
+            </p:cNvPr>
+            <p:cNvCxnSpPr>
+              <a:cxnSpLocks/>
+            </p:cNvCxnSpPr>
+            <p:nvPr/>
+          </p:nvCxnSpPr>
+          <p:spPr>
+            <a:xfrm flipV="1">
+              <a:off x="6191250" y="1814308"/>
+              <a:ext cx="236220" cy="144781"/>
+            </a:xfrm>
+            <a:prstGeom prst="line">
+              <a:avLst/>
+            </a:prstGeom>
+            <a:ln w="25400">
+              <a:solidFill>
+                <a:schemeClr val="tx1"/>
+              </a:solidFill>
+              <a:prstDash val="dash"/>
+            </a:ln>
+          </p:spPr>
+          <p:style>
+            <a:lnRef idx="1">
+              <a:schemeClr val="accent1"/>
+            </a:lnRef>
+            <a:fillRef idx="0">
+              <a:schemeClr val="accent1"/>
+            </a:fillRef>
+            <a:effectRef idx="0">
+              <a:schemeClr val="accent1"/>
+            </a:effectRef>
+            <a:fontRef idx="minor">
+              <a:schemeClr val="tx1"/>
+            </a:fontRef>
+          </p:style>
+        </p:cxnSp>
+        <p:cxnSp>
+          <p:nvCxnSpPr>
+            <p:cNvPr id="50" name="Gerader Verbinder 49">
+              <a:extLst>
+                <a:ext uri="{FF2B5EF4-FFF2-40B4-BE49-F238E27FC236}">
+                  <a16:creationId xmlns:a16="http://schemas.microsoft.com/office/drawing/2014/main" id="{593A7119-1E3A-460F-A770-53B960341336}"/>
+                </a:ext>
+              </a:extLst>
+            </p:cNvPr>
+            <p:cNvCxnSpPr>
+              <a:cxnSpLocks/>
+            </p:cNvCxnSpPr>
+            <p:nvPr/>
+          </p:nvCxnSpPr>
+          <p:spPr>
+            <a:xfrm flipV="1">
+              <a:off x="8169916" y="1811244"/>
+              <a:ext cx="236220" cy="144781"/>
+            </a:xfrm>
+            <a:prstGeom prst="line">
+              <a:avLst/>
+            </a:prstGeom>
+            <a:ln w="25400">
+              <a:solidFill>
+                <a:schemeClr val="tx1"/>
+              </a:solidFill>
+              <a:prstDash val="dash"/>
+            </a:ln>
+          </p:spPr>
+          <p:style>
+            <a:lnRef idx="1">
+              <a:schemeClr val="accent1"/>
+            </a:lnRef>
+            <a:fillRef idx="0">
+              <a:schemeClr val="accent1"/>
+            </a:fillRef>
+            <a:effectRef idx="0">
+              <a:schemeClr val="accent1"/>
+            </a:effectRef>
+            <a:fontRef idx="minor">
+              <a:schemeClr val="tx1"/>
+            </a:fontRef>
+          </p:style>
+        </p:cxnSp>
+        <p:cxnSp>
+          <p:nvCxnSpPr>
+            <p:cNvPr id="22" name="Gerade Verbindung mit Pfeil 21">
+              <a:extLst>
+                <a:ext uri="{FF2B5EF4-FFF2-40B4-BE49-F238E27FC236}">
+                  <a16:creationId xmlns:a16="http://schemas.microsoft.com/office/drawing/2014/main" id="{A5CD1A6E-230D-4F42-A8E7-E313D575C487}"/>
+                </a:ext>
+              </a:extLst>
+            </p:cNvPr>
+            <p:cNvCxnSpPr>
+              <a:cxnSpLocks/>
+            </p:cNvCxnSpPr>
+            <p:nvPr/>
+          </p:nvCxnSpPr>
+          <p:spPr>
+            <a:xfrm flipV="1">
+              <a:off x="5464610" y="1939407"/>
+              <a:ext cx="185444" cy="135450"/>
+            </a:xfrm>
+            <a:prstGeom prst="straightConnector1">
+              <a:avLst/>
+            </a:prstGeom>
+            <a:ln w="25400">
+              <a:solidFill>
+                <a:schemeClr val="tx1"/>
+              </a:solidFill>
+              <a:headEnd type="triangle"/>
+              <a:tailEnd type="triangle"/>
+            </a:ln>
+          </p:spPr>
+          <p:style>
+            <a:lnRef idx="1">
+              <a:schemeClr val="accent1"/>
+            </a:lnRef>
+            <a:fillRef idx="0">
+              <a:schemeClr val="accent1"/>
+            </a:fillRef>
+            <a:effectRef idx="0">
+              <a:schemeClr val="accent1"/>
+            </a:effectRef>
+            <a:fontRef idx="minor">
+              <a:schemeClr val="tx1"/>
+            </a:fontRef>
+          </p:style>
+        </p:cxnSp>
+        <p:cxnSp>
+          <p:nvCxnSpPr>
+            <p:cNvPr id="52" name="Gerade Verbindung mit Pfeil 51">
+              <a:extLst>
+                <a:ext uri="{FF2B5EF4-FFF2-40B4-BE49-F238E27FC236}">
+                  <a16:creationId xmlns:a16="http://schemas.microsoft.com/office/drawing/2014/main" id="{4951F123-66E7-497A-A4FE-C3BE7CC74EBE}"/>
+                </a:ext>
+              </a:extLst>
+            </p:cNvPr>
+            <p:cNvCxnSpPr>
+              <a:cxnSpLocks/>
+            </p:cNvCxnSpPr>
+            <p:nvPr/>
+          </p:nvCxnSpPr>
+          <p:spPr>
+            <a:xfrm>
+              <a:off x="5619749" y="2157823"/>
+              <a:ext cx="571501" cy="0"/>
+            </a:xfrm>
+            <a:prstGeom prst="straightConnector1">
+              <a:avLst/>
+            </a:prstGeom>
+            <a:ln w="25400">
+              <a:solidFill>
+                <a:schemeClr val="tx1"/>
+              </a:solidFill>
+              <a:headEnd type="triangle"/>
+              <a:tailEnd type="triangle"/>
+            </a:ln>
+          </p:spPr>
+          <p:style>
+            <a:lnRef idx="1">
+              <a:schemeClr val="accent1"/>
+            </a:lnRef>
+            <a:fillRef idx="0">
+              <a:schemeClr val="accent1"/>
+            </a:fillRef>
+            <a:effectRef idx="0">
+              <a:schemeClr val="accent1"/>
+            </a:effectRef>
+            <a:fontRef idx="minor">
+              <a:schemeClr val="tx1"/>
+            </a:fontRef>
+          </p:style>
+        </p:cxnSp>
+        <p:pic>
+          <p:nvPicPr>
+            <p:cNvPr id="31" name="Grafik 30">
+              <a:extLst>
+                <a:ext uri="{FF2B5EF4-FFF2-40B4-BE49-F238E27FC236}">
+                  <a16:creationId xmlns:a16="http://schemas.microsoft.com/office/drawing/2014/main" id="{160158F9-823B-405B-A1A4-5F85087062E3}"/>
+                </a:ext>
+              </a:extLst>
+            </p:cNvPr>
+            <p:cNvPicPr>
+              <a:picLocks noChangeAspect="1"/>
+            </p:cNvPicPr>
+            <p:nvPr>
+              <p:custDataLst>
+                <p:tags r:id="rId4"/>
+              </p:custDataLst>
+            </p:nvPr>
+          </p:nvPicPr>
+          <p:blipFill>
+            <a:blip r:embed="rId23">
+              <a:extLst>
+                <a:ext uri="{28A0092B-C50C-407E-A947-70E740481C1C}">
+                  <a14:useLocalDpi xmlns:a14="http://schemas.microsoft.com/office/drawing/2010/main" val="0"/>
+                </a:ext>
+              </a:extLst>
+            </a:blip>
+            <a:stretch>
+              <a:fillRect/>
+            </a:stretch>
+          </p:blipFill>
+          <p:spPr>
+            <a:xfrm>
+              <a:off x="2575314" y="2085187"/>
+              <a:ext cx="2953967" cy="385026"/>
+            </a:xfrm>
+            <a:prstGeom prst="rect">
+              <a:avLst/>
+            </a:prstGeom>
+          </p:spPr>
+        </p:pic>
+      </p:grpSp>
+    </p:spTree>
+    <p:extLst>
+      <p:ext uri="{BB962C8B-B14F-4D97-AF65-F5344CB8AC3E}">
+        <p14:creationId xmlns:p14="http://schemas.microsoft.com/office/powerpoint/2010/main" val="1134269142"/>
+      </p:ext>
+    </p:extLst>
+  </p:cSld>
+  <p:clrMapOvr>
+    <a:masterClrMapping/>
+  </p:clrMapOvr>
+</p:sld>
+</file>
+
+<file path=ppt/slides/slide6.xml><?xml version="1.0" encoding="utf-8"?>
+<p:sld xmlns:a="http://schemas.openxmlformats.org/drawingml/2006/main" xmlns:r="http://schemas.openxmlformats.org/officeDocument/2006/relationships" xmlns:p="http://schemas.openxmlformats.org/presentationml/2006/main">
+  <p:cSld>
+    <p:spTree>
+      <p:nvGrpSpPr>
+        <p:cNvPr id="1" name=""/>
+        <p:cNvGrpSpPr/>
+        <p:nvPr/>
+      </p:nvGrpSpPr>
+      <p:grpSpPr>
+        <a:xfrm>
+          <a:off x="0" y="0"/>
+          <a:ext cx="0" cy="0"/>
+          <a:chOff x="0" y="0"/>
+          <a:chExt cx="0" cy="0"/>
+        </a:xfrm>
+      </p:grpSpPr>
+      <p:grpSp>
+        <p:nvGrpSpPr>
+          <p:cNvPr id="97" name="Gruppieren 96">
+            <a:extLst>
+              <a:ext uri="{FF2B5EF4-FFF2-40B4-BE49-F238E27FC236}">
+                <a16:creationId xmlns:a16="http://schemas.microsoft.com/office/drawing/2014/main" id="{A559F4E4-5410-4C67-AD20-0302D3E7CE19}"/>
+              </a:ext>
+            </a:extLst>
+          </p:cNvPr>
+          <p:cNvGrpSpPr/>
+          <p:nvPr/>
+        </p:nvGrpSpPr>
+        <p:grpSpPr>
+          <a:xfrm>
+            <a:off x="-1243950" y="1129362"/>
+            <a:ext cx="5379174" cy="4945987"/>
+            <a:chOff x="-723241" y="528245"/>
+            <a:chExt cx="5379174" cy="4945987"/>
+          </a:xfrm>
+        </p:grpSpPr>
+        <p:grpSp>
+          <p:nvGrpSpPr>
+            <p:cNvPr id="6" name="Gruppieren 5">
+              <a:extLst>
+                <a:ext uri="{FF2B5EF4-FFF2-40B4-BE49-F238E27FC236}">
+                  <a16:creationId xmlns:a16="http://schemas.microsoft.com/office/drawing/2014/main" id="{0FE27D53-0EE4-4AD0-9ECC-ABD0BFA0C7CD}"/>
+                </a:ext>
+              </a:extLst>
+            </p:cNvPr>
+            <p:cNvGrpSpPr>
+              <a:grpSpLocks noChangeAspect="1"/>
+            </p:cNvGrpSpPr>
+            <p:nvPr/>
+          </p:nvGrpSpPr>
+          <p:grpSpPr>
+            <a:xfrm rot="1192133">
+              <a:off x="3447611" y="528245"/>
+              <a:ext cx="540000" cy="4363713"/>
+              <a:chOff x="3133816" y="1864311"/>
+              <a:chExt cx="540000" cy="4363713"/>
+            </a:xfrm>
+          </p:grpSpPr>
+          <p:sp>
+            <p:nvSpPr>
+              <p:cNvPr id="2" name="Ellipse 1">
+                <a:extLst>
+                  <a:ext uri="{FF2B5EF4-FFF2-40B4-BE49-F238E27FC236}">
+                    <a16:creationId xmlns:a16="http://schemas.microsoft.com/office/drawing/2014/main" id="{E94FD4AD-85E2-417F-9715-499C0C3F57DC}"/>
+                  </a:ext>
+                </a:extLst>
+              </p:cNvPr>
+              <p:cNvSpPr/>
+              <p:nvPr/>
+            </p:nvSpPr>
+            <p:spPr>
+              <a:xfrm>
+                <a:off x="3133816" y="1864311"/>
+                <a:ext cx="540000" cy="541538"/>
+              </a:xfrm>
+              <a:prstGeom prst="ellipse">
+                <a:avLst/>
+              </a:prstGeom>
+              <a:solidFill>
+                <a:srgbClr val="FF7F2B"/>
+              </a:solidFill>
+              <a:ln>
+                <a:noFill/>
+              </a:ln>
+            </p:spPr>
+            <p:style>
+              <a:lnRef idx="2">
+                <a:schemeClr val="accent1">
+                  <a:shade val="50000"/>
+                </a:schemeClr>
+              </a:lnRef>
+              <a:fillRef idx="1">
+                <a:schemeClr val="accent1"/>
+              </a:fillRef>
+              <a:effectRef idx="0">
+                <a:schemeClr val="accent1"/>
+              </a:effectRef>
+              <a:fontRef idx="minor">
+                <a:schemeClr val="lt1"/>
+              </a:fontRef>
+            </p:style>
+            <p:txBody>
+              <a:bodyPr rtlCol="0" anchor="ctr"/>
+              <a:lstStyle/>
+              <a:p>
+                <a:pPr algn="ctr"/>
+                <a:endParaRPr lang="en-GB"/>
+              </a:p>
+            </p:txBody>
+          </p:sp>
+          <p:cxnSp>
+            <p:nvCxnSpPr>
+              <p:cNvPr id="5" name="Gerader Verbinder 4">
+                <a:extLst>
+                  <a:ext uri="{FF2B5EF4-FFF2-40B4-BE49-F238E27FC236}">
+                    <a16:creationId xmlns:a16="http://schemas.microsoft.com/office/drawing/2014/main" id="{319BBA06-4484-4E79-A047-CBB229804BDC}"/>
+                  </a:ext>
+                </a:extLst>
+              </p:cNvPr>
+              <p:cNvCxnSpPr>
+                <a:cxnSpLocks/>
+                <a:stCxn id="2" idx="4"/>
+              </p:cNvCxnSpPr>
+              <p:nvPr/>
+            </p:nvCxnSpPr>
+            <p:spPr>
+              <a:xfrm>
+                <a:off x="3403816" y="2405849"/>
+                <a:ext cx="0" cy="3822175"/>
+              </a:xfrm>
+              <a:prstGeom prst="line">
+                <a:avLst/>
+              </a:prstGeom>
+              <a:ln w="25400">
+                <a:solidFill>
+                  <a:schemeClr val="tx1"/>
+                </a:solidFill>
+              </a:ln>
+            </p:spPr>
+            <p:style>
+              <a:lnRef idx="1">
+                <a:schemeClr val="accent1"/>
+              </a:lnRef>
+              <a:fillRef idx="0">
+                <a:schemeClr val="accent1"/>
+              </a:fillRef>
+              <a:effectRef idx="0">
+                <a:schemeClr val="accent1"/>
+              </a:effectRef>
+              <a:fontRef idx="minor">
+                <a:schemeClr val="tx1"/>
+              </a:fontRef>
+            </p:style>
+          </p:cxnSp>
+        </p:grpSp>
+        <p:grpSp>
+          <p:nvGrpSpPr>
+            <p:cNvPr id="15" name="Gruppieren 14">
+              <a:extLst>
+                <a:ext uri="{FF2B5EF4-FFF2-40B4-BE49-F238E27FC236}">
+                  <a16:creationId xmlns:a16="http://schemas.microsoft.com/office/drawing/2014/main" id="{0851C481-4B11-4A41-81E1-C3CF35C63556}"/>
+                </a:ext>
+              </a:extLst>
+            </p:cNvPr>
+            <p:cNvGrpSpPr>
+              <a:grpSpLocks noChangeAspect="1"/>
+            </p:cNvGrpSpPr>
+            <p:nvPr/>
+          </p:nvGrpSpPr>
+          <p:grpSpPr>
+            <a:xfrm>
+              <a:off x="1271272" y="4561463"/>
+              <a:ext cx="3384661" cy="383363"/>
+              <a:chOff x="2486025" y="4010025"/>
+              <a:chExt cx="2691039" cy="304800"/>
+            </a:xfrm>
+          </p:grpSpPr>
+          <p:cxnSp>
+            <p:nvCxnSpPr>
+              <p:cNvPr id="9" name="Gerader Verbinder 8">
+                <a:extLst>
+                  <a:ext uri="{FF2B5EF4-FFF2-40B4-BE49-F238E27FC236}">
+                    <a16:creationId xmlns:a16="http://schemas.microsoft.com/office/drawing/2014/main" id="{3F4488D8-84BA-4E63-98EA-1EC35E678D9C}"/>
+                  </a:ext>
+                </a:extLst>
+              </p:cNvPr>
+              <p:cNvCxnSpPr/>
+              <p:nvPr/>
+            </p:nvCxnSpPr>
+            <p:spPr>
+              <a:xfrm>
+                <a:off x="2486025" y="4314825"/>
+                <a:ext cx="2178566" cy="0"/>
+              </a:xfrm>
+              <a:prstGeom prst="line">
+                <a:avLst/>
+              </a:prstGeom>
+              <a:ln w="25400">
+                <a:solidFill>
+                  <a:schemeClr val="tx1"/>
+                </a:solidFill>
+              </a:ln>
+            </p:spPr>
+            <p:style>
+              <a:lnRef idx="1">
+                <a:schemeClr val="accent1"/>
+              </a:lnRef>
+              <a:fillRef idx="0">
+                <a:schemeClr val="accent1"/>
+              </a:fillRef>
+              <a:effectRef idx="0">
+                <a:schemeClr val="accent1"/>
+              </a:effectRef>
+              <a:fontRef idx="minor">
+                <a:schemeClr val="tx1"/>
+              </a:fontRef>
+            </p:style>
+          </p:cxnSp>
+          <p:cxnSp>
+            <p:nvCxnSpPr>
+              <p:cNvPr id="10" name="Gerader Verbinder 9">
+                <a:extLst>
+                  <a:ext uri="{FF2B5EF4-FFF2-40B4-BE49-F238E27FC236}">
+                    <a16:creationId xmlns:a16="http://schemas.microsoft.com/office/drawing/2014/main" id="{D0CB8BE8-58F8-40D3-8C7D-86555CACF5E7}"/>
+                  </a:ext>
+                </a:extLst>
+              </p:cNvPr>
+              <p:cNvCxnSpPr>
+                <a:cxnSpLocks/>
+              </p:cNvCxnSpPr>
+              <p:nvPr/>
+            </p:nvCxnSpPr>
+            <p:spPr>
+              <a:xfrm flipV="1">
+                <a:off x="4664591" y="4010025"/>
+                <a:ext cx="512473" cy="304800"/>
+              </a:xfrm>
+              <a:prstGeom prst="line">
+                <a:avLst/>
+              </a:prstGeom>
+              <a:ln w="25400">
+                <a:solidFill>
+                  <a:schemeClr val="tx1"/>
+                </a:solidFill>
+              </a:ln>
+            </p:spPr>
+            <p:style>
+              <a:lnRef idx="1">
+                <a:schemeClr val="accent1"/>
+              </a:lnRef>
+              <a:fillRef idx="0">
+                <a:schemeClr val="accent1"/>
+              </a:fillRef>
+              <a:effectRef idx="0">
+                <a:schemeClr val="accent1"/>
+              </a:effectRef>
+              <a:fontRef idx="minor">
+                <a:schemeClr val="tx1"/>
+              </a:fontRef>
+            </p:style>
+          </p:cxnSp>
+          <p:cxnSp>
+            <p:nvCxnSpPr>
+              <p:cNvPr id="13" name="Gerader Verbinder 12">
+                <a:extLst>
+                  <a:ext uri="{FF2B5EF4-FFF2-40B4-BE49-F238E27FC236}">
+                    <a16:creationId xmlns:a16="http://schemas.microsoft.com/office/drawing/2014/main" id="{097FAE77-5DE9-4F5F-A99F-62E28FB3FECF}"/>
+                  </a:ext>
+                </a:extLst>
+              </p:cNvPr>
+              <p:cNvCxnSpPr>
+                <a:cxnSpLocks/>
+              </p:cNvCxnSpPr>
+              <p:nvPr/>
+            </p:nvCxnSpPr>
+            <p:spPr>
+              <a:xfrm flipV="1">
+                <a:off x="2486025" y="4010025"/>
+                <a:ext cx="512473" cy="304800"/>
+              </a:xfrm>
+              <a:prstGeom prst="line">
+                <a:avLst/>
+              </a:prstGeom>
+              <a:ln w="25400">
+                <a:solidFill>
+                  <a:schemeClr val="tx1"/>
+                </a:solidFill>
+              </a:ln>
+            </p:spPr>
+            <p:style>
+              <a:lnRef idx="1">
+                <a:schemeClr val="accent1"/>
+              </a:lnRef>
+              <a:fillRef idx="0">
+                <a:schemeClr val="accent1"/>
+              </a:fillRef>
+              <a:effectRef idx="0">
+                <a:schemeClr val="accent1"/>
+              </a:effectRef>
+              <a:fontRef idx="minor">
+                <a:schemeClr val="tx1"/>
+              </a:fontRef>
+            </p:style>
+          </p:cxnSp>
+          <p:cxnSp>
+            <p:nvCxnSpPr>
+              <p:cNvPr id="14" name="Gerader Verbinder 13">
+                <a:extLst>
+                  <a:ext uri="{FF2B5EF4-FFF2-40B4-BE49-F238E27FC236}">
+                    <a16:creationId xmlns:a16="http://schemas.microsoft.com/office/drawing/2014/main" id="{1F30F07A-F108-4B0C-A01E-61385B33BCC0}"/>
+                  </a:ext>
+                </a:extLst>
+              </p:cNvPr>
+              <p:cNvCxnSpPr/>
+              <p:nvPr/>
+            </p:nvCxnSpPr>
+            <p:spPr>
+              <a:xfrm>
+                <a:off x="2998498" y="4010025"/>
+                <a:ext cx="2178566" cy="0"/>
+              </a:xfrm>
+              <a:prstGeom prst="line">
+                <a:avLst/>
+              </a:prstGeom>
+              <a:ln w="25400">
+                <a:solidFill>
+                  <a:schemeClr val="tx1"/>
+                </a:solidFill>
+              </a:ln>
+            </p:spPr>
+            <p:style>
+              <a:lnRef idx="1">
+                <a:schemeClr val="accent1"/>
+              </a:lnRef>
+              <a:fillRef idx="0">
+                <a:schemeClr val="accent1"/>
+              </a:fillRef>
+              <a:effectRef idx="0">
+                <a:schemeClr val="accent1"/>
+              </a:effectRef>
+              <a:fontRef idx="minor">
+                <a:schemeClr val="tx1"/>
+              </a:fontRef>
+            </p:style>
+          </p:cxnSp>
+        </p:grpSp>
+        <p:pic>
+          <p:nvPicPr>
+            <p:cNvPr id="70" name="Grafik 69">
+              <a:extLst>
+                <a:ext uri="{FF2B5EF4-FFF2-40B4-BE49-F238E27FC236}">
+                  <a16:creationId xmlns:a16="http://schemas.microsoft.com/office/drawing/2014/main" id="{FECC72F7-A9D2-4C1D-A210-D2684B09285E}"/>
+                </a:ext>
+              </a:extLst>
+            </p:cNvPr>
+            <p:cNvPicPr>
+              <a:picLocks noChangeAspect="1"/>
+            </p:cNvPicPr>
+            <p:nvPr>
+              <p:custDataLst>
+                <p:tags r:id="rId11"/>
+              </p:custDataLst>
+            </p:nvPr>
+          </p:nvPicPr>
+          <p:blipFill>
+            <a:blip r:embed="rId14">
+              <a:extLst>
+                <a:ext uri="{28A0092B-C50C-407E-A947-70E740481C1C}">
+                  <a14:useLocalDpi xmlns:a14="http://schemas.microsoft.com/office/drawing/2010/main" val="0"/>
+                </a:ext>
+              </a:extLst>
+            </a:blip>
+            <a:stretch>
+              <a:fillRect/>
+            </a:stretch>
+          </p:blipFill>
+          <p:spPr>
+            <a:xfrm>
+              <a:off x="-723241" y="5090869"/>
+              <a:ext cx="3100135" cy="383363"/>
+            </a:xfrm>
+            <a:prstGeom prst="rect">
+              <a:avLst/>
+            </a:prstGeom>
+          </p:spPr>
+        </p:pic>
+        <p:pic>
+          <p:nvPicPr>
+            <p:cNvPr id="73" name="Grafik 72">
+              <a:extLst>
+                <a:ext uri="{FF2B5EF4-FFF2-40B4-BE49-F238E27FC236}">
+                  <a16:creationId xmlns:a16="http://schemas.microsoft.com/office/drawing/2014/main" id="{0C7C79B4-2BF3-4F70-8960-8AACAADF9F74}"/>
+                </a:ext>
+              </a:extLst>
+            </p:cNvPr>
+            <p:cNvPicPr>
+              <a:picLocks noChangeAspect="1"/>
+            </p:cNvPicPr>
+            <p:nvPr>
+              <p:custDataLst>
+                <p:tags r:id="rId12"/>
+              </p:custDataLst>
+            </p:nvPr>
+          </p:nvPicPr>
+          <p:blipFill>
+            <a:blip r:embed="rId15">
+              <a:extLst>
+                <a:ext uri="{28A0092B-C50C-407E-A947-70E740481C1C}">
+                  <a14:useLocalDpi xmlns:a14="http://schemas.microsoft.com/office/drawing/2010/main" val="0"/>
+                </a:ext>
+              </a:extLst>
+            </a:blip>
+            <a:stretch>
+              <a:fillRect/>
+            </a:stretch>
+          </p:blipFill>
+          <p:spPr>
+            <a:xfrm>
+              <a:off x="271024" y="834520"/>
+              <a:ext cx="3537088" cy="300321"/>
+            </a:xfrm>
+            <a:prstGeom prst="rect">
+              <a:avLst/>
+            </a:prstGeom>
+          </p:spPr>
+        </p:pic>
+      </p:grpSp>
+      <p:grpSp>
+        <p:nvGrpSpPr>
+          <p:cNvPr id="130" name="Gruppieren 129">
+            <a:extLst>
+              <a:ext uri="{FF2B5EF4-FFF2-40B4-BE49-F238E27FC236}">
+                <a16:creationId xmlns:a16="http://schemas.microsoft.com/office/drawing/2014/main" id="{9E728FC3-84F4-46D4-A566-3000F4EB8F10}"/>
+              </a:ext>
+            </a:extLst>
+          </p:cNvPr>
+          <p:cNvGrpSpPr/>
+          <p:nvPr/>
+        </p:nvGrpSpPr>
+        <p:grpSpPr>
+          <a:xfrm>
+            <a:off x="5162330" y="251341"/>
+            <a:ext cx="6550552" cy="6739579"/>
+            <a:chOff x="5246163" y="105015"/>
+            <a:chExt cx="6550552" cy="6739579"/>
+          </a:xfrm>
+        </p:grpSpPr>
+        <p:grpSp>
+          <p:nvGrpSpPr>
+            <p:cNvPr id="19" name="Gruppieren 18">
+              <a:extLst>
+                <a:ext uri="{FF2B5EF4-FFF2-40B4-BE49-F238E27FC236}">
+                  <a16:creationId xmlns:a16="http://schemas.microsoft.com/office/drawing/2014/main" id="{A3E2B710-6D5E-471E-ADE2-E38164B1DAE3}"/>
+                </a:ext>
+              </a:extLst>
+            </p:cNvPr>
+            <p:cNvGrpSpPr>
+              <a:grpSpLocks noChangeAspect="1"/>
+            </p:cNvGrpSpPr>
+            <p:nvPr/>
+          </p:nvGrpSpPr>
+          <p:grpSpPr>
+            <a:xfrm rot="1192133">
+              <a:off x="10662784" y="105015"/>
+              <a:ext cx="540000" cy="4363713"/>
+              <a:chOff x="3133816" y="1864311"/>
+              <a:chExt cx="540000" cy="4363713"/>
+            </a:xfrm>
+          </p:grpSpPr>
+          <p:sp>
+            <p:nvSpPr>
+              <p:cNvPr id="20" name="Ellipse 19">
+                <a:extLst>
+                  <a:ext uri="{FF2B5EF4-FFF2-40B4-BE49-F238E27FC236}">
+                    <a16:creationId xmlns:a16="http://schemas.microsoft.com/office/drawing/2014/main" id="{E6C0D265-5A0E-4221-971F-3F2934987A4E}"/>
+                  </a:ext>
+                </a:extLst>
+              </p:cNvPr>
+              <p:cNvSpPr/>
+              <p:nvPr/>
+            </p:nvSpPr>
+            <p:spPr>
+              <a:xfrm>
+                <a:off x="3133816" y="1864311"/>
+                <a:ext cx="540000" cy="541538"/>
+              </a:xfrm>
+              <a:prstGeom prst="ellipse">
+                <a:avLst/>
+              </a:prstGeom>
+              <a:solidFill>
+                <a:srgbClr val="FF7F2B"/>
+              </a:solidFill>
+              <a:ln>
+                <a:noFill/>
+              </a:ln>
+            </p:spPr>
+            <p:style>
+              <a:lnRef idx="2">
+                <a:schemeClr val="accent1">
+                  <a:shade val="50000"/>
+                </a:schemeClr>
+              </a:lnRef>
+              <a:fillRef idx="1">
+                <a:schemeClr val="accent1"/>
+              </a:fillRef>
+              <a:effectRef idx="0">
+                <a:schemeClr val="accent1"/>
+              </a:effectRef>
+              <a:fontRef idx="minor">
+                <a:schemeClr val="lt1"/>
+              </a:fontRef>
+            </p:style>
+            <p:txBody>
+              <a:bodyPr rtlCol="0" anchor="ctr"/>
+              <a:lstStyle/>
+              <a:p>
+                <a:pPr algn="ctr"/>
+                <a:endParaRPr lang="en-GB"/>
+              </a:p>
+            </p:txBody>
+          </p:sp>
+          <p:cxnSp>
+            <p:nvCxnSpPr>
+              <p:cNvPr id="21" name="Gerader Verbinder 20">
+                <a:extLst>
+                  <a:ext uri="{FF2B5EF4-FFF2-40B4-BE49-F238E27FC236}">
+                    <a16:creationId xmlns:a16="http://schemas.microsoft.com/office/drawing/2014/main" id="{A005BB51-4896-4E46-870C-4A3321740F48}"/>
+                  </a:ext>
+                </a:extLst>
+              </p:cNvPr>
+              <p:cNvCxnSpPr>
+                <a:cxnSpLocks/>
+                <a:stCxn id="20" idx="4"/>
+              </p:cNvCxnSpPr>
+              <p:nvPr/>
+            </p:nvCxnSpPr>
+            <p:spPr>
+              <a:xfrm>
+                <a:off x="3403816" y="2405849"/>
+                <a:ext cx="0" cy="3822175"/>
+              </a:xfrm>
+              <a:prstGeom prst="line">
+                <a:avLst/>
+              </a:prstGeom>
+              <a:ln w="25400">
+                <a:solidFill>
+                  <a:schemeClr val="tx1"/>
+                </a:solidFill>
+                <a:headEnd type="triangle"/>
+              </a:ln>
+            </p:spPr>
+            <p:style>
+              <a:lnRef idx="1">
+                <a:schemeClr val="accent1"/>
+              </a:lnRef>
+              <a:fillRef idx="0">
+                <a:schemeClr val="accent1"/>
+              </a:fillRef>
+              <a:effectRef idx="0">
+                <a:schemeClr val="accent1"/>
+              </a:effectRef>
+              <a:fontRef idx="minor">
+                <a:schemeClr val="tx1"/>
+              </a:fontRef>
+            </p:style>
+          </p:cxnSp>
+        </p:grpSp>
+        <p:cxnSp>
+          <p:nvCxnSpPr>
+            <p:cNvPr id="29" name="Gerade Verbindung mit Pfeil 28">
+              <a:extLst>
+                <a:ext uri="{FF2B5EF4-FFF2-40B4-BE49-F238E27FC236}">
+                  <a16:creationId xmlns:a16="http://schemas.microsoft.com/office/drawing/2014/main" id="{0FEE19CC-6543-4485-BD07-ECDFDC2CE239}"/>
+                </a:ext>
+              </a:extLst>
+            </p:cNvPr>
+            <p:cNvCxnSpPr/>
+            <p:nvPr/>
+          </p:nvCxnSpPr>
+          <p:spPr>
+            <a:xfrm flipV="1">
+              <a:off x="10183753" y="3537963"/>
+              <a:ext cx="0" cy="792000"/>
+            </a:xfrm>
+            <a:prstGeom prst="straightConnector1">
+              <a:avLst/>
+            </a:prstGeom>
+            <a:ln w="25400">
+              <a:solidFill>
+                <a:schemeClr val="tx1"/>
+              </a:solidFill>
+              <a:tailEnd type="triangle"/>
+            </a:ln>
+          </p:spPr>
+          <p:style>
+            <a:lnRef idx="1">
+              <a:schemeClr val="accent1"/>
+            </a:lnRef>
+            <a:fillRef idx="0">
+              <a:schemeClr val="accent1"/>
+            </a:fillRef>
+            <a:effectRef idx="0">
+              <a:schemeClr val="accent1"/>
+            </a:effectRef>
+            <a:fontRef idx="minor">
+              <a:schemeClr val="tx1"/>
+            </a:fontRef>
+          </p:style>
+        </p:cxnSp>
+        <p:cxnSp>
+          <p:nvCxnSpPr>
+            <p:cNvPr id="32" name="Gerade Verbindung mit Pfeil 31">
+              <a:extLst>
+                <a:ext uri="{FF2B5EF4-FFF2-40B4-BE49-F238E27FC236}">
+                  <a16:creationId xmlns:a16="http://schemas.microsoft.com/office/drawing/2014/main" id="{4AA7B8F8-A84E-4AB9-8C1D-D579684E0B8E}"/>
+                </a:ext>
+              </a:extLst>
+            </p:cNvPr>
+            <p:cNvCxnSpPr>
+              <a:cxnSpLocks/>
+            </p:cNvCxnSpPr>
+            <p:nvPr/>
+          </p:nvCxnSpPr>
+          <p:spPr>
+            <a:xfrm flipV="1">
+              <a:off x="10185692" y="4324747"/>
+              <a:ext cx="792000" cy="3217"/>
+            </a:xfrm>
+            <a:prstGeom prst="straightConnector1">
+              <a:avLst/>
+            </a:prstGeom>
+            <a:ln w="25400">
+              <a:solidFill>
+                <a:schemeClr val="tx1"/>
+              </a:solidFill>
+              <a:tailEnd type="triangle"/>
+            </a:ln>
+          </p:spPr>
+          <p:style>
+            <a:lnRef idx="1">
+              <a:schemeClr val="accent1"/>
+            </a:lnRef>
+            <a:fillRef idx="0">
+              <a:schemeClr val="accent1"/>
+            </a:fillRef>
+            <a:effectRef idx="0">
+              <a:schemeClr val="accent1"/>
+            </a:effectRef>
+            <a:fontRef idx="minor">
+              <a:schemeClr val="tx1"/>
+            </a:fontRef>
+          </p:style>
+        </p:cxnSp>
+        <p:cxnSp>
+          <p:nvCxnSpPr>
+            <p:cNvPr id="34" name="Gerade Verbindung mit Pfeil 33">
+              <a:extLst>
+                <a:ext uri="{FF2B5EF4-FFF2-40B4-BE49-F238E27FC236}">
+                  <a16:creationId xmlns:a16="http://schemas.microsoft.com/office/drawing/2014/main" id="{7B78AE39-A32A-4716-A116-B3E22F6189FC}"/>
+                </a:ext>
+              </a:extLst>
+            </p:cNvPr>
+            <p:cNvCxnSpPr>
+              <a:cxnSpLocks/>
+            </p:cNvCxnSpPr>
+            <p:nvPr/>
+          </p:nvCxnSpPr>
+          <p:spPr>
+            <a:xfrm>
+              <a:off x="11576065" y="733363"/>
+              <a:ext cx="0" cy="792000"/>
+            </a:xfrm>
+            <a:prstGeom prst="straightConnector1">
+              <a:avLst/>
+            </a:prstGeom>
+            <a:ln w="25400">
+              <a:solidFill>
+                <a:schemeClr val="tx1"/>
+              </a:solidFill>
+              <a:tailEnd type="triangle"/>
+            </a:ln>
+          </p:spPr>
+          <p:style>
+            <a:lnRef idx="1">
+              <a:schemeClr val="accent1"/>
+            </a:lnRef>
+            <a:fillRef idx="0">
+              <a:schemeClr val="accent1"/>
+            </a:fillRef>
+            <a:effectRef idx="0">
+              <a:schemeClr val="accent1"/>
+            </a:effectRef>
+            <a:fontRef idx="minor">
+              <a:schemeClr val="tx1"/>
+            </a:fontRef>
+          </p:style>
+        </p:cxnSp>
+        <p:pic>
+          <p:nvPicPr>
+            <p:cNvPr id="109" name="Grafik 108">
+              <a:extLst>
+                <a:ext uri="{FF2B5EF4-FFF2-40B4-BE49-F238E27FC236}">
+                  <a16:creationId xmlns:a16="http://schemas.microsoft.com/office/drawing/2014/main" id="{71375DA4-DA77-4B19-A5FC-594D293C3778}"/>
+                </a:ext>
+              </a:extLst>
+            </p:cNvPr>
+            <p:cNvPicPr>
+              <a:picLocks noChangeAspect="1"/>
+            </p:cNvPicPr>
+            <p:nvPr>
+              <p:custDataLst>
+                <p:tags r:id="rId1"/>
+              </p:custDataLst>
+            </p:nvPr>
+          </p:nvPicPr>
+          <p:blipFill>
+            <a:blip r:embed="rId16">
+              <a:extLst>
+                <a:ext uri="{28A0092B-C50C-407E-A947-70E740481C1C}">
+                  <a14:useLocalDpi xmlns:a14="http://schemas.microsoft.com/office/drawing/2010/main" val="0"/>
+                </a:ext>
+              </a:extLst>
+            </a:blip>
+            <a:stretch>
+              <a:fillRect/>
+            </a:stretch>
+          </p:blipFill>
+          <p:spPr>
+            <a:xfrm>
+              <a:off x="11403014" y="1751877"/>
+              <a:ext cx="393701" cy="376053"/>
+            </a:xfrm>
+            <a:prstGeom prst="rect">
+              <a:avLst/>
+            </a:prstGeom>
+          </p:spPr>
+        </p:pic>
+        <p:pic>
+          <p:nvPicPr>
+            <p:cNvPr id="107" name="Grafik 106">
+              <a:extLst>
+                <a:ext uri="{FF2B5EF4-FFF2-40B4-BE49-F238E27FC236}">
+                  <a16:creationId xmlns:a16="http://schemas.microsoft.com/office/drawing/2014/main" id="{70CB72FE-8EBD-42E3-8FC1-2C57980556C6}"/>
+                </a:ext>
+              </a:extLst>
+            </p:cNvPr>
+            <p:cNvPicPr>
+              <a:picLocks noChangeAspect="1"/>
+            </p:cNvPicPr>
+            <p:nvPr>
+              <p:custDataLst>
+                <p:tags r:id="rId2"/>
+              </p:custDataLst>
+            </p:nvPr>
+          </p:nvPicPr>
+          <p:blipFill>
+            <a:blip r:embed="rId17">
+              <a:extLst>
+                <a:ext uri="{28A0092B-C50C-407E-A947-70E740481C1C}">
+                  <a14:useLocalDpi xmlns:a14="http://schemas.microsoft.com/office/drawing/2010/main" val="0"/>
+                </a:ext>
+              </a:extLst>
+            </a:blip>
+            <a:stretch>
+              <a:fillRect/>
+            </a:stretch>
+          </p:blipFill>
+          <p:spPr>
+            <a:xfrm>
+              <a:off x="11162296" y="4171534"/>
+              <a:ext cx="403728" cy="334277"/>
+            </a:xfrm>
+            <a:prstGeom prst="rect">
+              <a:avLst/>
+            </a:prstGeom>
+          </p:spPr>
+        </p:pic>
+        <p:cxnSp>
+          <p:nvCxnSpPr>
+            <p:cNvPr id="39" name="Gerade Verbindung mit Pfeil 38">
+              <a:extLst>
+                <a:ext uri="{FF2B5EF4-FFF2-40B4-BE49-F238E27FC236}">
+                  <a16:creationId xmlns:a16="http://schemas.microsoft.com/office/drawing/2014/main" id="{D164B4E9-2EFE-4D50-BB78-4C45F1814378}"/>
+                </a:ext>
+              </a:extLst>
+            </p:cNvPr>
+            <p:cNvCxnSpPr>
+              <a:cxnSpLocks/>
+            </p:cNvCxnSpPr>
+            <p:nvPr/>
+          </p:nvCxnSpPr>
+          <p:spPr>
+            <a:xfrm flipH="1">
+              <a:off x="9643753" y="4330806"/>
+              <a:ext cx="540000" cy="324000"/>
+            </a:xfrm>
+            <a:prstGeom prst="straightConnector1">
+              <a:avLst/>
+            </a:prstGeom>
+            <a:ln w="25400">
+              <a:solidFill>
+                <a:schemeClr val="tx1"/>
+              </a:solidFill>
+              <a:tailEnd type="triangle"/>
+            </a:ln>
+          </p:spPr>
+          <p:style>
+            <a:lnRef idx="1">
+              <a:schemeClr val="accent1"/>
+            </a:lnRef>
+            <a:fillRef idx="0">
+              <a:schemeClr val="accent1"/>
+            </a:fillRef>
+            <a:effectRef idx="0">
+              <a:schemeClr val="accent1"/>
+            </a:effectRef>
+            <a:fontRef idx="minor">
+              <a:schemeClr val="tx1"/>
+            </a:fontRef>
+          </p:style>
+        </p:cxnSp>
+        <p:pic>
+          <p:nvPicPr>
+            <p:cNvPr id="103" name="Grafik 102">
+              <a:extLst>
+                <a:ext uri="{FF2B5EF4-FFF2-40B4-BE49-F238E27FC236}">
+                  <a16:creationId xmlns:a16="http://schemas.microsoft.com/office/drawing/2014/main" id="{42BD1304-4A2A-4675-8859-D033E555EC2D}"/>
+                </a:ext>
+              </a:extLst>
+            </p:cNvPr>
+            <p:cNvPicPr>
+              <a:picLocks noChangeAspect="1"/>
+            </p:cNvPicPr>
+            <p:nvPr>
+              <p:custDataLst>
+                <p:tags r:id="rId3"/>
+              </p:custDataLst>
+            </p:nvPr>
+          </p:nvPicPr>
+          <p:blipFill>
+            <a:blip r:embed="rId18">
+              <a:extLst>
+                <a:ext uri="{28A0092B-C50C-407E-A947-70E740481C1C}">
+                  <a14:useLocalDpi xmlns:a14="http://schemas.microsoft.com/office/drawing/2010/main" val="0"/>
+                </a:ext>
+              </a:extLst>
+            </a:blip>
+            <a:stretch>
+              <a:fillRect/>
+            </a:stretch>
+          </p:blipFill>
+          <p:spPr>
+            <a:xfrm>
+              <a:off x="9268286" y="4665547"/>
+              <a:ext cx="402128" cy="391174"/>
+            </a:xfrm>
+            <a:prstGeom prst="rect">
+              <a:avLst/>
+            </a:prstGeom>
+          </p:spPr>
+        </p:pic>
+        <p:pic>
+          <p:nvPicPr>
+            <p:cNvPr id="105" name="Grafik 104">
+              <a:extLst>
+                <a:ext uri="{FF2B5EF4-FFF2-40B4-BE49-F238E27FC236}">
+                  <a16:creationId xmlns:a16="http://schemas.microsoft.com/office/drawing/2014/main" id="{801B4532-13C2-4D2D-AA3F-953FFD7F7B1F}"/>
+                </a:ext>
+              </a:extLst>
+            </p:cNvPr>
+            <p:cNvPicPr>
+              <a:picLocks noChangeAspect="1"/>
+            </p:cNvPicPr>
+            <p:nvPr>
+              <p:custDataLst>
+                <p:tags r:id="rId4"/>
+              </p:custDataLst>
+            </p:nvPr>
+          </p:nvPicPr>
+          <p:blipFill>
+            <a:blip r:embed="rId19">
+              <a:extLst>
+                <a:ext uri="{28A0092B-C50C-407E-A947-70E740481C1C}">
+                  <a14:useLocalDpi xmlns:a14="http://schemas.microsoft.com/office/drawing/2010/main" val="0"/>
+                </a:ext>
+              </a:extLst>
+            </a:blip>
+            <a:stretch>
+              <a:fillRect/>
+            </a:stretch>
+          </p:blipFill>
+          <p:spPr>
+            <a:xfrm>
+              <a:off x="10000622" y="3107158"/>
+              <a:ext cx="392823" cy="340172"/>
+            </a:xfrm>
+            <a:prstGeom prst="rect">
+              <a:avLst/>
+            </a:prstGeom>
+          </p:spPr>
+        </p:pic>
+        <p:pic>
+          <p:nvPicPr>
+            <p:cNvPr id="101" name="Grafik 100">
+              <a:extLst>
+                <a:ext uri="{FF2B5EF4-FFF2-40B4-BE49-F238E27FC236}">
+                  <a16:creationId xmlns:a16="http://schemas.microsoft.com/office/drawing/2014/main" id="{671C95AD-2D6E-4FA1-80FE-757292E1B2E5}"/>
+                </a:ext>
+              </a:extLst>
+            </p:cNvPr>
+            <p:cNvPicPr>
+              <a:picLocks noChangeAspect="1"/>
+            </p:cNvPicPr>
+            <p:nvPr>
+              <p:custDataLst>
+                <p:tags r:id="rId5"/>
+              </p:custDataLst>
+            </p:nvPr>
+          </p:nvPicPr>
+          <p:blipFill>
+            <a:blip r:embed="rId20">
+              <a:extLst>
+                <a:ext uri="{28A0092B-C50C-407E-A947-70E740481C1C}">
+                  <a14:useLocalDpi xmlns:a14="http://schemas.microsoft.com/office/drawing/2010/main" val="0"/>
+                </a:ext>
+              </a:extLst>
+            </a:blip>
+            <a:stretch>
+              <a:fillRect/>
+            </a:stretch>
+          </p:blipFill>
+          <p:spPr>
+            <a:xfrm>
+              <a:off x="10890135" y="1038968"/>
+              <a:ext cx="186234" cy="183997"/>
+            </a:xfrm>
+            <a:prstGeom prst="rect">
+              <a:avLst/>
+            </a:prstGeom>
+          </p:spPr>
+        </p:pic>
+        <p:grpSp>
+          <p:nvGrpSpPr>
+            <p:cNvPr id="129" name="Gruppieren 128">
+              <a:extLst>
+                <a:ext uri="{FF2B5EF4-FFF2-40B4-BE49-F238E27FC236}">
+                  <a16:creationId xmlns:a16="http://schemas.microsoft.com/office/drawing/2014/main" id="{170AFC14-B776-4277-B4E0-F3A43C635BD8}"/>
+                </a:ext>
+              </a:extLst>
+            </p:cNvPr>
+            <p:cNvGrpSpPr/>
+            <p:nvPr/>
+          </p:nvGrpSpPr>
+          <p:grpSpPr>
+            <a:xfrm>
+              <a:off x="5650918" y="4492806"/>
+              <a:ext cx="2286893" cy="2351788"/>
+              <a:chOff x="5650918" y="4492806"/>
+              <a:chExt cx="2286893" cy="2351788"/>
+            </a:xfrm>
+          </p:grpSpPr>
+          <p:cxnSp>
+            <p:nvCxnSpPr>
+              <p:cNvPr id="51" name="Gerade Verbindung mit Pfeil 50">
+                <a:extLst>
+                  <a:ext uri="{FF2B5EF4-FFF2-40B4-BE49-F238E27FC236}">
+                    <a16:creationId xmlns:a16="http://schemas.microsoft.com/office/drawing/2014/main" id="{9FFB1222-D73E-4206-820A-C533F63DD4C7}"/>
+                  </a:ext>
+                </a:extLst>
+              </p:cNvPr>
+              <p:cNvCxnSpPr>
+                <a:cxnSpLocks/>
+              </p:cNvCxnSpPr>
+              <p:nvPr/>
+            </p:nvCxnSpPr>
+            <p:spPr>
+              <a:xfrm flipH="1">
+                <a:off x="6885136" y="5570914"/>
+                <a:ext cx="16596" cy="792000"/>
+              </a:xfrm>
+              <a:prstGeom prst="straightConnector1">
+                <a:avLst/>
+              </a:prstGeom>
+              <a:ln w="25400">
+                <a:solidFill>
+                  <a:schemeClr val="tx1"/>
+                </a:solidFill>
+                <a:tailEnd type="triangle"/>
+              </a:ln>
+            </p:spPr>
+            <p:style>
+              <a:lnRef idx="1">
+                <a:schemeClr val="accent1"/>
+              </a:lnRef>
+              <a:fillRef idx="0">
+                <a:schemeClr val="accent1"/>
+              </a:fillRef>
+              <a:effectRef idx="0">
+                <a:schemeClr val="accent1"/>
+              </a:effectRef>
+              <a:fontRef idx="minor">
+                <a:schemeClr val="tx1"/>
+              </a:fontRef>
+            </p:style>
+          </p:cxnSp>
+          <p:cxnSp>
+            <p:nvCxnSpPr>
+              <p:cNvPr id="52" name="Gerade Verbindung mit Pfeil 51">
+                <a:extLst>
+                  <a:ext uri="{FF2B5EF4-FFF2-40B4-BE49-F238E27FC236}">
+                    <a16:creationId xmlns:a16="http://schemas.microsoft.com/office/drawing/2014/main" id="{E7A9C52A-0B1D-4A82-9EC2-97288045E106}"/>
+                  </a:ext>
+                </a:extLst>
+              </p:cNvPr>
+              <p:cNvCxnSpPr>
+                <a:cxnSpLocks/>
+              </p:cNvCxnSpPr>
+              <p:nvPr/>
+            </p:nvCxnSpPr>
+            <p:spPr>
+              <a:xfrm flipH="1" flipV="1">
+                <a:off x="6119886" y="5570914"/>
+                <a:ext cx="792000" cy="0"/>
+              </a:xfrm>
+              <a:prstGeom prst="straightConnector1">
+                <a:avLst/>
+              </a:prstGeom>
+              <a:ln w="25400">
+                <a:solidFill>
+                  <a:schemeClr val="tx1"/>
+                </a:solidFill>
+                <a:tailEnd type="triangle"/>
+              </a:ln>
+            </p:spPr>
+            <p:style>
+              <a:lnRef idx="1">
+                <a:schemeClr val="accent1"/>
+              </a:lnRef>
+              <a:fillRef idx="0">
+                <a:schemeClr val="accent1"/>
+              </a:fillRef>
+              <a:effectRef idx="0">
+                <a:schemeClr val="accent1"/>
+              </a:effectRef>
+              <a:fontRef idx="minor">
+                <a:schemeClr val="tx1"/>
+              </a:fontRef>
+            </p:style>
+          </p:cxnSp>
+          <p:pic>
+            <p:nvPicPr>
+              <p:cNvPr id="120" name="Grafik 119">
+                <a:extLst>
+                  <a:ext uri="{FF2B5EF4-FFF2-40B4-BE49-F238E27FC236}">
+                    <a16:creationId xmlns:a16="http://schemas.microsoft.com/office/drawing/2014/main" id="{D40BAF2C-209D-4805-A425-1ABDA49738EE}"/>
+                  </a:ext>
+                </a:extLst>
+              </p:cNvPr>
+              <p:cNvPicPr>
+                <a:picLocks noChangeAspect="1"/>
+              </p:cNvPicPr>
+              <p:nvPr>
+                <p:custDataLst>
+                  <p:tags r:id="rId6"/>
+                </p:custDataLst>
+              </p:nvPr>
+            </p:nvPicPr>
+            <p:blipFill>
+              <a:blip r:embed="rId21">
+                <a:extLst>
+                  <a:ext uri="{28A0092B-C50C-407E-A947-70E740481C1C}">
+                    <a14:useLocalDpi xmlns:a14="http://schemas.microsoft.com/office/drawing/2010/main" val="0"/>
+                  </a:ext>
+                </a:extLst>
+              </a:blip>
+              <a:stretch>
+                <a:fillRect/>
+              </a:stretch>
+            </p:blipFill>
+            <p:spPr>
+              <a:xfrm>
+                <a:off x="5650918" y="4985156"/>
+                <a:ext cx="699251" cy="336623"/>
+              </a:xfrm>
+              <a:prstGeom prst="rect">
+                <a:avLst/>
+              </a:prstGeom>
+            </p:spPr>
+          </p:pic>
+          <p:cxnSp>
+            <p:nvCxnSpPr>
+              <p:cNvPr id="54" name="Gerade Verbindung mit Pfeil 53">
+                <a:extLst>
+                  <a:ext uri="{FF2B5EF4-FFF2-40B4-BE49-F238E27FC236}">
+                    <a16:creationId xmlns:a16="http://schemas.microsoft.com/office/drawing/2014/main" id="{FC10806D-C636-4692-B3C4-C4A9FD59DA25}"/>
+                  </a:ext>
+                </a:extLst>
+              </p:cNvPr>
+              <p:cNvCxnSpPr>
+                <a:cxnSpLocks/>
+              </p:cNvCxnSpPr>
+              <p:nvPr/>
+            </p:nvCxnSpPr>
+            <p:spPr>
+              <a:xfrm flipV="1">
+                <a:off x="6907116" y="5246913"/>
+                <a:ext cx="540000" cy="324000"/>
+              </a:xfrm>
+              <a:prstGeom prst="straightConnector1">
+                <a:avLst/>
+              </a:prstGeom>
+              <a:ln w="25400">
+                <a:solidFill>
+                  <a:schemeClr val="tx1"/>
+                </a:solidFill>
+                <a:tailEnd type="triangle"/>
+              </a:ln>
+            </p:spPr>
+            <p:style>
+              <a:lnRef idx="1">
+                <a:schemeClr val="accent1"/>
+              </a:lnRef>
+              <a:fillRef idx="0">
+                <a:schemeClr val="accent1"/>
+              </a:fillRef>
+              <a:effectRef idx="0">
+                <a:schemeClr val="accent1"/>
+              </a:effectRef>
+              <a:fontRef idx="minor">
+                <a:schemeClr val="tx1"/>
+              </a:fontRef>
+            </p:style>
+          </p:cxnSp>
+          <p:pic>
+            <p:nvPicPr>
+              <p:cNvPr id="124" name="Grafik 123">
+                <a:extLst>
+                  <a:ext uri="{FF2B5EF4-FFF2-40B4-BE49-F238E27FC236}">
+                    <a16:creationId xmlns:a16="http://schemas.microsoft.com/office/drawing/2014/main" id="{D6AB81CA-6609-49A0-A5E2-82816D6E84FF}"/>
+                  </a:ext>
+                </a:extLst>
+              </p:cNvPr>
+              <p:cNvPicPr>
+                <a:picLocks noChangeAspect="1"/>
+              </p:cNvPicPr>
+              <p:nvPr>
+                <p:custDataLst>
+                  <p:tags r:id="rId7"/>
+                </p:custDataLst>
+              </p:nvPr>
+            </p:nvPicPr>
+            <p:blipFill>
+              <a:blip r:embed="rId22">
+                <a:extLst>
+                  <a:ext uri="{28A0092B-C50C-407E-A947-70E740481C1C}">
+                    <a14:useLocalDpi xmlns:a14="http://schemas.microsoft.com/office/drawing/2010/main" val="0"/>
+                  </a:ext>
+                </a:extLst>
+              </a:blip>
+              <a:stretch>
+                <a:fillRect/>
+              </a:stretch>
+            </p:blipFill>
+            <p:spPr>
+              <a:xfrm>
+                <a:off x="6714681" y="4788829"/>
+                <a:ext cx="699911" cy="394331"/>
+              </a:xfrm>
+              <a:prstGeom prst="rect">
+                <a:avLst/>
+              </a:prstGeom>
+            </p:spPr>
+          </p:pic>
+          <p:pic>
+            <p:nvPicPr>
+              <p:cNvPr id="116" name="Grafik 115">
+                <a:extLst>
+                  <a:ext uri="{FF2B5EF4-FFF2-40B4-BE49-F238E27FC236}">
+                    <a16:creationId xmlns:a16="http://schemas.microsoft.com/office/drawing/2014/main" id="{3815CA46-4A49-4965-B903-425FA4F8B69D}"/>
+                  </a:ext>
+                </a:extLst>
+              </p:cNvPr>
+              <p:cNvPicPr>
+                <a:picLocks noChangeAspect="1"/>
+              </p:cNvPicPr>
+              <p:nvPr>
+                <p:custDataLst>
+                  <p:tags r:id="rId8"/>
+                </p:custDataLst>
+              </p:nvPr>
+            </p:nvPicPr>
+            <p:blipFill>
+              <a:blip r:embed="rId23">
+                <a:extLst>
+                  <a:ext uri="{28A0092B-C50C-407E-A947-70E740481C1C}">
+                    <a14:useLocalDpi xmlns:a14="http://schemas.microsoft.com/office/drawing/2010/main" val="0"/>
+                  </a:ext>
+                </a:extLst>
+              </a:blip>
+              <a:stretch>
+                <a:fillRect/>
+              </a:stretch>
+            </p:blipFill>
+            <p:spPr>
+              <a:xfrm>
+                <a:off x="6427032" y="6501195"/>
+                <a:ext cx="691718" cy="343399"/>
+              </a:xfrm>
+              <a:prstGeom prst="rect">
+                <a:avLst/>
+              </a:prstGeom>
+            </p:spPr>
+          </p:pic>
+          <p:pic>
+            <p:nvPicPr>
+              <p:cNvPr id="128" name="Grafik 127">
+                <a:extLst>
+                  <a:ext uri="{FF2B5EF4-FFF2-40B4-BE49-F238E27FC236}">
+                    <a16:creationId xmlns:a16="http://schemas.microsoft.com/office/drawing/2014/main" id="{CD66EB45-77E0-4BFB-90E8-060AAF901B2C}"/>
+                  </a:ext>
+                </a:extLst>
+              </p:cNvPr>
+              <p:cNvPicPr>
+                <a:picLocks noChangeAspect="1"/>
+              </p:cNvPicPr>
+              <p:nvPr>
+                <p:custDataLst>
+                  <p:tags r:id="rId9"/>
+                </p:custDataLst>
+              </p:nvPr>
+            </p:nvPicPr>
+            <p:blipFill>
+              <a:blip r:embed="rId24">
+                <a:extLst>
+                  <a:ext uri="{28A0092B-C50C-407E-A947-70E740481C1C}">
+                    <a14:useLocalDpi xmlns:a14="http://schemas.microsoft.com/office/drawing/2010/main" val="0"/>
+                  </a:ext>
+                </a:extLst>
+              </a:blip>
+              <a:stretch>
+                <a:fillRect/>
+              </a:stretch>
+            </p:blipFill>
+            <p:spPr>
+              <a:xfrm>
+                <a:off x="7745441" y="5517511"/>
+                <a:ext cx="192370" cy="184794"/>
+              </a:xfrm>
+              <a:prstGeom prst="rect">
+                <a:avLst/>
+              </a:prstGeom>
+            </p:spPr>
+          </p:pic>
+          <p:pic>
+            <p:nvPicPr>
+              <p:cNvPr id="112" name="Grafik 111">
+                <a:extLst>
+                  <a:ext uri="{FF2B5EF4-FFF2-40B4-BE49-F238E27FC236}">
+                    <a16:creationId xmlns:a16="http://schemas.microsoft.com/office/drawing/2014/main" id="{E7FB62CD-29C1-4FCB-BF1E-A880D9D0F25B}"/>
+                  </a:ext>
+                </a:extLst>
+              </p:cNvPr>
+              <p:cNvPicPr>
+                <a:picLocks noChangeAspect="1"/>
+              </p:cNvPicPr>
+              <p:nvPr>
+                <p:custDataLst>
+                  <p:tags r:id="rId10"/>
+                </p:custDataLst>
+              </p:nvPr>
+            </p:nvPicPr>
+            <p:blipFill>
+              <a:blip r:embed="rId25">
+                <a:extLst>
+                  <a:ext uri="{28A0092B-C50C-407E-A947-70E740481C1C}">
+                    <a14:useLocalDpi xmlns:a14="http://schemas.microsoft.com/office/drawing/2010/main" val="0"/>
+                  </a:ext>
+                </a:extLst>
+              </a:blip>
+              <a:stretch>
+                <a:fillRect/>
+              </a:stretch>
+            </p:blipFill>
+            <p:spPr>
+              <a:xfrm>
+                <a:off x="7467815" y="4492806"/>
+                <a:ext cx="389726" cy="324188"/>
+              </a:xfrm>
+              <a:prstGeom prst="rect">
+                <a:avLst/>
+              </a:prstGeom>
+            </p:spPr>
+          </p:pic>
+          <p:cxnSp>
+            <p:nvCxnSpPr>
+              <p:cNvPr id="83" name="Gerade Verbindung mit Pfeil 82">
+                <a:extLst>
+                  <a:ext uri="{FF2B5EF4-FFF2-40B4-BE49-F238E27FC236}">
+                    <a16:creationId xmlns:a16="http://schemas.microsoft.com/office/drawing/2014/main" id="{F1510720-62F3-4921-83B9-0DAB05D689B6}"/>
+                  </a:ext>
+                </a:extLst>
+              </p:cNvPr>
+              <p:cNvCxnSpPr>
+                <a:cxnSpLocks/>
+              </p:cNvCxnSpPr>
+              <p:nvPr/>
+            </p:nvCxnSpPr>
+            <p:spPr>
+              <a:xfrm flipV="1">
+                <a:off x="6917270" y="5510744"/>
+                <a:ext cx="749712" cy="60169"/>
+              </a:xfrm>
+              <a:prstGeom prst="straightConnector1">
+                <a:avLst/>
+              </a:prstGeom>
+              <a:ln w="25400">
+                <a:solidFill>
+                  <a:schemeClr val="tx1"/>
+                </a:solidFill>
+                <a:tailEnd type="triangle"/>
+              </a:ln>
+            </p:spPr>
+            <p:style>
+              <a:lnRef idx="1">
+                <a:schemeClr val="accent1"/>
+              </a:lnRef>
+              <a:fillRef idx="0">
+                <a:schemeClr val="accent1"/>
+              </a:fillRef>
+              <a:effectRef idx="0">
+                <a:schemeClr val="accent1"/>
+              </a:effectRef>
+              <a:fontRef idx="minor">
+                <a:schemeClr val="tx1"/>
+              </a:fontRef>
+            </p:style>
+          </p:cxnSp>
+          <p:cxnSp>
+            <p:nvCxnSpPr>
+              <p:cNvPr id="86" name="Gerade Verbindung mit Pfeil 85">
+                <a:extLst>
+                  <a:ext uri="{FF2B5EF4-FFF2-40B4-BE49-F238E27FC236}">
+                    <a16:creationId xmlns:a16="http://schemas.microsoft.com/office/drawing/2014/main" id="{7F49C9B5-983D-483E-8395-12F503BAADEA}"/>
+                  </a:ext>
+                </a:extLst>
+              </p:cNvPr>
+              <p:cNvCxnSpPr>
+                <a:cxnSpLocks/>
+              </p:cNvCxnSpPr>
+              <p:nvPr/>
+            </p:nvCxnSpPr>
+            <p:spPr>
+              <a:xfrm flipV="1">
+                <a:off x="7666982" y="4949369"/>
+                <a:ext cx="0" cy="561375"/>
+              </a:xfrm>
+              <a:prstGeom prst="straightConnector1">
+                <a:avLst/>
+              </a:prstGeom>
+              <a:ln w="25400">
+                <a:solidFill>
+                  <a:schemeClr val="tx1"/>
+                </a:solidFill>
+                <a:tailEnd type="triangle"/>
+              </a:ln>
+            </p:spPr>
+            <p:style>
+              <a:lnRef idx="1">
+                <a:schemeClr val="accent1"/>
+              </a:lnRef>
+              <a:fillRef idx="0">
+                <a:schemeClr val="accent1"/>
+              </a:fillRef>
+              <a:effectRef idx="0">
+                <a:schemeClr val="accent1"/>
+              </a:effectRef>
+              <a:fontRef idx="minor">
+                <a:schemeClr val="tx1"/>
+              </a:fontRef>
+            </p:style>
+          </p:cxnSp>
+        </p:grpSp>
+        <p:grpSp>
+          <p:nvGrpSpPr>
+            <p:cNvPr id="89" name="Gruppieren 88">
+              <a:extLst>
+                <a:ext uri="{FF2B5EF4-FFF2-40B4-BE49-F238E27FC236}">
+                  <a16:creationId xmlns:a16="http://schemas.microsoft.com/office/drawing/2014/main" id="{26833D20-14C9-4A31-8BC0-C54B279075F6}"/>
+                </a:ext>
+              </a:extLst>
+            </p:cNvPr>
+            <p:cNvGrpSpPr>
+              <a:grpSpLocks noChangeAspect="1"/>
+            </p:cNvGrpSpPr>
+            <p:nvPr/>
+          </p:nvGrpSpPr>
+          <p:grpSpPr>
+            <a:xfrm>
+              <a:off x="5246163" y="5388203"/>
+              <a:ext cx="3384661" cy="383363"/>
+              <a:chOff x="2486025" y="4010025"/>
+              <a:chExt cx="2691039" cy="304800"/>
+            </a:xfrm>
+          </p:grpSpPr>
+          <p:cxnSp>
+            <p:nvCxnSpPr>
+              <p:cNvPr id="90" name="Gerader Verbinder 89">
+                <a:extLst>
+                  <a:ext uri="{FF2B5EF4-FFF2-40B4-BE49-F238E27FC236}">
+                    <a16:creationId xmlns:a16="http://schemas.microsoft.com/office/drawing/2014/main" id="{BEA57464-5574-4228-B26A-CEB46A399300}"/>
+                  </a:ext>
+                </a:extLst>
+              </p:cNvPr>
+              <p:cNvCxnSpPr/>
+              <p:nvPr/>
+            </p:nvCxnSpPr>
+            <p:spPr>
+              <a:xfrm>
+                <a:off x="2486025" y="4314825"/>
+                <a:ext cx="2178566" cy="0"/>
+              </a:xfrm>
+              <a:prstGeom prst="line">
+                <a:avLst/>
+              </a:prstGeom>
+              <a:ln w="25400">
+                <a:solidFill>
+                  <a:schemeClr val="tx1"/>
+                </a:solidFill>
+              </a:ln>
+            </p:spPr>
+            <p:style>
+              <a:lnRef idx="1">
+                <a:schemeClr val="accent1"/>
+              </a:lnRef>
+              <a:fillRef idx="0">
+                <a:schemeClr val="accent1"/>
+              </a:fillRef>
+              <a:effectRef idx="0">
+                <a:schemeClr val="accent1"/>
+              </a:effectRef>
+              <a:fontRef idx="minor">
+                <a:schemeClr val="tx1"/>
+              </a:fontRef>
+            </p:style>
+          </p:cxnSp>
+          <p:cxnSp>
+            <p:nvCxnSpPr>
+              <p:cNvPr id="91" name="Gerader Verbinder 90">
+                <a:extLst>
+                  <a:ext uri="{FF2B5EF4-FFF2-40B4-BE49-F238E27FC236}">
+                    <a16:creationId xmlns:a16="http://schemas.microsoft.com/office/drawing/2014/main" id="{9EBA75AD-72F8-4E82-91F0-CCCB6AEF2A99}"/>
+                  </a:ext>
+                </a:extLst>
+              </p:cNvPr>
+              <p:cNvCxnSpPr>
+                <a:cxnSpLocks/>
+              </p:cNvCxnSpPr>
+              <p:nvPr/>
+            </p:nvCxnSpPr>
+            <p:spPr>
+              <a:xfrm flipV="1">
+                <a:off x="4664591" y="4010025"/>
+                <a:ext cx="512473" cy="304800"/>
+              </a:xfrm>
+              <a:prstGeom prst="line">
+                <a:avLst/>
+              </a:prstGeom>
+              <a:ln w="25400">
+                <a:solidFill>
+                  <a:schemeClr val="tx1"/>
+                </a:solidFill>
+              </a:ln>
+            </p:spPr>
+            <p:style>
+              <a:lnRef idx="1">
+                <a:schemeClr val="accent1"/>
+              </a:lnRef>
+              <a:fillRef idx="0">
+                <a:schemeClr val="accent1"/>
+              </a:fillRef>
+              <a:effectRef idx="0">
+                <a:schemeClr val="accent1"/>
+              </a:effectRef>
+              <a:fontRef idx="minor">
+                <a:schemeClr val="tx1"/>
+              </a:fontRef>
+            </p:style>
+          </p:cxnSp>
+          <p:cxnSp>
+            <p:nvCxnSpPr>
+              <p:cNvPr id="92" name="Gerader Verbinder 91">
+                <a:extLst>
+                  <a:ext uri="{FF2B5EF4-FFF2-40B4-BE49-F238E27FC236}">
+                    <a16:creationId xmlns:a16="http://schemas.microsoft.com/office/drawing/2014/main" id="{C8B8C096-6EC1-441C-B368-C3C89671B923}"/>
+                  </a:ext>
+                </a:extLst>
+              </p:cNvPr>
+              <p:cNvCxnSpPr>
+                <a:cxnSpLocks/>
+              </p:cNvCxnSpPr>
+              <p:nvPr/>
+            </p:nvCxnSpPr>
+            <p:spPr>
+              <a:xfrm flipV="1">
+                <a:off x="2486025" y="4010025"/>
+                <a:ext cx="512473" cy="304800"/>
+              </a:xfrm>
+              <a:prstGeom prst="line">
+                <a:avLst/>
+              </a:prstGeom>
+              <a:ln w="25400">
+                <a:solidFill>
+                  <a:schemeClr val="tx1"/>
+                </a:solidFill>
+              </a:ln>
+            </p:spPr>
+            <p:style>
+              <a:lnRef idx="1">
+                <a:schemeClr val="accent1"/>
+              </a:lnRef>
+              <a:fillRef idx="0">
+                <a:schemeClr val="accent1"/>
+              </a:fillRef>
+              <a:effectRef idx="0">
+                <a:schemeClr val="accent1"/>
+              </a:effectRef>
+              <a:fontRef idx="minor">
+                <a:schemeClr val="tx1"/>
+              </a:fontRef>
+            </p:style>
+          </p:cxnSp>
+          <p:cxnSp>
+            <p:nvCxnSpPr>
+              <p:cNvPr id="93" name="Gerader Verbinder 92">
+                <a:extLst>
+                  <a:ext uri="{FF2B5EF4-FFF2-40B4-BE49-F238E27FC236}">
+                    <a16:creationId xmlns:a16="http://schemas.microsoft.com/office/drawing/2014/main" id="{56DA1B85-40C9-43D7-9082-9E418D1A2A30}"/>
+                  </a:ext>
+                </a:extLst>
+              </p:cNvPr>
+              <p:cNvCxnSpPr/>
+              <p:nvPr/>
+            </p:nvCxnSpPr>
+            <p:spPr>
+              <a:xfrm>
+                <a:off x="2998498" y="4010025"/>
+                <a:ext cx="2178566" cy="0"/>
+              </a:xfrm>
+              <a:prstGeom prst="line">
+                <a:avLst/>
+              </a:prstGeom>
+              <a:ln w="25400">
+                <a:solidFill>
+                  <a:schemeClr val="tx1"/>
+                </a:solidFill>
+              </a:ln>
+            </p:spPr>
+            <p:style>
+              <a:lnRef idx="1">
+                <a:schemeClr val="accent1"/>
+              </a:lnRef>
+              <a:fillRef idx="0">
+                <a:schemeClr val="accent1"/>
+              </a:fillRef>
+              <a:effectRef idx="0">
+                <a:schemeClr val="accent1"/>
+              </a:effectRef>
+              <a:fontRef idx="minor">
+                <a:schemeClr val="tx1"/>
+              </a:fontRef>
+            </p:style>
+          </p:cxnSp>
+        </p:grpSp>
+      </p:grpSp>
+      <p:sp>
+        <p:nvSpPr>
+          <p:cNvPr id="96" name="Textfeld 95">
+            <a:extLst>
+              <a:ext uri="{FF2B5EF4-FFF2-40B4-BE49-F238E27FC236}">
+                <a16:creationId xmlns:a16="http://schemas.microsoft.com/office/drawing/2014/main" id="{E06DEA13-A15C-4DE9-8FD4-0D01D72CFA2E}"/>
+              </a:ext>
+            </a:extLst>
+          </p:cNvPr>
+          <p:cNvSpPr txBox="1"/>
+          <p:nvPr/>
+        </p:nvSpPr>
+        <p:spPr>
+          <a:xfrm>
+            <a:off x="76199" y="66675"/>
+            <a:ext cx="2088017" cy="369332"/>
+          </a:xfrm>
+          <a:prstGeom prst="rect">
+            <a:avLst/>
+          </a:prstGeom>
+          <a:noFill/>
+        </p:spPr>
+        <p:txBody>
+          <a:bodyPr wrap="square" rtlCol="0">
+            <a:spAutoFit/>
+          </a:bodyPr>
+          <a:lstStyle/>
+          <a:p>
+            <a:r>
+              <a:rPr lang="de-DE" dirty="0"/>
+              <a:t>Zero Moment Point</a:t>
+            </a:r>
+            <a:endParaRPr lang="en-GB" dirty="0"/>
+          </a:p>
+        </p:txBody>
+      </p:sp>
     </p:spTree>
     <p:extLst>
       <p:ext uri="{BB962C8B-B14F-4D97-AF65-F5344CB8AC3E}">
@@ -10834,6 +16473,63 @@
 <file path=ppt/tags/tag11.xml><?xml version="1.0" encoding="utf-8"?>
 <p:tagLst xmlns:a="http://schemas.openxmlformats.org/drawingml/2006/main" xmlns:r="http://schemas.openxmlformats.org/officeDocument/2006/relationships" xmlns:p="http://schemas.openxmlformats.org/presentationml/2006/main">
   <p:tag name="OUTPUTDPI" val="1200"/>
+  <p:tag name="ORIGINALHEIGHT" val="56,99291"/>
+  <p:tag name="ORIGINALWIDTH" val="71,2411"/>
+  <p:tag name="LATEXADDIN" val="\documentclass{article}&#10;\usepackage{amsmath}&#10;\usepackage{bm}&#10;\usepackage{color}&#10;\pagestyle{empty}&#10;\begin{document}&#10;\begin{equation}&#10;\bm{x}&#10;\nonumber&#10;\end{equation}&#10;\end{document}"/>
+  <p:tag name="IGUANATEXSIZE" val="20"/>
+  <p:tag name="IGUANATEXCURSOR" val="135"/>
+  <p:tag name="TRANSPARENCY" val="Wahr"/>
+  <p:tag name="FILENAME" val=""/>
+  <p:tag name="LATEXENGINEID" val="0"/>
+  <p:tag name="TEMPFOLDER" val="c:\temp\"/>
+  <p:tag name="LATEXFORMHEIGHT" val="312"/>
+  <p:tag name="LATEXFORMWIDTH" val="384"/>
+  <p:tag name="LATEXFORMWRAP" val="Wahr"/>
+  <p:tag name="BITMAPVECTOR" val="0"/>
+</p:tagLst>
+</file>
+
+<file path=ppt/tags/tag12.xml><?xml version="1.0" encoding="utf-8"?>
+<p:tagLst xmlns:a="http://schemas.openxmlformats.org/drawingml/2006/main" xmlns:r="http://schemas.openxmlformats.org/officeDocument/2006/relationships" xmlns:p="http://schemas.openxmlformats.org/presentationml/2006/main">
+  <p:tag name="OUTPUTDPI" val="1200"/>
+  <p:tag name="ORIGINALHEIGHT" val="80,98985"/>
+  <p:tag name="ORIGINALWIDTH" val="68,99134"/>
+  <p:tag name="LATEXADDIN" val="\documentclass{article}&#10;\usepackage{amsmath}&#10;\usepackage{bm}&#10;\usepackage{color}&#10;\pagestyle{empty}&#10;\begin{document}&#10;\begin{equation}&#10;\bm{y}&#10;\nonumber&#10;\end{equation}&#10;\end{document}"/>
+  <p:tag name="IGUANATEXSIZE" val="20"/>
+  <p:tag name="IGUANATEXCURSOR" val="59"/>
+  <p:tag name="TRANSPARENCY" val="Wahr"/>
+  <p:tag name="FILENAME" val=""/>
+  <p:tag name="LATEXENGINEID" val="0"/>
+  <p:tag name="TEMPFOLDER" val="c:\temp\"/>
+  <p:tag name="LATEXFORMHEIGHT" val="312"/>
+  <p:tag name="LATEXFORMWIDTH" val="384"/>
+  <p:tag name="LATEXFORMWRAP" val="Wahr"/>
+  <p:tag name="BITMAPVECTOR" val="0"/>
+</p:tagLst>
+</file>
+
+<file path=ppt/tags/tag13.xml><?xml version="1.0" encoding="utf-8"?>
+<p:tagLst xmlns:a="http://schemas.openxmlformats.org/drawingml/2006/main" xmlns:r="http://schemas.openxmlformats.org/officeDocument/2006/relationships" xmlns:p="http://schemas.openxmlformats.org/presentationml/2006/main">
+  <p:tag name="OUTPUTDPI" val="1200"/>
+  <p:tag name="ORIGINALHEIGHT" val="56,99291"/>
+  <p:tag name="ORIGINALWIDTH" val="62,99213"/>
+  <p:tag name="LATEXADDIN" val="\documentclass{article}&#10;\usepackage{amsmath}&#10;\usepackage{bm}&#10;\usepackage{color}&#10;\pagestyle{empty}&#10;\begin{document}&#10;\begin{equation}&#10;\bm{z}&#10;\nonumber&#10;\end{equation}&#10;\end{document}"/>
+  <p:tag name="IGUANATEXSIZE" val="20"/>
+  <p:tag name="IGUANATEXCURSOR" val="138"/>
+  <p:tag name="TRANSPARENCY" val="Wahr"/>
+  <p:tag name="FILENAME" val=""/>
+  <p:tag name="LATEXENGINEID" val="0"/>
+  <p:tag name="TEMPFOLDER" val="c:\temp\"/>
+  <p:tag name="LATEXFORMHEIGHT" val="312"/>
+  <p:tag name="LATEXFORMWIDTH" val="384"/>
+  <p:tag name="LATEXFORMWRAP" val="Wahr"/>
+  <p:tag name="BITMAPVECTOR" val="0"/>
+</p:tagLst>
+</file>
+
+<file path=ppt/tags/tag14.xml><?xml version="1.0" encoding="utf-8"?>
+<p:tagLst xmlns:a="http://schemas.openxmlformats.org/drawingml/2006/main" xmlns:r="http://schemas.openxmlformats.org/officeDocument/2006/relationships" xmlns:p="http://schemas.openxmlformats.org/presentationml/2006/main">
+  <p:tag name="OUTPUTDPI" val="1200"/>
   <p:tag name="ORIGINALHEIGHT" val="86,23921"/>
   <p:tag name="ORIGINALWIDTH" val="294,7131"/>
   <p:tag name="LATEXADDIN" val="\documentclass{article}&#10;\usepackage{amsmath}&#10;\usepackage{color}&#10;\pagestyle{empty}&#10;\begin{document}&#10;Torso&#10;\end{document}"/>
@@ -10850,7 +16546,7 @@
 </p:tagLst>
 </file>
 
-<file path=ppt/tags/tag12.xml><?xml version="1.0" encoding="utf-8"?>
+<file path=ppt/tags/tag15.xml><?xml version="1.0" encoding="utf-8"?>
 <p:tagLst xmlns:a="http://schemas.openxmlformats.org/drawingml/2006/main" xmlns:r="http://schemas.openxmlformats.org/officeDocument/2006/relationships" xmlns:p="http://schemas.openxmlformats.org/presentationml/2006/main">
   <p:tag name="OUTPUTDPI" val="1200"/>
   <p:tag name="ORIGINALHEIGHT" val="112,4859"/>
@@ -10869,7 +16565,7 @@
 </p:tagLst>
 </file>
 
-<file path=ppt/tags/tag13.xml><?xml version="1.0" encoding="utf-8"?>
+<file path=ppt/tags/tag16.xml><?xml version="1.0" encoding="utf-8"?>
 <p:tagLst xmlns:a="http://schemas.openxmlformats.org/drawingml/2006/main" xmlns:r="http://schemas.openxmlformats.org/officeDocument/2006/relationships" xmlns:p="http://schemas.openxmlformats.org/presentationml/2006/main">
   <p:tag name="OUTPUTDPI" val="1200"/>
   <p:tag name="ORIGINALHEIGHT" val="112,4859"/>
@@ -10888,69 +16584,12 @@
 </p:tagLst>
 </file>
 
-<file path=ppt/tags/tag14.xml><?xml version="1.0" encoding="utf-8"?>
+<file path=ppt/tags/tag17.xml><?xml version="1.0" encoding="utf-8"?>
 <p:tagLst xmlns:a="http://schemas.openxmlformats.org/drawingml/2006/main" xmlns:r="http://schemas.openxmlformats.org/officeDocument/2006/relationships" xmlns:p="http://schemas.openxmlformats.org/presentationml/2006/main">
   <p:tag name="OUTPUTDPI" val="1200"/>
   <p:tag name="ORIGINALHEIGHT" val="112,4859"/>
   <p:tag name="ORIGINALWIDTH" val="1084,364"/>
   <p:tag name="LATEXADDIN" val="\documentclass{article}&#10;\usepackage{amsmath}&#10;\usepackage{color}&#10;\pagestyle{empty}&#10;\begin{document}&#10;Left and Right Foot&#10;\end{document}"/>
-  <p:tag name="IGUANATEXSIZE" val="20"/>
-  <p:tag name="IGUANATEXCURSOR" val="98"/>
-  <p:tag name="TRANSPARENCY" val="Wahr"/>
-  <p:tag name="FILENAME" val=""/>
-  <p:tag name="LATEXENGINEID" val="0"/>
-  <p:tag name="TEMPFOLDER" val="c:\temp\"/>
-  <p:tag name="LATEXFORMHEIGHT" val="312"/>
-  <p:tag name="LATEXFORMWIDTH" val="384"/>
-  <p:tag name="LATEXFORMWRAP" val="Wahr"/>
-  <p:tag name="BITMAPVECTOR" val="0"/>
-</p:tagLst>
-</file>
-
-<file path=ppt/tags/tag15.xml><?xml version="1.0" encoding="utf-8"?>
-<p:tagLst xmlns:a="http://schemas.openxmlformats.org/drawingml/2006/main" xmlns:r="http://schemas.openxmlformats.org/officeDocument/2006/relationships" xmlns:p="http://schemas.openxmlformats.org/presentationml/2006/main">
-  <p:tag name="OUTPUTDPI" val="1200"/>
-  <p:tag name="ORIGINALHEIGHT" val="56,24299"/>
-  <p:tag name="ORIGINALWIDTH" val="62,99213"/>
-  <p:tag name="LATEXADDIN" val="\documentclass{article}&#10;\usepackage{amsmath}&#10;\usepackage{color}&#10;\pagestyle{empty}&#10;\begin{document}&#10;\begin{equation}&#10;x&#10;\nonumber&#10;\end{equation}&#10;\end{document}"/>
-  <p:tag name="IGUANATEXSIZE" val="20"/>
-  <p:tag name="IGUANATEXCURSOR" val="98"/>
-  <p:tag name="TRANSPARENCY" val="Wahr"/>
-  <p:tag name="FILENAME" val=""/>
-  <p:tag name="LATEXENGINEID" val="0"/>
-  <p:tag name="TEMPFOLDER" val="c:\temp\"/>
-  <p:tag name="LATEXFORMHEIGHT" val="312"/>
-  <p:tag name="LATEXFORMWIDTH" val="384"/>
-  <p:tag name="LATEXFORMWRAP" val="Wahr"/>
-  <p:tag name="BITMAPVECTOR" val="0"/>
-</p:tagLst>
-</file>
-
-<file path=ppt/tags/tag16.xml><?xml version="1.0" encoding="utf-8"?>
-<p:tagLst xmlns:a="http://schemas.openxmlformats.org/drawingml/2006/main" xmlns:r="http://schemas.openxmlformats.org/officeDocument/2006/relationships" xmlns:p="http://schemas.openxmlformats.org/presentationml/2006/main">
-  <p:tag name="OUTPUTDPI" val="1200"/>
-  <p:tag name="ORIGINALHEIGHT" val="80,24"/>
-  <p:tag name="ORIGINALWIDTH" val="58,49268"/>
-  <p:tag name="LATEXADDIN" val="\documentclass{article}&#10;\usepackage{amsmath}&#10;\usepackage{color}&#10;\pagestyle{empty}&#10;\begin{document}&#10;\begin{equation}&#10;y&#10;\nonumber&#10;\end{equation}&#10;\end{document}"/>
-  <p:tag name="IGUANATEXSIZE" val="20"/>
-  <p:tag name="IGUANATEXCURSOR" val="98"/>
-  <p:tag name="TRANSPARENCY" val="Wahr"/>
-  <p:tag name="FILENAME" val=""/>
-  <p:tag name="LATEXENGINEID" val="0"/>
-  <p:tag name="TEMPFOLDER" val="c:\temp\"/>
-  <p:tag name="LATEXFORMHEIGHT" val="312"/>
-  <p:tag name="LATEXFORMWIDTH" val="384"/>
-  <p:tag name="LATEXFORMWRAP" val="Wahr"/>
-  <p:tag name="BITMAPVECTOR" val="0"/>
-</p:tagLst>
-</file>
-
-<file path=ppt/tags/tag17.xml><?xml version="1.0" encoding="utf-8"?>
-<p:tagLst xmlns:a="http://schemas.openxmlformats.org/drawingml/2006/main" xmlns:r="http://schemas.openxmlformats.org/officeDocument/2006/relationships" xmlns:p="http://schemas.openxmlformats.org/presentationml/2006/main">
-  <p:tag name="OUTPUTDPI" val="1200"/>
-  <p:tag name="ORIGINALHEIGHT" val="56,24299"/>
-  <p:tag name="ORIGINALWIDTH" val="53,24331"/>
-  <p:tag name="LATEXADDIN" val="\documentclass{article}&#10;\usepackage{amsmath}&#10;\usepackage{color}&#10;\pagestyle{empty}&#10;\begin{document}&#10;\begin{equation}&#10;z&#10;\nonumber&#10;\end{equation}&#10;\end{document}"/>
   <p:tag name="IGUANATEXSIZE" val="20"/>
   <p:tag name="IGUANATEXCURSOR" val="98"/>
   <p:tag name="TRANSPARENCY" val="Wahr"/>
@@ -11553,6 +17192,82 @@
 </p:tagLst>
 </file>
 
+<file path=ppt/tags/tag46.xml><?xml version="1.0" encoding="utf-8"?>
+<p:tagLst xmlns:a="http://schemas.openxmlformats.org/drawingml/2006/main" xmlns:r="http://schemas.openxmlformats.org/officeDocument/2006/relationships" xmlns:p="http://schemas.openxmlformats.org/presentationml/2006/main">
+  <p:tag name="OUTPUTDPI" val="1200"/>
+  <p:tag name="ORIGINALHEIGHT" val="112,4859"/>
+  <p:tag name="ORIGINALWIDTH" val="909,6363"/>
+  <p:tag name="LATEXADDIN" val="\documentclass{article}&#10;\usepackage{amsmath}&#10;\usepackage{color}&#10;\pagestyle{empty}&#10;\begin{document}&#10;%\color{white}&#10;Support Polygon&#10;\end{document}"/>
+  <p:tag name="IGUANATEXSIZE" val="20"/>
+  <p:tag name="IGUANATEXCURSOR" val="129"/>
+  <p:tag name="TRANSPARENCY" val="Wahr"/>
+  <p:tag name="FILENAME" val=""/>
+  <p:tag name="LATEXENGINEID" val="0"/>
+  <p:tag name="TEMPFOLDER" val="c:\temp\"/>
+  <p:tag name="LATEXFORMHEIGHT" val="312"/>
+  <p:tag name="LATEXFORMWIDTH" val="384"/>
+  <p:tag name="LATEXFORMWRAP" val="Wahr"/>
+  <p:tag name="BITMAPVECTOR" val="0"/>
+</p:tagLst>
+</file>
+
+<file path=ppt/tags/tag47.xml><?xml version="1.0" encoding="utf-8"?>
+<p:tagLst xmlns:a="http://schemas.openxmlformats.org/drawingml/2006/main" xmlns:r="http://schemas.openxmlformats.org/officeDocument/2006/relationships" xmlns:p="http://schemas.openxmlformats.org/presentationml/2006/main">
+  <p:tag name="OUTPUTDPI" val="1200"/>
+  <p:tag name="ORIGINALHEIGHT" val="111,7361"/>
+  <p:tag name="ORIGINALWIDTH" val="665,1669"/>
+  <p:tag name="LATEXADDIN" val="\documentclass{article}&#10;\usepackage{amsmath}&#10;\usepackage{color}&#10;\pagestyle{empty}&#10;\begin{document}&#10;%\color{white}&#10;Foot Length&#10;\end{document}"/>
+  <p:tag name="IGUANATEXSIZE" val="20"/>
+  <p:tag name="IGUANATEXCURSOR" val="125"/>
+  <p:tag name="TRANSPARENCY" val="Wahr"/>
+  <p:tag name="FILENAME" val=""/>
+  <p:tag name="LATEXENGINEID" val="0"/>
+  <p:tag name="TEMPFOLDER" val="c:\temp\"/>
+  <p:tag name="LATEXFORMHEIGHT" val="312"/>
+  <p:tag name="LATEXFORMWIDTH" val="384"/>
+  <p:tag name="LATEXFORMWRAP" val="Wahr"/>
+  <p:tag name="BITMAPVECTOR" val="0"/>
+</p:tagLst>
+</file>
+
+<file path=ppt/tags/tag48.xml><?xml version="1.0" encoding="utf-8"?>
+<p:tagLst xmlns:a="http://schemas.openxmlformats.org/drawingml/2006/main" xmlns:r="http://schemas.openxmlformats.org/officeDocument/2006/relationships" xmlns:p="http://schemas.openxmlformats.org/presentationml/2006/main">
+  <p:tag name="OUTPUTDPI" val="1200"/>
+  <p:tag name="ORIGINALHEIGHT" val="89,23882"/>
+  <p:tag name="ORIGINALWIDTH" val="632,171"/>
+  <p:tag name="LATEXADDIN" val="\documentclass{article}&#10;\usepackage{amsmath}&#10;\usepackage{color}&#10;\pagestyle{empty}&#10;\begin{document}&#10;%\color{white}&#10;Foot Width&#10;\end{document}"/>
+  <p:tag name="IGUANATEXSIZE" val="20"/>
+  <p:tag name="IGUANATEXCURSOR" val="124"/>
+  <p:tag name="TRANSPARENCY" val="Wahr"/>
+  <p:tag name="FILENAME" val=""/>
+  <p:tag name="LATEXENGINEID" val="0"/>
+  <p:tag name="TEMPFOLDER" val="c:\temp\"/>
+  <p:tag name="LATEXFORMHEIGHT" val="312"/>
+  <p:tag name="LATEXFORMWIDTH" val="384"/>
+  <p:tag name="LATEXFORMWRAP" val="Wahr"/>
+  <p:tag name="BITMAPVECTOR" val="0"/>
+</p:tagLst>
+</file>
+
+<file path=ppt/tags/tag49.xml><?xml version="1.0" encoding="utf-8"?>
+<p:tagLst xmlns:a="http://schemas.openxmlformats.org/drawingml/2006/main" xmlns:r="http://schemas.openxmlformats.org/officeDocument/2006/relationships" xmlns:p="http://schemas.openxmlformats.org/presentationml/2006/main">
+  <p:tag name="OUTPUTDPI" val="1200"/>
+  <p:tag name="ORIGINALHEIGHT" val="112,4859"/>
+  <p:tag name="ORIGINALWIDTH" val="866,1417"/>
+  <p:tag name="LATEXADDIN" val="\documentclass{article}&#10;\usepackage{amsmath}&#10;\usepackage{color}&#10;\pagestyle{empty}&#10;\begin{document}&#10;%\color{white}&#10;Security Margin&#10;\end{document}"/>
+  <p:tag name="IGUANATEXSIZE" val="20"/>
+  <p:tag name="IGUANATEXCURSOR" val="129"/>
+  <p:tag name="TRANSPARENCY" val="Wahr"/>
+  <p:tag name="FILENAME" val=""/>
+  <p:tag name="LATEXENGINEID" val="0"/>
+  <p:tag name="TEMPFOLDER" val="c:\temp\"/>
+  <p:tag name="LATEXFORMHEIGHT" val="312"/>
+  <p:tag name="LATEXFORMWIDTH" val="384"/>
+  <p:tag name="LATEXFORMWRAP" val="Wahr"/>
+  <p:tag name="BITMAPVECTOR" val="0"/>
+</p:tagLst>
+</file>
+
 <file path=ppt/tags/tag5.xml><?xml version="1.0" encoding="utf-8"?>
 <p:tagLst xmlns:a="http://schemas.openxmlformats.org/drawingml/2006/main" xmlns:r="http://schemas.openxmlformats.org/officeDocument/2006/relationships" xmlns:p="http://schemas.openxmlformats.org/presentationml/2006/main">
   <p:tag name="OUTPUTDPI" val="1200"/>
@@ -11572,6 +17287,196 @@
 </p:tagLst>
 </file>
 
+<file path=ppt/tags/tag50.xml><?xml version="1.0" encoding="utf-8"?>
+<p:tagLst xmlns:a="http://schemas.openxmlformats.org/drawingml/2006/main" xmlns:r="http://schemas.openxmlformats.org/officeDocument/2006/relationships" xmlns:p="http://schemas.openxmlformats.org/presentationml/2006/main">
+  <p:tag name="OUTPUTDPI" val="1200"/>
+  <p:tag name="ORIGINALHEIGHT" val="56,99291"/>
+  <p:tag name="ORIGINALWIDTH" val="59,2426"/>
+  <p:tag name="LATEXADDIN" val="\documentclass{article}&#10;\usepackage{amsmath}&#10;\usepackage{bm}&#10;\usepackage{color}&#10;\pagestyle{empty}&#10;\begin{document}&#10;%\color{white}&#10;\begin{equation}&#10;\bm{r}&#10;\nonumber&#10;\end{equation}&#10;\end{document}"/>
+  <p:tag name="IGUANATEXSIZE" val="20"/>
+  <p:tag name="IGUANATEXCURSOR" val="150"/>
+  <p:tag name="TRANSPARENCY" val="Wahr"/>
+  <p:tag name="FILENAME" val=""/>
+  <p:tag name="LATEXENGINEID" val="0"/>
+  <p:tag name="TEMPFOLDER" val="c:\temp\"/>
+  <p:tag name="LATEXFORMHEIGHT" val="312"/>
+  <p:tag name="LATEXFORMWIDTH" val="384"/>
+  <p:tag name="LATEXFORMWRAP" val="Wahr"/>
+  <p:tag name="BITMAPVECTOR" val="0"/>
+</p:tagLst>
+</file>
+
+<file path=ppt/tags/tag51.xml><?xml version="1.0" encoding="utf-8"?>
+<p:tagLst xmlns:a="http://schemas.openxmlformats.org/drawingml/2006/main" xmlns:r="http://schemas.openxmlformats.org/officeDocument/2006/relationships" xmlns:p="http://schemas.openxmlformats.org/presentationml/2006/main">
+  <p:tag name="OUTPUTDPI" val="1200"/>
+  <p:tag name="ORIGINALHEIGHT" val="104,237"/>
+  <p:tag name="ORIGINALWIDTH" val="125,2343"/>
+  <p:tag name="LATEXADDIN" val="\documentclass{article}&#10;\usepackage{amsmath}&#10;\usepackage{bm}&#10;\usepackage{color}&#10;\pagestyle{empty}&#10;\begin{document}&#10;%\color{white}&#10;\begin{equation}&#10;\bm{F}_r&#10;\nonumber&#10;\end{equation}&#10;\end{document}"/>
+  <p:tag name="IGUANATEXSIZE" val="20"/>
+  <p:tag name="IGUANATEXCURSOR" val="150"/>
+  <p:tag name="TRANSPARENCY" val="Wahr"/>
+  <p:tag name="FILENAME" val=""/>
+  <p:tag name="LATEXENGINEID" val="0"/>
+  <p:tag name="TEMPFOLDER" val="c:\temp\"/>
+  <p:tag name="LATEXFORMHEIGHT" val="312"/>
+  <p:tag name="LATEXFORMWIDTH" val="384"/>
+  <p:tag name="LATEXFORMWRAP" val="Wahr"/>
+  <p:tag name="BITMAPVECTOR" val="0"/>
+</p:tagLst>
+</file>
+
+<file path=ppt/tags/tag52.xml><?xml version="1.0" encoding="utf-8"?>
+<p:tagLst xmlns:a="http://schemas.openxmlformats.org/drawingml/2006/main" xmlns:r="http://schemas.openxmlformats.org/officeDocument/2006/relationships" xmlns:p="http://schemas.openxmlformats.org/presentationml/2006/main">
+  <p:tag name="OUTPUTDPI" val="1200"/>
+  <p:tag name="ORIGINALHEIGHT" val="104,9868"/>
+  <p:tag name="ORIGINALWIDTH" val="188,2265"/>
+  <p:tag name="LATEXADDIN" val="\documentclass{article}&#10;\usepackage{amsmath}&#10;\usepackage{bm}&#10;\usepackage{color}&#10;\pagestyle{empty}&#10;\begin{document}&#10;%\color{white}&#10;\begin{equation}&#10;\bm{M}_x&#10;\nonumber&#10;\end{equation}&#10;\end{document}"/>
+  <p:tag name="IGUANATEXSIZE" val="20"/>
+  <p:tag name="IGUANATEXCURSOR" val="150"/>
+  <p:tag name="TRANSPARENCY" val="Wahr"/>
+  <p:tag name="FILENAME" val=""/>
+  <p:tag name="LATEXENGINEID" val="0"/>
+  <p:tag name="TEMPFOLDER" val="c:\temp\"/>
+  <p:tag name="LATEXFORMHEIGHT" val="312"/>
+  <p:tag name="LATEXFORMWIDTH" val="384"/>
+  <p:tag name="LATEXFORMWRAP" val="Wahr"/>
+  <p:tag name="BITMAPVECTOR" val="0"/>
+</p:tagLst>
+</file>
+
+<file path=ppt/tags/tag53.xml><?xml version="1.0" encoding="utf-8"?>
+<p:tagLst xmlns:a="http://schemas.openxmlformats.org/drawingml/2006/main" xmlns:r="http://schemas.openxmlformats.org/officeDocument/2006/relationships" xmlns:p="http://schemas.openxmlformats.org/presentationml/2006/main">
+  <p:tag name="OUTPUTDPI" val="1200"/>
+  <p:tag name="ORIGINALHEIGHT" val="104,9868"/>
+  <p:tag name="ORIGINALWIDTH" val="182,9771"/>
+  <p:tag name="LATEXADDIN" val="\documentclass{article}&#10;\usepackage{amsmath}&#10;\usepackage{bm}&#10;\usepackage{color}&#10;\pagestyle{empty}&#10;\begin{document}&#10;%\color{white}&#10;\begin{equation}&#10;\bm{M}_z&#10;\nonumber&#10;\end{equation}&#10;\end{document}"/>
+  <p:tag name="IGUANATEXSIZE" val="20"/>
+  <p:tag name="IGUANATEXCURSOR" val="150"/>
+  <p:tag name="TRANSPARENCY" val="Wahr"/>
+  <p:tag name="FILENAME" val=""/>
+  <p:tag name="LATEXENGINEID" val="0"/>
+  <p:tag name="TEMPFOLDER" val="c:\temp\"/>
+  <p:tag name="LATEXFORMHEIGHT" val="312"/>
+  <p:tag name="LATEXFORMWIDTH" val="384"/>
+  <p:tag name="LATEXFORMWRAP" val="Wahr"/>
+  <p:tag name="BITMAPVECTOR" val="0"/>
+</p:tagLst>
+</file>
+
+<file path=ppt/tags/tag54.xml><?xml version="1.0" encoding="utf-8"?>
+<p:tagLst xmlns:a="http://schemas.openxmlformats.org/drawingml/2006/main" xmlns:r="http://schemas.openxmlformats.org/officeDocument/2006/relationships" xmlns:p="http://schemas.openxmlformats.org/presentationml/2006/main">
+  <p:tag name="OUTPUTDPI" val="1200"/>
+  <p:tag name="ORIGINALHEIGHT" val="122,2347"/>
+  <p:tag name="ORIGINALWIDTH" val="186,7267"/>
+  <p:tag name="LATEXADDIN" val="\documentclass{article}&#10;\usepackage{amsmath}&#10;\usepackage{bm}&#10;\usepackage{color}&#10;\pagestyle{empty}&#10;\begin{document}&#10;%\color{white}&#10;\begin{equation}&#10;\bm{M}_y&#10;\nonumber&#10;\end{equation}&#10;\end{document}"/>
+  <p:tag name="IGUANATEXSIZE" val="20"/>
+  <p:tag name="IGUANATEXCURSOR" val="150"/>
+  <p:tag name="TRANSPARENCY" val="Wahr"/>
+  <p:tag name="FILENAME" val=""/>
+  <p:tag name="LATEXENGINEID" val="0"/>
+  <p:tag name="TEMPFOLDER" val="c:\temp\"/>
+  <p:tag name="LATEXFORMHEIGHT" val="312"/>
+  <p:tag name="LATEXFORMWIDTH" val="384"/>
+  <p:tag name="LATEXFORMWRAP" val="Wahr"/>
+  <p:tag name="BITMAPVECTOR" val="0"/>
+</p:tagLst>
+</file>
+
+<file path=ppt/tags/tag55.xml><?xml version="1.0" encoding="utf-8"?>
+<p:tagLst xmlns:a="http://schemas.openxmlformats.org/drawingml/2006/main" xmlns:r="http://schemas.openxmlformats.org/officeDocument/2006/relationships" xmlns:p="http://schemas.openxmlformats.org/presentationml/2006/main">
+  <p:tag name="OUTPUTDPI" val="1200"/>
+  <p:tag name="ORIGINALHEIGHT" val="86,23921"/>
+  <p:tag name="ORIGINALWIDTH" val="236,9704"/>
+  <p:tag name="LATEXADDIN" val="\documentclass{article}&#10;\usepackage{amsmath}&#10;\usepackage{color}&#10;\pagestyle{empty}&#10;\begin{document}&#10;%\color{white}&#10;Foot&#10;\end{document}"/>
+  <p:tag name="IGUANATEXSIZE" val="20"/>
+  <p:tag name="IGUANATEXCURSOR" val="118"/>
+  <p:tag name="TRANSPARENCY" val="Wahr"/>
+  <p:tag name="FILENAME" val=""/>
+  <p:tag name="LATEXENGINEID" val="0"/>
+  <p:tag name="TEMPFOLDER" val="c:\temp\"/>
+  <p:tag name="LATEXFORMHEIGHT" val="312"/>
+  <p:tag name="LATEXFORMWIDTH" val="384"/>
+  <p:tag name="LATEXFORMWRAP" val="Wahr"/>
+  <p:tag name="BITMAPVECTOR" val="0"/>
+</p:tagLst>
+</file>
+
+<file path=ppt/tags/tag56.xml><?xml version="1.0" encoding="utf-8"?>
+<p:tagLst xmlns:a="http://schemas.openxmlformats.org/drawingml/2006/main" xmlns:r="http://schemas.openxmlformats.org/officeDocument/2006/relationships" xmlns:p="http://schemas.openxmlformats.org/presentationml/2006/main">
+  <p:tag name="OUTPUTDPI" val="1200"/>
+  <p:tag name="ORIGINALHEIGHT" val="104,237"/>
+  <p:tag name="ORIGINALWIDTH" val="130,4837"/>
+  <p:tag name="LATEXADDIN" val="\documentclass{article}&#10;\usepackage{amsmath}&#10;\usepackage{bm}&#10;\usepackage{color}&#10;\pagestyle{empty}&#10;\begin{document}&#10;%\color{white}&#10;\begin{equation}&#10;\bm{F}_a&#10;\nonumber&#10;\end{equation}&#10;\end{document}"/>
+  <p:tag name="IGUANATEXSIZE" val="20"/>
+  <p:tag name="IGUANATEXCURSOR" val="150"/>
+  <p:tag name="TRANSPARENCY" val="Wahr"/>
+  <p:tag name="FILENAME" val=""/>
+  <p:tag name="LATEXENGINEID" val="0"/>
+  <p:tag name="TEMPFOLDER" val="c:\temp\"/>
+  <p:tag name="LATEXFORMHEIGHT" val="312"/>
+  <p:tag name="LATEXFORMWIDTH" val="384"/>
+  <p:tag name="LATEXFORMWRAP" val="Wahr"/>
+  <p:tag name="BITMAPVECTOR" val="0"/>
+</p:tagLst>
+</file>
+
+<file path=ppt/tags/tag57.xml><?xml version="1.0" encoding="utf-8"?>
+<p:tagLst xmlns:a="http://schemas.openxmlformats.org/drawingml/2006/main" xmlns:r="http://schemas.openxmlformats.org/officeDocument/2006/relationships" xmlns:p="http://schemas.openxmlformats.org/presentationml/2006/main">
+  <p:tag name="OUTPUTDPI" val="1200"/>
+  <p:tag name="ORIGINALHEIGHT" val="121,4848"/>
+  <p:tag name="ORIGINALWIDTH" val="127,4841"/>
+  <p:tag name="LATEXADDIN" val="\documentclass{article}&#10;\usepackage{amsmath}&#10;\usepackage{bm}&#10;\usepackage{color}&#10;\pagestyle{empty}&#10;\begin{document}&#10;%\color{white}&#10;\begin{equation}&#10;\bm{F}_g&#10;\nonumber&#10;\end{equation}&#10;\end{document}"/>
+  <p:tag name="IGUANATEXSIZE" val="20"/>
+  <p:tag name="IGUANATEXCURSOR" val="150"/>
+  <p:tag name="TRANSPARENCY" val="Wahr"/>
+  <p:tag name="FILENAME" val=""/>
+  <p:tag name="LATEXENGINEID" val="0"/>
+  <p:tag name="TEMPFOLDER" val="c:\temp\"/>
+  <p:tag name="LATEXFORMHEIGHT" val="312"/>
+  <p:tag name="LATEXFORMWIDTH" val="384"/>
+  <p:tag name="LATEXFORMWRAP" val="Wahr"/>
+  <p:tag name="BITMAPVECTOR" val="0"/>
+</p:tagLst>
+</file>
+
+<file path=ppt/tags/tag58.xml><?xml version="1.0" encoding="utf-8"?>
+<p:tagLst xmlns:a="http://schemas.openxmlformats.org/drawingml/2006/main" xmlns:r="http://schemas.openxmlformats.org/officeDocument/2006/relationships" xmlns:p="http://schemas.openxmlformats.org/presentationml/2006/main">
+  <p:tag name="OUTPUTDPI" val="1200"/>
+  <p:tag name="ORIGINALHEIGHT" val="107,2366"/>
+  <p:tag name="ORIGINALWIDTH" val="129,7338"/>
+  <p:tag name="LATEXADDIN" val="\documentclass{article}&#10;\usepackage{amsmath}&#10;\usepackage{bm}&#10;\usepackage{color}&#10;\pagestyle{empty}&#10;\begin{document}&#10;%\color{white}&#10;\begin{equation}&#10;\bm{S}_x&#10;\nonumber&#10;\end{equation}&#10;\end{document}"/>
+  <p:tag name="IGUANATEXSIZE" val="20"/>
+  <p:tag name="IGUANATEXCURSOR" val="150"/>
+  <p:tag name="TRANSPARENCY" val="Wahr"/>
+  <p:tag name="FILENAME" val=""/>
+  <p:tag name="LATEXENGINEID" val="0"/>
+  <p:tag name="TEMPFOLDER" val="c:\temp\"/>
+  <p:tag name="LATEXFORMHEIGHT" val="312"/>
+  <p:tag name="LATEXFORMWIDTH" val="384"/>
+  <p:tag name="LATEXFORMWRAP" val="Wahr"/>
+  <p:tag name="BITMAPVECTOR" val="0"/>
+</p:tagLst>
+</file>
+
+<file path=ppt/tags/tag59.xml><?xml version="1.0" encoding="utf-8"?>
+<p:tagLst xmlns:a="http://schemas.openxmlformats.org/drawingml/2006/main" xmlns:r="http://schemas.openxmlformats.org/officeDocument/2006/relationships" xmlns:p="http://schemas.openxmlformats.org/presentationml/2006/main">
+  <p:tag name="OUTPUTDPI" val="1200"/>
+  <p:tag name="ORIGINALHEIGHT" val="124,4844"/>
+  <p:tag name="ORIGINALWIDTH" val="128,2339"/>
+  <p:tag name="LATEXADDIN" val="\documentclass{article}&#10;\usepackage{amsmath}&#10;\usepackage{bm}&#10;\usepackage{color}&#10;\pagestyle{empty}&#10;\begin{document}&#10;%\color{white}&#10;\begin{equation}&#10;\bm{S}_y&#10;\nonumber&#10;\end{equation}&#10;\end{document}"/>
+  <p:tag name="IGUANATEXSIZE" val="20"/>
+  <p:tag name="IGUANATEXCURSOR" val="60"/>
+  <p:tag name="TRANSPARENCY" val="Wahr"/>
+  <p:tag name="FILENAME" val=""/>
+  <p:tag name="LATEXENGINEID" val="0"/>
+  <p:tag name="TEMPFOLDER" val="c:\temp\"/>
+  <p:tag name="LATEXFORMHEIGHT" val="312"/>
+  <p:tag name="LATEXFORMWIDTH" val="384"/>
+  <p:tag name="LATEXFORMWRAP" val="Wahr"/>
+  <p:tag name="BITMAPVECTOR" val="0"/>
+</p:tagLst>
+</file>
+
 <file path=ppt/tags/tag6.xml><?xml version="1.0" encoding="utf-8"?>
 <p:tagLst xmlns:a="http://schemas.openxmlformats.org/drawingml/2006/main" xmlns:r="http://schemas.openxmlformats.org/officeDocument/2006/relationships" xmlns:p="http://schemas.openxmlformats.org/presentationml/2006/main">
   <p:tag name="OUTPUTDPI" val="1200"/>
@@ -11580,6 +17485,177 @@
   <p:tag name="LATEXADDIN" val="\documentclass{article}&#10;\usepackage{amsmath}&#10;\usepackage{color}&#10;\pagestyle{empty}&#10;\begin{document}&#10;\color{white}&#10;Left and Right Knee&#10;\end{document}"/>
   <p:tag name="IGUANATEXSIZE" val="20"/>
   <p:tag name="IGUANATEXCURSOR" val="132"/>
+  <p:tag name="TRANSPARENCY" val="Wahr"/>
+  <p:tag name="FILENAME" val=""/>
+  <p:tag name="LATEXENGINEID" val="0"/>
+  <p:tag name="TEMPFOLDER" val="c:\temp\"/>
+  <p:tag name="LATEXFORMHEIGHT" val="312"/>
+  <p:tag name="LATEXFORMWIDTH" val="384"/>
+  <p:tag name="LATEXFORMWRAP" val="Wahr"/>
+  <p:tag name="BITMAPVECTOR" val="0"/>
+</p:tagLst>
+</file>
+
+<file path=ppt/tags/tag60.xml><?xml version="1.0" encoding="utf-8"?>
+<p:tagLst xmlns:a="http://schemas.openxmlformats.org/drawingml/2006/main" xmlns:r="http://schemas.openxmlformats.org/officeDocument/2006/relationships" xmlns:p="http://schemas.openxmlformats.org/presentationml/2006/main">
+  <p:tag name="OUTPUTDPI" val="1200"/>
+  <p:tag name="ORIGINALHEIGHT" val="107,2366"/>
+  <p:tag name="ORIGINALWIDTH" val="124,4844"/>
+  <p:tag name="LATEXADDIN" val="\documentclass{article}&#10;\usepackage{amsmath}&#10;\usepackage{bm}&#10;\usepackage{color}&#10;\pagestyle{empty}&#10;\begin{document}&#10;%\color{white}&#10;\begin{equation}&#10;\bm{S}_z&#10;\nonumber&#10;\end{equation}&#10;\end{document}"/>
+  <p:tag name="IGUANATEXSIZE" val="20"/>
+  <p:tag name="IGUANATEXCURSOR" val="150"/>
+  <p:tag name="TRANSPARENCY" val="Wahr"/>
+  <p:tag name="FILENAME" val=""/>
+  <p:tag name="LATEXENGINEID" val="0"/>
+  <p:tag name="TEMPFOLDER" val="c:\temp\"/>
+  <p:tag name="LATEXFORMHEIGHT" val="312"/>
+  <p:tag name="LATEXFORMWIDTH" val="384"/>
+  <p:tag name="LATEXFORMWRAP" val="Wahr"/>
+  <p:tag name="BITMAPVECTOR" val="0"/>
+</p:tagLst>
+</file>
+
+<file path=ppt/tags/tag61.xml><?xml version="1.0" encoding="utf-8"?>
+<p:tagLst xmlns:a="http://schemas.openxmlformats.org/drawingml/2006/main" xmlns:r="http://schemas.openxmlformats.org/officeDocument/2006/relationships" xmlns:p="http://schemas.openxmlformats.org/presentationml/2006/main">
+  <p:tag name="OUTPUTDPI" val="1200"/>
+  <p:tag name="ORIGINALHEIGHT" val="56,99291"/>
+  <p:tag name="ORIGINALWIDTH" val="58,49268"/>
+  <p:tag name="LATEXADDIN" val="\documentclass{article}&#10;\usepackage{amsmath}&#10;\usepackage{bm}&#10;\usepackage{color}&#10;\pagestyle{empty}&#10;\begin{document}&#10;%\color{white}&#10;\begin{equation}&#10;\bm{c}&#10;\nonumber&#10;\end{equation}&#10;\end{document}"/>
+  <p:tag name="IGUANATEXSIZE" val="20"/>
+  <p:tag name="IGUANATEXCURSOR" val="150"/>
+  <p:tag name="TRANSPARENCY" val="Wahr"/>
+  <p:tag name="FILENAME" val=""/>
+  <p:tag name="LATEXENGINEID" val="0"/>
+  <p:tag name="TEMPFOLDER" val="c:\temp\"/>
+  <p:tag name="LATEXFORMHEIGHT" val="312"/>
+  <p:tag name="LATEXFORMWIDTH" val="384"/>
+  <p:tag name="LATEXFORMWRAP" val="Wahr"/>
+  <p:tag name="BITMAPVECTOR" val="0"/>
+</p:tagLst>
+</file>
+
+<file path=ppt/tags/tag62.xml><?xml version="1.0" encoding="utf-8"?>
+<p:tagLst xmlns:a="http://schemas.openxmlformats.org/drawingml/2006/main" xmlns:r="http://schemas.openxmlformats.org/officeDocument/2006/relationships" xmlns:p="http://schemas.openxmlformats.org/presentationml/2006/main">
+  <p:tag name="OUTPUTDPI" val="1200"/>
+  <p:tag name="ORIGINALHEIGHT" val="107,2366"/>
+  <p:tag name="ORIGINALWIDTH" val="224,222"/>
+  <p:tag name="LATEXADDIN" val="\documentclass{article}&#10;\usepackage{amsmath}&#10;\usepackage{bm}&#10;\usepackage{color}&#10;\pagestyle{empty}&#10;\begin{document}&#10;%\color{white}&#10;\begin{equation}&#10;-\bm{S}_x&#10;\nonumber&#10;\end{equation}&#10;\end{document}"/>
+  <p:tag name="IGUANATEXSIZE" val="20"/>
+  <p:tag name="IGUANATEXCURSOR" val="151"/>
+  <p:tag name="TRANSPARENCY" val="Wahr"/>
+  <p:tag name="FILENAME" val=""/>
+  <p:tag name="LATEXENGINEID" val="0"/>
+  <p:tag name="TEMPFOLDER" val="c:\temp\"/>
+  <p:tag name="LATEXFORMHEIGHT" val="312"/>
+  <p:tag name="LATEXFORMWIDTH" val="384"/>
+  <p:tag name="LATEXFORMWRAP" val="Wahr"/>
+  <p:tag name="BITMAPVECTOR" val="0"/>
+</p:tagLst>
+</file>
+
+<file path=ppt/tags/tag63.xml><?xml version="1.0" encoding="utf-8"?>
+<p:tagLst xmlns:a="http://schemas.openxmlformats.org/drawingml/2006/main" xmlns:r="http://schemas.openxmlformats.org/officeDocument/2006/relationships" xmlns:p="http://schemas.openxmlformats.org/presentationml/2006/main">
+  <p:tag name="OUTPUTDPI" val="1200"/>
+  <p:tag name="ORIGINALHEIGHT" val="124,4844"/>
+  <p:tag name="ORIGINALWIDTH" val="222,7221"/>
+  <p:tag name="LATEXADDIN" val="\documentclass{article}&#10;\usepackage{amsmath}&#10;\usepackage{bm}&#10;\usepackage{color}&#10;\pagestyle{empty}&#10;\begin{document}&#10;%\color{white}&#10;\begin{equation}&#10;-\bm{S}_y&#10;\nonumber&#10;\end{equation}&#10;\end{document}"/>
+  <p:tag name="IGUANATEXSIZE" val="20"/>
+  <p:tag name="IGUANATEXCURSOR" val="151"/>
+  <p:tag name="TRANSPARENCY" val="Wahr"/>
+  <p:tag name="FILENAME" val=""/>
+  <p:tag name="LATEXENGINEID" val="0"/>
+  <p:tag name="TEMPFOLDER" val="c:\temp\"/>
+  <p:tag name="LATEXFORMHEIGHT" val="312"/>
+  <p:tag name="LATEXFORMWIDTH" val="384"/>
+  <p:tag name="LATEXFORMWRAP" val="Wahr"/>
+  <p:tag name="BITMAPVECTOR" val="0"/>
+</p:tagLst>
+</file>
+
+<file path=ppt/tags/tag64.xml><?xml version="1.0" encoding="utf-8"?>
+<p:tagLst xmlns:a="http://schemas.openxmlformats.org/drawingml/2006/main" xmlns:r="http://schemas.openxmlformats.org/officeDocument/2006/relationships" xmlns:p="http://schemas.openxmlformats.org/presentationml/2006/main">
+  <p:tag name="OUTPUTDPI" val="1200"/>
+  <p:tag name="ORIGINALHEIGHT" val="107,2366"/>
+  <p:tag name="ORIGINALWIDTH" val="218,9726"/>
+  <p:tag name="LATEXADDIN" val="\documentclass{article}&#10;\usepackage{amsmath}&#10;\usepackage{bm}&#10;\usepackage{color}&#10;\pagestyle{empty}&#10;\begin{document}&#10;%\color{white}&#10;\begin{equation}&#10;-\bm{S}_z&#10;\nonumber&#10;\end{equation}&#10;\end{document}"/>
+  <p:tag name="IGUANATEXSIZE" val="20"/>
+  <p:tag name="IGUANATEXCURSOR" val="151"/>
+  <p:tag name="TRANSPARENCY" val="Wahr"/>
+  <p:tag name="FILENAME" val=""/>
+  <p:tag name="LATEXENGINEID" val="0"/>
+  <p:tag name="TEMPFOLDER" val="c:\temp\"/>
+  <p:tag name="LATEXFORMHEIGHT" val="312"/>
+  <p:tag name="LATEXFORMWIDTH" val="384"/>
+  <p:tag name="LATEXFORMWRAP" val="Wahr"/>
+  <p:tag name="BITMAPVECTOR" val="0"/>
+</p:tagLst>
+</file>
+
+<file path=ppt/tags/tag65.xml><?xml version="1.0" encoding="utf-8"?>
+<p:tagLst xmlns:a="http://schemas.openxmlformats.org/drawingml/2006/main" xmlns:r="http://schemas.openxmlformats.org/officeDocument/2006/relationships" xmlns:p="http://schemas.openxmlformats.org/presentationml/2006/main">
+  <p:tag name="OUTPUTDPI" val="1200"/>
+  <p:tag name="ORIGINALHEIGHT" val="56,99291"/>
+  <p:tag name="ORIGINALWIDTH" val="59,2426"/>
+  <p:tag name="LATEXADDIN" val="\documentclass{article}&#10;\usepackage{amsmath}&#10;\usepackage{bm}&#10;\usepackage{color}&#10;\pagestyle{empty}&#10;\begin{document}&#10;%\color{white}&#10;\begin{equation}&#10;\bm{r}&#10;\nonumber&#10;\end{equation}&#10;\end{document}"/>
+  <p:tag name="IGUANATEXSIZE" val="20"/>
+  <p:tag name="IGUANATEXCURSOR" val="150"/>
+  <p:tag name="TRANSPARENCY" val="Wahr"/>
+  <p:tag name="FILENAME" val=""/>
+  <p:tag name="LATEXENGINEID" val="0"/>
+  <p:tag name="TEMPFOLDER" val="c:\temp\"/>
+  <p:tag name="LATEXFORMHEIGHT" val="312"/>
+  <p:tag name="LATEXFORMWIDTH" val="384"/>
+  <p:tag name="LATEXFORMWRAP" val="Wahr"/>
+  <p:tag name="BITMAPVECTOR" val="0"/>
+</p:tagLst>
+</file>
+
+<file path=ppt/tags/tag66.xml><?xml version="1.0" encoding="utf-8"?>
+<p:tagLst xmlns:a="http://schemas.openxmlformats.org/drawingml/2006/main" xmlns:r="http://schemas.openxmlformats.org/officeDocument/2006/relationships" xmlns:p="http://schemas.openxmlformats.org/presentationml/2006/main">
+  <p:tag name="OUTPUTDPI" val="1200"/>
+  <p:tag name="ORIGINALHEIGHT" val="104,237"/>
+  <p:tag name="ORIGINALWIDTH" val="125,2343"/>
+  <p:tag name="LATEXADDIN" val="\documentclass{article}&#10;\usepackage{amsmath}&#10;\usepackage{bm}&#10;\usepackage{color}&#10;\pagestyle{empty}&#10;\begin{document}&#10;%\color{white}&#10;\begin{equation}&#10;\bm{F}_r&#10;\nonumber&#10;\end{equation}&#10;\end{document}"/>
+  <p:tag name="IGUANATEXSIZE" val="20"/>
+  <p:tag name="IGUANATEXCURSOR" val="151"/>
+  <p:tag name="TRANSPARENCY" val="Wahr"/>
+  <p:tag name="FILENAME" val=""/>
+  <p:tag name="LATEXENGINEID" val="0"/>
+  <p:tag name="TEMPFOLDER" val="c:\temp\"/>
+  <p:tag name="LATEXFORMHEIGHT" val="312"/>
+  <p:tag name="LATEXFORMWIDTH" val="384"/>
+  <p:tag name="LATEXFORMWRAP" val="Wahr"/>
+  <p:tag name="BITMAPVECTOR" val="0"/>
+</p:tagLst>
+</file>
+
+<file path=ppt/tags/tag67.xml><?xml version="1.0" encoding="utf-8"?>
+<p:tagLst xmlns:a="http://schemas.openxmlformats.org/drawingml/2006/main" xmlns:r="http://schemas.openxmlformats.org/officeDocument/2006/relationships" xmlns:p="http://schemas.openxmlformats.org/presentationml/2006/main">
+  <p:tag name="OUTPUTDPI" val="1200"/>
+  <p:tag name="ORIGINALHEIGHT" val="112,4859"/>
+  <p:tag name="ORIGINALWIDTH" val="909,6363"/>
+  <p:tag name="LATEXADDIN" val="\documentclass{article}&#10;\usepackage{amsmath}&#10;\usepackage{color}&#10;\pagestyle{empty}&#10;\begin{document}&#10;%\color{white}&#10;Support Polygon&#10;\end{document}"/>
+  <p:tag name="IGUANATEXSIZE" val="20"/>
+  <p:tag name="IGUANATEXCURSOR" val="129"/>
+  <p:tag name="TRANSPARENCY" val="Wahr"/>
+  <p:tag name="FILENAME" val=""/>
+  <p:tag name="LATEXENGINEID" val="0"/>
+  <p:tag name="TEMPFOLDER" val="c:\temp\"/>
+  <p:tag name="LATEXFORMHEIGHT" val="312"/>
+  <p:tag name="LATEXFORMWIDTH" val="384"/>
+  <p:tag name="LATEXFORMWRAP" val="Wahr"/>
+  <p:tag name="BITMAPVECTOR" val="0"/>
+</p:tagLst>
+</file>
+
+<file path=ppt/tags/tag68.xml><?xml version="1.0" encoding="utf-8"?>
+<p:tagLst xmlns:a="http://schemas.openxmlformats.org/drawingml/2006/main" xmlns:r="http://schemas.openxmlformats.org/officeDocument/2006/relationships" xmlns:p="http://schemas.openxmlformats.org/presentationml/2006/main">
+  <p:tag name="OUTPUTDPI" val="1200"/>
+  <p:tag name="ORIGINALHEIGHT" val="87,73905"/>
+  <p:tag name="ORIGINALWIDTH" val="1037,12"/>
+  <p:tag name="LATEXADDIN" val="\documentclass{article}&#10;\usepackage{amsmath}&#10;\usepackage{color}&#10;\pagestyle{empty}&#10;\begin{document}&#10;%\color{white}&#10;Inverted Pendulum&#10;\end{document}"/>
+  <p:tag name="IGUANATEXSIZE" val="20"/>
+  <p:tag name="IGUANATEXCURSOR" val="131"/>
   <p:tag name="TRANSPARENCY" val="Wahr"/>
   <p:tag name="FILENAME" val=""/>
   <p:tag name="LATEXENGINEID" val="0"/>

--- a/windows/masters_thesis_imgs.pptx
+++ b/windows/masters_thesis_imgs.pptx
@@ -11,6 +11,8 @@
     <p:sldId id="258" r:id="rId5"/>
     <p:sldId id="261" r:id="rId6"/>
     <p:sldId id="260" r:id="rId7"/>
+    <p:sldId id="262" r:id="rId8"/>
+    <p:sldId id="263" r:id="rId9"/>
   </p:sldIdLst>
   <p:sldSz cx="12192000" cy="6858000"/>
   <p:notesSz cx="6858000" cy="9144000"/>
@@ -112,7 +114,7 @@
   <p:extLst>
     <p:ext uri="{EFAFB233-063F-42B5-8137-9DF3F51BA10A}">
       <p15:sldGuideLst xmlns:p15="http://schemas.microsoft.com/office/powerpoint/2012/main">
-        <p15:guide id="1" orient="horz" pos="2908" userDrawn="1">
+        <p15:guide id="1" orient="horz" pos="2886" userDrawn="1">
           <p15:clr>
             <a:srgbClr val="A4A3A4"/>
           </p15:clr>
@@ -277,7 +279,7 @@
           <a:p>
             <a:fld id="{E9193408-0E9E-4716-B232-5E8342DA9E48}" type="datetimeFigureOut">
               <a:rPr lang="en-GB" smtClean="0"/>
-              <a:t>30/05/2019</a:t>
+              <a:t>11/06/2019</a:t>
             </a:fld>
             <a:endParaRPr lang="en-GB"/>
           </a:p>
@@ -477,7 +479,7 @@
           <a:p>
             <a:fld id="{E9193408-0E9E-4716-B232-5E8342DA9E48}" type="datetimeFigureOut">
               <a:rPr lang="en-GB" smtClean="0"/>
-              <a:t>30/05/2019</a:t>
+              <a:t>11/06/2019</a:t>
             </a:fld>
             <a:endParaRPr lang="en-GB"/>
           </a:p>
@@ -687,7 +689,7 @@
           <a:p>
             <a:fld id="{E9193408-0E9E-4716-B232-5E8342DA9E48}" type="datetimeFigureOut">
               <a:rPr lang="en-GB" smtClean="0"/>
-              <a:t>30/05/2019</a:t>
+              <a:t>11/06/2019</a:t>
             </a:fld>
             <a:endParaRPr lang="en-GB"/>
           </a:p>
@@ -887,7 +889,7 @@
           <a:p>
             <a:fld id="{E9193408-0E9E-4716-B232-5E8342DA9E48}" type="datetimeFigureOut">
               <a:rPr lang="en-GB" smtClean="0"/>
-              <a:t>30/05/2019</a:t>
+              <a:t>11/06/2019</a:t>
             </a:fld>
             <a:endParaRPr lang="en-GB"/>
           </a:p>
@@ -1163,7 +1165,7 @@
           <a:p>
             <a:fld id="{E9193408-0E9E-4716-B232-5E8342DA9E48}" type="datetimeFigureOut">
               <a:rPr lang="en-GB" smtClean="0"/>
-              <a:t>30/05/2019</a:t>
+              <a:t>11/06/2019</a:t>
             </a:fld>
             <a:endParaRPr lang="en-GB"/>
           </a:p>
@@ -1431,7 +1433,7 @@
           <a:p>
             <a:fld id="{E9193408-0E9E-4716-B232-5E8342DA9E48}" type="datetimeFigureOut">
               <a:rPr lang="en-GB" smtClean="0"/>
-              <a:t>30/05/2019</a:t>
+              <a:t>11/06/2019</a:t>
             </a:fld>
             <a:endParaRPr lang="en-GB"/>
           </a:p>
@@ -1846,7 +1848,7 @@
           <a:p>
             <a:fld id="{E9193408-0E9E-4716-B232-5E8342DA9E48}" type="datetimeFigureOut">
               <a:rPr lang="en-GB" smtClean="0"/>
-              <a:t>30/05/2019</a:t>
+              <a:t>11/06/2019</a:t>
             </a:fld>
             <a:endParaRPr lang="en-GB"/>
           </a:p>
@@ -1988,7 +1990,7 @@
           <a:p>
             <a:fld id="{E9193408-0E9E-4716-B232-5E8342DA9E48}" type="datetimeFigureOut">
               <a:rPr lang="en-GB" smtClean="0"/>
-              <a:t>30/05/2019</a:t>
+              <a:t>11/06/2019</a:t>
             </a:fld>
             <a:endParaRPr lang="en-GB"/>
           </a:p>
@@ -2101,7 +2103,7 @@
           <a:p>
             <a:fld id="{E9193408-0E9E-4716-B232-5E8342DA9E48}" type="datetimeFigureOut">
               <a:rPr lang="en-GB" smtClean="0"/>
-              <a:t>30/05/2019</a:t>
+              <a:t>11/06/2019</a:t>
             </a:fld>
             <a:endParaRPr lang="en-GB"/>
           </a:p>
@@ -2414,7 +2416,7 @@
           <a:p>
             <a:fld id="{E9193408-0E9E-4716-B232-5E8342DA9E48}" type="datetimeFigureOut">
               <a:rPr lang="en-GB" smtClean="0"/>
-              <a:t>30/05/2019</a:t>
+              <a:t>11/06/2019</a:t>
             </a:fld>
             <a:endParaRPr lang="en-GB"/>
           </a:p>
@@ -2703,7 +2705,7 @@
           <a:p>
             <a:fld id="{E9193408-0E9E-4716-B232-5E8342DA9E48}" type="datetimeFigureOut">
               <a:rPr lang="en-GB" smtClean="0"/>
-              <a:t>30/05/2019</a:t>
+              <a:t>11/06/2019</a:t>
             </a:fld>
             <a:endParaRPr lang="en-GB"/>
           </a:p>
@@ -2946,7 +2948,7 @@
           <a:p>
             <a:fld id="{E9193408-0E9E-4716-B232-5E8342DA9E48}" type="datetimeFigureOut">
               <a:rPr lang="en-GB" smtClean="0"/>
-              <a:t>30/05/2019</a:t>
+              <a:t>11/06/2019</a:t>
             </a:fld>
             <a:endParaRPr lang="en-GB"/>
           </a:p>
@@ -12097,12 +12099,12 @@
             </p:cNvPicPr>
             <p:nvPr>
               <p:custDataLst>
-                <p:tags r:id="rId5"/>
+                <p:tags r:id="rId4"/>
               </p:custDataLst>
             </p:nvPr>
           </p:nvPicPr>
           <p:blipFill>
-            <a:blip r:embed="rId13">
+            <a:blip r:embed="rId11">
               <a:extLst>
                 <a:ext uri="{28A0092B-C50C-407E-A947-70E740481C1C}">
                   <a14:useLocalDpi xmlns:a14="http://schemas.microsoft.com/office/drawing/2010/main" val="0"/>
@@ -12137,12 +12139,12 @@
             </p:cNvPicPr>
             <p:nvPr>
               <p:custDataLst>
-                <p:tags r:id="rId6"/>
+                <p:tags r:id="rId5"/>
               </p:custDataLst>
             </p:nvPr>
           </p:nvPicPr>
           <p:blipFill>
-            <a:blip r:embed="rId14">
+            <a:blip r:embed="rId12">
               <a:extLst>
                 <a:ext uri="{28A0092B-C50C-407E-A947-70E740481C1C}">
                   <a14:useLocalDpi xmlns:a14="http://schemas.microsoft.com/office/drawing/2010/main" val="0"/>
@@ -12571,12 +12573,12 @@
             </p:cNvPicPr>
             <p:nvPr>
               <p:custDataLst>
-                <p:tags r:id="rId7"/>
+                <p:tags r:id="rId6"/>
               </p:custDataLst>
             </p:nvPr>
           </p:nvPicPr>
           <p:blipFill>
-            <a:blip r:embed="rId15">
+            <a:blip r:embed="rId13">
               <a:extLst>
                 <a:ext uri="{28A0092B-C50C-407E-A947-70E740481C1C}">
                   <a14:useLocalDpi xmlns:a14="http://schemas.microsoft.com/office/drawing/2010/main" val="0"/>
@@ -12611,12 +12613,12 @@
             </p:cNvPicPr>
             <p:nvPr>
               <p:custDataLst>
-                <p:tags r:id="rId8"/>
+                <p:tags r:id="rId7"/>
               </p:custDataLst>
             </p:nvPr>
           </p:nvPicPr>
           <p:blipFill>
-            <a:blip r:embed="rId16">
+            <a:blip r:embed="rId14">
               <a:extLst>
                 <a:ext uri="{28A0092B-C50C-407E-A947-70E740481C1C}">
                   <a14:useLocalDpi xmlns:a14="http://schemas.microsoft.com/office/drawing/2010/main" val="0"/>
@@ -12651,12 +12653,12 @@
             </p:cNvPicPr>
             <p:nvPr>
               <p:custDataLst>
-                <p:tags r:id="rId9"/>
+                <p:tags r:id="rId8"/>
               </p:custDataLst>
             </p:nvPr>
           </p:nvPicPr>
           <p:blipFill>
-            <a:blip r:embed="rId17">
+            <a:blip r:embed="rId15">
               <a:extLst>
                 <a:ext uri="{28A0092B-C50C-407E-A947-70E740481C1C}">
                   <a14:useLocalDpi xmlns:a14="http://schemas.microsoft.com/office/drawing/2010/main" val="0"/>
@@ -12671,46 +12673,6 @@
             <a:xfrm>
               <a:off x="577798" y="5748275"/>
               <a:ext cx="591974" cy="392288"/>
-            </a:xfrm>
-            <a:prstGeom prst="rect">
-              <a:avLst/>
-            </a:prstGeom>
-          </p:spPr>
-        </p:pic>
-        <p:pic>
-          <p:nvPicPr>
-            <p:cNvPr id="72" name="Grafik 71">
-              <a:extLst>
-                <a:ext uri="{FF2B5EF4-FFF2-40B4-BE49-F238E27FC236}">
-                  <a16:creationId xmlns:a16="http://schemas.microsoft.com/office/drawing/2014/main" id="{6FF618E1-C8AD-4133-A18B-FBC7AFF8DA50}"/>
-                </a:ext>
-              </a:extLst>
-            </p:cNvPr>
-            <p:cNvPicPr>
-              <a:picLocks noChangeAspect="1"/>
-            </p:cNvPicPr>
-            <p:nvPr>
-              <p:custDataLst>
-                <p:tags r:id="rId10"/>
-              </p:custDataLst>
-            </p:nvPr>
-          </p:nvPicPr>
-          <p:blipFill>
-            <a:blip r:embed="rId18">
-              <a:extLst>
-                <a:ext uri="{28A0092B-C50C-407E-A947-70E740481C1C}">
-                  <a14:useLocalDpi xmlns:a14="http://schemas.microsoft.com/office/drawing/2010/main" val="0"/>
-                </a:ext>
-              </a:extLst>
-            </a:blip>
-            <a:stretch>
-              <a:fillRect/>
-            </a:stretch>
-          </p:blipFill>
-          <p:spPr>
-            <a:xfrm>
-              <a:off x="2311163" y="5770156"/>
-              <a:ext cx="808185" cy="295187"/>
             </a:xfrm>
             <a:prstGeom prst="rect">
               <a:avLst/>
@@ -12775,12 +12737,12 @@
             </p:cNvPicPr>
             <p:nvPr>
               <p:custDataLst>
-                <p:tags r:id="rId11"/>
+                <p:tags r:id="rId9"/>
               </p:custDataLst>
             </p:nvPr>
           </p:nvPicPr>
           <p:blipFill>
-            <a:blip r:embed="rId19">
+            <a:blip r:embed="rId16">
               <a:extLst>
                 <a:ext uri="{28A0092B-C50C-407E-A947-70E740481C1C}">
                   <a14:useLocalDpi xmlns:a14="http://schemas.microsoft.com/office/drawing/2010/main" val="0"/>
@@ -12804,10 +12766,10 @@
       </p:grpSp>
       <p:grpSp>
         <p:nvGrpSpPr>
-          <p:cNvPr id="32" name="Gruppieren 31">
+          <p:cNvPr id="2" name="Gruppieren 1">
             <a:extLst>
               <a:ext uri="{FF2B5EF4-FFF2-40B4-BE49-F238E27FC236}">
-                <a16:creationId xmlns:a16="http://schemas.microsoft.com/office/drawing/2014/main" id="{00A3EBDB-B471-4E4C-A231-0F77F2A3C7D6}"/>
+                <a16:creationId xmlns:a16="http://schemas.microsoft.com/office/drawing/2014/main" id="{17F45F4F-F8FA-42EF-86A0-42102D057447}"/>
               </a:ext>
             </a:extLst>
           </p:cNvPr>
@@ -12816,10 +12778,10 @@
         </p:nvGrpSpPr>
         <p:grpSpPr>
           <a:xfrm>
-            <a:off x="2575314" y="905893"/>
-            <a:ext cx="8964405" cy="1865268"/>
-            <a:chOff x="2575314" y="905893"/>
-            <a:chExt cx="8964405" cy="1865268"/>
+            <a:off x="4896124" y="1118584"/>
+            <a:ext cx="5700018" cy="1428473"/>
+            <a:chOff x="4896124" y="1118584"/>
+            <a:chExt cx="5700018" cy="1428473"/>
           </a:xfrm>
         </p:grpSpPr>
         <p:grpSp>
@@ -13015,10 +12977,10 @@
         </p:grpSp>
         <p:pic>
           <p:nvPicPr>
-            <p:cNvPr id="9" name="Grafik 8">
+            <p:cNvPr id="16" name="Grafik 15">
               <a:extLst>
                 <a:ext uri="{FF2B5EF4-FFF2-40B4-BE49-F238E27FC236}">
-                  <a16:creationId xmlns:a16="http://schemas.microsoft.com/office/drawing/2014/main" id="{A7C6B47D-9F34-408B-AB44-FFEAFBCD4B1B}"/>
+                  <a16:creationId xmlns:a16="http://schemas.microsoft.com/office/drawing/2014/main" id="{07D0CF08-889E-450B-8C12-6FEC3878E3F7}"/>
                 </a:ext>
               </a:extLst>
             </p:cNvPr>
@@ -13032,7 +12994,7 @@
             </p:nvPr>
           </p:nvPicPr>
           <p:blipFill>
-            <a:blip r:embed="rId20">
+            <a:blip r:embed="rId17">
               <a:extLst>
                 <a:ext uri="{28A0092B-C50C-407E-A947-70E740481C1C}">
                   <a14:useLocalDpi xmlns:a14="http://schemas.microsoft.com/office/drawing/2010/main" val="0"/>
@@ -13045,8 +13007,8 @@
           </p:blipFill>
           <p:spPr>
             <a:xfrm>
-              <a:off x="6529441" y="2387798"/>
-              <a:ext cx="3100135" cy="383363"/>
+              <a:off x="7040990" y="1118584"/>
+              <a:ext cx="1321485" cy="222793"/>
             </a:xfrm>
             <a:prstGeom prst="rect">
               <a:avLst/>
@@ -13055,10 +13017,10 @@
         </p:pic>
         <p:pic>
           <p:nvPicPr>
-            <p:cNvPr id="16" name="Grafik 15">
+            <p:cNvPr id="14" name="Grafik 13">
               <a:extLst>
                 <a:ext uri="{FF2B5EF4-FFF2-40B4-BE49-F238E27FC236}">
-                  <a16:creationId xmlns:a16="http://schemas.microsoft.com/office/drawing/2014/main" id="{07D0CF08-889E-450B-8C12-6FEC3878E3F7}"/>
+                  <a16:creationId xmlns:a16="http://schemas.microsoft.com/office/drawing/2014/main" id="{D962F7C1-3BED-4BE9-9DA8-A4A0D5F7529D}"/>
                 </a:ext>
               </a:extLst>
             </p:cNvPr>
@@ -13072,7 +13034,7 @@
             </p:nvPr>
           </p:nvPicPr>
           <p:blipFill>
-            <a:blip r:embed="rId21">
+            <a:blip r:embed="rId18">
               <a:extLst>
                 <a:ext uri="{28A0092B-C50C-407E-A947-70E740481C1C}">
                   <a14:useLocalDpi xmlns:a14="http://schemas.microsoft.com/office/drawing/2010/main" val="0"/>
@@ -13085,48 +13047,8 @@
           </p:blipFill>
           <p:spPr>
             <a:xfrm>
-              <a:off x="6502717" y="905893"/>
-              <a:ext cx="2268545" cy="382460"/>
-            </a:xfrm>
-            <a:prstGeom prst="rect">
-              <a:avLst/>
-            </a:prstGeom>
-          </p:spPr>
-        </p:pic>
-        <p:pic>
-          <p:nvPicPr>
-            <p:cNvPr id="14" name="Grafik 13">
-              <a:extLst>
-                <a:ext uri="{FF2B5EF4-FFF2-40B4-BE49-F238E27FC236}">
-                  <a16:creationId xmlns:a16="http://schemas.microsoft.com/office/drawing/2014/main" id="{D962F7C1-3BED-4BE9-9DA8-A4A0D5F7529D}"/>
-                </a:ext>
-              </a:extLst>
-            </p:cNvPr>
-            <p:cNvPicPr>
-              <a:picLocks noChangeAspect="1"/>
-            </p:cNvPicPr>
-            <p:nvPr>
-              <p:custDataLst>
-                <p:tags r:id="rId3"/>
-              </p:custDataLst>
-            </p:nvPr>
-          </p:nvPicPr>
-          <p:blipFill>
-            <a:blip r:embed="rId22">
-              <a:extLst>
-                <a:ext uri="{28A0092B-C50C-407E-A947-70E740481C1C}">
-                  <a14:useLocalDpi xmlns:a14="http://schemas.microsoft.com/office/drawing/2010/main" val="0"/>
-                </a:ext>
-              </a:extLst>
-            </a:blip>
-            <a:stretch>
-              <a:fillRect/>
-            </a:stretch>
-          </p:blipFill>
-          <p:spPr>
-            <a:xfrm>
-              <a:off x="9383706" y="1725169"/>
-              <a:ext cx="2156013" cy="305454"/>
+              <a:off x="9340210" y="1811244"/>
+              <a:ext cx="1255932" cy="177935"/>
             </a:xfrm>
             <a:prstGeom prst="rect">
               <a:avLst/>
@@ -14768,12 +14690,12 @@
             </p:cNvPicPr>
             <p:nvPr>
               <p:custDataLst>
-                <p:tags r:id="rId4"/>
+                <p:tags r:id="rId3"/>
               </p:custDataLst>
             </p:nvPr>
           </p:nvPicPr>
           <p:blipFill>
-            <a:blip r:embed="rId23">
+            <a:blip r:embed="rId19">
               <a:extLst>
                 <a:ext uri="{28A0092B-C50C-407E-A947-70E740481C1C}">
                   <a14:useLocalDpi xmlns:a14="http://schemas.microsoft.com/office/drawing/2010/main" val="0"/>
@@ -14786,8 +14708,8 @@
           </p:blipFill>
           <p:spPr>
             <a:xfrm>
-              <a:off x="2575314" y="2085187"/>
-              <a:ext cx="2953967" cy="385026"/>
+              <a:off x="4896124" y="2322770"/>
+              <a:ext cx="1720761" cy="224287"/>
             </a:xfrm>
             <a:prstGeom prst="rect">
               <a:avLst/>
@@ -16423,6 +16345,1978 @@
     <p:extLst>
       <p:ext uri="{BB962C8B-B14F-4D97-AF65-F5344CB8AC3E}">
         <p14:creationId xmlns:p14="http://schemas.microsoft.com/office/powerpoint/2010/main" val="2434083157"/>
+      </p:ext>
+    </p:extLst>
+  </p:cSld>
+  <p:clrMapOvr>
+    <a:masterClrMapping/>
+  </p:clrMapOvr>
+</p:sld>
+</file>
+
+<file path=ppt/slides/slide7.xml><?xml version="1.0" encoding="utf-8"?>
+<p:sld xmlns:a="http://schemas.openxmlformats.org/drawingml/2006/main" xmlns:r="http://schemas.openxmlformats.org/officeDocument/2006/relationships" xmlns:p="http://schemas.openxmlformats.org/presentationml/2006/main">
+  <p:cSld>
+    <p:spTree>
+      <p:nvGrpSpPr>
+        <p:cNvPr id="1" name=""/>
+        <p:cNvGrpSpPr/>
+        <p:nvPr/>
+      </p:nvGrpSpPr>
+      <p:grpSpPr>
+        <a:xfrm>
+          <a:off x="0" y="0"/>
+          <a:ext cx="0" cy="0"/>
+          <a:chOff x="0" y="0"/>
+          <a:chExt cx="0" cy="0"/>
+        </a:xfrm>
+      </p:grpSpPr>
+      <p:sp>
+        <p:nvSpPr>
+          <p:cNvPr id="4" name="Textfeld 3">
+            <a:extLst>
+              <a:ext uri="{FF2B5EF4-FFF2-40B4-BE49-F238E27FC236}">
+                <a16:creationId xmlns:a16="http://schemas.microsoft.com/office/drawing/2014/main" id="{058C6F85-BBC9-4CAE-95D4-0CC8587FB1D8}"/>
+              </a:ext>
+            </a:extLst>
+          </p:cNvPr>
+          <p:cNvSpPr txBox="1"/>
+          <p:nvPr/>
+        </p:nvSpPr>
+        <p:spPr>
+          <a:xfrm>
+            <a:off x="76199" y="66675"/>
+            <a:ext cx="2088017" cy="369332"/>
+          </a:xfrm>
+          <a:prstGeom prst="rect">
+            <a:avLst/>
+          </a:prstGeom>
+          <a:noFill/>
+        </p:spPr>
+        <p:txBody>
+          <a:bodyPr wrap="square" rtlCol="0">
+            <a:spAutoFit/>
+          </a:bodyPr>
+          <a:lstStyle/>
+          <a:p>
+            <a:r>
+              <a:rPr lang="de-DE" dirty="0"/>
+              <a:t>Zero Moment Point</a:t>
+            </a:r>
+            <a:endParaRPr lang="en-GB" dirty="0"/>
+          </a:p>
+        </p:txBody>
+      </p:sp>
+    </p:spTree>
+    <p:extLst>
+      <p:ext uri="{BB962C8B-B14F-4D97-AF65-F5344CB8AC3E}">
+        <p14:creationId xmlns:p14="http://schemas.microsoft.com/office/powerpoint/2010/main" val="3922077207"/>
+      </p:ext>
+    </p:extLst>
+  </p:cSld>
+  <p:clrMapOvr>
+    <a:masterClrMapping/>
+  </p:clrMapOvr>
+</p:sld>
+</file>
+
+<file path=ppt/slides/slide8.xml><?xml version="1.0" encoding="utf-8"?>
+<p:sld xmlns:a="http://schemas.openxmlformats.org/drawingml/2006/main" xmlns:r="http://schemas.openxmlformats.org/officeDocument/2006/relationships" xmlns:p="http://schemas.openxmlformats.org/presentationml/2006/main">
+  <p:cSld>
+    <p:spTree>
+      <p:nvGrpSpPr>
+        <p:cNvPr id="1" name=""/>
+        <p:cNvGrpSpPr/>
+        <p:nvPr/>
+      </p:nvGrpSpPr>
+      <p:grpSpPr>
+        <a:xfrm>
+          <a:off x="0" y="0"/>
+          <a:ext cx="0" cy="0"/>
+          <a:chOff x="0" y="0"/>
+          <a:chExt cx="0" cy="0"/>
+        </a:xfrm>
+      </p:grpSpPr>
+      <p:pic>
+        <p:nvPicPr>
+          <p:cNvPr id="28" name="Grafik 27" descr="Ein Bild, das Foto, Boden, sitzend enthält.&#10;&#10;Automatisch generierte Beschreibung">
+            <a:extLst>
+              <a:ext uri="{FF2B5EF4-FFF2-40B4-BE49-F238E27FC236}">
+                <a16:creationId xmlns:a16="http://schemas.microsoft.com/office/drawing/2014/main" id="{4BFEB59D-944B-4E5F-9F21-9004F2EE9077}"/>
+              </a:ext>
+            </a:extLst>
+          </p:cNvPr>
+          <p:cNvPicPr>
+            <a:picLocks noChangeAspect="1"/>
+          </p:cNvPicPr>
+          <p:nvPr/>
+        </p:nvPicPr>
+        <p:blipFill>
+          <a:blip r:embed="rId13">
+            <a:extLst>
+              <a:ext uri="{28A0092B-C50C-407E-A947-70E740481C1C}">
+                <a14:useLocalDpi xmlns:a14="http://schemas.microsoft.com/office/drawing/2010/main" val="0"/>
+              </a:ext>
+            </a:extLst>
+          </a:blip>
+          <a:stretch>
+            <a:fillRect/>
+          </a:stretch>
+        </p:blipFill>
+        <p:spPr>
+          <a:xfrm>
+            <a:off x="-5125355" y="8458200"/>
+            <a:ext cx="6096000" cy="4572000"/>
+          </a:xfrm>
+          <a:prstGeom prst="rect">
+            <a:avLst/>
+          </a:prstGeom>
+        </p:spPr>
+      </p:pic>
+      <p:pic>
+        <p:nvPicPr>
+          <p:cNvPr id="35" name="Grafik 34" descr="Ein Bild, das sitzend, Foto enthält.&#10;&#10;Automatisch generierte Beschreibung">
+            <a:extLst>
+              <a:ext uri="{FF2B5EF4-FFF2-40B4-BE49-F238E27FC236}">
+                <a16:creationId xmlns:a16="http://schemas.microsoft.com/office/drawing/2014/main" id="{EBA20801-66C5-4B6E-A2E0-8C1AC252E6C5}"/>
+              </a:ext>
+            </a:extLst>
+          </p:cNvPr>
+          <p:cNvPicPr>
+            <a:picLocks noChangeAspect="1"/>
+          </p:cNvPicPr>
+          <p:nvPr/>
+        </p:nvPicPr>
+        <p:blipFill>
+          <a:blip r:embed="rId14">
+            <a:extLst>
+              <a:ext uri="{28A0092B-C50C-407E-A947-70E740481C1C}">
+                <a14:useLocalDpi xmlns:a14="http://schemas.microsoft.com/office/drawing/2010/main" val="0"/>
+              </a:ext>
+            </a:extLst>
+          </a:blip>
+          <a:stretch>
+            <a:fillRect/>
+          </a:stretch>
+        </p:blipFill>
+        <p:spPr>
+          <a:xfrm>
+            <a:off x="1361019" y="8458200"/>
+            <a:ext cx="6096000" cy="4572000"/>
+          </a:xfrm>
+          <a:prstGeom prst="rect">
+            <a:avLst/>
+          </a:prstGeom>
+        </p:spPr>
+      </p:pic>
+      <p:pic>
+        <p:nvPicPr>
+          <p:cNvPr id="37" name="Grafik 36">
+            <a:extLst>
+              <a:ext uri="{FF2B5EF4-FFF2-40B4-BE49-F238E27FC236}">
+                <a16:creationId xmlns:a16="http://schemas.microsoft.com/office/drawing/2014/main" id="{24A1620A-6317-43B3-9215-8F173F26EF8C}"/>
+              </a:ext>
+            </a:extLst>
+          </p:cNvPr>
+          <p:cNvPicPr>
+            <a:picLocks noChangeAspect="1"/>
+          </p:cNvPicPr>
+          <p:nvPr/>
+        </p:nvPicPr>
+        <p:blipFill>
+          <a:blip r:embed="rId15">
+            <a:extLst>
+              <a:ext uri="{28A0092B-C50C-407E-A947-70E740481C1C}">
+                <a14:useLocalDpi xmlns:a14="http://schemas.microsoft.com/office/drawing/2010/main" val="0"/>
+              </a:ext>
+            </a:extLst>
+          </a:blip>
+          <a:stretch>
+            <a:fillRect/>
+          </a:stretch>
+        </p:blipFill>
+        <p:spPr>
+          <a:xfrm>
+            <a:off x="7847393" y="8458200"/>
+            <a:ext cx="6096000" cy="4572000"/>
+          </a:xfrm>
+          <a:prstGeom prst="rect">
+            <a:avLst/>
+          </a:prstGeom>
+        </p:spPr>
+      </p:pic>
+      <p:grpSp>
+        <p:nvGrpSpPr>
+          <p:cNvPr id="53" name="Gruppieren 52">
+            <a:extLst>
+              <a:ext uri="{FF2B5EF4-FFF2-40B4-BE49-F238E27FC236}">
+                <a16:creationId xmlns:a16="http://schemas.microsoft.com/office/drawing/2014/main" id="{CFDC3D16-5F0D-4154-BDDB-5EE207B9B3D3}"/>
+              </a:ext>
+            </a:extLst>
+          </p:cNvPr>
+          <p:cNvGrpSpPr/>
+          <p:nvPr/>
+        </p:nvGrpSpPr>
+        <p:grpSpPr>
+          <a:xfrm>
+            <a:off x="-5125355" y="-2742260"/>
+            <a:ext cx="19116418" cy="5019467"/>
+            <a:chOff x="-9978709" y="-1194814"/>
+            <a:chExt cx="19116418" cy="5019467"/>
+          </a:xfrm>
+        </p:grpSpPr>
+        <p:grpSp>
+          <p:nvGrpSpPr>
+            <p:cNvPr id="18" name="Gruppieren 17">
+              <a:extLst>
+                <a:ext uri="{FF2B5EF4-FFF2-40B4-BE49-F238E27FC236}">
+                  <a16:creationId xmlns:a16="http://schemas.microsoft.com/office/drawing/2014/main" id="{62FB9D64-5D0F-4AC3-90AA-39D2B78FEB94}"/>
+                </a:ext>
+              </a:extLst>
+            </p:cNvPr>
+            <p:cNvGrpSpPr/>
+            <p:nvPr/>
+          </p:nvGrpSpPr>
+          <p:grpSpPr>
+            <a:xfrm>
+              <a:off x="-9978709" y="-531695"/>
+              <a:ext cx="5808466" cy="4356348"/>
+              <a:chOff x="-3247471" y="942999"/>
+              <a:chExt cx="5808466" cy="4356348"/>
+            </a:xfrm>
+          </p:grpSpPr>
+          <p:pic>
+            <p:nvPicPr>
+              <p:cNvPr id="3" name="Grafik 2" descr="Ein Bild, das orange, Himmel enthält.&#10;&#10;Automatisch generierte Beschreibung">
+                <a:extLst>
+                  <a:ext uri="{FF2B5EF4-FFF2-40B4-BE49-F238E27FC236}">
+                    <a16:creationId xmlns:a16="http://schemas.microsoft.com/office/drawing/2014/main" id="{93016A23-2B1F-499C-A062-DF2F9CD19448}"/>
+                  </a:ext>
+                </a:extLst>
+              </p:cNvPr>
+              <p:cNvPicPr>
+                <a:picLocks noChangeAspect="1"/>
+              </p:cNvPicPr>
+              <p:nvPr/>
+            </p:nvPicPr>
+            <p:blipFill>
+              <a:blip r:embed="rId16">
+                <a:extLst>
+                  <a:ext uri="{28A0092B-C50C-407E-A947-70E740481C1C}">
+                    <a14:useLocalDpi xmlns:a14="http://schemas.microsoft.com/office/drawing/2010/main" val="0"/>
+                  </a:ext>
+                </a:extLst>
+              </a:blip>
+              <a:stretch>
+                <a:fillRect/>
+              </a:stretch>
+            </p:blipFill>
+            <p:spPr>
+              <a:xfrm>
+                <a:off x="-3247471" y="942999"/>
+                <a:ext cx="3872311" cy="2904233"/>
+              </a:xfrm>
+              <a:prstGeom prst="rect">
+                <a:avLst/>
+              </a:prstGeom>
+            </p:spPr>
+          </p:pic>
+          <p:pic>
+            <p:nvPicPr>
+              <p:cNvPr id="6" name="Grafik 5" descr="Ein Bild, das orange enthält.&#10;&#10;Automatisch generierte Beschreibung">
+                <a:extLst>
+                  <a:ext uri="{FF2B5EF4-FFF2-40B4-BE49-F238E27FC236}">
+                    <a16:creationId xmlns:a16="http://schemas.microsoft.com/office/drawing/2014/main" id="{2B1813E7-8D2F-44A6-B642-A32D73716C33}"/>
+                  </a:ext>
+                </a:extLst>
+              </p:cNvPr>
+              <p:cNvPicPr>
+                <a:picLocks noChangeAspect="1"/>
+              </p:cNvPicPr>
+              <p:nvPr/>
+            </p:nvPicPr>
+            <p:blipFill>
+              <a:blip r:embed="rId17">
+                <a:extLst>
+                  <a:ext uri="{28A0092B-C50C-407E-A947-70E740481C1C}">
+                    <a14:useLocalDpi xmlns:a14="http://schemas.microsoft.com/office/drawing/2010/main" val="0"/>
+                  </a:ext>
+                </a:extLst>
+              </a:blip>
+              <a:stretch>
+                <a:fillRect/>
+              </a:stretch>
+            </p:blipFill>
+            <p:spPr>
+              <a:xfrm>
+                <a:off x="-1311316" y="2395114"/>
+                <a:ext cx="3872311" cy="2904233"/>
+              </a:xfrm>
+              <a:prstGeom prst="rect">
+                <a:avLst/>
+              </a:prstGeom>
+            </p:spPr>
+          </p:pic>
+        </p:grpSp>
+        <p:grpSp>
+          <p:nvGrpSpPr>
+            <p:cNvPr id="19" name="Gruppieren 18">
+              <a:extLst>
+                <a:ext uri="{FF2B5EF4-FFF2-40B4-BE49-F238E27FC236}">
+                  <a16:creationId xmlns:a16="http://schemas.microsoft.com/office/drawing/2014/main" id="{16ED38AC-BB82-4940-8F36-140C36AB1B85}"/>
+                </a:ext>
+              </a:extLst>
+            </p:cNvPr>
+            <p:cNvGrpSpPr/>
+            <p:nvPr/>
+          </p:nvGrpSpPr>
+          <p:grpSpPr>
+            <a:xfrm>
+              <a:off x="-3332582" y="-531696"/>
+              <a:ext cx="5808466" cy="4356349"/>
+              <a:chOff x="3000929" y="930168"/>
+              <a:chExt cx="5808466" cy="4356349"/>
+            </a:xfrm>
+          </p:grpSpPr>
+          <p:pic>
+            <p:nvPicPr>
+              <p:cNvPr id="8" name="Grafik 7" descr="Ein Bild, das Straße, draußen, Himmel enthält.&#10;&#10;Automatisch generierte Beschreibung">
+                <a:extLst>
+                  <a:ext uri="{FF2B5EF4-FFF2-40B4-BE49-F238E27FC236}">
+                    <a16:creationId xmlns:a16="http://schemas.microsoft.com/office/drawing/2014/main" id="{E1E14157-297C-47BB-ADD7-4B0BD45C8282}"/>
+                  </a:ext>
+                </a:extLst>
+              </p:cNvPr>
+              <p:cNvPicPr>
+                <a:picLocks noChangeAspect="1"/>
+              </p:cNvPicPr>
+              <p:nvPr/>
+            </p:nvPicPr>
+            <p:blipFill>
+              <a:blip r:embed="rId18">
+                <a:extLst>
+                  <a:ext uri="{28A0092B-C50C-407E-A947-70E740481C1C}">
+                    <a14:useLocalDpi xmlns:a14="http://schemas.microsoft.com/office/drawing/2010/main" val="0"/>
+                  </a:ext>
+                </a:extLst>
+              </a:blip>
+              <a:stretch>
+                <a:fillRect/>
+              </a:stretch>
+            </p:blipFill>
+            <p:spPr>
+              <a:xfrm>
+                <a:off x="3000929" y="930168"/>
+                <a:ext cx="3872311" cy="2904233"/>
+              </a:xfrm>
+              <a:prstGeom prst="rect">
+                <a:avLst/>
+              </a:prstGeom>
+            </p:spPr>
+          </p:pic>
+          <p:pic>
+            <p:nvPicPr>
+              <p:cNvPr id="12" name="Grafik 11" descr="Ein Bild, das Himmel, Straße, draußen, Kraftrad enthält.&#10;&#10;Automatisch generierte Beschreibung">
+                <a:extLst>
+                  <a:ext uri="{FF2B5EF4-FFF2-40B4-BE49-F238E27FC236}">
+                    <a16:creationId xmlns:a16="http://schemas.microsoft.com/office/drawing/2014/main" id="{576EFE56-556D-4672-B5E9-90BDCFB61458}"/>
+                  </a:ext>
+                </a:extLst>
+              </p:cNvPr>
+              <p:cNvPicPr>
+                <a:picLocks noChangeAspect="1"/>
+              </p:cNvPicPr>
+              <p:nvPr/>
+            </p:nvPicPr>
+            <p:blipFill>
+              <a:blip r:embed="rId19">
+                <a:extLst>
+                  <a:ext uri="{28A0092B-C50C-407E-A947-70E740481C1C}">
+                    <a14:useLocalDpi xmlns:a14="http://schemas.microsoft.com/office/drawing/2010/main" val="0"/>
+                  </a:ext>
+                </a:extLst>
+              </a:blip>
+              <a:stretch>
+                <a:fillRect/>
+              </a:stretch>
+            </p:blipFill>
+            <p:spPr>
+              <a:xfrm>
+                <a:off x="4937084" y="2382284"/>
+                <a:ext cx="3872311" cy="2904233"/>
+              </a:xfrm>
+              <a:prstGeom prst="rect">
+                <a:avLst/>
+              </a:prstGeom>
+            </p:spPr>
+          </p:pic>
+        </p:grpSp>
+        <p:grpSp>
+          <p:nvGrpSpPr>
+            <p:cNvPr id="20" name="Gruppieren 19">
+              <a:extLst>
+                <a:ext uri="{FF2B5EF4-FFF2-40B4-BE49-F238E27FC236}">
+                  <a16:creationId xmlns:a16="http://schemas.microsoft.com/office/drawing/2014/main" id="{348D24EC-205D-49EE-9B0A-B15FAF9A70B9}"/>
+                </a:ext>
+              </a:extLst>
+            </p:cNvPr>
+            <p:cNvGrpSpPr/>
+            <p:nvPr/>
+          </p:nvGrpSpPr>
+          <p:grpSpPr>
+            <a:xfrm>
+              <a:off x="3329243" y="-510304"/>
+              <a:ext cx="5808466" cy="4334957"/>
+              <a:chOff x="9205635" y="951559"/>
+              <a:chExt cx="5808466" cy="4334957"/>
+            </a:xfrm>
+          </p:grpSpPr>
+          <p:pic>
+            <p:nvPicPr>
+              <p:cNvPr id="14" name="Grafik 13">
+                <a:extLst>
+                  <a:ext uri="{FF2B5EF4-FFF2-40B4-BE49-F238E27FC236}">
+                    <a16:creationId xmlns:a16="http://schemas.microsoft.com/office/drawing/2014/main" id="{74FC11F3-3B81-4B43-828B-13EEC8C19CCA}"/>
+                  </a:ext>
+                </a:extLst>
+              </p:cNvPr>
+              <p:cNvPicPr>
+                <a:picLocks noChangeAspect="1"/>
+              </p:cNvPicPr>
+              <p:nvPr/>
+            </p:nvPicPr>
+            <p:blipFill>
+              <a:blip r:embed="rId20">
+                <a:extLst>
+                  <a:ext uri="{28A0092B-C50C-407E-A947-70E740481C1C}">
+                    <a14:useLocalDpi xmlns:a14="http://schemas.microsoft.com/office/drawing/2010/main" val="0"/>
+                  </a:ext>
+                </a:extLst>
+              </a:blip>
+              <a:stretch>
+                <a:fillRect/>
+              </a:stretch>
+            </p:blipFill>
+            <p:spPr>
+              <a:xfrm>
+                <a:off x="9205635" y="951559"/>
+                <a:ext cx="3872311" cy="2904233"/>
+              </a:xfrm>
+              <a:prstGeom prst="rect">
+                <a:avLst/>
+              </a:prstGeom>
+            </p:spPr>
+          </p:pic>
+          <p:pic>
+            <p:nvPicPr>
+              <p:cNvPr id="16" name="Grafik 15">
+                <a:extLst>
+                  <a:ext uri="{FF2B5EF4-FFF2-40B4-BE49-F238E27FC236}">
+                    <a16:creationId xmlns:a16="http://schemas.microsoft.com/office/drawing/2014/main" id="{6FE8EC74-EE81-4577-8F33-F4EB7193F5DE}"/>
+                  </a:ext>
+                </a:extLst>
+              </p:cNvPr>
+              <p:cNvPicPr>
+                <a:picLocks noChangeAspect="1"/>
+              </p:cNvPicPr>
+              <p:nvPr/>
+            </p:nvPicPr>
+            <p:blipFill>
+              <a:blip r:embed="rId21">
+                <a:extLst>
+                  <a:ext uri="{28A0092B-C50C-407E-A947-70E740481C1C}">
+                    <a14:useLocalDpi xmlns:a14="http://schemas.microsoft.com/office/drawing/2010/main" val="0"/>
+                  </a:ext>
+                </a:extLst>
+              </a:blip>
+              <a:stretch>
+                <a:fillRect/>
+              </a:stretch>
+            </p:blipFill>
+            <p:spPr>
+              <a:xfrm>
+                <a:off x="11141790" y="2382283"/>
+                <a:ext cx="3872311" cy="2904233"/>
+              </a:xfrm>
+              <a:prstGeom prst="rect">
+                <a:avLst/>
+              </a:prstGeom>
+            </p:spPr>
+          </p:pic>
+        </p:grpSp>
+        <p:cxnSp>
+          <p:nvCxnSpPr>
+            <p:cNvPr id="26" name="Gerade Verbindung mit Pfeil 25">
+              <a:extLst>
+                <a:ext uri="{FF2B5EF4-FFF2-40B4-BE49-F238E27FC236}">
+                  <a16:creationId xmlns:a16="http://schemas.microsoft.com/office/drawing/2014/main" id="{9F23A5C3-C591-4ED9-B96E-8AB89680638C}"/>
+                </a:ext>
+              </a:extLst>
+            </p:cNvPr>
+            <p:cNvCxnSpPr>
+              <a:cxnSpLocks/>
+            </p:cNvCxnSpPr>
+            <p:nvPr/>
+          </p:nvCxnSpPr>
+          <p:spPr>
+            <a:xfrm>
+              <a:off x="-4010490" y="1646479"/>
+              <a:ext cx="518155" cy="0"/>
+            </a:xfrm>
+            <a:prstGeom prst="straightConnector1">
+              <a:avLst/>
+            </a:prstGeom>
+            <a:ln w="25400">
+              <a:solidFill>
+                <a:schemeClr val="tx1"/>
+              </a:solidFill>
+              <a:tailEnd type="triangle"/>
+            </a:ln>
+          </p:spPr>
+          <p:style>
+            <a:lnRef idx="1">
+              <a:schemeClr val="accent1"/>
+            </a:lnRef>
+            <a:fillRef idx="0">
+              <a:schemeClr val="accent1"/>
+            </a:fillRef>
+            <a:effectRef idx="0">
+              <a:schemeClr val="accent1"/>
+            </a:effectRef>
+            <a:fontRef idx="minor">
+              <a:schemeClr val="tx1"/>
+            </a:fontRef>
+          </p:style>
+        </p:cxnSp>
+        <p:cxnSp>
+          <p:nvCxnSpPr>
+            <p:cNvPr id="30" name="Gerade Verbindung mit Pfeil 29">
+              <a:extLst>
+                <a:ext uri="{FF2B5EF4-FFF2-40B4-BE49-F238E27FC236}">
+                  <a16:creationId xmlns:a16="http://schemas.microsoft.com/office/drawing/2014/main" id="{4B582DA5-AE0F-4E3D-AE76-47E83092ED2A}"/>
+                </a:ext>
+              </a:extLst>
+            </p:cNvPr>
+            <p:cNvCxnSpPr>
+              <a:cxnSpLocks/>
+            </p:cNvCxnSpPr>
+            <p:nvPr/>
+          </p:nvCxnSpPr>
+          <p:spPr>
+            <a:xfrm>
+              <a:off x="2643486" y="1646479"/>
+              <a:ext cx="518155" cy="0"/>
+            </a:xfrm>
+            <a:prstGeom prst="straightConnector1">
+              <a:avLst/>
+            </a:prstGeom>
+            <a:ln w="25400">
+              <a:solidFill>
+                <a:schemeClr val="tx1"/>
+              </a:solidFill>
+              <a:tailEnd type="triangle"/>
+            </a:ln>
+          </p:spPr>
+          <p:style>
+            <a:lnRef idx="1">
+              <a:schemeClr val="accent1"/>
+            </a:lnRef>
+            <a:fillRef idx="0">
+              <a:schemeClr val="accent1"/>
+            </a:fillRef>
+            <a:effectRef idx="0">
+              <a:schemeClr val="accent1"/>
+            </a:effectRef>
+            <a:fontRef idx="minor">
+              <a:schemeClr val="tx1"/>
+            </a:fontRef>
+          </p:style>
+        </p:cxnSp>
+        <p:pic>
+          <p:nvPicPr>
+            <p:cNvPr id="44" name="Grafik 43">
+              <a:extLst>
+                <a:ext uri="{FF2B5EF4-FFF2-40B4-BE49-F238E27FC236}">
+                  <a16:creationId xmlns:a16="http://schemas.microsoft.com/office/drawing/2014/main" id="{DCE30507-EB74-47D4-B4D5-1198E33FA7E6}"/>
+                </a:ext>
+              </a:extLst>
+            </p:cNvPr>
+            <p:cNvPicPr>
+              <a:picLocks noChangeAspect="1"/>
+            </p:cNvPicPr>
+            <p:nvPr>
+              <p:custDataLst>
+                <p:tags r:id="rId9"/>
+              </p:custDataLst>
+            </p:nvPr>
+          </p:nvPicPr>
+          <p:blipFill>
+            <a:blip r:embed="rId22">
+              <a:extLst>
+                <a:ext uri="{28A0092B-C50C-407E-A947-70E740481C1C}">
+                  <a14:useLocalDpi xmlns:a14="http://schemas.microsoft.com/office/drawing/2010/main" val="0"/>
+                </a:ext>
+              </a:extLst>
+            </a:blip>
+            <a:stretch>
+              <a:fillRect/>
+            </a:stretch>
+          </p:blipFill>
+          <p:spPr>
+            <a:xfrm>
+              <a:off x="-8574013" y="-1187116"/>
+              <a:ext cx="3031045" cy="427127"/>
+            </a:xfrm>
+            <a:prstGeom prst="rect">
+              <a:avLst/>
+            </a:prstGeom>
+          </p:spPr>
+        </p:pic>
+        <p:pic>
+          <p:nvPicPr>
+            <p:cNvPr id="47" name="Grafik 46">
+              <a:extLst>
+                <a:ext uri="{FF2B5EF4-FFF2-40B4-BE49-F238E27FC236}">
+                  <a16:creationId xmlns:a16="http://schemas.microsoft.com/office/drawing/2014/main" id="{2CC68F51-F244-4663-84F0-06B56A1B7343}"/>
+                </a:ext>
+              </a:extLst>
+            </p:cNvPr>
+            <p:cNvPicPr>
+              <a:picLocks noChangeAspect="1"/>
+            </p:cNvPicPr>
+            <p:nvPr>
+              <p:custDataLst>
+                <p:tags r:id="rId10"/>
+              </p:custDataLst>
+            </p:nvPr>
+          </p:nvPicPr>
+          <p:blipFill>
+            <a:blip r:embed="rId23">
+              <a:extLst>
+                <a:ext uri="{28A0092B-C50C-407E-A947-70E740481C1C}">
+                  <a14:useLocalDpi xmlns:a14="http://schemas.microsoft.com/office/drawing/2010/main" val="0"/>
+                </a:ext>
+              </a:extLst>
+            </a:blip>
+            <a:stretch>
+              <a:fillRect/>
+            </a:stretch>
+          </p:blipFill>
+          <p:spPr>
+            <a:xfrm>
+              <a:off x="-2094745" y="-1189667"/>
+              <a:ext cx="3911198" cy="429678"/>
+            </a:xfrm>
+            <a:prstGeom prst="rect">
+              <a:avLst/>
+            </a:prstGeom>
+          </p:spPr>
+        </p:pic>
+        <p:pic>
+          <p:nvPicPr>
+            <p:cNvPr id="52" name="Grafik 51">
+              <a:extLst>
+                <a:ext uri="{FF2B5EF4-FFF2-40B4-BE49-F238E27FC236}">
+                  <a16:creationId xmlns:a16="http://schemas.microsoft.com/office/drawing/2014/main" id="{A2A65E11-C8B1-4BC7-A43C-CF0A69766BA4}"/>
+                </a:ext>
+              </a:extLst>
+            </p:cNvPr>
+            <p:cNvPicPr>
+              <a:picLocks noChangeAspect="1"/>
+            </p:cNvPicPr>
+            <p:nvPr>
+              <p:custDataLst>
+                <p:tags r:id="rId11"/>
+              </p:custDataLst>
+            </p:nvPr>
+          </p:nvPicPr>
+          <p:blipFill>
+            <a:blip r:embed="rId24">
+              <a:extLst>
+                <a:ext uri="{28A0092B-C50C-407E-A947-70E740481C1C}">
+                  <a14:useLocalDpi xmlns:a14="http://schemas.microsoft.com/office/drawing/2010/main" val="0"/>
+                </a:ext>
+              </a:extLst>
+            </a:blip>
+            <a:stretch>
+              <a:fillRect/>
+            </a:stretch>
+          </p:blipFill>
+          <p:spPr>
+            <a:xfrm>
+              <a:off x="3773548" y="-1194814"/>
+              <a:ext cx="4644904" cy="434825"/>
+            </a:xfrm>
+            <a:prstGeom prst="rect">
+              <a:avLst/>
+            </a:prstGeom>
+          </p:spPr>
+        </p:pic>
+      </p:grpSp>
+      <p:grpSp>
+        <p:nvGrpSpPr>
+          <p:cNvPr id="171" name="Gruppieren 170">
+            <a:extLst>
+              <a:ext uri="{FF2B5EF4-FFF2-40B4-BE49-F238E27FC236}">
+                <a16:creationId xmlns:a16="http://schemas.microsoft.com/office/drawing/2014/main" id="{1839B7DB-9657-4AB9-98FA-7ADD0540A219}"/>
+              </a:ext>
+            </a:extLst>
+          </p:cNvPr>
+          <p:cNvGrpSpPr/>
+          <p:nvPr/>
+        </p:nvGrpSpPr>
+        <p:grpSpPr>
+          <a:xfrm>
+            <a:off x="-3314758" y="2760878"/>
+            <a:ext cx="16057931" cy="4097122"/>
+            <a:chOff x="-3314758" y="2502938"/>
+            <a:chExt cx="16057931" cy="4097122"/>
+          </a:xfrm>
+        </p:grpSpPr>
+        <p:pic>
+          <p:nvPicPr>
+            <p:cNvPr id="41" name="Grafik 40">
+              <a:extLst>
+                <a:ext uri="{FF2B5EF4-FFF2-40B4-BE49-F238E27FC236}">
+                  <a16:creationId xmlns:a16="http://schemas.microsoft.com/office/drawing/2014/main" id="{4393CF99-AD04-458B-BFE2-9E431C4C8E1C}"/>
+                </a:ext>
+              </a:extLst>
+            </p:cNvPr>
+            <p:cNvPicPr>
+              <a:picLocks noChangeAspect="1"/>
+            </p:cNvPicPr>
+            <p:nvPr/>
+          </p:nvPicPr>
+          <p:blipFill>
+            <a:blip r:embed="rId21">
+              <a:extLst>
+                <a:ext uri="{28A0092B-C50C-407E-A947-70E740481C1C}">
+                  <a14:useLocalDpi xmlns:a14="http://schemas.microsoft.com/office/drawing/2010/main" val="0"/>
+                </a:ext>
+              </a:extLst>
+            </a:blip>
+            <a:stretch>
+              <a:fillRect/>
+            </a:stretch>
+          </p:blipFill>
+          <p:spPr>
+            <a:xfrm>
+              <a:off x="2422906" y="3014794"/>
+              <a:ext cx="4780353" cy="3585265"/>
+            </a:xfrm>
+            <a:prstGeom prst="rect">
+              <a:avLst/>
+            </a:prstGeom>
+          </p:spPr>
+        </p:pic>
+        <p:pic>
+          <p:nvPicPr>
+            <p:cNvPr id="39" name="Grafik 38">
+              <a:extLst>
+                <a:ext uri="{FF2B5EF4-FFF2-40B4-BE49-F238E27FC236}">
+                  <a16:creationId xmlns:a16="http://schemas.microsoft.com/office/drawing/2014/main" id="{5AF8FADF-01A3-4501-AA19-C8AE39D90051}"/>
+                </a:ext>
+              </a:extLst>
+            </p:cNvPr>
+            <p:cNvPicPr>
+              <a:picLocks noChangeAspect="1"/>
+            </p:cNvPicPr>
+            <p:nvPr/>
+          </p:nvPicPr>
+          <p:blipFill>
+            <a:blip r:embed="rId20">
+              <a:extLst>
+                <a:ext uri="{28A0092B-C50C-407E-A947-70E740481C1C}">
+                  <a14:useLocalDpi xmlns:a14="http://schemas.microsoft.com/office/drawing/2010/main" val="0"/>
+                </a:ext>
+              </a:extLst>
+            </a:blip>
+            <a:stretch>
+              <a:fillRect/>
+            </a:stretch>
+          </p:blipFill>
+          <p:spPr>
+            <a:xfrm>
+              <a:off x="-3314758" y="3014794"/>
+              <a:ext cx="4780353" cy="3585265"/>
+            </a:xfrm>
+            <a:prstGeom prst="rect">
+              <a:avLst/>
+            </a:prstGeom>
+          </p:spPr>
+        </p:pic>
+        <p:cxnSp>
+          <p:nvCxnSpPr>
+            <p:cNvPr id="58" name="Gerader Verbinder 57">
+              <a:extLst>
+                <a:ext uri="{FF2B5EF4-FFF2-40B4-BE49-F238E27FC236}">
+                  <a16:creationId xmlns:a16="http://schemas.microsoft.com/office/drawing/2014/main" id="{233A7B5A-6F7B-4047-8F33-2E3D04C9FF42}"/>
+                </a:ext>
+              </a:extLst>
+            </p:cNvPr>
+            <p:cNvCxnSpPr>
+              <a:cxnSpLocks/>
+            </p:cNvCxnSpPr>
+            <p:nvPr/>
+          </p:nvCxnSpPr>
+          <p:spPr>
+            <a:xfrm>
+              <a:off x="-3314758" y="4679629"/>
+              <a:ext cx="4780353" cy="0"/>
+            </a:xfrm>
+            <a:prstGeom prst="line">
+              <a:avLst/>
+            </a:prstGeom>
+            <a:ln w="25400">
+              <a:solidFill>
+                <a:srgbClr val="FF7F2B"/>
+              </a:solidFill>
+            </a:ln>
+          </p:spPr>
+          <p:style>
+            <a:lnRef idx="1">
+              <a:schemeClr val="accent1"/>
+            </a:lnRef>
+            <a:fillRef idx="0">
+              <a:schemeClr val="accent1"/>
+            </a:fillRef>
+            <a:effectRef idx="0">
+              <a:schemeClr val="accent1"/>
+            </a:effectRef>
+            <a:fontRef idx="minor">
+              <a:schemeClr val="tx1"/>
+            </a:fontRef>
+          </p:style>
+        </p:cxnSp>
+        <p:cxnSp>
+          <p:nvCxnSpPr>
+            <p:cNvPr id="75" name="Gerade Verbindung mit Pfeil 74">
+              <a:extLst>
+                <a:ext uri="{FF2B5EF4-FFF2-40B4-BE49-F238E27FC236}">
+                  <a16:creationId xmlns:a16="http://schemas.microsoft.com/office/drawing/2014/main" id="{2CBF674E-EE6F-4D89-AC7E-3AF22645396E}"/>
+                </a:ext>
+              </a:extLst>
+            </p:cNvPr>
+            <p:cNvCxnSpPr>
+              <a:cxnSpLocks/>
+            </p:cNvCxnSpPr>
+            <p:nvPr/>
+          </p:nvCxnSpPr>
+          <p:spPr>
+            <a:xfrm>
+              <a:off x="-1996464" y="4288050"/>
+              <a:ext cx="540000" cy="0"/>
+            </a:xfrm>
+            <a:prstGeom prst="straightConnector1">
+              <a:avLst/>
+            </a:prstGeom>
+            <a:ln w="25400">
+              <a:solidFill>
+                <a:srgbClr val="FF7F2B"/>
+              </a:solidFill>
+              <a:headEnd type="triangle"/>
+              <a:tailEnd type="triangle"/>
+            </a:ln>
+          </p:spPr>
+          <p:style>
+            <a:lnRef idx="1">
+              <a:schemeClr val="accent1"/>
+            </a:lnRef>
+            <a:fillRef idx="0">
+              <a:schemeClr val="accent1"/>
+            </a:fillRef>
+            <a:effectRef idx="0">
+              <a:schemeClr val="accent1"/>
+            </a:effectRef>
+            <a:fontRef idx="minor">
+              <a:schemeClr val="tx1"/>
+            </a:fontRef>
+          </p:style>
+        </p:cxnSp>
+        <p:pic>
+          <p:nvPicPr>
+            <p:cNvPr id="81" name="Grafik 80">
+              <a:extLst>
+                <a:ext uri="{FF2B5EF4-FFF2-40B4-BE49-F238E27FC236}">
+                  <a16:creationId xmlns:a16="http://schemas.microsoft.com/office/drawing/2014/main" id="{98AA26A0-A281-40DD-B2D1-4F9BCAC3BD4F}"/>
+                </a:ext>
+              </a:extLst>
+            </p:cNvPr>
+            <p:cNvPicPr>
+              <a:picLocks noChangeAspect="1"/>
+            </p:cNvPicPr>
+            <p:nvPr>
+              <p:custDataLst>
+                <p:tags r:id="rId1"/>
+              </p:custDataLst>
+            </p:nvPr>
+          </p:nvPicPr>
+          <p:blipFill>
+            <a:blip r:embed="rId25">
+              <a:extLst>
+                <a:ext uri="{28A0092B-C50C-407E-A947-70E740481C1C}">
+                  <a14:useLocalDpi xmlns:a14="http://schemas.microsoft.com/office/drawing/2010/main" val="0"/>
+                </a:ext>
+              </a:extLst>
+            </a:blip>
+            <a:stretch>
+              <a:fillRect/>
+            </a:stretch>
+          </p:blipFill>
+          <p:spPr>
+            <a:xfrm>
+              <a:off x="150553" y="4466909"/>
+              <a:ext cx="1181113" cy="177331"/>
+            </a:xfrm>
+            <a:prstGeom prst="rect">
+              <a:avLst/>
+            </a:prstGeom>
+          </p:spPr>
+        </p:pic>
+        <p:cxnSp>
+          <p:nvCxnSpPr>
+            <p:cNvPr id="82" name="Gerade Verbindung mit Pfeil 81">
+              <a:extLst>
+                <a:ext uri="{FF2B5EF4-FFF2-40B4-BE49-F238E27FC236}">
+                  <a16:creationId xmlns:a16="http://schemas.microsoft.com/office/drawing/2014/main" id="{84554DDB-BF6B-44A2-9100-920D910E73A9}"/>
+                </a:ext>
+              </a:extLst>
+            </p:cNvPr>
+            <p:cNvCxnSpPr>
+              <a:cxnSpLocks/>
+            </p:cNvCxnSpPr>
+            <p:nvPr/>
+          </p:nvCxnSpPr>
+          <p:spPr>
+            <a:xfrm>
+              <a:off x="-2112264" y="4422617"/>
+              <a:ext cx="0" cy="540000"/>
+            </a:xfrm>
+            <a:prstGeom prst="straightConnector1">
+              <a:avLst/>
+            </a:prstGeom>
+            <a:ln w="25400">
+              <a:solidFill>
+                <a:srgbClr val="FF7F2B"/>
+              </a:solidFill>
+              <a:headEnd type="triangle"/>
+              <a:tailEnd type="triangle"/>
+            </a:ln>
+          </p:spPr>
+          <p:style>
+            <a:lnRef idx="1">
+              <a:schemeClr val="accent1"/>
+            </a:lnRef>
+            <a:fillRef idx="0">
+              <a:schemeClr val="accent1"/>
+            </a:fillRef>
+            <a:effectRef idx="0">
+              <a:schemeClr val="accent1"/>
+            </a:effectRef>
+            <a:fontRef idx="minor">
+              <a:schemeClr val="tx1"/>
+            </a:fontRef>
+          </p:style>
+        </p:cxnSp>
+        <p:grpSp>
+          <p:nvGrpSpPr>
+            <p:cNvPr id="94" name="Gruppieren 93">
+              <a:extLst>
+                <a:ext uri="{FF2B5EF4-FFF2-40B4-BE49-F238E27FC236}">
+                  <a16:creationId xmlns:a16="http://schemas.microsoft.com/office/drawing/2014/main" id="{820234CE-A644-48F1-A8C1-36F60893E4B3}"/>
+                </a:ext>
+              </a:extLst>
+            </p:cNvPr>
+            <p:cNvGrpSpPr/>
+            <p:nvPr/>
+          </p:nvGrpSpPr>
+          <p:grpSpPr>
+            <a:xfrm>
+              <a:off x="-1996464" y="4405164"/>
+              <a:ext cx="540001" cy="540000"/>
+              <a:chOff x="-2898598" y="4433209"/>
+              <a:chExt cx="540001" cy="540000"/>
+            </a:xfrm>
+          </p:grpSpPr>
+          <p:pic>
+            <p:nvPicPr>
+              <p:cNvPr id="95" name="Grafik 94">
+                <a:extLst>
+                  <a:ext uri="{FF2B5EF4-FFF2-40B4-BE49-F238E27FC236}">
+                    <a16:creationId xmlns:a16="http://schemas.microsoft.com/office/drawing/2014/main" id="{6A505EFB-3E55-49C8-B688-91AE8065DAF9}"/>
+                  </a:ext>
+                </a:extLst>
+              </p:cNvPr>
+              <p:cNvPicPr>
+                <a:picLocks noChangeAspect="1"/>
+              </p:cNvPicPr>
+              <p:nvPr/>
+            </p:nvPicPr>
+            <p:blipFill rotWithShape="1">
+              <a:blip r:embed="rId20">
+                <a:extLst>
+                  <a:ext uri="{28A0092B-C50C-407E-A947-70E740481C1C}">
+                    <a14:useLocalDpi xmlns:a14="http://schemas.microsoft.com/office/drawing/2010/main" val="0"/>
+                  </a:ext>
+                </a:extLst>
+              </a:blip>
+              <a:srcRect l="27577" t="38780" r="61127" b="46158"/>
+              <a:stretch/>
+            </p:blipFill>
+            <p:spPr>
+              <a:xfrm>
+                <a:off x="-2898597" y="4433209"/>
+                <a:ext cx="540000" cy="540000"/>
+              </a:xfrm>
+              <a:prstGeom prst="rect">
+                <a:avLst/>
+              </a:prstGeom>
+            </p:spPr>
+          </p:pic>
+          <p:sp>
+            <p:nvSpPr>
+              <p:cNvPr id="96" name="Rechteck 95">
+                <a:extLst>
+                  <a:ext uri="{FF2B5EF4-FFF2-40B4-BE49-F238E27FC236}">
+                    <a16:creationId xmlns:a16="http://schemas.microsoft.com/office/drawing/2014/main" id="{1309CC21-0692-41B7-927F-E9E7F8FB22DE}"/>
+                  </a:ext>
+                </a:extLst>
+              </p:cNvPr>
+              <p:cNvSpPr/>
+              <p:nvPr/>
+            </p:nvSpPr>
+            <p:spPr>
+              <a:xfrm>
+                <a:off x="-2898598" y="4433209"/>
+                <a:ext cx="540000" cy="540000"/>
+              </a:xfrm>
+              <a:prstGeom prst="rect">
+                <a:avLst/>
+              </a:prstGeom>
+              <a:noFill/>
+              <a:ln w="25400">
+                <a:solidFill>
+                  <a:srgbClr val="FF7F2B"/>
+                </a:solidFill>
+              </a:ln>
+            </p:spPr>
+            <p:style>
+              <a:lnRef idx="2">
+                <a:schemeClr val="accent1">
+                  <a:shade val="50000"/>
+                </a:schemeClr>
+              </a:lnRef>
+              <a:fillRef idx="1">
+                <a:schemeClr val="accent1"/>
+              </a:fillRef>
+              <a:effectRef idx="0">
+                <a:schemeClr val="accent1"/>
+              </a:effectRef>
+              <a:fontRef idx="minor">
+                <a:schemeClr val="lt1"/>
+              </a:fontRef>
+            </p:style>
+            <p:txBody>
+              <a:bodyPr rtlCol="0" anchor="ctr"/>
+              <a:lstStyle/>
+              <a:p>
+                <a:pPr algn="ctr"/>
+                <a:endParaRPr lang="en-GB"/>
+              </a:p>
+            </p:txBody>
+          </p:sp>
+        </p:grpSp>
+        <p:pic>
+          <p:nvPicPr>
+            <p:cNvPr id="102" name="Grafik 101">
+              <a:extLst>
+                <a:ext uri="{FF2B5EF4-FFF2-40B4-BE49-F238E27FC236}">
+                  <a16:creationId xmlns:a16="http://schemas.microsoft.com/office/drawing/2014/main" id="{B965ADA7-69FD-44EB-89EE-338E1D800459}"/>
+                </a:ext>
+              </a:extLst>
+            </p:cNvPr>
+            <p:cNvPicPr>
+              <a:picLocks noChangeAspect="1"/>
+            </p:cNvPicPr>
+            <p:nvPr>
+              <p:custDataLst>
+                <p:tags r:id="rId2"/>
+              </p:custDataLst>
+            </p:nvPr>
+          </p:nvPicPr>
+          <p:blipFill>
+            <a:blip r:embed="rId26">
+              <a:extLst>
+                <a:ext uri="{28A0092B-C50C-407E-A947-70E740481C1C}">
+                  <a14:useLocalDpi xmlns:a14="http://schemas.microsoft.com/office/drawing/2010/main" val="0"/>
+                </a:ext>
+              </a:extLst>
+            </a:blip>
+            <a:stretch>
+              <a:fillRect/>
+            </a:stretch>
+          </p:blipFill>
+          <p:spPr>
+            <a:xfrm>
+              <a:off x="-2956634" y="4218452"/>
+              <a:ext cx="849853" cy="139196"/>
+            </a:xfrm>
+            <a:prstGeom prst="rect">
+              <a:avLst/>
+            </a:prstGeom>
+          </p:spPr>
+        </p:pic>
+        <p:cxnSp>
+          <p:nvCxnSpPr>
+            <p:cNvPr id="104" name="Gerader Verbinder 103">
+              <a:extLst>
+                <a:ext uri="{FF2B5EF4-FFF2-40B4-BE49-F238E27FC236}">
+                  <a16:creationId xmlns:a16="http://schemas.microsoft.com/office/drawing/2014/main" id="{F56F4F4D-540D-4CE0-88AA-D1BC64B9CC11}"/>
+                </a:ext>
+              </a:extLst>
+            </p:cNvPr>
+            <p:cNvCxnSpPr>
+              <a:cxnSpLocks/>
+            </p:cNvCxnSpPr>
+            <p:nvPr/>
+          </p:nvCxnSpPr>
+          <p:spPr>
+            <a:xfrm>
+              <a:off x="2422906" y="4675164"/>
+              <a:ext cx="4780353" cy="0"/>
+            </a:xfrm>
+            <a:prstGeom prst="line">
+              <a:avLst/>
+            </a:prstGeom>
+            <a:ln w="25400">
+              <a:solidFill>
+                <a:srgbClr val="FF7F2B"/>
+              </a:solidFill>
+            </a:ln>
+          </p:spPr>
+          <p:style>
+            <a:lnRef idx="1">
+              <a:schemeClr val="accent1"/>
+            </a:lnRef>
+            <a:fillRef idx="0">
+              <a:schemeClr val="accent1"/>
+            </a:fillRef>
+            <a:effectRef idx="0">
+              <a:schemeClr val="accent1"/>
+            </a:effectRef>
+            <a:fontRef idx="minor">
+              <a:schemeClr val="tx1"/>
+            </a:fontRef>
+          </p:style>
+        </p:cxnSp>
+        <p:pic>
+          <p:nvPicPr>
+            <p:cNvPr id="105" name="Grafik 104">
+              <a:extLst>
+                <a:ext uri="{FF2B5EF4-FFF2-40B4-BE49-F238E27FC236}">
+                  <a16:creationId xmlns:a16="http://schemas.microsoft.com/office/drawing/2014/main" id="{5AE1BE20-4033-45A3-8118-B1FF9F9CA61F}"/>
+                </a:ext>
+              </a:extLst>
+            </p:cNvPr>
+            <p:cNvPicPr>
+              <a:picLocks noChangeAspect="1"/>
+            </p:cNvPicPr>
+            <p:nvPr>
+              <p:custDataLst>
+                <p:tags r:id="rId3"/>
+              </p:custDataLst>
+            </p:nvPr>
+          </p:nvPicPr>
+          <p:blipFill>
+            <a:blip r:embed="rId25">
+              <a:extLst>
+                <a:ext uri="{28A0092B-C50C-407E-A947-70E740481C1C}">
+                  <a14:useLocalDpi xmlns:a14="http://schemas.microsoft.com/office/drawing/2010/main" val="0"/>
+                </a:ext>
+              </a:extLst>
+            </a:blip>
+            <a:stretch>
+              <a:fillRect/>
+            </a:stretch>
+          </p:blipFill>
+          <p:spPr>
+            <a:xfrm>
+              <a:off x="5888217" y="4462444"/>
+              <a:ext cx="1181113" cy="177331"/>
+            </a:xfrm>
+            <a:prstGeom prst="rect">
+              <a:avLst/>
+            </a:prstGeom>
+          </p:spPr>
+        </p:pic>
+        <p:grpSp>
+          <p:nvGrpSpPr>
+            <p:cNvPr id="97" name="Gruppieren 96">
+              <a:extLst>
+                <a:ext uri="{FF2B5EF4-FFF2-40B4-BE49-F238E27FC236}">
+                  <a16:creationId xmlns:a16="http://schemas.microsoft.com/office/drawing/2014/main" id="{D4460F46-B497-430D-9681-CFE46285D2A6}"/>
+                </a:ext>
+              </a:extLst>
+            </p:cNvPr>
+            <p:cNvGrpSpPr/>
+            <p:nvPr/>
+          </p:nvGrpSpPr>
+          <p:grpSpPr>
+            <a:xfrm>
+              <a:off x="3101258" y="4405164"/>
+              <a:ext cx="540001" cy="540000"/>
+              <a:chOff x="-2898598" y="4433209"/>
+              <a:chExt cx="540001" cy="540000"/>
+            </a:xfrm>
+          </p:grpSpPr>
+          <p:pic>
+            <p:nvPicPr>
+              <p:cNvPr id="98" name="Grafik 97">
+                <a:extLst>
+                  <a:ext uri="{FF2B5EF4-FFF2-40B4-BE49-F238E27FC236}">
+                    <a16:creationId xmlns:a16="http://schemas.microsoft.com/office/drawing/2014/main" id="{303CE120-97AF-4E78-BB33-AA4311532B2A}"/>
+                  </a:ext>
+                </a:extLst>
+              </p:cNvPr>
+              <p:cNvPicPr>
+                <a:picLocks noChangeAspect="1"/>
+              </p:cNvPicPr>
+              <p:nvPr/>
+            </p:nvPicPr>
+            <p:blipFill rotWithShape="1">
+              <a:blip r:embed="rId20">
+                <a:extLst>
+                  <a:ext uri="{28A0092B-C50C-407E-A947-70E740481C1C}">
+                    <a14:useLocalDpi xmlns:a14="http://schemas.microsoft.com/office/drawing/2010/main" val="0"/>
+                  </a:ext>
+                </a:extLst>
+              </a:blip>
+              <a:srcRect l="27577" t="38780" r="61127" b="46158"/>
+              <a:stretch/>
+            </p:blipFill>
+            <p:spPr>
+              <a:xfrm>
+                <a:off x="-2898597" y="4433209"/>
+                <a:ext cx="540000" cy="540000"/>
+              </a:xfrm>
+              <a:prstGeom prst="rect">
+                <a:avLst/>
+              </a:prstGeom>
+            </p:spPr>
+          </p:pic>
+          <p:sp>
+            <p:nvSpPr>
+              <p:cNvPr id="99" name="Rechteck 98">
+                <a:extLst>
+                  <a:ext uri="{FF2B5EF4-FFF2-40B4-BE49-F238E27FC236}">
+                    <a16:creationId xmlns:a16="http://schemas.microsoft.com/office/drawing/2014/main" id="{1175C553-F708-4646-B46C-46A93498967A}"/>
+                  </a:ext>
+                </a:extLst>
+              </p:cNvPr>
+              <p:cNvSpPr/>
+              <p:nvPr/>
+            </p:nvSpPr>
+            <p:spPr>
+              <a:xfrm>
+                <a:off x="-2898598" y="4433209"/>
+                <a:ext cx="540000" cy="540000"/>
+              </a:xfrm>
+              <a:prstGeom prst="rect">
+                <a:avLst/>
+              </a:prstGeom>
+              <a:noFill/>
+              <a:ln w="25400">
+                <a:solidFill>
+                  <a:srgbClr val="FF7F2B"/>
+                </a:solidFill>
+              </a:ln>
+            </p:spPr>
+            <p:style>
+              <a:lnRef idx="2">
+                <a:schemeClr val="accent1">
+                  <a:shade val="50000"/>
+                </a:schemeClr>
+              </a:lnRef>
+              <a:fillRef idx="1">
+                <a:schemeClr val="accent1"/>
+              </a:fillRef>
+              <a:effectRef idx="0">
+                <a:schemeClr val="accent1"/>
+              </a:effectRef>
+              <a:fontRef idx="minor">
+                <a:schemeClr val="lt1"/>
+              </a:fontRef>
+            </p:style>
+            <p:txBody>
+              <a:bodyPr rtlCol="0" anchor="ctr"/>
+              <a:lstStyle/>
+              <a:p>
+                <a:pPr algn="ctr"/>
+                <a:endParaRPr lang="en-GB"/>
+              </a:p>
+            </p:txBody>
+          </p:sp>
+        </p:grpSp>
+        <p:grpSp>
+          <p:nvGrpSpPr>
+            <p:cNvPr id="107" name="Gruppieren 106">
+              <a:extLst>
+                <a:ext uri="{FF2B5EF4-FFF2-40B4-BE49-F238E27FC236}">
+                  <a16:creationId xmlns:a16="http://schemas.microsoft.com/office/drawing/2014/main" id="{3E89E452-0515-4D75-9E3D-9AE446878F99}"/>
+                </a:ext>
+              </a:extLst>
+            </p:cNvPr>
+            <p:cNvGrpSpPr/>
+            <p:nvPr/>
+          </p:nvGrpSpPr>
+          <p:grpSpPr>
+            <a:xfrm>
+              <a:off x="1663346" y="3306914"/>
+              <a:ext cx="540001" cy="540000"/>
+              <a:chOff x="-2898598" y="4433209"/>
+              <a:chExt cx="540001" cy="540000"/>
+            </a:xfrm>
+          </p:grpSpPr>
+          <p:pic>
+            <p:nvPicPr>
+              <p:cNvPr id="108" name="Grafik 107">
+                <a:extLst>
+                  <a:ext uri="{FF2B5EF4-FFF2-40B4-BE49-F238E27FC236}">
+                    <a16:creationId xmlns:a16="http://schemas.microsoft.com/office/drawing/2014/main" id="{CF638114-3326-4355-B8D7-6FAECD49DACC}"/>
+                  </a:ext>
+                </a:extLst>
+              </p:cNvPr>
+              <p:cNvPicPr>
+                <a:picLocks noChangeAspect="1"/>
+              </p:cNvPicPr>
+              <p:nvPr/>
+            </p:nvPicPr>
+            <p:blipFill rotWithShape="1">
+              <a:blip r:embed="rId20">
+                <a:extLst>
+                  <a:ext uri="{28A0092B-C50C-407E-A947-70E740481C1C}">
+                    <a14:useLocalDpi xmlns:a14="http://schemas.microsoft.com/office/drawing/2010/main" val="0"/>
+                  </a:ext>
+                </a:extLst>
+              </a:blip>
+              <a:srcRect l="27577" t="38780" r="61127" b="46158"/>
+              <a:stretch/>
+            </p:blipFill>
+            <p:spPr>
+              <a:xfrm>
+                <a:off x="-2898597" y="4433209"/>
+                <a:ext cx="540000" cy="540000"/>
+              </a:xfrm>
+              <a:prstGeom prst="rect">
+                <a:avLst/>
+              </a:prstGeom>
+            </p:spPr>
+          </p:pic>
+          <p:sp>
+            <p:nvSpPr>
+              <p:cNvPr id="109" name="Rechteck 108">
+                <a:extLst>
+                  <a:ext uri="{FF2B5EF4-FFF2-40B4-BE49-F238E27FC236}">
+                    <a16:creationId xmlns:a16="http://schemas.microsoft.com/office/drawing/2014/main" id="{1903E4D2-7B39-4C47-A74B-13F1A7BAAF20}"/>
+                  </a:ext>
+                </a:extLst>
+              </p:cNvPr>
+              <p:cNvSpPr/>
+              <p:nvPr/>
+            </p:nvSpPr>
+            <p:spPr>
+              <a:xfrm>
+                <a:off x="-2898598" y="4433209"/>
+                <a:ext cx="540000" cy="540000"/>
+              </a:xfrm>
+              <a:prstGeom prst="rect">
+                <a:avLst/>
+              </a:prstGeom>
+              <a:noFill/>
+              <a:ln w="25400">
+                <a:solidFill>
+                  <a:srgbClr val="FF7F2B"/>
+                </a:solidFill>
+              </a:ln>
+            </p:spPr>
+            <p:style>
+              <a:lnRef idx="2">
+                <a:schemeClr val="accent1">
+                  <a:shade val="50000"/>
+                </a:schemeClr>
+              </a:lnRef>
+              <a:fillRef idx="1">
+                <a:schemeClr val="accent1"/>
+              </a:fillRef>
+              <a:effectRef idx="0">
+                <a:schemeClr val="accent1"/>
+              </a:effectRef>
+              <a:fontRef idx="minor">
+                <a:schemeClr val="lt1"/>
+              </a:fontRef>
+            </p:style>
+            <p:txBody>
+              <a:bodyPr rtlCol="0" anchor="ctr"/>
+              <a:lstStyle/>
+              <a:p>
+                <a:pPr algn="ctr"/>
+                <a:endParaRPr lang="en-GB"/>
+              </a:p>
+            </p:txBody>
+          </p:sp>
+        </p:grpSp>
+        <p:cxnSp>
+          <p:nvCxnSpPr>
+            <p:cNvPr id="106" name="Gerade Verbindung mit Pfeil 105">
+              <a:extLst>
+                <a:ext uri="{FF2B5EF4-FFF2-40B4-BE49-F238E27FC236}">
+                  <a16:creationId xmlns:a16="http://schemas.microsoft.com/office/drawing/2014/main" id="{28354249-CC67-404E-862E-FBA642AB085D}"/>
+                </a:ext>
+              </a:extLst>
+            </p:cNvPr>
+            <p:cNvCxnSpPr>
+              <a:cxnSpLocks/>
+            </p:cNvCxnSpPr>
+            <p:nvPr/>
+          </p:nvCxnSpPr>
+          <p:spPr>
+            <a:xfrm>
+              <a:off x="3377110" y="4196759"/>
+              <a:ext cx="654523" cy="0"/>
+            </a:xfrm>
+            <a:prstGeom prst="straightConnector1">
+              <a:avLst/>
+            </a:prstGeom>
+            <a:ln w="25400">
+              <a:solidFill>
+                <a:srgbClr val="FF7F2B"/>
+              </a:solidFill>
+              <a:headEnd type="triangle"/>
+              <a:tailEnd type="triangle"/>
+            </a:ln>
+          </p:spPr>
+          <p:style>
+            <a:lnRef idx="1">
+              <a:schemeClr val="accent1"/>
+            </a:lnRef>
+            <a:fillRef idx="0">
+              <a:schemeClr val="accent1"/>
+            </a:fillRef>
+            <a:effectRef idx="0">
+              <a:schemeClr val="accent1"/>
+            </a:effectRef>
+            <a:fontRef idx="minor">
+              <a:schemeClr val="tx1"/>
+            </a:fontRef>
+          </p:style>
+        </p:cxnSp>
+        <p:cxnSp>
+          <p:nvCxnSpPr>
+            <p:cNvPr id="111" name="Gerade Verbindung mit Pfeil 110">
+              <a:extLst>
+                <a:ext uri="{FF2B5EF4-FFF2-40B4-BE49-F238E27FC236}">
+                  <a16:creationId xmlns:a16="http://schemas.microsoft.com/office/drawing/2014/main" id="{669891E4-DE31-4D69-98D8-4DB72BECC54A}"/>
+                </a:ext>
+              </a:extLst>
+            </p:cNvPr>
+            <p:cNvCxnSpPr>
+              <a:cxnSpLocks/>
+              <a:endCxn id="109" idx="1"/>
+            </p:cNvCxnSpPr>
+            <p:nvPr/>
+          </p:nvCxnSpPr>
+          <p:spPr>
+            <a:xfrm flipV="1">
+              <a:off x="-1456464" y="3576914"/>
+              <a:ext cx="3119810" cy="837181"/>
+            </a:xfrm>
+            <a:prstGeom prst="straightConnector1">
+              <a:avLst/>
+            </a:prstGeom>
+            <a:ln w="25400">
+              <a:solidFill>
+                <a:srgbClr val="FF7F2B"/>
+              </a:solidFill>
+              <a:tailEnd type="triangle"/>
+            </a:ln>
+          </p:spPr>
+          <p:style>
+            <a:lnRef idx="1">
+              <a:schemeClr val="accent1"/>
+            </a:lnRef>
+            <a:fillRef idx="0">
+              <a:schemeClr val="accent1"/>
+            </a:fillRef>
+            <a:effectRef idx="0">
+              <a:schemeClr val="accent1"/>
+            </a:effectRef>
+            <a:fontRef idx="minor">
+              <a:schemeClr val="tx1"/>
+            </a:fontRef>
+          </p:style>
+        </p:cxnSp>
+        <p:cxnSp>
+          <p:nvCxnSpPr>
+            <p:cNvPr id="114" name="Gerade Verbindung mit Pfeil 113">
+              <a:extLst>
+                <a:ext uri="{FF2B5EF4-FFF2-40B4-BE49-F238E27FC236}">
+                  <a16:creationId xmlns:a16="http://schemas.microsoft.com/office/drawing/2014/main" id="{21ECA220-DE60-43FE-BC6C-55E563206842}"/>
+                </a:ext>
+              </a:extLst>
+            </p:cNvPr>
+            <p:cNvCxnSpPr>
+              <a:cxnSpLocks/>
+              <a:stCxn id="109" idx="3"/>
+            </p:cNvCxnSpPr>
+            <p:nvPr/>
+          </p:nvCxnSpPr>
+          <p:spPr>
+            <a:xfrm>
+              <a:off x="2203346" y="3576914"/>
+              <a:ext cx="897912" cy="828250"/>
+            </a:xfrm>
+            <a:prstGeom prst="straightConnector1">
+              <a:avLst/>
+            </a:prstGeom>
+            <a:ln w="25400">
+              <a:solidFill>
+                <a:srgbClr val="FF7F2B"/>
+              </a:solidFill>
+              <a:tailEnd type="triangle"/>
+            </a:ln>
+          </p:spPr>
+          <p:style>
+            <a:lnRef idx="1">
+              <a:schemeClr val="accent1"/>
+            </a:lnRef>
+            <a:fillRef idx="0">
+              <a:schemeClr val="accent1"/>
+            </a:fillRef>
+            <a:effectRef idx="0">
+              <a:schemeClr val="accent1"/>
+            </a:effectRef>
+            <a:fontRef idx="minor">
+              <a:schemeClr val="tx1"/>
+            </a:fontRef>
+          </p:style>
+        </p:cxnSp>
+        <p:cxnSp>
+          <p:nvCxnSpPr>
+            <p:cNvPr id="130" name="Gerader Verbinder 129">
+              <a:extLst>
+                <a:ext uri="{FF2B5EF4-FFF2-40B4-BE49-F238E27FC236}">
+                  <a16:creationId xmlns:a16="http://schemas.microsoft.com/office/drawing/2014/main" id="{4755E636-8F63-4778-A84C-DDE121B806FB}"/>
+                </a:ext>
+              </a:extLst>
+            </p:cNvPr>
+            <p:cNvCxnSpPr>
+              <a:cxnSpLocks/>
+            </p:cNvCxnSpPr>
+            <p:nvPr/>
+          </p:nvCxnSpPr>
+          <p:spPr>
+            <a:xfrm>
+              <a:off x="-1710255" y="3032961"/>
+              <a:ext cx="0" cy="3567098"/>
+            </a:xfrm>
+            <a:prstGeom prst="line">
+              <a:avLst/>
+            </a:prstGeom>
+            <a:ln w="25400">
+              <a:solidFill>
+                <a:srgbClr val="FF7F2B"/>
+              </a:solidFill>
+              <a:prstDash val="dash"/>
+            </a:ln>
+          </p:spPr>
+          <p:style>
+            <a:lnRef idx="1">
+              <a:schemeClr val="accent1"/>
+            </a:lnRef>
+            <a:fillRef idx="0">
+              <a:schemeClr val="accent1"/>
+            </a:fillRef>
+            <a:effectRef idx="0">
+              <a:schemeClr val="accent1"/>
+            </a:effectRef>
+            <a:fontRef idx="minor">
+              <a:schemeClr val="tx1"/>
+            </a:fontRef>
+          </p:style>
+        </p:cxnSp>
+        <p:cxnSp>
+          <p:nvCxnSpPr>
+            <p:cNvPr id="133" name="Gerader Verbinder 132">
+              <a:extLst>
+                <a:ext uri="{FF2B5EF4-FFF2-40B4-BE49-F238E27FC236}">
+                  <a16:creationId xmlns:a16="http://schemas.microsoft.com/office/drawing/2014/main" id="{CA1DCDB8-AC6A-479F-9B25-45B9E55B8322}"/>
+                </a:ext>
+              </a:extLst>
+            </p:cNvPr>
+            <p:cNvCxnSpPr>
+              <a:cxnSpLocks/>
+            </p:cNvCxnSpPr>
+            <p:nvPr/>
+          </p:nvCxnSpPr>
+          <p:spPr>
+            <a:xfrm flipH="1">
+              <a:off x="-19584" y="5167035"/>
+              <a:ext cx="2084" cy="680083"/>
+            </a:xfrm>
+            <a:prstGeom prst="line">
+              <a:avLst/>
+            </a:prstGeom>
+            <a:ln w="25400">
+              <a:solidFill>
+                <a:srgbClr val="FF7F2B"/>
+              </a:solidFill>
+              <a:prstDash val="dash"/>
+            </a:ln>
+          </p:spPr>
+          <p:style>
+            <a:lnRef idx="1">
+              <a:schemeClr val="accent1"/>
+            </a:lnRef>
+            <a:fillRef idx="0">
+              <a:schemeClr val="accent1"/>
+            </a:fillRef>
+            <a:effectRef idx="0">
+              <a:schemeClr val="accent1"/>
+            </a:effectRef>
+            <a:fontRef idx="minor">
+              <a:schemeClr val="tx1"/>
+            </a:fontRef>
+          </p:style>
+        </p:cxnSp>
+        <p:cxnSp>
+          <p:nvCxnSpPr>
+            <p:cNvPr id="136" name="Gerader Verbinder 135">
+              <a:extLst>
+                <a:ext uri="{FF2B5EF4-FFF2-40B4-BE49-F238E27FC236}">
+                  <a16:creationId xmlns:a16="http://schemas.microsoft.com/office/drawing/2014/main" id="{28F3C22B-EF2B-495D-B0F7-1F6150CC76AE}"/>
+                </a:ext>
+              </a:extLst>
+            </p:cNvPr>
+            <p:cNvCxnSpPr>
+              <a:cxnSpLocks/>
+            </p:cNvCxnSpPr>
+            <p:nvPr/>
+          </p:nvCxnSpPr>
+          <p:spPr>
+            <a:xfrm>
+              <a:off x="4031633" y="3014794"/>
+              <a:ext cx="0" cy="3567098"/>
+            </a:xfrm>
+            <a:prstGeom prst="line">
+              <a:avLst/>
+            </a:prstGeom>
+            <a:ln w="25400">
+              <a:solidFill>
+                <a:srgbClr val="FF7F2B"/>
+              </a:solidFill>
+              <a:prstDash val="dash"/>
+            </a:ln>
+          </p:spPr>
+          <p:style>
+            <a:lnRef idx="1">
+              <a:schemeClr val="accent1"/>
+            </a:lnRef>
+            <a:fillRef idx="0">
+              <a:schemeClr val="accent1"/>
+            </a:fillRef>
+            <a:effectRef idx="0">
+              <a:schemeClr val="accent1"/>
+            </a:effectRef>
+            <a:fontRef idx="minor">
+              <a:schemeClr val="tx1"/>
+            </a:fontRef>
+          </p:style>
+        </p:cxnSp>
+        <p:pic>
+          <p:nvPicPr>
+            <p:cNvPr id="152" name="Grafik 151">
+              <a:extLst>
+                <a:ext uri="{FF2B5EF4-FFF2-40B4-BE49-F238E27FC236}">
+                  <a16:creationId xmlns:a16="http://schemas.microsoft.com/office/drawing/2014/main" id="{E805C468-2CC1-4417-ACC9-2207A0A28D5D}"/>
+                </a:ext>
+              </a:extLst>
+            </p:cNvPr>
+            <p:cNvPicPr>
+              <a:picLocks noChangeAspect="1"/>
+            </p:cNvPicPr>
+            <p:nvPr>
+              <p:custDataLst>
+                <p:tags r:id="rId4"/>
+              </p:custDataLst>
+            </p:nvPr>
+          </p:nvPicPr>
+          <p:blipFill>
+            <a:blip r:embed="rId27">
+              <a:extLst>
+                <a:ext uri="{28A0092B-C50C-407E-A947-70E740481C1C}">
+                  <a14:useLocalDpi xmlns:a14="http://schemas.microsoft.com/office/drawing/2010/main" val="0"/>
+                </a:ext>
+              </a:extLst>
+            </a:blip>
+            <a:stretch>
+              <a:fillRect/>
+            </a:stretch>
+          </p:blipFill>
+          <p:spPr>
+            <a:xfrm>
+              <a:off x="3117750" y="3729207"/>
+              <a:ext cx="691338" cy="142004"/>
+            </a:xfrm>
+            <a:prstGeom prst="rect">
+              <a:avLst/>
+            </a:prstGeom>
+          </p:spPr>
+        </p:pic>
+        <p:pic>
+          <p:nvPicPr>
+            <p:cNvPr id="155" name="Grafik 154">
+              <a:extLst>
+                <a:ext uri="{FF2B5EF4-FFF2-40B4-BE49-F238E27FC236}">
+                  <a16:creationId xmlns:a16="http://schemas.microsoft.com/office/drawing/2014/main" id="{AF69AF47-0DA4-4C08-8868-81AAFA30C91C}"/>
+                </a:ext>
+              </a:extLst>
+            </p:cNvPr>
+            <p:cNvPicPr>
+              <a:picLocks noChangeAspect="1"/>
+            </p:cNvPicPr>
+            <p:nvPr>
+              <p:custDataLst>
+                <p:tags r:id="rId5"/>
+              </p:custDataLst>
+            </p:nvPr>
+          </p:nvPicPr>
+          <p:blipFill>
+            <a:blip r:embed="rId28">
+              <a:extLst>
+                <a:ext uri="{28A0092B-C50C-407E-A947-70E740481C1C}">
+                  <a14:useLocalDpi xmlns:a14="http://schemas.microsoft.com/office/drawing/2010/main" val="0"/>
+                </a:ext>
+              </a:extLst>
+            </a:blip>
+            <a:stretch>
+              <a:fillRect/>
+            </a:stretch>
+          </p:blipFill>
+          <p:spPr>
+            <a:xfrm>
+              <a:off x="3004985" y="3932894"/>
+              <a:ext cx="916868" cy="177483"/>
+            </a:xfrm>
+            <a:prstGeom prst="rect">
+              <a:avLst/>
+            </a:prstGeom>
+          </p:spPr>
+        </p:pic>
+        <p:pic>
+          <p:nvPicPr>
+            <p:cNvPr id="159" name="Grafik 158">
+              <a:extLst>
+                <a:ext uri="{FF2B5EF4-FFF2-40B4-BE49-F238E27FC236}">
+                  <a16:creationId xmlns:a16="http://schemas.microsoft.com/office/drawing/2014/main" id="{98F38FE3-AA5B-4C45-B8DC-6F23DB11A04D}"/>
+                </a:ext>
+              </a:extLst>
+            </p:cNvPr>
+            <p:cNvPicPr>
+              <a:picLocks noChangeAspect="1"/>
+            </p:cNvPicPr>
+            <p:nvPr>
+              <p:custDataLst>
+                <p:tags r:id="rId6"/>
+              </p:custDataLst>
+            </p:nvPr>
+          </p:nvPicPr>
+          <p:blipFill>
+            <a:blip r:embed="rId29">
+              <a:extLst>
+                <a:ext uri="{28A0092B-C50C-407E-A947-70E740481C1C}">
+                  <a14:useLocalDpi xmlns:a14="http://schemas.microsoft.com/office/drawing/2010/main" val="0"/>
+                </a:ext>
+              </a:extLst>
+            </a:blip>
+            <a:stretch>
+              <a:fillRect/>
+            </a:stretch>
+          </p:blipFill>
+          <p:spPr>
+            <a:xfrm>
+              <a:off x="-3286493" y="2507305"/>
+              <a:ext cx="4723821" cy="397150"/>
+            </a:xfrm>
+            <a:prstGeom prst="rect">
+              <a:avLst/>
+            </a:prstGeom>
+          </p:spPr>
+        </p:pic>
+        <p:pic>
+          <p:nvPicPr>
+            <p:cNvPr id="162" name="Grafik 161">
+              <a:extLst>
+                <a:ext uri="{FF2B5EF4-FFF2-40B4-BE49-F238E27FC236}">
+                  <a16:creationId xmlns:a16="http://schemas.microsoft.com/office/drawing/2014/main" id="{302F1BBC-D1D8-4750-89B1-AB3BBA32B92C}"/>
+                </a:ext>
+              </a:extLst>
+            </p:cNvPr>
+            <p:cNvPicPr>
+              <a:picLocks noChangeAspect="1"/>
+            </p:cNvPicPr>
+            <p:nvPr>
+              <p:custDataLst>
+                <p:tags r:id="rId7"/>
+              </p:custDataLst>
+            </p:nvPr>
+          </p:nvPicPr>
+          <p:blipFill>
+            <a:blip r:embed="rId30">
+              <a:extLst>
+                <a:ext uri="{28A0092B-C50C-407E-A947-70E740481C1C}">
+                  <a14:useLocalDpi xmlns:a14="http://schemas.microsoft.com/office/drawing/2010/main" val="0"/>
+                </a:ext>
+              </a:extLst>
+            </a:blip>
+            <a:stretch>
+              <a:fillRect/>
+            </a:stretch>
+          </p:blipFill>
+          <p:spPr>
+            <a:xfrm>
+              <a:off x="2306884" y="2509137"/>
+              <a:ext cx="5012395" cy="396215"/>
+            </a:xfrm>
+            <a:prstGeom prst="rect">
+              <a:avLst/>
+            </a:prstGeom>
+          </p:spPr>
+        </p:pic>
+        <p:pic>
+          <p:nvPicPr>
+            <p:cNvPr id="164" name="Grafik 163" descr="Ein Bild, das Foto, Boden, sitzend enthält.&#10;&#10;Automatisch generierte Beschreibung">
+              <a:extLst>
+                <a:ext uri="{FF2B5EF4-FFF2-40B4-BE49-F238E27FC236}">
+                  <a16:creationId xmlns:a16="http://schemas.microsoft.com/office/drawing/2014/main" id="{06697D5B-8455-4F10-94BC-C5D29B0B2EF8}"/>
+                </a:ext>
+              </a:extLst>
+            </p:cNvPr>
+            <p:cNvPicPr>
+              <a:picLocks noChangeAspect="1"/>
+            </p:cNvPicPr>
+            <p:nvPr/>
+          </p:nvPicPr>
+          <p:blipFill>
+            <a:blip r:embed="rId13">
+              <a:extLst>
+                <a:ext uri="{28A0092B-C50C-407E-A947-70E740481C1C}">
+                  <a14:useLocalDpi xmlns:a14="http://schemas.microsoft.com/office/drawing/2010/main" val="0"/>
+                </a:ext>
+              </a:extLst>
+            </a:blip>
+            <a:stretch>
+              <a:fillRect/>
+            </a:stretch>
+          </p:blipFill>
+          <p:spPr>
+            <a:xfrm>
+              <a:off x="7962819" y="3014794"/>
+              <a:ext cx="4780354" cy="3585266"/>
+            </a:xfrm>
+            <a:prstGeom prst="rect">
+              <a:avLst/>
+            </a:prstGeom>
+          </p:spPr>
+        </p:pic>
+        <p:pic>
+          <p:nvPicPr>
+            <p:cNvPr id="167" name="Grafik 166">
+              <a:extLst>
+                <a:ext uri="{FF2B5EF4-FFF2-40B4-BE49-F238E27FC236}">
+                  <a16:creationId xmlns:a16="http://schemas.microsoft.com/office/drawing/2014/main" id="{8E9CE3DA-3B52-4482-A5B7-DFA038B6DC0C}"/>
+                </a:ext>
+              </a:extLst>
+            </p:cNvPr>
+            <p:cNvPicPr>
+              <a:picLocks noChangeAspect="1"/>
+            </p:cNvPicPr>
+            <p:nvPr>
+              <p:custDataLst>
+                <p:tags r:id="rId8"/>
+              </p:custDataLst>
+            </p:nvPr>
+          </p:nvPicPr>
+          <p:blipFill>
+            <a:blip r:embed="rId31">
+              <a:extLst>
+                <a:ext uri="{28A0092B-C50C-407E-A947-70E740481C1C}">
+                  <a14:useLocalDpi xmlns:a14="http://schemas.microsoft.com/office/drawing/2010/main" val="0"/>
+                </a:ext>
+              </a:extLst>
+            </a:blip>
+            <a:stretch>
+              <a:fillRect/>
+            </a:stretch>
+          </p:blipFill>
+          <p:spPr>
+            <a:xfrm>
+              <a:off x="8543725" y="2502938"/>
+              <a:ext cx="3618542" cy="401517"/>
+            </a:xfrm>
+            <a:prstGeom prst="rect">
+              <a:avLst/>
+            </a:prstGeom>
+          </p:spPr>
+        </p:pic>
+        <p:cxnSp>
+          <p:nvCxnSpPr>
+            <p:cNvPr id="168" name="Gerade Verbindung mit Pfeil 167">
+              <a:extLst>
+                <a:ext uri="{FF2B5EF4-FFF2-40B4-BE49-F238E27FC236}">
+                  <a16:creationId xmlns:a16="http://schemas.microsoft.com/office/drawing/2014/main" id="{6E80F009-EA0F-408D-AB44-625200202E96}"/>
+                </a:ext>
+              </a:extLst>
+            </p:cNvPr>
+            <p:cNvCxnSpPr>
+              <a:cxnSpLocks/>
+            </p:cNvCxnSpPr>
+            <p:nvPr/>
+          </p:nvCxnSpPr>
+          <p:spPr>
+            <a:xfrm>
+              <a:off x="7327704" y="4798343"/>
+              <a:ext cx="518155" cy="0"/>
+            </a:xfrm>
+            <a:prstGeom prst="straightConnector1">
+              <a:avLst/>
+            </a:prstGeom>
+            <a:ln w="25400">
+              <a:solidFill>
+                <a:schemeClr val="tx1"/>
+              </a:solidFill>
+              <a:tailEnd type="triangle"/>
+            </a:ln>
+          </p:spPr>
+          <p:style>
+            <a:lnRef idx="1">
+              <a:schemeClr val="accent1"/>
+            </a:lnRef>
+            <a:fillRef idx="0">
+              <a:schemeClr val="accent1"/>
+            </a:fillRef>
+            <a:effectRef idx="0">
+              <a:schemeClr val="accent1"/>
+            </a:effectRef>
+            <a:fontRef idx="minor">
+              <a:schemeClr val="tx1"/>
+            </a:fontRef>
+          </p:style>
+        </p:cxnSp>
+      </p:grpSp>
+    </p:spTree>
+    <p:extLst>
+      <p:ext uri="{BB962C8B-B14F-4D97-AF65-F5344CB8AC3E}">
+        <p14:creationId xmlns:p14="http://schemas.microsoft.com/office/powerpoint/2010/main" val="2517532268"/>
       </p:ext>
     </p:extLst>
   </p:cSld>
@@ -17195,25 +19089,6 @@
 <file path=ppt/tags/tag46.xml><?xml version="1.0" encoding="utf-8"?>
 <p:tagLst xmlns:a="http://schemas.openxmlformats.org/drawingml/2006/main" xmlns:r="http://schemas.openxmlformats.org/officeDocument/2006/relationships" xmlns:p="http://schemas.openxmlformats.org/presentationml/2006/main">
   <p:tag name="OUTPUTDPI" val="1200"/>
-  <p:tag name="ORIGINALHEIGHT" val="112,4859"/>
-  <p:tag name="ORIGINALWIDTH" val="909,6363"/>
-  <p:tag name="LATEXADDIN" val="\documentclass{article}&#10;\usepackage{amsmath}&#10;\usepackage{color}&#10;\pagestyle{empty}&#10;\begin{document}&#10;%\color{white}&#10;Support Polygon&#10;\end{document}"/>
-  <p:tag name="IGUANATEXSIZE" val="20"/>
-  <p:tag name="IGUANATEXCURSOR" val="129"/>
-  <p:tag name="TRANSPARENCY" val="Wahr"/>
-  <p:tag name="FILENAME" val=""/>
-  <p:tag name="LATEXENGINEID" val="0"/>
-  <p:tag name="TEMPFOLDER" val="c:\temp\"/>
-  <p:tag name="LATEXFORMHEIGHT" val="312"/>
-  <p:tag name="LATEXFORMWIDTH" val="384"/>
-  <p:tag name="LATEXFORMWRAP" val="Wahr"/>
-  <p:tag name="BITMAPVECTOR" val="0"/>
-</p:tagLst>
-</file>
-
-<file path=ppt/tags/tag47.xml><?xml version="1.0" encoding="utf-8"?>
-<p:tagLst xmlns:a="http://schemas.openxmlformats.org/drawingml/2006/main" xmlns:r="http://schemas.openxmlformats.org/officeDocument/2006/relationships" xmlns:p="http://schemas.openxmlformats.org/presentationml/2006/main">
-  <p:tag name="OUTPUTDPI" val="1200"/>
   <p:tag name="ORIGINALHEIGHT" val="111,7361"/>
   <p:tag name="ORIGINALWIDTH" val="665,1669"/>
   <p:tag name="LATEXADDIN" val="\documentclass{article}&#10;\usepackage{amsmath}&#10;\usepackage{color}&#10;\pagestyle{empty}&#10;\begin{document}&#10;%\color{white}&#10;Foot Length&#10;\end{document}"/>
@@ -17230,7 +19105,7 @@
 </p:tagLst>
 </file>
 
-<file path=ppt/tags/tag48.xml><?xml version="1.0" encoding="utf-8"?>
+<file path=ppt/tags/tag47.xml><?xml version="1.0" encoding="utf-8"?>
 <p:tagLst xmlns:a="http://schemas.openxmlformats.org/drawingml/2006/main" xmlns:r="http://schemas.openxmlformats.org/officeDocument/2006/relationships" xmlns:p="http://schemas.openxmlformats.org/presentationml/2006/main">
   <p:tag name="OUTPUTDPI" val="1200"/>
   <p:tag name="ORIGINALHEIGHT" val="89,23882"/>
@@ -17249,7 +19124,7 @@
 </p:tagLst>
 </file>
 
-<file path=ppt/tags/tag49.xml><?xml version="1.0" encoding="utf-8"?>
+<file path=ppt/tags/tag48.xml><?xml version="1.0" encoding="utf-8"?>
 <p:tagLst xmlns:a="http://schemas.openxmlformats.org/drawingml/2006/main" xmlns:r="http://schemas.openxmlformats.org/officeDocument/2006/relationships" xmlns:p="http://schemas.openxmlformats.org/presentationml/2006/main">
   <p:tag name="OUTPUTDPI" val="1200"/>
   <p:tag name="ORIGINALHEIGHT" val="112,4859"/>
@@ -17257,6 +19132,25 @@
   <p:tag name="LATEXADDIN" val="\documentclass{article}&#10;\usepackage{amsmath}&#10;\usepackage{color}&#10;\pagestyle{empty}&#10;\begin{document}&#10;%\color{white}&#10;Security Margin&#10;\end{document}"/>
   <p:tag name="IGUANATEXSIZE" val="20"/>
   <p:tag name="IGUANATEXCURSOR" val="129"/>
+  <p:tag name="TRANSPARENCY" val="Wahr"/>
+  <p:tag name="FILENAME" val=""/>
+  <p:tag name="LATEXENGINEID" val="0"/>
+  <p:tag name="TEMPFOLDER" val="c:\temp\"/>
+  <p:tag name="LATEXFORMHEIGHT" val="312"/>
+  <p:tag name="LATEXFORMWIDTH" val="384"/>
+  <p:tag name="LATEXFORMWRAP" val="Wahr"/>
+  <p:tag name="BITMAPVECTOR" val="0"/>
+</p:tagLst>
+</file>
+
+<file path=ppt/tags/tag49.xml><?xml version="1.0" encoding="utf-8"?>
+<p:tagLst xmlns:a="http://schemas.openxmlformats.org/drawingml/2006/main" xmlns:r="http://schemas.openxmlformats.org/officeDocument/2006/relationships" xmlns:p="http://schemas.openxmlformats.org/presentationml/2006/main">
+  <p:tag name="OUTPUTDPI" val="1200"/>
+  <p:tag name="ORIGINALHEIGHT" val="56,99291"/>
+  <p:tag name="ORIGINALWIDTH" val="59,2426"/>
+  <p:tag name="LATEXADDIN" val="\documentclass{article}&#10;\usepackage{amsmath}&#10;\usepackage{bm}&#10;\usepackage{color}&#10;\pagestyle{empty}&#10;\begin{document}&#10;%\color{white}&#10;\begin{equation}&#10;\bm{r}&#10;\nonumber&#10;\end{equation}&#10;\end{document}"/>
+  <p:tag name="IGUANATEXSIZE" val="20"/>
+  <p:tag name="IGUANATEXCURSOR" val="150"/>
   <p:tag name="TRANSPARENCY" val="Wahr"/>
   <p:tag name="FILENAME" val=""/>
   <p:tag name="LATEXENGINEID" val="0"/>
@@ -17290,25 +19184,6 @@
 <file path=ppt/tags/tag50.xml><?xml version="1.0" encoding="utf-8"?>
 <p:tagLst xmlns:a="http://schemas.openxmlformats.org/drawingml/2006/main" xmlns:r="http://schemas.openxmlformats.org/officeDocument/2006/relationships" xmlns:p="http://schemas.openxmlformats.org/presentationml/2006/main">
   <p:tag name="OUTPUTDPI" val="1200"/>
-  <p:tag name="ORIGINALHEIGHT" val="56,99291"/>
-  <p:tag name="ORIGINALWIDTH" val="59,2426"/>
-  <p:tag name="LATEXADDIN" val="\documentclass{article}&#10;\usepackage{amsmath}&#10;\usepackage{bm}&#10;\usepackage{color}&#10;\pagestyle{empty}&#10;\begin{document}&#10;%\color{white}&#10;\begin{equation}&#10;\bm{r}&#10;\nonumber&#10;\end{equation}&#10;\end{document}"/>
-  <p:tag name="IGUANATEXSIZE" val="20"/>
-  <p:tag name="IGUANATEXCURSOR" val="150"/>
-  <p:tag name="TRANSPARENCY" val="Wahr"/>
-  <p:tag name="FILENAME" val=""/>
-  <p:tag name="LATEXENGINEID" val="0"/>
-  <p:tag name="TEMPFOLDER" val="c:\temp\"/>
-  <p:tag name="LATEXFORMHEIGHT" val="312"/>
-  <p:tag name="LATEXFORMWIDTH" val="384"/>
-  <p:tag name="LATEXFORMWRAP" val="Wahr"/>
-  <p:tag name="BITMAPVECTOR" val="0"/>
-</p:tagLst>
-</file>
-
-<file path=ppt/tags/tag51.xml><?xml version="1.0" encoding="utf-8"?>
-<p:tagLst xmlns:a="http://schemas.openxmlformats.org/drawingml/2006/main" xmlns:r="http://schemas.openxmlformats.org/officeDocument/2006/relationships" xmlns:p="http://schemas.openxmlformats.org/presentationml/2006/main">
-  <p:tag name="OUTPUTDPI" val="1200"/>
   <p:tag name="ORIGINALHEIGHT" val="104,237"/>
   <p:tag name="ORIGINALWIDTH" val="125,2343"/>
   <p:tag name="LATEXADDIN" val="\documentclass{article}&#10;\usepackage{amsmath}&#10;\usepackage{bm}&#10;\usepackage{color}&#10;\pagestyle{empty}&#10;\begin{document}&#10;%\color{white}&#10;\begin{equation}&#10;\bm{F}_r&#10;\nonumber&#10;\end{equation}&#10;\end{document}"/>
@@ -17325,7 +19200,7 @@
 </p:tagLst>
 </file>
 
-<file path=ppt/tags/tag52.xml><?xml version="1.0" encoding="utf-8"?>
+<file path=ppt/tags/tag51.xml><?xml version="1.0" encoding="utf-8"?>
 <p:tagLst xmlns:a="http://schemas.openxmlformats.org/drawingml/2006/main" xmlns:r="http://schemas.openxmlformats.org/officeDocument/2006/relationships" xmlns:p="http://schemas.openxmlformats.org/presentationml/2006/main">
   <p:tag name="OUTPUTDPI" val="1200"/>
   <p:tag name="ORIGINALHEIGHT" val="104,9868"/>
@@ -17344,7 +19219,7 @@
 </p:tagLst>
 </file>
 
-<file path=ppt/tags/tag53.xml><?xml version="1.0" encoding="utf-8"?>
+<file path=ppt/tags/tag52.xml><?xml version="1.0" encoding="utf-8"?>
 <p:tagLst xmlns:a="http://schemas.openxmlformats.org/drawingml/2006/main" xmlns:r="http://schemas.openxmlformats.org/officeDocument/2006/relationships" xmlns:p="http://schemas.openxmlformats.org/presentationml/2006/main">
   <p:tag name="OUTPUTDPI" val="1200"/>
   <p:tag name="ORIGINALHEIGHT" val="104,9868"/>
@@ -17363,7 +19238,7 @@
 </p:tagLst>
 </file>
 
-<file path=ppt/tags/tag54.xml><?xml version="1.0" encoding="utf-8"?>
+<file path=ppt/tags/tag53.xml><?xml version="1.0" encoding="utf-8"?>
 <p:tagLst xmlns:a="http://schemas.openxmlformats.org/drawingml/2006/main" xmlns:r="http://schemas.openxmlformats.org/officeDocument/2006/relationships" xmlns:p="http://schemas.openxmlformats.org/presentationml/2006/main">
   <p:tag name="OUTPUTDPI" val="1200"/>
   <p:tag name="ORIGINALHEIGHT" val="122,2347"/>
@@ -17382,26 +19257,7 @@
 </p:tagLst>
 </file>
 
-<file path=ppt/tags/tag55.xml><?xml version="1.0" encoding="utf-8"?>
-<p:tagLst xmlns:a="http://schemas.openxmlformats.org/drawingml/2006/main" xmlns:r="http://schemas.openxmlformats.org/officeDocument/2006/relationships" xmlns:p="http://schemas.openxmlformats.org/presentationml/2006/main">
-  <p:tag name="OUTPUTDPI" val="1200"/>
-  <p:tag name="ORIGINALHEIGHT" val="86,23921"/>
-  <p:tag name="ORIGINALWIDTH" val="236,9704"/>
-  <p:tag name="LATEXADDIN" val="\documentclass{article}&#10;\usepackage{amsmath}&#10;\usepackage{color}&#10;\pagestyle{empty}&#10;\begin{document}&#10;%\color{white}&#10;Foot&#10;\end{document}"/>
-  <p:tag name="IGUANATEXSIZE" val="20"/>
-  <p:tag name="IGUANATEXCURSOR" val="118"/>
-  <p:tag name="TRANSPARENCY" val="Wahr"/>
-  <p:tag name="FILENAME" val=""/>
-  <p:tag name="LATEXENGINEID" val="0"/>
-  <p:tag name="TEMPFOLDER" val="c:\temp\"/>
-  <p:tag name="LATEXFORMHEIGHT" val="312"/>
-  <p:tag name="LATEXFORMWIDTH" val="384"/>
-  <p:tag name="LATEXFORMWRAP" val="Wahr"/>
-  <p:tag name="BITMAPVECTOR" val="0"/>
-</p:tagLst>
-</file>
-
-<file path=ppt/tags/tag56.xml><?xml version="1.0" encoding="utf-8"?>
+<file path=ppt/tags/tag54.xml><?xml version="1.0" encoding="utf-8"?>
 <p:tagLst xmlns:a="http://schemas.openxmlformats.org/drawingml/2006/main" xmlns:r="http://schemas.openxmlformats.org/officeDocument/2006/relationships" xmlns:p="http://schemas.openxmlformats.org/presentationml/2006/main">
   <p:tag name="OUTPUTDPI" val="1200"/>
   <p:tag name="ORIGINALHEIGHT" val="104,237"/>
@@ -17420,7 +19276,7 @@
 </p:tagLst>
 </file>
 
-<file path=ppt/tags/tag57.xml><?xml version="1.0" encoding="utf-8"?>
+<file path=ppt/tags/tag55.xml><?xml version="1.0" encoding="utf-8"?>
 <p:tagLst xmlns:a="http://schemas.openxmlformats.org/drawingml/2006/main" xmlns:r="http://schemas.openxmlformats.org/officeDocument/2006/relationships" xmlns:p="http://schemas.openxmlformats.org/presentationml/2006/main">
   <p:tag name="OUTPUTDPI" val="1200"/>
   <p:tag name="ORIGINALHEIGHT" val="121,4848"/>
@@ -17439,7 +19295,7 @@
 </p:tagLst>
 </file>
 
-<file path=ppt/tags/tag58.xml><?xml version="1.0" encoding="utf-8"?>
+<file path=ppt/tags/tag56.xml><?xml version="1.0" encoding="utf-8"?>
 <p:tagLst xmlns:a="http://schemas.openxmlformats.org/drawingml/2006/main" xmlns:r="http://schemas.openxmlformats.org/officeDocument/2006/relationships" xmlns:p="http://schemas.openxmlformats.org/presentationml/2006/main">
   <p:tag name="OUTPUTDPI" val="1200"/>
   <p:tag name="ORIGINALHEIGHT" val="107,2366"/>
@@ -17458,7 +19314,7 @@
 </p:tagLst>
 </file>
 
-<file path=ppt/tags/tag59.xml><?xml version="1.0" encoding="utf-8"?>
+<file path=ppt/tags/tag57.xml><?xml version="1.0" encoding="utf-8"?>
 <p:tagLst xmlns:a="http://schemas.openxmlformats.org/drawingml/2006/main" xmlns:r="http://schemas.openxmlformats.org/officeDocument/2006/relationships" xmlns:p="http://schemas.openxmlformats.org/presentationml/2006/main">
   <p:tag name="OUTPUTDPI" val="1200"/>
   <p:tag name="ORIGINALHEIGHT" val="124,4844"/>
@@ -17466,6 +19322,44 @@
   <p:tag name="LATEXADDIN" val="\documentclass{article}&#10;\usepackage{amsmath}&#10;\usepackage{bm}&#10;\usepackage{color}&#10;\pagestyle{empty}&#10;\begin{document}&#10;%\color{white}&#10;\begin{equation}&#10;\bm{S}_y&#10;\nonumber&#10;\end{equation}&#10;\end{document}"/>
   <p:tag name="IGUANATEXSIZE" val="20"/>
   <p:tag name="IGUANATEXCURSOR" val="60"/>
+  <p:tag name="TRANSPARENCY" val="Wahr"/>
+  <p:tag name="FILENAME" val=""/>
+  <p:tag name="LATEXENGINEID" val="0"/>
+  <p:tag name="TEMPFOLDER" val="c:\temp\"/>
+  <p:tag name="LATEXFORMHEIGHT" val="312"/>
+  <p:tag name="LATEXFORMWIDTH" val="384"/>
+  <p:tag name="LATEXFORMWRAP" val="Wahr"/>
+  <p:tag name="BITMAPVECTOR" val="0"/>
+</p:tagLst>
+</file>
+
+<file path=ppt/tags/tag58.xml><?xml version="1.0" encoding="utf-8"?>
+<p:tagLst xmlns:a="http://schemas.openxmlformats.org/drawingml/2006/main" xmlns:r="http://schemas.openxmlformats.org/officeDocument/2006/relationships" xmlns:p="http://schemas.openxmlformats.org/presentationml/2006/main">
+  <p:tag name="OUTPUTDPI" val="1200"/>
+  <p:tag name="ORIGINALHEIGHT" val="107,2366"/>
+  <p:tag name="ORIGINALWIDTH" val="124,4844"/>
+  <p:tag name="LATEXADDIN" val="\documentclass{article}&#10;\usepackage{amsmath}&#10;\usepackage{bm}&#10;\usepackage{color}&#10;\pagestyle{empty}&#10;\begin{document}&#10;%\color{white}&#10;\begin{equation}&#10;\bm{S}_z&#10;\nonumber&#10;\end{equation}&#10;\end{document}"/>
+  <p:tag name="IGUANATEXSIZE" val="20"/>
+  <p:tag name="IGUANATEXCURSOR" val="150"/>
+  <p:tag name="TRANSPARENCY" val="Wahr"/>
+  <p:tag name="FILENAME" val=""/>
+  <p:tag name="LATEXENGINEID" val="0"/>
+  <p:tag name="TEMPFOLDER" val="c:\temp\"/>
+  <p:tag name="LATEXFORMHEIGHT" val="312"/>
+  <p:tag name="LATEXFORMWIDTH" val="384"/>
+  <p:tag name="LATEXFORMWRAP" val="Wahr"/>
+  <p:tag name="BITMAPVECTOR" val="0"/>
+</p:tagLst>
+</file>
+
+<file path=ppt/tags/tag59.xml><?xml version="1.0" encoding="utf-8"?>
+<p:tagLst xmlns:a="http://schemas.openxmlformats.org/drawingml/2006/main" xmlns:r="http://schemas.openxmlformats.org/officeDocument/2006/relationships" xmlns:p="http://schemas.openxmlformats.org/presentationml/2006/main">
+  <p:tag name="OUTPUTDPI" val="1200"/>
+  <p:tag name="ORIGINALHEIGHT" val="56,99291"/>
+  <p:tag name="ORIGINALWIDTH" val="58,49268"/>
+  <p:tag name="LATEXADDIN" val="\documentclass{article}&#10;\usepackage{amsmath}&#10;\usepackage{bm}&#10;\usepackage{color}&#10;\pagestyle{empty}&#10;\begin{document}&#10;%\color{white}&#10;\begin{equation}&#10;\bm{c}&#10;\nonumber&#10;\end{equation}&#10;\end{document}"/>
+  <p:tag name="IGUANATEXSIZE" val="20"/>
+  <p:tag name="IGUANATEXCURSOR" val="150"/>
   <p:tag name="TRANSPARENCY" val="Wahr"/>
   <p:tag name="FILENAME" val=""/>
   <p:tag name="LATEXENGINEID" val="0"/>
@@ -17500,44 +19394,6 @@
 <p:tagLst xmlns:a="http://schemas.openxmlformats.org/drawingml/2006/main" xmlns:r="http://schemas.openxmlformats.org/officeDocument/2006/relationships" xmlns:p="http://schemas.openxmlformats.org/presentationml/2006/main">
   <p:tag name="OUTPUTDPI" val="1200"/>
   <p:tag name="ORIGINALHEIGHT" val="107,2366"/>
-  <p:tag name="ORIGINALWIDTH" val="124,4844"/>
-  <p:tag name="LATEXADDIN" val="\documentclass{article}&#10;\usepackage{amsmath}&#10;\usepackage{bm}&#10;\usepackage{color}&#10;\pagestyle{empty}&#10;\begin{document}&#10;%\color{white}&#10;\begin{equation}&#10;\bm{S}_z&#10;\nonumber&#10;\end{equation}&#10;\end{document}"/>
-  <p:tag name="IGUANATEXSIZE" val="20"/>
-  <p:tag name="IGUANATEXCURSOR" val="150"/>
-  <p:tag name="TRANSPARENCY" val="Wahr"/>
-  <p:tag name="FILENAME" val=""/>
-  <p:tag name="LATEXENGINEID" val="0"/>
-  <p:tag name="TEMPFOLDER" val="c:\temp\"/>
-  <p:tag name="LATEXFORMHEIGHT" val="312"/>
-  <p:tag name="LATEXFORMWIDTH" val="384"/>
-  <p:tag name="LATEXFORMWRAP" val="Wahr"/>
-  <p:tag name="BITMAPVECTOR" val="0"/>
-</p:tagLst>
-</file>
-
-<file path=ppt/tags/tag61.xml><?xml version="1.0" encoding="utf-8"?>
-<p:tagLst xmlns:a="http://schemas.openxmlformats.org/drawingml/2006/main" xmlns:r="http://schemas.openxmlformats.org/officeDocument/2006/relationships" xmlns:p="http://schemas.openxmlformats.org/presentationml/2006/main">
-  <p:tag name="OUTPUTDPI" val="1200"/>
-  <p:tag name="ORIGINALHEIGHT" val="56,99291"/>
-  <p:tag name="ORIGINALWIDTH" val="58,49268"/>
-  <p:tag name="LATEXADDIN" val="\documentclass{article}&#10;\usepackage{amsmath}&#10;\usepackage{bm}&#10;\usepackage{color}&#10;\pagestyle{empty}&#10;\begin{document}&#10;%\color{white}&#10;\begin{equation}&#10;\bm{c}&#10;\nonumber&#10;\end{equation}&#10;\end{document}"/>
-  <p:tag name="IGUANATEXSIZE" val="20"/>
-  <p:tag name="IGUANATEXCURSOR" val="150"/>
-  <p:tag name="TRANSPARENCY" val="Wahr"/>
-  <p:tag name="FILENAME" val=""/>
-  <p:tag name="LATEXENGINEID" val="0"/>
-  <p:tag name="TEMPFOLDER" val="c:\temp\"/>
-  <p:tag name="LATEXFORMHEIGHT" val="312"/>
-  <p:tag name="LATEXFORMWIDTH" val="384"/>
-  <p:tag name="LATEXFORMWRAP" val="Wahr"/>
-  <p:tag name="BITMAPVECTOR" val="0"/>
-</p:tagLst>
-</file>
-
-<file path=ppt/tags/tag62.xml><?xml version="1.0" encoding="utf-8"?>
-<p:tagLst xmlns:a="http://schemas.openxmlformats.org/drawingml/2006/main" xmlns:r="http://schemas.openxmlformats.org/officeDocument/2006/relationships" xmlns:p="http://schemas.openxmlformats.org/presentationml/2006/main">
-  <p:tag name="OUTPUTDPI" val="1200"/>
-  <p:tag name="ORIGINALHEIGHT" val="107,2366"/>
   <p:tag name="ORIGINALWIDTH" val="224,222"/>
   <p:tag name="LATEXADDIN" val="\documentclass{article}&#10;\usepackage{amsmath}&#10;\usepackage{bm}&#10;\usepackage{color}&#10;\pagestyle{empty}&#10;\begin{document}&#10;%\color{white}&#10;\begin{equation}&#10;-\bm{S}_x&#10;\nonumber&#10;\end{equation}&#10;\end{document}"/>
   <p:tag name="IGUANATEXSIZE" val="20"/>
@@ -17553,7 +19409,7 @@
 </p:tagLst>
 </file>
 
-<file path=ppt/tags/tag63.xml><?xml version="1.0" encoding="utf-8"?>
+<file path=ppt/tags/tag61.xml><?xml version="1.0" encoding="utf-8"?>
 <p:tagLst xmlns:a="http://schemas.openxmlformats.org/drawingml/2006/main" xmlns:r="http://schemas.openxmlformats.org/officeDocument/2006/relationships" xmlns:p="http://schemas.openxmlformats.org/presentationml/2006/main">
   <p:tag name="OUTPUTDPI" val="1200"/>
   <p:tag name="ORIGINALHEIGHT" val="124,4844"/>
@@ -17572,7 +19428,7 @@
 </p:tagLst>
 </file>
 
-<file path=ppt/tags/tag64.xml><?xml version="1.0" encoding="utf-8"?>
+<file path=ppt/tags/tag62.xml><?xml version="1.0" encoding="utf-8"?>
 <p:tagLst xmlns:a="http://schemas.openxmlformats.org/drawingml/2006/main" xmlns:r="http://schemas.openxmlformats.org/officeDocument/2006/relationships" xmlns:p="http://schemas.openxmlformats.org/presentationml/2006/main">
   <p:tag name="OUTPUTDPI" val="1200"/>
   <p:tag name="ORIGINALHEIGHT" val="107,2366"/>
@@ -17591,7 +19447,7 @@
 </p:tagLst>
 </file>
 
-<file path=ppt/tags/tag65.xml><?xml version="1.0" encoding="utf-8"?>
+<file path=ppt/tags/tag63.xml><?xml version="1.0" encoding="utf-8"?>
 <p:tagLst xmlns:a="http://schemas.openxmlformats.org/drawingml/2006/main" xmlns:r="http://schemas.openxmlformats.org/officeDocument/2006/relationships" xmlns:p="http://schemas.openxmlformats.org/presentationml/2006/main">
   <p:tag name="OUTPUTDPI" val="1200"/>
   <p:tag name="ORIGINALHEIGHT" val="56,99291"/>
@@ -17610,7 +19466,7 @@
 </p:tagLst>
 </file>
 
-<file path=ppt/tags/tag66.xml><?xml version="1.0" encoding="utf-8"?>
+<file path=ppt/tags/tag64.xml><?xml version="1.0" encoding="utf-8"?>
 <p:tagLst xmlns:a="http://schemas.openxmlformats.org/drawingml/2006/main" xmlns:r="http://schemas.openxmlformats.org/officeDocument/2006/relationships" xmlns:p="http://schemas.openxmlformats.org/presentationml/2006/main">
   <p:tag name="OUTPUTDPI" val="1200"/>
   <p:tag name="ORIGINALHEIGHT" val="104,237"/>
@@ -17629,7 +19485,7 @@
 </p:tagLst>
 </file>
 
-<file path=ppt/tags/tag67.xml><?xml version="1.0" encoding="utf-8"?>
+<file path=ppt/tags/tag65.xml><?xml version="1.0" encoding="utf-8"?>
 <p:tagLst xmlns:a="http://schemas.openxmlformats.org/drawingml/2006/main" xmlns:r="http://schemas.openxmlformats.org/officeDocument/2006/relationships" xmlns:p="http://schemas.openxmlformats.org/presentationml/2006/main">
   <p:tag name="OUTPUTDPI" val="1200"/>
   <p:tag name="ORIGINALHEIGHT" val="112,4859"/>
@@ -17648,7 +19504,7 @@
 </p:tagLst>
 </file>
 
-<file path=ppt/tags/tag68.xml><?xml version="1.0" encoding="utf-8"?>
+<file path=ppt/tags/tag66.xml><?xml version="1.0" encoding="utf-8"?>
 <p:tagLst xmlns:a="http://schemas.openxmlformats.org/drawingml/2006/main" xmlns:r="http://schemas.openxmlformats.org/officeDocument/2006/relationships" xmlns:p="http://schemas.openxmlformats.org/presentationml/2006/main">
   <p:tag name="OUTPUTDPI" val="1200"/>
   <p:tag name="ORIGINALHEIGHT" val="87,73905"/>
@@ -17656,6 +19512,63 @@
   <p:tag name="LATEXADDIN" val="\documentclass{article}&#10;\usepackage{amsmath}&#10;\usepackage{color}&#10;\pagestyle{empty}&#10;\begin{document}&#10;%\color{white}&#10;Inverted Pendulum&#10;\end{document}"/>
   <p:tag name="IGUANATEXSIZE" val="20"/>
   <p:tag name="IGUANATEXCURSOR" val="131"/>
+  <p:tag name="TRANSPARENCY" val="Wahr"/>
+  <p:tag name="FILENAME" val=""/>
+  <p:tag name="LATEXENGINEID" val="0"/>
+  <p:tag name="TEMPFOLDER" val="c:\temp\"/>
+  <p:tag name="LATEXFORMHEIGHT" val="312"/>
+  <p:tag name="LATEXFORMWIDTH" val="384"/>
+  <p:tag name="LATEXFORMWRAP" val="Wahr"/>
+  <p:tag name="BITMAPVECTOR" val="0"/>
+</p:tagLst>
+</file>
+
+<file path=ppt/tags/tag67.xml><?xml version="1.0" encoding="utf-8"?>
+<p:tagLst xmlns:a="http://schemas.openxmlformats.org/drawingml/2006/main" xmlns:r="http://schemas.openxmlformats.org/officeDocument/2006/relationships" xmlns:p="http://schemas.openxmlformats.org/presentationml/2006/main">
+  <p:tag name="OUTPUTDPI" val="1200"/>
+  <p:tag name="ORIGINALHEIGHT" val="110,2362"/>
+  <p:tag name="ORIGINALWIDTH" val="740,1575"/>
+  <p:tag name="LATEXADDIN" val="\documentclass{article}&#10;\usepackage{amsmath}&#10;\usepackage{color}&#10;\pagestyle{empty}&#10;\begin{document}&#10;\color{white}&#10;Epipolar Line&#10;\end{document}"/>
+  <p:tag name="IGUANATEXSIZE" val="20"/>
+  <p:tag name="IGUANATEXCURSOR" val="126"/>
+  <p:tag name="TRANSPARENCY" val="Wahr"/>
+  <p:tag name="FILENAME" val=""/>
+  <p:tag name="LATEXENGINEID" val="0"/>
+  <p:tag name="TEMPFOLDER" val="c:\temp\"/>
+  <p:tag name="LATEXFORMHEIGHT" val="312"/>
+  <p:tag name="LATEXFORMWIDTH" val="384"/>
+  <p:tag name="LATEXFORMWRAP" val="Wahr"/>
+  <p:tag name="BITMAPVECTOR" val="0"/>
+</p:tagLst>
+</file>
+
+<file path=ppt/tags/tag68.xml><?xml version="1.0" encoding="utf-8"?>
+<p:tagLst xmlns:a="http://schemas.openxmlformats.org/drawingml/2006/main" xmlns:r="http://schemas.openxmlformats.org/officeDocument/2006/relationships" xmlns:p="http://schemas.openxmlformats.org/presentationml/2006/main">
+  <p:tag name="OUTPUTDPI" val="1200"/>
+  <p:tag name="ORIGINALHEIGHT" val="89,98874"/>
+  <p:tag name="ORIGINALWIDTH" val="554,9306"/>
+  <p:tag name="LATEXADDIN" val="\documentclass{article}&#10;\usepackage{amsmath}&#10;\usepackage{color}&#10;\pagestyle{empty}&#10;\begin{document}&#10;\color{white}&#10;Block Size&#10;\end{document}"/>
+  <p:tag name="IGUANATEXSIZE" val="20"/>
+  <p:tag name="IGUANATEXCURSOR" val="123"/>
+  <p:tag name="TRANSPARENCY" val="Wahr"/>
+  <p:tag name="FILENAME" val=""/>
+  <p:tag name="LATEXENGINEID" val="0"/>
+  <p:tag name="TEMPFOLDER" val="c:\temp\"/>
+  <p:tag name="LATEXFORMHEIGHT" val="312"/>
+  <p:tag name="LATEXFORMWIDTH" val="384"/>
+  <p:tag name="LATEXFORMWRAP" val="Wahr"/>
+  <p:tag name="BITMAPVECTOR" val="0"/>
+</p:tagLst>
+</file>
+
+<file path=ppt/tags/tag69.xml><?xml version="1.0" encoding="utf-8"?>
+<p:tagLst xmlns:a="http://schemas.openxmlformats.org/drawingml/2006/main" xmlns:r="http://schemas.openxmlformats.org/officeDocument/2006/relationships" xmlns:p="http://schemas.openxmlformats.org/presentationml/2006/main">
+  <p:tag name="OUTPUTDPI" val="1200"/>
+  <p:tag name="ORIGINALHEIGHT" val="110,2362"/>
+  <p:tag name="ORIGINALWIDTH" val="740,1575"/>
+  <p:tag name="LATEXADDIN" val="\documentclass{article}&#10;\usepackage{amsmath}&#10;\usepackage{color}&#10;\pagestyle{empty}&#10;\begin{document}&#10;\color{white}&#10;Epipolar Line&#10;\end{document}"/>
+  <p:tag name="IGUANATEXSIZE" val="20"/>
+  <p:tag name="IGUANATEXCURSOR" val="126"/>
   <p:tag name="TRANSPARENCY" val="Wahr"/>
   <p:tag name="FILENAME" val=""/>
   <p:tag name="LATEXENGINEID" val="0"/>
@@ -17675,6 +19588,158 @@
   <p:tag name="LATEXADDIN" val="\documentclass{article}&#10;\usepackage{amsmath}&#10;\usepackage{color}&#10;\pagestyle{empty}&#10;\begin{document}&#10;\color{white}&#10;Left and Right Foot&#10;\end{document}"/>
   <p:tag name="IGUANATEXSIZE" val="20"/>
   <p:tag name="IGUANATEXCURSOR" val="132"/>
+  <p:tag name="TRANSPARENCY" val="Wahr"/>
+  <p:tag name="FILENAME" val=""/>
+  <p:tag name="LATEXENGINEID" val="0"/>
+  <p:tag name="TEMPFOLDER" val="c:\temp\"/>
+  <p:tag name="LATEXFORMHEIGHT" val="312"/>
+  <p:tag name="LATEXFORMWIDTH" val="384"/>
+  <p:tag name="LATEXFORMWRAP" val="Wahr"/>
+  <p:tag name="BITMAPVECTOR" val="0"/>
+</p:tagLst>
+</file>
+
+<file path=ppt/tags/tag70.xml><?xml version="1.0" encoding="utf-8"?>
+<p:tagLst xmlns:a="http://schemas.openxmlformats.org/drawingml/2006/main" xmlns:r="http://schemas.openxmlformats.org/officeDocument/2006/relationships" xmlns:p="http://schemas.openxmlformats.org/presentationml/2006/main">
+  <p:tag name="OUTPUTDPI" val="1200"/>
+  <p:tag name="ORIGINALHEIGHT" val="87,73905"/>
+  <p:tag name="ORIGINALWIDTH" val="432,6959"/>
+  <p:tag name="LATEXADDIN" val="\documentclass{article}&#10;\usepackage{amsmath}&#10;\usepackage{color}&#10;\pagestyle{empty}&#10;\begin{document}&#10;\color{white}&#10;Number&#10;\end{document}"/>
+  <p:tag name="IGUANATEXSIZE" val="20"/>
+  <p:tag name="IGUANATEXCURSOR" val="119"/>
+  <p:tag name="TRANSPARENCY" val="Wahr"/>
+  <p:tag name="FILENAME" val=""/>
+  <p:tag name="LATEXENGINEID" val="0"/>
+  <p:tag name="TEMPFOLDER" val="c:\temp\"/>
+  <p:tag name="LATEXFORMHEIGHT" val="312"/>
+  <p:tag name="LATEXFORMWIDTH" val="384"/>
+  <p:tag name="LATEXFORMWRAP" val="Wahr"/>
+  <p:tag name="BITMAPVECTOR" val="0"/>
+</p:tagLst>
+</file>
+
+<file path=ppt/tags/tag71.xml><?xml version="1.0" encoding="utf-8"?>
+<p:tagLst xmlns:a="http://schemas.openxmlformats.org/drawingml/2006/main" xmlns:r="http://schemas.openxmlformats.org/officeDocument/2006/relationships" xmlns:p="http://schemas.openxmlformats.org/presentationml/2006/main">
+  <p:tag name="OUTPUTDPI" val="1200"/>
+  <p:tag name="ORIGINALHEIGHT" val="108,7364"/>
+  <p:tag name="ORIGINALWIDTH" val="572,9283"/>
+  <p:tag name="LATEXADDIN" val="\documentclass{article}&#10;\usepackage{amsmath}&#10;\usepackage{color}&#10;\pagestyle{empty}&#10;\begin{document}&#10;\color{white}&#10;Disparities&#10;\end{document}"/>
+  <p:tag name="IGUANATEXSIZE" val="20"/>
+  <p:tag name="IGUANATEXCURSOR" val="124"/>
+  <p:tag name="TRANSPARENCY" val="Wahr"/>
+  <p:tag name="FILENAME" val=""/>
+  <p:tag name="LATEXENGINEID" val="0"/>
+  <p:tag name="TEMPFOLDER" val="c:\temp\"/>
+  <p:tag name="LATEXFORMHEIGHT" val="312"/>
+  <p:tag name="LATEXFORMWIDTH" val="384"/>
+  <p:tag name="LATEXFORMWRAP" val="Wahr"/>
+  <p:tag name="BITMAPVECTOR" val="0"/>
+</p:tagLst>
+</file>
+
+<file path=ppt/tags/tag72.xml><?xml version="1.0" encoding="utf-8"?>
+<p:tagLst xmlns:a="http://schemas.openxmlformats.org/drawingml/2006/main" xmlns:r="http://schemas.openxmlformats.org/officeDocument/2006/relationships" xmlns:p="http://schemas.openxmlformats.org/presentationml/2006/main">
+  <p:tag name="OUTPUTDPI" val="1200"/>
+  <p:tag name="ORIGINALHEIGHT" val="112,4859"/>
+  <p:tag name="ORIGINALWIDTH" val="1364,079"/>
+  <p:tag name="LATEXADDIN" val="\documentclass{article}&#10;\usepackage{amsmath}&#10;\usepackage{color}&#10;\pagestyle{empty}&#10;\begin{document}&#10;Left Edge Filtered Image&#10;\end{document}"/>
+  <p:tag name="IGUANATEXSIZE" val="20"/>
+  <p:tag name="IGUANATEXCURSOR" val="98"/>
+  <p:tag name="TRANSPARENCY" val="Wahr"/>
+  <p:tag name="FILENAME" val=""/>
+  <p:tag name="LATEXENGINEID" val="0"/>
+  <p:tag name="TEMPFOLDER" val="c:\temp\"/>
+  <p:tag name="LATEXFORMHEIGHT" val="312"/>
+  <p:tag name="LATEXFORMWIDTH" val="384"/>
+  <p:tag name="LATEXFORMWRAP" val="Wahr"/>
+  <p:tag name="BITMAPVECTOR" val="0"/>
+</p:tagLst>
+</file>
+
+<file path=ppt/tags/tag73.xml><?xml version="1.0" encoding="utf-8"?>
+<p:tagLst xmlns:a="http://schemas.openxmlformats.org/drawingml/2006/main" xmlns:r="http://schemas.openxmlformats.org/officeDocument/2006/relationships" xmlns:p="http://schemas.openxmlformats.org/presentationml/2006/main">
+  <p:tag name="OUTPUTDPI" val="1200"/>
+  <p:tag name="ORIGINALHEIGHT" val="111,7361"/>
+  <p:tag name="ORIGINALWIDTH" val="1447,319"/>
+  <p:tag name="LATEXADDIN" val="\documentclass{article}&#10;\usepackage{amsmath}&#10;\usepackage{color}&#10;\pagestyle{empty}&#10;\begin{document}&#10;Right Edge Filtered Image&#10;\end{document}"/>
+  <p:tag name="IGUANATEXSIZE" val="20"/>
+  <p:tag name="IGUANATEXCURSOR" val="104"/>
+  <p:tag name="TRANSPARENCY" val="Wahr"/>
+  <p:tag name="FILENAME" val=""/>
+  <p:tag name="LATEXENGINEID" val="0"/>
+  <p:tag name="TEMPFOLDER" val="c:\temp\"/>
+  <p:tag name="LATEXFORMHEIGHT" val="312"/>
+  <p:tag name="LATEXFORMWIDTH" val="384"/>
+  <p:tag name="LATEXFORMWRAP" val="Wahr"/>
+  <p:tag name="BITMAPVECTOR" val="0"/>
+</p:tagLst>
+</file>
+
+<file path=ppt/tags/tag74.xml><?xml version="1.0" encoding="utf-8"?>
+<p:tagLst xmlns:a="http://schemas.openxmlformats.org/drawingml/2006/main" xmlns:r="http://schemas.openxmlformats.org/officeDocument/2006/relationships" xmlns:p="http://schemas.openxmlformats.org/presentationml/2006/main">
+  <p:tag name="OUTPUTDPI" val="1200"/>
+  <p:tag name="ORIGINALHEIGHT" val="112,4859"/>
+  <p:tag name="ORIGINALWIDTH" val="1044,62"/>
+  <p:tag name="LATEXADDIN" val="\documentclass{article}&#10;\usepackage{amsmath}&#10;\usepackage{color}&#10;\pagestyle{empty}&#10;\begin{document}&#10;Left Disparity Map&#10;\end{document}"/>
+  <p:tag name="IGUANATEXSIZE" val="20"/>
+  <p:tag name="IGUANATEXCURSOR" val="117"/>
+  <p:tag name="TRANSPARENCY" val="Wahr"/>
+  <p:tag name="FILENAME" val=""/>
+  <p:tag name="LATEXENGINEID" val="0"/>
+  <p:tag name="TEMPFOLDER" val="c:\temp\"/>
+  <p:tag name="LATEXFORMHEIGHT" val="312"/>
+  <p:tag name="LATEXFORMWIDTH" val="384"/>
+  <p:tag name="LATEXFORMWRAP" val="Wahr"/>
+  <p:tag name="BITMAPVECTOR" val="0"/>
+</p:tagLst>
+</file>
+
+<file path=ppt/tags/tag75.xml><?xml version="1.0" encoding="utf-8"?>
+<p:tagLst xmlns:a="http://schemas.openxmlformats.org/drawingml/2006/main" xmlns:r="http://schemas.openxmlformats.org/officeDocument/2006/relationships" xmlns:p="http://schemas.openxmlformats.org/presentationml/2006/main">
+  <p:tag name="OUTPUTDPI" val="1200"/>
+  <p:tag name="ORIGINALHEIGHT" val="123,7346"/>
+  <p:tag name="ORIGINALWIDTH" val="888,6389"/>
+  <p:tag name="LATEXADDIN" val="\documentclass{article}&#10;\usepackage{amsmath}&#10;\usepackage{color}&#10;\pagestyle{empty}&#10;\begin{document}&#10;%\color{white}&#10;Left/Right RGB&#10;\end{document}"/>
+  <p:tag name="IGUANATEXSIZE" val="20"/>
+  <p:tag name="IGUANATEXCURSOR" val="128"/>
+  <p:tag name="TRANSPARENCY" val="Wahr"/>
+  <p:tag name="FILENAME" val=""/>
+  <p:tag name="LATEXENGINEID" val="0"/>
+  <p:tag name="TEMPFOLDER" val="c:\temp\"/>
+  <p:tag name="LATEXFORMHEIGHT" val="312"/>
+  <p:tag name="LATEXFORMWIDTH" val="384"/>
+  <p:tag name="LATEXFORMWRAP" val="Wahr"/>
+  <p:tag name="BITMAPVECTOR" val="0"/>
+</p:tagLst>
+</file>
+
+<file path=ppt/tags/tag76.xml><?xml version="1.0" encoding="utf-8"?>
+<p:tagLst xmlns:a="http://schemas.openxmlformats.org/drawingml/2006/main" xmlns:r="http://schemas.openxmlformats.org/officeDocument/2006/relationships" xmlns:p="http://schemas.openxmlformats.org/presentationml/2006/main">
+  <p:tag name="OUTPUTDPI" val="1200"/>
+  <p:tag name="ORIGINALHEIGHT" val="123,7346"/>
+  <p:tag name="ORIGINALWIDTH" val="1145,857"/>
+  <p:tag name="LATEXADDIN" val="\documentclass{article}&#10;\usepackage{amsmath}&#10;\usepackage{color}&#10;\pagestyle{empty}&#10;\begin{document}&#10;%\color{white}&#10;Left/Right Grayscale&#10;\end{document}"/>
+  <p:tag name="IGUANATEXSIZE" val="20"/>
+  <p:tag name="IGUANATEXCURSOR" val="134"/>
+  <p:tag name="TRANSPARENCY" val="Wahr"/>
+  <p:tag name="FILENAME" val=""/>
+  <p:tag name="LATEXENGINEID" val="0"/>
+  <p:tag name="TEMPFOLDER" val="c:\temp\"/>
+  <p:tag name="LATEXFORMHEIGHT" val="312"/>
+  <p:tag name="LATEXFORMWIDTH" val="384"/>
+  <p:tag name="LATEXFORMWRAP" val="Wahr"/>
+  <p:tag name="BITMAPVECTOR" val="0"/>
+</p:tagLst>
+</file>
+
+<file path=ppt/tags/tag77.xml><?xml version="1.0" encoding="utf-8"?>
+<p:tagLst xmlns:a="http://schemas.openxmlformats.org/drawingml/2006/main" xmlns:r="http://schemas.openxmlformats.org/officeDocument/2006/relationships" xmlns:p="http://schemas.openxmlformats.org/presentationml/2006/main">
+  <p:tag name="OUTPUTDPI" val="1200"/>
+  <p:tag name="ORIGINALHEIGHT" val="123,7346"/>
+  <p:tag name="ORIGINALWIDTH" val="1359,58"/>
+  <p:tag name="LATEXADDIN" val="\documentclass{article}&#10;\usepackage{amsmath}&#10;\usepackage{color}&#10;\pagestyle{empty}&#10;\begin{document}&#10;%\color{white}&#10;Left/Right Edge Filtered&#10;\end{document}"/>
+  <p:tag name="IGUANATEXSIZE" val="20"/>
+  <p:tag name="IGUANATEXCURSOR" val="138"/>
   <p:tag name="TRANSPARENCY" val="Wahr"/>
   <p:tag name="FILENAME" val=""/>
   <p:tag name="LATEXENGINEID" val="0"/>

--- a/windows/masters_thesis_imgs.pptx
+++ b/windows/masters_thesis_imgs.pptx
@@ -13,6 +13,7 @@
     <p:sldId id="260" r:id="rId7"/>
     <p:sldId id="262" r:id="rId8"/>
     <p:sldId id="263" r:id="rId9"/>
+    <p:sldId id="264" r:id="rId10"/>
   </p:sldIdLst>
   <p:sldSz cx="12192000" cy="6858000"/>
   <p:notesSz cx="6858000" cy="9144000"/>
@@ -114,12 +115,12 @@
   <p:extLst>
     <p:ext uri="{EFAFB233-063F-42B5-8137-9DF3F51BA10A}">
       <p15:sldGuideLst xmlns:p15="http://schemas.microsoft.com/office/powerpoint/2012/main">
-        <p15:guide id="1" orient="horz" pos="2886" userDrawn="1">
+        <p15:guide id="1" orient="horz" pos="1888" userDrawn="1">
           <p15:clr>
             <a:srgbClr val="A4A3A4"/>
           </p15:clr>
         </p15:guide>
-        <p15:guide id="2" pos="4702" userDrawn="1">
+        <p15:guide id="2" pos="4679" userDrawn="1">
           <p15:clr>
             <a:srgbClr val="A4A3A4"/>
           </p15:clr>
@@ -279,7 +280,7 @@
           <a:p>
             <a:fld id="{E9193408-0E9E-4716-B232-5E8342DA9E48}" type="datetimeFigureOut">
               <a:rPr lang="en-GB" smtClean="0"/>
-              <a:t>11/06/2019</a:t>
+              <a:t>12/06/2019</a:t>
             </a:fld>
             <a:endParaRPr lang="en-GB"/>
           </a:p>
@@ -479,7 +480,7 @@
           <a:p>
             <a:fld id="{E9193408-0E9E-4716-B232-5E8342DA9E48}" type="datetimeFigureOut">
               <a:rPr lang="en-GB" smtClean="0"/>
-              <a:t>11/06/2019</a:t>
+              <a:t>12/06/2019</a:t>
             </a:fld>
             <a:endParaRPr lang="en-GB"/>
           </a:p>
@@ -689,7 +690,7 @@
           <a:p>
             <a:fld id="{E9193408-0E9E-4716-B232-5E8342DA9E48}" type="datetimeFigureOut">
               <a:rPr lang="en-GB" smtClean="0"/>
-              <a:t>11/06/2019</a:t>
+              <a:t>12/06/2019</a:t>
             </a:fld>
             <a:endParaRPr lang="en-GB"/>
           </a:p>
@@ -889,7 +890,7 @@
           <a:p>
             <a:fld id="{E9193408-0E9E-4716-B232-5E8342DA9E48}" type="datetimeFigureOut">
               <a:rPr lang="en-GB" smtClean="0"/>
-              <a:t>11/06/2019</a:t>
+              <a:t>12/06/2019</a:t>
             </a:fld>
             <a:endParaRPr lang="en-GB"/>
           </a:p>
@@ -1165,7 +1166,7 @@
           <a:p>
             <a:fld id="{E9193408-0E9E-4716-B232-5E8342DA9E48}" type="datetimeFigureOut">
               <a:rPr lang="en-GB" smtClean="0"/>
-              <a:t>11/06/2019</a:t>
+              <a:t>12/06/2019</a:t>
             </a:fld>
             <a:endParaRPr lang="en-GB"/>
           </a:p>
@@ -1433,7 +1434,7 @@
           <a:p>
             <a:fld id="{E9193408-0E9E-4716-B232-5E8342DA9E48}" type="datetimeFigureOut">
               <a:rPr lang="en-GB" smtClean="0"/>
-              <a:t>11/06/2019</a:t>
+              <a:t>12/06/2019</a:t>
             </a:fld>
             <a:endParaRPr lang="en-GB"/>
           </a:p>
@@ -1848,7 +1849,7 @@
           <a:p>
             <a:fld id="{E9193408-0E9E-4716-B232-5E8342DA9E48}" type="datetimeFigureOut">
               <a:rPr lang="en-GB" smtClean="0"/>
-              <a:t>11/06/2019</a:t>
+              <a:t>12/06/2019</a:t>
             </a:fld>
             <a:endParaRPr lang="en-GB"/>
           </a:p>
@@ -1990,7 +1991,7 @@
           <a:p>
             <a:fld id="{E9193408-0E9E-4716-B232-5E8342DA9E48}" type="datetimeFigureOut">
               <a:rPr lang="en-GB" smtClean="0"/>
-              <a:t>11/06/2019</a:t>
+              <a:t>12/06/2019</a:t>
             </a:fld>
             <a:endParaRPr lang="en-GB"/>
           </a:p>
@@ -2103,7 +2104,7 @@
           <a:p>
             <a:fld id="{E9193408-0E9E-4716-B232-5E8342DA9E48}" type="datetimeFigureOut">
               <a:rPr lang="en-GB" smtClean="0"/>
-              <a:t>11/06/2019</a:t>
+              <a:t>12/06/2019</a:t>
             </a:fld>
             <a:endParaRPr lang="en-GB"/>
           </a:p>
@@ -2416,7 +2417,7 @@
           <a:p>
             <a:fld id="{E9193408-0E9E-4716-B232-5E8342DA9E48}" type="datetimeFigureOut">
               <a:rPr lang="en-GB" smtClean="0"/>
-              <a:t>11/06/2019</a:t>
+              <a:t>12/06/2019</a:t>
             </a:fld>
             <a:endParaRPr lang="en-GB"/>
           </a:p>
@@ -2705,7 +2706,7 @@
           <a:p>
             <a:fld id="{E9193408-0E9E-4716-B232-5E8342DA9E48}" type="datetimeFigureOut">
               <a:rPr lang="en-GB" smtClean="0"/>
-              <a:t>11/06/2019</a:t>
+              <a:t>12/06/2019</a:t>
             </a:fld>
             <a:endParaRPr lang="en-GB"/>
           </a:p>
@@ -2948,7 +2949,7 @@
           <a:p>
             <a:fld id="{E9193408-0E9E-4716-B232-5E8342DA9E48}" type="datetimeFigureOut">
               <a:rPr lang="en-GB" smtClean="0"/>
-              <a:t>11/06/2019</a:t>
+              <a:t>12/06/2019</a:t>
             </a:fld>
             <a:endParaRPr lang="en-GB"/>
           </a:p>
@@ -16437,120 +16438,12 @@
           <a:chExt cx="0" cy="0"/>
         </a:xfrm>
       </p:grpSpPr>
-      <p:pic>
-        <p:nvPicPr>
-          <p:cNvPr id="28" name="Grafik 27" descr="Ein Bild, das Foto, Boden, sitzend enthält.&#10;&#10;Automatisch generierte Beschreibung">
+      <p:grpSp>
+        <p:nvGrpSpPr>
+          <p:cNvPr id="11" name="Gruppieren 10">
             <a:extLst>
               <a:ext uri="{FF2B5EF4-FFF2-40B4-BE49-F238E27FC236}">
-                <a16:creationId xmlns:a16="http://schemas.microsoft.com/office/drawing/2014/main" id="{4BFEB59D-944B-4E5F-9F21-9004F2EE9077}"/>
-              </a:ext>
-            </a:extLst>
-          </p:cNvPr>
-          <p:cNvPicPr>
-            <a:picLocks noChangeAspect="1"/>
-          </p:cNvPicPr>
-          <p:nvPr/>
-        </p:nvPicPr>
-        <p:blipFill>
-          <a:blip r:embed="rId13">
-            <a:extLst>
-              <a:ext uri="{28A0092B-C50C-407E-A947-70E740481C1C}">
-                <a14:useLocalDpi xmlns:a14="http://schemas.microsoft.com/office/drawing/2010/main" val="0"/>
-              </a:ext>
-            </a:extLst>
-          </a:blip>
-          <a:stretch>
-            <a:fillRect/>
-          </a:stretch>
-        </p:blipFill>
-        <p:spPr>
-          <a:xfrm>
-            <a:off x="-5125355" y="8458200"/>
-            <a:ext cx="6096000" cy="4572000"/>
-          </a:xfrm>
-          <a:prstGeom prst="rect">
-            <a:avLst/>
-          </a:prstGeom>
-        </p:spPr>
-      </p:pic>
-      <p:pic>
-        <p:nvPicPr>
-          <p:cNvPr id="35" name="Grafik 34" descr="Ein Bild, das sitzend, Foto enthält.&#10;&#10;Automatisch generierte Beschreibung">
-            <a:extLst>
-              <a:ext uri="{FF2B5EF4-FFF2-40B4-BE49-F238E27FC236}">
-                <a16:creationId xmlns:a16="http://schemas.microsoft.com/office/drawing/2014/main" id="{EBA20801-66C5-4B6E-A2E0-8C1AC252E6C5}"/>
-              </a:ext>
-            </a:extLst>
-          </p:cNvPr>
-          <p:cNvPicPr>
-            <a:picLocks noChangeAspect="1"/>
-          </p:cNvPicPr>
-          <p:nvPr/>
-        </p:nvPicPr>
-        <p:blipFill>
-          <a:blip r:embed="rId14">
-            <a:extLst>
-              <a:ext uri="{28A0092B-C50C-407E-A947-70E740481C1C}">
-                <a14:useLocalDpi xmlns:a14="http://schemas.microsoft.com/office/drawing/2010/main" val="0"/>
-              </a:ext>
-            </a:extLst>
-          </a:blip>
-          <a:stretch>
-            <a:fillRect/>
-          </a:stretch>
-        </p:blipFill>
-        <p:spPr>
-          <a:xfrm>
-            <a:off x="1361019" y="8458200"/>
-            <a:ext cx="6096000" cy="4572000"/>
-          </a:xfrm>
-          <a:prstGeom prst="rect">
-            <a:avLst/>
-          </a:prstGeom>
-        </p:spPr>
-      </p:pic>
-      <p:pic>
-        <p:nvPicPr>
-          <p:cNvPr id="37" name="Grafik 36">
-            <a:extLst>
-              <a:ext uri="{FF2B5EF4-FFF2-40B4-BE49-F238E27FC236}">
-                <a16:creationId xmlns:a16="http://schemas.microsoft.com/office/drawing/2014/main" id="{24A1620A-6317-43B3-9215-8F173F26EF8C}"/>
-              </a:ext>
-            </a:extLst>
-          </p:cNvPr>
-          <p:cNvPicPr>
-            <a:picLocks noChangeAspect="1"/>
-          </p:cNvPicPr>
-          <p:nvPr/>
-        </p:nvPicPr>
-        <p:blipFill>
-          <a:blip r:embed="rId15">
-            <a:extLst>
-              <a:ext uri="{28A0092B-C50C-407E-A947-70E740481C1C}">
-                <a14:useLocalDpi xmlns:a14="http://schemas.microsoft.com/office/drawing/2010/main" val="0"/>
-              </a:ext>
-            </a:extLst>
-          </a:blip>
-          <a:stretch>
-            <a:fillRect/>
-          </a:stretch>
-        </p:blipFill>
-        <p:spPr>
-          <a:xfrm>
-            <a:off x="7847393" y="8458200"/>
-            <a:ext cx="6096000" cy="4572000"/>
-          </a:xfrm>
-          <a:prstGeom prst="rect">
-            <a:avLst/>
-          </a:prstGeom>
-        </p:spPr>
-      </p:pic>
-      <p:grpSp>
-        <p:nvGrpSpPr>
-          <p:cNvPr id="53" name="Gruppieren 52">
-            <a:extLst>
-              <a:ext uri="{FF2B5EF4-FFF2-40B4-BE49-F238E27FC236}">
-                <a16:creationId xmlns:a16="http://schemas.microsoft.com/office/drawing/2014/main" id="{CFDC3D16-5F0D-4154-BDDB-5EE207B9B3D3}"/>
+                <a16:creationId xmlns:a16="http://schemas.microsoft.com/office/drawing/2014/main" id="{7D1385D3-581F-493F-A1B2-9657E0A7A2A5}"/>
               </a:ext>
             </a:extLst>
           </p:cNvPr>
@@ -16559,9 +16452,9 @@
         </p:nvGrpSpPr>
         <p:grpSpPr>
           <a:xfrm>
-            <a:off x="-5125355" y="-2742260"/>
+            <a:off x="3364413" y="-723468"/>
             <a:ext cx="19116418" cy="5019467"/>
-            <a:chOff x="-9978709" y="-1194814"/>
+            <a:chOff x="3364413" y="-723468"/>
             <a:chExt cx="19116418" cy="5019467"/>
           </a:xfrm>
         </p:grpSpPr>
@@ -16579,7 +16472,7 @@
           </p:nvGrpSpPr>
           <p:grpSpPr>
             <a:xfrm>
-              <a:off x="-9978709" y="-531695"/>
+              <a:off x="3364413" y="-60349"/>
               <a:ext cx="5808466" cy="4356348"/>
               <a:chOff x="-3247471" y="942999"/>
               <a:chExt cx="5808466" cy="4356348"/>
@@ -16600,7 +16493,7 @@
               <p:nvPr/>
             </p:nvPicPr>
             <p:blipFill>
-              <a:blip r:embed="rId16">
+              <a:blip r:embed="rId13">
                 <a:extLst>
                   <a:ext uri="{28A0092B-C50C-407E-A947-70E740481C1C}">
                     <a14:useLocalDpi xmlns:a14="http://schemas.microsoft.com/office/drawing/2010/main" val="0"/>
@@ -16636,7 +16529,7 @@
               <p:nvPr/>
             </p:nvPicPr>
             <p:blipFill>
-              <a:blip r:embed="rId17">
+              <a:blip r:embed="rId14">
                 <a:extLst>
                   <a:ext uri="{28A0092B-C50C-407E-A947-70E740481C1C}">
                     <a14:useLocalDpi xmlns:a14="http://schemas.microsoft.com/office/drawing/2010/main" val="0"/>
@@ -16672,7 +16565,7 @@
           </p:nvGrpSpPr>
           <p:grpSpPr>
             <a:xfrm>
-              <a:off x="-3332582" y="-531696"/>
+              <a:off x="10010540" y="-60350"/>
               <a:ext cx="5808466" cy="4356349"/>
               <a:chOff x="3000929" y="930168"/>
               <a:chExt cx="5808466" cy="4356349"/>
@@ -16693,7 +16586,7 @@
               <p:nvPr/>
             </p:nvPicPr>
             <p:blipFill>
-              <a:blip r:embed="rId18">
+              <a:blip r:embed="rId15">
                 <a:extLst>
                   <a:ext uri="{28A0092B-C50C-407E-A947-70E740481C1C}">
                     <a14:useLocalDpi xmlns:a14="http://schemas.microsoft.com/office/drawing/2010/main" val="0"/>
@@ -16729,7 +16622,7 @@
               <p:nvPr/>
             </p:nvPicPr>
             <p:blipFill>
-              <a:blip r:embed="rId19">
+              <a:blip r:embed="rId16">
                 <a:extLst>
                   <a:ext uri="{28A0092B-C50C-407E-A947-70E740481C1C}">
                     <a14:useLocalDpi xmlns:a14="http://schemas.microsoft.com/office/drawing/2010/main" val="0"/>
@@ -16765,7 +16658,7 @@
           </p:nvGrpSpPr>
           <p:grpSpPr>
             <a:xfrm>
-              <a:off x="3329243" y="-510304"/>
+              <a:off x="16672365" y="-38958"/>
               <a:ext cx="5808466" cy="4334957"/>
               <a:chOff x="9205635" y="951559"/>
               <a:chExt cx="5808466" cy="4334957"/>
@@ -16786,7 +16679,7 @@
               <p:nvPr/>
             </p:nvPicPr>
             <p:blipFill>
-              <a:blip r:embed="rId20">
+              <a:blip r:embed="rId17">
                 <a:extLst>
                   <a:ext uri="{28A0092B-C50C-407E-A947-70E740481C1C}">
                     <a14:useLocalDpi xmlns:a14="http://schemas.microsoft.com/office/drawing/2010/main" val="0"/>
@@ -16822,7 +16715,7 @@
               <p:nvPr/>
             </p:nvPicPr>
             <p:blipFill>
-              <a:blip r:embed="rId21">
+              <a:blip r:embed="rId18">
                 <a:extLst>
                   <a:ext uri="{28A0092B-C50C-407E-A947-70E740481C1C}">
                     <a14:useLocalDpi xmlns:a14="http://schemas.microsoft.com/office/drawing/2010/main" val="0"/>
@@ -16860,7 +16753,7 @@
           </p:nvCxnSpPr>
           <p:spPr>
             <a:xfrm>
-              <a:off x="-4010490" y="1646479"/>
+              <a:off x="9332632" y="2117825"/>
               <a:ext cx="518155" cy="0"/>
             </a:xfrm>
             <a:prstGeom prst="straightConnector1">
@@ -16904,7 +16797,7 @@
           </p:nvCxnSpPr>
           <p:spPr>
             <a:xfrm>
-              <a:off x="2643486" y="1646479"/>
+              <a:off x="15986608" y="2117825"/>
               <a:ext cx="518155" cy="0"/>
             </a:xfrm>
             <a:prstGeom prst="straightConnector1">
@@ -16951,7 +16844,7 @@
             </p:nvPr>
           </p:nvPicPr>
           <p:blipFill>
-            <a:blip r:embed="rId22">
+            <a:blip r:embed="rId19">
               <a:extLst>
                 <a:ext uri="{28A0092B-C50C-407E-A947-70E740481C1C}">
                   <a14:useLocalDpi xmlns:a14="http://schemas.microsoft.com/office/drawing/2010/main" val="0"/>
@@ -16964,7 +16857,7 @@
           </p:blipFill>
           <p:spPr>
             <a:xfrm>
-              <a:off x="-8574013" y="-1187116"/>
+              <a:off x="4769109" y="-715770"/>
               <a:ext cx="3031045" cy="427127"/>
             </a:xfrm>
             <a:prstGeom prst="rect">
@@ -16991,7 +16884,7 @@
             </p:nvPr>
           </p:nvPicPr>
           <p:blipFill>
-            <a:blip r:embed="rId23">
+            <a:blip r:embed="rId20">
               <a:extLst>
                 <a:ext uri="{28A0092B-C50C-407E-A947-70E740481C1C}">
                   <a14:useLocalDpi xmlns:a14="http://schemas.microsoft.com/office/drawing/2010/main" val="0"/>
@@ -17004,7 +16897,7 @@
           </p:blipFill>
           <p:spPr>
             <a:xfrm>
-              <a:off x="-2094745" y="-1189667"/>
+              <a:off x="11248377" y="-718321"/>
               <a:ext cx="3911198" cy="429678"/>
             </a:xfrm>
             <a:prstGeom prst="rect">
@@ -17031,7 +16924,7 @@
             </p:nvPr>
           </p:nvPicPr>
           <p:blipFill>
-            <a:blip r:embed="rId24">
+            <a:blip r:embed="rId21">
               <a:extLst>
                 <a:ext uri="{28A0092B-C50C-407E-A947-70E740481C1C}">
                   <a14:useLocalDpi xmlns:a14="http://schemas.microsoft.com/office/drawing/2010/main" val="0"/>
@@ -17044,7 +16937,7 @@
           </p:blipFill>
           <p:spPr>
             <a:xfrm>
-              <a:off x="3773548" y="-1194814"/>
+              <a:off x="17116670" y="-723468"/>
               <a:ext cx="4644904" cy="434825"/>
             </a:xfrm>
             <a:prstGeom prst="rect">
@@ -17055,10 +16948,10 @@
       </p:grpSp>
       <p:grpSp>
         <p:nvGrpSpPr>
-          <p:cNvPr id="171" name="Gruppieren 170">
+          <p:cNvPr id="13" name="Gruppieren 12">
             <a:extLst>
               <a:ext uri="{FF2B5EF4-FFF2-40B4-BE49-F238E27FC236}">
-                <a16:creationId xmlns:a16="http://schemas.microsoft.com/office/drawing/2014/main" id="{1839B7DB-9657-4AB9-98FA-7ADD0540A219}"/>
+                <a16:creationId xmlns:a16="http://schemas.microsoft.com/office/drawing/2014/main" id="{0BE2B1F8-50AD-4911-A6BF-48FD1682541A}"/>
               </a:ext>
             </a:extLst>
           </p:cNvPr>
@@ -17067,9 +16960,9 @@
         </p:nvGrpSpPr>
         <p:grpSpPr>
           <a:xfrm>
-            <a:off x="-3314758" y="2760878"/>
+            <a:off x="4486745" y="5726723"/>
             <a:ext cx="16057931" cy="4097122"/>
-            <a:chOff x="-3314758" y="2502938"/>
+            <a:chOff x="4486745" y="5726723"/>
             <a:chExt cx="16057931" cy="4097122"/>
           </a:xfrm>
         </p:grpSpPr>
@@ -17088,7 +16981,7 @@
             <p:nvPr/>
           </p:nvPicPr>
           <p:blipFill>
-            <a:blip r:embed="rId21">
+            <a:blip r:embed="rId18">
               <a:extLst>
                 <a:ext uri="{28A0092B-C50C-407E-A947-70E740481C1C}">
                   <a14:useLocalDpi xmlns:a14="http://schemas.microsoft.com/office/drawing/2010/main" val="0"/>
@@ -17101,7 +16994,7 @@
           </p:blipFill>
           <p:spPr>
             <a:xfrm>
-              <a:off x="2422906" y="3014794"/>
+              <a:off x="10224409" y="6238579"/>
               <a:ext cx="4780353" cy="3585265"/>
             </a:xfrm>
             <a:prstGeom prst="rect">
@@ -17124,7 +17017,7 @@
             <p:nvPr/>
           </p:nvPicPr>
           <p:blipFill>
-            <a:blip r:embed="rId20">
+            <a:blip r:embed="rId17">
               <a:extLst>
                 <a:ext uri="{28A0092B-C50C-407E-A947-70E740481C1C}">
                   <a14:useLocalDpi xmlns:a14="http://schemas.microsoft.com/office/drawing/2010/main" val="0"/>
@@ -17137,7 +17030,7 @@
           </p:blipFill>
           <p:spPr>
             <a:xfrm>
-              <a:off x="-3314758" y="3014794"/>
+              <a:off x="4486745" y="6238579"/>
               <a:ext cx="4780353" cy="3585265"/>
             </a:xfrm>
             <a:prstGeom prst="rect">
@@ -17161,7 +17054,7 @@
           </p:nvCxnSpPr>
           <p:spPr>
             <a:xfrm>
-              <a:off x="-3314758" y="4679629"/>
+              <a:off x="4486745" y="7903414"/>
               <a:ext cx="4780353" cy="0"/>
             </a:xfrm>
             <a:prstGeom prst="line">
@@ -17204,7 +17097,7 @@
           </p:nvCxnSpPr>
           <p:spPr>
             <a:xfrm>
-              <a:off x="-1996464" y="4288050"/>
+              <a:off x="5805039" y="7511835"/>
               <a:ext cx="540000" cy="0"/>
             </a:xfrm>
             <a:prstGeom prst="straightConnector1">
@@ -17252,7 +17145,7 @@
             </p:nvPr>
           </p:nvPicPr>
           <p:blipFill>
-            <a:blip r:embed="rId25">
+            <a:blip r:embed="rId22">
               <a:extLst>
                 <a:ext uri="{28A0092B-C50C-407E-A947-70E740481C1C}">
                   <a14:useLocalDpi xmlns:a14="http://schemas.microsoft.com/office/drawing/2010/main" val="0"/>
@@ -17265,7 +17158,7 @@
           </p:blipFill>
           <p:spPr>
             <a:xfrm>
-              <a:off x="150553" y="4466909"/>
+              <a:off x="7952056" y="7690694"/>
               <a:ext cx="1181113" cy="177331"/>
             </a:xfrm>
             <a:prstGeom prst="rect">
@@ -17289,7 +17182,7 @@
           </p:nvCxnSpPr>
           <p:spPr>
             <a:xfrm>
-              <a:off x="-2112264" y="4422617"/>
+              <a:off x="5689239" y="7646402"/>
               <a:ext cx="0" cy="540000"/>
             </a:xfrm>
             <a:prstGeom prst="straightConnector1">
@@ -17332,7 +17225,7 @@
           </p:nvGrpSpPr>
           <p:grpSpPr>
             <a:xfrm>
-              <a:off x="-1996464" y="4405164"/>
+              <a:off x="5805039" y="7628949"/>
               <a:ext cx="540001" cy="540000"/>
               <a:chOff x="-2898598" y="4433209"/>
               <a:chExt cx="540001" cy="540000"/>
@@ -17353,7 +17246,7 @@
               <p:nvPr/>
             </p:nvPicPr>
             <p:blipFill rotWithShape="1">
-              <a:blip r:embed="rId20">
+              <a:blip r:embed="rId17">
                 <a:extLst>
                   <a:ext uri="{28A0092B-C50C-407E-A947-70E740481C1C}">
                     <a14:useLocalDpi xmlns:a14="http://schemas.microsoft.com/office/drawing/2010/main" val="0"/>
@@ -17445,7 +17338,7 @@
             </p:nvPr>
           </p:nvPicPr>
           <p:blipFill>
-            <a:blip r:embed="rId26">
+            <a:blip r:embed="rId23">
               <a:extLst>
                 <a:ext uri="{28A0092B-C50C-407E-A947-70E740481C1C}">
                   <a14:useLocalDpi xmlns:a14="http://schemas.microsoft.com/office/drawing/2010/main" val="0"/>
@@ -17458,7 +17351,7 @@
           </p:blipFill>
           <p:spPr>
             <a:xfrm>
-              <a:off x="-2956634" y="4218452"/>
+              <a:off x="4844869" y="7442237"/>
               <a:ext cx="849853" cy="139196"/>
             </a:xfrm>
             <a:prstGeom prst="rect">
@@ -17482,7 +17375,7 @@
           </p:nvCxnSpPr>
           <p:spPr>
             <a:xfrm>
-              <a:off x="2422906" y="4675164"/>
+              <a:off x="10224409" y="7898949"/>
               <a:ext cx="4780353" cy="0"/>
             </a:xfrm>
             <a:prstGeom prst="line">
@@ -17528,7 +17421,7 @@
             </p:nvPr>
           </p:nvPicPr>
           <p:blipFill>
-            <a:blip r:embed="rId25">
+            <a:blip r:embed="rId22">
               <a:extLst>
                 <a:ext uri="{28A0092B-C50C-407E-A947-70E740481C1C}">
                   <a14:useLocalDpi xmlns:a14="http://schemas.microsoft.com/office/drawing/2010/main" val="0"/>
@@ -17541,7 +17434,7 @@
           </p:blipFill>
           <p:spPr>
             <a:xfrm>
-              <a:off x="5888217" y="4462444"/>
+              <a:off x="13689720" y="7686229"/>
               <a:ext cx="1181113" cy="177331"/>
             </a:xfrm>
             <a:prstGeom prst="rect">
@@ -17563,7 +17456,7 @@
           </p:nvGrpSpPr>
           <p:grpSpPr>
             <a:xfrm>
-              <a:off x="3101258" y="4405164"/>
+              <a:off x="10902761" y="7628949"/>
               <a:ext cx="540001" cy="540000"/>
               <a:chOff x="-2898598" y="4433209"/>
               <a:chExt cx="540001" cy="540000"/>
@@ -17584,7 +17477,7 @@
               <p:nvPr/>
             </p:nvPicPr>
             <p:blipFill rotWithShape="1">
-              <a:blip r:embed="rId20">
+              <a:blip r:embed="rId17">
                 <a:extLst>
                   <a:ext uri="{28A0092B-C50C-407E-A947-70E740481C1C}">
                     <a14:useLocalDpi xmlns:a14="http://schemas.microsoft.com/office/drawing/2010/main" val="0"/>
@@ -17671,7 +17564,7 @@
           </p:nvGrpSpPr>
           <p:grpSpPr>
             <a:xfrm>
-              <a:off x="1663346" y="3306914"/>
+              <a:off x="9464849" y="6530699"/>
               <a:ext cx="540001" cy="540000"/>
               <a:chOff x="-2898598" y="4433209"/>
               <a:chExt cx="540001" cy="540000"/>
@@ -17692,7 +17585,7 @@
               <p:nvPr/>
             </p:nvPicPr>
             <p:blipFill rotWithShape="1">
-              <a:blip r:embed="rId20">
+              <a:blip r:embed="rId17">
                 <a:extLst>
                   <a:ext uri="{28A0092B-C50C-407E-A947-70E740481C1C}">
                     <a14:useLocalDpi xmlns:a14="http://schemas.microsoft.com/office/drawing/2010/main" val="0"/>
@@ -17781,7 +17674,7 @@
           </p:nvCxnSpPr>
           <p:spPr>
             <a:xfrm>
-              <a:off x="3377110" y="4196759"/>
+              <a:off x="11178613" y="7420544"/>
               <a:ext cx="654523" cy="0"/>
             </a:xfrm>
             <a:prstGeom prst="straightConnector1">
@@ -17827,7 +17720,7 @@
           </p:nvCxnSpPr>
           <p:spPr>
             <a:xfrm flipV="1">
-              <a:off x="-1456464" y="3576914"/>
+              <a:off x="6345039" y="6800699"/>
               <a:ext cx="3119810" cy="837181"/>
             </a:xfrm>
             <a:prstGeom prst="straightConnector1">
@@ -17872,7 +17765,7 @@
           </p:nvCxnSpPr>
           <p:spPr>
             <a:xfrm>
-              <a:off x="2203346" y="3576914"/>
+              <a:off x="10004849" y="6800699"/>
               <a:ext cx="897912" cy="828250"/>
             </a:xfrm>
             <a:prstGeom prst="straightConnector1">
@@ -17916,7 +17809,7 @@
           </p:nvCxnSpPr>
           <p:spPr>
             <a:xfrm>
-              <a:off x="-1710255" y="3032961"/>
+              <a:off x="6091248" y="6256746"/>
               <a:ext cx="0" cy="3567098"/>
             </a:xfrm>
             <a:prstGeom prst="line">
@@ -17960,7 +17853,7 @@
           </p:nvCxnSpPr>
           <p:spPr>
             <a:xfrm flipH="1">
-              <a:off x="-19584" y="5167035"/>
+              <a:off x="7781919" y="8390820"/>
               <a:ext cx="2084" cy="680083"/>
             </a:xfrm>
             <a:prstGeom prst="line">
@@ -18004,7 +17897,7 @@
           </p:nvCxnSpPr>
           <p:spPr>
             <a:xfrm>
-              <a:off x="4031633" y="3014794"/>
+              <a:off x="11833136" y="6238579"/>
               <a:ext cx="0" cy="3567098"/>
             </a:xfrm>
             <a:prstGeom prst="line">
@@ -18051,7 +17944,7 @@
             </p:nvPr>
           </p:nvPicPr>
           <p:blipFill>
-            <a:blip r:embed="rId27">
+            <a:blip r:embed="rId24">
               <a:extLst>
                 <a:ext uri="{28A0092B-C50C-407E-A947-70E740481C1C}">
                   <a14:useLocalDpi xmlns:a14="http://schemas.microsoft.com/office/drawing/2010/main" val="0"/>
@@ -18064,7 +17957,7 @@
           </p:blipFill>
           <p:spPr>
             <a:xfrm>
-              <a:off x="3117750" y="3729207"/>
+              <a:off x="10919253" y="6952992"/>
               <a:ext cx="691338" cy="142004"/>
             </a:xfrm>
             <a:prstGeom prst="rect">
@@ -18091,7 +17984,7 @@
             </p:nvPr>
           </p:nvPicPr>
           <p:blipFill>
-            <a:blip r:embed="rId28">
+            <a:blip r:embed="rId25">
               <a:extLst>
                 <a:ext uri="{28A0092B-C50C-407E-A947-70E740481C1C}">
                   <a14:useLocalDpi xmlns:a14="http://schemas.microsoft.com/office/drawing/2010/main" val="0"/>
@@ -18104,7 +17997,7 @@
           </p:blipFill>
           <p:spPr>
             <a:xfrm>
-              <a:off x="3004985" y="3932894"/>
+              <a:off x="10806488" y="7156679"/>
               <a:ext cx="916868" cy="177483"/>
             </a:xfrm>
             <a:prstGeom prst="rect">
@@ -18131,7 +18024,7 @@
             </p:nvPr>
           </p:nvPicPr>
           <p:blipFill>
-            <a:blip r:embed="rId29">
+            <a:blip r:embed="rId26">
               <a:extLst>
                 <a:ext uri="{28A0092B-C50C-407E-A947-70E740481C1C}">
                   <a14:useLocalDpi xmlns:a14="http://schemas.microsoft.com/office/drawing/2010/main" val="0"/>
@@ -18144,7 +18037,7 @@
           </p:blipFill>
           <p:spPr>
             <a:xfrm>
-              <a:off x="-3286493" y="2507305"/>
+              <a:off x="4515010" y="5731090"/>
               <a:ext cx="4723821" cy="397150"/>
             </a:xfrm>
             <a:prstGeom prst="rect">
@@ -18171,7 +18064,7 @@
             </p:nvPr>
           </p:nvPicPr>
           <p:blipFill>
-            <a:blip r:embed="rId30">
+            <a:blip r:embed="rId27">
               <a:extLst>
                 <a:ext uri="{28A0092B-C50C-407E-A947-70E740481C1C}">
                   <a14:useLocalDpi xmlns:a14="http://schemas.microsoft.com/office/drawing/2010/main" val="0"/>
@@ -18184,7 +18077,7 @@
           </p:blipFill>
           <p:spPr>
             <a:xfrm>
-              <a:off x="2306884" y="2509137"/>
+              <a:off x="10108387" y="5732922"/>
               <a:ext cx="5012395" cy="396215"/>
             </a:xfrm>
             <a:prstGeom prst="rect">
@@ -18207,7 +18100,7 @@
             <p:nvPr/>
           </p:nvPicPr>
           <p:blipFill>
-            <a:blip r:embed="rId13">
+            <a:blip r:embed="rId28">
               <a:extLst>
                 <a:ext uri="{28A0092B-C50C-407E-A947-70E740481C1C}">
                   <a14:useLocalDpi xmlns:a14="http://schemas.microsoft.com/office/drawing/2010/main" val="0"/>
@@ -18220,7 +18113,7 @@
           </p:blipFill>
           <p:spPr>
             <a:xfrm>
-              <a:off x="7962819" y="3014794"/>
+              <a:off x="15764322" y="6238579"/>
               <a:ext cx="4780354" cy="3585266"/>
             </a:xfrm>
             <a:prstGeom prst="rect">
@@ -18247,7 +18140,7 @@
             </p:nvPr>
           </p:nvPicPr>
           <p:blipFill>
-            <a:blip r:embed="rId31">
+            <a:blip r:embed="rId29">
               <a:extLst>
                 <a:ext uri="{28A0092B-C50C-407E-A947-70E740481C1C}">
                   <a14:useLocalDpi xmlns:a14="http://schemas.microsoft.com/office/drawing/2010/main" val="0"/>
@@ -18260,7 +18153,7 @@
           </p:blipFill>
           <p:spPr>
             <a:xfrm>
-              <a:off x="8543725" y="2502938"/>
+              <a:off x="16345228" y="5726723"/>
               <a:ext cx="3618542" cy="401517"/>
             </a:xfrm>
             <a:prstGeom prst="rect">
@@ -18284,7 +18177,7 @@
           </p:nvCxnSpPr>
           <p:spPr>
             <a:xfrm>
-              <a:off x="7327704" y="4798343"/>
+              <a:off x="15129207" y="8022128"/>
               <a:ext cx="518155" cy="0"/>
             </a:xfrm>
             <a:prstGeom prst="straightConnector1">
@@ -18313,10 +18206,1106 @@
           </p:style>
         </p:cxnSp>
       </p:grpSp>
+      <p:sp>
+        <p:nvSpPr>
+          <p:cNvPr id="54" name="Textfeld 53">
+            <a:extLst>
+              <a:ext uri="{FF2B5EF4-FFF2-40B4-BE49-F238E27FC236}">
+                <a16:creationId xmlns:a16="http://schemas.microsoft.com/office/drawing/2014/main" id="{0704B84E-5C08-48B2-8B00-AFA36AC95799}"/>
+              </a:ext>
+            </a:extLst>
+          </p:cNvPr>
+          <p:cNvSpPr txBox="1"/>
+          <p:nvPr/>
+        </p:nvSpPr>
+        <p:spPr>
+          <a:xfrm>
+            <a:off x="76199" y="66675"/>
+            <a:ext cx="2088017" cy="369332"/>
+          </a:xfrm>
+          <a:prstGeom prst="rect">
+            <a:avLst/>
+          </a:prstGeom>
+          <a:noFill/>
+        </p:spPr>
+        <p:txBody>
+          <a:bodyPr wrap="square" rtlCol="0">
+            <a:spAutoFit/>
+          </a:bodyPr>
+          <a:lstStyle/>
+          <a:p>
+            <a:r>
+              <a:rPr lang="de-DE" dirty="0"/>
+              <a:t>Image Processing</a:t>
+            </a:r>
+            <a:endParaRPr lang="en-GB" dirty="0"/>
+          </a:p>
+        </p:txBody>
+      </p:sp>
     </p:spTree>
     <p:extLst>
       <p:ext uri="{BB962C8B-B14F-4D97-AF65-F5344CB8AC3E}">
         <p14:creationId xmlns:p14="http://schemas.microsoft.com/office/powerpoint/2010/main" val="2517532268"/>
+      </p:ext>
+    </p:extLst>
+  </p:cSld>
+  <p:clrMapOvr>
+    <a:masterClrMapping/>
+  </p:clrMapOvr>
+</p:sld>
+</file>
+
+<file path=ppt/slides/slide9.xml><?xml version="1.0" encoding="utf-8"?>
+<p:sld xmlns:a="http://schemas.openxmlformats.org/drawingml/2006/main" xmlns:r="http://schemas.openxmlformats.org/officeDocument/2006/relationships" xmlns:p="http://schemas.openxmlformats.org/presentationml/2006/main">
+  <p:cSld>
+    <p:spTree>
+      <p:nvGrpSpPr>
+        <p:cNvPr id="1" name=""/>
+        <p:cNvGrpSpPr/>
+        <p:nvPr/>
+      </p:nvGrpSpPr>
+      <p:grpSpPr>
+        <a:xfrm>
+          <a:off x="0" y="0"/>
+          <a:ext cx="0" cy="0"/>
+          <a:chOff x="0" y="0"/>
+          <a:chExt cx="0" cy="0"/>
+        </a:xfrm>
+      </p:grpSpPr>
+      <p:grpSp>
+        <p:nvGrpSpPr>
+          <p:cNvPr id="120" name="Gruppieren 119">
+            <a:extLst>
+              <a:ext uri="{FF2B5EF4-FFF2-40B4-BE49-F238E27FC236}">
+                <a16:creationId xmlns:a16="http://schemas.microsoft.com/office/drawing/2014/main" id="{411EAEC3-179B-4316-B156-9509BA60517D}"/>
+              </a:ext>
+            </a:extLst>
+          </p:cNvPr>
+          <p:cNvGrpSpPr/>
+          <p:nvPr/>
+        </p:nvGrpSpPr>
+        <p:grpSpPr>
+          <a:xfrm>
+            <a:off x="3517204" y="-5955900"/>
+            <a:ext cx="16366553" cy="8489223"/>
+            <a:chOff x="2436159" y="-6093679"/>
+            <a:chExt cx="16366553" cy="8489223"/>
+          </a:xfrm>
+        </p:grpSpPr>
+        <p:pic>
+          <p:nvPicPr>
+            <p:cNvPr id="121" name="Grafik 120" descr="Ein Bild, das Foto, sitzend enthält.&#10;&#10;Automatisch generierte Beschreibung">
+              <a:extLst>
+                <a:ext uri="{FF2B5EF4-FFF2-40B4-BE49-F238E27FC236}">
+                  <a16:creationId xmlns:a16="http://schemas.microsoft.com/office/drawing/2014/main" id="{BFAA6469-132D-422B-94B0-78EB0694F2DA}"/>
+                </a:ext>
+              </a:extLst>
+            </p:cNvPr>
+            <p:cNvPicPr>
+              <a:picLocks noChangeAspect="1"/>
+            </p:cNvPicPr>
+            <p:nvPr/>
+          </p:nvPicPr>
+          <p:blipFill>
+            <a:blip r:embed="rId12">
+              <a:extLst>
+                <a:ext uri="{28A0092B-C50C-407E-A947-70E740481C1C}">
+                  <a14:useLocalDpi xmlns:a14="http://schemas.microsoft.com/office/drawing/2010/main" val="0"/>
+                </a:ext>
+              </a:extLst>
+            </a:blip>
+            <a:stretch>
+              <a:fillRect/>
+            </a:stretch>
+          </p:blipFill>
+          <p:spPr>
+            <a:xfrm>
+              <a:off x="2583063" y="-5550367"/>
+              <a:ext cx="4694382" cy="3520787"/>
+            </a:xfrm>
+            <a:prstGeom prst="rect">
+              <a:avLst/>
+            </a:prstGeom>
+          </p:spPr>
+        </p:pic>
+        <p:pic>
+          <p:nvPicPr>
+            <p:cNvPr id="122" name="Grafik 121">
+              <a:extLst>
+                <a:ext uri="{FF2B5EF4-FFF2-40B4-BE49-F238E27FC236}">
+                  <a16:creationId xmlns:a16="http://schemas.microsoft.com/office/drawing/2014/main" id="{F68B2712-1D5F-42AC-87D9-82D83AA8D05E}"/>
+                </a:ext>
+              </a:extLst>
+            </p:cNvPr>
+            <p:cNvPicPr>
+              <a:picLocks noChangeAspect="1"/>
+            </p:cNvPicPr>
+            <p:nvPr>
+              <p:custDataLst>
+                <p:tags r:id="rId7"/>
+              </p:custDataLst>
+            </p:nvPr>
+          </p:nvPicPr>
+          <p:blipFill>
+            <a:blip r:embed="rId13">
+              <a:extLst>
+                <a:ext uri="{28A0092B-C50C-407E-A947-70E740481C1C}">
+                  <a14:useLocalDpi xmlns:a14="http://schemas.microsoft.com/office/drawing/2010/main" val="0"/>
+                </a:ext>
+              </a:extLst>
+            </a:blip>
+            <a:stretch>
+              <a:fillRect/>
+            </a:stretch>
+          </p:blipFill>
+          <p:spPr>
+            <a:xfrm>
+              <a:off x="3258780" y="-6093679"/>
+              <a:ext cx="3342948" cy="395824"/>
+            </a:xfrm>
+            <a:prstGeom prst="rect">
+              <a:avLst/>
+            </a:prstGeom>
+          </p:spPr>
+        </p:pic>
+        <p:pic>
+          <p:nvPicPr>
+            <p:cNvPr id="123" name="Grafik 122">
+              <a:extLst>
+                <a:ext uri="{FF2B5EF4-FFF2-40B4-BE49-F238E27FC236}">
+                  <a16:creationId xmlns:a16="http://schemas.microsoft.com/office/drawing/2014/main" id="{C8A764E2-3118-4B6D-BAF9-8B4D13F2E30A}"/>
+                </a:ext>
+              </a:extLst>
+            </p:cNvPr>
+            <p:cNvPicPr>
+              <a:picLocks noChangeAspect="1"/>
+            </p:cNvPicPr>
+            <p:nvPr/>
+          </p:nvPicPr>
+          <p:blipFill>
+            <a:blip r:embed="rId14">
+              <a:extLst>
+                <a:ext uri="{28A0092B-C50C-407E-A947-70E740481C1C}">
+                  <a14:useLocalDpi xmlns:a14="http://schemas.microsoft.com/office/drawing/2010/main" val="0"/>
+                </a:ext>
+              </a:extLst>
+            </a:blip>
+            <a:stretch>
+              <a:fillRect/>
+            </a:stretch>
+          </p:blipFill>
+          <p:spPr>
+            <a:xfrm>
+              <a:off x="2583063" y="-1125243"/>
+              <a:ext cx="4694382" cy="3520787"/>
+            </a:xfrm>
+            <a:prstGeom prst="rect">
+              <a:avLst/>
+            </a:prstGeom>
+          </p:spPr>
+        </p:pic>
+        <p:pic>
+          <p:nvPicPr>
+            <p:cNvPr id="124" name="Grafik 123">
+              <a:extLst>
+                <a:ext uri="{FF2B5EF4-FFF2-40B4-BE49-F238E27FC236}">
+                  <a16:creationId xmlns:a16="http://schemas.microsoft.com/office/drawing/2014/main" id="{B2E89C81-847F-44C1-A6CC-E373029D447C}"/>
+                </a:ext>
+              </a:extLst>
+            </p:cNvPr>
+            <p:cNvPicPr>
+              <a:picLocks noChangeAspect="1"/>
+            </p:cNvPicPr>
+            <p:nvPr>
+              <p:custDataLst>
+                <p:tags r:id="rId8"/>
+              </p:custDataLst>
+            </p:nvPr>
+          </p:nvPicPr>
+          <p:blipFill>
+            <a:blip r:embed="rId15">
+              <a:extLst>
+                <a:ext uri="{28A0092B-C50C-407E-A947-70E740481C1C}">
+                  <a14:useLocalDpi xmlns:a14="http://schemas.microsoft.com/office/drawing/2010/main" val="0"/>
+                </a:ext>
+              </a:extLst>
+            </a:blip>
+            <a:stretch>
+              <a:fillRect/>
+            </a:stretch>
+          </p:blipFill>
+          <p:spPr>
+            <a:xfrm>
+              <a:off x="2436159" y="-1672008"/>
+              <a:ext cx="4988189" cy="399277"/>
+            </a:xfrm>
+            <a:prstGeom prst="rect">
+              <a:avLst/>
+            </a:prstGeom>
+          </p:spPr>
+        </p:pic>
+        <p:pic>
+          <p:nvPicPr>
+            <p:cNvPr id="125" name="Grafik 124" descr="Ein Bild, das drinnen enthält.&#10;&#10;Automatisch generierte Beschreibung">
+              <a:extLst>
+                <a:ext uri="{FF2B5EF4-FFF2-40B4-BE49-F238E27FC236}">
+                  <a16:creationId xmlns:a16="http://schemas.microsoft.com/office/drawing/2014/main" id="{51236EB7-9D30-403E-B191-5CF0895E7F79}"/>
+                </a:ext>
+              </a:extLst>
+            </p:cNvPr>
+            <p:cNvPicPr>
+              <a:picLocks noChangeAspect="1"/>
+            </p:cNvPicPr>
+            <p:nvPr/>
+          </p:nvPicPr>
+          <p:blipFill>
+            <a:blip r:embed="rId16">
+              <a:extLst>
+                <a:ext uri="{28A0092B-C50C-407E-A947-70E740481C1C}">
+                  <a14:useLocalDpi xmlns:a14="http://schemas.microsoft.com/office/drawing/2010/main" val="0"/>
+                </a:ext>
+              </a:extLst>
+            </a:blip>
+            <a:stretch>
+              <a:fillRect/>
+            </a:stretch>
+          </p:blipFill>
+          <p:spPr>
+            <a:xfrm>
+              <a:off x="8346658" y="-3160912"/>
+              <a:ext cx="4694382" cy="3520787"/>
+            </a:xfrm>
+            <a:prstGeom prst="rect">
+              <a:avLst/>
+            </a:prstGeom>
+          </p:spPr>
+        </p:pic>
+        <p:pic>
+          <p:nvPicPr>
+            <p:cNvPr id="126" name="Grafik 125">
+              <a:extLst>
+                <a:ext uri="{FF2B5EF4-FFF2-40B4-BE49-F238E27FC236}">
+                  <a16:creationId xmlns:a16="http://schemas.microsoft.com/office/drawing/2014/main" id="{A0859278-9E8B-425D-9A71-C1FA804E178A}"/>
+                </a:ext>
+              </a:extLst>
+            </p:cNvPr>
+            <p:cNvPicPr>
+              <a:picLocks noChangeAspect="1"/>
+            </p:cNvPicPr>
+            <p:nvPr>
+              <p:custDataLst>
+                <p:tags r:id="rId9"/>
+              </p:custDataLst>
+            </p:nvPr>
+          </p:nvPicPr>
+          <p:blipFill>
+            <a:blip r:embed="rId17">
+              <a:extLst>
+                <a:ext uri="{28A0092B-C50C-407E-A947-70E740481C1C}">
+                  <a14:useLocalDpi xmlns:a14="http://schemas.microsoft.com/office/drawing/2010/main" val="0"/>
+                </a:ext>
+              </a:extLst>
+            </a:blip>
+            <a:stretch>
+              <a:fillRect/>
+            </a:stretch>
+          </p:blipFill>
+          <p:spPr>
+            <a:xfrm>
+              <a:off x="8966373" y="-3703892"/>
+              <a:ext cx="3453029" cy="395492"/>
+            </a:xfrm>
+            <a:prstGeom prst="rect">
+              <a:avLst/>
+            </a:prstGeom>
+          </p:spPr>
+        </p:pic>
+        <p:pic>
+          <p:nvPicPr>
+            <p:cNvPr id="127" name="Grafik 126" descr="Ein Bild, das Kleiderbügel, Himmel enthält.&#10;&#10;Automatisch generierte Beschreibung">
+              <a:extLst>
+                <a:ext uri="{FF2B5EF4-FFF2-40B4-BE49-F238E27FC236}">
+                  <a16:creationId xmlns:a16="http://schemas.microsoft.com/office/drawing/2014/main" id="{10376E0D-BB0B-4C29-B9E5-3C72166DE2D9}"/>
+                </a:ext>
+              </a:extLst>
+            </p:cNvPr>
+            <p:cNvPicPr>
+              <a:picLocks noChangeAspect="1"/>
+            </p:cNvPicPr>
+            <p:nvPr/>
+          </p:nvPicPr>
+          <p:blipFill>
+            <a:blip r:embed="rId18">
+              <a:extLst>
+                <a:ext uri="{28A0092B-C50C-407E-A947-70E740481C1C}">
+                  <a14:useLocalDpi xmlns:a14="http://schemas.microsoft.com/office/drawing/2010/main" val="0"/>
+                </a:ext>
+              </a:extLst>
+            </a:blip>
+            <a:stretch>
+              <a:fillRect/>
+            </a:stretch>
+          </p:blipFill>
+          <p:spPr>
+            <a:xfrm>
+              <a:off x="14108330" y="-3160912"/>
+              <a:ext cx="4694382" cy="3520787"/>
+            </a:xfrm>
+            <a:prstGeom prst="rect">
+              <a:avLst/>
+            </a:prstGeom>
+          </p:spPr>
+        </p:pic>
+        <p:pic>
+          <p:nvPicPr>
+            <p:cNvPr id="128" name="Grafik 127">
+              <a:extLst>
+                <a:ext uri="{FF2B5EF4-FFF2-40B4-BE49-F238E27FC236}">
+                  <a16:creationId xmlns:a16="http://schemas.microsoft.com/office/drawing/2014/main" id="{A871006F-A884-4DAB-A357-88F07FE70958}"/>
+                </a:ext>
+              </a:extLst>
+            </p:cNvPr>
+            <p:cNvPicPr>
+              <a:picLocks noChangeAspect="1"/>
+            </p:cNvPicPr>
+            <p:nvPr>
+              <p:custDataLst>
+                <p:tags r:id="rId10"/>
+              </p:custDataLst>
+            </p:nvPr>
+          </p:nvPicPr>
+          <p:blipFill>
+            <a:blip r:embed="rId19">
+              <a:extLst>
+                <a:ext uri="{28A0092B-C50C-407E-A947-70E740481C1C}">
+                  <a14:useLocalDpi xmlns:a14="http://schemas.microsoft.com/office/drawing/2010/main" val="0"/>
+                </a:ext>
+              </a:extLst>
+            </a:blip>
+            <a:stretch>
+              <a:fillRect/>
+            </a:stretch>
+          </p:blipFill>
+          <p:spPr>
+            <a:xfrm>
+              <a:off x="14515332" y="-3715220"/>
+              <a:ext cx="3880378" cy="406820"/>
+            </a:xfrm>
+            <a:prstGeom prst="rect">
+              <a:avLst/>
+            </a:prstGeom>
+          </p:spPr>
+        </p:pic>
+        <p:cxnSp>
+          <p:nvCxnSpPr>
+            <p:cNvPr id="129" name="Gerade Verbindung mit Pfeil 128">
+              <a:extLst>
+                <a:ext uri="{FF2B5EF4-FFF2-40B4-BE49-F238E27FC236}">
+                  <a16:creationId xmlns:a16="http://schemas.microsoft.com/office/drawing/2014/main" id="{96FDF556-1AD5-4D02-9865-B8B78699655D}"/>
+                </a:ext>
+              </a:extLst>
+            </p:cNvPr>
+            <p:cNvCxnSpPr>
+              <a:cxnSpLocks/>
+            </p:cNvCxnSpPr>
+            <p:nvPr/>
+          </p:nvCxnSpPr>
+          <p:spPr>
+            <a:xfrm>
+              <a:off x="7424348" y="-3715220"/>
+              <a:ext cx="774772" cy="2160740"/>
+            </a:xfrm>
+            <a:prstGeom prst="straightConnector1">
+              <a:avLst/>
+            </a:prstGeom>
+            <a:ln w="25400">
+              <a:solidFill>
+                <a:schemeClr val="tx1"/>
+              </a:solidFill>
+              <a:tailEnd type="triangle"/>
+            </a:ln>
+          </p:spPr>
+          <p:style>
+            <a:lnRef idx="1">
+              <a:schemeClr val="accent1"/>
+            </a:lnRef>
+            <a:fillRef idx="0">
+              <a:schemeClr val="accent1"/>
+            </a:fillRef>
+            <a:effectRef idx="0">
+              <a:schemeClr val="accent1"/>
+            </a:effectRef>
+            <a:fontRef idx="minor">
+              <a:schemeClr val="tx1"/>
+            </a:fontRef>
+          </p:style>
+        </p:cxnSp>
+        <p:cxnSp>
+          <p:nvCxnSpPr>
+            <p:cNvPr id="130" name="Gerade Verbindung mit Pfeil 129">
+              <a:extLst>
+                <a:ext uri="{FF2B5EF4-FFF2-40B4-BE49-F238E27FC236}">
+                  <a16:creationId xmlns:a16="http://schemas.microsoft.com/office/drawing/2014/main" id="{F6D6D548-9E90-425D-8BFF-79FC94192DC1}"/>
+                </a:ext>
+              </a:extLst>
+            </p:cNvPr>
+            <p:cNvCxnSpPr>
+              <a:cxnSpLocks/>
+            </p:cNvCxnSpPr>
+            <p:nvPr/>
+          </p:nvCxnSpPr>
+          <p:spPr>
+            <a:xfrm flipV="1">
+              <a:off x="7424348" y="-1272731"/>
+              <a:ext cx="774772" cy="1882331"/>
+            </a:xfrm>
+            <a:prstGeom prst="straightConnector1">
+              <a:avLst/>
+            </a:prstGeom>
+            <a:ln w="25400">
+              <a:solidFill>
+                <a:schemeClr val="tx1"/>
+              </a:solidFill>
+              <a:tailEnd type="triangle"/>
+            </a:ln>
+          </p:spPr>
+          <p:style>
+            <a:lnRef idx="1">
+              <a:schemeClr val="accent1"/>
+            </a:lnRef>
+            <a:fillRef idx="0">
+              <a:schemeClr val="accent1"/>
+            </a:fillRef>
+            <a:effectRef idx="0">
+              <a:schemeClr val="accent1"/>
+            </a:effectRef>
+            <a:fontRef idx="minor">
+              <a:schemeClr val="tx1"/>
+            </a:fontRef>
+          </p:style>
+        </p:cxnSp>
+        <p:cxnSp>
+          <p:nvCxnSpPr>
+            <p:cNvPr id="131" name="Gerade Verbindung mit Pfeil 130">
+              <a:extLst>
+                <a:ext uri="{FF2B5EF4-FFF2-40B4-BE49-F238E27FC236}">
+                  <a16:creationId xmlns:a16="http://schemas.microsoft.com/office/drawing/2014/main" id="{E21A81D7-881D-4D1E-8FE4-4EB249D30E6B}"/>
+                </a:ext>
+              </a:extLst>
+            </p:cNvPr>
+            <p:cNvCxnSpPr>
+              <a:cxnSpLocks/>
+            </p:cNvCxnSpPr>
+            <p:nvPr/>
+          </p:nvCxnSpPr>
+          <p:spPr>
+            <a:xfrm>
+              <a:off x="13289280" y="-1385278"/>
+              <a:ext cx="563880" cy="0"/>
+            </a:xfrm>
+            <a:prstGeom prst="straightConnector1">
+              <a:avLst/>
+            </a:prstGeom>
+            <a:ln w="25400">
+              <a:solidFill>
+                <a:schemeClr val="tx1"/>
+              </a:solidFill>
+              <a:tailEnd type="triangle"/>
+            </a:ln>
+          </p:spPr>
+          <p:style>
+            <a:lnRef idx="1">
+              <a:schemeClr val="accent1"/>
+            </a:lnRef>
+            <a:fillRef idx="0">
+              <a:schemeClr val="accent1"/>
+            </a:fillRef>
+            <a:effectRef idx="0">
+              <a:schemeClr val="accent1"/>
+            </a:effectRef>
+            <a:fontRef idx="minor">
+              <a:schemeClr val="tx1"/>
+            </a:fontRef>
+          </p:style>
+        </p:cxnSp>
+      </p:grpSp>
+      <p:grpSp>
+        <p:nvGrpSpPr>
+          <p:cNvPr id="142" name="Gruppieren 141">
+            <a:extLst>
+              <a:ext uri="{FF2B5EF4-FFF2-40B4-BE49-F238E27FC236}">
+                <a16:creationId xmlns:a16="http://schemas.microsoft.com/office/drawing/2014/main" id="{A980C6E5-A4D3-4289-B2B0-2AA8DEB60296}"/>
+              </a:ext>
+            </a:extLst>
+          </p:cNvPr>
+          <p:cNvGrpSpPr/>
+          <p:nvPr/>
+        </p:nvGrpSpPr>
+        <p:grpSpPr>
+          <a:xfrm>
+            <a:off x="3664108" y="3429000"/>
+            <a:ext cx="16220284" cy="8486490"/>
+            <a:chOff x="-30852" y="-8489223"/>
+            <a:chExt cx="16220284" cy="8486490"/>
+          </a:xfrm>
+        </p:grpSpPr>
+        <p:pic>
+          <p:nvPicPr>
+            <p:cNvPr id="21" name="Grafik 20">
+              <a:extLst>
+                <a:ext uri="{FF2B5EF4-FFF2-40B4-BE49-F238E27FC236}">
+                  <a16:creationId xmlns:a16="http://schemas.microsoft.com/office/drawing/2014/main" id="{8EB3E150-0B6A-48A6-A69B-34764010975E}"/>
+                </a:ext>
+              </a:extLst>
+            </p:cNvPr>
+            <p:cNvPicPr>
+              <a:picLocks noChangeAspect="1"/>
+            </p:cNvPicPr>
+            <p:nvPr/>
+          </p:nvPicPr>
+          <p:blipFill>
+            <a:blip r:embed="rId20">
+              <a:extLst>
+                <a:ext uri="{28A0092B-C50C-407E-A947-70E740481C1C}">
+                  <a14:useLocalDpi xmlns:a14="http://schemas.microsoft.com/office/drawing/2010/main" val="0"/>
+                </a:ext>
+              </a:extLst>
+            </a:blip>
+            <a:stretch>
+              <a:fillRect/>
+            </a:stretch>
+          </p:blipFill>
+          <p:spPr>
+            <a:xfrm>
+              <a:off x="-30852" y="-3523520"/>
+              <a:ext cx="4694382" cy="3520787"/>
+            </a:xfrm>
+            <a:prstGeom prst="rect">
+              <a:avLst/>
+            </a:prstGeom>
+          </p:spPr>
+        </p:pic>
+        <p:pic>
+          <p:nvPicPr>
+            <p:cNvPr id="42" name="Grafik 41">
+              <a:extLst>
+                <a:ext uri="{FF2B5EF4-FFF2-40B4-BE49-F238E27FC236}">
+                  <a16:creationId xmlns:a16="http://schemas.microsoft.com/office/drawing/2014/main" id="{F850B679-DDE0-4E9F-8BC2-7AC042F563A3}"/>
+                </a:ext>
+              </a:extLst>
+            </p:cNvPr>
+            <p:cNvPicPr>
+              <a:picLocks noChangeAspect="1"/>
+            </p:cNvPicPr>
+            <p:nvPr>
+              <p:custDataLst>
+                <p:tags r:id="rId1"/>
+              </p:custDataLst>
+            </p:nvPr>
+          </p:nvPicPr>
+          <p:blipFill>
+            <a:blip r:embed="rId21">
+              <a:extLst>
+                <a:ext uri="{28A0092B-C50C-407E-A947-70E740481C1C}">
+                  <a14:useLocalDpi xmlns:a14="http://schemas.microsoft.com/office/drawing/2010/main" val="0"/>
+                </a:ext>
+              </a:extLst>
+            </a:blip>
+            <a:stretch>
+              <a:fillRect/>
+            </a:stretch>
+          </p:blipFill>
+          <p:spPr>
+            <a:xfrm>
+              <a:off x="187775" y="-4066239"/>
+              <a:ext cx="4258397" cy="396650"/>
+            </a:xfrm>
+            <a:prstGeom prst="rect">
+              <a:avLst/>
+            </a:prstGeom>
+          </p:spPr>
+        </p:pic>
+        <p:pic>
+          <p:nvPicPr>
+            <p:cNvPr id="23" name="Grafik 22" descr="Ein Bild, das Foto, Boden, sitzend enthält.&#10;&#10;Automatisch generierte Beschreibung">
+              <a:extLst>
+                <a:ext uri="{FF2B5EF4-FFF2-40B4-BE49-F238E27FC236}">
+                  <a16:creationId xmlns:a16="http://schemas.microsoft.com/office/drawing/2014/main" id="{37468B04-27AE-400B-BF18-D78C5358A8F3}"/>
+                </a:ext>
+              </a:extLst>
+            </p:cNvPr>
+            <p:cNvPicPr>
+              <a:picLocks noChangeAspect="1"/>
+            </p:cNvPicPr>
+            <p:nvPr/>
+          </p:nvPicPr>
+          <p:blipFill>
+            <a:blip r:embed="rId22">
+              <a:extLst>
+                <a:ext uri="{28A0092B-C50C-407E-A947-70E740481C1C}">
+                  <a14:useLocalDpi xmlns:a14="http://schemas.microsoft.com/office/drawing/2010/main" val="0"/>
+                </a:ext>
+              </a:extLst>
+            </a:blip>
+            <a:stretch>
+              <a:fillRect/>
+            </a:stretch>
+          </p:blipFill>
+          <p:spPr>
+            <a:xfrm>
+              <a:off x="-30217" y="-7945911"/>
+              <a:ext cx="4694382" cy="3520787"/>
+            </a:xfrm>
+            <a:prstGeom prst="rect">
+              <a:avLst/>
+            </a:prstGeom>
+          </p:spPr>
+        </p:pic>
+        <p:pic>
+          <p:nvPicPr>
+            <p:cNvPr id="53" name="Grafik 52">
+              <a:extLst>
+                <a:ext uri="{FF2B5EF4-FFF2-40B4-BE49-F238E27FC236}">
+                  <a16:creationId xmlns:a16="http://schemas.microsoft.com/office/drawing/2014/main" id="{8DE3655C-6658-4BDC-89DF-D693C80B4E9B}"/>
+                </a:ext>
+              </a:extLst>
+            </p:cNvPr>
+            <p:cNvPicPr>
+              <a:picLocks noChangeAspect="1"/>
+            </p:cNvPicPr>
+            <p:nvPr>
+              <p:custDataLst>
+                <p:tags r:id="rId2"/>
+              </p:custDataLst>
+            </p:nvPr>
+          </p:nvPicPr>
+          <p:blipFill>
+            <a:blip r:embed="rId23">
+              <a:extLst>
+                <a:ext uri="{28A0092B-C50C-407E-A947-70E740481C1C}">
+                  <a14:useLocalDpi xmlns:a14="http://schemas.microsoft.com/office/drawing/2010/main" val="0"/>
+                </a:ext>
+              </a:extLst>
+            </a:blip>
+            <a:stretch>
+              <a:fillRect/>
+            </a:stretch>
+          </p:blipFill>
+          <p:spPr>
+            <a:xfrm>
+              <a:off x="978127" y="-8489223"/>
+              <a:ext cx="2677692" cy="388627"/>
+            </a:xfrm>
+            <a:prstGeom prst="rect">
+              <a:avLst/>
+            </a:prstGeom>
+          </p:spPr>
+        </p:pic>
+        <p:pic>
+          <p:nvPicPr>
+            <p:cNvPr id="18" name="Grafik 17" descr="Ein Bild, das Wand, Himmel, Foto enthält.&#10;&#10;Automatisch generierte Beschreibung">
+              <a:extLst>
+                <a:ext uri="{FF2B5EF4-FFF2-40B4-BE49-F238E27FC236}">
+                  <a16:creationId xmlns:a16="http://schemas.microsoft.com/office/drawing/2014/main" id="{3A1B9297-97C7-4DE6-9A86-7FBBC6765794}"/>
+                </a:ext>
+              </a:extLst>
+            </p:cNvPr>
+            <p:cNvPicPr>
+              <a:picLocks noChangeAspect="1"/>
+            </p:cNvPicPr>
+            <p:nvPr/>
+          </p:nvPicPr>
+          <p:blipFill>
+            <a:blip r:embed="rId24">
+              <a:extLst>
+                <a:ext uri="{28A0092B-C50C-407E-A947-70E740481C1C}">
+                  <a14:useLocalDpi xmlns:a14="http://schemas.microsoft.com/office/drawing/2010/main" val="0"/>
+                </a:ext>
+              </a:extLst>
+            </a:blip>
+            <a:stretch>
+              <a:fillRect/>
+            </a:stretch>
+          </p:blipFill>
+          <p:spPr>
+            <a:xfrm>
+              <a:off x="11495050" y="-5556458"/>
+              <a:ext cx="4694382" cy="3520787"/>
+            </a:xfrm>
+            <a:prstGeom prst="rect">
+              <a:avLst/>
+            </a:prstGeom>
+          </p:spPr>
+        </p:pic>
+        <p:pic>
+          <p:nvPicPr>
+            <p:cNvPr id="139" name="Grafik 138">
+              <a:extLst>
+                <a:ext uri="{FF2B5EF4-FFF2-40B4-BE49-F238E27FC236}">
+                  <a16:creationId xmlns:a16="http://schemas.microsoft.com/office/drawing/2014/main" id="{132D4FAD-D812-4308-A3FE-D28F5B3FE275}"/>
+                </a:ext>
+              </a:extLst>
+            </p:cNvPr>
+            <p:cNvPicPr>
+              <a:picLocks noChangeAspect="1"/>
+            </p:cNvPicPr>
+            <p:nvPr>
+              <p:custDataLst>
+                <p:tags r:id="rId3"/>
+              </p:custDataLst>
+            </p:nvPr>
+          </p:nvPicPr>
+          <p:blipFill>
+            <a:blip r:embed="rId25">
+              <a:extLst>
+                <a:ext uri="{28A0092B-C50C-407E-A947-70E740481C1C}">
+                  <a14:useLocalDpi xmlns:a14="http://schemas.microsoft.com/office/drawing/2010/main" val="0"/>
+                </a:ext>
+              </a:extLst>
+            </a:blip>
+            <a:stretch>
+              <a:fillRect/>
+            </a:stretch>
+          </p:blipFill>
+          <p:spPr>
+            <a:xfrm>
+              <a:off x="11901779" y="-6641421"/>
+              <a:ext cx="3880923" cy="400035"/>
+            </a:xfrm>
+            <a:prstGeom prst="rect">
+              <a:avLst/>
+            </a:prstGeom>
+          </p:spPr>
+        </p:pic>
+        <p:pic>
+          <p:nvPicPr>
+            <p:cNvPr id="16" name="Grafik 15" descr="Ein Bild, das drinnen, Boden, sitzend, Gebäude enthält.&#10;&#10;Automatisch generierte Beschreibung">
+              <a:extLst>
+                <a:ext uri="{FF2B5EF4-FFF2-40B4-BE49-F238E27FC236}">
+                  <a16:creationId xmlns:a16="http://schemas.microsoft.com/office/drawing/2014/main" id="{ED0951AA-E348-4FA2-A8BF-CC0F58553E43}"/>
+                </a:ext>
+              </a:extLst>
+            </p:cNvPr>
+            <p:cNvPicPr>
+              <a:picLocks noChangeAspect="1"/>
+            </p:cNvPicPr>
+            <p:nvPr/>
+          </p:nvPicPr>
+          <p:blipFill>
+            <a:blip r:embed="rId26">
+              <a:extLst>
+                <a:ext uri="{28A0092B-C50C-407E-A947-70E740481C1C}">
+                  <a14:useLocalDpi xmlns:a14="http://schemas.microsoft.com/office/drawing/2010/main" val="0"/>
+                </a:ext>
+              </a:extLst>
+            </a:blip>
+            <a:stretch>
+              <a:fillRect/>
+            </a:stretch>
+          </p:blipFill>
+          <p:spPr>
+            <a:xfrm>
+              <a:off x="5732416" y="-5556457"/>
+              <a:ext cx="4694382" cy="3520787"/>
+            </a:xfrm>
+            <a:prstGeom prst="rect">
+              <a:avLst/>
+            </a:prstGeom>
+          </p:spPr>
+        </p:pic>
+        <p:pic>
+          <p:nvPicPr>
+            <p:cNvPr id="134" name="Grafik 133">
+              <a:extLst>
+                <a:ext uri="{FF2B5EF4-FFF2-40B4-BE49-F238E27FC236}">
+                  <a16:creationId xmlns:a16="http://schemas.microsoft.com/office/drawing/2014/main" id="{9BFD7F91-4129-430E-989A-594EB44A7033}"/>
+                </a:ext>
+              </a:extLst>
+            </p:cNvPr>
+            <p:cNvPicPr>
+              <a:picLocks noChangeAspect="1"/>
+            </p:cNvPicPr>
+            <p:nvPr>
+              <p:custDataLst>
+                <p:tags r:id="rId4"/>
+              </p:custDataLst>
+            </p:nvPr>
+          </p:nvPicPr>
+          <p:blipFill>
+            <a:blip r:embed="rId27">
+              <a:extLst>
+                <a:ext uri="{28A0092B-C50C-407E-A947-70E740481C1C}">
+                  <a14:useLocalDpi xmlns:a14="http://schemas.microsoft.com/office/drawing/2010/main" val="0"/>
+                </a:ext>
+              </a:extLst>
+            </a:blip>
+            <a:stretch>
+              <a:fillRect/>
+            </a:stretch>
+          </p:blipFill>
+          <p:spPr>
+            <a:xfrm>
+              <a:off x="6047520" y="-6655208"/>
+              <a:ext cx="4064171" cy="400870"/>
+            </a:xfrm>
+            <a:prstGeom prst="rect">
+              <a:avLst/>
+            </a:prstGeom>
+          </p:spPr>
+        </p:pic>
+        <p:cxnSp>
+          <p:nvCxnSpPr>
+            <p:cNvPr id="117" name="Gerade Verbindung mit Pfeil 116">
+              <a:extLst>
+                <a:ext uri="{FF2B5EF4-FFF2-40B4-BE49-F238E27FC236}">
+                  <a16:creationId xmlns:a16="http://schemas.microsoft.com/office/drawing/2014/main" id="{B02885EB-5831-4CF1-AE34-458D0ACEA027}"/>
+                </a:ext>
+              </a:extLst>
+            </p:cNvPr>
+            <p:cNvCxnSpPr>
+              <a:cxnSpLocks/>
+            </p:cNvCxnSpPr>
+            <p:nvPr/>
+          </p:nvCxnSpPr>
+          <p:spPr>
+            <a:xfrm>
+              <a:off x="4811068" y="-6110764"/>
+              <a:ext cx="774772" cy="2160740"/>
+            </a:xfrm>
+            <a:prstGeom prst="straightConnector1">
+              <a:avLst/>
+            </a:prstGeom>
+            <a:ln w="25400">
+              <a:solidFill>
+                <a:schemeClr val="tx1"/>
+              </a:solidFill>
+              <a:tailEnd type="triangle"/>
+            </a:ln>
+          </p:spPr>
+          <p:style>
+            <a:lnRef idx="1">
+              <a:schemeClr val="accent1"/>
+            </a:lnRef>
+            <a:fillRef idx="0">
+              <a:schemeClr val="accent1"/>
+            </a:fillRef>
+            <a:effectRef idx="0">
+              <a:schemeClr val="accent1"/>
+            </a:effectRef>
+            <a:fontRef idx="minor">
+              <a:schemeClr val="tx1"/>
+            </a:fontRef>
+          </p:style>
+        </p:cxnSp>
+        <p:cxnSp>
+          <p:nvCxnSpPr>
+            <p:cNvPr id="118" name="Gerade Verbindung mit Pfeil 117">
+              <a:extLst>
+                <a:ext uri="{FF2B5EF4-FFF2-40B4-BE49-F238E27FC236}">
+                  <a16:creationId xmlns:a16="http://schemas.microsoft.com/office/drawing/2014/main" id="{16DED357-8C0F-4F6D-B177-462048CD7424}"/>
+                </a:ext>
+              </a:extLst>
+            </p:cNvPr>
+            <p:cNvCxnSpPr>
+              <a:cxnSpLocks/>
+            </p:cNvCxnSpPr>
+            <p:nvPr/>
+          </p:nvCxnSpPr>
+          <p:spPr>
+            <a:xfrm flipV="1">
+              <a:off x="4811068" y="-3668275"/>
+              <a:ext cx="774772" cy="1882331"/>
+            </a:xfrm>
+            <a:prstGeom prst="straightConnector1">
+              <a:avLst/>
+            </a:prstGeom>
+            <a:ln w="25400">
+              <a:solidFill>
+                <a:schemeClr val="tx1"/>
+              </a:solidFill>
+              <a:tailEnd type="triangle"/>
+            </a:ln>
+          </p:spPr>
+          <p:style>
+            <a:lnRef idx="1">
+              <a:schemeClr val="accent1"/>
+            </a:lnRef>
+            <a:fillRef idx="0">
+              <a:schemeClr val="accent1"/>
+            </a:fillRef>
+            <a:effectRef idx="0">
+              <a:schemeClr val="accent1"/>
+            </a:effectRef>
+            <a:fontRef idx="minor">
+              <a:schemeClr val="tx1"/>
+            </a:fontRef>
+          </p:style>
+        </p:cxnSp>
+        <p:cxnSp>
+          <p:nvCxnSpPr>
+            <p:cNvPr id="119" name="Gerade Verbindung mit Pfeil 118">
+              <a:extLst>
+                <a:ext uri="{FF2B5EF4-FFF2-40B4-BE49-F238E27FC236}">
+                  <a16:creationId xmlns:a16="http://schemas.microsoft.com/office/drawing/2014/main" id="{EAC172F1-B6AF-4838-8C60-57248E242B03}"/>
+                </a:ext>
+              </a:extLst>
+            </p:cNvPr>
+            <p:cNvCxnSpPr>
+              <a:cxnSpLocks/>
+            </p:cNvCxnSpPr>
+            <p:nvPr/>
+          </p:nvCxnSpPr>
+          <p:spPr>
+            <a:xfrm>
+              <a:off x="10676000" y="-3780822"/>
+              <a:ext cx="563880" cy="0"/>
+            </a:xfrm>
+            <a:prstGeom prst="straightConnector1">
+              <a:avLst/>
+            </a:prstGeom>
+            <a:ln w="25400">
+              <a:solidFill>
+                <a:schemeClr val="tx1"/>
+              </a:solidFill>
+              <a:tailEnd type="triangle"/>
+            </a:ln>
+          </p:spPr>
+          <p:style>
+            <a:lnRef idx="1">
+              <a:schemeClr val="accent1"/>
+            </a:lnRef>
+            <a:fillRef idx="0">
+              <a:schemeClr val="accent1"/>
+            </a:fillRef>
+            <a:effectRef idx="0">
+              <a:schemeClr val="accent1"/>
+            </a:effectRef>
+            <a:fontRef idx="minor">
+              <a:schemeClr val="tx1"/>
+            </a:fontRef>
+          </p:style>
+        </p:cxnSp>
+        <p:pic>
+          <p:nvPicPr>
+            <p:cNvPr id="136" name="Grafik 135">
+              <a:extLst>
+                <a:ext uri="{FF2B5EF4-FFF2-40B4-BE49-F238E27FC236}">
+                  <a16:creationId xmlns:a16="http://schemas.microsoft.com/office/drawing/2014/main" id="{56AA014F-8B71-4BF7-80D2-243697C8CD97}"/>
+                </a:ext>
+              </a:extLst>
+            </p:cNvPr>
+            <p:cNvPicPr>
+              <a:picLocks noChangeAspect="1"/>
+            </p:cNvPicPr>
+            <p:nvPr>
+              <p:custDataLst>
+                <p:tags r:id="rId5"/>
+              </p:custDataLst>
+            </p:nvPr>
+          </p:nvPicPr>
+          <p:blipFill>
+            <a:blip r:embed="rId28">
+              <a:extLst>
+                <a:ext uri="{28A0092B-C50C-407E-A947-70E740481C1C}">
+                  <a14:useLocalDpi xmlns:a14="http://schemas.microsoft.com/office/drawing/2010/main" val="0"/>
+                </a:ext>
+              </a:extLst>
+            </a:blip>
+            <a:stretch>
+              <a:fillRect/>
+            </a:stretch>
+          </p:blipFill>
+          <p:spPr>
+            <a:xfrm>
+              <a:off x="7227028" y="-6102064"/>
+              <a:ext cx="1705157" cy="390251"/>
+            </a:xfrm>
+            <a:prstGeom prst="rect">
+              <a:avLst/>
+            </a:prstGeom>
+          </p:spPr>
+        </p:pic>
+        <p:pic>
+          <p:nvPicPr>
+            <p:cNvPr id="141" name="Grafik 140">
+              <a:extLst>
+                <a:ext uri="{FF2B5EF4-FFF2-40B4-BE49-F238E27FC236}">
+                  <a16:creationId xmlns:a16="http://schemas.microsoft.com/office/drawing/2014/main" id="{68BE4C9A-1347-4AE6-BEAF-14795A1DA3D1}"/>
+                </a:ext>
+              </a:extLst>
+            </p:cNvPr>
+            <p:cNvPicPr>
+              <a:picLocks noChangeAspect="1"/>
+            </p:cNvPicPr>
+            <p:nvPr>
+              <p:custDataLst>
+                <p:tags r:id="rId6"/>
+              </p:custDataLst>
+            </p:nvPr>
+          </p:nvPicPr>
+          <p:blipFill>
+            <a:blip r:embed="rId29">
+              <a:extLst>
+                <a:ext uri="{28A0092B-C50C-407E-A947-70E740481C1C}">
+                  <a14:useLocalDpi xmlns:a14="http://schemas.microsoft.com/office/drawing/2010/main" val="0"/>
+                </a:ext>
+              </a:extLst>
+            </a:blip>
+            <a:stretch>
+              <a:fillRect/>
+            </a:stretch>
+          </p:blipFill>
+          <p:spPr>
+            <a:xfrm>
+              <a:off x="11631345" y="-6100511"/>
+              <a:ext cx="4421792" cy="397386"/>
+            </a:xfrm>
+            <a:prstGeom prst="rect">
+              <a:avLst/>
+            </a:prstGeom>
+          </p:spPr>
+        </p:pic>
+      </p:grpSp>
+      <p:sp>
+        <p:nvSpPr>
+          <p:cNvPr id="143" name="Textfeld 142">
+            <a:extLst>
+              <a:ext uri="{FF2B5EF4-FFF2-40B4-BE49-F238E27FC236}">
+                <a16:creationId xmlns:a16="http://schemas.microsoft.com/office/drawing/2014/main" id="{AEA92FC3-4327-4BBA-B91F-A5F6E3BA24E7}"/>
+              </a:ext>
+            </a:extLst>
+          </p:cNvPr>
+          <p:cNvSpPr txBox="1"/>
+          <p:nvPr/>
+        </p:nvSpPr>
+        <p:spPr>
+          <a:xfrm>
+            <a:off x="76199" y="66675"/>
+            <a:ext cx="2088017" cy="369332"/>
+          </a:xfrm>
+          <a:prstGeom prst="rect">
+            <a:avLst/>
+          </a:prstGeom>
+          <a:noFill/>
+        </p:spPr>
+        <p:txBody>
+          <a:bodyPr wrap="square" rtlCol="0">
+            <a:spAutoFit/>
+          </a:bodyPr>
+          <a:lstStyle/>
+          <a:p>
+            <a:r>
+              <a:rPr lang="de-DE" dirty="0"/>
+              <a:t>Image Processing</a:t>
+            </a:r>
+            <a:endParaRPr lang="en-GB" dirty="0"/>
+          </a:p>
+        </p:txBody>
+      </p:sp>
+    </p:spTree>
+    <p:extLst>
+      <p:ext uri="{BB962C8B-B14F-4D97-AF65-F5344CB8AC3E}">
+        <p14:creationId xmlns:p14="http://schemas.microsoft.com/office/powerpoint/2010/main" val="2932421867"/>
       </p:ext>
     </p:extLst>
   </p:cSld>
@@ -19751,6 +20740,44 @@
 </p:tagLst>
 </file>
 
+<file path=ppt/tags/tag78.xml><?xml version="1.0" encoding="utf-8"?>
+<p:tagLst xmlns:a="http://schemas.openxmlformats.org/drawingml/2006/main" xmlns:r="http://schemas.openxmlformats.org/officeDocument/2006/relationships" xmlns:p="http://schemas.openxmlformats.org/presentationml/2006/main">
+  <p:tag name="OUTPUTDPI" val="1200"/>
+  <p:tag name="ORIGINALHEIGHT" val="113,2358"/>
+  <p:tag name="ORIGINALWIDTH" val="1247,094"/>
+  <p:tag name="LATEXADDIN" val="\documentclass{article}&#10;\usepackage{amsmath}&#10;\usepackage{color}&#10;\pagestyle{empty}&#10;\begin{document}&#10;%\color{white}&#10;Left Right Consistency&#10;\end{document}"/>
+  <p:tag name="IGUANATEXSIZE" val="20"/>
+  <p:tag name="IGUANATEXCURSOR" val="136"/>
+  <p:tag name="TRANSPARENCY" val="Wahr"/>
+  <p:tag name="FILENAME" val=""/>
+  <p:tag name="LATEXENGINEID" val="0"/>
+  <p:tag name="TEMPFOLDER" val="c:\temp\"/>
+  <p:tag name="LATEXFORMHEIGHT" val="312"/>
+  <p:tag name="LATEXFORMWIDTH" val="384"/>
+  <p:tag name="LATEXFORMWRAP" val="Wahr"/>
+  <p:tag name="BITMAPVECTOR" val="0"/>
+</p:tagLst>
+</file>
+
+<file path=ppt/tags/tag79.xml><?xml version="1.0" encoding="utf-8"?>
+<p:tagLst xmlns:a="http://schemas.openxmlformats.org/drawingml/2006/main" xmlns:r="http://schemas.openxmlformats.org/officeDocument/2006/relationships" xmlns:p="http://schemas.openxmlformats.org/presentationml/2006/main">
+  <p:tag name="OUTPUTDPI" val="1200"/>
+  <p:tag name="ORIGINALHEIGHT" val="110,2362"/>
+  <p:tag name="ORIGINALWIDTH" val="783,652"/>
+  <p:tag name="LATEXADDIN" val="\documentclass{article}&#10;\usepackage{amsmath}&#10;\usepackage{color}&#10;\pagestyle{empty}&#10;\begin{document}&#10;%\color{white}&#10;Disparity Map&#10;\end{document}"/>
+  <p:tag name="IGUANATEXSIZE" val="20"/>
+  <p:tag name="IGUANATEXCURSOR" val="114"/>
+  <p:tag name="TRANSPARENCY" val="Wahr"/>
+  <p:tag name="FILENAME" val=""/>
+  <p:tag name="LATEXENGINEID" val="0"/>
+  <p:tag name="TEMPFOLDER" val="c:\temp\"/>
+  <p:tag name="LATEXFORMHEIGHT" val="312"/>
+  <p:tag name="LATEXFORMWIDTH" val="384"/>
+  <p:tag name="LATEXFORMWRAP" val="Wahr"/>
+  <p:tag name="BITMAPVECTOR" val="0"/>
+</p:tagLst>
+</file>
+
 <file path=ppt/tags/tag8.xml><?xml version="1.0" encoding="utf-8"?>
 <p:tagLst xmlns:a="http://schemas.openxmlformats.org/drawingml/2006/main" xmlns:r="http://schemas.openxmlformats.org/officeDocument/2006/relationships" xmlns:p="http://schemas.openxmlformats.org/presentationml/2006/main">
   <p:tag name="OUTPUTDPI" val="1200"/>
@@ -19759,6 +20786,158 @@
   <p:tag name="LATEXADDIN" val="\documentclass{article}&#10;\usepackage{amsmath}&#10;\usepackage{color}&#10;\pagestyle{empty}&#10;\begin{document}&#10;\color{white}&#10;\begin{equation}&#10;x&#10;\nonumber&#10;\end{equation}&#10;\end{document}"/>
   <p:tag name="IGUANATEXSIZE" val="20"/>
   <p:tag name="IGUANATEXCURSOR" val="99"/>
+  <p:tag name="TRANSPARENCY" val="Wahr"/>
+  <p:tag name="FILENAME" val=""/>
+  <p:tag name="LATEXENGINEID" val="0"/>
+  <p:tag name="TEMPFOLDER" val="c:\temp\"/>
+  <p:tag name="LATEXFORMHEIGHT" val="312"/>
+  <p:tag name="LATEXFORMWIDTH" val="384"/>
+  <p:tag name="LATEXFORMWRAP" val="Wahr"/>
+  <p:tag name="BITMAPVECTOR" val="0"/>
+</p:tagLst>
+</file>
+
+<file path=ppt/tags/tag80.xml><?xml version="1.0" encoding="utf-8"?>
+<p:tagLst xmlns:a="http://schemas.openxmlformats.org/drawingml/2006/main" xmlns:r="http://schemas.openxmlformats.org/officeDocument/2006/relationships" xmlns:p="http://schemas.openxmlformats.org/presentationml/2006/main">
+  <p:tag name="OUTPUTDPI" val="1200"/>
+  <p:tag name="ORIGINALHEIGHT" val="113,2358"/>
+  <p:tag name="ORIGINALWIDTH" val="1135,358"/>
+  <p:tag name="LATEXADDIN" val="\documentclass{article}&#10;\usepackage{amsmath}&#10;\usepackage{color}&#10;\pagestyle{empty}&#10;\begin{document}&#10;%\color{white}&#10;Confidence Weighted&#10;\end{document}"/>
+  <p:tag name="IGUANATEXSIZE" val="20"/>
+  <p:tag name="IGUANATEXCURSOR" val="133"/>
+  <p:tag name="TRANSPARENCY" val="Wahr"/>
+  <p:tag name="FILENAME" val=""/>
+  <p:tag name="LATEXENGINEID" val="0"/>
+  <p:tag name="TEMPFOLDER" val="c:\temp\"/>
+  <p:tag name="LATEXFORMHEIGHT" val="312"/>
+  <p:tag name="LATEXFORMWIDTH" val="384"/>
+  <p:tag name="LATEXFORMWRAP" val="Wahr"/>
+  <p:tag name="BITMAPVECTOR" val="0"/>
+</p:tagLst>
+</file>
+
+<file path=ppt/tags/tag81.xml><?xml version="1.0" encoding="utf-8"?>
+<p:tagLst xmlns:a="http://schemas.openxmlformats.org/drawingml/2006/main" xmlns:r="http://schemas.openxmlformats.org/officeDocument/2006/relationships" xmlns:p="http://schemas.openxmlformats.org/presentationml/2006/main">
+  <p:tag name="OUTPUTDPI" val="1200"/>
+  <p:tag name="ORIGINALHEIGHT" val="113,2358"/>
+  <p:tag name="ORIGINALWIDTH" val="1188,601"/>
+  <p:tag name="LATEXADDIN" val="\documentclass{article}&#10;\usepackage{amsmath}&#10;\usepackage{color}&#10;\pagestyle{empty}&#10;\begin{document}&#10;%\color{white}&#10;Consistency Weighted&#10;\end{document}"/>
+  <p:tag name="IGUANATEXSIZE" val="20"/>
+  <p:tag name="IGUANATEXCURSOR" val="134"/>
+  <p:tag name="TRANSPARENCY" val="Wahr"/>
+  <p:tag name="FILENAME" val=""/>
+  <p:tag name="LATEXENGINEID" val="0"/>
+  <p:tag name="TEMPFOLDER" val="c:\temp\"/>
+  <p:tag name="LATEXFORMHEIGHT" val="312"/>
+  <p:tag name="LATEXFORMWIDTH" val="384"/>
+  <p:tag name="LATEXFORMWRAP" val="Wahr"/>
+  <p:tag name="BITMAPVECTOR" val="0"/>
+</p:tagLst>
+</file>
+
+<file path=ppt/tags/tag82.xml><?xml version="1.0" encoding="utf-8"?>
+<p:tagLst xmlns:a="http://schemas.openxmlformats.org/drawingml/2006/main" xmlns:r="http://schemas.openxmlformats.org/officeDocument/2006/relationships" xmlns:p="http://schemas.openxmlformats.org/presentationml/2006/main">
+  <p:tag name="OUTPUTDPI" val="1200"/>
+  <p:tag name="ORIGINALHEIGHT" val="110,2362"/>
+  <p:tag name="ORIGINALWIDTH" val="498,6877"/>
+  <p:tag name="LATEXADDIN" val="\documentclass{article}&#10;\usepackage{amsmath}&#10;\usepackage{color}&#10;\pagestyle{empty}&#10;\begin{document}&#10;%\color{white}&#10;Disparity&#10;\end{document}"/>
+  <p:tag name="IGUANATEXSIZE" val="20"/>
+  <p:tag name="IGUANATEXCURSOR" val="114"/>
+  <p:tag name="TRANSPARENCY" val="Wahr"/>
+  <p:tag name="FILENAME" val=""/>
+  <p:tag name="LATEXENGINEID" val="0"/>
+  <p:tag name="TEMPFOLDER" val="c:\temp\"/>
+  <p:tag name="LATEXFORMHEIGHT" val="312"/>
+  <p:tag name="LATEXFORMWIDTH" val="384"/>
+  <p:tag name="LATEXFORMWRAP" val="Wahr"/>
+  <p:tag name="BITMAPVECTOR" val="0"/>
+</p:tagLst>
+</file>
+
+<file path=ppt/tags/tag83.xml><?xml version="1.0" encoding="utf-8"?>
+<p:tagLst xmlns:a="http://schemas.openxmlformats.org/drawingml/2006/main" xmlns:r="http://schemas.openxmlformats.org/officeDocument/2006/relationships" xmlns:p="http://schemas.openxmlformats.org/presentationml/2006/main">
+  <p:tag name="OUTPUTDPI" val="1200"/>
+  <p:tag name="ORIGINALHEIGHT" val="112,4859"/>
+  <p:tag name="ORIGINALWIDTH" val="1293,588"/>
+  <p:tag name="LATEXADDIN" val="\documentclass{article}&#10;\usepackage{amsmath}&#10;\usepackage{color}&#10;\pagestyle{empty}&#10;\begin{document}&#10;%\color{white}&#10;Least Squares Disparity&#10;\end{document}"/>
+  <p:tag name="IGUANATEXSIZE" val="20"/>
+  <p:tag name="IGUANATEXCURSOR" val="114"/>
+  <p:tag name="TRANSPARENCY" val="Wahr"/>
+  <p:tag name="FILENAME" val=""/>
+  <p:tag name="LATEXENGINEID" val="0"/>
+  <p:tag name="TEMPFOLDER" val="c:\temp\"/>
+  <p:tag name="LATEXFORMHEIGHT" val="312"/>
+  <p:tag name="LATEXFORMWIDTH" val="384"/>
+  <p:tag name="LATEXFORMWRAP" val="Wahr"/>
+  <p:tag name="BITMAPVECTOR" val="0"/>
+</p:tagLst>
+</file>
+
+<file path=ppt/tags/tag84.xml><?xml version="1.0" encoding="utf-8"?>
+<p:tagLst xmlns:a="http://schemas.openxmlformats.org/drawingml/2006/main" xmlns:r="http://schemas.openxmlformats.org/officeDocument/2006/relationships" xmlns:p="http://schemas.openxmlformats.org/presentationml/2006/main">
+  <p:tag name="OUTPUTDPI" val="1200"/>
+  <p:tag name="ORIGINALHEIGHT" val="113,9857"/>
+  <p:tag name="ORIGINALWIDTH" val="979,3776"/>
+  <p:tag name="LATEXADDIN" val="\documentclass{article}&#10;\usepackage{amsmath}&#10;\usepackage{color}&#10;\pagestyle{empty}&#10;\begin{document}&#10;%\color{white}&#10;Average Disparity&#10;\end{document}"/>
+  <p:tag name="IGUANATEXSIZE" val="20"/>
+  <p:tag name="IGUANATEXCURSOR" val="131"/>
+  <p:tag name="TRANSPARENCY" val="Wahr"/>
+  <p:tag name="FILENAME" val=""/>
+  <p:tag name="LATEXENGINEID" val="0"/>
+  <p:tag name="TEMPFOLDER" val="c:\temp\"/>
+  <p:tag name="LATEXFORMHEIGHT" val="312"/>
+  <p:tag name="LATEXFORMWIDTH" val="384"/>
+  <p:tag name="LATEXFORMWRAP" val="Wahr"/>
+  <p:tag name="BITMAPVECTOR" val="0"/>
+</p:tagLst>
+</file>
+
+<file path=ppt/tags/tag85.xml><?xml version="1.0" encoding="utf-8"?>
+<p:tagLst xmlns:a="http://schemas.openxmlformats.org/drawingml/2006/main" xmlns:r="http://schemas.openxmlformats.org/officeDocument/2006/relationships" xmlns:p="http://schemas.openxmlformats.org/presentationml/2006/main">
+  <p:tag name="OUTPUTDPI" val="1200"/>
+  <p:tag name="ORIGINALHEIGHT" val="113,9857"/>
+  <p:tag name="ORIGINALWIDTH" val="1460,817"/>
+  <p:tag name="LATEXADDIN" val="\documentclass{article}&#10;\usepackage{amsmath}&#10;\usepackage{color}&#10;\pagestyle{empty}&#10;\begin{document}&#10;%\color{white}&#10;Average Squared Disparity &#10;\end{document}"/>
+  <p:tag name="IGUANATEXSIZE" val="20"/>
+  <p:tag name="IGUANATEXCURSOR" val="129"/>
+  <p:tag name="TRANSPARENCY" val="Wahr"/>
+  <p:tag name="FILENAME" val=""/>
+  <p:tag name="LATEXENGINEID" val="0"/>
+  <p:tag name="TEMPFOLDER" val="c:\temp\"/>
+  <p:tag name="LATEXFORMHEIGHT" val="312"/>
+  <p:tag name="LATEXFORMWIDTH" val="384"/>
+  <p:tag name="LATEXFORMWRAP" val="Wahr"/>
+  <p:tag name="BITMAPVECTOR" val="0"/>
+</p:tagLst>
+</file>
+
+<file path=ppt/tags/tag86.xml><?xml version="1.0" encoding="utf-8"?>
+<p:tagLst xmlns:a="http://schemas.openxmlformats.org/drawingml/2006/main" xmlns:r="http://schemas.openxmlformats.org/officeDocument/2006/relationships" xmlns:p="http://schemas.openxmlformats.org/presentationml/2006/main">
+  <p:tag name="OUTPUTDPI" val="1200"/>
+  <p:tag name="ORIGINALHEIGHT" val="110,9861"/>
+  <p:tag name="ORIGINALWIDTH" val="1008,624"/>
+  <p:tag name="LATEXADDIN" val="\documentclass{article}&#10;\usepackage{amsmath}&#10;\usepackage{color}&#10;\pagestyle{empty}&#10;\begin{document}&#10;%\color{white}&#10;Disparity Variance&#10;\end{document}"/>
+  <p:tag name="IGUANATEXSIZE" val="20"/>
+  <p:tag name="IGUANATEXCURSOR" val="124"/>
+  <p:tag name="TRANSPARENCY" val="Wahr"/>
+  <p:tag name="FILENAME" val=""/>
+  <p:tag name="LATEXENGINEID" val="0"/>
+  <p:tag name="TEMPFOLDER" val="c:\temp\"/>
+  <p:tag name="LATEXFORMHEIGHT" val="312"/>
+  <p:tag name="LATEXFORMWIDTH" val="384"/>
+  <p:tag name="LATEXFORMWRAP" val="Wahr"/>
+  <p:tag name="BITMAPVECTOR" val="0"/>
+</p:tagLst>
+</file>
+
+<file path=ppt/tags/tag87.xml><?xml version="1.0" encoding="utf-8"?>
+<p:tagLst xmlns:a="http://schemas.openxmlformats.org/drawingml/2006/main" xmlns:r="http://schemas.openxmlformats.org/officeDocument/2006/relationships" xmlns:p="http://schemas.openxmlformats.org/presentationml/2006/main">
+  <p:tag name="OUTPUTDPI" val="1200"/>
+  <p:tag name="ORIGINALHEIGHT" val="113,2358"/>
+  <p:tag name="ORIGINALWIDTH" val="1133,108"/>
+  <p:tag name="LATEXADDIN" val="\documentclass{article}&#10;\usepackage{amsmath}&#10;\usepackage{color}&#10;\pagestyle{empty}&#10;\begin{document}&#10;%\color{white}&#10;Disparity Confidence&#10;\end{document}"/>
+  <p:tag name="IGUANATEXSIZE" val="20"/>
+  <p:tag name="IGUANATEXCURSOR" val="124"/>
   <p:tag name="TRANSPARENCY" val="Wahr"/>
   <p:tag name="FILENAME" val=""/>
   <p:tag name="LATEXENGINEID" val="0"/>

--- a/windows/masters_thesis_imgs.pptx
+++ b/windows/masters_thesis_imgs.pptx
@@ -14,6 +14,7 @@
     <p:sldId id="262" r:id="rId8"/>
     <p:sldId id="263" r:id="rId9"/>
     <p:sldId id="264" r:id="rId10"/>
+    <p:sldId id="265" r:id="rId11"/>
   </p:sldIdLst>
   <p:sldSz cx="12192000" cy="6858000"/>
   <p:notesSz cx="6858000" cy="9144000"/>
@@ -280,7 +281,7 @@
           <a:p>
             <a:fld id="{E9193408-0E9E-4716-B232-5E8342DA9E48}" type="datetimeFigureOut">
               <a:rPr lang="en-GB" smtClean="0"/>
-              <a:t>12/06/2019</a:t>
+              <a:t>18/06/2019</a:t>
             </a:fld>
             <a:endParaRPr lang="en-GB"/>
           </a:p>
@@ -480,7 +481,7 @@
           <a:p>
             <a:fld id="{E9193408-0E9E-4716-B232-5E8342DA9E48}" type="datetimeFigureOut">
               <a:rPr lang="en-GB" smtClean="0"/>
-              <a:t>12/06/2019</a:t>
+              <a:t>18/06/2019</a:t>
             </a:fld>
             <a:endParaRPr lang="en-GB"/>
           </a:p>
@@ -690,7 +691,7 @@
           <a:p>
             <a:fld id="{E9193408-0E9E-4716-B232-5E8342DA9E48}" type="datetimeFigureOut">
               <a:rPr lang="en-GB" smtClean="0"/>
-              <a:t>12/06/2019</a:t>
+              <a:t>18/06/2019</a:t>
             </a:fld>
             <a:endParaRPr lang="en-GB"/>
           </a:p>
@@ -890,7 +891,7 @@
           <a:p>
             <a:fld id="{E9193408-0E9E-4716-B232-5E8342DA9E48}" type="datetimeFigureOut">
               <a:rPr lang="en-GB" smtClean="0"/>
-              <a:t>12/06/2019</a:t>
+              <a:t>18/06/2019</a:t>
             </a:fld>
             <a:endParaRPr lang="en-GB"/>
           </a:p>
@@ -1166,7 +1167,7 @@
           <a:p>
             <a:fld id="{E9193408-0E9E-4716-B232-5E8342DA9E48}" type="datetimeFigureOut">
               <a:rPr lang="en-GB" smtClean="0"/>
-              <a:t>12/06/2019</a:t>
+              <a:t>18/06/2019</a:t>
             </a:fld>
             <a:endParaRPr lang="en-GB"/>
           </a:p>
@@ -1434,7 +1435,7 @@
           <a:p>
             <a:fld id="{E9193408-0E9E-4716-B232-5E8342DA9E48}" type="datetimeFigureOut">
               <a:rPr lang="en-GB" smtClean="0"/>
-              <a:t>12/06/2019</a:t>
+              <a:t>18/06/2019</a:t>
             </a:fld>
             <a:endParaRPr lang="en-GB"/>
           </a:p>
@@ -1849,7 +1850,7 @@
           <a:p>
             <a:fld id="{E9193408-0E9E-4716-B232-5E8342DA9E48}" type="datetimeFigureOut">
               <a:rPr lang="en-GB" smtClean="0"/>
-              <a:t>12/06/2019</a:t>
+              <a:t>18/06/2019</a:t>
             </a:fld>
             <a:endParaRPr lang="en-GB"/>
           </a:p>
@@ -1991,7 +1992,7 @@
           <a:p>
             <a:fld id="{E9193408-0E9E-4716-B232-5E8342DA9E48}" type="datetimeFigureOut">
               <a:rPr lang="en-GB" smtClean="0"/>
-              <a:t>12/06/2019</a:t>
+              <a:t>18/06/2019</a:t>
             </a:fld>
             <a:endParaRPr lang="en-GB"/>
           </a:p>
@@ -2104,7 +2105,7 @@
           <a:p>
             <a:fld id="{E9193408-0E9E-4716-B232-5E8342DA9E48}" type="datetimeFigureOut">
               <a:rPr lang="en-GB" smtClean="0"/>
-              <a:t>12/06/2019</a:t>
+              <a:t>18/06/2019</a:t>
             </a:fld>
             <a:endParaRPr lang="en-GB"/>
           </a:p>
@@ -2417,7 +2418,7 @@
           <a:p>
             <a:fld id="{E9193408-0E9E-4716-B232-5E8342DA9E48}" type="datetimeFigureOut">
               <a:rPr lang="en-GB" smtClean="0"/>
-              <a:t>12/06/2019</a:t>
+              <a:t>18/06/2019</a:t>
             </a:fld>
             <a:endParaRPr lang="en-GB"/>
           </a:p>
@@ -2706,7 +2707,7 @@
           <a:p>
             <a:fld id="{E9193408-0E9E-4716-B232-5E8342DA9E48}" type="datetimeFigureOut">
               <a:rPr lang="en-GB" smtClean="0"/>
-              <a:t>12/06/2019</a:t>
+              <a:t>18/06/2019</a:t>
             </a:fld>
             <a:endParaRPr lang="en-GB"/>
           </a:p>
@@ -2949,7 +2950,7 @@
           <a:p>
             <a:fld id="{E9193408-0E9E-4716-B232-5E8342DA9E48}" type="datetimeFigureOut">
               <a:rPr lang="en-GB" smtClean="0"/>
-              <a:t>12/06/2019</a:t>
+              <a:t>18/06/2019</a:t>
             </a:fld>
             <a:endParaRPr lang="en-GB"/>
           </a:p>
@@ -5939,6 +5940,72 @@
     <p:extLst>
       <p:ext uri="{BB962C8B-B14F-4D97-AF65-F5344CB8AC3E}">
         <p14:creationId xmlns:p14="http://schemas.microsoft.com/office/powerpoint/2010/main" val="3139634709"/>
+      </p:ext>
+    </p:extLst>
+  </p:cSld>
+  <p:clrMapOvr>
+    <a:masterClrMapping/>
+  </p:clrMapOvr>
+</p:sld>
+</file>
+
+<file path=ppt/slides/slide10.xml><?xml version="1.0" encoding="utf-8"?>
+<p:sld xmlns:a="http://schemas.openxmlformats.org/drawingml/2006/main" xmlns:r="http://schemas.openxmlformats.org/officeDocument/2006/relationships" xmlns:p="http://schemas.openxmlformats.org/presentationml/2006/main">
+  <p:cSld>
+    <p:spTree>
+      <p:nvGrpSpPr>
+        <p:cNvPr id="1" name=""/>
+        <p:cNvGrpSpPr/>
+        <p:nvPr/>
+      </p:nvGrpSpPr>
+      <p:grpSpPr>
+        <a:xfrm>
+          <a:off x="0" y="0"/>
+          <a:ext cx="0" cy="0"/>
+          <a:chOff x="0" y="0"/>
+          <a:chExt cx="0" cy="0"/>
+        </a:xfrm>
+      </p:grpSpPr>
+      <p:sp>
+        <p:nvSpPr>
+          <p:cNvPr id="4" name="Textfeld 3">
+            <a:extLst>
+              <a:ext uri="{FF2B5EF4-FFF2-40B4-BE49-F238E27FC236}">
+                <a16:creationId xmlns:a16="http://schemas.microsoft.com/office/drawing/2014/main" id="{096AD078-A7C5-4D47-97E2-8A1E5033A962}"/>
+              </a:ext>
+            </a:extLst>
+          </p:cNvPr>
+          <p:cNvSpPr txBox="1"/>
+          <p:nvPr/>
+        </p:nvSpPr>
+        <p:spPr>
+          <a:xfrm>
+            <a:off x="76199" y="66675"/>
+            <a:ext cx="2088017" cy="369332"/>
+          </a:xfrm>
+          <a:prstGeom prst="rect">
+            <a:avLst/>
+          </a:prstGeom>
+          <a:noFill/>
+        </p:spPr>
+        <p:txBody>
+          <a:bodyPr wrap="square" rtlCol="0">
+            <a:spAutoFit/>
+          </a:bodyPr>
+          <a:lstStyle/>
+          <a:p>
+            <a:r>
+              <a:rPr lang="de-DE" dirty="0"/>
+              <a:t>Image Processing</a:t>
+            </a:r>
+            <a:endParaRPr lang="en-GB" dirty="0"/>
+          </a:p>
+        </p:txBody>
+      </p:sp>
+    </p:spTree>
+    <p:extLst>
+      <p:ext uri="{BB962C8B-B14F-4D97-AF65-F5344CB8AC3E}">
+        <p14:creationId xmlns:p14="http://schemas.microsoft.com/office/powerpoint/2010/main" val="542058477"/>
       </p:ext>
     </p:extLst>
   </p:cSld>

--- a/windows/masters_thesis_imgs.pptx
+++ b/windows/masters_thesis_imgs.pptx
@@ -3594,7 +3594,7 @@
               <a:lstStyle/>
               <a:p>
                 <a:pPr algn="ctr"/>
-                <a:endParaRPr lang="en-GB">
+                <a:endParaRPr lang="en-GB" dirty="0">
                   <a:solidFill>
                     <a:schemeClr val="tx1"/>
                   </a:solidFill>
@@ -3652,7 +3652,7 @@
               <a:lstStyle/>
               <a:p>
                 <a:pPr algn="ctr"/>
-                <a:endParaRPr lang="en-GB">
+                <a:endParaRPr lang="en-GB" dirty="0">
                   <a:solidFill>
                     <a:schemeClr val="tx1"/>
                   </a:solidFill>
@@ -3798,7 +3798,7 @@
               <a:lstStyle/>
               <a:p>
                 <a:pPr algn="ctr"/>
-                <a:endParaRPr lang="en-GB">
+                <a:endParaRPr lang="en-GB" dirty="0">
                   <a:solidFill>
                     <a:schemeClr val="tx1"/>
                   </a:solidFill>
@@ -4019,7 +4019,7 @@
             <a:lstStyle/>
             <a:p>
               <a:pPr algn="ctr"/>
-              <a:endParaRPr lang="en-GB"/>
+              <a:endParaRPr lang="en-GB" dirty="0"/>
             </a:p>
           </p:txBody>
         </p:sp>
@@ -4091,7 +4091,7 @@
               <a:lstStyle/>
               <a:p>
                 <a:pPr algn="ctr"/>
-                <a:endParaRPr lang="en-GB"/>
+                <a:endParaRPr lang="en-GB" dirty="0"/>
               </a:p>
             </p:txBody>
           </p:sp>
@@ -4143,7 +4143,7 @@
               <a:lstStyle/>
               <a:p>
                 <a:pPr algn="ctr"/>
-                <a:endParaRPr lang="en-GB"/>
+                <a:endParaRPr lang="en-GB" dirty="0"/>
               </a:p>
             </p:txBody>
           </p:sp>
@@ -4195,7 +4195,7 @@
               <a:lstStyle/>
               <a:p>
                 <a:pPr algn="ctr"/>
-                <a:endParaRPr lang="en-GB"/>
+                <a:endParaRPr lang="en-GB" dirty="0"/>
               </a:p>
             </p:txBody>
           </p:sp>
@@ -4248,7 +4248,7 @@
             <a:lstStyle/>
             <a:p>
               <a:pPr algn="ctr"/>
-              <a:endParaRPr lang="en-GB"/>
+              <a:endParaRPr lang="en-GB" dirty="0"/>
             </a:p>
           </p:txBody>
         </p:sp>
@@ -4300,7 +4300,7 @@
             <a:lstStyle/>
             <a:p>
               <a:pPr algn="ctr"/>
-              <a:endParaRPr lang="en-GB"/>
+              <a:endParaRPr lang="en-GB" dirty="0"/>
             </a:p>
           </p:txBody>
         </p:sp>
@@ -4372,7 +4372,7 @@
               <a:lstStyle/>
               <a:p>
                 <a:pPr algn="ctr"/>
-                <a:endParaRPr lang="en-GB"/>
+                <a:endParaRPr lang="en-GB" dirty="0"/>
               </a:p>
             </p:txBody>
           </p:sp>
@@ -4424,7 +4424,7 @@
               <a:lstStyle/>
               <a:p>
                 <a:pPr algn="ctr"/>
-                <a:endParaRPr lang="en-GB"/>
+                <a:endParaRPr lang="en-GB" dirty="0"/>
               </a:p>
             </p:txBody>
           </p:sp>
@@ -4477,7 +4477,7 @@
             <a:lstStyle/>
             <a:p>
               <a:pPr algn="ctr"/>
-              <a:endParaRPr lang="en-GB"/>
+              <a:endParaRPr lang="en-GB" dirty="0"/>
             </a:p>
           </p:txBody>
         </p:sp>
@@ -4529,7 +4529,7 @@
             <a:lstStyle/>
             <a:p>
               <a:pPr algn="ctr"/>
-              <a:endParaRPr lang="en-GB"/>
+              <a:endParaRPr lang="en-GB" dirty="0"/>
             </a:p>
           </p:txBody>
         </p:sp>
@@ -4761,7 +4761,7 @@
               <a:lstStyle/>
               <a:p>
                 <a:pPr algn="ctr"/>
-                <a:endParaRPr lang="en-GB"/>
+                <a:endParaRPr lang="en-GB" dirty="0"/>
               </a:p>
             </p:txBody>
           </p:sp>
@@ -4813,7 +4813,7 @@
               <a:lstStyle/>
               <a:p>
                 <a:pPr algn="ctr"/>
-                <a:endParaRPr lang="en-GB"/>
+                <a:endParaRPr lang="en-GB" dirty="0"/>
               </a:p>
             </p:txBody>
           </p:sp>
@@ -4865,7 +4865,7 @@
               <a:lstStyle/>
               <a:p>
                 <a:pPr algn="ctr"/>
-                <a:endParaRPr lang="en-GB"/>
+                <a:endParaRPr lang="en-GB" dirty="0"/>
               </a:p>
             </p:txBody>
           </p:sp>
@@ -4938,7 +4938,7 @@
               <a:lstStyle/>
               <a:p>
                 <a:pPr algn="ctr"/>
-                <a:endParaRPr lang="en-GB"/>
+                <a:endParaRPr lang="en-GB" dirty="0"/>
               </a:p>
             </p:txBody>
           </p:sp>
@@ -4990,7 +4990,7 @@
               <a:lstStyle/>
               <a:p>
                 <a:pPr algn="ctr"/>
-                <a:endParaRPr lang="en-GB"/>
+                <a:endParaRPr lang="en-GB" dirty="0"/>
               </a:p>
             </p:txBody>
           </p:sp>
@@ -5559,7 +5559,7 @@
             <a:lstStyle/>
             <a:p>
               <a:pPr algn="ctr"/>
-              <a:endParaRPr lang="en-GB">
+              <a:endParaRPr lang="en-GB" dirty="0">
                 <a:solidFill>
                   <a:schemeClr val="tx1"/>
                 </a:solidFill>
@@ -5617,7 +5617,7 @@
             <a:lstStyle/>
             <a:p>
               <a:pPr algn="ctr"/>
-              <a:endParaRPr lang="en-GB">
+              <a:endParaRPr lang="en-GB" dirty="0">
                 <a:solidFill>
                   <a:schemeClr val="tx1"/>
                 </a:solidFill>
@@ -5763,7 +5763,7 @@
             <a:lstStyle/>
             <a:p>
               <a:pPr algn="ctr"/>
-              <a:endParaRPr lang="en-GB">
+              <a:endParaRPr lang="en-GB" dirty="0">
                 <a:solidFill>
                   <a:schemeClr val="tx1"/>
                 </a:solidFill>
@@ -6002,6 +6002,1446 @@
           </a:p>
         </p:txBody>
       </p:sp>
+      <p:grpSp>
+        <p:nvGrpSpPr>
+          <p:cNvPr id="50" name="Gruppieren 49">
+            <a:extLst>
+              <a:ext uri="{FF2B5EF4-FFF2-40B4-BE49-F238E27FC236}">
+                <a16:creationId xmlns:a16="http://schemas.microsoft.com/office/drawing/2014/main" id="{234E240E-EE18-4707-A6AB-3D111E71612F}"/>
+              </a:ext>
+            </a:extLst>
+          </p:cNvPr>
+          <p:cNvGrpSpPr/>
+          <p:nvPr/>
+        </p:nvGrpSpPr>
+        <p:grpSpPr>
+          <a:xfrm>
+            <a:off x="2215327" y="2879837"/>
+            <a:ext cx="3162757" cy="1756962"/>
+            <a:chOff x="569407" y="2239757"/>
+            <a:chExt cx="3162757" cy="1756962"/>
+          </a:xfrm>
+        </p:grpSpPr>
+        <p:grpSp>
+          <p:nvGrpSpPr>
+            <p:cNvPr id="15" name="Gruppieren 14">
+              <a:extLst>
+                <a:ext uri="{FF2B5EF4-FFF2-40B4-BE49-F238E27FC236}">
+                  <a16:creationId xmlns:a16="http://schemas.microsoft.com/office/drawing/2014/main" id="{8A8624F9-9698-4579-8C59-E4E204452C5A}"/>
+                </a:ext>
+              </a:extLst>
+            </p:cNvPr>
+            <p:cNvGrpSpPr/>
+            <p:nvPr/>
+          </p:nvGrpSpPr>
+          <p:grpSpPr>
+            <a:xfrm>
+              <a:off x="569407" y="3805599"/>
+              <a:ext cx="221167" cy="191120"/>
+              <a:chOff x="2655383" y="3237880"/>
+              <a:chExt cx="221167" cy="191120"/>
+            </a:xfrm>
+          </p:grpSpPr>
+          <p:cxnSp>
+            <p:nvCxnSpPr>
+              <p:cNvPr id="8" name="Gerader Verbinder 7">
+                <a:extLst>
+                  <a:ext uri="{FF2B5EF4-FFF2-40B4-BE49-F238E27FC236}">
+                    <a16:creationId xmlns:a16="http://schemas.microsoft.com/office/drawing/2014/main" id="{510D90FB-E68B-4918-9234-FCBEA47A6C09}"/>
+                  </a:ext>
+                </a:extLst>
+              </p:cNvPr>
+              <p:cNvCxnSpPr>
+                <a:cxnSpLocks/>
+              </p:cNvCxnSpPr>
+              <p:nvPr/>
+            </p:nvCxnSpPr>
+            <p:spPr>
+              <a:xfrm flipH="1">
+                <a:off x="2655383" y="3237880"/>
+                <a:ext cx="221167" cy="191120"/>
+              </a:xfrm>
+              <a:prstGeom prst="line">
+                <a:avLst/>
+              </a:prstGeom>
+              <a:ln w="25400">
+                <a:solidFill>
+                  <a:schemeClr val="tx1"/>
+                </a:solidFill>
+              </a:ln>
+            </p:spPr>
+            <p:style>
+              <a:lnRef idx="1">
+                <a:schemeClr val="accent1"/>
+              </a:lnRef>
+              <a:fillRef idx="0">
+                <a:schemeClr val="accent1"/>
+              </a:fillRef>
+              <a:effectRef idx="0">
+                <a:schemeClr val="accent1"/>
+              </a:effectRef>
+              <a:fontRef idx="minor">
+                <a:schemeClr val="tx1"/>
+              </a:fontRef>
+            </p:style>
+          </p:cxnSp>
+          <p:cxnSp>
+            <p:nvCxnSpPr>
+              <p:cNvPr id="10" name="Gerader Verbinder 9">
+                <a:extLst>
+                  <a:ext uri="{FF2B5EF4-FFF2-40B4-BE49-F238E27FC236}">
+                    <a16:creationId xmlns:a16="http://schemas.microsoft.com/office/drawing/2014/main" id="{B6033C50-9010-4EEB-9DF6-749772F1B043}"/>
+                  </a:ext>
+                </a:extLst>
+              </p:cNvPr>
+              <p:cNvCxnSpPr>
+                <a:cxnSpLocks/>
+              </p:cNvCxnSpPr>
+              <p:nvPr/>
+            </p:nvCxnSpPr>
+            <p:spPr>
+              <a:xfrm>
+                <a:off x="2655383" y="3237880"/>
+                <a:ext cx="221167" cy="191120"/>
+              </a:xfrm>
+              <a:prstGeom prst="line">
+                <a:avLst/>
+              </a:prstGeom>
+              <a:ln w="25400">
+                <a:solidFill>
+                  <a:schemeClr val="tx1"/>
+                </a:solidFill>
+              </a:ln>
+            </p:spPr>
+            <p:style>
+              <a:lnRef idx="1">
+                <a:schemeClr val="accent1"/>
+              </a:lnRef>
+              <a:fillRef idx="0">
+                <a:schemeClr val="accent1"/>
+              </a:fillRef>
+              <a:effectRef idx="0">
+                <a:schemeClr val="accent1"/>
+              </a:effectRef>
+              <a:fontRef idx="minor">
+                <a:schemeClr val="tx1"/>
+              </a:fontRef>
+            </p:style>
+          </p:cxnSp>
+        </p:grpSp>
+        <p:pic>
+          <p:nvPicPr>
+            <p:cNvPr id="48" name="Grafik 47" descr="Ein Bild, das orange, Himmel enthält.&#10;&#10;Automatisch generierte Beschreibung">
+              <a:extLst>
+                <a:ext uri="{FF2B5EF4-FFF2-40B4-BE49-F238E27FC236}">
+                  <a16:creationId xmlns:a16="http://schemas.microsoft.com/office/drawing/2014/main" id="{DFA28C6E-041A-4FBA-B7F5-A08515AD24F9}"/>
+                </a:ext>
+              </a:extLst>
+            </p:cNvPr>
+            <p:cNvPicPr>
+              <a:picLocks noChangeAspect="1"/>
+            </p:cNvPicPr>
+            <p:nvPr/>
+          </p:nvPicPr>
+          <p:blipFill>
+            <a:blip r:embed="rId12">
+              <a:extLst>
+                <a:ext uri="{28A0092B-C50C-407E-A947-70E740481C1C}">
+                  <a14:useLocalDpi xmlns:a14="http://schemas.microsoft.com/office/drawing/2010/main" val="0"/>
+                </a:ext>
+              </a:extLst>
+            </a:blip>
+            <a:stretch>
+              <a:fillRect/>
+            </a:stretch>
+          </p:blipFill>
+          <p:spPr>
+            <a:xfrm>
+              <a:off x="2052240" y="2239757"/>
+              <a:ext cx="1679924" cy="1259943"/>
+            </a:xfrm>
+            <a:prstGeom prst="rect">
+              <a:avLst/>
+            </a:prstGeom>
+            <a:scene3d>
+              <a:camera prst="orthographicFront">
+                <a:rot lat="1200000" lon="3000000" rev="0"/>
+              </a:camera>
+              <a:lightRig rig="threePt" dir="t"/>
+            </a:scene3d>
+          </p:spPr>
+        </p:pic>
+      </p:grpSp>
+      <p:grpSp>
+        <p:nvGrpSpPr>
+          <p:cNvPr id="91" name="Gruppieren 90">
+            <a:extLst>
+              <a:ext uri="{FF2B5EF4-FFF2-40B4-BE49-F238E27FC236}">
+                <a16:creationId xmlns:a16="http://schemas.microsoft.com/office/drawing/2014/main" id="{C6E8A7EE-EA90-4D9E-A08D-32965F8D7867}"/>
+              </a:ext>
+            </a:extLst>
+          </p:cNvPr>
+          <p:cNvGrpSpPr/>
+          <p:nvPr/>
+        </p:nvGrpSpPr>
+        <p:grpSpPr>
+          <a:xfrm>
+            <a:off x="5141185" y="5606242"/>
+            <a:ext cx="221167" cy="191120"/>
+            <a:chOff x="2655383" y="3237880"/>
+            <a:chExt cx="221167" cy="191120"/>
+          </a:xfrm>
+        </p:grpSpPr>
+        <p:cxnSp>
+          <p:nvCxnSpPr>
+            <p:cNvPr id="97" name="Gerader Verbinder 96">
+              <a:extLst>
+                <a:ext uri="{FF2B5EF4-FFF2-40B4-BE49-F238E27FC236}">
+                  <a16:creationId xmlns:a16="http://schemas.microsoft.com/office/drawing/2014/main" id="{55715199-5258-4A5F-8C07-FD5F751F1187}"/>
+                </a:ext>
+              </a:extLst>
+            </p:cNvPr>
+            <p:cNvCxnSpPr>
+              <a:cxnSpLocks/>
+            </p:cNvCxnSpPr>
+            <p:nvPr/>
+          </p:nvCxnSpPr>
+          <p:spPr>
+            <a:xfrm flipH="1">
+              <a:off x="2655383" y="3237880"/>
+              <a:ext cx="221167" cy="191120"/>
+            </a:xfrm>
+            <a:prstGeom prst="line">
+              <a:avLst/>
+            </a:prstGeom>
+            <a:ln w="25400">
+              <a:solidFill>
+                <a:schemeClr val="tx1"/>
+              </a:solidFill>
+            </a:ln>
+          </p:spPr>
+          <p:style>
+            <a:lnRef idx="1">
+              <a:schemeClr val="accent1"/>
+            </a:lnRef>
+            <a:fillRef idx="0">
+              <a:schemeClr val="accent1"/>
+            </a:fillRef>
+            <a:effectRef idx="0">
+              <a:schemeClr val="accent1"/>
+            </a:effectRef>
+            <a:fontRef idx="minor">
+              <a:schemeClr val="tx1"/>
+            </a:fontRef>
+          </p:style>
+        </p:cxnSp>
+        <p:cxnSp>
+          <p:nvCxnSpPr>
+            <p:cNvPr id="98" name="Gerader Verbinder 97">
+              <a:extLst>
+                <a:ext uri="{FF2B5EF4-FFF2-40B4-BE49-F238E27FC236}">
+                  <a16:creationId xmlns:a16="http://schemas.microsoft.com/office/drawing/2014/main" id="{4C0F7030-861F-4C21-852D-01A904F470BD}"/>
+                </a:ext>
+              </a:extLst>
+            </p:cNvPr>
+            <p:cNvCxnSpPr>
+              <a:cxnSpLocks/>
+            </p:cNvCxnSpPr>
+            <p:nvPr/>
+          </p:nvCxnSpPr>
+          <p:spPr>
+            <a:xfrm>
+              <a:off x="2655383" y="3237880"/>
+              <a:ext cx="221167" cy="191120"/>
+            </a:xfrm>
+            <a:prstGeom prst="line">
+              <a:avLst/>
+            </a:prstGeom>
+            <a:ln w="25400">
+              <a:solidFill>
+                <a:schemeClr val="tx1"/>
+              </a:solidFill>
+            </a:ln>
+          </p:spPr>
+          <p:style>
+            <a:lnRef idx="1">
+              <a:schemeClr val="accent1"/>
+            </a:lnRef>
+            <a:fillRef idx="0">
+              <a:schemeClr val="accent1"/>
+            </a:fillRef>
+            <a:effectRef idx="0">
+              <a:schemeClr val="accent1"/>
+            </a:effectRef>
+            <a:fontRef idx="minor">
+              <a:schemeClr val="tx1"/>
+            </a:fontRef>
+          </p:style>
+        </p:cxnSp>
+      </p:grpSp>
+      <p:grpSp>
+        <p:nvGrpSpPr>
+          <p:cNvPr id="30" name="Gruppieren 29">
+            <a:extLst>
+              <a:ext uri="{FF2B5EF4-FFF2-40B4-BE49-F238E27FC236}">
+                <a16:creationId xmlns:a16="http://schemas.microsoft.com/office/drawing/2014/main" id="{27131192-326D-40A1-8CBD-DA107BC63B6F}"/>
+              </a:ext>
+            </a:extLst>
+          </p:cNvPr>
+          <p:cNvGrpSpPr/>
+          <p:nvPr/>
+        </p:nvGrpSpPr>
+        <p:grpSpPr>
+          <a:xfrm>
+            <a:off x="1163083" y="-578273"/>
+            <a:ext cx="10694889" cy="6912559"/>
+            <a:chOff x="1163083" y="-578273"/>
+            <a:chExt cx="10694889" cy="6912559"/>
+          </a:xfrm>
+        </p:grpSpPr>
+        <p:grpSp>
+          <p:nvGrpSpPr>
+            <p:cNvPr id="18" name="Gruppieren 17">
+              <a:extLst>
+                <a:ext uri="{FF2B5EF4-FFF2-40B4-BE49-F238E27FC236}">
+                  <a16:creationId xmlns:a16="http://schemas.microsoft.com/office/drawing/2014/main" id="{B0703ABB-68C3-4190-8133-4CE0798D4947}"/>
+                </a:ext>
+              </a:extLst>
+            </p:cNvPr>
+            <p:cNvGrpSpPr/>
+            <p:nvPr/>
+          </p:nvGrpSpPr>
+          <p:grpSpPr>
+            <a:xfrm>
+              <a:off x="1163083" y="-578273"/>
+              <a:ext cx="10694889" cy="6912559"/>
+              <a:chOff x="1163083" y="-578273"/>
+              <a:chExt cx="10694889" cy="6912559"/>
+            </a:xfrm>
+          </p:grpSpPr>
+          <p:pic>
+            <p:nvPicPr>
+              <p:cNvPr id="19" name="Grafik 18" descr="Ein Bild, das orange, Himmel enthält.&#10;&#10;Automatisch generierte Beschreibung">
+                <a:extLst>
+                  <a:ext uri="{FF2B5EF4-FFF2-40B4-BE49-F238E27FC236}">
+                    <a16:creationId xmlns:a16="http://schemas.microsoft.com/office/drawing/2014/main" id="{F6D51A8E-FA2E-4AC1-AC94-7129A1B086D6}"/>
+                  </a:ext>
+                </a:extLst>
+              </p:cNvPr>
+              <p:cNvPicPr>
+                <a:picLocks noChangeAspect="1"/>
+              </p:cNvPicPr>
+              <p:nvPr/>
+            </p:nvPicPr>
+            <p:blipFill>
+              <a:blip r:embed="rId12">
+                <a:extLst>
+                  <a:ext uri="{28A0092B-C50C-407E-A947-70E740481C1C}">
+                    <a14:useLocalDpi xmlns:a14="http://schemas.microsoft.com/office/drawing/2010/main" val="0"/>
+                  </a:ext>
+                </a:extLst>
+              </a:blip>
+              <a:stretch>
+                <a:fillRect/>
+              </a:stretch>
+            </p:blipFill>
+            <p:spPr>
+              <a:xfrm>
+                <a:off x="7985661" y="-141985"/>
+                <a:ext cx="3872311" cy="2904233"/>
+              </a:xfrm>
+              <a:prstGeom prst="rect">
+                <a:avLst/>
+              </a:prstGeom>
+              <a:scene3d>
+                <a:camera prst="orthographicFront">
+                  <a:rot lat="1200000" lon="3000000" rev="0"/>
+                </a:camera>
+                <a:lightRig rig="threePt" dir="t"/>
+              </a:scene3d>
+            </p:spPr>
+          </p:pic>
+          <p:cxnSp>
+            <p:nvCxnSpPr>
+              <p:cNvPr id="60" name="Gerader Verbinder 59">
+                <a:extLst>
+                  <a:ext uri="{FF2B5EF4-FFF2-40B4-BE49-F238E27FC236}">
+                    <a16:creationId xmlns:a16="http://schemas.microsoft.com/office/drawing/2014/main" id="{F8F9FBB4-8107-4D18-8590-F51D6D09841A}"/>
+                  </a:ext>
+                </a:extLst>
+              </p:cNvPr>
+              <p:cNvCxnSpPr>
+                <a:cxnSpLocks/>
+              </p:cNvCxnSpPr>
+              <p:nvPr/>
+            </p:nvCxnSpPr>
+            <p:spPr>
+              <a:xfrm flipH="1">
+                <a:off x="2325911" y="1932460"/>
+                <a:ext cx="7665356" cy="2623110"/>
+              </a:xfrm>
+              <a:prstGeom prst="line">
+                <a:avLst/>
+              </a:prstGeom>
+              <a:ln w="25400">
+                <a:solidFill>
+                  <a:schemeClr val="tx1"/>
+                </a:solidFill>
+                <a:prstDash val="solid"/>
+              </a:ln>
+            </p:spPr>
+            <p:style>
+              <a:lnRef idx="1">
+                <a:schemeClr val="accent1"/>
+              </a:lnRef>
+              <a:fillRef idx="0">
+                <a:schemeClr val="accent1"/>
+              </a:fillRef>
+              <a:effectRef idx="0">
+                <a:schemeClr val="accent1"/>
+              </a:effectRef>
+              <a:fontRef idx="minor">
+                <a:schemeClr val="tx1"/>
+              </a:fontRef>
+            </p:style>
+          </p:cxnSp>
+          <p:pic>
+            <p:nvPicPr>
+              <p:cNvPr id="95" name="Grafik 94" descr="Ein Bild, das orange, Himmel enthält.&#10;&#10;Automatisch generierte Beschreibung">
+                <a:extLst>
+                  <a:ext uri="{FF2B5EF4-FFF2-40B4-BE49-F238E27FC236}">
+                    <a16:creationId xmlns:a16="http://schemas.microsoft.com/office/drawing/2014/main" id="{A341A4CE-B60D-4172-8E16-9D40A4981AD4}"/>
+                  </a:ext>
+                </a:extLst>
+              </p:cNvPr>
+              <p:cNvPicPr>
+                <a:picLocks noChangeAspect="1"/>
+              </p:cNvPicPr>
+              <p:nvPr/>
+            </p:nvPicPr>
+            <p:blipFill>
+              <a:blip r:embed="rId12">
+                <a:extLst>
+                  <a:ext uri="{28A0092B-C50C-407E-A947-70E740481C1C}">
+                    <a14:useLocalDpi xmlns:a14="http://schemas.microsoft.com/office/drawing/2010/main" val="0"/>
+                  </a:ext>
+                </a:extLst>
+              </a:blip>
+              <a:stretch>
+                <a:fillRect/>
+              </a:stretch>
+            </p:blipFill>
+            <p:spPr>
+              <a:xfrm>
+                <a:off x="5710268" y="3654981"/>
+                <a:ext cx="1679924" cy="1259943"/>
+              </a:xfrm>
+              <a:prstGeom prst="rect">
+                <a:avLst/>
+              </a:prstGeom>
+              <a:scene3d>
+                <a:camera prst="orthographicFront">
+                  <a:rot lat="1200000" lon="3000000" rev="0"/>
+                </a:camera>
+                <a:lightRig rig="threePt" dir="t"/>
+              </a:scene3d>
+            </p:spPr>
+          </p:pic>
+          <p:cxnSp>
+            <p:nvCxnSpPr>
+              <p:cNvPr id="110" name="Gerader Verbinder 109">
+                <a:extLst>
+                  <a:ext uri="{FF2B5EF4-FFF2-40B4-BE49-F238E27FC236}">
+                    <a16:creationId xmlns:a16="http://schemas.microsoft.com/office/drawing/2014/main" id="{02708BEE-3D79-46AF-A3AF-2E68E2B8D0DD}"/>
+                  </a:ext>
+                </a:extLst>
+              </p:cNvPr>
+              <p:cNvCxnSpPr>
+                <a:cxnSpLocks/>
+              </p:cNvCxnSpPr>
+              <p:nvPr/>
+            </p:nvCxnSpPr>
+            <p:spPr>
+              <a:xfrm flipH="1" flipV="1">
+                <a:off x="3474720" y="3394573"/>
+                <a:ext cx="4225185" cy="1578005"/>
+              </a:xfrm>
+              <a:prstGeom prst="line">
+                <a:avLst/>
+              </a:prstGeom>
+              <a:ln w="25400">
+                <a:solidFill>
+                  <a:schemeClr val="tx1"/>
+                </a:solidFill>
+                <a:prstDash val="solid"/>
+              </a:ln>
+            </p:spPr>
+            <p:style>
+              <a:lnRef idx="1">
+                <a:schemeClr val="accent1"/>
+              </a:lnRef>
+              <a:fillRef idx="0">
+                <a:schemeClr val="accent1"/>
+              </a:fillRef>
+              <a:effectRef idx="0">
+                <a:schemeClr val="accent1"/>
+              </a:effectRef>
+              <a:fontRef idx="minor">
+                <a:schemeClr val="tx1"/>
+              </a:fontRef>
+            </p:style>
+          </p:cxnSp>
+          <p:cxnSp>
+            <p:nvCxnSpPr>
+              <p:cNvPr id="115" name="Gerader Verbinder 114">
+                <a:extLst>
+                  <a:ext uri="{FF2B5EF4-FFF2-40B4-BE49-F238E27FC236}">
+                    <a16:creationId xmlns:a16="http://schemas.microsoft.com/office/drawing/2014/main" id="{89534D19-91A0-4CE1-9412-D10BEB3317DD}"/>
+                  </a:ext>
+                </a:extLst>
+              </p:cNvPr>
+              <p:cNvCxnSpPr>
+                <a:cxnSpLocks/>
+              </p:cNvCxnSpPr>
+              <p:nvPr/>
+            </p:nvCxnSpPr>
+            <p:spPr>
+              <a:xfrm flipH="1">
+                <a:off x="5262187" y="2730970"/>
+                <a:ext cx="2437721" cy="2970832"/>
+              </a:xfrm>
+              <a:prstGeom prst="line">
+                <a:avLst/>
+              </a:prstGeom>
+              <a:ln w="25400">
+                <a:solidFill>
+                  <a:schemeClr val="tx1"/>
+                </a:solidFill>
+                <a:prstDash val="dash"/>
+              </a:ln>
+            </p:spPr>
+            <p:style>
+              <a:lnRef idx="1">
+                <a:schemeClr val="accent1"/>
+              </a:lnRef>
+              <a:fillRef idx="0">
+                <a:schemeClr val="accent1"/>
+              </a:fillRef>
+              <a:effectRef idx="0">
+                <a:schemeClr val="accent1"/>
+              </a:effectRef>
+              <a:fontRef idx="minor">
+                <a:schemeClr val="tx1"/>
+              </a:fontRef>
+            </p:style>
+          </p:cxnSp>
+          <p:cxnSp>
+            <p:nvCxnSpPr>
+              <p:cNvPr id="118" name="Gerader Verbinder 117">
+                <a:extLst>
+                  <a:ext uri="{FF2B5EF4-FFF2-40B4-BE49-F238E27FC236}">
+                    <a16:creationId xmlns:a16="http://schemas.microsoft.com/office/drawing/2014/main" id="{B31F6BB1-2049-4078-9C23-16743C24F4A4}"/>
+                  </a:ext>
+                </a:extLst>
+              </p:cNvPr>
+              <p:cNvCxnSpPr>
+                <a:cxnSpLocks/>
+              </p:cNvCxnSpPr>
+              <p:nvPr/>
+            </p:nvCxnSpPr>
+            <p:spPr>
+              <a:xfrm flipH="1">
+                <a:off x="5262187" y="1932460"/>
+                <a:ext cx="4741739" cy="3744406"/>
+              </a:xfrm>
+              <a:prstGeom prst="line">
+                <a:avLst/>
+              </a:prstGeom>
+              <a:ln w="25400">
+                <a:solidFill>
+                  <a:schemeClr val="tx1"/>
+                </a:solidFill>
+                <a:prstDash val="dash"/>
+              </a:ln>
+            </p:spPr>
+            <p:style>
+              <a:lnRef idx="1">
+                <a:schemeClr val="accent1"/>
+              </a:lnRef>
+              <a:fillRef idx="0">
+                <a:schemeClr val="accent1"/>
+              </a:fillRef>
+              <a:effectRef idx="0">
+                <a:schemeClr val="accent1"/>
+              </a:effectRef>
+              <a:fontRef idx="minor">
+                <a:schemeClr val="tx1"/>
+              </a:fontRef>
+            </p:style>
+          </p:cxnSp>
+          <p:cxnSp>
+            <p:nvCxnSpPr>
+              <p:cNvPr id="121" name="Gerader Verbinder 120">
+                <a:extLst>
+                  <a:ext uri="{FF2B5EF4-FFF2-40B4-BE49-F238E27FC236}">
+                    <a16:creationId xmlns:a16="http://schemas.microsoft.com/office/drawing/2014/main" id="{D9A054D6-1C6A-429A-804B-4DD8B8914460}"/>
+                  </a:ext>
+                </a:extLst>
+              </p:cNvPr>
+              <p:cNvCxnSpPr>
+                <a:cxnSpLocks/>
+              </p:cNvCxnSpPr>
+              <p:nvPr/>
+            </p:nvCxnSpPr>
+            <p:spPr>
+              <a:xfrm flipH="1">
+                <a:off x="5262187" y="3201664"/>
+                <a:ext cx="1089471" cy="2511770"/>
+              </a:xfrm>
+              <a:prstGeom prst="line">
+                <a:avLst/>
+              </a:prstGeom>
+              <a:ln w="25400">
+                <a:solidFill>
+                  <a:schemeClr val="tx1"/>
+                </a:solidFill>
+                <a:prstDash val="dash"/>
+              </a:ln>
+            </p:spPr>
+            <p:style>
+              <a:lnRef idx="1">
+                <a:schemeClr val="accent1"/>
+              </a:lnRef>
+              <a:fillRef idx="0">
+                <a:schemeClr val="accent1"/>
+              </a:fillRef>
+              <a:effectRef idx="0">
+                <a:schemeClr val="accent1"/>
+              </a:effectRef>
+              <a:fontRef idx="minor">
+                <a:schemeClr val="tx1"/>
+              </a:fontRef>
+            </p:style>
+          </p:cxnSp>
+          <p:pic>
+            <p:nvPicPr>
+              <p:cNvPr id="126" name="Grafik 125">
+                <a:extLst>
+                  <a:ext uri="{FF2B5EF4-FFF2-40B4-BE49-F238E27FC236}">
+                    <a16:creationId xmlns:a16="http://schemas.microsoft.com/office/drawing/2014/main" id="{95A10C0E-076D-453C-BAAB-4D7CAF6A26C9}"/>
+                  </a:ext>
+                </a:extLst>
+              </p:cNvPr>
+              <p:cNvPicPr>
+                <a:picLocks noChangeAspect="1"/>
+              </p:cNvPicPr>
+              <p:nvPr>
+                <p:custDataLst>
+                  <p:tags r:id="rId4"/>
+                </p:custDataLst>
+              </p:nvPr>
+            </p:nvPicPr>
+            <p:blipFill>
+              <a:blip r:embed="rId13">
+                <a:extLst>
+                  <a:ext uri="{28A0092B-C50C-407E-A947-70E740481C1C}">
+                    <a14:useLocalDpi xmlns:a14="http://schemas.microsoft.com/office/drawing/2010/main" val="0"/>
+                  </a:ext>
+                </a:extLst>
+              </a:blip>
+              <a:stretch>
+                <a:fillRect/>
+              </a:stretch>
+            </p:blipFill>
+            <p:spPr>
+              <a:xfrm>
+                <a:off x="7845613" y="4836693"/>
+                <a:ext cx="2531180" cy="389462"/>
+              </a:xfrm>
+              <a:prstGeom prst="rect">
+                <a:avLst/>
+              </a:prstGeom>
+            </p:spPr>
+          </p:pic>
+          <p:pic>
+            <p:nvPicPr>
+              <p:cNvPr id="12" name="Grafik 11">
+                <a:extLst>
+                  <a:ext uri="{FF2B5EF4-FFF2-40B4-BE49-F238E27FC236}">
+                    <a16:creationId xmlns:a16="http://schemas.microsoft.com/office/drawing/2014/main" id="{4F055771-8ABA-42EF-A871-EA189398900F}"/>
+                  </a:ext>
+                </a:extLst>
+              </p:cNvPr>
+              <p:cNvPicPr>
+                <a:picLocks noChangeAspect="1"/>
+              </p:cNvPicPr>
+              <p:nvPr>
+                <p:custDataLst>
+                  <p:tags r:id="rId5"/>
+                </p:custDataLst>
+              </p:nvPr>
+            </p:nvPicPr>
+            <p:blipFill>
+              <a:blip r:embed="rId14">
+                <a:extLst>
+                  <a:ext uri="{28A0092B-C50C-407E-A947-70E740481C1C}">
+                    <a14:useLocalDpi xmlns:a14="http://schemas.microsoft.com/office/drawing/2010/main" val="0"/>
+                  </a:ext>
+                </a:extLst>
+              </a:blip>
+              <a:stretch>
+                <a:fillRect/>
+              </a:stretch>
+            </p:blipFill>
+            <p:spPr>
+              <a:xfrm>
+                <a:off x="1163083" y="4763253"/>
+                <a:ext cx="2325653" cy="323903"/>
+              </a:xfrm>
+              <a:prstGeom prst="rect">
+                <a:avLst/>
+              </a:prstGeom>
+            </p:spPr>
+          </p:pic>
+          <p:pic>
+            <p:nvPicPr>
+              <p:cNvPr id="17" name="Grafik 16">
+                <a:extLst>
+                  <a:ext uri="{FF2B5EF4-FFF2-40B4-BE49-F238E27FC236}">
+                    <a16:creationId xmlns:a16="http://schemas.microsoft.com/office/drawing/2014/main" id="{B2903039-7CEA-427D-841E-74D74695497F}"/>
+                  </a:ext>
+                </a:extLst>
+              </p:cNvPr>
+              <p:cNvPicPr>
+                <a:picLocks noChangeAspect="1"/>
+              </p:cNvPicPr>
+              <p:nvPr>
+                <p:custDataLst>
+                  <p:tags r:id="rId6"/>
+                </p:custDataLst>
+              </p:nvPr>
+            </p:nvPicPr>
+            <p:blipFill>
+              <a:blip r:embed="rId15">
+                <a:extLst>
+                  <a:ext uri="{28A0092B-C50C-407E-A947-70E740481C1C}">
+                    <a14:useLocalDpi xmlns:a14="http://schemas.microsoft.com/office/drawing/2010/main" val="0"/>
+                  </a:ext>
+                </a:extLst>
+              </a:blip>
+              <a:stretch>
+                <a:fillRect/>
+              </a:stretch>
+            </p:blipFill>
+            <p:spPr>
+              <a:xfrm>
+                <a:off x="3954992" y="5926759"/>
+                <a:ext cx="2614389" cy="407527"/>
+              </a:xfrm>
+              <a:prstGeom prst="rect">
+                <a:avLst/>
+              </a:prstGeom>
+            </p:spPr>
+          </p:pic>
+          <p:pic>
+            <p:nvPicPr>
+              <p:cNvPr id="135" name="Grafik 134">
+                <a:extLst>
+                  <a:ext uri="{FF2B5EF4-FFF2-40B4-BE49-F238E27FC236}">
+                    <a16:creationId xmlns:a16="http://schemas.microsoft.com/office/drawing/2014/main" id="{C3D820E6-0587-4CA1-A444-48A3936A8CCF}"/>
+                  </a:ext>
+                </a:extLst>
+              </p:cNvPr>
+              <p:cNvPicPr>
+                <a:picLocks noChangeAspect="1"/>
+              </p:cNvPicPr>
+              <p:nvPr>
+                <p:custDataLst>
+                  <p:tags r:id="rId7"/>
+                </p:custDataLst>
+              </p:nvPr>
+            </p:nvPicPr>
+            <p:blipFill>
+              <a:blip r:embed="rId16">
+                <a:extLst>
+                  <a:ext uri="{28A0092B-C50C-407E-A947-70E740481C1C}">
+                    <a14:useLocalDpi xmlns:a14="http://schemas.microsoft.com/office/drawing/2010/main" val="0"/>
+                  </a:ext>
+                </a:extLst>
+              </a:blip>
+              <a:stretch>
+                <a:fillRect/>
+              </a:stretch>
+            </p:blipFill>
+            <p:spPr>
+              <a:xfrm>
+                <a:off x="10376793" y="-578273"/>
+                <a:ext cx="1225786" cy="404209"/>
+              </a:xfrm>
+              <a:prstGeom prst="rect">
+                <a:avLst/>
+              </a:prstGeom>
+            </p:spPr>
+          </p:pic>
+          <p:pic>
+            <p:nvPicPr>
+              <p:cNvPr id="138" name="Grafik 137">
+                <a:extLst>
+                  <a:ext uri="{FF2B5EF4-FFF2-40B4-BE49-F238E27FC236}">
+                    <a16:creationId xmlns:a16="http://schemas.microsoft.com/office/drawing/2014/main" id="{2D79FC15-8486-461A-A31D-1DF530639632}"/>
+                  </a:ext>
+                </a:extLst>
+              </p:cNvPr>
+              <p:cNvPicPr>
+                <a:picLocks noChangeAspect="1"/>
+              </p:cNvPicPr>
+              <p:nvPr>
+                <p:custDataLst>
+                  <p:tags r:id="rId8"/>
+                </p:custDataLst>
+              </p:nvPr>
+            </p:nvPicPr>
+            <p:blipFill>
+              <a:blip r:embed="rId17">
+                <a:extLst>
+                  <a:ext uri="{28A0092B-C50C-407E-A947-70E740481C1C}">
+                    <a14:useLocalDpi xmlns:a14="http://schemas.microsoft.com/office/drawing/2010/main" val="0"/>
+                  </a:ext>
+                </a:extLst>
+              </a:blip>
+              <a:stretch>
+                <a:fillRect/>
+              </a:stretch>
+            </p:blipFill>
+            <p:spPr>
+              <a:xfrm>
+                <a:off x="3758609" y="2163868"/>
+                <a:ext cx="1104614" cy="397005"/>
+              </a:xfrm>
+              <a:prstGeom prst="rect">
+                <a:avLst/>
+              </a:prstGeom>
+            </p:spPr>
+          </p:pic>
+          <p:cxnSp>
+            <p:nvCxnSpPr>
+              <p:cNvPr id="166" name="Gerade Verbindung mit Pfeil 165">
+                <a:extLst>
+                  <a:ext uri="{FF2B5EF4-FFF2-40B4-BE49-F238E27FC236}">
+                    <a16:creationId xmlns:a16="http://schemas.microsoft.com/office/drawing/2014/main" id="{7B47F6A9-677D-4E0B-AAA6-8CF15E83609D}"/>
+                  </a:ext>
+                </a:extLst>
+              </p:cNvPr>
+              <p:cNvCxnSpPr>
+                <a:cxnSpLocks/>
+              </p:cNvCxnSpPr>
+              <p:nvPr/>
+            </p:nvCxnSpPr>
+            <p:spPr>
+              <a:xfrm flipH="1">
+                <a:off x="6464331" y="1911494"/>
+                <a:ext cx="887855" cy="1091449"/>
+              </a:xfrm>
+              <a:prstGeom prst="straightConnector1">
+                <a:avLst/>
+              </a:prstGeom>
+              <a:ln w="25400">
+                <a:solidFill>
+                  <a:schemeClr val="tx1"/>
+                </a:solidFill>
+                <a:tailEnd type="triangle"/>
+              </a:ln>
+            </p:spPr>
+            <p:style>
+              <a:lnRef idx="1">
+                <a:schemeClr val="accent1"/>
+              </a:lnRef>
+              <a:fillRef idx="0">
+                <a:schemeClr val="accent1"/>
+              </a:fillRef>
+              <a:effectRef idx="0">
+                <a:schemeClr val="accent1"/>
+              </a:effectRef>
+              <a:fontRef idx="minor">
+                <a:schemeClr val="tx1"/>
+              </a:fontRef>
+            </p:style>
+          </p:cxnSp>
+          <p:cxnSp>
+            <p:nvCxnSpPr>
+              <p:cNvPr id="170" name="Gerade Verbindung mit Pfeil 169">
+                <a:extLst>
+                  <a:ext uri="{FF2B5EF4-FFF2-40B4-BE49-F238E27FC236}">
+                    <a16:creationId xmlns:a16="http://schemas.microsoft.com/office/drawing/2014/main" id="{68F56966-186F-449C-8B18-E437FF900DBB}"/>
+                  </a:ext>
+                </a:extLst>
+              </p:cNvPr>
+              <p:cNvCxnSpPr>
+                <a:cxnSpLocks/>
+              </p:cNvCxnSpPr>
+              <p:nvPr/>
+            </p:nvCxnSpPr>
+            <p:spPr>
+              <a:xfrm>
+                <a:off x="7352186" y="1911494"/>
+                <a:ext cx="347719" cy="685466"/>
+              </a:xfrm>
+              <a:prstGeom prst="straightConnector1">
+                <a:avLst/>
+              </a:prstGeom>
+              <a:ln w="25400">
+                <a:solidFill>
+                  <a:schemeClr val="tx1"/>
+                </a:solidFill>
+                <a:tailEnd type="triangle"/>
+              </a:ln>
+            </p:spPr>
+            <p:style>
+              <a:lnRef idx="1">
+                <a:schemeClr val="accent1"/>
+              </a:lnRef>
+              <a:fillRef idx="0">
+                <a:schemeClr val="accent1"/>
+              </a:fillRef>
+              <a:effectRef idx="0">
+                <a:schemeClr val="accent1"/>
+              </a:effectRef>
+              <a:fontRef idx="minor">
+                <a:schemeClr val="tx1"/>
+              </a:fontRef>
+            </p:style>
+          </p:cxnSp>
+          <p:cxnSp>
+            <p:nvCxnSpPr>
+              <p:cNvPr id="176" name="Gerade Verbindung mit Pfeil 175">
+                <a:extLst>
+                  <a:ext uri="{FF2B5EF4-FFF2-40B4-BE49-F238E27FC236}">
+                    <a16:creationId xmlns:a16="http://schemas.microsoft.com/office/drawing/2014/main" id="{B6304F45-E607-4FA2-9F8C-486013899ABA}"/>
+                  </a:ext>
+                </a:extLst>
+              </p:cNvPr>
+              <p:cNvCxnSpPr>
+                <a:cxnSpLocks/>
+              </p:cNvCxnSpPr>
+              <p:nvPr/>
+            </p:nvCxnSpPr>
+            <p:spPr>
+              <a:xfrm flipV="1">
+                <a:off x="7352186" y="1874806"/>
+                <a:ext cx="2431894" cy="36688"/>
+              </a:xfrm>
+              <a:prstGeom prst="straightConnector1">
+                <a:avLst/>
+              </a:prstGeom>
+              <a:ln w="25400">
+                <a:solidFill>
+                  <a:schemeClr val="tx1"/>
+                </a:solidFill>
+                <a:tailEnd type="triangle"/>
+              </a:ln>
+            </p:spPr>
+            <p:style>
+              <a:lnRef idx="1">
+                <a:schemeClr val="accent1"/>
+              </a:lnRef>
+              <a:fillRef idx="0">
+                <a:schemeClr val="accent1"/>
+              </a:fillRef>
+              <a:effectRef idx="0">
+                <a:schemeClr val="accent1"/>
+              </a:effectRef>
+              <a:fontRef idx="minor">
+                <a:schemeClr val="tx1"/>
+              </a:fontRef>
+            </p:style>
+          </p:cxnSp>
+          <p:cxnSp>
+            <p:nvCxnSpPr>
+              <p:cNvPr id="179" name="Gerade Verbindung mit Pfeil 178">
+                <a:extLst>
+                  <a:ext uri="{FF2B5EF4-FFF2-40B4-BE49-F238E27FC236}">
+                    <a16:creationId xmlns:a16="http://schemas.microsoft.com/office/drawing/2014/main" id="{88C61D6A-C857-401A-B3CE-2BE5F48AF910}"/>
+                  </a:ext>
+                </a:extLst>
+              </p:cNvPr>
+              <p:cNvCxnSpPr>
+                <a:cxnSpLocks/>
+              </p:cNvCxnSpPr>
+              <p:nvPr/>
+            </p:nvCxnSpPr>
+            <p:spPr>
+              <a:xfrm flipH="1" flipV="1">
+                <a:off x="5991567" y="4452191"/>
+                <a:ext cx="912194" cy="1025104"/>
+              </a:xfrm>
+              <a:prstGeom prst="straightConnector1">
+                <a:avLst/>
+              </a:prstGeom>
+              <a:ln w="25400">
+                <a:solidFill>
+                  <a:schemeClr val="tx1"/>
+                </a:solidFill>
+                <a:tailEnd type="triangle"/>
+              </a:ln>
+            </p:spPr>
+            <p:style>
+              <a:lnRef idx="1">
+                <a:schemeClr val="accent1"/>
+              </a:lnRef>
+              <a:fillRef idx="0">
+                <a:schemeClr val="accent1"/>
+              </a:fillRef>
+              <a:effectRef idx="0">
+                <a:schemeClr val="accent1"/>
+              </a:effectRef>
+              <a:fontRef idx="minor">
+                <a:schemeClr val="tx1"/>
+              </a:fontRef>
+            </p:style>
+          </p:cxnSp>
+          <p:cxnSp>
+            <p:nvCxnSpPr>
+              <p:cNvPr id="182" name="Gerade Verbindung mit Pfeil 181">
+                <a:extLst>
+                  <a:ext uri="{FF2B5EF4-FFF2-40B4-BE49-F238E27FC236}">
+                    <a16:creationId xmlns:a16="http://schemas.microsoft.com/office/drawing/2014/main" id="{17DE96F8-E245-4120-8B80-D1DC68CAAD6E}"/>
+                  </a:ext>
+                </a:extLst>
+              </p:cNvPr>
+              <p:cNvCxnSpPr>
+                <a:cxnSpLocks/>
+              </p:cNvCxnSpPr>
+              <p:nvPr/>
+            </p:nvCxnSpPr>
+            <p:spPr>
+              <a:xfrm flipH="1" flipV="1">
+                <a:off x="6683842" y="4710440"/>
+                <a:ext cx="219919" cy="766855"/>
+              </a:xfrm>
+              <a:prstGeom prst="straightConnector1">
+                <a:avLst/>
+              </a:prstGeom>
+              <a:ln w="25400">
+                <a:solidFill>
+                  <a:schemeClr val="tx1"/>
+                </a:solidFill>
+                <a:tailEnd type="triangle"/>
+              </a:ln>
+            </p:spPr>
+            <p:style>
+              <a:lnRef idx="1">
+                <a:schemeClr val="accent1"/>
+              </a:lnRef>
+              <a:fillRef idx="0">
+                <a:schemeClr val="accent1"/>
+              </a:fillRef>
+              <a:effectRef idx="0">
+                <a:schemeClr val="accent1"/>
+              </a:effectRef>
+              <a:fontRef idx="minor">
+                <a:schemeClr val="tx1"/>
+              </a:fontRef>
+            </p:style>
+          </p:cxnSp>
+          <p:cxnSp>
+            <p:nvCxnSpPr>
+              <p:cNvPr id="185" name="Gerade Verbindung mit Pfeil 184">
+                <a:extLst>
+                  <a:ext uri="{FF2B5EF4-FFF2-40B4-BE49-F238E27FC236}">
+                    <a16:creationId xmlns:a16="http://schemas.microsoft.com/office/drawing/2014/main" id="{D1E26E59-4A96-4440-9908-4103477A58EC}"/>
+                  </a:ext>
+                </a:extLst>
+              </p:cNvPr>
+              <p:cNvCxnSpPr>
+                <a:cxnSpLocks/>
+              </p:cNvCxnSpPr>
+              <p:nvPr/>
+            </p:nvCxnSpPr>
+            <p:spPr>
+              <a:xfrm flipH="1" flipV="1">
+                <a:off x="6369886" y="4586108"/>
+                <a:ext cx="533875" cy="891187"/>
+              </a:xfrm>
+              <a:prstGeom prst="straightConnector1">
+                <a:avLst/>
+              </a:prstGeom>
+              <a:ln w="25400">
+                <a:solidFill>
+                  <a:schemeClr val="tx1"/>
+                </a:solidFill>
+                <a:tailEnd type="triangle"/>
+              </a:ln>
+            </p:spPr>
+            <p:style>
+              <a:lnRef idx="1">
+                <a:schemeClr val="accent1"/>
+              </a:lnRef>
+              <a:fillRef idx="0">
+                <a:schemeClr val="accent1"/>
+              </a:fillRef>
+              <a:effectRef idx="0">
+                <a:schemeClr val="accent1"/>
+              </a:effectRef>
+              <a:fontRef idx="minor">
+                <a:schemeClr val="tx1"/>
+              </a:fontRef>
+            </p:style>
+          </p:cxnSp>
+          <p:pic>
+            <p:nvPicPr>
+              <p:cNvPr id="196" name="Grafik 195">
+                <a:extLst>
+                  <a:ext uri="{FF2B5EF4-FFF2-40B4-BE49-F238E27FC236}">
+                    <a16:creationId xmlns:a16="http://schemas.microsoft.com/office/drawing/2014/main" id="{BB73518F-E2B0-410E-867F-94CF13E1F6AB}"/>
+                  </a:ext>
+                </a:extLst>
+              </p:cNvPr>
+              <p:cNvPicPr>
+                <a:picLocks noChangeAspect="1"/>
+              </p:cNvPicPr>
+              <p:nvPr>
+                <p:custDataLst>
+                  <p:tags r:id="rId9"/>
+                </p:custDataLst>
+              </p:nvPr>
+            </p:nvPicPr>
+            <p:blipFill>
+              <a:blip r:embed="rId18">
+                <a:extLst>
+                  <a:ext uri="{28A0092B-C50C-407E-A947-70E740481C1C}">
+                    <a14:useLocalDpi xmlns:a14="http://schemas.microsoft.com/office/drawing/2010/main" val="0"/>
+                  </a:ext>
+                </a:extLst>
+              </a:blip>
+              <a:stretch>
+                <a:fillRect/>
+              </a:stretch>
+            </p:blipFill>
+            <p:spPr>
+              <a:xfrm>
+                <a:off x="7059206" y="1528415"/>
+                <a:ext cx="330986" cy="256771"/>
+              </a:xfrm>
+              <a:prstGeom prst="rect">
+                <a:avLst/>
+              </a:prstGeom>
+            </p:spPr>
+          </p:pic>
+          <p:pic>
+            <p:nvPicPr>
+              <p:cNvPr id="197" name="Grafik 196">
+                <a:extLst>
+                  <a:ext uri="{FF2B5EF4-FFF2-40B4-BE49-F238E27FC236}">
+                    <a16:creationId xmlns:a16="http://schemas.microsoft.com/office/drawing/2014/main" id="{E80B4F40-B12B-480E-8623-A92B86C4BC04}"/>
+                  </a:ext>
+                </a:extLst>
+              </p:cNvPr>
+              <p:cNvPicPr>
+                <a:picLocks noChangeAspect="1"/>
+              </p:cNvPicPr>
+              <p:nvPr>
+                <p:custDataLst>
+                  <p:tags r:id="rId10"/>
+                </p:custDataLst>
+              </p:nvPr>
+            </p:nvPicPr>
+            <p:blipFill>
+              <a:blip r:embed="rId19">
+                <a:extLst>
+                  <a:ext uri="{28A0092B-C50C-407E-A947-70E740481C1C}">
+                    <a14:useLocalDpi xmlns:a14="http://schemas.microsoft.com/office/drawing/2010/main" val="0"/>
+                  </a:ext>
+                </a:extLst>
+              </a:blip>
+              <a:stretch>
+                <a:fillRect/>
+              </a:stretch>
+            </p:blipFill>
+            <p:spPr>
+              <a:xfrm>
+                <a:off x="6903164" y="5460189"/>
+                <a:ext cx="306277" cy="311739"/>
+              </a:xfrm>
+              <a:prstGeom prst="rect">
+                <a:avLst/>
+              </a:prstGeom>
+            </p:spPr>
+          </p:pic>
+        </p:grpSp>
+        <p:grpSp>
+          <p:nvGrpSpPr>
+            <p:cNvPr id="24" name="Gruppieren 23">
+              <a:extLst>
+                <a:ext uri="{FF2B5EF4-FFF2-40B4-BE49-F238E27FC236}">
+                  <a16:creationId xmlns:a16="http://schemas.microsoft.com/office/drawing/2014/main" id="{9D2C5B3F-A6B9-48CE-96E0-9A45AE5B6F2A}"/>
+                </a:ext>
+              </a:extLst>
+            </p:cNvPr>
+            <p:cNvGrpSpPr/>
+            <p:nvPr/>
+          </p:nvGrpSpPr>
+          <p:grpSpPr>
+            <a:xfrm>
+              <a:off x="1712778" y="3766512"/>
+              <a:ext cx="1086562" cy="789059"/>
+              <a:chOff x="1683677" y="2886166"/>
+              <a:chExt cx="1086562" cy="789059"/>
+            </a:xfrm>
+          </p:grpSpPr>
+          <p:cxnSp>
+            <p:nvCxnSpPr>
+              <p:cNvPr id="37" name="Gerade Verbindung mit Pfeil 36">
+                <a:extLst>
+                  <a:ext uri="{FF2B5EF4-FFF2-40B4-BE49-F238E27FC236}">
+                    <a16:creationId xmlns:a16="http://schemas.microsoft.com/office/drawing/2014/main" id="{0CD91C7E-55EA-4AB0-B39D-2A839A48BB43}"/>
+                  </a:ext>
+                </a:extLst>
+              </p:cNvPr>
+              <p:cNvCxnSpPr>
+                <a:cxnSpLocks/>
+              </p:cNvCxnSpPr>
+              <p:nvPr/>
+            </p:nvCxnSpPr>
+            <p:spPr>
+              <a:xfrm flipH="1" flipV="1">
+                <a:off x="1895814" y="3509808"/>
+                <a:ext cx="411741" cy="165417"/>
+              </a:xfrm>
+              <a:prstGeom prst="straightConnector1">
+                <a:avLst/>
+              </a:prstGeom>
+              <a:ln w="25400">
+                <a:solidFill>
+                  <a:schemeClr val="tx1"/>
+                </a:solidFill>
+                <a:tailEnd type="triangle"/>
+              </a:ln>
+            </p:spPr>
+            <p:style>
+              <a:lnRef idx="1">
+                <a:schemeClr val="accent1"/>
+              </a:lnRef>
+              <a:fillRef idx="0">
+                <a:schemeClr val="accent1"/>
+              </a:fillRef>
+              <a:effectRef idx="0">
+                <a:schemeClr val="accent1"/>
+              </a:effectRef>
+              <a:fontRef idx="minor">
+                <a:schemeClr val="tx1"/>
+              </a:fontRef>
+            </p:style>
+          </p:cxnSp>
+          <p:cxnSp>
+            <p:nvCxnSpPr>
+              <p:cNvPr id="38" name="Gerade Verbindung mit Pfeil 37">
+                <a:extLst>
+                  <a:ext uri="{FF2B5EF4-FFF2-40B4-BE49-F238E27FC236}">
+                    <a16:creationId xmlns:a16="http://schemas.microsoft.com/office/drawing/2014/main" id="{6F50EEC5-1FD2-4E50-BAB9-7D22614CD851}"/>
+                  </a:ext>
+                </a:extLst>
+              </p:cNvPr>
+              <p:cNvCxnSpPr>
+                <a:cxnSpLocks/>
+              </p:cNvCxnSpPr>
+              <p:nvPr/>
+            </p:nvCxnSpPr>
+            <p:spPr>
+              <a:xfrm flipV="1">
+                <a:off x="2298098" y="3171440"/>
+                <a:ext cx="9455" cy="501697"/>
+              </a:xfrm>
+              <a:prstGeom prst="straightConnector1">
+                <a:avLst/>
+              </a:prstGeom>
+              <a:ln w="25400">
+                <a:solidFill>
+                  <a:schemeClr val="tx1"/>
+                </a:solidFill>
+                <a:tailEnd type="triangle"/>
+              </a:ln>
+            </p:spPr>
+            <p:style>
+              <a:lnRef idx="1">
+                <a:schemeClr val="accent1"/>
+              </a:lnRef>
+              <a:fillRef idx="0">
+                <a:schemeClr val="accent1"/>
+              </a:fillRef>
+              <a:effectRef idx="0">
+                <a:schemeClr val="accent1"/>
+              </a:effectRef>
+              <a:fontRef idx="minor">
+                <a:schemeClr val="tx1"/>
+              </a:fontRef>
+            </p:style>
+          </p:cxnSp>
+          <p:cxnSp>
+            <p:nvCxnSpPr>
+              <p:cNvPr id="40" name="Gerade Verbindung mit Pfeil 39">
+                <a:extLst>
+                  <a:ext uri="{FF2B5EF4-FFF2-40B4-BE49-F238E27FC236}">
+                    <a16:creationId xmlns:a16="http://schemas.microsoft.com/office/drawing/2014/main" id="{7B5971D7-BAFB-4C2E-89CE-2E0151110924}"/>
+                  </a:ext>
+                </a:extLst>
+              </p:cNvPr>
+              <p:cNvCxnSpPr>
+                <a:cxnSpLocks/>
+              </p:cNvCxnSpPr>
+              <p:nvPr/>
+            </p:nvCxnSpPr>
+            <p:spPr>
+              <a:xfrm flipV="1">
+                <a:off x="2298098" y="3509808"/>
+                <a:ext cx="472141" cy="163330"/>
+              </a:xfrm>
+              <a:prstGeom prst="straightConnector1">
+                <a:avLst/>
+              </a:prstGeom>
+              <a:ln w="25400">
+                <a:solidFill>
+                  <a:schemeClr val="tx1"/>
+                </a:solidFill>
+                <a:tailEnd type="triangle"/>
+              </a:ln>
+            </p:spPr>
+            <p:style>
+              <a:lnRef idx="1">
+                <a:schemeClr val="accent1"/>
+              </a:lnRef>
+              <a:fillRef idx="0">
+                <a:schemeClr val="accent1"/>
+              </a:fillRef>
+              <a:effectRef idx="0">
+                <a:schemeClr val="accent1"/>
+              </a:effectRef>
+              <a:fontRef idx="minor">
+                <a:schemeClr val="tx1"/>
+              </a:fontRef>
+            </p:style>
+          </p:cxnSp>
+          <p:pic>
+            <p:nvPicPr>
+              <p:cNvPr id="41" name="Grafik 40">
+                <a:extLst>
+                  <a:ext uri="{FF2B5EF4-FFF2-40B4-BE49-F238E27FC236}">
+                    <a16:creationId xmlns:a16="http://schemas.microsoft.com/office/drawing/2014/main" id="{2A8908B3-3248-4FBF-A029-8681CE78DBB0}"/>
+                  </a:ext>
+                </a:extLst>
+              </p:cNvPr>
+              <p:cNvPicPr>
+                <a:picLocks noChangeAspect="1"/>
+              </p:cNvPicPr>
+              <p:nvPr>
+                <p:custDataLst>
+                  <p:tags r:id="rId1"/>
+                </p:custDataLst>
+              </p:nvPr>
+            </p:nvPicPr>
+            <p:blipFill>
+              <a:blip r:embed="rId20">
+                <a:extLst>
+                  <a:ext uri="{28A0092B-C50C-407E-A947-70E740481C1C}">
+                    <a14:useLocalDpi xmlns:a14="http://schemas.microsoft.com/office/drawing/2010/main" val="0"/>
+                  </a:ext>
+                </a:extLst>
+              </a:blip>
+              <a:stretch>
+                <a:fillRect/>
+              </a:stretch>
+            </p:blipFill>
+            <p:spPr>
+              <a:xfrm>
+                <a:off x="1683677" y="3359106"/>
+                <a:ext cx="150448" cy="120055"/>
+              </a:xfrm>
+              <a:prstGeom prst="rect">
+                <a:avLst/>
+              </a:prstGeom>
+            </p:spPr>
+          </p:pic>
+          <p:pic>
+            <p:nvPicPr>
+              <p:cNvPr id="42" name="Grafik 41">
+                <a:extLst>
+                  <a:ext uri="{FF2B5EF4-FFF2-40B4-BE49-F238E27FC236}">
+                    <a16:creationId xmlns:a16="http://schemas.microsoft.com/office/drawing/2014/main" id="{31216ED0-35BD-43EE-9688-54F836D11CF6}"/>
+                  </a:ext>
+                </a:extLst>
+              </p:cNvPr>
+              <p:cNvPicPr>
+                <a:picLocks noChangeAspect="1"/>
+              </p:cNvPicPr>
+              <p:nvPr>
+                <p:custDataLst>
+                  <p:tags r:id="rId2"/>
+                </p:custDataLst>
+              </p:nvPr>
+            </p:nvPicPr>
+            <p:blipFill>
+              <a:blip r:embed="rId21">
+                <a:extLst>
+                  <a:ext uri="{28A0092B-C50C-407E-A947-70E740481C1C}">
+                    <a14:useLocalDpi xmlns:a14="http://schemas.microsoft.com/office/drawing/2010/main" val="0"/>
+                  </a:ext>
+                </a:extLst>
+              </a:blip>
+              <a:stretch>
+                <a:fillRect/>
+              </a:stretch>
+            </p:blipFill>
+            <p:spPr>
+              <a:xfrm>
+                <a:off x="2235121" y="2886166"/>
+                <a:ext cx="144864" cy="166279"/>
+              </a:xfrm>
+              <a:prstGeom prst="rect">
+                <a:avLst/>
+              </a:prstGeom>
+            </p:spPr>
+          </p:pic>
+          <p:pic>
+            <p:nvPicPr>
+              <p:cNvPr id="43" name="Grafik 42">
+                <a:extLst>
+                  <a:ext uri="{FF2B5EF4-FFF2-40B4-BE49-F238E27FC236}">
+                    <a16:creationId xmlns:a16="http://schemas.microsoft.com/office/drawing/2014/main" id="{0368EF09-43E2-44DA-8851-384D710F0D1F}"/>
+                  </a:ext>
+                </a:extLst>
+              </p:cNvPr>
+              <p:cNvPicPr>
+                <a:picLocks noChangeAspect="1"/>
+              </p:cNvPicPr>
+              <p:nvPr>
+                <p:custDataLst>
+                  <p:tags r:id="rId3"/>
+                </p:custDataLst>
+              </p:nvPr>
+            </p:nvPicPr>
+            <p:blipFill>
+              <a:blip r:embed="rId22">
+                <a:extLst>
+                  <a:ext uri="{28A0092B-C50C-407E-A947-70E740481C1C}">
+                    <a14:useLocalDpi xmlns:a14="http://schemas.microsoft.com/office/drawing/2010/main" val="0"/>
+                  </a:ext>
+                </a:extLst>
+              </a:blip>
+              <a:stretch>
+                <a:fillRect/>
+              </a:stretch>
+            </p:blipFill>
+            <p:spPr>
+              <a:xfrm>
+                <a:off x="2623274" y="3323699"/>
+                <a:ext cx="132360" cy="117677"/>
+              </a:xfrm>
+              <a:prstGeom prst="rect">
+                <a:avLst/>
+              </a:prstGeom>
+            </p:spPr>
+          </p:pic>
+        </p:grpSp>
+      </p:grpSp>
     </p:spTree>
     <p:extLst>
       <p:ext uri="{BB962C8B-B14F-4D97-AF65-F5344CB8AC3E}">
@@ -6239,7 +7679,7 @@
             <a:lstStyle/>
             <a:p>
               <a:pPr algn="ctr"/>
-              <a:endParaRPr lang="en-GB">
+              <a:endParaRPr lang="en-GB" dirty="0">
                 <a:solidFill>
                   <a:schemeClr val="tx1"/>
                 </a:solidFill>
@@ -6297,7 +7737,7 @@
             <a:lstStyle/>
             <a:p>
               <a:pPr algn="ctr"/>
-              <a:endParaRPr lang="en-GB">
+              <a:endParaRPr lang="en-GB" dirty="0">
                 <a:solidFill>
                   <a:schemeClr val="tx1"/>
                 </a:solidFill>
@@ -6443,7 +7883,7 @@
             <a:lstStyle/>
             <a:p>
               <a:pPr algn="ctr"/>
-              <a:endParaRPr lang="en-GB">
+              <a:endParaRPr lang="en-GB" dirty="0">
                 <a:solidFill>
                   <a:schemeClr val="tx1"/>
                 </a:solidFill>
@@ -6663,7 +8103,7 @@
             <a:lstStyle/>
             <a:p>
               <a:pPr algn="ctr"/>
-              <a:endParaRPr lang="en-GB"/>
+              <a:endParaRPr lang="en-GB" dirty="0"/>
             </a:p>
           </p:txBody>
         </p:sp>
@@ -6735,7 +8175,7 @@
               <a:lstStyle/>
               <a:p>
                 <a:pPr algn="ctr"/>
-                <a:endParaRPr lang="en-GB"/>
+                <a:endParaRPr lang="en-GB" dirty="0"/>
               </a:p>
             </p:txBody>
           </p:sp>
@@ -6787,7 +8227,7 @@
               <a:lstStyle/>
               <a:p>
                 <a:pPr algn="ctr"/>
-                <a:endParaRPr lang="en-GB"/>
+                <a:endParaRPr lang="en-GB" dirty="0"/>
               </a:p>
             </p:txBody>
           </p:sp>
@@ -6839,7 +8279,7 @@
               <a:lstStyle/>
               <a:p>
                 <a:pPr algn="ctr"/>
-                <a:endParaRPr lang="en-GB"/>
+                <a:endParaRPr lang="en-GB" dirty="0"/>
               </a:p>
             </p:txBody>
           </p:sp>
@@ -6892,7 +8332,7 @@
             <a:lstStyle/>
             <a:p>
               <a:pPr algn="ctr"/>
-              <a:endParaRPr lang="en-GB"/>
+              <a:endParaRPr lang="en-GB" dirty="0"/>
             </a:p>
           </p:txBody>
         </p:sp>
@@ -6944,7 +8384,7 @@
             <a:lstStyle/>
             <a:p>
               <a:pPr algn="ctr"/>
-              <a:endParaRPr lang="en-GB"/>
+              <a:endParaRPr lang="en-GB" dirty="0"/>
             </a:p>
           </p:txBody>
         </p:sp>
@@ -7016,7 +8456,7 @@
               <a:lstStyle/>
               <a:p>
                 <a:pPr algn="ctr"/>
-                <a:endParaRPr lang="en-GB"/>
+                <a:endParaRPr lang="en-GB" dirty="0"/>
               </a:p>
             </p:txBody>
           </p:sp>
@@ -7068,7 +8508,7 @@
               <a:lstStyle/>
               <a:p>
                 <a:pPr algn="ctr"/>
-                <a:endParaRPr lang="en-GB"/>
+                <a:endParaRPr lang="en-GB" dirty="0"/>
               </a:p>
             </p:txBody>
           </p:sp>
@@ -7121,7 +8561,7 @@
             <a:lstStyle/>
             <a:p>
               <a:pPr algn="ctr"/>
-              <a:endParaRPr lang="en-GB"/>
+              <a:endParaRPr lang="en-GB" dirty="0"/>
             </a:p>
           </p:txBody>
         </p:sp>
@@ -7173,7 +8613,7 @@
             <a:lstStyle/>
             <a:p>
               <a:pPr algn="ctr"/>
-              <a:endParaRPr lang="en-GB"/>
+              <a:endParaRPr lang="en-GB" dirty="0"/>
             </a:p>
           </p:txBody>
         </p:sp>
@@ -7405,7 +8845,7 @@
               <a:lstStyle/>
               <a:p>
                 <a:pPr algn="ctr"/>
-                <a:endParaRPr lang="en-GB"/>
+                <a:endParaRPr lang="en-GB" dirty="0"/>
               </a:p>
             </p:txBody>
           </p:sp>
@@ -7457,7 +8897,7 @@
               <a:lstStyle/>
               <a:p>
                 <a:pPr algn="ctr"/>
-                <a:endParaRPr lang="en-GB"/>
+                <a:endParaRPr lang="en-GB" dirty="0"/>
               </a:p>
             </p:txBody>
           </p:sp>
@@ -7509,7 +8949,7 @@
               <a:lstStyle/>
               <a:p>
                 <a:pPr algn="ctr"/>
-                <a:endParaRPr lang="en-GB"/>
+                <a:endParaRPr lang="en-GB" dirty="0"/>
               </a:p>
             </p:txBody>
           </p:sp>
@@ -7582,7 +9022,7 @@
               <a:lstStyle/>
               <a:p>
                 <a:pPr algn="ctr"/>
-                <a:endParaRPr lang="en-GB"/>
+                <a:endParaRPr lang="en-GB" dirty="0"/>
               </a:p>
             </p:txBody>
           </p:sp>
@@ -7634,7 +9074,7 @@
               <a:lstStyle/>
               <a:p>
                 <a:pPr algn="ctr"/>
-                <a:endParaRPr lang="en-GB"/>
+                <a:endParaRPr lang="en-GB" dirty="0"/>
               </a:p>
             </p:txBody>
           </p:sp>
@@ -21016,6 +22456,44 @@
 </p:tagLst>
 </file>
 
+<file path=ppt/tags/tag88.xml><?xml version="1.0" encoding="utf-8"?>
+<p:tagLst xmlns:a="http://schemas.openxmlformats.org/drawingml/2006/main" xmlns:r="http://schemas.openxmlformats.org/officeDocument/2006/relationships" xmlns:p="http://schemas.openxmlformats.org/presentationml/2006/main">
+  <p:tag name="OUTPUTDPI" val="1200"/>
+  <p:tag name="ORIGINALHEIGHT" val="56,99291"/>
+  <p:tag name="ORIGINALWIDTH" val="71,2411"/>
+  <p:tag name="LATEXADDIN" val="\documentclass{article}&#10;\usepackage{amsmath}&#10;\usepackage{bm}&#10;\usepackage{color}&#10;\pagestyle{empty}&#10;\begin{document}&#10;\begin{equation}&#10;\bm{x}&#10;\nonumber&#10;\end{equation}&#10;\end{document}"/>
+  <p:tag name="IGUANATEXSIZE" val="20"/>
+  <p:tag name="IGUANATEXCURSOR" val="135"/>
+  <p:tag name="TRANSPARENCY" val="Wahr"/>
+  <p:tag name="FILENAME" val=""/>
+  <p:tag name="LATEXENGINEID" val="0"/>
+  <p:tag name="TEMPFOLDER" val="c:\temp\"/>
+  <p:tag name="LATEXFORMHEIGHT" val="312"/>
+  <p:tag name="LATEXFORMWIDTH" val="384"/>
+  <p:tag name="LATEXFORMWRAP" val="Wahr"/>
+  <p:tag name="BITMAPVECTOR" val="0"/>
+</p:tagLst>
+</file>
+
+<file path=ppt/tags/tag89.xml><?xml version="1.0" encoding="utf-8"?>
+<p:tagLst xmlns:a="http://schemas.openxmlformats.org/drawingml/2006/main" xmlns:r="http://schemas.openxmlformats.org/officeDocument/2006/relationships" xmlns:p="http://schemas.openxmlformats.org/presentationml/2006/main">
+  <p:tag name="OUTPUTDPI" val="1200"/>
+  <p:tag name="ORIGINALHEIGHT" val="80,98985"/>
+  <p:tag name="ORIGINALWIDTH" val="68,99134"/>
+  <p:tag name="LATEXADDIN" val="\documentclass{article}&#10;\usepackage{amsmath}&#10;\usepackage{bm}&#10;\usepackage{color}&#10;\pagestyle{empty}&#10;\begin{document}&#10;\begin{equation}&#10;\bm{y}&#10;\nonumber&#10;\end{equation}&#10;\end{document}"/>
+  <p:tag name="IGUANATEXSIZE" val="20"/>
+  <p:tag name="IGUANATEXCURSOR" val="59"/>
+  <p:tag name="TRANSPARENCY" val="Wahr"/>
+  <p:tag name="FILENAME" val=""/>
+  <p:tag name="LATEXENGINEID" val="0"/>
+  <p:tag name="TEMPFOLDER" val="c:\temp\"/>
+  <p:tag name="LATEXFORMHEIGHT" val="312"/>
+  <p:tag name="LATEXFORMWIDTH" val="384"/>
+  <p:tag name="LATEXFORMWRAP" val="Wahr"/>
+  <p:tag name="BITMAPVECTOR" val="0"/>
+</p:tagLst>
+</file>
+
 <file path=ppt/tags/tag9.xml><?xml version="1.0" encoding="utf-8"?>
 <p:tagLst xmlns:a="http://schemas.openxmlformats.org/drawingml/2006/main" xmlns:r="http://schemas.openxmlformats.org/officeDocument/2006/relationships" xmlns:p="http://schemas.openxmlformats.org/presentationml/2006/main">
   <p:tag name="OUTPUTDPI" val="1200"/>
@@ -21024,6 +22502,158 @@
   <p:tag name="LATEXADDIN" val="\documentclass{article}&#10;\usepackage{amsmath}&#10;\usepackage{color}&#10;\pagestyle{empty}&#10;\begin{document}&#10;\color{white}&#10;\begin{equation}&#10;y&#10;\nonumber&#10;\end{equation}&#10;\end{document}"/>
   <p:tag name="IGUANATEXSIZE" val="20"/>
   <p:tag name="IGUANATEXCURSOR" val="131"/>
+  <p:tag name="TRANSPARENCY" val="Wahr"/>
+  <p:tag name="FILENAME" val=""/>
+  <p:tag name="LATEXENGINEID" val="0"/>
+  <p:tag name="TEMPFOLDER" val="c:\temp\"/>
+  <p:tag name="LATEXFORMHEIGHT" val="312"/>
+  <p:tag name="LATEXFORMWIDTH" val="384"/>
+  <p:tag name="LATEXFORMWRAP" val="Wahr"/>
+  <p:tag name="BITMAPVECTOR" val="0"/>
+</p:tagLst>
+</file>
+
+<file path=ppt/tags/tag90.xml><?xml version="1.0" encoding="utf-8"?>
+<p:tagLst xmlns:a="http://schemas.openxmlformats.org/drawingml/2006/main" xmlns:r="http://schemas.openxmlformats.org/officeDocument/2006/relationships" xmlns:p="http://schemas.openxmlformats.org/presentationml/2006/main">
+  <p:tag name="OUTPUTDPI" val="1200"/>
+  <p:tag name="ORIGINALHEIGHT" val="56,99291"/>
+  <p:tag name="ORIGINALWIDTH" val="62,99213"/>
+  <p:tag name="LATEXADDIN" val="\documentclass{article}&#10;\usepackage{amsmath}&#10;\usepackage{bm}&#10;\usepackage{color}&#10;\pagestyle{empty}&#10;\begin{document}&#10;\begin{equation}&#10;\bm{z}&#10;\nonumber&#10;\end{equation}&#10;\end{document}"/>
+  <p:tag name="IGUANATEXSIZE" val="20"/>
+  <p:tag name="IGUANATEXCURSOR" val="138"/>
+  <p:tag name="TRANSPARENCY" val="Wahr"/>
+  <p:tag name="FILENAME" val=""/>
+  <p:tag name="LATEXENGINEID" val="0"/>
+  <p:tag name="TEMPFOLDER" val="c:\temp\"/>
+  <p:tag name="LATEXFORMHEIGHT" val="312"/>
+  <p:tag name="LATEXFORMWIDTH" val="384"/>
+  <p:tag name="LATEXFORMWRAP" val="Wahr"/>
+  <p:tag name="BITMAPVECTOR" val="0"/>
+</p:tagLst>
+</file>
+
+<file path=ppt/tags/tag91.xml><?xml version="1.0" encoding="utf-8"?>
+<p:tagLst xmlns:a="http://schemas.openxmlformats.org/drawingml/2006/main" xmlns:r="http://schemas.openxmlformats.org/officeDocument/2006/relationships" xmlns:p="http://schemas.openxmlformats.org/presentationml/2006/main">
+  <p:tag name="OUTPUTDPI" val="1200"/>
+  <p:tag name="ORIGINALHEIGHT" val="110,2362"/>
+  <p:tag name="ORIGINALWIDTH" val="740,1575"/>
+  <p:tag name="LATEXADDIN" val="\documentclass{article}&#10;\usepackage{amsmath}&#10;\usepackage{color}&#10;\pagestyle{empty}&#10;\begin{document}&#10;%\color{white}&#10;Epipolar Line&#10;\end{document}"/>
+  <p:tag name="IGUANATEXSIZE" val="20"/>
+  <p:tag name="IGUANATEXCURSOR" val="127"/>
+  <p:tag name="TRANSPARENCY" val="Wahr"/>
+  <p:tag name="FILENAME" val=""/>
+  <p:tag name="LATEXENGINEID" val="0"/>
+  <p:tag name="TEMPFOLDER" val="c:\temp\"/>
+  <p:tag name="LATEXFORMHEIGHT" val="312"/>
+  <p:tag name="LATEXFORMWIDTH" val="384"/>
+  <p:tag name="LATEXFORMWRAP" val="Wahr"/>
+  <p:tag name="BITMAPVECTOR" val="0"/>
+</p:tagLst>
+</file>
+
+<file path=ppt/tags/tag92.xml><?xml version="1.0" encoding="utf-8"?>
+<p:tagLst xmlns:a="http://schemas.openxmlformats.org/drawingml/2006/main" xmlns:r="http://schemas.openxmlformats.org/officeDocument/2006/relationships" xmlns:p="http://schemas.openxmlformats.org/presentationml/2006/main">
+  <p:tag name="OUTPUTDPI" val="1200"/>
+  <p:tag name="ORIGINALHEIGHT" val="90,73866"/>
+  <p:tag name="ORIGINALWIDTH" val="678,6652"/>
+  <p:tag name="LATEXADDIN" val="\documentclass{article}&#10;\usepackage{amsmath}&#10;\usepackage{color}&#10;\pagestyle{empty}&#10;\begin{document}&#10;%\color{white}&#10;Left Camera&#10;\end{document}"/>
+  <p:tag name="IGUANATEXSIZE" val="20"/>
+  <p:tag name="IGUANATEXCURSOR" val="125"/>
+  <p:tag name="TRANSPARENCY" val="Wahr"/>
+  <p:tag name="FILENAME" val=""/>
+  <p:tag name="LATEXENGINEID" val="0"/>
+  <p:tag name="TEMPFOLDER" val="c:\temp\"/>
+  <p:tag name="LATEXFORMHEIGHT" val="312"/>
+  <p:tag name="LATEXFORMWIDTH" val="384"/>
+  <p:tag name="LATEXFORMWRAP" val="Wahr"/>
+  <p:tag name="BITMAPVECTOR" val="0"/>
+</p:tagLst>
+</file>
+
+<file path=ppt/tags/tag93.xml><?xml version="1.0" encoding="utf-8"?>
+<p:tagLst xmlns:a="http://schemas.openxmlformats.org/drawingml/2006/main" xmlns:r="http://schemas.openxmlformats.org/officeDocument/2006/relationships" xmlns:p="http://schemas.openxmlformats.org/presentationml/2006/main">
+  <p:tag name="OUTPUTDPI" val="1200"/>
+  <p:tag name="ORIGINALHEIGHT" val="113,2358"/>
+  <p:tag name="ORIGINALWIDTH" val="761,9047"/>
+  <p:tag name="LATEXADDIN" val="\documentclass{article}&#10;\usepackage{amsmath}&#10;\usepackage{color}&#10;\pagestyle{empty}&#10;\begin{document}&#10;%\color{white}&#10;Right Camera&#10;\end{document}"/>
+  <p:tag name="IGUANATEXSIZE" val="20"/>
+  <p:tag name="IGUANATEXCURSOR" val="120"/>
+  <p:tag name="TRANSPARENCY" val="Wahr"/>
+  <p:tag name="FILENAME" val=""/>
+  <p:tag name="LATEXENGINEID" val="0"/>
+  <p:tag name="TEMPFOLDER" val="c:\temp\"/>
+  <p:tag name="LATEXFORMHEIGHT" val="312"/>
+  <p:tag name="LATEXFORMWIDTH" val="384"/>
+  <p:tag name="LATEXFORMWRAP" val="Wahr"/>
+  <p:tag name="BITMAPVECTOR" val="0"/>
+</p:tagLst>
+</file>
+
+<file path=ppt/tags/tag94.xml><?xml version="1.0" encoding="utf-8"?>
+<p:tagLst xmlns:a="http://schemas.openxmlformats.org/drawingml/2006/main" xmlns:r="http://schemas.openxmlformats.org/officeDocument/2006/relationships" xmlns:p="http://schemas.openxmlformats.org/presentationml/2006/main">
+  <p:tag name="OUTPUTDPI" val="1200"/>
+  <p:tag name="ORIGINALHEIGHT" val="113,2358"/>
+  <p:tag name="ORIGINALWIDTH" val="357,7053"/>
+  <p:tag name="LATEXADDIN" val="\documentclass{article}&#10;\usepackage{amsmath}&#10;\usepackage{color}&#10;\pagestyle{empty}&#10;\begin{document}&#10;%\color{white}&#10;Object&#10;\end{document}"/>
+  <p:tag name="IGUANATEXSIZE" val="20"/>
+  <p:tag name="IGUANATEXCURSOR" val="120"/>
+  <p:tag name="TRANSPARENCY" val="Wahr"/>
+  <p:tag name="FILENAME" val=""/>
+  <p:tag name="LATEXENGINEID" val="0"/>
+  <p:tag name="TEMPFOLDER" val="c:\temp\"/>
+  <p:tag name="LATEXFORMHEIGHT" val="312"/>
+  <p:tag name="LATEXFORMWIDTH" val="384"/>
+  <p:tag name="LATEXFORMWRAP" val="Wahr"/>
+  <p:tag name="BITMAPVECTOR" val="0"/>
+</p:tagLst>
+</file>
+
+<file path=ppt/tags/tag95.xml><?xml version="1.0" encoding="utf-8"?>
+<p:tagLst xmlns:a="http://schemas.openxmlformats.org/drawingml/2006/main" xmlns:r="http://schemas.openxmlformats.org/officeDocument/2006/relationships" xmlns:p="http://schemas.openxmlformats.org/presentationml/2006/main">
+  <p:tag name="OUTPUTDPI" val="1200"/>
+  <p:tag name="ORIGINALHEIGHT" val="110,9861"/>
+  <p:tag name="ORIGINALWIDTH" val="321,7098"/>
+  <p:tag name="LATEXADDIN" val="\documentclass{article}&#10;\usepackage{amsmath}&#10;\usepackage{color}&#10;\pagestyle{empty}&#10;\begin{document}&#10;%\color{white}&#10;Image&#10;\end{document}"/>
+  <p:tag name="IGUANATEXSIZE" val="20"/>
+  <p:tag name="IGUANATEXCURSOR" val="119"/>
+  <p:tag name="TRANSPARENCY" val="Wahr"/>
+  <p:tag name="FILENAME" val=""/>
+  <p:tag name="LATEXENGINEID" val="0"/>
+  <p:tag name="TEMPFOLDER" val="c:\temp\"/>
+  <p:tag name="LATEXFORMHEIGHT" val="312"/>
+  <p:tag name="LATEXFORMWIDTH" val="384"/>
+  <p:tag name="LATEXFORMWRAP" val="Wahr"/>
+  <p:tag name="BITMAPVECTOR" val="0"/>
+</p:tagLst>
+</file>
+
+<file path=ppt/tags/tag96.xml><?xml version="1.0" encoding="utf-8"?>
+<p:tagLst xmlns:a="http://schemas.openxmlformats.org/drawingml/2006/main" xmlns:r="http://schemas.openxmlformats.org/officeDocument/2006/relationships" xmlns:p="http://schemas.openxmlformats.org/presentationml/2006/main">
+  <p:tag name="OUTPUTDPI" val="1200"/>
+  <p:tag name="ORIGINALHEIGHT" val="85,48929"/>
+  <p:tag name="ORIGINALWIDTH" val="114,7357"/>
+  <p:tag name="LATEXADDIN" val="\documentclass{article}&#10;\usepackage{amsmath}&#10;\usepackage{bm}&#10;\usepackage{color}&#10;\pagestyle{empty}&#10;\begin{document}&#10;%\color{white}&#10;\begin{equation}&#10;\bm{X}&#10;\nonumber&#10;\end{equation}&#10;\end{document}"/>
+  <p:tag name="IGUANATEXSIZE" val="20"/>
+  <p:tag name="IGUANATEXCURSOR" val="163"/>
+  <p:tag name="TRANSPARENCY" val="Wahr"/>
+  <p:tag name="FILENAME" val=""/>
+  <p:tag name="LATEXENGINEID" val="0"/>
+  <p:tag name="TEMPFOLDER" val="c:\temp\"/>
+  <p:tag name="LATEXFORMHEIGHT" val="312"/>
+  <p:tag name="LATEXFORMWIDTH" val="384"/>
+  <p:tag name="LATEXFORMWRAP" val="Wahr"/>
+  <p:tag name="BITMAPVECTOR" val="0"/>
+</p:tagLst>
+</file>
+
+<file path=ppt/tags/tag97.xml><?xml version="1.0" encoding="utf-8"?>
+<p:tagLst xmlns:a="http://schemas.openxmlformats.org/drawingml/2006/main" xmlns:r="http://schemas.openxmlformats.org/officeDocument/2006/relationships" xmlns:p="http://schemas.openxmlformats.org/presentationml/2006/main">
+  <p:tag name="OUTPUTDPI" val="1200"/>
+  <p:tag name="ORIGINALHEIGHT" val="101,2373"/>
+  <p:tag name="ORIGINALWIDTH" val="103,4871"/>
+  <p:tag name="LATEXADDIN" val="\documentclass{article}&#10;\usepackage{amsmath}&#10;\usepackage{bm}&#10;\usepackage{color}&#10;\pagestyle{empty}&#10;\begin{document}&#10;%\color{white}&#10;\begin{equation}&#10;\bm{x}'&#10;\nonumber&#10;\end{equation}&#10;\end{document}"/>
+  <p:tag name="IGUANATEXSIZE" val="20"/>
+  <p:tag name="IGUANATEXCURSOR" val="154"/>
   <p:tag name="TRANSPARENCY" val="Wahr"/>
   <p:tag name="FILENAME" val=""/>
   <p:tag name="LATEXENGINEID" val="0"/>

--- a/windows/masters_thesis_imgs.pptx
+++ b/windows/masters_thesis_imgs.pptx
@@ -15,6 +15,7 @@
     <p:sldId id="263" r:id="rId9"/>
     <p:sldId id="264" r:id="rId10"/>
     <p:sldId id="265" r:id="rId11"/>
+    <p:sldId id="266" r:id="rId12"/>
   </p:sldIdLst>
   <p:sldSz cx="12192000" cy="6858000"/>
   <p:notesSz cx="6858000" cy="9144000"/>
@@ -116,7 +117,7 @@
   <p:extLst>
     <p:ext uri="{EFAFB233-063F-42B5-8137-9DF3F51BA10A}">
       <p15:sldGuideLst xmlns:p15="http://schemas.microsoft.com/office/powerpoint/2012/main">
-        <p15:guide id="1" orient="horz" pos="1888" userDrawn="1">
+        <p15:guide id="1" orient="horz" pos="1865" userDrawn="1">
           <p15:clr>
             <a:srgbClr val="A4A3A4"/>
           </p15:clr>
@@ -281,7 +282,7 @@
           <a:p>
             <a:fld id="{E9193408-0E9E-4716-B232-5E8342DA9E48}" type="datetimeFigureOut">
               <a:rPr lang="en-GB" smtClean="0"/>
-              <a:t>18/06/2019</a:t>
+              <a:t>22/06/2019</a:t>
             </a:fld>
             <a:endParaRPr lang="en-GB"/>
           </a:p>
@@ -481,7 +482,7 @@
           <a:p>
             <a:fld id="{E9193408-0E9E-4716-B232-5E8342DA9E48}" type="datetimeFigureOut">
               <a:rPr lang="en-GB" smtClean="0"/>
-              <a:t>18/06/2019</a:t>
+              <a:t>22/06/2019</a:t>
             </a:fld>
             <a:endParaRPr lang="en-GB"/>
           </a:p>
@@ -691,7 +692,7 @@
           <a:p>
             <a:fld id="{E9193408-0E9E-4716-B232-5E8342DA9E48}" type="datetimeFigureOut">
               <a:rPr lang="en-GB" smtClean="0"/>
-              <a:t>18/06/2019</a:t>
+              <a:t>22/06/2019</a:t>
             </a:fld>
             <a:endParaRPr lang="en-GB"/>
           </a:p>
@@ -891,7 +892,7 @@
           <a:p>
             <a:fld id="{E9193408-0E9E-4716-B232-5E8342DA9E48}" type="datetimeFigureOut">
               <a:rPr lang="en-GB" smtClean="0"/>
-              <a:t>18/06/2019</a:t>
+              <a:t>22/06/2019</a:t>
             </a:fld>
             <a:endParaRPr lang="en-GB"/>
           </a:p>
@@ -1167,7 +1168,7 @@
           <a:p>
             <a:fld id="{E9193408-0E9E-4716-B232-5E8342DA9E48}" type="datetimeFigureOut">
               <a:rPr lang="en-GB" smtClean="0"/>
-              <a:t>18/06/2019</a:t>
+              <a:t>22/06/2019</a:t>
             </a:fld>
             <a:endParaRPr lang="en-GB"/>
           </a:p>
@@ -1435,7 +1436,7 @@
           <a:p>
             <a:fld id="{E9193408-0E9E-4716-B232-5E8342DA9E48}" type="datetimeFigureOut">
               <a:rPr lang="en-GB" smtClean="0"/>
-              <a:t>18/06/2019</a:t>
+              <a:t>22/06/2019</a:t>
             </a:fld>
             <a:endParaRPr lang="en-GB"/>
           </a:p>
@@ -1850,7 +1851,7 @@
           <a:p>
             <a:fld id="{E9193408-0E9E-4716-B232-5E8342DA9E48}" type="datetimeFigureOut">
               <a:rPr lang="en-GB" smtClean="0"/>
-              <a:t>18/06/2019</a:t>
+              <a:t>22/06/2019</a:t>
             </a:fld>
             <a:endParaRPr lang="en-GB"/>
           </a:p>
@@ -1992,7 +1993,7 @@
           <a:p>
             <a:fld id="{E9193408-0E9E-4716-B232-5E8342DA9E48}" type="datetimeFigureOut">
               <a:rPr lang="en-GB" smtClean="0"/>
-              <a:t>18/06/2019</a:t>
+              <a:t>22/06/2019</a:t>
             </a:fld>
             <a:endParaRPr lang="en-GB"/>
           </a:p>
@@ -2105,7 +2106,7 @@
           <a:p>
             <a:fld id="{E9193408-0E9E-4716-B232-5E8342DA9E48}" type="datetimeFigureOut">
               <a:rPr lang="en-GB" smtClean="0"/>
-              <a:t>18/06/2019</a:t>
+              <a:t>22/06/2019</a:t>
             </a:fld>
             <a:endParaRPr lang="en-GB"/>
           </a:p>
@@ -2418,7 +2419,7 @@
           <a:p>
             <a:fld id="{E9193408-0E9E-4716-B232-5E8342DA9E48}" type="datetimeFigureOut">
               <a:rPr lang="en-GB" smtClean="0"/>
-              <a:t>18/06/2019</a:t>
+              <a:t>22/06/2019</a:t>
             </a:fld>
             <a:endParaRPr lang="en-GB"/>
           </a:p>
@@ -2707,7 +2708,7 @@
           <a:p>
             <a:fld id="{E9193408-0E9E-4716-B232-5E8342DA9E48}" type="datetimeFigureOut">
               <a:rPr lang="en-GB" smtClean="0"/>
-              <a:t>18/06/2019</a:t>
+              <a:t>22/06/2019</a:t>
             </a:fld>
             <a:endParaRPr lang="en-GB"/>
           </a:p>
@@ -2950,7 +2951,7 @@
           <a:p>
             <a:fld id="{E9193408-0E9E-4716-B232-5E8342DA9E48}" type="datetimeFigureOut">
               <a:rPr lang="en-GB" smtClean="0"/>
-              <a:t>18/06/2019</a:t>
+              <a:t>22/06/2019</a:t>
             </a:fld>
             <a:endParaRPr lang="en-GB"/>
           </a:p>
@@ -6004,10 +6005,10 @@
       </p:sp>
       <p:grpSp>
         <p:nvGrpSpPr>
-          <p:cNvPr id="50" name="Gruppieren 49">
+          <p:cNvPr id="9" name="Gruppieren 8">
             <a:extLst>
               <a:ext uri="{FF2B5EF4-FFF2-40B4-BE49-F238E27FC236}">
-                <a16:creationId xmlns:a16="http://schemas.microsoft.com/office/drawing/2014/main" id="{234E240E-EE18-4707-A6AB-3D111E71612F}"/>
+                <a16:creationId xmlns:a16="http://schemas.microsoft.com/office/drawing/2014/main" id="{4076C654-4404-4569-88AC-15722038D59B}"/>
               </a:ext>
             </a:extLst>
           </p:cNvPr>
@@ -6016,10 +6017,10 @@
         </p:nvGrpSpPr>
         <p:grpSpPr>
           <a:xfrm>
-            <a:off x="2215327" y="2879837"/>
-            <a:ext cx="3162757" cy="1756962"/>
-            <a:chOff x="569407" y="2239757"/>
-            <a:chExt cx="3162757" cy="1756962"/>
+            <a:off x="554124" y="-576443"/>
+            <a:ext cx="11303848" cy="6912559"/>
+            <a:chOff x="554124" y="-576443"/>
+            <a:chExt cx="11303848" cy="6912559"/>
           </a:xfrm>
         </p:grpSpPr>
         <p:grpSp>
@@ -6036,7 +6037,7 @@
           </p:nvGrpSpPr>
           <p:grpSpPr>
             <a:xfrm>
-              <a:off x="569407" y="3805599"/>
+              <a:off x="2215327" y="4445679"/>
               <a:ext cx="221167" cy="191120"/>
               <a:chOff x="2655383" y="3237880"/>
               <a:chExt cx="221167" cy="191120"/>
@@ -6157,7 +6158,7 @@
           </p:blipFill>
           <p:spPr>
             <a:xfrm>
-              <a:off x="2052240" y="2239757"/>
+              <a:off x="3698160" y="2879837"/>
               <a:ext cx="1679924" cy="1259943"/>
             </a:xfrm>
             <a:prstGeom prst="rect">
@@ -6171,13 +6172,1250 @@
             </a:scene3d>
           </p:spPr>
         </p:pic>
+        <p:grpSp>
+          <p:nvGrpSpPr>
+            <p:cNvPr id="91" name="Gruppieren 90">
+              <a:extLst>
+                <a:ext uri="{FF2B5EF4-FFF2-40B4-BE49-F238E27FC236}">
+                  <a16:creationId xmlns:a16="http://schemas.microsoft.com/office/drawing/2014/main" id="{C6E8A7EE-EA90-4D9E-A08D-32965F8D7867}"/>
+                </a:ext>
+              </a:extLst>
+            </p:cNvPr>
+            <p:cNvGrpSpPr/>
+            <p:nvPr/>
+          </p:nvGrpSpPr>
+          <p:grpSpPr>
+            <a:xfrm>
+              <a:off x="5141185" y="5606242"/>
+              <a:ext cx="221167" cy="191120"/>
+              <a:chOff x="2655383" y="3237880"/>
+              <a:chExt cx="221167" cy="191120"/>
+            </a:xfrm>
+          </p:grpSpPr>
+          <p:cxnSp>
+            <p:nvCxnSpPr>
+              <p:cNvPr id="97" name="Gerader Verbinder 96">
+                <a:extLst>
+                  <a:ext uri="{FF2B5EF4-FFF2-40B4-BE49-F238E27FC236}">
+                    <a16:creationId xmlns:a16="http://schemas.microsoft.com/office/drawing/2014/main" id="{55715199-5258-4A5F-8C07-FD5F751F1187}"/>
+                  </a:ext>
+                </a:extLst>
+              </p:cNvPr>
+              <p:cNvCxnSpPr>
+                <a:cxnSpLocks/>
+              </p:cNvCxnSpPr>
+              <p:nvPr/>
+            </p:nvCxnSpPr>
+            <p:spPr>
+              <a:xfrm flipH="1">
+                <a:off x="2655383" y="3237880"/>
+                <a:ext cx="221167" cy="191120"/>
+              </a:xfrm>
+              <a:prstGeom prst="line">
+                <a:avLst/>
+              </a:prstGeom>
+              <a:ln w="25400">
+                <a:solidFill>
+                  <a:schemeClr val="tx1"/>
+                </a:solidFill>
+              </a:ln>
+            </p:spPr>
+            <p:style>
+              <a:lnRef idx="1">
+                <a:schemeClr val="accent1"/>
+              </a:lnRef>
+              <a:fillRef idx="0">
+                <a:schemeClr val="accent1"/>
+              </a:fillRef>
+              <a:effectRef idx="0">
+                <a:schemeClr val="accent1"/>
+              </a:effectRef>
+              <a:fontRef idx="minor">
+                <a:schemeClr val="tx1"/>
+              </a:fontRef>
+            </p:style>
+          </p:cxnSp>
+          <p:cxnSp>
+            <p:nvCxnSpPr>
+              <p:cNvPr id="98" name="Gerader Verbinder 97">
+                <a:extLst>
+                  <a:ext uri="{FF2B5EF4-FFF2-40B4-BE49-F238E27FC236}">
+                    <a16:creationId xmlns:a16="http://schemas.microsoft.com/office/drawing/2014/main" id="{4C0F7030-861F-4C21-852D-01A904F470BD}"/>
+                  </a:ext>
+                </a:extLst>
+              </p:cNvPr>
+              <p:cNvCxnSpPr>
+                <a:cxnSpLocks/>
+              </p:cNvCxnSpPr>
+              <p:nvPr/>
+            </p:nvCxnSpPr>
+            <p:spPr>
+              <a:xfrm>
+                <a:off x="2655383" y="3237880"/>
+                <a:ext cx="221167" cy="191120"/>
+              </a:xfrm>
+              <a:prstGeom prst="line">
+                <a:avLst/>
+              </a:prstGeom>
+              <a:ln w="25400">
+                <a:solidFill>
+                  <a:schemeClr val="tx1"/>
+                </a:solidFill>
+              </a:ln>
+            </p:spPr>
+            <p:style>
+              <a:lnRef idx="1">
+                <a:schemeClr val="accent1"/>
+              </a:lnRef>
+              <a:fillRef idx="0">
+                <a:schemeClr val="accent1"/>
+              </a:fillRef>
+              <a:effectRef idx="0">
+                <a:schemeClr val="accent1"/>
+              </a:effectRef>
+              <a:fontRef idx="minor">
+                <a:schemeClr val="tx1"/>
+              </a:fontRef>
+            </p:style>
+          </p:cxnSp>
+        </p:grpSp>
+        <p:pic>
+          <p:nvPicPr>
+            <p:cNvPr id="19" name="Grafik 18" descr="Ein Bild, das orange, Himmel enthält.&#10;&#10;Automatisch generierte Beschreibung">
+              <a:extLst>
+                <a:ext uri="{FF2B5EF4-FFF2-40B4-BE49-F238E27FC236}">
+                  <a16:creationId xmlns:a16="http://schemas.microsoft.com/office/drawing/2014/main" id="{F6D51A8E-FA2E-4AC1-AC94-7129A1B086D6}"/>
+                </a:ext>
+              </a:extLst>
+            </p:cNvPr>
+            <p:cNvPicPr>
+              <a:picLocks noChangeAspect="1"/>
+            </p:cNvPicPr>
+            <p:nvPr/>
+          </p:nvPicPr>
+          <p:blipFill>
+            <a:blip r:embed="rId12">
+              <a:extLst>
+                <a:ext uri="{28A0092B-C50C-407E-A947-70E740481C1C}">
+                  <a14:useLocalDpi xmlns:a14="http://schemas.microsoft.com/office/drawing/2010/main" val="0"/>
+                </a:ext>
+              </a:extLst>
+            </a:blip>
+            <a:stretch>
+              <a:fillRect/>
+            </a:stretch>
+          </p:blipFill>
+          <p:spPr>
+            <a:xfrm>
+              <a:off x="7985661" y="-140155"/>
+              <a:ext cx="3872311" cy="2904233"/>
+            </a:xfrm>
+            <a:prstGeom prst="rect">
+              <a:avLst/>
+            </a:prstGeom>
+            <a:scene3d>
+              <a:camera prst="orthographicFront">
+                <a:rot lat="1200000" lon="3000000" rev="0"/>
+              </a:camera>
+              <a:lightRig rig="threePt" dir="t"/>
+            </a:scene3d>
+          </p:spPr>
+        </p:pic>
+        <p:cxnSp>
+          <p:nvCxnSpPr>
+            <p:cNvPr id="60" name="Gerader Verbinder 59">
+              <a:extLst>
+                <a:ext uri="{FF2B5EF4-FFF2-40B4-BE49-F238E27FC236}">
+                  <a16:creationId xmlns:a16="http://schemas.microsoft.com/office/drawing/2014/main" id="{F8F9FBB4-8107-4D18-8590-F51D6D09841A}"/>
+                </a:ext>
+              </a:extLst>
+            </p:cNvPr>
+            <p:cNvCxnSpPr>
+              <a:cxnSpLocks/>
+            </p:cNvCxnSpPr>
+            <p:nvPr/>
+          </p:nvCxnSpPr>
+          <p:spPr>
+            <a:xfrm flipH="1">
+              <a:off x="2325911" y="1934290"/>
+              <a:ext cx="7665356" cy="2623110"/>
+            </a:xfrm>
+            <a:prstGeom prst="line">
+              <a:avLst/>
+            </a:prstGeom>
+            <a:ln w="25400">
+              <a:solidFill>
+                <a:schemeClr val="tx1"/>
+              </a:solidFill>
+              <a:prstDash val="solid"/>
+            </a:ln>
+          </p:spPr>
+          <p:style>
+            <a:lnRef idx="1">
+              <a:schemeClr val="accent1"/>
+            </a:lnRef>
+            <a:fillRef idx="0">
+              <a:schemeClr val="accent1"/>
+            </a:fillRef>
+            <a:effectRef idx="0">
+              <a:schemeClr val="accent1"/>
+            </a:effectRef>
+            <a:fontRef idx="minor">
+              <a:schemeClr val="tx1"/>
+            </a:fontRef>
+          </p:style>
+        </p:cxnSp>
+        <p:pic>
+          <p:nvPicPr>
+            <p:cNvPr id="95" name="Grafik 94" descr="Ein Bild, das orange, Himmel enthält.&#10;&#10;Automatisch generierte Beschreibung">
+              <a:extLst>
+                <a:ext uri="{FF2B5EF4-FFF2-40B4-BE49-F238E27FC236}">
+                  <a16:creationId xmlns:a16="http://schemas.microsoft.com/office/drawing/2014/main" id="{A341A4CE-B60D-4172-8E16-9D40A4981AD4}"/>
+                </a:ext>
+              </a:extLst>
+            </p:cNvPr>
+            <p:cNvPicPr>
+              <a:picLocks noChangeAspect="1"/>
+            </p:cNvPicPr>
+            <p:nvPr/>
+          </p:nvPicPr>
+          <p:blipFill>
+            <a:blip r:embed="rId12">
+              <a:extLst>
+                <a:ext uri="{28A0092B-C50C-407E-A947-70E740481C1C}">
+                  <a14:useLocalDpi xmlns:a14="http://schemas.microsoft.com/office/drawing/2010/main" val="0"/>
+                </a:ext>
+              </a:extLst>
+            </a:blip>
+            <a:stretch>
+              <a:fillRect/>
+            </a:stretch>
+          </p:blipFill>
+          <p:spPr>
+            <a:xfrm>
+              <a:off x="5710268" y="3656811"/>
+              <a:ext cx="1679924" cy="1259943"/>
+            </a:xfrm>
+            <a:prstGeom prst="rect">
+              <a:avLst/>
+            </a:prstGeom>
+            <a:scene3d>
+              <a:camera prst="orthographicFront">
+                <a:rot lat="1200000" lon="3000000" rev="0"/>
+              </a:camera>
+              <a:lightRig rig="threePt" dir="t"/>
+            </a:scene3d>
+          </p:spPr>
+        </p:pic>
+        <p:cxnSp>
+          <p:nvCxnSpPr>
+            <p:cNvPr id="110" name="Gerader Verbinder 109">
+              <a:extLst>
+                <a:ext uri="{FF2B5EF4-FFF2-40B4-BE49-F238E27FC236}">
+                  <a16:creationId xmlns:a16="http://schemas.microsoft.com/office/drawing/2014/main" id="{02708BEE-3D79-46AF-A3AF-2E68E2B8D0DD}"/>
+                </a:ext>
+              </a:extLst>
+            </p:cNvPr>
+            <p:cNvCxnSpPr>
+              <a:cxnSpLocks/>
+            </p:cNvCxnSpPr>
+            <p:nvPr/>
+          </p:nvCxnSpPr>
+          <p:spPr>
+            <a:xfrm flipH="1" flipV="1">
+              <a:off x="3474720" y="3396403"/>
+              <a:ext cx="4225185" cy="1578005"/>
+            </a:xfrm>
+            <a:prstGeom prst="line">
+              <a:avLst/>
+            </a:prstGeom>
+            <a:ln w="25400">
+              <a:solidFill>
+                <a:schemeClr val="tx1"/>
+              </a:solidFill>
+              <a:prstDash val="solid"/>
+            </a:ln>
+          </p:spPr>
+          <p:style>
+            <a:lnRef idx="1">
+              <a:schemeClr val="accent1"/>
+            </a:lnRef>
+            <a:fillRef idx="0">
+              <a:schemeClr val="accent1"/>
+            </a:fillRef>
+            <a:effectRef idx="0">
+              <a:schemeClr val="accent1"/>
+            </a:effectRef>
+            <a:fontRef idx="minor">
+              <a:schemeClr val="tx1"/>
+            </a:fontRef>
+          </p:style>
+        </p:cxnSp>
+        <p:cxnSp>
+          <p:nvCxnSpPr>
+            <p:cNvPr id="115" name="Gerader Verbinder 114">
+              <a:extLst>
+                <a:ext uri="{FF2B5EF4-FFF2-40B4-BE49-F238E27FC236}">
+                  <a16:creationId xmlns:a16="http://schemas.microsoft.com/office/drawing/2014/main" id="{89534D19-91A0-4CE1-9412-D10BEB3317DD}"/>
+                </a:ext>
+              </a:extLst>
+            </p:cNvPr>
+            <p:cNvCxnSpPr>
+              <a:cxnSpLocks/>
+            </p:cNvCxnSpPr>
+            <p:nvPr/>
+          </p:nvCxnSpPr>
+          <p:spPr>
+            <a:xfrm flipH="1">
+              <a:off x="5262187" y="2732800"/>
+              <a:ext cx="2437721" cy="2970832"/>
+            </a:xfrm>
+            <a:prstGeom prst="line">
+              <a:avLst/>
+            </a:prstGeom>
+            <a:ln w="25400">
+              <a:solidFill>
+                <a:schemeClr val="tx1"/>
+              </a:solidFill>
+              <a:prstDash val="dash"/>
+            </a:ln>
+          </p:spPr>
+          <p:style>
+            <a:lnRef idx="1">
+              <a:schemeClr val="accent1"/>
+            </a:lnRef>
+            <a:fillRef idx="0">
+              <a:schemeClr val="accent1"/>
+            </a:fillRef>
+            <a:effectRef idx="0">
+              <a:schemeClr val="accent1"/>
+            </a:effectRef>
+            <a:fontRef idx="minor">
+              <a:schemeClr val="tx1"/>
+            </a:fontRef>
+          </p:style>
+        </p:cxnSp>
+        <p:cxnSp>
+          <p:nvCxnSpPr>
+            <p:cNvPr id="118" name="Gerader Verbinder 117">
+              <a:extLst>
+                <a:ext uri="{FF2B5EF4-FFF2-40B4-BE49-F238E27FC236}">
+                  <a16:creationId xmlns:a16="http://schemas.microsoft.com/office/drawing/2014/main" id="{B31F6BB1-2049-4078-9C23-16743C24F4A4}"/>
+                </a:ext>
+              </a:extLst>
+            </p:cNvPr>
+            <p:cNvCxnSpPr>
+              <a:cxnSpLocks/>
+            </p:cNvCxnSpPr>
+            <p:nvPr/>
+          </p:nvCxnSpPr>
+          <p:spPr>
+            <a:xfrm flipH="1">
+              <a:off x="5262187" y="1934290"/>
+              <a:ext cx="4741739" cy="3744406"/>
+            </a:xfrm>
+            <a:prstGeom prst="line">
+              <a:avLst/>
+            </a:prstGeom>
+            <a:ln w="25400">
+              <a:solidFill>
+                <a:schemeClr val="tx1"/>
+              </a:solidFill>
+              <a:prstDash val="dash"/>
+            </a:ln>
+          </p:spPr>
+          <p:style>
+            <a:lnRef idx="1">
+              <a:schemeClr val="accent1"/>
+            </a:lnRef>
+            <a:fillRef idx="0">
+              <a:schemeClr val="accent1"/>
+            </a:fillRef>
+            <a:effectRef idx="0">
+              <a:schemeClr val="accent1"/>
+            </a:effectRef>
+            <a:fontRef idx="minor">
+              <a:schemeClr val="tx1"/>
+            </a:fontRef>
+          </p:style>
+        </p:cxnSp>
+        <p:cxnSp>
+          <p:nvCxnSpPr>
+            <p:cNvPr id="121" name="Gerader Verbinder 120">
+              <a:extLst>
+                <a:ext uri="{FF2B5EF4-FFF2-40B4-BE49-F238E27FC236}">
+                  <a16:creationId xmlns:a16="http://schemas.microsoft.com/office/drawing/2014/main" id="{D9A054D6-1C6A-429A-804B-4DD8B8914460}"/>
+                </a:ext>
+              </a:extLst>
+            </p:cNvPr>
+            <p:cNvCxnSpPr>
+              <a:cxnSpLocks/>
+            </p:cNvCxnSpPr>
+            <p:nvPr/>
+          </p:nvCxnSpPr>
+          <p:spPr>
+            <a:xfrm flipH="1">
+              <a:off x="5262187" y="3203494"/>
+              <a:ext cx="1089471" cy="2511770"/>
+            </a:xfrm>
+            <a:prstGeom prst="line">
+              <a:avLst/>
+            </a:prstGeom>
+            <a:ln w="25400">
+              <a:solidFill>
+                <a:schemeClr val="tx1"/>
+              </a:solidFill>
+              <a:prstDash val="dash"/>
+            </a:ln>
+          </p:spPr>
+          <p:style>
+            <a:lnRef idx="1">
+              <a:schemeClr val="accent1"/>
+            </a:lnRef>
+            <a:fillRef idx="0">
+              <a:schemeClr val="accent1"/>
+            </a:fillRef>
+            <a:effectRef idx="0">
+              <a:schemeClr val="accent1"/>
+            </a:effectRef>
+            <a:fontRef idx="minor">
+              <a:schemeClr val="tx1"/>
+            </a:fontRef>
+          </p:style>
+        </p:cxnSp>
+        <p:pic>
+          <p:nvPicPr>
+            <p:cNvPr id="126" name="Grafik 125">
+              <a:extLst>
+                <a:ext uri="{FF2B5EF4-FFF2-40B4-BE49-F238E27FC236}">
+                  <a16:creationId xmlns:a16="http://schemas.microsoft.com/office/drawing/2014/main" id="{95A10C0E-076D-453C-BAAB-4D7CAF6A26C9}"/>
+                </a:ext>
+              </a:extLst>
+            </p:cNvPr>
+            <p:cNvPicPr>
+              <a:picLocks noChangeAspect="1"/>
+            </p:cNvPicPr>
+            <p:nvPr>
+              <p:custDataLst>
+                <p:tags r:id="rId1"/>
+              </p:custDataLst>
+            </p:nvPr>
+          </p:nvPicPr>
+          <p:blipFill>
+            <a:blip r:embed="rId13">
+              <a:extLst>
+                <a:ext uri="{28A0092B-C50C-407E-A947-70E740481C1C}">
+                  <a14:useLocalDpi xmlns:a14="http://schemas.microsoft.com/office/drawing/2010/main" val="0"/>
+                </a:ext>
+              </a:extLst>
+            </a:blip>
+            <a:stretch>
+              <a:fillRect/>
+            </a:stretch>
+          </p:blipFill>
+          <p:spPr>
+            <a:xfrm>
+              <a:off x="7845613" y="4838523"/>
+              <a:ext cx="2531180" cy="389462"/>
+            </a:xfrm>
+            <a:prstGeom prst="rect">
+              <a:avLst/>
+            </a:prstGeom>
+          </p:spPr>
+        </p:pic>
+        <p:pic>
+          <p:nvPicPr>
+            <p:cNvPr id="12" name="Grafik 11">
+              <a:extLst>
+                <a:ext uri="{FF2B5EF4-FFF2-40B4-BE49-F238E27FC236}">
+                  <a16:creationId xmlns:a16="http://schemas.microsoft.com/office/drawing/2014/main" id="{4F055771-8ABA-42EF-A871-EA189398900F}"/>
+                </a:ext>
+              </a:extLst>
+            </p:cNvPr>
+            <p:cNvPicPr>
+              <a:picLocks noChangeAspect="1"/>
+            </p:cNvPicPr>
+            <p:nvPr>
+              <p:custDataLst>
+                <p:tags r:id="rId2"/>
+              </p:custDataLst>
+            </p:nvPr>
+          </p:nvPicPr>
+          <p:blipFill>
+            <a:blip r:embed="rId14">
+              <a:extLst>
+                <a:ext uri="{28A0092B-C50C-407E-A947-70E740481C1C}">
+                  <a14:useLocalDpi xmlns:a14="http://schemas.microsoft.com/office/drawing/2010/main" val="0"/>
+                </a:ext>
+              </a:extLst>
+            </a:blip>
+            <a:stretch>
+              <a:fillRect/>
+            </a:stretch>
+          </p:blipFill>
+          <p:spPr>
+            <a:xfrm>
+              <a:off x="554124" y="5516744"/>
+              <a:ext cx="2325653" cy="323903"/>
+            </a:xfrm>
+            <a:prstGeom prst="rect">
+              <a:avLst/>
+            </a:prstGeom>
+          </p:spPr>
+        </p:pic>
+        <p:pic>
+          <p:nvPicPr>
+            <p:cNvPr id="17" name="Grafik 16">
+              <a:extLst>
+                <a:ext uri="{FF2B5EF4-FFF2-40B4-BE49-F238E27FC236}">
+                  <a16:creationId xmlns:a16="http://schemas.microsoft.com/office/drawing/2014/main" id="{B2903039-7CEA-427D-841E-74D74695497F}"/>
+                </a:ext>
+              </a:extLst>
+            </p:cNvPr>
+            <p:cNvPicPr>
+              <a:picLocks noChangeAspect="1"/>
+            </p:cNvPicPr>
+            <p:nvPr>
+              <p:custDataLst>
+                <p:tags r:id="rId3"/>
+              </p:custDataLst>
+            </p:nvPr>
+          </p:nvPicPr>
+          <p:blipFill>
+            <a:blip r:embed="rId15">
+              <a:extLst>
+                <a:ext uri="{28A0092B-C50C-407E-A947-70E740481C1C}">
+                  <a14:useLocalDpi xmlns:a14="http://schemas.microsoft.com/office/drawing/2010/main" val="0"/>
+                </a:ext>
+              </a:extLst>
+            </a:blip>
+            <a:stretch>
+              <a:fillRect/>
+            </a:stretch>
+          </p:blipFill>
+          <p:spPr>
+            <a:xfrm>
+              <a:off x="3954992" y="5928589"/>
+              <a:ext cx="2614389" cy="407527"/>
+            </a:xfrm>
+            <a:prstGeom prst="rect">
+              <a:avLst/>
+            </a:prstGeom>
+          </p:spPr>
+        </p:pic>
+        <p:pic>
+          <p:nvPicPr>
+            <p:cNvPr id="135" name="Grafik 134">
+              <a:extLst>
+                <a:ext uri="{FF2B5EF4-FFF2-40B4-BE49-F238E27FC236}">
+                  <a16:creationId xmlns:a16="http://schemas.microsoft.com/office/drawing/2014/main" id="{C3D820E6-0587-4CA1-A444-48A3936A8CCF}"/>
+                </a:ext>
+              </a:extLst>
+            </p:cNvPr>
+            <p:cNvPicPr>
+              <a:picLocks noChangeAspect="1"/>
+            </p:cNvPicPr>
+            <p:nvPr>
+              <p:custDataLst>
+                <p:tags r:id="rId4"/>
+              </p:custDataLst>
+            </p:nvPr>
+          </p:nvPicPr>
+          <p:blipFill>
+            <a:blip r:embed="rId16">
+              <a:extLst>
+                <a:ext uri="{28A0092B-C50C-407E-A947-70E740481C1C}">
+                  <a14:useLocalDpi xmlns:a14="http://schemas.microsoft.com/office/drawing/2010/main" val="0"/>
+                </a:ext>
+              </a:extLst>
+            </a:blip>
+            <a:stretch>
+              <a:fillRect/>
+            </a:stretch>
+          </p:blipFill>
+          <p:spPr>
+            <a:xfrm>
+              <a:off x="10376793" y="-576443"/>
+              <a:ext cx="1225786" cy="404209"/>
+            </a:xfrm>
+            <a:prstGeom prst="rect">
+              <a:avLst/>
+            </a:prstGeom>
+          </p:spPr>
+        </p:pic>
+        <p:pic>
+          <p:nvPicPr>
+            <p:cNvPr id="138" name="Grafik 137">
+              <a:extLst>
+                <a:ext uri="{FF2B5EF4-FFF2-40B4-BE49-F238E27FC236}">
+                  <a16:creationId xmlns:a16="http://schemas.microsoft.com/office/drawing/2014/main" id="{2D79FC15-8486-461A-A31D-1DF530639632}"/>
+                </a:ext>
+              </a:extLst>
+            </p:cNvPr>
+            <p:cNvPicPr>
+              <a:picLocks noChangeAspect="1"/>
+            </p:cNvPicPr>
+            <p:nvPr>
+              <p:custDataLst>
+                <p:tags r:id="rId5"/>
+              </p:custDataLst>
+            </p:nvPr>
+          </p:nvPicPr>
+          <p:blipFill>
+            <a:blip r:embed="rId17">
+              <a:extLst>
+                <a:ext uri="{28A0092B-C50C-407E-A947-70E740481C1C}">
+                  <a14:useLocalDpi xmlns:a14="http://schemas.microsoft.com/office/drawing/2010/main" val="0"/>
+                </a:ext>
+              </a:extLst>
+            </a:blip>
+            <a:stretch>
+              <a:fillRect/>
+            </a:stretch>
+          </p:blipFill>
+          <p:spPr>
+            <a:xfrm>
+              <a:off x="3758609" y="2165698"/>
+              <a:ext cx="1104614" cy="397005"/>
+            </a:xfrm>
+            <a:prstGeom prst="rect">
+              <a:avLst/>
+            </a:prstGeom>
+          </p:spPr>
+        </p:pic>
+        <p:cxnSp>
+          <p:nvCxnSpPr>
+            <p:cNvPr id="166" name="Gerade Verbindung mit Pfeil 165">
+              <a:extLst>
+                <a:ext uri="{FF2B5EF4-FFF2-40B4-BE49-F238E27FC236}">
+                  <a16:creationId xmlns:a16="http://schemas.microsoft.com/office/drawing/2014/main" id="{7B47F6A9-677D-4E0B-AAA6-8CF15E83609D}"/>
+                </a:ext>
+              </a:extLst>
+            </p:cNvPr>
+            <p:cNvCxnSpPr>
+              <a:cxnSpLocks/>
+            </p:cNvCxnSpPr>
+            <p:nvPr/>
+          </p:nvCxnSpPr>
+          <p:spPr>
+            <a:xfrm flipH="1">
+              <a:off x="6464331" y="1913324"/>
+              <a:ext cx="887855" cy="1091449"/>
+            </a:xfrm>
+            <a:prstGeom prst="straightConnector1">
+              <a:avLst/>
+            </a:prstGeom>
+            <a:ln w="25400">
+              <a:solidFill>
+                <a:schemeClr val="tx1"/>
+              </a:solidFill>
+              <a:tailEnd type="triangle"/>
+            </a:ln>
+          </p:spPr>
+          <p:style>
+            <a:lnRef idx="1">
+              <a:schemeClr val="accent1"/>
+            </a:lnRef>
+            <a:fillRef idx="0">
+              <a:schemeClr val="accent1"/>
+            </a:fillRef>
+            <a:effectRef idx="0">
+              <a:schemeClr val="accent1"/>
+            </a:effectRef>
+            <a:fontRef idx="minor">
+              <a:schemeClr val="tx1"/>
+            </a:fontRef>
+          </p:style>
+        </p:cxnSp>
+        <p:cxnSp>
+          <p:nvCxnSpPr>
+            <p:cNvPr id="170" name="Gerade Verbindung mit Pfeil 169">
+              <a:extLst>
+                <a:ext uri="{FF2B5EF4-FFF2-40B4-BE49-F238E27FC236}">
+                  <a16:creationId xmlns:a16="http://schemas.microsoft.com/office/drawing/2014/main" id="{68F56966-186F-449C-8B18-E437FF900DBB}"/>
+                </a:ext>
+              </a:extLst>
+            </p:cNvPr>
+            <p:cNvCxnSpPr>
+              <a:cxnSpLocks/>
+            </p:cNvCxnSpPr>
+            <p:nvPr/>
+          </p:nvCxnSpPr>
+          <p:spPr>
+            <a:xfrm>
+              <a:off x="7352186" y="1913324"/>
+              <a:ext cx="347719" cy="685466"/>
+            </a:xfrm>
+            <a:prstGeom prst="straightConnector1">
+              <a:avLst/>
+            </a:prstGeom>
+            <a:ln w="25400">
+              <a:solidFill>
+                <a:schemeClr val="tx1"/>
+              </a:solidFill>
+              <a:tailEnd type="triangle"/>
+            </a:ln>
+          </p:spPr>
+          <p:style>
+            <a:lnRef idx="1">
+              <a:schemeClr val="accent1"/>
+            </a:lnRef>
+            <a:fillRef idx="0">
+              <a:schemeClr val="accent1"/>
+            </a:fillRef>
+            <a:effectRef idx="0">
+              <a:schemeClr val="accent1"/>
+            </a:effectRef>
+            <a:fontRef idx="minor">
+              <a:schemeClr val="tx1"/>
+            </a:fontRef>
+          </p:style>
+        </p:cxnSp>
+        <p:cxnSp>
+          <p:nvCxnSpPr>
+            <p:cNvPr id="176" name="Gerade Verbindung mit Pfeil 175">
+              <a:extLst>
+                <a:ext uri="{FF2B5EF4-FFF2-40B4-BE49-F238E27FC236}">
+                  <a16:creationId xmlns:a16="http://schemas.microsoft.com/office/drawing/2014/main" id="{B6304F45-E607-4FA2-9F8C-486013899ABA}"/>
+                </a:ext>
+              </a:extLst>
+            </p:cNvPr>
+            <p:cNvCxnSpPr>
+              <a:cxnSpLocks/>
+            </p:cNvCxnSpPr>
+            <p:nvPr/>
+          </p:nvCxnSpPr>
+          <p:spPr>
+            <a:xfrm flipV="1">
+              <a:off x="7352186" y="1876636"/>
+              <a:ext cx="2431894" cy="36688"/>
+            </a:xfrm>
+            <a:prstGeom prst="straightConnector1">
+              <a:avLst/>
+            </a:prstGeom>
+            <a:ln w="25400">
+              <a:solidFill>
+                <a:schemeClr val="tx1"/>
+              </a:solidFill>
+              <a:tailEnd type="triangle"/>
+            </a:ln>
+          </p:spPr>
+          <p:style>
+            <a:lnRef idx="1">
+              <a:schemeClr val="accent1"/>
+            </a:lnRef>
+            <a:fillRef idx="0">
+              <a:schemeClr val="accent1"/>
+            </a:fillRef>
+            <a:effectRef idx="0">
+              <a:schemeClr val="accent1"/>
+            </a:effectRef>
+            <a:fontRef idx="minor">
+              <a:schemeClr val="tx1"/>
+            </a:fontRef>
+          </p:style>
+        </p:cxnSp>
+        <p:cxnSp>
+          <p:nvCxnSpPr>
+            <p:cNvPr id="179" name="Gerade Verbindung mit Pfeil 178">
+              <a:extLst>
+                <a:ext uri="{FF2B5EF4-FFF2-40B4-BE49-F238E27FC236}">
+                  <a16:creationId xmlns:a16="http://schemas.microsoft.com/office/drawing/2014/main" id="{88C61D6A-C857-401A-B3CE-2BE5F48AF910}"/>
+                </a:ext>
+              </a:extLst>
+            </p:cNvPr>
+            <p:cNvCxnSpPr>
+              <a:cxnSpLocks/>
+            </p:cNvCxnSpPr>
+            <p:nvPr/>
+          </p:nvCxnSpPr>
+          <p:spPr>
+            <a:xfrm flipH="1" flipV="1">
+              <a:off x="5991567" y="4454021"/>
+              <a:ext cx="912194" cy="1025104"/>
+            </a:xfrm>
+            <a:prstGeom prst="straightConnector1">
+              <a:avLst/>
+            </a:prstGeom>
+            <a:ln w="25400">
+              <a:solidFill>
+                <a:schemeClr val="tx1"/>
+              </a:solidFill>
+              <a:tailEnd type="triangle"/>
+            </a:ln>
+          </p:spPr>
+          <p:style>
+            <a:lnRef idx="1">
+              <a:schemeClr val="accent1"/>
+            </a:lnRef>
+            <a:fillRef idx="0">
+              <a:schemeClr val="accent1"/>
+            </a:fillRef>
+            <a:effectRef idx="0">
+              <a:schemeClr val="accent1"/>
+            </a:effectRef>
+            <a:fontRef idx="minor">
+              <a:schemeClr val="tx1"/>
+            </a:fontRef>
+          </p:style>
+        </p:cxnSp>
+        <p:cxnSp>
+          <p:nvCxnSpPr>
+            <p:cNvPr id="182" name="Gerade Verbindung mit Pfeil 181">
+              <a:extLst>
+                <a:ext uri="{FF2B5EF4-FFF2-40B4-BE49-F238E27FC236}">
+                  <a16:creationId xmlns:a16="http://schemas.microsoft.com/office/drawing/2014/main" id="{17DE96F8-E245-4120-8B80-D1DC68CAAD6E}"/>
+                </a:ext>
+              </a:extLst>
+            </p:cNvPr>
+            <p:cNvCxnSpPr>
+              <a:cxnSpLocks/>
+            </p:cNvCxnSpPr>
+            <p:nvPr/>
+          </p:nvCxnSpPr>
+          <p:spPr>
+            <a:xfrm flipH="1" flipV="1">
+              <a:off x="6683842" y="4712270"/>
+              <a:ext cx="219919" cy="766855"/>
+            </a:xfrm>
+            <a:prstGeom prst="straightConnector1">
+              <a:avLst/>
+            </a:prstGeom>
+            <a:ln w="25400">
+              <a:solidFill>
+                <a:schemeClr val="tx1"/>
+              </a:solidFill>
+              <a:tailEnd type="triangle"/>
+            </a:ln>
+          </p:spPr>
+          <p:style>
+            <a:lnRef idx="1">
+              <a:schemeClr val="accent1"/>
+            </a:lnRef>
+            <a:fillRef idx="0">
+              <a:schemeClr val="accent1"/>
+            </a:fillRef>
+            <a:effectRef idx="0">
+              <a:schemeClr val="accent1"/>
+            </a:effectRef>
+            <a:fontRef idx="minor">
+              <a:schemeClr val="tx1"/>
+            </a:fontRef>
+          </p:style>
+        </p:cxnSp>
+        <p:cxnSp>
+          <p:nvCxnSpPr>
+            <p:cNvPr id="185" name="Gerade Verbindung mit Pfeil 184">
+              <a:extLst>
+                <a:ext uri="{FF2B5EF4-FFF2-40B4-BE49-F238E27FC236}">
+                  <a16:creationId xmlns:a16="http://schemas.microsoft.com/office/drawing/2014/main" id="{D1E26E59-4A96-4440-9908-4103477A58EC}"/>
+                </a:ext>
+              </a:extLst>
+            </p:cNvPr>
+            <p:cNvCxnSpPr>
+              <a:cxnSpLocks/>
+            </p:cNvCxnSpPr>
+            <p:nvPr/>
+          </p:nvCxnSpPr>
+          <p:spPr>
+            <a:xfrm flipH="1" flipV="1">
+              <a:off x="6369886" y="4587938"/>
+              <a:ext cx="533875" cy="891187"/>
+            </a:xfrm>
+            <a:prstGeom prst="straightConnector1">
+              <a:avLst/>
+            </a:prstGeom>
+            <a:ln w="25400">
+              <a:solidFill>
+                <a:schemeClr val="tx1"/>
+              </a:solidFill>
+              <a:tailEnd type="triangle"/>
+            </a:ln>
+          </p:spPr>
+          <p:style>
+            <a:lnRef idx="1">
+              <a:schemeClr val="accent1"/>
+            </a:lnRef>
+            <a:fillRef idx="0">
+              <a:schemeClr val="accent1"/>
+            </a:fillRef>
+            <a:effectRef idx="0">
+              <a:schemeClr val="accent1"/>
+            </a:effectRef>
+            <a:fontRef idx="minor">
+              <a:schemeClr val="tx1"/>
+            </a:fontRef>
+          </p:style>
+        </p:cxnSp>
+        <p:pic>
+          <p:nvPicPr>
+            <p:cNvPr id="196" name="Grafik 195">
+              <a:extLst>
+                <a:ext uri="{FF2B5EF4-FFF2-40B4-BE49-F238E27FC236}">
+                  <a16:creationId xmlns:a16="http://schemas.microsoft.com/office/drawing/2014/main" id="{BB73518F-E2B0-410E-867F-94CF13E1F6AB}"/>
+                </a:ext>
+              </a:extLst>
+            </p:cNvPr>
+            <p:cNvPicPr>
+              <a:picLocks noChangeAspect="1"/>
+            </p:cNvPicPr>
+            <p:nvPr>
+              <p:custDataLst>
+                <p:tags r:id="rId6"/>
+              </p:custDataLst>
+            </p:nvPr>
+          </p:nvPicPr>
+          <p:blipFill>
+            <a:blip r:embed="rId18">
+              <a:extLst>
+                <a:ext uri="{28A0092B-C50C-407E-A947-70E740481C1C}">
+                  <a14:useLocalDpi xmlns:a14="http://schemas.microsoft.com/office/drawing/2010/main" val="0"/>
+                </a:ext>
+              </a:extLst>
+            </a:blip>
+            <a:stretch>
+              <a:fillRect/>
+            </a:stretch>
+          </p:blipFill>
+          <p:spPr>
+            <a:xfrm>
+              <a:off x="7059206" y="1530245"/>
+              <a:ext cx="330986" cy="256771"/>
+            </a:xfrm>
+            <a:prstGeom prst="rect">
+              <a:avLst/>
+            </a:prstGeom>
+          </p:spPr>
+        </p:pic>
+        <p:pic>
+          <p:nvPicPr>
+            <p:cNvPr id="197" name="Grafik 196">
+              <a:extLst>
+                <a:ext uri="{FF2B5EF4-FFF2-40B4-BE49-F238E27FC236}">
+                  <a16:creationId xmlns:a16="http://schemas.microsoft.com/office/drawing/2014/main" id="{E80B4F40-B12B-480E-8623-A92B86C4BC04}"/>
+                </a:ext>
+              </a:extLst>
+            </p:cNvPr>
+            <p:cNvPicPr>
+              <a:picLocks noChangeAspect="1"/>
+            </p:cNvPicPr>
+            <p:nvPr>
+              <p:custDataLst>
+                <p:tags r:id="rId7"/>
+              </p:custDataLst>
+            </p:nvPr>
+          </p:nvPicPr>
+          <p:blipFill>
+            <a:blip r:embed="rId19">
+              <a:extLst>
+                <a:ext uri="{28A0092B-C50C-407E-A947-70E740481C1C}">
+                  <a14:useLocalDpi xmlns:a14="http://schemas.microsoft.com/office/drawing/2010/main" val="0"/>
+                </a:ext>
+              </a:extLst>
+            </a:blip>
+            <a:stretch>
+              <a:fillRect/>
+            </a:stretch>
+          </p:blipFill>
+          <p:spPr>
+            <a:xfrm>
+              <a:off x="6903164" y="5462019"/>
+              <a:ext cx="306277" cy="311739"/>
+            </a:xfrm>
+            <a:prstGeom prst="rect">
+              <a:avLst/>
+            </a:prstGeom>
+          </p:spPr>
+        </p:pic>
+        <p:cxnSp>
+          <p:nvCxnSpPr>
+            <p:cNvPr id="37" name="Gerade Verbindung mit Pfeil 36">
+              <a:extLst>
+                <a:ext uri="{FF2B5EF4-FFF2-40B4-BE49-F238E27FC236}">
+                  <a16:creationId xmlns:a16="http://schemas.microsoft.com/office/drawing/2014/main" id="{0CD91C7E-55EA-4AB0-B39D-2A839A48BB43}"/>
+                </a:ext>
+              </a:extLst>
+            </p:cNvPr>
+            <p:cNvCxnSpPr>
+              <a:cxnSpLocks/>
+            </p:cNvCxnSpPr>
+            <p:nvPr/>
+          </p:nvCxnSpPr>
+          <p:spPr>
+            <a:xfrm>
+              <a:off x="2336657" y="4557402"/>
+              <a:ext cx="409653" cy="166202"/>
+            </a:xfrm>
+            <a:prstGeom prst="straightConnector1">
+              <a:avLst/>
+            </a:prstGeom>
+            <a:ln w="25400">
+              <a:solidFill>
+                <a:schemeClr val="tx1"/>
+              </a:solidFill>
+              <a:tailEnd type="triangle"/>
+            </a:ln>
+          </p:spPr>
+          <p:style>
+            <a:lnRef idx="1">
+              <a:schemeClr val="accent1"/>
+            </a:lnRef>
+            <a:fillRef idx="0">
+              <a:schemeClr val="accent1"/>
+            </a:fillRef>
+            <a:effectRef idx="0">
+              <a:schemeClr val="accent1"/>
+            </a:effectRef>
+            <a:fontRef idx="minor">
+              <a:schemeClr val="tx1"/>
+            </a:fontRef>
+          </p:style>
+        </p:cxnSp>
+        <p:cxnSp>
+          <p:nvCxnSpPr>
+            <p:cNvPr id="38" name="Gerade Verbindung mit Pfeil 37">
+              <a:extLst>
+                <a:ext uri="{FF2B5EF4-FFF2-40B4-BE49-F238E27FC236}">
+                  <a16:creationId xmlns:a16="http://schemas.microsoft.com/office/drawing/2014/main" id="{6F50EEC5-1FD2-4E50-BAB9-7D22614CD851}"/>
+                </a:ext>
+              </a:extLst>
+            </p:cNvPr>
+            <p:cNvCxnSpPr>
+              <a:cxnSpLocks/>
+            </p:cNvCxnSpPr>
+            <p:nvPr/>
+          </p:nvCxnSpPr>
+          <p:spPr>
+            <a:xfrm flipH="1">
+              <a:off x="2321828" y="4555314"/>
+              <a:ext cx="5371" cy="477940"/>
+            </a:xfrm>
+            <a:prstGeom prst="straightConnector1">
+              <a:avLst/>
+            </a:prstGeom>
+            <a:ln w="25400">
+              <a:solidFill>
+                <a:schemeClr val="tx1"/>
+              </a:solidFill>
+              <a:tailEnd type="triangle"/>
+            </a:ln>
+          </p:spPr>
+          <p:style>
+            <a:lnRef idx="1">
+              <a:schemeClr val="accent1"/>
+            </a:lnRef>
+            <a:fillRef idx="0">
+              <a:schemeClr val="accent1"/>
+            </a:fillRef>
+            <a:effectRef idx="0">
+              <a:schemeClr val="accent1"/>
+            </a:effectRef>
+            <a:fontRef idx="minor">
+              <a:schemeClr val="tx1"/>
+            </a:fontRef>
+          </p:style>
+        </p:cxnSp>
+        <p:cxnSp>
+          <p:nvCxnSpPr>
+            <p:cNvPr id="40" name="Gerade Verbindung mit Pfeil 39">
+              <a:extLst>
+                <a:ext uri="{FF2B5EF4-FFF2-40B4-BE49-F238E27FC236}">
+                  <a16:creationId xmlns:a16="http://schemas.microsoft.com/office/drawing/2014/main" id="{7B5971D7-BAFB-4C2E-89CE-2E0151110924}"/>
+                </a:ext>
+              </a:extLst>
+            </p:cNvPr>
+            <p:cNvCxnSpPr>
+              <a:cxnSpLocks/>
+            </p:cNvCxnSpPr>
+            <p:nvPr/>
+          </p:nvCxnSpPr>
+          <p:spPr>
+            <a:xfrm flipV="1">
+              <a:off x="2327199" y="4391984"/>
+              <a:ext cx="472141" cy="163330"/>
+            </a:xfrm>
+            <a:prstGeom prst="straightConnector1">
+              <a:avLst/>
+            </a:prstGeom>
+            <a:ln w="25400">
+              <a:solidFill>
+                <a:schemeClr val="tx1"/>
+              </a:solidFill>
+              <a:tailEnd type="triangle"/>
+            </a:ln>
+          </p:spPr>
+          <p:style>
+            <a:lnRef idx="1">
+              <a:schemeClr val="accent1"/>
+            </a:lnRef>
+            <a:fillRef idx="0">
+              <a:schemeClr val="accent1"/>
+            </a:fillRef>
+            <a:effectRef idx="0">
+              <a:schemeClr val="accent1"/>
+            </a:effectRef>
+            <a:fontRef idx="minor">
+              <a:schemeClr val="tx1"/>
+            </a:fontRef>
+          </p:style>
+        </p:cxnSp>
+        <p:pic>
+          <p:nvPicPr>
+            <p:cNvPr id="39" name="Grafik 38">
+              <a:extLst>
+                <a:ext uri="{FF2B5EF4-FFF2-40B4-BE49-F238E27FC236}">
+                  <a16:creationId xmlns:a16="http://schemas.microsoft.com/office/drawing/2014/main" id="{BEEF4336-5CB1-428E-B831-7262EBA0DE0E}"/>
+                </a:ext>
+              </a:extLst>
+            </p:cNvPr>
+            <p:cNvPicPr>
+              <a:picLocks noChangeAspect="1"/>
+            </p:cNvPicPr>
+            <p:nvPr>
+              <p:custDataLst>
+                <p:tags r:id="rId8"/>
+              </p:custDataLst>
+            </p:nvPr>
+          </p:nvPicPr>
+          <p:blipFill>
+            <a:blip r:embed="rId20">
+              <a:extLst>
+                <a:ext uri="{28A0092B-C50C-407E-A947-70E740481C1C}">
+                  <a14:useLocalDpi xmlns:a14="http://schemas.microsoft.com/office/drawing/2010/main" val="0"/>
+                </a:ext>
+              </a:extLst>
+            </a:blip>
+            <a:stretch>
+              <a:fillRect/>
+            </a:stretch>
+          </p:blipFill>
+          <p:spPr>
+            <a:xfrm>
+              <a:off x="2857579" y="4765974"/>
+              <a:ext cx="369813" cy="234716"/>
+            </a:xfrm>
+            <a:prstGeom prst="rect">
+              <a:avLst/>
+            </a:prstGeom>
+          </p:spPr>
+        </p:pic>
+        <p:pic>
+          <p:nvPicPr>
+            <p:cNvPr id="44" name="Grafik 43">
+              <a:extLst>
+                <a:ext uri="{FF2B5EF4-FFF2-40B4-BE49-F238E27FC236}">
+                  <a16:creationId xmlns:a16="http://schemas.microsoft.com/office/drawing/2014/main" id="{A4F3E24C-4BA3-403D-B3F4-40BD2D8F1FEC}"/>
+                </a:ext>
+              </a:extLst>
+            </p:cNvPr>
+            <p:cNvPicPr>
+              <a:picLocks noChangeAspect="1"/>
+            </p:cNvPicPr>
+            <p:nvPr>
+              <p:custDataLst>
+                <p:tags r:id="rId9"/>
+              </p:custDataLst>
+            </p:nvPr>
+          </p:nvPicPr>
+          <p:blipFill>
+            <a:blip r:embed="rId21">
+              <a:extLst>
+                <a:ext uri="{28A0092B-C50C-407E-A947-70E740481C1C}">
+                  <a14:useLocalDpi xmlns:a14="http://schemas.microsoft.com/office/drawing/2010/main" val="0"/>
+                </a:ext>
+              </a:extLst>
+            </a:blip>
+            <a:stretch>
+              <a:fillRect/>
+            </a:stretch>
+          </p:blipFill>
+          <p:spPr>
+            <a:xfrm>
+              <a:off x="1887655" y="4996382"/>
+              <a:ext cx="348705" cy="243333"/>
+            </a:xfrm>
+            <a:prstGeom prst="rect">
+              <a:avLst/>
+            </a:prstGeom>
+          </p:spPr>
+        </p:pic>
+        <p:pic>
+          <p:nvPicPr>
+            <p:cNvPr id="45" name="Grafik 44">
+              <a:extLst>
+                <a:ext uri="{FF2B5EF4-FFF2-40B4-BE49-F238E27FC236}">
+                  <a16:creationId xmlns:a16="http://schemas.microsoft.com/office/drawing/2014/main" id="{B31FAC43-D4A5-4678-9F08-028FC06393FE}"/>
+                </a:ext>
+              </a:extLst>
+            </p:cNvPr>
+            <p:cNvPicPr>
+              <a:picLocks noChangeAspect="1"/>
+            </p:cNvPicPr>
+            <p:nvPr>
+              <p:custDataLst>
+                <p:tags r:id="rId10"/>
+              </p:custDataLst>
+            </p:nvPr>
+          </p:nvPicPr>
+          <p:blipFill>
+            <a:blip r:embed="rId22">
+              <a:extLst>
+                <a:ext uri="{28A0092B-C50C-407E-A947-70E740481C1C}">
+                  <a14:useLocalDpi xmlns:a14="http://schemas.microsoft.com/office/drawing/2010/main" val="0"/>
+                </a:ext>
+              </a:extLst>
+            </a:blip>
+            <a:stretch>
+              <a:fillRect/>
+            </a:stretch>
+          </p:blipFill>
+          <p:spPr>
+            <a:xfrm>
+              <a:off x="2713157" y="4036401"/>
+              <a:ext cx="333241" cy="230067"/>
+            </a:xfrm>
+            <a:prstGeom prst="rect">
+              <a:avLst/>
+            </a:prstGeom>
+          </p:spPr>
+        </p:pic>
       </p:grpSp>
+    </p:spTree>
+    <p:extLst>
+      <p:ext uri="{BB962C8B-B14F-4D97-AF65-F5344CB8AC3E}">
+        <p14:creationId xmlns:p14="http://schemas.microsoft.com/office/powerpoint/2010/main" val="542058477"/>
+      </p:ext>
+    </p:extLst>
+  </p:cSld>
+  <p:clrMapOvr>
+    <a:masterClrMapping/>
+  </p:clrMapOvr>
+</p:sld>
+</file>
+
+<file path=ppt/slides/slide11.xml><?xml version="1.0" encoding="utf-8"?>
+<p:sld xmlns:a="http://schemas.openxmlformats.org/drawingml/2006/main" xmlns:r="http://schemas.openxmlformats.org/officeDocument/2006/relationships" xmlns:p="http://schemas.openxmlformats.org/presentationml/2006/main">
+  <p:cSld>
+    <p:spTree>
+      <p:nvGrpSpPr>
+        <p:cNvPr id="1" name=""/>
+        <p:cNvGrpSpPr/>
+        <p:nvPr/>
+      </p:nvGrpSpPr>
+      <p:grpSpPr>
+        <a:xfrm>
+          <a:off x="0" y="0"/>
+          <a:ext cx="0" cy="0"/>
+          <a:chOff x="0" y="0"/>
+          <a:chExt cx="0" cy="0"/>
+        </a:xfrm>
+      </p:grpSpPr>
       <p:grpSp>
         <p:nvGrpSpPr>
-          <p:cNvPr id="91" name="Gruppieren 90">
+          <p:cNvPr id="136" name="Gruppieren 135">
             <a:extLst>
               <a:ext uri="{FF2B5EF4-FFF2-40B4-BE49-F238E27FC236}">
-                <a16:creationId xmlns:a16="http://schemas.microsoft.com/office/drawing/2014/main" id="{C6E8A7EE-EA90-4D9E-A08D-32965F8D7867}"/>
+                <a16:creationId xmlns:a16="http://schemas.microsoft.com/office/drawing/2014/main" id="{DECB2B7F-1D05-4CE0-997F-C4F4239F48BC}"/>
               </a:ext>
             </a:extLst>
           </p:cNvPr>
@@ -6186,18 +7424,60 @@
         </p:nvGrpSpPr>
         <p:grpSpPr>
           <a:xfrm>
-            <a:off x="5141185" y="5606242"/>
-            <a:ext cx="221167" cy="191120"/>
-            <a:chOff x="2655383" y="3237880"/>
-            <a:chExt cx="221167" cy="191120"/>
+            <a:off x="9122589" y="631722"/>
+            <a:ext cx="4746369" cy="6226278"/>
+            <a:chOff x="3911728" y="-518283"/>
+            <a:chExt cx="4746369" cy="6226278"/>
           </a:xfrm>
         </p:grpSpPr>
+        <p:pic>
+          <p:nvPicPr>
+            <p:cNvPr id="5" name="Grafik 4" descr="Ein Bild, das Objekt, Damestein, Schachfigur enthält.&#10;&#10;Automatisch generierte Beschreibung">
+              <a:extLst>
+                <a:ext uri="{FF2B5EF4-FFF2-40B4-BE49-F238E27FC236}">
+                  <a16:creationId xmlns:a16="http://schemas.microsoft.com/office/drawing/2014/main" id="{5F6B8C4E-3DF8-44F7-B285-7823A4089163}"/>
+                </a:ext>
+              </a:extLst>
+            </p:cNvPr>
+            <p:cNvPicPr>
+              <a:picLocks noChangeAspect="1"/>
+            </p:cNvPicPr>
+            <p:nvPr/>
+          </p:nvPicPr>
+          <p:blipFill>
+            <a:blip r:embed="rId22">
+              <a:extLst>
+                <a:ext uri="{28A0092B-C50C-407E-A947-70E740481C1C}">
+                  <a14:useLocalDpi xmlns:a14="http://schemas.microsoft.com/office/drawing/2010/main" val="0"/>
+                </a:ext>
+              </a:extLst>
+            </a:blip>
+            <a:stretch>
+              <a:fillRect/>
+            </a:stretch>
+          </p:blipFill>
+          <p:spPr>
+            <a:xfrm rot="194905">
+              <a:off x="3911728" y="2019955"/>
+              <a:ext cx="4746369" cy="3688040"/>
+            </a:xfrm>
+            <a:prstGeom prst="rect">
+              <a:avLst/>
+            </a:prstGeom>
+            <a:scene3d>
+              <a:camera prst="orthographicFront">
+                <a:rot lat="3631173" lon="19621908" rev="19820844"/>
+              </a:camera>
+              <a:lightRig rig="threePt" dir="t"/>
+            </a:scene3d>
+          </p:spPr>
+        </p:pic>
         <p:cxnSp>
           <p:nvCxnSpPr>
-            <p:cNvPr id="97" name="Gerader Verbinder 96">
-              <a:extLst>
-                <a:ext uri="{FF2B5EF4-FFF2-40B4-BE49-F238E27FC236}">
-                  <a16:creationId xmlns:a16="http://schemas.microsoft.com/office/drawing/2014/main" id="{55715199-5258-4A5F-8C07-FD5F751F1187}"/>
+            <p:cNvPr id="31" name="Gerade Verbindung mit Pfeil 30">
+              <a:extLst>
+                <a:ext uri="{FF2B5EF4-FFF2-40B4-BE49-F238E27FC236}">
+                  <a16:creationId xmlns:a16="http://schemas.microsoft.com/office/drawing/2014/main" id="{1AB852FD-F27F-4F02-97C2-E62C8EC8BC70}"/>
                 </a:ext>
               </a:extLst>
             </p:cNvPr>
@@ -6208,16 +7488,181 @@
           </p:nvCxnSpPr>
           <p:spPr>
             <a:xfrm flipH="1">
-              <a:off x="2655383" y="3237880"/>
-              <a:ext cx="221167" cy="191120"/>
-            </a:xfrm>
-            <a:prstGeom prst="line">
+              <a:off x="4710053" y="3202524"/>
+              <a:ext cx="154362" cy="226476"/>
+            </a:xfrm>
+            <a:prstGeom prst="straightConnector1">
               <a:avLst/>
             </a:prstGeom>
             <a:ln w="25400">
               <a:solidFill>
-                <a:schemeClr val="tx1"/>
+                <a:srgbClr val="FF7F2B"/>
               </a:solidFill>
+              <a:tailEnd type="triangle"/>
+            </a:ln>
+          </p:spPr>
+          <p:style>
+            <a:lnRef idx="1">
+              <a:schemeClr val="accent1"/>
+            </a:lnRef>
+            <a:fillRef idx="0">
+              <a:schemeClr val="accent1"/>
+            </a:fillRef>
+            <a:effectRef idx="0">
+              <a:schemeClr val="accent1"/>
+            </a:effectRef>
+            <a:fontRef idx="minor">
+              <a:schemeClr val="tx1"/>
+            </a:fontRef>
+          </p:style>
+        </p:cxnSp>
+        <p:pic>
+          <p:nvPicPr>
+            <p:cNvPr id="34" name="Grafik 33">
+              <a:extLst>
+                <a:ext uri="{FF2B5EF4-FFF2-40B4-BE49-F238E27FC236}">
+                  <a16:creationId xmlns:a16="http://schemas.microsoft.com/office/drawing/2014/main" id="{C7E36F29-A160-4E16-8F75-8A5C67148396}"/>
+                </a:ext>
+              </a:extLst>
+            </p:cNvPr>
+            <p:cNvPicPr>
+              <a:picLocks noChangeAspect="1"/>
+            </p:cNvPicPr>
+            <p:nvPr>
+              <p:custDataLst>
+                <p:tags r:id="rId12"/>
+              </p:custDataLst>
+            </p:nvPr>
+          </p:nvPicPr>
+          <p:blipFill>
+            <a:blip r:embed="rId23">
+              <a:extLst>
+                <a:ext uri="{28A0092B-C50C-407E-A947-70E740481C1C}">
+                  <a14:useLocalDpi xmlns:a14="http://schemas.microsoft.com/office/drawing/2010/main" val="0"/>
+                </a:ext>
+              </a:extLst>
+            </a:blip>
+            <a:stretch>
+              <a:fillRect/>
+            </a:stretch>
+          </p:blipFill>
+          <p:spPr>
+            <a:xfrm>
+              <a:off x="4399615" y="3225626"/>
+              <a:ext cx="217474" cy="173541"/>
+            </a:xfrm>
+            <a:prstGeom prst="rect">
+              <a:avLst/>
+            </a:prstGeom>
+          </p:spPr>
+        </p:pic>
+        <p:pic>
+          <p:nvPicPr>
+            <p:cNvPr id="35" name="Grafik 34">
+              <a:extLst>
+                <a:ext uri="{FF2B5EF4-FFF2-40B4-BE49-F238E27FC236}">
+                  <a16:creationId xmlns:a16="http://schemas.microsoft.com/office/drawing/2014/main" id="{3D2CFF49-620C-4B0D-8466-DC28FC871535}"/>
+                </a:ext>
+              </a:extLst>
+            </p:cNvPr>
+            <p:cNvPicPr>
+              <a:picLocks noChangeAspect="1"/>
+            </p:cNvPicPr>
+            <p:nvPr>
+              <p:custDataLst>
+                <p:tags r:id="rId13"/>
+              </p:custDataLst>
+            </p:nvPr>
+          </p:nvPicPr>
+          <p:blipFill>
+            <a:blip r:embed="rId24">
+              <a:extLst>
+                <a:ext uri="{28A0092B-C50C-407E-A947-70E740481C1C}">
+                  <a14:useLocalDpi xmlns:a14="http://schemas.microsoft.com/office/drawing/2010/main" val="0"/>
+                </a:ext>
+              </a:extLst>
+            </a:blip>
+            <a:stretch>
+              <a:fillRect/>
+            </a:stretch>
+          </p:blipFill>
+          <p:spPr>
+            <a:xfrm>
+              <a:off x="5106742" y="2956435"/>
+              <a:ext cx="209403" cy="240359"/>
+            </a:xfrm>
+            <a:prstGeom prst="rect">
+              <a:avLst/>
+            </a:prstGeom>
+          </p:spPr>
+        </p:pic>
+        <p:pic>
+          <p:nvPicPr>
+            <p:cNvPr id="36" name="Grafik 35">
+              <a:extLst>
+                <a:ext uri="{FF2B5EF4-FFF2-40B4-BE49-F238E27FC236}">
+                  <a16:creationId xmlns:a16="http://schemas.microsoft.com/office/drawing/2014/main" id="{614733AA-C98E-4002-900B-8D5839BB0356}"/>
+                </a:ext>
+              </a:extLst>
+            </p:cNvPr>
+            <p:cNvPicPr>
+              <a:picLocks noChangeAspect="1"/>
+            </p:cNvPicPr>
+            <p:nvPr>
+              <p:custDataLst>
+                <p:tags r:id="rId14"/>
+              </p:custDataLst>
+            </p:nvPr>
+          </p:nvPicPr>
+          <p:blipFill>
+            <a:blip r:embed="rId25">
+              <a:extLst>
+                <a:ext uri="{28A0092B-C50C-407E-A947-70E740481C1C}">
+                  <a14:useLocalDpi xmlns:a14="http://schemas.microsoft.com/office/drawing/2010/main" val="0"/>
+                </a:ext>
+              </a:extLst>
+            </a:blip>
+            <a:stretch>
+              <a:fillRect/>
+            </a:stretch>
+          </p:blipFill>
+          <p:spPr>
+            <a:xfrm>
+              <a:off x="4534881" y="2631059"/>
+              <a:ext cx="191329" cy="170104"/>
+            </a:xfrm>
+            <a:prstGeom prst="rect">
+              <a:avLst/>
+            </a:prstGeom>
+          </p:spPr>
+        </p:pic>
+        <p:cxnSp>
+          <p:nvCxnSpPr>
+            <p:cNvPr id="38" name="Gerade Verbindung mit Pfeil 37">
+              <a:extLst>
+                <a:ext uri="{FF2B5EF4-FFF2-40B4-BE49-F238E27FC236}">
+                  <a16:creationId xmlns:a16="http://schemas.microsoft.com/office/drawing/2014/main" id="{68F5D72E-942C-4A3E-888E-9ED4368ED154}"/>
+                </a:ext>
+              </a:extLst>
+            </p:cNvPr>
+            <p:cNvCxnSpPr>
+              <a:cxnSpLocks/>
+            </p:cNvCxnSpPr>
+            <p:nvPr/>
+          </p:nvCxnSpPr>
+          <p:spPr>
+            <a:xfrm>
+              <a:off x="4843252" y="3202524"/>
+              <a:ext cx="517418" cy="23102"/>
+            </a:xfrm>
+            <a:prstGeom prst="straightConnector1">
+              <a:avLst/>
+            </a:prstGeom>
+            <a:ln w="25400">
+              <a:solidFill>
+                <a:srgbClr val="FF7F2B"/>
+              </a:solidFill>
+              <a:tailEnd type="triangle"/>
             </a:ln>
           </p:spPr>
           <p:style>
@@ -6237,10 +7682,10 @@
         </p:cxnSp>
         <p:cxnSp>
           <p:nvCxnSpPr>
-            <p:cNvPr id="98" name="Gerader Verbinder 97">
-              <a:extLst>
-                <a:ext uri="{FF2B5EF4-FFF2-40B4-BE49-F238E27FC236}">
-                  <a16:creationId xmlns:a16="http://schemas.microsoft.com/office/drawing/2014/main" id="{4C0F7030-861F-4C21-852D-01A904F470BD}"/>
+            <p:cNvPr id="42" name="Gerade Verbindung mit Pfeil 41">
+              <a:extLst>
+                <a:ext uri="{FF2B5EF4-FFF2-40B4-BE49-F238E27FC236}">
+                  <a16:creationId xmlns:a16="http://schemas.microsoft.com/office/drawing/2014/main" id="{E81652D7-56A7-452C-94DF-A37075A79143}"/>
                 </a:ext>
               </a:extLst>
             </p:cNvPr>
@@ -6250,17 +7695,717 @@
             <p:nvPr/>
           </p:nvCxnSpPr>
           <p:spPr>
+            <a:xfrm flipH="1" flipV="1">
+              <a:off x="4750288" y="2882097"/>
+              <a:ext cx="117042" cy="334843"/>
+            </a:xfrm>
+            <a:prstGeom prst="straightConnector1">
+              <a:avLst/>
+            </a:prstGeom>
+            <a:ln w="25400">
+              <a:solidFill>
+                <a:srgbClr val="FF7F2B"/>
+              </a:solidFill>
+              <a:tailEnd type="triangle"/>
+            </a:ln>
+          </p:spPr>
+          <p:style>
+            <a:lnRef idx="1">
+              <a:schemeClr val="accent1"/>
+            </a:lnRef>
+            <a:fillRef idx="0">
+              <a:schemeClr val="accent1"/>
+            </a:fillRef>
+            <a:effectRef idx="0">
+              <a:schemeClr val="accent1"/>
+            </a:effectRef>
+            <a:fontRef idx="minor">
+              <a:schemeClr val="tx1"/>
+            </a:fontRef>
+          </p:style>
+        </p:cxnSp>
+        <p:pic>
+          <p:nvPicPr>
+            <p:cNvPr id="85" name="Grafik 84">
+              <a:extLst>
+                <a:ext uri="{FF2B5EF4-FFF2-40B4-BE49-F238E27FC236}">
+                  <a16:creationId xmlns:a16="http://schemas.microsoft.com/office/drawing/2014/main" id="{F2F4CD1F-1AE9-4901-A25F-EEA38D32E4B5}"/>
+                </a:ext>
+              </a:extLst>
+            </p:cNvPr>
+            <p:cNvPicPr>
+              <a:picLocks noChangeAspect="1"/>
+            </p:cNvPicPr>
+            <p:nvPr>
+              <p:custDataLst>
+                <p:tags r:id="rId15"/>
+              </p:custDataLst>
+            </p:nvPr>
+          </p:nvPicPr>
+          <p:blipFill>
+            <a:blip r:embed="rId26">
+              <a:extLst>
+                <a:ext uri="{28A0092B-C50C-407E-A947-70E740481C1C}">
+                  <a14:useLocalDpi xmlns:a14="http://schemas.microsoft.com/office/drawing/2010/main" val="0"/>
+                </a:ext>
+              </a:extLst>
+            </a:blip>
+            <a:stretch>
+              <a:fillRect/>
+            </a:stretch>
+          </p:blipFill>
+          <p:spPr>
             <a:xfrm>
-              <a:off x="2655383" y="3237880"/>
+              <a:off x="5471555" y="1596590"/>
+              <a:ext cx="136536" cy="246012"/>
+            </a:xfrm>
+            <a:prstGeom prst="rect">
+              <a:avLst/>
+            </a:prstGeom>
+          </p:spPr>
+        </p:pic>
+        <p:grpSp>
+          <p:nvGrpSpPr>
+            <p:cNvPr id="68" name="Gruppieren 67">
+              <a:extLst>
+                <a:ext uri="{FF2B5EF4-FFF2-40B4-BE49-F238E27FC236}">
+                  <a16:creationId xmlns:a16="http://schemas.microsoft.com/office/drawing/2014/main" id="{4A1DC4F3-B7D4-449E-9E7B-27C74429C54B}"/>
+                </a:ext>
+              </a:extLst>
+            </p:cNvPr>
+            <p:cNvGrpSpPr/>
+            <p:nvPr/>
+          </p:nvGrpSpPr>
+          <p:grpSpPr>
+            <a:xfrm>
+              <a:off x="6727329" y="158011"/>
               <a:ext cx="221167" cy="191120"/>
-            </a:xfrm>
-            <a:prstGeom prst="line">
+              <a:chOff x="9949627" y="1150029"/>
+              <a:chExt cx="221167" cy="191120"/>
+            </a:xfrm>
+          </p:grpSpPr>
+          <p:cxnSp>
+            <p:nvCxnSpPr>
+              <p:cNvPr id="21" name="Gerader Verbinder 20">
+                <a:extLst>
+                  <a:ext uri="{FF2B5EF4-FFF2-40B4-BE49-F238E27FC236}">
+                    <a16:creationId xmlns:a16="http://schemas.microsoft.com/office/drawing/2014/main" id="{940B55B7-3FEF-4ABE-B560-CBE202CF1A9B}"/>
+                  </a:ext>
+                </a:extLst>
+              </p:cNvPr>
+              <p:cNvCxnSpPr>
+                <a:cxnSpLocks/>
+              </p:cNvCxnSpPr>
+              <p:nvPr/>
+            </p:nvCxnSpPr>
+            <p:spPr>
+              <a:xfrm flipH="1">
+                <a:off x="9949627" y="1150029"/>
+                <a:ext cx="221167" cy="191120"/>
+              </a:xfrm>
+              <a:prstGeom prst="line">
+                <a:avLst/>
+              </a:prstGeom>
+              <a:ln w="25400">
+                <a:solidFill>
+                  <a:schemeClr val="tx1"/>
+                </a:solidFill>
+              </a:ln>
+            </p:spPr>
+            <p:style>
+              <a:lnRef idx="1">
+                <a:schemeClr val="accent1"/>
+              </a:lnRef>
+              <a:fillRef idx="0">
+                <a:schemeClr val="accent1"/>
+              </a:fillRef>
+              <a:effectRef idx="0">
+                <a:schemeClr val="accent1"/>
+              </a:effectRef>
+              <a:fontRef idx="minor">
+                <a:schemeClr val="tx1"/>
+              </a:fontRef>
+            </p:style>
+          </p:cxnSp>
+          <p:cxnSp>
+            <p:nvCxnSpPr>
+              <p:cNvPr id="22" name="Gerader Verbinder 21">
+                <a:extLst>
+                  <a:ext uri="{FF2B5EF4-FFF2-40B4-BE49-F238E27FC236}">
+                    <a16:creationId xmlns:a16="http://schemas.microsoft.com/office/drawing/2014/main" id="{5D14EEC1-9A2E-46BA-88CC-45E6B510CFBC}"/>
+                  </a:ext>
+                </a:extLst>
+              </p:cNvPr>
+              <p:cNvCxnSpPr>
+                <a:cxnSpLocks/>
+              </p:cNvCxnSpPr>
+              <p:nvPr/>
+            </p:nvCxnSpPr>
+            <p:spPr>
+              <a:xfrm>
+                <a:off x="9949627" y="1150029"/>
+                <a:ext cx="221167" cy="191120"/>
+              </a:xfrm>
+              <a:prstGeom prst="line">
+                <a:avLst/>
+              </a:prstGeom>
+              <a:ln w="25400">
+                <a:solidFill>
+                  <a:schemeClr val="tx1"/>
+                </a:solidFill>
+              </a:ln>
+            </p:spPr>
+            <p:style>
+              <a:lnRef idx="1">
+                <a:schemeClr val="accent1"/>
+              </a:lnRef>
+              <a:fillRef idx="0">
+                <a:schemeClr val="accent1"/>
+              </a:fillRef>
+              <a:effectRef idx="0">
+                <a:schemeClr val="accent1"/>
+              </a:effectRef>
+              <a:fontRef idx="minor">
+                <a:schemeClr val="tx1"/>
+              </a:fontRef>
+            </p:style>
+          </p:cxnSp>
+        </p:grpSp>
+        <p:cxnSp>
+          <p:nvCxnSpPr>
+            <p:cNvPr id="23" name="Gerade Verbindung mit Pfeil 22">
+              <a:extLst>
+                <a:ext uri="{FF2B5EF4-FFF2-40B4-BE49-F238E27FC236}">
+                  <a16:creationId xmlns:a16="http://schemas.microsoft.com/office/drawing/2014/main" id="{3A01DA3E-06F8-4F87-9BB4-B0CF4A9FDBFB}"/>
+                </a:ext>
+              </a:extLst>
+            </p:cNvPr>
+            <p:cNvCxnSpPr>
+              <a:cxnSpLocks/>
+            </p:cNvCxnSpPr>
+            <p:nvPr/>
+          </p:nvCxnSpPr>
+          <p:spPr>
+            <a:xfrm flipH="1" flipV="1">
+              <a:off x="6471190" y="218048"/>
+              <a:ext cx="366723" cy="46564"/>
+            </a:xfrm>
+            <a:prstGeom prst="straightConnector1">
               <a:avLst/>
             </a:prstGeom>
             <a:ln w="25400">
               <a:solidFill>
                 <a:schemeClr val="tx1"/>
               </a:solidFill>
+              <a:tailEnd type="triangle"/>
+            </a:ln>
+          </p:spPr>
+          <p:style>
+            <a:lnRef idx="1">
+              <a:schemeClr val="accent1"/>
+            </a:lnRef>
+            <a:fillRef idx="0">
+              <a:schemeClr val="accent1"/>
+            </a:fillRef>
+            <a:effectRef idx="0">
+              <a:schemeClr val="accent1"/>
+            </a:effectRef>
+            <a:fontRef idx="minor">
+              <a:schemeClr val="tx1"/>
+            </a:fontRef>
+          </p:style>
+        </p:cxnSp>
+        <p:cxnSp>
+          <p:nvCxnSpPr>
+            <p:cNvPr id="24" name="Gerade Verbindung mit Pfeil 23">
+              <a:extLst>
+                <a:ext uri="{FF2B5EF4-FFF2-40B4-BE49-F238E27FC236}">
+                  <a16:creationId xmlns:a16="http://schemas.microsoft.com/office/drawing/2014/main" id="{BB6B2183-9B94-4C90-AE51-EE75D909DA87}"/>
+                </a:ext>
+              </a:extLst>
+            </p:cNvPr>
+            <p:cNvCxnSpPr>
+              <a:cxnSpLocks/>
+            </p:cNvCxnSpPr>
+            <p:nvPr/>
+          </p:nvCxnSpPr>
+          <p:spPr>
+            <a:xfrm flipH="1">
+              <a:off x="6517560" y="253573"/>
+              <a:ext cx="319424" cy="210842"/>
+            </a:xfrm>
+            <a:prstGeom prst="straightConnector1">
+              <a:avLst/>
+            </a:prstGeom>
+            <a:ln w="25400">
+              <a:solidFill>
+                <a:schemeClr val="tx1"/>
+              </a:solidFill>
+              <a:tailEnd type="triangle"/>
+            </a:ln>
+          </p:spPr>
+          <p:style>
+            <a:lnRef idx="1">
+              <a:schemeClr val="accent1"/>
+            </a:lnRef>
+            <a:fillRef idx="0">
+              <a:schemeClr val="accent1"/>
+            </a:fillRef>
+            <a:effectRef idx="0">
+              <a:schemeClr val="accent1"/>
+            </a:effectRef>
+            <a:fontRef idx="minor">
+              <a:schemeClr val="tx1"/>
+            </a:fontRef>
+          </p:style>
+        </p:cxnSp>
+        <p:cxnSp>
+          <p:nvCxnSpPr>
+            <p:cNvPr id="25" name="Gerade Verbindung mit Pfeil 24">
+              <a:extLst>
+                <a:ext uri="{FF2B5EF4-FFF2-40B4-BE49-F238E27FC236}">
+                  <a16:creationId xmlns:a16="http://schemas.microsoft.com/office/drawing/2014/main" id="{EDB34539-C3E5-4ABD-A227-0F0C076BFAE5}"/>
+                </a:ext>
+              </a:extLst>
+            </p:cNvPr>
+            <p:cNvCxnSpPr>
+              <a:cxnSpLocks/>
+            </p:cNvCxnSpPr>
+            <p:nvPr/>
+          </p:nvCxnSpPr>
+          <p:spPr>
+            <a:xfrm flipH="1">
+              <a:off x="6793505" y="276431"/>
+              <a:ext cx="44408" cy="344054"/>
+            </a:xfrm>
+            <a:prstGeom prst="straightConnector1">
+              <a:avLst/>
+            </a:prstGeom>
+            <a:ln w="25400">
+              <a:solidFill>
+                <a:schemeClr val="tx1"/>
+              </a:solidFill>
+              <a:tailEnd type="triangle"/>
+            </a:ln>
+          </p:spPr>
+          <p:style>
+            <a:lnRef idx="1">
+              <a:schemeClr val="accent1"/>
+            </a:lnRef>
+            <a:fillRef idx="0">
+              <a:schemeClr val="accent1"/>
+            </a:fillRef>
+            <a:effectRef idx="0">
+              <a:schemeClr val="accent1"/>
+            </a:effectRef>
+            <a:fontRef idx="minor">
+              <a:schemeClr val="tx1"/>
+            </a:fontRef>
+          </p:style>
+        </p:cxnSp>
+        <p:pic>
+          <p:nvPicPr>
+            <p:cNvPr id="108" name="Grafik 107">
+              <a:extLst>
+                <a:ext uri="{FF2B5EF4-FFF2-40B4-BE49-F238E27FC236}">
+                  <a16:creationId xmlns:a16="http://schemas.microsoft.com/office/drawing/2014/main" id="{48FB9E35-A71D-4EC0-86CC-CDDD376E1BBA}"/>
+                </a:ext>
+              </a:extLst>
+            </p:cNvPr>
+            <p:cNvPicPr>
+              <a:picLocks noChangeAspect="1"/>
+            </p:cNvPicPr>
+            <p:nvPr>
+              <p:custDataLst>
+                <p:tags r:id="rId16"/>
+              </p:custDataLst>
+            </p:nvPr>
+          </p:nvPicPr>
+          <p:blipFill>
+            <a:blip r:embed="rId27">
+              <a:extLst>
+                <a:ext uri="{28A0092B-C50C-407E-A947-70E740481C1C}">
+                  <a14:useLocalDpi xmlns:a14="http://schemas.microsoft.com/office/drawing/2010/main" val="0"/>
+                </a:ext>
+              </a:extLst>
+            </a:blip>
+            <a:stretch>
+              <a:fillRect/>
+            </a:stretch>
+          </p:blipFill>
+          <p:spPr>
+            <a:xfrm>
+              <a:off x="6044540" y="-7183"/>
+              <a:ext cx="369813" cy="234716"/>
+            </a:xfrm>
+            <a:prstGeom prst="rect">
+              <a:avLst/>
+            </a:prstGeom>
+          </p:spPr>
+        </p:pic>
+        <p:pic>
+          <p:nvPicPr>
+            <p:cNvPr id="110" name="Grafik 109">
+              <a:extLst>
+                <a:ext uri="{FF2B5EF4-FFF2-40B4-BE49-F238E27FC236}">
+                  <a16:creationId xmlns:a16="http://schemas.microsoft.com/office/drawing/2014/main" id="{F0C833FA-EF7E-4E00-9DBA-4CAFB3E77F42}"/>
+                </a:ext>
+              </a:extLst>
+            </p:cNvPr>
+            <p:cNvPicPr>
+              <a:picLocks noChangeAspect="1"/>
+            </p:cNvPicPr>
+            <p:nvPr>
+              <p:custDataLst>
+                <p:tags r:id="rId17"/>
+              </p:custDataLst>
+            </p:nvPr>
+          </p:nvPicPr>
+          <p:blipFill>
+            <a:blip r:embed="rId28">
+              <a:extLst>
+                <a:ext uri="{28A0092B-C50C-407E-A947-70E740481C1C}">
+                  <a14:useLocalDpi xmlns:a14="http://schemas.microsoft.com/office/drawing/2010/main" val="0"/>
+                </a:ext>
+              </a:extLst>
+            </a:blip>
+            <a:stretch>
+              <a:fillRect/>
+            </a:stretch>
+          </p:blipFill>
+          <p:spPr>
+            <a:xfrm>
+              <a:off x="6132475" y="408462"/>
+              <a:ext cx="348705" cy="243333"/>
+            </a:xfrm>
+            <a:prstGeom prst="rect">
+              <a:avLst/>
+            </a:prstGeom>
+          </p:spPr>
+        </p:pic>
+        <p:pic>
+          <p:nvPicPr>
+            <p:cNvPr id="112" name="Grafik 111">
+              <a:extLst>
+                <a:ext uri="{FF2B5EF4-FFF2-40B4-BE49-F238E27FC236}">
+                  <a16:creationId xmlns:a16="http://schemas.microsoft.com/office/drawing/2014/main" id="{3E6CC36B-5441-4229-81AB-4331E5EFD7C9}"/>
+                </a:ext>
+              </a:extLst>
+            </p:cNvPr>
+            <p:cNvPicPr>
+              <a:picLocks noChangeAspect="1"/>
+            </p:cNvPicPr>
+            <p:nvPr>
+              <p:custDataLst>
+                <p:tags r:id="rId18"/>
+              </p:custDataLst>
+            </p:nvPr>
+          </p:nvPicPr>
+          <p:blipFill>
+            <a:blip r:embed="rId29">
+              <a:extLst>
+                <a:ext uri="{28A0092B-C50C-407E-A947-70E740481C1C}">
+                  <a14:useLocalDpi xmlns:a14="http://schemas.microsoft.com/office/drawing/2010/main" val="0"/>
+                </a:ext>
+              </a:extLst>
+            </a:blip>
+            <a:stretch>
+              <a:fillRect/>
+            </a:stretch>
+          </p:blipFill>
+          <p:spPr>
+            <a:xfrm>
+              <a:off x="6893787" y="516158"/>
+              <a:ext cx="333241" cy="230067"/>
+            </a:xfrm>
+            <a:prstGeom prst="rect">
+              <a:avLst/>
+            </a:prstGeom>
+          </p:spPr>
+        </p:pic>
+        <p:pic>
+          <p:nvPicPr>
+            <p:cNvPr id="88" name="Grafik 87">
+              <a:extLst>
+                <a:ext uri="{FF2B5EF4-FFF2-40B4-BE49-F238E27FC236}">
+                  <a16:creationId xmlns:a16="http://schemas.microsoft.com/office/drawing/2014/main" id="{99571DEB-3CA6-4613-9780-F020C8B36A63}"/>
+                </a:ext>
+              </a:extLst>
+            </p:cNvPr>
+            <p:cNvPicPr>
+              <a:picLocks noChangeAspect="1"/>
+            </p:cNvPicPr>
+            <p:nvPr>
+              <p:custDataLst>
+                <p:tags r:id="rId19"/>
+              </p:custDataLst>
+            </p:nvPr>
+          </p:nvPicPr>
+          <p:blipFill>
+            <a:blip r:embed="rId30">
+              <a:extLst>
+                <a:ext uri="{28A0092B-C50C-407E-A947-70E740481C1C}">
+                  <a14:useLocalDpi xmlns:a14="http://schemas.microsoft.com/office/drawing/2010/main" val="0"/>
+                </a:ext>
+              </a:extLst>
+            </a:blip>
+            <a:stretch>
+              <a:fillRect/>
+            </a:stretch>
+          </p:blipFill>
+          <p:spPr>
+            <a:xfrm>
+              <a:off x="7183884" y="-102084"/>
+              <a:ext cx="325784" cy="269811"/>
+            </a:xfrm>
+            <a:prstGeom prst="rect">
+              <a:avLst/>
+            </a:prstGeom>
+          </p:spPr>
+        </p:pic>
+        <p:pic>
+          <p:nvPicPr>
+            <p:cNvPr id="106" name="Grafik 105">
+              <a:extLst>
+                <a:ext uri="{FF2B5EF4-FFF2-40B4-BE49-F238E27FC236}">
+                  <a16:creationId xmlns:a16="http://schemas.microsoft.com/office/drawing/2014/main" id="{AE2F7DD0-32E4-483A-965A-5C127B934CD5}"/>
+                </a:ext>
+              </a:extLst>
+            </p:cNvPr>
+            <p:cNvPicPr>
+              <a:picLocks noChangeAspect="1"/>
+            </p:cNvPicPr>
+            <p:nvPr>
+              <p:custDataLst>
+                <p:tags r:id="rId20"/>
+              </p:custDataLst>
+            </p:nvPr>
+          </p:nvPicPr>
+          <p:blipFill>
+            <a:blip r:embed="rId31">
+              <a:extLst>
+                <a:ext uri="{28A0092B-C50C-407E-A947-70E740481C1C}">
+                  <a14:useLocalDpi xmlns:a14="http://schemas.microsoft.com/office/drawing/2010/main" val="0"/>
+                </a:ext>
+              </a:extLst>
+            </a:blip>
+            <a:stretch>
+              <a:fillRect/>
+            </a:stretch>
+          </p:blipFill>
+          <p:spPr>
+            <a:xfrm>
+              <a:off x="6218727" y="-518283"/>
+              <a:ext cx="1299058" cy="281406"/>
+            </a:xfrm>
+            <a:prstGeom prst="rect">
+              <a:avLst/>
+            </a:prstGeom>
+          </p:spPr>
+        </p:pic>
+        <p:cxnSp>
+          <p:nvCxnSpPr>
+            <p:cNvPr id="115" name="Gerade Verbindung mit Pfeil 114">
+              <a:extLst>
+                <a:ext uri="{FF2B5EF4-FFF2-40B4-BE49-F238E27FC236}">
+                  <a16:creationId xmlns:a16="http://schemas.microsoft.com/office/drawing/2014/main" id="{5516C52A-599D-4344-8C5F-638B2C18694A}"/>
+                </a:ext>
+              </a:extLst>
+            </p:cNvPr>
+            <p:cNvCxnSpPr>
+              <a:cxnSpLocks/>
+            </p:cNvCxnSpPr>
+            <p:nvPr/>
+          </p:nvCxnSpPr>
+          <p:spPr>
+            <a:xfrm flipV="1">
+              <a:off x="6414353" y="1060300"/>
+              <a:ext cx="332280" cy="2803675"/>
+            </a:xfrm>
+            <a:prstGeom prst="straightConnector1">
+              <a:avLst/>
+            </a:prstGeom>
+            <a:ln w="25400">
+              <a:solidFill>
+                <a:schemeClr val="tx1"/>
+              </a:solidFill>
+              <a:prstDash val="dash"/>
+              <a:tailEnd type="none"/>
+            </a:ln>
+          </p:spPr>
+          <p:style>
+            <a:lnRef idx="1">
+              <a:schemeClr val="accent1"/>
+            </a:lnRef>
+            <a:fillRef idx="0">
+              <a:schemeClr val="accent1"/>
+            </a:fillRef>
+            <a:effectRef idx="0">
+              <a:schemeClr val="accent1"/>
+            </a:effectRef>
+            <a:fontRef idx="minor">
+              <a:schemeClr val="tx1"/>
+            </a:fontRef>
+          </p:style>
+        </p:cxnSp>
+        <p:cxnSp>
+          <p:nvCxnSpPr>
+            <p:cNvPr id="121" name="Gerade Verbindung mit Pfeil 120">
+              <a:extLst>
+                <a:ext uri="{FF2B5EF4-FFF2-40B4-BE49-F238E27FC236}">
+                  <a16:creationId xmlns:a16="http://schemas.microsoft.com/office/drawing/2014/main" id="{D45C1B20-2902-4158-86B2-C49609EB3DAE}"/>
+                </a:ext>
+              </a:extLst>
+            </p:cNvPr>
+            <p:cNvCxnSpPr>
+              <a:cxnSpLocks/>
+            </p:cNvCxnSpPr>
+            <p:nvPr/>
+          </p:nvCxnSpPr>
+          <p:spPr>
+            <a:xfrm flipV="1">
+              <a:off x="4867330" y="958733"/>
+              <a:ext cx="1484437" cy="2238062"/>
+            </a:xfrm>
+            <a:prstGeom prst="straightConnector1">
+              <a:avLst/>
+            </a:prstGeom>
+            <a:ln w="25400">
+              <a:solidFill>
+                <a:srgbClr val="FF7F2B"/>
+              </a:solidFill>
+              <a:tailEnd type="none"/>
+            </a:ln>
+          </p:spPr>
+          <p:style>
+            <a:lnRef idx="1">
+              <a:schemeClr val="accent1"/>
+            </a:lnRef>
+            <a:fillRef idx="0">
+              <a:schemeClr val="accent1"/>
+            </a:fillRef>
+            <a:effectRef idx="0">
+              <a:schemeClr val="accent1"/>
+            </a:effectRef>
+            <a:fontRef idx="minor">
+              <a:schemeClr val="tx1"/>
+            </a:fontRef>
+          </p:style>
+        </p:cxnSp>
+        <p:pic>
+          <p:nvPicPr>
+            <p:cNvPr id="64" name="Grafik 63" descr="Ein Bild, das Objekt, Damestein, Schachfigur enthält.&#10;&#10;Automatisch generierte Beschreibung">
+              <a:extLst>
+                <a:ext uri="{FF2B5EF4-FFF2-40B4-BE49-F238E27FC236}">
+                  <a16:creationId xmlns:a16="http://schemas.microsoft.com/office/drawing/2014/main" id="{F5E78946-DD41-430D-9C28-E4329A5E32E2}"/>
+                </a:ext>
+              </a:extLst>
+            </p:cNvPr>
+            <p:cNvPicPr>
+              <a:picLocks noChangeAspect="1"/>
+            </p:cNvPicPr>
+            <p:nvPr/>
+          </p:nvPicPr>
+          <p:blipFill>
+            <a:blip r:embed="rId22">
+              <a:extLst>
+                <a:ext uri="{28A0092B-C50C-407E-A947-70E740481C1C}">
+                  <a14:useLocalDpi xmlns:a14="http://schemas.microsoft.com/office/drawing/2010/main" val="0"/>
+                </a:ext>
+              </a:extLst>
+            </a:blip>
+            <a:stretch>
+              <a:fillRect/>
+            </a:stretch>
+          </p:blipFill>
+          <p:spPr>
+            <a:xfrm rot="194905">
+              <a:off x="6026746" y="439182"/>
+              <a:ext cx="1401167" cy="1088740"/>
+            </a:xfrm>
+            <a:prstGeom prst="rect">
+              <a:avLst/>
+            </a:prstGeom>
+            <a:scene3d>
+              <a:camera prst="orthographicFront">
+                <a:rot lat="4299968" lon="19514312" rev="19448253"/>
+              </a:camera>
+              <a:lightRig rig="threePt" dir="t"/>
+            </a:scene3d>
+          </p:spPr>
+        </p:pic>
+        <p:cxnSp>
+          <p:nvCxnSpPr>
+            <p:cNvPr id="79" name="Gerade Verbindung mit Pfeil 78">
+              <a:extLst>
+                <a:ext uri="{FF2B5EF4-FFF2-40B4-BE49-F238E27FC236}">
+                  <a16:creationId xmlns:a16="http://schemas.microsoft.com/office/drawing/2014/main" id="{5CED902C-9AD2-4365-B3F5-48CEF5ED2FA5}"/>
+                </a:ext>
+              </a:extLst>
+            </p:cNvPr>
+            <p:cNvCxnSpPr>
+              <a:cxnSpLocks/>
+            </p:cNvCxnSpPr>
+            <p:nvPr/>
+          </p:nvCxnSpPr>
+          <p:spPr>
+            <a:xfrm flipV="1">
+              <a:off x="6387950" y="264612"/>
+              <a:ext cx="427759" cy="659943"/>
+            </a:xfrm>
+            <a:prstGeom prst="straightConnector1">
+              <a:avLst/>
+            </a:prstGeom>
+            <a:ln w="25400">
+              <a:solidFill>
+                <a:srgbClr val="FF7F2B"/>
+              </a:solidFill>
+              <a:tailEnd type="triangle"/>
+            </a:ln>
+          </p:spPr>
+          <p:style>
+            <a:lnRef idx="1">
+              <a:schemeClr val="accent1"/>
+            </a:lnRef>
+            <a:fillRef idx="0">
+              <a:schemeClr val="accent1"/>
+            </a:fillRef>
+            <a:effectRef idx="0">
+              <a:schemeClr val="accent1"/>
+            </a:effectRef>
+            <a:fontRef idx="minor">
+              <a:schemeClr val="tx1"/>
+            </a:fontRef>
+          </p:style>
+        </p:cxnSp>
+        <p:cxnSp>
+          <p:nvCxnSpPr>
+            <p:cNvPr id="128" name="Gerade Verbindung mit Pfeil 127">
+              <a:extLst>
+                <a:ext uri="{FF2B5EF4-FFF2-40B4-BE49-F238E27FC236}">
+                  <a16:creationId xmlns:a16="http://schemas.microsoft.com/office/drawing/2014/main" id="{1D5D050B-AF97-4D70-83DE-E966D313F6DD}"/>
+                </a:ext>
+              </a:extLst>
+            </p:cNvPr>
+            <p:cNvCxnSpPr>
+              <a:cxnSpLocks/>
+            </p:cNvCxnSpPr>
+            <p:nvPr/>
+          </p:nvCxnSpPr>
+          <p:spPr>
+            <a:xfrm flipV="1">
+              <a:off x="6750514" y="276433"/>
+              <a:ext cx="65196" cy="707119"/>
+            </a:xfrm>
+            <a:prstGeom prst="straightConnector1">
+              <a:avLst/>
+            </a:prstGeom>
+            <a:ln w="25400">
+              <a:solidFill>
+                <a:schemeClr val="tx1"/>
+              </a:solidFill>
+              <a:prstDash val="dash"/>
+              <a:tailEnd type="none"/>
             </a:ln>
           </p:spPr>
           <p:style>
@@ -6281,10 +8426,10 @@
       </p:grpSp>
       <p:grpSp>
         <p:nvGrpSpPr>
-          <p:cNvPr id="30" name="Gruppieren 29">
+          <p:cNvPr id="293" name="Gruppieren 292">
             <a:extLst>
               <a:ext uri="{FF2B5EF4-FFF2-40B4-BE49-F238E27FC236}">
-                <a16:creationId xmlns:a16="http://schemas.microsoft.com/office/drawing/2014/main" id="{27131192-326D-40A1-8CBD-DA107BC63B6F}"/>
+                <a16:creationId xmlns:a16="http://schemas.microsoft.com/office/drawing/2014/main" id="{8AED2450-9F5B-4F79-8EC1-62E13C5CF3F5}"/>
               </a:ext>
             </a:extLst>
           </p:cNvPr>
@@ -6293,18 +8438,58 @@
         </p:nvGrpSpPr>
         <p:grpSpPr>
           <a:xfrm>
-            <a:off x="1163083" y="-578273"/>
-            <a:ext cx="10694889" cy="6912559"/>
-            <a:chOff x="1163083" y="-578273"/>
-            <a:chExt cx="10694889" cy="6912559"/>
+            <a:off x="-3751799" y="-226780"/>
+            <a:ext cx="12170751" cy="5511393"/>
+            <a:chOff x="-3751799" y="-226780"/>
+            <a:chExt cx="12170751" cy="5511393"/>
           </a:xfrm>
         </p:grpSpPr>
+        <p:pic>
+          <p:nvPicPr>
+            <p:cNvPr id="154" name="Grafik 153">
+              <a:extLst>
+                <a:ext uri="{FF2B5EF4-FFF2-40B4-BE49-F238E27FC236}">
+                  <a16:creationId xmlns:a16="http://schemas.microsoft.com/office/drawing/2014/main" id="{4E78FFA9-A0E6-4B9D-85FF-13B5A1DC08B0}"/>
+                </a:ext>
+              </a:extLst>
+            </p:cNvPr>
+            <p:cNvPicPr>
+              <a:picLocks noChangeAspect="1"/>
+            </p:cNvPicPr>
+            <p:nvPr>
+              <p:custDataLst>
+                <p:tags r:id="rId1"/>
+              </p:custDataLst>
+            </p:nvPr>
+          </p:nvPicPr>
+          <p:blipFill>
+            <a:blip r:embed="rId31">
+              <a:extLst>
+                <a:ext uri="{28A0092B-C50C-407E-A947-70E740481C1C}">
+                  <a14:useLocalDpi xmlns:a14="http://schemas.microsoft.com/office/drawing/2010/main" val="0"/>
+                </a:ext>
+              </a:extLst>
+            </a:blip>
+            <a:stretch>
+              <a:fillRect/>
+            </a:stretch>
+          </p:blipFill>
+          <p:spPr>
+            <a:xfrm>
+              <a:off x="-1829282" y="2896723"/>
+              <a:ext cx="1299058" cy="281406"/>
+            </a:xfrm>
+            <a:prstGeom prst="rect">
+              <a:avLst/>
+            </a:prstGeom>
+          </p:spPr>
+        </p:pic>
         <p:grpSp>
           <p:nvGrpSpPr>
-            <p:cNvPr id="18" name="Gruppieren 17">
-              <a:extLst>
-                <a:ext uri="{FF2B5EF4-FFF2-40B4-BE49-F238E27FC236}">
-                  <a16:creationId xmlns:a16="http://schemas.microsoft.com/office/drawing/2014/main" id="{B0703ABB-68C3-4190-8133-4CE0798D4947}"/>
+            <p:cNvPr id="292" name="Gruppieren 291">
+              <a:extLst>
+                <a:ext uri="{FF2B5EF4-FFF2-40B4-BE49-F238E27FC236}">
+                  <a16:creationId xmlns:a16="http://schemas.microsoft.com/office/drawing/2014/main" id="{5B3A2233-0119-43CA-BBAE-197150C4930D}"/>
                 </a:ext>
               </a:extLst>
             </p:cNvPr>
@@ -6313,18 +8498,18 @@
           </p:nvGrpSpPr>
           <p:grpSpPr>
             <a:xfrm>
-              <a:off x="1163083" y="-578273"/>
-              <a:ext cx="10694889" cy="6912559"/>
-              <a:chOff x="1163083" y="-578273"/>
-              <a:chExt cx="10694889" cy="6912559"/>
+              <a:off x="-3751799" y="-226780"/>
+              <a:ext cx="12170751" cy="5511393"/>
+              <a:chOff x="-2181818" y="-1639813"/>
+              <a:chExt cx="12170751" cy="5511393"/>
             </a:xfrm>
           </p:grpSpPr>
           <p:pic>
             <p:nvPicPr>
-              <p:cNvPr id="19" name="Grafik 18" descr="Ein Bild, das orange, Himmel enthält.&#10;&#10;Automatisch generierte Beschreibung">
+              <p:cNvPr id="163" name="Grafik 162" descr="Ein Bild, das orange, Himmel enthält.&#10;&#10;Automatisch generierte Beschreibung">
                 <a:extLst>
                   <a:ext uri="{FF2B5EF4-FFF2-40B4-BE49-F238E27FC236}">
-                    <a16:creationId xmlns:a16="http://schemas.microsoft.com/office/drawing/2014/main" id="{F6D51A8E-FA2E-4AC1-AC94-7129A1B086D6}"/>
+                    <a16:creationId xmlns:a16="http://schemas.microsoft.com/office/drawing/2014/main" id="{4BB267CE-DEA1-40A4-9F10-93E35DBBA4D5}"/>
                   </a:ext>
                 </a:extLst>
               </p:cNvPr>
@@ -6334,7 +8519,7 @@
               <p:nvPr/>
             </p:nvPicPr>
             <p:blipFill>
-              <a:blip r:embed="rId12">
+              <a:blip r:embed="rId32">
                 <a:extLst>
                   <a:ext uri="{28A0092B-C50C-407E-A947-70E740481C1C}">
                     <a14:useLocalDpi xmlns:a14="http://schemas.microsoft.com/office/drawing/2010/main" val="0"/>
@@ -6347,8 +8532,8 @@
             </p:blipFill>
             <p:spPr>
               <a:xfrm>
-                <a:off x="7985661" y="-141985"/>
-                <a:ext cx="3872311" cy="2904233"/>
+                <a:off x="5273745" y="-1639812"/>
+                <a:ext cx="4704329" cy="3528246"/>
               </a:xfrm>
               <a:prstGeom prst="rect">
                 <a:avLst/>
@@ -6363,10 +8548,10 @@
           </p:pic>
           <p:cxnSp>
             <p:nvCxnSpPr>
-              <p:cNvPr id="60" name="Gerader Verbinder 59">
+              <p:cNvPr id="212" name="Gerade Verbindung mit Pfeil 211">
                 <a:extLst>
                   <a:ext uri="{FF2B5EF4-FFF2-40B4-BE49-F238E27FC236}">
-                    <a16:creationId xmlns:a16="http://schemas.microsoft.com/office/drawing/2014/main" id="{F8F9FBB4-8107-4D18-8590-F51D6D09841A}"/>
+                    <a16:creationId xmlns:a16="http://schemas.microsoft.com/office/drawing/2014/main" id="{5D358351-4904-4138-9FEF-988E74102577}"/>
                   </a:ext>
                 </a:extLst>
               </p:cNvPr>
@@ -6376,18 +8561,19 @@
               <p:nvPr/>
             </p:nvCxnSpPr>
             <p:spPr>
-              <a:xfrm flipH="1">
-                <a:off x="2325911" y="1932460"/>
-                <a:ext cx="7665356" cy="2623110"/>
+              <a:xfrm flipV="1">
+                <a:off x="2737284" y="0"/>
+                <a:ext cx="4690629" cy="1671244"/>
               </a:xfrm>
-              <a:prstGeom prst="line">
+              <a:prstGeom prst="straightConnector1">
                 <a:avLst/>
               </a:prstGeom>
               <a:ln w="25400">
                 <a:solidFill>
                   <a:schemeClr val="tx1"/>
                 </a:solidFill>
-                <a:prstDash val="solid"/>
+                <a:prstDash val="dash"/>
+                <a:tailEnd type="none"/>
               </a:ln>
             </p:spPr>
             <p:style>
@@ -6407,10 +8593,10 @@
           </p:cxnSp>
           <p:pic>
             <p:nvPicPr>
-              <p:cNvPr id="95" name="Grafik 94" descr="Ein Bild, das orange, Himmel enthält.&#10;&#10;Automatisch generierte Beschreibung">
+              <p:cNvPr id="177" name="Grafik 176" descr="Ein Bild, das orange, Himmel enthält.&#10;&#10;Automatisch generierte Beschreibung">
                 <a:extLst>
                   <a:ext uri="{FF2B5EF4-FFF2-40B4-BE49-F238E27FC236}">
-                    <a16:creationId xmlns:a16="http://schemas.microsoft.com/office/drawing/2014/main" id="{A341A4CE-B60D-4172-8E16-9D40A4981AD4}"/>
+                    <a16:creationId xmlns:a16="http://schemas.microsoft.com/office/drawing/2014/main" id="{61C9CD4E-2769-4009-8B2F-DBF6EC27B127}"/>
                   </a:ext>
                 </a:extLst>
               </p:cNvPr>
@@ -6420,7 +8606,8 @@
               <p:nvPr/>
             </p:nvPicPr>
             <p:blipFill>
-              <a:blip r:embed="rId12">
+              <a:blip r:embed="rId32">
+                <a:alphaModFix amt="40000"/>
                 <a:extLst>
                   <a:ext uri="{28A0092B-C50C-407E-A947-70E740481C1C}">
                     <a14:useLocalDpi xmlns:a14="http://schemas.microsoft.com/office/drawing/2010/main" val="0"/>
@@ -6433,8 +8620,8 @@
             </p:blipFill>
             <p:spPr>
               <a:xfrm>
-                <a:off x="5710268" y="3654981"/>
-                <a:ext cx="1679924" cy="1259943"/>
+                <a:off x="1482158" y="707359"/>
+                <a:ext cx="2763744" cy="2072809"/>
               </a:xfrm>
               <a:prstGeom prst="rect">
                 <a:avLst/>
@@ -6447,12 +8634,392 @@
               </a:scene3d>
             </p:spPr>
           </p:pic>
+          <p:grpSp>
+            <p:nvGrpSpPr>
+              <p:cNvPr id="205" name="Gruppieren 204">
+                <a:extLst>
+                  <a:ext uri="{FF2B5EF4-FFF2-40B4-BE49-F238E27FC236}">
+                    <a16:creationId xmlns:a16="http://schemas.microsoft.com/office/drawing/2014/main" id="{A8184594-6D99-4FC0-B8E3-A5373E28DCCA}"/>
+                  </a:ext>
+                </a:extLst>
+              </p:cNvPr>
+              <p:cNvGrpSpPr/>
+              <p:nvPr/>
+            </p:nvGrpSpPr>
+            <p:grpSpPr>
+              <a:xfrm>
+                <a:off x="622580" y="1753529"/>
+                <a:ext cx="1339737" cy="1203314"/>
+                <a:chOff x="1887655" y="4036401"/>
+                <a:chExt cx="1339737" cy="1203314"/>
+              </a:xfrm>
+            </p:grpSpPr>
+            <p:grpSp>
+              <p:nvGrpSpPr>
+                <p:cNvPr id="196" name="Gruppieren 195">
+                  <a:extLst>
+                    <a:ext uri="{FF2B5EF4-FFF2-40B4-BE49-F238E27FC236}">
+                      <a16:creationId xmlns:a16="http://schemas.microsoft.com/office/drawing/2014/main" id="{92BF0992-7725-496E-96BA-FB309DF07D9C}"/>
+                    </a:ext>
+                  </a:extLst>
+                </p:cNvPr>
+                <p:cNvGrpSpPr/>
+                <p:nvPr/>
+              </p:nvGrpSpPr>
+              <p:grpSpPr>
+                <a:xfrm>
+                  <a:off x="2215327" y="4445679"/>
+                  <a:ext cx="221167" cy="191120"/>
+                  <a:chOff x="2655383" y="3237880"/>
+                  <a:chExt cx="221167" cy="191120"/>
+                </a:xfrm>
+              </p:grpSpPr>
+              <p:cxnSp>
+                <p:nvCxnSpPr>
+                  <p:cNvPr id="197" name="Gerader Verbinder 196">
+                    <a:extLst>
+                      <a:ext uri="{FF2B5EF4-FFF2-40B4-BE49-F238E27FC236}">
+                        <a16:creationId xmlns:a16="http://schemas.microsoft.com/office/drawing/2014/main" id="{E8AC7C6A-3E02-4980-9B43-634CFDFC770E}"/>
+                      </a:ext>
+                    </a:extLst>
+                  </p:cNvPr>
+                  <p:cNvCxnSpPr>
+                    <a:cxnSpLocks/>
+                  </p:cNvCxnSpPr>
+                  <p:nvPr/>
+                </p:nvCxnSpPr>
+                <p:spPr>
+                  <a:xfrm flipH="1">
+                    <a:off x="2655383" y="3237880"/>
+                    <a:ext cx="221167" cy="191120"/>
+                  </a:xfrm>
+                  <a:prstGeom prst="line">
+                    <a:avLst/>
+                  </a:prstGeom>
+                  <a:ln w="25400">
+                    <a:solidFill>
+                      <a:schemeClr val="tx1"/>
+                    </a:solidFill>
+                  </a:ln>
+                </p:spPr>
+                <p:style>
+                  <a:lnRef idx="1">
+                    <a:schemeClr val="accent1"/>
+                  </a:lnRef>
+                  <a:fillRef idx="0">
+                    <a:schemeClr val="accent1"/>
+                  </a:fillRef>
+                  <a:effectRef idx="0">
+                    <a:schemeClr val="accent1"/>
+                  </a:effectRef>
+                  <a:fontRef idx="minor">
+                    <a:schemeClr val="tx1"/>
+                  </a:fontRef>
+                </p:style>
+              </p:cxnSp>
+              <p:cxnSp>
+                <p:nvCxnSpPr>
+                  <p:cNvPr id="198" name="Gerader Verbinder 197">
+                    <a:extLst>
+                      <a:ext uri="{FF2B5EF4-FFF2-40B4-BE49-F238E27FC236}">
+                        <a16:creationId xmlns:a16="http://schemas.microsoft.com/office/drawing/2014/main" id="{2379B492-7BFF-4D88-BC0E-B622BA05195C}"/>
+                      </a:ext>
+                    </a:extLst>
+                  </p:cNvPr>
+                  <p:cNvCxnSpPr>
+                    <a:cxnSpLocks/>
+                  </p:cNvCxnSpPr>
+                  <p:nvPr/>
+                </p:nvCxnSpPr>
+                <p:spPr>
+                  <a:xfrm>
+                    <a:off x="2655383" y="3237880"/>
+                    <a:ext cx="221167" cy="191120"/>
+                  </a:xfrm>
+                  <a:prstGeom prst="line">
+                    <a:avLst/>
+                  </a:prstGeom>
+                  <a:ln w="25400">
+                    <a:solidFill>
+                      <a:schemeClr val="tx1"/>
+                    </a:solidFill>
+                  </a:ln>
+                </p:spPr>
+                <p:style>
+                  <a:lnRef idx="1">
+                    <a:schemeClr val="accent1"/>
+                  </a:lnRef>
+                  <a:fillRef idx="0">
+                    <a:schemeClr val="accent1"/>
+                  </a:fillRef>
+                  <a:effectRef idx="0">
+                    <a:schemeClr val="accent1"/>
+                  </a:effectRef>
+                  <a:fontRef idx="minor">
+                    <a:schemeClr val="tx1"/>
+                  </a:fontRef>
+                </p:style>
+              </p:cxnSp>
+            </p:grpSp>
+            <p:cxnSp>
+              <p:nvCxnSpPr>
+                <p:cNvPr id="199" name="Gerade Verbindung mit Pfeil 198">
+                  <a:extLst>
+                    <a:ext uri="{FF2B5EF4-FFF2-40B4-BE49-F238E27FC236}">
+                      <a16:creationId xmlns:a16="http://schemas.microsoft.com/office/drawing/2014/main" id="{7973AF89-33E8-4D11-813E-CD35A5E1E98C}"/>
+                    </a:ext>
+                  </a:extLst>
+                </p:cNvPr>
+                <p:cNvCxnSpPr>
+                  <a:cxnSpLocks/>
+                </p:cNvCxnSpPr>
+                <p:nvPr/>
+              </p:nvCxnSpPr>
+              <p:spPr>
+                <a:xfrm>
+                  <a:off x="2336657" y="4557402"/>
+                  <a:ext cx="409653" cy="166202"/>
+                </a:xfrm>
+                <a:prstGeom prst="straightConnector1">
+                  <a:avLst/>
+                </a:prstGeom>
+                <a:ln w="25400">
+                  <a:solidFill>
+                    <a:schemeClr val="tx1"/>
+                  </a:solidFill>
+                  <a:tailEnd type="triangle"/>
+                </a:ln>
+              </p:spPr>
+              <p:style>
+                <a:lnRef idx="1">
+                  <a:schemeClr val="accent1"/>
+                </a:lnRef>
+                <a:fillRef idx="0">
+                  <a:schemeClr val="accent1"/>
+                </a:fillRef>
+                <a:effectRef idx="0">
+                  <a:schemeClr val="accent1"/>
+                </a:effectRef>
+                <a:fontRef idx="minor">
+                  <a:schemeClr val="tx1"/>
+                </a:fontRef>
+              </p:style>
+            </p:cxnSp>
+            <p:cxnSp>
+              <p:nvCxnSpPr>
+                <p:cNvPr id="200" name="Gerade Verbindung mit Pfeil 199">
+                  <a:extLst>
+                    <a:ext uri="{FF2B5EF4-FFF2-40B4-BE49-F238E27FC236}">
+                      <a16:creationId xmlns:a16="http://schemas.microsoft.com/office/drawing/2014/main" id="{C9E23236-7EA0-4593-B4B3-B2E2F734C789}"/>
+                    </a:ext>
+                  </a:extLst>
+                </p:cNvPr>
+                <p:cNvCxnSpPr>
+                  <a:cxnSpLocks/>
+                </p:cNvCxnSpPr>
+                <p:nvPr/>
+              </p:nvCxnSpPr>
+              <p:spPr>
+                <a:xfrm flipH="1">
+                  <a:off x="2321828" y="4555314"/>
+                  <a:ext cx="5371" cy="477940"/>
+                </a:xfrm>
+                <a:prstGeom prst="straightConnector1">
+                  <a:avLst/>
+                </a:prstGeom>
+                <a:ln w="25400">
+                  <a:solidFill>
+                    <a:schemeClr val="tx1"/>
+                  </a:solidFill>
+                  <a:tailEnd type="triangle"/>
+                </a:ln>
+              </p:spPr>
+              <p:style>
+                <a:lnRef idx="1">
+                  <a:schemeClr val="accent1"/>
+                </a:lnRef>
+                <a:fillRef idx="0">
+                  <a:schemeClr val="accent1"/>
+                </a:fillRef>
+                <a:effectRef idx="0">
+                  <a:schemeClr val="accent1"/>
+                </a:effectRef>
+                <a:fontRef idx="minor">
+                  <a:schemeClr val="tx1"/>
+                </a:fontRef>
+              </p:style>
+            </p:cxnSp>
+            <p:cxnSp>
+              <p:nvCxnSpPr>
+                <p:cNvPr id="201" name="Gerade Verbindung mit Pfeil 200">
+                  <a:extLst>
+                    <a:ext uri="{FF2B5EF4-FFF2-40B4-BE49-F238E27FC236}">
+                      <a16:creationId xmlns:a16="http://schemas.microsoft.com/office/drawing/2014/main" id="{9678D2D1-8634-4894-BFBF-37219A31B062}"/>
+                    </a:ext>
+                  </a:extLst>
+                </p:cNvPr>
+                <p:cNvCxnSpPr>
+                  <a:cxnSpLocks/>
+                </p:cNvCxnSpPr>
+                <p:nvPr/>
+              </p:nvCxnSpPr>
+              <p:spPr>
+                <a:xfrm flipV="1">
+                  <a:off x="2327199" y="4391984"/>
+                  <a:ext cx="472141" cy="163330"/>
+                </a:xfrm>
+                <a:prstGeom prst="straightConnector1">
+                  <a:avLst/>
+                </a:prstGeom>
+                <a:ln w="25400">
+                  <a:solidFill>
+                    <a:schemeClr val="tx1"/>
+                  </a:solidFill>
+                  <a:tailEnd type="triangle"/>
+                </a:ln>
+              </p:spPr>
+              <p:style>
+                <a:lnRef idx="1">
+                  <a:schemeClr val="accent1"/>
+                </a:lnRef>
+                <a:fillRef idx="0">
+                  <a:schemeClr val="accent1"/>
+                </a:fillRef>
+                <a:effectRef idx="0">
+                  <a:schemeClr val="accent1"/>
+                </a:effectRef>
+                <a:fontRef idx="minor">
+                  <a:schemeClr val="tx1"/>
+                </a:fontRef>
+              </p:style>
+            </p:cxnSp>
+            <p:pic>
+              <p:nvPicPr>
+                <p:cNvPr id="202" name="Grafik 201">
+                  <a:extLst>
+                    <a:ext uri="{FF2B5EF4-FFF2-40B4-BE49-F238E27FC236}">
+                      <a16:creationId xmlns:a16="http://schemas.microsoft.com/office/drawing/2014/main" id="{AB1D14CB-C5C5-449A-AD7F-5805E76EFB22}"/>
+                    </a:ext>
+                  </a:extLst>
+                </p:cNvPr>
+                <p:cNvPicPr>
+                  <a:picLocks noChangeAspect="1"/>
+                </p:cNvPicPr>
+                <p:nvPr>
+                  <p:custDataLst>
+                    <p:tags r:id="rId9"/>
+                  </p:custDataLst>
+                </p:nvPr>
+              </p:nvPicPr>
+              <p:blipFill>
+                <a:blip r:embed="rId27">
+                  <a:extLst>
+                    <a:ext uri="{28A0092B-C50C-407E-A947-70E740481C1C}">
+                      <a14:useLocalDpi xmlns:a14="http://schemas.microsoft.com/office/drawing/2010/main" val="0"/>
+                    </a:ext>
+                  </a:extLst>
+                </a:blip>
+                <a:stretch>
+                  <a:fillRect/>
+                </a:stretch>
+              </p:blipFill>
+              <p:spPr>
+                <a:xfrm>
+                  <a:off x="2857579" y="4765974"/>
+                  <a:ext cx="369813" cy="234716"/>
+                </a:xfrm>
+                <a:prstGeom prst="rect">
+                  <a:avLst/>
+                </a:prstGeom>
+              </p:spPr>
+            </p:pic>
+            <p:pic>
+              <p:nvPicPr>
+                <p:cNvPr id="203" name="Grafik 202">
+                  <a:extLst>
+                    <a:ext uri="{FF2B5EF4-FFF2-40B4-BE49-F238E27FC236}">
+                      <a16:creationId xmlns:a16="http://schemas.microsoft.com/office/drawing/2014/main" id="{59788E72-2A66-4276-8492-AEB12B3AE166}"/>
+                    </a:ext>
+                  </a:extLst>
+                </p:cNvPr>
+                <p:cNvPicPr>
+                  <a:picLocks noChangeAspect="1"/>
+                </p:cNvPicPr>
+                <p:nvPr>
+                  <p:custDataLst>
+                    <p:tags r:id="rId10"/>
+                  </p:custDataLst>
+                </p:nvPr>
+              </p:nvPicPr>
+              <p:blipFill>
+                <a:blip r:embed="rId28">
+                  <a:extLst>
+                    <a:ext uri="{28A0092B-C50C-407E-A947-70E740481C1C}">
+                      <a14:useLocalDpi xmlns:a14="http://schemas.microsoft.com/office/drawing/2010/main" val="0"/>
+                    </a:ext>
+                  </a:extLst>
+                </a:blip>
+                <a:stretch>
+                  <a:fillRect/>
+                </a:stretch>
+              </p:blipFill>
+              <p:spPr>
+                <a:xfrm>
+                  <a:off x="1887655" y="4996382"/>
+                  <a:ext cx="348705" cy="243333"/>
+                </a:xfrm>
+                <a:prstGeom prst="rect">
+                  <a:avLst/>
+                </a:prstGeom>
+              </p:spPr>
+            </p:pic>
+            <p:pic>
+              <p:nvPicPr>
+                <p:cNvPr id="204" name="Grafik 203">
+                  <a:extLst>
+                    <a:ext uri="{FF2B5EF4-FFF2-40B4-BE49-F238E27FC236}">
+                      <a16:creationId xmlns:a16="http://schemas.microsoft.com/office/drawing/2014/main" id="{0F1F2D2A-D7F0-484A-BC41-BF373610DF20}"/>
+                    </a:ext>
+                  </a:extLst>
+                </p:cNvPr>
+                <p:cNvPicPr>
+                  <a:picLocks noChangeAspect="1"/>
+                </p:cNvPicPr>
+                <p:nvPr>
+                  <p:custDataLst>
+                    <p:tags r:id="rId11"/>
+                  </p:custDataLst>
+                </p:nvPr>
+              </p:nvPicPr>
+              <p:blipFill>
+                <a:blip r:embed="rId29">
+                  <a:extLst>
+                    <a:ext uri="{28A0092B-C50C-407E-A947-70E740481C1C}">
+                      <a14:useLocalDpi xmlns:a14="http://schemas.microsoft.com/office/drawing/2010/main" val="0"/>
+                    </a:ext>
+                  </a:extLst>
+                </a:blip>
+                <a:stretch>
+                  <a:fillRect/>
+                </a:stretch>
+              </p:blipFill>
+              <p:spPr>
+                <a:xfrm>
+                  <a:off x="2713157" y="4036401"/>
+                  <a:ext cx="333241" cy="230067"/>
+                </a:xfrm>
+                <a:prstGeom prst="rect">
+                  <a:avLst/>
+                </a:prstGeom>
+              </p:spPr>
+            </p:pic>
+          </p:grpSp>
           <p:cxnSp>
             <p:nvCxnSpPr>
-              <p:cNvPr id="110" name="Gerader Verbinder 109">
+              <p:cNvPr id="155" name="Gerade Verbindung mit Pfeil 154">
                 <a:extLst>
                   <a:ext uri="{FF2B5EF4-FFF2-40B4-BE49-F238E27FC236}">
-                    <a16:creationId xmlns:a16="http://schemas.microsoft.com/office/drawing/2014/main" id="{02708BEE-3D79-46AF-A3AF-2E68E2B8D0DD}"/>
+                    <a16:creationId xmlns:a16="http://schemas.microsoft.com/office/drawing/2014/main" id="{617BD2FD-6BF0-490F-B111-B5EA9C756455}"/>
                   </a:ext>
                 </a:extLst>
               </p:cNvPr>
@@ -6462,18 +9029,19 @@
               <p:nvPr/>
             </p:nvCxnSpPr>
             <p:spPr>
-              <a:xfrm flipH="1" flipV="1">
-                <a:off x="3474720" y="3394573"/>
-                <a:ext cx="4225185" cy="1578005"/>
+              <a:xfrm flipV="1">
+                <a:off x="1075839" y="1671244"/>
+                <a:ext cx="1661445" cy="592831"/>
               </a:xfrm>
-              <a:prstGeom prst="line">
+              <a:prstGeom prst="straightConnector1">
                 <a:avLst/>
               </a:prstGeom>
               <a:ln w="25400">
                 <a:solidFill>
                   <a:schemeClr val="tx1"/>
                 </a:solidFill>
-                <a:prstDash val="solid"/>
+                <a:prstDash val="dash"/>
+                <a:tailEnd type="none"/>
               </a:ln>
             </p:spPr>
             <p:style>
@@ -6493,10 +9061,10 @@
           </p:cxnSp>
           <p:cxnSp>
             <p:nvCxnSpPr>
-              <p:cNvPr id="115" name="Gerader Verbinder 114">
+              <p:cNvPr id="178" name="Gerade Verbindung mit Pfeil 177">
                 <a:extLst>
                   <a:ext uri="{FF2B5EF4-FFF2-40B4-BE49-F238E27FC236}">
-                    <a16:creationId xmlns:a16="http://schemas.microsoft.com/office/drawing/2014/main" id="{89534D19-91A0-4CE1-9412-D10BEB3317DD}"/>
+                    <a16:creationId xmlns:a16="http://schemas.microsoft.com/office/drawing/2014/main" id="{2BA95189-78C7-42AD-80A8-624655363EDC}"/>
                   </a:ext>
                 </a:extLst>
               </p:cNvPr>
@@ -6506,11 +9074,11 @@
               <p:nvPr/>
             </p:nvCxnSpPr>
             <p:spPr>
-              <a:xfrm flipH="1">
-                <a:off x="5262187" y="2730970"/>
-                <a:ext cx="2437721" cy="2970832"/>
+              <a:xfrm>
+                <a:off x="1962317" y="415165"/>
+                <a:ext cx="566609" cy="204595"/>
               </a:xfrm>
-              <a:prstGeom prst="line">
+              <a:prstGeom prst="straightConnector1">
                 <a:avLst/>
               </a:prstGeom>
               <a:ln w="25400">
@@ -6518,6 +9086,7 @@
                   <a:schemeClr val="tx1"/>
                 </a:solidFill>
                 <a:prstDash val="dash"/>
+                <a:tailEnd type="triangle"/>
               </a:ln>
             </p:spPr>
             <p:style>
@@ -6537,10 +9106,10 @@
           </p:cxnSp>
           <p:cxnSp>
             <p:nvCxnSpPr>
-              <p:cNvPr id="118" name="Gerader Verbinder 117">
+              <p:cNvPr id="207" name="Gerade Verbindung mit Pfeil 206">
                 <a:extLst>
                   <a:ext uri="{FF2B5EF4-FFF2-40B4-BE49-F238E27FC236}">
-                    <a16:creationId xmlns:a16="http://schemas.microsoft.com/office/drawing/2014/main" id="{B31F6BB1-2049-4078-9C23-16743C24F4A4}"/>
+                    <a16:creationId xmlns:a16="http://schemas.microsoft.com/office/drawing/2014/main" id="{C10C443C-1412-4F1E-841C-8CE5831D23B0}"/>
                   </a:ext>
                 </a:extLst>
               </p:cNvPr>
@@ -6550,11 +9119,11 @@
               <p:nvPr/>
             </p:nvCxnSpPr>
             <p:spPr>
-              <a:xfrm flipH="1">
-                <a:off x="5262187" y="1932460"/>
-                <a:ext cx="4741739" cy="3744406"/>
+              <a:xfrm>
+                <a:off x="1962317" y="415165"/>
+                <a:ext cx="0" cy="580515"/>
               </a:xfrm>
-              <a:prstGeom prst="line">
+              <a:prstGeom prst="straightConnector1">
                 <a:avLst/>
               </a:prstGeom>
               <a:ln w="25400">
@@ -6562,6 +9131,172 @@
                   <a:schemeClr val="tx1"/>
                 </a:solidFill>
                 <a:prstDash val="dash"/>
+                <a:tailEnd type="triangle"/>
+              </a:ln>
+            </p:spPr>
+            <p:style>
+              <a:lnRef idx="1">
+                <a:schemeClr val="accent1"/>
+              </a:lnRef>
+              <a:fillRef idx="0">
+                <a:schemeClr val="accent1"/>
+              </a:fillRef>
+              <a:effectRef idx="0">
+                <a:schemeClr val="accent1"/>
+              </a:effectRef>
+              <a:fontRef idx="minor">
+                <a:schemeClr val="tx1"/>
+              </a:fontRef>
+            </p:style>
+          </p:cxnSp>
+          <p:pic>
+            <p:nvPicPr>
+              <p:cNvPr id="217" name="Grafik 216">
+                <a:extLst>
+                  <a:ext uri="{FF2B5EF4-FFF2-40B4-BE49-F238E27FC236}">
+                    <a16:creationId xmlns:a16="http://schemas.microsoft.com/office/drawing/2014/main" id="{8160F016-870E-4CC4-95D7-B190648AAC50}"/>
+                  </a:ext>
+                </a:extLst>
+              </p:cNvPr>
+              <p:cNvPicPr>
+                <a:picLocks noChangeAspect="1"/>
+              </p:cNvPicPr>
+              <p:nvPr>
+                <p:custDataLst>
+                  <p:tags r:id="rId2"/>
+                </p:custDataLst>
+              </p:nvPr>
+            </p:nvPicPr>
+            <p:blipFill>
+              <a:blip r:embed="rId33">
+                <a:extLst>
+                  <a:ext uri="{28A0092B-C50C-407E-A947-70E740481C1C}">
+                    <a14:useLocalDpi xmlns:a14="http://schemas.microsoft.com/office/drawing/2010/main" val="0"/>
+                  </a:ext>
+                </a:extLst>
+              </a:blip>
+              <a:stretch>
+                <a:fillRect/>
+              </a:stretch>
+            </p:blipFill>
+            <p:spPr>
+              <a:xfrm>
+                <a:off x="3922232" y="2790611"/>
+                <a:ext cx="1053315" cy="345057"/>
+              </a:xfrm>
+              <a:prstGeom prst="rect">
+                <a:avLst/>
+              </a:prstGeom>
+            </p:spPr>
+          </p:pic>
+          <p:pic>
+            <p:nvPicPr>
+              <p:cNvPr id="220" name="Grafik 219">
+                <a:extLst>
+                  <a:ext uri="{FF2B5EF4-FFF2-40B4-BE49-F238E27FC236}">
+                    <a16:creationId xmlns:a16="http://schemas.microsoft.com/office/drawing/2014/main" id="{5CC2A396-22CB-423F-AD79-E7D8312B9931}"/>
+                  </a:ext>
+                </a:extLst>
+              </p:cNvPr>
+              <p:cNvPicPr>
+                <a:picLocks noChangeAspect="1"/>
+              </p:cNvPicPr>
+              <p:nvPr>
+                <p:custDataLst>
+                  <p:tags r:id="rId3"/>
+                </p:custDataLst>
+              </p:nvPr>
+            </p:nvPicPr>
+            <p:blipFill>
+              <a:blip r:embed="rId34">
+                <a:extLst>
+                  <a:ext uri="{28A0092B-C50C-407E-A947-70E740481C1C}">
+                    <a14:useLocalDpi xmlns:a14="http://schemas.microsoft.com/office/drawing/2010/main" val="0"/>
+                  </a:ext>
+                </a:extLst>
+              </a:blip>
+              <a:stretch>
+                <a:fillRect/>
+              </a:stretch>
+            </p:blipFill>
+            <p:spPr>
+              <a:xfrm>
+                <a:off x="2499247" y="253392"/>
+                <a:ext cx="238037" cy="178362"/>
+              </a:xfrm>
+              <a:prstGeom prst="rect">
+                <a:avLst/>
+              </a:prstGeom>
+            </p:spPr>
+          </p:pic>
+          <p:pic>
+            <p:nvPicPr>
+              <p:cNvPr id="223" name="Grafik 222">
+                <a:extLst>
+                  <a:ext uri="{FF2B5EF4-FFF2-40B4-BE49-F238E27FC236}">
+                    <a16:creationId xmlns:a16="http://schemas.microsoft.com/office/drawing/2014/main" id="{35D3FA76-CEB7-43D8-8DEC-97C1243B5057}"/>
+                  </a:ext>
+                </a:extLst>
+              </p:cNvPr>
+              <p:cNvPicPr>
+                <a:picLocks noChangeAspect="1"/>
+              </p:cNvPicPr>
+              <p:nvPr>
+                <p:custDataLst>
+                  <p:tags r:id="rId4"/>
+                </p:custDataLst>
+              </p:nvPr>
+            </p:nvPicPr>
+            <p:blipFill>
+              <a:blip r:embed="rId35">
+                <a:extLst>
+                  <a:ext uri="{28A0092B-C50C-407E-A947-70E740481C1C}">
+                    <a14:useLocalDpi xmlns:a14="http://schemas.microsoft.com/office/drawing/2010/main" val="0"/>
+                  </a:ext>
+                </a:extLst>
+              </a:blip>
+              <a:stretch>
+                <a:fillRect/>
+              </a:stretch>
+            </p:blipFill>
+            <p:spPr>
+              <a:xfrm>
+                <a:off x="1534947" y="904918"/>
+                <a:ext cx="197052" cy="181524"/>
+              </a:xfrm>
+              <a:prstGeom prst="rect">
+                <a:avLst/>
+              </a:prstGeom>
+            </p:spPr>
+          </p:pic>
+          <p:cxnSp>
+            <p:nvCxnSpPr>
+              <p:cNvPr id="224" name="Gerade Verbindung mit Pfeil 223">
+                <a:extLst>
+                  <a:ext uri="{FF2B5EF4-FFF2-40B4-BE49-F238E27FC236}">
+                    <a16:creationId xmlns:a16="http://schemas.microsoft.com/office/drawing/2014/main" id="{F0C05160-D84C-4842-9DA4-4E5AC21A88EC}"/>
+                  </a:ext>
+                </a:extLst>
+              </p:cNvPr>
+              <p:cNvCxnSpPr>
+                <a:cxnSpLocks/>
+              </p:cNvCxnSpPr>
+              <p:nvPr/>
+            </p:nvCxnSpPr>
+            <p:spPr>
+              <a:xfrm>
+                <a:off x="1974662" y="1337330"/>
+                <a:ext cx="1767907" cy="724540"/>
+              </a:xfrm>
+              <a:prstGeom prst="straightConnector1">
+                <a:avLst/>
+              </a:prstGeom>
+              <a:ln w="25400">
+                <a:solidFill>
+                  <a:schemeClr val="tx1"/>
+                </a:solidFill>
+                <a:prstDash val="dash"/>
+                <a:tailEnd type="none"/>
               </a:ln>
             </p:spPr>
             <p:style>
@@ -6581,10 +9316,55 @@
           </p:cxnSp>
           <p:cxnSp>
             <p:nvCxnSpPr>
-              <p:cNvPr id="121" name="Gerader Verbinder 120">
+              <p:cNvPr id="229" name="Gerade Verbindung mit Pfeil 228">
                 <a:extLst>
                   <a:ext uri="{FF2B5EF4-FFF2-40B4-BE49-F238E27FC236}">
-                    <a16:creationId xmlns:a16="http://schemas.microsoft.com/office/drawing/2014/main" id="{D9A054D6-1C6A-429A-804B-4DD8B8914460}"/>
+                    <a16:creationId xmlns:a16="http://schemas.microsoft.com/office/drawing/2014/main" id="{1693028A-DF50-4797-A8C0-D88760979955}"/>
+                  </a:ext>
+                </a:extLst>
+              </p:cNvPr>
+              <p:cNvCxnSpPr>
+                <a:cxnSpLocks/>
+              </p:cNvCxnSpPr>
+              <p:nvPr/>
+            </p:nvCxnSpPr>
+            <p:spPr>
+              <a:xfrm flipV="1">
+                <a:off x="2746174" y="695446"/>
+                <a:ext cx="0" cy="1982078"/>
+              </a:xfrm>
+              <a:prstGeom prst="straightConnector1">
+                <a:avLst/>
+              </a:prstGeom>
+              <a:ln w="25400">
+                <a:solidFill>
+                  <a:schemeClr val="tx1"/>
+                </a:solidFill>
+                <a:prstDash val="dash"/>
+                <a:tailEnd type="none"/>
+              </a:ln>
+            </p:spPr>
+            <p:style>
+              <a:lnRef idx="1">
+                <a:schemeClr val="accent1"/>
+              </a:lnRef>
+              <a:fillRef idx="0">
+                <a:schemeClr val="accent1"/>
+              </a:fillRef>
+              <a:effectRef idx="0">
+                <a:schemeClr val="accent1"/>
+              </a:effectRef>
+              <a:fontRef idx="minor">
+                <a:schemeClr val="tx1"/>
+              </a:fontRef>
+            </p:style>
+          </p:cxnSp>
+          <p:cxnSp>
+            <p:nvCxnSpPr>
+              <p:cNvPr id="237" name="Gerade Verbindung mit Pfeil 236">
+                <a:extLst>
+                  <a:ext uri="{FF2B5EF4-FFF2-40B4-BE49-F238E27FC236}">
+                    <a16:creationId xmlns:a16="http://schemas.microsoft.com/office/drawing/2014/main" id="{F09CDE05-81FA-461F-8087-9A1F8AEC7D7C}"/>
                   </a:ext>
                 </a:extLst>
               </p:cNvPr>
@@ -6595,17 +9375,17 @@
             </p:nvCxnSpPr>
             <p:spPr>
               <a:xfrm flipH="1">
-                <a:off x="5262187" y="3201664"/>
-                <a:ext cx="1089471" cy="2511770"/>
+                <a:off x="2769444" y="695446"/>
+                <a:ext cx="648661" cy="924283"/>
               </a:xfrm>
-              <a:prstGeom prst="line">
+              <a:prstGeom prst="straightConnector1">
                 <a:avLst/>
               </a:prstGeom>
               <a:ln w="25400">
                 <a:solidFill>
                   <a:schemeClr val="tx1"/>
                 </a:solidFill>
-                <a:prstDash val="dash"/>
+                <a:tailEnd type="triangle"/>
               </a:ln>
             </p:spPr>
             <p:style>
@@ -6625,50 +9405,10 @@
           </p:cxnSp>
           <p:pic>
             <p:nvPicPr>
-              <p:cNvPr id="126" name="Grafik 125">
+              <p:cNvPr id="246" name="Grafik 245">
                 <a:extLst>
                   <a:ext uri="{FF2B5EF4-FFF2-40B4-BE49-F238E27FC236}">
-                    <a16:creationId xmlns:a16="http://schemas.microsoft.com/office/drawing/2014/main" id="{95A10C0E-076D-453C-BAAB-4D7CAF6A26C9}"/>
-                  </a:ext>
-                </a:extLst>
-              </p:cNvPr>
-              <p:cNvPicPr>
-                <a:picLocks noChangeAspect="1"/>
-              </p:cNvPicPr>
-              <p:nvPr>
-                <p:custDataLst>
-                  <p:tags r:id="rId4"/>
-                </p:custDataLst>
-              </p:nvPr>
-            </p:nvPicPr>
-            <p:blipFill>
-              <a:blip r:embed="rId13">
-                <a:extLst>
-                  <a:ext uri="{28A0092B-C50C-407E-A947-70E740481C1C}">
-                    <a14:useLocalDpi xmlns:a14="http://schemas.microsoft.com/office/drawing/2010/main" val="0"/>
-                  </a:ext>
-                </a:extLst>
-              </a:blip>
-              <a:stretch>
-                <a:fillRect/>
-              </a:stretch>
-            </p:blipFill>
-            <p:spPr>
-              <a:xfrm>
-                <a:off x="7845613" y="4836693"/>
-                <a:ext cx="2531180" cy="389462"/>
-              </a:xfrm>
-              <a:prstGeom prst="rect">
-                <a:avLst/>
-              </a:prstGeom>
-            </p:spPr>
-          </p:pic>
-          <p:pic>
-            <p:nvPicPr>
-              <p:cNvPr id="12" name="Grafik 11">
-                <a:extLst>
-                  <a:ext uri="{FF2B5EF4-FFF2-40B4-BE49-F238E27FC236}">
-                    <a16:creationId xmlns:a16="http://schemas.microsoft.com/office/drawing/2014/main" id="{4F055771-8ABA-42EF-A871-EA189398900F}"/>
+                    <a16:creationId xmlns:a16="http://schemas.microsoft.com/office/drawing/2014/main" id="{A3F36B04-DBB4-4053-B462-E9EFF5C178E3}"/>
                   </a:ext>
                 </a:extLst>
               </p:cNvPr>
@@ -6682,7 +9422,7 @@
               </p:nvPr>
             </p:nvPicPr>
             <p:blipFill>
-              <a:blip r:embed="rId14">
+              <a:blip r:embed="rId36">
                 <a:extLst>
                   <a:ext uri="{28A0092B-C50C-407E-A947-70E740481C1C}">
                     <a14:useLocalDpi xmlns:a14="http://schemas.microsoft.com/office/drawing/2010/main" val="0"/>
@@ -6695,8 +9435,8 @@
             </p:blipFill>
             <p:spPr>
               <a:xfrm>
-                <a:off x="1163083" y="4763253"/>
-                <a:ext cx="2325653" cy="323903"/>
+                <a:off x="2982746" y="-207829"/>
+                <a:ext cx="2526311" cy="351759"/>
               </a:xfrm>
               <a:prstGeom prst="rect">
                 <a:avLst/>
@@ -6705,10 +9445,10 @@
           </p:pic>
           <p:pic>
             <p:nvPicPr>
-              <p:cNvPr id="17" name="Grafik 16">
+              <p:cNvPr id="249" name="Grafik 248">
                 <a:extLst>
                   <a:ext uri="{FF2B5EF4-FFF2-40B4-BE49-F238E27FC236}">
-                    <a16:creationId xmlns:a16="http://schemas.microsoft.com/office/drawing/2014/main" id="{B2903039-7CEA-427D-841E-74D74695497F}"/>
+                    <a16:creationId xmlns:a16="http://schemas.microsoft.com/office/drawing/2014/main" id="{82511737-B819-4B66-B481-0E22F372F510}"/>
                   </a:ext>
                 </a:extLst>
               </p:cNvPr>
@@ -6722,7 +9462,7 @@
               </p:nvPr>
             </p:nvPicPr>
             <p:blipFill>
-              <a:blip r:embed="rId15">
+              <a:blip r:embed="rId37">
                 <a:extLst>
                   <a:ext uri="{28A0092B-C50C-407E-A947-70E740481C1C}">
                     <a14:useLocalDpi xmlns:a14="http://schemas.microsoft.com/office/drawing/2010/main" val="0"/>
@@ -6735,34 +9475,76 @@
             </p:blipFill>
             <p:spPr>
               <a:xfrm>
-                <a:off x="3954992" y="5926759"/>
-                <a:ext cx="2614389" cy="407527"/>
+                <a:off x="3349649" y="215050"/>
+                <a:ext cx="1107445" cy="414864"/>
               </a:xfrm>
               <a:prstGeom prst="rect">
                 <a:avLst/>
               </a:prstGeom>
             </p:spPr>
           </p:pic>
+          <p:cxnSp>
+            <p:nvCxnSpPr>
+              <p:cNvPr id="250" name="Gerade Verbindung mit Pfeil 249">
+                <a:extLst>
+                  <a:ext uri="{FF2B5EF4-FFF2-40B4-BE49-F238E27FC236}">
+                    <a16:creationId xmlns:a16="http://schemas.microsoft.com/office/drawing/2014/main" id="{A7F720C6-C4B7-4C84-A3A6-8010E6010E24}"/>
+                  </a:ext>
+                </a:extLst>
+              </p:cNvPr>
+              <p:cNvCxnSpPr>
+                <a:cxnSpLocks/>
+              </p:cNvCxnSpPr>
+              <p:nvPr/>
+            </p:nvCxnSpPr>
+            <p:spPr>
+              <a:xfrm flipV="1">
+                <a:off x="-645737" y="2272442"/>
+                <a:ext cx="1661445" cy="592831"/>
+              </a:xfrm>
+              <a:prstGeom prst="straightConnector1">
+                <a:avLst/>
+              </a:prstGeom>
+              <a:ln w="25400">
+                <a:solidFill>
+                  <a:schemeClr val="tx1"/>
+                </a:solidFill>
+                <a:prstDash val="dash"/>
+                <a:tailEnd type="none"/>
+              </a:ln>
+            </p:spPr>
+            <p:style>
+              <a:lnRef idx="1">
+                <a:schemeClr val="accent1"/>
+              </a:lnRef>
+              <a:fillRef idx="0">
+                <a:schemeClr val="accent1"/>
+              </a:fillRef>
+              <a:effectRef idx="0">
+                <a:schemeClr val="accent1"/>
+              </a:effectRef>
+              <a:fontRef idx="minor">
+                <a:schemeClr val="tx1"/>
+              </a:fontRef>
+            </p:style>
+          </p:cxnSp>
           <p:pic>
             <p:nvPicPr>
-              <p:cNvPr id="135" name="Grafik 134">
+              <p:cNvPr id="162" name="Grafik 161" descr="Ein Bild, das orange, Himmel enthält.&#10;&#10;Automatisch generierte Beschreibung">
                 <a:extLst>
                   <a:ext uri="{FF2B5EF4-FFF2-40B4-BE49-F238E27FC236}">
-                    <a16:creationId xmlns:a16="http://schemas.microsoft.com/office/drawing/2014/main" id="{C3D820E6-0587-4CA1-A444-48A3936A8CCF}"/>
+                    <a16:creationId xmlns:a16="http://schemas.microsoft.com/office/drawing/2014/main" id="{783B2805-0109-4971-B093-7A3E312EF744}"/>
                   </a:ext>
                 </a:extLst>
               </p:cNvPr>
               <p:cNvPicPr>
                 <a:picLocks noChangeAspect="1"/>
               </p:cNvPicPr>
-              <p:nvPr>
-                <p:custDataLst>
-                  <p:tags r:id="rId7"/>
-                </p:custDataLst>
-              </p:nvPr>
+              <p:nvPr/>
             </p:nvPicPr>
             <p:blipFill>
-              <a:blip r:embed="rId16">
+              <a:blip r:embed="rId32">
+                <a:alphaModFix amt="40000"/>
                 <a:extLst>
                   <a:ext uri="{28A0092B-C50C-407E-A947-70E740481C1C}">
                     <a14:useLocalDpi xmlns:a14="http://schemas.microsoft.com/office/drawing/2010/main" val="0"/>
@@ -6774,61 +9556,27 @@
               </a:stretch>
             </p:blipFill>
             <p:spPr>
-              <a:xfrm>
-                <a:off x="10376793" y="-578273"/>
-                <a:ext cx="1225786" cy="404209"/>
+              <a:xfrm rot="10800000">
+                <a:off x="-2181818" y="1798771"/>
+                <a:ext cx="2763744" cy="2072809"/>
               </a:xfrm>
               <a:prstGeom prst="rect">
                 <a:avLst/>
               </a:prstGeom>
-            </p:spPr>
-          </p:pic>
-          <p:pic>
-            <p:nvPicPr>
-              <p:cNvPr id="138" name="Grafik 137">
-                <a:extLst>
-                  <a:ext uri="{FF2B5EF4-FFF2-40B4-BE49-F238E27FC236}">
-                    <a16:creationId xmlns:a16="http://schemas.microsoft.com/office/drawing/2014/main" id="{2D79FC15-8486-461A-A31D-1DF530639632}"/>
-                  </a:ext>
-                </a:extLst>
-              </p:cNvPr>
-              <p:cNvPicPr>
-                <a:picLocks noChangeAspect="1"/>
-              </p:cNvPicPr>
-              <p:nvPr>
-                <p:custDataLst>
-                  <p:tags r:id="rId8"/>
-                </p:custDataLst>
-              </p:nvPr>
-            </p:nvPicPr>
-            <p:blipFill>
-              <a:blip r:embed="rId17">
-                <a:extLst>
-                  <a:ext uri="{28A0092B-C50C-407E-A947-70E740481C1C}">
-                    <a14:useLocalDpi xmlns:a14="http://schemas.microsoft.com/office/drawing/2010/main" val="0"/>
-                  </a:ext>
-                </a:extLst>
-              </a:blip>
-              <a:stretch>
-                <a:fillRect/>
-              </a:stretch>
-            </p:blipFill>
-            <p:spPr>
-              <a:xfrm>
-                <a:off x="3758609" y="2163868"/>
-                <a:ext cx="1104614" cy="397005"/>
-              </a:xfrm>
-              <a:prstGeom prst="rect">
-                <a:avLst/>
-              </a:prstGeom>
+              <a:scene3d>
+                <a:camera prst="orthographicFront">
+                  <a:rot lat="1200000" lon="3000000" rev="0"/>
+                </a:camera>
+                <a:lightRig rig="threePt" dir="t"/>
+              </a:scene3d>
             </p:spPr>
           </p:pic>
           <p:cxnSp>
             <p:nvCxnSpPr>
-              <p:cNvPr id="166" name="Gerade Verbindung mit Pfeil 165">
+              <p:cNvPr id="255" name="Gerade Verbindung mit Pfeil 254">
                 <a:extLst>
                   <a:ext uri="{FF2B5EF4-FFF2-40B4-BE49-F238E27FC236}">
-                    <a16:creationId xmlns:a16="http://schemas.microsoft.com/office/drawing/2014/main" id="{7B47F6A9-677D-4E0B-AAA6-8CF15E83609D}"/>
+                    <a16:creationId xmlns:a16="http://schemas.microsoft.com/office/drawing/2014/main" id="{B11028B3-D760-4D18-A571-BFB6A5CBA35B}"/>
                   </a:ext>
                 </a:extLst>
               </p:cNvPr>
@@ -6838,9 +9586,54 @@
               <p:nvPr/>
             </p:nvCxnSpPr>
             <p:spPr>
-              <a:xfrm flipH="1">
-                <a:off x="6464331" y="1911494"/>
-                <a:ext cx="887855" cy="1091449"/>
+              <a:xfrm flipV="1">
+                <a:off x="-1530043" y="-826279"/>
+                <a:ext cx="10164757" cy="4100736"/>
+              </a:xfrm>
+              <a:prstGeom prst="straightConnector1">
+                <a:avLst/>
+              </a:prstGeom>
+              <a:ln w="25400">
+                <a:solidFill>
+                  <a:schemeClr val="tx1"/>
+                </a:solidFill>
+                <a:prstDash val="sysDot"/>
+                <a:tailEnd type="none"/>
+              </a:ln>
+            </p:spPr>
+            <p:style>
+              <a:lnRef idx="1">
+                <a:schemeClr val="accent1"/>
+              </a:lnRef>
+              <a:fillRef idx="0">
+                <a:schemeClr val="accent1"/>
+              </a:fillRef>
+              <a:effectRef idx="0">
+                <a:schemeClr val="accent1"/>
+              </a:effectRef>
+              <a:fontRef idx="minor">
+                <a:schemeClr val="tx1"/>
+              </a:fontRef>
+            </p:style>
+          </p:cxnSp>
+          <p:cxnSp>
+            <p:nvCxnSpPr>
+              <p:cNvPr id="270" name="Gerade Verbindung mit Pfeil 269">
+                <a:extLst>
+                  <a:ext uri="{FF2B5EF4-FFF2-40B4-BE49-F238E27FC236}">
+                    <a16:creationId xmlns:a16="http://schemas.microsoft.com/office/drawing/2014/main" id="{4E66ACDD-720A-459D-A517-06DA86D35541}"/>
+                  </a:ext>
+                </a:extLst>
+              </p:cNvPr>
+              <p:cNvCxnSpPr>
+                <a:cxnSpLocks/>
+              </p:cNvCxnSpPr>
+              <p:nvPr/>
+            </p:nvCxnSpPr>
+            <p:spPr>
+              <a:xfrm flipV="1">
+                <a:off x="3515706" y="1256333"/>
+                <a:ext cx="0" cy="707105"/>
               </a:xfrm>
               <a:prstGeom prst="straightConnector1">
                 <a:avLst/>
@@ -6869,10 +9662,10 @@
           </p:cxnSp>
           <p:cxnSp>
             <p:nvCxnSpPr>
-              <p:cNvPr id="170" name="Gerade Verbindung mit Pfeil 169">
+              <p:cNvPr id="275" name="Gerade Verbindung mit Pfeil 274">
                 <a:extLst>
                   <a:ext uri="{FF2B5EF4-FFF2-40B4-BE49-F238E27FC236}">
-                    <a16:creationId xmlns:a16="http://schemas.microsoft.com/office/drawing/2014/main" id="{68F56966-186F-449C-8B18-E437FF900DBB}"/>
+                    <a16:creationId xmlns:a16="http://schemas.microsoft.com/office/drawing/2014/main" id="{E6BF0F0B-4BDF-4366-8C2A-22D05E828F82}"/>
                   </a:ext>
                 </a:extLst>
               </p:cNvPr>
@@ -6883,8 +9676,53 @@
             </p:nvCxnSpPr>
             <p:spPr>
               <a:xfrm>
-                <a:off x="7352186" y="1911494"/>
-                <a:ext cx="347719" cy="685466"/>
+                <a:off x="6096000" y="-604193"/>
+                <a:ext cx="3062182" cy="1234107"/>
+              </a:xfrm>
+              <a:prstGeom prst="straightConnector1">
+                <a:avLst/>
+              </a:prstGeom>
+              <a:ln w="25400">
+                <a:solidFill>
+                  <a:schemeClr val="tx1"/>
+                </a:solidFill>
+                <a:prstDash val="dash"/>
+                <a:tailEnd type="none"/>
+              </a:ln>
+            </p:spPr>
+            <p:style>
+              <a:lnRef idx="1">
+                <a:schemeClr val="accent1"/>
+              </a:lnRef>
+              <a:fillRef idx="0">
+                <a:schemeClr val="accent1"/>
+              </a:fillRef>
+              <a:effectRef idx="0">
+                <a:schemeClr val="accent1"/>
+              </a:effectRef>
+              <a:fontRef idx="minor">
+                <a:schemeClr val="tx1"/>
+              </a:fontRef>
+            </p:style>
+          </p:cxnSp>
+          <p:cxnSp>
+            <p:nvCxnSpPr>
+              <p:cNvPr id="276" name="Gerade Verbindung mit Pfeil 275">
+                <a:extLst>
+                  <a:ext uri="{FF2B5EF4-FFF2-40B4-BE49-F238E27FC236}">
+                    <a16:creationId xmlns:a16="http://schemas.microsoft.com/office/drawing/2014/main" id="{50F69356-1462-43AC-A70D-938D31AA54D0}"/>
+                  </a:ext>
+                </a:extLst>
+              </p:cNvPr>
+              <p:cNvCxnSpPr>
+                <a:cxnSpLocks/>
+              </p:cNvCxnSpPr>
+              <p:nvPr/>
+            </p:nvCxnSpPr>
+            <p:spPr>
+              <a:xfrm flipV="1">
+                <a:off x="8634714" y="-826279"/>
+                <a:ext cx="0" cy="1241444"/>
               </a:xfrm>
               <a:prstGeom prst="straightConnector1">
                 <a:avLst/>
@@ -6913,10 +9751,10 @@
           </p:cxnSp>
           <p:cxnSp>
             <p:nvCxnSpPr>
-              <p:cNvPr id="176" name="Gerade Verbindung mit Pfeil 175">
+              <p:cNvPr id="282" name="Gerade Verbindung mit Pfeil 281">
                 <a:extLst>
                   <a:ext uri="{FF2B5EF4-FFF2-40B4-BE49-F238E27FC236}">
-                    <a16:creationId xmlns:a16="http://schemas.microsoft.com/office/drawing/2014/main" id="{B6304F45-E607-4FA2-9F8C-486013899ABA}"/>
+                    <a16:creationId xmlns:a16="http://schemas.microsoft.com/office/drawing/2014/main" id="{C32D857E-0FD3-4621-B277-22EC437409FE}"/>
                   </a:ext>
                 </a:extLst>
               </p:cNvPr>
@@ -6926,9 +9764,9 @@
               <p:nvPr/>
             </p:nvCxnSpPr>
             <p:spPr>
-              <a:xfrm flipV="1">
-                <a:off x="7352186" y="1874806"/>
-                <a:ext cx="2431894" cy="36688"/>
+              <a:xfrm>
+                <a:off x="-1669474" y="2497534"/>
+                <a:ext cx="1767907" cy="724540"/>
               </a:xfrm>
               <a:prstGeom prst="straightConnector1">
                 <a:avLst/>
@@ -6937,7 +9775,8 @@
                 <a:solidFill>
                   <a:schemeClr val="tx1"/>
                 </a:solidFill>
-                <a:tailEnd type="triangle"/>
+                <a:prstDash val="dash"/>
+                <a:tailEnd type="none"/>
               </a:ln>
             </p:spPr>
             <p:style>
@@ -6957,10 +9796,10 @@
           </p:cxnSp>
           <p:cxnSp>
             <p:nvCxnSpPr>
-              <p:cNvPr id="179" name="Gerade Verbindung mit Pfeil 178">
+              <p:cNvPr id="283" name="Gerade Verbindung mit Pfeil 282">
                 <a:extLst>
                   <a:ext uri="{FF2B5EF4-FFF2-40B4-BE49-F238E27FC236}">
-                    <a16:creationId xmlns:a16="http://schemas.microsoft.com/office/drawing/2014/main" id="{88C61D6A-C857-401A-B3CE-2BE5F48AF910}"/>
+                    <a16:creationId xmlns:a16="http://schemas.microsoft.com/office/drawing/2014/main" id="{D5FF687E-F54B-4ADC-A629-2040AB535F8B}"/>
                   </a:ext>
                 </a:extLst>
               </p:cNvPr>
@@ -6970,9 +9809,9 @@
               <p:nvPr/>
             </p:nvCxnSpPr>
             <p:spPr>
-              <a:xfrm flipH="1" flipV="1">
-                <a:off x="5991567" y="4452191"/>
-                <a:ext cx="912194" cy="1025104"/>
+              <a:xfrm flipV="1">
+                <a:off x="-842507" y="1870354"/>
+                <a:ext cx="0" cy="1887984"/>
               </a:xfrm>
               <a:prstGeom prst="straightConnector1">
                 <a:avLst/>
@@ -6981,7 +9820,8 @@
                 <a:solidFill>
                   <a:schemeClr val="tx1"/>
                 </a:solidFill>
-                <a:tailEnd type="triangle"/>
+                <a:prstDash val="dash"/>
+                <a:tailEnd type="none"/>
               </a:ln>
             </p:spPr>
             <p:style>
@@ -7001,10 +9841,10 @@
           </p:cxnSp>
           <p:cxnSp>
             <p:nvCxnSpPr>
-              <p:cNvPr id="182" name="Gerade Verbindung mit Pfeil 181">
+              <p:cNvPr id="285" name="Gerade Verbindung mit Pfeil 284">
                 <a:extLst>
                   <a:ext uri="{FF2B5EF4-FFF2-40B4-BE49-F238E27FC236}">
-                    <a16:creationId xmlns:a16="http://schemas.microsoft.com/office/drawing/2014/main" id="{17DE96F8-E245-4120-8B80-D1DC68CAAD6E}"/>
+                    <a16:creationId xmlns:a16="http://schemas.microsoft.com/office/drawing/2014/main" id="{F8796DDF-7507-44A6-8B9A-9DDAB76BB5CB}"/>
                   </a:ext>
                 </a:extLst>
               </p:cNvPr>
@@ -7014,53 +9854,9 @@
               <p:nvPr/>
             </p:nvCxnSpPr>
             <p:spPr>
-              <a:xfrm flipH="1" flipV="1">
-                <a:off x="6683842" y="4710440"/>
-                <a:ext cx="219919" cy="766855"/>
-              </a:xfrm>
-              <a:prstGeom prst="straightConnector1">
-                <a:avLst/>
-              </a:prstGeom>
-              <a:ln w="25400">
-                <a:solidFill>
-                  <a:schemeClr val="tx1"/>
-                </a:solidFill>
-                <a:tailEnd type="triangle"/>
-              </a:ln>
-            </p:spPr>
-            <p:style>
-              <a:lnRef idx="1">
-                <a:schemeClr val="accent1"/>
-              </a:lnRef>
-              <a:fillRef idx="0">
-                <a:schemeClr val="accent1"/>
-              </a:fillRef>
-              <a:effectRef idx="0">
-                <a:schemeClr val="accent1"/>
-              </a:effectRef>
-              <a:fontRef idx="minor">
-                <a:schemeClr val="tx1"/>
-              </a:fontRef>
-            </p:style>
-          </p:cxnSp>
-          <p:cxnSp>
-            <p:nvCxnSpPr>
-              <p:cNvPr id="185" name="Gerade Verbindung mit Pfeil 184">
-                <a:extLst>
-                  <a:ext uri="{FF2B5EF4-FFF2-40B4-BE49-F238E27FC236}">
-                    <a16:creationId xmlns:a16="http://schemas.microsoft.com/office/drawing/2014/main" id="{D1E26E59-4A96-4440-9908-4103477A58EC}"/>
-                  </a:ext>
-                </a:extLst>
-              </p:cNvPr>
-              <p:cNvCxnSpPr>
-                <a:cxnSpLocks/>
-              </p:cNvCxnSpPr>
-              <p:nvPr/>
-            </p:nvCxnSpPr>
-            <p:spPr>
-              <a:xfrm flipH="1" flipV="1">
-                <a:off x="6369886" y="4586108"/>
-                <a:ext cx="533875" cy="891187"/>
+              <a:xfrm flipH="1">
+                <a:off x="-1530043" y="2568857"/>
+                <a:ext cx="0" cy="705600"/>
               </a:xfrm>
               <a:prstGeom prst="straightConnector1">
                 <a:avLst/>
@@ -7089,10 +9885,10 @@
           </p:cxnSp>
           <p:pic>
             <p:nvPicPr>
-              <p:cNvPr id="196" name="Grafik 195">
+              <p:cNvPr id="290" name="Grafik 289">
                 <a:extLst>
                   <a:ext uri="{FF2B5EF4-FFF2-40B4-BE49-F238E27FC236}">
-                    <a16:creationId xmlns:a16="http://schemas.microsoft.com/office/drawing/2014/main" id="{BB73518F-E2B0-410E-867F-94CF13E1F6AB}"/>
+                    <a16:creationId xmlns:a16="http://schemas.microsoft.com/office/drawing/2014/main" id="{53278B2D-6738-49EE-98AE-AD1B9E7FBDC3}"/>
                   </a:ext>
                 </a:extLst>
               </p:cNvPr>
@@ -7101,12 +9897,12 @@
               </p:cNvPicPr>
               <p:nvPr>
                 <p:custDataLst>
-                  <p:tags r:id="rId9"/>
+                  <p:tags r:id="rId7"/>
                 </p:custDataLst>
               </p:nvPr>
             </p:nvPicPr>
             <p:blipFill>
-              <a:blip r:embed="rId18">
+              <a:blip r:embed="rId38">
                 <a:extLst>
                   <a:ext uri="{28A0092B-C50C-407E-A947-70E740481C1C}">
                     <a14:useLocalDpi xmlns:a14="http://schemas.microsoft.com/office/drawing/2010/main" val="0"/>
@@ -7119,8 +9915,8 @@
             </p:blipFill>
             <p:spPr>
               <a:xfrm>
-                <a:off x="7059206" y="1528415"/>
-                <a:ext cx="330986" cy="256771"/>
+                <a:off x="8763147" y="-1639813"/>
+                <a:ext cx="1225786" cy="404209"/>
               </a:xfrm>
               <a:prstGeom prst="rect">
                 <a:avLst/>
@@ -7129,10 +9925,10 @@
           </p:pic>
           <p:pic>
             <p:nvPicPr>
-              <p:cNvPr id="197" name="Grafik 196">
+              <p:cNvPr id="291" name="Grafik 290">
                 <a:extLst>
                   <a:ext uri="{FF2B5EF4-FFF2-40B4-BE49-F238E27FC236}">
-                    <a16:creationId xmlns:a16="http://schemas.microsoft.com/office/drawing/2014/main" id="{E80B4F40-B12B-480E-8623-A92B86C4BC04}"/>
+                    <a16:creationId xmlns:a16="http://schemas.microsoft.com/office/drawing/2014/main" id="{6EE050AF-8DC3-4A46-A4AE-8FF013182FE7}"/>
                   </a:ext>
                 </a:extLst>
               </p:cNvPr>
@@ -7141,12 +9937,12 @@
               </p:cNvPicPr>
               <p:nvPr>
                 <p:custDataLst>
-                  <p:tags r:id="rId10"/>
+                  <p:tags r:id="rId8"/>
                 </p:custDataLst>
               </p:nvPr>
             </p:nvPicPr>
             <p:blipFill>
-              <a:blip r:embed="rId19">
+              <a:blip r:embed="rId39">
                 <a:extLst>
                   <a:ext uri="{28A0092B-C50C-407E-A947-70E740481C1C}">
                     <a14:useLocalDpi xmlns:a14="http://schemas.microsoft.com/office/drawing/2010/main" val="0"/>
@@ -7159,281 +9955,8 @@
             </p:blipFill>
             <p:spPr>
               <a:xfrm>
-                <a:off x="6903164" y="5460189"/>
-                <a:ext cx="306277" cy="311739"/>
-              </a:xfrm>
-              <a:prstGeom prst="rect">
-                <a:avLst/>
-              </a:prstGeom>
-            </p:spPr>
-          </p:pic>
-        </p:grpSp>
-        <p:grpSp>
-          <p:nvGrpSpPr>
-            <p:cNvPr id="24" name="Gruppieren 23">
-              <a:extLst>
-                <a:ext uri="{FF2B5EF4-FFF2-40B4-BE49-F238E27FC236}">
-                  <a16:creationId xmlns:a16="http://schemas.microsoft.com/office/drawing/2014/main" id="{9D2C5B3F-A6B9-48CE-96E0-9A45AE5B6F2A}"/>
-                </a:ext>
-              </a:extLst>
-            </p:cNvPr>
-            <p:cNvGrpSpPr/>
-            <p:nvPr/>
-          </p:nvGrpSpPr>
-          <p:grpSpPr>
-            <a:xfrm>
-              <a:off x="1712778" y="3766512"/>
-              <a:ext cx="1086562" cy="789059"/>
-              <a:chOff x="1683677" y="2886166"/>
-              <a:chExt cx="1086562" cy="789059"/>
-            </a:xfrm>
-          </p:grpSpPr>
-          <p:cxnSp>
-            <p:nvCxnSpPr>
-              <p:cNvPr id="37" name="Gerade Verbindung mit Pfeil 36">
-                <a:extLst>
-                  <a:ext uri="{FF2B5EF4-FFF2-40B4-BE49-F238E27FC236}">
-                    <a16:creationId xmlns:a16="http://schemas.microsoft.com/office/drawing/2014/main" id="{0CD91C7E-55EA-4AB0-B39D-2A839A48BB43}"/>
-                  </a:ext>
-                </a:extLst>
-              </p:cNvPr>
-              <p:cNvCxnSpPr>
-                <a:cxnSpLocks/>
-              </p:cNvCxnSpPr>
-              <p:nvPr/>
-            </p:nvCxnSpPr>
-            <p:spPr>
-              <a:xfrm flipH="1" flipV="1">
-                <a:off x="1895814" y="3509808"/>
-                <a:ext cx="411741" cy="165417"/>
-              </a:xfrm>
-              <a:prstGeom prst="straightConnector1">
-                <a:avLst/>
-              </a:prstGeom>
-              <a:ln w="25400">
-                <a:solidFill>
-                  <a:schemeClr val="tx1"/>
-                </a:solidFill>
-                <a:tailEnd type="triangle"/>
-              </a:ln>
-            </p:spPr>
-            <p:style>
-              <a:lnRef idx="1">
-                <a:schemeClr val="accent1"/>
-              </a:lnRef>
-              <a:fillRef idx="0">
-                <a:schemeClr val="accent1"/>
-              </a:fillRef>
-              <a:effectRef idx="0">
-                <a:schemeClr val="accent1"/>
-              </a:effectRef>
-              <a:fontRef idx="minor">
-                <a:schemeClr val="tx1"/>
-              </a:fontRef>
-            </p:style>
-          </p:cxnSp>
-          <p:cxnSp>
-            <p:nvCxnSpPr>
-              <p:cNvPr id="38" name="Gerade Verbindung mit Pfeil 37">
-                <a:extLst>
-                  <a:ext uri="{FF2B5EF4-FFF2-40B4-BE49-F238E27FC236}">
-                    <a16:creationId xmlns:a16="http://schemas.microsoft.com/office/drawing/2014/main" id="{6F50EEC5-1FD2-4E50-BAB9-7D22614CD851}"/>
-                  </a:ext>
-                </a:extLst>
-              </p:cNvPr>
-              <p:cNvCxnSpPr>
-                <a:cxnSpLocks/>
-              </p:cNvCxnSpPr>
-              <p:nvPr/>
-            </p:nvCxnSpPr>
-            <p:spPr>
-              <a:xfrm flipV="1">
-                <a:off x="2298098" y="3171440"/>
-                <a:ext cx="9455" cy="501697"/>
-              </a:xfrm>
-              <a:prstGeom prst="straightConnector1">
-                <a:avLst/>
-              </a:prstGeom>
-              <a:ln w="25400">
-                <a:solidFill>
-                  <a:schemeClr val="tx1"/>
-                </a:solidFill>
-                <a:tailEnd type="triangle"/>
-              </a:ln>
-            </p:spPr>
-            <p:style>
-              <a:lnRef idx="1">
-                <a:schemeClr val="accent1"/>
-              </a:lnRef>
-              <a:fillRef idx="0">
-                <a:schemeClr val="accent1"/>
-              </a:fillRef>
-              <a:effectRef idx="0">
-                <a:schemeClr val="accent1"/>
-              </a:effectRef>
-              <a:fontRef idx="minor">
-                <a:schemeClr val="tx1"/>
-              </a:fontRef>
-            </p:style>
-          </p:cxnSp>
-          <p:cxnSp>
-            <p:nvCxnSpPr>
-              <p:cNvPr id="40" name="Gerade Verbindung mit Pfeil 39">
-                <a:extLst>
-                  <a:ext uri="{FF2B5EF4-FFF2-40B4-BE49-F238E27FC236}">
-                    <a16:creationId xmlns:a16="http://schemas.microsoft.com/office/drawing/2014/main" id="{7B5971D7-BAFB-4C2E-89CE-2E0151110924}"/>
-                  </a:ext>
-                </a:extLst>
-              </p:cNvPr>
-              <p:cNvCxnSpPr>
-                <a:cxnSpLocks/>
-              </p:cNvCxnSpPr>
-              <p:nvPr/>
-            </p:nvCxnSpPr>
-            <p:spPr>
-              <a:xfrm flipV="1">
-                <a:off x="2298098" y="3509808"/>
-                <a:ext cx="472141" cy="163330"/>
-              </a:xfrm>
-              <a:prstGeom prst="straightConnector1">
-                <a:avLst/>
-              </a:prstGeom>
-              <a:ln w="25400">
-                <a:solidFill>
-                  <a:schemeClr val="tx1"/>
-                </a:solidFill>
-                <a:tailEnd type="triangle"/>
-              </a:ln>
-            </p:spPr>
-            <p:style>
-              <a:lnRef idx="1">
-                <a:schemeClr val="accent1"/>
-              </a:lnRef>
-              <a:fillRef idx="0">
-                <a:schemeClr val="accent1"/>
-              </a:fillRef>
-              <a:effectRef idx="0">
-                <a:schemeClr val="accent1"/>
-              </a:effectRef>
-              <a:fontRef idx="minor">
-                <a:schemeClr val="tx1"/>
-              </a:fontRef>
-            </p:style>
-          </p:cxnSp>
-          <p:pic>
-            <p:nvPicPr>
-              <p:cNvPr id="41" name="Grafik 40">
-                <a:extLst>
-                  <a:ext uri="{FF2B5EF4-FFF2-40B4-BE49-F238E27FC236}">
-                    <a16:creationId xmlns:a16="http://schemas.microsoft.com/office/drawing/2014/main" id="{2A8908B3-3248-4FBF-A029-8681CE78DBB0}"/>
-                  </a:ext>
-                </a:extLst>
-              </p:cNvPr>
-              <p:cNvPicPr>
-                <a:picLocks noChangeAspect="1"/>
-              </p:cNvPicPr>
-              <p:nvPr>
-                <p:custDataLst>
-                  <p:tags r:id="rId1"/>
-                </p:custDataLst>
-              </p:nvPr>
-            </p:nvPicPr>
-            <p:blipFill>
-              <a:blip r:embed="rId20">
-                <a:extLst>
-                  <a:ext uri="{28A0092B-C50C-407E-A947-70E740481C1C}">
-                    <a14:useLocalDpi xmlns:a14="http://schemas.microsoft.com/office/drawing/2010/main" val="0"/>
-                  </a:ext>
-                </a:extLst>
-              </a:blip>
-              <a:stretch>
-                <a:fillRect/>
-              </a:stretch>
-            </p:blipFill>
-            <p:spPr>
-              <a:xfrm>
-                <a:off x="1683677" y="3359106"/>
-                <a:ext cx="150448" cy="120055"/>
-              </a:xfrm>
-              <a:prstGeom prst="rect">
-                <a:avLst/>
-              </a:prstGeom>
-            </p:spPr>
-          </p:pic>
-          <p:pic>
-            <p:nvPicPr>
-              <p:cNvPr id="42" name="Grafik 41">
-                <a:extLst>
-                  <a:ext uri="{FF2B5EF4-FFF2-40B4-BE49-F238E27FC236}">
-                    <a16:creationId xmlns:a16="http://schemas.microsoft.com/office/drawing/2014/main" id="{31216ED0-35BD-43EE-9688-54F836D11CF6}"/>
-                  </a:ext>
-                </a:extLst>
-              </p:cNvPr>
-              <p:cNvPicPr>
-                <a:picLocks noChangeAspect="1"/>
-              </p:cNvPicPr>
-              <p:nvPr>
-                <p:custDataLst>
-                  <p:tags r:id="rId2"/>
-                </p:custDataLst>
-              </p:nvPr>
-            </p:nvPicPr>
-            <p:blipFill>
-              <a:blip r:embed="rId21">
-                <a:extLst>
-                  <a:ext uri="{28A0092B-C50C-407E-A947-70E740481C1C}">
-                    <a14:useLocalDpi xmlns:a14="http://schemas.microsoft.com/office/drawing/2010/main" val="0"/>
-                  </a:ext>
-                </a:extLst>
-              </a:blip>
-              <a:stretch>
-                <a:fillRect/>
-              </a:stretch>
-            </p:blipFill>
-            <p:spPr>
-              <a:xfrm>
-                <a:off x="2235121" y="2886166"/>
-                <a:ext cx="144864" cy="166279"/>
-              </a:xfrm>
-              <a:prstGeom prst="rect">
-                <a:avLst/>
-              </a:prstGeom>
-            </p:spPr>
-          </p:pic>
-          <p:pic>
-            <p:nvPicPr>
-              <p:cNvPr id="43" name="Grafik 42">
-                <a:extLst>
-                  <a:ext uri="{FF2B5EF4-FFF2-40B4-BE49-F238E27FC236}">
-                    <a16:creationId xmlns:a16="http://schemas.microsoft.com/office/drawing/2014/main" id="{0368EF09-43E2-44DA-8851-384D710F0D1F}"/>
-                  </a:ext>
-                </a:extLst>
-              </p:cNvPr>
-              <p:cNvPicPr>
-                <a:picLocks noChangeAspect="1"/>
-              </p:cNvPicPr>
-              <p:nvPr>
-                <p:custDataLst>
-                  <p:tags r:id="rId3"/>
-                </p:custDataLst>
-              </p:nvPr>
-            </p:nvPicPr>
-            <p:blipFill>
-              <a:blip r:embed="rId22">
-                <a:extLst>
-                  <a:ext uri="{28A0092B-C50C-407E-A947-70E740481C1C}">
-                    <a14:useLocalDpi xmlns:a14="http://schemas.microsoft.com/office/drawing/2010/main" val="0"/>
-                  </a:ext>
-                </a:extLst>
-              </a:blip>
-              <a:stretch>
-                <a:fillRect/>
-              </a:stretch>
-            </p:blipFill>
-            <p:spPr>
-              <a:xfrm>
-                <a:off x="2623274" y="3323699"/>
-                <a:ext cx="132360" cy="117677"/>
+                <a:off x="962507" y="-200774"/>
+                <a:ext cx="1104614" cy="397005"/>
               </a:xfrm>
               <a:prstGeom prst="rect">
                 <a:avLst/>
@@ -7445,7 +9968,7 @@
     </p:spTree>
     <p:extLst>
       <p:ext uri="{BB962C8B-B14F-4D97-AF65-F5344CB8AC3E}">
-        <p14:creationId xmlns:p14="http://schemas.microsoft.com/office/powerpoint/2010/main" val="542058477"/>
+        <p14:creationId xmlns:p14="http://schemas.microsoft.com/office/powerpoint/2010/main" val="1329256621"/>
       </p:ext>
     </p:extLst>
   </p:cSld>
@@ -20860,6 +23383,196 @@
 </p:tagLst>
 </file>
 
+<file path=ppt/tags/tag100.xml><?xml version="1.0" encoding="utf-8"?>
+<p:tagLst xmlns:a="http://schemas.openxmlformats.org/drawingml/2006/main" xmlns:r="http://schemas.openxmlformats.org/officeDocument/2006/relationships" xmlns:p="http://schemas.openxmlformats.org/presentationml/2006/main">
+  <p:tag name="OUTPUTDPI" val="1200"/>
+  <p:tag name="ORIGINALHEIGHT" val="56,99291"/>
+  <p:tag name="ORIGINALWIDTH" val="77,24032"/>
+  <p:tag name="LATEXADDIN" val="\documentclass{article}&#10;\usepackage{amsmath}&#10;\usepackage{bm}&#10;\usepackage{color}&#10;\pagestyle{empty}&#10;\begin{document}&#10;\begin{equation}&#10;\bm{u}&#10;\nonumber&#10;\end{equation}&#10;\end{document}"/>
+  <p:tag name="IGUANATEXSIZE" val="20"/>
+  <p:tag name="IGUANATEXCURSOR" val="137"/>
+  <p:tag name="TRANSPARENCY" val="Wahr"/>
+  <p:tag name="FILENAME" val=""/>
+  <p:tag name="LATEXENGINEID" val="0"/>
+  <p:tag name="TEMPFOLDER" val="c:\temp\"/>
+  <p:tag name="LATEXFORMHEIGHT" val="312"/>
+  <p:tag name="LATEXFORMWIDTH" val="384"/>
+  <p:tag name="LATEXFORMWRAP" val="Wahr"/>
+  <p:tag name="BITMAPVECTOR" val="0"/>
+</p:tagLst>
+</file>
+
+<file path=ppt/tags/tag101.xml><?xml version="1.0" encoding="utf-8"?>
+<p:tagLst xmlns:a="http://schemas.openxmlformats.org/drawingml/2006/main" xmlns:r="http://schemas.openxmlformats.org/officeDocument/2006/relationships" xmlns:p="http://schemas.openxmlformats.org/presentationml/2006/main">
+  <p:tag name="OUTPUTDPI" val="1200"/>
+  <p:tag name="ORIGINALHEIGHT" val="56,99291"/>
+  <p:tag name="ORIGINALWIDTH" val="63,74205"/>
+  <p:tag name="LATEXADDIN" val="\documentclass{article}&#10;\usepackage{amsmath}&#10;\usepackage{bm}&#10;\usepackage{color}&#10;\pagestyle{empty}&#10;\begin{document}&#10;\begin{equation}&#10;\bm{v}&#10;\nonumber&#10;\end{equation}&#10;\end{document}"/>
+  <p:tag name="IGUANATEXSIZE" val="20"/>
+  <p:tag name="IGUANATEXCURSOR" val="137"/>
+  <p:tag name="TRANSPARENCY" val="Wahr"/>
+  <p:tag name="FILENAME" val=""/>
+  <p:tag name="LATEXENGINEID" val="0"/>
+  <p:tag name="TEMPFOLDER" val="c:\temp\"/>
+  <p:tag name="LATEXFORMHEIGHT" val="312"/>
+  <p:tag name="LATEXFORMWIDTH" val="384"/>
+  <p:tag name="LATEXFORMWRAP" val="Wahr"/>
+  <p:tag name="BITMAPVECTOR" val="0"/>
+</p:tagLst>
+</file>
+
+<file path=ppt/tags/tag102.xml><?xml version="1.0" encoding="utf-8"?>
+<p:tagLst xmlns:a="http://schemas.openxmlformats.org/drawingml/2006/main" xmlns:r="http://schemas.openxmlformats.org/officeDocument/2006/relationships" xmlns:p="http://schemas.openxmlformats.org/presentationml/2006/main">
+  <p:tag name="OUTPUTDPI" val="1200"/>
+  <p:tag name="ORIGINALHEIGHT" val="110,2362"/>
+  <p:tag name="ORIGINALWIDTH" val="816,6479"/>
+  <p:tag name="LATEXADDIN" val="\documentclass{article}&#10;\usepackage{amsmath}&#10;\usepackage{bm}&#10;\usepackage{color}&#10;\pagestyle{empty}&#10;\begin{document}&#10;Principal Point&#10;\end{document}"/>
+  <p:tag name="IGUANATEXSIZE" val="20"/>
+  <p:tag name="IGUANATEXCURSOR" val="130"/>
+  <p:tag name="TRANSPARENCY" val="Wahr"/>
+  <p:tag name="FILENAME" val=""/>
+  <p:tag name="LATEXENGINEID" val="0"/>
+  <p:tag name="TEMPFOLDER" val="c:\temp\"/>
+  <p:tag name="LATEXFORMHEIGHT" val="312"/>
+  <p:tag name="LATEXFORMWIDTH" val="384"/>
+  <p:tag name="LATEXFORMWRAP" val="Wahr"/>
+  <p:tag name="BITMAPVECTOR" val="0"/>
+</p:tagLst>
+</file>
+
+<file path=ppt/tags/tag103.xml><?xml version="1.0" encoding="utf-8"?>
+<p:tagLst xmlns:a="http://schemas.openxmlformats.org/drawingml/2006/main" xmlns:r="http://schemas.openxmlformats.org/officeDocument/2006/relationships" xmlns:p="http://schemas.openxmlformats.org/presentationml/2006/main">
+  <p:tag name="OUTPUTDPI" val="1200"/>
+  <p:tag name="ORIGINALHEIGHT" val="129,7338"/>
+  <p:tag name="ORIGINALWIDTH" val="357,7053"/>
+  <p:tag name="LATEXADDIN" val="\documentclass{article}&#10;\usepackage{amsmath}&#10;\usepackage{bm}&#10;\usepackage{color}&#10;\pagestyle{empty}&#10;\begin{document}&#10;\begin{equation}&#10;(c_x,c_y)&#10;\nonumber&#10;\end{equation}&#10;\end{document}"/>
+  <p:tag name="IGUANATEXSIZE" val="20"/>
+  <p:tag name="IGUANATEXCURSOR" val="140"/>
+  <p:tag name="TRANSPARENCY" val="Wahr"/>
+  <p:tag name="FILENAME" val=""/>
+  <p:tag name="LATEXENGINEID" val="0"/>
+  <p:tag name="TEMPFOLDER" val="c:\temp\"/>
+  <p:tag name="LATEXFORMHEIGHT" val="312"/>
+  <p:tag name="LATEXFORMWIDTH" val="384"/>
+  <p:tag name="LATEXFORMWRAP" val="Wahr"/>
+  <p:tag name="BITMAPVECTOR" val="0"/>
+</p:tagLst>
+</file>
+
+<file path=ppt/tags/tag104.xml><?xml version="1.0" encoding="utf-8"?>
+<p:tagLst xmlns:a="http://schemas.openxmlformats.org/drawingml/2006/main" xmlns:r="http://schemas.openxmlformats.org/officeDocument/2006/relationships" xmlns:p="http://schemas.openxmlformats.org/presentationml/2006/main">
+  <p:tag name="OUTPUTDPI" val="1200"/>
+  <p:tag name="ORIGINALHEIGHT" val="113,2358"/>
+  <p:tag name="ORIGINALWIDTH" val="357,7053"/>
+  <p:tag name="LATEXADDIN" val="\documentclass{article}&#10;\usepackage{amsmath}&#10;\usepackage{color}&#10;\pagestyle{empty}&#10;\begin{document}&#10;%\color{white}&#10;Object&#10;\end{document}"/>
+  <p:tag name="IGUANATEXSIZE" val="20"/>
+  <p:tag name="IGUANATEXCURSOR" val="120"/>
+  <p:tag name="TRANSPARENCY" val="Wahr"/>
+  <p:tag name="FILENAME" val=""/>
+  <p:tag name="LATEXENGINEID" val="0"/>
+  <p:tag name="TEMPFOLDER" val="c:\temp\"/>
+  <p:tag name="LATEXFORMHEIGHT" val="312"/>
+  <p:tag name="LATEXFORMWIDTH" val="384"/>
+  <p:tag name="LATEXFORMWRAP" val="Wahr"/>
+  <p:tag name="BITMAPVECTOR" val="0"/>
+</p:tagLst>
+</file>
+
+<file path=ppt/tags/tag105.xml><?xml version="1.0" encoding="utf-8"?>
+<p:tagLst xmlns:a="http://schemas.openxmlformats.org/drawingml/2006/main" xmlns:r="http://schemas.openxmlformats.org/officeDocument/2006/relationships" xmlns:p="http://schemas.openxmlformats.org/presentationml/2006/main">
+  <p:tag name="OUTPUTDPI" val="1200"/>
+  <p:tag name="ORIGINALHEIGHT" val="110,9861"/>
+  <p:tag name="ORIGINALWIDTH" val="321,7098"/>
+  <p:tag name="LATEXADDIN" val="\documentclass{article}&#10;\usepackage{amsmath}&#10;\usepackage{color}&#10;\pagestyle{empty}&#10;\begin{document}&#10;%\color{white}&#10;Image&#10;\end{document}"/>
+  <p:tag name="IGUANATEXSIZE" val="20"/>
+  <p:tag name="IGUANATEXCURSOR" val="119"/>
+  <p:tag name="TRANSPARENCY" val="Wahr"/>
+  <p:tag name="FILENAME" val=""/>
+  <p:tag name="LATEXENGINEID" val="0"/>
+  <p:tag name="TEMPFOLDER" val="c:\temp\"/>
+  <p:tag name="LATEXFORMHEIGHT" val="312"/>
+  <p:tag name="LATEXFORMWIDTH" val="384"/>
+  <p:tag name="LATEXFORMWRAP" val="Wahr"/>
+  <p:tag name="BITMAPVECTOR" val="0"/>
+</p:tagLst>
+</file>
+
+<file path=ppt/tags/tag106.xml><?xml version="1.0" encoding="utf-8"?>
+<p:tagLst xmlns:a="http://schemas.openxmlformats.org/drawingml/2006/main" xmlns:r="http://schemas.openxmlformats.org/officeDocument/2006/relationships" xmlns:p="http://schemas.openxmlformats.org/presentationml/2006/main">
+  <p:tag name="OUTPUTDPI" val="1200"/>
+  <p:tag name="ORIGINALHEIGHT" val="75,74055"/>
+  <p:tag name="ORIGINALWIDTH" val="120,7349"/>
+  <p:tag name="LATEXADDIN" val="\documentclass{article}&#10;\usepackage{amsmath}&#10;\usepackage{bm}&#10;\usepackage{color}&#10;\pagestyle{empty}&#10;\begin{document}&#10;\begin{equation}&#10;\bm{x}_c&#10;\nonumber&#10;\end{equation}&#10;\end{document}"/>
+  <p:tag name="IGUANATEXSIZE" val="20"/>
+  <p:tag name="IGUANATEXCURSOR" val="140"/>
+  <p:tag name="TRANSPARENCY" val="Wahr"/>
+  <p:tag name="FILENAME" val=""/>
+  <p:tag name="LATEXENGINEID" val="0"/>
+  <p:tag name="TEMPFOLDER" val="c:\temp\"/>
+  <p:tag name="LATEXFORMHEIGHT" val="312"/>
+  <p:tag name="LATEXFORMWIDTH" val="384"/>
+  <p:tag name="LATEXFORMWRAP" val="Wahr"/>
+  <p:tag name="BITMAPVECTOR" val="0"/>
+</p:tagLst>
+</file>
+
+<file path=ppt/tags/tag107.xml><?xml version="1.0" encoding="utf-8"?>
+<p:tagLst xmlns:a="http://schemas.openxmlformats.org/drawingml/2006/main" xmlns:r="http://schemas.openxmlformats.org/officeDocument/2006/relationships" xmlns:p="http://schemas.openxmlformats.org/presentationml/2006/main">
+  <p:tag name="OUTPUTDPI" val="1200"/>
+  <p:tag name="ORIGINALHEIGHT" val="80,98985"/>
+  <p:tag name="ORIGINALWIDTH" val="113,2358"/>
+  <p:tag name="LATEXADDIN" val="\documentclass{article}&#10;\usepackage{amsmath}&#10;\usepackage{bm}&#10;\usepackage{color}&#10;\pagestyle{empty}&#10;\begin{document}&#10;\begin{equation}&#10;\bm{y}_c&#10;\nonumber&#10;\end{equation}&#10;\end{document}"/>
+  <p:tag name="IGUANATEXSIZE" val="20"/>
+  <p:tag name="IGUANATEXCURSOR" val="140"/>
+  <p:tag name="TRANSPARENCY" val="Wahr"/>
+  <p:tag name="FILENAME" val=""/>
+  <p:tag name="LATEXENGINEID" val="0"/>
+  <p:tag name="TEMPFOLDER" val="c:\temp\"/>
+  <p:tag name="LATEXFORMHEIGHT" val="312"/>
+  <p:tag name="LATEXFORMWIDTH" val="384"/>
+  <p:tag name="LATEXFORMWRAP" val="Wahr"/>
+  <p:tag name="BITMAPVECTOR" val="0"/>
+</p:tagLst>
+</file>
+
+<file path=ppt/tags/tag108.xml><?xml version="1.0" encoding="utf-8"?>
+<p:tagLst xmlns:a="http://schemas.openxmlformats.org/drawingml/2006/main" xmlns:r="http://schemas.openxmlformats.org/officeDocument/2006/relationships" xmlns:p="http://schemas.openxmlformats.org/presentationml/2006/main">
+  <p:tag name="OUTPUTDPI" val="1200"/>
+  <p:tag name="ORIGINALHEIGHT" val="75,74055"/>
+  <p:tag name="ORIGINALWIDTH" val="107,9865"/>
+  <p:tag name="LATEXADDIN" val="\documentclass{article}&#10;\usepackage{amsmath}&#10;\usepackage{bm}&#10;\usepackage{color}&#10;\pagestyle{empty}&#10;\begin{document}&#10;\begin{equation}&#10;\bm{z}_c&#10;\nonumber&#10;\end{equation}&#10;\end{document}"/>
+  <p:tag name="IGUANATEXSIZE" val="20"/>
+  <p:tag name="IGUANATEXCURSOR" val="140"/>
+  <p:tag name="TRANSPARENCY" val="Wahr"/>
+  <p:tag name="FILENAME" val=""/>
+  <p:tag name="LATEXENGINEID" val="0"/>
+  <p:tag name="TEMPFOLDER" val="c:\temp\"/>
+  <p:tag name="LATEXFORMHEIGHT" val="312"/>
+  <p:tag name="LATEXFORMWIDTH" val="384"/>
+  <p:tag name="LATEXFORMWRAP" val="Wahr"/>
+  <p:tag name="BITMAPVECTOR" val="0"/>
+</p:tagLst>
+</file>
+
+<file path=ppt/tags/tag109.xml><?xml version="1.0" encoding="utf-8"?>
+<p:tagLst xmlns:a="http://schemas.openxmlformats.org/drawingml/2006/main" xmlns:r="http://schemas.openxmlformats.org/officeDocument/2006/relationships" xmlns:p="http://schemas.openxmlformats.org/presentationml/2006/main">
+  <p:tag name="OUTPUTDPI" val="1200"/>
+  <p:tag name="ORIGINALHEIGHT" val="56,99291"/>
+  <p:tag name="ORIGINALWIDTH" val="71,2411"/>
+  <p:tag name="LATEXADDIN" val="\documentclass{article}&#10;\usepackage{amsmath}&#10;\usepackage{bm}&#10;\usepackage{color}&#10;\pagestyle{empty}&#10;\begin{document}&#10;\begin{equation}&#10;\bm{x}&#10;\nonumber&#10;\end{equation}&#10;\end{document}"/>
+  <p:tag name="IGUANATEXSIZE" val="20"/>
+  <p:tag name="IGUANATEXCURSOR" val="135"/>
+  <p:tag name="TRANSPARENCY" val="Wahr"/>
+  <p:tag name="FILENAME" val=""/>
+  <p:tag name="LATEXENGINEID" val="0"/>
+  <p:tag name="TEMPFOLDER" val="c:\temp\"/>
+  <p:tag name="LATEXFORMHEIGHT" val="312"/>
+  <p:tag name="LATEXFORMWIDTH" val="384"/>
+  <p:tag name="LATEXFORMWRAP" val="Wahr"/>
+  <p:tag name="BITMAPVECTOR" val="0"/>
+</p:tagLst>
+</file>
+
 <file path=ppt/tags/tag11.xml><?xml version="1.0" encoding="utf-8"?>
 <p:tagLst xmlns:a="http://schemas.openxmlformats.org/drawingml/2006/main" xmlns:r="http://schemas.openxmlformats.org/officeDocument/2006/relationships" xmlns:p="http://schemas.openxmlformats.org/presentationml/2006/main">
   <p:tag name="OUTPUTDPI" val="1200"/>
@@ -20868,6 +23581,158 @@
   <p:tag name="LATEXADDIN" val="\documentclass{article}&#10;\usepackage{amsmath}&#10;\usepackage{bm}&#10;\usepackage{color}&#10;\pagestyle{empty}&#10;\begin{document}&#10;\begin{equation}&#10;\bm{x}&#10;\nonumber&#10;\end{equation}&#10;\end{document}"/>
   <p:tag name="IGUANATEXSIZE" val="20"/>
   <p:tag name="IGUANATEXCURSOR" val="135"/>
+  <p:tag name="TRANSPARENCY" val="Wahr"/>
+  <p:tag name="FILENAME" val=""/>
+  <p:tag name="LATEXENGINEID" val="0"/>
+  <p:tag name="TEMPFOLDER" val="c:\temp\"/>
+  <p:tag name="LATEXFORMHEIGHT" val="312"/>
+  <p:tag name="LATEXFORMWIDTH" val="384"/>
+  <p:tag name="LATEXFORMWRAP" val="Wahr"/>
+  <p:tag name="BITMAPVECTOR" val="0"/>
+</p:tagLst>
+</file>
+
+<file path=ppt/tags/tag110.xml><?xml version="1.0" encoding="utf-8"?>
+<p:tagLst xmlns:a="http://schemas.openxmlformats.org/drawingml/2006/main" xmlns:r="http://schemas.openxmlformats.org/officeDocument/2006/relationships" xmlns:p="http://schemas.openxmlformats.org/presentationml/2006/main">
+  <p:tag name="OUTPUTDPI" val="1200"/>
+  <p:tag name="ORIGINALHEIGHT" val="80,98985"/>
+  <p:tag name="ORIGINALWIDTH" val="68,99134"/>
+  <p:tag name="LATEXADDIN" val="\documentclass{article}&#10;\usepackage{amsmath}&#10;\usepackage{bm}&#10;\usepackage{color}&#10;\pagestyle{empty}&#10;\begin{document}&#10;\begin{equation}&#10;\bm{y}&#10;\nonumber&#10;\end{equation}&#10;\end{document}"/>
+  <p:tag name="IGUANATEXSIZE" val="20"/>
+  <p:tag name="IGUANATEXCURSOR" val="59"/>
+  <p:tag name="TRANSPARENCY" val="Wahr"/>
+  <p:tag name="FILENAME" val=""/>
+  <p:tag name="LATEXENGINEID" val="0"/>
+  <p:tag name="TEMPFOLDER" val="c:\temp\"/>
+  <p:tag name="LATEXFORMHEIGHT" val="312"/>
+  <p:tag name="LATEXFORMWIDTH" val="384"/>
+  <p:tag name="LATEXFORMWRAP" val="Wahr"/>
+  <p:tag name="BITMAPVECTOR" val="0"/>
+</p:tagLst>
+</file>
+
+<file path=ppt/tags/tag111.xml><?xml version="1.0" encoding="utf-8"?>
+<p:tagLst xmlns:a="http://schemas.openxmlformats.org/drawingml/2006/main" xmlns:r="http://schemas.openxmlformats.org/officeDocument/2006/relationships" xmlns:p="http://schemas.openxmlformats.org/presentationml/2006/main">
+  <p:tag name="OUTPUTDPI" val="1200"/>
+  <p:tag name="ORIGINALHEIGHT" val="56,99291"/>
+  <p:tag name="ORIGINALWIDTH" val="62,99213"/>
+  <p:tag name="LATEXADDIN" val="\documentclass{article}&#10;\usepackage{amsmath}&#10;\usepackage{bm}&#10;\usepackage{color}&#10;\pagestyle{empty}&#10;\begin{document}&#10;\begin{equation}&#10;\bm{z}&#10;\nonumber&#10;\end{equation}&#10;\end{document}"/>
+  <p:tag name="IGUANATEXSIZE" val="20"/>
+  <p:tag name="IGUANATEXCURSOR" val="138"/>
+  <p:tag name="TRANSPARENCY" val="Wahr"/>
+  <p:tag name="FILENAME" val=""/>
+  <p:tag name="LATEXENGINEID" val="0"/>
+  <p:tag name="TEMPFOLDER" val="c:\temp\"/>
+  <p:tag name="LATEXFORMHEIGHT" val="312"/>
+  <p:tag name="LATEXFORMWIDTH" val="384"/>
+  <p:tag name="LATEXFORMWRAP" val="Wahr"/>
+  <p:tag name="BITMAPVECTOR" val="0"/>
+</p:tagLst>
+</file>
+
+<file path=ppt/tags/tag112.xml><?xml version="1.0" encoding="utf-8"?>
+<p:tagLst xmlns:a="http://schemas.openxmlformats.org/drawingml/2006/main" xmlns:r="http://schemas.openxmlformats.org/officeDocument/2006/relationships" xmlns:p="http://schemas.openxmlformats.org/presentationml/2006/main">
+  <p:tag name="OUTPUTDPI" val="1200"/>
+  <p:tag name="ORIGINALHEIGHT" val="80,98985"/>
+  <p:tag name="ORIGINALWIDTH" val="44,24449"/>
+  <p:tag name="LATEXADDIN" val="\documentclass{article}&#10;\usepackage{amsmath}&#10;\usepackage{bm}&#10;\usepackage{color}&#10;\pagestyle{empty}&#10;\begin{document}&#10;\begin{equation}&#10;\bm{t}&#10;\nonumber&#10;\end{equation}&#10;\end{document}"/>
+  <p:tag name="IGUANATEXSIZE" val="20"/>
+  <p:tag name="IGUANATEXCURSOR" val="137"/>
+  <p:tag name="TRANSPARENCY" val="Wahr"/>
+  <p:tag name="FILENAME" val=""/>
+  <p:tag name="LATEXENGINEID" val="0"/>
+  <p:tag name="TEMPFOLDER" val="c:\temp\"/>
+  <p:tag name="LATEXFORMHEIGHT" val="312"/>
+  <p:tag name="LATEXFORMWIDTH" val="384"/>
+  <p:tag name="LATEXFORMWRAP" val="Wahr"/>
+  <p:tag name="BITMAPVECTOR" val="0"/>
+</p:tagLst>
+</file>
+
+<file path=ppt/tags/tag113.xml><?xml version="1.0" encoding="utf-8"?>
+<p:tagLst xmlns:a="http://schemas.openxmlformats.org/drawingml/2006/main" xmlns:r="http://schemas.openxmlformats.org/officeDocument/2006/relationships" xmlns:p="http://schemas.openxmlformats.org/presentationml/2006/main">
+  <p:tag name="OUTPUTDPI" val="1200"/>
+  <p:tag name="ORIGINALHEIGHT" val="75,74055"/>
+  <p:tag name="ORIGINALWIDTH" val="120,7349"/>
+  <p:tag name="LATEXADDIN" val="\documentclass{article}&#10;\usepackage{amsmath}&#10;\usepackage{bm}&#10;\usepackage{color}&#10;\pagestyle{empty}&#10;\begin{document}&#10;\begin{equation}&#10;\bm{x}_c&#10;\nonumber&#10;\end{equation}&#10;\end{document}"/>
+  <p:tag name="IGUANATEXSIZE" val="20"/>
+  <p:tag name="IGUANATEXCURSOR" val="140"/>
+  <p:tag name="TRANSPARENCY" val="Wahr"/>
+  <p:tag name="FILENAME" val=""/>
+  <p:tag name="LATEXENGINEID" val="0"/>
+  <p:tag name="TEMPFOLDER" val="c:\temp\"/>
+  <p:tag name="LATEXFORMHEIGHT" val="312"/>
+  <p:tag name="LATEXFORMWIDTH" val="384"/>
+  <p:tag name="LATEXFORMWRAP" val="Wahr"/>
+  <p:tag name="BITMAPVECTOR" val="0"/>
+</p:tagLst>
+</file>
+
+<file path=ppt/tags/tag114.xml><?xml version="1.0" encoding="utf-8"?>
+<p:tagLst xmlns:a="http://schemas.openxmlformats.org/drawingml/2006/main" xmlns:r="http://schemas.openxmlformats.org/officeDocument/2006/relationships" xmlns:p="http://schemas.openxmlformats.org/presentationml/2006/main">
+  <p:tag name="OUTPUTDPI" val="1200"/>
+  <p:tag name="ORIGINALHEIGHT" val="80,98985"/>
+  <p:tag name="ORIGINALWIDTH" val="113,2358"/>
+  <p:tag name="LATEXADDIN" val="\documentclass{article}&#10;\usepackage{amsmath}&#10;\usepackage{bm}&#10;\usepackage{color}&#10;\pagestyle{empty}&#10;\begin{document}&#10;\begin{equation}&#10;\bm{y}_c&#10;\nonumber&#10;\end{equation}&#10;\end{document}"/>
+  <p:tag name="IGUANATEXSIZE" val="20"/>
+  <p:tag name="IGUANATEXCURSOR" val="140"/>
+  <p:tag name="TRANSPARENCY" val="Wahr"/>
+  <p:tag name="FILENAME" val=""/>
+  <p:tag name="LATEXENGINEID" val="0"/>
+  <p:tag name="TEMPFOLDER" val="c:\temp\"/>
+  <p:tag name="LATEXFORMHEIGHT" val="312"/>
+  <p:tag name="LATEXFORMWIDTH" val="384"/>
+  <p:tag name="LATEXFORMWRAP" val="Wahr"/>
+  <p:tag name="BITMAPVECTOR" val="0"/>
+</p:tagLst>
+</file>
+
+<file path=ppt/tags/tag115.xml><?xml version="1.0" encoding="utf-8"?>
+<p:tagLst xmlns:a="http://schemas.openxmlformats.org/drawingml/2006/main" xmlns:r="http://schemas.openxmlformats.org/officeDocument/2006/relationships" xmlns:p="http://schemas.openxmlformats.org/presentationml/2006/main">
+  <p:tag name="OUTPUTDPI" val="1200"/>
+  <p:tag name="ORIGINALHEIGHT" val="75,74055"/>
+  <p:tag name="ORIGINALWIDTH" val="107,9865"/>
+  <p:tag name="LATEXADDIN" val="\documentclass{article}&#10;\usepackage{amsmath}&#10;\usepackage{bm}&#10;\usepackage{color}&#10;\pagestyle{empty}&#10;\begin{document}&#10;\begin{equation}&#10;\bm{z}_c&#10;\nonumber&#10;\end{equation}&#10;\end{document}"/>
+  <p:tag name="IGUANATEXSIZE" val="20"/>
+  <p:tag name="IGUANATEXCURSOR" val="140"/>
+  <p:tag name="TRANSPARENCY" val="Wahr"/>
+  <p:tag name="FILENAME" val=""/>
+  <p:tag name="LATEXENGINEID" val="0"/>
+  <p:tag name="TEMPFOLDER" val="c:\temp\"/>
+  <p:tag name="LATEXFORMHEIGHT" val="312"/>
+  <p:tag name="LATEXFORMWIDTH" val="384"/>
+  <p:tag name="LATEXFORMWRAP" val="Wahr"/>
+  <p:tag name="BITMAPVECTOR" val="0"/>
+</p:tagLst>
+</file>
+
+<file path=ppt/tags/tag116.xml><?xml version="1.0" encoding="utf-8"?>
+<p:tagLst xmlns:a="http://schemas.openxmlformats.org/drawingml/2006/main" xmlns:r="http://schemas.openxmlformats.org/officeDocument/2006/relationships" xmlns:p="http://schemas.openxmlformats.org/presentationml/2006/main">
+  <p:tag name="OUTPUTDPI" val="1200"/>
+  <p:tag name="ORIGINALHEIGHT" val="87,73905"/>
+  <p:tag name="ORIGINALWIDTH" val="104,9868"/>
+  <p:tag name="LATEXADDIN" val="\documentclass{article}&#10;\usepackage{amsmath}&#10;\usepackage{bm}&#10;\usepackage{color}&#10;\pagestyle{empty}&#10;\begin{document}&#10;\begin{equation}&#10;\bm{R}&#10;\nonumber&#10;\end{equation}&#10;\end{document}"/>
+  <p:tag name="IGUANATEXSIZE" val="20"/>
+  <p:tag name="IGUANATEXCURSOR" val="137"/>
+  <p:tag name="TRANSPARENCY" val="Wahr"/>
+  <p:tag name="FILENAME" val=""/>
+  <p:tag name="LATEXENGINEID" val="0"/>
+  <p:tag name="TEMPFOLDER" val="c:\temp\"/>
+  <p:tag name="LATEXFORMHEIGHT" val="312"/>
+  <p:tag name="LATEXFORMWIDTH" val="384"/>
+  <p:tag name="LATEXFORMWRAP" val="Wahr"/>
+  <p:tag name="BITMAPVECTOR" val="0"/>
+</p:tagLst>
+</file>
+
+<file path=ppt/tags/tag117.xml><?xml version="1.0" encoding="utf-8"?>
+<p:tagLst xmlns:a="http://schemas.openxmlformats.org/drawingml/2006/main" xmlns:r="http://schemas.openxmlformats.org/officeDocument/2006/relationships" xmlns:p="http://schemas.openxmlformats.org/presentationml/2006/main">
+  <p:tag name="OUTPUTDPI" val="1200"/>
+  <p:tag name="ORIGINALHEIGHT" val="90,73866"/>
+  <p:tag name="ORIGINALWIDTH" val="414,6982"/>
+  <p:tag name="LATEXADDIN" val="\documentclass{article}&#10;\usepackage{amsmath}&#10;\usepackage{bm}&#10;\usepackage{color}&#10;\pagestyle{empty}&#10;\begin{document}&#10;Camera&#10;\end{document}"/>
+  <p:tag name="IGUANATEXSIZE" val="20"/>
+  <p:tag name="IGUANATEXCURSOR" val="121"/>
   <p:tag name="TRANSPARENCY" val="Wahr"/>
   <p:tag name="FILENAME" val=""/>
   <p:tag name="LATEXENGINEID" val="0"/>
@@ -22459,11 +25324,11 @@
 <file path=ppt/tags/tag88.xml><?xml version="1.0" encoding="utf-8"?>
 <p:tagLst xmlns:a="http://schemas.openxmlformats.org/drawingml/2006/main" xmlns:r="http://schemas.openxmlformats.org/officeDocument/2006/relationships" xmlns:p="http://schemas.openxmlformats.org/presentationml/2006/main">
   <p:tag name="OUTPUTDPI" val="1200"/>
-  <p:tag name="ORIGINALHEIGHT" val="56,99291"/>
-  <p:tag name="ORIGINALWIDTH" val="71,2411"/>
-  <p:tag name="LATEXADDIN" val="\documentclass{article}&#10;\usepackage{amsmath}&#10;\usepackage{bm}&#10;\usepackage{color}&#10;\pagestyle{empty}&#10;\begin{document}&#10;\begin{equation}&#10;\bm{x}&#10;\nonumber&#10;\end{equation}&#10;\end{document}"/>
+  <p:tag name="ORIGINALHEIGHT" val="110,2362"/>
+  <p:tag name="ORIGINALWIDTH" val="740,1575"/>
+  <p:tag name="LATEXADDIN" val="\documentclass{article}&#10;\usepackage{amsmath}&#10;\usepackage{color}&#10;\pagestyle{empty}&#10;\begin{document}&#10;%\color{white}&#10;Epipolar Line&#10;\end{document}"/>
   <p:tag name="IGUANATEXSIZE" val="20"/>
-  <p:tag name="IGUANATEXCURSOR" val="135"/>
+  <p:tag name="IGUANATEXCURSOR" val="127"/>
   <p:tag name="TRANSPARENCY" val="Wahr"/>
   <p:tag name="FILENAME" val=""/>
   <p:tag name="LATEXENGINEID" val="0"/>
@@ -22478,11 +25343,11 @@
 <file path=ppt/tags/tag89.xml><?xml version="1.0" encoding="utf-8"?>
 <p:tagLst xmlns:a="http://schemas.openxmlformats.org/drawingml/2006/main" xmlns:r="http://schemas.openxmlformats.org/officeDocument/2006/relationships" xmlns:p="http://schemas.openxmlformats.org/presentationml/2006/main">
   <p:tag name="OUTPUTDPI" val="1200"/>
-  <p:tag name="ORIGINALHEIGHT" val="80,98985"/>
-  <p:tag name="ORIGINALWIDTH" val="68,99134"/>
-  <p:tag name="LATEXADDIN" val="\documentclass{article}&#10;\usepackage{amsmath}&#10;\usepackage{bm}&#10;\usepackage{color}&#10;\pagestyle{empty}&#10;\begin{document}&#10;\begin{equation}&#10;\bm{y}&#10;\nonumber&#10;\end{equation}&#10;\end{document}"/>
+  <p:tag name="ORIGINALHEIGHT" val="90,73866"/>
+  <p:tag name="ORIGINALWIDTH" val="678,6652"/>
+  <p:tag name="LATEXADDIN" val="\documentclass{article}&#10;\usepackage{amsmath}&#10;\usepackage{color}&#10;\pagestyle{empty}&#10;\begin{document}&#10;%\color{white}&#10;Left Camera&#10;\end{document}"/>
   <p:tag name="IGUANATEXSIZE" val="20"/>
-  <p:tag name="IGUANATEXCURSOR" val="59"/>
+  <p:tag name="IGUANATEXCURSOR" val="125"/>
   <p:tag name="TRANSPARENCY" val="Wahr"/>
   <p:tag name="FILENAME" val=""/>
   <p:tag name="LATEXENGINEID" val="0"/>
@@ -22516,63 +25381,6 @@
 <file path=ppt/tags/tag90.xml><?xml version="1.0" encoding="utf-8"?>
 <p:tagLst xmlns:a="http://schemas.openxmlformats.org/drawingml/2006/main" xmlns:r="http://schemas.openxmlformats.org/officeDocument/2006/relationships" xmlns:p="http://schemas.openxmlformats.org/presentationml/2006/main">
   <p:tag name="OUTPUTDPI" val="1200"/>
-  <p:tag name="ORIGINALHEIGHT" val="56,99291"/>
-  <p:tag name="ORIGINALWIDTH" val="62,99213"/>
-  <p:tag name="LATEXADDIN" val="\documentclass{article}&#10;\usepackage{amsmath}&#10;\usepackage{bm}&#10;\usepackage{color}&#10;\pagestyle{empty}&#10;\begin{document}&#10;\begin{equation}&#10;\bm{z}&#10;\nonumber&#10;\end{equation}&#10;\end{document}"/>
-  <p:tag name="IGUANATEXSIZE" val="20"/>
-  <p:tag name="IGUANATEXCURSOR" val="138"/>
-  <p:tag name="TRANSPARENCY" val="Wahr"/>
-  <p:tag name="FILENAME" val=""/>
-  <p:tag name="LATEXENGINEID" val="0"/>
-  <p:tag name="TEMPFOLDER" val="c:\temp\"/>
-  <p:tag name="LATEXFORMHEIGHT" val="312"/>
-  <p:tag name="LATEXFORMWIDTH" val="384"/>
-  <p:tag name="LATEXFORMWRAP" val="Wahr"/>
-  <p:tag name="BITMAPVECTOR" val="0"/>
-</p:tagLst>
-</file>
-
-<file path=ppt/tags/tag91.xml><?xml version="1.0" encoding="utf-8"?>
-<p:tagLst xmlns:a="http://schemas.openxmlformats.org/drawingml/2006/main" xmlns:r="http://schemas.openxmlformats.org/officeDocument/2006/relationships" xmlns:p="http://schemas.openxmlformats.org/presentationml/2006/main">
-  <p:tag name="OUTPUTDPI" val="1200"/>
-  <p:tag name="ORIGINALHEIGHT" val="110,2362"/>
-  <p:tag name="ORIGINALWIDTH" val="740,1575"/>
-  <p:tag name="LATEXADDIN" val="\documentclass{article}&#10;\usepackage{amsmath}&#10;\usepackage{color}&#10;\pagestyle{empty}&#10;\begin{document}&#10;%\color{white}&#10;Epipolar Line&#10;\end{document}"/>
-  <p:tag name="IGUANATEXSIZE" val="20"/>
-  <p:tag name="IGUANATEXCURSOR" val="127"/>
-  <p:tag name="TRANSPARENCY" val="Wahr"/>
-  <p:tag name="FILENAME" val=""/>
-  <p:tag name="LATEXENGINEID" val="0"/>
-  <p:tag name="TEMPFOLDER" val="c:\temp\"/>
-  <p:tag name="LATEXFORMHEIGHT" val="312"/>
-  <p:tag name="LATEXFORMWIDTH" val="384"/>
-  <p:tag name="LATEXFORMWRAP" val="Wahr"/>
-  <p:tag name="BITMAPVECTOR" val="0"/>
-</p:tagLst>
-</file>
-
-<file path=ppt/tags/tag92.xml><?xml version="1.0" encoding="utf-8"?>
-<p:tagLst xmlns:a="http://schemas.openxmlformats.org/drawingml/2006/main" xmlns:r="http://schemas.openxmlformats.org/officeDocument/2006/relationships" xmlns:p="http://schemas.openxmlformats.org/presentationml/2006/main">
-  <p:tag name="OUTPUTDPI" val="1200"/>
-  <p:tag name="ORIGINALHEIGHT" val="90,73866"/>
-  <p:tag name="ORIGINALWIDTH" val="678,6652"/>
-  <p:tag name="LATEXADDIN" val="\documentclass{article}&#10;\usepackage{amsmath}&#10;\usepackage{color}&#10;\pagestyle{empty}&#10;\begin{document}&#10;%\color{white}&#10;Left Camera&#10;\end{document}"/>
-  <p:tag name="IGUANATEXSIZE" val="20"/>
-  <p:tag name="IGUANATEXCURSOR" val="125"/>
-  <p:tag name="TRANSPARENCY" val="Wahr"/>
-  <p:tag name="FILENAME" val=""/>
-  <p:tag name="LATEXENGINEID" val="0"/>
-  <p:tag name="TEMPFOLDER" val="c:\temp\"/>
-  <p:tag name="LATEXFORMHEIGHT" val="312"/>
-  <p:tag name="LATEXFORMWIDTH" val="384"/>
-  <p:tag name="LATEXFORMWRAP" val="Wahr"/>
-  <p:tag name="BITMAPVECTOR" val="0"/>
-</p:tagLst>
-</file>
-
-<file path=ppt/tags/tag93.xml><?xml version="1.0" encoding="utf-8"?>
-<p:tagLst xmlns:a="http://schemas.openxmlformats.org/drawingml/2006/main" xmlns:r="http://schemas.openxmlformats.org/officeDocument/2006/relationships" xmlns:p="http://schemas.openxmlformats.org/presentationml/2006/main">
-  <p:tag name="OUTPUTDPI" val="1200"/>
   <p:tag name="ORIGINALHEIGHT" val="113,2358"/>
   <p:tag name="ORIGINALWIDTH" val="761,9047"/>
   <p:tag name="LATEXADDIN" val="\documentclass{article}&#10;\usepackage{amsmath}&#10;\usepackage{color}&#10;\pagestyle{empty}&#10;\begin{document}&#10;%\color{white}&#10;Right Camera&#10;\end{document}"/>
@@ -22589,7 +25397,7 @@
 </p:tagLst>
 </file>
 
-<file path=ppt/tags/tag94.xml><?xml version="1.0" encoding="utf-8"?>
+<file path=ppt/tags/tag91.xml><?xml version="1.0" encoding="utf-8"?>
 <p:tagLst xmlns:a="http://schemas.openxmlformats.org/drawingml/2006/main" xmlns:r="http://schemas.openxmlformats.org/officeDocument/2006/relationships" xmlns:p="http://schemas.openxmlformats.org/presentationml/2006/main">
   <p:tag name="OUTPUTDPI" val="1200"/>
   <p:tag name="ORIGINALHEIGHT" val="113,2358"/>
@@ -22608,7 +25416,7 @@
 </p:tagLst>
 </file>
 
-<file path=ppt/tags/tag95.xml><?xml version="1.0" encoding="utf-8"?>
+<file path=ppt/tags/tag92.xml><?xml version="1.0" encoding="utf-8"?>
 <p:tagLst xmlns:a="http://schemas.openxmlformats.org/drawingml/2006/main" xmlns:r="http://schemas.openxmlformats.org/officeDocument/2006/relationships" xmlns:p="http://schemas.openxmlformats.org/presentationml/2006/main">
   <p:tag name="OUTPUTDPI" val="1200"/>
   <p:tag name="ORIGINALHEIGHT" val="110,9861"/>
@@ -22627,7 +25435,7 @@
 </p:tagLst>
 </file>
 
-<file path=ppt/tags/tag96.xml><?xml version="1.0" encoding="utf-8"?>
+<file path=ppt/tags/tag93.xml><?xml version="1.0" encoding="utf-8"?>
 <p:tagLst xmlns:a="http://schemas.openxmlformats.org/drawingml/2006/main" xmlns:r="http://schemas.openxmlformats.org/officeDocument/2006/relationships" xmlns:p="http://schemas.openxmlformats.org/presentationml/2006/main">
   <p:tag name="OUTPUTDPI" val="1200"/>
   <p:tag name="ORIGINALHEIGHT" val="85,48929"/>
@@ -22646,7 +25454,7 @@
 </p:tagLst>
 </file>
 
-<file path=ppt/tags/tag97.xml><?xml version="1.0" encoding="utf-8"?>
+<file path=ppt/tags/tag94.xml><?xml version="1.0" encoding="utf-8"?>
 <p:tagLst xmlns:a="http://schemas.openxmlformats.org/drawingml/2006/main" xmlns:r="http://schemas.openxmlformats.org/officeDocument/2006/relationships" xmlns:p="http://schemas.openxmlformats.org/presentationml/2006/main">
   <p:tag name="OUTPUTDPI" val="1200"/>
   <p:tag name="ORIGINALHEIGHT" val="101,2373"/>
@@ -22654,6 +25462,101 @@
   <p:tag name="LATEXADDIN" val="\documentclass{article}&#10;\usepackage{amsmath}&#10;\usepackage{bm}&#10;\usepackage{color}&#10;\pagestyle{empty}&#10;\begin{document}&#10;%\color{white}&#10;\begin{equation}&#10;\bm{x}'&#10;\nonumber&#10;\end{equation}&#10;\end{document}"/>
   <p:tag name="IGUANATEXSIZE" val="20"/>
   <p:tag name="IGUANATEXCURSOR" val="154"/>
+  <p:tag name="TRANSPARENCY" val="Wahr"/>
+  <p:tag name="FILENAME" val=""/>
+  <p:tag name="LATEXENGINEID" val="0"/>
+  <p:tag name="TEMPFOLDER" val="c:\temp\"/>
+  <p:tag name="LATEXFORMHEIGHT" val="312"/>
+  <p:tag name="LATEXFORMWIDTH" val="384"/>
+  <p:tag name="LATEXFORMWRAP" val="Wahr"/>
+  <p:tag name="BITMAPVECTOR" val="0"/>
+</p:tagLst>
+</file>
+
+<file path=ppt/tags/tag95.xml><?xml version="1.0" encoding="utf-8"?>
+<p:tagLst xmlns:a="http://schemas.openxmlformats.org/drawingml/2006/main" xmlns:r="http://schemas.openxmlformats.org/officeDocument/2006/relationships" xmlns:p="http://schemas.openxmlformats.org/presentationml/2006/main">
+  <p:tag name="OUTPUTDPI" val="1200"/>
+  <p:tag name="ORIGINALHEIGHT" val="75,74055"/>
+  <p:tag name="ORIGINALWIDTH" val="120,7349"/>
+  <p:tag name="LATEXADDIN" val="\documentclass{article}&#10;\usepackage{amsmath}&#10;\usepackage{bm}&#10;\usepackage{color}&#10;\pagestyle{empty}&#10;\begin{document}&#10;\begin{equation}&#10;\bm{x}_c&#10;\nonumber&#10;\end{equation}&#10;\end{document}"/>
+  <p:tag name="IGUANATEXSIZE" val="20"/>
+  <p:tag name="IGUANATEXCURSOR" val="140"/>
+  <p:tag name="TRANSPARENCY" val="Wahr"/>
+  <p:tag name="FILENAME" val=""/>
+  <p:tag name="LATEXENGINEID" val="0"/>
+  <p:tag name="TEMPFOLDER" val="c:\temp\"/>
+  <p:tag name="LATEXFORMHEIGHT" val="312"/>
+  <p:tag name="LATEXFORMWIDTH" val="384"/>
+  <p:tag name="LATEXFORMWRAP" val="Wahr"/>
+  <p:tag name="BITMAPVECTOR" val="0"/>
+</p:tagLst>
+</file>
+
+<file path=ppt/tags/tag96.xml><?xml version="1.0" encoding="utf-8"?>
+<p:tagLst xmlns:a="http://schemas.openxmlformats.org/drawingml/2006/main" xmlns:r="http://schemas.openxmlformats.org/officeDocument/2006/relationships" xmlns:p="http://schemas.openxmlformats.org/presentationml/2006/main">
+  <p:tag name="OUTPUTDPI" val="1200"/>
+  <p:tag name="ORIGINALHEIGHT" val="80,98985"/>
+  <p:tag name="ORIGINALWIDTH" val="113,2358"/>
+  <p:tag name="LATEXADDIN" val="\documentclass{article}&#10;\usepackage{amsmath}&#10;\usepackage{bm}&#10;\usepackage{color}&#10;\pagestyle{empty}&#10;\begin{document}&#10;\begin{equation}&#10;\bm{y}_c&#10;\nonumber&#10;\end{equation}&#10;\end{document}"/>
+  <p:tag name="IGUANATEXSIZE" val="20"/>
+  <p:tag name="IGUANATEXCURSOR" val="140"/>
+  <p:tag name="TRANSPARENCY" val="Wahr"/>
+  <p:tag name="FILENAME" val=""/>
+  <p:tag name="LATEXENGINEID" val="0"/>
+  <p:tag name="TEMPFOLDER" val="c:\temp\"/>
+  <p:tag name="LATEXFORMHEIGHT" val="312"/>
+  <p:tag name="LATEXFORMWIDTH" val="384"/>
+  <p:tag name="LATEXFORMWRAP" val="Wahr"/>
+  <p:tag name="BITMAPVECTOR" val="0"/>
+</p:tagLst>
+</file>
+
+<file path=ppt/tags/tag97.xml><?xml version="1.0" encoding="utf-8"?>
+<p:tagLst xmlns:a="http://schemas.openxmlformats.org/drawingml/2006/main" xmlns:r="http://schemas.openxmlformats.org/officeDocument/2006/relationships" xmlns:p="http://schemas.openxmlformats.org/presentationml/2006/main">
+  <p:tag name="OUTPUTDPI" val="1200"/>
+  <p:tag name="ORIGINALHEIGHT" val="75,74055"/>
+  <p:tag name="ORIGINALWIDTH" val="107,9865"/>
+  <p:tag name="LATEXADDIN" val="\documentclass{article}&#10;\usepackage{amsmath}&#10;\usepackage{bm}&#10;\usepackage{color}&#10;\pagestyle{empty}&#10;\begin{document}&#10;\begin{equation}&#10;\bm{z}_c&#10;\nonumber&#10;\end{equation}&#10;\end{document}"/>
+  <p:tag name="IGUANATEXSIZE" val="20"/>
+  <p:tag name="IGUANATEXCURSOR" val="140"/>
+  <p:tag name="TRANSPARENCY" val="Wahr"/>
+  <p:tag name="FILENAME" val=""/>
+  <p:tag name="LATEXENGINEID" val="0"/>
+  <p:tag name="TEMPFOLDER" val="c:\temp\"/>
+  <p:tag name="LATEXFORMHEIGHT" val="312"/>
+  <p:tag name="LATEXFORMWIDTH" val="384"/>
+  <p:tag name="LATEXFORMWRAP" val="Wahr"/>
+  <p:tag name="BITMAPVECTOR" val="0"/>
+</p:tagLst>
+</file>
+
+<file path=ppt/tags/tag98.xml><?xml version="1.0" encoding="utf-8"?>
+<p:tagLst xmlns:a="http://schemas.openxmlformats.org/drawingml/2006/main" xmlns:r="http://schemas.openxmlformats.org/officeDocument/2006/relationships" xmlns:p="http://schemas.openxmlformats.org/presentationml/2006/main">
+  <p:tag name="OUTPUTDPI" val="1200"/>
+  <p:tag name="ORIGINALHEIGHT" val="90,73866"/>
+  <p:tag name="ORIGINALWIDTH" val="414,6982"/>
+  <p:tag name="LATEXADDIN" val="\documentclass{article}&#10;\usepackage{amsmath}&#10;\usepackage{bm}&#10;\usepackage{color}&#10;\pagestyle{empty}&#10;\begin{document}&#10;Camera&#10;\end{document}"/>
+  <p:tag name="IGUANATEXSIZE" val="20"/>
+  <p:tag name="IGUANATEXCURSOR" val="121"/>
+  <p:tag name="TRANSPARENCY" val="Wahr"/>
+  <p:tag name="FILENAME" val=""/>
+  <p:tag name="LATEXENGINEID" val="0"/>
+  <p:tag name="TEMPFOLDER" val="c:\temp\"/>
+  <p:tag name="LATEXFORMHEIGHT" val="312"/>
+  <p:tag name="LATEXFORMWIDTH" val="384"/>
+  <p:tag name="LATEXFORMWRAP" val="Wahr"/>
+  <p:tag name="BITMAPVECTOR" val="0"/>
+</p:tagLst>
+</file>
+
+<file path=ppt/tags/tag99.xml><?xml version="1.0" encoding="utf-8"?>
+<p:tagLst xmlns:a="http://schemas.openxmlformats.org/drawingml/2006/main" xmlns:r="http://schemas.openxmlformats.org/officeDocument/2006/relationships" xmlns:p="http://schemas.openxmlformats.org/presentationml/2006/main">
+  <p:tag name="OUTPUTDPI" val="1200"/>
+  <p:tag name="ORIGINALHEIGHT" val="112,4859"/>
+  <p:tag name="ORIGINALWIDTH" val="338,2077"/>
+  <p:tag name="LATEXADDIN" val="\documentclass{article}&#10;\usepackage{amsmath}&#10;\usepackage{bm}&#10;\usepackage{color}&#10;\pagestyle{empty}&#10;\begin{document}&#10;\begin{equation}&#10;z_c = f&#10;\nonumber&#10;\end{equation}&#10;\end{document}"/>
+  <p:tag name="IGUANATEXSIZE" val="20"/>
+  <p:tag name="IGUANATEXCURSOR" val="139"/>
   <p:tag name="TRANSPARENCY" val="Wahr"/>
   <p:tag name="FILENAME" val=""/>
   <p:tag name="LATEXENGINEID" val="0"/>

--- a/windows/masters_thesis_imgs.pptx
+++ b/windows/masters_thesis_imgs.pptx
@@ -16,6 +16,7 @@
     <p:sldId id="264" r:id="rId10"/>
     <p:sldId id="265" r:id="rId11"/>
     <p:sldId id="266" r:id="rId12"/>
+    <p:sldId id="267" r:id="rId13"/>
   </p:sldIdLst>
   <p:sldSz cx="12192000" cy="6858000"/>
   <p:notesSz cx="6858000" cy="9144000"/>
@@ -117,7 +118,7 @@
   <p:extLst>
     <p:ext uri="{EFAFB233-063F-42B5-8137-9DF3F51BA10A}">
       <p15:sldGuideLst xmlns:p15="http://schemas.microsoft.com/office/powerpoint/2012/main">
-        <p15:guide id="1" orient="horz" pos="1865" userDrawn="1">
+        <p15:guide id="1" orient="horz" pos="1888" userDrawn="1">
           <p15:clr>
             <a:srgbClr val="A4A3A4"/>
           </p15:clr>
@@ -282,7 +283,7 @@
           <a:p>
             <a:fld id="{E9193408-0E9E-4716-B232-5E8342DA9E48}" type="datetimeFigureOut">
               <a:rPr lang="en-GB" smtClean="0"/>
-              <a:t>22/06/2019</a:t>
+              <a:t>03/07/2019</a:t>
             </a:fld>
             <a:endParaRPr lang="en-GB"/>
           </a:p>
@@ -482,7 +483,7 @@
           <a:p>
             <a:fld id="{E9193408-0E9E-4716-B232-5E8342DA9E48}" type="datetimeFigureOut">
               <a:rPr lang="en-GB" smtClean="0"/>
-              <a:t>22/06/2019</a:t>
+              <a:t>03/07/2019</a:t>
             </a:fld>
             <a:endParaRPr lang="en-GB"/>
           </a:p>
@@ -692,7 +693,7 @@
           <a:p>
             <a:fld id="{E9193408-0E9E-4716-B232-5E8342DA9E48}" type="datetimeFigureOut">
               <a:rPr lang="en-GB" smtClean="0"/>
-              <a:t>22/06/2019</a:t>
+              <a:t>03/07/2019</a:t>
             </a:fld>
             <a:endParaRPr lang="en-GB"/>
           </a:p>
@@ -892,7 +893,7 @@
           <a:p>
             <a:fld id="{E9193408-0E9E-4716-B232-5E8342DA9E48}" type="datetimeFigureOut">
               <a:rPr lang="en-GB" smtClean="0"/>
-              <a:t>22/06/2019</a:t>
+              <a:t>03/07/2019</a:t>
             </a:fld>
             <a:endParaRPr lang="en-GB"/>
           </a:p>
@@ -1168,7 +1169,7 @@
           <a:p>
             <a:fld id="{E9193408-0E9E-4716-B232-5E8342DA9E48}" type="datetimeFigureOut">
               <a:rPr lang="en-GB" smtClean="0"/>
-              <a:t>22/06/2019</a:t>
+              <a:t>03/07/2019</a:t>
             </a:fld>
             <a:endParaRPr lang="en-GB"/>
           </a:p>
@@ -1436,7 +1437,7 @@
           <a:p>
             <a:fld id="{E9193408-0E9E-4716-B232-5E8342DA9E48}" type="datetimeFigureOut">
               <a:rPr lang="en-GB" smtClean="0"/>
-              <a:t>22/06/2019</a:t>
+              <a:t>03/07/2019</a:t>
             </a:fld>
             <a:endParaRPr lang="en-GB"/>
           </a:p>
@@ -1851,7 +1852,7 @@
           <a:p>
             <a:fld id="{E9193408-0E9E-4716-B232-5E8342DA9E48}" type="datetimeFigureOut">
               <a:rPr lang="en-GB" smtClean="0"/>
-              <a:t>22/06/2019</a:t>
+              <a:t>03/07/2019</a:t>
             </a:fld>
             <a:endParaRPr lang="en-GB"/>
           </a:p>
@@ -1993,7 +1994,7 @@
           <a:p>
             <a:fld id="{E9193408-0E9E-4716-B232-5E8342DA9E48}" type="datetimeFigureOut">
               <a:rPr lang="en-GB" smtClean="0"/>
-              <a:t>22/06/2019</a:t>
+              <a:t>03/07/2019</a:t>
             </a:fld>
             <a:endParaRPr lang="en-GB"/>
           </a:p>
@@ -2106,7 +2107,7 @@
           <a:p>
             <a:fld id="{E9193408-0E9E-4716-B232-5E8342DA9E48}" type="datetimeFigureOut">
               <a:rPr lang="en-GB" smtClean="0"/>
-              <a:t>22/06/2019</a:t>
+              <a:t>03/07/2019</a:t>
             </a:fld>
             <a:endParaRPr lang="en-GB"/>
           </a:p>
@@ -2419,7 +2420,7 @@
           <a:p>
             <a:fld id="{E9193408-0E9E-4716-B232-5E8342DA9E48}" type="datetimeFigureOut">
               <a:rPr lang="en-GB" smtClean="0"/>
-              <a:t>22/06/2019</a:t>
+              <a:t>03/07/2019</a:t>
             </a:fld>
             <a:endParaRPr lang="en-GB"/>
           </a:p>
@@ -2708,7 +2709,7 @@
           <a:p>
             <a:fld id="{E9193408-0E9E-4716-B232-5E8342DA9E48}" type="datetimeFigureOut">
               <a:rPr lang="en-GB" smtClean="0"/>
-              <a:t>22/06/2019</a:t>
+              <a:t>03/07/2019</a:t>
             </a:fld>
             <a:endParaRPr lang="en-GB"/>
           </a:p>
@@ -2951,7 +2952,7 @@
           <a:p>
             <a:fld id="{E9193408-0E9E-4716-B232-5E8342DA9E48}" type="datetimeFigureOut">
               <a:rPr lang="en-GB" smtClean="0"/>
-              <a:t>22/06/2019</a:t>
+              <a:t>03/07/2019</a:t>
             </a:fld>
             <a:endParaRPr lang="en-GB"/>
           </a:p>
@@ -9978,6 +9979,4178 @@
 </p:sld>
 </file>
 
+<file path=ppt/slides/slide12.xml><?xml version="1.0" encoding="utf-8"?>
+<p:sld xmlns:a="http://schemas.openxmlformats.org/drawingml/2006/main" xmlns:r="http://schemas.openxmlformats.org/officeDocument/2006/relationships" xmlns:p="http://schemas.openxmlformats.org/presentationml/2006/main">
+  <p:cSld>
+    <p:spTree>
+      <p:nvGrpSpPr>
+        <p:cNvPr id="1" name=""/>
+        <p:cNvGrpSpPr/>
+        <p:nvPr/>
+      </p:nvGrpSpPr>
+      <p:grpSpPr>
+        <a:xfrm>
+          <a:off x="0" y="0"/>
+          <a:ext cx="0" cy="0"/>
+          <a:chOff x="0" y="0"/>
+          <a:chExt cx="0" cy="0"/>
+        </a:xfrm>
+      </p:grpSpPr>
+      <p:sp>
+        <p:nvSpPr>
+          <p:cNvPr id="4" name="Textfeld 3">
+            <a:extLst>
+              <a:ext uri="{FF2B5EF4-FFF2-40B4-BE49-F238E27FC236}">
+                <a16:creationId xmlns:a16="http://schemas.microsoft.com/office/drawing/2014/main" id="{EA50D4EA-75D4-46B1-949B-0457FDAA4941}"/>
+              </a:ext>
+            </a:extLst>
+          </p:cNvPr>
+          <p:cNvSpPr txBox="1"/>
+          <p:nvPr/>
+        </p:nvSpPr>
+        <p:spPr>
+          <a:xfrm>
+            <a:off x="76199" y="66675"/>
+            <a:ext cx="2088017" cy="369332"/>
+          </a:xfrm>
+          <a:prstGeom prst="rect">
+            <a:avLst/>
+          </a:prstGeom>
+          <a:noFill/>
+        </p:spPr>
+        <p:txBody>
+          <a:bodyPr wrap="square" rtlCol="0">
+            <a:spAutoFit/>
+          </a:bodyPr>
+          <a:lstStyle/>
+          <a:p>
+            <a:r>
+              <a:rPr lang="de-DE" dirty="0" err="1"/>
+              <a:t>Neural</a:t>
+            </a:r>
+            <a:r>
+              <a:rPr lang="de-DE" dirty="0"/>
+              <a:t> Nets</a:t>
+            </a:r>
+            <a:endParaRPr lang="en-GB" dirty="0"/>
+          </a:p>
+        </p:txBody>
+      </p:sp>
+      <p:grpSp>
+        <p:nvGrpSpPr>
+          <p:cNvPr id="279" name="Gruppieren 278">
+            <a:extLst>
+              <a:ext uri="{FF2B5EF4-FFF2-40B4-BE49-F238E27FC236}">
+                <a16:creationId xmlns:a16="http://schemas.microsoft.com/office/drawing/2014/main" id="{A3400F35-0076-4677-898B-26441FE43580}"/>
+              </a:ext>
+            </a:extLst>
+          </p:cNvPr>
+          <p:cNvGrpSpPr/>
+          <p:nvPr/>
+        </p:nvGrpSpPr>
+        <p:grpSpPr>
+          <a:xfrm>
+            <a:off x="1120207" y="860260"/>
+            <a:ext cx="10749086" cy="3882394"/>
+            <a:chOff x="459091" y="1241260"/>
+            <a:chExt cx="10749086" cy="3882394"/>
+          </a:xfrm>
+        </p:grpSpPr>
+        <p:pic>
+          <p:nvPicPr>
+            <p:cNvPr id="7" name="Grafik 6">
+              <a:extLst>
+                <a:ext uri="{FF2B5EF4-FFF2-40B4-BE49-F238E27FC236}">
+                  <a16:creationId xmlns:a16="http://schemas.microsoft.com/office/drawing/2014/main" id="{C139AC01-D9BE-48B6-B849-EFA5B7CC7386}"/>
+                </a:ext>
+              </a:extLst>
+            </p:cNvPr>
+            <p:cNvPicPr>
+              <a:picLocks noChangeAspect="1"/>
+            </p:cNvPicPr>
+            <p:nvPr>
+              <p:custDataLst>
+                <p:tags r:id="rId1"/>
+              </p:custDataLst>
+            </p:nvPr>
+          </p:nvPicPr>
+          <p:blipFill>
+            <a:blip r:embed="rId31">
+              <a:extLst>
+                <a:ext uri="{28A0092B-C50C-407E-A947-70E740481C1C}">
+                  <a14:useLocalDpi xmlns:a14="http://schemas.microsoft.com/office/drawing/2010/main" val="0"/>
+                </a:ext>
+              </a:extLst>
+            </a:blip>
+            <a:stretch>
+              <a:fillRect/>
+            </a:stretch>
+          </p:blipFill>
+          <p:spPr>
+            <a:xfrm rot="16200000">
+              <a:off x="-299004" y="2010533"/>
+              <a:ext cx="1744762" cy="228571"/>
+            </a:xfrm>
+            <a:prstGeom prst="rect">
+              <a:avLst/>
+            </a:prstGeom>
+          </p:spPr>
+        </p:pic>
+        <p:grpSp>
+          <p:nvGrpSpPr>
+            <p:cNvPr id="236" name="Gruppieren 235">
+              <a:extLst>
+                <a:ext uri="{FF2B5EF4-FFF2-40B4-BE49-F238E27FC236}">
+                  <a16:creationId xmlns:a16="http://schemas.microsoft.com/office/drawing/2014/main" id="{1BEC6973-7590-4B11-BF1E-C7E5F2AA9DF6}"/>
+                </a:ext>
+              </a:extLst>
+            </p:cNvPr>
+            <p:cNvGrpSpPr/>
+            <p:nvPr/>
+          </p:nvGrpSpPr>
+          <p:grpSpPr>
+            <a:xfrm>
+              <a:off x="873058" y="1241260"/>
+              <a:ext cx="6964151" cy="3636182"/>
+              <a:chOff x="2123193" y="1980388"/>
+              <a:chExt cx="6964151" cy="3636182"/>
+            </a:xfrm>
+          </p:grpSpPr>
+          <p:cxnSp>
+            <p:nvCxnSpPr>
+              <p:cNvPr id="23" name="Gerade Verbindung mit Pfeil 22">
+                <a:extLst>
+                  <a:ext uri="{FF2B5EF4-FFF2-40B4-BE49-F238E27FC236}">
+                    <a16:creationId xmlns:a16="http://schemas.microsoft.com/office/drawing/2014/main" id="{B260E0AF-3585-45ED-A3EC-484FBB25B6D1}"/>
+                  </a:ext>
+                </a:extLst>
+              </p:cNvPr>
+              <p:cNvCxnSpPr>
+                <a:cxnSpLocks/>
+              </p:cNvCxnSpPr>
+              <p:nvPr/>
+            </p:nvCxnSpPr>
+            <p:spPr>
+              <a:xfrm>
+                <a:off x="3611339" y="2498780"/>
+                <a:ext cx="2903761" cy="0"/>
+              </a:xfrm>
+              <a:prstGeom prst="straightConnector1">
+                <a:avLst/>
+              </a:prstGeom>
+              <a:ln w="25400">
+                <a:solidFill>
+                  <a:schemeClr val="bg1">
+                    <a:lumMod val="75000"/>
+                  </a:schemeClr>
+                </a:solidFill>
+                <a:tailEnd type="triangle"/>
+              </a:ln>
+            </p:spPr>
+            <p:style>
+              <a:lnRef idx="1">
+                <a:schemeClr val="accent1"/>
+              </a:lnRef>
+              <a:fillRef idx="0">
+                <a:schemeClr val="accent1"/>
+              </a:fillRef>
+              <a:effectRef idx="0">
+                <a:schemeClr val="accent1"/>
+              </a:effectRef>
+              <a:fontRef idx="minor">
+                <a:schemeClr val="tx1"/>
+              </a:fontRef>
+            </p:style>
+          </p:cxnSp>
+          <p:grpSp>
+            <p:nvGrpSpPr>
+              <p:cNvPr id="144" name="Gruppieren 143">
+                <a:extLst>
+                  <a:ext uri="{FF2B5EF4-FFF2-40B4-BE49-F238E27FC236}">
+                    <a16:creationId xmlns:a16="http://schemas.microsoft.com/office/drawing/2014/main" id="{7C67BBED-6297-44A2-AA22-B2A33A9BC387}"/>
+                  </a:ext>
+                </a:extLst>
+              </p:cNvPr>
+              <p:cNvGrpSpPr/>
+              <p:nvPr/>
+            </p:nvGrpSpPr>
+            <p:grpSpPr>
+              <a:xfrm>
+                <a:off x="8448916" y="1990775"/>
+                <a:ext cx="143014" cy="1016478"/>
+                <a:chOff x="8496509" y="3321689"/>
+                <a:chExt cx="143014" cy="1016478"/>
+              </a:xfrm>
+            </p:grpSpPr>
+            <p:sp>
+              <p:nvSpPr>
+                <p:cNvPr id="20" name="Rechteck 19">
+                  <a:extLst>
+                    <a:ext uri="{FF2B5EF4-FFF2-40B4-BE49-F238E27FC236}">
+                      <a16:creationId xmlns:a16="http://schemas.microsoft.com/office/drawing/2014/main" id="{CDC0EFC2-8F44-4F0D-9422-05E7B08F5D9A}"/>
+                    </a:ext>
+                  </a:extLst>
+                </p:cNvPr>
+                <p:cNvSpPr/>
+                <p:nvPr/>
+              </p:nvSpPr>
+              <p:spPr>
+                <a:xfrm>
+                  <a:off x="8603523" y="3321689"/>
+                  <a:ext cx="36000" cy="1016478"/>
+                </a:xfrm>
+                <a:prstGeom prst="rect">
+                  <a:avLst/>
+                </a:prstGeom>
+                <a:solidFill>
+                  <a:srgbClr val="FF7F2B"/>
+                </a:solidFill>
+                <a:ln w="25400">
+                  <a:solidFill>
+                    <a:srgbClr val="FF7F2B"/>
+                  </a:solidFill>
+                </a:ln>
+              </p:spPr>
+              <p:style>
+                <a:lnRef idx="2">
+                  <a:schemeClr val="accent1">
+                    <a:shade val="50000"/>
+                  </a:schemeClr>
+                </a:lnRef>
+                <a:fillRef idx="1">
+                  <a:schemeClr val="accent1"/>
+                </a:fillRef>
+                <a:effectRef idx="0">
+                  <a:schemeClr val="accent1"/>
+                </a:effectRef>
+                <a:fontRef idx="minor">
+                  <a:schemeClr val="lt1"/>
+                </a:fontRef>
+              </p:style>
+              <p:txBody>
+                <a:bodyPr rtlCol="0" anchor="ctr"/>
+                <a:lstStyle/>
+                <a:p>
+                  <a:pPr algn="ctr"/>
+                  <a:endParaRPr lang="en-GB"/>
+                </a:p>
+              </p:txBody>
+            </p:sp>
+            <p:pic>
+              <p:nvPicPr>
+                <p:cNvPr id="71" name="Grafik 70">
+                  <a:extLst>
+                    <a:ext uri="{FF2B5EF4-FFF2-40B4-BE49-F238E27FC236}">
+                      <a16:creationId xmlns:a16="http://schemas.microsoft.com/office/drawing/2014/main" id="{8CDD791A-C23A-4F94-B90B-11FAD4A75E1C}"/>
+                    </a:ext>
+                  </a:extLst>
+                </p:cNvPr>
+                <p:cNvPicPr>
+                  <a:picLocks noChangeAspect="1"/>
+                </p:cNvPicPr>
+                <p:nvPr>
+                  <p:custDataLst>
+                    <p:tags r:id="rId29"/>
+                  </p:custDataLst>
+                </p:nvPr>
+              </p:nvPicPr>
+              <p:blipFill>
+                <a:blip r:embed="rId32">
+                  <a:extLst>
+                    <a:ext uri="{28A0092B-C50C-407E-A947-70E740481C1C}">
+                      <a14:useLocalDpi xmlns:a14="http://schemas.microsoft.com/office/drawing/2010/main" val="0"/>
+                    </a:ext>
+                  </a:extLst>
+                </a:blip>
+                <a:stretch>
+                  <a:fillRect/>
+                </a:stretch>
+              </p:blipFill>
+              <p:spPr>
+                <a:xfrm rot="16200000">
+                  <a:off x="8203786" y="3979772"/>
+                  <a:ext cx="651118" cy="65671"/>
+                </a:xfrm>
+                <a:prstGeom prst="rect">
+                  <a:avLst/>
+                </a:prstGeom>
+              </p:spPr>
+            </p:pic>
+          </p:grpSp>
+          <p:grpSp>
+            <p:nvGrpSpPr>
+              <p:cNvPr id="91" name="Gruppieren 90">
+                <a:extLst>
+                  <a:ext uri="{FF2B5EF4-FFF2-40B4-BE49-F238E27FC236}">
+                    <a16:creationId xmlns:a16="http://schemas.microsoft.com/office/drawing/2014/main" id="{0AD35C5C-B3B9-4A90-ADC9-857DFAD1EA27}"/>
+                  </a:ext>
+                </a:extLst>
+              </p:cNvPr>
+              <p:cNvGrpSpPr/>
+              <p:nvPr/>
+            </p:nvGrpSpPr>
+            <p:grpSpPr>
+              <a:xfrm>
+                <a:off x="2123193" y="1980388"/>
+                <a:ext cx="151099" cy="1016478"/>
+                <a:chOff x="2122074" y="1944210"/>
+                <a:chExt cx="151099" cy="1016478"/>
+              </a:xfrm>
+            </p:grpSpPr>
+            <p:sp>
+              <p:nvSpPr>
+                <p:cNvPr id="5" name="Rechteck 4">
+                  <a:extLst>
+                    <a:ext uri="{FF2B5EF4-FFF2-40B4-BE49-F238E27FC236}">
+                      <a16:creationId xmlns:a16="http://schemas.microsoft.com/office/drawing/2014/main" id="{04630976-F684-4A4E-A3B6-2195444E3F43}"/>
+                    </a:ext>
+                  </a:extLst>
+                </p:cNvPr>
+                <p:cNvSpPr/>
+                <p:nvPr/>
+              </p:nvSpPr>
+              <p:spPr>
+                <a:xfrm>
+                  <a:off x="2237173" y="1944210"/>
+                  <a:ext cx="36000" cy="1016478"/>
+                </a:xfrm>
+                <a:prstGeom prst="rect">
+                  <a:avLst/>
+                </a:prstGeom>
+                <a:solidFill>
+                  <a:srgbClr val="FF7F2B"/>
+                </a:solidFill>
+                <a:ln w="25400">
+                  <a:solidFill>
+                    <a:srgbClr val="FF7F2B"/>
+                  </a:solidFill>
+                </a:ln>
+              </p:spPr>
+              <p:style>
+                <a:lnRef idx="2">
+                  <a:schemeClr val="accent1">
+                    <a:shade val="50000"/>
+                  </a:schemeClr>
+                </a:lnRef>
+                <a:fillRef idx="1">
+                  <a:schemeClr val="accent1"/>
+                </a:fillRef>
+                <a:effectRef idx="0">
+                  <a:schemeClr val="accent1"/>
+                </a:effectRef>
+                <a:fontRef idx="minor">
+                  <a:schemeClr val="lt1"/>
+                </a:fontRef>
+              </p:style>
+              <p:txBody>
+                <a:bodyPr rtlCol="0" anchor="ctr"/>
+                <a:lstStyle/>
+                <a:p>
+                  <a:pPr algn="ctr"/>
+                  <a:endParaRPr lang="en-GB"/>
+                </a:p>
+              </p:txBody>
+            </p:sp>
+            <p:pic>
+              <p:nvPicPr>
+                <p:cNvPr id="56" name="Grafik 55">
+                  <a:extLst>
+                    <a:ext uri="{FF2B5EF4-FFF2-40B4-BE49-F238E27FC236}">
+                      <a16:creationId xmlns:a16="http://schemas.microsoft.com/office/drawing/2014/main" id="{A9E531FB-F49C-48D5-80E7-2BEF497C9B04}"/>
+                    </a:ext>
+                  </a:extLst>
+                </p:cNvPr>
+                <p:cNvPicPr>
+                  <a:picLocks noChangeAspect="1"/>
+                </p:cNvPicPr>
+                <p:nvPr>
+                  <p:custDataLst>
+                    <p:tags r:id="rId28"/>
+                  </p:custDataLst>
+                </p:nvPr>
+              </p:nvPicPr>
+              <p:blipFill>
+                <a:blip r:embed="rId32">
+                  <a:extLst>
+                    <a:ext uri="{28A0092B-C50C-407E-A947-70E740481C1C}">
+                      <a14:useLocalDpi xmlns:a14="http://schemas.microsoft.com/office/drawing/2010/main" val="0"/>
+                    </a:ext>
+                  </a:extLst>
+                </a:blip>
+                <a:stretch>
+                  <a:fillRect/>
+                </a:stretch>
+              </p:blipFill>
+              <p:spPr>
+                <a:xfrm rot="16200000">
+                  <a:off x="1829473" y="2593404"/>
+                  <a:ext cx="649731" cy="64530"/>
+                </a:xfrm>
+                <a:prstGeom prst="rect">
+                  <a:avLst/>
+                </a:prstGeom>
+              </p:spPr>
+            </p:pic>
+          </p:grpSp>
+          <p:grpSp>
+            <p:nvGrpSpPr>
+              <p:cNvPr id="73" name="Gruppieren 72">
+                <a:extLst>
+                  <a:ext uri="{FF2B5EF4-FFF2-40B4-BE49-F238E27FC236}">
+                    <a16:creationId xmlns:a16="http://schemas.microsoft.com/office/drawing/2014/main" id="{96BE6BAB-E12B-4F56-8E33-11585DC49DC1}"/>
+                  </a:ext>
+                </a:extLst>
+              </p:cNvPr>
+              <p:cNvGrpSpPr/>
+              <p:nvPr/>
+            </p:nvGrpSpPr>
+            <p:grpSpPr>
+              <a:xfrm>
+                <a:off x="3170982" y="1980388"/>
+                <a:ext cx="202045" cy="1016478"/>
+                <a:chOff x="2800065" y="1944210"/>
+                <a:chExt cx="202045" cy="1016478"/>
+              </a:xfrm>
+            </p:grpSpPr>
+            <p:sp>
+              <p:nvSpPr>
+                <p:cNvPr id="26" name="Rechteck 25">
+                  <a:extLst>
+                    <a:ext uri="{FF2B5EF4-FFF2-40B4-BE49-F238E27FC236}">
+                      <a16:creationId xmlns:a16="http://schemas.microsoft.com/office/drawing/2014/main" id="{45AB10DD-E6A2-4096-8D8C-5AD0BDCFFDC9}"/>
+                    </a:ext>
+                  </a:extLst>
+                </p:cNvPr>
+                <p:cNvSpPr/>
+                <p:nvPr/>
+              </p:nvSpPr>
+              <p:spPr>
+                <a:xfrm>
+                  <a:off x="2912110" y="1944210"/>
+                  <a:ext cx="90000" cy="1016478"/>
+                </a:xfrm>
+                <a:prstGeom prst="rect">
+                  <a:avLst/>
+                </a:prstGeom>
+                <a:solidFill>
+                  <a:srgbClr val="FF7F2B"/>
+                </a:solidFill>
+                <a:ln w="25400">
+                  <a:solidFill>
+                    <a:srgbClr val="FF7F2B"/>
+                  </a:solidFill>
+                </a:ln>
+              </p:spPr>
+              <p:style>
+                <a:lnRef idx="2">
+                  <a:schemeClr val="accent1">
+                    <a:shade val="50000"/>
+                  </a:schemeClr>
+                </a:lnRef>
+                <a:fillRef idx="1">
+                  <a:schemeClr val="accent1"/>
+                </a:fillRef>
+                <a:effectRef idx="0">
+                  <a:schemeClr val="accent1"/>
+                </a:effectRef>
+                <a:fontRef idx="minor">
+                  <a:schemeClr val="lt1"/>
+                </a:fontRef>
+              </p:style>
+              <p:txBody>
+                <a:bodyPr rtlCol="0" anchor="ctr"/>
+                <a:lstStyle/>
+                <a:p>
+                  <a:pPr algn="ctr"/>
+                  <a:endParaRPr lang="en-GB"/>
+                </a:p>
+              </p:txBody>
+            </p:sp>
+            <p:pic>
+              <p:nvPicPr>
+                <p:cNvPr id="58" name="Grafik 57">
+                  <a:extLst>
+                    <a:ext uri="{FF2B5EF4-FFF2-40B4-BE49-F238E27FC236}">
+                      <a16:creationId xmlns:a16="http://schemas.microsoft.com/office/drawing/2014/main" id="{E7A66485-1B93-48B4-98D0-4619F8DA162A}"/>
+                    </a:ext>
+                  </a:extLst>
+                </p:cNvPr>
+                <p:cNvPicPr>
+                  <a:picLocks noChangeAspect="1"/>
+                </p:cNvPicPr>
+                <p:nvPr>
+                  <p:custDataLst>
+                    <p:tags r:id="rId27"/>
+                  </p:custDataLst>
+                </p:nvPr>
+              </p:nvPicPr>
+              <p:blipFill>
+                <a:blip r:embed="rId33">
+                  <a:extLst>
+                    <a:ext uri="{28A0092B-C50C-407E-A947-70E740481C1C}">
+                      <a14:useLocalDpi xmlns:a14="http://schemas.microsoft.com/office/drawing/2010/main" val="0"/>
+                    </a:ext>
+                  </a:extLst>
+                </a:blip>
+                <a:stretch>
+                  <a:fillRect/>
+                </a:stretch>
+              </p:blipFill>
+              <p:spPr>
+                <a:xfrm rot="16200000">
+                  <a:off x="2484813" y="2580548"/>
+                  <a:ext cx="695391" cy="64888"/>
+                </a:xfrm>
+                <a:prstGeom prst="rect">
+                  <a:avLst/>
+                </a:prstGeom>
+              </p:spPr>
+            </p:pic>
+          </p:grpSp>
+          <p:grpSp>
+            <p:nvGrpSpPr>
+              <p:cNvPr id="74" name="Gruppieren 73">
+                <a:extLst>
+                  <a:ext uri="{FF2B5EF4-FFF2-40B4-BE49-F238E27FC236}">
+                    <a16:creationId xmlns:a16="http://schemas.microsoft.com/office/drawing/2014/main" id="{08804E6A-8048-4650-B189-F4F55C7A0FAE}"/>
+                  </a:ext>
+                </a:extLst>
+              </p:cNvPr>
+              <p:cNvGrpSpPr/>
+              <p:nvPr/>
+            </p:nvGrpSpPr>
+            <p:grpSpPr>
+              <a:xfrm>
+                <a:off x="2621614" y="1980388"/>
+                <a:ext cx="202045" cy="1016478"/>
+                <a:chOff x="2800065" y="1944210"/>
+                <a:chExt cx="202045" cy="1016478"/>
+              </a:xfrm>
+            </p:grpSpPr>
+            <p:sp>
+              <p:nvSpPr>
+                <p:cNvPr id="75" name="Rechteck 74">
+                  <a:extLst>
+                    <a:ext uri="{FF2B5EF4-FFF2-40B4-BE49-F238E27FC236}">
+                      <a16:creationId xmlns:a16="http://schemas.microsoft.com/office/drawing/2014/main" id="{81E8633A-4DEE-4F1D-AFE7-588D345B1337}"/>
+                    </a:ext>
+                  </a:extLst>
+                </p:cNvPr>
+                <p:cNvSpPr/>
+                <p:nvPr/>
+              </p:nvSpPr>
+              <p:spPr>
+                <a:xfrm>
+                  <a:off x="2912110" y="1944210"/>
+                  <a:ext cx="90000" cy="1016478"/>
+                </a:xfrm>
+                <a:prstGeom prst="rect">
+                  <a:avLst/>
+                </a:prstGeom>
+                <a:solidFill>
+                  <a:srgbClr val="FF7F2B"/>
+                </a:solidFill>
+                <a:ln w="25400">
+                  <a:solidFill>
+                    <a:srgbClr val="FF7F2B"/>
+                  </a:solidFill>
+                </a:ln>
+              </p:spPr>
+              <p:style>
+                <a:lnRef idx="2">
+                  <a:schemeClr val="accent1">
+                    <a:shade val="50000"/>
+                  </a:schemeClr>
+                </a:lnRef>
+                <a:fillRef idx="1">
+                  <a:schemeClr val="accent1"/>
+                </a:fillRef>
+                <a:effectRef idx="0">
+                  <a:schemeClr val="accent1"/>
+                </a:effectRef>
+                <a:fontRef idx="minor">
+                  <a:schemeClr val="lt1"/>
+                </a:fontRef>
+              </p:style>
+              <p:txBody>
+                <a:bodyPr rtlCol="0" anchor="ctr"/>
+                <a:lstStyle/>
+                <a:p>
+                  <a:pPr algn="ctr"/>
+                  <a:endParaRPr lang="en-GB"/>
+                </a:p>
+              </p:txBody>
+            </p:sp>
+            <p:pic>
+              <p:nvPicPr>
+                <p:cNvPr id="76" name="Grafik 75">
+                  <a:extLst>
+                    <a:ext uri="{FF2B5EF4-FFF2-40B4-BE49-F238E27FC236}">
+                      <a16:creationId xmlns:a16="http://schemas.microsoft.com/office/drawing/2014/main" id="{71E21CA4-21AC-4D96-A7B6-4323593EA411}"/>
+                    </a:ext>
+                  </a:extLst>
+                </p:cNvPr>
+                <p:cNvPicPr>
+                  <a:picLocks noChangeAspect="1"/>
+                </p:cNvPicPr>
+                <p:nvPr>
+                  <p:custDataLst>
+                    <p:tags r:id="rId26"/>
+                  </p:custDataLst>
+                </p:nvPr>
+              </p:nvPicPr>
+              <p:blipFill>
+                <a:blip r:embed="rId33">
+                  <a:extLst>
+                    <a:ext uri="{28A0092B-C50C-407E-A947-70E740481C1C}">
+                      <a14:useLocalDpi xmlns:a14="http://schemas.microsoft.com/office/drawing/2010/main" val="0"/>
+                    </a:ext>
+                  </a:extLst>
+                </a:blip>
+                <a:stretch>
+                  <a:fillRect/>
+                </a:stretch>
+              </p:blipFill>
+              <p:spPr>
+                <a:xfrm rot="16200000">
+                  <a:off x="2484813" y="2580548"/>
+                  <a:ext cx="695391" cy="64888"/>
+                </a:xfrm>
+                <a:prstGeom prst="rect">
+                  <a:avLst/>
+                </a:prstGeom>
+              </p:spPr>
+            </p:pic>
+          </p:grpSp>
+          <p:grpSp>
+            <p:nvGrpSpPr>
+              <p:cNvPr id="118" name="Gruppieren 117">
+                <a:extLst>
+                  <a:ext uri="{FF2B5EF4-FFF2-40B4-BE49-F238E27FC236}">
+                    <a16:creationId xmlns:a16="http://schemas.microsoft.com/office/drawing/2014/main" id="{DA0069DA-F9E4-4FA8-86F9-8994C84AF163}"/>
+                  </a:ext>
+                </a:extLst>
+              </p:cNvPr>
+              <p:cNvGrpSpPr/>
+              <p:nvPr/>
+            </p:nvGrpSpPr>
+            <p:grpSpPr>
+              <a:xfrm>
+                <a:off x="4354936" y="4600092"/>
+                <a:ext cx="290414" cy="1016478"/>
+                <a:chOff x="3730214" y="4821908"/>
+                <a:chExt cx="290414" cy="1016478"/>
+              </a:xfrm>
+            </p:grpSpPr>
+            <p:sp>
+              <p:nvSpPr>
+                <p:cNvPr id="45" name="Rechteck 44">
+                  <a:extLst>
+                    <a:ext uri="{FF2B5EF4-FFF2-40B4-BE49-F238E27FC236}">
+                      <a16:creationId xmlns:a16="http://schemas.microsoft.com/office/drawing/2014/main" id="{50752FC7-98D5-4CC4-AFFD-D93457810A82}"/>
+                    </a:ext>
+                  </a:extLst>
+                </p:cNvPr>
+                <p:cNvSpPr/>
+                <p:nvPr/>
+              </p:nvSpPr>
+              <p:spPr>
+                <a:xfrm>
+                  <a:off x="3840628" y="4821908"/>
+                  <a:ext cx="180000" cy="1016478"/>
+                </a:xfrm>
+                <a:prstGeom prst="rect">
+                  <a:avLst/>
+                </a:prstGeom>
+                <a:solidFill>
+                  <a:srgbClr val="FF7F2B"/>
+                </a:solidFill>
+                <a:ln w="25400">
+                  <a:solidFill>
+                    <a:srgbClr val="FF7F2B"/>
+                  </a:solidFill>
+                </a:ln>
+              </p:spPr>
+              <p:style>
+                <a:lnRef idx="2">
+                  <a:schemeClr val="accent1">
+                    <a:shade val="50000"/>
+                  </a:schemeClr>
+                </a:lnRef>
+                <a:fillRef idx="1">
+                  <a:schemeClr val="accent1"/>
+                </a:fillRef>
+                <a:effectRef idx="0">
+                  <a:schemeClr val="accent1"/>
+                </a:effectRef>
+                <a:fontRef idx="minor">
+                  <a:schemeClr val="lt1"/>
+                </a:fontRef>
+              </p:style>
+              <p:txBody>
+                <a:bodyPr rtlCol="0" anchor="ctr"/>
+                <a:lstStyle/>
+                <a:p>
+                  <a:pPr algn="ctr"/>
+                  <a:endParaRPr lang="en-GB"/>
+                </a:p>
+              </p:txBody>
+            </p:sp>
+            <p:pic>
+              <p:nvPicPr>
+                <p:cNvPr id="86" name="Grafik 85">
+                  <a:extLst>
+                    <a:ext uri="{FF2B5EF4-FFF2-40B4-BE49-F238E27FC236}">
+                      <a16:creationId xmlns:a16="http://schemas.microsoft.com/office/drawing/2014/main" id="{363089D4-2845-47EE-A2F6-E6A4170CEAD5}"/>
+                    </a:ext>
+                  </a:extLst>
+                </p:cNvPr>
+                <p:cNvPicPr>
+                  <a:picLocks noChangeAspect="1"/>
+                </p:cNvPicPr>
+                <p:nvPr>
+                  <p:custDataLst>
+                    <p:tags r:id="rId25"/>
+                  </p:custDataLst>
+                </p:nvPr>
+              </p:nvPicPr>
+              <p:blipFill>
+                <a:blip r:embed="rId34">
+                  <a:extLst>
+                    <a:ext uri="{28A0092B-C50C-407E-A947-70E740481C1C}">
+                      <a14:useLocalDpi xmlns:a14="http://schemas.microsoft.com/office/drawing/2010/main" val="0"/>
+                    </a:ext>
+                  </a:extLst>
+                </a:blip>
+                <a:stretch>
+                  <a:fillRect/>
+                </a:stretch>
+              </p:blipFill>
+              <p:spPr>
+                <a:xfrm rot="16200000">
+                  <a:off x="3317328" y="5334686"/>
+                  <a:ext cx="916586" cy="90814"/>
+                </a:xfrm>
+                <a:prstGeom prst="rect">
+                  <a:avLst/>
+                </a:prstGeom>
+              </p:spPr>
+            </p:pic>
+          </p:grpSp>
+          <p:grpSp>
+            <p:nvGrpSpPr>
+              <p:cNvPr id="119" name="Gruppieren 118">
+                <a:extLst>
+                  <a:ext uri="{FF2B5EF4-FFF2-40B4-BE49-F238E27FC236}">
+                    <a16:creationId xmlns:a16="http://schemas.microsoft.com/office/drawing/2014/main" id="{E42ADB0A-53EB-4190-B512-A9D853D404EA}"/>
+                  </a:ext>
+                </a:extLst>
+              </p:cNvPr>
+              <p:cNvGrpSpPr/>
+              <p:nvPr/>
+            </p:nvGrpSpPr>
+            <p:grpSpPr>
+              <a:xfrm>
+                <a:off x="4992569" y="4600092"/>
+                <a:ext cx="290414" cy="1016478"/>
+                <a:chOff x="4257288" y="4821908"/>
+                <a:chExt cx="290414" cy="1016478"/>
+              </a:xfrm>
+            </p:grpSpPr>
+            <p:sp>
+              <p:nvSpPr>
+                <p:cNvPr id="99" name="Rechteck 98">
+                  <a:extLst>
+                    <a:ext uri="{FF2B5EF4-FFF2-40B4-BE49-F238E27FC236}">
+                      <a16:creationId xmlns:a16="http://schemas.microsoft.com/office/drawing/2014/main" id="{2A692517-9057-4289-8FCC-903D32193F35}"/>
+                    </a:ext>
+                  </a:extLst>
+                </p:cNvPr>
+                <p:cNvSpPr/>
+                <p:nvPr/>
+              </p:nvSpPr>
+              <p:spPr>
+                <a:xfrm>
+                  <a:off x="4367702" y="4821908"/>
+                  <a:ext cx="180000" cy="1016478"/>
+                </a:xfrm>
+                <a:prstGeom prst="rect">
+                  <a:avLst/>
+                </a:prstGeom>
+                <a:solidFill>
+                  <a:srgbClr val="FF7F2B"/>
+                </a:solidFill>
+                <a:ln w="25400">
+                  <a:solidFill>
+                    <a:srgbClr val="FF7F2B"/>
+                  </a:solidFill>
+                </a:ln>
+              </p:spPr>
+              <p:style>
+                <a:lnRef idx="2">
+                  <a:schemeClr val="accent1">
+                    <a:shade val="50000"/>
+                  </a:schemeClr>
+                </a:lnRef>
+                <a:fillRef idx="1">
+                  <a:schemeClr val="accent1"/>
+                </a:fillRef>
+                <a:effectRef idx="0">
+                  <a:schemeClr val="accent1"/>
+                </a:effectRef>
+                <a:fontRef idx="minor">
+                  <a:schemeClr val="lt1"/>
+                </a:fontRef>
+              </p:style>
+              <p:txBody>
+                <a:bodyPr rtlCol="0" anchor="ctr"/>
+                <a:lstStyle/>
+                <a:p>
+                  <a:pPr algn="ctr"/>
+                  <a:endParaRPr lang="en-GB"/>
+                </a:p>
+              </p:txBody>
+            </p:sp>
+            <p:pic>
+              <p:nvPicPr>
+                <p:cNvPr id="100" name="Grafik 99">
+                  <a:extLst>
+                    <a:ext uri="{FF2B5EF4-FFF2-40B4-BE49-F238E27FC236}">
+                      <a16:creationId xmlns:a16="http://schemas.microsoft.com/office/drawing/2014/main" id="{A8B54BBD-5D33-4A82-B63F-0DC5CCDB3A12}"/>
+                    </a:ext>
+                  </a:extLst>
+                </p:cNvPr>
+                <p:cNvPicPr>
+                  <a:picLocks noChangeAspect="1"/>
+                </p:cNvPicPr>
+                <p:nvPr>
+                  <p:custDataLst>
+                    <p:tags r:id="rId24"/>
+                  </p:custDataLst>
+                </p:nvPr>
+              </p:nvPicPr>
+              <p:blipFill>
+                <a:blip r:embed="rId34">
+                  <a:extLst>
+                    <a:ext uri="{28A0092B-C50C-407E-A947-70E740481C1C}">
+                      <a14:useLocalDpi xmlns:a14="http://schemas.microsoft.com/office/drawing/2010/main" val="0"/>
+                    </a:ext>
+                  </a:extLst>
+                </a:blip>
+                <a:stretch>
+                  <a:fillRect/>
+                </a:stretch>
+              </p:blipFill>
+              <p:spPr>
+                <a:xfrm rot="16200000">
+                  <a:off x="3844402" y="5334686"/>
+                  <a:ext cx="916586" cy="90814"/>
+                </a:xfrm>
+                <a:prstGeom prst="rect">
+                  <a:avLst/>
+                </a:prstGeom>
+              </p:spPr>
+            </p:pic>
+          </p:grpSp>
+          <p:grpSp>
+            <p:nvGrpSpPr>
+              <p:cNvPr id="210" name="Gruppieren 209">
+                <a:extLst>
+                  <a:ext uri="{FF2B5EF4-FFF2-40B4-BE49-F238E27FC236}">
+                    <a16:creationId xmlns:a16="http://schemas.microsoft.com/office/drawing/2014/main" id="{11ECD96A-8028-4C7E-BA4C-24441D313809}"/>
+                  </a:ext>
+                </a:extLst>
+              </p:cNvPr>
+              <p:cNvGrpSpPr/>
+              <p:nvPr/>
+            </p:nvGrpSpPr>
+            <p:grpSpPr>
+              <a:xfrm>
+                <a:off x="5630523" y="4600092"/>
+                <a:ext cx="290414" cy="1016478"/>
+                <a:chOff x="5630523" y="4600092"/>
+                <a:chExt cx="290414" cy="1016478"/>
+              </a:xfrm>
+            </p:grpSpPr>
+            <p:sp>
+              <p:nvSpPr>
+                <p:cNvPr id="101" name="Rechteck 100">
+                  <a:extLst>
+                    <a:ext uri="{FF2B5EF4-FFF2-40B4-BE49-F238E27FC236}">
+                      <a16:creationId xmlns:a16="http://schemas.microsoft.com/office/drawing/2014/main" id="{8C7EE385-C1B1-4C71-837E-02E612782C03}"/>
+                    </a:ext>
+                  </a:extLst>
+                </p:cNvPr>
+                <p:cNvSpPr/>
+                <p:nvPr/>
+              </p:nvSpPr>
+              <p:spPr>
+                <a:xfrm>
+                  <a:off x="5740937" y="4600092"/>
+                  <a:ext cx="180000" cy="1016478"/>
+                </a:xfrm>
+                <a:prstGeom prst="rect">
+                  <a:avLst/>
+                </a:prstGeom>
+                <a:solidFill>
+                  <a:srgbClr val="FF7F2B"/>
+                </a:solidFill>
+                <a:ln w="25400">
+                  <a:solidFill>
+                    <a:srgbClr val="FF7F2B"/>
+                  </a:solidFill>
+                </a:ln>
+              </p:spPr>
+              <p:style>
+                <a:lnRef idx="2">
+                  <a:schemeClr val="accent1">
+                    <a:shade val="50000"/>
+                  </a:schemeClr>
+                </a:lnRef>
+                <a:fillRef idx="1">
+                  <a:schemeClr val="accent1"/>
+                </a:fillRef>
+                <a:effectRef idx="0">
+                  <a:schemeClr val="accent1"/>
+                </a:effectRef>
+                <a:fontRef idx="minor">
+                  <a:schemeClr val="lt1"/>
+                </a:fontRef>
+              </p:style>
+              <p:txBody>
+                <a:bodyPr rtlCol="0" anchor="ctr"/>
+                <a:lstStyle/>
+                <a:p>
+                  <a:pPr algn="ctr"/>
+                  <a:endParaRPr lang="en-GB"/>
+                </a:p>
+              </p:txBody>
+            </p:sp>
+            <p:pic>
+              <p:nvPicPr>
+                <p:cNvPr id="102" name="Grafik 101">
+                  <a:extLst>
+                    <a:ext uri="{FF2B5EF4-FFF2-40B4-BE49-F238E27FC236}">
+                      <a16:creationId xmlns:a16="http://schemas.microsoft.com/office/drawing/2014/main" id="{B9DD8C9E-607A-4EB9-A235-66E3F3DF44F3}"/>
+                    </a:ext>
+                  </a:extLst>
+                </p:cNvPr>
+                <p:cNvPicPr>
+                  <a:picLocks noChangeAspect="1"/>
+                </p:cNvPicPr>
+                <p:nvPr>
+                  <p:custDataLst>
+                    <p:tags r:id="rId23"/>
+                  </p:custDataLst>
+                </p:nvPr>
+              </p:nvPicPr>
+              <p:blipFill>
+                <a:blip r:embed="rId34">
+                  <a:extLst>
+                    <a:ext uri="{28A0092B-C50C-407E-A947-70E740481C1C}">
+                      <a14:useLocalDpi xmlns:a14="http://schemas.microsoft.com/office/drawing/2010/main" val="0"/>
+                    </a:ext>
+                  </a:extLst>
+                </a:blip>
+                <a:stretch>
+                  <a:fillRect/>
+                </a:stretch>
+              </p:blipFill>
+              <p:spPr>
+                <a:xfrm rot="16200000">
+                  <a:off x="5217637" y="5112870"/>
+                  <a:ext cx="916586" cy="90814"/>
+                </a:xfrm>
+                <a:prstGeom prst="rect">
+                  <a:avLst/>
+                </a:prstGeom>
+              </p:spPr>
+            </p:pic>
+          </p:grpSp>
+          <p:grpSp>
+            <p:nvGrpSpPr>
+              <p:cNvPr id="139" name="Gruppieren 138">
+                <a:extLst>
+                  <a:ext uri="{FF2B5EF4-FFF2-40B4-BE49-F238E27FC236}">
+                    <a16:creationId xmlns:a16="http://schemas.microsoft.com/office/drawing/2014/main" id="{BA88A470-224A-4723-99D3-0CBF8C528078}"/>
+                  </a:ext>
+                </a:extLst>
+              </p:cNvPr>
+              <p:cNvGrpSpPr/>
+              <p:nvPr/>
+            </p:nvGrpSpPr>
+            <p:grpSpPr>
+              <a:xfrm>
+                <a:off x="6707824" y="1980388"/>
+                <a:ext cx="291063" cy="1026631"/>
+                <a:chOff x="6713263" y="1970235"/>
+                <a:chExt cx="291063" cy="1026631"/>
+              </a:xfrm>
+            </p:grpSpPr>
+            <p:sp>
+              <p:nvSpPr>
+                <p:cNvPr id="14" name="Rechteck 13">
+                  <a:extLst>
+                    <a:ext uri="{FF2B5EF4-FFF2-40B4-BE49-F238E27FC236}">
+                      <a16:creationId xmlns:a16="http://schemas.microsoft.com/office/drawing/2014/main" id="{9917C513-FED2-4A9D-AC8E-DE07345BCDAA}"/>
+                    </a:ext>
+                  </a:extLst>
+                </p:cNvPr>
+                <p:cNvSpPr/>
+                <p:nvPr/>
+              </p:nvSpPr>
+              <p:spPr>
+                <a:xfrm>
+                  <a:off x="6914326" y="1970235"/>
+                  <a:ext cx="90000" cy="1016478"/>
+                </a:xfrm>
+                <a:prstGeom prst="rect">
+                  <a:avLst/>
+                </a:prstGeom>
+                <a:solidFill>
+                  <a:srgbClr val="FF7F2B"/>
+                </a:solidFill>
+                <a:ln w="25400">
+                  <a:solidFill>
+                    <a:srgbClr val="FF7F2B"/>
+                  </a:solidFill>
+                </a:ln>
+              </p:spPr>
+              <p:style>
+                <a:lnRef idx="2">
+                  <a:schemeClr val="accent1">
+                    <a:shade val="50000"/>
+                  </a:schemeClr>
+                </a:lnRef>
+                <a:fillRef idx="1">
+                  <a:schemeClr val="accent1"/>
+                </a:fillRef>
+                <a:effectRef idx="0">
+                  <a:schemeClr val="accent1"/>
+                </a:effectRef>
+                <a:fontRef idx="minor">
+                  <a:schemeClr val="lt1"/>
+                </a:fontRef>
+              </p:style>
+              <p:txBody>
+                <a:bodyPr rtlCol="0" anchor="ctr"/>
+                <a:lstStyle/>
+                <a:p>
+                  <a:pPr algn="ctr"/>
+                  <a:endParaRPr lang="en-GB"/>
+                </a:p>
+              </p:txBody>
+            </p:sp>
+            <p:sp>
+              <p:nvSpPr>
+                <p:cNvPr id="15" name="Rechteck 14">
+                  <a:extLst>
+                    <a:ext uri="{FF2B5EF4-FFF2-40B4-BE49-F238E27FC236}">
+                      <a16:creationId xmlns:a16="http://schemas.microsoft.com/office/drawing/2014/main" id="{2D41D9B5-5AC8-48B2-A1B3-2D423ACBA3CA}"/>
+                    </a:ext>
+                  </a:extLst>
+                </p:cNvPr>
+                <p:cNvSpPr/>
+                <p:nvPr/>
+              </p:nvSpPr>
+              <p:spPr>
+                <a:xfrm>
+                  <a:off x="6824326" y="1970235"/>
+                  <a:ext cx="90000" cy="1016478"/>
+                </a:xfrm>
+                <a:prstGeom prst="rect">
+                  <a:avLst/>
+                </a:prstGeom>
+                <a:solidFill>
+                  <a:schemeClr val="bg1"/>
+                </a:solidFill>
+                <a:ln w="25400">
+                  <a:solidFill>
+                    <a:srgbClr val="FF7F2B"/>
+                  </a:solidFill>
+                </a:ln>
+              </p:spPr>
+              <p:style>
+                <a:lnRef idx="2">
+                  <a:schemeClr val="accent1">
+                    <a:shade val="50000"/>
+                  </a:schemeClr>
+                </a:lnRef>
+                <a:fillRef idx="1">
+                  <a:schemeClr val="accent1"/>
+                </a:fillRef>
+                <a:effectRef idx="0">
+                  <a:schemeClr val="accent1"/>
+                </a:effectRef>
+                <a:fontRef idx="minor">
+                  <a:schemeClr val="lt1"/>
+                </a:fontRef>
+              </p:style>
+              <p:txBody>
+                <a:bodyPr rtlCol="0" anchor="ctr"/>
+                <a:lstStyle/>
+                <a:p>
+                  <a:pPr algn="ctr"/>
+                  <a:endParaRPr lang="en-GB"/>
+                </a:p>
+              </p:txBody>
+            </p:sp>
+            <p:pic>
+              <p:nvPicPr>
+                <p:cNvPr id="126" name="Grafik 125">
+                  <a:extLst>
+                    <a:ext uri="{FF2B5EF4-FFF2-40B4-BE49-F238E27FC236}">
+                      <a16:creationId xmlns:a16="http://schemas.microsoft.com/office/drawing/2014/main" id="{13DA4467-EC3D-417A-91B6-4CBE06725825}"/>
+                    </a:ext>
+                  </a:extLst>
+                </p:cNvPr>
+                <p:cNvPicPr>
+                  <a:picLocks noChangeAspect="1"/>
+                </p:cNvPicPr>
+                <p:nvPr>
+                  <p:custDataLst>
+                    <p:tags r:id="rId22"/>
+                  </p:custDataLst>
+                </p:nvPr>
+              </p:nvPicPr>
+              <p:blipFill>
+                <a:blip r:embed="rId35">
+                  <a:extLst>
+                    <a:ext uri="{28A0092B-C50C-407E-A947-70E740481C1C}">
+                      <a14:useLocalDpi xmlns:a14="http://schemas.microsoft.com/office/drawing/2010/main" val="0"/>
+                    </a:ext>
+                  </a:extLst>
+                </a:blip>
+                <a:stretch>
+                  <a:fillRect/>
+                </a:stretch>
+              </p:blipFill>
+              <p:spPr>
+                <a:xfrm rot="16200000">
+                  <a:off x="6376122" y="2593662"/>
+                  <a:ext cx="740345" cy="66063"/>
+                </a:xfrm>
+                <a:prstGeom prst="rect">
+                  <a:avLst/>
+                </a:prstGeom>
+              </p:spPr>
+            </p:pic>
+          </p:grpSp>
+          <p:grpSp>
+            <p:nvGrpSpPr>
+              <p:cNvPr id="138" name="Gruppieren 137">
+                <a:extLst>
+                  <a:ext uri="{FF2B5EF4-FFF2-40B4-BE49-F238E27FC236}">
+                    <a16:creationId xmlns:a16="http://schemas.microsoft.com/office/drawing/2014/main" id="{9FC9F8CC-761E-47EA-8103-E63F2565AE0F}"/>
+                  </a:ext>
+                </a:extLst>
+              </p:cNvPr>
+              <p:cNvGrpSpPr/>
+              <p:nvPr/>
+            </p:nvGrpSpPr>
+            <p:grpSpPr>
+              <a:xfrm>
+                <a:off x="7345512" y="1990541"/>
+                <a:ext cx="199757" cy="1016478"/>
+                <a:chOff x="7373693" y="2019110"/>
+                <a:chExt cx="199757" cy="1016478"/>
+              </a:xfrm>
+            </p:grpSpPr>
+            <p:sp>
+              <p:nvSpPr>
+                <p:cNvPr id="129" name="Rechteck 128">
+                  <a:extLst>
+                    <a:ext uri="{FF2B5EF4-FFF2-40B4-BE49-F238E27FC236}">
+                      <a16:creationId xmlns:a16="http://schemas.microsoft.com/office/drawing/2014/main" id="{54FD4DCA-1D5D-4002-8249-B6EE8D5B6098}"/>
+                    </a:ext>
+                  </a:extLst>
+                </p:cNvPr>
+                <p:cNvSpPr/>
+                <p:nvPr/>
+              </p:nvSpPr>
+              <p:spPr>
+                <a:xfrm>
+                  <a:off x="7483450" y="2019110"/>
+                  <a:ext cx="90000" cy="1016478"/>
+                </a:xfrm>
+                <a:prstGeom prst="rect">
+                  <a:avLst/>
+                </a:prstGeom>
+                <a:solidFill>
+                  <a:srgbClr val="FF7F2B"/>
+                </a:solidFill>
+                <a:ln w="25400">
+                  <a:solidFill>
+                    <a:srgbClr val="FF7F2B"/>
+                  </a:solidFill>
+                </a:ln>
+              </p:spPr>
+              <p:style>
+                <a:lnRef idx="2">
+                  <a:schemeClr val="accent1">
+                    <a:shade val="50000"/>
+                  </a:schemeClr>
+                </a:lnRef>
+                <a:fillRef idx="1">
+                  <a:schemeClr val="accent1"/>
+                </a:fillRef>
+                <a:effectRef idx="0">
+                  <a:schemeClr val="accent1"/>
+                </a:effectRef>
+                <a:fontRef idx="minor">
+                  <a:schemeClr val="lt1"/>
+                </a:fontRef>
+              </p:style>
+              <p:txBody>
+                <a:bodyPr rtlCol="0" anchor="ctr"/>
+                <a:lstStyle/>
+                <a:p>
+                  <a:pPr algn="ctr"/>
+                  <a:endParaRPr lang="en-GB"/>
+                </a:p>
+              </p:txBody>
+            </p:sp>
+            <p:pic>
+              <p:nvPicPr>
+                <p:cNvPr id="136" name="Grafik 135">
+                  <a:extLst>
+                    <a:ext uri="{FF2B5EF4-FFF2-40B4-BE49-F238E27FC236}">
+                      <a16:creationId xmlns:a16="http://schemas.microsoft.com/office/drawing/2014/main" id="{90B271C4-7033-4AF4-B7C5-54E807D58E6D}"/>
+                    </a:ext>
+                  </a:extLst>
+                </p:cNvPr>
+                <p:cNvPicPr>
+                  <a:picLocks noChangeAspect="1"/>
+                </p:cNvPicPr>
+                <p:nvPr>
+                  <p:custDataLst>
+                    <p:tags r:id="rId21"/>
+                  </p:custDataLst>
+                </p:nvPr>
+              </p:nvPicPr>
+              <p:blipFill>
+                <a:blip r:embed="rId33">
+                  <a:extLst>
+                    <a:ext uri="{28A0092B-C50C-407E-A947-70E740481C1C}">
+                      <a14:useLocalDpi xmlns:a14="http://schemas.microsoft.com/office/drawing/2010/main" val="0"/>
+                    </a:ext>
+                  </a:extLst>
+                </a:blip>
+                <a:stretch>
+                  <a:fillRect/>
+                </a:stretch>
+              </p:blipFill>
+              <p:spPr>
+                <a:xfrm rot="16200000">
+                  <a:off x="7058403" y="2654659"/>
+                  <a:ext cx="696217" cy="65638"/>
+                </a:xfrm>
+                <a:prstGeom prst="rect">
+                  <a:avLst/>
+                </a:prstGeom>
+              </p:spPr>
+            </p:pic>
+          </p:grpSp>
+          <p:grpSp>
+            <p:nvGrpSpPr>
+              <p:cNvPr id="140" name="Gruppieren 139">
+                <a:extLst>
+                  <a:ext uri="{FF2B5EF4-FFF2-40B4-BE49-F238E27FC236}">
+                    <a16:creationId xmlns:a16="http://schemas.microsoft.com/office/drawing/2014/main" id="{CC742845-462C-4E64-96D4-1220C43742E5}"/>
+                  </a:ext>
+                </a:extLst>
+              </p:cNvPr>
+              <p:cNvGrpSpPr/>
+              <p:nvPr/>
+            </p:nvGrpSpPr>
+            <p:grpSpPr>
+              <a:xfrm>
+                <a:off x="7893746" y="1990541"/>
+                <a:ext cx="199757" cy="1016478"/>
+                <a:chOff x="7373693" y="2019110"/>
+                <a:chExt cx="199757" cy="1016478"/>
+              </a:xfrm>
+            </p:grpSpPr>
+            <p:sp>
+              <p:nvSpPr>
+                <p:cNvPr id="141" name="Rechteck 140">
+                  <a:extLst>
+                    <a:ext uri="{FF2B5EF4-FFF2-40B4-BE49-F238E27FC236}">
+                      <a16:creationId xmlns:a16="http://schemas.microsoft.com/office/drawing/2014/main" id="{DA13D10F-7F1A-4F90-904E-53A66B761971}"/>
+                    </a:ext>
+                  </a:extLst>
+                </p:cNvPr>
+                <p:cNvSpPr/>
+                <p:nvPr/>
+              </p:nvSpPr>
+              <p:spPr>
+                <a:xfrm>
+                  <a:off x="7483450" y="2019110"/>
+                  <a:ext cx="90000" cy="1016478"/>
+                </a:xfrm>
+                <a:prstGeom prst="rect">
+                  <a:avLst/>
+                </a:prstGeom>
+                <a:solidFill>
+                  <a:srgbClr val="FF7F2B"/>
+                </a:solidFill>
+                <a:ln w="25400">
+                  <a:solidFill>
+                    <a:srgbClr val="FF7F2B"/>
+                  </a:solidFill>
+                </a:ln>
+              </p:spPr>
+              <p:style>
+                <a:lnRef idx="2">
+                  <a:schemeClr val="accent1">
+                    <a:shade val="50000"/>
+                  </a:schemeClr>
+                </a:lnRef>
+                <a:fillRef idx="1">
+                  <a:schemeClr val="accent1"/>
+                </a:fillRef>
+                <a:effectRef idx="0">
+                  <a:schemeClr val="accent1"/>
+                </a:effectRef>
+                <a:fontRef idx="minor">
+                  <a:schemeClr val="lt1"/>
+                </a:fontRef>
+              </p:style>
+              <p:txBody>
+                <a:bodyPr rtlCol="0" anchor="ctr"/>
+                <a:lstStyle/>
+                <a:p>
+                  <a:pPr algn="ctr"/>
+                  <a:endParaRPr lang="en-GB"/>
+                </a:p>
+              </p:txBody>
+            </p:sp>
+            <p:pic>
+              <p:nvPicPr>
+                <p:cNvPr id="142" name="Grafik 141">
+                  <a:extLst>
+                    <a:ext uri="{FF2B5EF4-FFF2-40B4-BE49-F238E27FC236}">
+                      <a16:creationId xmlns:a16="http://schemas.microsoft.com/office/drawing/2014/main" id="{70D2F47C-AC0A-428B-B073-D7C5595BC711}"/>
+                    </a:ext>
+                  </a:extLst>
+                </p:cNvPr>
+                <p:cNvPicPr>
+                  <a:picLocks noChangeAspect="1"/>
+                </p:cNvPicPr>
+                <p:nvPr>
+                  <p:custDataLst>
+                    <p:tags r:id="rId20"/>
+                  </p:custDataLst>
+                </p:nvPr>
+              </p:nvPicPr>
+              <p:blipFill>
+                <a:blip r:embed="rId33">
+                  <a:extLst>
+                    <a:ext uri="{28A0092B-C50C-407E-A947-70E740481C1C}">
+                      <a14:useLocalDpi xmlns:a14="http://schemas.microsoft.com/office/drawing/2010/main" val="0"/>
+                    </a:ext>
+                  </a:extLst>
+                </a:blip>
+                <a:stretch>
+                  <a:fillRect/>
+                </a:stretch>
+              </p:blipFill>
+              <p:spPr>
+                <a:xfrm rot="16200000">
+                  <a:off x="7058403" y="2654659"/>
+                  <a:ext cx="696217" cy="65638"/>
+                </a:xfrm>
+                <a:prstGeom prst="rect">
+                  <a:avLst/>
+                </a:prstGeom>
+              </p:spPr>
+            </p:pic>
+          </p:grpSp>
+          <p:grpSp>
+            <p:nvGrpSpPr>
+              <p:cNvPr id="145" name="Gruppieren 144">
+                <a:extLst>
+                  <a:ext uri="{FF2B5EF4-FFF2-40B4-BE49-F238E27FC236}">
+                    <a16:creationId xmlns:a16="http://schemas.microsoft.com/office/drawing/2014/main" id="{ECE81A96-2078-4A14-BD00-EC26A04F2604}"/>
+                  </a:ext>
+                </a:extLst>
+              </p:cNvPr>
+              <p:cNvGrpSpPr/>
+              <p:nvPr/>
+            </p:nvGrpSpPr>
+            <p:grpSpPr>
+              <a:xfrm>
+                <a:off x="8944330" y="1990541"/>
+                <a:ext cx="143014" cy="1016478"/>
+                <a:chOff x="8496509" y="3321689"/>
+                <a:chExt cx="143014" cy="1016478"/>
+              </a:xfrm>
+            </p:grpSpPr>
+            <p:sp>
+              <p:nvSpPr>
+                <p:cNvPr id="146" name="Rechteck 145">
+                  <a:extLst>
+                    <a:ext uri="{FF2B5EF4-FFF2-40B4-BE49-F238E27FC236}">
+                      <a16:creationId xmlns:a16="http://schemas.microsoft.com/office/drawing/2014/main" id="{5687FDDD-BF10-4B1A-BFE2-4FAE85FA011A}"/>
+                    </a:ext>
+                  </a:extLst>
+                </p:cNvPr>
+                <p:cNvSpPr/>
+                <p:nvPr/>
+              </p:nvSpPr>
+              <p:spPr>
+                <a:xfrm>
+                  <a:off x="8603523" y="3321689"/>
+                  <a:ext cx="36000" cy="1016478"/>
+                </a:xfrm>
+                <a:prstGeom prst="rect">
+                  <a:avLst/>
+                </a:prstGeom>
+                <a:solidFill>
+                  <a:srgbClr val="FF7F2B"/>
+                </a:solidFill>
+                <a:ln w="25400">
+                  <a:solidFill>
+                    <a:srgbClr val="FF7F2B"/>
+                  </a:solidFill>
+                </a:ln>
+              </p:spPr>
+              <p:style>
+                <a:lnRef idx="2">
+                  <a:schemeClr val="accent1">
+                    <a:shade val="50000"/>
+                  </a:schemeClr>
+                </a:lnRef>
+                <a:fillRef idx="1">
+                  <a:schemeClr val="accent1"/>
+                </a:fillRef>
+                <a:effectRef idx="0">
+                  <a:schemeClr val="accent1"/>
+                </a:effectRef>
+                <a:fontRef idx="minor">
+                  <a:schemeClr val="lt1"/>
+                </a:fontRef>
+              </p:style>
+              <p:txBody>
+                <a:bodyPr rtlCol="0" anchor="ctr"/>
+                <a:lstStyle/>
+                <a:p>
+                  <a:pPr algn="ctr"/>
+                  <a:endParaRPr lang="en-GB"/>
+                </a:p>
+              </p:txBody>
+            </p:sp>
+            <p:pic>
+              <p:nvPicPr>
+                <p:cNvPr id="147" name="Grafik 146">
+                  <a:extLst>
+                    <a:ext uri="{FF2B5EF4-FFF2-40B4-BE49-F238E27FC236}">
+                      <a16:creationId xmlns:a16="http://schemas.microsoft.com/office/drawing/2014/main" id="{602E6A43-3955-4491-A233-5A44777F6CAD}"/>
+                    </a:ext>
+                  </a:extLst>
+                </p:cNvPr>
+                <p:cNvPicPr>
+                  <a:picLocks noChangeAspect="1"/>
+                </p:cNvPicPr>
+                <p:nvPr>
+                  <p:custDataLst>
+                    <p:tags r:id="rId19"/>
+                  </p:custDataLst>
+                </p:nvPr>
+              </p:nvPicPr>
+              <p:blipFill>
+                <a:blip r:embed="rId32">
+                  <a:extLst>
+                    <a:ext uri="{28A0092B-C50C-407E-A947-70E740481C1C}">
+                      <a14:useLocalDpi xmlns:a14="http://schemas.microsoft.com/office/drawing/2010/main" val="0"/>
+                    </a:ext>
+                  </a:extLst>
+                </a:blip>
+                <a:stretch>
+                  <a:fillRect/>
+                </a:stretch>
+              </p:blipFill>
+              <p:spPr>
+                <a:xfrm rot="16200000">
+                  <a:off x="8203786" y="3979772"/>
+                  <a:ext cx="651118" cy="65671"/>
+                </a:xfrm>
+                <a:prstGeom prst="rect">
+                  <a:avLst/>
+                </a:prstGeom>
+              </p:spPr>
+            </p:pic>
+          </p:grpSp>
+          <p:cxnSp>
+            <p:nvCxnSpPr>
+              <p:cNvPr id="193" name="Gerade Verbindung mit Pfeil 192">
+                <a:extLst>
+                  <a:ext uri="{FF2B5EF4-FFF2-40B4-BE49-F238E27FC236}">
+                    <a16:creationId xmlns:a16="http://schemas.microsoft.com/office/drawing/2014/main" id="{F870324B-CBB8-4A55-B8B5-441802117F41}"/>
+                  </a:ext>
+                </a:extLst>
+              </p:cNvPr>
+              <p:cNvCxnSpPr>
+                <a:cxnSpLocks/>
+              </p:cNvCxnSpPr>
+              <p:nvPr/>
+            </p:nvCxnSpPr>
+            <p:spPr>
+              <a:xfrm>
+                <a:off x="3330597" y="3053515"/>
+                <a:ext cx="0" cy="180000"/>
+              </a:xfrm>
+              <a:prstGeom prst="straightConnector1">
+                <a:avLst/>
+              </a:prstGeom>
+              <a:ln w="25400">
+                <a:solidFill>
+                  <a:srgbClr val="FF5B5B"/>
+                </a:solidFill>
+                <a:tailEnd type="triangle"/>
+              </a:ln>
+            </p:spPr>
+            <p:style>
+              <a:lnRef idx="1">
+                <a:schemeClr val="accent1"/>
+              </a:lnRef>
+              <a:fillRef idx="0">
+                <a:schemeClr val="accent1"/>
+              </a:fillRef>
+              <a:effectRef idx="0">
+                <a:schemeClr val="accent1"/>
+              </a:effectRef>
+              <a:fontRef idx="minor">
+                <a:schemeClr val="tx1"/>
+              </a:fontRef>
+            </p:style>
+          </p:cxnSp>
+          <p:cxnSp>
+            <p:nvCxnSpPr>
+              <p:cNvPr id="195" name="Gerade Verbindung mit Pfeil 194">
+                <a:extLst>
+                  <a:ext uri="{FF2B5EF4-FFF2-40B4-BE49-F238E27FC236}">
+                    <a16:creationId xmlns:a16="http://schemas.microsoft.com/office/drawing/2014/main" id="{76174D90-A65F-46E2-8449-626BC97C34A1}"/>
+                  </a:ext>
+                </a:extLst>
+              </p:cNvPr>
+              <p:cNvCxnSpPr>
+                <a:cxnSpLocks/>
+              </p:cNvCxnSpPr>
+              <p:nvPr/>
+            </p:nvCxnSpPr>
+            <p:spPr>
+              <a:xfrm>
+                <a:off x="4549797" y="4364155"/>
+                <a:ext cx="0" cy="180000"/>
+              </a:xfrm>
+              <a:prstGeom prst="straightConnector1">
+                <a:avLst/>
+              </a:prstGeom>
+              <a:ln w="25400">
+                <a:solidFill>
+                  <a:srgbClr val="FF5B5B"/>
+                </a:solidFill>
+                <a:tailEnd type="triangle"/>
+              </a:ln>
+            </p:spPr>
+            <p:style>
+              <a:lnRef idx="1">
+                <a:schemeClr val="accent1"/>
+              </a:lnRef>
+              <a:fillRef idx="0">
+                <a:schemeClr val="accent1"/>
+              </a:fillRef>
+              <a:effectRef idx="0">
+                <a:schemeClr val="accent1"/>
+              </a:effectRef>
+              <a:fontRef idx="minor">
+                <a:schemeClr val="tx1"/>
+              </a:fontRef>
+            </p:style>
+          </p:cxnSp>
+          <p:cxnSp>
+            <p:nvCxnSpPr>
+              <p:cNvPr id="196" name="Gerade Verbindung mit Pfeil 195">
+                <a:extLst>
+                  <a:ext uri="{FF2B5EF4-FFF2-40B4-BE49-F238E27FC236}">
+                    <a16:creationId xmlns:a16="http://schemas.microsoft.com/office/drawing/2014/main" id="{DC400651-64B9-4D8E-AE3F-3B427134BDF0}"/>
+                  </a:ext>
+                </a:extLst>
+              </p:cNvPr>
+              <p:cNvCxnSpPr>
+                <a:cxnSpLocks/>
+              </p:cNvCxnSpPr>
+              <p:nvPr/>
+            </p:nvCxnSpPr>
+            <p:spPr>
+              <a:xfrm flipV="1">
+                <a:off x="5829957" y="4364155"/>
+                <a:ext cx="0" cy="180000"/>
+              </a:xfrm>
+              <a:prstGeom prst="straightConnector1">
+                <a:avLst/>
+              </a:prstGeom>
+              <a:ln w="25400">
+                <a:solidFill>
+                  <a:srgbClr val="25BCFF"/>
+                </a:solidFill>
+                <a:tailEnd type="triangle"/>
+              </a:ln>
+            </p:spPr>
+            <p:style>
+              <a:lnRef idx="1">
+                <a:schemeClr val="accent1"/>
+              </a:lnRef>
+              <a:fillRef idx="0">
+                <a:schemeClr val="accent1"/>
+              </a:fillRef>
+              <a:effectRef idx="0">
+                <a:schemeClr val="accent1"/>
+              </a:effectRef>
+              <a:fontRef idx="minor">
+                <a:schemeClr val="tx1"/>
+              </a:fontRef>
+            </p:style>
+          </p:cxnSp>
+          <p:cxnSp>
+            <p:nvCxnSpPr>
+              <p:cNvPr id="198" name="Gerade Verbindung mit Pfeil 197">
+                <a:extLst>
+                  <a:ext uri="{FF2B5EF4-FFF2-40B4-BE49-F238E27FC236}">
+                    <a16:creationId xmlns:a16="http://schemas.microsoft.com/office/drawing/2014/main" id="{59A8854F-8931-43AC-A5AD-30F2FB245452}"/>
+                  </a:ext>
+                </a:extLst>
+              </p:cNvPr>
+              <p:cNvCxnSpPr>
+                <a:cxnSpLocks/>
+              </p:cNvCxnSpPr>
+              <p:nvPr/>
+            </p:nvCxnSpPr>
+            <p:spPr>
+              <a:xfrm flipV="1">
+                <a:off x="6962460" y="3053515"/>
+                <a:ext cx="0" cy="180000"/>
+              </a:xfrm>
+              <a:prstGeom prst="straightConnector1">
+                <a:avLst/>
+              </a:prstGeom>
+              <a:ln w="25400">
+                <a:solidFill>
+                  <a:srgbClr val="25BCFF"/>
+                </a:solidFill>
+                <a:tailEnd type="triangle"/>
+              </a:ln>
+            </p:spPr>
+            <p:style>
+              <a:lnRef idx="1">
+                <a:schemeClr val="accent1"/>
+              </a:lnRef>
+              <a:fillRef idx="0">
+                <a:schemeClr val="accent1"/>
+              </a:fillRef>
+              <a:effectRef idx="0">
+                <a:schemeClr val="accent1"/>
+              </a:effectRef>
+              <a:fontRef idx="minor">
+                <a:schemeClr val="tx1"/>
+              </a:fontRef>
+            </p:style>
+          </p:cxnSp>
+          <p:cxnSp>
+            <p:nvCxnSpPr>
+              <p:cNvPr id="199" name="Gerade Verbindung mit Pfeil 198">
+                <a:extLst>
+                  <a:ext uri="{FF2B5EF4-FFF2-40B4-BE49-F238E27FC236}">
+                    <a16:creationId xmlns:a16="http://schemas.microsoft.com/office/drawing/2014/main" id="{2433327C-FDBB-4508-A559-1E37F54C6447}"/>
+                  </a:ext>
+                </a:extLst>
+              </p:cNvPr>
+              <p:cNvCxnSpPr>
+                <a:cxnSpLocks/>
+              </p:cNvCxnSpPr>
+              <p:nvPr/>
+            </p:nvCxnSpPr>
+            <p:spPr>
+              <a:xfrm>
+                <a:off x="2363728" y="2488627"/>
+                <a:ext cx="181605" cy="0"/>
+              </a:xfrm>
+              <a:prstGeom prst="straightConnector1">
+                <a:avLst/>
+              </a:prstGeom>
+              <a:ln w="25400">
+                <a:solidFill>
+                  <a:srgbClr val="7030A0"/>
+                </a:solidFill>
+                <a:tailEnd type="triangle"/>
+              </a:ln>
+            </p:spPr>
+            <p:style>
+              <a:lnRef idx="1">
+                <a:schemeClr val="accent1"/>
+              </a:lnRef>
+              <a:fillRef idx="0">
+                <a:schemeClr val="accent1"/>
+              </a:fillRef>
+              <a:effectRef idx="0">
+                <a:schemeClr val="accent1"/>
+              </a:effectRef>
+              <a:fontRef idx="minor">
+                <a:schemeClr val="tx1"/>
+              </a:fontRef>
+            </p:style>
+          </p:cxnSp>
+          <p:cxnSp>
+            <p:nvCxnSpPr>
+              <p:cNvPr id="202" name="Gerade Verbindung mit Pfeil 201">
+                <a:extLst>
+                  <a:ext uri="{FF2B5EF4-FFF2-40B4-BE49-F238E27FC236}">
+                    <a16:creationId xmlns:a16="http://schemas.microsoft.com/office/drawing/2014/main" id="{1561C2BB-F382-478F-AEEC-E183C083E16C}"/>
+                  </a:ext>
+                </a:extLst>
+              </p:cNvPr>
+              <p:cNvCxnSpPr>
+                <a:cxnSpLocks/>
+              </p:cNvCxnSpPr>
+              <p:nvPr/>
+            </p:nvCxnSpPr>
+            <p:spPr>
+              <a:xfrm>
+                <a:off x="2909536" y="2488627"/>
+                <a:ext cx="181605" cy="0"/>
+              </a:xfrm>
+              <a:prstGeom prst="straightConnector1">
+                <a:avLst/>
+              </a:prstGeom>
+              <a:ln w="25400">
+                <a:solidFill>
+                  <a:srgbClr val="7030A0"/>
+                </a:solidFill>
+                <a:tailEnd type="triangle"/>
+              </a:ln>
+            </p:spPr>
+            <p:style>
+              <a:lnRef idx="1">
+                <a:schemeClr val="accent1"/>
+              </a:lnRef>
+              <a:fillRef idx="0">
+                <a:schemeClr val="accent1"/>
+              </a:fillRef>
+              <a:effectRef idx="0">
+                <a:schemeClr val="accent1"/>
+              </a:effectRef>
+              <a:fontRef idx="minor">
+                <a:schemeClr val="tx1"/>
+              </a:fontRef>
+            </p:style>
+          </p:cxnSp>
+          <p:cxnSp>
+            <p:nvCxnSpPr>
+              <p:cNvPr id="22" name="Gerade Verbindung mit Pfeil 21">
+                <a:extLst>
+                  <a:ext uri="{FF2B5EF4-FFF2-40B4-BE49-F238E27FC236}">
+                    <a16:creationId xmlns:a16="http://schemas.microsoft.com/office/drawing/2014/main" id="{C9BA9C02-ED06-484A-8997-AB71548D1C71}"/>
+                  </a:ext>
+                </a:extLst>
+              </p:cNvPr>
+              <p:cNvCxnSpPr>
+                <a:cxnSpLocks/>
+              </p:cNvCxnSpPr>
+              <p:nvPr/>
+            </p:nvCxnSpPr>
+            <p:spPr>
+              <a:xfrm>
+                <a:off x="4852101" y="3795094"/>
+                <a:ext cx="430882" cy="0"/>
+              </a:xfrm>
+              <a:prstGeom prst="straightConnector1">
+                <a:avLst/>
+              </a:prstGeom>
+              <a:ln w="25400">
+                <a:solidFill>
+                  <a:schemeClr val="bg1">
+                    <a:lumMod val="75000"/>
+                  </a:schemeClr>
+                </a:solidFill>
+                <a:tailEnd type="triangle"/>
+              </a:ln>
+            </p:spPr>
+            <p:style>
+              <a:lnRef idx="1">
+                <a:schemeClr val="accent1"/>
+              </a:lnRef>
+              <a:fillRef idx="0">
+                <a:schemeClr val="accent1"/>
+              </a:fillRef>
+              <a:effectRef idx="0">
+                <a:schemeClr val="accent1"/>
+              </a:effectRef>
+              <a:fontRef idx="minor">
+                <a:schemeClr val="tx1"/>
+              </a:fontRef>
+            </p:style>
+          </p:cxnSp>
+          <p:grpSp>
+            <p:nvGrpSpPr>
+              <p:cNvPr id="104" name="Gruppieren 103">
+                <a:extLst>
+                  <a:ext uri="{FF2B5EF4-FFF2-40B4-BE49-F238E27FC236}">
+                    <a16:creationId xmlns:a16="http://schemas.microsoft.com/office/drawing/2014/main" id="{5539851A-4645-4AF1-96DB-982897A76A38}"/>
+                  </a:ext>
+                </a:extLst>
+              </p:cNvPr>
+              <p:cNvGrpSpPr/>
+              <p:nvPr/>
+            </p:nvGrpSpPr>
+            <p:grpSpPr>
+              <a:xfrm>
+                <a:off x="5447512" y="3286933"/>
+                <a:ext cx="470414" cy="1016478"/>
+                <a:chOff x="3773168" y="6044211"/>
+                <a:chExt cx="470414" cy="1016478"/>
+              </a:xfrm>
+            </p:grpSpPr>
+            <p:sp>
+              <p:nvSpPr>
+                <p:cNvPr id="13" name="Rechteck 12">
+                  <a:extLst>
+                    <a:ext uri="{FF2B5EF4-FFF2-40B4-BE49-F238E27FC236}">
+                      <a16:creationId xmlns:a16="http://schemas.microsoft.com/office/drawing/2014/main" id="{D373CFD1-19B2-4E18-853F-C6BF04AC82CD}"/>
+                    </a:ext>
+                  </a:extLst>
+                </p:cNvPr>
+                <p:cNvSpPr/>
+                <p:nvPr/>
+              </p:nvSpPr>
+              <p:spPr>
+                <a:xfrm>
+                  <a:off x="4063582" y="6044211"/>
+                  <a:ext cx="180000" cy="1016478"/>
+                </a:xfrm>
+                <a:prstGeom prst="rect">
+                  <a:avLst/>
+                </a:prstGeom>
+                <a:solidFill>
+                  <a:srgbClr val="FF7F2B"/>
+                </a:solidFill>
+                <a:ln w="25400">
+                  <a:solidFill>
+                    <a:srgbClr val="FF7F2B"/>
+                  </a:solidFill>
+                </a:ln>
+              </p:spPr>
+              <p:style>
+                <a:lnRef idx="2">
+                  <a:schemeClr val="accent1">
+                    <a:shade val="50000"/>
+                  </a:schemeClr>
+                </a:lnRef>
+                <a:fillRef idx="1">
+                  <a:schemeClr val="accent1"/>
+                </a:fillRef>
+                <a:effectRef idx="0">
+                  <a:schemeClr val="accent1"/>
+                </a:effectRef>
+                <a:fontRef idx="minor">
+                  <a:schemeClr val="lt1"/>
+                </a:fontRef>
+              </p:style>
+              <p:txBody>
+                <a:bodyPr rtlCol="0" anchor="ctr"/>
+                <a:lstStyle/>
+                <a:p>
+                  <a:pPr algn="ctr"/>
+                  <a:endParaRPr lang="en-GB"/>
+                </a:p>
+              </p:txBody>
+            </p:sp>
+            <p:sp>
+              <p:nvSpPr>
+                <p:cNvPr id="16" name="Rechteck 15">
+                  <a:extLst>
+                    <a:ext uri="{FF2B5EF4-FFF2-40B4-BE49-F238E27FC236}">
+                      <a16:creationId xmlns:a16="http://schemas.microsoft.com/office/drawing/2014/main" id="{B5F28E99-2289-4BE6-9C69-A5FE1E4056EE}"/>
+                    </a:ext>
+                  </a:extLst>
+                </p:cNvPr>
+                <p:cNvSpPr/>
+                <p:nvPr/>
+              </p:nvSpPr>
+              <p:spPr>
+                <a:xfrm>
+                  <a:off x="3883582" y="6044211"/>
+                  <a:ext cx="180000" cy="1016478"/>
+                </a:xfrm>
+                <a:prstGeom prst="rect">
+                  <a:avLst/>
+                </a:prstGeom>
+                <a:solidFill>
+                  <a:schemeClr val="bg1"/>
+                </a:solidFill>
+                <a:ln w="25400">
+                  <a:solidFill>
+                    <a:srgbClr val="FF7F2B"/>
+                  </a:solidFill>
+                </a:ln>
+              </p:spPr>
+              <p:style>
+                <a:lnRef idx="2">
+                  <a:schemeClr val="accent1">
+                    <a:shade val="50000"/>
+                  </a:schemeClr>
+                </a:lnRef>
+                <a:fillRef idx="1">
+                  <a:schemeClr val="accent1"/>
+                </a:fillRef>
+                <a:effectRef idx="0">
+                  <a:schemeClr val="accent1"/>
+                </a:effectRef>
+                <a:fontRef idx="minor">
+                  <a:schemeClr val="lt1"/>
+                </a:fontRef>
+              </p:style>
+              <p:txBody>
+                <a:bodyPr rtlCol="0" anchor="ctr"/>
+                <a:lstStyle/>
+                <a:p>
+                  <a:pPr algn="ctr"/>
+                  <a:endParaRPr lang="en-GB"/>
+                </a:p>
+              </p:txBody>
+            </p:sp>
+            <p:pic>
+              <p:nvPicPr>
+                <p:cNvPr id="88" name="Grafik 87">
+                  <a:extLst>
+                    <a:ext uri="{FF2B5EF4-FFF2-40B4-BE49-F238E27FC236}">
+                      <a16:creationId xmlns:a16="http://schemas.microsoft.com/office/drawing/2014/main" id="{4E604ED7-48C0-4541-B147-9B29FC3867AB}"/>
+                    </a:ext>
+                  </a:extLst>
+                </p:cNvPr>
+                <p:cNvPicPr>
+                  <a:picLocks noChangeAspect="1"/>
+                </p:cNvPicPr>
+                <p:nvPr>
+                  <p:custDataLst>
+                    <p:tags r:id="rId18"/>
+                  </p:custDataLst>
+                </p:nvPr>
+              </p:nvPicPr>
+              <p:blipFill>
+                <a:blip r:embed="rId36">
+                  <a:extLst>
+                    <a:ext uri="{28A0092B-C50C-407E-A947-70E740481C1C}">
+                      <a14:useLocalDpi xmlns:a14="http://schemas.microsoft.com/office/drawing/2010/main" val="0"/>
+                    </a:ext>
+                  </a:extLst>
+                </a:blip>
+                <a:stretch>
+                  <a:fillRect/>
+                </a:stretch>
+              </p:blipFill>
+              <p:spPr>
+                <a:xfrm rot="16200000">
+                  <a:off x="3361356" y="6557209"/>
+                  <a:ext cx="915292" cy="91668"/>
+                </a:xfrm>
+                <a:prstGeom prst="rect">
+                  <a:avLst/>
+                </a:prstGeom>
+              </p:spPr>
+            </p:pic>
+          </p:grpSp>
+          <p:grpSp>
+            <p:nvGrpSpPr>
+              <p:cNvPr id="92" name="Gruppieren 91">
+                <a:extLst>
+                  <a:ext uri="{FF2B5EF4-FFF2-40B4-BE49-F238E27FC236}">
+                    <a16:creationId xmlns:a16="http://schemas.microsoft.com/office/drawing/2014/main" id="{FBC98B27-8F85-44F9-9A87-0478366A3145}"/>
+                  </a:ext>
+                </a:extLst>
+              </p:cNvPr>
+              <p:cNvGrpSpPr/>
+              <p:nvPr/>
+            </p:nvGrpSpPr>
+            <p:grpSpPr>
+              <a:xfrm>
+                <a:off x="3080981" y="3286933"/>
+                <a:ext cx="292046" cy="1016478"/>
+                <a:chOff x="2800064" y="3201060"/>
+                <a:chExt cx="292046" cy="1016478"/>
+              </a:xfrm>
+            </p:grpSpPr>
+            <p:sp>
+              <p:nvSpPr>
+                <p:cNvPr id="11" name="Rechteck 10">
+                  <a:extLst>
+                    <a:ext uri="{FF2B5EF4-FFF2-40B4-BE49-F238E27FC236}">
+                      <a16:creationId xmlns:a16="http://schemas.microsoft.com/office/drawing/2014/main" id="{34298CF9-DC3B-42B2-9A55-47218FF4F13D}"/>
+                    </a:ext>
+                  </a:extLst>
+                </p:cNvPr>
+                <p:cNvSpPr/>
+                <p:nvPr/>
+              </p:nvSpPr>
+              <p:spPr>
+                <a:xfrm>
+                  <a:off x="2912110" y="3201060"/>
+                  <a:ext cx="180000" cy="1016478"/>
+                </a:xfrm>
+                <a:prstGeom prst="rect">
+                  <a:avLst/>
+                </a:prstGeom>
+                <a:solidFill>
+                  <a:srgbClr val="FF7F2B"/>
+                </a:solidFill>
+                <a:ln w="25400">
+                  <a:solidFill>
+                    <a:srgbClr val="FF7F2B"/>
+                  </a:solidFill>
+                </a:ln>
+              </p:spPr>
+              <p:style>
+                <a:lnRef idx="2">
+                  <a:schemeClr val="accent1">
+                    <a:shade val="50000"/>
+                  </a:schemeClr>
+                </a:lnRef>
+                <a:fillRef idx="1">
+                  <a:schemeClr val="accent1"/>
+                </a:fillRef>
+                <a:effectRef idx="0">
+                  <a:schemeClr val="accent1"/>
+                </a:effectRef>
+                <a:fontRef idx="minor">
+                  <a:schemeClr val="lt1"/>
+                </a:fontRef>
+              </p:style>
+              <p:txBody>
+                <a:bodyPr rtlCol="0" anchor="ctr"/>
+                <a:lstStyle/>
+                <a:p>
+                  <a:pPr algn="ctr"/>
+                  <a:endParaRPr lang="en-GB"/>
+                </a:p>
+              </p:txBody>
+            </p:sp>
+            <p:pic>
+              <p:nvPicPr>
+                <p:cNvPr id="84" name="Grafik 83">
+                  <a:extLst>
+                    <a:ext uri="{FF2B5EF4-FFF2-40B4-BE49-F238E27FC236}">
+                      <a16:creationId xmlns:a16="http://schemas.microsoft.com/office/drawing/2014/main" id="{A27AFC30-C288-4D4C-8CB9-7130221084BD}"/>
+                    </a:ext>
+                  </a:extLst>
+                </p:cNvPr>
+                <p:cNvPicPr>
+                  <a:picLocks noChangeAspect="1"/>
+                </p:cNvPicPr>
+                <p:nvPr>
+                  <p:custDataLst>
+                    <p:tags r:id="rId17"/>
+                  </p:custDataLst>
+                </p:nvPr>
+              </p:nvPicPr>
+              <p:blipFill>
+                <a:blip r:embed="rId37">
+                  <a:extLst>
+                    <a:ext uri="{28A0092B-C50C-407E-A947-70E740481C1C}">
+                      <a14:useLocalDpi xmlns:a14="http://schemas.microsoft.com/office/drawing/2010/main" val="0"/>
+                    </a:ext>
+                  </a:extLst>
+                </a:blip>
+                <a:stretch>
+                  <a:fillRect/>
+                </a:stretch>
+              </p:blipFill>
+              <p:spPr>
+                <a:xfrm rot="16200000">
+                  <a:off x="2388399" y="3713427"/>
+                  <a:ext cx="915776" cy="92445"/>
+                </a:xfrm>
+                <a:prstGeom prst="rect">
+                  <a:avLst/>
+                </a:prstGeom>
+              </p:spPr>
+            </p:pic>
+          </p:grpSp>
+          <p:grpSp>
+            <p:nvGrpSpPr>
+              <p:cNvPr id="93" name="Gruppieren 92">
+                <a:extLst>
+                  <a:ext uri="{FF2B5EF4-FFF2-40B4-BE49-F238E27FC236}">
+                    <a16:creationId xmlns:a16="http://schemas.microsoft.com/office/drawing/2014/main" id="{C33C4B48-7C17-430A-ABE1-121C839B6913}"/>
+                  </a:ext>
+                </a:extLst>
+              </p:cNvPr>
+              <p:cNvGrpSpPr/>
+              <p:nvPr/>
+            </p:nvGrpSpPr>
+            <p:grpSpPr>
+              <a:xfrm>
+                <a:off x="3718614" y="3286933"/>
+                <a:ext cx="292046" cy="1016478"/>
+                <a:chOff x="2800064" y="3201060"/>
+                <a:chExt cx="292046" cy="1016478"/>
+              </a:xfrm>
+            </p:grpSpPr>
+            <p:sp>
+              <p:nvSpPr>
+                <p:cNvPr id="94" name="Rechteck 93">
+                  <a:extLst>
+                    <a:ext uri="{FF2B5EF4-FFF2-40B4-BE49-F238E27FC236}">
+                      <a16:creationId xmlns:a16="http://schemas.microsoft.com/office/drawing/2014/main" id="{FE191AD3-4216-482F-A2BD-6418B8BA2003}"/>
+                    </a:ext>
+                  </a:extLst>
+                </p:cNvPr>
+                <p:cNvSpPr/>
+                <p:nvPr/>
+              </p:nvSpPr>
+              <p:spPr>
+                <a:xfrm>
+                  <a:off x="2912110" y="3201060"/>
+                  <a:ext cx="180000" cy="1016478"/>
+                </a:xfrm>
+                <a:prstGeom prst="rect">
+                  <a:avLst/>
+                </a:prstGeom>
+                <a:solidFill>
+                  <a:srgbClr val="FF7F2B"/>
+                </a:solidFill>
+                <a:ln w="25400">
+                  <a:solidFill>
+                    <a:srgbClr val="FF7F2B"/>
+                  </a:solidFill>
+                </a:ln>
+              </p:spPr>
+              <p:style>
+                <a:lnRef idx="2">
+                  <a:schemeClr val="accent1">
+                    <a:shade val="50000"/>
+                  </a:schemeClr>
+                </a:lnRef>
+                <a:fillRef idx="1">
+                  <a:schemeClr val="accent1"/>
+                </a:fillRef>
+                <a:effectRef idx="0">
+                  <a:schemeClr val="accent1"/>
+                </a:effectRef>
+                <a:fontRef idx="minor">
+                  <a:schemeClr val="lt1"/>
+                </a:fontRef>
+              </p:style>
+              <p:txBody>
+                <a:bodyPr rtlCol="0" anchor="ctr"/>
+                <a:lstStyle/>
+                <a:p>
+                  <a:pPr algn="ctr"/>
+                  <a:endParaRPr lang="en-GB"/>
+                </a:p>
+              </p:txBody>
+            </p:sp>
+            <p:pic>
+              <p:nvPicPr>
+                <p:cNvPr id="95" name="Grafik 94">
+                  <a:extLst>
+                    <a:ext uri="{FF2B5EF4-FFF2-40B4-BE49-F238E27FC236}">
+                      <a16:creationId xmlns:a16="http://schemas.microsoft.com/office/drawing/2014/main" id="{A0E95DF0-FAC9-4586-A522-C2C826B93D56}"/>
+                    </a:ext>
+                  </a:extLst>
+                </p:cNvPr>
+                <p:cNvPicPr>
+                  <a:picLocks noChangeAspect="1"/>
+                </p:cNvPicPr>
+                <p:nvPr>
+                  <p:custDataLst>
+                    <p:tags r:id="rId16"/>
+                  </p:custDataLst>
+                </p:nvPr>
+              </p:nvPicPr>
+              <p:blipFill>
+                <a:blip r:embed="rId37">
+                  <a:extLst>
+                    <a:ext uri="{28A0092B-C50C-407E-A947-70E740481C1C}">
+                      <a14:useLocalDpi xmlns:a14="http://schemas.microsoft.com/office/drawing/2010/main" val="0"/>
+                    </a:ext>
+                  </a:extLst>
+                </a:blip>
+                <a:stretch>
+                  <a:fillRect/>
+                </a:stretch>
+              </p:blipFill>
+              <p:spPr>
+                <a:xfrm rot="16200000">
+                  <a:off x="2388399" y="3713427"/>
+                  <a:ext cx="915776" cy="92445"/>
+                </a:xfrm>
+                <a:prstGeom prst="rect">
+                  <a:avLst/>
+                </a:prstGeom>
+              </p:spPr>
+            </p:pic>
+          </p:grpSp>
+          <p:grpSp>
+            <p:nvGrpSpPr>
+              <p:cNvPr id="96" name="Gruppieren 95">
+                <a:extLst>
+                  <a:ext uri="{FF2B5EF4-FFF2-40B4-BE49-F238E27FC236}">
+                    <a16:creationId xmlns:a16="http://schemas.microsoft.com/office/drawing/2014/main" id="{BD545829-2CC0-4539-8D87-CBFF9724EE31}"/>
+                  </a:ext>
+                </a:extLst>
+              </p:cNvPr>
+              <p:cNvGrpSpPr/>
+              <p:nvPr/>
+            </p:nvGrpSpPr>
+            <p:grpSpPr>
+              <a:xfrm>
+                <a:off x="4354936" y="3286933"/>
+                <a:ext cx="292046" cy="1016478"/>
+                <a:chOff x="2800064" y="3201060"/>
+                <a:chExt cx="292046" cy="1016478"/>
+              </a:xfrm>
+            </p:grpSpPr>
+            <p:sp>
+              <p:nvSpPr>
+                <p:cNvPr id="97" name="Rechteck 96">
+                  <a:extLst>
+                    <a:ext uri="{FF2B5EF4-FFF2-40B4-BE49-F238E27FC236}">
+                      <a16:creationId xmlns:a16="http://schemas.microsoft.com/office/drawing/2014/main" id="{4FE30140-A315-495B-9247-537E9D53CB4F}"/>
+                    </a:ext>
+                  </a:extLst>
+                </p:cNvPr>
+                <p:cNvSpPr/>
+                <p:nvPr/>
+              </p:nvSpPr>
+              <p:spPr>
+                <a:xfrm>
+                  <a:off x="2912110" y="3201060"/>
+                  <a:ext cx="180000" cy="1016478"/>
+                </a:xfrm>
+                <a:prstGeom prst="rect">
+                  <a:avLst/>
+                </a:prstGeom>
+                <a:solidFill>
+                  <a:srgbClr val="FF7F2B"/>
+                </a:solidFill>
+                <a:ln w="25400">
+                  <a:solidFill>
+                    <a:srgbClr val="FF7F2B"/>
+                  </a:solidFill>
+                </a:ln>
+              </p:spPr>
+              <p:style>
+                <a:lnRef idx="2">
+                  <a:schemeClr val="accent1">
+                    <a:shade val="50000"/>
+                  </a:schemeClr>
+                </a:lnRef>
+                <a:fillRef idx="1">
+                  <a:schemeClr val="accent1"/>
+                </a:fillRef>
+                <a:effectRef idx="0">
+                  <a:schemeClr val="accent1"/>
+                </a:effectRef>
+                <a:fontRef idx="minor">
+                  <a:schemeClr val="lt1"/>
+                </a:fontRef>
+              </p:style>
+              <p:txBody>
+                <a:bodyPr rtlCol="0" anchor="ctr"/>
+                <a:lstStyle/>
+                <a:p>
+                  <a:pPr algn="ctr"/>
+                  <a:endParaRPr lang="en-GB"/>
+                </a:p>
+              </p:txBody>
+            </p:sp>
+            <p:pic>
+              <p:nvPicPr>
+                <p:cNvPr id="98" name="Grafik 97">
+                  <a:extLst>
+                    <a:ext uri="{FF2B5EF4-FFF2-40B4-BE49-F238E27FC236}">
+                      <a16:creationId xmlns:a16="http://schemas.microsoft.com/office/drawing/2014/main" id="{B9005A30-AF5B-47EA-AADF-19B942ABFC70}"/>
+                    </a:ext>
+                  </a:extLst>
+                </p:cNvPr>
+                <p:cNvPicPr>
+                  <a:picLocks noChangeAspect="1"/>
+                </p:cNvPicPr>
+                <p:nvPr>
+                  <p:custDataLst>
+                    <p:tags r:id="rId15"/>
+                  </p:custDataLst>
+                </p:nvPr>
+              </p:nvPicPr>
+              <p:blipFill>
+                <a:blip r:embed="rId37">
+                  <a:extLst>
+                    <a:ext uri="{28A0092B-C50C-407E-A947-70E740481C1C}">
+                      <a14:useLocalDpi xmlns:a14="http://schemas.microsoft.com/office/drawing/2010/main" val="0"/>
+                    </a:ext>
+                  </a:extLst>
+                </a:blip>
+                <a:stretch>
+                  <a:fillRect/>
+                </a:stretch>
+              </p:blipFill>
+              <p:spPr>
+                <a:xfrm rot="16200000">
+                  <a:off x="2388399" y="3713427"/>
+                  <a:ext cx="915776" cy="92445"/>
+                </a:xfrm>
+                <a:prstGeom prst="rect">
+                  <a:avLst/>
+                </a:prstGeom>
+              </p:spPr>
+            </p:pic>
+          </p:grpSp>
+          <p:grpSp>
+            <p:nvGrpSpPr>
+              <p:cNvPr id="112" name="Gruppieren 111">
+                <a:extLst>
+                  <a:ext uri="{FF2B5EF4-FFF2-40B4-BE49-F238E27FC236}">
+                    <a16:creationId xmlns:a16="http://schemas.microsoft.com/office/drawing/2014/main" id="{685BDD5A-879D-419E-A2C2-199CC965ABF9}"/>
+                  </a:ext>
+                </a:extLst>
+              </p:cNvPr>
+              <p:cNvGrpSpPr/>
+              <p:nvPr/>
+            </p:nvGrpSpPr>
+            <p:grpSpPr>
+              <a:xfrm>
+                <a:off x="6263918" y="3286933"/>
+                <a:ext cx="196589" cy="1016478"/>
+                <a:chOff x="5471464" y="3440906"/>
+                <a:chExt cx="196589" cy="1016478"/>
+              </a:xfrm>
+            </p:grpSpPr>
+            <p:sp>
+              <p:nvSpPr>
+                <p:cNvPr id="106" name="Rechteck 105">
+                  <a:extLst>
+                    <a:ext uri="{FF2B5EF4-FFF2-40B4-BE49-F238E27FC236}">
+                      <a16:creationId xmlns:a16="http://schemas.microsoft.com/office/drawing/2014/main" id="{5531D159-9F0F-4C4F-857D-F00299DB56D2}"/>
+                    </a:ext>
+                  </a:extLst>
+                </p:cNvPr>
+                <p:cNvSpPr/>
+                <p:nvPr/>
+              </p:nvSpPr>
+              <p:spPr>
+                <a:xfrm>
+                  <a:off x="5578053" y="3440906"/>
+                  <a:ext cx="90000" cy="1016478"/>
+                </a:xfrm>
+                <a:prstGeom prst="rect">
+                  <a:avLst/>
+                </a:prstGeom>
+                <a:solidFill>
+                  <a:srgbClr val="FF7F2B"/>
+                </a:solidFill>
+                <a:ln w="25400">
+                  <a:solidFill>
+                    <a:srgbClr val="FF7F2B"/>
+                  </a:solidFill>
+                </a:ln>
+              </p:spPr>
+              <p:style>
+                <a:lnRef idx="2">
+                  <a:schemeClr val="accent1">
+                    <a:shade val="50000"/>
+                  </a:schemeClr>
+                </a:lnRef>
+                <a:fillRef idx="1">
+                  <a:schemeClr val="accent1"/>
+                </a:fillRef>
+                <a:effectRef idx="0">
+                  <a:schemeClr val="accent1"/>
+                </a:effectRef>
+                <a:fontRef idx="minor">
+                  <a:schemeClr val="lt1"/>
+                </a:fontRef>
+              </p:style>
+              <p:txBody>
+                <a:bodyPr rtlCol="0" anchor="ctr"/>
+                <a:lstStyle/>
+                <a:p>
+                  <a:pPr algn="ctr"/>
+                  <a:endParaRPr lang="en-GB"/>
+                </a:p>
+              </p:txBody>
+            </p:sp>
+            <p:pic>
+              <p:nvPicPr>
+                <p:cNvPr id="110" name="Grafik 109">
+                  <a:extLst>
+                    <a:ext uri="{FF2B5EF4-FFF2-40B4-BE49-F238E27FC236}">
+                      <a16:creationId xmlns:a16="http://schemas.microsoft.com/office/drawing/2014/main" id="{6D85AECC-8203-4194-B049-1329D7E434A7}"/>
+                    </a:ext>
+                  </a:extLst>
+                </p:cNvPr>
+                <p:cNvPicPr>
+                  <a:picLocks noChangeAspect="1"/>
+                </p:cNvPicPr>
+                <p:nvPr>
+                  <p:custDataLst>
+                    <p:tags r:id="rId14"/>
+                  </p:custDataLst>
+                </p:nvPr>
+              </p:nvPicPr>
+              <p:blipFill>
+                <a:blip r:embed="rId38">
+                  <a:extLst>
+                    <a:ext uri="{28A0092B-C50C-407E-A947-70E740481C1C}">
+                      <a14:useLocalDpi xmlns:a14="http://schemas.microsoft.com/office/drawing/2010/main" val="0"/>
+                    </a:ext>
+                  </a:extLst>
+                </a:blip>
+                <a:stretch>
+                  <a:fillRect/>
+                </a:stretch>
+              </p:blipFill>
+              <p:spPr>
+                <a:xfrm rot="16200000">
+                  <a:off x="5081804" y="3970677"/>
+                  <a:ext cx="870558" cy="91237"/>
+                </a:xfrm>
+                <a:prstGeom prst="rect">
+                  <a:avLst/>
+                </a:prstGeom>
+              </p:spPr>
+            </p:pic>
+          </p:grpSp>
+          <p:grpSp>
+            <p:nvGrpSpPr>
+              <p:cNvPr id="113" name="Gruppieren 112">
+                <a:extLst>
+                  <a:ext uri="{FF2B5EF4-FFF2-40B4-BE49-F238E27FC236}">
+                    <a16:creationId xmlns:a16="http://schemas.microsoft.com/office/drawing/2014/main" id="{6819AB43-EC5A-4ECD-9975-1DCFCD9E1644}"/>
+                  </a:ext>
+                </a:extLst>
+              </p:cNvPr>
+              <p:cNvGrpSpPr/>
+              <p:nvPr/>
+            </p:nvGrpSpPr>
+            <p:grpSpPr>
+              <a:xfrm>
+                <a:off x="6807737" y="3286855"/>
+                <a:ext cx="196589" cy="1016478"/>
+                <a:chOff x="5471464" y="3440906"/>
+                <a:chExt cx="196589" cy="1016478"/>
+              </a:xfrm>
+            </p:grpSpPr>
+            <p:sp>
+              <p:nvSpPr>
+                <p:cNvPr id="114" name="Rechteck 113">
+                  <a:extLst>
+                    <a:ext uri="{FF2B5EF4-FFF2-40B4-BE49-F238E27FC236}">
+                      <a16:creationId xmlns:a16="http://schemas.microsoft.com/office/drawing/2014/main" id="{42EEB090-AC88-4902-9D92-C78AE39B15BB}"/>
+                    </a:ext>
+                  </a:extLst>
+                </p:cNvPr>
+                <p:cNvSpPr/>
+                <p:nvPr/>
+              </p:nvSpPr>
+              <p:spPr>
+                <a:xfrm>
+                  <a:off x="5578053" y="3440906"/>
+                  <a:ext cx="90000" cy="1016478"/>
+                </a:xfrm>
+                <a:prstGeom prst="rect">
+                  <a:avLst/>
+                </a:prstGeom>
+                <a:solidFill>
+                  <a:srgbClr val="FF7F2B"/>
+                </a:solidFill>
+                <a:ln w="25400">
+                  <a:solidFill>
+                    <a:srgbClr val="FF7F2B"/>
+                  </a:solidFill>
+                </a:ln>
+              </p:spPr>
+              <p:style>
+                <a:lnRef idx="2">
+                  <a:schemeClr val="accent1">
+                    <a:shade val="50000"/>
+                  </a:schemeClr>
+                </a:lnRef>
+                <a:fillRef idx="1">
+                  <a:schemeClr val="accent1"/>
+                </a:fillRef>
+                <a:effectRef idx="0">
+                  <a:schemeClr val="accent1"/>
+                </a:effectRef>
+                <a:fontRef idx="minor">
+                  <a:schemeClr val="lt1"/>
+                </a:fontRef>
+              </p:style>
+              <p:txBody>
+                <a:bodyPr rtlCol="0" anchor="ctr"/>
+                <a:lstStyle/>
+                <a:p>
+                  <a:pPr algn="ctr"/>
+                  <a:endParaRPr lang="en-GB"/>
+                </a:p>
+              </p:txBody>
+            </p:sp>
+            <p:pic>
+              <p:nvPicPr>
+                <p:cNvPr id="115" name="Grafik 114">
+                  <a:extLst>
+                    <a:ext uri="{FF2B5EF4-FFF2-40B4-BE49-F238E27FC236}">
+                      <a16:creationId xmlns:a16="http://schemas.microsoft.com/office/drawing/2014/main" id="{E3024106-BFB7-45F0-BB9D-C3AD8711527F}"/>
+                    </a:ext>
+                  </a:extLst>
+                </p:cNvPr>
+                <p:cNvPicPr>
+                  <a:picLocks noChangeAspect="1"/>
+                </p:cNvPicPr>
+                <p:nvPr>
+                  <p:custDataLst>
+                    <p:tags r:id="rId13"/>
+                  </p:custDataLst>
+                </p:nvPr>
+              </p:nvPicPr>
+              <p:blipFill>
+                <a:blip r:embed="rId38">
+                  <a:extLst>
+                    <a:ext uri="{28A0092B-C50C-407E-A947-70E740481C1C}">
+                      <a14:useLocalDpi xmlns:a14="http://schemas.microsoft.com/office/drawing/2010/main" val="0"/>
+                    </a:ext>
+                  </a:extLst>
+                </a:blip>
+                <a:stretch>
+                  <a:fillRect/>
+                </a:stretch>
+              </p:blipFill>
+              <p:spPr>
+                <a:xfrm rot="16200000">
+                  <a:off x="5081804" y="3970677"/>
+                  <a:ext cx="870558" cy="91237"/>
+                </a:xfrm>
+                <a:prstGeom prst="rect">
+                  <a:avLst/>
+                </a:prstGeom>
+              </p:spPr>
+            </p:pic>
+          </p:grpSp>
+          <p:cxnSp>
+            <p:nvCxnSpPr>
+              <p:cNvPr id="203" name="Gerade Verbindung mit Pfeil 202">
+                <a:extLst>
+                  <a:ext uri="{FF2B5EF4-FFF2-40B4-BE49-F238E27FC236}">
+                    <a16:creationId xmlns:a16="http://schemas.microsoft.com/office/drawing/2014/main" id="{B57A74DB-D693-46C3-A3C2-9AB7D395AA79}"/>
+                  </a:ext>
+                </a:extLst>
+              </p:cNvPr>
+              <p:cNvCxnSpPr>
+                <a:cxnSpLocks/>
+              </p:cNvCxnSpPr>
+              <p:nvPr/>
+            </p:nvCxnSpPr>
+            <p:spPr>
+              <a:xfrm>
+                <a:off x="3460214" y="3795094"/>
+                <a:ext cx="181605" cy="0"/>
+              </a:xfrm>
+              <a:prstGeom prst="straightConnector1">
+                <a:avLst/>
+              </a:prstGeom>
+              <a:ln w="25400">
+                <a:solidFill>
+                  <a:srgbClr val="7030A0"/>
+                </a:solidFill>
+                <a:tailEnd type="triangle"/>
+              </a:ln>
+            </p:spPr>
+            <p:style>
+              <a:lnRef idx="1">
+                <a:schemeClr val="accent1"/>
+              </a:lnRef>
+              <a:fillRef idx="0">
+                <a:schemeClr val="accent1"/>
+              </a:fillRef>
+              <a:effectRef idx="0">
+                <a:schemeClr val="accent1"/>
+              </a:effectRef>
+              <a:fontRef idx="minor">
+                <a:schemeClr val="tx1"/>
+              </a:fontRef>
+            </p:style>
+          </p:cxnSp>
+          <p:cxnSp>
+            <p:nvCxnSpPr>
+              <p:cNvPr id="205" name="Gerade Verbindung mit Pfeil 204">
+                <a:extLst>
+                  <a:ext uri="{FF2B5EF4-FFF2-40B4-BE49-F238E27FC236}">
+                    <a16:creationId xmlns:a16="http://schemas.microsoft.com/office/drawing/2014/main" id="{91FFDC56-FA89-4E68-B52D-C5D0F59AE0A8}"/>
+                  </a:ext>
+                </a:extLst>
+              </p:cNvPr>
+              <p:cNvCxnSpPr>
+                <a:cxnSpLocks/>
+              </p:cNvCxnSpPr>
+              <p:nvPr/>
+            </p:nvCxnSpPr>
+            <p:spPr>
+              <a:xfrm>
+                <a:off x="4100294" y="3795094"/>
+                <a:ext cx="181605" cy="0"/>
+              </a:xfrm>
+              <a:prstGeom prst="straightConnector1">
+                <a:avLst/>
+              </a:prstGeom>
+              <a:ln w="25400">
+                <a:solidFill>
+                  <a:srgbClr val="7030A0"/>
+                </a:solidFill>
+                <a:tailEnd type="triangle"/>
+              </a:ln>
+            </p:spPr>
+            <p:style>
+              <a:lnRef idx="1">
+                <a:schemeClr val="accent1"/>
+              </a:lnRef>
+              <a:fillRef idx="0">
+                <a:schemeClr val="accent1"/>
+              </a:fillRef>
+              <a:effectRef idx="0">
+                <a:schemeClr val="accent1"/>
+              </a:effectRef>
+              <a:fontRef idx="minor">
+                <a:schemeClr val="tx1"/>
+              </a:fontRef>
+            </p:style>
+          </p:cxnSp>
+          <p:cxnSp>
+            <p:nvCxnSpPr>
+              <p:cNvPr id="206" name="Gerade Verbindung mit Pfeil 205">
+                <a:extLst>
+                  <a:ext uri="{FF2B5EF4-FFF2-40B4-BE49-F238E27FC236}">
+                    <a16:creationId xmlns:a16="http://schemas.microsoft.com/office/drawing/2014/main" id="{1665B630-3CF1-40EA-BEA2-5764779F8854}"/>
+                  </a:ext>
+                </a:extLst>
+              </p:cNvPr>
+              <p:cNvCxnSpPr>
+                <a:cxnSpLocks/>
+              </p:cNvCxnSpPr>
+              <p:nvPr/>
+            </p:nvCxnSpPr>
+            <p:spPr>
+              <a:xfrm>
+                <a:off x="4724732" y="5125452"/>
+                <a:ext cx="181605" cy="0"/>
+              </a:xfrm>
+              <a:prstGeom prst="straightConnector1">
+                <a:avLst/>
+              </a:prstGeom>
+              <a:ln w="25400">
+                <a:solidFill>
+                  <a:srgbClr val="7030A0"/>
+                </a:solidFill>
+                <a:tailEnd type="triangle"/>
+              </a:ln>
+            </p:spPr>
+            <p:style>
+              <a:lnRef idx="1">
+                <a:schemeClr val="accent1"/>
+              </a:lnRef>
+              <a:fillRef idx="0">
+                <a:schemeClr val="accent1"/>
+              </a:fillRef>
+              <a:effectRef idx="0">
+                <a:schemeClr val="accent1"/>
+              </a:effectRef>
+              <a:fontRef idx="minor">
+                <a:schemeClr val="tx1"/>
+              </a:fontRef>
+            </p:style>
+          </p:cxnSp>
+          <p:cxnSp>
+            <p:nvCxnSpPr>
+              <p:cNvPr id="207" name="Gerade Verbindung mit Pfeil 206">
+                <a:extLst>
+                  <a:ext uri="{FF2B5EF4-FFF2-40B4-BE49-F238E27FC236}">
+                    <a16:creationId xmlns:a16="http://schemas.microsoft.com/office/drawing/2014/main" id="{A950871B-5E55-46AB-9839-8214B7BA76B8}"/>
+                  </a:ext>
+                </a:extLst>
+              </p:cNvPr>
+              <p:cNvCxnSpPr>
+                <a:cxnSpLocks/>
+              </p:cNvCxnSpPr>
+              <p:nvPr/>
+            </p:nvCxnSpPr>
+            <p:spPr>
+              <a:xfrm>
+                <a:off x="5376321" y="5125452"/>
+                <a:ext cx="181605" cy="0"/>
+              </a:xfrm>
+              <a:prstGeom prst="straightConnector1">
+                <a:avLst/>
+              </a:prstGeom>
+              <a:ln w="25400">
+                <a:solidFill>
+                  <a:srgbClr val="7030A0"/>
+                </a:solidFill>
+                <a:tailEnd type="triangle"/>
+              </a:ln>
+            </p:spPr>
+            <p:style>
+              <a:lnRef idx="1">
+                <a:schemeClr val="accent1"/>
+              </a:lnRef>
+              <a:fillRef idx="0">
+                <a:schemeClr val="accent1"/>
+              </a:fillRef>
+              <a:effectRef idx="0">
+                <a:schemeClr val="accent1"/>
+              </a:effectRef>
+              <a:fontRef idx="minor">
+                <a:schemeClr val="tx1"/>
+              </a:fontRef>
+            </p:style>
+          </p:cxnSp>
+          <p:cxnSp>
+            <p:nvCxnSpPr>
+              <p:cNvPr id="208" name="Gerade Verbindung mit Pfeil 207">
+                <a:extLst>
+                  <a:ext uri="{FF2B5EF4-FFF2-40B4-BE49-F238E27FC236}">
+                    <a16:creationId xmlns:a16="http://schemas.microsoft.com/office/drawing/2014/main" id="{9F9AC416-6CA9-4103-8A4F-CFE782F66145}"/>
+                  </a:ext>
+                </a:extLst>
+              </p:cNvPr>
+              <p:cNvCxnSpPr>
+                <a:cxnSpLocks/>
+              </p:cNvCxnSpPr>
+              <p:nvPr/>
+            </p:nvCxnSpPr>
+            <p:spPr>
+              <a:xfrm>
+                <a:off x="6005197" y="3795094"/>
+                <a:ext cx="181605" cy="0"/>
+              </a:xfrm>
+              <a:prstGeom prst="straightConnector1">
+                <a:avLst/>
+              </a:prstGeom>
+              <a:ln w="25400">
+                <a:solidFill>
+                  <a:srgbClr val="7030A0"/>
+                </a:solidFill>
+                <a:tailEnd type="triangle"/>
+              </a:ln>
+            </p:spPr>
+            <p:style>
+              <a:lnRef idx="1">
+                <a:schemeClr val="accent1"/>
+              </a:lnRef>
+              <a:fillRef idx="0">
+                <a:schemeClr val="accent1"/>
+              </a:fillRef>
+              <a:effectRef idx="0">
+                <a:schemeClr val="accent1"/>
+              </a:effectRef>
+              <a:fontRef idx="minor">
+                <a:schemeClr val="tx1"/>
+              </a:fontRef>
+            </p:style>
+          </p:cxnSp>
+          <p:cxnSp>
+            <p:nvCxnSpPr>
+              <p:cNvPr id="209" name="Gerade Verbindung mit Pfeil 208">
+                <a:extLst>
+                  <a:ext uri="{FF2B5EF4-FFF2-40B4-BE49-F238E27FC236}">
+                    <a16:creationId xmlns:a16="http://schemas.microsoft.com/office/drawing/2014/main" id="{3700BAD1-C45A-45C8-8ECC-B2013A2A9773}"/>
+                  </a:ext>
+                </a:extLst>
+              </p:cNvPr>
+              <p:cNvCxnSpPr>
+                <a:cxnSpLocks/>
+              </p:cNvCxnSpPr>
+              <p:nvPr/>
+            </p:nvCxnSpPr>
+            <p:spPr>
+              <a:xfrm>
+                <a:off x="6553837" y="3795094"/>
+                <a:ext cx="181605" cy="0"/>
+              </a:xfrm>
+              <a:prstGeom prst="straightConnector1">
+                <a:avLst/>
+              </a:prstGeom>
+              <a:ln w="25400">
+                <a:solidFill>
+                  <a:srgbClr val="7030A0"/>
+                </a:solidFill>
+                <a:tailEnd type="triangle"/>
+              </a:ln>
+            </p:spPr>
+            <p:style>
+              <a:lnRef idx="1">
+                <a:schemeClr val="accent1"/>
+              </a:lnRef>
+              <a:fillRef idx="0">
+                <a:schemeClr val="accent1"/>
+              </a:fillRef>
+              <a:effectRef idx="0">
+                <a:schemeClr val="accent1"/>
+              </a:effectRef>
+              <a:fontRef idx="minor">
+                <a:schemeClr val="tx1"/>
+              </a:fontRef>
+            </p:style>
+          </p:cxnSp>
+          <p:cxnSp>
+            <p:nvCxnSpPr>
+              <p:cNvPr id="211" name="Gerade Verbindung mit Pfeil 210">
+                <a:extLst>
+                  <a:ext uri="{FF2B5EF4-FFF2-40B4-BE49-F238E27FC236}">
+                    <a16:creationId xmlns:a16="http://schemas.microsoft.com/office/drawing/2014/main" id="{CD12450D-3437-4D50-982B-3D032BCC11D1}"/>
+                  </a:ext>
+                </a:extLst>
+              </p:cNvPr>
+              <p:cNvCxnSpPr>
+                <a:cxnSpLocks/>
+              </p:cNvCxnSpPr>
+              <p:nvPr/>
+            </p:nvCxnSpPr>
+            <p:spPr>
+              <a:xfrm>
+                <a:off x="7089337" y="2503012"/>
+                <a:ext cx="181605" cy="0"/>
+              </a:xfrm>
+              <a:prstGeom prst="straightConnector1">
+                <a:avLst/>
+              </a:prstGeom>
+              <a:ln w="25400">
+                <a:solidFill>
+                  <a:srgbClr val="7030A0"/>
+                </a:solidFill>
+                <a:tailEnd type="triangle"/>
+              </a:ln>
+            </p:spPr>
+            <p:style>
+              <a:lnRef idx="1">
+                <a:schemeClr val="accent1"/>
+              </a:lnRef>
+              <a:fillRef idx="0">
+                <a:schemeClr val="accent1"/>
+              </a:fillRef>
+              <a:effectRef idx="0">
+                <a:schemeClr val="accent1"/>
+              </a:effectRef>
+              <a:fontRef idx="minor">
+                <a:schemeClr val="tx1"/>
+              </a:fontRef>
+            </p:style>
+          </p:cxnSp>
+          <p:cxnSp>
+            <p:nvCxnSpPr>
+              <p:cNvPr id="212" name="Gerade Verbindung mit Pfeil 211">
+                <a:extLst>
+                  <a:ext uri="{FF2B5EF4-FFF2-40B4-BE49-F238E27FC236}">
+                    <a16:creationId xmlns:a16="http://schemas.microsoft.com/office/drawing/2014/main" id="{CE9834CF-6EF4-48C5-88B9-352A2CD91E1D}"/>
+                  </a:ext>
+                </a:extLst>
+              </p:cNvPr>
+              <p:cNvCxnSpPr>
+                <a:cxnSpLocks/>
+              </p:cNvCxnSpPr>
+              <p:nvPr/>
+            </p:nvCxnSpPr>
+            <p:spPr>
+              <a:xfrm>
+                <a:off x="7637977" y="2498780"/>
+                <a:ext cx="181605" cy="0"/>
+              </a:xfrm>
+              <a:prstGeom prst="straightConnector1">
+                <a:avLst/>
+              </a:prstGeom>
+              <a:ln w="25400">
+                <a:solidFill>
+                  <a:srgbClr val="7030A0"/>
+                </a:solidFill>
+                <a:tailEnd type="triangle"/>
+              </a:ln>
+            </p:spPr>
+            <p:style>
+              <a:lnRef idx="1">
+                <a:schemeClr val="accent1"/>
+              </a:lnRef>
+              <a:fillRef idx="0">
+                <a:schemeClr val="accent1"/>
+              </a:fillRef>
+              <a:effectRef idx="0">
+                <a:schemeClr val="accent1"/>
+              </a:effectRef>
+              <a:fontRef idx="minor">
+                <a:schemeClr val="tx1"/>
+              </a:fontRef>
+            </p:style>
+          </p:cxnSp>
+          <p:cxnSp>
+            <p:nvCxnSpPr>
+              <p:cNvPr id="213" name="Gerade Verbindung mit Pfeil 212">
+                <a:extLst>
+                  <a:ext uri="{FF2B5EF4-FFF2-40B4-BE49-F238E27FC236}">
+                    <a16:creationId xmlns:a16="http://schemas.microsoft.com/office/drawing/2014/main" id="{465A048E-CC78-4D56-8872-19ED092F7560}"/>
+                  </a:ext>
+                </a:extLst>
+              </p:cNvPr>
+              <p:cNvCxnSpPr>
+                <a:cxnSpLocks/>
+              </p:cNvCxnSpPr>
+              <p:nvPr/>
+            </p:nvCxnSpPr>
+            <p:spPr>
+              <a:xfrm>
+                <a:off x="8192713" y="2498780"/>
+                <a:ext cx="181605" cy="0"/>
+              </a:xfrm>
+              <a:prstGeom prst="straightConnector1">
+                <a:avLst/>
+              </a:prstGeom>
+              <a:ln w="25400">
+                <a:solidFill>
+                  <a:srgbClr val="7030A0"/>
+                </a:solidFill>
+                <a:tailEnd type="triangle"/>
+              </a:ln>
+            </p:spPr>
+            <p:style>
+              <a:lnRef idx="1">
+                <a:schemeClr val="accent1"/>
+              </a:lnRef>
+              <a:fillRef idx="0">
+                <a:schemeClr val="accent1"/>
+              </a:fillRef>
+              <a:effectRef idx="0">
+                <a:schemeClr val="accent1"/>
+              </a:effectRef>
+              <a:fontRef idx="minor">
+                <a:schemeClr val="tx1"/>
+              </a:fontRef>
+            </p:style>
+          </p:cxnSp>
+          <p:cxnSp>
+            <p:nvCxnSpPr>
+              <p:cNvPr id="214" name="Gerade Verbindung mit Pfeil 213">
+                <a:extLst>
+                  <a:ext uri="{FF2B5EF4-FFF2-40B4-BE49-F238E27FC236}">
+                    <a16:creationId xmlns:a16="http://schemas.microsoft.com/office/drawing/2014/main" id="{6D606E0B-9974-4D98-BCC3-BCAF0A4EF481}"/>
+                  </a:ext>
+                </a:extLst>
+              </p:cNvPr>
+              <p:cNvCxnSpPr>
+                <a:cxnSpLocks/>
+              </p:cNvCxnSpPr>
+              <p:nvPr/>
+            </p:nvCxnSpPr>
+            <p:spPr>
+              <a:xfrm>
+                <a:off x="8695633" y="2504231"/>
+                <a:ext cx="181605" cy="0"/>
+              </a:xfrm>
+              <a:prstGeom prst="straightConnector1">
+                <a:avLst/>
+              </a:prstGeom>
+              <a:ln w="25400">
+                <a:solidFill>
+                  <a:srgbClr val="7030A0"/>
+                </a:solidFill>
+                <a:tailEnd type="triangle"/>
+              </a:ln>
+            </p:spPr>
+            <p:style>
+              <a:lnRef idx="1">
+                <a:schemeClr val="accent1"/>
+              </a:lnRef>
+              <a:fillRef idx="0">
+                <a:schemeClr val="accent1"/>
+              </a:fillRef>
+              <a:effectRef idx="0">
+                <a:schemeClr val="accent1"/>
+              </a:effectRef>
+              <a:fontRef idx="minor">
+                <a:schemeClr val="tx1"/>
+              </a:fontRef>
+            </p:style>
+          </p:cxnSp>
+        </p:grpSp>
+        <p:grpSp>
+          <p:nvGrpSpPr>
+            <p:cNvPr id="235" name="Gruppieren 234">
+              <a:extLst>
+                <a:ext uri="{FF2B5EF4-FFF2-40B4-BE49-F238E27FC236}">
+                  <a16:creationId xmlns:a16="http://schemas.microsoft.com/office/drawing/2014/main" id="{4141D4E2-5635-4471-9482-131749195BF6}"/>
+                </a:ext>
+              </a:extLst>
+            </p:cNvPr>
+            <p:cNvGrpSpPr/>
+            <p:nvPr/>
+          </p:nvGrpSpPr>
+          <p:grpSpPr>
+            <a:xfrm>
+              <a:off x="8028519" y="1251413"/>
+              <a:ext cx="1961366" cy="1025725"/>
+              <a:chOff x="9278654" y="1990541"/>
+              <a:chExt cx="1961366" cy="1025725"/>
+            </a:xfrm>
+          </p:grpSpPr>
+          <p:pic>
+            <p:nvPicPr>
+              <p:cNvPr id="156" name="Grafik 155">
+                <a:extLst>
+                  <a:ext uri="{FF2B5EF4-FFF2-40B4-BE49-F238E27FC236}">
+                    <a16:creationId xmlns:a16="http://schemas.microsoft.com/office/drawing/2014/main" id="{F0CDDBA1-91E3-4D11-8C52-37EFD0BAEDC4}"/>
+                  </a:ext>
+                </a:extLst>
+              </p:cNvPr>
+              <p:cNvPicPr>
+                <a:picLocks noChangeAspect="1"/>
+              </p:cNvPicPr>
+              <p:nvPr>
+                <p:custDataLst>
+                  <p:tags r:id="rId9"/>
+                </p:custDataLst>
+              </p:nvPr>
+            </p:nvPicPr>
+            <p:blipFill>
+              <a:blip r:embed="rId39">
+                <a:extLst>
+                  <a:ext uri="{28A0092B-C50C-407E-A947-70E740481C1C}">
+                    <a14:useLocalDpi xmlns:a14="http://schemas.microsoft.com/office/drawing/2010/main" val="0"/>
+                  </a:ext>
+                </a:extLst>
+              </a:blip>
+              <a:stretch>
+                <a:fillRect/>
+              </a:stretch>
+            </p:blipFill>
+            <p:spPr>
+              <a:xfrm rot="16200000">
+                <a:off x="9444710" y="2823043"/>
+                <a:ext cx="320607" cy="65840"/>
+              </a:xfrm>
+              <a:prstGeom prst="rect">
+                <a:avLst/>
+              </a:prstGeom>
+            </p:spPr>
+          </p:pic>
+          <p:sp>
+            <p:nvSpPr>
+              <p:cNvPr id="157" name="Rechteck 156">
+                <a:extLst>
+                  <a:ext uri="{FF2B5EF4-FFF2-40B4-BE49-F238E27FC236}">
+                    <a16:creationId xmlns:a16="http://schemas.microsoft.com/office/drawing/2014/main" id="{C3FC449C-F3F4-4A25-A79C-21AB70FF9BB1}"/>
+                  </a:ext>
+                </a:extLst>
+              </p:cNvPr>
+              <p:cNvSpPr/>
+              <p:nvPr/>
+            </p:nvSpPr>
+            <p:spPr>
+              <a:xfrm>
+                <a:off x="9680462" y="1990541"/>
+                <a:ext cx="36000" cy="1016478"/>
+              </a:xfrm>
+              <a:prstGeom prst="rect">
+                <a:avLst/>
+              </a:prstGeom>
+              <a:solidFill>
+                <a:srgbClr val="FF7F2B"/>
+              </a:solidFill>
+              <a:ln w="25400">
+                <a:solidFill>
+                  <a:srgbClr val="FF7F2B"/>
+                </a:solidFill>
+              </a:ln>
+            </p:spPr>
+            <p:style>
+              <a:lnRef idx="2">
+                <a:schemeClr val="accent1">
+                  <a:shade val="50000"/>
+                </a:schemeClr>
+              </a:lnRef>
+              <a:fillRef idx="1">
+                <a:schemeClr val="accent1"/>
+              </a:fillRef>
+              <a:effectRef idx="0">
+                <a:schemeClr val="accent1"/>
+              </a:effectRef>
+              <a:fontRef idx="minor">
+                <a:schemeClr val="lt1"/>
+              </a:fontRef>
+            </p:style>
+            <p:txBody>
+              <a:bodyPr rtlCol="0" anchor="ctr"/>
+              <a:lstStyle/>
+              <a:p>
+                <a:pPr algn="ctr"/>
+                <a:endParaRPr lang="en-GB"/>
+              </a:p>
+            </p:txBody>
+          </p:sp>
+          <p:sp>
+            <p:nvSpPr>
+              <p:cNvPr id="158" name="Rechteck 157">
+                <a:extLst>
+                  <a:ext uri="{FF2B5EF4-FFF2-40B4-BE49-F238E27FC236}">
+                    <a16:creationId xmlns:a16="http://schemas.microsoft.com/office/drawing/2014/main" id="{22674579-0696-416C-B59B-C5971178C9B2}"/>
+                  </a:ext>
+                </a:extLst>
+              </p:cNvPr>
+              <p:cNvSpPr/>
+              <p:nvPr/>
+            </p:nvSpPr>
+            <p:spPr>
+              <a:xfrm rot="5400000">
+                <a:off x="10644198" y="2480780"/>
+                <a:ext cx="144000" cy="36000"/>
+              </a:xfrm>
+              <a:prstGeom prst="rect">
+                <a:avLst/>
+              </a:prstGeom>
+              <a:solidFill>
+                <a:srgbClr val="FF7F2B"/>
+              </a:solidFill>
+              <a:ln w="25400">
+                <a:solidFill>
+                  <a:srgbClr val="FF7F2B"/>
+                </a:solidFill>
+              </a:ln>
+            </p:spPr>
+            <p:style>
+              <a:lnRef idx="2">
+                <a:schemeClr val="accent1">
+                  <a:shade val="50000"/>
+                </a:schemeClr>
+              </a:lnRef>
+              <a:fillRef idx="1">
+                <a:schemeClr val="accent1"/>
+              </a:fillRef>
+              <a:effectRef idx="0">
+                <a:schemeClr val="accent1"/>
+              </a:effectRef>
+              <a:fontRef idx="minor">
+                <a:schemeClr val="lt1"/>
+              </a:fontRef>
+            </p:style>
+            <p:txBody>
+              <a:bodyPr rtlCol="0" anchor="ctr"/>
+              <a:lstStyle/>
+              <a:p>
+                <a:pPr algn="ctr"/>
+                <a:endParaRPr lang="en-GB"/>
+              </a:p>
+            </p:txBody>
+          </p:sp>
+          <p:pic>
+            <p:nvPicPr>
+              <p:cNvPr id="229" name="Grafik 228">
+                <a:extLst>
+                  <a:ext uri="{FF2B5EF4-FFF2-40B4-BE49-F238E27FC236}">
+                    <a16:creationId xmlns:a16="http://schemas.microsoft.com/office/drawing/2014/main" id="{617480A2-2A6A-4669-A8CB-D5F0064BC3CF}"/>
+                  </a:ext>
+                </a:extLst>
+              </p:cNvPr>
+              <p:cNvPicPr>
+                <a:picLocks noChangeAspect="1"/>
+              </p:cNvPicPr>
+              <p:nvPr>
+                <p:custDataLst>
+                  <p:tags r:id="rId10"/>
+                </p:custDataLst>
+              </p:nvPr>
+            </p:nvPicPr>
+            <p:blipFill>
+              <a:blip r:embed="rId40">
+                <a:extLst>
+                  <a:ext uri="{28A0092B-C50C-407E-A947-70E740481C1C}">
+                    <a14:useLocalDpi xmlns:a14="http://schemas.microsoft.com/office/drawing/2010/main" val="0"/>
+                  </a:ext>
+                </a:extLst>
+              </a:blip>
+              <a:stretch>
+                <a:fillRect/>
+              </a:stretch>
+            </p:blipFill>
+            <p:spPr>
+              <a:xfrm rot="16200000">
+                <a:off x="10496754" y="2421446"/>
+                <a:ext cx="255633" cy="66963"/>
+              </a:xfrm>
+              <a:prstGeom prst="rect">
+                <a:avLst/>
+              </a:prstGeom>
+            </p:spPr>
+          </p:pic>
+          <p:pic>
+            <p:nvPicPr>
+              <p:cNvPr id="164" name="Grafik 163">
+                <a:extLst>
+                  <a:ext uri="{FF2B5EF4-FFF2-40B4-BE49-F238E27FC236}">
+                    <a16:creationId xmlns:a16="http://schemas.microsoft.com/office/drawing/2014/main" id="{AA30EAB2-1C58-4B58-9ECC-8FCC7F73AD02}"/>
+                  </a:ext>
+                </a:extLst>
+              </p:cNvPr>
+              <p:cNvPicPr>
+                <a:picLocks noChangeAspect="1"/>
+              </p:cNvPicPr>
+              <p:nvPr>
+                <p:custDataLst>
+                  <p:tags r:id="rId11"/>
+                </p:custDataLst>
+              </p:nvPr>
+            </p:nvPicPr>
+            <p:blipFill>
+              <a:blip r:embed="rId41">
+                <a:extLst>
+                  <a:ext uri="{28A0092B-C50C-407E-A947-70E740481C1C}">
+                    <a14:useLocalDpi xmlns:a14="http://schemas.microsoft.com/office/drawing/2010/main" val="0"/>
+                  </a:ext>
+                </a:extLst>
+              </a:blip>
+              <a:stretch>
+                <a:fillRect/>
+              </a:stretch>
+            </p:blipFill>
+            <p:spPr>
+              <a:xfrm rot="16200000">
+                <a:off x="11023151" y="2397719"/>
+                <a:ext cx="209447" cy="64674"/>
+              </a:xfrm>
+              <a:prstGeom prst="rect">
+                <a:avLst/>
+              </a:prstGeom>
+            </p:spPr>
+          </p:pic>
+          <p:sp>
+            <p:nvSpPr>
+              <p:cNvPr id="166" name="Rechteck 165">
+                <a:extLst>
+                  <a:ext uri="{FF2B5EF4-FFF2-40B4-BE49-F238E27FC236}">
+                    <a16:creationId xmlns:a16="http://schemas.microsoft.com/office/drawing/2014/main" id="{EBDFD6BD-54BF-4E0A-BC24-EF60ACF041E8}"/>
+                  </a:ext>
+                </a:extLst>
+              </p:cNvPr>
+              <p:cNvSpPr/>
+              <p:nvPr/>
+            </p:nvSpPr>
+            <p:spPr>
+              <a:xfrm rot="5400000">
+                <a:off x="11186020" y="2480780"/>
+                <a:ext cx="72000" cy="36000"/>
+              </a:xfrm>
+              <a:prstGeom prst="rect">
+                <a:avLst/>
+              </a:prstGeom>
+              <a:solidFill>
+                <a:srgbClr val="FF7F2B"/>
+              </a:solidFill>
+              <a:ln w="25400">
+                <a:solidFill>
+                  <a:srgbClr val="FF7F2B"/>
+                </a:solidFill>
+              </a:ln>
+            </p:spPr>
+            <p:style>
+              <a:lnRef idx="2">
+                <a:schemeClr val="accent1">
+                  <a:shade val="50000"/>
+                </a:schemeClr>
+              </a:lnRef>
+              <a:fillRef idx="1">
+                <a:schemeClr val="accent1"/>
+              </a:fillRef>
+              <a:effectRef idx="0">
+                <a:schemeClr val="accent1"/>
+              </a:effectRef>
+              <a:fontRef idx="minor">
+                <a:schemeClr val="lt1"/>
+              </a:fontRef>
+            </p:style>
+            <p:txBody>
+              <a:bodyPr rtlCol="0" anchor="ctr"/>
+              <a:lstStyle/>
+              <a:p>
+                <a:pPr algn="ctr"/>
+                <a:endParaRPr lang="en-GB"/>
+              </a:p>
+            </p:txBody>
+          </p:sp>
+          <p:cxnSp>
+            <p:nvCxnSpPr>
+              <p:cNvPr id="215" name="Gerade Verbindung mit Pfeil 214">
+                <a:extLst>
+                  <a:ext uri="{FF2B5EF4-FFF2-40B4-BE49-F238E27FC236}">
+                    <a16:creationId xmlns:a16="http://schemas.microsoft.com/office/drawing/2014/main" id="{86E59C0F-6564-4018-9E1E-764E2CF920B6}"/>
+                  </a:ext>
+                </a:extLst>
+              </p:cNvPr>
+              <p:cNvCxnSpPr>
+                <a:cxnSpLocks/>
+              </p:cNvCxnSpPr>
+              <p:nvPr/>
+            </p:nvCxnSpPr>
+            <p:spPr>
+              <a:xfrm>
+                <a:off x="9822820" y="2507190"/>
+                <a:ext cx="180000" cy="0"/>
+              </a:xfrm>
+              <a:prstGeom prst="straightConnector1">
+                <a:avLst/>
+              </a:prstGeom>
+              <a:ln w="25400">
+                <a:solidFill>
+                  <a:srgbClr val="9FFD5F"/>
+                </a:solidFill>
+                <a:tailEnd type="triangle"/>
+              </a:ln>
+            </p:spPr>
+            <p:style>
+              <a:lnRef idx="1">
+                <a:schemeClr val="accent1"/>
+              </a:lnRef>
+              <a:fillRef idx="0">
+                <a:schemeClr val="accent1"/>
+              </a:fillRef>
+              <a:effectRef idx="0">
+                <a:schemeClr val="accent1"/>
+              </a:effectRef>
+              <a:fontRef idx="minor">
+                <a:schemeClr val="tx1"/>
+              </a:fontRef>
+            </p:style>
+          </p:cxnSp>
+          <p:cxnSp>
+            <p:nvCxnSpPr>
+              <p:cNvPr id="217" name="Gerade Verbindung mit Pfeil 216">
+                <a:extLst>
+                  <a:ext uri="{FF2B5EF4-FFF2-40B4-BE49-F238E27FC236}">
+                    <a16:creationId xmlns:a16="http://schemas.microsoft.com/office/drawing/2014/main" id="{AB74274A-E912-4670-935F-5E20C85352E2}"/>
+                  </a:ext>
+                </a:extLst>
+              </p:cNvPr>
+              <p:cNvCxnSpPr>
+                <a:cxnSpLocks/>
+              </p:cNvCxnSpPr>
+              <p:nvPr/>
+            </p:nvCxnSpPr>
+            <p:spPr>
+              <a:xfrm>
+                <a:off x="9278654" y="2507190"/>
+                <a:ext cx="180000" cy="0"/>
+              </a:xfrm>
+              <a:prstGeom prst="straightConnector1">
+                <a:avLst/>
+              </a:prstGeom>
+              <a:ln w="25400">
+                <a:solidFill>
+                  <a:srgbClr val="9FFD5F"/>
+                </a:solidFill>
+                <a:tailEnd type="triangle"/>
+              </a:ln>
+            </p:spPr>
+            <p:style>
+              <a:lnRef idx="1">
+                <a:schemeClr val="accent1"/>
+              </a:lnRef>
+              <a:fillRef idx="0">
+                <a:schemeClr val="accent1"/>
+              </a:fillRef>
+              <a:effectRef idx="0">
+                <a:schemeClr val="accent1"/>
+              </a:effectRef>
+              <a:fontRef idx="minor">
+                <a:schemeClr val="tx1"/>
+              </a:fontRef>
+            </p:style>
+          </p:cxnSp>
+          <p:cxnSp>
+            <p:nvCxnSpPr>
+              <p:cNvPr id="222" name="Gerade Verbindung mit Pfeil 221">
+                <a:extLst>
+                  <a:ext uri="{FF2B5EF4-FFF2-40B4-BE49-F238E27FC236}">
+                    <a16:creationId xmlns:a16="http://schemas.microsoft.com/office/drawing/2014/main" id="{5DE67084-B0F7-4BDA-B7AA-522E28FB582D}"/>
+                  </a:ext>
+                </a:extLst>
+              </p:cNvPr>
+              <p:cNvCxnSpPr>
+                <a:cxnSpLocks/>
+              </p:cNvCxnSpPr>
+              <p:nvPr/>
+            </p:nvCxnSpPr>
+            <p:spPr>
+              <a:xfrm>
+                <a:off x="10348329" y="2488836"/>
+                <a:ext cx="180000" cy="0"/>
+              </a:xfrm>
+              <a:prstGeom prst="straightConnector1">
+                <a:avLst/>
+              </a:prstGeom>
+              <a:ln w="25400">
+                <a:solidFill>
+                  <a:srgbClr val="FFDB01"/>
+                </a:solidFill>
+                <a:tailEnd type="triangle"/>
+              </a:ln>
+            </p:spPr>
+            <p:style>
+              <a:lnRef idx="1">
+                <a:schemeClr val="accent1"/>
+              </a:lnRef>
+              <a:fillRef idx="0">
+                <a:schemeClr val="accent1"/>
+              </a:fillRef>
+              <a:effectRef idx="0">
+                <a:schemeClr val="accent1"/>
+              </a:effectRef>
+              <a:fontRef idx="minor">
+                <a:schemeClr val="tx1"/>
+              </a:fontRef>
+            </p:style>
+          </p:cxnSp>
+          <p:grpSp>
+            <p:nvGrpSpPr>
+              <p:cNvPr id="230" name="Gruppieren 229">
+                <a:extLst>
+                  <a:ext uri="{FF2B5EF4-FFF2-40B4-BE49-F238E27FC236}">
+                    <a16:creationId xmlns:a16="http://schemas.microsoft.com/office/drawing/2014/main" id="{35009843-5A74-45E7-95D5-0613FEB2D87E}"/>
+                  </a:ext>
+                </a:extLst>
+              </p:cNvPr>
+              <p:cNvGrpSpPr/>
+              <p:nvPr/>
+            </p:nvGrpSpPr>
+            <p:grpSpPr>
+              <a:xfrm>
+                <a:off x="10087788" y="2236627"/>
+                <a:ext cx="146542" cy="504000"/>
+                <a:chOff x="10062814" y="2503018"/>
+                <a:chExt cx="146542" cy="504000"/>
+              </a:xfrm>
+            </p:grpSpPr>
+            <p:sp>
+              <p:nvSpPr>
+                <p:cNvPr id="224" name="Rechteck 223">
+                  <a:extLst>
+                    <a:ext uri="{FF2B5EF4-FFF2-40B4-BE49-F238E27FC236}">
+                      <a16:creationId xmlns:a16="http://schemas.microsoft.com/office/drawing/2014/main" id="{A79D73F8-90E0-4B90-9B17-4BFF9681F24A}"/>
+                    </a:ext>
+                  </a:extLst>
+                </p:cNvPr>
+                <p:cNvSpPr/>
+                <p:nvPr/>
+              </p:nvSpPr>
+              <p:spPr>
+                <a:xfrm>
+                  <a:off x="10173356" y="2503018"/>
+                  <a:ext cx="36000" cy="504000"/>
+                </a:xfrm>
+                <a:prstGeom prst="rect">
+                  <a:avLst/>
+                </a:prstGeom>
+                <a:solidFill>
+                  <a:srgbClr val="FF7F2B"/>
+                </a:solidFill>
+                <a:ln w="25400">
+                  <a:solidFill>
+                    <a:srgbClr val="FF7F2B"/>
+                  </a:solidFill>
+                </a:ln>
+              </p:spPr>
+              <p:style>
+                <a:lnRef idx="2">
+                  <a:schemeClr val="accent1">
+                    <a:shade val="50000"/>
+                  </a:schemeClr>
+                </a:lnRef>
+                <a:fillRef idx="1">
+                  <a:schemeClr val="accent1"/>
+                </a:fillRef>
+                <a:effectRef idx="0">
+                  <a:schemeClr val="accent1"/>
+                </a:effectRef>
+                <a:fontRef idx="minor">
+                  <a:schemeClr val="lt1"/>
+                </a:fontRef>
+              </p:style>
+              <p:txBody>
+                <a:bodyPr rtlCol="0" anchor="ctr"/>
+                <a:lstStyle/>
+                <a:p>
+                  <a:pPr algn="ctr"/>
+                  <a:endParaRPr lang="en-GB"/>
+                </a:p>
+              </p:txBody>
+            </p:sp>
+            <p:pic>
+              <p:nvPicPr>
+                <p:cNvPr id="227" name="Grafik 226">
+                  <a:extLst>
+                    <a:ext uri="{FF2B5EF4-FFF2-40B4-BE49-F238E27FC236}">
+                      <a16:creationId xmlns:a16="http://schemas.microsoft.com/office/drawing/2014/main" id="{8AC24711-42FC-4375-A984-EE6AABAB86D6}"/>
+                    </a:ext>
+                  </a:extLst>
+                </p:cNvPr>
+                <p:cNvPicPr>
+                  <a:picLocks noChangeAspect="1"/>
+                </p:cNvPicPr>
+                <p:nvPr>
+                  <p:custDataLst>
+                    <p:tags r:id="rId12"/>
+                  </p:custDataLst>
+                </p:nvPr>
+              </p:nvPicPr>
+              <p:blipFill>
+                <a:blip r:embed="rId42">
+                  <a:extLst>
+                    <a:ext uri="{28A0092B-C50C-407E-A947-70E740481C1C}">
+                      <a14:useLocalDpi xmlns:a14="http://schemas.microsoft.com/office/drawing/2010/main" val="0"/>
+                    </a:ext>
+                  </a:extLst>
+                </a:blip>
+                <a:stretch>
+                  <a:fillRect/>
+                </a:stretch>
+              </p:blipFill>
+              <p:spPr>
+                <a:xfrm rot="16200000">
+                  <a:off x="9936625" y="2814016"/>
+                  <a:ext cx="318778" cy="66399"/>
+                </a:xfrm>
+                <a:prstGeom prst="rect">
+                  <a:avLst/>
+                </a:prstGeom>
+              </p:spPr>
+            </p:pic>
+          </p:grpSp>
+          <p:cxnSp>
+            <p:nvCxnSpPr>
+              <p:cNvPr id="233" name="Gerade Verbindung mit Pfeil 232">
+                <a:extLst>
+                  <a:ext uri="{FF2B5EF4-FFF2-40B4-BE49-F238E27FC236}">
+                    <a16:creationId xmlns:a16="http://schemas.microsoft.com/office/drawing/2014/main" id="{B9EC0326-D212-49EA-A83D-C3106E735EC6}"/>
+                  </a:ext>
+                </a:extLst>
+              </p:cNvPr>
+              <p:cNvCxnSpPr>
+                <a:cxnSpLocks/>
+              </p:cNvCxnSpPr>
+              <p:nvPr/>
+            </p:nvCxnSpPr>
+            <p:spPr>
+              <a:xfrm>
+                <a:off x="10833740" y="2498780"/>
+                <a:ext cx="180000" cy="0"/>
+              </a:xfrm>
+              <a:prstGeom prst="straightConnector1">
+                <a:avLst/>
+              </a:prstGeom>
+              <a:ln w="25400">
+                <a:solidFill>
+                  <a:srgbClr val="9FFD5F"/>
+                </a:solidFill>
+                <a:tailEnd type="triangle"/>
+              </a:ln>
+            </p:spPr>
+            <p:style>
+              <a:lnRef idx="1">
+                <a:schemeClr val="accent1"/>
+              </a:lnRef>
+              <a:fillRef idx="0">
+                <a:schemeClr val="accent1"/>
+              </a:fillRef>
+              <a:effectRef idx="0">
+                <a:schemeClr val="accent1"/>
+              </a:effectRef>
+              <a:fontRef idx="minor">
+                <a:schemeClr val="tx1"/>
+              </a:fontRef>
+            </p:style>
+          </p:cxnSp>
+        </p:grpSp>
+        <p:pic>
+          <p:nvPicPr>
+            <p:cNvPr id="271" name="Grafik 270">
+              <a:extLst>
+                <a:ext uri="{FF2B5EF4-FFF2-40B4-BE49-F238E27FC236}">
+                  <a16:creationId xmlns:a16="http://schemas.microsoft.com/office/drawing/2014/main" id="{38943264-0EB0-45BF-838F-D2921D972565}"/>
+                </a:ext>
+              </a:extLst>
+            </p:cNvPr>
+            <p:cNvPicPr>
+              <a:picLocks noChangeAspect="1"/>
+            </p:cNvPicPr>
+            <p:nvPr>
+              <p:custDataLst>
+                <p:tags r:id="rId2"/>
+              </p:custDataLst>
+            </p:nvPr>
+          </p:nvPicPr>
+          <p:blipFill>
+            <a:blip r:embed="rId43">
+              <a:extLst>
+                <a:ext uri="{28A0092B-C50C-407E-A947-70E740481C1C}">
+                  <a14:useLocalDpi xmlns:a14="http://schemas.microsoft.com/office/drawing/2010/main" val="0"/>
+                </a:ext>
+              </a:extLst>
+            </a:blip>
+            <a:stretch>
+              <a:fillRect/>
+            </a:stretch>
+          </p:blipFill>
+          <p:spPr>
+            <a:xfrm>
+              <a:off x="9922643" y="1922633"/>
+              <a:ext cx="1285534" cy="306084"/>
+            </a:xfrm>
+            <a:prstGeom prst="rect">
+              <a:avLst/>
+            </a:prstGeom>
+          </p:spPr>
+        </p:pic>
+        <p:grpSp>
+          <p:nvGrpSpPr>
+            <p:cNvPr id="278" name="Gruppieren 277">
+              <a:extLst>
+                <a:ext uri="{FF2B5EF4-FFF2-40B4-BE49-F238E27FC236}">
+                  <a16:creationId xmlns:a16="http://schemas.microsoft.com/office/drawing/2014/main" id="{BD3FE9E0-80E0-4148-BD30-492ADAE3C90A}"/>
+                </a:ext>
+              </a:extLst>
+            </p:cNvPr>
+            <p:cNvGrpSpPr/>
+            <p:nvPr/>
+          </p:nvGrpSpPr>
+          <p:grpSpPr>
+            <a:xfrm>
+              <a:off x="7066681" y="2997200"/>
+              <a:ext cx="2531887" cy="2126454"/>
+              <a:chOff x="7066681" y="2997200"/>
+              <a:chExt cx="2531887" cy="2126454"/>
+            </a:xfrm>
+          </p:grpSpPr>
+          <p:cxnSp>
+            <p:nvCxnSpPr>
+              <p:cNvPr id="237" name="Gerade Verbindung mit Pfeil 236">
+                <a:extLst>
+                  <a:ext uri="{FF2B5EF4-FFF2-40B4-BE49-F238E27FC236}">
+                    <a16:creationId xmlns:a16="http://schemas.microsoft.com/office/drawing/2014/main" id="{409AF7DB-A100-4E1E-9F21-82DA82FE1962}"/>
+                  </a:ext>
+                </a:extLst>
+              </p:cNvPr>
+              <p:cNvCxnSpPr>
+                <a:cxnSpLocks/>
+              </p:cNvCxnSpPr>
+              <p:nvPr/>
+            </p:nvCxnSpPr>
+            <p:spPr>
+              <a:xfrm>
+                <a:off x="7151014" y="2998528"/>
+                <a:ext cx="0" cy="180000"/>
+              </a:xfrm>
+              <a:prstGeom prst="straightConnector1">
+                <a:avLst/>
+              </a:prstGeom>
+              <a:ln w="25400">
+                <a:solidFill>
+                  <a:srgbClr val="FF5B5B"/>
+                </a:solidFill>
+                <a:tailEnd type="triangle"/>
+              </a:ln>
+            </p:spPr>
+            <p:style>
+              <a:lnRef idx="1">
+                <a:schemeClr val="accent1"/>
+              </a:lnRef>
+              <a:fillRef idx="0">
+                <a:schemeClr val="accent1"/>
+              </a:fillRef>
+              <a:effectRef idx="0">
+                <a:schemeClr val="accent1"/>
+              </a:effectRef>
+              <a:fontRef idx="minor">
+                <a:schemeClr val="tx1"/>
+              </a:fontRef>
+            </p:style>
+          </p:cxnSp>
+          <p:pic>
+            <p:nvPicPr>
+              <p:cNvPr id="243" name="Grafik 242">
+                <a:extLst>
+                  <a:ext uri="{FF2B5EF4-FFF2-40B4-BE49-F238E27FC236}">
+                    <a16:creationId xmlns:a16="http://schemas.microsoft.com/office/drawing/2014/main" id="{11D8B928-50A0-4CFD-B7EC-C9DC1D2A5C9A}"/>
+                  </a:ext>
+                </a:extLst>
+              </p:cNvPr>
+              <p:cNvPicPr>
+                <a:picLocks noChangeAspect="1"/>
+              </p:cNvPicPr>
+              <p:nvPr>
+                <p:custDataLst>
+                  <p:tags r:id="rId3"/>
+                </p:custDataLst>
+              </p:nvPr>
+            </p:nvPicPr>
+            <p:blipFill>
+              <a:blip r:embed="rId44">
+                <a:extLst>
+                  <a:ext uri="{28A0092B-C50C-407E-A947-70E740481C1C}">
+                    <a14:useLocalDpi xmlns:a14="http://schemas.microsoft.com/office/drawing/2010/main" val="0"/>
+                  </a:ext>
+                </a:extLst>
+              </a:blip>
+              <a:stretch>
+                <a:fillRect/>
+              </a:stretch>
+            </p:blipFill>
+            <p:spPr>
+              <a:xfrm>
+                <a:off x="7326375" y="2997200"/>
+                <a:ext cx="1538138" cy="181328"/>
+              </a:xfrm>
+              <a:prstGeom prst="rect">
+                <a:avLst/>
+              </a:prstGeom>
+            </p:spPr>
+          </p:pic>
+          <p:cxnSp>
+            <p:nvCxnSpPr>
+              <p:cNvPr id="244" name="Gerade Verbindung mit Pfeil 243">
+                <a:extLst>
+                  <a:ext uri="{FF2B5EF4-FFF2-40B4-BE49-F238E27FC236}">
+                    <a16:creationId xmlns:a16="http://schemas.microsoft.com/office/drawing/2014/main" id="{A9B18643-6593-4970-AC8A-CD639A3AF923}"/>
+                  </a:ext>
+                </a:extLst>
+              </p:cNvPr>
+              <p:cNvCxnSpPr>
+                <a:cxnSpLocks/>
+              </p:cNvCxnSpPr>
+              <p:nvPr/>
+            </p:nvCxnSpPr>
+            <p:spPr>
+              <a:xfrm>
+                <a:off x="7066681" y="3447740"/>
+                <a:ext cx="181605" cy="0"/>
+              </a:xfrm>
+              <a:prstGeom prst="straightConnector1">
+                <a:avLst/>
+              </a:prstGeom>
+              <a:ln w="25400">
+                <a:solidFill>
+                  <a:srgbClr val="7030A0"/>
+                </a:solidFill>
+                <a:tailEnd type="triangle"/>
+              </a:ln>
+            </p:spPr>
+            <p:style>
+              <a:lnRef idx="1">
+                <a:schemeClr val="accent1"/>
+              </a:lnRef>
+              <a:fillRef idx="0">
+                <a:schemeClr val="accent1"/>
+              </a:fillRef>
+              <a:effectRef idx="0">
+                <a:schemeClr val="accent1"/>
+              </a:effectRef>
+              <a:fontRef idx="minor">
+                <a:schemeClr val="tx1"/>
+              </a:fontRef>
+            </p:style>
+          </p:cxnSp>
+          <p:pic>
+            <p:nvPicPr>
+              <p:cNvPr id="247" name="Grafik 246">
+                <a:extLst>
+                  <a:ext uri="{FF2B5EF4-FFF2-40B4-BE49-F238E27FC236}">
+                    <a16:creationId xmlns:a16="http://schemas.microsoft.com/office/drawing/2014/main" id="{44D5EE27-05F1-4707-B53C-069DF8FE3697}"/>
+                  </a:ext>
+                </a:extLst>
+              </p:cNvPr>
+              <p:cNvPicPr>
+                <a:picLocks noChangeAspect="1"/>
+              </p:cNvPicPr>
+              <p:nvPr>
+                <p:custDataLst>
+                  <p:tags r:id="rId4"/>
+                </p:custDataLst>
+              </p:nvPr>
+            </p:nvPicPr>
+            <p:blipFill>
+              <a:blip r:embed="rId45">
+                <a:extLst>
+                  <a:ext uri="{28A0092B-C50C-407E-A947-70E740481C1C}">
+                    <a14:useLocalDpi xmlns:a14="http://schemas.microsoft.com/office/drawing/2010/main" val="0"/>
+                  </a:ext>
+                </a:extLst>
+              </a:blip>
+              <a:stretch>
+                <a:fillRect/>
+              </a:stretch>
+            </p:blipFill>
+            <p:spPr>
+              <a:xfrm>
+                <a:off x="7326375" y="3331298"/>
+                <a:ext cx="1846459" cy="232884"/>
+              </a:xfrm>
+              <a:prstGeom prst="rect">
+                <a:avLst/>
+              </a:prstGeom>
+            </p:spPr>
+          </p:pic>
+          <p:cxnSp>
+            <p:nvCxnSpPr>
+              <p:cNvPr id="248" name="Gerade Verbindung mit Pfeil 247">
+                <a:extLst>
+                  <a:ext uri="{FF2B5EF4-FFF2-40B4-BE49-F238E27FC236}">
+                    <a16:creationId xmlns:a16="http://schemas.microsoft.com/office/drawing/2014/main" id="{B51C71D4-A065-4173-A4AB-FC1B1DAE1107}"/>
+                  </a:ext>
+                </a:extLst>
+              </p:cNvPr>
+              <p:cNvCxnSpPr>
+                <a:cxnSpLocks/>
+              </p:cNvCxnSpPr>
+              <p:nvPr/>
+            </p:nvCxnSpPr>
+            <p:spPr>
+              <a:xfrm flipV="1">
+                <a:off x="7158057" y="4119459"/>
+                <a:ext cx="0" cy="180000"/>
+              </a:xfrm>
+              <a:prstGeom prst="straightConnector1">
+                <a:avLst/>
+              </a:prstGeom>
+              <a:ln w="25400">
+                <a:solidFill>
+                  <a:srgbClr val="25BCFF"/>
+                </a:solidFill>
+                <a:tailEnd type="triangle"/>
+              </a:ln>
+            </p:spPr>
+            <p:style>
+              <a:lnRef idx="1">
+                <a:schemeClr val="accent1"/>
+              </a:lnRef>
+              <a:fillRef idx="0">
+                <a:schemeClr val="accent1"/>
+              </a:fillRef>
+              <a:effectRef idx="0">
+                <a:schemeClr val="accent1"/>
+              </a:effectRef>
+              <a:fontRef idx="minor">
+                <a:schemeClr val="tx1"/>
+              </a:fontRef>
+            </p:style>
+          </p:cxnSp>
+          <p:pic>
+            <p:nvPicPr>
+              <p:cNvPr id="266" name="Grafik 265">
+                <a:extLst>
+                  <a:ext uri="{FF2B5EF4-FFF2-40B4-BE49-F238E27FC236}">
+                    <a16:creationId xmlns:a16="http://schemas.microsoft.com/office/drawing/2014/main" id="{A52AFAF3-1CE2-4993-9163-13CCF9145C79}"/>
+                  </a:ext>
+                </a:extLst>
+              </p:cNvPr>
+              <p:cNvPicPr>
+                <a:picLocks noChangeAspect="1"/>
+              </p:cNvPicPr>
+              <p:nvPr>
+                <p:custDataLst>
+                  <p:tags r:id="rId5"/>
+                </p:custDataLst>
+              </p:nvPr>
+            </p:nvPicPr>
+            <p:blipFill>
+              <a:blip r:embed="rId46">
+                <a:extLst>
+                  <a:ext uri="{28A0092B-C50C-407E-A947-70E740481C1C}">
+                    <a14:useLocalDpi xmlns:a14="http://schemas.microsoft.com/office/drawing/2010/main" val="0"/>
+                  </a:ext>
+                </a:extLst>
+              </a:blip>
+              <a:stretch>
+                <a:fillRect/>
+              </a:stretch>
+            </p:blipFill>
+            <p:spPr>
+              <a:xfrm>
+                <a:off x="7326375" y="4119459"/>
+                <a:ext cx="2272193" cy="235983"/>
+              </a:xfrm>
+              <a:prstGeom prst="rect">
+                <a:avLst/>
+              </a:prstGeom>
+            </p:spPr>
+          </p:pic>
+          <p:pic>
+            <p:nvPicPr>
+              <p:cNvPr id="259" name="Grafik 258">
+                <a:extLst>
+                  <a:ext uri="{FF2B5EF4-FFF2-40B4-BE49-F238E27FC236}">
+                    <a16:creationId xmlns:a16="http://schemas.microsoft.com/office/drawing/2014/main" id="{420EF984-D7DF-4D12-8350-4ABC0D967FEC}"/>
+                  </a:ext>
+                </a:extLst>
+              </p:cNvPr>
+              <p:cNvPicPr>
+                <a:picLocks noChangeAspect="1"/>
+              </p:cNvPicPr>
+              <p:nvPr>
+                <p:custDataLst>
+                  <p:tags r:id="rId6"/>
+                </p:custDataLst>
+              </p:nvPr>
+            </p:nvPicPr>
+            <p:blipFill>
+              <a:blip r:embed="rId47">
+                <a:extLst>
+                  <a:ext uri="{28A0092B-C50C-407E-A947-70E740481C1C}">
+                    <a14:useLocalDpi xmlns:a14="http://schemas.microsoft.com/office/drawing/2010/main" val="0"/>
+                  </a:ext>
+                </a:extLst>
+              </a:blip>
+              <a:stretch>
+                <a:fillRect/>
+              </a:stretch>
+            </p:blipFill>
+            <p:spPr>
+              <a:xfrm>
+                <a:off x="7326375" y="4511792"/>
+                <a:ext cx="1781364" cy="263056"/>
+              </a:xfrm>
+              <a:prstGeom prst="rect">
+                <a:avLst/>
+              </a:prstGeom>
+            </p:spPr>
+          </p:pic>
+          <p:cxnSp>
+            <p:nvCxnSpPr>
+              <p:cNvPr id="257" name="Gerade Verbindung mit Pfeil 256">
+                <a:extLst>
+                  <a:ext uri="{FF2B5EF4-FFF2-40B4-BE49-F238E27FC236}">
+                    <a16:creationId xmlns:a16="http://schemas.microsoft.com/office/drawing/2014/main" id="{09D44229-794A-46F8-9137-A9D2675AF986}"/>
+                  </a:ext>
+                </a:extLst>
+              </p:cNvPr>
+              <p:cNvCxnSpPr>
+                <a:cxnSpLocks/>
+              </p:cNvCxnSpPr>
+              <p:nvPr/>
+            </p:nvCxnSpPr>
+            <p:spPr>
+              <a:xfrm>
+                <a:off x="7069379" y="4613298"/>
+                <a:ext cx="180000" cy="0"/>
+              </a:xfrm>
+              <a:prstGeom prst="straightConnector1">
+                <a:avLst/>
+              </a:prstGeom>
+              <a:ln w="25400">
+                <a:solidFill>
+                  <a:srgbClr val="9FFD5F"/>
+                </a:solidFill>
+                <a:tailEnd type="triangle"/>
+              </a:ln>
+            </p:spPr>
+            <p:style>
+              <a:lnRef idx="1">
+                <a:schemeClr val="accent1"/>
+              </a:lnRef>
+              <a:fillRef idx="0">
+                <a:schemeClr val="accent1"/>
+              </a:fillRef>
+              <a:effectRef idx="0">
+                <a:schemeClr val="accent1"/>
+              </a:effectRef>
+              <a:fontRef idx="minor">
+                <a:schemeClr val="tx1"/>
+              </a:fontRef>
+            </p:style>
+          </p:cxnSp>
+          <p:cxnSp>
+            <p:nvCxnSpPr>
+              <p:cNvPr id="261" name="Gerade Verbindung mit Pfeil 260">
+                <a:extLst>
+                  <a:ext uri="{FF2B5EF4-FFF2-40B4-BE49-F238E27FC236}">
+                    <a16:creationId xmlns:a16="http://schemas.microsoft.com/office/drawing/2014/main" id="{2998DDF8-DC3B-4291-B8A4-CC0C5BF6AD2D}"/>
+                  </a:ext>
+                </a:extLst>
+              </p:cNvPr>
+              <p:cNvCxnSpPr>
+                <a:cxnSpLocks/>
+              </p:cNvCxnSpPr>
+              <p:nvPr/>
+            </p:nvCxnSpPr>
+            <p:spPr>
+              <a:xfrm>
+                <a:off x="7083306" y="5027426"/>
+                <a:ext cx="180000" cy="0"/>
+              </a:xfrm>
+              <a:prstGeom prst="straightConnector1">
+                <a:avLst/>
+              </a:prstGeom>
+              <a:ln w="25400">
+                <a:solidFill>
+                  <a:srgbClr val="FFDB01"/>
+                </a:solidFill>
+                <a:tailEnd type="triangle"/>
+              </a:ln>
+            </p:spPr>
+            <p:style>
+              <a:lnRef idx="1">
+                <a:schemeClr val="accent1"/>
+              </a:lnRef>
+              <a:fillRef idx="0">
+                <a:schemeClr val="accent1"/>
+              </a:fillRef>
+              <a:effectRef idx="0">
+                <a:schemeClr val="accent1"/>
+              </a:effectRef>
+              <a:fontRef idx="minor">
+                <a:schemeClr val="tx1"/>
+              </a:fontRef>
+            </p:style>
+          </p:cxnSp>
+          <p:pic>
+            <p:nvPicPr>
+              <p:cNvPr id="264" name="Grafik 263">
+                <a:extLst>
+                  <a:ext uri="{FF2B5EF4-FFF2-40B4-BE49-F238E27FC236}">
+                    <a16:creationId xmlns:a16="http://schemas.microsoft.com/office/drawing/2014/main" id="{1ED3AC8A-BD51-4A60-A706-EAFDFAFEE90C}"/>
+                  </a:ext>
+                </a:extLst>
+              </p:cNvPr>
+              <p:cNvPicPr>
+                <a:picLocks noChangeAspect="1"/>
+              </p:cNvPicPr>
+              <p:nvPr>
+                <p:custDataLst>
+                  <p:tags r:id="rId7"/>
+                </p:custDataLst>
+              </p:nvPr>
+            </p:nvPicPr>
+            <p:blipFill>
+              <a:blip r:embed="rId48">
+                <a:extLst>
+                  <a:ext uri="{28A0092B-C50C-407E-A947-70E740481C1C}">
+                    <a14:useLocalDpi xmlns:a14="http://schemas.microsoft.com/office/drawing/2010/main" val="0"/>
+                  </a:ext>
+                </a:extLst>
+              </a:blip>
+              <a:stretch>
+                <a:fillRect/>
+              </a:stretch>
+            </p:blipFill>
+            <p:spPr>
+              <a:xfrm>
+                <a:off x="7326375" y="4931198"/>
+                <a:ext cx="704949" cy="192456"/>
+              </a:xfrm>
+              <a:prstGeom prst="rect">
+                <a:avLst/>
+              </a:prstGeom>
+            </p:spPr>
+          </p:pic>
+          <p:cxnSp>
+            <p:nvCxnSpPr>
+              <p:cNvPr id="272" name="Gerade Verbindung mit Pfeil 271">
+                <a:extLst>
+                  <a:ext uri="{FF2B5EF4-FFF2-40B4-BE49-F238E27FC236}">
+                    <a16:creationId xmlns:a16="http://schemas.microsoft.com/office/drawing/2014/main" id="{A4D532E0-714C-4324-862E-D645E52E64BF}"/>
+                  </a:ext>
+                </a:extLst>
+              </p:cNvPr>
+              <p:cNvCxnSpPr>
+                <a:cxnSpLocks/>
+              </p:cNvCxnSpPr>
+              <p:nvPr/>
+            </p:nvCxnSpPr>
+            <p:spPr>
+              <a:xfrm>
+                <a:off x="7066681" y="3812226"/>
+                <a:ext cx="180000" cy="0"/>
+              </a:xfrm>
+              <a:prstGeom prst="straightConnector1">
+                <a:avLst/>
+              </a:prstGeom>
+              <a:ln w="25400">
+                <a:solidFill>
+                  <a:schemeClr val="bg1">
+                    <a:lumMod val="75000"/>
+                  </a:schemeClr>
+                </a:solidFill>
+                <a:tailEnd type="triangle"/>
+              </a:ln>
+            </p:spPr>
+            <p:style>
+              <a:lnRef idx="1">
+                <a:schemeClr val="accent1"/>
+              </a:lnRef>
+              <a:fillRef idx="0">
+                <a:schemeClr val="accent1"/>
+              </a:fillRef>
+              <a:effectRef idx="0">
+                <a:schemeClr val="accent1"/>
+              </a:effectRef>
+              <a:fontRef idx="minor">
+                <a:schemeClr val="tx1"/>
+              </a:fontRef>
+            </p:style>
+          </p:cxnSp>
+          <p:pic>
+            <p:nvPicPr>
+              <p:cNvPr id="277" name="Grafik 276">
+                <a:extLst>
+                  <a:ext uri="{FF2B5EF4-FFF2-40B4-BE49-F238E27FC236}">
+                    <a16:creationId xmlns:a16="http://schemas.microsoft.com/office/drawing/2014/main" id="{D510E31B-9C57-43D9-838A-136A4EE15FF2}"/>
+                  </a:ext>
+                </a:extLst>
+              </p:cNvPr>
+              <p:cNvPicPr>
+                <a:picLocks noChangeAspect="1"/>
+              </p:cNvPicPr>
+              <p:nvPr>
+                <p:custDataLst>
+                  <p:tags r:id="rId8"/>
+                </p:custDataLst>
+              </p:nvPr>
+            </p:nvPicPr>
+            <p:blipFill>
+              <a:blip r:embed="rId49">
+                <a:extLst>
+                  <a:ext uri="{28A0092B-C50C-407E-A947-70E740481C1C}">
+                    <a14:useLocalDpi xmlns:a14="http://schemas.microsoft.com/office/drawing/2010/main" val="0"/>
+                  </a:ext>
+                </a:extLst>
+              </a:blip>
+              <a:stretch>
+                <a:fillRect/>
+              </a:stretch>
+            </p:blipFill>
+            <p:spPr>
+              <a:xfrm>
+                <a:off x="7341795" y="3722786"/>
+                <a:ext cx="470354" cy="238069"/>
+              </a:xfrm>
+              <a:prstGeom prst="rect">
+                <a:avLst/>
+              </a:prstGeom>
+            </p:spPr>
+          </p:pic>
+        </p:grpSp>
+      </p:grpSp>
+    </p:spTree>
+    <p:extLst>
+      <p:ext uri="{BB962C8B-B14F-4D97-AF65-F5344CB8AC3E}">
+        <p14:creationId xmlns:p14="http://schemas.microsoft.com/office/powerpoint/2010/main" val="3536432067"/>
+      </p:ext>
+    </p:extLst>
+  </p:cSld>
+  <p:clrMapOvr>
+    <a:masterClrMapping/>
+  </p:clrMapOvr>
+</p:sld>
+</file>
+
 <file path=ppt/slides/slide2.xml><?xml version="1.0" encoding="utf-8"?>
 <p:sld xmlns:a="http://schemas.openxmlformats.org/drawingml/2006/main" xmlns:r="http://schemas.openxmlformats.org/officeDocument/2006/relationships" xmlns:p="http://schemas.openxmlformats.org/presentationml/2006/main">
   <p:cSld>
@@ -23744,6 +27917,44 @@
 </p:tagLst>
 </file>
 
+<file path=ppt/tags/tag118.xml><?xml version="1.0" encoding="utf-8"?>
+<p:tagLst xmlns:a="http://schemas.openxmlformats.org/drawingml/2006/main" xmlns:r="http://schemas.openxmlformats.org/officeDocument/2006/relationships" xmlns:p="http://schemas.openxmlformats.org/presentationml/2006/main">
+  <p:tag name="OUTPUTDPI" val="1200"/>
+  <p:tag name="ORIGINALHEIGHT" val="112,4859"/>
+  <p:tag name="ORIGINALWIDTH" val="858,6427"/>
+  <p:tag name="LATEXADDIN" val="\documentclass{article}&#10;\usepackage{amsmath}&#10;\usepackage{color}&#10;\pagestyle{empty}&#10;\begin{document}&#10;Image Sequence&#10;\end{document}"/>
+  <p:tag name="IGUANATEXSIZE" val="20"/>
+  <p:tag name="IGUANATEXCURSOR" val="113"/>
+  <p:tag name="TRANSPARENCY" val="Wahr"/>
+  <p:tag name="FILENAME" val=""/>
+  <p:tag name="LATEXENGINEID" val="0"/>
+  <p:tag name="TEMPFOLDER" val="c:\temp\"/>
+  <p:tag name="LATEXFORMHEIGHT" val="312"/>
+  <p:tag name="LATEXFORMWIDTH" val="384"/>
+  <p:tag name="LATEXFORMWRAP" val="Wahr"/>
+  <p:tag name="BITMAPVECTOR" val="0"/>
+</p:tagLst>
+</file>
+
+<file path=ppt/tags/tag119.xml><?xml version="1.0" encoding="utf-8"?>
+<p:tagLst xmlns:a="http://schemas.openxmlformats.org/drawingml/2006/main" xmlns:r="http://schemas.openxmlformats.org/officeDocument/2006/relationships" xmlns:p="http://schemas.openxmlformats.org/presentationml/2006/main">
+  <p:tag name="OUTPUTDPI" val="1200"/>
+  <p:tag name="ORIGINALHEIGHT" val="149,9813"/>
+  <p:tag name="ORIGINALWIDTH" val="632,171"/>
+  <p:tag name="LATEXADDIN" val="\documentclass{article}&#10;\usepackage{amsmath}&#10;\usepackage{bm}&#10;\usepackage{color}&#10;\pagestyle{empty}&#10;\begin{document}&#10;\begin{equation}&#10;\bm{v}=\begin{pmatrix}&#10;v_x \&#10;\omega_z&#10;\end{pmatrix}&#10;\nonumber&#10;\end{equation}&#10;\end{document}"/>
+  <p:tag name="IGUANATEXSIZE" val="20"/>
+  <p:tag name="IGUANATEXCURSOR" val="60"/>
+  <p:tag name="TRANSPARENCY" val="Wahr"/>
+  <p:tag name="FILENAME" val=""/>
+  <p:tag name="LATEXENGINEID" val="0"/>
+  <p:tag name="TEMPFOLDER" val="c:\temp\"/>
+  <p:tag name="LATEXFORMHEIGHT" val="312"/>
+  <p:tag name="LATEXFORMWIDTH" val="384"/>
+  <p:tag name="LATEXFORMWRAP" val="Wahr"/>
+  <p:tag name="BITMAPVECTOR" val="0"/>
+</p:tagLst>
+</file>
+
 <file path=ppt/tags/tag12.xml><?xml version="1.0" encoding="utf-8"?>
 <p:tagLst xmlns:a="http://schemas.openxmlformats.org/drawingml/2006/main" xmlns:r="http://schemas.openxmlformats.org/officeDocument/2006/relationships" xmlns:p="http://schemas.openxmlformats.org/presentationml/2006/main">
   <p:tag name="OUTPUTDPI" val="1200"/>
@@ -23752,6 +27963,196 @@
   <p:tag name="LATEXADDIN" val="\documentclass{article}&#10;\usepackage{amsmath}&#10;\usepackage{bm}&#10;\usepackage{color}&#10;\pagestyle{empty}&#10;\begin{document}&#10;\begin{equation}&#10;\bm{y}&#10;\nonumber&#10;\end{equation}&#10;\end{document}"/>
   <p:tag name="IGUANATEXSIZE" val="20"/>
   <p:tag name="IGUANATEXCURSOR" val="59"/>
+  <p:tag name="TRANSPARENCY" val="Wahr"/>
+  <p:tag name="FILENAME" val=""/>
+  <p:tag name="LATEXENGINEID" val="0"/>
+  <p:tag name="TEMPFOLDER" val="c:\temp\"/>
+  <p:tag name="LATEXFORMHEIGHT" val="312"/>
+  <p:tag name="LATEXFORMWIDTH" val="384"/>
+  <p:tag name="LATEXFORMWRAP" val="Wahr"/>
+  <p:tag name="BITMAPVECTOR" val="0"/>
+</p:tagLst>
+</file>
+
+<file path=ppt/tags/tag120.xml><?xml version="1.0" encoding="utf-8"?>
+<p:tagLst xmlns:a="http://schemas.openxmlformats.org/drawingml/2006/main" xmlns:r="http://schemas.openxmlformats.org/officeDocument/2006/relationships" xmlns:p="http://schemas.openxmlformats.org/presentationml/2006/main">
+  <p:tag name="OUTPUTDPI" val="1200"/>
+  <p:tag name="ORIGINALHEIGHT" val="87,73905"/>
+  <p:tag name="ORIGINALWIDTH" val="749,1564"/>
+  <p:tag name="LATEXADDIN" val="\documentclass{article}&#10;\usepackage{amsmath}&#10;\usepackage{color}&#10;\pagestyle{empty}&#10;\definecolor{myred}{RGB}{255, 91, 91}&#10;\begin{document}&#10;\color{myred}&#10;Max Pool 2x2&#10;\end{document}"/>
+  <p:tag name="IGUANATEXSIZE" val="20"/>
+  <p:tag name="IGUANATEXCURSOR" val="156"/>
+  <p:tag name="TRANSPARENCY" val="Wahr"/>
+  <p:tag name="FILENAME" val=""/>
+  <p:tag name="LATEXENGINEID" val="0"/>
+  <p:tag name="TEMPFOLDER" val="c:\temp\"/>
+  <p:tag name="LATEXFORMHEIGHT" val="312"/>
+  <p:tag name="LATEXFORMWIDTH" val="384"/>
+  <p:tag name="LATEXFORMWRAP" val="Wahr"/>
+  <p:tag name="BITMAPVECTOR" val="0"/>
+</p:tagLst>
+</file>
+
+<file path=ppt/tags/tag121.xml><?xml version="1.0" encoding="utf-8"?>
+<p:tagLst xmlns:a="http://schemas.openxmlformats.org/drawingml/2006/main" xmlns:r="http://schemas.openxmlformats.org/officeDocument/2006/relationships" xmlns:p="http://schemas.openxmlformats.org/presentationml/2006/main">
+  <p:tag name="OUTPUTDPI" val="1200"/>
+  <p:tag name="ORIGINALHEIGHT" val="111,7361"/>
+  <p:tag name="ORIGINALWIDTH" val="899,1376"/>
+  <p:tag name="LATEXADDIN" val="\documentclass{article}&#10;\usepackage{amsmath}&#10;\usepackage{color}&#10;\pagestyle{empty}&#10;\definecolor{myred}{RGB}{112, 48, 160}&#10;\begin{document}&#10;\color{myred}&#10;Conv 3x3, ReLU&#10;\end{document}"/>
+  <p:tag name="IGUANATEXSIZE" val="20"/>
+  <p:tag name="IGUANATEXCURSOR" val="166"/>
+  <p:tag name="TRANSPARENCY" val="Wahr"/>
+  <p:tag name="FILENAME" val=""/>
+  <p:tag name="LATEXENGINEID" val="0"/>
+  <p:tag name="TEMPFOLDER" val="c:\temp\"/>
+  <p:tag name="LATEXFORMHEIGHT" val="312"/>
+  <p:tag name="LATEXFORMWIDTH" val="384"/>
+  <p:tag name="LATEXFORMWRAP" val="Wahr"/>
+  <p:tag name="BITMAPVECTOR" val="0"/>
+</p:tagLst>
+</file>
+
+<file path=ppt/tags/tag122.xml><?xml version="1.0" encoding="utf-8"?>
+<p:tagLst xmlns:a="http://schemas.openxmlformats.org/drawingml/2006/main" xmlns:r="http://schemas.openxmlformats.org/officeDocument/2006/relationships" xmlns:p="http://schemas.openxmlformats.org/presentationml/2006/main">
+  <p:tag name="OUTPUTDPI" val="1200"/>
+  <p:tag name="ORIGINALHEIGHT" val="111,7361"/>
+  <p:tag name="ORIGINALWIDTH" val="1106,112"/>
+  <p:tag name="LATEXADDIN" val="\documentclass{article}&#10;\usepackage{amsmath}&#10;\usepackage{color}&#10;\pagestyle{empty}&#10;\definecolor{myred}{RGB}{37, 188, 255}&#10;\begin{document}&#10;\color{myred}&#10;Up-Conv 3x3, ReLU&#10;\end{document}"/>
+  <p:tag name="IGUANATEXSIZE" val="20"/>
+  <p:tag name="IGUANATEXCURSOR" val="155"/>
+  <p:tag name="TRANSPARENCY" val="Wahr"/>
+  <p:tag name="FILENAME" val=""/>
+  <p:tag name="LATEXENGINEID" val="0"/>
+  <p:tag name="TEMPFOLDER" val="c:\temp\"/>
+  <p:tag name="LATEXFORMHEIGHT" val="312"/>
+  <p:tag name="LATEXFORMWIDTH" val="384"/>
+  <p:tag name="LATEXFORMWRAP" val="Wahr"/>
+  <p:tag name="BITMAPVECTOR" val="0"/>
+</p:tagLst>
+</file>
+
+<file path=ppt/tags/tag123.xml><?xml version="1.0" encoding="utf-8"?>
+<p:tagLst xmlns:a="http://schemas.openxmlformats.org/drawingml/2006/main" xmlns:r="http://schemas.openxmlformats.org/officeDocument/2006/relationships" xmlns:p="http://schemas.openxmlformats.org/presentationml/2006/main">
+  <p:tag name="OUTPUTDPI" val="1200"/>
+  <p:tag name="ORIGINALHEIGHT" val="123,7346"/>
+  <p:tag name="ORIGINALWIDTH" val="866,8917"/>
+  <p:tag name="LATEXADDIN" val="\documentclass{article}&#10;\usepackage{amsmath}&#10;\usepackage{color}&#10;\pagestyle{empty}&#10;\definecolor{myred}{RGB}{159, 253, 95}&#10;\begin{document}&#10;\color{myred}&#10;FC, ReLU/tanh&#10;\end{document}"/>
+  <p:tag name="IGUANATEXSIZE" val="20"/>
+  <p:tag name="IGUANATEXCURSOR" val="165"/>
+  <p:tag name="TRANSPARENCY" val="Wahr"/>
+  <p:tag name="FILENAME" val=""/>
+  <p:tag name="LATEXENGINEID" val="0"/>
+  <p:tag name="TEMPFOLDER" val="c:\temp\"/>
+  <p:tag name="LATEXFORMHEIGHT" val="312"/>
+  <p:tag name="LATEXFORMWIDTH" val="384"/>
+  <p:tag name="LATEXFORMWRAP" val="Wahr"/>
+  <p:tag name="BITMAPVECTOR" val="0"/>
+</p:tagLst>
+</file>
+
+<file path=ppt/tags/tag124.xml><?xml version="1.0" encoding="utf-8"?>
+<p:tagLst xmlns:a="http://schemas.openxmlformats.org/drawingml/2006/main" xmlns:r="http://schemas.openxmlformats.org/officeDocument/2006/relationships" xmlns:p="http://schemas.openxmlformats.org/presentationml/2006/main">
+  <p:tag name="OUTPUTDPI" val="1200"/>
+  <p:tag name="ORIGINALHEIGHT" val="89,98874"/>
+  <p:tag name="ORIGINALWIDTH" val="342,7072"/>
+  <p:tag name="LATEXADDIN" val="\documentclass{article}&#10;\usepackage{amsmath}&#10;\usepackage{color}&#10;\pagestyle{empty}&#10;\definecolor{myred}{RGB}{255, 219, 1}&#10;\begin{document}&#10;\color{myred}&#10;LSTM&#10;\end{document}"/>
+  <p:tag name="IGUANATEXSIZE" val="20"/>
+  <p:tag name="IGUANATEXCURSOR" val="155"/>
+  <p:tag name="TRANSPARENCY" val="Wahr"/>
+  <p:tag name="FILENAME" val=""/>
+  <p:tag name="LATEXENGINEID" val="0"/>
+  <p:tag name="TEMPFOLDER" val="c:\temp\"/>
+  <p:tag name="LATEXFORMHEIGHT" val="312"/>
+  <p:tag name="LATEXFORMWIDTH" val="384"/>
+  <p:tag name="LATEXFORMWRAP" val="Wahr"/>
+  <p:tag name="BITMAPVECTOR" val="0"/>
+</p:tagLst>
+</file>
+
+<file path=ppt/tags/tag125.xml><?xml version="1.0" encoding="utf-8"?>
+<p:tagLst xmlns:a="http://schemas.openxmlformats.org/drawingml/2006/main" xmlns:r="http://schemas.openxmlformats.org/officeDocument/2006/relationships" xmlns:p="http://schemas.openxmlformats.org/presentationml/2006/main">
+  <p:tag name="OUTPUTDPI" val="1200"/>
+  <p:tag name="ORIGINALHEIGHT" val="110,9861"/>
+  <p:tag name="ORIGINALWIDTH" val="227,9715"/>
+  <p:tag name="LATEXADDIN" val="\documentclass{article}&#10;\usepackage{amsmath}&#10;\usepackage{color}&#10;\pagestyle{empty}&#10;\definecolor{myred}{RGB}{191, 191, 191}&#10;\begin{document}&#10;\color{myred}&#10;Skip&#10;\end{document}"/>
+  <p:tag name="IGUANATEXSIZE" val="20"/>
+  <p:tag name="IGUANATEXCURSOR" val="120"/>
+  <p:tag name="TRANSPARENCY" val="Wahr"/>
+  <p:tag name="FILENAME" val=""/>
+  <p:tag name="LATEXENGINEID" val="0"/>
+  <p:tag name="TEMPFOLDER" val="c:\temp\"/>
+  <p:tag name="LATEXFORMHEIGHT" val="312"/>
+  <p:tag name="LATEXFORMWIDTH" val="384"/>
+  <p:tag name="LATEXFORMWRAP" val="Wahr"/>
+  <p:tag name="BITMAPVECTOR" val="0"/>
+</p:tagLst>
+</file>
+
+<file path=ppt/tags/tag126.xml><?xml version="1.0" encoding="utf-8"?>
+<p:tagLst xmlns:a="http://schemas.openxmlformats.org/drawingml/2006/main" xmlns:r="http://schemas.openxmlformats.org/officeDocument/2006/relationships" xmlns:p="http://schemas.openxmlformats.org/presentationml/2006/main">
+  <p:tag name="OUTPUTDPI" val="1200"/>
+  <p:tag name="ORIGINALHEIGHT" val="87,73905"/>
+  <p:tag name="ORIGINALWIDTH" val="448,4439"/>
+  <p:tag name="LATEXADDIN" val="\documentclass{article}&#10;\usepackage{amsmath}&#10;\usepackage{color}&#10;\pagestyle{empty}&#10;\begin{document}&#10;%\color{white}&#10;\begin{equation}&#10;\text{BT}\times64&#10;\nonumber&#10;\end{equation}&#10;\end{document}"/>
+  <p:tag name="IGUANATEXSIZE" val="20"/>
+  <p:tag name="IGUANATEXCURSOR" val="148"/>
+  <p:tag name="TRANSPARENCY" val="Wahr"/>
+  <p:tag name="FILENAME" val=""/>
+  <p:tag name="LATEXENGINEID" val="0"/>
+  <p:tag name="TEMPFOLDER" val="c:\temp\"/>
+  <p:tag name="LATEXFORMHEIGHT" val="312"/>
+  <p:tag name="LATEXFORMWIDTH" val="384"/>
+  <p:tag name="LATEXFORMWRAP" val="Wahr"/>
+  <p:tag name="BITMAPVECTOR" val="0"/>
+</p:tagLst>
+</file>
+
+<file path=ppt/tags/tag127.xml><?xml version="1.0" encoding="utf-8"?>
+<p:tagLst xmlns:a="http://schemas.openxmlformats.org/drawingml/2006/main" xmlns:r="http://schemas.openxmlformats.org/officeDocument/2006/relationships" xmlns:p="http://schemas.openxmlformats.org/presentationml/2006/main">
+  <p:tag name="OUTPUTDPI" val="1200"/>
+  <p:tag name="ORIGINALHEIGHT" val="87,73905"/>
+  <p:tag name="ORIGINALWIDTH" val="356,9554"/>
+  <p:tag name="LATEXADDIN" val="\documentclass{article}&#10;\usepackage{amsmath}&#10;\usepackage{color}&#10;\pagestyle{empty}&#10;\begin{document}&#10;%\color{white}&#10;\begin{equation}&#10;\text{B}\times10&#10;\nonumber&#10;\end{equation}&#10;\end{document}"/>
+  <p:tag name="IGUANATEXSIZE" val="20"/>
+  <p:tag name="IGUANATEXCURSOR" val="139"/>
+  <p:tag name="TRANSPARENCY" val="Wahr"/>
+  <p:tag name="FILENAME" val=""/>
+  <p:tag name="LATEXENGINEID" val="0"/>
+  <p:tag name="TEMPFOLDER" val="c:\temp\"/>
+  <p:tag name="LATEXFORMHEIGHT" val="312"/>
+  <p:tag name="LATEXFORMWIDTH" val="384"/>
+  <p:tag name="LATEXFORMWRAP" val="Wahr"/>
+  <p:tag name="BITMAPVECTOR" val="0"/>
+</p:tagLst>
+</file>
+
+<file path=ppt/tags/tag128.xml><?xml version="1.0" encoding="utf-8"?>
+<p:tagLst xmlns:a="http://schemas.openxmlformats.org/drawingml/2006/main" xmlns:r="http://schemas.openxmlformats.org/officeDocument/2006/relationships" xmlns:p="http://schemas.openxmlformats.org/presentationml/2006/main">
+  <p:tag name="OUTPUTDPI" val="1200"/>
+  <p:tag name="ORIGINALHEIGHT" val="84,73937"/>
+  <p:tag name="ORIGINALWIDTH" val="292,4635"/>
+  <p:tag name="LATEXADDIN" val="\documentclass{article}&#10;\usepackage{amsmath}&#10;\usepackage{color}&#10;\pagestyle{empty}&#10;\begin{document}&#10;%\color{white}&#10;\begin{equation}&#10;\text{B}\times2&#10;\nonumber&#10;\end{equation}&#10;\end{document}"/>
+  <p:tag name="IGUANATEXSIZE" val="20"/>
+  <p:tag name="IGUANATEXCURSOR" val="146"/>
+  <p:tag name="TRANSPARENCY" val="Wahr"/>
+  <p:tag name="FILENAME" val=""/>
+  <p:tag name="LATEXENGINEID" val="0"/>
+  <p:tag name="TEMPFOLDER" val="c:\temp\"/>
+  <p:tag name="LATEXFORMHEIGHT" val="312"/>
+  <p:tag name="LATEXFORMWIDTH" val="384"/>
+  <p:tag name="LATEXFORMWRAP" val="Wahr"/>
+  <p:tag name="BITMAPVECTOR" val="0"/>
+</p:tagLst>
+</file>
+
+<file path=ppt/tags/tag129.xml><?xml version="1.0" encoding="utf-8"?>
+<p:tagLst xmlns:a="http://schemas.openxmlformats.org/drawingml/2006/main" xmlns:r="http://schemas.openxmlformats.org/officeDocument/2006/relationships" xmlns:p="http://schemas.openxmlformats.org/presentationml/2006/main">
+  <p:tag name="OUTPUTDPI" val="1200"/>
+  <p:tag name="ORIGINALHEIGHT" val="87,73905"/>
+  <p:tag name="ORIGINALWIDTH" val="445,4443"/>
+  <p:tag name="LATEXADDIN" val="\documentclass{article}&#10;\usepackage{amsmath}&#10;\usepackage{color}&#10;\pagestyle{empty}&#10;\begin{document}&#10;%\color{white}&#10;\begin{equation}&#10;\text{BT}\times32&#10;\nonumber&#10;\end{equation}&#10;\end{document}"/>
+  <p:tag name="IGUANATEXSIZE" val="20"/>
+  <p:tag name="IGUANATEXCURSOR" val="148"/>
   <p:tag name="TRANSPARENCY" val="Wahr"/>
   <p:tag name="FILENAME" val=""/>
   <p:tag name="LATEXENGINEID" val="0"/>
@@ -23782,6 +28183,196 @@
 </p:tagLst>
 </file>
 
+<file path=ppt/tags/tag130.xml><?xml version="1.0" encoding="utf-8"?>
+<p:tagLst xmlns:a="http://schemas.openxmlformats.org/drawingml/2006/main" xmlns:r="http://schemas.openxmlformats.org/officeDocument/2006/relationships" xmlns:p="http://schemas.openxmlformats.org/presentationml/2006/main">
+  <p:tag name="OUTPUTDPI" val="1200"/>
+  <p:tag name="ORIGINALHEIGHT" val="123,7346"/>
+  <p:tag name="ORIGINALWIDTH" val="1219,348"/>
+  <p:tag name="LATEXADDIN" val="\documentclass{article}&#10;\usepackage{amsmath}&#10;\usepackage{color}&#10;\pagestyle{empty}&#10;\begin{document}&#10;%\color{white}&#10;\begin{equation}&#10;\text{BT}\times64\times\text{H}/2\times\text{W}/2&#10;\nonumber&#10;\end{equation}&#10;\end{document}"/>
+  <p:tag name="IGUANATEXSIZE" val="20"/>
+  <p:tag name="IGUANATEXCURSOR" val="180"/>
+  <p:tag name="TRANSPARENCY" val="Wahr"/>
+  <p:tag name="FILENAME" val=""/>
+  <p:tag name="LATEXENGINEID" val="0"/>
+  <p:tag name="TEMPFOLDER" val="c:\temp\"/>
+  <p:tag name="LATEXFORMHEIGHT" val="312"/>
+  <p:tag name="LATEXFORMWIDTH" val="384"/>
+  <p:tag name="LATEXFORMWRAP" val="Wahr"/>
+  <p:tag name="BITMAPVECTOR" val="0"/>
+</p:tagLst>
+</file>
+
+<file path=ppt/tags/tag131.xml><?xml version="1.0" encoding="utf-8"?>
+<p:tagLst xmlns:a="http://schemas.openxmlformats.org/drawingml/2006/main" xmlns:r="http://schemas.openxmlformats.org/officeDocument/2006/relationships" xmlns:p="http://schemas.openxmlformats.org/presentationml/2006/main">
+  <p:tag name="OUTPUTDPI" val="1200"/>
+  <p:tag name="ORIGINALHEIGHT" val="123,7346"/>
+  <p:tag name="ORIGINALWIDTH" val="1219,348"/>
+  <p:tag name="LATEXADDIN" val="\documentclass{article}&#10;\usepackage{amsmath}&#10;\usepackage{color}&#10;\pagestyle{empty}&#10;\begin{document}&#10;%\color{white}&#10;\begin{equation}&#10;\text{BT}\times64\times\text{H}/2\times\text{W}/2&#10;\nonumber&#10;\end{equation}&#10;\end{document}"/>
+  <p:tag name="IGUANATEXSIZE" val="20"/>
+  <p:tag name="IGUANATEXCURSOR" val="180"/>
+  <p:tag name="TRANSPARENCY" val="Wahr"/>
+  <p:tag name="FILENAME" val=""/>
+  <p:tag name="LATEXENGINEID" val="0"/>
+  <p:tag name="TEMPFOLDER" val="c:\temp\"/>
+  <p:tag name="LATEXFORMHEIGHT" val="312"/>
+  <p:tag name="LATEXFORMWIDTH" val="384"/>
+  <p:tag name="LATEXFORMWRAP" val="Wahr"/>
+  <p:tag name="BITMAPVECTOR" val="0"/>
+</p:tagLst>
+</file>
+
+<file path=ppt/tags/tag132.xml><?xml version="1.0" encoding="utf-8"?>
+<p:tagLst xmlns:a="http://schemas.openxmlformats.org/drawingml/2006/main" xmlns:r="http://schemas.openxmlformats.org/officeDocument/2006/relationships" xmlns:p="http://schemas.openxmlformats.org/presentationml/2006/main">
+  <p:tag name="OUTPUTDPI" val="1200"/>
+  <p:tag name="ORIGINALHEIGHT" val="123,7346"/>
+  <p:tag name="ORIGINALWIDTH" val="1281,59"/>
+  <p:tag name="LATEXADDIN" val="\documentclass{article}&#10;\usepackage{amsmath}&#10;\usepackage{color}&#10;\pagestyle{empty}&#10;\begin{document}&#10;%\color{white}&#10;\begin{equation}&#10;\text{BT}\times128\times\text{H}/2\times\text{W}/2&#10;\nonumber&#10;\end{equation}&#10;\end{document}"/>
+  <p:tag name="IGUANATEXSIZE" val="20"/>
+  <p:tag name="IGUANATEXCURSOR" val="180"/>
+  <p:tag name="TRANSPARENCY" val="Wahr"/>
+  <p:tag name="FILENAME" val=""/>
+  <p:tag name="LATEXENGINEID" val="0"/>
+  <p:tag name="TEMPFOLDER" val="c:\temp\"/>
+  <p:tag name="LATEXFORMHEIGHT" val="312"/>
+  <p:tag name="LATEXFORMWIDTH" val="384"/>
+  <p:tag name="LATEXFORMWRAP" val="Wahr"/>
+  <p:tag name="BITMAPVECTOR" val="0"/>
+</p:tagLst>
+</file>
+
+<file path=ppt/tags/tag133.xml><?xml version="1.0" encoding="utf-8"?>
+<p:tagLst xmlns:a="http://schemas.openxmlformats.org/drawingml/2006/main" xmlns:r="http://schemas.openxmlformats.org/officeDocument/2006/relationships" xmlns:p="http://schemas.openxmlformats.org/presentationml/2006/main">
+  <p:tag name="OUTPUTDPI" val="1200"/>
+  <p:tag name="ORIGINALHEIGHT" val="123,7346"/>
+  <p:tag name="ORIGINALWIDTH" val="1281,59"/>
+  <p:tag name="LATEXADDIN" val="\documentclass{article}&#10;\usepackage{amsmath}&#10;\usepackage{color}&#10;\pagestyle{empty}&#10;\begin{document}&#10;%\color{white}&#10;\begin{equation}&#10;\text{BT}\times128\times\text{H}/2\times\text{W}/2&#10;\nonumber&#10;\end{equation}&#10;\end{document}"/>
+  <p:tag name="IGUANATEXSIZE" val="20"/>
+  <p:tag name="IGUANATEXCURSOR" val="180"/>
+  <p:tag name="TRANSPARENCY" val="Wahr"/>
+  <p:tag name="FILENAME" val=""/>
+  <p:tag name="LATEXENGINEID" val="0"/>
+  <p:tag name="TEMPFOLDER" val="c:\temp\"/>
+  <p:tag name="LATEXFORMHEIGHT" val="312"/>
+  <p:tag name="LATEXFORMWIDTH" val="384"/>
+  <p:tag name="LATEXFORMWRAP" val="Wahr"/>
+  <p:tag name="BITMAPVECTOR" val="0"/>
+</p:tagLst>
+</file>
+
+<file path=ppt/tags/tag134.xml><?xml version="1.0" encoding="utf-8"?>
+<p:tagLst xmlns:a="http://schemas.openxmlformats.org/drawingml/2006/main" xmlns:r="http://schemas.openxmlformats.org/officeDocument/2006/relationships" xmlns:p="http://schemas.openxmlformats.org/presentationml/2006/main">
+  <p:tag name="OUTPUTDPI" val="1200"/>
+  <p:tag name="ORIGINALHEIGHT" val="123,7346"/>
+  <p:tag name="ORIGINALWIDTH" val="1281,59"/>
+  <p:tag name="LATEXADDIN" val="\documentclass{article}&#10;\usepackage{amsmath}&#10;\usepackage{color}&#10;\pagestyle{empty}&#10;\begin{document}&#10;%\color{white}&#10;\begin{equation}&#10;\text{BT}\times128\times\text{H}/2\times\text{W}/2&#10;\nonumber&#10;\end{equation}&#10;\end{document}"/>
+  <p:tag name="IGUANATEXSIZE" val="20"/>
+  <p:tag name="IGUANATEXCURSOR" val="180"/>
+  <p:tag name="TRANSPARENCY" val="Wahr"/>
+  <p:tag name="FILENAME" val=""/>
+  <p:tag name="LATEXENGINEID" val="0"/>
+  <p:tag name="TEMPFOLDER" val="c:\temp\"/>
+  <p:tag name="LATEXFORMHEIGHT" val="312"/>
+  <p:tag name="LATEXFORMWIDTH" val="384"/>
+  <p:tag name="LATEXFORMWRAP" val="Wahr"/>
+  <p:tag name="BITMAPVECTOR" val="0"/>
+</p:tagLst>
+</file>
+
+<file path=ppt/tags/tag135.xml><?xml version="1.0" encoding="utf-8"?>
+<p:tagLst xmlns:a="http://schemas.openxmlformats.org/drawingml/2006/main" xmlns:r="http://schemas.openxmlformats.org/officeDocument/2006/relationships" xmlns:p="http://schemas.openxmlformats.org/presentationml/2006/main">
+  <p:tag name="OUTPUTDPI" val="1200"/>
+  <p:tag name="ORIGINALHEIGHT" val="123,7346"/>
+  <p:tag name="ORIGINALWIDTH" val="1281,59"/>
+  <p:tag name="LATEXADDIN" val="\documentclass{article}&#10;\usepackage{amsmath}&#10;\usepackage{color}&#10;\pagestyle{empty}&#10;\begin{document}&#10;%\color{white}&#10;\begin{equation}&#10;\text{BT}\times256\times\text{H}/2\times\text{W}/2&#10;\nonumber&#10;\end{equation}&#10;\end{document}"/>
+  <p:tag name="IGUANATEXSIZE" val="20"/>
+  <p:tag name="IGUANATEXCURSOR" val="171"/>
+  <p:tag name="TRANSPARENCY" val="Wahr"/>
+  <p:tag name="FILENAME" val=""/>
+  <p:tag name="LATEXENGINEID" val="0"/>
+  <p:tag name="TEMPFOLDER" val="c:\temp\"/>
+  <p:tag name="LATEXFORMHEIGHT" val="312"/>
+  <p:tag name="LATEXFORMWIDTH" val="384"/>
+  <p:tag name="LATEXFORMWRAP" val="Wahr"/>
+  <p:tag name="BITMAPVECTOR" val="0"/>
+</p:tagLst>
+</file>
+
+<file path=ppt/tags/tag136.xml><?xml version="1.0" encoding="utf-8"?>
+<p:tagLst xmlns:a="http://schemas.openxmlformats.org/drawingml/2006/main" xmlns:r="http://schemas.openxmlformats.org/officeDocument/2006/relationships" xmlns:p="http://schemas.openxmlformats.org/presentationml/2006/main">
+  <p:tag name="OUTPUTDPI" val="1200"/>
+  <p:tag name="ORIGINALHEIGHT" val="88,48898"/>
+  <p:tag name="ORIGINALWIDTH" val="911,886"/>
+  <p:tag name="LATEXADDIN" val="\documentclass{article}&#10;\usepackage{amsmath}&#10;\usepackage{color}&#10;\pagestyle{empty}&#10;\begin{document}&#10;%\color{white}&#10;\begin{equation}&#10;\text{BT}\times4\times\text{H}\times\text{W}&#10;\nonumber&#10;\end{equation}&#10;\end{document}"/>
+  <p:tag name="IGUANATEXSIZE" val="20"/>
+  <p:tag name="IGUANATEXCURSOR" val="175"/>
+  <p:tag name="TRANSPARENCY" val="Wahr"/>
+  <p:tag name="FILENAME" val=""/>
+  <p:tag name="LATEXENGINEID" val="0"/>
+  <p:tag name="TEMPFOLDER" val="c:\temp\"/>
+  <p:tag name="LATEXFORMHEIGHT" val="312"/>
+  <p:tag name="LATEXFORMWIDTH" val="384"/>
+  <p:tag name="LATEXFORMWRAP" val="Wahr"/>
+  <p:tag name="BITMAPVECTOR" val="0"/>
+</p:tagLst>
+</file>
+
+<file path=ppt/tags/tag137.xml><?xml version="1.0" encoding="utf-8"?>
+<p:tagLst xmlns:a="http://schemas.openxmlformats.org/drawingml/2006/main" xmlns:r="http://schemas.openxmlformats.org/officeDocument/2006/relationships" xmlns:p="http://schemas.openxmlformats.org/presentationml/2006/main">
+  <p:tag name="OUTPUTDPI" val="1200"/>
+  <p:tag name="ORIGINALHEIGHT" val="88,48898"/>
+  <p:tag name="ORIGINALWIDTH" val="974,8781"/>
+  <p:tag name="LATEXADDIN" val="\documentclass{article}&#10;\usepackage{amsmath}&#10;\usepackage{color}&#10;\pagestyle{empty}&#10;\begin{document}&#10;%\color{white}&#10;\begin{equation}&#10;\text{BT}\times64\times\text{H}\times\text{W}&#10;\nonumber&#10;\end{equation}&#10;\end{document}"/>
+  <p:tag name="IGUANATEXSIZE" val="20"/>
+  <p:tag name="IGUANATEXCURSOR" val="162"/>
+  <p:tag name="TRANSPARENCY" val="Wahr"/>
+  <p:tag name="FILENAME" val=""/>
+  <p:tag name="LATEXENGINEID" val="0"/>
+  <p:tag name="TEMPFOLDER" val="c:\temp\"/>
+  <p:tag name="LATEXFORMHEIGHT" val="312"/>
+  <p:tag name="LATEXFORMWIDTH" val="384"/>
+  <p:tag name="LATEXFORMWRAP" val="Wahr"/>
+  <p:tag name="BITMAPVECTOR" val="0"/>
+</p:tagLst>
+</file>
+
+<file path=ppt/tags/tag138.xml><?xml version="1.0" encoding="utf-8"?>
+<p:tagLst xmlns:a="http://schemas.openxmlformats.org/drawingml/2006/main" xmlns:r="http://schemas.openxmlformats.org/officeDocument/2006/relationships" xmlns:p="http://schemas.openxmlformats.org/presentationml/2006/main">
+  <p:tag name="OUTPUTDPI" val="1200"/>
+  <p:tag name="ORIGINALHEIGHT" val="88,48898"/>
+  <p:tag name="ORIGINALWIDTH" val="974,8781"/>
+  <p:tag name="LATEXADDIN" val="\documentclass{article}&#10;\usepackage{amsmath}&#10;\usepackage{color}&#10;\pagestyle{empty}&#10;\begin{document}&#10;%\color{white}&#10;\begin{equation}&#10;\text{BT}\times64\times\text{H}\times\text{W}&#10;\nonumber&#10;\end{equation}&#10;\end{document}"/>
+  <p:tag name="IGUANATEXSIZE" val="20"/>
+  <p:tag name="IGUANATEXCURSOR" val="162"/>
+  <p:tag name="TRANSPARENCY" val="Wahr"/>
+  <p:tag name="FILENAME" val=""/>
+  <p:tag name="LATEXENGINEID" val="0"/>
+  <p:tag name="TEMPFOLDER" val="c:\temp\"/>
+  <p:tag name="LATEXFORMHEIGHT" val="312"/>
+  <p:tag name="LATEXFORMWIDTH" val="384"/>
+  <p:tag name="LATEXFORMWRAP" val="Wahr"/>
+  <p:tag name="BITMAPVECTOR" val="0"/>
+</p:tagLst>
+</file>
+
+<file path=ppt/tags/tag139.xml><?xml version="1.0" encoding="utf-8"?>
+<p:tagLst xmlns:a="http://schemas.openxmlformats.org/drawingml/2006/main" xmlns:r="http://schemas.openxmlformats.org/officeDocument/2006/relationships" xmlns:p="http://schemas.openxmlformats.org/presentationml/2006/main">
+  <p:tag name="OUTPUTDPI" val="1200"/>
+  <p:tag name="ORIGINALHEIGHT" val="88,48898"/>
+  <p:tag name="ORIGINALWIDTH" val="1036,37"/>
+  <p:tag name="LATEXADDIN" val="\documentclass{article}&#10;\usepackage{amsmath}&#10;\usepackage{color}&#10;\pagestyle{empty}&#10;\begin{document}&#10;%\color{white}&#10;\begin{equation}&#10;\text{BT}\times128\times\text{H}\times\text{W}&#10;\nonumber&#10;\end{equation}&#10;\end{document}"/>
+  <p:tag name="IGUANATEXSIZE" val="20"/>
+  <p:tag name="IGUANATEXCURSOR" val="177"/>
+  <p:tag name="TRANSPARENCY" val="Wahr"/>
+  <p:tag name="FILENAME" val=""/>
+  <p:tag name="LATEXENGINEID" val="0"/>
+  <p:tag name="TEMPFOLDER" val="c:\temp\"/>
+  <p:tag name="LATEXFORMHEIGHT" val="312"/>
+  <p:tag name="LATEXFORMWIDTH" val="384"/>
+  <p:tag name="LATEXFORMWRAP" val="Wahr"/>
+  <p:tag name="BITMAPVECTOR" val="0"/>
+</p:tagLst>
+</file>
+
 <file path=ppt/tags/tag14.xml><?xml version="1.0" encoding="utf-8"?>
 <p:tagLst xmlns:a="http://schemas.openxmlformats.org/drawingml/2006/main" xmlns:r="http://schemas.openxmlformats.org/officeDocument/2006/relationships" xmlns:p="http://schemas.openxmlformats.org/presentationml/2006/main">
   <p:tag name="OUTPUTDPI" val="1200"/>
@@ -23790,6 +28381,139 @@
   <p:tag name="LATEXADDIN" val="\documentclass{article}&#10;\usepackage{amsmath}&#10;\usepackage{color}&#10;\pagestyle{empty}&#10;\begin{document}&#10;Torso&#10;\end{document}"/>
   <p:tag name="IGUANATEXSIZE" val="20"/>
   <p:tag name="IGUANATEXCURSOR" val="98"/>
+  <p:tag name="TRANSPARENCY" val="Wahr"/>
+  <p:tag name="FILENAME" val=""/>
+  <p:tag name="LATEXENGINEID" val="0"/>
+  <p:tag name="TEMPFOLDER" val="c:\temp\"/>
+  <p:tag name="LATEXFORMHEIGHT" val="312"/>
+  <p:tag name="LATEXFORMWIDTH" val="384"/>
+  <p:tag name="LATEXFORMWRAP" val="Wahr"/>
+  <p:tag name="BITMAPVECTOR" val="0"/>
+</p:tagLst>
+</file>
+
+<file path=ppt/tags/tag140.xml><?xml version="1.0" encoding="utf-8"?>
+<p:tagLst xmlns:a="http://schemas.openxmlformats.org/drawingml/2006/main" xmlns:r="http://schemas.openxmlformats.org/officeDocument/2006/relationships" xmlns:p="http://schemas.openxmlformats.org/presentationml/2006/main">
+  <p:tag name="OUTPUTDPI" val="1200"/>
+  <p:tag name="ORIGINALHEIGHT" val="123,7346"/>
+  <p:tag name="ORIGINALWIDTH" val="1284,589"/>
+  <p:tag name="LATEXADDIN" val="\documentclass{article}&#10;\usepackage{amsmath}&#10;\usepackage{color}&#10;\pagestyle{empty}&#10;\begin{document}&#10;%\color{white}&#10;\begin{equation}&#10;\text{BT}\times128\times\text{H}/4\times\text{W}/4&#10;\nonumber&#10;\end{equation}&#10;\end{document}"/>
+  <p:tag name="IGUANATEXSIZE" val="20"/>
+  <p:tag name="IGUANATEXCURSOR" val="181"/>
+  <p:tag name="TRANSPARENCY" val="Wahr"/>
+  <p:tag name="FILENAME" val=""/>
+  <p:tag name="LATEXENGINEID" val="0"/>
+  <p:tag name="TEMPFOLDER" val="c:\temp\"/>
+  <p:tag name="LATEXFORMHEIGHT" val="312"/>
+  <p:tag name="LATEXFORMWIDTH" val="384"/>
+  <p:tag name="LATEXFORMWRAP" val="Wahr"/>
+  <p:tag name="BITMAPVECTOR" val="0"/>
+</p:tagLst>
+</file>
+
+<file path=ppt/tags/tag141.xml><?xml version="1.0" encoding="utf-8"?>
+<p:tagLst xmlns:a="http://schemas.openxmlformats.org/drawingml/2006/main" xmlns:r="http://schemas.openxmlformats.org/officeDocument/2006/relationships" xmlns:p="http://schemas.openxmlformats.org/presentationml/2006/main">
+  <p:tag name="OUTPUTDPI" val="1200"/>
+  <p:tag name="ORIGINALHEIGHT" val="123,7346"/>
+  <p:tag name="ORIGINALWIDTH" val="1284,589"/>
+  <p:tag name="LATEXADDIN" val="\documentclass{article}&#10;\usepackage{amsmath}&#10;\usepackage{color}&#10;\pagestyle{empty}&#10;\begin{document}&#10;%\color{white}&#10;\begin{equation}&#10;\text{BT}\times128\times\text{H}/4\times\text{W}/4&#10;\nonumber&#10;\end{equation}&#10;\end{document}"/>
+  <p:tag name="IGUANATEXSIZE" val="20"/>
+  <p:tag name="IGUANATEXCURSOR" val="181"/>
+  <p:tag name="TRANSPARENCY" val="Wahr"/>
+  <p:tag name="FILENAME" val=""/>
+  <p:tag name="LATEXENGINEID" val="0"/>
+  <p:tag name="TEMPFOLDER" val="c:\temp\"/>
+  <p:tag name="LATEXFORMHEIGHT" val="312"/>
+  <p:tag name="LATEXFORMWIDTH" val="384"/>
+  <p:tag name="LATEXFORMWRAP" val="Wahr"/>
+  <p:tag name="BITMAPVECTOR" val="0"/>
+</p:tagLst>
+</file>
+
+<file path=ppt/tags/tag142.xml><?xml version="1.0" encoding="utf-8"?>
+<p:tagLst xmlns:a="http://schemas.openxmlformats.org/drawingml/2006/main" xmlns:r="http://schemas.openxmlformats.org/officeDocument/2006/relationships" xmlns:p="http://schemas.openxmlformats.org/presentationml/2006/main">
+  <p:tag name="OUTPUTDPI" val="1200"/>
+  <p:tag name="ORIGINALHEIGHT" val="123,7346"/>
+  <p:tag name="ORIGINALWIDTH" val="1284,589"/>
+  <p:tag name="LATEXADDIN" val="\documentclass{article}&#10;\usepackage{amsmath}&#10;\usepackage{color}&#10;\pagestyle{empty}&#10;\begin{document}&#10;%\color{white}&#10;\begin{equation}&#10;\text{BT}\times128\times\text{H}/4\times\text{W}/4&#10;\nonumber&#10;\end{equation}&#10;\end{document}"/>
+  <p:tag name="IGUANATEXSIZE" val="20"/>
+  <p:tag name="IGUANATEXCURSOR" val="181"/>
+  <p:tag name="TRANSPARENCY" val="Wahr"/>
+  <p:tag name="FILENAME" val=""/>
+  <p:tag name="LATEXENGINEID" val="0"/>
+  <p:tag name="TEMPFOLDER" val="c:\temp\"/>
+  <p:tag name="LATEXFORMHEIGHT" val="312"/>
+  <p:tag name="LATEXFORMWIDTH" val="384"/>
+  <p:tag name="LATEXFORMWRAP" val="Wahr"/>
+  <p:tag name="BITMAPVECTOR" val="0"/>
+</p:tagLst>
+</file>
+
+<file path=ppt/tags/tag143.xml><?xml version="1.0" encoding="utf-8"?>
+<p:tagLst xmlns:a="http://schemas.openxmlformats.org/drawingml/2006/main" xmlns:r="http://schemas.openxmlformats.org/officeDocument/2006/relationships" xmlns:p="http://schemas.openxmlformats.org/presentationml/2006/main">
+  <p:tag name="OUTPUTDPI" val="1200"/>
+  <p:tag name="ORIGINALHEIGHT" val="88,48898"/>
+  <p:tag name="ORIGINALWIDTH" val="974,8781"/>
+  <p:tag name="LATEXADDIN" val="\documentclass{article}&#10;\usepackage{amsmath}&#10;\usepackage{color}&#10;\pagestyle{empty}&#10;\begin{document}&#10;%\color{white}&#10;\begin{equation}&#10;\text{BT}\times64\times\text{H}\times\text{W}&#10;\nonumber&#10;\end{equation}&#10;\end{document}"/>
+  <p:tag name="IGUANATEXSIZE" val="20"/>
+  <p:tag name="IGUANATEXCURSOR" val="161"/>
+  <p:tag name="TRANSPARENCY" val="Wahr"/>
+  <p:tag name="FILENAME" val=""/>
+  <p:tag name="LATEXENGINEID" val="0"/>
+  <p:tag name="TEMPFOLDER" val="c:\temp\"/>
+  <p:tag name="LATEXFORMHEIGHT" val="312"/>
+  <p:tag name="LATEXFORMWIDTH" val="384"/>
+  <p:tag name="LATEXFORMWRAP" val="Wahr"/>
+  <p:tag name="BITMAPVECTOR" val="0"/>
+</p:tagLst>
+</file>
+
+<file path=ppt/tags/tag144.xml><?xml version="1.0" encoding="utf-8"?>
+<p:tagLst xmlns:a="http://schemas.openxmlformats.org/drawingml/2006/main" xmlns:r="http://schemas.openxmlformats.org/officeDocument/2006/relationships" xmlns:p="http://schemas.openxmlformats.org/presentationml/2006/main">
+  <p:tag name="OUTPUTDPI" val="1200"/>
+  <p:tag name="ORIGINALHEIGHT" val="88,48898"/>
+  <p:tag name="ORIGINALWIDTH" val="974,8781"/>
+  <p:tag name="LATEXADDIN" val="\documentclass{article}&#10;\usepackage{amsmath}&#10;\usepackage{color}&#10;\pagestyle{empty}&#10;\begin{document}&#10;%\color{white}&#10;\begin{equation}&#10;\text{BT}\times64\times\text{H}\times\text{W}&#10;\nonumber&#10;\end{equation}&#10;\end{document}"/>
+  <p:tag name="IGUANATEXSIZE" val="20"/>
+  <p:tag name="IGUANATEXCURSOR" val="161"/>
+  <p:tag name="TRANSPARENCY" val="Wahr"/>
+  <p:tag name="FILENAME" val=""/>
+  <p:tag name="LATEXENGINEID" val="0"/>
+  <p:tag name="TEMPFOLDER" val="c:\temp\"/>
+  <p:tag name="LATEXFORMHEIGHT" val="312"/>
+  <p:tag name="LATEXFORMWIDTH" val="384"/>
+  <p:tag name="LATEXFORMWRAP" val="Wahr"/>
+  <p:tag name="BITMAPVECTOR" val="0"/>
+</p:tagLst>
+</file>
+
+<file path=ppt/tags/tag145.xml><?xml version="1.0" encoding="utf-8"?>
+<p:tagLst xmlns:a="http://schemas.openxmlformats.org/drawingml/2006/main" xmlns:r="http://schemas.openxmlformats.org/officeDocument/2006/relationships" xmlns:p="http://schemas.openxmlformats.org/presentationml/2006/main">
+  <p:tag name="OUTPUTDPI" val="1200"/>
+  <p:tag name="ORIGINALHEIGHT" val="88,48898"/>
+  <p:tag name="ORIGINALWIDTH" val="911,886"/>
+  <p:tag name="LATEXADDIN" val="\documentclass{article}&#10;\usepackage{amsmath}&#10;\usepackage{color}&#10;\pagestyle{empty}&#10;\begin{document}&#10;%\color{white}&#10;\begin{equation}&#10;\text{BT}\times4\times\text{H}\times\text{W}&#10;\nonumber&#10;\end{equation}&#10;\end{document}"/>
+  <p:tag name="IGUANATEXSIZE" val="20"/>
+  <p:tag name="IGUANATEXCURSOR" val="174"/>
+  <p:tag name="TRANSPARENCY" val="Wahr"/>
+  <p:tag name="FILENAME" val=""/>
+  <p:tag name="LATEXENGINEID" val="0"/>
+  <p:tag name="TEMPFOLDER" val="c:\temp\"/>
+  <p:tag name="LATEXFORMHEIGHT" val="312"/>
+  <p:tag name="LATEXFORMWIDTH" val="384"/>
+  <p:tag name="LATEXFORMWRAP" val="Wahr"/>
+  <p:tag name="BITMAPVECTOR" val="0"/>
+</p:tagLst>
+</file>
+
+<file path=ppt/tags/tag146.xml><?xml version="1.0" encoding="utf-8"?>
+<p:tagLst xmlns:a="http://schemas.openxmlformats.org/drawingml/2006/main" xmlns:r="http://schemas.openxmlformats.org/officeDocument/2006/relationships" xmlns:p="http://schemas.openxmlformats.org/presentationml/2006/main">
+  <p:tag name="OUTPUTDPI" val="1200"/>
+  <p:tag name="ORIGINALHEIGHT" val="88,48898"/>
+  <p:tag name="ORIGINALWIDTH" val="911,886"/>
+  <p:tag name="LATEXADDIN" val="\documentclass{article}&#10;\usepackage{amsmath}&#10;\usepackage{color}&#10;\pagestyle{empty}&#10;\begin{document}&#10;%\color{white}&#10;\begin{equation}&#10;\text{BT}\times4\times\text{H}\times\text{W}&#10;\nonumber&#10;\end{equation}&#10;\end{document}"/>
+  <p:tag name="IGUANATEXSIZE" val="20"/>
+  <p:tag name="IGUANATEXCURSOR" val="175"/>
   <p:tag name="TRANSPARENCY" val="Wahr"/>
   <p:tag name="FILENAME" val=""/>
   <p:tag name="LATEXENGINEID" val="0"/>

--- a/windows/masters_thesis_imgs.pptx
+++ b/windows/masters_thesis_imgs.pptx
@@ -10038,10 +10038,10 @@
       </p:sp>
       <p:grpSp>
         <p:nvGrpSpPr>
-          <p:cNvPr id="279" name="Gruppieren 278">
+          <p:cNvPr id="220" name="Gruppieren 219">
             <a:extLst>
               <a:ext uri="{FF2B5EF4-FFF2-40B4-BE49-F238E27FC236}">
-                <a16:creationId xmlns:a16="http://schemas.microsoft.com/office/drawing/2014/main" id="{A3400F35-0076-4677-898B-26441FE43580}"/>
+                <a16:creationId xmlns:a16="http://schemas.microsoft.com/office/drawing/2014/main" id="{36E2FAF9-4FD9-49C3-B3F3-BE2EBA0326FA}"/>
               </a:ext>
             </a:extLst>
           </p:cNvPr>
@@ -10050,18 +10050,18 @@
         </p:nvGrpSpPr>
         <p:grpSpPr>
           <a:xfrm>
-            <a:off x="1120207" y="860260"/>
-            <a:ext cx="10749086" cy="3882394"/>
-            <a:chOff x="459091" y="1241260"/>
-            <a:chExt cx="10749086" cy="3882394"/>
+            <a:off x="1536282" y="251341"/>
+            <a:ext cx="10750261" cy="3882394"/>
+            <a:chOff x="1536282" y="251341"/>
+            <a:chExt cx="10750261" cy="3882394"/>
           </a:xfrm>
         </p:grpSpPr>
         <p:pic>
           <p:nvPicPr>
-            <p:cNvPr id="7" name="Grafik 6">
+            <p:cNvPr id="219" name="Grafik 218">
               <a:extLst>
                 <a:ext uri="{FF2B5EF4-FFF2-40B4-BE49-F238E27FC236}">
-                  <a16:creationId xmlns:a16="http://schemas.microsoft.com/office/drawing/2014/main" id="{C139AC01-D9BE-48B6-B849-EFA5B7CC7386}"/>
+                  <a16:creationId xmlns:a16="http://schemas.microsoft.com/office/drawing/2014/main" id="{B6E890B2-311D-466E-8D2E-3636ED9CEA71}"/>
                 </a:ext>
               </a:extLst>
             </p:cNvPr>
@@ -10070,12 +10070,12 @@
             </p:cNvPicPr>
             <p:nvPr>
               <p:custDataLst>
-                <p:tags r:id="rId1"/>
+                <p:tags r:id="rId15"/>
               </p:custDataLst>
             </p:nvPr>
           </p:nvPicPr>
           <p:blipFill>
-            <a:blip r:embed="rId31">
+            <a:blip r:embed="rId45">
               <a:extLst>
                 <a:ext uri="{28A0092B-C50C-407E-A947-70E740481C1C}">
                   <a14:useLocalDpi xmlns:a14="http://schemas.microsoft.com/office/drawing/2010/main" val="0"/>
@@ -10088,8 +10088,8 @@
           </p:blipFill>
           <p:spPr>
             <a:xfrm rot="16200000">
-              <a:off x="-299004" y="2010533"/>
-              <a:ext cx="1744762" cy="228571"/>
+              <a:off x="362483" y="1425140"/>
+              <a:ext cx="2578692" cy="231093"/>
             </a:xfrm>
             <a:prstGeom prst="rect">
               <a:avLst/>
@@ -10110,7 +10110,7 @@
           </p:nvGrpSpPr>
           <p:grpSpPr>
             <a:xfrm>
-              <a:off x="873058" y="1241260"/>
+              <a:off x="1951424" y="251341"/>
               <a:ext cx="6964151" cy="3636182"/>
               <a:chOff x="2123193" y="1980388"/>
               <a:chExt cx="6964151" cy="3636182"/>
@@ -10250,12 +10250,12 @@
                 </p:cNvPicPr>
                 <p:nvPr>
                   <p:custDataLst>
-                    <p:tags r:id="rId29"/>
+                    <p:tags r:id="rId43"/>
                   </p:custDataLst>
                 </p:nvPr>
               </p:nvPicPr>
               <p:blipFill>
-                <a:blip r:embed="rId32">
+                <a:blip r:embed="rId46">
                   <a:extLst>
                     <a:ext uri="{28A0092B-C50C-407E-A947-70E740481C1C}">
                       <a14:useLocalDpi xmlns:a14="http://schemas.microsoft.com/office/drawing/2010/main" val="0"/>
@@ -10365,12 +10365,12 @@
                 </p:cNvPicPr>
                 <p:nvPr>
                   <p:custDataLst>
-                    <p:tags r:id="rId28"/>
+                    <p:tags r:id="rId42"/>
                   </p:custDataLst>
                 </p:nvPr>
               </p:nvPicPr>
               <p:blipFill>
-                <a:blip r:embed="rId32">
+                <a:blip r:embed="rId46">
                   <a:extLst>
                     <a:ext uri="{28A0092B-C50C-407E-A947-70E740481C1C}">
                       <a14:useLocalDpi xmlns:a14="http://schemas.microsoft.com/office/drawing/2010/main" val="0"/>
@@ -10480,12 +10480,12 @@
                 </p:cNvPicPr>
                 <p:nvPr>
                   <p:custDataLst>
-                    <p:tags r:id="rId27"/>
+                    <p:tags r:id="rId41"/>
                   </p:custDataLst>
                 </p:nvPr>
               </p:nvPicPr>
               <p:blipFill>
-                <a:blip r:embed="rId33">
+                <a:blip r:embed="rId47">
                   <a:extLst>
                     <a:ext uri="{28A0092B-C50C-407E-A947-70E740481C1C}">
                       <a14:useLocalDpi xmlns:a14="http://schemas.microsoft.com/office/drawing/2010/main" val="0"/>
@@ -10595,12 +10595,12 @@
                 </p:cNvPicPr>
                 <p:nvPr>
                   <p:custDataLst>
-                    <p:tags r:id="rId26"/>
+                    <p:tags r:id="rId40"/>
                   </p:custDataLst>
                 </p:nvPr>
               </p:nvPicPr>
               <p:blipFill>
-                <a:blip r:embed="rId33">
+                <a:blip r:embed="rId47">
                   <a:extLst>
                     <a:ext uri="{28A0092B-C50C-407E-A947-70E740481C1C}">
                       <a14:useLocalDpi xmlns:a14="http://schemas.microsoft.com/office/drawing/2010/main" val="0"/>
@@ -10710,12 +10710,12 @@
                 </p:cNvPicPr>
                 <p:nvPr>
                   <p:custDataLst>
-                    <p:tags r:id="rId25"/>
+                    <p:tags r:id="rId39"/>
                   </p:custDataLst>
                 </p:nvPr>
               </p:nvPicPr>
               <p:blipFill>
-                <a:blip r:embed="rId34">
+                <a:blip r:embed="rId48">
                   <a:extLst>
                     <a:ext uri="{28A0092B-C50C-407E-A947-70E740481C1C}">
                       <a14:useLocalDpi xmlns:a14="http://schemas.microsoft.com/office/drawing/2010/main" val="0"/>
@@ -10825,12 +10825,12 @@
                 </p:cNvPicPr>
                 <p:nvPr>
                   <p:custDataLst>
-                    <p:tags r:id="rId24"/>
+                    <p:tags r:id="rId38"/>
                   </p:custDataLst>
                 </p:nvPr>
               </p:nvPicPr>
               <p:blipFill>
-                <a:blip r:embed="rId34">
+                <a:blip r:embed="rId48">
                   <a:extLst>
                     <a:ext uri="{28A0092B-C50C-407E-A947-70E740481C1C}">
                       <a14:useLocalDpi xmlns:a14="http://schemas.microsoft.com/office/drawing/2010/main" val="0"/>
@@ -10940,12 +10940,12 @@
                 </p:cNvPicPr>
                 <p:nvPr>
                   <p:custDataLst>
-                    <p:tags r:id="rId23"/>
+                    <p:tags r:id="rId37"/>
                   </p:custDataLst>
                 </p:nvPr>
               </p:nvPicPr>
               <p:blipFill>
-                <a:blip r:embed="rId34">
+                <a:blip r:embed="rId48">
                   <a:extLst>
                     <a:ext uri="{28A0092B-C50C-407E-A947-70E740481C1C}">
                       <a14:useLocalDpi xmlns:a14="http://schemas.microsoft.com/office/drawing/2010/main" val="0"/>
@@ -11109,12 +11109,12 @@
                 </p:cNvPicPr>
                 <p:nvPr>
                   <p:custDataLst>
-                    <p:tags r:id="rId22"/>
+                    <p:tags r:id="rId36"/>
                   </p:custDataLst>
                 </p:nvPr>
               </p:nvPicPr>
               <p:blipFill>
-                <a:blip r:embed="rId35">
+                <a:blip r:embed="rId49">
                   <a:extLst>
                     <a:ext uri="{28A0092B-C50C-407E-A947-70E740481C1C}">
                       <a14:useLocalDpi xmlns:a14="http://schemas.microsoft.com/office/drawing/2010/main" val="0"/>
@@ -11224,12 +11224,12 @@
                 </p:cNvPicPr>
                 <p:nvPr>
                   <p:custDataLst>
-                    <p:tags r:id="rId21"/>
+                    <p:tags r:id="rId35"/>
                   </p:custDataLst>
                 </p:nvPr>
               </p:nvPicPr>
               <p:blipFill>
-                <a:blip r:embed="rId33">
+                <a:blip r:embed="rId47">
                   <a:extLst>
                     <a:ext uri="{28A0092B-C50C-407E-A947-70E740481C1C}">
                       <a14:useLocalDpi xmlns:a14="http://schemas.microsoft.com/office/drawing/2010/main" val="0"/>
@@ -11339,12 +11339,12 @@
                 </p:cNvPicPr>
                 <p:nvPr>
                   <p:custDataLst>
-                    <p:tags r:id="rId20"/>
+                    <p:tags r:id="rId34"/>
                   </p:custDataLst>
                 </p:nvPr>
               </p:nvPicPr>
               <p:blipFill>
-                <a:blip r:embed="rId33">
+                <a:blip r:embed="rId47">
                   <a:extLst>
                     <a:ext uri="{28A0092B-C50C-407E-A947-70E740481C1C}">
                       <a14:useLocalDpi xmlns:a14="http://schemas.microsoft.com/office/drawing/2010/main" val="0"/>
@@ -11454,12 +11454,12 @@
                 </p:cNvPicPr>
                 <p:nvPr>
                   <p:custDataLst>
-                    <p:tags r:id="rId19"/>
+                    <p:tags r:id="rId33"/>
                   </p:custDataLst>
                 </p:nvPr>
               </p:nvPicPr>
               <p:blipFill>
-                <a:blip r:embed="rId32">
+                <a:blip r:embed="rId46">
                   <a:extLst>
                     <a:ext uri="{28A0092B-C50C-407E-A947-70E740481C1C}">
                       <a14:useLocalDpi xmlns:a14="http://schemas.microsoft.com/office/drawing/2010/main" val="0"/>
@@ -11933,12 +11933,12 @@
                 </p:cNvPicPr>
                 <p:nvPr>
                   <p:custDataLst>
-                    <p:tags r:id="rId18"/>
+                    <p:tags r:id="rId32"/>
                   </p:custDataLst>
                 </p:nvPr>
               </p:nvPicPr>
               <p:blipFill>
-                <a:blip r:embed="rId36">
+                <a:blip r:embed="rId50">
                   <a:extLst>
                     <a:ext uri="{28A0092B-C50C-407E-A947-70E740481C1C}">
                       <a14:useLocalDpi xmlns:a14="http://schemas.microsoft.com/office/drawing/2010/main" val="0"/>
@@ -12048,12 +12048,12 @@
                 </p:cNvPicPr>
                 <p:nvPr>
                   <p:custDataLst>
-                    <p:tags r:id="rId17"/>
+                    <p:tags r:id="rId31"/>
                   </p:custDataLst>
                 </p:nvPr>
               </p:nvPicPr>
               <p:blipFill>
-                <a:blip r:embed="rId37">
+                <a:blip r:embed="rId51">
                   <a:extLst>
                     <a:ext uri="{28A0092B-C50C-407E-A947-70E740481C1C}">
                       <a14:useLocalDpi xmlns:a14="http://schemas.microsoft.com/office/drawing/2010/main" val="0"/>
@@ -12163,12 +12163,12 @@
                 </p:cNvPicPr>
                 <p:nvPr>
                   <p:custDataLst>
-                    <p:tags r:id="rId16"/>
+                    <p:tags r:id="rId30"/>
                   </p:custDataLst>
                 </p:nvPr>
               </p:nvPicPr>
               <p:blipFill>
-                <a:blip r:embed="rId37">
+                <a:blip r:embed="rId51">
                   <a:extLst>
                     <a:ext uri="{28A0092B-C50C-407E-A947-70E740481C1C}">
                       <a14:useLocalDpi xmlns:a14="http://schemas.microsoft.com/office/drawing/2010/main" val="0"/>
@@ -12278,12 +12278,12 @@
                 </p:cNvPicPr>
                 <p:nvPr>
                   <p:custDataLst>
-                    <p:tags r:id="rId15"/>
+                    <p:tags r:id="rId29"/>
                   </p:custDataLst>
                 </p:nvPr>
               </p:nvPicPr>
               <p:blipFill>
-                <a:blip r:embed="rId37">
+                <a:blip r:embed="rId51">
                   <a:extLst>
                     <a:ext uri="{28A0092B-C50C-407E-A947-70E740481C1C}">
                       <a14:useLocalDpi xmlns:a14="http://schemas.microsoft.com/office/drawing/2010/main" val="0"/>
@@ -12393,12 +12393,12 @@
                 </p:cNvPicPr>
                 <p:nvPr>
                   <p:custDataLst>
-                    <p:tags r:id="rId14"/>
+                    <p:tags r:id="rId28"/>
                   </p:custDataLst>
                 </p:nvPr>
               </p:nvPicPr>
               <p:blipFill>
-                <a:blip r:embed="rId38">
+                <a:blip r:embed="rId52">
                   <a:extLst>
                     <a:ext uri="{28A0092B-C50C-407E-A947-70E740481C1C}">
                       <a14:useLocalDpi xmlns:a14="http://schemas.microsoft.com/office/drawing/2010/main" val="0"/>
@@ -12508,12 +12508,12 @@
                 </p:cNvPicPr>
                 <p:nvPr>
                   <p:custDataLst>
-                    <p:tags r:id="rId13"/>
+                    <p:tags r:id="rId27"/>
                   </p:custDataLst>
                 </p:nvPr>
               </p:nvPicPr>
               <p:blipFill>
-                <a:blip r:embed="rId38">
+                <a:blip r:embed="rId52">
                   <a:extLst>
                     <a:ext uri="{28A0092B-C50C-407E-A947-70E740481C1C}">
                       <a14:useLocalDpi xmlns:a14="http://schemas.microsoft.com/office/drawing/2010/main" val="0"/>
@@ -12990,7 +12990,7 @@
           </p:nvGrpSpPr>
           <p:grpSpPr>
             <a:xfrm>
-              <a:off x="8028519" y="1251413"/>
+              <a:off x="9106885" y="261494"/>
               <a:ext cx="1961366" cy="1025725"/>
               <a:chOff x="9278654" y="1990541"/>
               <a:chExt cx="1961366" cy="1025725"/>
@@ -13010,12 +13010,12 @@
               </p:cNvPicPr>
               <p:nvPr>
                 <p:custDataLst>
-                  <p:tags r:id="rId9"/>
+                  <p:tags r:id="rId23"/>
                 </p:custDataLst>
               </p:nvPr>
             </p:nvPicPr>
             <p:blipFill>
-              <a:blip r:embed="rId39">
+              <a:blip r:embed="rId53">
                 <a:extLst>
                   <a:ext uri="{28A0092B-C50C-407E-A947-70E740481C1C}">
                     <a14:useLocalDpi xmlns:a14="http://schemas.microsoft.com/office/drawing/2010/main" val="0"/>
@@ -13158,12 +13158,12 @@
               </p:cNvPicPr>
               <p:nvPr>
                 <p:custDataLst>
-                  <p:tags r:id="rId10"/>
+                  <p:tags r:id="rId24"/>
                 </p:custDataLst>
               </p:nvPr>
             </p:nvPicPr>
             <p:blipFill>
-              <a:blip r:embed="rId40">
+              <a:blip r:embed="rId54">
                 <a:extLst>
                   <a:ext uri="{28A0092B-C50C-407E-A947-70E740481C1C}">
                     <a14:useLocalDpi xmlns:a14="http://schemas.microsoft.com/office/drawing/2010/main" val="0"/>
@@ -13198,12 +13198,12 @@
               </p:cNvPicPr>
               <p:nvPr>
                 <p:custDataLst>
-                  <p:tags r:id="rId11"/>
+                  <p:tags r:id="rId25"/>
                 </p:custDataLst>
               </p:nvPr>
             </p:nvPicPr>
             <p:blipFill>
-              <a:blip r:embed="rId41">
+              <a:blip r:embed="rId55">
                 <a:extLst>
                   <a:ext uri="{28A0092B-C50C-407E-A947-70E740481C1C}">
                     <a14:useLocalDpi xmlns:a14="http://schemas.microsoft.com/office/drawing/2010/main" val="0"/>
@@ -13498,12 +13498,12 @@
                 </p:cNvPicPr>
                 <p:nvPr>
                   <p:custDataLst>
-                    <p:tags r:id="rId12"/>
+                    <p:tags r:id="rId26"/>
                   </p:custDataLst>
                 </p:nvPr>
               </p:nvPicPr>
               <p:blipFill>
-                <a:blip r:embed="rId42">
+                <a:blip r:embed="rId56">
                   <a:extLst>
                     <a:ext uri="{28A0092B-C50C-407E-A947-70E740481C1C}">
                       <a14:useLocalDpi xmlns:a14="http://schemas.microsoft.com/office/drawing/2010/main" val="0"/>
@@ -13584,12 +13584,12 @@
             </p:cNvPicPr>
             <p:nvPr>
               <p:custDataLst>
-                <p:tags r:id="rId2"/>
+                <p:tags r:id="rId16"/>
               </p:custDataLst>
             </p:nvPr>
           </p:nvPicPr>
           <p:blipFill>
-            <a:blip r:embed="rId43">
+            <a:blip r:embed="rId57">
               <a:extLst>
                 <a:ext uri="{28A0092B-C50C-407E-A947-70E740481C1C}">
                   <a14:useLocalDpi xmlns:a14="http://schemas.microsoft.com/office/drawing/2010/main" val="0"/>
@@ -13602,7 +13602,7 @@
           </p:blipFill>
           <p:spPr>
             <a:xfrm>
-              <a:off x="9922643" y="1922633"/>
+              <a:off x="11001009" y="932714"/>
               <a:ext cx="1285534" cy="306084"/>
             </a:xfrm>
             <a:prstGeom prst="rect">
@@ -13624,7 +13624,7 @@
           </p:nvGrpSpPr>
           <p:grpSpPr>
             <a:xfrm>
-              <a:off x="7066681" y="2997200"/>
+              <a:off x="8145047" y="2007281"/>
               <a:ext cx="2531887" cy="2126454"/>
               <a:chOff x="7066681" y="2997200"/>
               <a:chExt cx="2531887" cy="2126454"/>
@@ -13688,12 +13688,12 @@
               </p:cNvPicPr>
               <p:nvPr>
                 <p:custDataLst>
-                  <p:tags r:id="rId3"/>
+                  <p:tags r:id="rId17"/>
                 </p:custDataLst>
               </p:nvPr>
             </p:nvPicPr>
             <p:blipFill>
-              <a:blip r:embed="rId44">
+              <a:blip r:embed="rId58">
                 <a:extLst>
                   <a:ext uri="{28A0092B-C50C-407E-A947-70E740481C1C}">
                     <a14:useLocalDpi xmlns:a14="http://schemas.microsoft.com/office/drawing/2010/main" val="0"/>
@@ -13772,12 +13772,12 @@
               </p:cNvPicPr>
               <p:nvPr>
                 <p:custDataLst>
-                  <p:tags r:id="rId4"/>
+                  <p:tags r:id="rId18"/>
                 </p:custDataLst>
               </p:nvPr>
             </p:nvPicPr>
             <p:blipFill>
-              <a:blip r:embed="rId45">
+              <a:blip r:embed="rId59">
                 <a:extLst>
                   <a:ext uri="{28A0092B-C50C-407E-A947-70E740481C1C}">
                     <a14:useLocalDpi xmlns:a14="http://schemas.microsoft.com/office/drawing/2010/main" val="0"/>
@@ -13856,12 +13856,12 @@
               </p:cNvPicPr>
               <p:nvPr>
                 <p:custDataLst>
-                  <p:tags r:id="rId5"/>
+                  <p:tags r:id="rId19"/>
                 </p:custDataLst>
               </p:nvPr>
             </p:nvPicPr>
             <p:blipFill>
-              <a:blip r:embed="rId46">
+              <a:blip r:embed="rId60">
                 <a:extLst>
                   <a:ext uri="{28A0092B-C50C-407E-A947-70E740481C1C}">
                     <a14:useLocalDpi xmlns:a14="http://schemas.microsoft.com/office/drawing/2010/main" val="0"/>
@@ -13896,12 +13896,12 @@
               </p:cNvPicPr>
               <p:nvPr>
                 <p:custDataLst>
-                  <p:tags r:id="rId6"/>
+                  <p:tags r:id="rId20"/>
                 </p:custDataLst>
               </p:nvPr>
             </p:nvPicPr>
             <p:blipFill>
-              <a:blip r:embed="rId47">
+              <a:blip r:embed="rId61">
                 <a:extLst>
                   <a:ext uri="{28A0092B-C50C-407E-A947-70E740481C1C}">
                     <a14:useLocalDpi xmlns:a14="http://schemas.microsoft.com/office/drawing/2010/main" val="0"/>
@@ -14024,12 +14024,12 @@
               </p:cNvPicPr>
               <p:nvPr>
                 <p:custDataLst>
-                  <p:tags r:id="rId7"/>
+                  <p:tags r:id="rId21"/>
                 </p:custDataLst>
               </p:nvPr>
             </p:nvPicPr>
             <p:blipFill>
-              <a:blip r:embed="rId48">
+              <a:blip r:embed="rId62">
                 <a:extLst>
                   <a:ext uri="{28A0092B-C50C-407E-A947-70E740481C1C}">
                     <a14:useLocalDpi xmlns:a14="http://schemas.microsoft.com/office/drawing/2010/main" val="0"/>
@@ -14110,12 +14110,12 @@
               </p:cNvPicPr>
               <p:nvPr>
                 <p:custDataLst>
-                  <p:tags r:id="rId8"/>
+                  <p:tags r:id="rId22"/>
                 </p:custDataLst>
               </p:nvPr>
             </p:nvPicPr>
             <p:blipFill>
-              <a:blip r:embed="rId49">
+              <a:blip r:embed="rId63">
                 <a:extLst>
                   <a:ext uri="{28A0092B-C50C-407E-A947-70E740481C1C}">
                     <a14:useLocalDpi xmlns:a14="http://schemas.microsoft.com/office/drawing/2010/main" val="0"/>
@@ -14137,6 +14137,1974 @@
             </p:spPr>
           </p:pic>
         </p:grpSp>
+      </p:grpSp>
+      <p:grpSp>
+        <p:nvGrpSpPr>
+          <p:cNvPr id="201" name="Gruppieren 200">
+            <a:extLst>
+              <a:ext uri="{FF2B5EF4-FFF2-40B4-BE49-F238E27FC236}">
+                <a16:creationId xmlns:a16="http://schemas.microsoft.com/office/drawing/2014/main" id="{7D9712D2-3CA3-4F2F-B76E-37C437AAD2FF}"/>
+              </a:ext>
+            </a:extLst>
+          </p:cNvPr>
+          <p:cNvGrpSpPr/>
+          <p:nvPr/>
+        </p:nvGrpSpPr>
+        <p:grpSpPr>
+          <a:xfrm>
+            <a:off x="-242747" y="5038049"/>
+            <a:ext cx="4690540" cy="2424034"/>
+            <a:chOff x="454741" y="4212020"/>
+            <a:chExt cx="4690540" cy="2424034"/>
+          </a:xfrm>
+        </p:grpSpPr>
+        <p:sp>
+          <p:nvSpPr>
+            <p:cNvPr id="2" name="Rechteck: abgerundete Ecken 1">
+              <a:extLst>
+                <a:ext uri="{FF2B5EF4-FFF2-40B4-BE49-F238E27FC236}">
+                  <a16:creationId xmlns:a16="http://schemas.microsoft.com/office/drawing/2014/main" id="{1C258E69-C181-4A0B-BDEC-1E9E4E4510E3}"/>
+                </a:ext>
+              </a:extLst>
+            </p:cNvPr>
+            <p:cNvSpPr/>
+            <p:nvPr/>
+          </p:nvSpPr>
+          <p:spPr>
+            <a:xfrm>
+              <a:off x="1190439" y="4212020"/>
+              <a:ext cx="3377903" cy="2038449"/>
+            </a:xfrm>
+            <a:prstGeom prst="roundRect">
+              <a:avLst/>
+            </a:prstGeom>
+            <a:solidFill>
+              <a:srgbClr val="FF7F2B"/>
+            </a:solidFill>
+            <a:ln>
+              <a:noFill/>
+            </a:ln>
+          </p:spPr>
+          <p:style>
+            <a:lnRef idx="2">
+              <a:schemeClr val="accent1">
+                <a:shade val="50000"/>
+              </a:schemeClr>
+            </a:lnRef>
+            <a:fillRef idx="1">
+              <a:schemeClr val="accent1"/>
+            </a:fillRef>
+            <a:effectRef idx="0">
+              <a:schemeClr val="accent1"/>
+            </a:effectRef>
+            <a:fontRef idx="minor">
+              <a:schemeClr val="lt1"/>
+            </a:fontRef>
+          </p:style>
+          <p:txBody>
+            <a:bodyPr rtlCol="0" anchor="ctr"/>
+            <a:lstStyle/>
+            <a:p>
+              <a:pPr algn="ctr"/>
+              <a:endParaRPr lang="en-GB"/>
+            </a:p>
+          </p:txBody>
+        </p:sp>
+        <p:pic>
+          <p:nvPicPr>
+            <p:cNvPr id="6" name="Grafik 5">
+              <a:extLst>
+                <a:ext uri="{FF2B5EF4-FFF2-40B4-BE49-F238E27FC236}">
+                  <a16:creationId xmlns:a16="http://schemas.microsoft.com/office/drawing/2014/main" id="{E3A7AA32-238E-4F2B-8143-26A7125CEA60}"/>
+                </a:ext>
+              </a:extLst>
+            </p:cNvPr>
+            <p:cNvPicPr>
+              <a:picLocks noChangeAspect="1"/>
+            </p:cNvPicPr>
+            <p:nvPr>
+              <p:custDataLst>
+                <p:tags r:id="rId1"/>
+              </p:custDataLst>
+            </p:nvPr>
+          </p:nvPicPr>
+          <p:blipFill>
+            <a:blip r:embed="rId64">
+              <a:extLst>
+                <a:ext uri="{28A0092B-C50C-407E-A947-70E740481C1C}">
+                  <a14:useLocalDpi xmlns:a14="http://schemas.microsoft.com/office/drawing/2010/main" val="0"/>
+                </a:ext>
+              </a:extLst>
+            </a:blip>
+            <a:stretch>
+              <a:fillRect/>
+            </a:stretch>
+          </p:blipFill>
+          <p:spPr>
+            <a:xfrm>
+              <a:off x="454741" y="4515993"/>
+              <a:ext cx="419048" cy="150857"/>
+            </a:xfrm>
+            <a:prstGeom prst="rect">
+              <a:avLst/>
+            </a:prstGeom>
+          </p:spPr>
+        </p:pic>
+        <p:pic>
+          <p:nvPicPr>
+            <p:cNvPr id="9" name="Grafik 8">
+              <a:extLst>
+                <a:ext uri="{FF2B5EF4-FFF2-40B4-BE49-F238E27FC236}">
+                  <a16:creationId xmlns:a16="http://schemas.microsoft.com/office/drawing/2014/main" id="{CB1FA7F2-7531-459B-8249-363ABD7021A7}"/>
+                </a:ext>
+              </a:extLst>
+            </p:cNvPr>
+            <p:cNvPicPr>
+              <a:picLocks noChangeAspect="1"/>
+            </p:cNvPicPr>
+            <p:nvPr>
+              <p:custDataLst>
+                <p:tags r:id="rId2"/>
+              </p:custDataLst>
+            </p:nvPr>
+          </p:nvPicPr>
+          <p:blipFill>
+            <a:blip r:embed="rId65">
+              <a:extLst>
+                <a:ext uri="{28A0092B-C50C-407E-A947-70E740481C1C}">
+                  <a14:useLocalDpi xmlns:a14="http://schemas.microsoft.com/office/drawing/2010/main" val="0"/>
+                </a:ext>
+              </a:extLst>
+            </a:blip>
+            <a:stretch>
+              <a:fillRect/>
+            </a:stretch>
+          </p:blipFill>
+          <p:spPr>
+            <a:xfrm>
+              <a:off x="465092" y="5738665"/>
+              <a:ext cx="451539" cy="215556"/>
+            </a:xfrm>
+            <a:prstGeom prst="rect">
+              <a:avLst/>
+            </a:prstGeom>
+          </p:spPr>
+        </p:pic>
+        <p:pic>
+          <p:nvPicPr>
+            <p:cNvPr id="12" name="Grafik 11">
+              <a:extLst>
+                <a:ext uri="{FF2B5EF4-FFF2-40B4-BE49-F238E27FC236}">
+                  <a16:creationId xmlns:a16="http://schemas.microsoft.com/office/drawing/2014/main" id="{BB7C5DB1-5319-4286-AFE2-798F6D00788D}"/>
+                </a:ext>
+              </a:extLst>
+            </p:cNvPr>
+            <p:cNvPicPr>
+              <a:picLocks noChangeAspect="1"/>
+            </p:cNvPicPr>
+            <p:nvPr>
+              <p:custDataLst>
+                <p:tags r:id="rId3"/>
+              </p:custDataLst>
+            </p:nvPr>
+          </p:nvPicPr>
+          <p:blipFill>
+            <a:blip r:embed="rId66">
+              <a:extLst>
+                <a:ext uri="{28A0092B-C50C-407E-A947-70E740481C1C}">
+                  <a14:useLocalDpi xmlns:a14="http://schemas.microsoft.com/office/drawing/2010/main" val="0"/>
+                </a:ext>
+              </a:extLst>
+            </a:blip>
+            <a:stretch>
+              <a:fillRect/>
+            </a:stretch>
+          </p:blipFill>
+          <p:spPr>
+            <a:xfrm>
+              <a:off x="1366266" y="6483644"/>
+              <a:ext cx="208377" cy="152410"/>
+            </a:xfrm>
+            <a:prstGeom prst="rect">
+              <a:avLst/>
+            </a:prstGeom>
+          </p:spPr>
+        </p:pic>
+        <p:pic>
+          <p:nvPicPr>
+            <p:cNvPr id="18" name="Grafik 17">
+              <a:extLst>
+                <a:ext uri="{FF2B5EF4-FFF2-40B4-BE49-F238E27FC236}">
+                  <a16:creationId xmlns:a16="http://schemas.microsoft.com/office/drawing/2014/main" id="{69650A81-88BD-4E8D-8835-3F85F26C8C2D}"/>
+                </a:ext>
+              </a:extLst>
+            </p:cNvPr>
+            <p:cNvPicPr>
+              <a:picLocks noChangeAspect="1"/>
+            </p:cNvPicPr>
+            <p:nvPr>
+              <p:custDataLst>
+                <p:tags r:id="rId4"/>
+              </p:custDataLst>
+            </p:nvPr>
+          </p:nvPicPr>
+          <p:blipFill>
+            <a:blip r:embed="rId67">
+              <a:extLst>
+                <a:ext uri="{28A0092B-C50C-407E-A947-70E740481C1C}">
+                  <a14:useLocalDpi xmlns:a14="http://schemas.microsoft.com/office/drawing/2010/main" val="0"/>
+                </a:ext>
+              </a:extLst>
+            </a:blip>
+            <a:stretch>
+              <a:fillRect/>
+            </a:stretch>
+          </p:blipFill>
+          <p:spPr>
+            <a:xfrm>
+              <a:off x="4941056" y="5768133"/>
+              <a:ext cx="204225" cy="217775"/>
+            </a:xfrm>
+            <a:prstGeom prst="rect">
+              <a:avLst/>
+            </a:prstGeom>
+          </p:spPr>
+        </p:pic>
+        <p:pic>
+          <p:nvPicPr>
+            <p:cNvPr id="21" name="Grafik 20">
+              <a:extLst>
+                <a:ext uri="{FF2B5EF4-FFF2-40B4-BE49-F238E27FC236}">
+                  <a16:creationId xmlns:a16="http://schemas.microsoft.com/office/drawing/2014/main" id="{D6DDE930-F2A9-4AE2-A169-5A65AA460A6F}"/>
+                </a:ext>
+              </a:extLst>
+            </p:cNvPr>
+            <p:cNvPicPr>
+              <a:picLocks noChangeAspect="1"/>
+            </p:cNvPicPr>
+            <p:nvPr>
+              <p:custDataLst>
+                <p:tags r:id="rId5"/>
+              </p:custDataLst>
+            </p:nvPr>
+          </p:nvPicPr>
+          <p:blipFill>
+            <a:blip r:embed="rId68">
+              <a:extLst>
+                <a:ext uri="{28A0092B-C50C-407E-A947-70E740481C1C}">
+                  <a14:useLocalDpi xmlns:a14="http://schemas.microsoft.com/office/drawing/2010/main" val="0"/>
+                </a:ext>
+              </a:extLst>
+            </a:blip>
+            <a:stretch>
+              <a:fillRect/>
+            </a:stretch>
+          </p:blipFill>
+          <p:spPr>
+            <a:xfrm>
+              <a:off x="4941056" y="4538375"/>
+              <a:ext cx="173465" cy="153979"/>
+            </a:xfrm>
+            <a:prstGeom prst="rect">
+              <a:avLst/>
+            </a:prstGeom>
+          </p:spPr>
+        </p:pic>
+        <p:cxnSp>
+          <p:nvCxnSpPr>
+            <p:cNvPr id="149" name="Gerade Verbindung mit Pfeil 148">
+              <a:extLst>
+                <a:ext uri="{FF2B5EF4-FFF2-40B4-BE49-F238E27FC236}">
+                  <a16:creationId xmlns:a16="http://schemas.microsoft.com/office/drawing/2014/main" id="{0DBFBAFB-5157-46C5-B2F0-839835E3F857}"/>
+                </a:ext>
+              </a:extLst>
+            </p:cNvPr>
+            <p:cNvCxnSpPr>
+              <a:cxnSpLocks/>
+              <a:endCxn id="33" idx="2"/>
+            </p:cNvCxnSpPr>
+            <p:nvPr/>
+          </p:nvCxnSpPr>
+          <p:spPr>
+            <a:xfrm flipV="1">
+              <a:off x="936642" y="4597605"/>
+              <a:ext cx="582027" cy="1013"/>
+            </a:xfrm>
+            <a:prstGeom prst="straightConnector1">
+              <a:avLst/>
+            </a:prstGeom>
+            <a:ln w="25400">
+              <a:solidFill>
+                <a:schemeClr val="tx1"/>
+              </a:solidFill>
+              <a:tailEnd type="triangle"/>
+            </a:ln>
+          </p:spPr>
+          <p:style>
+            <a:lnRef idx="1">
+              <a:schemeClr val="accent1"/>
+            </a:lnRef>
+            <a:fillRef idx="0">
+              <a:schemeClr val="accent1"/>
+            </a:fillRef>
+            <a:effectRef idx="0">
+              <a:schemeClr val="accent1"/>
+            </a:effectRef>
+            <a:fontRef idx="minor">
+              <a:schemeClr val="tx1"/>
+            </a:fontRef>
+          </p:style>
+        </p:cxnSp>
+        <p:grpSp>
+          <p:nvGrpSpPr>
+            <p:cNvPr id="37" name="Gruppieren 36">
+              <a:extLst>
+                <a:ext uri="{FF2B5EF4-FFF2-40B4-BE49-F238E27FC236}">
+                  <a16:creationId xmlns:a16="http://schemas.microsoft.com/office/drawing/2014/main" id="{56C1ECA2-1470-4687-98F6-45CE39F847AA}"/>
+                </a:ext>
+              </a:extLst>
+            </p:cNvPr>
+            <p:cNvGrpSpPr/>
+            <p:nvPr/>
+          </p:nvGrpSpPr>
+          <p:grpSpPr>
+            <a:xfrm>
+              <a:off x="1518669" y="4471605"/>
+              <a:ext cx="252000" cy="252000"/>
+              <a:chOff x="2230288" y="4701980"/>
+              <a:chExt cx="252000" cy="252000"/>
+            </a:xfrm>
+          </p:grpSpPr>
+          <p:sp>
+            <p:nvSpPr>
+              <p:cNvPr id="33" name="Ellipse 32">
+                <a:extLst>
+                  <a:ext uri="{FF2B5EF4-FFF2-40B4-BE49-F238E27FC236}">
+                    <a16:creationId xmlns:a16="http://schemas.microsoft.com/office/drawing/2014/main" id="{94D0CF1C-0012-4196-8987-1601A126E5D5}"/>
+                  </a:ext>
+                </a:extLst>
+              </p:cNvPr>
+              <p:cNvSpPr/>
+              <p:nvPr/>
+            </p:nvSpPr>
+            <p:spPr>
+              <a:xfrm>
+                <a:off x="2230288" y="4701980"/>
+                <a:ext cx="252000" cy="252000"/>
+              </a:xfrm>
+              <a:prstGeom prst="ellipse">
+                <a:avLst/>
+              </a:prstGeom>
+              <a:solidFill>
+                <a:srgbClr val="25BCFF"/>
+              </a:solidFill>
+              <a:ln>
+                <a:noFill/>
+              </a:ln>
+            </p:spPr>
+            <p:style>
+              <a:lnRef idx="2">
+                <a:schemeClr val="accent1">
+                  <a:shade val="50000"/>
+                </a:schemeClr>
+              </a:lnRef>
+              <a:fillRef idx="1">
+                <a:schemeClr val="accent1"/>
+              </a:fillRef>
+              <a:effectRef idx="0">
+                <a:schemeClr val="accent1"/>
+              </a:effectRef>
+              <a:fontRef idx="minor">
+                <a:schemeClr val="lt1"/>
+              </a:fontRef>
+            </p:style>
+            <p:txBody>
+              <a:bodyPr rtlCol="0" anchor="ctr"/>
+              <a:lstStyle/>
+              <a:p>
+                <a:pPr algn="ctr"/>
+                <a:endParaRPr lang="en-GB"/>
+              </a:p>
+            </p:txBody>
+          </p:sp>
+          <p:pic>
+            <p:nvPicPr>
+              <p:cNvPr id="143" name="Grafik 142">
+                <a:extLst>
+                  <a:ext uri="{FF2B5EF4-FFF2-40B4-BE49-F238E27FC236}">
+                    <a16:creationId xmlns:a16="http://schemas.microsoft.com/office/drawing/2014/main" id="{2ED154D0-3496-4189-A654-DD42C3A8C299}"/>
+                  </a:ext>
+                </a:extLst>
+              </p:cNvPr>
+              <p:cNvPicPr>
+                <a:picLocks noChangeAspect="1"/>
+              </p:cNvPicPr>
+              <p:nvPr>
+                <p:custDataLst>
+                  <p:tags r:id="rId14"/>
+                </p:custDataLst>
+              </p:nvPr>
+            </p:nvPicPr>
+            <p:blipFill>
+              <a:blip r:embed="rId69">
+                <a:extLst>
+                  <a:ext uri="{28A0092B-C50C-407E-A947-70E740481C1C}">
+                    <a14:useLocalDpi xmlns:a14="http://schemas.microsoft.com/office/drawing/2010/main" val="0"/>
+                  </a:ext>
+                </a:extLst>
+              </a:blip>
+              <a:stretch>
+                <a:fillRect/>
+              </a:stretch>
+            </p:blipFill>
+            <p:spPr>
+              <a:xfrm>
+                <a:off x="2294708" y="4765181"/>
+                <a:ext cx="128622" cy="127625"/>
+              </a:xfrm>
+              <a:prstGeom prst="rect">
+                <a:avLst/>
+              </a:prstGeom>
+            </p:spPr>
+          </p:pic>
+        </p:grpSp>
+        <p:grpSp>
+          <p:nvGrpSpPr>
+            <p:cNvPr id="150" name="Gruppieren 149">
+              <a:extLst>
+                <a:ext uri="{FF2B5EF4-FFF2-40B4-BE49-F238E27FC236}">
+                  <a16:creationId xmlns:a16="http://schemas.microsoft.com/office/drawing/2014/main" id="{1D9EE582-FA1A-40B1-B40D-3F9A648C9FB4}"/>
+                </a:ext>
+              </a:extLst>
+            </p:cNvPr>
+            <p:cNvGrpSpPr/>
+            <p:nvPr/>
+          </p:nvGrpSpPr>
+          <p:grpSpPr>
+            <a:xfrm>
+              <a:off x="2664146" y="4979245"/>
+              <a:ext cx="252000" cy="252000"/>
+              <a:chOff x="2230288" y="4701980"/>
+              <a:chExt cx="252000" cy="252000"/>
+            </a:xfrm>
+          </p:grpSpPr>
+          <p:sp>
+            <p:nvSpPr>
+              <p:cNvPr id="151" name="Ellipse 150">
+                <a:extLst>
+                  <a:ext uri="{FF2B5EF4-FFF2-40B4-BE49-F238E27FC236}">
+                    <a16:creationId xmlns:a16="http://schemas.microsoft.com/office/drawing/2014/main" id="{3F2B6371-5FAF-4C41-A676-8E7CC06A9D5A}"/>
+                  </a:ext>
+                </a:extLst>
+              </p:cNvPr>
+              <p:cNvSpPr/>
+              <p:nvPr/>
+            </p:nvSpPr>
+            <p:spPr>
+              <a:xfrm>
+                <a:off x="2230288" y="4701980"/>
+                <a:ext cx="252000" cy="252000"/>
+              </a:xfrm>
+              <a:prstGeom prst="ellipse">
+                <a:avLst/>
+              </a:prstGeom>
+              <a:solidFill>
+                <a:srgbClr val="25BCFF"/>
+              </a:solidFill>
+              <a:ln>
+                <a:noFill/>
+              </a:ln>
+            </p:spPr>
+            <p:style>
+              <a:lnRef idx="2">
+                <a:schemeClr val="accent1">
+                  <a:shade val="50000"/>
+                </a:schemeClr>
+              </a:lnRef>
+              <a:fillRef idx="1">
+                <a:schemeClr val="accent1"/>
+              </a:fillRef>
+              <a:effectRef idx="0">
+                <a:schemeClr val="accent1"/>
+              </a:effectRef>
+              <a:fontRef idx="minor">
+                <a:schemeClr val="lt1"/>
+              </a:fontRef>
+            </p:style>
+            <p:txBody>
+              <a:bodyPr rtlCol="0" anchor="ctr"/>
+              <a:lstStyle/>
+              <a:p>
+                <a:pPr algn="ctr"/>
+                <a:endParaRPr lang="en-GB"/>
+              </a:p>
+            </p:txBody>
+          </p:sp>
+          <p:pic>
+            <p:nvPicPr>
+              <p:cNvPr id="152" name="Grafik 151">
+                <a:extLst>
+                  <a:ext uri="{FF2B5EF4-FFF2-40B4-BE49-F238E27FC236}">
+                    <a16:creationId xmlns:a16="http://schemas.microsoft.com/office/drawing/2014/main" id="{AFDD4B7E-2196-4AD6-A7E7-B0973417C1F6}"/>
+                  </a:ext>
+                </a:extLst>
+              </p:cNvPr>
+              <p:cNvPicPr>
+                <a:picLocks noChangeAspect="1"/>
+              </p:cNvPicPr>
+              <p:nvPr>
+                <p:custDataLst>
+                  <p:tags r:id="rId13"/>
+                </p:custDataLst>
+              </p:nvPr>
+            </p:nvPicPr>
+            <p:blipFill>
+              <a:blip r:embed="rId69">
+                <a:extLst>
+                  <a:ext uri="{28A0092B-C50C-407E-A947-70E740481C1C}">
+                    <a14:useLocalDpi xmlns:a14="http://schemas.microsoft.com/office/drawing/2010/main" val="0"/>
+                  </a:ext>
+                </a:extLst>
+              </a:blip>
+              <a:stretch>
+                <a:fillRect/>
+              </a:stretch>
+            </p:blipFill>
+            <p:spPr>
+              <a:xfrm>
+                <a:off x="2294708" y="4765181"/>
+                <a:ext cx="128622" cy="127625"/>
+              </a:xfrm>
+              <a:prstGeom prst="rect">
+                <a:avLst/>
+              </a:prstGeom>
+            </p:spPr>
+          </p:pic>
+        </p:grpSp>
+        <p:grpSp>
+          <p:nvGrpSpPr>
+            <p:cNvPr id="38" name="Gruppieren 37">
+              <a:extLst>
+                <a:ext uri="{FF2B5EF4-FFF2-40B4-BE49-F238E27FC236}">
+                  <a16:creationId xmlns:a16="http://schemas.microsoft.com/office/drawing/2014/main" id="{02FA5540-E2D3-484D-985B-6F93A22D49F7}"/>
+                </a:ext>
+              </a:extLst>
+            </p:cNvPr>
+            <p:cNvGrpSpPr/>
+            <p:nvPr/>
+          </p:nvGrpSpPr>
+          <p:grpSpPr>
+            <a:xfrm>
+              <a:off x="2665511" y="4484801"/>
+              <a:ext cx="252000" cy="252000"/>
+              <a:chOff x="2953616" y="4648323"/>
+              <a:chExt cx="252000" cy="252000"/>
+            </a:xfrm>
+          </p:grpSpPr>
+          <p:sp>
+            <p:nvSpPr>
+              <p:cNvPr id="153" name="Ellipse 152">
+                <a:extLst>
+                  <a:ext uri="{FF2B5EF4-FFF2-40B4-BE49-F238E27FC236}">
+                    <a16:creationId xmlns:a16="http://schemas.microsoft.com/office/drawing/2014/main" id="{64076151-E8A5-4DA1-8449-F095A0A834DF}"/>
+                  </a:ext>
+                </a:extLst>
+              </p:cNvPr>
+              <p:cNvSpPr/>
+              <p:nvPr/>
+            </p:nvSpPr>
+            <p:spPr>
+              <a:xfrm>
+                <a:off x="2953616" y="4648323"/>
+                <a:ext cx="252000" cy="252000"/>
+              </a:xfrm>
+              <a:prstGeom prst="ellipse">
+                <a:avLst/>
+              </a:prstGeom>
+              <a:solidFill>
+                <a:srgbClr val="25BCFF"/>
+              </a:solidFill>
+              <a:ln>
+                <a:noFill/>
+              </a:ln>
+            </p:spPr>
+            <p:style>
+              <a:lnRef idx="2">
+                <a:schemeClr val="accent1">
+                  <a:shade val="50000"/>
+                </a:schemeClr>
+              </a:lnRef>
+              <a:fillRef idx="1">
+                <a:schemeClr val="accent1"/>
+              </a:fillRef>
+              <a:effectRef idx="0">
+                <a:schemeClr val="accent1"/>
+              </a:effectRef>
+              <a:fontRef idx="minor">
+                <a:schemeClr val="lt1"/>
+              </a:fontRef>
+            </p:style>
+            <p:txBody>
+              <a:bodyPr rtlCol="0" anchor="ctr"/>
+              <a:lstStyle/>
+              <a:p>
+                <a:pPr algn="ctr"/>
+                <a:endParaRPr lang="en-GB"/>
+              </a:p>
+            </p:txBody>
+          </p:sp>
+          <p:pic>
+            <p:nvPicPr>
+              <p:cNvPr id="32" name="Grafik 31">
+                <a:extLst>
+                  <a:ext uri="{FF2B5EF4-FFF2-40B4-BE49-F238E27FC236}">
+                    <a16:creationId xmlns:a16="http://schemas.microsoft.com/office/drawing/2014/main" id="{FA2151CB-A105-4319-9B92-D3EF836EE3FD}"/>
+                  </a:ext>
+                </a:extLst>
+              </p:cNvPr>
+              <p:cNvPicPr>
+                <a:picLocks noChangeAspect="1"/>
+              </p:cNvPicPr>
+              <p:nvPr>
+                <p:custDataLst>
+                  <p:tags r:id="rId12"/>
+                </p:custDataLst>
+              </p:nvPr>
+            </p:nvPicPr>
+            <p:blipFill>
+              <a:blip r:embed="rId70">
+                <a:extLst>
+                  <a:ext uri="{28A0092B-C50C-407E-A947-70E740481C1C}">
+                    <a14:useLocalDpi xmlns:a14="http://schemas.microsoft.com/office/drawing/2010/main" val="0"/>
+                  </a:ext>
+                </a:extLst>
+              </a:blip>
+              <a:stretch>
+                <a:fillRect/>
+              </a:stretch>
+            </p:blipFill>
+            <p:spPr>
+              <a:xfrm>
+                <a:off x="2990395" y="4684293"/>
+                <a:ext cx="178441" cy="180059"/>
+              </a:xfrm>
+              <a:prstGeom prst="rect">
+                <a:avLst/>
+              </a:prstGeom>
+            </p:spPr>
+          </p:pic>
+        </p:grpSp>
+        <p:grpSp>
+          <p:nvGrpSpPr>
+            <p:cNvPr id="154" name="Gruppieren 153">
+              <a:extLst>
+                <a:ext uri="{FF2B5EF4-FFF2-40B4-BE49-F238E27FC236}">
+                  <a16:creationId xmlns:a16="http://schemas.microsoft.com/office/drawing/2014/main" id="{35888DD2-8121-47A5-849A-571DCAED99B0}"/>
+                </a:ext>
+              </a:extLst>
+            </p:cNvPr>
+            <p:cNvGrpSpPr/>
+            <p:nvPr/>
+          </p:nvGrpSpPr>
+          <p:grpSpPr>
+            <a:xfrm>
+              <a:off x="3964650" y="5748529"/>
+              <a:ext cx="252000" cy="252000"/>
+              <a:chOff x="2230288" y="4701980"/>
+              <a:chExt cx="252000" cy="252000"/>
+            </a:xfrm>
+          </p:grpSpPr>
+          <p:sp>
+            <p:nvSpPr>
+              <p:cNvPr id="155" name="Ellipse 154">
+                <a:extLst>
+                  <a:ext uri="{FF2B5EF4-FFF2-40B4-BE49-F238E27FC236}">
+                    <a16:creationId xmlns:a16="http://schemas.microsoft.com/office/drawing/2014/main" id="{2C7DBA54-515A-47B6-97F8-6C77AE920E8F}"/>
+                  </a:ext>
+                </a:extLst>
+              </p:cNvPr>
+              <p:cNvSpPr/>
+              <p:nvPr/>
+            </p:nvSpPr>
+            <p:spPr>
+              <a:xfrm>
+                <a:off x="2230288" y="4701980"/>
+                <a:ext cx="252000" cy="252000"/>
+              </a:xfrm>
+              <a:prstGeom prst="ellipse">
+                <a:avLst/>
+              </a:prstGeom>
+              <a:solidFill>
+                <a:srgbClr val="25BCFF"/>
+              </a:solidFill>
+              <a:ln>
+                <a:noFill/>
+              </a:ln>
+            </p:spPr>
+            <p:style>
+              <a:lnRef idx="2">
+                <a:schemeClr val="accent1">
+                  <a:shade val="50000"/>
+                </a:schemeClr>
+              </a:lnRef>
+              <a:fillRef idx="1">
+                <a:schemeClr val="accent1"/>
+              </a:fillRef>
+              <a:effectRef idx="0">
+                <a:schemeClr val="accent1"/>
+              </a:effectRef>
+              <a:fontRef idx="minor">
+                <a:schemeClr val="lt1"/>
+              </a:fontRef>
+            </p:style>
+            <p:txBody>
+              <a:bodyPr rtlCol="0" anchor="ctr"/>
+              <a:lstStyle/>
+              <a:p>
+                <a:pPr algn="ctr"/>
+                <a:endParaRPr lang="en-GB"/>
+              </a:p>
+            </p:txBody>
+          </p:sp>
+          <p:pic>
+            <p:nvPicPr>
+              <p:cNvPr id="159" name="Grafik 158">
+                <a:extLst>
+                  <a:ext uri="{FF2B5EF4-FFF2-40B4-BE49-F238E27FC236}">
+                    <a16:creationId xmlns:a16="http://schemas.microsoft.com/office/drawing/2014/main" id="{64E897E2-A89B-4850-AF7D-7828B82C68E1}"/>
+                  </a:ext>
+                </a:extLst>
+              </p:cNvPr>
+              <p:cNvPicPr>
+                <a:picLocks noChangeAspect="1"/>
+              </p:cNvPicPr>
+              <p:nvPr>
+                <p:custDataLst>
+                  <p:tags r:id="rId11"/>
+                </p:custDataLst>
+              </p:nvPr>
+            </p:nvPicPr>
+            <p:blipFill>
+              <a:blip r:embed="rId69">
+                <a:extLst>
+                  <a:ext uri="{28A0092B-C50C-407E-A947-70E740481C1C}">
+                    <a14:useLocalDpi xmlns:a14="http://schemas.microsoft.com/office/drawing/2010/main" val="0"/>
+                  </a:ext>
+                </a:extLst>
+              </a:blip>
+              <a:stretch>
+                <a:fillRect/>
+              </a:stretch>
+            </p:blipFill>
+            <p:spPr>
+              <a:xfrm>
+                <a:off x="2294708" y="4765181"/>
+                <a:ext cx="128622" cy="127625"/>
+              </a:xfrm>
+              <a:prstGeom prst="rect">
+                <a:avLst/>
+              </a:prstGeom>
+            </p:spPr>
+          </p:pic>
+        </p:grpSp>
+        <p:grpSp>
+          <p:nvGrpSpPr>
+            <p:cNvPr id="39" name="Gruppieren 38">
+              <a:extLst>
+                <a:ext uri="{FF2B5EF4-FFF2-40B4-BE49-F238E27FC236}">
+                  <a16:creationId xmlns:a16="http://schemas.microsoft.com/office/drawing/2014/main" id="{9D4153C9-74FD-4AEE-BA8D-04BDA8BFB495}"/>
+                </a:ext>
+              </a:extLst>
+            </p:cNvPr>
+            <p:cNvGrpSpPr/>
+            <p:nvPr/>
+          </p:nvGrpSpPr>
+          <p:grpSpPr>
+            <a:xfrm>
+              <a:off x="1476858" y="5472657"/>
+              <a:ext cx="325944" cy="252000"/>
+              <a:chOff x="2224106" y="5457146"/>
+              <a:chExt cx="325944" cy="252000"/>
+            </a:xfrm>
+          </p:grpSpPr>
+          <p:sp>
+            <p:nvSpPr>
+              <p:cNvPr id="34" name="Rechteck 33">
+                <a:extLst>
+                  <a:ext uri="{FF2B5EF4-FFF2-40B4-BE49-F238E27FC236}">
+                    <a16:creationId xmlns:a16="http://schemas.microsoft.com/office/drawing/2014/main" id="{B00E1783-0CC0-447C-893A-2B5A1C9A6AEF}"/>
+                  </a:ext>
+                </a:extLst>
+              </p:cNvPr>
+              <p:cNvSpPr/>
+              <p:nvPr/>
+            </p:nvSpPr>
+            <p:spPr>
+              <a:xfrm>
+                <a:off x="2224106" y="5457146"/>
+                <a:ext cx="325944" cy="252000"/>
+              </a:xfrm>
+              <a:prstGeom prst="rect">
+                <a:avLst/>
+              </a:prstGeom>
+              <a:solidFill>
+                <a:srgbClr val="9FFD5F"/>
+              </a:solidFill>
+              <a:ln>
+                <a:noFill/>
+              </a:ln>
+            </p:spPr>
+            <p:style>
+              <a:lnRef idx="2">
+                <a:schemeClr val="accent1">
+                  <a:shade val="50000"/>
+                </a:schemeClr>
+              </a:lnRef>
+              <a:fillRef idx="1">
+                <a:schemeClr val="accent1"/>
+              </a:fillRef>
+              <a:effectRef idx="0">
+                <a:schemeClr val="accent1"/>
+              </a:effectRef>
+              <a:fontRef idx="minor">
+                <a:schemeClr val="lt1"/>
+              </a:fontRef>
+            </p:style>
+            <p:txBody>
+              <a:bodyPr rtlCol="0" anchor="ctr"/>
+              <a:lstStyle/>
+              <a:p>
+                <a:pPr algn="ctr"/>
+                <a:endParaRPr lang="en-GB"/>
+              </a:p>
+            </p:txBody>
+          </p:sp>
+          <p:pic>
+            <p:nvPicPr>
+              <p:cNvPr id="25" name="Grafik 24">
+                <a:extLst>
+                  <a:ext uri="{FF2B5EF4-FFF2-40B4-BE49-F238E27FC236}">
+                    <a16:creationId xmlns:a16="http://schemas.microsoft.com/office/drawing/2014/main" id="{2AC307A8-A54B-4A65-8833-EAAEF59C164F}"/>
+                  </a:ext>
+                </a:extLst>
+              </p:cNvPr>
+              <p:cNvPicPr>
+                <a:picLocks noChangeAspect="1"/>
+              </p:cNvPicPr>
+              <p:nvPr>
+                <p:custDataLst>
+                  <p:tags r:id="rId10"/>
+                </p:custDataLst>
+              </p:nvPr>
+            </p:nvPicPr>
+            <p:blipFill>
+              <a:blip r:embed="rId71">
+                <a:extLst>
+                  <a:ext uri="{28A0092B-C50C-407E-A947-70E740481C1C}">
+                    <a14:useLocalDpi xmlns:a14="http://schemas.microsoft.com/office/drawing/2010/main" val="0"/>
+                  </a:ext>
+                </a:extLst>
+              </a:blip>
+              <a:stretch>
+                <a:fillRect/>
+              </a:stretch>
+            </p:blipFill>
+            <p:spPr>
+              <a:xfrm>
+                <a:off x="2317335" y="5526191"/>
+                <a:ext cx="139486" cy="113909"/>
+              </a:xfrm>
+              <a:prstGeom prst="rect">
+                <a:avLst/>
+              </a:prstGeom>
+            </p:spPr>
+          </p:pic>
+        </p:grpSp>
+        <p:grpSp>
+          <p:nvGrpSpPr>
+            <p:cNvPr id="160" name="Gruppieren 159">
+              <a:extLst>
+                <a:ext uri="{FF2B5EF4-FFF2-40B4-BE49-F238E27FC236}">
+                  <a16:creationId xmlns:a16="http://schemas.microsoft.com/office/drawing/2014/main" id="{FFB7DC8D-0C33-49C7-B2BD-0DF8BC6652BE}"/>
+                </a:ext>
+              </a:extLst>
+            </p:cNvPr>
+            <p:cNvGrpSpPr/>
+            <p:nvPr/>
+          </p:nvGrpSpPr>
+          <p:grpSpPr>
+            <a:xfrm>
+              <a:off x="1982680" y="5474984"/>
+              <a:ext cx="325944" cy="252000"/>
+              <a:chOff x="2224106" y="5457146"/>
+              <a:chExt cx="325944" cy="252000"/>
+            </a:xfrm>
+          </p:grpSpPr>
+          <p:sp>
+            <p:nvSpPr>
+              <p:cNvPr id="161" name="Rechteck 160">
+                <a:extLst>
+                  <a:ext uri="{FF2B5EF4-FFF2-40B4-BE49-F238E27FC236}">
+                    <a16:creationId xmlns:a16="http://schemas.microsoft.com/office/drawing/2014/main" id="{C421394D-0F2D-4589-AC17-DA141B3D27D1}"/>
+                  </a:ext>
+                </a:extLst>
+              </p:cNvPr>
+              <p:cNvSpPr/>
+              <p:nvPr/>
+            </p:nvSpPr>
+            <p:spPr>
+              <a:xfrm>
+                <a:off x="2224106" y="5457146"/>
+                <a:ext cx="325944" cy="252000"/>
+              </a:xfrm>
+              <a:prstGeom prst="rect">
+                <a:avLst/>
+              </a:prstGeom>
+              <a:solidFill>
+                <a:srgbClr val="9FFD5F"/>
+              </a:solidFill>
+              <a:ln>
+                <a:noFill/>
+              </a:ln>
+            </p:spPr>
+            <p:style>
+              <a:lnRef idx="2">
+                <a:schemeClr val="accent1">
+                  <a:shade val="50000"/>
+                </a:schemeClr>
+              </a:lnRef>
+              <a:fillRef idx="1">
+                <a:schemeClr val="accent1"/>
+              </a:fillRef>
+              <a:effectRef idx="0">
+                <a:schemeClr val="accent1"/>
+              </a:effectRef>
+              <a:fontRef idx="minor">
+                <a:schemeClr val="lt1"/>
+              </a:fontRef>
+            </p:style>
+            <p:txBody>
+              <a:bodyPr rtlCol="0" anchor="ctr"/>
+              <a:lstStyle/>
+              <a:p>
+                <a:pPr algn="ctr"/>
+                <a:endParaRPr lang="en-GB"/>
+              </a:p>
+            </p:txBody>
+          </p:sp>
+          <p:pic>
+            <p:nvPicPr>
+              <p:cNvPr id="162" name="Grafik 161">
+                <a:extLst>
+                  <a:ext uri="{FF2B5EF4-FFF2-40B4-BE49-F238E27FC236}">
+                    <a16:creationId xmlns:a16="http://schemas.microsoft.com/office/drawing/2014/main" id="{A82480C7-2730-492B-AD38-03983A07ABDD}"/>
+                  </a:ext>
+                </a:extLst>
+              </p:cNvPr>
+              <p:cNvPicPr>
+                <a:picLocks noChangeAspect="1"/>
+              </p:cNvPicPr>
+              <p:nvPr>
+                <p:custDataLst>
+                  <p:tags r:id="rId9"/>
+                </p:custDataLst>
+              </p:nvPr>
+            </p:nvPicPr>
+            <p:blipFill>
+              <a:blip r:embed="rId71">
+                <a:extLst>
+                  <a:ext uri="{28A0092B-C50C-407E-A947-70E740481C1C}">
+                    <a14:useLocalDpi xmlns:a14="http://schemas.microsoft.com/office/drawing/2010/main" val="0"/>
+                  </a:ext>
+                </a:extLst>
+              </a:blip>
+              <a:stretch>
+                <a:fillRect/>
+              </a:stretch>
+            </p:blipFill>
+            <p:spPr>
+              <a:xfrm>
+                <a:off x="2317335" y="5526191"/>
+                <a:ext cx="139486" cy="113909"/>
+              </a:xfrm>
+              <a:prstGeom prst="rect">
+                <a:avLst/>
+              </a:prstGeom>
+            </p:spPr>
+          </p:pic>
+        </p:grpSp>
+        <p:grpSp>
+          <p:nvGrpSpPr>
+            <p:cNvPr id="163" name="Gruppieren 162">
+              <a:extLst>
+                <a:ext uri="{FF2B5EF4-FFF2-40B4-BE49-F238E27FC236}">
+                  <a16:creationId xmlns:a16="http://schemas.microsoft.com/office/drawing/2014/main" id="{7012DF35-AA9B-45E5-956D-1DC24E515E57}"/>
+                </a:ext>
+              </a:extLst>
+            </p:cNvPr>
+            <p:cNvGrpSpPr/>
+            <p:nvPr/>
+          </p:nvGrpSpPr>
+          <p:grpSpPr>
+            <a:xfrm>
+              <a:off x="3251779" y="5746798"/>
+              <a:ext cx="325944" cy="252000"/>
+              <a:chOff x="2224106" y="5457146"/>
+              <a:chExt cx="325944" cy="252000"/>
+            </a:xfrm>
+          </p:grpSpPr>
+          <p:sp>
+            <p:nvSpPr>
+              <p:cNvPr id="165" name="Rechteck 164">
+                <a:extLst>
+                  <a:ext uri="{FF2B5EF4-FFF2-40B4-BE49-F238E27FC236}">
+                    <a16:creationId xmlns:a16="http://schemas.microsoft.com/office/drawing/2014/main" id="{005AE668-7A52-4850-A799-5B47DA1C0E0B}"/>
+                  </a:ext>
+                </a:extLst>
+              </p:cNvPr>
+              <p:cNvSpPr/>
+              <p:nvPr/>
+            </p:nvSpPr>
+            <p:spPr>
+              <a:xfrm>
+                <a:off x="2224106" y="5457146"/>
+                <a:ext cx="325944" cy="252000"/>
+              </a:xfrm>
+              <a:prstGeom prst="rect">
+                <a:avLst/>
+              </a:prstGeom>
+              <a:solidFill>
+                <a:srgbClr val="9FFD5F"/>
+              </a:solidFill>
+              <a:ln>
+                <a:noFill/>
+              </a:ln>
+            </p:spPr>
+            <p:style>
+              <a:lnRef idx="2">
+                <a:schemeClr val="accent1">
+                  <a:shade val="50000"/>
+                </a:schemeClr>
+              </a:lnRef>
+              <a:fillRef idx="1">
+                <a:schemeClr val="accent1"/>
+              </a:fillRef>
+              <a:effectRef idx="0">
+                <a:schemeClr val="accent1"/>
+              </a:effectRef>
+              <a:fontRef idx="minor">
+                <a:schemeClr val="lt1"/>
+              </a:fontRef>
+            </p:style>
+            <p:txBody>
+              <a:bodyPr rtlCol="0" anchor="ctr"/>
+              <a:lstStyle/>
+              <a:p>
+                <a:pPr algn="ctr"/>
+                <a:endParaRPr lang="en-GB"/>
+              </a:p>
+            </p:txBody>
+          </p:sp>
+          <p:pic>
+            <p:nvPicPr>
+              <p:cNvPr id="167" name="Grafik 166">
+                <a:extLst>
+                  <a:ext uri="{FF2B5EF4-FFF2-40B4-BE49-F238E27FC236}">
+                    <a16:creationId xmlns:a16="http://schemas.microsoft.com/office/drawing/2014/main" id="{A3CD0DF5-D602-4DFA-A884-68C41DEB6152}"/>
+                  </a:ext>
+                </a:extLst>
+              </p:cNvPr>
+              <p:cNvPicPr>
+                <a:picLocks noChangeAspect="1"/>
+              </p:cNvPicPr>
+              <p:nvPr>
+                <p:custDataLst>
+                  <p:tags r:id="rId8"/>
+                </p:custDataLst>
+              </p:nvPr>
+            </p:nvPicPr>
+            <p:blipFill>
+              <a:blip r:embed="rId71">
+                <a:extLst>
+                  <a:ext uri="{28A0092B-C50C-407E-A947-70E740481C1C}">
+                    <a14:useLocalDpi xmlns:a14="http://schemas.microsoft.com/office/drawing/2010/main" val="0"/>
+                  </a:ext>
+                </a:extLst>
+              </a:blip>
+              <a:stretch>
+                <a:fillRect/>
+              </a:stretch>
+            </p:blipFill>
+            <p:spPr>
+              <a:xfrm>
+                <a:off x="2317335" y="5526191"/>
+                <a:ext cx="139486" cy="113909"/>
+              </a:xfrm>
+              <a:prstGeom prst="rect">
+                <a:avLst/>
+              </a:prstGeom>
+            </p:spPr>
+          </p:pic>
+        </p:grpSp>
+        <p:grpSp>
+          <p:nvGrpSpPr>
+            <p:cNvPr id="40" name="Gruppieren 39">
+              <a:extLst>
+                <a:ext uri="{FF2B5EF4-FFF2-40B4-BE49-F238E27FC236}">
+                  <a16:creationId xmlns:a16="http://schemas.microsoft.com/office/drawing/2014/main" id="{99A0F71C-EBBC-4466-A3B3-A6E5AC904CAB}"/>
+                </a:ext>
+              </a:extLst>
+            </p:cNvPr>
+            <p:cNvGrpSpPr/>
+            <p:nvPr/>
+          </p:nvGrpSpPr>
+          <p:grpSpPr>
+            <a:xfrm>
+              <a:off x="2488502" y="5472657"/>
+              <a:ext cx="604201" cy="252000"/>
+              <a:chOff x="2945698" y="5929312"/>
+              <a:chExt cx="604201" cy="252000"/>
+            </a:xfrm>
+          </p:grpSpPr>
+          <p:sp>
+            <p:nvSpPr>
+              <p:cNvPr id="168" name="Rechteck 167">
+                <a:extLst>
+                  <a:ext uri="{FF2B5EF4-FFF2-40B4-BE49-F238E27FC236}">
+                    <a16:creationId xmlns:a16="http://schemas.microsoft.com/office/drawing/2014/main" id="{8E284758-C61D-446D-84F7-A11F2234B9E2}"/>
+                  </a:ext>
+                </a:extLst>
+              </p:cNvPr>
+              <p:cNvSpPr/>
+              <p:nvPr/>
+            </p:nvSpPr>
+            <p:spPr>
+              <a:xfrm>
+                <a:off x="2945698" y="5929312"/>
+                <a:ext cx="604201" cy="252000"/>
+              </a:xfrm>
+              <a:prstGeom prst="rect">
+                <a:avLst/>
+              </a:prstGeom>
+              <a:solidFill>
+                <a:srgbClr val="9FFD5F"/>
+              </a:solidFill>
+              <a:ln>
+                <a:noFill/>
+              </a:ln>
+            </p:spPr>
+            <p:style>
+              <a:lnRef idx="2">
+                <a:schemeClr val="accent1">
+                  <a:shade val="50000"/>
+                </a:schemeClr>
+              </a:lnRef>
+              <a:fillRef idx="1">
+                <a:schemeClr val="accent1"/>
+              </a:fillRef>
+              <a:effectRef idx="0">
+                <a:schemeClr val="accent1"/>
+              </a:effectRef>
+              <a:fontRef idx="minor">
+                <a:schemeClr val="lt1"/>
+              </a:fontRef>
+            </p:style>
+            <p:txBody>
+              <a:bodyPr rtlCol="0" anchor="ctr"/>
+              <a:lstStyle/>
+              <a:p>
+                <a:pPr algn="ctr"/>
+                <a:endParaRPr lang="en-GB"/>
+              </a:p>
+            </p:txBody>
+          </p:sp>
+          <p:pic>
+            <p:nvPicPr>
+              <p:cNvPr id="28" name="Grafik 27">
+                <a:extLst>
+                  <a:ext uri="{FF2B5EF4-FFF2-40B4-BE49-F238E27FC236}">
+                    <a16:creationId xmlns:a16="http://schemas.microsoft.com/office/drawing/2014/main" id="{7ACB39A2-B2A2-4632-9711-E6D3C86046C7}"/>
+                  </a:ext>
+                </a:extLst>
+              </p:cNvPr>
+              <p:cNvPicPr>
+                <a:picLocks noChangeAspect="1"/>
+              </p:cNvPicPr>
+              <p:nvPr>
+                <p:custDataLst>
+                  <p:tags r:id="rId7"/>
+                </p:custDataLst>
+              </p:nvPr>
+            </p:nvPicPr>
+            <p:blipFill>
+              <a:blip r:embed="rId72">
+                <a:extLst>
+                  <a:ext uri="{28A0092B-C50C-407E-A947-70E740481C1C}">
+                    <a14:useLocalDpi xmlns:a14="http://schemas.microsoft.com/office/drawing/2010/main" val="0"/>
+                  </a:ext>
+                </a:extLst>
+              </a:blip>
+              <a:stretch>
+                <a:fillRect/>
+              </a:stretch>
+            </p:blipFill>
+            <p:spPr>
+              <a:xfrm>
+                <a:off x="2995769" y="5961235"/>
+                <a:ext cx="516668" cy="185079"/>
+              </a:xfrm>
+              <a:prstGeom prst="rect">
+                <a:avLst/>
+              </a:prstGeom>
+            </p:spPr>
+          </p:pic>
+        </p:grpSp>
+        <p:grpSp>
+          <p:nvGrpSpPr>
+            <p:cNvPr id="41" name="Gruppieren 40">
+              <a:extLst>
+                <a:ext uri="{FF2B5EF4-FFF2-40B4-BE49-F238E27FC236}">
+                  <a16:creationId xmlns:a16="http://schemas.microsoft.com/office/drawing/2014/main" id="{02AC9ED7-3C00-4E53-B7E0-FB863F58E5C0}"/>
+                </a:ext>
+              </a:extLst>
+            </p:cNvPr>
+            <p:cNvGrpSpPr/>
+            <p:nvPr/>
+          </p:nvGrpSpPr>
+          <p:grpSpPr>
+            <a:xfrm>
+              <a:off x="3792754" y="5102537"/>
+              <a:ext cx="604201" cy="249414"/>
+              <a:chOff x="4279999" y="4939806"/>
+              <a:chExt cx="604201" cy="249414"/>
+            </a:xfrm>
+          </p:grpSpPr>
+          <p:sp>
+            <p:nvSpPr>
+              <p:cNvPr id="35" name="Rechteck: abgerundete Ecken 34">
+                <a:extLst>
+                  <a:ext uri="{FF2B5EF4-FFF2-40B4-BE49-F238E27FC236}">
+                    <a16:creationId xmlns:a16="http://schemas.microsoft.com/office/drawing/2014/main" id="{C4B73EAE-052E-43C5-9553-48967C934678}"/>
+                  </a:ext>
+                </a:extLst>
+              </p:cNvPr>
+              <p:cNvSpPr/>
+              <p:nvPr/>
+            </p:nvSpPr>
+            <p:spPr>
+              <a:xfrm>
+                <a:off x="4279999" y="4939806"/>
+                <a:ext cx="604201" cy="249414"/>
+              </a:xfrm>
+              <a:prstGeom prst="roundRect">
+                <a:avLst/>
+              </a:prstGeom>
+              <a:solidFill>
+                <a:srgbClr val="25BCFF"/>
+              </a:solidFill>
+              <a:ln>
+                <a:noFill/>
+              </a:ln>
+            </p:spPr>
+            <p:style>
+              <a:lnRef idx="2">
+                <a:schemeClr val="accent1">
+                  <a:shade val="50000"/>
+                </a:schemeClr>
+              </a:lnRef>
+              <a:fillRef idx="1">
+                <a:schemeClr val="accent1"/>
+              </a:fillRef>
+              <a:effectRef idx="0">
+                <a:schemeClr val="accent1"/>
+              </a:effectRef>
+              <a:fontRef idx="minor">
+                <a:schemeClr val="lt1"/>
+              </a:fontRef>
+            </p:style>
+            <p:txBody>
+              <a:bodyPr rtlCol="0" anchor="ctr"/>
+              <a:lstStyle/>
+              <a:p>
+                <a:pPr algn="ctr"/>
+                <a:endParaRPr lang="en-GB"/>
+              </a:p>
+            </p:txBody>
+          </p:sp>
+          <p:pic>
+            <p:nvPicPr>
+              <p:cNvPr id="171" name="Grafik 170">
+                <a:extLst>
+                  <a:ext uri="{FF2B5EF4-FFF2-40B4-BE49-F238E27FC236}">
+                    <a16:creationId xmlns:a16="http://schemas.microsoft.com/office/drawing/2014/main" id="{761ADC58-94D9-4DAB-AC68-14CA67CC8B8C}"/>
+                  </a:ext>
+                </a:extLst>
+              </p:cNvPr>
+              <p:cNvPicPr>
+                <a:picLocks noChangeAspect="1"/>
+              </p:cNvPicPr>
+              <p:nvPr>
+                <p:custDataLst>
+                  <p:tags r:id="rId6"/>
+                </p:custDataLst>
+              </p:nvPr>
+            </p:nvPicPr>
+            <p:blipFill>
+              <a:blip r:embed="rId72">
+                <a:extLst>
+                  <a:ext uri="{28A0092B-C50C-407E-A947-70E740481C1C}">
+                    <a14:useLocalDpi xmlns:a14="http://schemas.microsoft.com/office/drawing/2010/main" val="0"/>
+                  </a:ext>
+                </a:extLst>
+              </a:blip>
+              <a:stretch>
+                <a:fillRect/>
+              </a:stretch>
+            </p:blipFill>
+            <p:spPr>
+              <a:xfrm>
+                <a:off x="4330071" y="4971729"/>
+                <a:ext cx="516668" cy="185079"/>
+              </a:xfrm>
+              <a:prstGeom prst="rect">
+                <a:avLst/>
+              </a:prstGeom>
+            </p:spPr>
+          </p:pic>
+        </p:grpSp>
+        <p:cxnSp>
+          <p:nvCxnSpPr>
+            <p:cNvPr id="172" name="Gerade Verbindung mit Pfeil 171">
+              <a:extLst>
+                <a:ext uri="{FF2B5EF4-FFF2-40B4-BE49-F238E27FC236}">
+                  <a16:creationId xmlns:a16="http://schemas.microsoft.com/office/drawing/2014/main" id="{2E615156-795C-461D-8F83-E0D11C7108F3}"/>
+                </a:ext>
+              </a:extLst>
+            </p:cNvPr>
+            <p:cNvCxnSpPr>
+              <a:cxnSpLocks/>
+              <a:endCxn id="165" idx="1"/>
+            </p:cNvCxnSpPr>
+            <p:nvPr/>
+          </p:nvCxnSpPr>
+          <p:spPr>
+            <a:xfrm>
+              <a:off x="999509" y="5872798"/>
+              <a:ext cx="2252270" cy="0"/>
+            </a:xfrm>
+            <a:prstGeom prst="straightConnector1">
+              <a:avLst/>
+            </a:prstGeom>
+            <a:ln w="25400">
+              <a:solidFill>
+                <a:schemeClr val="tx1"/>
+              </a:solidFill>
+              <a:tailEnd type="triangle"/>
+            </a:ln>
+          </p:spPr>
+          <p:style>
+            <a:lnRef idx="1">
+              <a:schemeClr val="accent1"/>
+            </a:lnRef>
+            <a:fillRef idx="0">
+              <a:schemeClr val="accent1"/>
+            </a:fillRef>
+            <a:effectRef idx="0">
+              <a:schemeClr val="accent1"/>
+            </a:effectRef>
+            <a:fontRef idx="minor">
+              <a:schemeClr val="tx1"/>
+            </a:fontRef>
+          </p:style>
+        </p:cxnSp>
+        <p:cxnSp>
+          <p:nvCxnSpPr>
+            <p:cNvPr id="173" name="Gerade Verbindung mit Pfeil 172">
+              <a:extLst>
+                <a:ext uri="{FF2B5EF4-FFF2-40B4-BE49-F238E27FC236}">
+                  <a16:creationId xmlns:a16="http://schemas.microsoft.com/office/drawing/2014/main" id="{717AE49C-F701-40CE-B1F9-6A05DD8BA7B1}"/>
+                </a:ext>
+              </a:extLst>
+            </p:cNvPr>
+            <p:cNvCxnSpPr>
+              <a:cxnSpLocks/>
+              <a:stCxn id="33" idx="6"/>
+              <a:endCxn id="153" idx="2"/>
+            </p:cNvCxnSpPr>
+            <p:nvPr/>
+          </p:nvCxnSpPr>
+          <p:spPr>
+            <a:xfrm>
+              <a:off x="1770669" y="4597605"/>
+              <a:ext cx="894842" cy="13196"/>
+            </a:xfrm>
+            <a:prstGeom prst="straightConnector1">
+              <a:avLst/>
+            </a:prstGeom>
+            <a:ln w="25400">
+              <a:solidFill>
+                <a:schemeClr val="tx1"/>
+              </a:solidFill>
+              <a:tailEnd type="triangle"/>
+            </a:ln>
+          </p:spPr>
+          <p:style>
+            <a:lnRef idx="1">
+              <a:schemeClr val="accent1"/>
+            </a:lnRef>
+            <a:fillRef idx="0">
+              <a:schemeClr val="accent1"/>
+            </a:fillRef>
+            <a:effectRef idx="0">
+              <a:schemeClr val="accent1"/>
+            </a:effectRef>
+            <a:fontRef idx="minor">
+              <a:schemeClr val="tx1"/>
+            </a:fontRef>
+          </p:style>
+        </p:cxnSp>
+        <p:cxnSp>
+          <p:nvCxnSpPr>
+            <p:cNvPr id="174" name="Gerade Verbindung mit Pfeil 173">
+              <a:extLst>
+                <a:ext uri="{FF2B5EF4-FFF2-40B4-BE49-F238E27FC236}">
+                  <a16:creationId xmlns:a16="http://schemas.microsoft.com/office/drawing/2014/main" id="{8E477D9F-BDD4-4BCC-811A-02D8AE90816E}"/>
+                </a:ext>
+              </a:extLst>
+            </p:cNvPr>
+            <p:cNvCxnSpPr>
+              <a:cxnSpLocks/>
+              <a:stCxn id="153" idx="6"/>
+            </p:cNvCxnSpPr>
+            <p:nvPr/>
+          </p:nvCxnSpPr>
+          <p:spPr>
+            <a:xfrm>
+              <a:off x="2917511" y="4610801"/>
+              <a:ext cx="1947303" cy="0"/>
+            </a:xfrm>
+            <a:prstGeom prst="straightConnector1">
+              <a:avLst/>
+            </a:prstGeom>
+            <a:ln w="25400">
+              <a:solidFill>
+                <a:schemeClr val="tx1"/>
+              </a:solidFill>
+              <a:tailEnd type="triangle"/>
+            </a:ln>
+          </p:spPr>
+          <p:style>
+            <a:lnRef idx="1">
+              <a:schemeClr val="accent1"/>
+            </a:lnRef>
+            <a:fillRef idx="0">
+              <a:schemeClr val="accent1"/>
+            </a:fillRef>
+            <a:effectRef idx="0">
+              <a:schemeClr val="accent1"/>
+            </a:effectRef>
+            <a:fontRef idx="minor">
+              <a:schemeClr val="tx1"/>
+            </a:fontRef>
+          </p:style>
+        </p:cxnSp>
+        <p:cxnSp>
+          <p:nvCxnSpPr>
+            <p:cNvPr id="176" name="Gerade Verbindung mit Pfeil 175">
+              <a:extLst>
+                <a:ext uri="{FF2B5EF4-FFF2-40B4-BE49-F238E27FC236}">
+                  <a16:creationId xmlns:a16="http://schemas.microsoft.com/office/drawing/2014/main" id="{787C2638-4321-42DF-BDF3-C63B627060E8}"/>
+                </a:ext>
+              </a:extLst>
+            </p:cNvPr>
+            <p:cNvCxnSpPr>
+              <a:cxnSpLocks/>
+              <a:stCxn id="165" idx="3"/>
+            </p:cNvCxnSpPr>
+            <p:nvPr/>
+          </p:nvCxnSpPr>
+          <p:spPr>
+            <a:xfrm>
+              <a:off x="3577723" y="5872798"/>
+              <a:ext cx="382786" cy="0"/>
+            </a:xfrm>
+            <a:prstGeom prst="straightConnector1">
+              <a:avLst/>
+            </a:prstGeom>
+            <a:ln w="25400">
+              <a:solidFill>
+                <a:schemeClr val="tx1"/>
+              </a:solidFill>
+              <a:tailEnd type="triangle"/>
+            </a:ln>
+          </p:spPr>
+          <p:style>
+            <a:lnRef idx="1">
+              <a:schemeClr val="accent1"/>
+            </a:lnRef>
+            <a:fillRef idx="0">
+              <a:schemeClr val="accent1"/>
+            </a:fillRef>
+            <a:effectRef idx="0">
+              <a:schemeClr val="accent1"/>
+            </a:effectRef>
+            <a:fontRef idx="minor">
+              <a:schemeClr val="tx1"/>
+            </a:fontRef>
+          </p:style>
+        </p:cxnSp>
+        <p:cxnSp>
+          <p:nvCxnSpPr>
+            <p:cNvPr id="179" name="Gerade Verbindung mit Pfeil 178">
+              <a:extLst>
+                <a:ext uri="{FF2B5EF4-FFF2-40B4-BE49-F238E27FC236}">
+                  <a16:creationId xmlns:a16="http://schemas.microsoft.com/office/drawing/2014/main" id="{5D300046-C20F-47ED-ABEC-366A504F4477}"/>
+                </a:ext>
+              </a:extLst>
+            </p:cNvPr>
+            <p:cNvCxnSpPr>
+              <a:cxnSpLocks/>
+              <a:stCxn id="155" idx="6"/>
+            </p:cNvCxnSpPr>
+            <p:nvPr/>
+          </p:nvCxnSpPr>
+          <p:spPr>
+            <a:xfrm>
+              <a:off x="4216650" y="5874529"/>
+              <a:ext cx="648164" cy="1013"/>
+            </a:xfrm>
+            <a:prstGeom prst="straightConnector1">
+              <a:avLst/>
+            </a:prstGeom>
+            <a:ln w="25400">
+              <a:solidFill>
+                <a:schemeClr val="tx1"/>
+              </a:solidFill>
+              <a:tailEnd type="triangle"/>
+            </a:ln>
+          </p:spPr>
+          <p:style>
+            <a:lnRef idx="1">
+              <a:schemeClr val="accent1"/>
+            </a:lnRef>
+            <a:fillRef idx="0">
+              <a:schemeClr val="accent1"/>
+            </a:fillRef>
+            <a:effectRef idx="0">
+              <a:schemeClr val="accent1"/>
+            </a:effectRef>
+            <a:fontRef idx="minor">
+              <a:schemeClr val="tx1"/>
+            </a:fontRef>
+          </p:style>
+        </p:cxnSp>
+        <p:cxnSp>
+          <p:nvCxnSpPr>
+            <p:cNvPr id="182" name="Gerade Verbindung mit Pfeil 181">
+              <a:extLst>
+                <a:ext uri="{FF2B5EF4-FFF2-40B4-BE49-F238E27FC236}">
+                  <a16:creationId xmlns:a16="http://schemas.microsoft.com/office/drawing/2014/main" id="{E7A86900-88AF-4921-8BEE-E2B5E23ABFE8}"/>
+                </a:ext>
+              </a:extLst>
+            </p:cNvPr>
+            <p:cNvCxnSpPr>
+              <a:cxnSpLocks/>
+              <a:stCxn id="168" idx="0"/>
+              <a:endCxn id="151" idx="4"/>
+            </p:cNvCxnSpPr>
+            <p:nvPr/>
+          </p:nvCxnSpPr>
+          <p:spPr>
+            <a:xfrm flipH="1" flipV="1">
+              <a:off x="2790146" y="5231245"/>
+              <a:ext cx="457" cy="241412"/>
+            </a:xfrm>
+            <a:prstGeom prst="straightConnector1">
+              <a:avLst/>
+            </a:prstGeom>
+            <a:ln w="25400">
+              <a:solidFill>
+                <a:schemeClr val="tx1"/>
+              </a:solidFill>
+              <a:tailEnd type="triangle"/>
+            </a:ln>
+          </p:spPr>
+          <p:style>
+            <a:lnRef idx="1">
+              <a:schemeClr val="accent1"/>
+            </a:lnRef>
+            <a:fillRef idx="0">
+              <a:schemeClr val="accent1"/>
+            </a:fillRef>
+            <a:effectRef idx="0">
+              <a:schemeClr val="accent1"/>
+            </a:effectRef>
+            <a:fontRef idx="minor">
+              <a:schemeClr val="tx1"/>
+            </a:fontRef>
+          </p:style>
+        </p:cxnSp>
+        <p:cxnSp>
+          <p:nvCxnSpPr>
+            <p:cNvPr id="185" name="Gerade Verbindung mit Pfeil 184">
+              <a:extLst>
+                <a:ext uri="{FF2B5EF4-FFF2-40B4-BE49-F238E27FC236}">
+                  <a16:creationId xmlns:a16="http://schemas.microsoft.com/office/drawing/2014/main" id="{A0723206-60B7-4113-9499-141E83CCA8B5}"/>
+                </a:ext>
+              </a:extLst>
+            </p:cNvPr>
+            <p:cNvCxnSpPr>
+              <a:cxnSpLocks/>
+              <a:stCxn id="151" idx="0"/>
+              <a:endCxn id="32" idx="2"/>
+            </p:cNvCxnSpPr>
+            <p:nvPr/>
+          </p:nvCxnSpPr>
+          <p:spPr>
+            <a:xfrm flipV="1">
+              <a:off x="2790146" y="4700830"/>
+              <a:ext cx="1365" cy="278415"/>
+            </a:xfrm>
+            <a:prstGeom prst="straightConnector1">
+              <a:avLst/>
+            </a:prstGeom>
+            <a:ln w="25400">
+              <a:solidFill>
+                <a:schemeClr val="tx1"/>
+              </a:solidFill>
+              <a:tailEnd type="triangle"/>
+            </a:ln>
+          </p:spPr>
+          <p:style>
+            <a:lnRef idx="1">
+              <a:schemeClr val="accent1"/>
+            </a:lnRef>
+            <a:fillRef idx="0">
+              <a:schemeClr val="accent1"/>
+            </a:fillRef>
+            <a:effectRef idx="0">
+              <a:schemeClr val="accent1"/>
+            </a:effectRef>
+            <a:fontRef idx="minor">
+              <a:schemeClr val="tx1"/>
+            </a:fontRef>
+          </p:style>
+        </p:cxnSp>
+        <p:cxnSp>
+          <p:nvCxnSpPr>
+            <p:cNvPr id="188" name="Gerade Verbindung mit Pfeil 187">
+              <a:extLst>
+                <a:ext uri="{FF2B5EF4-FFF2-40B4-BE49-F238E27FC236}">
+                  <a16:creationId xmlns:a16="http://schemas.microsoft.com/office/drawing/2014/main" id="{43ED45E1-1105-4BEE-8409-73A46771F10F}"/>
+                </a:ext>
+              </a:extLst>
+            </p:cNvPr>
+            <p:cNvCxnSpPr>
+              <a:cxnSpLocks/>
+              <a:endCxn id="155" idx="0"/>
+            </p:cNvCxnSpPr>
+            <p:nvPr/>
+          </p:nvCxnSpPr>
+          <p:spPr>
+            <a:xfrm>
+              <a:off x="4090650" y="5351951"/>
+              <a:ext cx="0" cy="396578"/>
+            </a:xfrm>
+            <a:prstGeom prst="straightConnector1">
+              <a:avLst/>
+            </a:prstGeom>
+            <a:ln w="25400">
+              <a:solidFill>
+                <a:schemeClr val="tx1"/>
+              </a:solidFill>
+              <a:tailEnd type="triangle"/>
+            </a:ln>
+          </p:spPr>
+          <p:style>
+            <a:lnRef idx="1">
+              <a:schemeClr val="accent1"/>
+            </a:lnRef>
+            <a:fillRef idx="0">
+              <a:schemeClr val="accent1"/>
+            </a:fillRef>
+            <a:effectRef idx="0">
+              <a:schemeClr val="accent1"/>
+            </a:effectRef>
+            <a:fontRef idx="minor">
+              <a:schemeClr val="tx1"/>
+            </a:fontRef>
+          </p:style>
+        </p:cxnSp>
+        <p:cxnSp>
+          <p:nvCxnSpPr>
+            <p:cNvPr id="192" name="Gerade Verbindung mit Pfeil 191">
+              <a:extLst>
+                <a:ext uri="{FF2B5EF4-FFF2-40B4-BE49-F238E27FC236}">
+                  <a16:creationId xmlns:a16="http://schemas.microsoft.com/office/drawing/2014/main" id="{0976DED0-FA45-4DCF-A54C-5C7585369EBD}"/>
+                </a:ext>
+              </a:extLst>
+            </p:cNvPr>
+            <p:cNvCxnSpPr>
+              <a:cxnSpLocks/>
+              <a:stCxn id="34" idx="0"/>
+              <a:endCxn id="33" idx="4"/>
+            </p:cNvCxnSpPr>
+            <p:nvPr/>
+          </p:nvCxnSpPr>
+          <p:spPr>
+            <a:xfrm flipV="1">
+              <a:off x="1639830" y="4723605"/>
+              <a:ext cx="4839" cy="749052"/>
+            </a:xfrm>
+            <a:prstGeom prst="straightConnector1">
+              <a:avLst/>
+            </a:prstGeom>
+            <a:ln w="25400">
+              <a:solidFill>
+                <a:schemeClr val="tx1"/>
+              </a:solidFill>
+              <a:tailEnd type="triangle"/>
+            </a:ln>
+          </p:spPr>
+          <p:style>
+            <a:lnRef idx="1">
+              <a:schemeClr val="accent1"/>
+            </a:lnRef>
+            <a:fillRef idx="0">
+              <a:schemeClr val="accent1"/>
+            </a:fillRef>
+            <a:effectRef idx="0">
+              <a:schemeClr val="accent1"/>
+            </a:effectRef>
+            <a:fontRef idx="minor">
+              <a:schemeClr val="tx1"/>
+            </a:fontRef>
+          </p:style>
+        </p:cxnSp>
+        <p:cxnSp>
+          <p:nvCxnSpPr>
+            <p:cNvPr id="226" name="Gerade Verbindung mit Pfeil 225">
+              <a:extLst>
+                <a:ext uri="{FF2B5EF4-FFF2-40B4-BE49-F238E27FC236}">
+                  <a16:creationId xmlns:a16="http://schemas.microsoft.com/office/drawing/2014/main" id="{3C890FF0-289B-4C94-AA5B-07375381F2C0}"/>
+                </a:ext>
+              </a:extLst>
+            </p:cNvPr>
+            <p:cNvCxnSpPr>
+              <a:cxnSpLocks/>
+            </p:cNvCxnSpPr>
+            <p:nvPr/>
+          </p:nvCxnSpPr>
+          <p:spPr>
+            <a:xfrm flipV="1">
+              <a:off x="1486267" y="5891516"/>
+              <a:ext cx="0" cy="433084"/>
+            </a:xfrm>
+            <a:prstGeom prst="straightConnector1">
+              <a:avLst/>
+            </a:prstGeom>
+            <a:ln w="25400">
+              <a:solidFill>
+                <a:schemeClr val="tx1"/>
+              </a:solidFill>
+              <a:tailEnd type="none"/>
+            </a:ln>
+          </p:spPr>
+          <p:style>
+            <a:lnRef idx="1">
+              <a:schemeClr val="accent1"/>
+            </a:lnRef>
+            <a:fillRef idx="0">
+              <a:schemeClr val="accent1"/>
+            </a:fillRef>
+            <a:effectRef idx="0">
+              <a:schemeClr val="accent1"/>
+            </a:effectRef>
+            <a:fontRef idx="minor">
+              <a:schemeClr val="tx1"/>
+            </a:fontRef>
+          </p:style>
+        </p:cxnSp>
+        <p:cxnSp>
+          <p:nvCxnSpPr>
+            <p:cNvPr id="231" name="Gerade Verbindung mit Pfeil 230">
+              <a:extLst>
+                <a:ext uri="{FF2B5EF4-FFF2-40B4-BE49-F238E27FC236}">
+                  <a16:creationId xmlns:a16="http://schemas.microsoft.com/office/drawing/2014/main" id="{E9A56FDE-5B68-4196-9FD1-1EDED3FD7236}"/>
+                </a:ext>
+              </a:extLst>
+            </p:cNvPr>
+            <p:cNvCxnSpPr>
+              <a:cxnSpLocks/>
+              <a:endCxn id="34" idx="2"/>
+            </p:cNvCxnSpPr>
+            <p:nvPr/>
+          </p:nvCxnSpPr>
+          <p:spPr>
+            <a:xfrm flipV="1">
+              <a:off x="1639830" y="5724657"/>
+              <a:ext cx="0" cy="148141"/>
+            </a:xfrm>
+            <a:prstGeom prst="straightConnector1">
+              <a:avLst/>
+            </a:prstGeom>
+            <a:ln w="25400">
+              <a:solidFill>
+                <a:schemeClr val="tx1"/>
+              </a:solidFill>
+              <a:tailEnd type="triangle"/>
+            </a:ln>
+          </p:spPr>
+          <p:style>
+            <a:lnRef idx="1">
+              <a:schemeClr val="accent1"/>
+            </a:lnRef>
+            <a:fillRef idx="0">
+              <a:schemeClr val="accent1"/>
+            </a:fillRef>
+            <a:effectRef idx="0">
+              <a:schemeClr val="accent1"/>
+            </a:effectRef>
+            <a:fontRef idx="minor">
+              <a:schemeClr val="tx1"/>
+            </a:fontRef>
+          </p:style>
+        </p:cxnSp>
+        <p:cxnSp>
+          <p:nvCxnSpPr>
+            <p:cNvPr id="232" name="Gerade Verbindung mit Pfeil 231">
+              <a:extLst>
+                <a:ext uri="{FF2B5EF4-FFF2-40B4-BE49-F238E27FC236}">
+                  <a16:creationId xmlns:a16="http://schemas.microsoft.com/office/drawing/2014/main" id="{CE95DCA8-AEF0-4F02-89A8-B59431AFB6C0}"/>
+                </a:ext>
+              </a:extLst>
+            </p:cNvPr>
+            <p:cNvCxnSpPr>
+              <a:cxnSpLocks/>
+              <a:endCxn id="161" idx="2"/>
+            </p:cNvCxnSpPr>
+            <p:nvPr/>
+          </p:nvCxnSpPr>
+          <p:spPr>
+            <a:xfrm flipV="1">
+              <a:off x="2145652" y="5726984"/>
+              <a:ext cx="0" cy="145814"/>
+            </a:xfrm>
+            <a:prstGeom prst="straightConnector1">
+              <a:avLst/>
+            </a:prstGeom>
+            <a:ln w="25400">
+              <a:solidFill>
+                <a:schemeClr val="tx1"/>
+              </a:solidFill>
+              <a:tailEnd type="triangle"/>
+            </a:ln>
+          </p:spPr>
+          <p:style>
+            <a:lnRef idx="1">
+              <a:schemeClr val="accent1"/>
+            </a:lnRef>
+            <a:fillRef idx="0">
+              <a:schemeClr val="accent1"/>
+            </a:fillRef>
+            <a:effectRef idx="0">
+              <a:schemeClr val="accent1"/>
+            </a:effectRef>
+            <a:fontRef idx="minor">
+              <a:schemeClr val="tx1"/>
+            </a:fontRef>
+          </p:style>
+        </p:cxnSp>
+        <p:cxnSp>
+          <p:nvCxnSpPr>
+            <p:cNvPr id="238" name="Gerade Verbindung mit Pfeil 237">
+              <a:extLst>
+                <a:ext uri="{FF2B5EF4-FFF2-40B4-BE49-F238E27FC236}">
+                  <a16:creationId xmlns:a16="http://schemas.microsoft.com/office/drawing/2014/main" id="{2CA21720-E368-4978-9B5C-D7FCB169248D}"/>
+                </a:ext>
+              </a:extLst>
+            </p:cNvPr>
+            <p:cNvCxnSpPr>
+              <a:cxnSpLocks/>
+              <a:endCxn id="168" idx="2"/>
+            </p:cNvCxnSpPr>
+            <p:nvPr/>
+          </p:nvCxnSpPr>
+          <p:spPr>
+            <a:xfrm flipV="1">
+              <a:off x="2790603" y="5724657"/>
+              <a:ext cx="0" cy="148141"/>
+            </a:xfrm>
+            <a:prstGeom prst="straightConnector1">
+              <a:avLst/>
+            </a:prstGeom>
+            <a:ln w="25400">
+              <a:solidFill>
+                <a:schemeClr val="tx1"/>
+              </a:solidFill>
+              <a:tailEnd type="triangle"/>
+            </a:ln>
+          </p:spPr>
+          <p:style>
+            <a:lnRef idx="1">
+              <a:schemeClr val="accent1"/>
+            </a:lnRef>
+            <a:fillRef idx="0">
+              <a:schemeClr val="accent1"/>
+            </a:fillRef>
+            <a:effectRef idx="0">
+              <a:schemeClr val="accent1"/>
+            </a:effectRef>
+            <a:fontRef idx="minor">
+              <a:schemeClr val="tx1"/>
+            </a:fontRef>
+          </p:style>
+        </p:cxnSp>
+        <p:cxnSp>
+          <p:nvCxnSpPr>
+            <p:cNvPr id="240" name="Gerade Verbindung mit Pfeil 239">
+              <a:extLst>
+                <a:ext uri="{FF2B5EF4-FFF2-40B4-BE49-F238E27FC236}">
+                  <a16:creationId xmlns:a16="http://schemas.microsoft.com/office/drawing/2014/main" id="{4CA71771-43C6-4EC2-97DA-4E9DE7AAFF35}"/>
+                </a:ext>
+              </a:extLst>
+            </p:cNvPr>
+            <p:cNvCxnSpPr>
+              <a:cxnSpLocks/>
+              <a:endCxn id="35" idx="0"/>
+            </p:cNvCxnSpPr>
+            <p:nvPr/>
+          </p:nvCxnSpPr>
+          <p:spPr>
+            <a:xfrm>
+              <a:off x="4094855" y="4608085"/>
+              <a:ext cx="0" cy="494452"/>
+            </a:xfrm>
+            <a:prstGeom prst="straightConnector1">
+              <a:avLst/>
+            </a:prstGeom>
+            <a:ln w="25400">
+              <a:solidFill>
+                <a:schemeClr val="tx1"/>
+              </a:solidFill>
+              <a:tailEnd type="triangle"/>
+            </a:ln>
+          </p:spPr>
+          <p:style>
+            <a:lnRef idx="1">
+              <a:schemeClr val="accent1"/>
+            </a:lnRef>
+            <a:fillRef idx="0">
+              <a:schemeClr val="accent1"/>
+            </a:fillRef>
+            <a:effectRef idx="0">
+              <a:schemeClr val="accent1"/>
+            </a:effectRef>
+            <a:fontRef idx="minor">
+              <a:schemeClr val="tx1"/>
+            </a:fontRef>
+          </p:style>
+        </p:cxnSp>
       </p:grpSp>
     </p:spTree>
     <p:extLst>
@@ -16264,7 +18232,7 @@
         </p:nvGrpSpPr>
         <p:grpSpPr>
           <a:xfrm>
-            <a:off x="3165941" y="1043507"/>
+            <a:off x="-1602828" y="824614"/>
             <a:ext cx="5707792" cy="5208771"/>
             <a:chOff x="3165941" y="1043507"/>
             <a:chExt cx="5707792" cy="5208771"/>
@@ -16337,13 +18305,13 @@
             <p:nvPr/>
           </p:nvPicPr>
           <p:blipFill>
-            <a:blip r:embed="rId11">
+            <a:blip r:embed="rId21">
               <a:extLst>
                 <a:ext uri="{28A0092B-C50C-407E-A947-70E740481C1C}">
                   <a14:useLocalDpi xmlns:a14="http://schemas.microsoft.com/office/drawing/2010/main" val="0"/>
                 </a:ext>
                 <a:ext uri="{96DAC541-7B7A-43D3-8B79-37D633B846F1}">
-                  <asvg:svgBlip xmlns:asvg="http://schemas.microsoft.com/office/drawing/2016/SVG/main" r:embed="rId12"/>
+                  <asvg:svgBlip xmlns:asvg="http://schemas.microsoft.com/office/drawing/2016/SVG/main" r:embed="rId22"/>
                 </a:ext>
               </a:extLst>
             </a:blip>
@@ -16376,13 +18344,13 @@
             <p:nvPr/>
           </p:nvPicPr>
           <p:blipFill>
-            <a:blip r:embed="rId13">
+            <a:blip r:embed="rId23">
               <a:extLst>
                 <a:ext uri="{28A0092B-C50C-407E-A947-70E740481C1C}">
                   <a14:useLocalDpi xmlns:a14="http://schemas.microsoft.com/office/drawing/2010/main" val="0"/>
                 </a:ext>
                 <a:ext uri="{96DAC541-7B7A-43D3-8B79-37D633B846F1}">
-                  <asvg:svgBlip xmlns:asvg="http://schemas.microsoft.com/office/drawing/2016/SVG/main" r:embed="rId14"/>
+                  <asvg:svgBlip xmlns:asvg="http://schemas.microsoft.com/office/drawing/2016/SVG/main" r:embed="rId24"/>
                 </a:ext>
               </a:extLst>
             </a:blip>
@@ -16685,12 +18653,12 @@
             </p:cNvPicPr>
             <p:nvPr>
               <p:custDataLst>
-                <p:tags r:id="rId1"/>
+                <p:tags r:id="rId11"/>
               </p:custDataLst>
             </p:nvPr>
           </p:nvPicPr>
           <p:blipFill rotWithShape="1">
-            <a:blip r:embed="rId15">
+            <a:blip r:embed="rId25">
               <a:extLst>
                 <a:ext uri="{28A0092B-C50C-407E-A947-70E740481C1C}">
                   <a14:useLocalDpi xmlns:a14="http://schemas.microsoft.com/office/drawing/2010/main" val="0"/>
@@ -16724,12 +18692,12 @@
             </p:cNvPicPr>
             <p:nvPr>
               <p:custDataLst>
-                <p:tags r:id="rId2"/>
+                <p:tags r:id="rId12"/>
               </p:custDataLst>
             </p:nvPr>
           </p:nvPicPr>
           <p:blipFill rotWithShape="1">
-            <a:blip r:embed="rId16">
+            <a:blip r:embed="rId26">
               <a:extLst>
                 <a:ext uri="{28A0092B-C50C-407E-A947-70E740481C1C}">
                   <a14:useLocalDpi xmlns:a14="http://schemas.microsoft.com/office/drawing/2010/main" val="0"/>
@@ -16763,12 +18731,12 @@
             </p:cNvPicPr>
             <p:nvPr>
               <p:custDataLst>
-                <p:tags r:id="rId3"/>
+                <p:tags r:id="rId13"/>
               </p:custDataLst>
             </p:nvPr>
           </p:nvPicPr>
           <p:blipFill>
-            <a:blip r:embed="rId17">
+            <a:blip r:embed="rId27">
               <a:extLst>
                 <a:ext uri="{28A0092B-C50C-407E-A947-70E740481C1C}">
                   <a14:useLocalDpi xmlns:a14="http://schemas.microsoft.com/office/drawing/2010/main" val="0"/>
@@ -16803,12 +18771,12 @@
             </p:cNvPicPr>
             <p:nvPr>
               <p:custDataLst>
-                <p:tags r:id="rId4"/>
+                <p:tags r:id="rId14"/>
               </p:custDataLst>
             </p:nvPr>
           </p:nvPicPr>
           <p:blipFill>
-            <a:blip r:embed="rId18">
+            <a:blip r:embed="rId28">
               <a:extLst>
                 <a:ext uri="{28A0092B-C50C-407E-A947-70E740481C1C}">
                   <a14:useLocalDpi xmlns:a14="http://schemas.microsoft.com/office/drawing/2010/main" val="0"/>
@@ -16843,12 +18811,12 @@
             </p:cNvPicPr>
             <p:nvPr>
               <p:custDataLst>
-                <p:tags r:id="rId5"/>
+                <p:tags r:id="rId15"/>
               </p:custDataLst>
             </p:nvPr>
           </p:nvPicPr>
           <p:blipFill>
-            <a:blip r:embed="rId19">
+            <a:blip r:embed="rId29">
               <a:extLst>
                 <a:ext uri="{28A0092B-C50C-407E-A947-70E740481C1C}">
                   <a14:useLocalDpi xmlns:a14="http://schemas.microsoft.com/office/drawing/2010/main" val="0"/>
@@ -16883,12 +18851,12 @@
             </p:cNvPicPr>
             <p:nvPr>
               <p:custDataLst>
-                <p:tags r:id="rId6"/>
+                <p:tags r:id="rId16"/>
               </p:custDataLst>
             </p:nvPr>
           </p:nvPicPr>
           <p:blipFill>
-            <a:blip r:embed="rId20">
+            <a:blip r:embed="rId30">
               <a:extLst>
                 <a:ext uri="{28A0092B-C50C-407E-A947-70E740481C1C}">
                   <a14:useLocalDpi xmlns:a14="http://schemas.microsoft.com/office/drawing/2010/main" val="0"/>
@@ -16923,12 +18891,12 @@
             </p:cNvPicPr>
             <p:nvPr>
               <p:custDataLst>
-                <p:tags r:id="rId7"/>
+                <p:tags r:id="rId17"/>
               </p:custDataLst>
             </p:nvPr>
           </p:nvPicPr>
           <p:blipFill>
-            <a:blip r:embed="rId21">
+            <a:blip r:embed="rId31">
               <a:extLst>
                 <a:ext uri="{28A0092B-C50C-407E-A947-70E740481C1C}">
                   <a14:useLocalDpi xmlns:a14="http://schemas.microsoft.com/office/drawing/2010/main" val="0"/>
@@ -16963,12 +18931,12 @@
             </p:cNvPicPr>
             <p:nvPr>
               <p:custDataLst>
-                <p:tags r:id="rId8"/>
+                <p:tags r:id="rId18"/>
               </p:custDataLst>
             </p:nvPr>
           </p:nvPicPr>
           <p:blipFill>
-            <a:blip r:embed="rId22">
+            <a:blip r:embed="rId32">
               <a:extLst>
                 <a:ext uri="{28A0092B-C50C-407E-A947-70E740481C1C}">
                   <a14:useLocalDpi xmlns:a14="http://schemas.microsoft.com/office/drawing/2010/main" val="0"/>
@@ -17003,12 +18971,12 @@
             </p:cNvPicPr>
             <p:nvPr>
               <p:custDataLst>
-                <p:tags r:id="rId9"/>
+                <p:tags r:id="rId19"/>
               </p:custDataLst>
             </p:nvPr>
           </p:nvPicPr>
           <p:blipFill>
-            <a:blip r:embed="rId20">
+            <a:blip r:embed="rId30">
               <a:extLst>
                 <a:ext uri="{28A0092B-C50C-407E-A947-70E740481C1C}">
                   <a14:useLocalDpi xmlns:a14="http://schemas.microsoft.com/office/drawing/2010/main" val="0"/>
@@ -17044,7 +19012,7 @@
             <p:nvPr/>
           </p:nvPicPr>
           <p:blipFill rotWithShape="1">
-            <a:blip r:embed="rId23">
+            <a:blip r:embed="rId33">
               <a:extLst>
                 <a:ext uri="{28A0092B-C50C-407E-A947-70E740481C1C}">
                   <a14:useLocalDpi xmlns:a14="http://schemas.microsoft.com/office/drawing/2010/main" val="0"/>
@@ -17057,6 +19025,861 @@
           <p:spPr>
             <a:xfrm>
               <a:off x="5812515" y="4436496"/>
+              <a:ext cx="846064" cy="1815782"/>
+            </a:xfrm>
+            <a:prstGeom prst="rect">
+              <a:avLst/>
+            </a:prstGeom>
+          </p:spPr>
+        </p:pic>
+      </p:grpSp>
+      <p:pic>
+        <p:nvPicPr>
+          <p:cNvPr id="24" name="Grafik 23">
+            <a:extLst>
+              <a:ext uri="{FF2B5EF4-FFF2-40B4-BE49-F238E27FC236}">
+                <a16:creationId xmlns:a16="http://schemas.microsoft.com/office/drawing/2014/main" id="{E192E709-C822-4E4F-A10E-00DDF6FC16D4}"/>
+              </a:ext>
+            </a:extLst>
+          </p:cNvPr>
+          <p:cNvPicPr>
+            <a:picLocks noChangeAspect="1"/>
+          </p:cNvPicPr>
+          <p:nvPr>
+            <p:custDataLst>
+              <p:tags r:id="rId1"/>
+            </p:custDataLst>
+          </p:nvPr>
+        </p:nvPicPr>
+        <p:blipFill>
+          <a:blip r:embed="rId34">
+            <a:extLst>
+              <a:ext uri="{28A0092B-C50C-407E-A947-70E740481C1C}">
+                <a14:useLocalDpi xmlns:a14="http://schemas.microsoft.com/office/drawing/2010/main" val="0"/>
+              </a:ext>
+            </a:extLst>
+          </a:blip>
+          <a:stretch>
+            <a:fillRect/>
+          </a:stretch>
+        </p:blipFill>
+        <p:spPr>
+          <a:xfrm>
+            <a:off x="8911134" y="1496279"/>
+            <a:ext cx="1285534" cy="306084"/>
+          </a:xfrm>
+          <a:prstGeom prst="rect">
+            <a:avLst/>
+          </a:prstGeom>
+        </p:spPr>
+      </p:pic>
+      <p:grpSp>
+        <p:nvGrpSpPr>
+          <p:cNvPr id="63" name="Gruppieren 62">
+            <a:extLst>
+              <a:ext uri="{FF2B5EF4-FFF2-40B4-BE49-F238E27FC236}">
+                <a16:creationId xmlns:a16="http://schemas.microsoft.com/office/drawing/2014/main" id="{B5525C45-4234-43AF-9CAF-5EA121FD2CE6}"/>
+              </a:ext>
+            </a:extLst>
+          </p:cNvPr>
+          <p:cNvGrpSpPr/>
+          <p:nvPr/>
+        </p:nvGrpSpPr>
+        <p:grpSpPr>
+          <a:xfrm>
+            <a:off x="5501156" y="335834"/>
+            <a:ext cx="5707792" cy="5208771"/>
+            <a:chOff x="5501156" y="335834"/>
+            <a:chExt cx="5707792" cy="5208771"/>
+          </a:xfrm>
+        </p:grpSpPr>
+        <p:sp>
+          <p:nvSpPr>
+            <p:cNvPr id="28" name="Rechteck: abgerundete Ecken 27">
+              <a:extLst>
+                <a:ext uri="{FF2B5EF4-FFF2-40B4-BE49-F238E27FC236}">
+                  <a16:creationId xmlns:a16="http://schemas.microsoft.com/office/drawing/2014/main" id="{3C8E4BB1-39BD-406E-AB4F-EBBD08578A6A}"/>
+                </a:ext>
+              </a:extLst>
+            </p:cNvPr>
+            <p:cNvSpPr/>
+            <p:nvPr/>
+          </p:nvSpPr>
+          <p:spPr>
+            <a:xfrm>
+              <a:off x="7580375" y="2041939"/>
+              <a:ext cx="2129644" cy="1023151"/>
+            </a:xfrm>
+            <a:prstGeom prst="roundRect">
+              <a:avLst/>
+            </a:prstGeom>
+            <a:solidFill>
+              <a:srgbClr val="FF7F2B"/>
+            </a:solidFill>
+            <a:ln>
+              <a:noFill/>
+            </a:ln>
+          </p:spPr>
+          <p:style>
+            <a:lnRef idx="2">
+              <a:schemeClr val="accent1">
+                <a:shade val="50000"/>
+              </a:schemeClr>
+            </a:lnRef>
+            <a:fillRef idx="1">
+              <a:schemeClr val="accent1"/>
+            </a:fillRef>
+            <a:effectRef idx="0">
+              <a:schemeClr val="accent1"/>
+            </a:effectRef>
+            <a:fontRef idx="minor">
+              <a:schemeClr val="lt1"/>
+            </a:fontRef>
+          </p:style>
+          <p:txBody>
+            <a:bodyPr rtlCol="0" anchor="ctr"/>
+            <a:lstStyle/>
+            <a:p>
+              <a:pPr algn="ctr"/>
+              <a:endParaRPr lang="en-GB" dirty="0"/>
+            </a:p>
+          </p:txBody>
+        </p:sp>
+        <p:pic>
+          <p:nvPicPr>
+            <p:cNvPr id="29" name="Grafik 28" descr="Mann">
+              <a:extLst>
+                <a:ext uri="{FF2B5EF4-FFF2-40B4-BE49-F238E27FC236}">
+                  <a16:creationId xmlns:a16="http://schemas.microsoft.com/office/drawing/2014/main" id="{0E6AD73D-1AF8-437C-B0F5-6765D2519DF9}"/>
+                </a:ext>
+              </a:extLst>
+            </p:cNvPr>
+            <p:cNvPicPr>
+              <a:picLocks noChangeAspect="1"/>
+            </p:cNvPicPr>
+            <p:nvPr/>
+          </p:nvPicPr>
+          <p:blipFill>
+            <a:blip r:embed="rId21">
+              <a:extLst>
+                <a:ext uri="{28A0092B-C50C-407E-A947-70E740481C1C}">
+                  <a14:useLocalDpi xmlns:a14="http://schemas.microsoft.com/office/drawing/2010/main" val="0"/>
+                </a:ext>
+                <a:ext uri="{96DAC541-7B7A-43D3-8B79-37D633B846F1}">
+                  <asvg:svgBlip xmlns:asvg="http://schemas.microsoft.com/office/drawing/2016/SVG/main" r:embed="rId22"/>
+                </a:ext>
+              </a:extLst>
+            </a:blip>
+            <a:stretch>
+              <a:fillRect/>
+            </a:stretch>
+          </p:blipFill>
+          <p:spPr>
+            <a:xfrm>
+              <a:off x="8746206" y="335834"/>
+              <a:ext cx="1081596" cy="1081596"/>
+            </a:xfrm>
+            <a:prstGeom prst="rect">
+              <a:avLst/>
+            </a:prstGeom>
+          </p:spPr>
+        </p:pic>
+        <p:pic>
+          <p:nvPicPr>
+            <p:cNvPr id="31" name="Grafik 30" descr="Kopf mit Zahnrädern">
+              <a:extLst>
+                <a:ext uri="{FF2B5EF4-FFF2-40B4-BE49-F238E27FC236}">
+                  <a16:creationId xmlns:a16="http://schemas.microsoft.com/office/drawing/2014/main" id="{1932EF10-BC8B-4734-8D7C-6BD9AFC20B48}"/>
+                </a:ext>
+              </a:extLst>
+            </p:cNvPr>
+            <p:cNvPicPr>
+              <a:picLocks noChangeAspect="1"/>
+            </p:cNvPicPr>
+            <p:nvPr/>
+          </p:nvPicPr>
+          <p:blipFill>
+            <a:blip r:embed="rId23">
+              <a:extLst>
+                <a:ext uri="{28A0092B-C50C-407E-A947-70E740481C1C}">
+                  <a14:useLocalDpi xmlns:a14="http://schemas.microsoft.com/office/drawing/2010/main" val="0"/>
+                </a:ext>
+                <a:ext uri="{96DAC541-7B7A-43D3-8B79-37D633B846F1}">
+                  <asvg:svgBlip xmlns:asvg="http://schemas.microsoft.com/office/drawing/2016/SVG/main" r:embed="rId24"/>
+                </a:ext>
+              </a:extLst>
+            </a:blip>
+            <a:stretch>
+              <a:fillRect/>
+            </a:stretch>
+          </p:blipFill>
+          <p:spPr>
+            <a:xfrm>
+              <a:off x="7296161" y="335834"/>
+              <a:ext cx="1081596" cy="1081596"/>
+            </a:xfrm>
+            <a:prstGeom prst="rect">
+              <a:avLst/>
+            </a:prstGeom>
+          </p:spPr>
+        </p:pic>
+        <p:cxnSp>
+          <p:nvCxnSpPr>
+            <p:cNvPr id="32" name="Gerade Verbindung mit Pfeil 31">
+              <a:extLst>
+                <a:ext uri="{FF2B5EF4-FFF2-40B4-BE49-F238E27FC236}">
+                  <a16:creationId xmlns:a16="http://schemas.microsoft.com/office/drawing/2014/main" id="{398FCAA8-AD1C-41D9-94C8-8850FA902CB3}"/>
+                </a:ext>
+              </a:extLst>
+            </p:cNvPr>
+            <p:cNvCxnSpPr/>
+            <p:nvPr/>
+          </p:nvCxnSpPr>
+          <p:spPr>
+            <a:xfrm>
+              <a:off x="8696154" y="3188652"/>
+              <a:ext cx="0" cy="504000"/>
+            </a:xfrm>
+            <a:prstGeom prst="straightConnector1">
+              <a:avLst/>
+            </a:prstGeom>
+            <a:ln w="25400">
+              <a:solidFill>
+                <a:schemeClr val="tx1"/>
+              </a:solidFill>
+              <a:tailEnd type="triangle"/>
+            </a:ln>
+          </p:spPr>
+          <p:style>
+            <a:lnRef idx="1">
+              <a:schemeClr val="accent1"/>
+            </a:lnRef>
+            <a:fillRef idx="0">
+              <a:schemeClr val="accent1"/>
+            </a:fillRef>
+            <a:effectRef idx="0">
+              <a:schemeClr val="accent1"/>
+            </a:effectRef>
+            <a:fontRef idx="minor">
+              <a:schemeClr val="tx1"/>
+            </a:fontRef>
+          </p:style>
+        </p:cxnSp>
+        <p:cxnSp>
+          <p:nvCxnSpPr>
+            <p:cNvPr id="33" name="Gerade Verbindung mit Pfeil 32">
+              <a:extLst>
+                <a:ext uri="{FF2B5EF4-FFF2-40B4-BE49-F238E27FC236}">
+                  <a16:creationId xmlns:a16="http://schemas.microsoft.com/office/drawing/2014/main" id="{8614BBAD-1E7A-47FB-BA5E-84FBE0E3BE9E}"/>
+                </a:ext>
+              </a:extLst>
+            </p:cNvPr>
+            <p:cNvCxnSpPr>
+              <a:cxnSpLocks/>
+            </p:cNvCxnSpPr>
+            <p:nvPr/>
+          </p:nvCxnSpPr>
+          <p:spPr>
+            <a:xfrm flipH="1">
+              <a:off x="8377757" y="876632"/>
+              <a:ext cx="534881" cy="0"/>
+            </a:xfrm>
+            <a:prstGeom prst="straightConnector1">
+              <a:avLst/>
+            </a:prstGeom>
+            <a:ln w="25400">
+              <a:solidFill>
+                <a:schemeClr val="tx1"/>
+              </a:solidFill>
+              <a:headEnd type="triangle"/>
+              <a:tailEnd type="triangle"/>
+            </a:ln>
+          </p:spPr>
+          <p:style>
+            <a:lnRef idx="1">
+              <a:schemeClr val="accent1"/>
+            </a:lnRef>
+            <a:fillRef idx="0">
+              <a:schemeClr val="accent1"/>
+            </a:fillRef>
+            <a:effectRef idx="0">
+              <a:schemeClr val="accent1"/>
+            </a:effectRef>
+            <a:fontRef idx="minor">
+              <a:schemeClr val="tx1"/>
+            </a:fontRef>
+          </p:style>
+        </p:cxnSp>
+        <p:cxnSp>
+          <p:nvCxnSpPr>
+            <p:cNvPr id="34" name="Gerade Verbindung mit Pfeil 33">
+              <a:extLst>
+                <a:ext uri="{FF2B5EF4-FFF2-40B4-BE49-F238E27FC236}">
+                  <a16:creationId xmlns:a16="http://schemas.microsoft.com/office/drawing/2014/main" id="{E6AE03EE-DFCE-42AC-83A6-E0A4A0A5EE3E}"/>
+                </a:ext>
+              </a:extLst>
+            </p:cNvPr>
+            <p:cNvCxnSpPr>
+              <a:cxnSpLocks/>
+            </p:cNvCxnSpPr>
+            <p:nvPr/>
+          </p:nvCxnSpPr>
+          <p:spPr>
+            <a:xfrm>
+              <a:off x="8645198" y="1402150"/>
+              <a:ext cx="0" cy="504000"/>
+            </a:xfrm>
+            <a:prstGeom prst="straightConnector1">
+              <a:avLst/>
+            </a:prstGeom>
+            <a:ln w="25400">
+              <a:solidFill>
+                <a:schemeClr val="tx1"/>
+              </a:solidFill>
+              <a:tailEnd type="triangle"/>
+            </a:ln>
+          </p:spPr>
+          <p:style>
+            <a:lnRef idx="1">
+              <a:schemeClr val="accent1"/>
+            </a:lnRef>
+            <a:fillRef idx="0">
+              <a:schemeClr val="accent1"/>
+            </a:fillRef>
+            <a:effectRef idx="0">
+              <a:schemeClr val="accent1"/>
+            </a:effectRef>
+            <a:fontRef idx="minor">
+              <a:schemeClr val="tx1"/>
+            </a:fontRef>
+          </p:style>
+        </p:cxnSp>
+        <p:cxnSp>
+          <p:nvCxnSpPr>
+            <p:cNvPr id="35" name="Gerade Verbindung mit Pfeil 34">
+              <a:extLst>
+                <a:ext uri="{FF2B5EF4-FFF2-40B4-BE49-F238E27FC236}">
+                  <a16:creationId xmlns:a16="http://schemas.microsoft.com/office/drawing/2014/main" id="{E68C6092-DA1F-4F6C-9D4A-8D43C849AF89}"/>
+                </a:ext>
+              </a:extLst>
+            </p:cNvPr>
+            <p:cNvCxnSpPr>
+              <a:cxnSpLocks/>
+            </p:cNvCxnSpPr>
+            <p:nvPr/>
+          </p:nvCxnSpPr>
+          <p:spPr>
+            <a:xfrm flipV="1">
+              <a:off x="8570762" y="3188652"/>
+              <a:ext cx="0" cy="504000"/>
+            </a:xfrm>
+            <a:prstGeom prst="straightConnector1">
+              <a:avLst/>
+            </a:prstGeom>
+            <a:ln w="25400">
+              <a:solidFill>
+                <a:schemeClr val="tx1"/>
+              </a:solidFill>
+              <a:tailEnd type="triangle"/>
+            </a:ln>
+          </p:spPr>
+          <p:style>
+            <a:lnRef idx="1">
+              <a:schemeClr val="accent1"/>
+            </a:lnRef>
+            <a:fillRef idx="0">
+              <a:schemeClr val="accent1"/>
+            </a:fillRef>
+            <a:effectRef idx="0">
+              <a:schemeClr val="accent1"/>
+            </a:effectRef>
+            <a:fontRef idx="minor">
+              <a:schemeClr val="tx1"/>
+            </a:fontRef>
+          </p:style>
+        </p:cxnSp>
+        <p:cxnSp>
+          <p:nvCxnSpPr>
+            <p:cNvPr id="36" name="Verbinder: gewinkelt 35">
+              <a:extLst>
+                <a:ext uri="{FF2B5EF4-FFF2-40B4-BE49-F238E27FC236}">
+                  <a16:creationId xmlns:a16="http://schemas.microsoft.com/office/drawing/2014/main" id="{CBABA9FE-7F35-4D6E-BEBE-00108CC9B8C7}"/>
+                </a:ext>
+              </a:extLst>
+            </p:cNvPr>
+            <p:cNvCxnSpPr>
+              <a:cxnSpLocks/>
+              <a:stCxn id="50" idx="1"/>
+              <a:endCxn id="39" idx="1"/>
+            </p:cNvCxnSpPr>
+            <p:nvPr/>
+          </p:nvCxnSpPr>
+          <p:spPr>
+            <a:xfrm rot="10800000">
+              <a:off x="5501156" y="759418"/>
+              <a:ext cx="2646574" cy="3877297"/>
+            </a:xfrm>
+            <a:prstGeom prst="bentConnector3">
+              <a:avLst>
+                <a:gd name="adj1" fmla="val 108638"/>
+              </a:avLst>
+            </a:prstGeom>
+            <a:ln w="25400">
+              <a:solidFill>
+                <a:schemeClr val="tx1"/>
+              </a:solidFill>
+              <a:tailEnd type="triangle"/>
+            </a:ln>
+          </p:spPr>
+          <p:style>
+            <a:lnRef idx="1">
+              <a:schemeClr val="accent1"/>
+            </a:lnRef>
+            <a:fillRef idx="0">
+              <a:schemeClr val="accent1"/>
+            </a:fillRef>
+            <a:effectRef idx="0">
+              <a:schemeClr val="accent1"/>
+            </a:effectRef>
+            <a:fontRef idx="minor">
+              <a:schemeClr val="tx1"/>
+            </a:fontRef>
+          </p:style>
+        </p:cxnSp>
+        <p:cxnSp>
+          <p:nvCxnSpPr>
+            <p:cNvPr id="37" name="Verbinder: gewinkelt 36">
+              <a:extLst>
+                <a:ext uri="{FF2B5EF4-FFF2-40B4-BE49-F238E27FC236}">
+                  <a16:creationId xmlns:a16="http://schemas.microsoft.com/office/drawing/2014/main" id="{377288CE-7DE9-41E5-ADB6-F41824A9C149}"/>
+                </a:ext>
+              </a:extLst>
+            </p:cNvPr>
+            <p:cNvCxnSpPr>
+              <a:cxnSpLocks/>
+              <a:stCxn id="50" idx="3"/>
+              <a:endCxn id="41" idx="3"/>
+            </p:cNvCxnSpPr>
+            <p:nvPr/>
+          </p:nvCxnSpPr>
+          <p:spPr>
+            <a:xfrm flipV="1">
+              <a:off x="8993794" y="759141"/>
+              <a:ext cx="2215154" cy="3877573"/>
+            </a:xfrm>
+            <a:prstGeom prst="bentConnector3">
+              <a:avLst>
+                <a:gd name="adj1" fmla="val 110320"/>
+              </a:avLst>
+            </a:prstGeom>
+            <a:ln w="25400">
+              <a:solidFill>
+                <a:schemeClr val="tx1"/>
+              </a:solidFill>
+              <a:tailEnd type="triangle"/>
+            </a:ln>
+          </p:spPr>
+          <p:style>
+            <a:lnRef idx="1">
+              <a:schemeClr val="accent1"/>
+            </a:lnRef>
+            <a:fillRef idx="0">
+              <a:schemeClr val="accent1"/>
+            </a:fillRef>
+            <a:effectRef idx="0">
+              <a:schemeClr val="accent1"/>
+            </a:effectRef>
+            <a:fontRef idx="minor">
+              <a:schemeClr val="tx1"/>
+            </a:fontRef>
+          </p:style>
+        </p:cxnSp>
+        <p:pic>
+          <p:nvPicPr>
+            <p:cNvPr id="39" name="Grafik 38">
+              <a:extLst>
+                <a:ext uri="{FF2B5EF4-FFF2-40B4-BE49-F238E27FC236}">
+                  <a16:creationId xmlns:a16="http://schemas.microsoft.com/office/drawing/2014/main" id="{2A36F557-A3BC-4407-A1BF-74A87E1F4CBC}"/>
+                </a:ext>
+              </a:extLst>
+            </p:cNvPr>
+            <p:cNvPicPr>
+              <a:picLocks noChangeAspect="1"/>
+            </p:cNvPicPr>
+            <p:nvPr>
+              <p:custDataLst>
+                <p:tags r:id="rId2"/>
+              </p:custDataLst>
+            </p:nvPr>
+          </p:nvPicPr>
+          <p:blipFill rotWithShape="1">
+            <a:blip r:embed="rId25">
+              <a:extLst>
+                <a:ext uri="{28A0092B-C50C-407E-A947-70E740481C1C}">
+                  <a14:useLocalDpi xmlns:a14="http://schemas.microsoft.com/office/drawing/2010/main" val="0"/>
+                </a:ext>
+              </a:extLst>
+            </a:blip>
+            <a:srcRect l="-5459" t="-1213" b="-1"/>
+            <a:stretch/>
+          </p:blipFill>
+          <p:spPr>
+            <a:xfrm>
+              <a:off x="5501156" y="642201"/>
+              <a:ext cx="1795006" cy="234432"/>
+            </a:xfrm>
+            <a:prstGeom prst="rect">
+              <a:avLst/>
+            </a:prstGeom>
+          </p:spPr>
+        </p:pic>
+        <p:pic>
+          <p:nvPicPr>
+            <p:cNvPr id="41" name="Grafik 40">
+              <a:extLst>
+                <a:ext uri="{FF2B5EF4-FFF2-40B4-BE49-F238E27FC236}">
+                  <a16:creationId xmlns:a16="http://schemas.microsoft.com/office/drawing/2014/main" id="{F9256959-EDE5-4CB1-9B48-B76A08093137}"/>
+                </a:ext>
+              </a:extLst>
+            </p:cNvPr>
+            <p:cNvPicPr>
+              <a:picLocks noChangeAspect="1"/>
+            </p:cNvPicPr>
+            <p:nvPr>
+              <p:custDataLst>
+                <p:tags r:id="rId3"/>
+              </p:custDataLst>
+            </p:nvPr>
+          </p:nvPicPr>
+          <p:blipFill rotWithShape="1">
+            <a:blip r:embed="rId26">
+              <a:extLst>
+                <a:ext uri="{28A0092B-C50C-407E-A947-70E740481C1C}">
+                  <a14:useLocalDpi xmlns:a14="http://schemas.microsoft.com/office/drawing/2010/main" val="0"/>
+                </a:ext>
+              </a:extLst>
+            </a:blip>
+            <a:srcRect l="-1" t="1" r="-9197" b="-30048"/>
+            <a:stretch/>
+          </p:blipFill>
+          <p:spPr>
+            <a:xfrm>
+              <a:off x="9701900" y="642201"/>
+              <a:ext cx="1507048" cy="233880"/>
+            </a:xfrm>
+            <a:prstGeom prst="rect">
+              <a:avLst/>
+            </a:prstGeom>
+          </p:spPr>
+        </p:pic>
+        <p:pic>
+          <p:nvPicPr>
+            <p:cNvPr id="42" name="Grafik 41">
+              <a:extLst>
+                <a:ext uri="{FF2B5EF4-FFF2-40B4-BE49-F238E27FC236}">
+                  <a16:creationId xmlns:a16="http://schemas.microsoft.com/office/drawing/2014/main" id="{D9A2E007-B488-4472-8F58-CF5DE95D237A}"/>
+                </a:ext>
+              </a:extLst>
+            </p:cNvPr>
+            <p:cNvPicPr>
+              <a:picLocks noChangeAspect="1"/>
+            </p:cNvPicPr>
+            <p:nvPr>
+              <p:custDataLst>
+                <p:tags r:id="rId4"/>
+              </p:custDataLst>
+            </p:nvPr>
+          </p:nvPicPr>
+          <p:blipFill>
+            <a:blip r:embed="rId27">
+              <a:extLst>
+                <a:ext uri="{28A0092B-C50C-407E-A947-70E740481C1C}">
+                  <a14:useLocalDpi xmlns:a14="http://schemas.microsoft.com/office/drawing/2010/main" val="0"/>
+                </a:ext>
+              </a:extLst>
+            </a:blip>
+            <a:stretch>
+              <a:fillRect/>
+            </a:stretch>
+          </p:blipFill>
+          <p:spPr>
+            <a:xfrm>
+              <a:off x="7139178" y="1555537"/>
+              <a:ext cx="1216605" cy="187569"/>
+            </a:xfrm>
+            <a:prstGeom prst="rect">
+              <a:avLst/>
+            </a:prstGeom>
+          </p:spPr>
+        </p:pic>
+        <p:pic>
+          <p:nvPicPr>
+            <p:cNvPr id="10" name="Grafik 9">
+              <a:extLst>
+                <a:ext uri="{FF2B5EF4-FFF2-40B4-BE49-F238E27FC236}">
+                  <a16:creationId xmlns:a16="http://schemas.microsoft.com/office/drawing/2014/main" id="{DD5FB08B-8E09-42D1-99C4-F08787350650}"/>
+                </a:ext>
+              </a:extLst>
+            </p:cNvPr>
+            <p:cNvPicPr>
+              <a:picLocks noChangeAspect="1"/>
+            </p:cNvPicPr>
+            <p:nvPr>
+              <p:custDataLst>
+                <p:tags r:id="rId5"/>
+              </p:custDataLst>
+            </p:nvPr>
+          </p:nvPicPr>
+          <p:blipFill>
+            <a:blip r:embed="rId35">
+              <a:extLst>
+                <a:ext uri="{28A0092B-C50C-407E-A947-70E740481C1C}">
+                  <a14:useLocalDpi xmlns:a14="http://schemas.microsoft.com/office/drawing/2010/main" val="0"/>
+                </a:ext>
+              </a:extLst>
+            </a:blip>
+            <a:stretch>
+              <a:fillRect/>
+            </a:stretch>
+          </p:blipFill>
+          <p:spPr>
+            <a:xfrm>
+              <a:off x="6727591" y="3327102"/>
+              <a:ext cx="1628192" cy="189929"/>
+            </a:xfrm>
+            <a:prstGeom prst="rect">
+              <a:avLst/>
+            </a:prstGeom>
+          </p:spPr>
+        </p:pic>
+        <p:pic>
+          <p:nvPicPr>
+            <p:cNvPr id="21" name="Grafik 20">
+              <a:extLst>
+                <a:ext uri="{FF2B5EF4-FFF2-40B4-BE49-F238E27FC236}">
+                  <a16:creationId xmlns:a16="http://schemas.microsoft.com/office/drawing/2014/main" id="{5CE07604-9782-49EC-B48F-9C55FB1C8BD1}"/>
+                </a:ext>
+              </a:extLst>
+            </p:cNvPr>
+            <p:cNvPicPr>
+              <a:picLocks noChangeAspect="1"/>
+            </p:cNvPicPr>
+            <p:nvPr>
+              <p:custDataLst>
+                <p:tags r:id="rId6"/>
+              </p:custDataLst>
+            </p:nvPr>
+          </p:nvPicPr>
+          <p:blipFill>
+            <a:blip r:embed="rId36">
+              <a:extLst>
+                <a:ext uri="{28A0092B-C50C-407E-A947-70E740481C1C}">
+                  <a14:useLocalDpi xmlns:a14="http://schemas.microsoft.com/office/drawing/2010/main" val="0"/>
+                </a:ext>
+              </a:extLst>
+            </a:blip>
+            <a:stretch>
+              <a:fillRect/>
+            </a:stretch>
+          </p:blipFill>
+          <p:spPr>
+            <a:xfrm>
+              <a:off x="8911134" y="3330074"/>
+              <a:ext cx="2174190" cy="233851"/>
+            </a:xfrm>
+            <a:prstGeom prst="rect">
+              <a:avLst/>
+            </a:prstGeom>
+          </p:spPr>
+        </p:pic>
+        <p:pic>
+          <p:nvPicPr>
+            <p:cNvPr id="58" name="Grafik 57">
+              <a:extLst>
+                <a:ext uri="{FF2B5EF4-FFF2-40B4-BE49-F238E27FC236}">
+                  <a16:creationId xmlns:a16="http://schemas.microsoft.com/office/drawing/2014/main" id="{8F08F867-7626-4EF8-961D-F8CD1521F47E}"/>
+                </a:ext>
+              </a:extLst>
+            </p:cNvPr>
+            <p:cNvPicPr>
+              <a:picLocks noChangeAspect="1"/>
+            </p:cNvPicPr>
+            <p:nvPr>
+              <p:custDataLst>
+                <p:tags r:id="rId7"/>
+              </p:custDataLst>
+            </p:nvPr>
+          </p:nvPicPr>
+          <p:blipFill>
+            <a:blip r:embed="rId37">
+              <a:extLst>
+                <a:ext uri="{28A0092B-C50C-407E-A947-70E740481C1C}">
+                  <a14:useLocalDpi xmlns:a14="http://schemas.microsoft.com/office/drawing/2010/main" val="0"/>
+                </a:ext>
+              </a:extLst>
+            </a:blip>
+            <a:stretch>
+              <a:fillRect/>
+            </a:stretch>
+          </p:blipFill>
+          <p:spPr>
+            <a:xfrm>
+              <a:off x="6171229" y="4755984"/>
+              <a:ext cx="1306427" cy="193830"/>
+            </a:xfrm>
+            <a:prstGeom prst="rect">
+              <a:avLst/>
+            </a:prstGeom>
+          </p:spPr>
+        </p:pic>
+        <p:pic>
+          <p:nvPicPr>
+            <p:cNvPr id="62" name="Grafik 61">
+              <a:extLst>
+                <a:ext uri="{FF2B5EF4-FFF2-40B4-BE49-F238E27FC236}">
+                  <a16:creationId xmlns:a16="http://schemas.microsoft.com/office/drawing/2014/main" id="{94CA08E5-4EFF-4C61-8A55-307B002BA1CE}"/>
+                </a:ext>
+              </a:extLst>
+            </p:cNvPr>
+            <p:cNvPicPr>
+              <a:picLocks noChangeAspect="1"/>
+            </p:cNvPicPr>
+            <p:nvPr>
+              <p:custDataLst>
+                <p:tags r:id="rId8"/>
+              </p:custDataLst>
+            </p:nvPr>
+          </p:nvPicPr>
+          <p:blipFill>
+            <a:blip r:embed="rId38">
+              <a:extLst>
+                <a:ext uri="{28A0092B-C50C-407E-A947-70E740481C1C}">
+                  <a14:useLocalDpi xmlns:a14="http://schemas.microsoft.com/office/drawing/2010/main" val="0"/>
+                </a:ext>
+              </a:extLst>
+            </a:blip>
+            <a:stretch>
+              <a:fillRect/>
+            </a:stretch>
+          </p:blipFill>
+          <p:spPr>
+            <a:xfrm>
+              <a:off x="7822027" y="2287370"/>
+              <a:ext cx="1709815" cy="196516"/>
+            </a:xfrm>
+            <a:prstGeom prst="rect">
+              <a:avLst/>
+            </a:prstGeom>
+          </p:spPr>
+        </p:pic>
+        <p:pic>
+          <p:nvPicPr>
+            <p:cNvPr id="47" name="Grafik 46">
+              <a:extLst>
+                <a:ext uri="{FF2B5EF4-FFF2-40B4-BE49-F238E27FC236}">
+                  <a16:creationId xmlns:a16="http://schemas.microsoft.com/office/drawing/2014/main" id="{D65E713F-FD9C-437E-9A53-5C615E8C53C2}"/>
+                </a:ext>
+              </a:extLst>
+            </p:cNvPr>
+            <p:cNvPicPr>
+              <a:picLocks noChangeAspect="1"/>
+            </p:cNvPicPr>
+            <p:nvPr>
+              <p:custDataLst>
+                <p:tags r:id="rId9"/>
+              </p:custDataLst>
+            </p:nvPr>
+          </p:nvPicPr>
+          <p:blipFill>
+            <a:blip r:embed="rId32">
+              <a:extLst>
+                <a:ext uri="{28A0092B-C50C-407E-A947-70E740481C1C}">
+                  <a14:useLocalDpi xmlns:a14="http://schemas.microsoft.com/office/drawing/2010/main" val="0"/>
+                </a:ext>
+              </a:extLst>
+            </a:blip>
+            <a:stretch>
+              <a:fillRect/>
+            </a:stretch>
+          </p:blipFill>
+          <p:spPr>
+            <a:xfrm>
+              <a:off x="8066867" y="2649481"/>
+              <a:ext cx="1220137" cy="197578"/>
+            </a:xfrm>
+            <a:prstGeom prst="rect">
+              <a:avLst/>
+            </a:prstGeom>
+          </p:spPr>
+        </p:pic>
+        <p:pic>
+          <p:nvPicPr>
+            <p:cNvPr id="48" name="Grafik 47">
+              <a:extLst>
+                <a:ext uri="{FF2B5EF4-FFF2-40B4-BE49-F238E27FC236}">
+                  <a16:creationId xmlns:a16="http://schemas.microsoft.com/office/drawing/2014/main" id="{3E5566AE-03BB-48A7-92D9-C58F3A18DAAB}"/>
+                </a:ext>
+              </a:extLst>
+            </p:cNvPr>
+            <p:cNvPicPr>
+              <a:picLocks noChangeAspect="1"/>
+            </p:cNvPicPr>
+            <p:nvPr>
+              <p:custDataLst>
+                <p:tags r:id="rId10"/>
+              </p:custDataLst>
+            </p:nvPr>
+          </p:nvPicPr>
+          <p:blipFill>
+            <a:blip r:embed="rId30">
+              <a:extLst>
+                <a:ext uri="{28A0092B-C50C-407E-A947-70E740481C1C}">
+                  <a14:useLocalDpi xmlns:a14="http://schemas.microsoft.com/office/drawing/2010/main" val="0"/>
+                </a:ext>
+              </a:extLst>
+            </a:blip>
+            <a:stretch>
+              <a:fillRect/>
+            </a:stretch>
+          </p:blipFill>
+          <p:spPr>
+            <a:xfrm>
+              <a:off x="9287004" y="4759675"/>
+              <a:ext cx="1795007" cy="186449"/>
+            </a:xfrm>
+            <a:prstGeom prst="rect">
+              <a:avLst/>
+            </a:prstGeom>
+          </p:spPr>
+        </p:pic>
+        <p:pic>
+          <p:nvPicPr>
+            <p:cNvPr id="50" name="Grafik 49">
+              <a:extLst>
+                <a:ext uri="{FF2B5EF4-FFF2-40B4-BE49-F238E27FC236}">
+                  <a16:creationId xmlns:a16="http://schemas.microsoft.com/office/drawing/2014/main" id="{8CE2EC8A-3060-460D-B1F8-18FEC23AC40E}"/>
+                </a:ext>
+              </a:extLst>
+            </p:cNvPr>
+            <p:cNvPicPr>
+              <a:picLocks noChangeAspect="1"/>
+            </p:cNvPicPr>
+            <p:nvPr/>
+          </p:nvPicPr>
+          <p:blipFill rotWithShape="1">
+            <a:blip r:embed="rId33">
+              <a:extLst>
+                <a:ext uri="{28A0092B-C50C-407E-A947-70E740481C1C}">
+                  <a14:useLocalDpi xmlns:a14="http://schemas.microsoft.com/office/drawing/2010/main" val="0"/>
+                </a:ext>
+              </a:extLst>
+            </a:blip>
+            <a:srcRect l="42068" t="20351" r="42113" b="27628"/>
+            <a:stretch/>
+          </p:blipFill>
+          <p:spPr>
+            <a:xfrm>
+              <a:off x="8147730" y="3728823"/>
               <a:ext cx="846064" cy="1815782"/>
             </a:xfrm>
             <a:prstGeom prst="rect">
@@ -27559,11 +30382,11 @@
 <file path=ppt/tags/tag100.xml><?xml version="1.0" encoding="utf-8"?>
 <p:tagLst xmlns:a="http://schemas.openxmlformats.org/drawingml/2006/main" xmlns:r="http://schemas.openxmlformats.org/officeDocument/2006/relationships" xmlns:p="http://schemas.openxmlformats.org/presentationml/2006/main">
   <p:tag name="OUTPUTDPI" val="1200"/>
-  <p:tag name="ORIGINALHEIGHT" val="56,99291"/>
-  <p:tag name="ORIGINALWIDTH" val="77,24032"/>
-  <p:tag name="LATEXADDIN" val="\documentclass{article}&#10;\usepackage{amsmath}&#10;\usepackage{bm}&#10;\usepackage{color}&#10;\pagestyle{empty}&#10;\begin{document}&#10;\begin{equation}&#10;\bm{u}&#10;\nonumber&#10;\end{equation}&#10;\end{document}"/>
+  <p:tag name="ORIGINALHEIGHT" val="113,2358"/>
+  <p:tag name="ORIGINALWIDTH" val="761,9047"/>
+  <p:tag name="LATEXADDIN" val="\documentclass{article}&#10;\usepackage{amsmath}&#10;\usepackage{color}&#10;\pagestyle{empty}&#10;\begin{document}&#10;%\color{white}&#10;Right Camera&#10;\end{document}"/>
   <p:tag name="IGUANATEXSIZE" val="20"/>
-  <p:tag name="IGUANATEXCURSOR" val="137"/>
+  <p:tag name="IGUANATEXCURSOR" val="120"/>
   <p:tag name="TRANSPARENCY" val="Wahr"/>
   <p:tag name="FILENAME" val=""/>
   <p:tag name="LATEXENGINEID" val="0"/>
@@ -27576,63 +30399,6 @@
 </file>
 
 <file path=ppt/tags/tag101.xml><?xml version="1.0" encoding="utf-8"?>
-<p:tagLst xmlns:a="http://schemas.openxmlformats.org/drawingml/2006/main" xmlns:r="http://schemas.openxmlformats.org/officeDocument/2006/relationships" xmlns:p="http://schemas.openxmlformats.org/presentationml/2006/main">
-  <p:tag name="OUTPUTDPI" val="1200"/>
-  <p:tag name="ORIGINALHEIGHT" val="56,99291"/>
-  <p:tag name="ORIGINALWIDTH" val="63,74205"/>
-  <p:tag name="LATEXADDIN" val="\documentclass{article}&#10;\usepackage{amsmath}&#10;\usepackage{bm}&#10;\usepackage{color}&#10;\pagestyle{empty}&#10;\begin{document}&#10;\begin{equation}&#10;\bm{v}&#10;\nonumber&#10;\end{equation}&#10;\end{document}"/>
-  <p:tag name="IGUANATEXSIZE" val="20"/>
-  <p:tag name="IGUANATEXCURSOR" val="137"/>
-  <p:tag name="TRANSPARENCY" val="Wahr"/>
-  <p:tag name="FILENAME" val=""/>
-  <p:tag name="LATEXENGINEID" val="0"/>
-  <p:tag name="TEMPFOLDER" val="c:\temp\"/>
-  <p:tag name="LATEXFORMHEIGHT" val="312"/>
-  <p:tag name="LATEXFORMWIDTH" val="384"/>
-  <p:tag name="LATEXFORMWRAP" val="Wahr"/>
-  <p:tag name="BITMAPVECTOR" val="0"/>
-</p:tagLst>
-</file>
-
-<file path=ppt/tags/tag102.xml><?xml version="1.0" encoding="utf-8"?>
-<p:tagLst xmlns:a="http://schemas.openxmlformats.org/drawingml/2006/main" xmlns:r="http://schemas.openxmlformats.org/officeDocument/2006/relationships" xmlns:p="http://schemas.openxmlformats.org/presentationml/2006/main">
-  <p:tag name="OUTPUTDPI" val="1200"/>
-  <p:tag name="ORIGINALHEIGHT" val="110,2362"/>
-  <p:tag name="ORIGINALWIDTH" val="816,6479"/>
-  <p:tag name="LATEXADDIN" val="\documentclass{article}&#10;\usepackage{amsmath}&#10;\usepackage{bm}&#10;\usepackage{color}&#10;\pagestyle{empty}&#10;\begin{document}&#10;Principal Point&#10;\end{document}"/>
-  <p:tag name="IGUANATEXSIZE" val="20"/>
-  <p:tag name="IGUANATEXCURSOR" val="130"/>
-  <p:tag name="TRANSPARENCY" val="Wahr"/>
-  <p:tag name="FILENAME" val=""/>
-  <p:tag name="LATEXENGINEID" val="0"/>
-  <p:tag name="TEMPFOLDER" val="c:\temp\"/>
-  <p:tag name="LATEXFORMHEIGHT" val="312"/>
-  <p:tag name="LATEXFORMWIDTH" val="384"/>
-  <p:tag name="LATEXFORMWRAP" val="Wahr"/>
-  <p:tag name="BITMAPVECTOR" val="0"/>
-</p:tagLst>
-</file>
-
-<file path=ppt/tags/tag103.xml><?xml version="1.0" encoding="utf-8"?>
-<p:tagLst xmlns:a="http://schemas.openxmlformats.org/drawingml/2006/main" xmlns:r="http://schemas.openxmlformats.org/officeDocument/2006/relationships" xmlns:p="http://schemas.openxmlformats.org/presentationml/2006/main">
-  <p:tag name="OUTPUTDPI" val="1200"/>
-  <p:tag name="ORIGINALHEIGHT" val="129,7338"/>
-  <p:tag name="ORIGINALWIDTH" val="357,7053"/>
-  <p:tag name="LATEXADDIN" val="\documentclass{article}&#10;\usepackage{amsmath}&#10;\usepackage{bm}&#10;\usepackage{color}&#10;\pagestyle{empty}&#10;\begin{document}&#10;\begin{equation}&#10;(c_x,c_y)&#10;\nonumber&#10;\end{equation}&#10;\end{document}"/>
-  <p:tag name="IGUANATEXSIZE" val="20"/>
-  <p:tag name="IGUANATEXCURSOR" val="140"/>
-  <p:tag name="TRANSPARENCY" val="Wahr"/>
-  <p:tag name="FILENAME" val=""/>
-  <p:tag name="LATEXENGINEID" val="0"/>
-  <p:tag name="TEMPFOLDER" val="c:\temp\"/>
-  <p:tag name="LATEXFORMHEIGHT" val="312"/>
-  <p:tag name="LATEXFORMWIDTH" val="384"/>
-  <p:tag name="LATEXFORMWRAP" val="Wahr"/>
-  <p:tag name="BITMAPVECTOR" val="0"/>
-</p:tagLst>
-</file>
-
-<file path=ppt/tags/tag104.xml><?xml version="1.0" encoding="utf-8"?>
 <p:tagLst xmlns:a="http://schemas.openxmlformats.org/drawingml/2006/main" xmlns:r="http://schemas.openxmlformats.org/officeDocument/2006/relationships" xmlns:p="http://schemas.openxmlformats.org/presentationml/2006/main">
   <p:tag name="OUTPUTDPI" val="1200"/>
   <p:tag name="ORIGINALHEIGHT" val="113,2358"/>
@@ -27651,7 +30417,7 @@
 </p:tagLst>
 </file>
 
-<file path=ppt/tags/tag105.xml><?xml version="1.0" encoding="utf-8"?>
+<file path=ppt/tags/tag102.xml><?xml version="1.0" encoding="utf-8"?>
 <p:tagLst xmlns:a="http://schemas.openxmlformats.org/drawingml/2006/main" xmlns:r="http://schemas.openxmlformats.org/officeDocument/2006/relationships" xmlns:p="http://schemas.openxmlformats.org/presentationml/2006/main">
   <p:tag name="OUTPUTDPI" val="1200"/>
   <p:tag name="ORIGINALHEIGHT" val="110,9861"/>
@@ -27670,7 +30436,45 @@
 </p:tagLst>
 </file>
 
-<file path=ppt/tags/tag106.xml><?xml version="1.0" encoding="utf-8"?>
+<file path=ppt/tags/tag103.xml><?xml version="1.0" encoding="utf-8"?>
+<p:tagLst xmlns:a="http://schemas.openxmlformats.org/drawingml/2006/main" xmlns:r="http://schemas.openxmlformats.org/officeDocument/2006/relationships" xmlns:p="http://schemas.openxmlformats.org/presentationml/2006/main">
+  <p:tag name="OUTPUTDPI" val="1200"/>
+  <p:tag name="ORIGINALHEIGHT" val="85,48929"/>
+  <p:tag name="ORIGINALWIDTH" val="114,7357"/>
+  <p:tag name="LATEXADDIN" val="\documentclass{article}&#10;\usepackage{amsmath}&#10;\usepackage{bm}&#10;\usepackage{color}&#10;\pagestyle{empty}&#10;\begin{document}&#10;%\color{white}&#10;\begin{equation}&#10;\bm{X}&#10;\nonumber&#10;\end{equation}&#10;\end{document}"/>
+  <p:tag name="IGUANATEXSIZE" val="20"/>
+  <p:tag name="IGUANATEXCURSOR" val="163"/>
+  <p:tag name="TRANSPARENCY" val="Wahr"/>
+  <p:tag name="FILENAME" val=""/>
+  <p:tag name="LATEXENGINEID" val="0"/>
+  <p:tag name="TEMPFOLDER" val="c:\temp\"/>
+  <p:tag name="LATEXFORMHEIGHT" val="312"/>
+  <p:tag name="LATEXFORMWIDTH" val="384"/>
+  <p:tag name="LATEXFORMWRAP" val="Wahr"/>
+  <p:tag name="BITMAPVECTOR" val="0"/>
+</p:tagLst>
+</file>
+
+<file path=ppt/tags/tag104.xml><?xml version="1.0" encoding="utf-8"?>
+<p:tagLst xmlns:a="http://schemas.openxmlformats.org/drawingml/2006/main" xmlns:r="http://schemas.openxmlformats.org/officeDocument/2006/relationships" xmlns:p="http://schemas.openxmlformats.org/presentationml/2006/main">
+  <p:tag name="OUTPUTDPI" val="1200"/>
+  <p:tag name="ORIGINALHEIGHT" val="101,2373"/>
+  <p:tag name="ORIGINALWIDTH" val="103,4871"/>
+  <p:tag name="LATEXADDIN" val="\documentclass{article}&#10;\usepackage{amsmath}&#10;\usepackage{bm}&#10;\usepackage{color}&#10;\pagestyle{empty}&#10;\begin{document}&#10;%\color{white}&#10;\begin{equation}&#10;\bm{x}'&#10;\nonumber&#10;\end{equation}&#10;\end{document}"/>
+  <p:tag name="IGUANATEXSIZE" val="20"/>
+  <p:tag name="IGUANATEXCURSOR" val="154"/>
+  <p:tag name="TRANSPARENCY" val="Wahr"/>
+  <p:tag name="FILENAME" val=""/>
+  <p:tag name="LATEXENGINEID" val="0"/>
+  <p:tag name="TEMPFOLDER" val="c:\temp\"/>
+  <p:tag name="LATEXFORMHEIGHT" val="312"/>
+  <p:tag name="LATEXFORMWIDTH" val="384"/>
+  <p:tag name="LATEXFORMWRAP" val="Wahr"/>
+  <p:tag name="BITMAPVECTOR" val="0"/>
+</p:tagLst>
+</file>
+
+<file path=ppt/tags/tag105.xml><?xml version="1.0" encoding="utf-8"?>
 <p:tagLst xmlns:a="http://schemas.openxmlformats.org/drawingml/2006/main" xmlns:r="http://schemas.openxmlformats.org/officeDocument/2006/relationships" xmlns:p="http://schemas.openxmlformats.org/presentationml/2006/main">
   <p:tag name="OUTPUTDPI" val="1200"/>
   <p:tag name="ORIGINALHEIGHT" val="75,74055"/>
@@ -27689,7 +30493,7 @@
 </p:tagLst>
 </file>
 
-<file path=ppt/tags/tag107.xml><?xml version="1.0" encoding="utf-8"?>
+<file path=ppt/tags/tag106.xml><?xml version="1.0" encoding="utf-8"?>
 <p:tagLst xmlns:a="http://schemas.openxmlformats.org/drawingml/2006/main" xmlns:r="http://schemas.openxmlformats.org/officeDocument/2006/relationships" xmlns:p="http://schemas.openxmlformats.org/presentationml/2006/main">
   <p:tag name="OUTPUTDPI" val="1200"/>
   <p:tag name="ORIGINALHEIGHT" val="80,98985"/>
@@ -27708,7 +30512,7 @@
 </p:tagLst>
 </file>
 
-<file path=ppt/tags/tag108.xml><?xml version="1.0" encoding="utf-8"?>
+<file path=ppt/tags/tag107.xml><?xml version="1.0" encoding="utf-8"?>
 <p:tagLst xmlns:a="http://schemas.openxmlformats.org/drawingml/2006/main" xmlns:r="http://schemas.openxmlformats.org/officeDocument/2006/relationships" xmlns:p="http://schemas.openxmlformats.org/presentationml/2006/main">
   <p:tag name="OUTPUTDPI" val="1200"/>
   <p:tag name="ORIGINALHEIGHT" val="75,74055"/>
@@ -27727,14 +30531,33 @@
 </p:tagLst>
 </file>
 
+<file path=ppt/tags/tag108.xml><?xml version="1.0" encoding="utf-8"?>
+<p:tagLst xmlns:a="http://schemas.openxmlformats.org/drawingml/2006/main" xmlns:r="http://schemas.openxmlformats.org/officeDocument/2006/relationships" xmlns:p="http://schemas.openxmlformats.org/presentationml/2006/main">
+  <p:tag name="OUTPUTDPI" val="1200"/>
+  <p:tag name="ORIGINALHEIGHT" val="90,73866"/>
+  <p:tag name="ORIGINALWIDTH" val="414,6982"/>
+  <p:tag name="LATEXADDIN" val="\documentclass{article}&#10;\usepackage{amsmath}&#10;\usepackage{bm}&#10;\usepackage{color}&#10;\pagestyle{empty}&#10;\begin{document}&#10;Camera&#10;\end{document}"/>
+  <p:tag name="IGUANATEXSIZE" val="20"/>
+  <p:tag name="IGUANATEXCURSOR" val="121"/>
+  <p:tag name="TRANSPARENCY" val="Wahr"/>
+  <p:tag name="FILENAME" val=""/>
+  <p:tag name="LATEXENGINEID" val="0"/>
+  <p:tag name="TEMPFOLDER" val="c:\temp\"/>
+  <p:tag name="LATEXFORMHEIGHT" val="312"/>
+  <p:tag name="LATEXFORMWIDTH" val="384"/>
+  <p:tag name="LATEXFORMWRAP" val="Wahr"/>
+  <p:tag name="BITMAPVECTOR" val="0"/>
+</p:tagLst>
+</file>
+
 <file path=ppt/tags/tag109.xml><?xml version="1.0" encoding="utf-8"?>
 <p:tagLst xmlns:a="http://schemas.openxmlformats.org/drawingml/2006/main" xmlns:r="http://schemas.openxmlformats.org/officeDocument/2006/relationships" xmlns:p="http://schemas.openxmlformats.org/presentationml/2006/main">
   <p:tag name="OUTPUTDPI" val="1200"/>
-  <p:tag name="ORIGINALHEIGHT" val="56,99291"/>
-  <p:tag name="ORIGINALWIDTH" val="71,2411"/>
-  <p:tag name="LATEXADDIN" val="\documentclass{article}&#10;\usepackage{amsmath}&#10;\usepackage{bm}&#10;\usepackage{color}&#10;\pagestyle{empty}&#10;\begin{document}&#10;\begin{equation}&#10;\bm{x}&#10;\nonumber&#10;\end{equation}&#10;\end{document}"/>
+  <p:tag name="ORIGINALHEIGHT" val="112,4859"/>
+  <p:tag name="ORIGINALWIDTH" val="338,2077"/>
+  <p:tag name="LATEXADDIN" val="\documentclass{article}&#10;\usepackage{amsmath}&#10;\usepackage{bm}&#10;\usepackage{color}&#10;\pagestyle{empty}&#10;\begin{document}&#10;\begin{equation}&#10;z_c = f&#10;\nonumber&#10;\end{equation}&#10;\end{document}"/>
   <p:tag name="IGUANATEXSIZE" val="20"/>
-  <p:tag name="IGUANATEXCURSOR" val="135"/>
+  <p:tag name="IGUANATEXCURSOR" val="139"/>
   <p:tag name="TRANSPARENCY" val="Wahr"/>
   <p:tag name="FILENAME" val=""/>
   <p:tag name="LATEXENGINEID" val="0"/>
@@ -27768,11 +30591,11 @@
 <file path=ppt/tags/tag110.xml><?xml version="1.0" encoding="utf-8"?>
 <p:tagLst xmlns:a="http://schemas.openxmlformats.org/drawingml/2006/main" xmlns:r="http://schemas.openxmlformats.org/officeDocument/2006/relationships" xmlns:p="http://schemas.openxmlformats.org/presentationml/2006/main">
   <p:tag name="OUTPUTDPI" val="1200"/>
-  <p:tag name="ORIGINALHEIGHT" val="80,98985"/>
-  <p:tag name="ORIGINALWIDTH" val="68,99134"/>
-  <p:tag name="LATEXADDIN" val="\documentclass{article}&#10;\usepackage{amsmath}&#10;\usepackage{bm}&#10;\usepackage{color}&#10;\pagestyle{empty}&#10;\begin{document}&#10;\begin{equation}&#10;\bm{y}&#10;\nonumber&#10;\end{equation}&#10;\end{document}"/>
+  <p:tag name="ORIGINALHEIGHT" val="56,99291"/>
+  <p:tag name="ORIGINALWIDTH" val="77,24032"/>
+  <p:tag name="LATEXADDIN" val="\documentclass{article}&#10;\usepackage{amsmath}&#10;\usepackage{bm}&#10;\usepackage{color}&#10;\pagestyle{empty}&#10;\begin{document}&#10;\begin{equation}&#10;\bm{u}&#10;\nonumber&#10;\end{equation}&#10;\end{document}"/>
   <p:tag name="IGUANATEXSIZE" val="20"/>
-  <p:tag name="IGUANATEXCURSOR" val="59"/>
+  <p:tag name="IGUANATEXCURSOR" val="137"/>
   <p:tag name="TRANSPARENCY" val="Wahr"/>
   <p:tag name="FILENAME" val=""/>
   <p:tag name="LATEXENGINEID" val="0"/>
@@ -27788,10 +30611,10 @@
 <p:tagLst xmlns:a="http://schemas.openxmlformats.org/drawingml/2006/main" xmlns:r="http://schemas.openxmlformats.org/officeDocument/2006/relationships" xmlns:p="http://schemas.openxmlformats.org/presentationml/2006/main">
   <p:tag name="OUTPUTDPI" val="1200"/>
   <p:tag name="ORIGINALHEIGHT" val="56,99291"/>
-  <p:tag name="ORIGINALWIDTH" val="62,99213"/>
-  <p:tag name="LATEXADDIN" val="\documentclass{article}&#10;\usepackage{amsmath}&#10;\usepackage{bm}&#10;\usepackage{color}&#10;\pagestyle{empty}&#10;\begin{document}&#10;\begin{equation}&#10;\bm{z}&#10;\nonumber&#10;\end{equation}&#10;\end{document}"/>
+  <p:tag name="ORIGINALWIDTH" val="63,74205"/>
+  <p:tag name="LATEXADDIN" val="\documentclass{article}&#10;\usepackage{amsmath}&#10;\usepackage{bm}&#10;\usepackage{color}&#10;\pagestyle{empty}&#10;\begin{document}&#10;\begin{equation}&#10;\bm{v}&#10;\nonumber&#10;\end{equation}&#10;\end{document}"/>
   <p:tag name="IGUANATEXSIZE" val="20"/>
-  <p:tag name="IGUANATEXCURSOR" val="138"/>
+  <p:tag name="IGUANATEXCURSOR" val="137"/>
   <p:tag name="TRANSPARENCY" val="Wahr"/>
   <p:tag name="FILENAME" val=""/>
   <p:tag name="LATEXENGINEID" val="0"/>
@@ -27806,11 +30629,11 @@
 <file path=ppt/tags/tag112.xml><?xml version="1.0" encoding="utf-8"?>
 <p:tagLst xmlns:a="http://schemas.openxmlformats.org/drawingml/2006/main" xmlns:r="http://schemas.openxmlformats.org/officeDocument/2006/relationships" xmlns:p="http://schemas.openxmlformats.org/presentationml/2006/main">
   <p:tag name="OUTPUTDPI" val="1200"/>
-  <p:tag name="ORIGINALHEIGHT" val="80,98985"/>
-  <p:tag name="ORIGINALWIDTH" val="44,24449"/>
-  <p:tag name="LATEXADDIN" val="\documentclass{article}&#10;\usepackage{amsmath}&#10;\usepackage{bm}&#10;\usepackage{color}&#10;\pagestyle{empty}&#10;\begin{document}&#10;\begin{equation}&#10;\bm{t}&#10;\nonumber&#10;\end{equation}&#10;\end{document}"/>
+  <p:tag name="ORIGINALHEIGHT" val="110,2362"/>
+  <p:tag name="ORIGINALWIDTH" val="816,6479"/>
+  <p:tag name="LATEXADDIN" val="\documentclass{article}&#10;\usepackage{amsmath}&#10;\usepackage{bm}&#10;\usepackage{color}&#10;\pagestyle{empty}&#10;\begin{document}&#10;Principal Point&#10;\end{document}"/>
   <p:tag name="IGUANATEXSIZE" val="20"/>
-  <p:tag name="IGUANATEXCURSOR" val="137"/>
+  <p:tag name="IGUANATEXCURSOR" val="130"/>
   <p:tag name="TRANSPARENCY" val="Wahr"/>
   <p:tag name="FILENAME" val=""/>
   <p:tag name="LATEXENGINEID" val="0"/>
@@ -27823,6 +30646,63 @@
 </file>
 
 <file path=ppt/tags/tag113.xml><?xml version="1.0" encoding="utf-8"?>
+<p:tagLst xmlns:a="http://schemas.openxmlformats.org/drawingml/2006/main" xmlns:r="http://schemas.openxmlformats.org/officeDocument/2006/relationships" xmlns:p="http://schemas.openxmlformats.org/presentationml/2006/main">
+  <p:tag name="OUTPUTDPI" val="1200"/>
+  <p:tag name="ORIGINALHEIGHT" val="129,7338"/>
+  <p:tag name="ORIGINALWIDTH" val="357,7053"/>
+  <p:tag name="LATEXADDIN" val="\documentclass{article}&#10;\usepackage{amsmath}&#10;\usepackage{bm}&#10;\usepackage{color}&#10;\pagestyle{empty}&#10;\begin{document}&#10;\begin{equation}&#10;(c_x,c_y)&#10;\nonumber&#10;\end{equation}&#10;\end{document}"/>
+  <p:tag name="IGUANATEXSIZE" val="20"/>
+  <p:tag name="IGUANATEXCURSOR" val="140"/>
+  <p:tag name="TRANSPARENCY" val="Wahr"/>
+  <p:tag name="FILENAME" val=""/>
+  <p:tag name="LATEXENGINEID" val="0"/>
+  <p:tag name="TEMPFOLDER" val="c:\temp\"/>
+  <p:tag name="LATEXFORMHEIGHT" val="312"/>
+  <p:tag name="LATEXFORMWIDTH" val="384"/>
+  <p:tag name="LATEXFORMWRAP" val="Wahr"/>
+  <p:tag name="BITMAPVECTOR" val="0"/>
+</p:tagLst>
+</file>
+
+<file path=ppt/tags/tag114.xml><?xml version="1.0" encoding="utf-8"?>
+<p:tagLst xmlns:a="http://schemas.openxmlformats.org/drawingml/2006/main" xmlns:r="http://schemas.openxmlformats.org/officeDocument/2006/relationships" xmlns:p="http://schemas.openxmlformats.org/presentationml/2006/main">
+  <p:tag name="OUTPUTDPI" val="1200"/>
+  <p:tag name="ORIGINALHEIGHT" val="113,2358"/>
+  <p:tag name="ORIGINALWIDTH" val="357,7053"/>
+  <p:tag name="LATEXADDIN" val="\documentclass{article}&#10;\usepackage{amsmath}&#10;\usepackage{color}&#10;\pagestyle{empty}&#10;\begin{document}&#10;%\color{white}&#10;Object&#10;\end{document}"/>
+  <p:tag name="IGUANATEXSIZE" val="20"/>
+  <p:tag name="IGUANATEXCURSOR" val="120"/>
+  <p:tag name="TRANSPARENCY" val="Wahr"/>
+  <p:tag name="FILENAME" val=""/>
+  <p:tag name="LATEXENGINEID" val="0"/>
+  <p:tag name="TEMPFOLDER" val="c:\temp\"/>
+  <p:tag name="LATEXFORMHEIGHT" val="312"/>
+  <p:tag name="LATEXFORMWIDTH" val="384"/>
+  <p:tag name="LATEXFORMWRAP" val="Wahr"/>
+  <p:tag name="BITMAPVECTOR" val="0"/>
+</p:tagLst>
+</file>
+
+<file path=ppt/tags/tag115.xml><?xml version="1.0" encoding="utf-8"?>
+<p:tagLst xmlns:a="http://schemas.openxmlformats.org/drawingml/2006/main" xmlns:r="http://schemas.openxmlformats.org/officeDocument/2006/relationships" xmlns:p="http://schemas.openxmlformats.org/presentationml/2006/main">
+  <p:tag name="OUTPUTDPI" val="1200"/>
+  <p:tag name="ORIGINALHEIGHT" val="110,9861"/>
+  <p:tag name="ORIGINALWIDTH" val="321,7098"/>
+  <p:tag name="LATEXADDIN" val="\documentclass{article}&#10;\usepackage{amsmath}&#10;\usepackage{color}&#10;\pagestyle{empty}&#10;\begin{document}&#10;%\color{white}&#10;Image&#10;\end{document}"/>
+  <p:tag name="IGUANATEXSIZE" val="20"/>
+  <p:tag name="IGUANATEXCURSOR" val="119"/>
+  <p:tag name="TRANSPARENCY" val="Wahr"/>
+  <p:tag name="FILENAME" val=""/>
+  <p:tag name="LATEXENGINEID" val="0"/>
+  <p:tag name="TEMPFOLDER" val="c:\temp\"/>
+  <p:tag name="LATEXFORMHEIGHT" val="312"/>
+  <p:tag name="LATEXFORMWIDTH" val="384"/>
+  <p:tag name="LATEXFORMWRAP" val="Wahr"/>
+  <p:tag name="BITMAPVECTOR" val="0"/>
+</p:tagLst>
+</file>
+
+<file path=ppt/tags/tag116.xml><?xml version="1.0" encoding="utf-8"?>
 <p:tagLst xmlns:a="http://schemas.openxmlformats.org/drawingml/2006/main" xmlns:r="http://schemas.openxmlformats.org/officeDocument/2006/relationships" xmlns:p="http://schemas.openxmlformats.org/presentationml/2006/main">
   <p:tag name="OUTPUTDPI" val="1200"/>
   <p:tag name="ORIGINALHEIGHT" val="75,74055"/>
@@ -27841,7 +30721,7 @@
 </p:tagLst>
 </file>
 
-<file path=ppt/tags/tag114.xml><?xml version="1.0" encoding="utf-8"?>
+<file path=ppt/tags/tag117.xml><?xml version="1.0" encoding="utf-8"?>
 <p:tagLst xmlns:a="http://schemas.openxmlformats.org/drawingml/2006/main" xmlns:r="http://schemas.openxmlformats.org/officeDocument/2006/relationships" xmlns:p="http://schemas.openxmlformats.org/presentationml/2006/main">
   <p:tag name="OUTPUTDPI" val="1200"/>
   <p:tag name="ORIGINALHEIGHT" val="80,98985"/>
@@ -27860,7 +30740,7 @@
 </p:tagLst>
 </file>
 
-<file path=ppt/tags/tag115.xml><?xml version="1.0" encoding="utf-8"?>
+<file path=ppt/tags/tag118.xml><?xml version="1.0" encoding="utf-8"?>
 <p:tagLst xmlns:a="http://schemas.openxmlformats.org/drawingml/2006/main" xmlns:r="http://schemas.openxmlformats.org/officeDocument/2006/relationships" xmlns:p="http://schemas.openxmlformats.org/presentationml/2006/main">
   <p:tag name="OUTPUTDPI" val="1200"/>
   <p:tag name="ORIGINALHEIGHT" val="75,74055"/>
@@ -27879,71 +30759,14 @@
 </p:tagLst>
 </file>
 
-<file path=ppt/tags/tag116.xml><?xml version="1.0" encoding="utf-8"?>
-<p:tagLst xmlns:a="http://schemas.openxmlformats.org/drawingml/2006/main" xmlns:r="http://schemas.openxmlformats.org/officeDocument/2006/relationships" xmlns:p="http://schemas.openxmlformats.org/presentationml/2006/main">
-  <p:tag name="OUTPUTDPI" val="1200"/>
-  <p:tag name="ORIGINALHEIGHT" val="87,73905"/>
-  <p:tag name="ORIGINALWIDTH" val="104,9868"/>
-  <p:tag name="LATEXADDIN" val="\documentclass{article}&#10;\usepackage{amsmath}&#10;\usepackage{bm}&#10;\usepackage{color}&#10;\pagestyle{empty}&#10;\begin{document}&#10;\begin{equation}&#10;\bm{R}&#10;\nonumber&#10;\end{equation}&#10;\end{document}"/>
-  <p:tag name="IGUANATEXSIZE" val="20"/>
-  <p:tag name="IGUANATEXCURSOR" val="137"/>
-  <p:tag name="TRANSPARENCY" val="Wahr"/>
-  <p:tag name="FILENAME" val=""/>
-  <p:tag name="LATEXENGINEID" val="0"/>
-  <p:tag name="TEMPFOLDER" val="c:\temp\"/>
-  <p:tag name="LATEXFORMHEIGHT" val="312"/>
-  <p:tag name="LATEXFORMWIDTH" val="384"/>
-  <p:tag name="LATEXFORMWRAP" val="Wahr"/>
-  <p:tag name="BITMAPVECTOR" val="0"/>
-</p:tagLst>
-</file>
-
-<file path=ppt/tags/tag117.xml><?xml version="1.0" encoding="utf-8"?>
-<p:tagLst xmlns:a="http://schemas.openxmlformats.org/drawingml/2006/main" xmlns:r="http://schemas.openxmlformats.org/officeDocument/2006/relationships" xmlns:p="http://schemas.openxmlformats.org/presentationml/2006/main">
-  <p:tag name="OUTPUTDPI" val="1200"/>
-  <p:tag name="ORIGINALHEIGHT" val="90,73866"/>
-  <p:tag name="ORIGINALWIDTH" val="414,6982"/>
-  <p:tag name="LATEXADDIN" val="\documentclass{article}&#10;\usepackage{amsmath}&#10;\usepackage{bm}&#10;\usepackage{color}&#10;\pagestyle{empty}&#10;\begin{document}&#10;Camera&#10;\end{document}"/>
-  <p:tag name="IGUANATEXSIZE" val="20"/>
-  <p:tag name="IGUANATEXCURSOR" val="121"/>
-  <p:tag name="TRANSPARENCY" val="Wahr"/>
-  <p:tag name="FILENAME" val=""/>
-  <p:tag name="LATEXENGINEID" val="0"/>
-  <p:tag name="TEMPFOLDER" val="c:\temp\"/>
-  <p:tag name="LATEXFORMHEIGHT" val="312"/>
-  <p:tag name="LATEXFORMWIDTH" val="384"/>
-  <p:tag name="LATEXFORMWRAP" val="Wahr"/>
-  <p:tag name="BITMAPVECTOR" val="0"/>
-</p:tagLst>
-</file>
-
-<file path=ppt/tags/tag118.xml><?xml version="1.0" encoding="utf-8"?>
-<p:tagLst xmlns:a="http://schemas.openxmlformats.org/drawingml/2006/main" xmlns:r="http://schemas.openxmlformats.org/officeDocument/2006/relationships" xmlns:p="http://schemas.openxmlformats.org/presentationml/2006/main">
-  <p:tag name="OUTPUTDPI" val="1200"/>
-  <p:tag name="ORIGINALHEIGHT" val="112,4859"/>
-  <p:tag name="ORIGINALWIDTH" val="858,6427"/>
-  <p:tag name="LATEXADDIN" val="\documentclass{article}&#10;\usepackage{amsmath}&#10;\usepackage{color}&#10;\pagestyle{empty}&#10;\begin{document}&#10;Image Sequence&#10;\end{document}"/>
-  <p:tag name="IGUANATEXSIZE" val="20"/>
-  <p:tag name="IGUANATEXCURSOR" val="113"/>
-  <p:tag name="TRANSPARENCY" val="Wahr"/>
-  <p:tag name="FILENAME" val=""/>
-  <p:tag name="LATEXENGINEID" val="0"/>
-  <p:tag name="TEMPFOLDER" val="c:\temp\"/>
-  <p:tag name="LATEXFORMHEIGHT" val="312"/>
-  <p:tag name="LATEXFORMWIDTH" val="384"/>
-  <p:tag name="LATEXFORMWRAP" val="Wahr"/>
-  <p:tag name="BITMAPVECTOR" val="0"/>
-</p:tagLst>
-</file>
-
 <file path=ppt/tags/tag119.xml><?xml version="1.0" encoding="utf-8"?>
 <p:tagLst xmlns:a="http://schemas.openxmlformats.org/drawingml/2006/main" xmlns:r="http://schemas.openxmlformats.org/officeDocument/2006/relationships" xmlns:p="http://schemas.openxmlformats.org/presentationml/2006/main">
   <p:tag name="OUTPUTDPI" val="1200"/>
-  <p:tag name="ORIGINALHEIGHT" val="149,9813"/>
-  <p:tag name="ORIGINALWIDTH" val="632,171"/>
-  <p:tag name="LATEXADDIN" val="\documentclass{article}&#10;\usepackage{amsmath}&#10;\usepackage{bm}&#10;\usepackage{color}&#10;\pagestyle{empty}&#10;\begin{document}&#10;\begin{equation}&#10;\bm{v}=\begin{pmatrix}&#10;v_x \&#10;\omega_z&#10;\end{pmatrix}&#10;\nonumber&#10;\end{equation}&#10;\end{document}"/>
+  <p:tag name="ORIGINALHEIGHT" val="56,99291"/>
+  <p:tag name="ORIGINALWIDTH" val="71,2411"/>
+  <p:tag name="LATEXADDIN" val="\documentclass{article}&#10;\usepackage{amsmath}&#10;\usepackage{bm}&#10;\usepackage{color}&#10;\pagestyle{empty}&#10;\begin{document}&#10;\begin{equation}&#10;\bm{x}&#10;\nonumber&#10;\end{equation}&#10;\end{document}"/>
   <p:tag name="IGUANATEXSIZE" val="20"/>
-  <p:tag name="IGUANATEXCURSOR" val="60"/>
+  <p:tag name="IGUANATEXCURSOR" val="135"/>
   <p:tag name="TRANSPARENCY" val="Wahr"/>
   <p:tag name="FILENAME" val=""/>
   <p:tag name="LATEXENGINEID" val="0"/>
@@ -27977,11 +30800,11 @@
 <file path=ppt/tags/tag120.xml><?xml version="1.0" encoding="utf-8"?>
 <p:tagLst xmlns:a="http://schemas.openxmlformats.org/drawingml/2006/main" xmlns:r="http://schemas.openxmlformats.org/officeDocument/2006/relationships" xmlns:p="http://schemas.openxmlformats.org/presentationml/2006/main">
   <p:tag name="OUTPUTDPI" val="1200"/>
-  <p:tag name="ORIGINALHEIGHT" val="87,73905"/>
-  <p:tag name="ORIGINALWIDTH" val="749,1564"/>
-  <p:tag name="LATEXADDIN" val="\documentclass{article}&#10;\usepackage{amsmath}&#10;\usepackage{color}&#10;\pagestyle{empty}&#10;\definecolor{myred}{RGB}{255, 91, 91}&#10;\begin{document}&#10;\color{myred}&#10;Max Pool 2x2&#10;\end{document}"/>
+  <p:tag name="ORIGINALHEIGHT" val="80,98985"/>
+  <p:tag name="ORIGINALWIDTH" val="68,99134"/>
+  <p:tag name="LATEXADDIN" val="\documentclass{article}&#10;\usepackage{amsmath}&#10;\usepackage{bm}&#10;\usepackage{color}&#10;\pagestyle{empty}&#10;\begin{document}&#10;\begin{equation}&#10;\bm{y}&#10;\nonumber&#10;\end{equation}&#10;\end{document}"/>
   <p:tag name="IGUANATEXSIZE" val="20"/>
-  <p:tag name="IGUANATEXCURSOR" val="156"/>
+  <p:tag name="IGUANATEXCURSOR" val="59"/>
   <p:tag name="TRANSPARENCY" val="Wahr"/>
   <p:tag name="FILENAME" val=""/>
   <p:tag name="LATEXENGINEID" val="0"/>
@@ -27996,11 +30819,11 @@
 <file path=ppt/tags/tag121.xml><?xml version="1.0" encoding="utf-8"?>
 <p:tagLst xmlns:a="http://schemas.openxmlformats.org/drawingml/2006/main" xmlns:r="http://schemas.openxmlformats.org/officeDocument/2006/relationships" xmlns:p="http://schemas.openxmlformats.org/presentationml/2006/main">
   <p:tag name="OUTPUTDPI" val="1200"/>
-  <p:tag name="ORIGINALHEIGHT" val="111,7361"/>
-  <p:tag name="ORIGINALWIDTH" val="899,1376"/>
-  <p:tag name="LATEXADDIN" val="\documentclass{article}&#10;\usepackage{amsmath}&#10;\usepackage{color}&#10;\pagestyle{empty}&#10;\definecolor{myred}{RGB}{112, 48, 160}&#10;\begin{document}&#10;\color{myred}&#10;Conv 3x3, ReLU&#10;\end{document}"/>
+  <p:tag name="ORIGINALHEIGHT" val="56,99291"/>
+  <p:tag name="ORIGINALWIDTH" val="62,99213"/>
+  <p:tag name="LATEXADDIN" val="\documentclass{article}&#10;\usepackage{amsmath}&#10;\usepackage{bm}&#10;\usepackage{color}&#10;\pagestyle{empty}&#10;\begin{document}&#10;\begin{equation}&#10;\bm{z}&#10;\nonumber&#10;\end{equation}&#10;\end{document}"/>
   <p:tag name="IGUANATEXSIZE" val="20"/>
-  <p:tag name="IGUANATEXCURSOR" val="166"/>
+  <p:tag name="IGUANATEXCURSOR" val="138"/>
   <p:tag name="TRANSPARENCY" val="Wahr"/>
   <p:tag name="FILENAME" val=""/>
   <p:tag name="LATEXENGINEID" val="0"/>
@@ -28015,11 +30838,11 @@
 <file path=ppt/tags/tag122.xml><?xml version="1.0" encoding="utf-8"?>
 <p:tagLst xmlns:a="http://schemas.openxmlformats.org/drawingml/2006/main" xmlns:r="http://schemas.openxmlformats.org/officeDocument/2006/relationships" xmlns:p="http://schemas.openxmlformats.org/presentationml/2006/main">
   <p:tag name="OUTPUTDPI" val="1200"/>
-  <p:tag name="ORIGINALHEIGHT" val="111,7361"/>
-  <p:tag name="ORIGINALWIDTH" val="1106,112"/>
-  <p:tag name="LATEXADDIN" val="\documentclass{article}&#10;\usepackage{amsmath}&#10;\usepackage{color}&#10;\pagestyle{empty}&#10;\definecolor{myred}{RGB}{37, 188, 255}&#10;\begin{document}&#10;\color{myred}&#10;Up-Conv 3x3, ReLU&#10;\end{document}"/>
+  <p:tag name="ORIGINALHEIGHT" val="80,98985"/>
+  <p:tag name="ORIGINALWIDTH" val="44,24449"/>
+  <p:tag name="LATEXADDIN" val="\documentclass{article}&#10;\usepackage{amsmath}&#10;\usepackage{bm}&#10;\usepackage{color}&#10;\pagestyle{empty}&#10;\begin{document}&#10;\begin{equation}&#10;\bm{t}&#10;\nonumber&#10;\end{equation}&#10;\end{document}"/>
   <p:tag name="IGUANATEXSIZE" val="20"/>
-  <p:tag name="IGUANATEXCURSOR" val="155"/>
+  <p:tag name="IGUANATEXCURSOR" val="137"/>
   <p:tag name="TRANSPARENCY" val="Wahr"/>
   <p:tag name="FILENAME" val=""/>
   <p:tag name="LATEXENGINEID" val="0"/>
@@ -28034,11 +30857,11 @@
 <file path=ppt/tags/tag123.xml><?xml version="1.0" encoding="utf-8"?>
 <p:tagLst xmlns:a="http://schemas.openxmlformats.org/drawingml/2006/main" xmlns:r="http://schemas.openxmlformats.org/officeDocument/2006/relationships" xmlns:p="http://schemas.openxmlformats.org/presentationml/2006/main">
   <p:tag name="OUTPUTDPI" val="1200"/>
-  <p:tag name="ORIGINALHEIGHT" val="123,7346"/>
-  <p:tag name="ORIGINALWIDTH" val="866,8917"/>
-  <p:tag name="LATEXADDIN" val="\documentclass{article}&#10;\usepackage{amsmath}&#10;\usepackage{color}&#10;\pagestyle{empty}&#10;\definecolor{myred}{RGB}{159, 253, 95}&#10;\begin{document}&#10;\color{myred}&#10;FC, ReLU/tanh&#10;\end{document}"/>
+  <p:tag name="ORIGINALHEIGHT" val="75,74055"/>
+  <p:tag name="ORIGINALWIDTH" val="120,7349"/>
+  <p:tag name="LATEXADDIN" val="\documentclass{article}&#10;\usepackage{amsmath}&#10;\usepackage{bm}&#10;\usepackage{color}&#10;\pagestyle{empty}&#10;\begin{document}&#10;\begin{equation}&#10;\bm{x}_c&#10;\nonumber&#10;\end{equation}&#10;\end{document}"/>
   <p:tag name="IGUANATEXSIZE" val="20"/>
-  <p:tag name="IGUANATEXCURSOR" val="165"/>
+  <p:tag name="IGUANATEXCURSOR" val="140"/>
   <p:tag name="TRANSPARENCY" val="Wahr"/>
   <p:tag name="FILENAME" val=""/>
   <p:tag name="LATEXENGINEID" val="0"/>
@@ -28053,11 +30876,11 @@
 <file path=ppt/tags/tag124.xml><?xml version="1.0" encoding="utf-8"?>
 <p:tagLst xmlns:a="http://schemas.openxmlformats.org/drawingml/2006/main" xmlns:r="http://schemas.openxmlformats.org/officeDocument/2006/relationships" xmlns:p="http://schemas.openxmlformats.org/presentationml/2006/main">
   <p:tag name="OUTPUTDPI" val="1200"/>
-  <p:tag name="ORIGINALHEIGHT" val="89,98874"/>
-  <p:tag name="ORIGINALWIDTH" val="342,7072"/>
-  <p:tag name="LATEXADDIN" val="\documentclass{article}&#10;\usepackage{amsmath}&#10;\usepackage{color}&#10;\pagestyle{empty}&#10;\definecolor{myred}{RGB}{255, 219, 1}&#10;\begin{document}&#10;\color{myred}&#10;LSTM&#10;\end{document}"/>
+  <p:tag name="ORIGINALHEIGHT" val="80,98985"/>
+  <p:tag name="ORIGINALWIDTH" val="113,2358"/>
+  <p:tag name="LATEXADDIN" val="\documentclass{article}&#10;\usepackage{amsmath}&#10;\usepackage{bm}&#10;\usepackage{color}&#10;\pagestyle{empty}&#10;\begin{document}&#10;\begin{equation}&#10;\bm{y}_c&#10;\nonumber&#10;\end{equation}&#10;\end{document}"/>
   <p:tag name="IGUANATEXSIZE" val="20"/>
-  <p:tag name="IGUANATEXCURSOR" val="155"/>
+  <p:tag name="IGUANATEXCURSOR" val="140"/>
   <p:tag name="TRANSPARENCY" val="Wahr"/>
   <p:tag name="FILENAME" val=""/>
   <p:tag name="LATEXENGINEID" val="0"/>
@@ -28072,11 +30895,11 @@
 <file path=ppt/tags/tag125.xml><?xml version="1.0" encoding="utf-8"?>
 <p:tagLst xmlns:a="http://schemas.openxmlformats.org/drawingml/2006/main" xmlns:r="http://schemas.openxmlformats.org/officeDocument/2006/relationships" xmlns:p="http://schemas.openxmlformats.org/presentationml/2006/main">
   <p:tag name="OUTPUTDPI" val="1200"/>
-  <p:tag name="ORIGINALHEIGHT" val="110,9861"/>
-  <p:tag name="ORIGINALWIDTH" val="227,9715"/>
-  <p:tag name="LATEXADDIN" val="\documentclass{article}&#10;\usepackage{amsmath}&#10;\usepackage{color}&#10;\pagestyle{empty}&#10;\definecolor{myred}{RGB}{191, 191, 191}&#10;\begin{document}&#10;\color{myred}&#10;Skip&#10;\end{document}"/>
+  <p:tag name="ORIGINALHEIGHT" val="75,74055"/>
+  <p:tag name="ORIGINALWIDTH" val="107,9865"/>
+  <p:tag name="LATEXADDIN" val="\documentclass{article}&#10;\usepackage{amsmath}&#10;\usepackage{bm}&#10;\usepackage{color}&#10;\pagestyle{empty}&#10;\begin{document}&#10;\begin{equation}&#10;\bm{z}_c&#10;\nonumber&#10;\end{equation}&#10;\end{document}"/>
   <p:tag name="IGUANATEXSIZE" val="20"/>
-  <p:tag name="IGUANATEXCURSOR" val="120"/>
+  <p:tag name="IGUANATEXCURSOR" val="140"/>
   <p:tag name="TRANSPARENCY" val="Wahr"/>
   <p:tag name="FILENAME" val=""/>
   <p:tag name="LATEXENGINEID" val="0"/>
@@ -28092,10 +30915,10 @@
 <p:tagLst xmlns:a="http://schemas.openxmlformats.org/drawingml/2006/main" xmlns:r="http://schemas.openxmlformats.org/officeDocument/2006/relationships" xmlns:p="http://schemas.openxmlformats.org/presentationml/2006/main">
   <p:tag name="OUTPUTDPI" val="1200"/>
   <p:tag name="ORIGINALHEIGHT" val="87,73905"/>
-  <p:tag name="ORIGINALWIDTH" val="448,4439"/>
-  <p:tag name="LATEXADDIN" val="\documentclass{article}&#10;\usepackage{amsmath}&#10;\usepackage{color}&#10;\pagestyle{empty}&#10;\begin{document}&#10;%\color{white}&#10;\begin{equation}&#10;\text{BT}\times64&#10;\nonumber&#10;\end{equation}&#10;\end{document}"/>
+  <p:tag name="ORIGINALWIDTH" val="104,9868"/>
+  <p:tag name="LATEXADDIN" val="\documentclass{article}&#10;\usepackage{amsmath}&#10;\usepackage{bm}&#10;\usepackage{color}&#10;\pagestyle{empty}&#10;\begin{document}&#10;\begin{equation}&#10;\bm{R}&#10;\nonumber&#10;\end{equation}&#10;\end{document}"/>
   <p:tag name="IGUANATEXSIZE" val="20"/>
-  <p:tag name="IGUANATEXCURSOR" val="148"/>
+  <p:tag name="IGUANATEXCURSOR" val="137"/>
   <p:tag name="TRANSPARENCY" val="Wahr"/>
   <p:tag name="FILENAME" val=""/>
   <p:tag name="LATEXENGINEID" val="0"/>
@@ -28110,11 +30933,11 @@
 <file path=ppt/tags/tag127.xml><?xml version="1.0" encoding="utf-8"?>
 <p:tagLst xmlns:a="http://schemas.openxmlformats.org/drawingml/2006/main" xmlns:r="http://schemas.openxmlformats.org/officeDocument/2006/relationships" xmlns:p="http://schemas.openxmlformats.org/presentationml/2006/main">
   <p:tag name="OUTPUTDPI" val="1200"/>
-  <p:tag name="ORIGINALHEIGHT" val="87,73905"/>
-  <p:tag name="ORIGINALWIDTH" val="356,9554"/>
-  <p:tag name="LATEXADDIN" val="\documentclass{article}&#10;\usepackage{amsmath}&#10;\usepackage{color}&#10;\pagestyle{empty}&#10;\begin{document}&#10;%\color{white}&#10;\begin{equation}&#10;\text{B}\times10&#10;\nonumber&#10;\end{equation}&#10;\end{document}"/>
+  <p:tag name="ORIGINALHEIGHT" val="90,73866"/>
+  <p:tag name="ORIGINALWIDTH" val="414,6982"/>
+  <p:tag name="LATEXADDIN" val="\documentclass{article}&#10;\usepackage{amsmath}&#10;\usepackage{bm}&#10;\usepackage{color}&#10;\pagestyle{empty}&#10;\begin{document}&#10;Camera&#10;\end{document}"/>
   <p:tag name="IGUANATEXSIZE" val="20"/>
-  <p:tag name="IGUANATEXCURSOR" val="139"/>
+  <p:tag name="IGUANATEXCURSOR" val="121"/>
   <p:tag name="TRANSPARENCY" val="Wahr"/>
   <p:tag name="FILENAME" val=""/>
   <p:tag name="LATEXENGINEID" val="0"/>
@@ -28129,11 +30952,11 @@
 <file path=ppt/tags/tag128.xml><?xml version="1.0" encoding="utf-8"?>
 <p:tagLst xmlns:a="http://schemas.openxmlformats.org/drawingml/2006/main" xmlns:r="http://schemas.openxmlformats.org/officeDocument/2006/relationships" xmlns:p="http://schemas.openxmlformats.org/presentationml/2006/main">
   <p:tag name="OUTPUTDPI" val="1200"/>
-  <p:tag name="ORIGINALHEIGHT" val="84,73937"/>
-  <p:tag name="ORIGINALWIDTH" val="292,4635"/>
-  <p:tag name="LATEXADDIN" val="\documentclass{article}&#10;\usepackage{amsmath}&#10;\usepackage{color}&#10;\pagestyle{empty}&#10;\begin{document}&#10;%\color{white}&#10;\begin{equation}&#10;\text{B}\times2&#10;\nonumber&#10;\end{equation}&#10;\end{document}"/>
+  <p:tag name="ORIGINALHEIGHT" val="74,24071"/>
+  <p:tag name="ORIGINALWIDTH" val="206,2243"/>
+  <p:tag name="LATEXADDIN" val="\documentclass{article}&#10;\usepackage{amsmath}&#10;\usepackage{color}&#10;\pagestyle{empty}&#10;\begin{document}&#10;%\color{white}&#10;\begin{equation}&#10;c_{t-1}&#10;\nonumber&#10;\end{equation}&#10;\end{document}"/>
   <p:tag name="IGUANATEXSIZE" val="20"/>
-  <p:tag name="IGUANATEXCURSOR" val="146"/>
+  <p:tag name="IGUANATEXCURSOR" val="137"/>
   <p:tag name="TRANSPARENCY" val="Wahr"/>
   <p:tag name="FILENAME" val=""/>
   <p:tag name="LATEXENGINEID" val="0"/>
@@ -28148,11 +30971,11 @@
 <file path=ppt/tags/tag129.xml><?xml version="1.0" encoding="utf-8"?>
 <p:tagLst xmlns:a="http://schemas.openxmlformats.org/drawingml/2006/main" xmlns:r="http://schemas.openxmlformats.org/officeDocument/2006/relationships" xmlns:p="http://schemas.openxmlformats.org/presentationml/2006/main">
   <p:tag name="OUTPUTDPI" val="1200"/>
-  <p:tag name="ORIGINALHEIGHT" val="87,73905"/>
-  <p:tag name="ORIGINALWIDTH" val="445,4443"/>
-  <p:tag name="LATEXADDIN" val="\documentclass{article}&#10;\usepackage{amsmath}&#10;\usepackage{color}&#10;\pagestyle{empty}&#10;\begin{document}&#10;%\color{white}&#10;\begin{equation}&#10;\text{BT}\times32&#10;\nonumber&#10;\end{equation}&#10;\end{document}"/>
+  <p:tag name="ORIGINALHEIGHT" val="105,7368"/>
+  <p:tag name="ORIGINALWIDTH" val="221,9723"/>
+  <p:tag name="LATEXADDIN" val="\documentclass{article}&#10;\usepackage{amsmath}&#10;\usepackage{color}&#10;\pagestyle{empty}&#10;\begin{document}&#10;%\color{white}&#10;\begin{equation}&#10;h_{t-1}&#10;\nonumber&#10;\end{equation}&#10;\end{document}"/>
   <p:tag name="IGUANATEXSIZE" val="20"/>
-  <p:tag name="IGUANATEXCURSOR" val="148"/>
+  <p:tag name="IGUANATEXCURSOR" val="132"/>
   <p:tag name="TRANSPARENCY" val="Wahr"/>
   <p:tag name="FILENAME" val=""/>
   <p:tag name="LATEXENGINEID" val="0"/>
@@ -28186,11 +31009,11 @@
 <file path=ppt/tags/tag130.xml><?xml version="1.0" encoding="utf-8"?>
 <p:tagLst xmlns:a="http://schemas.openxmlformats.org/drawingml/2006/main" xmlns:r="http://schemas.openxmlformats.org/officeDocument/2006/relationships" xmlns:p="http://schemas.openxmlformats.org/presentationml/2006/main">
   <p:tag name="OUTPUTDPI" val="1200"/>
-  <p:tag name="ORIGINALHEIGHT" val="123,7346"/>
-  <p:tag name="ORIGINALWIDTH" val="1219,348"/>
-  <p:tag name="LATEXADDIN" val="\documentclass{article}&#10;\usepackage{amsmath}&#10;\usepackage{color}&#10;\pagestyle{empty}&#10;\begin{document}&#10;%\color{white}&#10;\begin{equation}&#10;\text{BT}\times64\times\text{H}/2\times\text{W}/2&#10;\nonumber&#10;\end{equation}&#10;\end{document}"/>
+  <p:tag name="ORIGINALHEIGHT" val="74,24071"/>
+  <p:tag name="ORIGINALWIDTH" val="101,9872"/>
+  <p:tag name="LATEXADDIN" val="\documentclass{article}&#10;\usepackage{amsmath}&#10;\usepackage{color}&#10;\pagestyle{empty}&#10;\begin{document}&#10;%\color{white}&#10;\begin{equation}&#10;x_{t}&#10;\nonumber&#10;\end{equation}&#10;\end{document}"/>
   <p:tag name="IGUANATEXSIZE" val="20"/>
-  <p:tag name="IGUANATEXCURSOR" val="180"/>
+  <p:tag name="IGUANATEXCURSOR" val="135"/>
   <p:tag name="TRANSPARENCY" val="Wahr"/>
   <p:tag name="FILENAME" val=""/>
   <p:tag name="LATEXENGINEID" val="0"/>
@@ -28205,11 +31028,11 @@
 <file path=ppt/tags/tag131.xml><?xml version="1.0" encoding="utf-8"?>
 <p:tagLst xmlns:a="http://schemas.openxmlformats.org/drawingml/2006/main" xmlns:r="http://schemas.openxmlformats.org/officeDocument/2006/relationships" xmlns:p="http://schemas.openxmlformats.org/presentationml/2006/main">
   <p:tag name="OUTPUTDPI" val="1200"/>
-  <p:tag name="ORIGINALHEIGHT" val="123,7346"/>
-  <p:tag name="ORIGINALWIDTH" val="1219,348"/>
-  <p:tag name="LATEXADDIN" val="\documentclass{article}&#10;\usepackage{amsmath}&#10;\usepackage{color}&#10;\pagestyle{empty}&#10;\begin{document}&#10;%\color{white}&#10;\begin{equation}&#10;\text{BT}\times64\times\text{H}/2\times\text{W}/2&#10;\nonumber&#10;\end{equation}&#10;\end{document}"/>
+  <p:tag name="ORIGINALHEIGHT" val="105,7368"/>
+  <p:tag name="ORIGINALWIDTH" val="98,98764"/>
+  <p:tag name="LATEXADDIN" val="\documentclass{article}&#10;\usepackage{amsmath}&#10;\usepackage{color}&#10;\pagestyle{empty}&#10;\begin{document}&#10;%\color{white}&#10;\begin{equation}&#10;h_{t}&#10;\nonumber&#10;\end{equation}&#10;\end{document}"/>
   <p:tag name="IGUANATEXSIZE" val="20"/>
-  <p:tag name="IGUANATEXCURSOR" val="180"/>
+  <p:tag name="IGUANATEXCURSOR" val="132"/>
   <p:tag name="TRANSPARENCY" val="Wahr"/>
   <p:tag name="FILENAME" val=""/>
   <p:tag name="LATEXENGINEID" val="0"/>
@@ -28224,11 +31047,11 @@
 <file path=ppt/tags/tag132.xml><?xml version="1.0" encoding="utf-8"?>
 <p:tagLst xmlns:a="http://schemas.openxmlformats.org/drawingml/2006/main" xmlns:r="http://schemas.openxmlformats.org/officeDocument/2006/relationships" xmlns:p="http://schemas.openxmlformats.org/presentationml/2006/main">
   <p:tag name="OUTPUTDPI" val="1200"/>
-  <p:tag name="ORIGINALHEIGHT" val="123,7346"/>
-  <p:tag name="ORIGINALWIDTH" val="1281,59"/>
-  <p:tag name="LATEXADDIN" val="\documentclass{article}&#10;\usepackage{amsmath}&#10;\usepackage{color}&#10;\pagestyle{empty}&#10;\begin{document}&#10;%\color{white}&#10;\begin{equation}&#10;\text{BT}\times128\times\text{H}/2\times\text{W}/2&#10;\nonumber&#10;\end{equation}&#10;\end{document}"/>
+  <p:tag name="ORIGINALHEIGHT" val="74,24071"/>
+  <p:tag name="ORIGINALWIDTH" val="83,23961"/>
+  <p:tag name="LATEXADDIN" val="\documentclass{article}&#10;\usepackage{amsmath}&#10;\usepackage{color}&#10;\pagestyle{empty}&#10;\begin{document}&#10;%\color{white}&#10;\begin{equation}&#10;c_{t}&#10;\nonumber&#10;\end{equation}&#10;\end{document}"/>
   <p:tag name="IGUANATEXSIZE" val="20"/>
-  <p:tag name="IGUANATEXCURSOR" val="180"/>
+  <p:tag name="IGUANATEXCURSOR" val="132"/>
   <p:tag name="TRANSPARENCY" val="Wahr"/>
   <p:tag name="FILENAME" val=""/>
   <p:tag name="LATEXENGINEID" val="0"/>
@@ -28243,11 +31066,11 @@
 <file path=ppt/tags/tag133.xml><?xml version="1.0" encoding="utf-8"?>
 <p:tagLst xmlns:a="http://schemas.openxmlformats.org/drawingml/2006/main" xmlns:r="http://schemas.openxmlformats.org/officeDocument/2006/relationships" xmlns:p="http://schemas.openxmlformats.org/presentationml/2006/main">
   <p:tag name="OUTPUTDPI" val="1200"/>
-  <p:tag name="ORIGINALHEIGHT" val="123,7346"/>
-  <p:tag name="ORIGINALWIDTH" val="1281,59"/>
-  <p:tag name="LATEXADDIN" val="\documentclass{article}&#10;\usepackage{amsmath}&#10;\usepackage{color}&#10;\pagestyle{empty}&#10;\begin{document}&#10;%\color{white}&#10;\begin{equation}&#10;\text{BT}\times128\times\text{H}/2\times\text{W}/2&#10;\nonumber&#10;\end{equation}&#10;\end{document}"/>
+  <p:tag name="ORIGINALHEIGHT" val="87,73905"/>
+  <p:tag name="ORIGINALWIDTH" val="244,4695"/>
+  <p:tag name="LATEXADDIN" val="\documentclass{article}&#10;\usepackage{amsmath}&#10;\usepackage{color}&#10;\pagestyle{empty}&#10;\begin{document}&#10;%\color{white}&#10;\begin{equation}&#10;\tanh&#10;\nonumber&#10;\end{equation}&#10;\end{document}"/>
   <p:tag name="IGUANATEXSIZE" val="20"/>
-  <p:tag name="IGUANATEXCURSOR" val="180"/>
+  <p:tag name="IGUANATEXCURSOR" val="136"/>
   <p:tag name="TRANSPARENCY" val="Wahr"/>
   <p:tag name="FILENAME" val=""/>
   <p:tag name="LATEXENGINEID" val="0"/>
@@ -28262,11 +31085,11 @@
 <file path=ppt/tags/tag134.xml><?xml version="1.0" encoding="utf-8"?>
 <p:tagLst xmlns:a="http://schemas.openxmlformats.org/drawingml/2006/main" xmlns:r="http://schemas.openxmlformats.org/officeDocument/2006/relationships" xmlns:p="http://schemas.openxmlformats.org/presentationml/2006/main">
   <p:tag name="OUTPUTDPI" val="1200"/>
-  <p:tag name="ORIGINALHEIGHT" val="123,7346"/>
-  <p:tag name="ORIGINALWIDTH" val="1281,59"/>
-  <p:tag name="LATEXADDIN" val="\documentclass{article}&#10;\usepackage{amsmath}&#10;\usepackage{color}&#10;\pagestyle{empty}&#10;\begin{document}&#10;%\color{white}&#10;\begin{equation}&#10;\text{BT}\times128\times\text{H}/2\times\text{W}/2&#10;\nonumber&#10;\end{equation}&#10;\end{document}"/>
+  <p:tag name="ORIGINALHEIGHT" val="87,73905"/>
+  <p:tag name="ORIGINALWIDTH" val="244,4695"/>
+  <p:tag name="LATEXADDIN" val="\documentclass{article}&#10;\usepackage{amsmath}&#10;\usepackage{color}&#10;\pagestyle{empty}&#10;\begin{document}&#10;%\color{white}&#10;\begin{equation}&#10;\tanh&#10;\nonumber&#10;\end{equation}&#10;\end{document}"/>
   <p:tag name="IGUANATEXSIZE" val="20"/>
-  <p:tag name="IGUANATEXCURSOR" val="180"/>
+  <p:tag name="IGUANATEXCURSOR" val="136"/>
   <p:tag name="TRANSPARENCY" val="Wahr"/>
   <p:tag name="FILENAME" val=""/>
   <p:tag name="LATEXENGINEID" val="0"/>
@@ -28281,11 +31104,11 @@
 <file path=ppt/tags/tag135.xml><?xml version="1.0" encoding="utf-8"?>
 <p:tagLst xmlns:a="http://schemas.openxmlformats.org/drawingml/2006/main" xmlns:r="http://schemas.openxmlformats.org/officeDocument/2006/relationships" xmlns:p="http://schemas.openxmlformats.org/presentationml/2006/main">
   <p:tag name="OUTPUTDPI" val="1200"/>
-  <p:tag name="ORIGINALHEIGHT" val="123,7346"/>
-  <p:tag name="ORIGINALWIDTH" val="1281,59"/>
-  <p:tag name="LATEXADDIN" val="\documentclass{article}&#10;\usepackage{amsmath}&#10;\usepackage{color}&#10;\pagestyle{empty}&#10;\begin{document}&#10;%\color{white}&#10;\begin{equation}&#10;\text{BT}\times256\times\text{H}/2\times\text{W}/2&#10;\nonumber&#10;\end{equation}&#10;\end{document}"/>
+  <p:tag name="ORIGINALHEIGHT" val="54,74315"/>
+  <p:tag name="ORIGINALWIDTH" val="66,74165"/>
+  <p:tag name="LATEXADDIN" val="\documentclass{article}&#10;\usepackage{amsmath}&#10;\usepackage{color}&#10;\pagestyle{empty}&#10;\begin{document}&#10;%\color{white}&#10;\begin{equation}&#10;\sigma&#10;\nonumber&#10;\end{equation}&#10;\end{document}"/>
   <p:tag name="IGUANATEXSIZE" val="20"/>
-  <p:tag name="IGUANATEXCURSOR" val="171"/>
+  <p:tag name="IGUANATEXCURSOR" val="137"/>
   <p:tag name="TRANSPARENCY" val="Wahr"/>
   <p:tag name="FILENAME" val=""/>
   <p:tag name="LATEXENGINEID" val="0"/>
@@ -28300,11 +31123,11 @@
 <file path=ppt/tags/tag136.xml><?xml version="1.0" encoding="utf-8"?>
 <p:tagLst xmlns:a="http://schemas.openxmlformats.org/drawingml/2006/main" xmlns:r="http://schemas.openxmlformats.org/officeDocument/2006/relationships" xmlns:p="http://schemas.openxmlformats.org/presentationml/2006/main">
   <p:tag name="OUTPUTDPI" val="1200"/>
-  <p:tag name="ORIGINALHEIGHT" val="88,48898"/>
-  <p:tag name="ORIGINALWIDTH" val="911,886"/>
-  <p:tag name="LATEXADDIN" val="\documentclass{article}&#10;\usepackage{amsmath}&#10;\usepackage{color}&#10;\pagestyle{empty}&#10;\begin{document}&#10;%\color{white}&#10;\begin{equation}&#10;\text{BT}\times4\times\text{H}\times\text{W}&#10;\nonumber&#10;\end{equation}&#10;\end{document}"/>
+  <p:tag name="ORIGINALHEIGHT" val="54,74315"/>
+  <p:tag name="ORIGINALWIDTH" val="66,74165"/>
+  <p:tag name="LATEXADDIN" val="\documentclass{article}&#10;\usepackage{amsmath}&#10;\usepackage{color}&#10;\pagestyle{empty}&#10;\begin{document}&#10;%\color{white}&#10;\begin{equation}&#10;\sigma&#10;\nonumber&#10;\end{equation}&#10;\end{document}"/>
   <p:tag name="IGUANATEXSIZE" val="20"/>
-  <p:tag name="IGUANATEXCURSOR" val="175"/>
+  <p:tag name="IGUANATEXCURSOR" val="137"/>
   <p:tag name="TRANSPARENCY" val="Wahr"/>
   <p:tag name="FILENAME" val=""/>
   <p:tag name="LATEXENGINEID" val="0"/>
@@ -28319,11 +31142,11 @@
 <file path=ppt/tags/tag137.xml><?xml version="1.0" encoding="utf-8"?>
 <p:tagLst xmlns:a="http://schemas.openxmlformats.org/drawingml/2006/main" xmlns:r="http://schemas.openxmlformats.org/officeDocument/2006/relationships" xmlns:p="http://schemas.openxmlformats.org/presentationml/2006/main">
   <p:tag name="OUTPUTDPI" val="1200"/>
-  <p:tag name="ORIGINALHEIGHT" val="88,48898"/>
-  <p:tag name="ORIGINALWIDTH" val="974,8781"/>
-  <p:tag name="LATEXADDIN" val="\documentclass{article}&#10;\usepackage{amsmath}&#10;\usepackage{color}&#10;\pagestyle{empty}&#10;\begin{document}&#10;%\color{white}&#10;\begin{equation}&#10;\text{BT}\times64\times\text{H}\times\text{W}&#10;\nonumber&#10;\end{equation}&#10;\end{document}"/>
+  <p:tag name="ORIGINALHEIGHT" val="54,74315"/>
+  <p:tag name="ORIGINALWIDTH" val="66,74165"/>
+  <p:tag name="LATEXADDIN" val="\documentclass{article}&#10;\usepackage{amsmath}&#10;\usepackage{color}&#10;\pagestyle{empty}&#10;\begin{document}&#10;%\color{white}&#10;\begin{equation}&#10;\sigma&#10;\nonumber&#10;\end{equation}&#10;\end{document}"/>
   <p:tag name="IGUANATEXSIZE" val="20"/>
-  <p:tag name="IGUANATEXCURSOR" val="162"/>
+  <p:tag name="IGUANATEXCURSOR" val="137"/>
   <p:tag name="TRANSPARENCY" val="Wahr"/>
   <p:tag name="FILENAME" val=""/>
   <p:tag name="LATEXENGINEID" val="0"/>
@@ -28338,11 +31161,11 @@
 <file path=ppt/tags/tag138.xml><?xml version="1.0" encoding="utf-8"?>
 <p:tagLst xmlns:a="http://schemas.openxmlformats.org/drawingml/2006/main" xmlns:r="http://schemas.openxmlformats.org/officeDocument/2006/relationships" xmlns:p="http://schemas.openxmlformats.org/presentationml/2006/main">
   <p:tag name="OUTPUTDPI" val="1200"/>
-  <p:tag name="ORIGINALHEIGHT" val="88,48898"/>
-  <p:tag name="ORIGINALWIDTH" val="974,8781"/>
-  <p:tag name="LATEXADDIN" val="\documentclass{article}&#10;\usepackage{amsmath}&#10;\usepackage{color}&#10;\pagestyle{empty}&#10;\begin{document}&#10;%\color{white}&#10;\begin{equation}&#10;\text{BT}\times64\times\text{H}\times\text{W}&#10;\nonumber&#10;\end{equation}&#10;\end{document}"/>
+  <p:tag name="ORIGINALHEIGHT" val="59,99252"/>
+  <p:tag name="ORIGINALWIDTH" val="60,74244"/>
+  <p:tag name="LATEXADDIN" val="\documentclass{article}&#10;\usepackage{amsmath}&#10;\usepackage{color}&#10;\pagestyle{empty}&#10;\begin{document}&#10;%\color{white}&#10;\begin{equation}&#10;\times&#10;\nonumber&#10;\end{equation}&#10;\end{document}"/>
   <p:tag name="IGUANATEXSIZE" val="20"/>
-  <p:tag name="IGUANATEXCURSOR" val="162"/>
+  <p:tag name="IGUANATEXCURSOR" val="133"/>
   <p:tag name="TRANSPARENCY" val="Wahr"/>
   <p:tag name="FILENAME" val=""/>
   <p:tag name="LATEXENGINEID" val="0"/>
@@ -28357,11 +31180,11 @@
 <file path=ppt/tags/tag139.xml><?xml version="1.0" encoding="utf-8"?>
 <p:tagLst xmlns:a="http://schemas.openxmlformats.org/drawingml/2006/main" xmlns:r="http://schemas.openxmlformats.org/officeDocument/2006/relationships" xmlns:p="http://schemas.openxmlformats.org/presentationml/2006/main">
   <p:tag name="OUTPUTDPI" val="1200"/>
-  <p:tag name="ORIGINALHEIGHT" val="88,48898"/>
-  <p:tag name="ORIGINALWIDTH" val="1036,37"/>
-  <p:tag name="LATEXADDIN" val="\documentclass{article}&#10;\usepackage{amsmath}&#10;\usepackage{color}&#10;\pagestyle{empty}&#10;\begin{document}&#10;%\color{white}&#10;\begin{equation}&#10;\text{BT}\times128\times\text{H}\times\text{W}&#10;\nonumber&#10;\end{equation}&#10;\end{document}"/>
+  <p:tag name="ORIGINALHEIGHT" val="83,23961"/>
+  <p:tag name="ORIGINALWIDTH" val="83,23961"/>
+  <p:tag name="LATEXADDIN" val="\documentclass{article}&#10;\usepackage{amsmath}&#10;\usepackage{color}&#10;\pagestyle{empty}&#10;\begin{document}&#10;%\color{white}&#10;\begin{equation}&#10;+&#10;\nonumber&#10;\end{equation}&#10;\end{document}"/>
   <p:tag name="IGUANATEXSIZE" val="20"/>
-  <p:tag name="IGUANATEXCURSOR" val="177"/>
+  <p:tag name="IGUANATEXCURSOR" val="132"/>
   <p:tag name="TRANSPARENCY" val="Wahr"/>
   <p:tag name="FILENAME" val=""/>
   <p:tag name="LATEXENGINEID" val="0"/>
@@ -28395,11 +31218,11 @@
 <file path=ppt/tags/tag140.xml><?xml version="1.0" encoding="utf-8"?>
 <p:tagLst xmlns:a="http://schemas.openxmlformats.org/drawingml/2006/main" xmlns:r="http://schemas.openxmlformats.org/officeDocument/2006/relationships" xmlns:p="http://schemas.openxmlformats.org/presentationml/2006/main">
   <p:tag name="OUTPUTDPI" val="1200"/>
-  <p:tag name="ORIGINALHEIGHT" val="123,7346"/>
-  <p:tag name="ORIGINALWIDTH" val="1284,589"/>
-  <p:tag name="LATEXADDIN" val="\documentclass{article}&#10;\usepackage{amsmath}&#10;\usepackage{color}&#10;\pagestyle{empty}&#10;\begin{document}&#10;%\color{white}&#10;\begin{equation}&#10;\text{BT}\times128\times\text{H}/4\times\text{W}/4&#10;\nonumber&#10;\end{equation}&#10;\end{document}"/>
+  <p:tag name="ORIGINALHEIGHT" val="59,99252"/>
+  <p:tag name="ORIGINALWIDTH" val="60,74244"/>
+  <p:tag name="LATEXADDIN" val="\documentclass{article}&#10;\usepackage{amsmath}&#10;\usepackage{color}&#10;\pagestyle{empty}&#10;\begin{document}&#10;%\color{white}&#10;\begin{equation}&#10;\times&#10;\nonumber&#10;\end{equation}&#10;\end{document}"/>
   <p:tag name="IGUANATEXSIZE" val="20"/>
-  <p:tag name="IGUANATEXCURSOR" val="181"/>
+  <p:tag name="IGUANATEXCURSOR" val="133"/>
   <p:tag name="TRANSPARENCY" val="Wahr"/>
   <p:tag name="FILENAME" val=""/>
   <p:tag name="LATEXENGINEID" val="0"/>
@@ -28414,11 +31237,11 @@
 <file path=ppt/tags/tag141.xml><?xml version="1.0" encoding="utf-8"?>
 <p:tagLst xmlns:a="http://schemas.openxmlformats.org/drawingml/2006/main" xmlns:r="http://schemas.openxmlformats.org/officeDocument/2006/relationships" xmlns:p="http://schemas.openxmlformats.org/presentationml/2006/main">
   <p:tag name="OUTPUTDPI" val="1200"/>
-  <p:tag name="ORIGINALHEIGHT" val="123,7346"/>
-  <p:tag name="ORIGINALWIDTH" val="1284,589"/>
-  <p:tag name="LATEXADDIN" val="\documentclass{article}&#10;\usepackage{amsmath}&#10;\usepackage{color}&#10;\pagestyle{empty}&#10;\begin{document}&#10;%\color{white}&#10;\begin{equation}&#10;\text{BT}\times128\times\text{H}/4\times\text{W}/4&#10;\nonumber&#10;\end{equation}&#10;\end{document}"/>
+  <p:tag name="ORIGINALHEIGHT" val="59,99252"/>
+  <p:tag name="ORIGINALWIDTH" val="60,74244"/>
+  <p:tag name="LATEXADDIN" val="\documentclass{article}&#10;\usepackage{amsmath}&#10;\usepackage{color}&#10;\pagestyle{empty}&#10;\begin{document}&#10;%\color{white}&#10;\begin{equation}&#10;\times&#10;\nonumber&#10;\end{equation}&#10;\end{document}"/>
   <p:tag name="IGUANATEXSIZE" val="20"/>
-  <p:tag name="IGUANATEXCURSOR" val="181"/>
+  <p:tag name="IGUANATEXCURSOR" val="133"/>
   <p:tag name="TRANSPARENCY" val="Wahr"/>
   <p:tag name="FILENAME" val=""/>
   <p:tag name="LATEXENGINEID" val="0"/>
@@ -28433,11 +31256,11 @@
 <file path=ppt/tags/tag142.xml><?xml version="1.0" encoding="utf-8"?>
 <p:tagLst xmlns:a="http://schemas.openxmlformats.org/drawingml/2006/main" xmlns:r="http://schemas.openxmlformats.org/officeDocument/2006/relationships" xmlns:p="http://schemas.openxmlformats.org/presentationml/2006/main">
   <p:tag name="OUTPUTDPI" val="1200"/>
-  <p:tag name="ORIGINALHEIGHT" val="123,7346"/>
-  <p:tag name="ORIGINALWIDTH" val="1284,589"/>
-  <p:tag name="LATEXADDIN" val="\documentclass{article}&#10;\usepackage{amsmath}&#10;\usepackage{color}&#10;\pagestyle{empty}&#10;\begin{document}&#10;%\color{white}&#10;\begin{equation}&#10;\text{BT}\times128\times\text{H}/4\times\text{W}/4&#10;\nonumber&#10;\end{equation}&#10;\end{document}"/>
+  <p:tag name="ORIGINALHEIGHT" val="113,2358"/>
+  <p:tag name="ORIGINALWIDTH" val="1268,092"/>
+  <p:tag name="LATEXADDIN" val="\documentclass{article}&#10;\usepackage{amsmath}&#10;\usepackage{color}&#10;\pagestyle{empty}&#10;\begin{document}&#10;RGBD Image Sequence&#10;\end{document}"/>
   <p:tag name="IGUANATEXSIZE" val="20"/>
-  <p:tag name="IGUANATEXCURSOR" val="181"/>
+  <p:tag name="IGUANATEXCURSOR" val="104"/>
   <p:tag name="TRANSPARENCY" val="Wahr"/>
   <p:tag name="FILENAME" val=""/>
   <p:tag name="LATEXENGINEID" val="0"/>
@@ -28452,11 +31275,11 @@
 <file path=ppt/tags/tag143.xml><?xml version="1.0" encoding="utf-8"?>
 <p:tagLst xmlns:a="http://schemas.openxmlformats.org/drawingml/2006/main" xmlns:r="http://schemas.openxmlformats.org/officeDocument/2006/relationships" xmlns:p="http://schemas.openxmlformats.org/presentationml/2006/main">
   <p:tag name="OUTPUTDPI" val="1200"/>
-  <p:tag name="ORIGINALHEIGHT" val="88,48898"/>
-  <p:tag name="ORIGINALWIDTH" val="974,8781"/>
-  <p:tag name="LATEXADDIN" val="\documentclass{article}&#10;\usepackage{amsmath}&#10;\usepackage{color}&#10;\pagestyle{empty}&#10;\begin{document}&#10;%\color{white}&#10;\begin{equation}&#10;\text{BT}\times64\times\text{H}\times\text{W}&#10;\nonumber&#10;\end{equation}&#10;\end{document}"/>
+  <p:tag name="ORIGINALHEIGHT" val="149,9813"/>
+  <p:tag name="ORIGINALWIDTH" val="632,171"/>
+  <p:tag name="LATEXADDIN" val="\documentclass{article}&#10;\usepackage{amsmath}&#10;\usepackage{bm}&#10;\usepackage{color}&#10;\pagestyle{empty}&#10;\begin{document}&#10;\begin{equation}&#10;\bm{v}=\begin{pmatrix}&#10;v_x \&#10;\omega_z&#10;\end{pmatrix}&#10;\nonumber&#10;\end{equation}&#10;\end{document}"/>
   <p:tag name="IGUANATEXSIZE" val="20"/>
-  <p:tag name="IGUANATEXCURSOR" val="161"/>
+  <p:tag name="IGUANATEXCURSOR" val="60"/>
   <p:tag name="TRANSPARENCY" val="Wahr"/>
   <p:tag name="FILENAME" val=""/>
   <p:tag name="LATEXENGINEID" val="0"/>
@@ -28471,11 +31294,11 @@
 <file path=ppt/tags/tag144.xml><?xml version="1.0" encoding="utf-8"?>
 <p:tagLst xmlns:a="http://schemas.openxmlformats.org/drawingml/2006/main" xmlns:r="http://schemas.openxmlformats.org/officeDocument/2006/relationships" xmlns:p="http://schemas.openxmlformats.org/presentationml/2006/main">
   <p:tag name="OUTPUTDPI" val="1200"/>
-  <p:tag name="ORIGINALHEIGHT" val="88,48898"/>
-  <p:tag name="ORIGINALWIDTH" val="974,8781"/>
-  <p:tag name="LATEXADDIN" val="\documentclass{article}&#10;\usepackage{amsmath}&#10;\usepackage{color}&#10;\pagestyle{empty}&#10;\begin{document}&#10;%\color{white}&#10;\begin{equation}&#10;\text{BT}\times64\times\text{H}\times\text{W}&#10;\nonumber&#10;\end{equation}&#10;\end{document}"/>
+  <p:tag name="ORIGINALHEIGHT" val="87,73905"/>
+  <p:tag name="ORIGINALWIDTH" val="749,1564"/>
+  <p:tag name="LATEXADDIN" val="\documentclass{article}&#10;\usepackage{amsmath}&#10;\usepackage{color}&#10;\pagestyle{empty}&#10;\definecolor{myred}{RGB}{255, 91, 91}&#10;\begin{document}&#10;\color{myred}&#10;Max Pool 2x2&#10;\end{document}"/>
   <p:tag name="IGUANATEXSIZE" val="20"/>
-  <p:tag name="IGUANATEXCURSOR" val="161"/>
+  <p:tag name="IGUANATEXCURSOR" val="156"/>
   <p:tag name="TRANSPARENCY" val="Wahr"/>
   <p:tag name="FILENAME" val=""/>
   <p:tag name="LATEXENGINEID" val="0"/>
@@ -28490,11 +31313,11 @@
 <file path=ppt/tags/tag145.xml><?xml version="1.0" encoding="utf-8"?>
 <p:tagLst xmlns:a="http://schemas.openxmlformats.org/drawingml/2006/main" xmlns:r="http://schemas.openxmlformats.org/officeDocument/2006/relationships" xmlns:p="http://schemas.openxmlformats.org/presentationml/2006/main">
   <p:tag name="OUTPUTDPI" val="1200"/>
-  <p:tag name="ORIGINALHEIGHT" val="88,48898"/>
-  <p:tag name="ORIGINALWIDTH" val="911,886"/>
-  <p:tag name="LATEXADDIN" val="\documentclass{article}&#10;\usepackage{amsmath}&#10;\usepackage{color}&#10;\pagestyle{empty}&#10;\begin{document}&#10;%\color{white}&#10;\begin{equation}&#10;\text{BT}\times4\times\text{H}\times\text{W}&#10;\nonumber&#10;\end{equation}&#10;\end{document}"/>
+  <p:tag name="ORIGINALHEIGHT" val="111,7361"/>
+  <p:tag name="ORIGINALWIDTH" val="899,1376"/>
+  <p:tag name="LATEXADDIN" val="\documentclass{article}&#10;\usepackage{amsmath}&#10;\usepackage{color}&#10;\pagestyle{empty}&#10;\definecolor{myred}{RGB}{112, 48, 160}&#10;\begin{document}&#10;\color{myred}&#10;Conv 3x3, ReLU&#10;\end{document}"/>
   <p:tag name="IGUANATEXSIZE" val="20"/>
-  <p:tag name="IGUANATEXCURSOR" val="174"/>
+  <p:tag name="IGUANATEXCURSOR" val="166"/>
   <p:tag name="TRANSPARENCY" val="Wahr"/>
   <p:tag name="FILENAME" val=""/>
   <p:tag name="LATEXENGINEID" val="0"/>
@@ -28509,11 +31332,68 @@
 <file path=ppt/tags/tag146.xml><?xml version="1.0" encoding="utf-8"?>
 <p:tagLst xmlns:a="http://schemas.openxmlformats.org/drawingml/2006/main" xmlns:r="http://schemas.openxmlformats.org/officeDocument/2006/relationships" xmlns:p="http://schemas.openxmlformats.org/presentationml/2006/main">
   <p:tag name="OUTPUTDPI" val="1200"/>
-  <p:tag name="ORIGINALHEIGHT" val="88,48898"/>
-  <p:tag name="ORIGINALWIDTH" val="911,886"/>
-  <p:tag name="LATEXADDIN" val="\documentclass{article}&#10;\usepackage{amsmath}&#10;\usepackage{color}&#10;\pagestyle{empty}&#10;\begin{document}&#10;%\color{white}&#10;\begin{equation}&#10;\text{BT}\times4\times\text{H}\times\text{W}&#10;\nonumber&#10;\end{equation}&#10;\end{document}"/>
+  <p:tag name="ORIGINALHEIGHT" val="111,7361"/>
+  <p:tag name="ORIGINALWIDTH" val="1106,112"/>
+  <p:tag name="LATEXADDIN" val="\documentclass{article}&#10;\usepackage{amsmath}&#10;\usepackage{color}&#10;\pagestyle{empty}&#10;\definecolor{myred}{RGB}{37, 188, 255}&#10;\begin{document}&#10;\color{myred}&#10;Up-Conv 3x3, ReLU&#10;\end{document}"/>
   <p:tag name="IGUANATEXSIZE" val="20"/>
-  <p:tag name="IGUANATEXCURSOR" val="175"/>
+  <p:tag name="IGUANATEXCURSOR" val="155"/>
+  <p:tag name="TRANSPARENCY" val="Wahr"/>
+  <p:tag name="FILENAME" val=""/>
+  <p:tag name="LATEXENGINEID" val="0"/>
+  <p:tag name="TEMPFOLDER" val="c:\temp\"/>
+  <p:tag name="LATEXFORMHEIGHT" val="312"/>
+  <p:tag name="LATEXFORMWIDTH" val="384"/>
+  <p:tag name="LATEXFORMWRAP" val="Wahr"/>
+  <p:tag name="BITMAPVECTOR" val="0"/>
+</p:tagLst>
+</file>
+
+<file path=ppt/tags/tag147.xml><?xml version="1.0" encoding="utf-8"?>
+<p:tagLst xmlns:a="http://schemas.openxmlformats.org/drawingml/2006/main" xmlns:r="http://schemas.openxmlformats.org/officeDocument/2006/relationships" xmlns:p="http://schemas.openxmlformats.org/presentationml/2006/main">
+  <p:tag name="OUTPUTDPI" val="1200"/>
+  <p:tag name="ORIGINALHEIGHT" val="123,7346"/>
+  <p:tag name="ORIGINALWIDTH" val="866,8917"/>
+  <p:tag name="LATEXADDIN" val="\documentclass{article}&#10;\usepackage{amsmath}&#10;\usepackage{color}&#10;\pagestyle{empty}&#10;\definecolor{myred}{RGB}{159, 253, 95}&#10;\begin{document}&#10;\color{myred}&#10;FC, ReLU/tanh&#10;\end{document}"/>
+  <p:tag name="IGUANATEXSIZE" val="20"/>
+  <p:tag name="IGUANATEXCURSOR" val="165"/>
+  <p:tag name="TRANSPARENCY" val="Wahr"/>
+  <p:tag name="FILENAME" val=""/>
+  <p:tag name="LATEXENGINEID" val="0"/>
+  <p:tag name="TEMPFOLDER" val="c:\temp\"/>
+  <p:tag name="LATEXFORMHEIGHT" val="312"/>
+  <p:tag name="LATEXFORMWIDTH" val="384"/>
+  <p:tag name="LATEXFORMWRAP" val="Wahr"/>
+  <p:tag name="BITMAPVECTOR" val="0"/>
+</p:tagLst>
+</file>
+
+<file path=ppt/tags/tag148.xml><?xml version="1.0" encoding="utf-8"?>
+<p:tagLst xmlns:a="http://schemas.openxmlformats.org/drawingml/2006/main" xmlns:r="http://schemas.openxmlformats.org/officeDocument/2006/relationships" xmlns:p="http://schemas.openxmlformats.org/presentationml/2006/main">
+  <p:tag name="OUTPUTDPI" val="1200"/>
+  <p:tag name="ORIGINALHEIGHT" val="89,98874"/>
+  <p:tag name="ORIGINALWIDTH" val="342,7072"/>
+  <p:tag name="LATEXADDIN" val="\documentclass{article}&#10;\usepackage{amsmath}&#10;\usepackage{color}&#10;\pagestyle{empty}&#10;\definecolor{myred}{RGB}{255, 219, 1}&#10;\begin{document}&#10;\color{myred}&#10;LSTM&#10;\end{document}"/>
+  <p:tag name="IGUANATEXSIZE" val="20"/>
+  <p:tag name="IGUANATEXCURSOR" val="155"/>
+  <p:tag name="TRANSPARENCY" val="Wahr"/>
+  <p:tag name="FILENAME" val=""/>
+  <p:tag name="LATEXENGINEID" val="0"/>
+  <p:tag name="TEMPFOLDER" val="c:\temp\"/>
+  <p:tag name="LATEXFORMHEIGHT" val="312"/>
+  <p:tag name="LATEXFORMWIDTH" val="384"/>
+  <p:tag name="LATEXFORMWRAP" val="Wahr"/>
+  <p:tag name="BITMAPVECTOR" val="0"/>
+</p:tagLst>
+</file>
+
+<file path=ppt/tags/tag149.xml><?xml version="1.0" encoding="utf-8"?>
+<p:tagLst xmlns:a="http://schemas.openxmlformats.org/drawingml/2006/main" xmlns:r="http://schemas.openxmlformats.org/officeDocument/2006/relationships" xmlns:p="http://schemas.openxmlformats.org/presentationml/2006/main">
+  <p:tag name="OUTPUTDPI" val="1200"/>
+  <p:tag name="ORIGINALHEIGHT" val="110,9861"/>
+  <p:tag name="ORIGINALWIDTH" val="227,9715"/>
+  <p:tag name="LATEXADDIN" val="\documentclass{article}&#10;\usepackage{amsmath}&#10;\usepackage{color}&#10;\pagestyle{empty}&#10;\definecolor{myred}{RGB}{191, 191, 191}&#10;\begin{document}&#10;\color{myred}&#10;Skip&#10;\end{document}"/>
+  <p:tag name="IGUANATEXSIZE" val="20"/>
+  <p:tag name="IGUANATEXCURSOR" val="120"/>
   <p:tag name="TRANSPARENCY" val="Wahr"/>
   <p:tag name="FILENAME" val=""/>
   <p:tag name="LATEXENGINEID" val="0"/>
@@ -28544,6 +31424,196 @@
 </p:tagLst>
 </file>
 
+<file path=ppt/tags/tag150.xml><?xml version="1.0" encoding="utf-8"?>
+<p:tagLst xmlns:a="http://schemas.openxmlformats.org/drawingml/2006/main" xmlns:r="http://schemas.openxmlformats.org/officeDocument/2006/relationships" xmlns:p="http://schemas.openxmlformats.org/presentationml/2006/main">
+  <p:tag name="OUTPUTDPI" val="1200"/>
+  <p:tag name="ORIGINALHEIGHT" val="87,73905"/>
+  <p:tag name="ORIGINALWIDTH" val="448,4439"/>
+  <p:tag name="LATEXADDIN" val="\documentclass{article}&#10;\usepackage{amsmath}&#10;\usepackage{color}&#10;\pagestyle{empty}&#10;\begin{document}&#10;%\color{white}&#10;\begin{equation}&#10;\text{BT}\times64&#10;\nonumber&#10;\end{equation}&#10;\end{document}"/>
+  <p:tag name="IGUANATEXSIZE" val="20"/>
+  <p:tag name="IGUANATEXCURSOR" val="148"/>
+  <p:tag name="TRANSPARENCY" val="Wahr"/>
+  <p:tag name="FILENAME" val=""/>
+  <p:tag name="LATEXENGINEID" val="0"/>
+  <p:tag name="TEMPFOLDER" val="c:\temp\"/>
+  <p:tag name="LATEXFORMHEIGHT" val="312"/>
+  <p:tag name="LATEXFORMWIDTH" val="384"/>
+  <p:tag name="LATEXFORMWRAP" val="Wahr"/>
+  <p:tag name="BITMAPVECTOR" val="0"/>
+</p:tagLst>
+</file>
+
+<file path=ppt/tags/tag151.xml><?xml version="1.0" encoding="utf-8"?>
+<p:tagLst xmlns:a="http://schemas.openxmlformats.org/drawingml/2006/main" xmlns:r="http://schemas.openxmlformats.org/officeDocument/2006/relationships" xmlns:p="http://schemas.openxmlformats.org/presentationml/2006/main">
+  <p:tag name="OUTPUTDPI" val="1200"/>
+  <p:tag name="ORIGINALHEIGHT" val="87,73905"/>
+  <p:tag name="ORIGINALWIDTH" val="356,9554"/>
+  <p:tag name="LATEXADDIN" val="\documentclass{article}&#10;\usepackage{amsmath}&#10;\usepackage{color}&#10;\pagestyle{empty}&#10;\begin{document}&#10;%\color{white}&#10;\begin{equation}&#10;\text{B}\times10&#10;\nonumber&#10;\end{equation}&#10;\end{document}"/>
+  <p:tag name="IGUANATEXSIZE" val="20"/>
+  <p:tag name="IGUANATEXCURSOR" val="139"/>
+  <p:tag name="TRANSPARENCY" val="Wahr"/>
+  <p:tag name="FILENAME" val=""/>
+  <p:tag name="LATEXENGINEID" val="0"/>
+  <p:tag name="TEMPFOLDER" val="c:\temp\"/>
+  <p:tag name="LATEXFORMHEIGHT" val="312"/>
+  <p:tag name="LATEXFORMWIDTH" val="384"/>
+  <p:tag name="LATEXFORMWRAP" val="Wahr"/>
+  <p:tag name="BITMAPVECTOR" val="0"/>
+</p:tagLst>
+</file>
+
+<file path=ppt/tags/tag152.xml><?xml version="1.0" encoding="utf-8"?>
+<p:tagLst xmlns:a="http://schemas.openxmlformats.org/drawingml/2006/main" xmlns:r="http://schemas.openxmlformats.org/officeDocument/2006/relationships" xmlns:p="http://schemas.openxmlformats.org/presentationml/2006/main">
+  <p:tag name="OUTPUTDPI" val="1200"/>
+  <p:tag name="ORIGINALHEIGHT" val="84,73937"/>
+  <p:tag name="ORIGINALWIDTH" val="292,4635"/>
+  <p:tag name="LATEXADDIN" val="\documentclass{article}&#10;\usepackage{amsmath}&#10;\usepackage{color}&#10;\pagestyle{empty}&#10;\begin{document}&#10;%\color{white}&#10;\begin{equation}&#10;\text{B}\times2&#10;\nonumber&#10;\end{equation}&#10;\end{document}"/>
+  <p:tag name="IGUANATEXSIZE" val="20"/>
+  <p:tag name="IGUANATEXCURSOR" val="146"/>
+  <p:tag name="TRANSPARENCY" val="Wahr"/>
+  <p:tag name="FILENAME" val=""/>
+  <p:tag name="LATEXENGINEID" val="0"/>
+  <p:tag name="TEMPFOLDER" val="c:\temp\"/>
+  <p:tag name="LATEXFORMHEIGHT" val="312"/>
+  <p:tag name="LATEXFORMWIDTH" val="384"/>
+  <p:tag name="LATEXFORMWRAP" val="Wahr"/>
+  <p:tag name="BITMAPVECTOR" val="0"/>
+</p:tagLst>
+</file>
+
+<file path=ppt/tags/tag153.xml><?xml version="1.0" encoding="utf-8"?>
+<p:tagLst xmlns:a="http://schemas.openxmlformats.org/drawingml/2006/main" xmlns:r="http://schemas.openxmlformats.org/officeDocument/2006/relationships" xmlns:p="http://schemas.openxmlformats.org/presentationml/2006/main">
+  <p:tag name="OUTPUTDPI" val="1200"/>
+  <p:tag name="ORIGINALHEIGHT" val="87,73905"/>
+  <p:tag name="ORIGINALWIDTH" val="445,4443"/>
+  <p:tag name="LATEXADDIN" val="\documentclass{article}&#10;\usepackage{amsmath}&#10;\usepackage{color}&#10;\pagestyle{empty}&#10;\begin{document}&#10;%\color{white}&#10;\begin{equation}&#10;\text{BT}\times32&#10;\nonumber&#10;\end{equation}&#10;\end{document}"/>
+  <p:tag name="IGUANATEXSIZE" val="20"/>
+  <p:tag name="IGUANATEXCURSOR" val="148"/>
+  <p:tag name="TRANSPARENCY" val="Wahr"/>
+  <p:tag name="FILENAME" val=""/>
+  <p:tag name="LATEXENGINEID" val="0"/>
+  <p:tag name="TEMPFOLDER" val="c:\temp\"/>
+  <p:tag name="LATEXFORMHEIGHT" val="312"/>
+  <p:tag name="LATEXFORMWIDTH" val="384"/>
+  <p:tag name="LATEXFORMWRAP" val="Wahr"/>
+  <p:tag name="BITMAPVECTOR" val="0"/>
+</p:tagLst>
+</file>
+
+<file path=ppt/tags/tag154.xml><?xml version="1.0" encoding="utf-8"?>
+<p:tagLst xmlns:a="http://schemas.openxmlformats.org/drawingml/2006/main" xmlns:r="http://schemas.openxmlformats.org/officeDocument/2006/relationships" xmlns:p="http://schemas.openxmlformats.org/presentationml/2006/main">
+  <p:tag name="OUTPUTDPI" val="1200"/>
+  <p:tag name="ORIGINALHEIGHT" val="123,7346"/>
+  <p:tag name="ORIGINALWIDTH" val="1219,348"/>
+  <p:tag name="LATEXADDIN" val="\documentclass{article}&#10;\usepackage{amsmath}&#10;\usepackage{color}&#10;\pagestyle{empty}&#10;\begin{document}&#10;%\color{white}&#10;\begin{equation}&#10;\text{BT}\times64\times\text{H}/2\times\text{W}/2&#10;\nonumber&#10;\end{equation}&#10;\end{document}"/>
+  <p:tag name="IGUANATEXSIZE" val="20"/>
+  <p:tag name="IGUANATEXCURSOR" val="180"/>
+  <p:tag name="TRANSPARENCY" val="Wahr"/>
+  <p:tag name="FILENAME" val=""/>
+  <p:tag name="LATEXENGINEID" val="0"/>
+  <p:tag name="TEMPFOLDER" val="c:\temp\"/>
+  <p:tag name="LATEXFORMHEIGHT" val="312"/>
+  <p:tag name="LATEXFORMWIDTH" val="384"/>
+  <p:tag name="LATEXFORMWRAP" val="Wahr"/>
+  <p:tag name="BITMAPVECTOR" val="0"/>
+</p:tagLst>
+</file>
+
+<file path=ppt/tags/tag155.xml><?xml version="1.0" encoding="utf-8"?>
+<p:tagLst xmlns:a="http://schemas.openxmlformats.org/drawingml/2006/main" xmlns:r="http://schemas.openxmlformats.org/officeDocument/2006/relationships" xmlns:p="http://schemas.openxmlformats.org/presentationml/2006/main">
+  <p:tag name="OUTPUTDPI" val="1200"/>
+  <p:tag name="ORIGINALHEIGHT" val="123,7346"/>
+  <p:tag name="ORIGINALWIDTH" val="1219,348"/>
+  <p:tag name="LATEXADDIN" val="\documentclass{article}&#10;\usepackage{amsmath}&#10;\usepackage{color}&#10;\pagestyle{empty}&#10;\begin{document}&#10;%\color{white}&#10;\begin{equation}&#10;\text{BT}\times64\times\text{H}/2\times\text{W}/2&#10;\nonumber&#10;\end{equation}&#10;\end{document}"/>
+  <p:tag name="IGUANATEXSIZE" val="20"/>
+  <p:tag name="IGUANATEXCURSOR" val="180"/>
+  <p:tag name="TRANSPARENCY" val="Wahr"/>
+  <p:tag name="FILENAME" val=""/>
+  <p:tag name="LATEXENGINEID" val="0"/>
+  <p:tag name="TEMPFOLDER" val="c:\temp\"/>
+  <p:tag name="LATEXFORMHEIGHT" val="312"/>
+  <p:tag name="LATEXFORMWIDTH" val="384"/>
+  <p:tag name="LATEXFORMWRAP" val="Wahr"/>
+  <p:tag name="BITMAPVECTOR" val="0"/>
+</p:tagLst>
+</file>
+
+<file path=ppt/tags/tag156.xml><?xml version="1.0" encoding="utf-8"?>
+<p:tagLst xmlns:a="http://schemas.openxmlformats.org/drawingml/2006/main" xmlns:r="http://schemas.openxmlformats.org/officeDocument/2006/relationships" xmlns:p="http://schemas.openxmlformats.org/presentationml/2006/main">
+  <p:tag name="OUTPUTDPI" val="1200"/>
+  <p:tag name="ORIGINALHEIGHT" val="123,7346"/>
+  <p:tag name="ORIGINALWIDTH" val="1281,59"/>
+  <p:tag name="LATEXADDIN" val="\documentclass{article}&#10;\usepackage{amsmath}&#10;\usepackage{color}&#10;\pagestyle{empty}&#10;\begin{document}&#10;%\color{white}&#10;\begin{equation}&#10;\text{BT}\times128\times\text{H}/2\times\text{W}/2&#10;\nonumber&#10;\end{equation}&#10;\end{document}"/>
+  <p:tag name="IGUANATEXSIZE" val="20"/>
+  <p:tag name="IGUANATEXCURSOR" val="180"/>
+  <p:tag name="TRANSPARENCY" val="Wahr"/>
+  <p:tag name="FILENAME" val=""/>
+  <p:tag name="LATEXENGINEID" val="0"/>
+  <p:tag name="TEMPFOLDER" val="c:\temp\"/>
+  <p:tag name="LATEXFORMHEIGHT" val="312"/>
+  <p:tag name="LATEXFORMWIDTH" val="384"/>
+  <p:tag name="LATEXFORMWRAP" val="Wahr"/>
+  <p:tag name="BITMAPVECTOR" val="0"/>
+</p:tagLst>
+</file>
+
+<file path=ppt/tags/tag157.xml><?xml version="1.0" encoding="utf-8"?>
+<p:tagLst xmlns:a="http://schemas.openxmlformats.org/drawingml/2006/main" xmlns:r="http://schemas.openxmlformats.org/officeDocument/2006/relationships" xmlns:p="http://schemas.openxmlformats.org/presentationml/2006/main">
+  <p:tag name="OUTPUTDPI" val="1200"/>
+  <p:tag name="ORIGINALHEIGHT" val="123,7346"/>
+  <p:tag name="ORIGINALWIDTH" val="1281,59"/>
+  <p:tag name="LATEXADDIN" val="\documentclass{article}&#10;\usepackage{amsmath}&#10;\usepackage{color}&#10;\pagestyle{empty}&#10;\begin{document}&#10;%\color{white}&#10;\begin{equation}&#10;\text{BT}\times128\times\text{H}/2\times\text{W}/2&#10;\nonumber&#10;\end{equation}&#10;\end{document}"/>
+  <p:tag name="IGUANATEXSIZE" val="20"/>
+  <p:tag name="IGUANATEXCURSOR" val="180"/>
+  <p:tag name="TRANSPARENCY" val="Wahr"/>
+  <p:tag name="FILENAME" val=""/>
+  <p:tag name="LATEXENGINEID" val="0"/>
+  <p:tag name="TEMPFOLDER" val="c:\temp\"/>
+  <p:tag name="LATEXFORMHEIGHT" val="312"/>
+  <p:tag name="LATEXFORMWIDTH" val="384"/>
+  <p:tag name="LATEXFORMWRAP" val="Wahr"/>
+  <p:tag name="BITMAPVECTOR" val="0"/>
+</p:tagLst>
+</file>
+
+<file path=ppt/tags/tag158.xml><?xml version="1.0" encoding="utf-8"?>
+<p:tagLst xmlns:a="http://schemas.openxmlformats.org/drawingml/2006/main" xmlns:r="http://schemas.openxmlformats.org/officeDocument/2006/relationships" xmlns:p="http://schemas.openxmlformats.org/presentationml/2006/main">
+  <p:tag name="OUTPUTDPI" val="1200"/>
+  <p:tag name="ORIGINALHEIGHT" val="123,7346"/>
+  <p:tag name="ORIGINALWIDTH" val="1281,59"/>
+  <p:tag name="LATEXADDIN" val="\documentclass{article}&#10;\usepackage{amsmath}&#10;\usepackage{color}&#10;\pagestyle{empty}&#10;\begin{document}&#10;%\color{white}&#10;\begin{equation}&#10;\text{BT}\times128\times\text{H}/2\times\text{W}/2&#10;\nonumber&#10;\end{equation}&#10;\end{document}"/>
+  <p:tag name="IGUANATEXSIZE" val="20"/>
+  <p:tag name="IGUANATEXCURSOR" val="180"/>
+  <p:tag name="TRANSPARENCY" val="Wahr"/>
+  <p:tag name="FILENAME" val=""/>
+  <p:tag name="LATEXENGINEID" val="0"/>
+  <p:tag name="TEMPFOLDER" val="c:\temp\"/>
+  <p:tag name="LATEXFORMHEIGHT" val="312"/>
+  <p:tag name="LATEXFORMWIDTH" val="384"/>
+  <p:tag name="LATEXFORMWRAP" val="Wahr"/>
+  <p:tag name="BITMAPVECTOR" val="0"/>
+</p:tagLst>
+</file>
+
+<file path=ppt/tags/tag159.xml><?xml version="1.0" encoding="utf-8"?>
+<p:tagLst xmlns:a="http://schemas.openxmlformats.org/drawingml/2006/main" xmlns:r="http://schemas.openxmlformats.org/officeDocument/2006/relationships" xmlns:p="http://schemas.openxmlformats.org/presentationml/2006/main">
+  <p:tag name="OUTPUTDPI" val="1200"/>
+  <p:tag name="ORIGINALHEIGHT" val="123,7346"/>
+  <p:tag name="ORIGINALWIDTH" val="1281,59"/>
+  <p:tag name="LATEXADDIN" val="\documentclass{article}&#10;\usepackage{amsmath}&#10;\usepackage{color}&#10;\pagestyle{empty}&#10;\begin{document}&#10;%\color{white}&#10;\begin{equation}&#10;\text{BT}\times256\times\text{H}/2\times\text{W}/2&#10;\nonumber&#10;\end{equation}&#10;\end{document}"/>
+  <p:tag name="IGUANATEXSIZE" val="20"/>
+  <p:tag name="IGUANATEXCURSOR" val="171"/>
+  <p:tag name="TRANSPARENCY" val="Wahr"/>
+  <p:tag name="FILENAME" val=""/>
+  <p:tag name="LATEXENGINEID" val="0"/>
+  <p:tag name="TEMPFOLDER" val="c:\temp\"/>
+  <p:tag name="LATEXFORMHEIGHT" val="312"/>
+  <p:tag name="LATEXFORMWIDTH" val="384"/>
+  <p:tag name="LATEXFORMWRAP" val="Wahr"/>
+  <p:tag name="BITMAPVECTOR" val="0"/>
+</p:tagLst>
+</file>
+
 <file path=ppt/tags/tag16.xml><?xml version="1.0" encoding="utf-8"?>
 <p:tagLst xmlns:a="http://schemas.openxmlformats.org/drawingml/2006/main" xmlns:r="http://schemas.openxmlformats.org/officeDocument/2006/relationships" xmlns:p="http://schemas.openxmlformats.org/presentationml/2006/main">
   <p:tag name="OUTPUTDPI" val="1200"/>
@@ -28552,6 +31622,196 @@
   <p:tag name="LATEXADDIN" val="\documentclass{article}&#10;\usepackage{amsmath}&#10;\usepackage{color}&#10;\pagestyle{empty}&#10;\begin{document}&#10;Left and Right Knee&#10;\end{document}"/>
   <p:tag name="IGUANATEXSIZE" val="20"/>
   <p:tag name="IGUANATEXCURSOR" val="98"/>
+  <p:tag name="TRANSPARENCY" val="Wahr"/>
+  <p:tag name="FILENAME" val=""/>
+  <p:tag name="LATEXENGINEID" val="0"/>
+  <p:tag name="TEMPFOLDER" val="c:\temp\"/>
+  <p:tag name="LATEXFORMHEIGHT" val="312"/>
+  <p:tag name="LATEXFORMWIDTH" val="384"/>
+  <p:tag name="LATEXFORMWRAP" val="Wahr"/>
+  <p:tag name="BITMAPVECTOR" val="0"/>
+</p:tagLst>
+</file>
+
+<file path=ppt/tags/tag160.xml><?xml version="1.0" encoding="utf-8"?>
+<p:tagLst xmlns:a="http://schemas.openxmlformats.org/drawingml/2006/main" xmlns:r="http://schemas.openxmlformats.org/officeDocument/2006/relationships" xmlns:p="http://schemas.openxmlformats.org/presentationml/2006/main">
+  <p:tag name="OUTPUTDPI" val="1200"/>
+  <p:tag name="ORIGINALHEIGHT" val="88,48898"/>
+  <p:tag name="ORIGINALWIDTH" val="911,886"/>
+  <p:tag name="LATEXADDIN" val="\documentclass{article}&#10;\usepackage{amsmath}&#10;\usepackage{color}&#10;\pagestyle{empty}&#10;\begin{document}&#10;%\color{white}&#10;\begin{equation}&#10;\text{BT}\times4\times\text{H}\times\text{W}&#10;\nonumber&#10;\end{equation}&#10;\end{document}"/>
+  <p:tag name="IGUANATEXSIZE" val="20"/>
+  <p:tag name="IGUANATEXCURSOR" val="175"/>
+  <p:tag name="TRANSPARENCY" val="Wahr"/>
+  <p:tag name="FILENAME" val=""/>
+  <p:tag name="LATEXENGINEID" val="0"/>
+  <p:tag name="TEMPFOLDER" val="c:\temp\"/>
+  <p:tag name="LATEXFORMHEIGHT" val="312"/>
+  <p:tag name="LATEXFORMWIDTH" val="384"/>
+  <p:tag name="LATEXFORMWRAP" val="Wahr"/>
+  <p:tag name="BITMAPVECTOR" val="0"/>
+</p:tagLst>
+</file>
+
+<file path=ppt/tags/tag161.xml><?xml version="1.0" encoding="utf-8"?>
+<p:tagLst xmlns:a="http://schemas.openxmlformats.org/drawingml/2006/main" xmlns:r="http://schemas.openxmlformats.org/officeDocument/2006/relationships" xmlns:p="http://schemas.openxmlformats.org/presentationml/2006/main">
+  <p:tag name="OUTPUTDPI" val="1200"/>
+  <p:tag name="ORIGINALHEIGHT" val="88,48898"/>
+  <p:tag name="ORIGINALWIDTH" val="974,8781"/>
+  <p:tag name="LATEXADDIN" val="\documentclass{article}&#10;\usepackage{amsmath}&#10;\usepackage{color}&#10;\pagestyle{empty}&#10;\begin{document}&#10;%\color{white}&#10;\begin{equation}&#10;\text{BT}\times64\times\text{H}\times\text{W}&#10;\nonumber&#10;\end{equation}&#10;\end{document}"/>
+  <p:tag name="IGUANATEXSIZE" val="20"/>
+  <p:tag name="IGUANATEXCURSOR" val="162"/>
+  <p:tag name="TRANSPARENCY" val="Wahr"/>
+  <p:tag name="FILENAME" val=""/>
+  <p:tag name="LATEXENGINEID" val="0"/>
+  <p:tag name="TEMPFOLDER" val="c:\temp\"/>
+  <p:tag name="LATEXFORMHEIGHT" val="312"/>
+  <p:tag name="LATEXFORMWIDTH" val="384"/>
+  <p:tag name="LATEXFORMWRAP" val="Wahr"/>
+  <p:tag name="BITMAPVECTOR" val="0"/>
+</p:tagLst>
+</file>
+
+<file path=ppt/tags/tag162.xml><?xml version="1.0" encoding="utf-8"?>
+<p:tagLst xmlns:a="http://schemas.openxmlformats.org/drawingml/2006/main" xmlns:r="http://schemas.openxmlformats.org/officeDocument/2006/relationships" xmlns:p="http://schemas.openxmlformats.org/presentationml/2006/main">
+  <p:tag name="OUTPUTDPI" val="1200"/>
+  <p:tag name="ORIGINALHEIGHT" val="88,48898"/>
+  <p:tag name="ORIGINALWIDTH" val="974,8781"/>
+  <p:tag name="LATEXADDIN" val="\documentclass{article}&#10;\usepackage{amsmath}&#10;\usepackage{color}&#10;\pagestyle{empty}&#10;\begin{document}&#10;%\color{white}&#10;\begin{equation}&#10;\text{BT}\times64\times\text{H}\times\text{W}&#10;\nonumber&#10;\end{equation}&#10;\end{document}"/>
+  <p:tag name="IGUANATEXSIZE" val="20"/>
+  <p:tag name="IGUANATEXCURSOR" val="162"/>
+  <p:tag name="TRANSPARENCY" val="Wahr"/>
+  <p:tag name="FILENAME" val=""/>
+  <p:tag name="LATEXENGINEID" val="0"/>
+  <p:tag name="TEMPFOLDER" val="c:\temp\"/>
+  <p:tag name="LATEXFORMHEIGHT" val="312"/>
+  <p:tag name="LATEXFORMWIDTH" val="384"/>
+  <p:tag name="LATEXFORMWRAP" val="Wahr"/>
+  <p:tag name="BITMAPVECTOR" val="0"/>
+</p:tagLst>
+</file>
+
+<file path=ppt/tags/tag163.xml><?xml version="1.0" encoding="utf-8"?>
+<p:tagLst xmlns:a="http://schemas.openxmlformats.org/drawingml/2006/main" xmlns:r="http://schemas.openxmlformats.org/officeDocument/2006/relationships" xmlns:p="http://schemas.openxmlformats.org/presentationml/2006/main">
+  <p:tag name="OUTPUTDPI" val="1200"/>
+  <p:tag name="ORIGINALHEIGHT" val="88,48898"/>
+  <p:tag name="ORIGINALWIDTH" val="1036,37"/>
+  <p:tag name="LATEXADDIN" val="\documentclass{article}&#10;\usepackage{amsmath}&#10;\usepackage{color}&#10;\pagestyle{empty}&#10;\begin{document}&#10;%\color{white}&#10;\begin{equation}&#10;\text{BT}\times128\times\text{H}\times\text{W}&#10;\nonumber&#10;\end{equation}&#10;\end{document}"/>
+  <p:tag name="IGUANATEXSIZE" val="20"/>
+  <p:tag name="IGUANATEXCURSOR" val="177"/>
+  <p:tag name="TRANSPARENCY" val="Wahr"/>
+  <p:tag name="FILENAME" val=""/>
+  <p:tag name="LATEXENGINEID" val="0"/>
+  <p:tag name="TEMPFOLDER" val="c:\temp\"/>
+  <p:tag name="LATEXFORMHEIGHT" val="312"/>
+  <p:tag name="LATEXFORMWIDTH" val="384"/>
+  <p:tag name="LATEXFORMWRAP" val="Wahr"/>
+  <p:tag name="BITMAPVECTOR" val="0"/>
+</p:tagLst>
+</file>
+
+<file path=ppt/tags/tag164.xml><?xml version="1.0" encoding="utf-8"?>
+<p:tagLst xmlns:a="http://schemas.openxmlformats.org/drawingml/2006/main" xmlns:r="http://schemas.openxmlformats.org/officeDocument/2006/relationships" xmlns:p="http://schemas.openxmlformats.org/presentationml/2006/main">
+  <p:tag name="OUTPUTDPI" val="1200"/>
+  <p:tag name="ORIGINALHEIGHT" val="123,7346"/>
+  <p:tag name="ORIGINALWIDTH" val="1284,589"/>
+  <p:tag name="LATEXADDIN" val="\documentclass{article}&#10;\usepackage{amsmath}&#10;\usepackage{color}&#10;\pagestyle{empty}&#10;\begin{document}&#10;%\color{white}&#10;\begin{equation}&#10;\text{BT}\times128\times\text{H}/4\times\text{W}/4&#10;\nonumber&#10;\end{equation}&#10;\end{document}"/>
+  <p:tag name="IGUANATEXSIZE" val="20"/>
+  <p:tag name="IGUANATEXCURSOR" val="181"/>
+  <p:tag name="TRANSPARENCY" val="Wahr"/>
+  <p:tag name="FILENAME" val=""/>
+  <p:tag name="LATEXENGINEID" val="0"/>
+  <p:tag name="TEMPFOLDER" val="c:\temp\"/>
+  <p:tag name="LATEXFORMHEIGHT" val="312"/>
+  <p:tag name="LATEXFORMWIDTH" val="384"/>
+  <p:tag name="LATEXFORMWRAP" val="Wahr"/>
+  <p:tag name="BITMAPVECTOR" val="0"/>
+</p:tagLst>
+</file>
+
+<file path=ppt/tags/tag165.xml><?xml version="1.0" encoding="utf-8"?>
+<p:tagLst xmlns:a="http://schemas.openxmlformats.org/drawingml/2006/main" xmlns:r="http://schemas.openxmlformats.org/officeDocument/2006/relationships" xmlns:p="http://schemas.openxmlformats.org/presentationml/2006/main">
+  <p:tag name="OUTPUTDPI" val="1200"/>
+  <p:tag name="ORIGINALHEIGHT" val="123,7346"/>
+  <p:tag name="ORIGINALWIDTH" val="1284,589"/>
+  <p:tag name="LATEXADDIN" val="\documentclass{article}&#10;\usepackage{amsmath}&#10;\usepackage{color}&#10;\pagestyle{empty}&#10;\begin{document}&#10;%\color{white}&#10;\begin{equation}&#10;\text{BT}\times128\times\text{H}/4\times\text{W}/4&#10;\nonumber&#10;\end{equation}&#10;\end{document}"/>
+  <p:tag name="IGUANATEXSIZE" val="20"/>
+  <p:tag name="IGUANATEXCURSOR" val="181"/>
+  <p:tag name="TRANSPARENCY" val="Wahr"/>
+  <p:tag name="FILENAME" val=""/>
+  <p:tag name="LATEXENGINEID" val="0"/>
+  <p:tag name="TEMPFOLDER" val="c:\temp\"/>
+  <p:tag name="LATEXFORMHEIGHT" val="312"/>
+  <p:tag name="LATEXFORMWIDTH" val="384"/>
+  <p:tag name="LATEXFORMWRAP" val="Wahr"/>
+  <p:tag name="BITMAPVECTOR" val="0"/>
+</p:tagLst>
+</file>
+
+<file path=ppt/tags/tag166.xml><?xml version="1.0" encoding="utf-8"?>
+<p:tagLst xmlns:a="http://schemas.openxmlformats.org/drawingml/2006/main" xmlns:r="http://schemas.openxmlformats.org/officeDocument/2006/relationships" xmlns:p="http://schemas.openxmlformats.org/presentationml/2006/main">
+  <p:tag name="OUTPUTDPI" val="1200"/>
+  <p:tag name="ORIGINALHEIGHT" val="123,7346"/>
+  <p:tag name="ORIGINALWIDTH" val="1284,589"/>
+  <p:tag name="LATEXADDIN" val="\documentclass{article}&#10;\usepackage{amsmath}&#10;\usepackage{color}&#10;\pagestyle{empty}&#10;\begin{document}&#10;%\color{white}&#10;\begin{equation}&#10;\text{BT}\times128\times\text{H}/4\times\text{W}/4&#10;\nonumber&#10;\end{equation}&#10;\end{document}"/>
+  <p:tag name="IGUANATEXSIZE" val="20"/>
+  <p:tag name="IGUANATEXCURSOR" val="181"/>
+  <p:tag name="TRANSPARENCY" val="Wahr"/>
+  <p:tag name="FILENAME" val=""/>
+  <p:tag name="LATEXENGINEID" val="0"/>
+  <p:tag name="TEMPFOLDER" val="c:\temp\"/>
+  <p:tag name="LATEXFORMHEIGHT" val="312"/>
+  <p:tag name="LATEXFORMWIDTH" val="384"/>
+  <p:tag name="LATEXFORMWRAP" val="Wahr"/>
+  <p:tag name="BITMAPVECTOR" val="0"/>
+</p:tagLst>
+</file>
+
+<file path=ppt/tags/tag167.xml><?xml version="1.0" encoding="utf-8"?>
+<p:tagLst xmlns:a="http://schemas.openxmlformats.org/drawingml/2006/main" xmlns:r="http://schemas.openxmlformats.org/officeDocument/2006/relationships" xmlns:p="http://schemas.openxmlformats.org/presentationml/2006/main">
+  <p:tag name="OUTPUTDPI" val="1200"/>
+  <p:tag name="ORIGINALHEIGHT" val="88,48898"/>
+  <p:tag name="ORIGINALWIDTH" val="974,8781"/>
+  <p:tag name="LATEXADDIN" val="\documentclass{article}&#10;\usepackage{amsmath}&#10;\usepackage{color}&#10;\pagestyle{empty}&#10;\begin{document}&#10;%\color{white}&#10;\begin{equation}&#10;\text{BT}\times64\times\text{H}\times\text{W}&#10;\nonumber&#10;\end{equation}&#10;\end{document}"/>
+  <p:tag name="IGUANATEXSIZE" val="20"/>
+  <p:tag name="IGUANATEXCURSOR" val="161"/>
+  <p:tag name="TRANSPARENCY" val="Wahr"/>
+  <p:tag name="FILENAME" val=""/>
+  <p:tag name="LATEXENGINEID" val="0"/>
+  <p:tag name="TEMPFOLDER" val="c:\temp\"/>
+  <p:tag name="LATEXFORMHEIGHT" val="312"/>
+  <p:tag name="LATEXFORMWIDTH" val="384"/>
+  <p:tag name="LATEXFORMWRAP" val="Wahr"/>
+  <p:tag name="BITMAPVECTOR" val="0"/>
+</p:tagLst>
+</file>
+
+<file path=ppt/tags/tag168.xml><?xml version="1.0" encoding="utf-8"?>
+<p:tagLst xmlns:a="http://schemas.openxmlformats.org/drawingml/2006/main" xmlns:r="http://schemas.openxmlformats.org/officeDocument/2006/relationships" xmlns:p="http://schemas.openxmlformats.org/presentationml/2006/main">
+  <p:tag name="OUTPUTDPI" val="1200"/>
+  <p:tag name="ORIGINALHEIGHT" val="88,48898"/>
+  <p:tag name="ORIGINALWIDTH" val="974,8781"/>
+  <p:tag name="LATEXADDIN" val="\documentclass{article}&#10;\usepackage{amsmath}&#10;\usepackage{color}&#10;\pagestyle{empty}&#10;\begin{document}&#10;%\color{white}&#10;\begin{equation}&#10;\text{BT}\times64\times\text{H}\times\text{W}&#10;\nonumber&#10;\end{equation}&#10;\end{document}"/>
+  <p:tag name="IGUANATEXSIZE" val="20"/>
+  <p:tag name="IGUANATEXCURSOR" val="161"/>
+  <p:tag name="TRANSPARENCY" val="Wahr"/>
+  <p:tag name="FILENAME" val=""/>
+  <p:tag name="LATEXENGINEID" val="0"/>
+  <p:tag name="TEMPFOLDER" val="c:\temp\"/>
+  <p:tag name="LATEXFORMHEIGHT" val="312"/>
+  <p:tag name="LATEXFORMWIDTH" val="384"/>
+  <p:tag name="LATEXFORMWRAP" val="Wahr"/>
+  <p:tag name="BITMAPVECTOR" val="0"/>
+</p:tagLst>
+</file>
+
+<file path=ppt/tags/tag169.xml><?xml version="1.0" encoding="utf-8"?>
+<p:tagLst xmlns:a="http://schemas.openxmlformats.org/drawingml/2006/main" xmlns:r="http://schemas.openxmlformats.org/officeDocument/2006/relationships" xmlns:p="http://schemas.openxmlformats.org/presentationml/2006/main">
+  <p:tag name="OUTPUTDPI" val="1200"/>
+  <p:tag name="ORIGINALHEIGHT" val="88,48898"/>
+  <p:tag name="ORIGINALWIDTH" val="911,886"/>
+  <p:tag name="LATEXADDIN" val="\documentclass{article}&#10;\usepackage{amsmath}&#10;\usepackage{color}&#10;\pagestyle{empty}&#10;\begin{document}&#10;%\color{white}&#10;\begin{equation}&#10;\text{BT}\times4\times\text{H}\times\text{W}&#10;\nonumber&#10;\end{equation}&#10;\end{document}"/>
+  <p:tag name="IGUANATEXSIZE" val="20"/>
+  <p:tag name="IGUANATEXCURSOR" val="174"/>
   <p:tag name="TRANSPARENCY" val="Wahr"/>
   <p:tag name="FILENAME" val=""/>
   <p:tag name="LATEXENGINEID" val="0"/>
@@ -28582,14 +31842,33 @@
 </p:tagLst>
 </file>
 
+<file path=ppt/tags/tag170.xml><?xml version="1.0" encoding="utf-8"?>
+<p:tagLst xmlns:a="http://schemas.openxmlformats.org/drawingml/2006/main" xmlns:r="http://schemas.openxmlformats.org/officeDocument/2006/relationships" xmlns:p="http://schemas.openxmlformats.org/presentationml/2006/main">
+  <p:tag name="OUTPUTDPI" val="1200"/>
+  <p:tag name="ORIGINALHEIGHT" val="88,48898"/>
+  <p:tag name="ORIGINALWIDTH" val="911,886"/>
+  <p:tag name="LATEXADDIN" val="\documentclass{article}&#10;\usepackage{amsmath}&#10;\usepackage{color}&#10;\pagestyle{empty}&#10;\begin{document}&#10;%\color{white}&#10;\begin{equation}&#10;\text{BT}\times4\times\text{H}\times\text{W}&#10;\nonumber&#10;\end{equation}&#10;\end{document}"/>
+  <p:tag name="IGUANATEXSIZE" val="20"/>
+  <p:tag name="IGUANATEXCURSOR" val="175"/>
+  <p:tag name="TRANSPARENCY" val="Wahr"/>
+  <p:tag name="FILENAME" val=""/>
+  <p:tag name="LATEXENGINEID" val="0"/>
+  <p:tag name="TEMPFOLDER" val="c:\temp\"/>
+  <p:tag name="LATEXFORMHEIGHT" val="312"/>
+  <p:tag name="LATEXFORMWIDTH" val="384"/>
+  <p:tag name="LATEXFORMWRAP" val="Wahr"/>
+  <p:tag name="BITMAPVECTOR" val="0"/>
+</p:tagLst>
+</file>
+
 <file path=ppt/tags/tag18.xml><?xml version="1.0" encoding="utf-8"?>
 <p:tagLst xmlns:a="http://schemas.openxmlformats.org/drawingml/2006/main" xmlns:r="http://schemas.openxmlformats.org/officeDocument/2006/relationships" xmlns:p="http://schemas.openxmlformats.org/presentationml/2006/main">
   <p:tag name="OUTPUTDPI" val="1200"/>
-  <p:tag name="ORIGINALHEIGHT" val="113,9857"/>
-  <p:tag name="ORIGINALWIDTH" val="837,6453"/>
-  <p:tag name="LATEXADDIN" val="\documentclass{article}&#10;\usepackage{amsmath}&#10;\usepackage{color}&#10;\pagestyle{empty}&#10;\begin{document}&#10;%\color{white}&#10;Artificial Agent&#10;\end{document}"/>
+  <p:tag name="ORIGINALHEIGHT" val="149,9813"/>
+  <p:tag name="ORIGINALWIDTH" val="632,171"/>
+  <p:tag name="LATEXADDIN" val="\documentclass{article}&#10;\usepackage{amsmath}&#10;\usepackage{bm}&#10;\usepackage{color}&#10;\pagestyle{empty}&#10;\begin{document}&#10;\begin{equation}&#10;\bm{v}=\begin{pmatrix}&#10;v_x \&#10;\omega_z&#10;\end{pmatrix}&#10;\nonumber&#10;\end{equation}&#10;\end{document}"/>
   <p:tag name="IGUANATEXSIZE" val="20"/>
-  <p:tag name="IGUANATEXCURSOR" val="130"/>
+  <p:tag name="IGUANATEXCURSOR" val="60"/>
   <p:tag name="TRANSPARENCY" val="Wahr"/>
   <p:tag name="FILENAME" val=""/>
   <p:tag name="LATEXENGINEID" val="0"/>
@@ -28604,11 +31883,11 @@
 <file path=ppt/tags/tag19.xml><?xml version="1.0" encoding="utf-8"?>
 <p:tagLst xmlns:a="http://schemas.openxmlformats.org/drawingml/2006/main" xmlns:r="http://schemas.openxmlformats.org/officeDocument/2006/relationships" xmlns:p="http://schemas.openxmlformats.org/presentationml/2006/main">
   <p:tag name="OUTPUTDPI" val="1200"/>
-  <p:tag name="ORIGINALHEIGHT" val="87,73905"/>
-  <p:tag name="ORIGINALWIDTH" val="678,6652"/>
-  <p:tag name="LATEXADDIN" val="\documentclass{article}&#10;\usepackage{amsmath}&#10;\usepackage{color}&#10;\pagestyle{empty}&#10;\begin{document}&#10;%\color{white}&#10;Human User&#10;\end{document}"/>
+  <p:tag name="ORIGINALHEIGHT" val="113,9857"/>
+  <p:tag name="ORIGINALWIDTH" val="837,6453"/>
+  <p:tag name="LATEXADDIN" val="\documentclass{article}&#10;\usepackage{amsmath}&#10;\usepackage{color}&#10;\pagestyle{empty}&#10;\begin{document}&#10;%\color{white}&#10;Artificial Agent&#10;\end{document}"/>
   <p:tag name="IGUANATEXSIZE" val="20"/>
-  <p:tag name="IGUANATEXCURSOR" val="124"/>
+  <p:tag name="IGUANATEXCURSOR" val="130"/>
   <p:tag name="TRANSPARENCY" val="Wahr"/>
   <p:tag name="FILENAME" val=""/>
   <p:tag name="LATEXENGINEID" val="0"/>
@@ -28642,6 +31921,25 @@
 <file path=ppt/tags/tag20.xml><?xml version="1.0" encoding="utf-8"?>
 <p:tagLst xmlns:a="http://schemas.openxmlformats.org/drawingml/2006/main" xmlns:r="http://schemas.openxmlformats.org/officeDocument/2006/relationships" xmlns:p="http://schemas.openxmlformats.org/presentationml/2006/main">
   <p:tag name="OUTPUTDPI" val="1200"/>
+  <p:tag name="ORIGINALHEIGHT" val="87,73905"/>
+  <p:tag name="ORIGINALWIDTH" val="678,6652"/>
+  <p:tag name="LATEXADDIN" val="\documentclass{article}&#10;\usepackage{amsmath}&#10;\usepackage{color}&#10;\pagestyle{empty}&#10;\begin{document}&#10;%\color{white}&#10;Human User&#10;\end{document}"/>
+  <p:tag name="IGUANATEXSIZE" val="20"/>
+  <p:tag name="IGUANATEXCURSOR" val="124"/>
+  <p:tag name="TRANSPARENCY" val="Wahr"/>
+  <p:tag name="FILENAME" val=""/>
+  <p:tag name="LATEXENGINEID" val="0"/>
+  <p:tag name="TEMPFOLDER" val="c:\temp\"/>
+  <p:tag name="LATEXFORMHEIGHT" val="312"/>
+  <p:tag name="LATEXFORMWIDTH" val="384"/>
+  <p:tag name="LATEXFORMWRAP" val="Wahr"/>
+  <p:tag name="BITMAPVECTOR" val="0"/>
+</p:tagLst>
+</file>
+
+<file path=ppt/tags/tag21.xml><?xml version="1.0" encoding="utf-8"?>
+<p:tagLst xmlns:a="http://schemas.openxmlformats.org/drawingml/2006/main" xmlns:r="http://schemas.openxmlformats.org/officeDocument/2006/relationships" xmlns:p="http://schemas.openxmlformats.org/presentationml/2006/main">
+  <p:tag name="OUTPUTDPI" val="1200"/>
   <p:tag name="ORIGINALHEIGHT" val="90,73866"/>
   <p:tag name="ORIGINALWIDTH" val="597,6753"/>
   <p:tag name="LATEXADDIN" val="\documentclass{article}&#10;\usepackage{amsmath}&#10;\usepackage{color}&#10;\pagestyle{empty}&#10;\begin{document}&#10;%\color{white}&#10;Commands&#10;\end{document}"/>
@@ -28658,33 +31956,14 @@
 </p:tagLst>
 </file>
 
-<file path=ppt/tags/tag21.xml><?xml version="1.0" encoding="utf-8"?>
-<p:tagLst xmlns:a="http://schemas.openxmlformats.org/drawingml/2006/main" xmlns:r="http://schemas.openxmlformats.org/officeDocument/2006/relationships" xmlns:p="http://schemas.openxmlformats.org/presentationml/2006/main">
-  <p:tag name="OUTPUTDPI" val="1200"/>
-  <p:tag name="ORIGINALHEIGHT" val="112,4859"/>
-  <p:tag name="ORIGINALWIDTH" val="952,3809"/>
-  <p:tag name="LATEXADDIN" val="\documentclass{article}&#10;\usepackage{amsmath}&#10;\usepackage{color}&#10;\pagestyle{empty}&#10;\begin{document}&#10;%\color{white}&#10;Sensory Feedback&#10;\end{document}"/>
-  <p:tag name="IGUANATEXSIZE" val="20"/>
-  <p:tag name="IGUANATEXCURSOR" val="130"/>
-  <p:tag name="TRANSPARENCY" val="Wahr"/>
-  <p:tag name="FILENAME" val=""/>
-  <p:tag name="LATEXENGINEID" val="0"/>
-  <p:tag name="TEMPFOLDER" val="c:\temp\"/>
-  <p:tag name="LATEXFORMHEIGHT" val="312"/>
-  <p:tag name="LATEXFORMWIDTH" val="384"/>
-  <p:tag name="LATEXFORMWRAP" val="Wahr"/>
-  <p:tag name="BITMAPVECTOR" val="0"/>
-</p:tagLst>
-</file>
-
 <file path=ppt/tags/tag22.xml><?xml version="1.0" encoding="utf-8"?>
 <p:tagLst xmlns:a="http://schemas.openxmlformats.org/drawingml/2006/main" xmlns:r="http://schemas.openxmlformats.org/officeDocument/2006/relationships" xmlns:p="http://schemas.openxmlformats.org/presentationml/2006/main">
   <p:tag name="OUTPUTDPI" val="1200"/>
-  <p:tag name="ORIGINALHEIGHT" val="111,7361"/>
-  <p:tag name="ORIGINALWIDTH" val="1127,109"/>
-  <p:tag name="LATEXADDIN" val="\documentclass{article}&#10;\usepackage{amsmath}&#10;\usepackage{color}&#10;\pagestyle{empty}&#10;\begin{document}&#10;%\color{white}&#10;Walking Trajectories&#10;\end{document}"/>
+  <p:tag name="ORIGINALHEIGHT" val="90,73866"/>
+  <p:tag name="ORIGINALWIDTH" val="798,6501"/>
+  <p:tag name="LATEXADDIN" val="\documentclass{article}&#10;\usepackage{amsmath}&#10;\usepackage{color}&#10;\pagestyle{empty}&#10;\begin{document}&#10;%\color{white}&#10;CoM Feedback&#10;\end{document}"/>
   <p:tag name="IGUANATEXSIZE" val="20"/>
-  <p:tag name="IGUANATEXCURSOR" val="134"/>
+  <p:tag name="IGUANATEXCURSOR" val="117"/>
   <p:tag name="TRANSPARENCY" val="Wahr"/>
   <p:tag name="FILENAME" val=""/>
   <p:tag name="LATEXENGINEID" val="0"/>
@@ -28697,6 +31976,82 @@
 </file>
 
 <file path=ppt/tags/tag23.xml><?xml version="1.0" encoding="utf-8"?>
+<p:tagLst xmlns:a="http://schemas.openxmlformats.org/drawingml/2006/main" xmlns:r="http://schemas.openxmlformats.org/officeDocument/2006/relationships" xmlns:p="http://schemas.openxmlformats.org/presentationml/2006/main">
+  <p:tag name="OUTPUTDPI" val="1200"/>
+  <p:tag name="ORIGINALHEIGHT" val="110,9861"/>
+  <p:tag name="ORIGINALWIDTH" val="1066,367"/>
+  <p:tag name="LATEXADDIN" val="\documentclass{article}&#10;\usepackage{amsmath}&#10;\usepackage{bm}&#10;\usepackage{color}&#10;\pagestyle{empty}&#10;\begin{document}&#10;%\color{white}&#10;Joint Trajectories $\bm{q}$&#10;\end{document}"/>
+  <p:tag name="IGUANATEXSIZE" val="20"/>
+  <p:tag name="IGUANATEXCURSOR" val="54"/>
+  <p:tag name="TRANSPARENCY" val="Wahr"/>
+  <p:tag name="FILENAME" val=""/>
+  <p:tag name="LATEXENGINEID" val="0"/>
+  <p:tag name="TEMPFOLDER" val="c:\temp\"/>
+  <p:tag name="LATEXFORMHEIGHT" val="312"/>
+  <p:tag name="LATEXFORMWIDTH" val="384"/>
+  <p:tag name="LATEXFORMWRAP" val="Wahr"/>
+  <p:tag name="BITMAPVECTOR" val="0"/>
+</p:tagLst>
+</file>
+
+<file path=ppt/tags/tag24.xml><?xml version="1.0" encoding="utf-8"?>
+<p:tagLst xmlns:a="http://schemas.openxmlformats.org/drawingml/2006/main" xmlns:r="http://schemas.openxmlformats.org/officeDocument/2006/relationships" xmlns:p="http://schemas.openxmlformats.org/presentationml/2006/main">
+  <p:tag name="OUTPUTDPI" val="1200"/>
+  <p:tag name="ORIGINALHEIGHT" val="90,73866"/>
+  <p:tag name="ORIGINALWIDTH" val="640,4199"/>
+  <p:tag name="LATEXADDIN" val="\documentclass{article}&#10;\usepackage{amsmath}&#10;\usepackage{color}&#10;\pagestyle{empty}&#10;\begin{document}&#10;%\color{white}&#10;Stereo RGB&#10;\end{document}"/>
+  <p:tag name="IGUANATEXSIZE" val="20"/>
+  <p:tag name="IGUANATEXCURSOR" val="120"/>
+  <p:tag name="TRANSPARENCY" val="Wahr"/>
+  <p:tag name="FILENAME" val=""/>
+  <p:tag name="LATEXENGINEID" val="0"/>
+  <p:tag name="TEMPFOLDER" val="c:\temp\"/>
+  <p:tag name="LATEXFORMHEIGHT" val="312"/>
+  <p:tag name="LATEXFORMWIDTH" val="384"/>
+  <p:tag name="LATEXFORMWRAP" val="Wahr"/>
+  <p:tag name="BITMAPVECTOR" val="0"/>
+</p:tagLst>
+</file>
+
+<file path=ppt/tags/tag25.xml><?xml version="1.0" encoding="utf-8"?>
+<p:tagLst xmlns:a="http://schemas.openxmlformats.org/drawingml/2006/main" xmlns:r="http://schemas.openxmlformats.org/officeDocument/2006/relationships" xmlns:p="http://schemas.openxmlformats.org/presentationml/2006/main">
+  <p:tag name="OUTPUTDPI" val="1200"/>
+  <p:tag name="ORIGINALHEIGHT" val="90,73866"/>
+  <p:tag name="ORIGINALWIDTH" val="831,6461"/>
+  <p:tag name="LATEXADDIN" val="\documentclass{article}&#10;\usepackage{amsmath}&#10;\usepackage{color}&#10;\pagestyle{empty}&#10;\begin{document}&#10;NMPC Pattern&#10;\end{document}"/>
+  <p:tag name="IGUANATEXSIZE" val="20"/>
+  <p:tag name="IGUANATEXCURSOR" val="104"/>
+  <p:tag name="TRANSPARENCY" val="Wahr"/>
+  <p:tag name="FILENAME" val=""/>
+  <p:tag name="LATEXENGINEID" val="0"/>
+  <p:tag name="TEMPFOLDER" val="c:\temp\"/>
+  <p:tag name="LATEXFORMHEIGHT" val="312"/>
+  <p:tag name="LATEXFORMWIDTH" val="384"/>
+  <p:tag name="LATEXFORMWRAP" val="Wahr"/>
+  <p:tag name="BITMAPVECTOR" val="0"/>
+</p:tagLst>
+</file>
+
+<file path=ppt/tags/tag26.xml><?xml version="1.0" encoding="utf-8"?>
+<p:tagLst xmlns:a="http://schemas.openxmlformats.org/drawingml/2006/main" xmlns:r="http://schemas.openxmlformats.org/officeDocument/2006/relationships" xmlns:p="http://schemas.openxmlformats.org/presentationml/2006/main">
+  <p:tag name="OUTPUTDPI" val="1200"/>
+  <p:tag name="ORIGINALHEIGHT" val="90,73866"/>
+  <p:tag name="ORIGINALWIDTH" val="593,9257"/>
+  <p:tag name="LATEXADDIN" val="\documentclass{article}&#10;\usepackage{amsmath}&#10;\usepackage{color}&#10;\pagestyle{empty}&#10;\begin{document}&#10;Generation&#10;\end{document}"/>
+  <p:tag name="IGUANATEXSIZE" val="20"/>
+  <p:tag name="IGUANATEXCURSOR" val="98"/>
+  <p:tag name="TRANSPARENCY" val="Wahr"/>
+  <p:tag name="FILENAME" val=""/>
+  <p:tag name="LATEXENGINEID" val="0"/>
+  <p:tag name="TEMPFOLDER" val="c:\temp\"/>
+  <p:tag name="LATEXFORMHEIGHT" val="312"/>
+  <p:tag name="LATEXFORMWIDTH" val="384"/>
+  <p:tag name="LATEXFORMWRAP" val="Wahr"/>
+  <p:tag name="BITMAPVECTOR" val="0"/>
+</p:tagLst>
+</file>
+
+<file path=ppt/tags/tag27.xml><?xml version="1.0" encoding="utf-8"?>
 <p:tagLst xmlns:a="http://schemas.openxmlformats.org/drawingml/2006/main" xmlns:r="http://schemas.openxmlformats.org/officeDocument/2006/relationships" xmlns:p="http://schemas.openxmlformats.org/presentationml/2006/main">
   <p:tag name="OUTPUTDPI" val="1200"/>
   <p:tag name="ORIGINALHEIGHT" val="88,48898"/>
@@ -28715,90 +32070,14 @@
 </p:tagLst>
 </file>
 
-<file path=ppt/tags/tag24.xml><?xml version="1.0" encoding="utf-8"?>
-<p:tagLst xmlns:a="http://schemas.openxmlformats.org/drawingml/2006/main" xmlns:r="http://schemas.openxmlformats.org/officeDocument/2006/relationships" xmlns:p="http://schemas.openxmlformats.org/presentationml/2006/main">
-  <p:tag name="OUTPUTDPI" val="1200"/>
-  <p:tag name="ORIGINALHEIGHT" val="86,23921"/>
-  <p:tag name="ORIGINALWIDTH" val="407,949"/>
-  <p:tag name="LATEXADDIN" val="\documentclass{article}&#10;\usepackage{amsmath}&#10;\usepackage{color}&#10;\pagestyle{empty}&#10;\begin{document}&#10;Pattern&#10;\end{document}"/>
-  <p:tag name="IGUANATEXSIZE" val="20"/>
-  <p:tag name="IGUANATEXCURSOR" val="98"/>
-  <p:tag name="TRANSPARENCY" val="Wahr"/>
-  <p:tag name="FILENAME" val=""/>
-  <p:tag name="LATEXENGINEID" val="0"/>
-  <p:tag name="TEMPFOLDER" val="c:\temp\"/>
-  <p:tag name="LATEXFORMHEIGHT" val="312"/>
-  <p:tag name="LATEXFORMWIDTH" val="384"/>
-  <p:tag name="LATEXFORMWRAP" val="Wahr"/>
-  <p:tag name="BITMAPVECTOR" val="0"/>
-</p:tagLst>
-</file>
-
-<file path=ppt/tags/tag25.xml><?xml version="1.0" encoding="utf-8"?>
-<p:tagLst xmlns:a="http://schemas.openxmlformats.org/drawingml/2006/main" xmlns:r="http://schemas.openxmlformats.org/officeDocument/2006/relationships" xmlns:p="http://schemas.openxmlformats.org/presentationml/2006/main">
-  <p:tag name="OUTPUTDPI" val="1200"/>
-  <p:tag name="ORIGINALHEIGHT" val="90,73866"/>
-  <p:tag name="ORIGINALWIDTH" val="593,9257"/>
-  <p:tag name="LATEXADDIN" val="\documentclass{article}&#10;\usepackage{amsmath}&#10;\usepackage{color}&#10;\pagestyle{empty}&#10;\begin{document}&#10;Generation&#10;\end{document}"/>
-  <p:tag name="IGUANATEXSIZE" val="20"/>
-  <p:tag name="IGUANATEXCURSOR" val="98"/>
-  <p:tag name="TRANSPARENCY" val="Wahr"/>
-  <p:tag name="FILENAME" val=""/>
-  <p:tag name="LATEXENGINEID" val="0"/>
-  <p:tag name="TEMPFOLDER" val="c:\temp\"/>
-  <p:tag name="LATEXFORMHEIGHT" val="312"/>
-  <p:tag name="LATEXFORMWIDTH" val="384"/>
-  <p:tag name="LATEXFORMWRAP" val="Wahr"/>
-  <p:tag name="BITMAPVECTOR" val="0"/>
-</p:tagLst>
-</file>
-
-<file path=ppt/tags/tag26.xml><?xml version="1.0" encoding="utf-8"?>
-<p:tagLst xmlns:a="http://schemas.openxmlformats.org/drawingml/2006/main" xmlns:r="http://schemas.openxmlformats.org/officeDocument/2006/relationships" xmlns:p="http://schemas.openxmlformats.org/presentationml/2006/main">
-  <p:tag name="OUTPUTDPI" val="1200"/>
-  <p:tag name="ORIGINALHEIGHT" val="88,48898"/>
-  <p:tag name="ORIGINALWIDTH" val="880,3899"/>
-  <p:tag name="LATEXADDIN" val="\documentclass{article}&#10;\usepackage{amsmath}&#10;\usepackage{color}&#10;\pagestyle{empty}&#10;\begin{document}&#10;%\color{white}&#10;Visual Feedback&#10;\end{document}"/>
-  <p:tag name="IGUANATEXSIZE" val="20"/>
-  <p:tag name="IGUANATEXCURSOR" val="129"/>
-  <p:tag name="TRANSPARENCY" val="Wahr"/>
-  <p:tag name="FILENAME" val=""/>
-  <p:tag name="LATEXENGINEID" val="0"/>
-  <p:tag name="TEMPFOLDER" val="c:\temp\"/>
-  <p:tag name="LATEXFORMHEIGHT" val="312"/>
-  <p:tag name="LATEXFORMWIDTH" val="384"/>
-  <p:tag name="LATEXFORMWRAP" val="Wahr"/>
-  <p:tag name="BITMAPVECTOR" val="0"/>
-</p:tagLst>
-</file>
-
-<file path=ppt/tags/tag27.xml><?xml version="1.0" encoding="utf-8"?>
+<file path=ppt/tags/tag28.xml><?xml version="1.0" encoding="utf-8"?>
 <p:tagLst xmlns:a="http://schemas.openxmlformats.org/drawingml/2006/main" xmlns:r="http://schemas.openxmlformats.org/officeDocument/2006/relationships" xmlns:p="http://schemas.openxmlformats.org/presentationml/2006/main">
   <p:tag name="OUTPUTDPI" val="1200"/>
   <p:tag name="ORIGINALHEIGHT" val="113,9857"/>
-  <p:tag name="ORIGINALWIDTH" val="1166,104"/>
-  <p:tag name="LATEXADDIN" val="\documentclass{article}&#10;\usepackage{amsmath}&#10;\usepackage{color}&#10;\pagestyle{empty}&#10;\begin{document}&#10;%\color{white}&#10;Joint Angle Feedback&#10;\end{document}"/>
+  <p:tag name="ORIGINALWIDTH" val="837,6453"/>
+  <p:tag name="LATEXADDIN" val="\documentclass{article}&#10;\usepackage{amsmath}&#10;\usepackage{color}&#10;\pagestyle{empty}&#10;\begin{document}&#10;%\color{white}&#10;Artificial Agent&#10;\end{document}"/>
   <p:tag name="IGUANATEXSIZE" val="20"/>
-  <p:tag name="IGUANATEXCURSOR" val="134"/>
-  <p:tag name="TRANSPARENCY" val="Wahr"/>
-  <p:tag name="FILENAME" val=""/>
-  <p:tag name="LATEXENGINEID" val="0"/>
-  <p:tag name="TEMPFOLDER" val="c:\temp\"/>
-  <p:tag name="LATEXFORMHEIGHT" val="312"/>
-  <p:tag name="LATEXFORMWIDTH" val="384"/>
-  <p:tag name="LATEXFORMWRAP" val="Wahr"/>
-  <p:tag name="BITMAPVECTOR" val="0"/>
-</p:tagLst>
-</file>
-
-<file path=ppt/tags/tag28.xml><?xml version="1.0" encoding="utf-8"?>
-<p:tagLst xmlns:a="http://schemas.openxmlformats.org/drawingml/2006/main" xmlns:r="http://schemas.openxmlformats.org/officeDocument/2006/relationships" xmlns:p="http://schemas.openxmlformats.org/presentationml/2006/main">
-  <p:tag name="OUTPUTDPI" val="1200"/>
-  <p:tag name="ORIGINALHEIGHT" val="111,7361"/>
-  <p:tag name="ORIGINALWIDTH" val="1127,109"/>
-  <p:tag name="LATEXADDIN" val="\documentclass{article}&#10;\usepackage{amsmath}&#10;\usepackage{color}&#10;\pagestyle{empty}&#10;\begin{document}&#10;%\color{white}&#10;Walking Trajectories&#10;\end{document}"/>
-  <p:tag name="IGUANATEXSIZE" val="20"/>
-  <p:tag name="IGUANATEXCURSOR" val="134"/>
+  <p:tag name="IGUANATEXCURSOR" val="130"/>
   <p:tag name="TRANSPARENCY" val="Wahr"/>
   <p:tag name="FILENAME" val=""/>
   <p:tag name="LATEXENGINEID" val="0"/>
@@ -28813,11 +32092,11 @@
 <file path=ppt/tags/tag29.xml><?xml version="1.0" encoding="utf-8"?>
 <p:tagLst xmlns:a="http://schemas.openxmlformats.org/drawingml/2006/main" xmlns:r="http://schemas.openxmlformats.org/officeDocument/2006/relationships" xmlns:p="http://schemas.openxmlformats.org/presentationml/2006/main">
   <p:tag name="OUTPUTDPI" val="1200"/>
-  <p:tag name="ORIGINALHEIGHT" val="113,9857"/>
-  <p:tag name="ORIGINALWIDTH" val="1121,11"/>
-  <p:tag name="LATEXADDIN" val="\documentclass{article}&#10;\usepackage{amsmath}&#10;\usepackage{color}&#10;\pagestyle{empty}&#10;\begin{document}&#10;%\color{white}&#10;Desired Joint Angles&#10;\end{document}"/>
+  <p:tag name="ORIGINALHEIGHT" val="87,73905"/>
+  <p:tag name="ORIGINALWIDTH" val="678,6652"/>
+  <p:tag name="LATEXADDIN" val="\documentclass{article}&#10;\usepackage{amsmath}&#10;\usepackage{color}&#10;\pagestyle{empty}&#10;\begin{document}&#10;%\color{white}&#10;Human User&#10;\end{document}"/>
   <p:tag name="IGUANATEXSIZE" val="20"/>
-  <p:tag name="IGUANATEXCURSOR" val="122"/>
+  <p:tag name="IGUANATEXCURSOR" val="124"/>
   <p:tag name="TRANSPARENCY" val="Wahr"/>
   <p:tag name="FILENAME" val=""/>
   <p:tag name="LATEXENGINEID" val="0"/>
@@ -28870,11 +32149,11 @@
 <file path=ppt/tags/tag31.xml><?xml version="1.0" encoding="utf-8"?>
 <p:tagLst xmlns:a="http://schemas.openxmlformats.org/drawingml/2006/main" xmlns:r="http://schemas.openxmlformats.org/officeDocument/2006/relationships" xmlns:p="http://schemas.openxmlformats.org/presentationml/2006/main">
   <p:tag name="OUTPUTDPI" val="1200"/>
-  <p:tag name="ORIGINALHEIGHT" val="90,73866"/>
-  <p:tag name="ORIGINALWIDTH" val="798,6501"/>
-  <p:tag name="LATEXADDIN" val="\documentclass{article}&#10;\usepackage{amsmath}&#10;\usepackage{color}&#10;\pagestyle{empty}&#10;\begin{document}&#10;%\color{white}&#10;CoM Feedback&#10;\end{document}"/>
+  <p:tag name="ORIGINALHEIGHT" val="112,4859"/>
+  <p:tag name="ORIGINALWIDTH" val="952,3809"/>
+  <p:tag name="LATEXADDIN" val="\documentclass{article}&#10;\usepackage{amsmath}&#10;\usepackage{color}&#10;\pagestyle{empty}&#10;\begin{document}&#10;%\color{white}&#10;Sensory Feedback&#10;\end{document}"/>
   <p:tag name="IGUANATEXSIZE" val="20"/>
-  <p:tag name="IGUANATEXCURSOR" val="126"/>
+  <p:tag name="IGUANATEXCURSOR" val="130"/>
   <p:tag name="TRANSPARENCY" val="Wahr"/>
   <p:tag name="FILENAME" val=""/>
   <p:tag name="LATEXENGINEID" val="0"/>
@@ -28890,10 +32169,10 @@
 <p:tagLst xmlns:a="http://schemas.openxmlformats.org/drawingml/2006/main" xmlns:r="http://schemas.openxmlformats.org/officeDocument/2006/relationships" xmlns:p="http://schemas.openxmlformats.org/presentationml/2006/main">
   <p:tag name="OUTPUTDPI" val="1200"/>
   <p:tag name="ORIGINALHEIGHT" val="111,7361"/>
-  <p:tag name="ORIGINALWIDTH" val="1211,099"/>
-  <p:tag name="LATEXADDIN" val="\documentclass{article}&#10;\usepackage{amsmath}&#10;\usepackage{color}&#10;\pagestyle{empty}&#10;\begin{document}&#10;%\color{white}&#10;Interpolated CoM and&#10;\end{document}"/>
+  <p:tag name="ORIGINALWIDTH" val="1127,109"/>
+  <p:tag name="LATEXADDIN" val="\documentclass{article}&#10;\usepackage{amsmath}&#10;\usepackage{color}&#10;\pagestyle{empty}&#10;\begin{document}&#10;%\color{white}&#10;Walking Trajectories&#10;\end{document}"/>
   <p:tag name="IGUANATEXSIZE" val="20"/>
-  <p:tag name="IGUANATEXCURSOR" val="126"/>
+  <p:tag name="IGUANATEXCURSOR" val="134"/>
   <p:tag name="TRANSPARENCY" val="Wahr"/>
   <p:tag name="FILENAME" val=""/>
   <p:tag name="LATEXENGINEID" val="0"/>
@@ -28908,11 +32187,11 @@
 <file path=ppt/tags/tag33.xml><?xml version="1.0" encoding="utf-8"?>
 <p:tagLst xmlns:a="http://schemas.openxmlformats.org/drawingml/2006/main" xmlns:r="http://schemas.openxmlformats.org/officeDocument/2006/relationships" xmlns:p="http://schemas.openxmlformats.org/presentationml/2006/main">
   <p:tag name="OUTPUTDPI" val="1200"/>
-  <p:tag name="ORIGINALHEIGHT" val="87,73905"/>
-  <p:tag name="ORIGINALWIDTH" val="997,3754"/>
-  <p:tag name="LATEXADDIN" val="\documentclass{article}&#10;\usepackage{amsmath}&#10;\usepackage{color}&#10;\pagestyle{empty}&#10;\begin{document}&#10;%\color{white}&#10;Feet Positions and&#10;\end{document}"/>
+  <p:tag name="ORIGINALHEIGHT" val="88,48898"/>
+  <p:tag name="ORIGINALWIDTH" val="880,3899"/>
+  <p:tag name="LATEXADDIN" val="\documentclass{article}&#10;\usepackage{amsmath}&#10;\usepackage{color}&#10;\pagestyle{empty}&#10;\begin{document}&#10;%\color{white}&#10;Visual Feedback&#10;\end{document}"/>
   <p:tag name="IGUANATEXSIZE" val="20"/>
-  <p:tag name="IGUANATEXCURSOR" val="132"/>
+  <p:tag name="IGUANATEXCURSOR" val="129"/>
   <p:tag name="TRANSPARENCY" val="Wahr"/>
   <p:tag name="FILENAME" val=""/>
   <p:tag name="LATEXENGINEID" val="0"/>
@@ -28927,11 +32206,11 @@
 <file path=ppt/tags/tag34.xml><?xml version="1.0" encoding="utf-8"?>
 <p:tagLst xmlns:a="http://schemas.openxmlformats.org/drawingml/2006/main" xmlns:r="http://schemas.openxmlformats.org/officeDocument/2006/relationships" xmlns:p="http://schemas.openxmlformats.org/presentationml/2006/main">
   <p:tag name="OUTPUTDPI" val="1200"/>
-  <p:tag name="ORIGINALHEIGHT" val="90,73866"/>
-  <p:tag name="ORIGINALWIDTH" val="665,1669"/>
-  <p:tag name="LATEXADDIN" val="\documentclass{article}&#10;\usepackage{amsmath}&#10;\usepackage{color}&#10;\pagestyle{empty}&#10;\begin{document}&#10;%\color{white}&#10;Orientations&#10;\end{document}"/>
+  <p:tag name="ORIGINALHEIGHT" val="86,23921"/>
+  <p:tag name="ORIGINALWIDTH" val="407,949"/>
+  <p:tag name="LATEXADDIN" val="\documentclass{article}&#10;\usepackage{amsmath}&#10;\usepackage{color}&#10;\pagestyle{empty}&#10;\begin{document}&#10;Pattern&#10;\end{document}"/>
   <p:tag name="IGUANATEXSIZE" val="20"/>
-  <p:tag name="IGUANATEXCURSOR" val="126"/>
+  <p:tag name="IGUANATEXCURSOR" val="98"/>
   <p:tag name="TRANSPARENCY" val="Wahr"/>
   <p:tag name="FILENAME" val=""/>
   <p:tag name="LATEXENGINEID" val="0"/>
@@ -28947,10 +32226,10 @@
 <p:tagLst xmlns:a="http://schemas.openxmlformats.org/drawingml/2006/main" xmlns:r="http://schemas.openxmlformats.org/officeDocument/2006/relationships" xmlns:p="http://schemas.openxmlformats.org/presentationml/2006/main">
   <p:tag name="OUTPUTDPI" val="1200"/>
   <p:tag name="ORIGINALHEIGHT" val="90,73866"/>
-  <p:tag name="ORIGINALWIDTH" val="950,1313"/>
-  <p:tag name="LATEXADDIN" val="\documentclass{article}&#10;\usepackage{amsmath}&#10;\usepackage{color}&#10;\pagestyle{empty}&#10;\begin{document}&#10;%\color{white}&#10;Desired CoM and&#10;\end{document}"/>
+  <p:tag name="ORIGINALWIDTH" val="593,9257"/>
+  <p:tag name="LATEXADDIN" val="\documentclass{article}&#10;\usepackage{amsmath}&#10;\usepackage{color}&#10;\pagestyle{empty}&#10;\begin{document}&#10;Generation&#10;\end{document}"/>
   <p:tag name="IGUANATEXSIZE" val="20"/>
-  <p:tag name="IGUANATEXCURSOR" val="129"/>
+  <p:tag name="IGUANATEXCURSOR" val="98"/>
   <p:tag name="TRANSPARENCY" val="Wahr"/>
   <p:tag name="FILENAME" val=""/>
   <p:tag name="LATEXENGINEID" val="0"/>
@@ -28965,11 +32244,11 @@
 <file path=ppt/tags/tag36.xml><?xml version="1.0" encoding="utf-8"?>
 <p:tagLst xmlns:a="http://schemas.openxmlformats.org/drawingml/2006/main" xmlns:r="http://schemas.openxmlformats.org/officeDocument/2006/relationships" xmlns:p="http://schemas.openxmlformats.org/presentationml/2006/main">
   <p:tag name="OUTPUTDPI" val="1200"/>
-  <p:tag name="ORIGINALHEIGHT" val="87,73905"/>
-  <p:tag name="ORIGINALWIDTH" val="997,3754"/>
-  <p:tag name="LATEXADDIN" val="\documentclass{article}&#10;\usepackage{amsmath}&#10;\usepackage{color}&#10;\pagestyle{empty}&#10;\begin{document}&#10;%\color{white}&#10;Feet Positions and&#10;\end{document}"/>
+  <p:tag name="ORIGINALHEIGHT" val="88,48898"/>
+  <p:tag name="ORIGINALWIDTH" val="880,3899"/>
+  <p:tag name="LATEXADDIN" val="\documentclass{article}&#10;\usepackage{amsmath}&#10;\usepackage{color}&#10;\pagestyle{empty}&#10;\begin{document}&#10;%\color{white}&#10;Visual Feedback&#10;\end{document}"/>
   <p:tag name="IGUANATEXSIZE" val="20"/>
-  <p:tag name="IGUANATEXCURSOR" val="132"/>
+  <p:tag name="IGUANATEXCURSOR" val="129"/>
   <p:tag name="TRANSPARENCY" val="Wahr"/>
   <p:tag name="FILENAME" val=""/>
   <p:tag name="LATEXENGINEID" val="0"/>
@@ -28984,11 +32263,11 @@
 <file path=ppt/tags/tag37.xml><?xml version="1.0" encoding="utf-8"?>
 <p:tagLst xmlns:a="http://schemas.openxmlformats.org/drawingml/2006/main" xmlns:r="http://schemas.openxmlformats.org/officeDocument/2006/relationships" xmlns:p="http://schemas.openxmlformats.org/presentationml/2006/main">
   <p:tag name="OUTPUTDPI" val="1200"/>
-  <p:tag name="ORIGINALHEIGHT" val="90,73866"/>
-  <p:tag name="ORIGINALWIDTH" val="665,1669"/>
-  <p:tag name="LATEXADDIN" val="\documentclass{article}&#10;\usepackage{amsmath}&#10;\usepackage{color}&#10;\pagestyle{empty}&#10;\begin{document}&#10;%\color{white}&#10;Orientations&#10;\end{document}"/>
+  <p:tag name="ORIGINALHEIGHT" val="113,9857"/>
+  <p:tag name="ORIGINALWIDTH" val="1166,104"/>
+  <p:tag name="LATEXADDIN" val="\documentclass{article}&#10;\usepackage{amsmath}&#10;\usepackage{color}&#10;\pagestyle{empty}&#10;\begin{document}&#10;%\color{white}&#10;Joint Angle Feedback&#10;\end{document}"/>
   <p:tag name="IGUANATEXSIZE" val="20"/>
-  <p:tag name="IGUANATEXCURSOR" val="126"/>
+  <p:tag name="IGUANATEXCURSOR" val="134"/>
   <p:tag name="TRANSPARENCY" val="Wahr"/>
   <p:tag name="FILENAME" val=""/>
   <p:tag name="LATEXENGINEID" val="0"/>
@@ -29003,11 +32282,11 @@
 <file path=ppt/tags/tag38.xml><?xml version="1.0" encoding="utf-8"?>
 <p:tagLst xmlns:a="http://schemas.openxmlformats.org/drawingml/2006/main" xmlns:r="http://schemas.openxmlformats.org/officeDocument/2006/relationships" xmlns:p="http://schemas.openxmlformats.org/presentationml/2006/main">
   <p:tag name="OUTPUTDPI" val="1200"/>
-  <p:tag name="ORIGINALHEIGHT" val="86,98914"/>
-  <p:tag name="ORIGINALWIDTH" val="374,9532"/>
-  <p:tag name="LATEXADDIN" val="\documentclass{article}&#10;\usepackage{amsmath}&#10;\usepackage{color}&#10;\pagestyle{empty}&#10;\begin{document}&#10;Inverse&#10;\end{document}"/>
+  <p:tag name="ORIGINALHEIGHT" val="111,7361"/>
+  <p:tag name="ORIGINALWIDTH" val="1127,109"/>
+  <p:tag name="LATEXADDIN" val="\documentclass{article}&#10;\usepackage{amsmath}&#10;\usepackage{color}&#10;\pagestyle{empty}&#10;\begin{document}&#10;%\color{white}&#10;Walking Trajectories&#10;\end{document}"/>
   <p:tag name="IGUANATEXSIZE" val="20"/>
-  <p:tag name="IGUANATEXCURSOR" val="106"/>
+  <p:tag name="IGUANATEXCURSOR" val="134"/>
   <p:tag name="TRANSPARENCY" val="Wahr"/>
   <p:tag name="FILENAME" val=""/>
   <p:tag name="LATEXENGINEID" val="0"/>
@@ -29022,11 +32301,11 @@
 <file path=ppt/tags/tag39.xml><?xml version="1.0" encoding="utf-8"?>
 <p:tagLst xmlns:a="http://schemas.openxmlformats.org/drawingml/2006/main" xmlns:r="http://schemas.openxmlformats.org/officeDocument/2006/relationships" xmlns:p="http://schemas.openxmlformats.org/presentationml/2006/main">
   <p:tag name="OUTPUTDPI" val="1200"/>
-  <p:tag name="ORIGINALHEIGHT" val="86,98914"/>
-  <p:tag name="ORIGINALWIDTH" val="601,4248"/>
-  <p:tag name="LATEXADDIN" val="\documentclass{article}&#10;\usepackage{amsmath}&#10;\usepackage{color}&#10;\pagestyle{empty}&#10;\begin{document}&#10;Kinematics&#10;\end{document}"/>
+  <p:tag name="ORIGINALHEIGHT" val="113,9857"/>
+  <p:tag name="ORIGINALWIDTH" val="1121,11"/>
+  <p:tag name="LATEXADDIN" val="\documentclass{article}&#10;\usepackage{amsmath}&#10;\usepackage{color}&#10;\pagestyle{empty}&#10;\begin{document}&#10;%\color{white}&#10;Desired Joint Angles&#10;\end{document}"/>
   <p:tag name="IGUANATEXSIZE" val="20"/>
-  <p:tag name="IGUANATEXCURSOR" val="109"/>
+  <p:tag name="IGUANATEXCURSOR" val="122"/>
   <p:tag name="TRANSPARENCY" val="Wahr"/>
   <p:tag name="FILENAME" val=""/>
   <p:tag name="LATEXENGINEID" val="0"/>
@@ -29060,11 +32339,11 @@
 <file path=ppt/tags/tag40.xml><?xml version="1.0" encoding="utf-8"?>
 <p:tagLst xmlns:a="http://schemas.openxmlformats.org/drawingml/2006/main" xmlns:r="http://schemas.openxmlformats.org/officeDocument/2006/relationships" xmlns:p="http://schemas.openxmlformats.org/presentationml/2006/main">
   <p:tag name="OUTPUTDPI" val="1200"/>
-  <p:tag name="ORIGINALHEIGHT" val="87,73905"/>
-  <p:tag name="ORIGINALWIDTH" val="441,6948"/>
-  <p:tag name="LATEXADDIN" val="\documentclass{article}&#10;\usepackage{amsmath}&#10;\usepackage{color}&#10;\pagestyle{empty}&#10;\begin{document}&#10;Forward&#10;\end{document}"/>
+  <p:tag name="ORIGINALHEIGHT" val="90,73866"/>
+  <p:tag name="ORIGINALWIDTH" val="597,6753"/>
+  <p:tag name="LATEXADDIN" val="\documentclass{article}&#10;\usepackage{amsmath}&#10;\usepackage{color}&#10;\pagestyle{empty}&#10;\begin{document}&#10;%\color{white}&#10;Commands&#10;\end{document}"/>
   <p:tag name="IGUANATEXSIZE" val="20"/>
-  <p:tag name="IGUANATEXCURSOR" val="106"/>
+  <p:tag name="IGUANATEXCURSOR" val="122"/>
   <p:tag name="TRANSPARENCY" val="Wahr"/>
   <p:tag name="FILENAME" val=""/>
   <p:tag name="LATEXENGINEID" val="0"/>
@@ -29079,11 +32358,11 @@
 <file path=ppt/tags/tag41.xml><?xml version="1.0" encoding="utf-8"?>
 <p:tagLst xmlns:a="http://schemas.openxmlformats.org/drawingml/2006/main" xmlns:r="http://schemas.openxmlformats.org/officeDocument/2006/relationships" xmlns:p="http://schemas.openxmlformats.org/presentationml/2006/main">
   <p:tag name="OUTPUTDPI" val="1200"/>
-  <p:tag name="ORIGINALHEIGHT" val="86,98914"/>
-  <p:tag name="ORIGINALWIDTH" val="601,4248"/>
-  <p:tag name="LATEXADDIN" val="\documentclass{article}&#10;\usepackage{amsmath}&#10;\usepackage{color}&#10;\pagestyle{empty}&#10;\begin{document}&#10;Kinematics&#10;\end{document}"/>
+  <p:tag name="ORIGINALHEIGHT" val="90,73866"/>
+  <p:tag name="ORIGINALWIDTH" val="798,6501"/>
+  <p:tag name="LATEXADDIN" val="\documentclass{article}&#10;\usepackage{amsmath}&#10;\usepackage{color}&#10;\pagestyle{empty}&#10;\begin{document}&#10;%\color{white}&#10;CoM Feedback&#10;\end{document}"/>
   <p:tag name="IGUANATEXSIZE" val="20"/>
-  <p:tag name="IGUANATEXCURSOR" val="109"/>
+  <p:tag name="IGUANATEXCURSOR" val="126"/>
   <p:tag name="TRANSPARENCY" val="Wahr"/>
   <p:tag name="FILENAME" val=""/>
   <p:tag name="LATEXENGINEID" val="0"/>
@@ -29098,11 +32377,11 @@
 <file path=ppt/tags/tag42.xml><?xml version="1.0" encoding="utf-8"?>
 <p:tagLst xmlns:a="http://schemas.openxmlformats.org/drawingml/2006/main" xmlns:r="http://schemas.openxmlformats.org/officeDocument/2006/relationships" xmlns:p="http://schemas.openxmlformats.org/presentationml/2006/main">
   <p:tag name="OUTPUTDPI" val="1200"/>
-  <p:tag name="ORIGINALHEIGHT" val="110,2362"/>
-  <p:tag name="ORIGINALWIDTH" val="704,162"/>
-  <p:tag name="LATEXADDIN" val="\documentclass{article}&#10;\usepackage{amsmath}&#10;\usepackage{color}&#10;\pagestyle{empty}&#10;\begin{document}&#10;Interpolation&#10;\end{document}"/>
+  <p:tag name="ORIGINALHEIGHT" val="111,7361"/>
+  <p:tag name="ORIGINALWIDTH" val="1211,099"/>
+  <p:tag name="LATEXADDIN" val="\documentclass{article}&#10;\usepackage{amsmath}&#10;\usepackage{color}&#10;\pagestyle{empty}&#10;\begin{document}&#10;%\color{white}&#10;Interpolated CoM and&#10;\end{document}"/>
   <p:tag name="IGUANATEXSIZE" val="20"/>
-  <p:tag name="IGUANATEXCURSOR" val="112"/>
+  <p:tag name="IGUANATEXCURSOR" val="126"/>
   <p:tag name="TRANSPARENCY" val="Wahr"/>
   <p:tag name="FILENAME" val=""/>
   <p:tag name="LATEXENGINEID" val="0"/>
@@ -29117,11 +32396,11 @@
 <file path=ppt/tags/tag43.xml><?xml version="1.0" encoding="utf-8"?>
 <p:tagLst xmlns:a="http://schemas.openxmlformats.org/drawingml/2006/main" xmlns:r="http://schemas.openxmlformats.org/officeDocument/2006/relationships" xmlns:p="http://schemas.openxmlformats.org/presentationml/2006/main">
   <p:tag name="OUTPUTDPI" val="1200"/>
-  <p:tag name="ORIGINALHEIGHT" val="90,73866"/>
-  <p:tag name="ORIGINALWIDTH" val="371,2036"/>
-  <p:tag name="LATEXADDIN" val="\documentclass{article}&#10;\usepackage{amsmath}&#10;\usepackage{color}&#10;\pagestyle{empty}&#10;\begin{document}&#10;NMPC&#10;\end{document}"/>
+  <p:tag name="ORIGINALHEIGHT" val="87,73905"/>
+  <p:tag name="ORIGINALWIDTH" val="997,3754"/>
+  <p:tag name="LATEXADDIN" val="\documentclass{article}&#10;\usepackage{amsmath}&#10;\usepackage{color}&#10;\pagestyle{empty}&#10;\begin{document}&#10;%\color{white}&#10;Feet Positions and&#10;\end{document}"/>
   <p:tag name="IGUANATEXSIZE" val="20"/>
-  <p:tag name="IGUANATEXCURSOR" val="98"/>
+  <p:tag name="IGUANATEXCURSOR" val="132"/>
   <p:tag name="TRANSPARENCY" val="Wahr"/>
   <p:tag name="FILENAME" val=""/>
   <p:tag name="LATEXENGINEID" val="0"/>
@@ -29136,11 +32415,11 @@
 <file path=ppt/tags/tag44.xml><?xml version="1.0" encoding="utf-8"?>
 <p:tagLst xmlns:a="http://schemas.openxmlformats.org/drawingml/2006/main" xmlns:r="http://schemas.openxmlformats.org/officeDocument/2006/relationships" xmlns:p="http://schemas.openxmlformats.org/presentationml/2006/main">
   <p:tag name="OUTPUTDPI" val="1200"/>
-  <p:tag name="ORIGINALHEIGHT" val="86,23921"/>
-  <p:tag name="ORIGINALWIDTH" val="407,949"/>
-  <p:tag name="LATEXADDIN" val="\documentclass{article}&#10;\usepackage{amsmath}&#10;\usepackage{color}&#10;\pagestyle{empty}&#10;\begin{document}&#10;Pattern&#10;\end{document}"/>
+  <p:tag name="ORIGINALHEIGHT" val="90,73866"/>
+  <p:tag name="ORIGINALWIDTH" val="665,1669"/>
+  <p:tag name="LATEXADDIN" val="\documentclass{article}&#10;\usepackage{amsmath}&#10;\usepackage{color}&#10;\pagestyle{empty}&#10;\begin{document}&#10;%\color{white}&#10;Orientations&#10;\end{document}"/>
   <p:tag name="IGUANATEXSIZE" val="20"/>
-  <p:tag name="IGUANATEXCURSOR" val="98"/>
+  <p:tag name="IGUANATEXCURSOR" val="126"/>
   <p:tag name="TRANSPARENCY" val="Wahr"/>
   <p:tag name="FILENAME" val=""/>
   <p:tag name="LATEXENGINEID" val="0"/>
@@ -29156,10 +32435,10 @@
 <p:tagLst xmlns:a="http://schemas.openxmlformats.org/drawingml/2006/main" xmlns:r="http://schemas.openxmlformats.org/officeDocument/2006/relationships" xmlns:p="http://schemas.openxmlformats.org/presentationml/2006/main">
   <p:tag name="OUTPUTDPI" val="1200"/>
   <p:tag name="ORIGINALHEIGHT" val="90,73866"/>
-  <p:tag name="ORIGINALWIDTH" val="593,9257"/>
-  <p:tag name="LATEXADDIN" val="\documentclass{article}&#10;\usepackage{amsmath}&#10;\usepackage{color}&#10;\pagestyle{empty}&#10;\begin{document}&#10;Generation&#10;\end{document}"/>
+  <p:tag name="ORIGINALWIDTH" val="950,1313"/>
+  <p:tag name="LATEXADDIN" val="\documentclass{article}&#10;\usepackage{amsmath}&#10;\usepackage{color}&#10;\pagestyle{empty}&#10;\begin{document}&#10;%\color{white}&#10;Desired CoM and&#10;\end{document}"/>
   <p:tag name="IGUANATEXSIZE" val="20"/>
-  <p:tag name="IGUANATEXCURSOR" val="98"/>
+  <p:tag name="IGUANATEXCURSOR" val="129"/>
   <p:tag name="TRANSPARENCY" val="Wahr"/>
   <p:tag name="FILENAME" val=""/>
   <p:tag name="LATEXENGINEID" val="0"/>
@@ -29174,11 +32453,11 @@
 <file path=ppt/tags/tag46.xml><?xml version="1.0" encoding="utf-8"?>
 <p:tagLst xmlns:a="http://schemas.openxmlformats.org/drawingml/2006/main" xmlns:r="http://schemas.openxmlformats.org/officeDocument/2006/relationships" xmlns:p="http://schemas.openxmlformats.org/presentationml/2006/main">
   <p:tag name="OUTPUTDPI" val="1200"/>
-  <p:tag name="ORIGINALHEIGHT" val="111,7361"/>
-  <p:tag name="ORIGINALWIDTH" val="665,1669"/>
-  <p:tag name="LATEXADDIN" val="\documentclass{article}&#10;\usepackage{amsmath}&#10;\usepackage{color}&#10;\pagestyle{empty}&#10;\begin{document}&#10;%\color{white}&#10;Foot Length&#10;\end{document}"/>
+  <p:tag name="ORIGINALHEIGHT" val="87,73905"/>
+  <p:tag name="ORIGINALWIDTH" val="997,3754"/>
+  <p:tag name="LATEXADDIN" val="\documentclass{article}&#10;\usepackage{amsmath}&#10;\usepackage{color}&#10;\pagestyle{empty}&#10;\begin{document}&#10;%\color{white}&#10;Feet Positions and&#10;\end{document}"/>
   <p:tag name="IGUANATEXSIZE" val="20"/>
-  <p:tag name="IGUANATEXCURSOR" val="125"/>
+  <p:tag name="IGUANATEXCURSOR" val="132"/>
   <p:tag name="TRANSPARENCY" val="Wahr"/>
   <p:tag name="FILENAME" val=""/>
   <p:tag name="LATEXENGINEID" val="0"/>
@@ -29193,11 +32472,11 @@
 <file path=ppt/tags/tag47.xml><?xml version="1.0" encoding="utf-8"?>
 <p:tagLst xmlns:a="http://schemas.openxmlformats.org/drawingml/2006/main" xmlns:r="http://schemas.openxmlformats.org/officeDocument/2006/relationships" xmlns:p="http://schemas.openxmlformats.org/presentationml/2006/main">
   <p:tag name="OUTPUTDPI" val="1200"/>
-  <p:tag name="ORIGINALHEIGHT" val="89,23882"/>
-  <p:tag name="ORIGINALWIDTH" val="632,171"/>
-  <p:tag name="LATEXADDIN" val="\documentclass{article}&#10;\usepackage{amsmath}&#10;\usepackage{color}&#10;\pagestyle{empty}&#10;\begin{document}&#10;%\color{white}&#10;Foot Width&#10;\end{document}"/>
+  <p:tag name="ORIGINALHEIGHT" val="90,73866"/>
+  <p:tag name="ORIGINALWIDTH" val="665,1669"/>
+  <p:tag name="LATEXADDIN" val="\documentclass{article}&#10;\usepackage{amsmath}&#10;\usepackage{color}&#10;\pagestyle{empty}&#10;\begin{document}&#10;%\color{white}&#10;Orientations&#10;\end{document}"/>
   <p:tag name="IGUANATEXSIZE" val="20"/>
-  <p:tag name="IGUANATEXCURSOR" val="124"/>
+  <p:tag name="IGUANATEXCURSOR" val="126"/>
   <p:tag name="TRANSPARENCY" val="Wahr"/>
   <p:tag name="FILENAME" val=""/>
   <p:tag name="LATEXENGINEID" val="0"/>
@@ -29212,11 +32491,11 @@
 <file path=ppt/tags/tag48.xml><?xml version="1.0" encoding="utf-8"?>
 <p:tagLst xmlns:a="http://schemas.openxmlformats.org/drawingml/2006/main" xmlns:r="http://schemas.openxmlformats.org/officeDocument/2006/relationships" xmlns:p="http://schemas.openxmlformats.org/presentationml/2006/main">
   <p:tag name="OUTPUTDPI" val="1200"/>
-  <p:tag name="ORIGINALHEIGHT" val="112,4859"/>
-  <p:tag name="ORIGINALWIDTH" val="866,1417"/>
-  <p:tag name="LATEXADDIN" val="\documentclass{article}&#10;\usepackage{amsmath}&#10;\usepackage{color}&#10;\pagestyle{empty}&#10;\begin{document}&#10;%\color{white}&#10;Security Margin&#10;\end{document}"/>
+  <p:tag name="ORIGINALHEIGHT" val="86,98914"/>
+  <p:tag name="ORIGINALWIDTH" val="374,9532"/>
+  <p:tag name="LATEXADDIN" val="\documentclass{article}&#10;\usepackage{amsmath}&#10;\usepackage{color}&#10;\pagestyle{empty}&#10;\begin{document}&#10;Inverse&#10;\end{document}"/>
   <p:tag name="IGUANATEXSIZE" val="20"/>
-  <p:tag name="IGUANATEXCURSOR" val="129"/>
+  <p:tag name="IGUANATEXCURSOR" val="106"/>
   <p:tag name="TRANSPARENCY" val="Wahr"/>
   <p:tag name="FILENAME" val=""/>
   <p:tag name="LATEXENGINEID" val="0"/>
@@ -29231,11 +32510,11 @@
 <file path=ppt/tags/tag49.xml><?xml version="1.0" encoding="utf-8"?>
 <p:tagLst xmlns:a="http://schemas.openxmlformats.org/drawingml/2006/main" xmlns:r="http://schemas.openxmlformats.org/officeDocument/2006/relationships" xmlns:p="http://schemas.openxmlformats.org/presentationml/2006/main">
   <p:tag name="OUTPUTDPI" val="1200"/>
-  <p:tag name="ORIGINALHEIGHT" val="56,99291"/>
-  <p:tag name="ORIGINALWIDTH" val="59,2426"/>
-  <p:tag name="LATEXADDIN" val="\documentclass{article}&#10;\usepackage{amsmath}&#10;\usepackage{bm}&#10;\usepackage{color}&#10;\pagestyle{empty}&#10;\begin{document}&#10;%\color{white}&#10;\begin{equation}&#10;\bm{r}&#10;\nonumber&#10;\end{equation}&#10;\end{document}"/>
+  <p:tag name="ORIGINALHEIGHT" val="86,98914"/>
+  <p:tag name="ORIGINALWIDTH" val="601,4248"/>
+  <p:tag name="LATEXADDIN" val="\documentclass{article}&#10;\usepackage{amsmath}&#10;\usepackage{color}&#10;\pagestyle{empty}&#10;\begin{document}&#10;Kinematics&#10;\end{document}"/>
   <p:tag name="IGUANATEXSIZE" val="20"/>
-  <p:tag name="IGUANATEXCURSOR" val="150"/>
+  <p:tag name="IGUANATEXCURSOR" val="109"/>
   <p:tag name="TRANSPARENCY" val="Wahr"/>
   <p:tag name="FILENAME" val=""/>
   <p:tag name="LATEXENGINEID" val="0"/>
@@ -29269,11 +32548,11 @@
 <file path=ppt/tags/tag50.xml><?xml version="1.0" encoding="utf-8"?>
 <p:tagLst xmlns:a="http://schemas.openxmlformats.org/drawingml/2006/main" xmlns:r="http://schemas.openxmlformats.org/officeDocument/2006/relationships" xmlns:p="http://schemas.openxmlformats.org/presentationml/2006/main">
   <p:tag name="OUTPUTDPI" val="1200"/>
-  <p:tag name="ORIGINALHEIGHT" val="104,237"/>
-  <p:tag name="ORIGINALWIDTH" val="125,2343"/>
-  <p:tag name="LATEXADDIN" val="\documentclass{article}&#10;\usepackage{amsmath}&#10;\usepackage{bm}&#10;\usepackage{color}&#10;\pagestyle{empty}&#10;\begin{document}&#10;%\color{white}&#10;\begin{equation}&#10;\bm{F}_r&#10;\nonumber&#10;\end{equation}&#10;\end{document}"/>
+  <p:tag name="ORIGINALHEIGHT" val="87,73905"/>
+  <p:tag name="ORIGINALWIDTH" val="441,6948"/>
+  <p:tag name="LATEXADDIN" val="\documentclass{article}&#10;\usepackage{amsmath}&#10;\usepackage{color}&#10;\pagestyle{empty}&#10;\begin{document}&#10;Forward&#10;\end{document}"/>
   <p:tag name="IGUANATEXSIZE" val="20"/>
-  <p:tag name="IGUANATEXCURSOR" val="150"/>
+  <p:tag name="IGUANATEXCURSOR" val="106"/>
   <p:tag name="TRANSPARENCY" val="Wahr"/>
   <p:tag name="FILENAME" val=""/>
   <p:tag name="LATEXENGINEID" val="0"/>
@@ -29288,11 +32567,11 @@
 <file path=ppt/tags/tag51.xml><?xml version="1.0" encoding="utf-8"?>
 <p:tagLst xmlns:a="http://schemas.openxmlformats.org/drawingml/2006/main" xmlns:r="http://schemas.openxmlformats.org/officeDocument/2006/relationships" xmlns:p="http://schemas.openxmlformats.org/presentationml/2006/main">
   <p:tag name="OUTPUTDPI" val="1200"/>
-  <p:tag name="ORIGINALHEIGHT" val="104,9868"/>
-  <p:tag name="ORIGINALWIDTH" val="188,2265"/>
-  <p:tag name="LATEXADDIN" val="\documentclass{article}&#10;\usepackage{amsmath}&#10;\usepackage{bm}&#10;\usepackage{color}&#10;\pagestyle{empty}&#10;\begin{document}&#10;%\color{white}&#10;\begin{equation}&#10;\bm{M}_x&#10;\nonumber&#10;\end{equation}&#10;\end{document}"/>
+  <p:tag name="ORIGINALHEIGHT" val="86,98914"/>
+  <p:tag name="ORIGINALWIDTH" val="601,4248"/>
+  <p:tag name="LATEXADDIN" val="\documentclass{article}&#10;\usepackage{amsmath}&#10;\usepackage{color}&#10;\pagestyle{empty}&#10;\begin{document}&#10;Kinematics&#10;\end{document}"/>
   <p:tag name="IGUANATEXSIZE" val="20"/>
-  <p:tag name="IGUANATEXCURSOR" val="150"/>
+  <p:tag name="IGUANATEXCURSOR" val="109"/>
   <p:tag name="TRANSPARENCY" val="Wahr"/>
   <p:tag name="FILENAME" val=""/>
   <p:tag name="LATEXENGINEID" val="0"/>
@@ -29307,11 +32586,11 @@
 <file path=ppt/tags/tag52.xml><?xml version="1.0" encoding="utf-8"?>
 <p:tagLst xmlns:a="http://schemas.openxmlformats.org/drawingml/2006/main" xmlns:r="http://schemas.openxmlformats.org/officeDocument/2006/relationships" xmlns:p="http://schemas.openxmlformats.org/presentationml/2006/main">
   <p:tag name="OUTPUTDPI" val="1200"/>
-  <p:tag name="ORIGINALHEIGHT" val="104,9868"/>
-  <p:tag name="ORIGINALWIDTH" val="182,9771"/>
-  <p:tag name="LATEXADDIN" val="\documentclass{article}&#10;\usepackage{amsmath}&#10;\usepackage{bm}&#10;\usepackage{color}&#10;\pagestyle{empty}&#10;\begin{document}&#10;%\color{white}&#10;\begin{equation}&#10;\bm{M}_z&#10;\nonumber&#10;\end{equation}&#10;\end{document}"/>
+  <p:tag name="ORIGINALHEIGHT" val="110,2362"/>
+  <p:tag name="ORIGINALWIDTH" val="704,162"/>
+  <p:tag name="LATEXADDIN" val="\documentclass{article}&#10;\usepackage{amsmath}&#10;\usepackage{color}&#10;\pagestyle{empty}&#10;\begin{document}&#10;Interpolation&#10;\end{document}"/>
   <p:tag name="IGUANATEXSIZE" val="20"/>
-  <p:tag name="IGUANATEXCURSOR" val="150"/>
+  <p:tag name="IGUANATEXCURSOR" val="112"/>
   <p:tag name="TRANSPARENCY" val="Wahr"/>
   <p:tag name="FILENAME" val=""/>
   <p:tag name="LATEXENGINEID" val="0"/>
@@ -29326,11 +32605,11 @@
 <file path=ppt/tags/tag53.xml><?xml version="1.0" encoding="utf-8"?>
 <p:tagLst xmlns:a="http://schemas.openxmlformats.org/drawingml/2006/main" xmlns:r="http://schemas.openxmlformats.org/officeDocument/2006/relationships" xmlns:p="http://schemas.openxmlformats.org/presentationml/2006/main">
   <p:tag name="OUTPUTDPI" val="1200"/>
-  <p:tag name="ORIGINALHEIGHT" val="122,2347"/>
-  <p:tag name="ORIGINALWIDTH" val="186,7267"/>
-  <p:tag name="LATEXADDIN" val="\documentclass{article}&#10;\usepackage{amsmath}&#10;\usepackage{bm}&#10;\usepackage{color}&#10;\pagestyle{empty}&#10;\begin{document}&#10;%\color{white}&#10;\begin{equation}&#10;\bm{M}_y&#10;\nonumber&#10;\end{equation}&#10;\end{document}"/>
+  <p:tag name="ORIGINALHEIGHT" val="90,73866"/>
+  <p:tag name="ORIGINALWIDTH" val="371,2036"/>
+  <p:tag name="LATEXADDIN" val="\documentclass{article}&#10;\usepackage{amsmath}&#10;\usepackage{color}&#10;\pagestyle{empty}&#10;\begin{document}&#10;NMPC&#10;\end{document}"/>
   <p:tag name="IGUANATEXSIZE" val="20"/>
-  <p:tag name="IGUANATEXCURSOR" val="150"/>
+  <p:tag name="IGUANATEXCURSOR" val="98"/>
   <p:tag name="TRANSPARENCY" val="Wahr"/>
   <p:tag name="FILENAME" val=""/>
   <p:tag name="LATEXENGINEID" val="0"/>
@@ -29345,11 +32624,11 @@
 <file path=ppt/tags/tag54.xml><?xml version="1.0" encoding="utf-8"?>
 <p:tagLst xmlns:a="http://schemas.openxmlformats.org/drawingml/2006/main" xmlns:r="http://schemas.openxmlformats.org/officeDocument/2006/relationships" xmlns:p="http://schemas.openxmlformats.org/presentationml/2006/main">
   <p:tag name="OUTPUTDPI" val="1200"/>
-  <p:tag name="ORIGINALHEIGHT" val="104,237"/>
-  <p:tag name="ORIGINALWIDTH" val="130,4837"/>
-  <p:tag name="LATEXADDIN" val="\documentclass{article}&#10;\usepackage{amsmath}&#10;\usepackage{bm}&#10;\usepackage{color}&#10;\pagestyle{empty}&#10;\begin{document}&#10;%\color{white}&#10;\begin{equation}&#10;\bm{F}_a&#10;\nonumber&#10;\end{equation}&#10;\end{document}"/>
+  <p:tag name="ORIGINALHEIGHT" val="86,23921"/>
+  <p:tag name="ORIGINALWIDTH" val="407,949"/>
+  <p:tag name="LATEXADDIN" val="\documentclass{article}&#10;\usepackage{amsmath}&#10;\usepackage{color}&#10;\pagestyle{empty}&#10;\begin{document}&#10;Pattern&#10;\end{document}"/>
   <p:tag name="IGUANATEXSIZE" val="20"/>
-  <p:tag name="IGUANATEXCURSOR" val="150"/>
+  <p:tag name="IGUANATEXCURSOR" val="98"/>
   <p:tag name="TRANSPARENCY" val="Wahr"/>
   <p:tag name="FILENAME" val=""/>
   <p:tag name="LATEXENGINEID" val="0"/>
@@ -29364,11 +32643,11 @@
 <file path=ppt/tags/tag55.xml><?xml version="1.0" encoding="utf-8"?>
 <p:tagLst xmlns:a="http://schemas.openxmlformats.org/drawingml/2006/main" xmlns:r="http://schemas.openxmlformats.org/officeDocument/2006/relationships" xmlns:p="http://schemas.openxmlformats.org/presentationml/2006/main">
   <p:tag name="OUTPUTDPI" val="1200"/>
-  <p:tag name="ORIGINALHEIGHT" val="121,4848"/>
-  <p:tag name="ORIGINALWIDTH" val="127,4841"/>
-  <p:tag name="LATEXADDIN" val="\documentclass{article}&#10;\usepackage{amsmath}&#10;\usepackage{bm}&#10;\usepackage{color}&#10;\pagestyle{empty}&#10;\begin{document}&#10;%\color{white}&#10;\begin{equation}&#10;\bm{F}_g&#10;\nonumber&#10;\end{equation}&#10;\end{document}"/>
+  <p:tag name="ORIGINALHEIGHT" val="90,73866"/>
+  <p:tag name="ORIGINALWIDTH" val="593,9257"/>
+  <p:tag name="LATEXADDIN" val="\documentclass{article}&#10;\usepackage{amsmath}&#10;\usepackage{color}&#10;\pagestyle{empty}&#10;\begin{document}&#10;Generation&#10;\end{document}"/>
   <p:tag name="IGUANATEXSIZE" val="20"/>
-  <p:tag name="IGUANATEXCURSOR" val="150"/>
+  <p:tag name="IGUANATEXCURSOR" val="98"/>
   <p:tag name="TRANSPARENCY" val="Wahr"/>
   <p:tag name="FILENAME" val=""/>
   <p:tag name="LATEXENGINEID" val="0"/>
@@ -29383,11 +32662,11 @@
 <file path=ppt/tags/tag56.xml><?xml version="1.0" encoding="utf-8"?>
 <p:tagLst xmlns:a="http://schemas.openxmlformats.org/drawingml/2006/main" xmlns:r="http://schemas.openxmlformats.org/officeDocument/2006/relationships" xmlns:p="http://schemas.openxmlformats.org/presentationml/2006/main">
   <p:tag name="OUTPUTDPI" val="1200"/>
-  <p:tag name="ORIGINALHEIGHT" val="107,2366"/>
-  <p:tag name="ORIGINALWIDTH" val="129,7338"/>
-  <p:tag name="LATEXADDIN" val="\documentclass{article}&#10;\usepackage{amsmath}&#10;\usepackage{bm}&#10;\usepackage{color}&#10;\pagestyle{empty}&#10;\begin{document}&#10;%\color{white}&#10;\begin{equation}&#10;\bm{S}_x&#10;\nonumber&#10;\end{equation}&#10;\end{document}"/>
+  <p:tag name="ORIGINALHEIGHT" val="111,7361"/>
+  <p:tag name="ORIGINALWIDTH" val="665,1669"/>
+  <p:tag name="LATEXADDIN" val="\documentclass{article}&#10;\usepackage{amsmath}&#10;\usepackage{color}&#10;\pagestyle{empty}&#10;\begin{document}&#10;%\color{white}&#10;Foot Length&#10;\end{document}"/>
   <p:tag name="IGUANATEXSIZE" val="20"/>
-  <p:tag name="IGUANATEXCURSOR" val="150"/>
+  <p:tag name="IGUANATEXCURSOR" val="125"/>
   <p:tag name="TRANSPARENCY" val="Wahr"/>
   <p:tag name="FILENAME" val=""/>
   <p:tag name="LATEXENGINEID" val="0"/>
@@ -29402,11 +32681,11 @@
 <file path=ppt/tags/tag57.xml><?xml version="1.0" encoding="utf-8"?>
 <p:tagLst xmlns:a="http://schemas.openxmlformats.org/drawingml/2006/main" xmlns:r="http://schemas.openxmlformats.org/officeDocument/2006/relationships" xmlns:p="http://schemas.openxmlformats.org/presentationml/2006/main">
   <p:tag name="OUTPUTDPI" val="1200"/>
-  <p:tag name="ORIGINALHEIGHT" val="124,4844"/>
-  <p:tag name="ORIGINALWIDTH" val="128,2339"/>
-  <p:tag name="LATEXADDIN" val="\documentclass{article}&#10;\usepackage{amsmath}&#10;\usepackage{bm}&#10;\usepackage{color}&#10;\pagestyle{empty}&#10;\begin{document}&#10;%\color{white}&#10;\begin{equation}&#10;\bm{S}_y&#10;\nonumber&#10;\end{equation}&#10;\end{document}"/>
+  <p:tag name="ORIGINALHEIGHT" val="89,23882"/>
+  <p:tag name="ORIGINALWIDTH" val="632,171"/>
+  <p:tag name="LATEXADDIN" val="\documentclass{article}&#10;\usepackage{amsmath}&#10;\usepackage{color}&#10;\pagestyle{empty}&#10;\begin{document}&#10;%\color{white}&#10;Foot Width&#10;\end{document}"/>
   <p:tag name="IGUANATEXSIZE" val="20"/>
-  <p:tag name="IGUANATEXCURSOR" val="60"/>
+  <p:tag name="IGUANATEXCURSOR" val="124"/>
   <p:tag name="TRANSPARENCY" val="Wahr"/>
   <p:tag name="FILENAME" val=""/>
   <p:tag name="LATEXENGINEID" val="0"/>
@@ -29421,11 +32700,11 @@
 <file path=ppt/tags/tag58.xml><?xml version="1.0" encoding="utf-8"?>
 <p:tagLst xmlns:a="http://schemas.openxmlformats.org/drawingml/2006/main" xmlns:r="http://schemas.openxmlformats.org/officeDocument/2006/relationships" xmlns:p="http://schemas.openxmlformats.org/presentationml/2006/main">
   <p:tag name="OUTPUTDPI" val="1200"/>
-  <p:tag name="ORIGINALHEIGHT" val="107,2366"/>
-  <p:tag name="ORIGINALWIDTH" val="124,4844"/>
-  <p:tag name="LATEXADDIN" val="\documentclass{article}&#10;\usepackage{amsmath}&#10;\usepackage{bm}&#10;\usepackage{color}&#10;\pagestyle{empty}&#10;\begin{document}&#10;%\color{white}&#10;\begin{equation}&#10;\bm{S}_z&#10;\nonumber&#10;\end{equation}&#10;\end{document}"/>
+  <p:tag name="ORIGINALHEIGHT" val="112,4859"/>
+  <p:tag name="ORIGINALWIDTH" val="866,1417"/>
+  <p:tag name="LATEXADDIN" val="\documentclass{article}&#10;\usepackage{amsmath}&#10;\usepackage{color}&#10;\pagestyle{empty}&#10;\begin{document}&#10;%\color{white}&#10;Security Margin&#10;\end{document}"/>
   <p:tag name="IGUANATEXSIZE" val="20"/>
-  <p:tag name="IGUANATEXCURSOR" val="150"/>
+  <p:tag name="IGUANATEXCURSOR" val="129"/>
   <p:tag name="TRANSPARENCY" val="Wahr"/>
   <p:tag name="FILENAME" val=""/>
   <p:tag name="LATEXENGINEID" val="0"/>
@@ -29441,8 +32720,8 @@
 <p:tagLst xmlns:a="http://schemas.openxmlformats.org/drawingml/2006/main" xmlns:r="http://schemas.openxmlformats.org/officeDocument/2006/relationships" xmlns:p="http://schemas.openxmlformats.org/presentationml/2006/main">
   <p:tag name="OUTPUTDPI" val="1200"/>
   <p:tag name="ORIGINALHEIGHT" val="56,99291"/>
-  <p:tag name="ORIGINALWIDTH" val="58,49268"/>
-  <p:tag name="LATEXADDIN" val="\documentclass{article}&#10;\usepackage{amsmath}&#10;\usepackage{bm}&#10;\usepackage{color}&#10;\pagestyle{empty}&#10;\begin{document}&#10;%\color{white}&#10;\begin{equation}&#10;\bm{c}&#10;\nonumber&#10;\end{equation}&#10;\end{document}"/>
+  <p:tag name="ORIGINALWIDTH" val="59,2426"/>
+  <p:tag name="LATEXADDIN" val="\documentclass{article}&#10;\usepackage{amsmath}&#10;\usepackage{bm}&#10;\usepackage{color}&#10;\pagestyle{empty}&#10;\begin{document}&#10;%\color{white}&#10;\begin{equation}&#10;\bm{r}&#10;\nonumber&#10;\end{equation}&#10;\end{document}"/>
   <p:tag name="IGUANATEXSIZE" val="20"/>
   <p:tag name="IGUANATEXCURSOR" val="150"/>
   <p:tag name="TRANSPARENCY" val="Wahr"/>
@@ -29478,11 +32757,11 @@
 <file path=ppt/tags/tag60.xml><?xml version="1.0" encoding="utf-8"?>
 <p:tagLst xmlns:a="http://schemas.openxmlformats.org/drawingml/2006/main" xmlns:r="http://schemas.openxmlformats.org/officeDocument/2006/relationships" xmlns:p="http://schemas.openxmlformats.org/presentationml/2006/main">
   <p:tag name="OUTPUTDPI" val="1200"/>
-  <p:tag name="ORIGINALHEIGHT" val="107,2366"/>
-  <p:tag name="ORIGINALWIDTH" val="224,222"/>
-  <p:tag name="LATEXADDIN" val="\documentclass{article}&#10;\usepackage{amsmath}&#10;\usepackage{bm}&#10;\usepackage{color}&#10;\pagestyle{empty}&#10;\begin{document}&#10;%\color{white}&#10;\begin{equation}&#10;-\bm{S}_x&#10;\nonumber&#10;\end{equation}&#10;\end{document}"/>
+  <p:tag name="ORIGINALHEIGHT" val="104,237"/>
+  <p:tag name="ORIGINALWIDTH" val="125,2343"/>
+  <p:tag name="LATEXADDIN" val="\documentclass{article}&#10;\usepackage{amsmath}&#10;\usepackage{bm}&#10;\usepackage{color}&#10;\pagestyle{empty}&#10;\begin{document}&#10;%\color{white}&#10;\begin{equation}&#10;\bm{F}_r&#10;\nonumber&#10;\end{equation}&#10;\end{document}"/>
   <p:tag name="IGUANATEXSIZE" val="20"/>
-  <p:tag name="IGUANATEXCURSOR" val="151"/>
+  <p:tag name="IGUANATEXCURSOR" val="150"/>
   <p:tag name="TRANSPARENCY" val="Wahr"/>
   <p:tag name="FILENAME" val=""/>
   <p:tag name="LATEXENGINEID" val="0"/>
@@ -29497,11 +32776,11 @@
 <file path=ppt/tags/tag61.xml><?xml version="1.0" encoding="utf-8"?>
 <p:tagLst xmlns:a="http://schemas.openxmlformats.org/drawingml/2006/main" xmlns:r="http://schemas.openxmlformats.org/officeDocument/2006/relationships" xmlns:p="http://schemas.openxmlformats.org/presentationml/2006/main">
   <p:tag name="OUTPUTDPI" val="1200"/>
-  <p:tag name="ORIGINALHEIGHT" val="124,4844"/>
-  <p:tag name="ORIGINALWIDTH" val="222,7221"/>
-  <p:tag name="LATEXADDIN" val="\documentclass{article}&#10;\usepackage{amsmath}&#10;\usepackage{bm}&#10;\usepackage{color}&#10;\pagestyle{empty}&#10;\begin{document}&#10;%\color{white}&#10;\begin{equation}&#10;-\bm{S}_y&#10;\nonumber&#10;\end{equation}&#10;\end{document}"/>
+  <p:tag name="ORIGINALHEIGHT" val="104,9868"/>
+  <p:tag name="ORIGINALWIDTH" val="188,2265"/>
+  <p:tag name="LATEXADDIN" val="\documentclass{article}&#10;\usepackage{amsmath}&#10;\usepackage{bm}&#10;\usepackage{color}&#10;\pagestyle{empty}&#10;\begin{document}&#10;%\color{white}&#10;\begin{equation}&#10;\bm{M}_x&#10;\nonumber&#10;\end{equation}&#10;\end{document}"/>
   <p:tag name="IGUANATEXSIZE" val="20"/>
-  <p:tag name="IGUANATEXCURSOR" val="151"/>
+  <p:tag name="IGUANATEXCURSOR" val="150"/>
   <p:tag name="TRANSPARENCY" val="Wahr"/>
   <p:tag name="FILENAME" val=""/>
   <p:tag name="LATEXENGINEID" val="0"/>
@@ -29516,11 +32795,11 @@
 <file path=ppt/tags/tag62.xml><?xml version="1.0" encoding="utf-8"?>
 <p:tagLst xmlns:a="http://schemas.openxmlformats.org/drawingml/2006/main" xmlns:r="http://schemas.openxmlformats.org/officeDocument/2006/relationships" xmlns:p="http://schemas.openxmlformats.org/presentationml/2006/main">
   <p:tag name="OUTPUTDPI" val="1200"/>
-  <p:tag name="ORIGINALHEIGHT" val="107,2366"/>
-  <p:tag name="ORIGINALWIDTH" val="218,9726"/>
-  <p:tag name="LATEXADDIN" val="\documentclass{article}&#10;\usepackage{amsmath}&#10;\usepackage{bm}&#10;\usepackage{color}&#10;\pagestyle{empty}&#10;\begin{document}&#10;%\color{white}&#10;\begin{equation}&#10;-\bm{S}_z&#10;\nonumber&#10;\end{equation}&#10;\end{document}"/>
+  <p:tag name="ORIGINALHEIGHT" val="104,9868"/>
+  <p:tag name="ORIGINALWIDTH" val="182,9771"/>
+  <p:tag name="LATEXADDIN" val="\documentclass{article}&#10;\usepackage{amsmath}&#10;\usepackage{bm}&#10;\usepackage{color}&#10;\pagestyle{empty}&#10;\begin{document}&#10;%\color{white}&#10;\begin{equation}&#10;\bm{M}_z&#10;\nonumber&#10;\end{equation}&#10;\end{document}"/>
   <p:tag name="IGUANATEXSIZE" val="20"/>
-  <p:tag name="IGUANATEXCURSOR" val="151"/>
+  <p:tag name="IGUANATEXCURSOR" val="150"/>
   <p:tag name="TRANSPARENCY" val="Wahr"/>
   <p:tag name="FILENAME" val=""/>
   <p:tag name="LATEXENGINEID" val="0"/>
@@ -29535,9 +32814,9 @@
 <file path=ppt/tags/tag63.xml><?xml version="1.0" encoding="utf-8"?>
 <p:tagLst xmlns:a="http://schemas.openxmlformats.org/drawingml/2006/main" xmlns:r="http://schemas.openxmlformats.org/officeDocument/2006/relationships" xmlns:p="http://schemas.openxmlformats.org/presentationml/2006/main">
   <p:tag name="OUTPUTDPI" val="1200"/>
-  <p:tag name="ORIGINALHEIGHT" val="56,99291"/>
-  <p:tag name="ORIGINALWIDTH" val="59,2426"/>
-  <p:tag name="LATEXADDIN" val="\documentclass{article}&#10;\usepackage{amsmath}&#10;\usepackage{bm}&#10;\usepackage{color}&#10;\pagestyle{empty}&#10;\begin{document}&#10;%\color{white}&#10;\begin{equation}&#10;\bm{r}&#10;\nonumber&#10;\end{equation}&#10;\end{document}"/>
+  <p:tag name="ORIGINALHEIGHT" val="122,2347"/>
+  <p:tag name="ORIGINALWIDTH" val="186,7267"/>
+  <p:tag name="LATEXADDIN" val="\documentclass{article}&#10;\usepackage{amsmath}&#10;\usepackage{bm}&#10;\usepackage{color}&#10;\pagestyle{empty}&#10;\begin{document}&#10;%\color{white}&#10;\begin{equation}&#10;\bm{M}_y&#10;\nonumber&#10;\end{equation}&#10;\end{document}"/>
   <p:tag name="IGUANATEXSIZE" val="20"/>
   <p:tag name="IGUANATEXCURSOR" val="150"/>
   <p:tag name="TRANSPARENCY" val="Wahr"/>
@@ -29555,10 +32834,10 @@
 <p:tagLst xmlns:a="http://schemas.openxmlformats.org/drawingml/2006/main" xmlns:r="http://schemas.openxmlformats.org/officeDocument/2006/relationships" xmlns:p="http://schemas.openxmlformats.org/presentationml/2006/main">
   <p:tag name="OUTPUTDPI" val="1200"/>
   <p:tag name="ORIGINALHEIGHT" val="104,237"/>
-  <p:tag name="ORIGINALWIDTH" val="125,2343"/>
-  <p:tag name="LATEXADDIN" val="\documentclass{article}&#10;\usepackage{amsmath}&#10;\usepackage{bm}&#10;\usepackage{color}&#10;\pagestyle{empty}&#10;\begin{document}&#10;%\color{white}&#10;\begin{equation}&#10;\bm{F}_r&#10;\nonumber&#10;\end{equation}&#10;\end{document}"/>
+  <p:tag name="ORIGINALWIDTH" val="130,4837"/>
+  <p:tag name="LATEXADDIN" val="\documentclass{article}&#10;\usepackage{amsmath}&#10;\usepackage{bm}&#10;\usepackage{color}&#10;\pagestyle{empty}&#10;\begin{document}&#10;%\color{white}&#10;\begin{equation}&#10;\bm{F}_a&#10;\nonumber&#10;\end{equation}&#10;\end{document}"/>
   <p:tag name="IGUANATEXSIZE" val="20"/>
-  <p:tag name="IGUANATEXCURSOR" val="151"/>
+  <p:tag name="IGUANATEXCURSOR" val="150"/>
   <p:tag name="TRANSPARENCY" val="Wahr"/>
   <p:tag name="FILENAME" val=""/>
   <p:tag name="LATEXENGINEID" val="0"/>
@@ -29573,11 +32852,11 @@
 <file path=ppt/tags/tag65.xml><?xml version="1.0" encoding="utf-8"?>
 <p:tagLst xmlns:a="http://schemas.openxmlformats.org/drawingml/2006/main" xmlns:r="http://schemas.openxmlformats.org/officeDocument/2006/relationships" xmlns:p="http://schemas.openxmlformats.org/presentationml/2006/main">
   <p:tag name="OUTPUTDPI" val="1200"/>
-  <p:tag name="ORIGINALHEIGHT" val="112,4859"/>
-  <p:tag name="ORIGINALWIDTH" val="909,6363"/>
-  <p:tag name="LATEXADDIN" val="\documentclass{article}&#10;\usepackage{amsmath}&#10;\usepackage{color}&#10;\pagestyle{empty}&#10;\begin{document}&#10;%\color{white}&#10;Support Polygon&#10;\end{document}"/>
+  <p:tag name="ORIGINALHEIGHT" val="121,4848"/>
+  <p:tag name="ORIGINALWIDTH" val="127,4841"/>
+  <p:tag name="LATEXADDIN" val="\documentclass{article}&#10;\usepackage{amsmath}&#10;\usepackage{bm}&#10;\usepackage{color}&#10;\pagestyle{empty}&#10;\begin{document}&#10;%\color{white}&#10;\begin{equation}&#10;\bm{F}_g&#10;\nonumber&#10;\end{equation}&#10;\end{document}"/>
   <p:tag name="IGUANATEXSIZE" val="20"/>
-  <p:tag name="IGUANATEXCURSOR" val="129"/>
+  <p:tag name="IGUANATEXCURSOR" val="150"/>
   <p:tag name="TRANSPARENCY" val="Wahr"/>
   <p:tag name="FILENAME" val=""/>
   <p:tag name="LATEXENGINEID" val="0"/>
@@ -29592,11 +32871,11 @@
 <file path=ppt/tags/tag66.xml><?xml version="1.0" encoding="utf-8"?>
 <p:tagLst xmlns:a="http://schemas.openxmlformats.org/drawingml/2006/main" xmlns:r="http://schemas.openxmlformats.org/officeDocument/2006/relationships" xmlns:p="http://schemas.openxmlformats.org/presentationml/2006/main">
   <p:tag name="OUTPUTDPI" val="1200"/>
-  <p:tag name="ORIGINALHEIGHT" val="87,73905"/>
-  <p:tag name="ORIGINALWIDTH" val="1037,12"/>
-  <p:tag name="LATEXADDIN" val="\documentclass{article}&#10;\usepackage{amsmath}&#10;\usepackage{color}&#10;\pagestyle{empty}&#10;\begin{document}&#10;%\color{white}&#10;Inverted Pendulum&#10;\end{document}"/>
+  <p:tag name="ORIGINALHEIGHT" val="107,2366"/>
+  <p:tag name="ORIGINALWIDTH" val="129,7338"/>
+  <p:tag name="LATEXADDIN" val="\documentclass{article}&#10;\usepackage{amsmath}&#10;\usepackage{bm}&#10;\usepackage{color}&#10;\pagestyle{empty}&#10;\begin{document}&#10;%\color{white}&#10;\begin{equation}&#10;\bm{S}_x&#10;\nonumber&#10;\end{equation}&#10;\end{document}"/>
   <p:tag name="IGUANATEXSIZE" val="20"/>
-  <p:tag name="IGUANATEXCURSOR" val="131"/>
+  <p:tag name="IGUANATEXCURSOR" val="150"/>
   <p:tag name="TRANSPARENCY" val="Wahr"/>
   <p:tag name="FILENAME" val=""/>
   <p:tag name="LATEXENGINEID" val="0"/>
@@ -29611,11 +32890,11 @@
 <file path=ppt/tags/tag67.xml><?xml version="1.0" encoding="utf-8"?>
 <p:tagLst xmlns:a="http://schemas.openxmlformats.org/drawingml/2006/main" xmlns:r="http://schemas.openxmlformats.org/officeDocument/2006/relationships" xmlns:p="http://schemas.openxmlformats.org/presentationml/2006/main">
   <p:tag name="OUTPUTDPI" val="1200"/>
-  <p:tag name="ORIGINALHEIGHT" val="110,2362"/>
-  <p:tag name="ORIGINALWIDTH" val="740,1575"/>
-  <p:tag name="LATEXADDIN" val="\documentclass{article}&#10;\usepackage{amsmath}&#10;\usepackage{color}&#10;\pagestyle{empty}&#10;\begin{document}&#10;\color{white}&#10;Epipolar Line&#10;\end{document}"/>
+  <p:tag name="ORIGINALHEIGHT" val="124,4844"/>
+  <p:tag name="ORIGINALWIDTH" val="128,2339"/>
+  <p:tag name="LATEXADDIN" val="\documentclass{article}&#10;\usepackage{amsmath}&#10;\usepackage{bm}&#10;\usepackage{color}&#10;\pagestyle{empty}&#10;\begin{document}&#10;%\color{white}&#10;\begin{equation}&#10;\bm{S}_y&#10;\nonumber&#10;\end{equation}&#10;\end{document}"/>
   <p:tag name="IGUANATEXSIZE" val="20"/>
-  <p:tag name="IGUANATEXCURSOR" val="126"/>
+  <p:tag name="IGUANATEXCURSOR" val="60"/>
   <p:tag name="TRANSPARENCY" val="Wahr"/>
   <p:tag name="FILENAME" val=""/>
   <p:tag name="LATEXENGINEID" val="0"/>
@@ -29630,11 +32909,11 @@
 <file path=ppt/tags/tag68.xml><?xml version="1.0" encoding="utf-8"?>
 <p:tagLst xmlns:a="http://schemas.openxmlformats.org/drawingml/2006/main" xmlns:r="http://schemas.openxmlformats.org/officeDocument/2006/relationships" xmlns:p="http://schemas.openxmlformats.org/presentationml/2006/main">
   <p:tag name="OUTPUTDPI" val="1200"/>
-  <p:tag name="ORIGINALHEIGHT" val="89,98874"/>
-  <p:tag name="ORIGINALWIDTH" val="554,9306"/>
-  <p:tag name="LATEXADDIN" val="\documentclass{article}&#10;\usepackage{amsmath}&#10;\usepackage{color}&#10;\pagestyle{empty}&#10;\begin{document}&#10;\color{white}&#10;Block Size&#10;\end{document}"/>
+  <p:tag name="ORIGINALHEIGHT" val="107,2366"/>
+  <p:tag name="ORIGINALWIDTH" val="124,4844"/>
+  <p:tag name="LATEXADDIN" val="\documentclass{article}&#10;\usepackage{amsmath}&#10;\usepackage{bm}&#10;\usepackage{color}&#10;\pagestyle{empty}&#10;\begin{document}&#10;%\color{white}&#10;\begin{equation}&#10;\bm{S}_z&#10;\nonumber&#10;\end{equation}&#10;\end{document}"/>
   <p:tag name="IGUANATEXSIZE" val="20"/>
-  <p:tag name="IGUANATEXCURSOR" val="123"/>
+  <p:tag name="IGUANATEXCURSOR" val="150"/>
   <p:tag name="TRANSPARENCY" val="Wahr"/>
   <p:tag name="FILENAME" val=""/>
   <p:tag name="LATEXENGINEID" val="0"/>
@@ -29649,11 +32928,11 @@
 <file path=ppt/tags/tag69.xml><?xml version="1.0" encoding="utf-8"?>
 <p:tagLst xmlns:a="http://schemas.openxmlformats.org/drawingml/2006/main" xmlns:r="http://schemas.openxmlformats.org/officeDocument/2006/relationships" xmlns:p="http://schemas.openxmlformats.org/presentationml/2006/main">
   <p:tag name="OUTPUTDPI" val="1200"/>
-  <p:tag name="ORIGINALHEIGHT" val="110,2362"/>
-  <p:tag name="ORIGINALWIDTH" val="740,1575"/>
-  <p:tag name="LATEXADDIN" val="\documentclass{article}&#10;\usepackage{amsmath}&#10;\usepackage{color}&#10;\pagestyle{empty}&#10;\begin{document}&#10;\color{white}&#10;Epipolar Line&#10;\end{document}"/>
+  <p:tag name="ORIGINALHEIGHT" val="56,99291"/>
+  <p:tag name="ORIGINALWIDTH" val="58,49268"/>
+  <p:tag name="LATEXADDIN" val="\documentclass{article}&#10;\usepackage{amsmath}&#10;\usepackage{bm}&#10;\usepackage{color}&#10;\pagestyle{empty}&#10;\begin{document}&#10;%\color{white}&#10;\begin{equation}&#10;\bm{c}&#10;\nonumber&#10;\end{equation}&#10;\end{document}"/>
   <p:tag name="IGUANATEXSIZE" val="20"/>
-  <p:tag name="IGUANATEXCURSOR" val="126"/>
+  <p:tag name="IGUANATEXCURSOR" val="150"/>
   <p:tag name="TRANSPARENCY" val="Wahr"/>
   <p:tag name="FILENAME" val=""/>
   <p:tag name="LATEXENGINEID" val="0"/>
@@ -29687,11 +32966,11 @@
 <file path=ppt/tags/tag70.xml><?xml version="1.0" encoding="utf-8"?>
 <p:tagLst xmlns:a="http://schemas.openxmlformats.org/drawingml/2006/main" xmlns:r="http://schemas.openxmlformats.org/officeDocument/2006/relationships" xmlns:p="http://schemas.openxmlformats.org/presentationml/2006/main">
   <p:tag name="OUTPUTDPI" val="1200"/>
-  <p:tag name="ORIGINALHEIGHT" val="87,73905"/>
-  <p:tag name="ORIGINALWIDTH" val="432,6959"/>
-  <p:tag name="LATEXADDIN" val="\documentclass{article}&#10;\usepackage{amsmath}&#10;\usepackage{color}&#10;\pagestyle{empty}&#10;\begin{document}&#10;\color{white}&#10;Number&#10;\end{document}"/>
+  <p:tag name="ORIGINALHEIGHT" val="107,2366"/>
+  <p:tag name="ORIGINALWIDTH" val="224,222"/>
+  <p:tag name="LATEXADDIN" val="\documentclass{article}&#10;\usepackage{amsmath}&#10;\usepackage{bm}&#10;\usepackage{color}&#10;\pagestyle{empty}&#10;\begin{document}&#10;%\color{white}&#10;\begin{equation}&#10;-\bm{S}_x&#10;\nonumber&#10;\end{equation}&#10;\end{document}"/>
   <p:tag name="IGUANATEXSIZE" val="20"/>
-  <p:tag name="IGUANATEXCURSOR" val="119"/>
+  <p:tag name="IGUANATEXCURSOR" val="151"/>
   <p:tag name="TRANSPARENCY" val="Wahr"/>
   <p:tag name="FILENAME" val=""/>
   <p:tag name="LATEXENGINEID" val="0"/>
@@ -29706,11 +32985,11 @@
 <file path=ppt/tags/tag71.xml><?xml version="1.0" encoding="utf-8"?>
 <p:tagLst xmlns:a="http://schemas.openxmlformats.org/drawingml/2006/main" xmlns:r="http://schemas.openxmlformats.org/officeDocument/2006/relationships" xmlns:p="http://schemas.openxmlformats.org/presentationml/2006/main">
   <p:tag name="OUTPUTDPI" val="1200"/>
-  <p:tag name="ORIGINALHEIGHT" val="108,7364"/>
-  <p:tag name="ORIGINALWIDTH" val="572,9283"/>
-  <p:tag name="LATEXADDIN" val="\documentclass{article}&#10;\usepackage{amsmath}&#10;\usepackage{color}&#10;\pagestyle{empty}&#10;\begin{document}&#10;\color{white}&#10;Disparities&#10;\end{document}"/>
+  <p:tag name="ORIGINALHEIGHT" val="124,4844"/>
+  <p:tag name="ORIGINALWIDTH" val="222,7221"/>
+  <p:tag name="LATEXADDIN" val="\documentclass{article}&#10;\usepackage{amsmath}&#10;\usepackage{bm}&#10;\usepackage{color}&#10;\pagestyle{empty}&#10;\begin{document}&#10;%\color{white}&#10;\begin{equation}&#10;-\bm{S}_y&#10;\nonumber&#10;\end{equation}&#10;\end{document}"/>
   <p:tag name="IGUANATEXSIZE" val="20"/>
-  <p:tag name="IGUANATEXCURSOR" val="124"/>
+  <p:tag name="IGUANATEXCURSOR" val="151"/>
   <p:tag name="TRANSPARENCY" val="Wahr"/>
   <p:tag name="FILENAME" val=""/>
   <p:tag name="LATEXENGINEID" val="0"/>
@@ -29725,11 +33004,11 @@
 <file path=ppt/tags/tag72.xml><?xml version="1.0" encoding="utf-8"?>
 <p:tagLst xmlns:a="http://schemas.openxmlformats.org/drawingml/2006/main" xmlns:r="http://schemas.openxmlformats.org/officeDocument/2006/relationships" xmlns:p="http://schemas.openxmlformats.org/presentationml/2006/main">
   <p:tag name="OUTPUTDPI" val="1200"/>
-  <p:tag name="ORIGINALHEIGHT" val="112,4859"/>
-  <p:tag name="ORIGINALWIDTH" val="1364,079"/>
-  <p:tag name="LATEXADDIN" val="\documentclass{article}&#10;\usepackage{amsmath}&#10;\usepackage{color}&#10;\pagestyle{empty}&#10;\begin{document}&#10;Left Edge Filtered Image&#10;\end{document}"/>
+  <p:tag name="ORIGINALHEIGHT" val="107,2366"/>
+  <p:tag name="ORIGINALWIDTH" val="218,9726"/>
+  <p:tag name="LATEXADDIN" val="\documentclass{article}&#10;\usepackage{amsmath}&#10;\usepackage{bm}&#10;\usepackage{color}&#10;\pagestyle{empty}&#10;\begin{document}&#10;%\color{white}&#10;\begin{equation}&#10;-\bm{S}_z&#10;\nonumber&#10;\end{equation}&#10;\end{document}"/>
   <p:tag name="IGUANATEXSIZE" val="20"/>
-  <p:tag name="IGUANATEXCURSOR" val="98"/>
+  <p:tag name="IGUANATEXCURSOR" val="151"/>
   <p:tag name="TRANSPARENCY" val="Wahr"/>
   <p:tag name="FILENAME" val=""/>
   <p:tag name="LATEXENGINEID" val="0"/>
@@ -29744,11 +33023,11 @@
 <file path=ppt/tags/tag73.xml><?xml version="1.0" encoding="utf-8"?>
 <p:tagLst xmlns:a="http://schemas.openxmlformats.org/drawingml/2006/main" xmlns:r="http://schemas.openxmlformats.org/officeDocument/2006/relationships" xmlns:p="http://schemas.openxmlformats.org/presentationml/2006/main">
   <p:tag name="OUTPUTDPI" val="1200"/>
-  <p:tag name="ORIGINALHEIGHT" val="111,7361"/>
-  <p:tag name="ORIGINALWIDTH" val="1447,319"/>
-  <p:tag name="LATEXADDIN" val="\documentclass{article}&#10;\usepackage{amsmath}&#10;\usepackage{color}&#10;\pagestyle{empty}&#10;\begin{document}&#10;Right Edge Filtered Image&#10;\end{document}"/>
+  <p:tag name="ORIGINALHEIGHT" val="56,99291"/>
+  <p:tag name="ORIGINALWIDTH" val="59,2426"/>
+  <p:tag name="LATEXADDIN" val="\documentclass{article}&#10;\usepackage{amsmath}&#10;\usepackage{bm}&#10;\usepackage{color}&#10;\pagestyle{empty}&#10;\begin{document}&#10;%\color{white}&#10;\begin{equation}&#10;\bm{r}&#10;\nonumber&#10;\end{equation}&#10;\end{document}"/>
   <p:tag name="IGUANATEXSIZE" val="20"/>
-  <p:tag name="IGUANATEXCURSOR" val="104"/>
+  <p:tag name="IGUANATEXCURSOR" val="150"/>
   <p:tag name="TRANSPARENCY" val="Wahr"/>
   <p:tag name="FILENAME" val=""/>
   <p:tag name="LATEXENGINEID" val="0"/>
@@ -29763,11 +33042,11 @@
 <file path=ppt/tags/tag74.xml><?xml version="1.0" encoding="utf-8"?>
 <p:tagLst xmlns:a="http://schemas.openxmlformats.org/drawingml/2006/main" xmlns:r="http://schemas.openxmlformats.org/officeDocument/2006/relationships" xmlns:p="http://schemas.openxmlformats.org/presentationml/2006/main">
   <p:tag name="OUTPUTDPI" val="1200"/>
-  <p:tag name="ORIGINALHEIGHT" val="112,4859"/>
-  <p:tag name="ORIGINALWIDTH" val="1044,62"/>
-  <p:tag name="LATEXADDIN" val="\documentclass{article}&#10;\usepackage{amsmath}&#10;\usepackage{color}&#10;\pagestyle{empty}&#10;\begin{document}&#10;Left Disparity Map&#10;\end{document}"/>
+  <p:tag name="ORIGINALHEIGHT" val="104,237"/>
+  <p:tag name="ORIGINALWIDTH" val="125,2343"/>
+  <p:tag name="LATEXADDIN" val="\documentclass{article}&#10;\usepackage{amsmath}&#10;\usepackage{bm}&#10;\usepackage{color}&#10;\pagestyle{empty}&#10;\begin{document}&#10;%\color{white}&#10;\begin{equation}&#10;\bm{F}_r&#10;\nonumber&#10;\end{equation}&#10;\end{document}"/>
   <p:tag name="IGUANATEXSIZE" val="20"/>
-  <p:tag name="IGUANATEXCURSOR" val="117"/>
+  <p:tag name="IGUANATEXCURSOR" val="151"/>
   <p:tag name="TRANSPARENCY" val="Wahr"/>
   <p:tag name="FILENAME" val=""/>
   <p:tag name="LATEXENGINEID" val="0"/>
@@ -29782,11 +33061,11 @@
 <file path=ppt/tags/tag75.xml><?xml version="1.0" encoding="utf-8"?>
 <p:tagLst xmlns:a="http://schemas.openxmlformats.org/drawingml/2006/main" xmlns:r="http://schemas.openxmlformats.org/officeDocument/2006/relationships" xmlns:p="http://schemas.openxmlformats.org/presentationml/2006/main">
   <p:tag name="OUTPUTDPI" val="1200"/>
-  <p:tag name="ORIGINALHEIGHT" val="123,7346"/>
-  <p:tag name="ORIGINALWIDTH" val="888,6389"/>
-  <p:tag name="LATEXADDIN" val="\documentclass{article}&#10;\usepackage{amsmath}&#10;\usepackage{color}&#10;\pagestyle{empty}&#10;\begin{document}&#10;%\color{white}&#10;Left/Right RGB&#10;\end{document}"/>
+  <p:tag name="ORIGINALHEIGHT" val="112,4859"/>
+  <p:tag name="ORIGINALWIDTH" val="909,6363"/>
+  <p:tag name="LATEXADDIN" val="\documentclass{article}&#10;\usepackage{amsmath}&#10;\usepackage{color}&#10;\pagestyle{empty}&#10;\begin{document}&#10;%\color{white}&#10;Support Polygon&#10;\end{document}"/>
   <p:tag name="IGUANATEXSIZE" val="20"/>
-  <p:tag name="IGUANATEXCURSOR" val="128"/>
+  <p:tag name="IGUANATEXCURSOR" val="129"/>
   <p:tag name="TRANSPARENCY" val="Wahr"/>
   <p:tag name="FILENAME" val=""/>
   <p:tag name="LATEXENGINEID" val="0"/>
@@ -29801,11 +33080,11 @@
 <file path=ppt/tags/tag76.xml><?xml version="1.0" encoding="utf-8"?>
 <p:tagLst xmlns:a="http://schemas.openxmlformats.org/drawingml/2006/main" xmlns:r="http://schemas.openxmlformats.org/officeDocument/2006/relationships" xmlns:p="http://schemas.openxmlformats.org/presentationml/2006/main">
   <p:tag name="OUTPUTDPI" val="1200"/>
-  <p:tag name="ORIGINALHEIGHT" val="123,7346"/>
-  <p:tag name="ORIGINALWIDTH" val="1145,857"/>
-  <p:tag name="LATEXADDIN" val="\documentclass{article}&#10;\usepackage{amsmath}&#10;\usepackage{color}&#10;\pagestyle{empty}&#10;\begin{document}&#10;%\color{white}&#10;Left/Right Grayscale&#10;\end{document}"/>
+  <p:tag name="ORIGINALHEIGHT" val="87,73905"/>
+  <p:tag name="ORIGINALWIDTH" val="1037,12"/>
+  <p:tag name="LATEXADDIN" val="\documentclass{article}&#10;\usepackage{amsmath}&#10;\usepackage{color}&#10;\pagestyle{empty}&#10;\begin{document}&#10;%\color{white}&#10;Inverted Pendulum&#10;\end{document}"/>
   <p:tag name="IGUANATEXSIZE" val="20"/>
-  <p:tag name="IGUANATEXCURSOR" val="134"/>
+  <p:tag name="IGUANATEXCURSOR" val="131"/>
   <p:tag name="TRANSPARENCY" val="Wahr"/>
   <p:tag name="FILENAME" val=""/>
   <p:tag name="LATEXENGINEID" val="0"/>
@@ -29820,11 +33099,11 @@
 <file path=ppt/tags/tag77.xml><?xml version="1.0" encoding="utf-8"?>
 <p:tagLst xmlns:a="http://schemas.openxmlformats.org/drawingml/2006/main" xmlns:r="http://schemas.openxmlformats.org/officeDocument/2006/relationships" xmlns:p="http://schemas.openxmlformats.org/presentationml/2006/main">
   <p:tag name="OUTPUTDPI" val="1200"/>
-  <p:tag name="ORIGINALHEIGHT" val="123,7346"/>
-  <p:tag name="ORIGINALWIDTH" val="1359,58"/>
-  <p:tag name="LATEXADDIN" val="\documentclass{article}&#10;\usepackage{amsmath}&#10;\usepackage{color}&#10;\pagestyle{empty}&#10;\begin{document}&#10;%\color{white}&#10;Left/Right Edge Filtered&#10;\end{document}"/>
+  <p:tag name="ORIGINALHEIGHT" val="110,2362"/>
+  <p:tag name="ORIGINALWIDTH" val="740,1575"/>
+  <p:tag name="LATEXADDIN" val="\documentclass{article}&#10;\usepackage{amsmath}&#10;\usepackage{color}&#10;\pagestyle{empty}&#10;\begin{document}&#10;\color{white}&#10;Epipolar Line&#10;\end{document}"/>
   <p:tag name="IGUANATEXSIZE" val="20"/>
-  <p:tag name="IGUANATEXCURSOR" val="138"/>
+  <p:tag name="IGUANATEXCURSOR" val="126"/>
   <p:tag name="TRANSPARENCY" val="Wahr"/>
   <p:tag name="FILENAME" val=""/>
   <p:tag name="LATEXENGINEID" val="0"/>
@@ -29839,11 +33118,11 @@
 <file path=ppt/tags/tag78.xml><?xml version="1.0" encoding="utf-8"?>
 <p:tagLst xmlns:a="http://schemas.openxmlformats.org/drawingml/2006/main" xmlns:r="http://schemas.openxmlformats.org/officeDocument/2006/relationships" xmlns:p="http://schemas.openxmlformats.org/presentationml/2006/main">
   <p:tag name="OUTPUTDPI" val="1200"/>
-  <p:tag name="ORIGINALHEIGHT" val="113,2358"/>
-  <p:tag name="ORIGINALWIDTH" val="1247,094"/>
-  <p:tag name="LATEXADDIN" val="\documentclass{article}&#10;\usepackage{amsmath}&#10;\usepackage{color}&#10;\pagestyle{empty}&#10;\begin{document}&#10;%\color{white}&#10;Left Right Consistency&#10;\end{document}"/>
+  <p:tag name="ORIGINALHEIGHT" val="89,98874"/>
+  <p:tag name="ORIGINALWIDTH" val="554,9306"/>
+  <p:tag name="LATEXADDIN" val="\documentclass{article}&#10;\usepackage{amsmath}&#10;\usepackage{color}&#10;\pagestyle{empty}&#10;\begin{document}&#10;\color{white}&#10;Block Size&#10;\end{document}"/>
   <p:tag name="IGUANATEXSIZE" val="20"/>
-  <p:tag name="IGUANATEXCURSOR" val="136"/>
+  <p:tag name="IGUANATEXCURSOR" val="123"/>
   <p:tag name="TRANSPARENCY" val="Wahr"/>
   <p:tag name="FILENAME" val=""/>
   <p:tag name="LATEXENGINEID" val="0"/>
@@ -29859,10 +33138,10 @@
 <p:tagLst xmlns:a="http://schemas.openxmlformats.org/drawingml/2006/main" xmlns:r="http://schemas.openxmlformats.org/officeDocument/2006/relationships" xmlns:p="http://schemas.openxmlformats.org/presentationml/2006/main">
   <p:tag name="OUTPUTDPI" val="1200"/>
   <p:tag name="ORIGINALHEIGHT" val="110,2362"/>
-  <p:tag name="ORIGINALWIDTH" val="783,652"/>
-  <p:tag name="LATEXADDIN" val="\documentclass{article}&#10;\usepackage{amsmath}&#10;\usepackage{color}&#10;\pagestyle{empty}&#10;\begin{document}&#10;%\color{white}&#10;Disparity Map&#10;\end{document}"/>
+  <p:tag name="ORIGINALWIDTH" val="740,1575"/>
+  <p:tag name="LATEXADDIN" val="\documentclass{article}&#10;\usepackage{amsmath}&#10;\usepackage{color}&#10;\pagestyle{empty}&#10;\begin{document}&#10;\color{white}&#10;Epipolar Line&#10;\end{document}"/>
   <p:tag name="IGUANATEXSIZE" val="20"/>
-  <p:tag name="IGUANATEXCURSOR" val="114"/>
+  <p:tag name="IGUANATEXCURSOR" val="126"/>
   <p:tag name="TRANSPARENCY" val="Wahr"/>
   <p:tag name="FILENAME" val=""/>
   <p:tag name="LATEXENGINEID" val="0"/>
@@ -29896,11 +33175,11 @@
 <file path=ppt/tags/tag80.xml><?xml version="1.0" encoding="utf-8"?>
 <p:tagLst xmlns:a="http://schemas.openxmlformats.org/drawingml/2006/main" xmlns:r="http://schemas.openxmlformats.org/officeDocument/2006/relationships" xmlns:p="http://schemas.openxmlformats.org/presentationml/2006/main">
   <p:tag name="OUTPUTDPI" val="1200"/>
-  <p:tag name="ORIGINALHEIGHT" val="113,2358"/>
-  <p:tag name="ORIGINALWIDTH" val="1135,358"/>
-  <p:tag name="LATEXADDIN" val="\documentclass{article}&#10;\usepackage{amsmath}&#10;\usepackage{color}&#10;\pagestyle{empty}&#10;\begin{document}&#10;%\color{white}&#10;Confidence Weighted&#10;\end{document}"/>
+  <p:tag name="ORIGINALHEIGHT" val="87,73905"/>
+  <p:tag name="ORIGINALWIDTH" val="432,6959"/>
+  <p:tag name="LATEXADDIN" val="\documentclass{article}&#10;\usepackage{amsmath}&#10;\usepackage{color}&#10;\pagestyle{empty}&#10;\begin{document}&#10;\color{white}&#10;Number&#10;\end{document}"/>
   <p:tag name="IGUANATEXSIZE" val="20"/>
-  <p:tag name="IGUANATEXCURSOR" val="133"/>
+  <p:tag name="IGUANATEXCURSOR" val="119"/>
   <p:tag name="TRANSPARENCY" val="Wahr"/>
   <p:tag name="FILENAME" val=""/>
   <p:tag name="LATEXENGINEID" val="0"/>
@@ -29915,11 +33194,11 @@
 <file path=ppt/tags/tag81.xml><?xml version="1.0" encoding="utf-8"?>
 <p:tagLst xmlns:a="http://schemas.openxmlformats.org/drawingml/2006/main" xmlns:r="http://schemas.openxmlformats.org/officeDocument/2006/relationships" xmlns:p="http://schemas.openxmlformats.org/presentationml/2006/main">
   <p:tag name="OUTPUTDPI" val="1200"/>
-  <p:tag name="ORIGINALHEIGHT" val="113,2358"/>
-  <p:tag name="ORIGINALWIDTH" val="1188,601"/>
-  <p:tag name="LATEXADDIN" val="\documentclass{article}&#10;\usepackage{amsmath}&#10;\usepackage{color}&#10;\pagestyle{empty}&#10;\begin{document}&#10;%\color{white}&#10;Consistency Weighted&#10;\end{document}"/>
+  <p:tag name="ORIGINALHEIGHT" val="108,7364"/>
+  <p:tag name="ORIGINALWIDTH" val="572,9283"/>
+  <p:tag name="LATEXADDIN" val="\documentclass{article}&#10;\usepackage{amsmath}&#10;\usepackage{color}&#10;\pagestyle{empty}&#10;\begin{document}&#10;\color{white}&#10;Disparities&#10;\end{document}"/>
   <p:tag name="IGUANATEXSIZE" val="20"/>
-  <p:tag name="IGUANATEXCURSOR" val="134"/>
+  <p:tag name="IGUANATEXCURSOR" val="124"/>
   <p:tag name="TRANSPARENCY" val="Wahr"/>
   <p:tag name="FILENAME" val=""/>
   <p:tag name="LATEXENGINEID" val="0"/>
@@ -29934,11 +33213,11 @@
 <file path=ppt/tags/tag82.xml><?xml version="1.0" encoding="utf-8"?>
 <p:tagLst xmlns:a="http://schemas.openxmlformats.org/drawingml/2006/main" xmlns:r="http://schemas.openxmlformats.org/officeDocument/2006/relationships" xmlns:p="http://schemas.openxmlformats.org/presentationml/2006/main">
   <p:tag name="OUTPUTDPI" val="1200"/>
-  <p:tag name="ORIGINALHEIGHT" val="110,2362"/>
-  <p:tag name="ORIGINALWIDTH" val="498,6877"/>
-  <p:tag name="LATEXADDIN" val="\documentclass{article}&#10;\usepackage{amsmath}&#10;\usepackage{color}&#10;\pagestyle{empty}&#10;\begin{document}&#10;%\color{white}&#10;Disparity&#10;\end{document}"/>
+  <p:tag name="ORIGINALHEIGHT" val="112,4859"/>
+  <p:tag name="ORIGINALWIDTH" val="1364,079"/>
+  <p:tag name="LATEXADDIN" val="\documentclass{article}&#10;\usepackage{amsmath}&#10;\usepackage{color}&#10;\pagestyle{empty}&#10;\begin{document}&#10;Left Edge Filtered Image&#10;\end{document}"/>
   <p:tag name="IGUANATEXSIZE" val="20"/>
-  <p:tag name="IGUANATEXCURSOR" val="114"/>
+  <p:tag name="IGUANATEXCURSOR" val="98"/>
   <p:tag name="TRANSPARENCY" val="Wahr"/>
   <p:tag name="FILENAME" val=""/>
   <p:tag name="LATEXENGINEID" val="0"/>
@@ -29953,11 +33232,11 @@
 <file path=ppt/tags/tag83.xml><?xml version="1.0" encoding="utf-8"?>
 <p:tagLst xmlns:a="http://schemas.openxmlformats.org/drawingml/2006/main" xmlns:r="http://schemas.openxmlformats.org/officeDocument/2006/relationships" xmlns:p="http://schemas.openxmlformats.org/presentationml/2006/main">
   <p:tag name="OUTPUTDPI" val="1200"/>
-  <p:tag name="ORIGINALHEIGHT" val="112,4859"/>
-  <p:tag name="ORIGINALWIDTH" val="1293,588"/>
-  <p:tag name="LATEXADDIN" val="\documentclass{article}&#10;\usepackage{amsmath}&#10;\usepackage{color}&#10;\pagestyle{empty}&#10;\begin{document}&#10;%\color{white}&#10;Least Squares Disparity&#10;\end{document}"/>
+  <p:tag name="ORIGINALHEIGHT" val="111,7361"/>
+  <p:tag name="ORIGINALWIDTH" val="1447,319"/>
+  <p:tag name="LATEXADDIN" val="\documentclass{article}&#10;\usepackage{amsmath}&#10;\usepackage{color}&#10;\pagestyle{empty}&#10;\begin{document}&#10;Right Edge Filtered Image&#10;\end{document}"/>
   <p:tag name="IGUANATEXSIZE" val="20"/>
-  <p:tag name="IGUANATEXCURSOR" val="114"/>
+  <p:tag name="IGUANATEXCURSOR" val="104"/>
   <p:tag name="TRANSPARENCY" val="Wahr"/>
   <p:tag name="FILENAME" val=""/>
   <p:tag name="LATEXENGINEID" val="0"/>
@@ -29972,11 +33251,11 @@
 <file path=ppt/tags/tag84.xml><?xml version="1.0" encoding="utf-8"?>
 <p:tagLst xmlns:a="http://schemas.openxmlformats.org/drawingml/2006/main" xmlns:r="http://schemas.openxmlformats.org/officeDocument/2006/relationships" xmlns:p="http://schemas.openxmlformats.org/presentationml/2006/main">
   <p:tag name="OUTPUTDPI" val="1200"/>
-  <p:tag name="ORIGINALHEIGHT" val="113,9857"/>
-  <p:tag name="ORIGINALWIDTH" val="979,3776"/>
-  <p:tag name="LATEXADDIN" val="\documentclass{article}&#10;\usepackage{amsmath}&#10;\usepackage{color}&#10;\pagestyle{empty}&#10;\begin{document}&#10;%\color{white}&#10;Average Disparity&#10;\end{document}"/>
+  <p:tag name="ORIGINALHEIGHT" val="112,4859"/>
+  <p:tag name="ORIGINALWIDTH" val="1044,62"/>
+  <p:tag name="LATEXADDIN" val="\documentclass{article}&#10;\usepackage{amsmath}&#10;\usepackage{color}&#10;\pagestyle{empty}&#10;\begin{document}&#10;Left Disparity Map&#10;\end{document}"/>
   <p:tag name="IGUANATEXSIZE" val="20"/>
-  <p:tag name="IGUANATEXCURSOR" val="131"/>
+  <p:tag name="IGUANATEXCURSOR" val="117"/>
   <p:tag name="TRANSPARENCY" val="Wahr"/>
   <p:tag name="FILENAME" val=""/>
   <p:tag name="LATEXENGINEID" val="0"/>
@@ -29991,11 +33270,11 @@
 <file path=ppt/tags/tag85.xml><?xml version="1.0" encoding="utf-8"?>
 <p:tagLst xmlns:a="http://schemas.openxmlformats.org/drawingml/2006/main" xmlns:r="http://schemas.openxmlformats.org/officeDocument/2006/relationships" xmlns:p="http://schemas.openxmlformats.org/presentationml/2006/main">
   <p:tag name="OUTPUTDPI" val="1200"/>
-  <p:tag name="ORIGINALHEIGHT" val="113,9857"/>
-  <p:tag name="ORIGINALWIDTH" val="1460,817"/>
-  <p:tag name="LATEXADDIN" val="\documentclass{article}&#10;\usepackage{amsmath}&#10;\usepackage{color}&#10;\pagestyle{empty}&#10;\begin{document}&#10;%\color{white}&#10;Average Squared Disparity &#10;\end{document}"/>
+  <p:tag name="ORIGINALHEIGHT" val="123,7346"/>
+  <p:tag name="ORIGINALWIDTH" val="888,6389"/>
+  <p:tag name="LATEXADDIN" val="\documentclass{article}&#10;\usepackage{amsmath}&#10;\usepackage{color}&#10;\pagestyle{empty}&#10;\begin{document}&#10;%\color{white}&#10;Left/Right RGB&#10;\end{document}"/>
   <p:tag name="IGUANATEXSIZE" val="20"/>
-  <p:tag name="IGUANATEXCURSOR" val="129"/>
+  <p:tag name="IGUANATEXCURSOR" val="128"/>
   <p:tag name="TRANSPARENCY" val="Wahr"/>
   <p:tag name="FILENAME" val=""/>
   <p:tag name="LATEXENGINEID" val="0"/>
@@ -30010,11 +33289,11 @@
 <file path=ppt/tags/tag86.xml><?xml version="1.0" encoding="utf-8"?>
 <p:tagLst xmlns:a="http://schemas.openxmlformats.org/drawingml/2006/main" xmlns:r="http://schemas.openxmlformats.org/officeDocument/2006/relationships" xmlns:p="http://schemas.openxmlformats.org/presentationml/2006/main">
   <p:tag name="OUTPUTDPI" val="1200"/>
-  <p:tag name="ORIGINALHEIGHT" val="110,9861"/>
-  <p:tag name="ORIGINALWIDTH" val="1008,624"/>
-  <p:tag name="LATEXADDIN" val="\documentclass{article}&#10;\usepackage{amsmath}&#10;\usepackage{color}&#10;\pagestyle{empty}&#10;\begin{document}&#10;%\color{white}&#10;Disparity Variance&#10;\end{document}"/>
+  <p:tag name="ORIGINALHEIGHT" val="123,7346"/>
+  <p:tag name="ORIGINALWIDTH" val="1145,857"/>
+  <p:tag name="LATEXADDIN" val="\documentclass{article}&#10;\usepackage{amsmath}&#10;\usepackage{color}&#10;\pagestyle{empty}&#10;\begin{document}&#10;%\color{white}&#10;Left/Right Grayscale&#10;\end{document}"/>
   <p:tag name="IGUANATEXSIZE" val="20"/>
-  <p:tag name="IGUANATEXCURSOR" val="124"/>
+  <p:tag name="IGUANATEXCURSOR" val="134"/>
   <p:tag name="TRANSPARENCY" val="Wahr"/>
   <p:tag name="FILENAME" val=""/>
   <p:tag name="LATEXENGINEID" val="0"/>
@@ -30029,11 +33308,11 @@
 <file path=ppt/tags/tag87.xml><?xml version="1.0" encoding="utf-8"?>
 <p:tagLst xmlns:a="http://schemas.openxmlformats.org/drawingml/2006/main" xmlns:r="http://schemas.openxmlformats.org/officeDocument/2006/relationships" xmlns:p="http://schemas.openxmlformats.org/presentationml/2006/main">
   <p:tag name="OUTPUTDPI" val="1200"/>
-  <p:tag name="ORIGINALHEIGHT" val="113,2358"/>
-  <p:tag name="ORIGINALWIDTH" val="1133,108"/>
-  <p:tag name="LATEXADDIN" val="\documentclass{article}&#10;\usepackage{amsmath}&#10;\usepackage{color}&#10;\pagestyle{empty}&#10;\begin{document}&#10;%\color{white}&#10;Disparity Confidence&#10;\end{document}"/>
+  <p:tag name="ORIGINALHEIGHT" val="123,7346"/>
+  <p:tag name="ORIGINALWIDTH" val="1359,58"/>
+  <p:tag name="LATEXADDIN" val="\documentclass{article}&#10;\usepackage{amsmath}&#10;\usepackage{color}&#10;\pagestyle{empty}&#10;\begin{document}&#10;%\color{white}&#10;Left/Right Edge Filtered&#10;\end{document}"/>
   <p:tag name="IGUANATEXSIZE" val="20"/>
-  <p:tag name="IGUANATEXCURSOR" val="124"/>
+  <p:tag name="IGUANATEXCURSOR" val="138"/>
   <p:tag name="TRANSPARENCY" val="Wahr"/>
   <p:tag name="FILENAME" val=""/>
   <p:tag name="LATEXENGINEID" val="0"/>
@@ -30048,11 +33327,11 @@
 <file path=ppt/tags/tag88.xml><?xml version="1.0" encoding="utf-8"?>
 <p:tagLst xmlns:a="http://schemas.openxmlformats.org/drawingml/2006/main" xmlns:r="http://schemas.openxmlformats.org/officeDocument/2006/relationships" xmlns:p="http://schemas.openxmlformats.org/presentationml/2006/main">
   <p:tag name="OUTPUTDPI" val="1200"/>
-  <p:tag name="ORIGINALHEIGHT" val="110,2362"/>
-  <p:tag name="ORIGINALWIDTH" val="740,1575"/>
-  <p:tag name="LATEXADDIN" val="\documentclass{article}&#10;\usepackage{amsmath}&#10;\usepackage{color}&#10;\pagestyle{empty}&#10;\begin{document}&#10;%\color{white}&#10;Epipolar Line&#10;\end{document}"/>
+  <p:tag name="ORIGINALHEIGHT" val="113,2358"/>
+  <p:tag name="ORIGINALWIDTH" val="1247,094"/>
+  <p:tag name="LATEXADDIN" val="\documentclass{article}&#10;\usepackage{amsmath}&#10;\usepackage{color}&#10;\pagestyle{empty}&#10;\begin{document}&#10;%\color{white}&#10;Left Right Consistency&#10;\end{document}"/>
   <p:tag name="IGUANATEXSIZE" val="20"/>
-  <p:tag name="IGUANATEXCURSOR" val="127"/>
+  <p:tag name="IGUANATEXCURSOR" val="136"/>
   <p:tag name="TRANSPARENCY" val="Wahr"/>
   <p:tag name="FILENAME" val=""/>
   <p:tag name="LATEXENGINEID" val="0"/>
@@ -30067,11 +33346,11 @@
 <file path=ppt/tags/tag89.xml><?xml version="1.0" encoding="utf-8"?>
 <p:tagLst xmlns:a="http://schemas.openxmlformats.org/drawingml/2006/main" xmlns:r="http://schemas.openxmlformats.org/officeDocument/2006/relationships" xmlns:p="http://schemas.openxmlformats.org/presentationml/2006/main">
   <p:tag name="OUTPUTDPI" val="1200"/>
-  <p:tag name="ORIGINALHEIGHT" val="90,73866"/>
-  <p:tag name="ORIGINALWIDTH" val="678,6652"/>
-  <p:tag name="LATEXADDIN" val="\documentclass{article}&#10;\usepackage{amsmath}&#10;\usepackage{color}&#10;\pagestyle{empty}&#10;\begin{document}&#10;%\color{white}&#10;Left Camera&#10;\end{document}"/>
+  <p:tag name="ORIGINALHEIGHT" val="110,2362"/>
+  <p:tag name="ORIGINALWIDTH" val="783,652"/>
+  <p:tag name="LATEXADDIN" val="\documentclass{article}&#10;\usepackage{amsmath}&#10;\usepackage{color}&#10;\pagestyle{empty}&#10;\begin{document}&#10;%\color{white}&#10;Disparity Map&#10;\end{document}"/>
   <p:tag name="IGUANATEXSIZE" val="20"/>
-  <p:tag name="IGUANATEXCURSOR" val="125"/>
+  <p:tag name="IGUANATEXCURSOR" val="114"/>
   <p:tag name="TRANSPARENCY" val="Wahr"/>
   <p:tag name="FILENAME" val=""/>
   <p:tag name="LATEXENGINEID" val="0"/>
@@ -30106,10 +33385,10 @@
 <p:tagLst xmlns:a="http://schemas.openxmlformats.org/drawingml/2006/main" xmlns:r="http://schemas.openxmlformats.org/officeDocument/2006/relationships" xmlns:p="http://schemas.openxmlformats.org/presentationml/2006/main">
   <p:tag name="OUTPUTDPI" val="1200"/>
   <p:tag name="ORIGINALHEIGHT" val="113,2358"/>
-  <p:tag name="ORIGINALWIDTH" val="761,9047"/>
-  <p:tag name="LATEXADDIN" val="\documentclass{article}&#10;\usepackage{amsmath}&#10;\usepackage{color}&#10;\pagestyle{empty}&#10;\begin{document}&#10;%\color{white}&#10;Right Camera&#10;\end{document}"/>
+  <p:tag name="ORIGINALWIDTH" val="1135,358"/>
+  <p:tag name="LATEXADDIN" val="\documentclass{article}&#10;\usepackage{amsmath}&#10;\usepackage{color}&#10;\pagestyle{empty}&#10;\begin{document}&#10;%\color{white}&#10;Confidence Weighted&#10;\end{document}"/>
   <p:tag name="IGUANATEXSIZE" val="20"/>
-  <p:tag name="IGUANATEXCURSOR" val="120"/>
+  <p:tag name="IGUANATEXCURSOR" val="133"/>
   <p:tag name="TRANSPARENCY" val="Wahr"/>
   <p:tag name="FILENAME" val=""/>
   <p:tag name="LATEXENGINEID" val="0"/>
@@ -30125,10 +33404,10 @@
 <p:tagLst xmlns:a="http://schemas.openxmlformats.org/drawingml/2006/main" xmlns:r="http://schemas.openxmlformats.org/officeDocument/2006/relationships" xmlns:p="http://schemas.openxmlformats.org/presentationml/2006/main">
   <p:tag name="OUTPUTDPI" val="1200"/>
   <p:tag name="ORIGINALHEIGHT" val="113,2358"/>
-  <p:tag name="ORIGINALWIDTH" val="357,7053"/>
-  <p:tag name="LATEXADDIN" val="\documentclass{article}&#10;\usepackage{amsmath}&#10;\usepackage{color}&#10;\pagestyle{empty}&#10;\begin{document}&#10;%\color{white}&#10;Object&#10;\end{document}"/>
+  <p:tag name="ORIGINALWIDTH" val="1188,601"/>
+  <p:tag name="LATEXADDIN" val="\documentclass{article}&#10;\usepackage{amsmath}&#10;\usepackage{color}&#10;\pagestyle{empty}&#10;\begin{document}&#10;%\color{white}&#10;Consistency Weighted&#10;\end{document}"/>
   <p:tag name="IGUANATEXSIZE" val="20"/>
-  <p:tag name="IGUANATEXCURSOR" val="120"/>
+  <p:tag name="IGUANATEXCURSOR" val="134"/>
   <p:tag name="TRANSPARENCY" val="Wahr"/>
   <p:tag name="FILENAME" val=""/>
   <p:tag name="LATEXENGINEID" val="0"/>
@@ -30143,11 +33422,11 @@
 <file path=ppt/tags/tag92.xml><?xml version="1.0" encoding="utf-8"?>
 <p:tagLst xmlns:a="http://schemas.openxmlformats.org/drawingml/2006/main" xmlns:r="http://schemas.openxmlformats.org/officeDocument/2006/relationships" xmlns:p="http://schemas.openxmlformats.org/presentationml/2006/main">
   <p:tag name="OUTPUTDPI" val="1200"/>
-  <p:tag name="ORIGINALHEIGHT" val="110,9861"/>
-  <p:tag name="ORIGINALWIDTH" val="321,7098"/>
-  <p:tag name="LATEXADDIN" val="\documentclass{article}&#10;\usepackage{amsmath}&#10;\usepackage{color}&#10;\pagestyle{empty}&#10;\begin{document}&#10;%\color{white}&#10;Image&#10;\end{document}"/>
+  <p:tag name="ORIGINALHEIGHT" val="110,2362"/>
+  <p:tag name="ORIGINALWIDTH" val="498,6877"/>
+  <p:tag name="LATEXADDIN" val="\documentclass{article}&#10;\usepackage{amsmath}&#10;\usepackage{color}&#10;\pagestyle{empty}&#10;\begin{document}&#10;%\color{white}&#10;Disparity&#10;\end{document}"/>
   <p:tag name="IGUANATEXSIZE" val="20"/>
-  <p:tag name="IGUANATEXCURSOR" val="119"/>
+  <p:tag name="IGUANATEXCURSOR" val="114"/>
   <p:tag name="TRANSPARENCY" val="Wahr"/>
   <p:tag name="FILENAME" val=""/>
   <p:tag name="LATEXENGINEID" val="0"/>
@@ -30162,11 +33441,11 @@
 <file path=ppt/tags/tag93.xml><?xml version="1.0" encoding="utf-8"?>
 <p:tagLst xmlns:a="http://schemas.openxmlformats.org/drawingml/2006/main" xmlns:r="http://schemas.openxmlformats.org/officeDocument/2006/relationships" xmlns:p="http://schemas.openxmlformats.org/presentationml/2006/main">
   <p:tag name="OUTPUTDPI" val="1200"/>
-  <p:tag name="ORIGINALHEIGHT" val="85,48929"/>
-  <p:tag name="ORIGINALWIDTH" val="114,7357"/>
-  <p:tag name="LATEXADDIN" val="\documentclass{article}&#10;\usepackage{amsmath}&#10;\usepackage{bm}&#10;\usepackage{color}&#10;\pagestyle{empty}&#10;\begin{document}&#10;%\color{white}&#10;\begin{equation}&#10;\bm{X}&#10;\nonumber&#10;\end{equation}&#10;\end{document}"/>
+  <p:tag name="ORIGINALHEIGHT" val="112,4859"/>
+  <p:tag name="ORIGINALWIDTH" val="1293,588"/>
+  <p:tag name="LATEXADDIN" val="\documentclass{article}&#10;\usepackage{amsmath}&#10;\usepackage{color}&#10;\pagestyle{empty}&#10;\begin{document}&#10;%\color{white}&#10;Least Squares Disparity&#10;\end{document}"/>
   <p:tag name="IGUANATEXSIZE" val="20"/>
-  <p:tag name="IGUANATEXCURSOR" val="163"/>
+  <p:tag name="IGUANATEXCURSOR" val="114"/>
   <p:tag name="TRANSPARENCY" val="Wahr"/>
   <p:tag name="FILENAME" val=""/>
   <p:tag name="LATEXENGINEID" val="0"/>
@@ -30181,11 +33460,11 @@
 <file path=ppt/tags/tag94.xml><?xml version="1.0" encoding="utf-8"?>
 <p:tagLst xmlns:a="http://schemas.openxmlformats.org/drawingml/2006/main" xmlns:r="http://schemas.openxmlformats.org/officeDocument/2006/relationships" xmlns:p="http://schemas.openxmlformats.org/presentationml/2006/main">
   <p:tag name="OUTPUTDPI" val="1200"/>
-  <p:tag name="ORIGINALHEIGHT" val="101,2373"/>
-  <p:tag name="ORIGINALWIDTH" val="103,4871"/>
-  <p:tag name="LATEXADDIN" val="\documentclass{article}&#10;\usepackage{amsmath}&#10;\usepackage{bm}&#10;\usepackage{color}&#10;\pagestyle{empty}&#10;\begin{document}&#10;%\color{white}&#10;\begin{equation}&#10;\bm{x}'&#10;\nonumber&#10;\end{equation}&#10;\end{document}"/>
+  <p:tag name="ORIGINALHEIGHT" val="113,9857"/>
+  <p:tag name="ORIGINALWIDTH" val="979,3776"/>
+  <p:tag name="LATEXADDIN" val="\documentclass{article}&#10;\usepackage{amsmath}&#10;\usepackage{color}&#10;\pagestyle{empty}&#10;\begin{document}&#10;%\color{white}&#10;Average Disparity&#10;\end{document}"/>
   <p:tag name="IGUANATEXSIZE" val="20"/>
-  <p:tag name="IGUANATEXCURSOR" val="154"/>
+  <p:tag name="IGUANATEXCURSOR" val="131"/>
   <p:tag name="TRANSPARENCY" val="Wahr"/>
   <p:tag name="FILENAME" val=""/>
   <p:tag name="LATEXENGINEID" val="0"/>
@@ -30200,11 +33479,11 @@
 <file path=ppt/tags/tag95.xml><?xml version="1.0" encoding="utf-8"?>
 <p:tagLst xmlns:a="http://schemas.openxmlformats.org/drawingml/2006/main" xmlns:r="http://schemas.openxmlformats.org/officeDocument/2006/relationships" xmlns:p="http://schemas.openxmlformats.org/presentationml/2006/main">
   <p:tag name="OUTPUTDPI" val="1200"/>
-  <p:tag name="ORIGINALHEIGHT" val="75,74055"/>
-  <p:tag name="ORIGINALWIDTH" val="120,7349"/>
-  <p:tag name="LATEXADDIN" val="\documentclass{article}&#10;\usepackage{amsmath}&#10;\usepackage{bm}&#10;\usepackage{color}&#10;\pagestyle{empty}&#10;\begin{document}&#10;\begin{equation}&#10;\bm{x}_c&#10;\nonumber&#10;\end{equation}&#10;\end{document}"/>
+  <p:tag name="ORIGINALHEIGHT" val="113,9857"/>
+  <p:tag name="ORIGINALWIDTH" val="1460,817"/>
+  <p:tag name="LATEXADDIN" val="\documentclass{article}&#10;\usepackage{amsmath}&#10;\usepackage{color}&#10;\pagestyle{empty}&#10;\begin{document}&#10;%\color{white}&#10;Average Squared Disparity &#10;\end{document}"/>
   <p:tag name="IGUANATEXSIZE" val="20"/>
-  <p:tag name="IGUANATEXCURSOR" val="140"/>
+  <p:tag name="IGUANATEXCURSOR" val="129"/>
   <p:tag name="TRANSPARENCY" val="Wahr"/>
   <p:tag name="FILENAME" val=""/>
   <p:tag name="LATEXENGINEID" val="0"/>
@@ -30219,11 +33498,11 @@
 <file path=ppt/tags/tag96.xml><?xml version="1.0" encoding="utf-8"?>
 <p:tagLst xmlns:a="http://schemas.openxmlformats.org/drawingml/2006/main" xmlns:r="http://schemas.openxmlformats.org/officeDocument/2006/relationships" xmlns:p="http://schemas.openxmlformats.org/presentationml/2006/main">
   <p:tag name="OUTPUTDPI" val="1200"/>
-  <p:tag name="ORIGINALHEIGHT" val="80,98985"/>
-  <p:tag name="ORIGINALWIDTH" val="113,2358"/>
-  <p:tag name="LATEXADDIN" val="\documentclass{article}&#10;\usepackage{amsmath}&#10;\usepackage{bm}&#10;\usepackage{color}&#10;\pagestyle{empty}&#10;\begin{document}&#10;\begin{equation}&#10;\bm{y}_c&#10;\nonumber&#10;\end{equation}&#10;\end{document}"/>
+  <p:tag name="ORIGINALHEIGHT" val="110,9861"/>
+  <p:tag name="ORIGINALWIDTH" val="1008,624"/>
+  <p:tag name="LATEXADDIN" val="\documentclass{article}&#10;\usepackage{amsmath}&#10;\usepackage{color}&#10;\pagestyle{empty}&#10;\begin{document}&#10;%\color{white}&#10;Disparity Variance&#10;\end{document}"/>
   <p:tag name="IGUANATEXSIZE" val="20"/>
-  <p:tag name="IGUANATEXCURSOR" val="140"/>
+  <p:tag name="IGUANATEXCURSOR" val="124"/>
   <p:tag name="TRANSPARENCY" val="Wahr"/>
   <p:tag name="FILENAME" val=""/>
   <p:tag name="LATEXENGINEID" val="0"/>
@@ -30238,11 +33517,11 @@
 <file path=ppt/tags/tag97.xml><?xml version="1.0" encoding="utf-8"?>
 <p:tagLst xmlns:a="http://schemas.openxmlformats.org/drawingml/2006/main" xmlns:r="http://schemas.openxmlformats.org/officeDocument/2006/relationships" xmlns:p="http://schemas.openxmlformats.org/presentationml/2006/main">
   <p:tag name="OUTPUTDPI" val="1200"/>
-  <p:tag name="ORIGINALHEIGHT" val="75,74055"/>
-  <p:tag name="ORIGINALWIDTH" val="107,9865"/>
-  <p:tag name="LATEXADDIN" val="\documentclass{article}&#10;\usepackage{amsmath}&#10;\usepackage{bm}&#10;\usepackage{color}&#10;\pagestyle{empty}&#10;\begin{document}&#10;\begin{equation}&#10;\bm{z}_c&#10;\nonumber&#10;\end{equation}&#10;\end{document}"/>
+  <p:tag name="ORIGINALHEIGHT" val="113,2358"/>
+  <p:tag name="ORIGINALWIDTH" val="1133,108"/>
+  <p:tag name="LATEXADDIN" val="\documentclass{article}&#10;\usepackage{amsmath}&#10;\usepackage{color}&#10;\pagestyle{empty}&#10;\begin{document}&#10;%\color{white}&#10;Disparity Confidence&#10;\end{document}"/>
   <p:tag name="IGUANATEXSIZE" val="20"/>
-  <p:tag name="IGUANATEXCURSOR" val="140"/>
+  <p:tag name="IGUANATEXCURSOR" val="124"/>
   <p:tag name="TRANSPARENCY" val="Wahr"/>
   <p:tag name="FILENAME" val=""/>
   <p:tag name="LATEXENGINEID" val="0"/>
@@ -30257,11 +33536,11 @@
 <file path=ppt/tags/tag98.xml><?xml version="1.0" encoding="utf-8"?>
 <p:tagLst xmlns:a="http://schemas.openxmlformats.org/drawingml/2006/main" xmlns:r="http://schemas.openxmlformats.org/officeDocument/2006/relationships" xmlns:p="http://schemas.openxmlformats.org/presentationml/2006/main">
   <p:tag name="OUTPUTDPI" val="1200"/>
-  <p:tag name="ORIGINALHEIGHT" val="90,73866"/>
-  <p:tag name="ORIGINALWIDTH" val="414,6982"/>
-  <p:tag name="LATEXADDIN" val="\documentclass{article}&#10;\usepackage{amsmath}&#10;\usepackage{bm}&#10;\usepackage{color}&#10;\pagestyle{empty}&#10;\begin{document}&#10;Camera&#10;\end{document}"/>
+  <p:tag name="ORIGINALHEIGHT" val="110,2362"/>
+  <p:tag name="ORIGINALWIDTH" val="740,1575"/>
+  <p:tag name="LATEXADDIN" val="\documentclass{article}&#10;\usepackage{amsmath}&#10;\usepackage{color}&#10;\pagestyle{empty}&#10;\begin{document}&#10;%\color{white}&#10;Epipolar Line&#10;\end{document}"/>
   <p:tag name="IGUANATEXSIZE" val="20"/>
-  <p:tag name="IGUANATEXCURSOR" val="121"/>
+  <p:tag name="IGUANATEXCURSOR" val="127"/>
   <p:tag name="TRANSPARENCY" val="Wahr"/>
   <p:tag name="FILENAME" val=""/>
   <p:tag name="LATEXENGINEID" val="0"/>
@@ -30276,11 +33555,11 @@
 <file path=ppt/tags/tag99.xml><?xml version="1.0" encoding="utf-8"?>
 <p:tagLst xmlns:a="http://schemas.openxmlformats.org/drawingml/2006/main" xmlns:r="http://schemas.openxmlformats.org/officeDocument/2006/relationships" xmlns:p="http://schemas.openxmlformats.org/presentationml/2006/main">
   <p:tag name="OUTPUTDPI" val="1200"/>
-  <p:tag name="ORIGINALHEIGHT" val="112,4859"/>
-  <p:tag name="ORIGINALWIDTH" val="338,2077"/>
-  <p:tag name="LATEXADDIN" val="\documentclass{article}&#10;\usepackage{amsmath}&#10;\usepackage{bm}&#10;\usepackage{color}&#10;\pagestyle{empty}&#10;\begin{document}&#10;\begin{equation}&#10;z_c = f&#10;\nonumber&#10;\end{equation}&#10;\end{document}"/>
+  <p:tag name="ORIGINALHEIGHT" val="90,73866"/>
+  <p:tag name="ORIGINALWIDTH" val="678,6652"/>
+  <p:tag name="LATEXADDIN" val="\documentclass{article}&#10;\usepackage{amsmath}&#10;\usepackage{color}&#10;\pagestyle{empty}&#10;\begin{document}&#10;%\color{white}&#10;Left Camera&#10;\end{document}"/>
   <p:tag name="IGUANATEXSIZE" val="20"/>
-  <p:tag name="IGUANATEXCURSOR" val="139"/>
+  <p:tag name="IGUANATEXCURSOR" val="125"/>
   <p:tag name="TRANSPARENCY" val="Wahr"/>
   <p:tag name="FILENAME" val=""/>
   <p:tag name="LATEXENGINEID" val="0"/>

--- a/windows/masters_thesis_imgs.pptx
+++ b/windows/masters_thesis_imgs.pptx
@@ -17,6 +17,8 @@
     <p:sldId id="265" r:id="rId11"/>
     <p:sldId id="266" r:id="rId12"/>
     <p:sldId id="267" r:id="rId13"/>
+    <p:sldId id="268" r:id="rId14"/>
+    <p:sldId id="269" r:id="rId15"/>
   </p:sldIdLst>
   <p:sldSz cx="12192000" cy="6858000"/>
   <p:notesSz cx="6858000" cy="9144000"/>
@@ -283,7 +285,7 @@
           <a:p>
             <a:fld id="{E9193408-0E9E-4716-B232-5E8342DA9E48}" type="datetimeFigureOut">
               <a:rPr lang="en-GB" smtClean="0"/>
-              <a:t>03/07/2019</a:t>
+              <a:t>16/07/2019</a:t>
             </a:fld>
             <a:endParaRPr lang="en-GB"/>
           </a:p>
@@ -483,7 +485,7 @@
           <a:p>
             <a:fld id="{E9193408-0E9E-4716-B232-5E8342DA9E48}" type="datetimeFigureOut">
               <a:rPr lang="en-GB" smtClean="0"/>
-              <a:t>03/07/2019</a:t>
+              <a:t>16/07/2019</a:t>
             </a:fld>
             <a:endParaRPr lang="en-GB"/>
           </a:p>
@@ -693,7 +695,7 @@
           <a:p>
             <a:fld id="{E9193408-0E9E-4716-B232-5E8342DA9E48}" type="datetimeFigureOut">
               <a:rPr lang="en-GB" smtClean="0"/>
-              <a:t>03/07/2019</a:t>
+              <a:t>16/07/2019</a:t>
             </a:fld>
             <a:endParaRPr lang="en-GB"/>
           </a:p>
@@ -893,7 +895,7 @@
           <a:p>
             <a:fld id="{E9193408-0E9E-4716-B232-5E8342DA9E48}" type="datetimeFigureOut">
               <a:rPr lang="en-GB" smtClean="0"/>
-              <a:t>03/07/2019</a:t>
+              <a:t>16/07/2019</a:t>
             </a:fld>
             <a:endParaRPr lang="en-GB"/>
           </a:p>
@@ -1169,7 +1171,7 @@
           <a:p>
             <a:fld id="{E9193408-0E9E-4716-B232-5E8342DA9E48}" type="datetimeFigureOut">
               <a:rPr lang="en-GB" smtClean="0"/>
-              <a:t>03/07/2019</a:t>
+              <a:t>16/07/2019</a:t>
             </a:fld>
             <a:endParaRPr lang="en-GB"/>
           </a:p>
@@ -1437,7 +1439,7 @@
           <a:p>
             <a:fld id="{E9193408-0E9E-4716-B232-5E8342DA9E48}" type="datetimeFigureOut">
               <a:rPr lang="en-GB" smtClean="0"/>
-              <a:t>03/07/2019</a:t>
+              <a:t>16/07/2019</a:t>
             </a:fld>
             <a:endParaRPr lang="en-GB"/>
           </a:p>
@@ -1852,7 +1854,7 @@
           <a:p>
             <a:fld id="{E9193408-0E9E-4716-B232-5E8342DA9E48}" type="datetimeFigureOut">
               <a:rPr lang="en-GB" smtClean="0"/>
-              <a:t>03/07/2019</a:t>
+              <a:t>16/07/2019</a:t>
             </a:fld>
             <a:endParaRPr lang="en-GB"/>
           </a:p>
@@ -1994,7 +1996,7 @@
           <a:p>
             <a:fld id="{E9193408-0E9E-4716-B232-5E8342DA9E48}" type="datetimeFigureOut">
               <a:rPr lang="en-GB" smtClean="0"/>
-              <a:t>03/07/2019</a:t>
+              <a:t>16/07/2019</a:t>
             </a:fld>
             <a:endParaRPr lang="en-GB"/>
           </a:p>
@@ -2107,7 +2109,7 @@
           <a:p>
             <a:fld id="{E9193408-0E9E-4716-B232-5E8342DA9E48}" type="datetimeFigureOut">
               <a:rPr lang="en-GB" smtClean="0"/>
-              <a:t>03/07/2019</a:t>
+              <a:t>16/07/2019</a:t>
             </a:fld>
             <a:endParaRPr lang="en-GB"/>
           </a:p>
@@ -2420,7 +2422,7 @@
           <a:p>
             <a:fld id="{E9193408-0E9E-4716-B232-5E8342DA9E48}" type="datetimeFigureOut">
               <a:rPr lang="en-GB" smtClean="0"/>
-              <a:t>03/07/2019</a:t>
+              <a:t>16/07/2019</a:t>
             </a:fld>
             <a:endParaRPr lang="en-GB"/>
           </a:p>
@@ -2709,7 +2711,7 @@
           <a:p>
             <a:fld id="{E9193408-0E9E-4716-B232-5E8342DA9E48}" type="datetimeFigureOut">
               <a:rPr lang="en-GB" smtClean="0"/>
-              <a:t>03/07/2019</a:t>
+              <a:t>16/07/2019</a:t>
             </a:fld>
             <a:endParaRPr lang="en-GB"/>
           </a:p>
@@ -2952,7 +2954,7 @@
           <a:p>
             <a:fld id="{E9193408-0E9E-4716-B232-5E8342DA9E48}" type="datetimeFigureOut">
               <a:rPr lang="en-GB" smtClean="0"/>
-              <a:t>03/07/2019</a:t>
+              <a:t>16/07/2019</a:t>
             </a:fld>
             <a:endParaRPr lang="en-GB"/>
           </a:p>
@@ -16119,6 +16121,3896 @@
 </p:sld>
 </file>
 
+<file path=ppt/slides/slide13.xml><?xml version="1.0" encoding="utf-8"?>
+<p:sld xmlns:a="http://schemas.openxmlformats.org/drawingml/2006/main" xmlns:r="http://schemas.openxmlformats.org/officeDocument/2006/relationships" xmlns:p="http://schemas.openxmlformats.org/presentationml/2006/main">
+  <p:cSld>
+    <p:spTree>
+      <p:nvGrpSpPr>
+        <p:cNvPr id="1" name=""/>
+        <p:cNvGrpSpPr/>
+        <p:nvPr/>
+      </p:nvGrpSpPr>
+      <p:grpSpPr>
+        <a:xfrm>
+          <a:off x="0" y="0"/>
+          <a:ext cx="0" cy="0"/>
+          <a:chOff x="0" y="0"/>
+          <a:chExt cx="0" cy="0"/>
+        </a:xfrm>
+      </p:grpSpPr>
+      <p:sp>
+        <p:nvSpPr>
+          <p:cNvPr id="4" name="Textfeld 3">
+            <a:extLst>
+              <a:ext uri="{FF2B5EF4-FFF2-40B4-BE49-F238E27FC236}">
+                <a16:creationId xmlns:a16="http://schemas.microsoft.com/office/drawing/2014/main" id="{6E90EED2-517F-4691-8170-B92D30635D0C}"/>
+              </a:ext>
+            </a:extLst>
+          </p:cNvPr>
+          <p:cNvSpPr txBox="1"/>
+          <p:nvPr/>
+        </p:nvSpPr>
+        <p:spPr>
+          <a:xfrm>
+            <a:off x="76199" y="66675"/>
+            <a:ext cx="2088017" cy="369332"/>
+          </a:xfrm>
+          <a:prstGeom prst="rect">
+            <a:avLst/>
+          </a:prstGeom>
+          <a:noFill/>
+        </p:spPr>
+        <p:txBody>
+          <a:bodyPr wrap="square" rtlCol="0">
+            <a:spAutoFit/>
+          </a:bodyPr>
+          <a:lstStyle/>
+          <a:p>
+            <a:r>
+              <a:rPr lang="de-DE" dirty="0" err="1"/>
+              <a:t>Neural</a:t>
+            </a:r>
+            <a:r>
+              <a:rPr lang="de-DE" dirty="0"/>
+              <a:t> Nets</a:t>
+            </a:r>
+            <a:endParaRPr lang="en-GB" dirty="0"/>
+          </a:p>
+        </p:txBody>
+      </p:sp>
+      <p:grpSp>
+        <p:nvGrpSpPr>
+          <p:cNvPr id="153" name="Gruppieren 152">
+            <a:extLst>
+              <a:ext uri="{FF2B5EF4-FFF2-40B4-BE49-F238E27FC236}">
+                <a16:creationId xmlns:a16="http://schemas.microsoft.com/office/drawing/2014/main" id="{036B3B50-34E7-4C94-BCBD-99581673065A}"/>
+              </a:ext>
+            </a:extLst>
+          </p:cNvPr>
+          <p:cNvGrpSpPr/>
+          <p:nvPr/>
+        </p:nvGrpSpPr>
+        <p:grpSpPr>
+          <a:xfrm>
+            <a:off x="6872337" y="251341"/>
+            <a:ext cx="4916675" cy="3807189"/>
+            <a:chOff x="4534251" y="366627"/>
+            <a:chExt cx="4916675" cy="3807189"/>
+          </a:xfrm>
+        </p:grpSpPr>
+        <p:sp>
+          <p:nvSpPr>
+            <p:cNvPr id="62" name="Ellipse 61">
+              <a:extLst>
+                <a:ext uri="{FF2B5EF4-FFF2-40B4-BE49-F238E27FC236}">
+                  <a16:creationId xmlns:a16="http://schemas.microsoft.com/office/drawing/2014/main" id="{E1D7D6BA-2074-4F35-B56E-8F8B880C3BE5}"/>
+                </a:ext>
+              </a:extLst>
+            </p:cNvPr>
+            <p:cNvSpPr/>
+            <p:nvPr/>
+          </p:nvSpPr>
+          <p:spPr>
+            <a:xfrm>
+              <a:off x="4534251" y="1269000"/>
+              <a:ext cx="360000" cy="360000"/>
+            </a:xfrm>
+            <a:prstGeom prst="ellipse">
+              <a:avLst/>
+            </a:prstGeom>
+            <a:solidFill>
+              <a:srgbClr val="FF7F2B"/>
+            </a:solidFill>
+            <a:ln>
+              <a:noFill/>
+            </a:ln>
+          </p:spPr>
+          <p:style>
+            <a:lnRef idx="2">
+              <a:schemeClr val="accent1">
+                <a:shade val="50000"/>
+              </a:schemeClr>
+            </a:lnRef>
+            <a:fillRef idx="1">
+              <a:schemeClr val="accent1"/>
+            </a:fillRef>
+            <a:effectRef idx="0">
+              <a:schemeClr val="accent1"/>
+            </a:effectRef>
+            <a:fontRef idx="minor">
+              <a:schemeClr val="lt1"/>
+            </a:fontRef>
+          </p:style>
+          <p:txBody>
+            <a:bodyPr rtlCol="0" anchor="ctr"/>
+            <a:lstStyle/>
+            <a:p>
+              <a:pPr algn="ctr"/>
+              <a:endParaRPr lang="en-GB"/>
+            </a:p>
+          </p:txBody>
+        </p:sp>
+        <p:sp>
+          <p:nvSpPr>
+            <p:cNvPr id="64" name="Ellipse 63">
+              <a:extLst>
+                <a:ext uri="{FF2B5EF4-FFF2-40B4-BE49-F238E27FC236}">
+                  <a16:creationId xmlns:a16="http://schemas.microsoft.com/office/drawing/2014/main" id="{B8967725-19DA-4D6D-948E-D211F60EF405}"/>
+                </a:ext>
+              </a:extLst>
+            </p:cNvPr>
+            <p:cNvSpPr/>
+            <p:nvPr/>
+          </p:nvSpPr>
+          <p:spPr>
+            <a:xfrm>
+              <a:off x="4534251" y="1989000"/>
+              <a:ext cx="360000" cy="360000"/>
+            </a:xfrm>
+            <a:prstGeom prst="ellipse">
+              <a:avLst/>
+            </a:prstGeom>
+            <a:solidFill>
+              <a:srgbClr val="FF7F2B"/>
+            </a:solidFill>
+            <a:ln>
+              <a:noFill/>
+            </a:ln>
+          </p:spPr>
+          <p:style>
+            <a:lnRef idx="2">
+              <a:schemeClr val="accent1">
+                <a:shade val="50000"/>
+              </a:schemeClr>
+            </a:lnRef>
+            <a:fillRef idx="1">
+              <a:schemeClr val="accent1"/>
+            </a:fillRef>
+            <a:effectRef idx="0">
+              <a:schemeClr val="accent1"/>
+            </a:effectRef>
+            <a:fontRef idx="minor">
+              <a:schemeClr val="lt1"/>
+            </a:fontRef>
+          </p:style>
+          <p:txBody>
+            <a:bodyPr rtlCol="0" anchor="ctr"/>
+            <a:lstStyle/>
+            <a:p>
+              <a:pPr algn="ctr"/>
+              <a:endParaRPr lang="en-GB"/>
+            </a:p>
+          </p:txBody>
+        </p:sp>
+        <p:sp>
+          <p:nvSpPr>
+            <p:cNvPr id="65" name="Ellipse 64">
+              <a:extLst>
+                <a:ext uri="{FF2B5EF4-FFF2-40B4-BE49-F238E27FC236}">
+                  <a16:creationId xmlns:a16="http://schemas.microsoft.com/office/drawing/2014/main" id="{6CB5632D-0CE8-424E-B1D9-BC8B42514445}"/>
+                </a:ext>
+              </a:extLst>
+            </p:cNvPr>
+            <p:cNvSpPr/>
+            <p:nvPr/>
+          </p:nvSpPr>
+          <p:spPr>
+            <a:xfrm>
+              <a:off x="5992654" y="1629000"/>
+              <a:ext cx="360000" cy="360000"/>
+            </a:xfrm>
+            <a:prstGeom prst="ellipse">
+              <a:avLst/>
+            </a:prstGeom>
+            <a:solidFill>
+              <a:srgbClr val="FF7F2B"/>
+            </a:solidFill>
+            <a:ln>
+              <a:noFill/>
+            </a:ln>
+          </p:spPr>
+          <p:style>
+            <a:lnRef idx="2">
+              <a:schemeClr val="accent1">
+                <a:shade val="50000"/>
+              </a:schemeClr>
+            </a:lnRef>
+            <a:fillRef idx="1">
+              <a:schemeClr val="accent1"/>
+            </a:fillRef>
+            <a:effectRef idx="0">
+              <a:schemeClr val="accent1"/>
+            </a:effectRef>
+            <a:fontRef idx="minor">
+              <a:schemeClr val="lt1"/>
+            </a:fontRef>
+          </p:style>
+          <p:txBody>
+            <a:bodyPr rtlCol="0" anchor="ctr"/>
+            <a:lstStyle/>
+            <a:p>
+              <a:pPr algn="ctr"/>
+              <a:endParaRPr lang="en-GB"/>
+            </a:p>
+          </p:txBody>
+        </p:sp>
+        <p:sp>
+          <p:nvSpPr>
+            <p:cNvPr id="66" name="Ellipse 65">
+              <a:extLst>
+                <a:ext uri="{FF2B5EF4-FFF2-40B4-BE49-F238E27FC236}">
+                  <a16:creationId xmlns:a16="http://schemas.microsoft.com/office/drawing/2014/main" id="{F6B16C09-29A6-4346-B137-D4B9430CD9C1}"/>
+                </a:ext>
+              </a:extLst>
+            </p:cNvPr>
+            <p:cNvSpPr/>
+            <p:nvPr/>
+          </p:nvSpPr>
+          <p:spPr>
+            <a:xfrm>
+              <a:off x="5992654" y="2349000"/>
+              <a:ext cx="360000" cy="360000"/>
+            </a:xfrm>
+            <a:prstGeom prst="ellipse">
+              <a:avLst/>
+            </a:prstGeom>
+            <a:solidFill>
+              <a:srgbClr val="FF7F2B"/>
+            </a:solidFill>
+            <a:ln>
+              <a:noFill/>
+            </a:ln>
+          </p:spPr>
+          <p:style>
+            <a:lnRef idx="2">
+              <a:schemeClr val="accent1">
+                <a:shade val="50000"/>
+              </a:schemeClr>
+            </a:lnRef>
+            <a:fillRef idx="1">
+              <a:schemeClr val="accent1"/>
+            </a:fillRef>
+            <a:effectRef idx="0">
+              <a:schemeClr val="accent1"/>
+            </a:effectRef>
+            <a:fontRef idx="minor">
+              <a:schemeClr val="lt1"/>
+            </a:fontRef>
+          </p:style>
+          <p:txBody>
+            <a:bodyPr rtlCol="0" anchor="ctr"/>
+            <a:lstStyle/>
+            <a:p>
+              <a:pPr algn="ctr"/>
+              <a:endParaRPr lang="en-GB"/>
+            </a:p>
+          </p:txBody>
+        </p:sp>
+        <p:sp>
+          <p:nvSpPr>
+            <p:cNvPr id="67" name="Ellipse 66">
+              <a:extLst>
+                <a:ext uri="{FF2B5EF4-FFF2-40B4-BE49-F238E27FC236}">
+                  <a16:creationId xmlns:a16="http://schemas.microsoft.com/office/drawing/2014/main" id="{8AE22BCE-A727-440C-B082-AFA7F104B391}"/>
+                </a:ext>
+              </a:extLst>
+            </p:cNvPr>
+            <p:cNvSpPr/>
+            <p:nvPr/>
+          </p:nvSpPr>
+          <p:spPr>
+            <a:xfrm>
+              <a:off x="5992654" y="3069000"/>
+              <a:ext cx="360000" cy="360000"/>
+            </a:xfrm>
+            <a:prstGeom prst="ellipse">
+              <a:avLst/>
+            </a:prstGeom>
+            <a:solidFill>
+              <a:srgbClr val="FF7F2B"/>
+            </a:solidFill>
+            <a:ln>
+              <a:noFill/>
+            </a:ln>
+          </p:spPr>
+          <p:style>
+            <a:lnRef idx="2">
+              <a:schemeClr val="accent1">
+                <a:shade val="50000"/>
+              </a:schemeClr>
+            </a:lnRef>
+            <a:fillRef idx="1">
+              <a:schemeClr val="accent1"/>
+            </a:fillRef>
+            <a:effectRef idx="0">
+              <a:schemeClr val="accent1"/>
+            </a:effectRef>
+            <a:fontRef idx="minor">
+              <a:schemeClr val="lt1"/>
+            </a:fontRef>
+          </p:style>
+          <p:txBody>
+            <a:bodyPr rtlCol="0" anchor="ctr"/>
+            <a:lstStyle/>
+            <a:p>
+              <a:pPr algn="ctr"/>
+              <a:endParaRPr lang="en-GB"/>
+            </a:p>
+          </p:txBody>
+        </p:sp>
+        <p:sp>
+          <p:nvSpPr>
+            <p:cNvPr id="68" name="Ellipse 67">
+              <a:extLst>
+                <a:ext uri="{FF2B5EF4-FFF2-40B4-BE49-F238E27FC236}">
+                  <a16:creationId xmlns:a16="http://schemas.microsoft.com/office/drawing/2014/main" id="{8999F0DB-381B-460C-BF58-E48C9AA8AC0F}"/>
+                </a:ext>
+              </a:extLst>
+            </p:cNvPr>
+            <p:cNvSpPr/>
+            <p:nvPr/>
+          </p:nvSpPr>
+          <p:spPr>
+            <a:xfrm>
+              <a:off x="5992654" y="909000"/>
+              <a:ext cx="360000" cy="360000"/>
+            </a:xfrm>
+            <a:prstGeom prst="ellipse">
+              <a:avLst/>
+            </a:prstGeom>
+            <a:solidFill>
+              <a:srgbClr val="FF7F2B"/>
+            </a:solidFill>
+            <a:ln>
+              <a:noFill/>
+            </a:ln>
+          </p:spPr>
+          <p:style>
+            <a:lnRef idx="2">
+              <a:schemeClr val="accent1">
+                <a:shade val="50000"/>
+              </a:schemeClr>
+            </a:lnRef>
+            <a:fillRef idx="1">
+              <a:schemeClr val="accent1"/>
+            </a:fillRef>
+            <a:effectRef idx="0">
+              <a:schemeClr val="accent1"/>
+            </a:effectRef>
+            <a:fontRef idx="minor">
+              <a:schemeClr val="lt1"/>
+            </a:fontRef>
+          </p:style>
+          <p:txBody>
+            <a:bodyPr rtlCol="0" anchor="ctr"/>
+            <a:lstStyle/>
+            <a:p>
+              <a:pPr algn="ctr"/>
+              <a:endParaRPr lang="en-GB"/>
+            </a:p>
+          </p:txBody>
+        </p:sp>
+        <p:sp>
+          <p:nvSpPr>
+            <p:cNvPr id="71" name="Ellipse 70">
+              <a:extLst>
+                <a:ext uri="{FF2B5EF4-FFF2-40B4-BE49-F238E27FC236}">
+                  <a16:creationId xmlns:a16="http://schemas.microsoft.com/office/drawing/2014/main" id="{4F473399-35E2-4DE0-83B5-09E394A3B246}"/>
+                </a:ext>
+              </a:extLst>
+            </p:cNvPr>
+            <p:cNvSpPr/>
+            <p:nvPr/>
+          </p:nvSpPr>
+          <p:spPr>
+            <a:xfrm>
+              <a:off x="4534251" y="2709000"/>
+              <a:ext cx="360000" cy="360000"/>
+            </a:xfrm>
+            <a:prstGeom prst="ellipse">
+              <a:avLst/>
+            </a:prstGeom>
+            <a:solidFill>
+              <a:srgbClr val="FF7F2B"/>
+            </a:solidFill>
+            <a:ln>
+              <a:noFill/>
+            </a:ln>
+          </p:spPr>
+          <p:style>
+            <a:lnRef idx="2">
+              <a:schemeClr val="accent1">
+                <a:shade val="50000"/>
+              </a:schemeClr>
+            </a:lnRef>
+            <a:fillRef idx="1">
+              <a:schemeClr val="accent1"/>
+            </a:fillRef>
+            <a:effectRef idx="0">
+              <a:schemeClr val="accent1"/>
+            </a:effectRef>
+            <a:fontRef idx="minor">
+              <a:schemeClr val="lt1"/>
+            </a:fontRef>
+          </p:style>
+          <p:txBody>
+            <a:bodyPr rtlCol="0" anchor="ctr"/>
+            <a:lstStyle/>
+            <a:p>
+              <a:pPr algn="ctr"/>
+              <a:endParaRPr lang="en-GB"/>
+            </a:p>
+          </p:txBody>
+        </p:sp>
+        <p:cxnSp>
+          <p:nvCxnSpPr>
+            <p:cNvPr id="73" name="Gerader Verbinder 72">
+              <a:extLst>
+                <a:ext uri="{FF2B5EF4-FFF2-40B4-BE49-F238E27FC236}">
+                  <a16:creationId xmlns:a16="http://schemas.microsoft.com/office/drawing/2014/main" id="{B886F592-3F3E-4E6D-A34E-962BAECC2BFB}"/>
+                </a:ext>
+              </a:extLst>
+            </p:cNvPr>
+            <p:cNvCxnSpPr>
+              <a:stCxn id="62" idx="6"/>
+              <a:endCxn id="68" idx="2"/>
+            </p:cNvCxnSpPr>
+            <p:nvPr/>
+          </p:nvCxnSpPr>
+          <p:spPr>
+            <a:xfrm flipV="1">
+              <a:off x="4894251" y="1089000"/>
+              <a:ext cx="1098403" cy="360000"/>
+            </a:xfrm>
+            <a:prstGeom prst="line">
+              <a:avLst/>
+            </a:prstGeom>
+            <a:ln w="25400">
+              <a:solidFill>
+                <a:schemeClr val="tx1"/>
+              </a:solidFill>
+            </a:ln>
+          </p:spPr>
+          <p:style>
+            <a:lnRef idx="1">
+              <a:schemeClr val="accent1"/>
+            </a:lnRef>
+            <a:fillRef idx="0">
+              <a:schemeClr val="accent1"/>
+            </a:fillRef>
+            <a:effectRef idx="0">
+              <a:schemeClr val="accent1"/>
+            </a:effectRef>
+            <a:fontRef idx="minor">
+              <a:schemeClr val="tx1"/>
+            </a:fontRef>
+          </p:style>
+        </p:cxnSp>
+        <p:cxnSp>
+          <p:nvCxnSpPr>
+            <p:cNvPr id="74" name="Gerader Verbinder 73">
+              <a:extLst>
+                <a:ext uri="{FF2B5EF4-FFF2-40B4-BE49-F238E27FC236}">
+                  <a16:creationId xmlns:a16="http://schemas.microsoft.com/office/drawing/2014/main" id="{A4605906-E3B6-4B86-869D-6B9BAEC57DC2}"/>
+                </a:ext>
+              </a:extLst>
+            </p:cNvPr>
+            <p:cNvCxnSpPr>
+              <a:cxnSpLocks/>
+              <a:stCxn id="65" idx="2"/>
+              <a:endCxn id="62" idx="6"/>
+            </p:cNvCxnSpPr>
+            <p:nvPr/>
+          </p:nvCxnSpPr>
+          <p:spPr>
+            <a:xfrm flipH="1" flipV="1">
+              <a:off x="4894251" y="1449000"/>
+              <a:ext cx="1098403" cy="360000"/>
+            </a:xfrm>
+            <a:prstGeom prst="line">
+              <a:avLst/>
+            </a:prstGeom>
+            <a:ln w="25400">
+              <a:solidFill>
+                <a:schemeClr val="tx1"/>
+              </a:solidFill>
+            </a:ln>
+          </p:spPr>
+          <p:style>
+            <a:lnRef idx="1">
+              <a:schemeClr val="accent1"/>
+            </a:lnRef>
+            <a:fillRef idx="0">
+              <a:schemeClr val="accent1"/>
+            </a:fillRef>
+            <a:effectRef idx="0">
+              <a:schemeClr val="accent1"/>
+            </a:effectRef>
+            <a:fontRef idx="minor">
+              <a:schemeClr val="tx1"/>
+            </a:fontRef>
+          </p:style>
+        </p:cxnSp>
+        <p:cxnSp>
+          <p:nvCxnSpPr>
+            <p:cNvPr id="77" name="Gerader Verbinder 76">
+              <a:extLst>
+                <a:ext uri="{FF2B5EF4-FFF2-40B4-BE49-F238E27FC236}">
+                  <a16:creationId xmlns:a16="http://schemas.microsoft.com/office/drawing/2014/main" id="{2FF00C39-9B92-48F2-ABB4-274C13BB0779}"/>
+                </a:ext>
+              </a:extLst>
+            </p:cNvPr>
+            <p:cNvCxnSpPr>
+              <a:cxnSpLocks/>
+              <a:stCxn id="66" idx="2"/>
+              <a:endCxn id="62" idx="6"/>
+            </p:cNvCxnSpPr>
+            <p:nvPr/>
+          </p:nvCxnSpPr>
+          <p:spPr>
+            <a:xfrm flipH="1" flipV="1">
+              <a:off x="4894251" y="1449000"/>
+              <a:ext cx="1098403" cy="1080000"/>
+            </a:xfrm>
+            <a:prstGeom prst="line">
+              <a:avLst/>
+            </a:prstGeom>
+            <a:ln w="25400">
+              <a:solidFill>
+                <a:schemeClr val="tx1"/>
+              </a:solidFill>
+            </a:ln>
+          </p:spPr>
+          <p:style>
+            <a:lnRef idx="1">
+              <a:schemeClr val="accent1"/>
+            </a:lnRef>
+            <a:fillRef idx="0">
+              <a:schemeClr val="accent1"/>
+            </a:fillRef>
+            <a:effectRef idx="0">
+              <a:schemeClr val="accent1"/>
+            </a:effectRef>
+            <a:fontRef idx="minor">
+              <a:schemeClr val="tx1"/>
+            </a:fontRef>
+          </p:style>
+        </p:cxnSp>
+        <p:cxnSp>
+          <p:nvCxnSpPr>
+            <p:cNvPr id="80" name="Gerader Verbinder 79">
+              <a:extLst>
+                <a:ext uri="{FF2B5EF4-FFF2-40B4-BE49-F238E27FC236}">
+                  <a16:creationId xmlns:a16="http://schemas.microsoft.com/office/drawing/2014/main" id="{3D5C4D6B-B9D8-47C2-BA3C-39C43A416075}"/>
+                </a:ext>
+              </a:extLst>
+            </p:cNvPr>
+            <p:cNvCxnSpPr>
+              <a:cxnSpLocks/>
+              <a:stCxn id="67" idx="2"/>
+              <a:endCxn id="62" idx="6"/>
+            </p:cNvCxnSpPr>
+            <p:nvPr/>
+          </p:nvCxnSpPr>
+          <p:spPr>
+            <a:xfrm flipH="1" flipV="1">
+              <a:off x="4894251" y="1449000"/>
+              <a:ext cx="1098403" cy="1800000"/>
+            </a:xfrm>
+            <a:prstGeom prst="line">
+              <a:avLst/>
+            </a:prstGeom>
+            <a:ln w="25400">
+              <a:solidFill>
+                <a:schemeClr val="tx1"/>
+              </a:solidFill>
+            </a:ln>
+          </p:spPr>
+          <p:style>
+            <a:lnRef idx="1">
+              <a:schemeClr val="accent1"/>
+            </a:lnRef>
+            <a:fillRef idx="0">
+              <a:schemeClr val="accent1"/>
+            </a:fillRef>
+            <a:effectRef idx="0">
+              <a:schemeClr val="accent1"/>
+            </a:effectRef>
+            <a:fontRef idx="minor">
+              <a:schemeClr val="tx1"/>
+            </a:fontRef>
+          </p:style>
+        </p:cxnSp>
+        <p:cxnSp>
+          <p:nvCxnSpPr>
+            <p:cNvPr id="83" name="Gerader Verbinder 82">
+              <a:extLst>
+                <a:ext uri="{FF2B5EF4-FFF2-40B4-BE49-F238E27FC236}">
+                  <a16:creationId xmlns:a16="http://schemas.microsoft.com/office/drawing/2014/main" id="{5D26D372-B5F6-4578-8C6B-1FD18D314BDD}"/>
+                </a:ext>
+              </a:extLst>
+            </p:cNvPr>
+            <p:cNvCxnSpPr>
+              <a:cxnSpLocks/>
+              <a:stCxn id="68" idx="2"/>
+              <a:endCxn id="64" idx="6"/>
+            </p:cNvCxnSpPr>
+            <p:nvPr/>
+          </p:nvCxnSpPr>
+          <p:spPr>
+            <a:xfrm flipH="1">
+              <a:off x="4894251" y="1089000"/>
+              <a:ext cx="1098403" cy="1080000"/>
+            </a:xfrm>
+            <a:prstGeom prst="line">
+              <a:avLst/>
+            </a:prstGeom>
+            <a:ln w="25400">
+              <a:solidFill>
+                <a:schemeClr val="tx1"/>
+              </a:solidFill>
+            </a:ln>
+          </p:spPr>
+          <p:style>
+            <a:lnRef idx="1">
+              <a:schemeClr val="accent1"/>
+            </a:lnRef>
+            <a:fillRef idx="0">
+              <a:schemeClr val="accent1"/>
+            </a:fillRef>
+            <a:effectRef idx="0">
+              <a:schemeClr val="accent1"/>
+            </a:effectRef>
+            <a:fontRef idx="minor">
+              <a:schemeClr val="tx1"/>
+            </a:fontRef>
+          </p:style>
+        </p:cxnSp>
+        <p:cxnSp>
+          <p:nvCxnSpPr>
+            <p:cNvPr id="86" name="Gerader Verbinder 85">
+              <a:extLst>
+                <a:ext uri="{FF2B5EF4-FFF2-40B4-BE49-F238E27FC236}">
+                  <a16:creationId xmlns:a16="http://schemas.microsoft.com/office/drawing/2014/main" id="{500B7865-E077-442E-ABC2-B78157EEC400}"/>
+                </a:ext>
+              </a:extLst>
+            </p:cNvPr>
+            <p:cNvCxnSpPr>
+              <a:cxnSpLocks/>
+              <a:stCxn id="65" idx="2"/>
+              <a:endCxn id="64" idx="6"/>
+            </p:cNvCxnSpPr>
+            <p:nvPr/>
+          </p:nvCxnSpPr>
+          <p:spPr>
+            <a:xfrm flipH="1">
+              <a:off x="4894251" y="1809000"/>
+              <a:ext cx="1098403" cy="360000"/>
+            </a:xfrm>
+            <a:prstGeom prst="line">
+              <a:avLst/>
+            </a:prstGeom>
+            <a:ln w="25400">
+              <a:solidFill>
+                <a:schemeClr val="tx1"/>
+              </a:solidFill>
+            </a:ln>
+          </p:spPr>
+          <p:style>
+            <a:lnRef idx="1">
+              <a:schemeClr val="accent1"/>
+            </a:lnRef>
+            <a:fillRef idx="0">
+              <a:schemeClr val="accent1"/>
+            </a:fillRef>
+            <a:effectRef idx="0">
+              <a:schemeClr val="accent1"/>
+            </a:effectRef>
+            <a:fontRef idx="minor">
+              <a:schemeClr val="tx1"/>
+            </a:fontRef>
+          </p:style>
+        </p:cxnSp>
+        <p:cxnSp>
+          <p:nvCxnSpPr>
+            <p:cNvPr id="89" name="Gerader Verbinder 88">
+              <a:extLst>
+                <a:ext uri="{FF2B5EF4-FFF2-40B4-BE49-F238E27FC236}">
+                  <a16:creationId xmlns:a16="http://schemas.microsoft.com/office/drawing/2014/main" id="{A45ABDEF-503F-4D3A-A5B5-7F8917C6912E}"/>
+                </a:ext>
+              </a:extLst>
+            </p:cNvPr>
+            <p:cNvCxnSpPr>
+              <a:cxnSpLocks/>
+              <a:stCxn id="66" idx="2"/>
+              <a:endCxn id="64" idx="6"/>
+            </p:cNvCxnSpPr>
+            <p:nvPr/>
+          </p:nvCxnSpPr>
+          <p:spPr>
+            <a:xfrm flipH="1" flipV="1">
+              <a:off x="4894251" y="2169000"/>
+              <a:ext cx="1098403" cy="360000"/>
+            </a:xfrm>
+            <a:prstGeom prst="line">
+              <a:avLst/>
+            </a:prstGeom>
+            <a:ln w="25400">
+              <a:solidFill>
+                <a:schemeClr val="tx1"/>
+              </a:solidFill>
+            </a:ln>
+          </p:spPr>
+          <p:style>
+            <a:lnRef idx="1">
+              <a:schemeClr val="accent1"/>
+            </a:lnRef>
+            <a:fillRef idx="0">
+              <a:schemeClr val="accent1"/>
+            </a:fillRef>
+            <a:effectRef idx="0">
+              <a:schemeClr val="accent1"/>
+            </a:effectRef>
+            <a:fontRef idx="minor">
+              <a:schemeClr val="tx1"/>
+            </a:fontRef>
+          </p:style>
+        </p:cxnSp>
+        <p:cxnSp>
+          <p:nvCxnSpPr>
+            <p:cNvPr id="92" name="Gerader Verbinder 91">
+              <a:extLst>
+                <a:ext uri="{FF2B5EF4-FFF2-40B4-BE49-F238E27FC236}">
+                  <a16:creationId xmlns:a16="http://schemas.microsoft.com/office/drawing/2014/main" id="{550A6D98-D713-46D8-89F2-D8DE633A35B1}"/>
+                </a:ext>
+              </a:extLst>
+            </p:cNvPr>
+            <p:cNvCxnSpPr>
+              <a:cxnSpLocks/>
+              <a:endCxn id="64" idx="6"/>
+            </p:cNvCxnSpPr>
+            <p:nvPr/>
+          </p:nvCxnSpPr>
+          <p:spPr>
+            <a:xfrm flipH="1" flipV="1">
+              <a:off x="4894251" y="2169000"/>
+              <a:ext cx="1098403" cy="1080000"/>
+            </a:xfrm>
+            <a:prstGeom prst="line">
+              <a:avLst/>
+            </a:prstGeom>
+            <a:ln w="25400">
+              <a:solidFill>
+                <a:schemeClr val="tx1"/>
+              </a:solidFill>
+            </a:ln>
+          </p:spPr>
+          <p:style>
+            <a:lnRef idx="1">
+              <a:schemeClr val="accent1"/>
+            </a:lnRef>
+            <a:fillRef idx="0">
+              <a:schemeClr val="accent1"/>
+            </a:fillRef>
+            <a:effectRef idx="0">
+              <a:schemeClr val="accent1"/>
+            </a:effectRef>
+            <a:fontRef idx="minor">
+              <a:schemeClr val="tx1"/>
+            </a:fontRef>
+          </p:style>
+        </p:cxnSp>
+        <p:cxnSp>
+          <p:nvCxnSpPr>
+            <p:cNvPr id="95" name="Gerader Verbinder 94">
+              <a:extLst>
+                <a:ext uri="{FF2B5EF4-FFF2-40B4-BE49-F238E27FC236}">
+                  <a16:creationId xmlns:a16="http://schemas.microsoft.com/office/drawing/2014/main" id="{A10E1A48-C91C-4137-BCE1-06FDA319EE43}"/>
+                </a:ext>
+              </a:extLst>
+            </p:cNvPr>
+            <p:cNvCxnSpPr>
+              <a:cxnSpLocks/>
+              <a:stCxn id="68" idx="2"/>
+              <a:endCxn id="71" idx="6"/>
+            </p:cNvCxnSpPr>
+            <p:nvPr/>
+          </p:nvCxnSpPr>
+          <p:spPr>
+            <a:xfrm flipH="1">
+              <a:off x="4894251" y="1089000"/>
+              <a:ext cx="1098403" cy="1800000"/>
+            </a:xfrm>
+            <a:prstGeom prst="line">
+              <a:avLst/>
+            </a:prstGeom>
+            <a:ln w="25400">
+              <a:solidFill>
+                <a:schemeClr val="tx1"/>
+              </a:solidFill>
+            </a:ln>
+          </p:spPr>
+          <p:style>
+            <a:lnRef idx="1">
+              <a:schemeClr val="accent1"/>
+            </a:lnRef>
+            <a:fillRef idx="0">
+              <a:schemeClr val="accent1"/>
+            </a:fillRef>
+            <a:effectRef idx="0">
+              <a:schemeClr val="accent1"/>
+            </a:effectRef>
+            <a:fontRef idx="minor">
+              <a:schemeClr val="tx1"/>
+            </a:fontRef>
+          </p:style>
+        </p:cxnSp>
+        <p:cxnSp>
+          <p:nvCxnSpPr>
+            <p:cNvPr id="98" name="Gerader Verbinder 97">
+              <a:extLst>
+                <a:ext uri="{FF2B5EF4-FFF2-40B4-BE49-F238E27FC236}">
+                  <a16:creationId xmlns:a16="http://schemas.microsoft.com/office/drawing/2014/main" id="{6F79B424-1B93-405A-B577-537403E72810}"/>
+                </a:ext>
+              </a:extLst>
+            </p:cNvPr>
+            <p:cNvCxnSpPr>
+              <a:cxnSpLocks/>
+              <a:stCxn id="65" idx="2"/>
+              <a:endCxn id="71" idx="6"/>
+            </p:cNvCxnSpPr>
+            <p:nvPr/>
+          </p:nvCxnSpPr>
+          <p:spPr>
+            <a:xfrm flipH="1">
+              <a:off x="4894251" y="1809000"/>
+              <a:ext cx="1098403" cy="1080000"/>
+            </a:xfrm>
+            <a:prstGeom prst="line">
+              <a:avLst/>
+            </a:prstGeom>
+            <a:ln w="25400">
+              <a:solidFill>
+                <a:schemeClr val="tx1"/>
+              </a:solidFill>
+            </a:ln>
+          </p:spPr>
+          <p:style>
+            <a:lnRef idx="1">
+              <a:schemeClr val="accent1"/>
+            </a:lnRef>
+            <a:fillRef idx="0">
+              <a:schemeClr val="accent1"/>
+            </a:fillRef>
+            <a:effectRef idx="0">
+              <a:schemeClr val="accent1"/>
+            </a:effectRef>
+            <a:fontRef idx="minor">
+              <a:schemeClr val="tx1"/>
+            </a:fontRef>
+          </p:style>
+        </p:cxnSp>
+        <p:cxnSp>
+          <p:nvCxnSpPr>
+            <p:cNvPr id="101" name="Gerader Verbinder 100">
+              <a:extLst>
+                <a:ext uri="{FF2B5EF4-FFF2-40B4-BE49-F238E27FC236}">
+                  <a16:creationId xmlns:a16="http://schemas.microsoft.com/office/drawing/2014/main" id="{DCCD8BA2-7ECA-4FDC-AB97-D2A998886EB6}"/>
+                </a:ext>
+              </a:extLst>
+            </p:cNvPr>
+            <p:cNvCxnSpPr>
+              <a:cxnSpLocks/>
+              <a:stCxn id="66" idx="2"/>
+              <a:endCxn id="71" idx="6"/>
+            </p:cNvCxnSpPr>
+            <p:nvPr/>
+          </p:nvCxnSpPr>
+          <p:spPr>
+            <a:xfrm flipH="1">
+              <a:off x="4894251" y="2529000"/>
+              <a:ext cx="1098403" cy="360000"/>
+            </a:xfrm>
+            <a:prstGeom prst="line">
+              <a:avLst/>
+            </a:prstGeom>
+            <a:ln w="25400">
+              <a:solidFill>
+                <a:schemeClr val="tx1"/>
+              </a:solidFill>
+            </a:ln>
+          </p:spPr>
+          <p:style>
+            <a:lnRef idx="1">
+              <a:schemeClr val="accent1"/>
+            </a:lnRef>
+            <a:fillRef idx="0">
+              <a:schemeClr val="accent1"/>
+            </a:fillRef>
+            <a:effectRef idx="0">
+              <a:schemeClr val="accent1"/>
+            </a:effectRef>
+            <a:fontRef idx="minor">
+              <a:schemeClr val="tx1"/>
+            </a:fontRef>
+          </p:style>
+        </p:cxnSp>
+        <p:cxnSp>
+          <p:nvCxnSpPr>
+            <p:cNvPr id="104" name="Gerader Verbinder 103">
+              <a:extLst>
+                <a:ext uri="{FF2B5EF4-FFF2-40B4-BE49-F238E27FC236}">
+                  <a16:creationId xmlns:a16="http://schemas.microsoft.com/office/drawing/2014/main" id="{0C2C9FD8-B11D-4050-9151-BF36953558CB}"/>
+                </a:ext>
+              </a:extLst>
+            </p:cNvPr>
+            <p:cNvCxnSpPr>
+              <a:cxnSpLocks/>
+              <a:stCxn id="67" idx="2"/>
+              <a:endCxn id="71" idx="6"/>
+            </p:cNvCxnSpPr>
+            <p:nvPr/>
+          </p:nvCxnSpPr>
+          <p:spPr>
+            <a:xfrm flipH="1" flipV="1">
+              <a:off x="4894251" y="2889000"/>
+              <a:ext cx="1098403" cy="360000"/>
+            </a:xfrm>
+            <a:prstGeom prst="line">
+              <a:avLst/>
+            </a:prstGeom>
+            <a:ln w="25400">
+              <a:solidFill>
+                <a:schemeClr val="tx1"/>
+              </a:solidFill>
+            </a:ln>
+          </p:spPr>
+          <p:style>
+            <a:lnRef idx="1">
+              <a:schemeClr val="accent1"/>
+            </a:lnRef>
+            <a:fillRef idx="0">
+              <a:schemeClr val="accent1"/>
+            </a:fillRef>
+            <a:effectRef idx="0">
+              <a:schemeClr val="accent1"/>
+            </a:effectRef>
+            <a:fontRef idx="minor">
+              <a:schemeClr val="tx1"/>
+            </a:fontRef>
+          </p:style>
+        </p:cxnSp>
+        <p:pic>
+          <p:nvPicPr>
+            <p:cNvPr id="142" name="Grafik 141">
+              <a:extLst>
+                <a:ext uri="{FF2B5EF4-FFF2-40B4-BE49-F238E27FC236}">
+                  <a16:creationId xmlns:a16="http://schemas.microsoft.com/office/drawing/2014/main" id="{CC83E701-B705-4FB1-925F-5FB9A1D35198}"/>
+                </a:ext>
+              </a:extLst>
+            </p:cNvPr>
+            <p:cNvPicPr>
+              <a:picLocks noChangeAspect="1"/>
+            </p:cNvPicPr>
+            <p:nvPr>
+              <p:custDataLst>
+                <p:tags r:id="rId1"/>
+              </p:custDataLst>
+            </p:nvPr>
+          </p:nvPicPr>
+          <p:blipFill>
+            <a:blip r:embed="rId5">
+              <a:extLst>
+                <a:ext uri="{28A0092B-C50C-407E-A947-70E740481C1C}">
+                  <a14:useLocalDpi xmlns:a14="http://schemas.microsoft.com/office/drawing/2010/main" val="0"/>
+                </a:ext>
+              </a:extLst>
+            </a:blip>
+            <a:stretch>
+              <a:fillRect/>
+            </a:stretch>
+          </p:blipFill>
+          <p:spPr>
+            <a:xfrm>
+              <a:off x="4592251" y="3789002"/>
+              <a:ext cx="280368" cy="221721"/>
+            </a:xfrm>
+            <a:prstGeom prst="rect">
+              <a:avLst/>
+            </a:prstGeom>
+          </p:spPr>
+        </p:pic>
+        <p:pic>
+          <p:nvPicPr>
+            <p:cNvPr id="152" name="Grafik 151">
+              <a:extLst>
+                <a:ext uri="{FF2B5EF4-FFF2-40B4-BE49-F238E27FC236}">
+                  <a16:creationId xmlns:a16="http://schemas.microsoft.com/office/drawing/2014/main" id="{65317BEA-E090-46F9-8FC5-85967A2F753B}"/>
+                </a:ext>
+              </a:extLst>
+            </p:cNvPr>
+            <p:cNvPicPr>
+              <a:picLocks noChangeAspect="1"/>
+            </p:cNvPicPr>
+            <p:nvPr>
+              <p:custDataLst>
+                <p:tags r:id="rId2"/>
+              </p:custDataLst>
+            </p:nvPr>
+          </p:nvPicPr>
+          <p:blipFill>
+            <a:blip r:embed="rId6">
+              <a:extLst>
+                <a:ext uri="{28A0092B-C50C-407E-A947-70E740481C1C}">
+                  <a14:useLocalDpi xmlns:a14="http://schemas.microsoft.com/office/drawing/2010/main" val="0"/>
+                </a:ext>
+              </a:extLst>
+            </a:blip>
+            <a:stretch>
+              <a:fillRect/>
+            </a:stretch>
+          </p:blipFill>
+          <p:spPr>
+            <a:xfrm>
+              <a:off x="6006939" y="3680650"/>
+              <a:ext cx="3443987" cy="493166"/>
+            </a:xfrm>
+            <a:prstGeom prst="rect">
+              <a:avLst/>
+            </a:prstGeom>
+          </p:spPr>
+        </p:pic>
+        <p:pic>
+          <p:nvPicPr>
+            <p:cNvPr id="150" name="Grafik 149">
+              <a:extLst>
+                <a:ext uri="{FF2B5EF4-FFF2-40B4-BE49-F238E27FC236}">
+                  <a16:creationId xmlns:a16="http://schemas.microsoft.com/office/drawing/2014/main" id="{83970358-109A-4B0B-B536-C38E70BF3B62}"/>
+                </a:ext>
+              </a:extLst>
+            </p:cNvPr>
+            <p:cNvPicPr>
+              <a:picLocks noChangeAspect="1"/>
+            </p:cNvPicPr>
+            <p:nvPr>
+              <p:custDataLst>
+                <p:tags r:id="rId3"/>
+              </p:custDataLst>
+            </p:nvPr>
+          </p:nvPicPr>
+          <p:blipFill>
+            <a:blip r:embed="rId7">
+              <a:extLst>
+                <a:ext uri="{28A0092B-C50C-407E-A947-70E740481C1C}">
+                  <a14:useLocalDpi xmlns:a14="http://schemas.microsoft.com/office/drawing/2010/main" val="0"/>
+                </a:ext>
+              </a:extLst>
+            </a:blip>
+            <a:stretch>
+              <a:fillRect/>
+            </a:stretch>
+          </p:blipFill>
+          <p:spPr>
+            <a:xfrm>
+              <a:off x="5125043" y="366627"/>
+              <a:ext cx="636817" cy="361582"/>
+            </a:xfrm>
+            <a:prstGeom prst="rect">
+              <a:avLst/>
+            </a:prstGeom>
+          </p:spPr>
+        </p:pic>
+      </p:grpSp>
+    </p:spTree>
+    <p:extLst>
+      <p:ext uri="{BB962C8B-B14F-4D97-AF65-F5344CB8AC3E}">
+        <p14:creationId xmlns:p14="http://schemas.microsoft.com/office/powerpoint/2010/main" val="1456823550"/>
+      </p:ext>
+    </p:extLst>
+  </p:cSld>
+  <p:clrMapOvr>
+    <a:masterClrMapping/>
+  </p:clrMapOvr>
+</p:sld>
+</file>
+
+<file path=ppt/slides/slide14.xml><?xml version="1.0" encoding="utf-8"?>
+<p:sld xmlns:a="http://schemas.openxmlformats.org/drawingml/2006/main" xmlns:r="http://schemas.openxmlformats.org/officeDocument/2006/relationships" xmlns:p="http://schemas.openxmlformats.org/presentationml/2006/main">
+  <p:cSld>
+    <p:spTree>
+      <p:nvGrpSpPr>
+        <p:cNvPr id="1" name=""/>
+        <p:cNvGrpSpPr/>
+        <p:nvPr/>
+      </p:nvGrpSpPr>
+      <p:grpSpPr>
+        <a:xfrm>
+          <a:off x="0" y="0"/>
+          <a:ext cx="0" cy="0"/>
+          <a:chOff x="0" y="0"/>
+          <a:chExt cx="0" cy="0"/>
+        </a:xfrm>
+      </p:grpSpPr>
+      <p:grpSp>
+        <p:nvGrpSpPr>
+          <p:cNvPr id="4" name="Gruppieren 3">
+            <a:extLst>
+              <a:ext uri="{FF2B5EF4-FFF2-40B4-BE49-F238E27FC236}">
+                <a16:creationId xmlns:a16="http://schemas.microsoft.com/office/drawing/2014/main" id="{6BF73601-EDD7-4AA0-8D17-2EDC88D115A0}"/>
+              </a:ext>
+            </a:extLst>
+          </p:cNvPr>
+          <p:cNvGrpSpPr/>
+          <p:nvPr/>
+        </p:nvGrpSpPr>
+        <p:grpSpPr>
+          <a:xfrm>
+            <a:off x="10126136" y="197127"/>
+            <a:ext cx="10118184" cy="6463745"/>
+            <a:chOff x="-10836918" y="27368805"/>
+            <a:chExt cx="11231557" cy="6873526"/>
+          </a:xfrm>
+        </p:grpSpPr>
+        <p:sp>
+          <p:nvSpPr>
+            <p:cNvPr id="5" name="Cube 70">
+              <a:extLst>
+                <a:ext uri="{FF2B5EF4-FFF2-40B4-BE49-F238E27FC236}">
+                  <a16:creationId xmlns:a16="http://schemas.microsoft.com/office/drawing/2014/main" id="{72A43BC5-3272-4B9B-BB25-12BACB3B0D76}"/>
+                </a:ext>
+              </a:extLst>
+            </p:cNvPr>
+            <p:cNvSpPr/>
+            <p:nvPr/>
+          </p:nvSpPr>
+          <p:spPr>
+            <a:xfrm>
+              <a:off x="-10383845" y="29179659"/>
+              <a:ext cx="232588" cy="1120335"/>
+            </a:xfrm>
+            <a:prstGeom prst="cube">
+              <a:avLst/>
+            </a:prstGeom>
+            <a:solidFill>
+              <a:srgbClr val="FF7F2A">
+                <a:alpha val="50000"/>
+              </a:srgbClr>
+            </a:solidFill>
+            <a:ln>
+              <a:noFill/>
+            </a:ln>
+          </p:spPr>
+          <p:style>
+            <a:lnRef idx="2">
+              <a:schemeClr val="accent1">
+                <a:shade val="50000"/>
+              </a:schemeClr>
+            </a:lnRef>
+            <a:fillRef idx="1">
+              <a:schemeClr val="accent1"/>
+            </a:fillRef>
+            <a:effectRef idx="0">
+              <a:schemeClr val="accent1"/>
+            </a:effectRef>
+            <a:fontRef idx="minor">
+              <a:schemeClr val="lt1"/>
+            </a:fontRef>
+          </p:style>
+          <p:txBody>
+            <a:bodyPr rtlCol="0" anchor="ctr"/>
+            <a:lstStyle/>
+            <a:p>
+              <a:pPr algn="ctr"/>
+              <a:endParaRPr lang="en-US"/>
+            </a:p>
+          </p:txBody>
+        </p:sp>
+        <p:sp>
+          <p:nvSpPr>
+            <p:cNvPr id="6" name="Cube 73">
+              <a:extLst>
+                <a:ext uri="{FF2B5EF4-FFF2-40B4-BE49-F238E27FC236}">
+                  <a16:creationId xmlns:a16="http://schemas.microsoft.com/office/drawing/2014/main" id="{EA6C2B08-4D64-4EC2-8CD3-B50C45F6C494}"/>
+                </a:ext>
+              </a:extLst>
+            </p:cNvPr>
+            <p:cNvSpPr/>
+            <p:nvPr/>
+          </p:nvSpPr>
+          <p:spPr>
+            <a:xfrm>
+              <a:off x="-9965119" y="29179659"/>
+              <a:ext cx="473905" cy="1120335"/>
+            </a:xfrm>
+            <a:prstGeom prst="cube">
+              <a:avLst/>
+            </a:prstGeom>
+            <a:solidFill>
+              <a:srgbClr val="FF7F2A">
+                <a:alpha val="50000"/>
+              </a:srgbClr>
+            </a:solidFill>
+            <a:ln>
+              <a:noFill/>
+            </a:ln>
+          </p:spPr>
+          <p:style>
+            <a:lnRef idx="2">
+              <a:schemeClr val="accent1">
+                <a:shade val="50000"/>
+              </a:schemeClr>
+            </a:lnRef>
+            <a:fillRef idx="1">
+              <a:schemeClr val="accent1"/>
+            </a:fillRef>
+            <a:effectRef idx="0">
+              <a:schemeClr val="accent1"/>
+            </a:effectRef>
+            <a:fontRef idx="minor">
+              <a:schemeClr val="lt1"/>
+            </a:fontRef>
+          </p:style>
+          <p:txBody>
+            <a:bodyPr rtlCol="0" anchor="ctr"/>
+            <a:lstStyle/>
+            <a:p>
+              <a:pPr algn="ctr"/>
+              <a:endParaRPr lang="en-US"/>
+            </a:p>
+          </p:txBody>
+        </p:sp>
+        <p:sp>
+          <p:nvSpPr>
+            <p:cNvPr id="7" name="Cube 74">
+              <a:extLst>
+                <a:ext uri="{FF2B5EF4-FFF2-40B4-BE49-F238E27FC236}">
+                  <a16:creationId xmlns:a16="http://schemas.microsoft.com/office/drawing/2014/main" id="{3FF98F46-B33E-4C33-93AB-B193C5EED6D2}"/>
+                </a:ext>
+              </a:extLst>
+            </p:cNvPr>
+            <p:cNvSpPr/>
+            <p:nvPr/>
+          </p:nvSpPr>
+          <p:spPr>
+            <a:xfrm>
+              <a:off x="-9305076" y="29179659"/>
+              <a:ext cx="694618" cy="1120335"/>
+            </a:xfrm>
+            <a:prstGeom prst="cube">
+              <a:avLst/>
+            </a:prstGeom>
+            <a:solidFill>
+              <a:srgbClr val="FF7F2A">
+                <a:alpha val="50000"/>
+              </a:srgbClr>
+            </a:solidFill>
+            <a:ln>
+              <a:noFill/>
+            </a:ln>
+          </p:spPr>
+          <p:style>
+            <a:lnRef idx="2">
+              <a:schemeClr val="accent1">
+                <a:shade val="50000"/>
+              </a:schemeClr>
+            </a:lnRef>
+            <a:fillRef idx="1">
+              <a:schemeClr val="accent1"/>
+            </a:fillRef>
+            <a:effectRef idx="0">
+              <a:schemeClr val="accent1"/>
+            </a:effectRef>
+            <a:fontRef idx="minor">
+              <a:schemeClr val="lt1"/>
+            </a:fontRef>
+          </p:style>
+          <p:txBody>
+            <a:bodyPr rtlCol="0" anchor="ctr"/>
+            <a:lstStyle/>
+            <a:p>
+              <a:pPr algn="ctr"/>
+              <a:endParaRPr lang="en-US"/>
+            </a:p>
+          </p:txBody>
+        </p:sp>
+        <p:sp>
+          <p:nvSpPr>
+            <p:cNvPr id="8" name="Cube 75">
+              <a:extLst>
+                <a:ext uri="{FF2B5EF4-FFF2-40B4-BE49-F238E27FC236}">
+                  <a16:creationId xmlns:a16="http://schemas.microsoft.com/office/drawing/2014/main" id="{7C4F8330-D310-4B8C-A22F-C3DBED8F298B}"/>
+                </a:ext>
+              </a:extLst>
+            </p:cNvPr>
+            <p:cNvSpPr/>
+            <p:nvPr/>
+          </p:nvSpPr>
+          <p:spPr>
+            <a:xfrm>
+              <a:off x="-8424319" y="29179659"/>
+              <a:ext cx="1206589" cy="1120335"/>
+            </a:xfrm>
+            <a:prstGeom prst="cube">
+              <a:avLst/>
+            </a:prstGeom>
+            <a:solidFill>
+              <a:srgbClr val="FF7F2A">
+                <a:alpha val="50000"/>
+              </a:srgbClr>
+            </a:solidFill>
+            <a:ln>
+              <a:noFill/>
+            </a:ln>
+          </p:spPr>
+          <p:style>
+            <a:lnRef idx="2">
+              <a:schemeClr val="accent1">
+                <a:shade val="50000"/>
+              </a:schemeClr>
+            </a:lnRef>
+            <a:fillRef idx="1">
+              <a:schemeClr val="accent1"/>
+            </a:fillRef>
+            <a:effectRef idx="0">
+              <a:schemeClr val="accent1"/>
+            </a:effectRef>
+            <a:fontRef idx="minor">
+              <a:schemeClr val="lt1"/>
+            </a:fontRef>
+          </p:style>
+          <p:txBody>
+            <a:bodyPr rtlCol="0" anchor="ctr"/>
+            <a:lstStyle/>
+            <a:p>
+              <a:pPr algn="ctr"/>
+              <a:endParaRPr lang="en-US"/>
+            </a:p>
+          </p:txBody>
+        </p:sp>
+        <p:sp>
+          <p:nvSpPr>
+            <p:cNvPr id="9" name="Cube 76">
+              <a:extLst>
+                <a:ext uri="{FF2B5EF4-FFF2-40B4-BE49-F238E27FC236}">
+                  <a16:creationId xmlns:a16="http://schemas.microsoft.com/office/drawing/2014/main" id="{BDFEFDCA-1AFD-4BA2-A9DA-D21A34FE8796}"/>
+                </a:ext>
+              </a:extLst>
+            </p:cNvPr>
+            <p:cNvSpPr/>
+            <p:nvPr/>
+          </p:nvSpPr>
+          <p:spPr>
+            <a:xfrm>
+              <a:off x="-7031592" y="29179659"/>
+              <a:ext cx="2197354" cy="1120335"/>
+            </a:xfrm>
+            <a:prstGeom prst="cube">
+              <a:avLst/>
+            </a:prstGeom>
+            <a:solidFill>
+              <a:srgbClr val="FF7F2A">
+                <a:alpha val="50000"/>
+              </a:srgbClr>
+            </a:solidFill>
+            <a:ln>
+              <a:noFill/>
+            </a:ln>
+          </p:spPr>
+          <p:style>
+            <a:lnRef idx="2">
+              <a:schemeClr val="accent1">
+                <a:shade val="50000"/>
+              </a:schemeClr>
+            </a:lnRef>
+            <a:fillRef idx="1">
+              <a:schemeClr val="accent1"/>
+            </a:fillRef>
+            <a:effectRef idx="0">
+              <a:schemeClr val="accent1"/>
+            </a:effectRef>
+            <a:fontRef idx="minor">
+              <a:schemeClr val="lt1"/>
+            </a:fontRef>
+          </p:style>
+          <p:txBody>
+            <a:bodyPr rtlCol="0" anchor="ctr"/>
+            <a:lstStyle/>
+            <a:p>
+              <a:pPr algn="ctr"/>
+              <a:endParaRPr lang="en-US"/>
+            </a:p>
+          </p:txBody>
+        </p:sp>
+        <p:sp>
+          <p:nvSpPr>
+            <p:cNvPr id="10" name="Cube 81">
+              <a:extLst>
+                <a:ext uri="{FF2B5EF4-FFF2-40B4-BE49-F238E27FC236}">
+                  <a16:creationId xmlns:a16="http://schemas.microsoft.com/office/drawing/2014/main" id="{D7CB7639-C52A-416A-9395-D1E20F0782F7}"/>
+                </a:ext>
+              </a:extLst>
+            </p:cNvPr>
+            <p:cNvSpPr/>
+            <p:nvPr/>
+          </p:nvSpPr>
+          <p:spPr>
+            <a:xfrm>
+              <a:off x="-10383845" y="29346135"/>
+              <a:ext cx="232588" cy="325452"/>
+            </a:xfrm>
+            <a:prstGeom prst="cube">
+              <a:avLst/>
+            </a:prstGeom>
+            <a:solidFill>
+              <a:schemeClr val="tx1">
+                <a:lumMod val="95000"/>
+                <a:lumOff val="5000"/>
+                <a:alpha val="50000"/>
+              </a:schemeClr>
+            </a:solidFill>
+            <a:ln>
+              <a:noFill/>
+            </a:ln>
+          </p:spPr>
+          <p:style>
+            <a:lnRef idx="2">
+              <a:schemeClr val="accent1">
+                <a:shade val="50000"/>
+              </a:schemeClr>
+            </a:lnRef>
+            <a:fillRef idx="1">
+              <a:schemeClr val="accent1"/>
+            </a:fillRef>
+            <a:effectRef idx="0">
+              <a:schemeClr val="accent1"/>
+            </a:effectRef>
+            <a:fontRef idx="minor">
+              <a:schemeClr val="lt1"/>
+            </a:fontRef>
+          </p:style>
+          <p:txBody>
+            <a:bodyPr rtlCol="0" anchor="ctr"/>
+            <a:lstStyle/>
+            <a:p>
+              <a:pPr algn="ctr"/>
+              <a:endParaRPr lang="en-US"/>
+            </a:p>
+          </p:txBody>
+        </p:sp>
+        <p:sp>
+          <p:nvSpPr>
+            <p:cNvPr id="11" name="Cube 82">
+              <a:extLst>
+                <a:ext uri="{FF2B5EF4-FFF2-40B4-BE49-F238E27FC236}">
+                  <a16:creationId xmlns:a16="http://schemas.microsoft.com/office/drawing/2014/main" id="{0BD0EACB-F4D9-4B79-A593-1BD653098A07}"/>
+                </a:ext>
+              </a:extLst>
+            </p:cNvPr>
+            <p:cNvSpPr/>
+            <p:nvPr/>
+          </p:nvSpPr>
+          <p:spPr>
+            <a:xfrm>
+              <a:off x="-9965130" y="29813316"/>
+              <a:ext cx="445385" cy="325452"/>
+            </a:xfrm>
+            <a:prstGeom prst="cube">
+              <a:avLst/>
+            </a:prstGeom>
+            <a:solidFill>
+              <a:schemeClr val="tx1">
+                <a:lumMod val="95000"/>
+                <a:lumOff val="5000"/>
+                <a:alpha val="50000"/>
+              </a:schemeClr>
+            </a:solidFill>
+            <a:ln>
+              <a:noFill/>
+            </a:ln>
+          </p:spPr>
+          <p:style>
+            <a:lnRef idx="2">
+              <a:schemeClr val="accent1">
+                <a:shade val="50000"/>
+              </a:schemeClr>
+            </a:lnRef>
+            <a:fillRef idx="1">
+              <a:schemeClr val="accent1"/>
+            </a:fillRef>
+            <a:effectRef idx="0">
+              <a:schemeClr val="accent1"/>
+            </a:effectRef>
+            <a:fontRef idx="minor">
+              <a:schemeClr val="lt1"/>
+            </a:fontRef>
+          </p:style>
+          <p:txBody>
+            <a:bodyPr rtlCol="0" anchor="ctr"/>
+            <a:lstStyle/>
+            <a:p>
+              <a:pPr algn="ctr"/>
+              <a:endParaRPr lang="en-US"/>
+            </a:p>
+          </p:txBody>
+        </p:sp>
+        <p:sp>
+          <p:nvSpPr>
+            <p:cNvPr id="12" name="Cube 85">
+              <a:extLst>
+                <a:ext uri="{FF2B5EF4-FFF2-40B4-BE49-F238E27FC236}">
+                  <a16:creationId xmlns:a16="http://schemas.microsoft.com/office/drawing/2014/main" id="{12E60659-67CF-4DD7-927E-846A675605F1}"/>
+                </a:ext>
+              </a:extLst>
+            </p:cNvPr>
+            <p:cNvSpPr/>
+            <p:nvPr/>
+          </p:nvSpPr>
+          <p:spPr>
+            <a:xfrm>
+              <a:off x="-9305083" y="29419625"/>
+              <a:ext cx="654001" cy="251963"/>
+            </a:xfrm>
+            <a:prstGeom prst="cube">
+              <a:avLst/>
+            </a:prstGeom>
+            <a:solidFill>
+              <a:schemeClr val="tx1">
+                <a:lumMod val="95000"/>
+                <a:lumOff val="5000"/>
+                <a:alpha val="50000"/>
+              </a:schemeClr>
+            </a:solidFill>
+            <a:ln>
+              <a:noFill/>
+            </a:ln>
+          </p:spPr>
+          <p:style>
+            <a:lnRef idx="2">
+              <a:schemeClr val="accent1">
+                <a:shade val="50000"/>
+              </a:schemeClr>
+            </a:lnRef>
+            <a:fillRef idx="1">
+              <a:schemeClr val="accent1"/>
+            </a:fillRef>
+            <a:effectRef idx="0">
+              <a:schemeClr val="accent1"/>
+            </a:effectRef>
+            <a:fontRef idx="minor">
+              <a:schemeClr val="lt1"/>
+            </a:fontRef>
+          </p:style>
+          <p:txBody>
+            <a:bodyPr rtlCol="0" anchor="ctr"/>
+            <a:lstStyle/>
+            <a:p>
+              <a:pPr algn="ctr"/>
+              <a:endParaRPr lang="en-US"/>
+            </a:p>
+          </p:txBody>
+        </p:sp>
+        <p:sp>
+          <p:nvSpPr>
+            <p:cNvPr id="13" name="Cube 86">
+              <a:extLst>
+                <a:ext uri="{FF2B5EF4-FFF2-40B4-BE49-F238E27FC236}">
+                  <a16:creationId xmlns:a16="http://schemas.microsoft.com/office/drawing/2014/main" id="{6ABEAE41-8EFE-4724-8EAD-ECCA8A2A79B1}"/>
+                </a:ext>
+              </a:extLst>
+            </p:cNvPr>
+            <p:cNvSpPr/>
+            <p:nvPr/>
+          </p:nvSpPr>
+          <p:spPr>
+            <a:xfrm>
+              <a:off x="-8424327" y="29850061"/>
+              <a:ext cx="1102694" cy="251963"/>
+            </a:xfrm>
+            <a:prstGeom prst="cube">
+              <a:avLst/>
+            </a:prstGeom>
+            <a:solidFill>
+              <a:schemeClr val="tx1">
+                <a:lumMod val="95000"/>
+                <a:lumOff val="5000"/>
+                <a:alpha val="50000"/>
+              </a:schemeClr>
+            </a:solidFill>
+            <a:ln>
+              <a:noFill/>
+            </a:ln>
+          </p:spPr>
+          <p:style>
+            <a:lnRef idx="2">
+              <a:schemeClr val="accent1">
+                <a:shade val="50000"/>
+              </a:schemeClr>
+            </a:lnRef>
+            <a:fillRef idx="1">
+              <a:schemeClr val="accent1"/>
+            </a:fillRef>
+            <a:effectRef idx="0">
+              <a:schemeClr val="accent1"/>
+            </a:effectRef>
+            <a:fontRef idx="minor">
+              <a:schemeClr val="lt1"/>
+            </a:fontRef>
+          </p:style>
+          <p:txBody>
+            <a:bodyPr rtlCol="0" anchor="ctr"/>
+            <a:lstStyle/>
+            <a:p>
+              <a:pPr algn="ctr"/>
+              <a:endParaRPr lang="en-US"/>
+            </a:p>
+          </p:txBody>
+        </p:sp>
+        <p:sp>
+          <p:nvSpPr>
+            <p:cNvPr id="14" name="Cube 87">
+              <a:extLst>
+                <a:ext uri="{FF2B5EF4-FFF2-40B4-BE49-F238E27FC236}">
+                  <a16:creationId xmlns:a16="http://schemas.microsoft.com/office/drawing/2014/main" id="{8A30F02B-110F-46EB-92A4-9D15DF355988}"/>
+                </a:ext>
+              </a:extLst>
+            </p:cNvPr>
+            <p:cNvSpPr/>
+            <p:nvPr/>
+          </p:nvSpPr>
+          <p:spPr>
+            <a:xfrm>
+              <a:off x="-7031592" y="29419625"/>
+              <a:ext cx="2088170" cy="251963"/>
+            </a:xfrm>
+            <a:prstGeom prst="cube">
+              <a:avLst/>
+            </a:prstGeom>
+            <a:solidFill>
+              <a:schemeClr val="tx1">
+                <a:lumMod val="95000"/>
+                <a:lumOff val="5000"/>
+                <a:alpha val="50000"/>
+              </a:schemeClr>
+            </a:solidFill>
+            <a:ln>
+              <a:noFill/>
+            </a:ln>
+          </p:spPr>
+          <p:style>
+            <a:lnRef idx="2">
+              <a:schemeClr val="accent1">
+                <a:shade val="50000"/>
+              </a:schemeClr>
+            </a:lnRef>
+            <a:fillRef idx="1">
+              <a:schemeClr val="accent1"/>
+            </a:fillRef>
+            <a:effectRef idx="0">
+              <a:schemeClr val="accent1"/>
+            </a:effectRef>
+            <a:fontRef idx="minor">
+              <a:schemeClr val="lt1"/>
+            </a:fontRef>
+          </p:style>
+          <p:txBody>
+            <a:bodyPr rtlCol="0" anchor="ctr"/>
+            <a:lstStyle/>
+            <a:p>
+              <a:pPr algn="ctr"/>
+              <a:endParaRPr lang="en-US"/>
+            </a:p>
+          </p:txBody>
+        </p:sp>
+        <p:sp>
+          <p:nvSpPr>
+            <p:cNvPr id="15" name="Cube 88">
+              <a:extLst>
+                <a:ext uri="{FF2B5EF4-FFF2-40B4-BE49-F238E27FC236}">
+                  <a16:creationId xmlns:a16="http://schemas.microsoft.com/office/drawing/2014/main" id="{FA7EFB69-BFE7-4111-9F28-22D97F70D627}"/>
+                </a:ext>
+              </a:extLst>
+            </p:cNvPr>
+            <p:cNvSpPr/>
+            <p:nvPr/>
+          </p:nvSpPr>
+          <p:spPr>
+            <a:xfrm>
+              <a:off x="-4648092" y="29179659"/>
+              <a:ext cx="2197354" cy="1120335"/>
+            </a:xfrm>
+            <a:prstGeom prst="cube">
+              <a:avLst/>
+            </a:prstGeom>
+            <a:solidFill>
+              <a:srgbClr val="FF7F2A">
+                <a:alpha val="49804"/>
+              </a:srgbClr>
+            </a:solidFill>
+            <a:ln>
+              <a:noFill/>
+            </a:ln>
+          </p:spPr>
+          <p:style>
+            <a:lnRef idx="2">
+              <a:schemeClr val="accent1">
+                <a:shade val="50000"/>
+              </a:schemeClr>
+            </a:lnRef>
+            <a:fillRef idx="1">
+              <a:schemeClr val="accent1"/>
+            </a:fillRef>
+            <a:effectRef idx="0">
+              <a:schemeClr val="accent1"/>
+            </a:effectRef>
+            <a:fontRef idx="minor">
+              <a:schemeClr val="lt1"/>
+            </a:fontRef>
+          </p:style>
+          <p:txBody>
+            <a:bodyPr rtlCol="0" anchor="ctr"/>
+            <a:lstStyle/>
+            <a:p>
+              <a:pPr algn="ctr"/>
+              <a:endParaRPr lang="en-US"/>
+            </a:p>
+          </p:txBody>
+        </p:sp>
+        <p:sp>
+          <p:nvSpPr>
+            <p:cNvPr id="16" name="Rechteck 15">
+              <a:extLst>
+                <a:ext uri="{FF2B5EF4-FFF2-40B4-BE49-F238E27FC236}">
+                  <a16:creationId xmlns:a16="http://schemas.microsoft.com/office/drawing/2014/main" id="{48881D06-B87C-4EB6-B3C1-D569B31015BB}"/>
+                </a:ext>
+              </a:extLst>
+            </p:cNvPr>
+            <p:cNvSpPr/>
+            <p:nvPr/>
+          </p:nvSpPr>
+          <p:spPr>
+            <a:xfrm>
+              <a:off x="-2190415" y="28721981"/>
+              <a:ext cx="166844" cy="2256159"/>
+            </a:xfrm>
+            <a:prstGeom prst="rect">
+              <a:avLst/>
+            </a:prstGeom>
+            <a:solidFill>
+              <a:srgbClr val="FF7F2A"/>
+            </a:solidFill>
+            <a:ln>
+              <a:noFill/>
+            </a:ln>
+          </p:spPr>
+          <p:style>
+            <a:lnRef idx="2">
+              <a:schemeClr val="accent1">
+                <a:shade val="50000"/>
+              </a:schemeClr>
+            </a:lnRef>
+            <a:fillRef idx="1">
+              <a:schemeClr val="accent1"/>
+            </a:fillRef>
+            <a:effectRef idx="0">
+              <a:schemeClr val="accent1"/>
+            </a:effectRef>
+            <a:fontRef idx="minor">
+              <a:schemeClr val="lt1"/>
+            </a:fontRef>
+          </p:style>
+          <p:txBody>
+            <a:bodyPr rtlCol="0" anchor="ctr"/>
+            <a:lstStyle/>
+            <a:p>
+              <a:pPr algn="ctr"/>
+              <a:endParaRPr lang="en-US"/>
+            </a:p>
+          </p:txBody>
+        </p:sp>
+        <p:sp>
+          <p:nvSpPr>
+            <p:cNvPr id="17" name="Rechteck 16">
+              <a:extLst>
+                <a:ext uri="{FF2B5EF4-FFF2-40B4-BE49-F238E27FC236}">
+                  <a16:creationId xmlns:a16="http://schemas.microsoft.com/office/drawing/2014/main" id="{98E082B8-1E59-4F41-98DA-729EAD0E8B11}"/>
+                </a:ext>
+              </a:extLst>
+            </p:cNvPr>
+            <p:cNvSpPr/>
+            <p:nvPr/>
+          </p:nvSpPr>
+          <p:spPr>
+            <a:xfrm>
+              <a:off x="-1832738" y="29286021"/>
+              <a:ext cx="166844" cy="1128080"/>
+            </a:xfrm>
+            <a:prstGeom prst="rect">
+              <a:avLst/>
+            </a:prstGeom>
+            <a:solidFill>
+              <a:srgbClr val="FF7F2A"/>
+            </a:solidFill>
+            <a:ln>
+              <a:noFill/>
+            </a:ln>
+          </p:spPr>
+          <p:style>
+            <a:lnRef idx="2">
+              <a:schemeClr val="accent1">
+                <a:shade val="50000"/>
+              </a:schemeClr>
+            </a:lnRef>
+            <a:fillRef idx="1">
+              <a:schemeClr val="accent1"/>
+            </a:fillRef>
+            <a:effectRef idx="0">
+              <a:schemeClr val="accent1"/>
+            </a:effectRef>
+            <a:fontRef idx="minor">
+              <a:schemeClr val="lt1"/>
+            </a:fontRef>
+          </p:style>
+          <p:txBody>
+            <a:bodyPr rtlCol="0" anchor="ctr"/>
+            <a:lstStyle/>
+            <a:p>
+              <a:pPr algn="ctr"/>
+              <a:endParaRPr lang="en-US"/>
+            </a:p>
+          </p:txBody>
+        </p:sp>
+        <p:sp>
+          <p:nvSpPr>
+            <p:cNvPr id="18" name="Rechteck 17">
+              <a:extLst>
+                <a:ext uri="{FF2B5EF4-FFF2-40B4-BE49-F238E27FC236}">
+                  <a16:creationId xmlns:a16="http://schemas.microsoft.com/office/drawing/2014/main" id="{E4713F7F-172F-4A38-9603-3A2CA9566E43}"/>
+                </a:ext>
+              </a:extLst>
+            </p:cNvPr>
+            <p:cNvSpPr/>
+            <p:nvPr/>
+          </p:nvSpPr>
+          <p:spPr>
+            <a:xfrm>
+              <a:off x="-1470603" y="29568041"/>
+              <a:ext cx="166844" cy="564040"/>
+            </a:xfrm>
+            <a:prstGeom prst="rect">
+              <a:avLst/>
+            </a:prstGeom>
+            <a:solidFill>
+              <a:srgbClr val="FF7F2A"/>
+            </a:solidFill>
+            <a:ln>
+              <a:noFill/>
+            </a:ln>
+          </p:spPr>
+          <p:style>
+            <a:lnRef idx="2">
+              <a:schemeClr val="accent1">
+                <a:shade val="50000"/>
+              </a:schemeClr>
+            </a:lnRef>
+            <a:fillRef idx="1">
+              <a:schemeClr val="accent1"/>
+            </a:fillRef>
+            <a:effectRef idx="0">
+              <a:schemeClr val="accent1"/>
+            </a:effectRef>
+            <a:fontRef idx="minor">
+              <a:schemeClr val="lt1"/>
+            </a:fontRef>
+          </p:style>
+          <p:txBody>
+            <a:bodyPr rtlCol="0" anchor="ctr"/>
+            <a:lstStyle/>
+            <a:p>
+              <a:pPr algn="ctr"/>
+              <a:endParaRPr lang="en-US"/>
+            </a:p>
+          </p:txBody>
+        </p:sp>
+        <p:sp>
+          <p:nvSpPr>
+            <p:cNvPr id="19" name="Rechteck 18">
+              <a:extLst>
+                <a:ext uri="{FF2B5EF4-FFF2-40B4-BE49-F238E27FC236}">
+                  <a16:creationId xmlns:a16="http://schemas.microsoft.com/office/drawing/2014/main" id="{B002FE63-8A90-44ED-B165-B26FDA7B505F}"/>
+                </a:ext>
+              </a:extLst>
+            </p:cNvPr>
+            <p:cNvSpPr/>
+            <p:nvPr/>
+          </p:nvSpPr>
+          <p:spPr>
+            <a:xfrm>
+              <a:off x="-1118603" y="29807758"/>
+              <a:ext cx="112606" cy="84606"/>
+            </a:xfrm>
+            <a:prstGeom prst="rect">
+              <a:avLst/>
+            </a:prstGeom>
+            <a:solidFill>
+              <a:srgbClr val="FF7F2A"/>
+            </a:solidFill>
+            <a:ln>
+              <a:noFill/>
+            </a:ln>
+          </p:spPr>
+          <p:style>
+            <a:lnRef idx="2">
+              <a:schemeClr val="accent1">
+                <a:shade val="50000"/>
+              </a:schemeClr>
+            </a:lnRef>
+            <a:fillRef idx="1">
+              <a:schemeClr val="accent1"/>
+            </a:fillRef>
+            <a:effectRef idx="0">
+              <a:schemeClr val="accent1"/>
+            </a:effectRef>
+            <a:fontRef idx="minor">
+              <a:schemeClr val="lt1"/>
+            </a:fontRef>
+          </p:style>
+          <p:txBody>
+            <a:bodyPr rtlCol="0" anchor="ctr"/>
+            <a:lstStyle/>
+            <a:p>
+              <a:pPr algn="ctr"/>
+              <a:endParaRPr lang="en-US"/>
+            </a:p>
+          </p:txBody>
+        </p:sp>
+        <p:sp>
+          <p:nvSpPr>
+            <p:cNvPr id="20" name="Textfeld 19">
+              <a:extLst>
+                <a:ext uri="{FF2B5EF4-FFF2-40B4-BE49-F238E27FC236}">
+                  <a16:creationId xmlns:a16="http://schemas.microsoft.com/office/drawing/2014/main" id="{4B416E68-6CC6-459D-A0A8-785F0B65B6B3}"/>
+                </a:ext>
+              </a:extLst>
+            </p:cNvPr>
+            <p:cNvSpPr txBox="1"/>
+            <p:nvPr/>
+          </p:nvSpPr>
+          <p:spPr>
+            <a:xfrm>
+              <a:off x="-3186264" y="31219063"/>
+              <a:ext cx="2824283" cy="556391"/>
+            </a:xfrm>
+            <a:prstGeom prst="rect">
+              <a:avLst/>
+            </a:prstGeom>
+            <a:noFill/>
+          </p:spPr>
+          <p:txBody>
+            <a:bodyPr wrap="square" rtlCol="0">
+              <a:spAutoFit/>
+            </a:bodyPr>
+            <a:lstStyle/>
+            <a:p>
+              <a:r>
+                <a:rPr lang="en-US" sz="2800" dirty="0">
+                  <a:latin typeface="Flama Light" panose="02000000000000000000"/>
+                </a:rPr>
+                <a:t>4 Linear Layers</a:t>
+              </a:r>
+            </a:p>
+          </p:txBody>
+        </p:sp>
+        <p:sp>
+          <p:nvSpPr>
+            <p:cNvPr id="21" name="Textfeld 20">
+              <a:extLst>
+                <a:ext uri="{FF2B5EF4-FFF2-40B4-BE49-F238E27FC236}">
+                  <a16:creationId xmlns:a16="http://schemas.microsoft.com/office/drawing/2014/main" id="{B05F3B85-A4F7-4927-96EF-093CE1810C5B}"/>
+                </a:ext>
+              </a:extLst>
+            </p:cNvPr>
+            <p:cNvSpPr txBox="1"/>
+            <p:nvPr/>
+          </p:nvSpPr>
+          <p:spPr>
+            <a:xfrm>
+              <a:off x="-8365114" y="27368805"/>
+              <a:ext cx="1833066" cy="556391"/>
+            </a:xfrm>
+            <a:prstGeom prst="rect">
+              <a:avLst/>
+            </a:prstGeom>
+            <a:noFill/>
+          </p:spPr>
+          <p:txBody>
+            <a:bodyPr wrap="square" rtlCol="0">
+              <a:spAutoFit/>
+            </a:bodyPr>
+            <a:lstStyle/>
+            <a:p>
+              <a:r>
+                <a:rPr lang="en-US" sz="2800" dirty="0">
+                  <a:latin typeface="Flama Light" panose="02000000000000000000"/>
+                </a:rPr>
+                <a:t>Stride 2</a:t>
+              </a:r>
+            </a:p>
+          </p:txBody>
+        </p:sp>
+        <p:sp>
+          <p:nvSpPr>
+            <p:cNvPr id="22" name="Geschweifte Klammer links 21">
+              <a:extLst>
+                <a:ext uri="{FF2B5EF4-FFF2-40B4-BE49-F238E27FC236}">
+                  <a16:creationId xmlns:a16="http://schemas.microsoft.com/office/drawing/2014/main" id="{BED83816-0B31-4A3C-9C19-0541BCE82D5E}"/>
+                </a:ext>
+              </a:extLst>
+            </p:cNvPr>
+            <p:cNvSpPr/>
+            <p:nvPr/>
+          </p:nvSpPr>
+          <p:spPr>
+            <a:xfrm rot="5400000">
+              <a:off x="-7834032" y="25310300"/>
+              <a:ext cx="340796" cy="5440425"/>
+            </a:xfrm>
+            <a:prstGeom prst="leftBrace">
+              <a:avLst/>
+            </a:prstGeom>
+            <a:ln>
+              <a:solidFill>
+                <a:schemeClr val="tx1"/>
+              </a:solidFill>
+            </a:ln>
+          </p:spPr>
+          <p:style>
+            <a:lnRef idx="1">
+              <a:schemeClr val="accent1"/>
+            </a:lnRef>
+            <a:fillRef idx="0">
+              <a:schemeClr val="accent1"/>
+            </a:fillRef>
+            <a:effectRef idx="0">
+              <a:schemeClr val="accent1"/>
+            </a:effectRef>
+            <a:fontRef idx="minor">
+              <a:schemeClr val="tx1"/>
+            </a:fontRef>
+          </p:style>
+          <p:txBody>
+            <a:bodyPr rtlCol="0" anchor="ctr"/>
+            <a:lstStyle/>
+            <a:p>
+              <a:pPr algn="ctr"/>
+              <a:endParaRPr lang="en-US"/>
+            </a:p>
+          </p:txBody>
+        </p:sp>
+        <p:sp>
+          <p:nvSpPr>
+            <p:cNvPr id="23" name="Geschweifte Klammer links 22">
+              <a:extLst>
+                <a:ext uri="{FF2B5EF4-FFF2-40B4-BE49-F238E27FC236}">
+                  <a16:creationId xmlns:a16="http://schemas.microsoft.com/office/drawing/2014/main" id="{491828E8-D6A4-4877-B3E9-E4DE6C1D6EDD}"/>
+                </a:ext>
+              </a:extLst>
+            </p:cNvPr>
+            <p:cNvSpPr/>
+            <p:nvPr/>
+          </p:nvSpPr>
+          <p:spPr>
+            <a:xfrm rot="16200000">
+              <a:off x="-7834030" y="28187533"/>
+              <a:ext cx="340796" cy="5440426"/>
+            </a:xfrm>
+            <a:prstGeom prst="leftBrace">
+              <a:avLst/>
+            </a:prstGeom>
+            <a:ln>
+              <a:solidFill>
+                <a:schemeClr val="tx1"/>
+              </a:solidFill>
+            </a:ln>
+          </p:spPr>
+          <p:style>
+            <a:lnRef idx="1">
+              <a:schemeClr val="accent1"/>
+            </a:lnRef>
+            <a:fillRef idx="0">
+              <a:schemeClr val="accent1"/>
+            </a:fillRef>
+            <a:effectRef idx="0">
+              <a:schemeClr val="accent1"/>
+            </a:effectRef>
+            <a:fontRef idx="minor">
+              <a:schemeClr val="tx1"/>
+            </a:fontRef>
+          </p:style>
+          <p:txBody>
+            <a:bodyPr rtlCol="0" anchor="ctr"/>
+            <a:lstStyle/>
+            <a:p>
+              <a:pPr algn="ctr"/>
+              <a:endParaRPr lang="en-US"/>
+            </a:p>
+          </p:txBody>
+        </p:sp>
+        <p:sp>
+          <p:nvSpPr>
+            <p:cNvPr id="24" name="Textfeld 23">
+              <a:extLst>
+                <a:ext uri="{FF2B5EF4-FFF2-40B4-BE49-F238E27FC236}">
+                  <a16:creationId xmlns:a16="http://schemas.microsoft.com/office/drawing/2014/main" id="{D8B62607-65E2-49EF-8098-8887C3B45DF7}"/>
+                </a:ext>
+              </a:extLst>
+            </p:cNvPr>
+            <p:cNvSpPr txBox="1"/>
+            <p:nvPr/>
+          </p:nvSpPr>
+          <p:spPr>
+            <a:xfrm>
+              <a:off x="-9343412" y="31221190"/>
+              <a:ext cx="4399990" cy="523220"/>
+            </a:xfrm>
+            <a:prstGeom prst="rect">
+              <a:avLst/>
+            </a:prstGeom>
+            <a:noFill/>
+          </p:spPr>
+          <p:txBody>
+            <a:bodyPr wrap="square" rtlCol="0">
+              <a:spAutoFit/>
+            </a:bodyPr>
+            <a:lstStyle/>
+            <a:p>
+              <a:r>
+                <a:rPr lang="en-US" sz="2800" dirty="0">
+                  <a:latin typeface="Flama Light" panose="02000000000000000000"/>
+                </a:rPr>
+                <a:t>5 Convolutional Layers</a:t>
+              </a:r>
+            </a:p>
+          </p:txBody>
+        </p:sp>
+        <p:sp>
+          <p:nvSpPr>
+            <p:cNvPr id="25" name="Geschweifte Klammer links 24">
+              <a:extLst>
+                <a:ext uri="{FF2B5EF4-FFF2-40B4-BE49-F238E27FC236}">
+                  <a16:creationId xmlns:a16="http://schemas.microsoft.com/office/drawing/2014/main" id="{92E20A7D-5DF5-4115-86CB-109F49B9EB62}"/>
+                </a:ext>
+              </a:extLst>
+            </p:cNvPr>
+            <p:cNvSpPr/>
+            <p:nvPr/>
+          </p:nvSpPr>
+          <p:spPr>
+            <a:xfrm rot="5400000">
+              <a:off x="-10122194" y="28430778"/>
+              <a:ext cx="340796" cy="864102"/>
+            </a:xfrm>
+            <a:prstGeom prst="leftBrace">
+              <a:avLst/>
+            </a:prstGeom>
+            <a:ln>
+              <a:solidFill>
+                <a:schemeClr val="tx1"/>
+              </a:solidFill>
+            </a:ln>
+          </p:spPr>
+          <p:style>
+            <a:lnRef idx="1">
+              <a:schemeClr val="accent1"/>
+            </a:lnRef>
+            <a:fillRef idx="0">
+              <a:schemeClr val="accent1"/>
+            </a:fillRef>
+            <a:effectRef idx="0">
+              <a:schemeClr val="accent1"/>
+            </a:effectRef>
+            <a:fontRef idx="minor">
+              <a:schemeClr val="tx1"/>
+            </a:fontRef>
+          </p:style>
+          <p:txBody>
+            <a:bodyPr rtlCol="0" anchor="ctr"/>
+            <a:lstStyle/>
+            <a:p>
+              <a:pPr algn="ctr"/>
+              <a:endParaRPr lang="en-US"/>
+            </a:p>
+          </p:txBody>
+        </p:sp>
+        <p:sp>
+          <p:nvSpPr>
+            <p:cNvPr id="26" name="Geschweifte Klammer links 25">
+              <a:extLst>
+                <a:ext uri="{FF2B5EF4-FFF2-40B4-BE49-F238E27FC236}">
+                  <a16:creationId xmlns:a16="http://schemas.microsoft.com/office/drawing/2014/main" id="{508BCE58-8AD8-4587-95FF-EFA5A484D358}"/>
+                </a:ext>
+              </a:extLst>
+            </p:cNvPr>
+            <p:cNvSpPr/>
+            <p:nvPr/>
+          </p:nvSpPr>
+          <p:spPr>
+            <a:xfrm rot="5400000">
+              <a:off x="-7283192" y="26693458"/>
+              <a:ext cx="340796" cy="4338744"/>
+            </a:xfrm>
+            <a:prstGeom prst="leftBrace">
+              <a:avLst/>
+            </a:prstGeom>
+            <a:ln>
+              <a:solidFill>
+                <a:schemeClr val="tx1"/>
+              </a:solidFill>
+            </a:ln>
+          </p:spPr>
+          <p:style>
+            <a:lnRef idx="1">
+              <a:schemeClr val="accent1"/>
+            </a:lnRef>
+            <a:fillRef idx="0">
+              <a:schemeClr val="accent1"/>
+            </a:fillRef>
+            <a:effectRef idx="0">
+              <a:schemeClr val="accent1"/>
+            </a:effectRef>
+            <a:fontRef idx="minor">
+              <a:schemeClr val="tx1"/>
+            </a:fontRef>
+          </p:style>
+          <p:txBody>
+            <a:bodyPr rtlCol="0" anchor="ctr"/>
+            <a:lstStyle/>
+            <a:p>
+              <a:pPr algn="ctr"/>
+              <a:endParaRPr lang="en-US"/>
+            </a:p>
+          </p:txBody>
+        </p:sp>
+        <p:sp>
+          <p:nvSpPr>
+            <p:cNvPr id="27" name="Textfeld 26">
+              <a:extLst>
+                <a:ext uri="{FF2B5EF4-FFF2-40B4-BE49-F238E27FC236}">
+                  <a16:creationId xmlns:a16="http://schemas.microsoft.com/office/drawing/2014/main" id="{9735FE26-C7CA-4C39-A6FD-4ED976F823C6}"/>
+                </a:ext>
+              </a:extLst>
+            </p:cNvPr>
+            <p:cNvSpPr txBox="1"/>
+            <p:nvPr/>
+          </p:nvSpPr>
+          <p:spPr>
+            <a:xfrm>
+              <a:off x="-10836918" y="28200912"/>
+              <a:ext cx="2471803" cy="556391"/>
+            </a:xfrm>
+            <a:prstGeom prst="rect">
+              <a:avLst/>
+            </a:prstGeom>
+            <a:noFill/>
+          </p:spPr>
+          <p:txBody>
+            <a:bodyPr wrap="square" rtlCol="0">
+              <a:spAutoFit/>
+            </a:bodyPr>
+            <a:lstStyle/>
+            <a:p>
+              <a:r>
+                <a:rPr lang="en-US" sz="2800" dirty="0">
+                  <a:latin typeface="Flama Light" panose="02000000000000000000"/>
+                  <a:cs typeface="Aharoni" panose="020B0604020202020204" pitchFamily="2" charset="-79"/>
+                </a:rPr>
+                <a:t>5x5 Kernel</a:t>
+              </a:r>
+            </a:p>
+          </p:txBody>
+        </p:sp>
+        <p:sp>
+          <p:nvSpPr>
+            <p:cNvPr id="28" name="Textfeld 27">
+              <a:extLst>
+                <a:ext uri="{FF2B5EF4-FFF2-40B4-BE49-F238E27FC236}">
+                  <a16:creationId xmlns:a16="http://schemas.microsoft.com/office/drawing/2014/main" id="{93F6A162-6701-4F21-B9D8-1011C2953CB6}"/>
+                </a:ext>
+              </a:extLst>
+            </p:cNvPr>
+            <p:cNvSpPr txBox="1"/>
+            <p:nvPr/>
+          </p:nvSpPr>
+          <p:spPr>
+            <a:xfrm>
+              <a:off x="-7960169" y="28200912"/>
+              <a:ext cx="1939234" cy="523220"/>
+            </a:xfrm>
+            <a:prstGeom prst="rect">
+              <a:avLst/>
+            </a:prstGeom>
+            <a:noFill/>
+          </p:spPr>
+          <p:txBody>
+            <a:bodyPr wrap="square" rtlCol="0">
+              <a:spAutoFit/>
+            </a:bodyPr>
+            <a:lstStyle/>
+            <a:p>
+              <a:r>
+                <a:rPr lang="en-US" sz="2800" dirty="0">
+                  <a:latin typeface="Flama Light" panose="02000000000000000000"/>
+                  <a:cs typeface="Aharoni" panose="020B0604020202020204" pitchFamily="2" charset="-79"/>
+                </a:rPr>
+                <a:t>3x3 Kernel</a:t>
+              </a:r>
+            </a:p>
+          </p:txBody>
+        </p:sp>
+        <p:sp>
+          <p:nvSpPr>
+            <p:cNvPr id="29" name="Textfeld 28">
+              <a:extLst>
+                <a:ext uri="{FF2B5EF4-FFF2-40B4-BE49-F238E27FC236}">
+                  <a16:creationId xmlns:a16="http://schemas.microsoft.com/office/drawing/2014/main" id="{D13BF096-185A-4DA0-AD5F-C90BD6A19B06}"/>
+                </a:ext>
+              </a:extLst>
+            </p:cNvPr>
+            <p:cNvSpPr txBox="1"/>
+            <p:nvPr/>
+          </p:nvSpPr>
+          <p:spPr>
+            <a:xfrm>
+              <a:off x="-9989264" y="30294223"/>
+              <a:ext cx="248726" cy="523220"/>
+            </a:xfrm>
+            <a:prstGeom prst="rect">
+              <a:avLst/>
+            </a:prstGeom>
+            <a:noFill/>
+          </p:spPr>
+          <p:txBody>
+            <a:bodyPr wrap="square" rtlCol="0">
+              <a:spAutoFit/>
+            </a:bodyPr>
+            <a:lstStyle/>
+            <a:p>
+              <a:r>
+                <a:rPr lang="en-US" sz="2800" dirty="0">
+                  <a:latin typeface="Flama Light" panose="02000000000000000000"/>
+                </a:rPr>
+                <a:t>8</a:t>
+              </a:r>
+            </a:p>
+          </p:txBody>
+        </p:sp>
+        <p:sp>
+          <p:nvSpPr>
+            <p:cNvPr id="30" name="Textfeld 29">
+              <a:extLst>
+                <a:ext uri="{FF2B5EF4-FFF2-40B4-BE49-F238E27FC236}">
+                  <a16:creationId xmlns:a16="http://schemas.microsoft.com/office/drawing/2014/main" id="{C798FA36-F071-44A5-AFC6-58D4515E7A4C}"/>
+                </a:ext>
+              </a:extLst>
+            </p:cNvPr>
+            <p:cNvSpPr txBox="1"/>
+            <p:nvPr/>
+          </p:nvSpPr>
+          <p:spPr>
+            <a:xfrm>
+              <a:off x="-9315283" y="30294223"/>
+              <a:ext cx="615509" cy="523220"/>
+            </a:xfrm>
+            <a:prstGeom prst="rect">
+              <a:avLst/>
+            </a:prstGeom>
+            <a:noFill/>
+          </p:spPr>
+          <p:txBody>
+            <a:bodyPr wrap="square" rtlCol="0">
+              <a:spAutoFit/>
+            </a:bodyPr>
+            <a:lstStyle/>
+            <a:p>
+              <a:r>
+                <a:rPr lang="en-US" sz="2800" dirty="0">
+                  <a:latin typeface="Flama Light" panose="02000000000000000000"/>
+                </a:rPr>
+                <a:t>16</a:t>
+              </a:r>
+            </a:p>
+          </p:txBody>
+        </p:sp>
+        <p:sp>
+          <p:nvSpPr>
+            <p:cNvPr id="31" name="Textfeld 30">
+              <a:extLst>
+                <a:ext uri="{FF2B5EF4-FFF2-40B4-BE49-F238E27FC236}">
+                  <a16:creationId xmlns:a16="http://schemas.microsoft.com/office/drawing/2014/main" id="{1CD3E0C3-F110-4EB6-AC41-210E4F599C51}"/>
+                </a:ext>
+              </a:extLst>
+            </p:cNvPr>
+            <p:cNvSpPr txBox="1"/>
+            <p:nvPr/>
+          </p:nvSpPr>
+          <p:spPr>
+            <a:xfrm>
+              <a:off x="-8183692" y="30294223"/>
+              <a:ext cx="613979" cy="523220"/>
+            </a:xfrm>
+            <a:prstGeom prst="rect">
+              <a:avLst/>
+            </a:prstGeom>
+            <a:noFill/>
+          </p:spPr>
+          <p:txBody>
+            <a:bodyPr wrap="square" rtlCol="0">
+              <a:spAutoFit/>
+            </a:bodyPr>
+            <a:lstStyle/>
+            <a:p>
+              <a:r>
+                <a:rPr lang="en-US" sz="2800" dirty="0">
+                  <a:latin typeface="Flama Light" panose="02000000000000000000"/>
+                </a:rPr>
+                <a:t>32</a:t>
+              </a:r>
+            </a:p>
+          </p:txBody>
+        </p:sp>
+        <p:sp>
+          <p:nvSpPr>
+            <p:cNvPr id="32" name="Textfeld 31">
+              <a:extLst>
+                <a:ext uri="{FF2B5EF4-FFF2-40B4-BE49-F238E27FC236}">
+                  <a16:creationId xmlns:a16="http://schemas.microsoft.com/office/drawing/2014/main" id="{0E974CCB-4390-4F95-AFEE-9776B28EA90C}"/>
+                </a:ext>
+              </a:extLst>
+            </p:cNvPr>
+            <p:cNvSpPr txBox="1"/>
+            <p:nvPr/>
+          </p:nvSpPr>
+          <p:spPr>
+            <a:xfrm>
+              <a:off x="-6315308" y="30295781"/>
+              <a:ext cx="635507" cy="523220"/>
+            </a:xfrm>
+            <a:prstGeom prst="rect">
+              <a:avLst/>
+            </a:prstGeom>
+            <a:noFill/>
+          </p:spPr>
+          <p:txBody>
+            <a:bodyPr wrap="square" rtlCol="0">
+              <a:spAutoFit/>
+            </a:bodyPr>
+            <a:lstStyle/>
+            <a:p>
+              <a:r>
+                <a:rPr lang="en-US" sz="2800" dirty="0">
+                  <a:latin typeface="Flama Light" panose="02000000000000000000"/>
+                </a:rPr>
+                <a:t>64</a:t>
+              </a:r>
+            </a:p>
+          </p:txBody>
+        </p:sp>
+        <p:sp>
+          <p:nvSpPr>
+            <p:cNvPr id="33" name="Textfeld 32">
+              <a:extLst>
+                <a:ext uri="{FF2B5EF4-FFF2-40B4-BE49-F238E27FC236}">
+                  <a16:creationId xmlns:a16="http://schemas.microsoft.com/office/drawing/2014/main" id="{8778DD09-BC3E-4D0F-A832-D7495E658941}"/>
+                </a:ext>
+              </a:extLst>
+            </p:cNvPr>
+            <p:cNvSpPr txBox="1"/>
+            <p:nvPr/>
+          </p:nvSpPr>
+          <p:spPr>
+            <a:xfrm>
+              <a:off x="-3821769" y="30294223"/>
+              <a:ext cx="635505" cy="523220"/>
+            </a:xfrm>
+            <a:prstGeom prst="rect">
+              <a:avLst/>
+            </a:prstGeom>
+            <a:noFill/>
+          </p:spPr>
+          <p:txBody>
+            <a:bodyPr wrap="square" rtlCol="0">
+              <a:spAutoFit/>
+            </a:bodyPr>
+            <a:lstStyle/>
+            <a:p>
+              <a:r>
+                <a:rPr lang="en-US" sz="2800" dirty="0">
+                  <a:latin typeface="Flama Light" panose="02000000000000000000"/>
+                </a:rPr>
+                <a:t>64</a:t>
+              </a:r>
+            </a:p>
+          </p:txBody>
+        </p:sp>
+        <p:sp>
+          <p:nvSpPr>
+            <p:cNvPr id="34" name="Textfeld 33">
+              <a:extLst>
+                <a:ext uri="{FF2B5EF4-FFF2-40B4-BE49-F238E27FC236}">
+                  <a16:creationId xmlns:a16="http://schemas.microsoft.com/office/drawing/2014/main" id="{9F1030A6-E220-4F85-89BA-45A67EE71974}"/>
+                </a:ext>
+              </a:extLst>
+            </p:cNvPr>
+            <p:cNvSpPr txBox="1"/>
+            <p:nvPr/>
+          </p:nvSpPr>
+          <p:spPr>
+            <a:xfrm>
+              <a:off x="-2367735" y="28264371"/>
+              <a:ext cx="670012" cy="523220"/>
+            </a:xfrm>
+            <a:prstGeom prst="rect">
+              <a:avLst/>
+            </a:prstGeom>
+            <a:noFill/>
+          </p:spPr>
+          <p:txBody>
+            <a:bodyPr wrap="square" rtlCol="0">
+              <a:spAutoFit/>
+            </a:bodyPr>
+            <a:lstStyle/>
+            <a:p>
+              <a:r>
+                <a:rPr lang="en-US" sz="2800" dirty="0">
+                  <a:latin typeface="Flama Light" panose="02000000000000000000"/>
+                </a:rPr>
+                <a:t>32</a:t>
+              </a:r>
+            </a:p>
+          </p:txBody>
+        </p:sp>
+        <p:sp>
+          <p:nvSpPr>
+            <p:cNvPr id="35" name="Textfeld 34">
+              <a:extLst>
+                <a:ext uri="{FF2B5EF4-FFF2-40B4-BE49-F238E27FC236}">
+                  <a16:creationId xmlns:a16="http://schemas.microsoft.com/office/drawing/2014/main" id="{020E30BA-87A4-475C-9D49-187DDD3FB5F5}"/>
+                </a:ext>
+              </a:extLst>
+            </p:cNvPr>
+            <p:cNvSpPr txBox="1"/>
+            <p:nvPr/>
+          </p:nvSpPr>
+          <p:spPr>
+            <a:xfrm>
+              <a:off x="-2012132" y="28806281"/>
+              <a:ext cx="670012" cy="523220"/>
+            </a:xfrm>
+            <a:prstGeom prst="rect">
+              <a:avLst/>
+            </a:prstGeom>
+            <a:noFill/>
+          </p:spPr>
+          <p:txBody>
+            <a:bodyPr wrap="square" rtlCol="0">
+              <a:spAutoFit/>
+            </a:bodyPr>
+            <a:lstStyle/>
+            <a:p>
+              <a:r>
+                <a:rPr lang="en-US" sz="2800" dirty="0">
+                  <a:latin typeface="Flama Light" panose="02000000000000000000"/>
+                </a:rPr>
+                <a:t>16</a:t>
+              </a:r>
+            </a:p>
+          </p:txBody>
+        </p:sp>
+        <p:sp>
+          <p:nvSpPr>
+            <p:cNvPr id="36" name="Textfeld 35">
+              <a:extLst>
+                <a:ext uri="{FF2B5EF4-FFF2-40B4-BE49-F238E27FC236}">
+                  <a16:creationId xmlns:a16="http://schemas.microsoft.com/office/drawing/2014/main" id="{9B814053-2816-4F97-8C61-CDF2BEC67812}"/>
+                </a:ext>
+              </a:extLst>
+            </p:cNvPr>
+            <p:cNvSpPr txBox="1"/>
+            <p:nvPr/>
+          </p:nvSpPr>
+          <p:spPr>
+            <a:xfrm>
+              <a:off x="-1579480" y="29105985"/>
+              <a:ext cx="670012" cy="523220"/>
+            </a:xfrm>
+            <a:prstGeom prst="rect">
+              <a:avLst/>
+            </a:prstGeom>
+            <a:noFill/>
+          </p:spPr>
+          <p:txBody>
+            <a:bodyPr wrap="square" rtlCol="0">
+              <a:spAutoFit/>
+            </a:bodyPr>
+            <a:lstStyle/>
+            <a:p>
+              <a:r>
+                <a:rPr lang="en-US" sz="2800" dirty="0">
+                  <a:latin typeface="Flama Light" panose="02000000000000000000"/>
+                </a:rPr>
+                <a:t>8</a:t>
+              </a:r>
+            </a:p>
+          </p:txBody>
+        </p:sp>
+        <p:sp>
+          <p:nvSpPr>
+            <p:cNvPr id="37" name="Cube 130">
+              <a:extLst>
+                <a:ext uri="{FF2B5EF4-FFF2-40B4-BE49-F238E27FC236}">
+                  <a16:creationId xmlns:a16="http://schemas.microsoft.com/office/drawing/2014/main" id="{7C1D4E77-80D7-40B9-822D-09993042F251}"/>
+                </a:ext>
+              </a:extLst>
+            </p:cNvPr>
+            <p:cNvSpPr/>
+            <p:nvPr/>
+          </p:nvSpPr>
+          <p:spPr>
+            <a:xfrm>
+              <a:off x="-10383845" y="32443850"/>
+              <a:ext cx="232588" cy="1120335"/>
+            </a:xfrm>
+            <a:prstGeom prst="cube">
+              <a:avLst/>
+            </a:prstGeom>
+            <a:solidFill>
+              <a:srgbClr val="FF7F2A">
+                <a:alpha val="50000"/>
+              </a:srgbClr>
+            </a:solidFill>
+            <a:ln>
+              <a:noFill/>
+            </a:ln>
+          </p:spPr>
+          <p:style>
+            <a:lnRef idx="2">
+              <a:schemeClr val="accent1">
+                <a:shade val="50000"/>
+              </a:schemeClr>
+            </a:lnRef>
+            <a:fillRef idx="1">
+              <a:schemeClr val="accent1"/>
+            </a:fillRef>
+            <a:effectRef idx="0">
+              <a:schemeClr val="accent1"/>
+            </a:effectRef>
+            <a:fontRef idx="minor">
+              <a:schemeClr val="lt1"/>
+            </a:fontRef>
+          </p:style>
+          <p:txBody>
+            <a:bodyPr rtlCol="0" anchor="ctr"/>
+            <a:lstStyle/>
+            <a:p>
+              <a:pPr algn="ctr"/>
+              <a:endParaRPr lang="en-US"/>
+            </a:p>
+          </p:txBody>
+        </p:sp>
+        <p:sp>
+          <p:nvSpPr>
+            <p:cNvPr id="38" name="Cube 132">
+              <a:extLst>
+                <a:ext uri="{FF2B5EF4-FFF2-40B4-BE49-F238E27FC236}">
+                  <a16:creationId xmlns:a16="http://schemas.microsoft.com/office/drawing/2014/main" id="{22D2FFB0-EC08-46F3-B965-340163013E0B}"/>
+                </a:ext>
+              </a:extLst>
+            </p:cNvPr>
+            <p:cNvSpPr/>
+            <p:nvPr/>
+          </p:nvSpPr>
+          <p:spPr>
+            <a:xfrm>
+              <a:off x="-9965119" y="32443850"/>
+              <a:ext cx="473905" cy="1120335"/>
+            </a:xfrm>
+            <a:prstGeom prst="cube">
+              <a:avLst/>
+            </a:prstGeom>
+            <a:solidFill>
+              <a:srgbClr val="FF7F2A">
+                <a:alpha val="50000"/>
+              </a:srgbClr>
+            </a:solidFill>
+            <a:ln>
+              <a:noFill/>
+            </a:ln>
+          </p:spPr>
+          <p:style>
+            <a:lnRef idx="2">
+              <a:schemeClr val="accent1">
+                <a:shade val="50000"/>
+              </a:schemeClr>
+            </a:lnRef>
+            <a:fillRef idx="1">
+              <a:schemeClr val="accent1"/>
+            </a:fillRef>
+            <a:effectRef idx="0">
+              <a:schemeClr val="accent1"/>
+            </a:effectRef>
+            <a:fontRef idx="minor">
+              <a:schemeClr val="lt1"/>
+            </a:fontRef>
+          </p:style>
+          <p:txBody>
+            <a:bodyPr rtlCol="0" anchor="ctr"/>
+            <a:lstStyle/>
+            <a:p>
+              <a:pPr algn="ctr"/>
+              <a:endParaRPr lang="en-US"/>
+            </a:p>
+          </p:txBody>
+        </p:sp>
+        <p:sp>
+          <p:nvSpPr>
+            <p:cNvPr id="39" name="Cube 134">
+              <a:extLst>
+                <a:ext uri="{FF2B5EF4-FFF2-40B4-BE49-F238E27FC236}">
+                  <a16:creationId xmlns:a16="http://schemas.microsoft.com/office/drawing/2014/main" id="{32ECDDC8-BD22-4FF3-B7B9-92845C06EAC6}"/>
+                </a:ext>
+              </a:extLst>
+            </p:cNvPr>
+            <p:cNvSpPr/>
+            <p:nvPr/>
+          </p:nvSpPr>
+          <p:spPr>
+            <a:xfrm>
+              <a:off x="-9305076" y="32443850"/>
+              <a:ext cx="694618" cy="1120335"/>
+            </a:xfrm>
+            <a:prstGeom prst="cube">
+              <a:avLst/>
+            </a:prstGeom>
+            <a:solidFill>
+              <a:srgbClr val="FF7F2A">
+                <a:alpha val="50000"/>
+              </a:srgbClr>
+            </a:solidFill>
+            <a:ln>
+              <a:noFill/>
+            </a:ln>
+          </p:spPr>
+          <p:style>
+            <a:lnRef idx="2">
+              <a:schemeClr val="accent1">
+                <a:shade val="50000"/>
+              </a:schemeClr>
+            </a:lnRef>
+            <a:fillRef idx="1">
+              <a:schemeClr val="accent1"/>
+            </a:fillRef>
+            <a:effectRef idx="0">
+              <a:schemeClr val="accent1"/>
+            </a:effectRef>
+            <a:fontRef idx="minor">
+              <a:schemeClr val="lt1"/>
+            </a:fontRef>
+          </p:style>
+          <p:txBody>
+            <a:bodyPr rtlCol="0" anchor="ctr"/>
+            <a:lstStyle/>
+            <a:p>
+              <a:pPr algn="ctr"/>
+              <a:endParaRPr lang="en-US"/>
+            </a:p>
+          </p:txBody>
+        </p:sp>
+        <p:sp>
+          <p:nvSpPr>
+            <p:cNvPr id="40" name="Cube 135">
+              <a:extLst>
+                <a:ext uri="{FF2B5EF4-FFF2-40B4-BE49-F238E27FC236}">
+                  <a16:creationId xmlns:a16="http://schemas.microsoft.com/office/drawing/2014/main" id="{2654DFB8-52FB-425A-8946-F877C4C158D4}"/>
+                </a:ext>
+              </a:extLst>
+            </p:cNvPr>
+            <p:cNvSpPr/>
+            <p:nvPr/>
+          </p:nvSpPr>
+          <p:spPr>
+            <a:xfrm>
+              <a:off x="-8424319" y="32443850"/>
+              <a:ext cx="1206589" cy="1120335"/>
+            </a:xfrm>
+            <a:prstGeom prst="cube">
+              <a:avLst/>
+            </a:prstGeom>
+            <a:solidFill>
+              <a:srgbClr val="FF7F2A">
+                <a:alpha val="50000"/>
+              </a:srgbClr>
+            </a:solidFill>
+            <a:ln>
+              <a:noFill/>
+            </a:ln>
+          </p:spPr>
+          <p:style>
+            <a:lnRef idx="2">
+              <a:schemeClr val="accent1">
+                <a:shade val="50000"/>
+              </a:schemeClr>
+            </a:lnRef>
+            <a:fillRef idx="1">
+              <a:schemeClr val="accent1"/>
+            </a:fillRef>
+            <a:effectRef idx="0">
+              <a:schemeClr val="accent1"/>
+            </a:effectRef>
+            <a:fontRef idx="minor">
+              <a:schemeClr val="lt1"/>
+            </a:fontRef>
+          </p:style>
+          <p:txBody>
+            <a:bodyPr rtlCol="0" anchor="ctr"/>
+            <a:lstStyle/>
+            <a:p>
+              <a:pPr algn="ctr"/>
+              <a:endParaRPr lang="en-US"/>
+            </a:p>
+          </p:txBody>
+        </p:sp>
+        <p:sp>
+          <p:nvSpPr>
+            <p:cNvPr id="41" name="Cube 136">
+              <a:extLst>
+                <a:ext uri="{FF2B5EF4-FFF2-40B4-BE49-F238E27FC236}">
+                  <a16:creationId xmlns:a16="http://schemas.microsoft.com/office/drawing/2014/main" id="{9EE0F44E-70F0-4AD3-BF2A-2A805B5C308B}"/>
+                </a:ext>
+              </a:extLst>
+            </p:cNvPr>
+            <p:cNvSpPr/>
+            <p:nvPr/>
+          </p:nvSpPr>
+          <p:spPr>
+            <a:xfrm>
+              <a:off x="-7031592" y="32443850"/>
+              <a:ext cx="2197354" cy="1120335"/>
+            </a:xfrm>
+            <a:prstGeom prst="cube">
+              <a:avLst/>
+            </a:prstGeom>
+            <a:solidFill>
+              <a:srgbClr val="FF7F2A">
+                <a:alpha val="50000"/>
+              </a:srgbClr>
+            </a:solidFill>
+            <a:ln>
+              <a:noFill/>
+            </a:ln>
+          </p:spPr>
+          <p:style>
+            <a:lnRef idx="2">
+              <a:schemeClr val="accent1">
+                <a:shade val="50000"/>
+              </a:schemeClr>
+            </a:lnRef>
+            <a:fillRef idx="1">
+              <a:schemeClr val="accent1"/>
+            </a:fillRef>
+            <a:effectRef idx="0">
+              <a:schemeClr val="accent1"/>
+            </a:effectRef>
+            <a:fontRef idx="minor">
+              <a:schemeClr val="lt1"/>
+            </a:fontRef>
+          </p:style>
+          <p:txBody>
+            <a:bodyPr rtlCol="0" anchor="ctr"/>
+            <a:lstStyle/>
+            <a:p>
+              <a:pPr algn="ctr"/>
+              <a:endParaRPr lang="en-US"/>
+            </a:p>
+          </p:txBody>
+        </p:sp>
+        <p:sp>
+          <p:nvSpPr>
+            <p:cNvPr id="42" name="Cube 137">
+              <a:extLst>
+                <a:ext uri="{FF2B5EF4-FFF2-40B4-BE49-F238E27FC236}">
+                  <a16:creationId xmlns:a16="http://schemas.microsoft.com/office/drawing/2014/main" id="{BD841124-F85E-4BE4-9E5E-AF5D663F743A}"/>
+                </a:ext>
+              </a:extLst>
+            </p:cNvPr>
+            <p:cNvSpPr/>
+            <p:nvPr/>
+          </p:nvSpPr>
+          <p:spPr>
+            <a:xfrm>
+              <a:off x="-10383845" y="32610326"/>
+              <a:ext cx="232588" cy="325452"/>
+            </a:xfrm>
+            <a:prstGeom prst="cube">
+              <a:avLst/>
+            </a:prstGeom>
+            <a:solidFill>
+              <a:schemeClr val="tx1">
+                <a:lumMod val="95000"/>
+                <a:lumOff val="5000"/>
+                <a:alpha val="50000"/>
+              </a:schemeClr>
+            </a:solidFill>
+            <a:ln>
+              <a:noFill/>
+            </a:ln>
+          </p:spPr>
+          <p:style>
+            <a:lnRef idx="2">
+              <a:schemeClr val="accent1">
+                <a:shade val="50000"/>
+              </a:schemeClr>
+            </a:lnRef>
+            <a:fillRef idx="1">
+              <a:schemeClr val="accent1"/>
+            </a:fillRef>
+            <a:effectRef idx="0">
+              <a:schemeClr val="accent1"/>
+            </a:effectRef>
+            <a:fontRef idx="minor">
+              <a:schemeClr val="lt1"/>
+            </a:fontRef>
+          </p:style>
+          <p:txBody>
+            <a:bodyPr rtlCol="0" anchor="ctr"/>
+            <a:lstStyle/>
+            <a:p>
+              <a:pPr algn="ctr"/>
+              <a:endParaRPr lang="en-US"/>
+            </a:p>
+          </p:txBody>
+        </p:sp>
+        <p:sp>
+          <p:nvSpPr>
+            <p:cNvPr id="43" name="Cube 138">
+              <a:extLst>
+                <a:ext uri="{FF2B5EF4-FFF2-40B4-BE49-F238E27FC236}">
+                  <a16:creationId xmlns:a16="http://schemas.microsoft.com/office/drawing/2014/main" id="{64813529-2270-4011-821E-F2BDB7B22275}"/>
+                </a:ext>
+              </a:extLst>
+            </p:cNvPr>
+            <p:cNvSpPr/>
+            <p:nvPr/>
+          </p:nvSpPr>
+          <p:spPr>
+            <a:xfrm>
+              <a:off x="-9965130" y="33077507"/>
+              <a:ext cx="445385" cy="325452"/>
+            </a:xfrm>
+            <a:prstGeom prst="cube">
+              <a:avLst/>
+            </a:prstGeom>
+            <a:solidFill>
+              <a:schemeClr val="tx1">
+                <a:lumMod val="95000"/>
+                <a:lumOff val="5000"/>
+                <a:alpha val="50000"/>
+              </a:schemeClr>
+            </a:solidFill>
+            <a:ln>
+              <a:noFill/>
+            </a:ln>
+          </p:spPr>
+          <p:style>
+            <a:lnRef idx="2">
+              <a:schemeClr val="accent1">
+                <a:shade val="50000"/>
+              </a:schemeClr>
+            </a:lnRef>
+            <a:fillRef idx="1">
+              <a:schemeClr val="accent1"/>
+            </a:fillRef>
+            <a:effectRef idx="0">
+              <a:schemeClr val="accent1"/>
+            </a:effectRef>
+            <a:fontRef idx="minor">
+              <a:schemeClr val="lt1"/>
+            </a:fontRef>
+          </p:style>
+          <p:txBody>
+            <a:bodyPr rtlCol="0" anchor="ctr"/>
+            <a:lstStyle/>
+            <a:p>
+              <a:pPr algn="ctr"/>
+              <a:endParaRPr lang="en-US"/>
+            </a:p>
+          </p:txBody>
+        </p:sp>
+        <p:sp>
+          <p:nvSpPr>
+            <p:cNvPr id="44" name="Cube 139">
+              <a:extLst>
+                <a:ext uri="{FF2B5EF4-FFF2-40B4-BE49-F238E27FC236}">
+                  <a16:creationId xmlns:a16="http://schemas.microsoft.com/office/drawing/2014/main" id="{1D5CFF3E-C400-4E30-9D10-B7496A21E630}"/>
+                </a:ext>
+              </a:extLst>
+            </p:cNvPr>
+            <p:cNvSpPr/>
+            <p:nvPr/>
+          </p:nvSpPr>
+          <p:spPr>
+            <a:xfrm>
+              <a:off x="-9305083" y="32683816"/>
+              <a:ext cx="654001" cy="251963"/>
+            </a:xfrm>
+            <a:prstGeom prst="cube">
+              <a:avLst/>
+            </a:prstGeom>
+            <a:solidFill>
+              <a:schemeClr val="tx1">
+                <a:lumMod val="95000"/>
+                <a:lumOff val="5000"/>
+                <a:alpha val="50000"/>
+              </a:schemeClr>
+            </a:solidFill>
+            <a:ln>
+              <a:noFill/>
+            </a:ln>
+          </p:spPr>
+          <p:style>
+            <a:lnRef idx="2">
+              <a:schemeClr val="accent1">
+                <a:shade val="50000"/>
+              </a:schemeClr>
+            </a:lnRef>
+            <a:fillRef idx="1">
+              <a:schemeClr val="accent1"/>
+            </a:fillRef>
+            <a:effectRef idx="0">
+              <a:schemeClr val="accent1"/>
+            </a:effectRef>
+            <a:fontRef idx="minor">
+              <a:schemeClr val="lt1"/>
+            </a:fontRef>
+          </p:style>
+          <p:txBody>
+            <a:bodyPr rtlCol="0" anchor="ctr"/>
+            <a:lstStyle/>
+            <a:p>
+              <a:pPr algn="ctr"/>
+              <a:endParaRPr lang="en-US"/>
+            </a:p>
+          </p:txBody>
+        </p:sp>
+        <p:sp>
+          <p:nvSpPr>
+            <p:cNvPr id="45" name="Cube 140">
+              <a:extLst>
+                <a:ext uri="{FF2B5EF4-FFF2-40B4-BE49-F238E27FC236}">
+                  <a16:creationId xmlns:a16="http://schemas.microsoft.com/office/drawing/2014/main" id="{C87D56E6-9F7E-4A59-A4B1-6FF5B062E83C}"/>
+                </a:ext>
+              </a:extLst>
+            </p:cNvPr>
+            <p:cNvSpPr/>
+            <p:nvPr/>
+          </p:nvSpPr>
+          <p:spPr>
+            <a:xfrm>
+              <a:off x="-8424327" y="33114252"/>
+              <a:ext cx="1102694" cy="251963"/>
+            </a:xfrm>
+            <a:prstGeom prst="cube">
+              <a:avLst/>
+            </a:prstGeom>
+            <a:solidFill>
+              <a:schemeClr val="tx1">
+                <a:lumMod val="95000"/>
+                <a:lumOff val="5000"/>
+                <a:alpha val="50000"/>
+              </a:schemeClr>
+            </a:solidFill>
+            <a:ln>
+              <a:noFill/>
+            </a:ln>
+          </p:spPr>
+          <p:style>
+            <a:lnRef idx="2">
+              <a:schemeClr val="accent1">
+                <a:shade val="50000"/>
+              </a:schemeClr>
+            </a:lnRef>
+            <a:fillRef idx="1">
+              <a:schemeClr val="accent1"/>
+            </a:fillRef>
+            <a:effectRef idx="0">
+              <a:schemeClr val="accent1"/>
+            </a:effectRef>
+            <a:fontRef idx="minor">
+              <a:schemeClr val="lt1"/>
+            </a:fontRef>
+          </p:style>
+          <p:txBody>
+            <a:bodyPr rtlCol="0" anchor="ctr"/>
+            <a:lstStyle/>
+            <a:p>
+              <a:pPr algn="ctr"/>
+              <a:endParaRPr lang="en-US"/>
+            </a:p>
+          </p:txBody>
+        </p:sp>
+        <p:sp>
+          <p:nvSpPr>
+            <p:cNvPr id="46" name="Cube 141">
+              <a:extLst>
+                <a:ext uri="{FF2B5EF4-FFF2-40B4-BE49-F238E27FC236}">
+                  <a16:creationId xmlns:a16="http://schemas.microsoft.com/office/drawing/2014/main" id="{01725F76-3C0A-4D72-B00A-2A3977F198A3}"/>
+                </a:ext>
+              </a:extLst>
+            </p:cNvPr>
+            <p:cNvSpPr/>
+            <p:nvPr/>
+          </p:nvSpPr>
+          <p:spPr>
+            <a:xfrm>
+              <a:off x="-7031592" y="32683816"/>
+              <a:ext cx="2088170" cy="251963"/>
+            </a:xfrm>
+            <a:prstGeom prst="cube">
+              <a:avLst/>
+            </a:prstGeom>
+            <a:solidFill>
+              <a:schemeClr val="tx1">
+                <a:lumMod val="95000"/>
+                <a:lumOff val="5000"/>
+                <a:alpha val="50000"/>
+              </a:schemeClr>
+            </a:solidFill>
+            <a:ln>
+              <a:noFill/>
+            </a:ln>
+          </p:spPr>
+          <p:style>
+            <a:lnRef idx="2">
+              <a:schemeClr val="accent1">
+                <a:shade val="50000"/>
+              </a:schemeClr>
+            </a:lnRef>
+            <a:fillRef idx="1">
+              <a:schemeClr val="accent1"/>
+            </a:fillRef>
+            <a:effectRef idx="0">
+              <a:schemeClr val="accent1"/>
+            </a:effectRef>
+            <a:fontRef idx="minor">
+              <a:schemeClr val="lt1"/>
+            </a:fontRef>
+          </p:style>
+          <p:txBody>
+            <a:bodyPr rtlCol="0" anchor="ctr"/>
+            <a:lstStyle/>
+            <a:p>
+              <a:pPr algn="ctr"/>
+              <a:endParaRPr lang="en-US"/>
+            </a:p>
+          </p:txBody>
+        </p:sp>
+        <p:sp>
+          <p:nvSpPr>
+            <p:cNvPr id="47" name="Cube 142">
+              <a:extLst>
+                <a:ext uri="{FF2B5EF4-FFF2-40B4-BE49-F238E27FC236}">
+                  <a16:creationId xmlns:a16="http://schemas.microsoft.com/office/drawing/2014/main" id="{F826BD39-724F-447F-A5BD-B921C6571D10}"/>
+                </a:ext>
+              </a:extLst>
+            </p:cNvPr>
+            <p:cNvSpPr/>
+            <p:nvPr/>
+          </p:nvSpPr>
+          <p:spPr>
+            <a:xfrm>
+              <a:off x="-4648092" y="32443850"/>
+              <a:ext cx="2197354" cy="1120335"/>
+            </a:xfrm>
+            <a:prstGeom prst="cube">
+              <a:avLst/>
+            </a:prstGeom>
+            <a:solidFill>
+              <a:srgbClr val="FF7F2A">
+                <a:alpha val="49804"/>
+              </a:srgbClr>
+            </a:solidFill>
+            <a:ln>
+              <a:noFill/>
+            </a:ln>
+          </p:spPr>
+          <p:style>
+            <a:lnRef idx="2">
+              <a:schemeClr val="accent1">
+                <a:shade val="50000"/>
+              </a:schemeClr>
+            </a:lnRef>
+            <a:fillRef idx="1">
+              <a:schemeClr val="accent1"/>
+            </a:fillRef>
+            <a:effectRef idx="0">
+              <a:schemeClr val="accent1"/>
+            </a:effectRef>
+            <a:fontRef idx="minor">
+              <a:schemeClr val="lt1"/>
+            </a:fontRef>
+          </p:style>
+          <p:txBody>
+            <a:bodyPr rtlCol="0" anchor="ctr"/>
+            <a:lstStyle/>
+            <a:p>
+              <a:pPr algn="ctr"/>
+              <a:endParaRPr lang="en-US"/>
+            </a:p>
+          </p:txBody>
+        </p:sp>
+        <p:sp>
+          <p:nvSpPr>
+            <p:cNvPr id="48" name="Rechteck 47">
+              <a:extLst>
+                <a:ext uri="{FF2B5EF4-FFF2-40B4-BE49-F238E27FC236}">
+                  <a16:creationId xmlns:a16="http://schemas.microsoft.com/office/drawing/2014/main" id="{8A913603-0AD8-41DD-8175-7259303557CD}"/>
+                </a:ext>
+              </a:extLst>
+            </p:cNvPr>
+            <p:cNvSpPr/>
+            <p:nvPr/>
+          </p:nvSpPr>
+          <p:spPr>
+            <a:xfrm>
+              <a:off x="-2190415" y="31986172"/>
+              <a:ext cx="166844" cy="2256159"/>
+            </a:xfrm>
+            <a:prstGeom prst="rect">
+              <a:avLst/>
+            </a:prstGeom>
+            <a:solidFill>
+              <a:srgbClr val="FF7F2A"/>
+            </a:solidFill>
+            <a:ln>
+              <a:noFill/>
+            </a:ln>
+          </p:spPr>
+          <p:style>
+            <a:lnRef idx="2">
+              <a:schemeClr val="accent1">
+                <a:shade val="50000"/>
+              </a:schemeClr>
+            </a:lnRef>
+            <a:fillRef idx="1">
+              <a:schemeClr val="accent1"/>
+            </a:fillRef>
+            <a:effectRef idx="0">
+              <a:schemeClr val="accent1"/>
+            </a:effectRef>
+            <a:fontRef idx="minor">
+              <a:schemeClr val="lt1"/>
+            </a:fontRef>
+          </p:style>
+          <p:txBody>
+            <a:bodyPr rtlCol="0" anchor="ctr"/>
+            <a:lstStyle/>
+            <a:p>
+              <a:pPr algn="ctr"/>
+              <a:endParaRPr lang="en-US"/>
+            </a:p>
+          </p:txBody>
+        </p:sp>
+        <p:sp>
+          <p:nvSpPr>
+            <p:cNvPr id="49" name="Rechteck 48">
+              <a:extLst>
+                <a:ext uri="{FF2B5EF4-FFF2-40B4-BE49-F238E27FC236}">
+                  <a16:creationId xmlns:a16="http://schemas.microsoft.com/office/drawing/2014/main" id="{116BD94B-B45A-449D-87FC-79C545EE00A9}"/>
+                </a:ext>
+              </a:extLst>
+            </p:cNvPr>
+            <p:cNvSpPr/>
+            <p:nvPr/>
+          </p:nvSpPr>
+          <p:spPr>
+            <a:xfrm>
+              <a:off x="-1832738" y="32550212"/>
+              <a:ext cx="166844" cy="1128080"/>
+            </a:xfrm>
+            <a:prstGeom prst="rect">
+              <a:avLst/>
+            </a:prstGeom>
+            <a:solidFill>
+              <a:srgbClr val="FF7F2A"/>
+            </a:solidFill>
+            <a:ln>
+              <a:noFill/>
+            </a:ln>
+          </p:spPr>
+          <p:style>
+            <a:lnRef idx="2">
+              <a:schemeClr val="accent1">
+                <a:shade val="50000"/>
+              </a:schemeClr>
+            </a:lnRef>
+            <a:fillRef idx="1">
+              <a:schemeClr val="accent1"/>
+            </a:fillRef>
+            <a:effectRef idx="0">
+              <a:schemeClr val="accent1"/>
+            </a:effectRef>
+            <a:fontRef idx="minor">
+              <a:schemeClr val="lt1"/>
+            </a:fontRef>
+          </p:style>
+          <p:txBody>
+            <a:bodyPr rtlCol="0" anchor="ctr"/>
+            <a:lstStyle/>
+            <a:p>
+              <a:pPr algn="ctr"/>
+              <a:endParaRPr lang="en-US"/>
+            </a:p>
+          </p:txBody>
+        </p:sp>
+        <p:sp>
+          <p:nvSpPr>
+            <p:cNvPr id="50" name="Rechteck 49">
+              <a:extLst>
+                <a:ext uri="{FF2B5EF4-FFF2-40B4-BE49-F238E27FC236}">
+                  <a16:creationId xmlns:a16="http://schemas.microsoft.com/office/drawing/2014/main" id="{B259DF92-58DD-42A6-B7DF-CB409C38EF52}"/>
+                </a:ext>
+              </a:extLst>
+            </p:cNvPr>
+            <p:cNvSpPr/>
+            <p:nvPr/>
+          </p:nvSpPr>
+          <p:spPr>
+            <a:xfrm>
+              <a:off x="-1470603" y="32832232"/>
+              <a:ext cx="166844" cy="564040"/>
+            </a:xfrm>
+            <a:prstGeom prst="rect">
+              <a:avLst/>
+            </a:prstGeom>
+            <a:solidFill>
+              <a:srgbClr val="FF7F2A"/>
+            </a:solidFill>
+            <a:ln>
+              <a:noFill/>
+            </a:ln>
+          </p:spPr>
+          <p:style>
+            <a:lnRef idx="2">
+              <a:schemeClr val="accent1">
+                <a:shade val="50000"/>
+              </a:schemeClr>
+            </a:lnRef>
+            <a:fillRef idx="1">
+              <a:schemeClr val="accent1"/>
+            </a:fillRef>
+            <a:effectRef idx="0">
+              <a:schemeClr val="accent1"/>
+            </a:effectRef>
+            <a:fontRef idx="minor">
+              <a:schemeClr val="lt1"/>
+            </a:fontRef>
+          </p:style>
+          <p:txBody>
+            <a:bodyPr rtlCol="0" anchor="ctr"/>
+            <a:lstStyle/>
+            <a:p>
+              <a:pPr algn="ctr"/>
+              <a:endParaRPr lang="en-US"/>
+            </a:p>
+          </p:txBody>
+        </p:sp>
+        <p:sp>
+          <p:nvSpPr>
+            <p:cNvPr id="51" name="Rechteck 50">
+              <a:extLst>
+                <a:ext uri="{FF2B5EF4-FFF2-40B4-BE49-F238E27FC236}">
+                  <a16:creationId xmlns:a16="http://schemas.microsoft.com/office/drawing/2014/main" id="{BCBEF412-32B8-4E24-881B-01065C232B55}"/>
+                </a:ext>
+              </a:extLst>
+            </p:cNvPr>
+            <p:cNvSpPr/>
+            <p:nvPr/>
+          </p:nvSpPr>
+          <p:spPr>
+            <a:xfrm>
+              <a:off x="-1118603" y="33071949"/>
+              <a:ext cx="112606" cy="84606"/>
+            </a:xfrm>
+            <a:prstGeom prst="rect">
+              <a:avLst/>
+            </a:prstGeom>
+            <a:solidFill>
+              <a:srgbClr val="FF7F2A"/>
+            </a:solidFill>
+            <a:ln>
+              <a:noFill/>
+            </a:ln>
+          </p:spPr>
+          <p:style>
+            <a:lnRef idx="2">
+              <a:schemeClr val="accent1">
+                <a:shade val="50000"/>
+              </a:schemeClr>
+            </a:lnRef>
+            <a:fillRef idx="1">
+              <a:schemeClr val="accent1"/>
+            </a:fillRef>
+            <a:effectRef idx="0">
+              <a:schemeClr val="accent1"/>
+            </a:effectRef>
+            <a:fontRef idx="minor">
+              <a:schemeClr val="lt1"/>
+            </a:fontRef>
+          </p:style>
+          <p:txBody>
+            <a:bodyPr rtlCol="0" anchor="ctr"/>
+            <a:lstStyle/>
+            <a:p>
+              <a:pPr algn="ctr"/>
+              <a:endParaRPr lang="en-US"/>
+            </a:p>
+          </p:txBody>
+        </p:sp>
+        <p:sp>
+          <p:nvSpPr>
+            <p:cNvPr id="52" name="Geschweifte Klammer links 51">
+              <a:extLst>
+                <a:ext uri="{FF2B5EF4-FFF2-40B4-BE49-F238E27FC236}">
+                  <a16:creationId xmlns:a16="http://schemas.microsoft.com/office/drawing/2014/main" id="{CADE40A1-4B7C-411D-8B28-2EDC1A884CEF}"/>
+                </a:ext>
+              </a:extLst>
+            </p:cNvPr>
+            <p:cNvSpPr/>
+            <p:nvPr/>
+          </p:nvSpPr>
+          <p:spPr>
+            <a:xfrm rot="5400000">
+              <a:off x="-7834032" y="29328285"/>
+              <a:ext cx="340796" cy="5440425"/>
+            </a:xfrm>
+            <a:prstGeom prst="leftBrace">
+              <a:avLst/>
+            </a:prstGeom>
+            <a:ln>
+              <a:solidFill>
+                <a:schemeClr val="tx1"/>
+              </a:solidFill>
+            </a:ln>
+          </p:spPr>
+          <p:style>
+            <a:lnRef idx="1">
+              <a:schemeClr val="accent1"/>
+            </a:lnRef>
+            <a:fillRef idx="0">
+              <a:schemeClr val="accent1"/>
+            </a:fillRef>
+            <a:effectRef idx="0">
+              <a:schemeClr val="accent1"/>
+            </a:effectRef>
+            <a:fontRef idx="minor">
+              <a:schemeClr val="tx1"/>
+            </a:fontRef>
+          </p:style>
+          <p:txBody>
+            <a:bodyPr rtlCol="0" anchor="ctr"/>
+            <a:lstStyle/>
+            <a:p>
+              <a:pPr algn="ctr"/>
+              <a:endParaRPr lang="en-US"/>
+            </a:p>
+          </p:txBody>
+        </p:sp>
+        <p:sp>
+          <p:nvSpPr>
+            <p:cNvPr id="53" name="Rechteck 52">
+              <a:extLst>
+                <a:ext uri="{FF2B5EF4-FFF2-40B4-BE49-F238E27FC236}">
+                  <a16:creationId xmlns:a16="http://schemas.microsoft.com/office/drawing/2014/main" id="{ABE52816-0C1D-4142-9A9A-DFC2C21D1F61}"/>
+                </a:ext>
+              </a:extLst>
+            </p:cNvPr>
+            <p:cNvSpPr/>
+            <p:nvPr/>
+          </p:nvSpPr>
+          <p:spPr>
+            <a:xfrm>
+              <a:off x="282033" y="31438093"/>
+              <a:ext cx="112606" cy="84606"/>
+            </a:xfrm>
+            <a:prstGeom prst="rect">
+              <a:avLst/>
+            </a:prstGeom>
+            <a:solidFill>
+              <a:srgbClr val="FF7F2A"/>
+            </a:solidFill>
+            <a:ln>
+              <a:noFill/>
+            </a:ln>
+          </p:spPr>
+          <p:style>
+            <a:lnRef idx="2">
+              <a:schemeClr val="accent1">
+                <a:shade val="50000"/>
+              </a:schemeClr>
+            </a:lnRef>
+            <a:fillRef idx="1">
+              <a:schemeClr val="accent1"/>
+            </a:fillRef>
+            <a:effectRef idx="0">
+              <a:schemeClr val="accent1"/>
+            </a:effectRef>
+            <a:fontRef idx="minor">
+              <a:schemeClr val="lt1"/>
+            </a:fontRef>
+          </p:style>
+          <p:txBody>
+            <a:bodyPr rtlCol="0" anchor="ctr"/>
+            <a:lstStyle/>
+            <a:p>
+              <a:pPr algn="ctr"/>
+              <a:endParaRPr lang="en-US"/>
+            </a:p>
+          </p:txBody>
+        </p:sp>
+        <p:sp>
+          <p:nvSpPr>
+            <p:cNvPr id="54" name="Kreis: nicht ausgefüllt 53">
+              <a:extLst>
+                <a:ext uri="{FF2B5EF4-FFF2-40B4-BE49-F238E27FC236}">
+                  <a16:creationId xmlns:a16="http://schemas.microsoft.com/office/drawing/2014/main" id="{5B9F97CF-B3AD-4FDA-AE9D-6FF6742B58FD}"/>
+                </a:ext>
+              </a:extLst>
+            </p:cNvPr>
+            <p:cNvSpPr/>
+            <p:nvPr/>
+          </p:nvSpPr>
+          <p:spPr>
+            <a:xfrm>
+              <a:off x="-361982" y="31246673"/>
+              <a:ext cx="469191" cy="468000"/>
+            </a:xfrm>
+            <a:prstGeom prst="donut">
+              <a:avLst>
+                <a:gd name="adj" fmla="val 10956"/>
+              </a:avLst>
+            </a:prstGeom>
+            <a:solidFill>
+              <a:schemeClr val="tx1"/>
+            </a:solidFill>
+            <a:ln>
+              <a:noFill/>
+            </a:ln>
+          </p:spPr>
+          <p:style>
+            <a:lnRef idx="2">
+              <a:schemeClr val="accent1">
+                <a:shade val="50000"/>
+              </a:schemeClr>
+            </a:lnRef>
+            <a:fillRef idx="1">
+              <a:schemeClr val="accent1"/>
+            </a:fillRef>
+            <a:effectRef idx="0">
+              <a:schemeClr val="accent1"/>
+            </a:effectRef>
+            <a:fontRef idx="minor">
+              <a:schemeClr val="lt1"/>
+            </a:fontRef>
+          </p:style>
+          <p:txBody>
+            <a:bodyPr rtlCol="0" anchor="ctr"/>
+            <a:lstStyle/>
+            <a:p>
+              <a:pPr algn="ctr"/>
+              <a:endParaRPr lang="en-GB">
+                <a:solidFill>
+                  <a:schemeClr val="tx1"/>
+                </a:solidFill>
+              </a:endParaRPr>
+            </a:p>
+          </p:txBody>
+        </p:sp>
+        <p:sp>
+          <p:nvSpPr>
+            <p:cNvPr id="55" name="Rechteck 54">
+              <a:extLst>
+                <a:ext uri="{FF2B5EF4-FFF2-40B4-BE49-F238E27FC236}">
+                  <a16:creationId xmlns:a16="http://schemas.microsoft.com/office/drawing/2014/main" id="{7D44F6CD-E7CB-409F-A155-8A9049837B3F}"/>
+                </a:ext>
+              </a:extLst>
+            </p:cNvPr>
+            <p:cNvSpPr/>
+            <p:nvPr/>
+          </p:nvSpPr>
+          <p:spPr>
+            <a:xfrm>
+              <a:off x="-245427" y="31446707"/>
+              <a:ext cx="240056" cy="67378"/>
+            </a:xfrm>
+            <a:prstGeom prst="rect">
+              <a:avLst/>
+            </a:prstGeom>
+            <a:solidFill>
+              <a:schemeClr val="tx1"/>
+            </a:solidFill>
+            <a:ln>
+              <a:noFill/>
+            </a:ln>
+          </p:spPr>
+          <p:style>
+            <a:lnRef idx="2">
+              <a:schemeClr val="accent1">
+                <a:shade val="50000"/>
+              </a:schemeClr>
+            </a:lnRef>
+            <a:fillRef idx="1">
+              <a:schemeClr val="accent1"/>
+            </a:fillRef>
+            <a:effectRef idx="0">
+              <a:schemeClr val="accent1"/>
+            </a:effectRef>
+            <a:fontRef idx="minor">
+              <a:schemeClr val="lt1"/>
+            </a:fontRef>
+          </p:style>
+          <p:txBody>
+            <a:bodyPr rtlCol="0" anchor="ctr"/>
+            <a:lstStyle/>
+            <a:p>
+              <a:pPr algn="ctr"/>
+              <a:endParaRPr lang="en-GB"/>
+            </a:p>
+          </p:txBody>
+        </p:sp>
+        <p:cxnSp>
+          <p:nvCxnSpPr>
+            <p:cNvPr id="56" name="Verbinder: gewinkelt 55">
+              <a:extLst>
+                <a:ext uri="{FF2B5EF4-FFF2-40B4-BE49-F238E27FC236}">
+                  <a16:creationId xmlns:a16="http://schemas.microsoft.com/office/drawing/2014/main" id="{ECDBD9FE-2F37-4D70-B5F9-C11A8DF4645D}"/>
+                </a:ext>
+              </a:extLst>
+            </p:cNvPr>
+            <p:cNvCxnSpPr>
+              <a:cxnSpLocks/>
+              <a:stCxn id="51" idx="3"/>
+              <a:endCxn id="54" idx="4"/>
+            </p:cNvCxnSpPr>
+            <p:nvPr/>
+          </p:nvCxnSpPr>
+          <p:spPr>
+            <a:xfrm flipV="1">
+              <a:off x="-1005997" y="31714673"/>
+              <a:ext cx="878611" cy="1399579"/>
+            </a:xfrm>
+            <a:prstGeom prst="bentConnector2">
+              <a:avLst/>
+            </a:prstGeom>
+            <a:ln w="38100">
+              <a:solidFill>
+                <a:schemeClr val="tx1"/>
+              </a:solidFill>
+              <a:tailEnd type="triangle"/>
+            </a:ln>
+          </p:spPr>
+          <p:style>
+            <a:lnRef idx="1">
+              <a:schemeClr val="accent1"/>
+            </a:lnRef>
+            <a:fillRef idx="0">
+              <a:schemeClr val="accent1"/>
+            </a:fillRef>
+            <a:effectRef idx="0">
+              <a:schemeClr val="accent1"/>
+            </a:effectRef>
+            <a:fontRef idx="minor">
+              <a:schemeClr val="tx1"/>
+            </a:fontRef>
+          </p:style>
+        </p:cxnSp>
+        <p:cxnSp>
+          <p:nvCxnSpPr>
+            <p:cNvPr id="57" name="Verbinder: gewinkelt 56">
+              <a:extLst>
+                <a:ext uri="{FF2B5EF4-FFF2-40B4-BE49-F238E27FC236}">
+                  <a16:creationId xmlns:a16="http://schemas.microsoft.com/office/drawing/2014/main" id="{17181D42-5453-4447-A6B8-F9C50A18014A}"/>
+                </a:ext>
+              </a:extLst>
+            </p:cNvPr>
+            <p:cNvCxnSpPr>
+              <a:cxnSpLocks/>
+              <a:stCxn id="19" idx="3"/>
+              <a:endCxn id="54" idx="0"/>
+            </p:cNvCxnSpPr>
+            <p:nvPr/>
+          </p:nvCxnSpPr>
+          <p:spPr>
+            <a:xfrm>
+              <a:off x="-1005997" y="29850061"/>
+              <a:ext cx="878611" cy="1396612"/>
+            </a:xfrm>
+            <a:prstGeom prst="bentConnector2">
+              <a:avLst/>
+            </a:prstGeom>
+            <a:ln w="38100">
+              <a:solidFill>
+                <a:schemeClr val="tx1"/>
+              </a:solidFill>
+              <a:tailEnd type="triangle"/>
+            </a:ln>
+          </p:spPr>
+          <p:style>
+            <a:lnRef idx="1">
+              <a:schemeClr val="accent1"/>
+            </a:lnRef>
+            <a:fillRef idx="0">
+              <a:schemeClr val="accent1"/>
+            </a:fillRef>
+            <a:effectRef idx="0">
+              <a:schemeClr val="accent1"/>
+            </a:effectRef>
+            <a:fontRef idx="minor">
+              <a:schemeClr val="tx1"/>
+            </a:fontRef>
+          </p:style>
+        </p:cxnSp>
+        <p:sp>
+          <p:nvSpPr>
+            <p:cNvPr id="58" name="Textfeld 57">
+              <a:extLst>
+                <a:ext uri="{FF2B5EF4-FFF2-40B4-BE49-F238E27FC236}">
+                  <a16:creationId xmlns:a16="http://schemas.microsoft.com/office/drawing/2014/main" id="{5BC149B9-92DD-430B-9A6F-1BE8A140FB74}"/>
+                </a:ext>
+              </a:extLst>
+            </p:cNvPr>
+            <p:cNvSpPr txBox="1"/>
+            <p:nvPr/>
+          </p:nvSpPr>
+          <p:spPr>
+            <a:xfrm>
+              <a:off x="-1250208" y="29363126"/>
+              <a:ext cx="670012" cy="523220"/>
+            </a:xfrm>
+            <a:prstGeom prst="rect">
+              <a:avLst/>
+            </a:prstGeom>
+            <a:noFill/>
+          </p:spPr>
+          <p:txBody>
+            <a:bodyPr wrap="square" rtlCol="0">
+              <a:spAutoFit/>
+            </a:bodyPr>
+            <a:lstStyle/>
+            <a:p>
+              <a:r>
+                <a:rPr lang="en-US" sz="2800" dirty="0">
+                  <a:latin typeface="Flama Light" panose="02000000000000000000"/>
+                </a:rPr>
+                <a:t>3</a:t>
+              </a:r>
+            </a:p>
+          </p:txBody>
+        </p:sp>
+        <p:cxnSp>
+          <p:nvCxnSpPr>
+            <p:cNvPr id="59" name="Gerade Verbindung mit Pfeil 58">
+              <a:extLst>
+                <a:ext uri="{FF2B5EF4-FFF2-40B4-BE49-F238E27FC236}">
+                  <a16:creationId xmlns:a16="http://schemas.microsoft.com/office/drawing/2014/main" id="{41056AC4-8F6D-4DF7-A787-178B7178AE4E}"/>
+                </a:ext>
+              </a:extLst>
+            </p:cNvPr>
+            <p:cNvCxnSpPr>
+              <a:cxnSpLocks/>
+              <a:stCxn id="54" idx="6"/>
+              <a:endCxn id="53" idx="1"/>
+            </p:cNvCxnSpPr>
+            <p:nvPr/>
+          </p:nvCxnSpPr>
+          <p:spPr>
+            <a:xfrm flipV="1">
+              <a:off x="107209" y="31480396"/>
+              <a:ext cx="174824" cy="277"/>
+            </a:xfrm>
+            <a:prstGeom prst="straightConnector1">
+              <a:avLst/>
+            </a:prstGeom>
+            <a:ln w="34925">
+              <a:solidFill>
+                <a:schemeClr val="tx1"/>
+              </a:solidFill>
+              <a:tailEnd type="triangle"/>
+            </a:ln>
+          </p:spPr>
+          <p:style>
+            <a:lnRef idx="1">
+              <a:schemeClr val="accent1"/>
+            </a:lnRef>
+            <a:fillRef idx="0">
+              <a:schemeClr val="accent1"/>
+            </a:fillRef>
+            <a:effectRef idx="0">
+              <a:schemeClr val="accent1"/>
+            </a:effectRef>
+            <a:fontRef idx="minor">
+              <a:schemeClr val="tx1"/>
+            </a:fontRef>
+          </p:style>
+        </p:cxnSp>
+        <p:sp>
+          <p:nvSpPr>
+            <p:cNvPr id="60" name="Textfeld 59">
+              <a:extLst>
+                <a:ext uri="{FF2B5EF4-FFF2-40B4-BE49-F238E27FC236}">
+                  <a16:creationId xmlns:a16="http://schemas.microsoft.com/office/drawing/2014/main" id="{C3D9E8FA-FB59-4494-8B0A-9A3411360F4D}"/>
+                </a:ext>
+              </a:extLst>
+            </p:cNvPr>
+            <p:cNvSpPr txBox="1"/>
+            <p:nvPr/>
+          </p:nvSpPr>
+          <p:spPr>
+            <a:xfrm>
+              <a:off x="-10460878" y="30283289"/>
+              <a:ext cx="248726" cy="523220"/>
+            </a:xfrm>
+            <a:prstGeom prst="rect">
+              <a:avLst/>
+            </a:prstGeom>
+            <a:noFill/>
+          </p:spPr>
+          <p:txBody>
+            <a:bodyPr wrap="square" rtlCol="0">
+              <a:spAutoFit/>
+            </a:bodyPr>
+            <a:lstStyle/>
+            <a:p>
+              <a:r>
+                <a:rPr lang="en-US" sz="2800" dirty="0">
+                  <a:latin typeface="Flama Light" panose="02000000000000000000"/>
+                </a:rPr>
+                <a:t>3</a:t>
+              </a:r>
+            </a:p>
+          </p:txBody>
+        </p:sp>
+      </p:grpSp>
+    </p:spTree>
+    <p:extLst>
+      <p:ext uri="{BB962C8B-B14F-4D97-AF65-F5344CB8AC3E}">
+        <p14:creationId xmlns:p14="http://schemas.microsoft.com/office/powerpoint/2010/main" val="2654937768"/>
+      </p:ext>
+    </p:extLst>
+  </p:cSld>
+  <p:clrMapOvr>
+    <a:masterClrMapping/>
+  </p:clrMapOvr>
+</p:sld>
+</file>
+
 <file path=ppt/slides/slide2.xml><?xml version="1.0" encoding="utf-8"?>
 <p:sld xmlns:a="http://schemas.openxmlformats.org/drawingml/2006/main" xmlns:r="http://schemas.openxmlformats.org/officeDocument/2006/relationships" xmlns:p="http://schemas.openxmlformats.org/presentationml/2006/main">
   <p:cSld>
@@ -31850,6 +35742,63 @@
   <p:tag name="LATEXADDIN" val="\documentclass{article}&#10;\usepackage{amsmath}&#10;\usepackage{color}&#10;\pagestyle{empty}&#10;\begin{document}&#10;%\color{white}&#10;\begin{equation}&#10;\text{BT}\times4\times\text{H}\times\text{W}&#10;\nonumber&#10;\end{equation}&#10;\end{document}"/>
   <p:tag name="IGUANATEXSIZE" val="20"/>
   <p:tag name="IGUANATEXCURSOR" val="175"/>
+  <p:tag name="TRANSPARENCY" val="Wahr"/>
+  <p:tag name="FILENAME" val=""/>
+  <p:tag name="LATEXENGINEID" val="0"/>
+  <p:tag name="TEMPFOLDER" val="c:\temp\"/>
+  <p:tag name="LATEXFORMHEIGHT" val="312"/>
+  <p:tag name="LATEXFORMWIDTH" val="384"/>
+  <p:tag name="LATEXFORMWRAP" val="Wahr"/>
+  <p:tag name="BITMAPVECTOR" val="0"/>
+</p:tagLst>
+</file>
+
+<file path=ppt/tags/tag171.xml><?xml version="1.0" encoding="utf-8"?>
+<p:tagLst xmlns:a="http://schemas.openxmlformats.org/drawingml/2006/main" xmlns:r="http://schemas.openxmlformats.org/officeDocument/2006/relationships" xmlns:p="http://schemas.openxmlformats.org/presentationml/2006/main">
+  <p:tag name="OUTPUTDPI" val="1200"/>
+  <p:tag name="ORIGINALHEIGHT" val="56,99291"/>
+  <p:tag name="ORIGINALWIDTH" val="71,2411"/>
+  <p:tag name="LATEXADDIN" val="\documentclass{article}&#10;\usepackage{amsmath}&#10;\usepackage{bm}&#10;\usepackage{color}&#10;\pagestyle{empty}&#10;\begin{document}&#10;%\color{white}&#10;\begin{equation}&#10;\bm{x}&#10;\nonumber&#10;\end{equation}&#10;\end{document}"/>
+  <p:tag name="IGUANATEXSIZE" val="20"/>
+  <p:tag name="IGUANATEXCURSOR" val="153"/>
+  <p:tag name="TRANSPARENCY" val="Wahr"/>
+  <p:tag name="FILENAME" val=""/>
+  <p:tag name="LATEXENGINEID" val="0"/>
+  <p:tag name="TEMPFOLDER" val="c:\temp\"/>
+  <p:tag name="LATEXFORMHEIGHT" val="312"/>
+  <p:tag name="LATEXFORMWIDTH" val="384"/>
+  <p:tag name="LATEXFORMWRAP" val="Wahr"/>
+  <p:tag name="BITMAPVECTOR" val="0"/>
+</p:tagLst>
+</file>
+
+<file path=ppt/tags/tag172.xml><?xml version="1.0" encoding="utf-8"?>
+<p:tagLst xmlns:a="http://schemas.openxmlformats.org/drawingml/2006/main" xmlns:r="http://schemas.openxmlformats.org/officeDocument/2006/relationships" xmlns:p="http://schemas.openxmlformats.org/presentationml/2006/main">
+  <p:tag name="OUTPUTDPI" val="1200"/>
+  <p:tag name="ORIGINALHEIGHT" val="123,7346"/>
+  <p:tag name="ORIGINALWIDTH" val="854,1432"/>
+  <p:tag name="LATEXADDIN" val="\documentclass{article}&#10;\usepackage{amsmath}&#10;\usepackage{bm}&#10;\usepackage{color}&#10;\pagestyle{empty}&#10;\begin{document}&#10;%\color{white}&#10;\begin{equation}&#10;\bm{y} = f(\bm{W}\bm{x} + \bm{b})&#10;\nonumber&#10;\end{equation}&#10;\end{document}"/>
+  <p:tag name="IGUANATEXSIZE" val="20"/>
+  <p:tag name="IGUANATEXCURSOR" val="180"/>
+  <p:tag name="TRANSPARENCY" val="Wahr"/>
+  <p:tag name="FILENAME" val=""/>
+  <p:tag name="LATEXENGINEID" val="0"/>
+  <p:tag name="TEMPFOLDER" val="c:\temp\"/>
+  <p:tag name="LATEXFORMHEIGHT" val="312"/>
+  <p:tag name="LATEXFORMWIDTH" val="384"/>
+  <p:tag name="LATEXFORMWRAP" val="Wahr"/>
+  <p:tag name="BITMAPVECTOR" val="0"/>
+</p:tagLst>
+</file>
+
+<file path=ppt/tags/tag173.xml><?xml version="1.0" encoding="utf-8"?>
+<p:tagLst xmlns:a="http://schemas.openxmlformats.org/drawingml/2006/main" xmlns:r="http://schemas.openxmlformats.org/officeDocument/2006/relationships" xmlns:p="http://schemas.openxmlformats.org/presentationml/2006/main">
+  <p:tag name="OUTPUTDPI" val="1200"/>
+  <p:tag name="ORIGINALHEIGHT" val="91,48859"/>
+  <p:tag name="ORIGINALWIDTH" val="159,73"/>
+  <p:tag name="LATEXADDIN" val="\documentclass{article}&#10;\usepackage{amsmath}&#10;\usepackage{bm}&#10;\usepackage{color}&#10;\pagestyle{empty}&#10;\begin{document}&#10;%\color{white}&#10;\begin{equation}&#10;w_{ij}&#10;\nonumber&#10;\end{equation}&#10;\end{document}"/>
+  <p:tag name="IGUANATEXSIZE" val="20"/>
+  <p:tag name="IGUANATEXCURSOR" val="152"/>
   <p:tag name="TRANSPARENCY" val="Wahr"/>
   <p:tag name="FILENAME" val=""/>
   <p:tag name="LATEXENGINEID" val="0"/>

--- a/windows/masters_thesis_imgs.pptx
+++ b/windows/masters_thesis_imgs.pptx
@@ -14186,10 +14186,10 @@
       </p:cxnSp>
       <p:grpSp>
         <p:nvGrpSpPr>
-          <p:cNvPr id="43" name="Gruppieren 42">
+          <p:cNvPr id="48" name="Gruppieren 47">
             <a:extLst>
               <a:ext uri="{FF2B5EF4-FFF2-40B4-BE49-F238E27FC236}">
-                <a16:creationId xmlns:a16="http://schemas.microsoft.com/office/drawing/2014/main" id="{DA6252A5-B3C5-4D2B-AD94-3EC7138B3D6C}"/>
+                <a16:creationId xmlns:a16="http://schemas.microsoft.com/office/drawing/2014/main" id="{31607231-5589-440D-A8AD-C9E9CC2FF19D}"/>
               </a:ext>
             </a:extLst>
           </p:cNvPr>
@@ -14198,18 +14198,18 @@
         </p:nvGrpSpPr>
         <p:grpSpPr>
           <a:xfrm>
-            <a:off x="469767" y="4709564"/>
-            <a:ext cx="4717603" cy="2427619"/>
-            <a:chOff x="2191927" y="4913912"/>
-            <a:chExt cx="4717603" cy="2427619"/>
+            <a:off x="667330" y="4666192"/>
+            <a:ext cx="6123361" cy="2650806"/>
+            <a:chOff x="667330" y="4666192"/>
+            <a:chExt cx="6123361" cy="2650806"/>
           </a:xfrm>
         </p:grpSpPr>
         <p:sp>
           <p:nvSpPr>
-            <p:cNvPr id="2" name="Rechteck: abgerundete Ecken 1">
+            <p:cNvPr id="298" name="Rechteck: abgerundete Ecken 297">
               <a:extLst>
                 <a:ext uri="{FF2B5EF4-FFF2-40B4-BE49-F238E27FC236}">
-                  <a16:creationId xmlns:a16="http://schemas.microsoft.com/office/drawing/2014/main" id="{1C258E69-C181-4A0B-BDEC-1E9E4E4510E3}"/>
+                  <a16:creationId xmlns:a16="http://schemas.microsoft.com/office/drawing/2014/main" id="{0405982B-12D3-4CCC-B5F7-3B5B2B19DBA6}"/>
                 </a:ext>
               </a:extLst>
             </p:cNvPr>
@@ -14218,8 +14218,8 @@
           </p:nvSpPr>
           <p:spPr>
             <a:xfrm>
-              <a:off x="2927625" y="4913912"/>
-              <a:ext cx="3377903" cy="2038449"/>
+              <a:off x="1745694" y="4666192"/>
+              <a:ext cx="4365662" cy="2177646"/>
             </a:xfrm>
             <a:prstGeom prst="roundRect">
               <a:avLst/>
@@ -14256,225 +14256,25 @@
             </a:p>
           </p:txBody>
         </p:sp>
-        <p:pic>
-          <p:nvPicPr>
-            <p:cNvPr id="19" name="Grafik 18">
-              <a:extLst>
-                <a:ext uri="{FF2B5EF4-FFF2-40B4-BE49-F238E27FC236}">
-                  <a16:creationId xmlns:a16="http://schemas.microsoft.com/office/drawing/2014/main" id="{C10DBF4C-0899-49F1-8550-D5160AA30492}"/>
-                </a:ext>
-              </a:extLst>
-            </p:cNvPr>
-            <p:cNvPicPr>
-              <a:picLocks noChangeAspect="1"/>
-            </p:cNvPicPr>
-            <p:nvPr>
-              <p:custDataLst>
-                <p:tags r:id="rId1"/>
-              </p:custDataLst>
-            </p:nvPr>
-          </p:nvPicPr>
-          <p:blipFill>
-            <a:blip r:embed="rId64">
-              <a:extLst>
-                <a:ext uri="{28A0092B-C50C-407E-A947-70E740481C1C}">
-                  <a14:useLocalDpi xmlns:a14="http://schemas.microsoft.com/office/drawing/2010/main" val="0"/>
-                </a:ext>
-              </a:extLst>
-            </a:blip>
-            <a:stretch>
-              <a:fillRect/>
-            </a:stretch>
-          </p:blipFill>
-          <p:spPr>
-            <a:xfrm>
-              <a:off x="2191927" y="5217885"/>
-              <a:ext cx="437810" cy="154405"/>
-            </a:xfrm>
-            <a:prstGeom prst="rect">
-              <a:avLst/>
-            </a:prstGeom>
-          </p:spPr>
-        </p:pic>
-        <p:pic>
-          <p:nvPicPr>
-            <p:cNvPr id="27" name="Grafik 26">
-              <a:extLst>
-                <a:ext uri="{FF2B5EF4-FFF2-40B4-BE49-F238E27FC236}">
-                  <a16:creationId xmlns:a16="http://schemas.microsoft.com/office/drawing/2014/main" id="{DF387EEE-4D54-484E-A293-175A2FEC1074}"/>
-                </a:ext>
-              </a:extLst>
-            </p:cNvPr>
-            <p:cNvPicPr>
-              <a:picLocks noChangeAspect="1"/>
-            </p:cNvPicPr>
-            <p:nvPr>
-              <p:custDataLst>
-                <p:tags r:id="rId2"/>
-              </p:custDataLst>
-            </p:nvPr>
-          </p:nvPicPr>
-          <p:blipFill>
-            <a:blip r:embed="rId65">
-              <a:extLst>
-                <a:ext uri="{28A0092B-C50C-407E-A947-70E740481C1C}">
-                  <a14:useLocalDpi xmlns:a14="http://schemas.microsoft.com/office/drawing/2010/main" val="0"/>
-                </a:ext>
-              </a:extLst>
-            </a:blip>
-            <a:stretch>
-              <a:fillRect/>
-            </a:stretch>
-          </p:blipFill>
-          <p:spPr>
-            <a:xfrm>
-              <a:off x="2202278" y="6440557"/>
-              <a:ext cx="478040" cy="217069"/>
-            </a:xfrm>
-            <a:prstGeom prst="rect">
-              <a:avLst/>
-            </a:prstGeom>
-          </p:spPr>
-        </p:pic>
-        <p:pic>
-          <p:nvPicPr>
-            <p:cNvPr id="30" name="Grafik 29">
-              <a:extLst>
-                <a:ext uri="{FF2B5EF4-FFF2-40B4-BE49-F238E27FC236}">
-                  <a16:creationId xmlns:a16="http://schemas.microsoft.com/office/drawing/2014/main" id="{DA61671D-76F7-4146-A4B5-2CEA63E6A0C9}"/>
-                </a:ext>
-              </a:extLst>
-            </p:cNvPr>
-            <p:cNvPicPr>
-              <a:picLocks noChangeAspect="1"/>
-            </p:cNvPicPr>
-            <p:nvPr>
-              <p:custDataLst>
-                <p:tags r:id="rId3"/>
-              </p:custDataLst>
-            </p:nvPr>
-          </p:nvPicPr>
-          <p:blipFill>
-            <a:blip r:embed="rId66">
-              <a:extLst>
-                <a:ext uri="{28A0092B-C50C-407E-A947-70E740481C1C}">
-                  <a14:useLocalDpi xmlns:a14="http://schemas.microsoft.com/office/drawing/2010/main" val="0"/>
-                </a:ext>
-              </a:extLst>
-            </a:blip>
-            <a:stretch>
-              <a:fillRect/>
-            </a:stretch>
-          </p:blipFill>
-          <p:spPr>
-            <a:xfrm>
-              <a:off x="3103452" y="7185536"/>
-              <a:ext cx="228980" cy="155995"/>
-            </a:xfrm>
-            <a:prstGeom prst="rect">
-              <a:avLst/>
-            </a:prstGeom>
-          </p:spPr>
-        </p:pic>
-        <p:pic>
-          <p:nvPicPr>
-            <p:cNvPr id="10" name="Grafik 9">
-              <a:extLst>
-                <a:ext uri="{FF2B5EF4-FFF2-40B4-BE49-F238E27FC236}">
-                  <a16:creationId xmlns:a16="http://schemas.microsoft.com/office/drawing/2014/main" id="{44C3CDF2-9DFC-49FD-B85A-540F478730D8}"/>
-                </a:ext>
-              </a:extLst>
-            </p:cNvPr>
-            <p:cNvPicPr>
-              <a:picLocks noChangeAspect="1"/>
-            </p:cNvPicPr>
-            <p:nvPr>
-              <p:custDataLst>
-                <p:tags r:id="rId4"/>
-              </p:custDataLst>
-            </p:nvPr>
-          </p:nvPicPr>
-          <p:blipFill>
-            <a:blip r:embed="rId67">
-              <a:extLst>
-                <a:ext uri="{28A0092B-C50C-407E-A947-70E740481C1C}">
-                  <a14:useLocalDpi xmlns:a14="http://schemas.microsoft.com/office/drawing/2010/main" val="0"/>
-                </a:ext>
-              </a:extLst>
-            </a:blip>
-            <a:stretch>
-              <a:fillRect/>
-            </a:stretch>
-          </p:blipFill>
-          <p:spPr>
-            <a:xfrm>
-              <a:off x="6678243" y="6470025"/>
-              <a:ext cx="231287" cy="219303"/>
-            </a:xfrm>
-            <a:prstGeom prst="rect">
-              <a:avLst/>
-            </a:prstGeom>
-          </p:spPr>
-        </p:pic>
-        <p:pic>
-          <p:nvPicPr>
-            <p:cNvPr id="7" name="Grafik 6">
-              <a:extLst>
-                <a:ext uri="{FF2B5EF4-FFF2-40B4-BE49-F238E27FC236}">
-                  <a16:creationId xmlns:a16="http://schemas.microsoft.com/office/drawing/2014/main" id="{3A1FC758-37F1-4A68-AE49-94E74B6B5F75}"/>
-                </a:ext>
-              </a:extLst>
-            </p:cNvPr>
-            <p:cNvPicPr>
-              <a:picLocks noChangeAspect="1"/>
-            </p:cNvPicPr>
-            <p:nvPr>
-              <p:custDataLst>
-                <p:tags r:id="rId5"/>
-              </p:custDataLst>
-            </p:nvPr>
-          </p:nvPicPr>
-          <p:blipFill>
-            <a:blip r:embed="rId68">
-              <a:extLst>
-                <a:ext uri="{28A0092B-C50C-407E-A947-70E740481C1C}">
-                  <a14:useLocalDpi xmlns:a14="http://schemas.microsoft.com/office/drawing/2010/main" val="0"/>
-                </a:ext>
-              </a:extLst>
-            </a:blip>
-            <a:stretch>
-              <a:fillRect/>
-            </a:stretch>
-          </p:blipFill>
-          <p:spPr>
-            <a:xfrm>
-              <a:off x="6678242" y="5240267"/>
-              <a:ext cx="192773" cy="157601"/>
-            </a:xfrm>
-            <a:prstGeom prst="rect">
-              <a:avLst/>
-            </a:prstGeom>
-          </p:spPr>
-        </p:pic>
         <p:cxnSp>
           <p:nvCxnSpPr>
-            <p:cNvPr id="149" name="Gerade Verbindung mit Pfeil 148">
+            <p:cNvPr id="299" name="Gerade Verbindung mit Pfeil 298">
               <a:extLst>
                 <a:ext uri="{FF2B5EF4-FFF2-40B4-BE49-F238E27FC236}">
-                  <a16:creationId xmlns:a16="http://schemas.microsoft.com/office/drawing/2014/main" id="{0DBFBAFB-5157-46C5-B2F0-839835E3F857}"/>
+                  <a16:creationId xmlns:a16="http://schemas.microsoft.com/office/drawing/2014/main" id="{206C973C-9AC0-45B2-AAE7-37511A19C338}"/>
                 </a:ext>
               </a:extLst>
             </p:cNvPr>
             <p:cNvCxnSpPr>
               <a:cxnSpLocks/>
-              <a:endCxn id="33" idx="2"/>
+              <a:endCxn id="336" idx="2"/>
             </p:cNvCxnSpPr>
             <p:nvPr/>
           </p:nvCxnSpPr>
           <p:spPr>
-            <a:xfrm flipV="1">
-              <a:off x="2673828" y="5299497"/>
-              <a:ext cx="582027" cy="1013"/>
+            <a:xfrm>
+              <a:off x="1545920" y="5034871"/>
+              <a:ext cx="459440" cy="0"/>
             </a:xfrm>
             <a:prstGeom prst="straightConnector1">
               <a:avLst/>
@@ -14501,12 +14301,846 @@
             </a:fontRef>
           </p:style>
         </p:cxnSp>
+        <p:cxnSp>
+          <p:nvCxnSpPr>
+            <p:cNvPr id="300" name="Gerade Verbindung mit Pfeil 299">
+              <a:extLst>
+                <a:ext uri="{FF2B5EF4-FFF2-40B4-BE49-F238E27FC236}">
+                  <a16:creationId xmlns:a16="http://schemas.microsoft.com/office/drawing/2014/main" id="{D70A66DD-903D-46A3-A757-53B753B44627}"/>
+                </a:ext>
+              </a:extLst>
+            </p:cNvPr>
+            <p:cNvCxnSpPr>
+              <a:cxnSpLocks/>
+              <a:endCxn id="328" idx="1"/>
+            </p:cNvCxnSpPr>
+            <p:nvPr/>
+          </p:nvCxnSpPr>
+          <p:spPr>
+            <a:xfrm>
+              <a:off x="1545920" y="6462301"/>
+              <a:ext cx="2860115" cy="239"/>
+            </a:xfrm>
+            <a:prstGeom prst="straightConnector1">
+              <a:avLst/>
+            </a:prstGeom>
+            <a:ln w="25400">
+              <a:solidFill>
+                <a:schemeClr val="tx1"/>
+              </a:solidFill>
+              <a:tailEnd type="triangle"/>
+            </a:ln>
+          </p:spPr>
+          <p:style>
+            <a:lnRef idx="1">
+              <a:schemeClr val="accent1"/>
+            </a:lnRef>
+            <a:fillRef idx="0">
+              <a:schemeClr val="accent1"/>
+            </a:fillRef>
+            <a:effectRef idx="0">
+              <a:schemeClr val="accent1"/>
+            </a:effectRef>
+            <a:fontRef idx="minor">
+              <a:schemeClr val="tx1"/>
+            </a:fontRef>
+          </p:style>
+        </p:cxnSp>
+        <p:cxnSp>
+          <p:nvCxnSpPr>
+            <p:cNvPr id="301" name="Gerade Verbindung mit Pfeil 300">
+              <a:extLst>
+                <a:ext uri="{FF2B5EF4-FFF2-40B4-BE49-F238E27FC236}">
+                  <a16:creationId xmlns:a16="http://schemas.microsoft.com/office/drawing/2014/main" id="{B549E011-C98D-422D-83EE-3DF850F0D232}"/>
+                </a:ext>
+              </a:extLst>
+            </p:cNvPr>
+            <p:cNvCxnSpPr>
+              <a:cxnSpLocks/>
+              <a:stCxn id="336" idx="6"/>
+              <a:endCxn id="344" idx="2"/>
+            </p:cNvCxnSpPr>
+            <p:nvPr/>
+          </p:nvCxnSpPr>
+          <p:spPr>
+            <a:xfrm>
+              <a:off x="2365360" y="5034871"/>
+              <a:ext cx="1127278" cy="0"/>
+            </a:xfrm>
+            <a:prstGeom prst="straightConnector1">
+              <a:avLst/>
+            </a:prstGeom>
+            <a:ln w="25400">
+              <a:solidFill>
+                <a:schemeClr val="tx1"/>
+              </a:solidFill>
+              <a:tailEnd type="triangle"/>
+            </a:ln>
+          </p:spPr>
+          <p:style>
+            <a:lnRef idx="1">
+              <a:schemeClr val="accent1"/>
+            </a:lnRef>
+            <a:fillRef idx="0">
+              <a:schemeClr val="accent1"/>
+            </a:fillRef>
+            <a:effectRef idx="0">
+              <a:schemeClr val="accent1"/>
+            </a:effectRef>
+            <a:fontRef idx="minor">
+              <a:schemeClr val="tx1"/>
+            </a:fontRef>
+          </p:style>
+        </p:cxnSp>
+        <p:cxnSp>
+          <p:nvCxnSpPr>
+            <p:cNvPr id="302" name="Gerade Verbindung mit Pfeil 301">
+              <a:extLst>
+                <a:ext uri="{FF2B5EF4-FFF2-40B4-BE49-F238E27FC236}">
+                  <a16:creationId xmlns:a16="http://schemas.microsoft.com/office/drawing/2014/main" id="{305FFCAB-A874-401C-BF72-0AB89A5E8363}"/>
+                </a:ext>
+              </a:extLst>
+            </p:cNvPr>
+            <p:cNvCxnSpPr>
+              <a:cxnSpLocks/>
+              <a:stCxn id="332" idx="6"/>
+            </p:cNvCxnSpPr>
+            <p:nvPr/>
+          </p:nvCxnSpPr>
+          <p:spPr>
+            <a:xfrm>
+              <a:off x="5552977" y="6462540"/>
+              <a:ext cx="768153" cy="0"/>
+            </a:xfrm>
+            <a:prstGeom prst="straightConnector1">
+              <a:avLst/>
+            </a:prstGeom>
+            <a:ln w="25400">
+              <a:solidFill>
+                <a:schemeClr val="tx1"/>
+              </a:solidFill>
+              <a:tailEnd type="triangle"/>
+            </a:ln>
+          </p:spPr>
+          <p:style>
+            <a:lnRef idx="1">
+              <a:schemeClr val="accent1"/>
+            </a:lnRef>
+            <a:fillRef idx="0">
+              <a:schemeClr val="accent1"/>
+            </a:fillRef>
+            <a:effectRef idx="0">
+              <a:schemeClr val="accent1"/>
+            </a:effectRef>
+            <a:fontRef idx="minor">
+              <a:schemeClr val="tx1"/>
+            </a:fontRef>
+          </p:style>
+        </p:cxnSp>
+        <p:cxnSp>
+          <p:nvCxnSpPr>
+            <p:cNvPr id="303" name="Gerade Verbindung mit Pfeil 302">
+              <a:extLst>
+                <a:ext uri="{FF2B5EF4-FFF2-40B4-BE49-F238E27FC236}">
+                  <a16:creationId xmlns:a16="http://schemas.microsoft.com/office/drawing/2014/main" id="{6F85BCD3-FF77-46F4-9B02-6495BDEA5353}"/>
+                </a:ext>
+              </a:extLst>
+            </p:cNvPr>
+            <p:cNvCxnSpPr>
+              <a:cxnSpLocks/>
+              <a:stCxn id="328" idx="3"/>
+              <a:endCxn id="332" idx="2"/>
+            </p:cNvCxnSpPr>
+            <p:nvPr/>
+          </p:nvCxnSpPr>
+          <p:spPr>
+            <a:xfrm>
+              <a:off x="4910898" y="6462540"/>
+              <a:ext cx="282079" cy="0"/>
+            </a:xfrm>
+            <a:prstGeom prst="straightConnector1">
+              <a:avLst/>
+            </a:prstGeom>
+            <a:ln w="25400">
+              <a:solidFill>
+                <a:schemeClr val="tx1"/>
+              </a:solidFill>
+              <a:tailEnd type="triangle"/>
+            </a:ln>
+          </p:spPr>
+          <p:style>
+            <a:lnRef idx="1">
+              <a:schemeClr val="accent1"/>
+            </a:lnRef>
+            <a:fillRef idx="0">
+              <a:schemeClr val="accent1"/>
+            </a:fillRef>
+            <a:effectRef idx="0">
+              <a:schemeClr val="accent1"/>
+            </a:effectRef>
+            <a:fontRef idx="minor">
+              <a:schemeClr val="tx1"/>
+            </a:fontRef>
+          </p:style>
+        </p:cxnSp>
+        <p:cxnSp>
+          <p:nvCxnSpPr>
+            <p:cNvPr id="304" name="Gerade Verbindung mit Pfeil 303">
+              <a:extLst>
+                <a:ext uri="{FF2B5EF4-FFF2-40B4-BE49-F238E27FC236}">
+                  <a16:creationId xmlns:a16="http://schemas.microsoft.com/office/drawing/2014/main" id="{07FA0DB0-F174-46CD-AB60-1D3A2874D938}"/>
+                </a:ext>
+              </a:extLst>
+            </p:cNvPr>
+            <p:cNvCxnSpPr>
+              <a:cxnSpLocks/>
+              <a:stCxn id="340" idx="0"/>
+              <a:endCxn id="334" idx="4"/>
+            </p:cNvCxnSpPr>
+            <p:nvPr/>
+          </p:nvCxnSpPr>
+          <p:spPr>
+            <a:xfrm flipH="1" flipV="1">
+              <a:off x="3672638" y="5767502"/>
+              <a:ext cx="2" cy="179999"/>
+            </a:xfrm>
+            <a:prstGeom prst="straightConnector1">
+              <a:avLst/>
+            </a:prstGeom>
+            <a:ln w="25400">
+              <a:solidFill>
+                <a:schemeClr val="tx1"/>
+              </a:solidFill>
+              <a:tailEnd type="triangle"/>
+            </a:ln>
+          </p:spPr>
+          <p:style>
+            <a:lnRef idx="1">
+              <a:schemeClr val="accent1"/>
+            </a:lnRef>
+            <a:fillRef idx="0">
+              <a:schemeClr val="accent1"/>
+            </a:fillRef>
+            <a:effectRef idx="0">
+              <a:schemeClr val="accent1"/>
+            </a:effectRef>
+            <a:fontRef idx="minor">
+              <a:schemeClr val="tx1"/>
+            </a:fontRef>
+          </p:style>
+        </p:cxnSp>
+        <p:cxnSp>
+          <p:nvCxnSpPr>
+            <p:cNvPr id="305" name="Gerade Verbindung mit Pfeil 304">
+              <a:extLst>
+                <a:ext uri="{FF2B5EF4-FFF2-40B4-BE49-F238E27FC236}">
+                  <a16:creationId xmlns:a16="http://schemas.microsoft.com/office/drawing/2014/main" id="{55CBD015-EFF2-415E-8EF2-CDCC473978AC}"/>
+                </a:ext>
+              </a:extLst>
+            </p:cNvPr>
+            <p:cNvCxnSpPr>
+              <a:cxnSpLocks/>
+              <a:stCxn id="334" idx="0"/>
+              <a:endCxn id="344" idx="4"/>
+            </p:cNvCxnSpPr>
+            <p:nvPr/>
+          </p:nvCxnSpPr>
+          <p:spPr>
+            <a:xfrm flipV="1">
+              <a:off x="3672638" y="5214871"/>
+              <a:ext cx="0" cy="192631"/>
+            </a:xfrm>
+            <a:prstGeom prst="straightConnector1">
+              <a:avLst/>
+            </a:prstGeom>
+            <a:ln w="25400">
+              <a:solidFill>
+                <a:schemeClr val="tx1"/>
+              </a:solidFill>
+              <a:tailEnd type="triangle"/>
+            </a:ln>
+          </p:spPr>
+          <p:style>
+            <a:lnRef idx="1">
+              <a:schemeClr val="accent1"/>
+            </a:lnRef>
+            <a:fillRef idx="0">
+              <a:schemeClr val="accent1"/>
+            </a:fillRef>
+            <a:effectRef idx="0">
+              <a:schemeClr val="accent1"/>
+            </a:effectRef>
+            <a:fontRef idx="minor">
+              <a:schemeClr val="tx1"/>
+            </a:fontRef>
+          </p:style>
+        </p:cxnSp>
+        <p:cxnSp>
+          <p:nvCxnSpPr>
+            <p:cNvPr id="306" name="Gerade Verbindung mit Pfeil 305">
+              <a:extLst>
+                <a:ext uri="{FF2B5EF4-FFF2-40B4-BE49-F238E27FC236}">
+                  <a16:creationId xmlns:a16="http://schemas.microsoft.com/office/drawing/2014/main" id="{224857B3-B81A-4AD3-96E0-55BBC07E30C5}"/>
+                </a:ext>
+              </a:extLst>
+            </p:cNvPr>
+            <p:cNvCxnSpPr>
+              <a:cxnSpLocks/>
+              <a:stCxn id="338" idx="2"/>
+              <a:endCxn id="332" idx="0"/>
+            </p:cNvCxnSpPr>
+            <p:nvPr/>
+          </p:nvCxnSpPr>
+          <p:spPr>
+            <a:xfrm>
+              <a:off x="5372977" y="5767502"/>
+              <a:ext cx="0" cy="515038"/>
+            </a:xfrm>
+            <a:prstGeom prst="straightConnector1">
+              <a:avLst/>
+            </a:prstGeom>
+            <a:ln w="25400">
+              <a:solidFill>
+                <a:schemeClr val="tx1"/>
+              </a:solidFill>
+              <a:tailEnd type="triangle"/>
+            </a:ln>
+          </p:spPr>
+          <p:style>
+            <a:lnRef idx="1">
+              <a:schemeClr val="accent1"/>
+            </a:lnRef>
+            <a:fillRef idx="0">
+              <a:schemeClr val="accent1"/>
+            </a:fillRef>
+            <a:effectRef idx="0">
+              <a:schemeClr val="accent1"/>
+            </a:effectRef>
+            <a:fontRef idx="minor">
+              <a:schemeClr val="tx1"/>
+            </a:fontRef>
+          </p:style>
+        </p:cxnSp>
+        <p:cxnSp>
+          <p:nvCxnSpPr>
+            <p:cNvPr id="307" name="Gerade Verbindung mit Pfeil 306">
+              <a:extLst>
+                <a:ext uri="{FF2B5EF4-FFF2-40B4-BE49-F238E27FC236}">
+                  <a16:creationId xmlns:a16="http://schemas.microsoft.com/office/drawing/2014/main" id="{A408A755-DE8B-4DA9-AEBB-D8CFEB52C942}"/>
+                </a:ext>
+              </a:extLst>
+            </p:cNvPr>
+            <p:cNvCxnSpPr>
+              <a:cxnSpLocks/>
+              <a:endCxn id="336" idx="4"/>
+            </p:cNvCxnSpPr>
+            <p:nvPr/>
+          </p:nvCxnSpPr>
+          <p:spPr>
+            <a:xfrm flipH="1" flipV="1">
+              <a:off x="2185360" y="5214871"/>
+              <a:ext cx="882" cy="845632"/>
+            </a:xfrm>
+            <a:prstGeom prst="straightConnector1">
+              <a:avLst/>
+            </a:prstGeom>
+            <a:ln w="25400">
+              <a:solidFill>
+                <a:schemeClr val="tx1"/>
+              </a:solidFill>
+              <a:tailEnd type="triangle"/>
+            </a:ln>
+          </p:spPr>
+          <p:style>
+            <a:lnRef idx="1">
+              <a:schemeClr val="accent1"/>
+            </a:lnRef>
+            <a:fillRef idx="0">
+              <a:schemeClr val="accent1"/>
+            </a:fillRef>
+            <a:effectRef idx="0">
+              <a:schemeClr val="accent1"/>
+            </a:effectRef>
+            <a:fontRef idx="minor">
+              <a:schemeClr val="tx1"/>
+            </a:fontRef>
+          </p:style>
+        </p:cxnSp>
+        <p:cxnSp>
+          <p:nvCxnSpPr>
+            <p:cNvPr id="308" name="Gerade Verbindung mit Pfeil 307">
+              <a:extLst>
+                <a:ext uri="{FF2B5EF4-FFF2-40B4-BE49-F238E27FC236}">
+                  <a16:creationId xmlns:a16="http://schemas.microsoft.com/office/drawing/2014/main" id="{4A4D2395-133F-492A-8426-A6E516086F45}"/>
+                </a:ext>
+              </a:extLst>
+            </p:cNvPr>
+            <p:cNvCxnSpPr>
+              <a:cxnSpLocks/>
+            </p:cNvCxnSpPr>
+            <p:nvPr/>
+          </p:nvCxnSpPr>
+          <p:spPr>
+            <a:xfrm flipV="1">
+              <a:off x="2032678" y="6460644"/>
+              <a:ext cx="0" cy="451802"/>
+            </a:xfrm>
+            <a:prstGeom prst="straightConnector1">
+              <a:avLst/>
+            </a:prstGeom>
+            <a:ln w="25400">
+              <a:solidFill>
+                <a:schemeClr val="tx1"/>
+              </a:solidFill>
+              <a:tailEnd type="none"/>
+            </a:ln>
+          </p:spPr>
+          <p:style>
+            <a:lnRef idx="1">
+              <a:schemeClr val="accent1"/>
+            </a:lnRef>
+            <a:fillRef idx="0">
+              <a:schemeClr val="accent1"/>
+            </a:fillRef>
+            <a:effectRef idx="0">
+              <a:schemeClr val="accent1"/>
+            </a:effectRef>
+            <a:fontRef idx="minor">
+              <a:schemeClr val="tx1"/>
+            </a:fontRef>
+          </p:style>
+        </p:cxnSp>
+        <p:cxnSp>
+          <p:nvCxnSpPr>
+            <p:cNvPr id="309" name="Gerade Verbindung mit Pfeil 308">
+              <a:extLst>
+                <a:ext uri="{FF2B5EF4-FFF2-40B4-BE49-F238E27FC236}">
+                  <a16:creationId xmlns:a16="http://schemas.microsoft.com/office/drawing/2014/main" id="{3C5406C3-C3D4-417D-914D-74ABFB37CDB3}"/>
+                </a:ext>
+              </a:extLst>
+            </p:cNvPr>
+            <p:cNvCxnSpPr>
+              <a:cxnSpLocks/>
+              <a:endCxn id="342" idx="2"/>
+            </p:cNvCxnSpPr>
+            <p:nvPr/>
+          </p:nvCxnSpPr>
+          <p:spPr>
+            <a:xfrm flipV="1">
+              <a:off x="2186241" y="6307501"/>
+              <a:ext cx="0" cy="153144"/>
+            </a:xfrm>
+            <a:prstGeom prst="straightConnector1">
+              <a:avLst/>
+            </a:prstGeom>
+            <a:ln w="25400">
+              <a:solidFill>
+                <a:schemeClr val="tx1"/>
+              </a:solidFill>
+              <a:tailEnd type="triangle"/>
+            </a:ln>
+          </p:spPr>
+          <p:style>
+            <a:lnRef idx="1">
+              <a:schemeClr val="accent1"/>
+            </a:lnRef>
+            <a:fillRef idx="0">
+              <a:schemeClr val="accent1"/>
+            </a:fillRef>
+            <a:effectRef idx="0">
+              <a:schemeClr val="accent1"/>
+            </a:effectRef>
+            <a:fontRef idx="minor">
+              <a:schemeClr val="tx1"/>
+            </a:fontRef>
+          </p:style>
+        </p:cxnSp>
+        <p:cxnSp>
+          <p:nvCxnSpPr>
+            <p:cNvPr id="310" name="Gerade Verbindung mit Pfeil 309">
+              <a:extLst>
+                <a:ext uri="{FF2B5EF4-FFF2-40B4-BE49-F238E27FC236}">
+                  <a16:creationId xmlns:a16="http://schemas.microsoft.com/office/drawing/2014/main" id="{AAEC4B36-2CE9-4575-BB28-6980103A531F}"/>
+                </a:ext>
+              </a:extLst>
+            </p:cNvPr>
+            <p:cNvCxnSpPr>
+              <a:cxnSpLocks/>
+              <a:endCxn id="330" idx="2"/>
+            </p:cNvCxnSpPr>
+            <p:nvPr/>
+          </p:nvCxnSpPr>
+          <p:spPr>
+            <a:xfrm flipV="1">
+              <a:off x="2786741" y="6307501"/>
+              <a:ext cx="1" cy="153143"/>
+            </a:xfrm>
+            <a:prstGeom prst="straightConnector1">
+              <a:avLst/>
+            </a:prstGeom>
+            <a:ln w="25400">
+              <a:solidFill>
+                <a:schemeClr val="tx1"/>
+              </a:solidFill>
+              <a:tailEnd type="triangle"/>
+            </a:ln>
+          </p:spPr>
+          <p:style>
+            <a:lnRef idx="1">
+              <a:schemeClr val="accent1"/>
+            </a:lnRef>
+            <a:fillRef idx="0">
+              <a:schemeClr val="accent1"/>
+            </a:fillRef>
+            <a:effectRef idx="0">
+              <a:schemeClr val="accent1"/>
+            </a:effectRef>
+            <a:fontRef idx="minor">
+              <a:schemeClr val="tx1"/>
+            </a:fontRef>
+          </p:style>
+        </p:cxnSp>
+        <p:cxnSp>
+          <p:nvCxnSpPr>
+            <p:cNvPr id="311" name="Gerade Verbindung mit Pfeil 310">
+              <a:extLst>
+                <a:ext uri="{FF2B5EF4-FFF2-40B4-BE49-F238E27FC236}">
+                  <a16:creationId xmlns:a16="http://schemas.microsoft.com/office/drawing/2014/main" id="{284CEE41-B5FF-43D1-815B-AF2244756106}"/>
+                </a:ext>
+              </a:extLst>
+            </p:cNvPr>
+            <p:cNvCxnSpPr>
+              <a:cxnSpLocks/>
+              <a:endCxn id="340" idx="2"/>
+            </p:cNvCxnSpPr>
+            <p:nvPr/>
+          </p:nvCxnSpPr>
+          <p:spPr>
+            <a:xfrm flipV="1">
+              <a:off x="3672638" y="6307501"/>
+              <a:ext cx="2" cy="154800"/>
+            </a:xfrm>
+            <a:prstGeom prst="straightConnector1">
+              <a:avLst/>
+            </a:prstGeom>
+            <a:ln w="25400">
+              <a:solidFill>
+                <a:schemeClr val="tx1"/>
+              </a:solidFill>
+              <a:tailEnd type="triangle"/>
+            </a:ln>
+          </p:spPr>
+          <p:style>
+            <a:lnRef idx="1">
+              <a:schemeClr val="accent1"/>
+            </a:lnRef>
+            <a:fillRef idx="0">
+              <a:schemeClr val="accent1"/>
+            </a:fillRef>
+            <a:effectRef idx="0">
+              <a:schemeClr val="accent1"/>
+            </a:effectRef>
+            <a:fontRef idx="minor">
+              <a:schemeClr val="tx1"/>
+            </a:fontRef>
+          </p:style>
+        </p:cxnSp>
+        <p:cxnSp>
+          <p:nvCxnSpPr>
+            <p:cNvPr id="312" name="Gerade Verbindung mit Pfeil 311">
+              <a:extLst>
+                <a:ext uri="{FF2B5EF4-FFF2-40B4-BE49-F238E27FC236}">
+                  <a16:creationId xmlns:a16="http://schemas.microsoft.com/office/drawing/2014/main" id="{CA8F3204-5B04-40CB-A72A-34E43DF284AB}"/>
+                </a:ext>
+              </a:extLst>
+            </p:cNvPr>
+            <p:cNvCxnSpPr>
+              <a:cxnSpLocks/>
+              <a:endCxn id="338" idx="0"/>
+            </p:cNvCxnSpPr>
+            <p:nvPr/>
+          </p:nvCxnSpPr>
+          <p:spPr>
+            <a:xfrm>
+              <a:off x="5372977" y="5035700"/>
+              <a:ext cx="0" cy="371802"/>
+            </a:xfrm>
+            <a:prstGeom prst="straightConnector1">
+              <a:avLst/>
+            </a:prstGeom>
+            <a:ln w="25400">
+              <a:solidFill>
+                <a:schemeClr val="tx1"/>
+              </a:solidFill>
+              <a:tailEnd type="triangle"/>
+            </a:ln>
+          </p:spPr>
+          <p:style>
+            <a:lnRef idx="1">
+              <a:schemeClr val="accent1"/>
+            </a:lnRef>
+            <a:fillRef idx="0">
+              <a:schemeClr val="accent1"/>
+            </a:fillRef>
+            <a:effectRef idx="0">
+              <a:schemeClr val="accent1"/>
+            </a:effectRef>
+            <a:fontRef idx="minor">
+              <a:schemeClr val="tx1"/>
+            </a:fontRef>
+          </p:style>
+        </p:cxnSp>
+        <p:cxnSp>
+          <p:nvCxnSpPr>
+            <p:cNvPr id="313" name="Gerade Verbindung mit Pfeil 312">
+              <a:extLst>
+                <a:ext uri="{FF2B5EF4-FFF2-40B4-BE49-F238E27FC236}">
+                  <a16:creationId xmlns:a16="http://schemas.microsoft.com/office/drawing/2014/main" id="{BF450E7A-963E-49C4-BBC0-59440AE9AA76}"/>
+                </a:ext>
+              </a:extLst>
+            </p:cNvPr>
+            <p:cNvCxnSpPr>
+              <a:cxnSpLocks/>
+              <a:stCxn id="344" idx="6"/>
+            </p:cNvCxnSpPr>
+            <p:nvPr/>
+          </p:nvCxnSpPr>
+          <p:spPr>
+            <a:xfrm>
+              <a:off x="3852638" y="5034871"/>
+              <a:ext cx="2440857" cy="0"/>
+            </a:xfrm>
+            <a:prstGeom prst="straightConnector1">
+              <a:avLst/>
+            </a:prstGeom>
+            <a:ln w="25400">
+              <a:solidFill>
+                <a:schemeClr val="tx1"/>
+              </a:solidFill>
+              <a:tailEnd type="triangle"/>
+            </a:ln>
+          </p:spPr>
+          <p:style>
+            <a:lnRef idx="1">
+              <a:schemeClr val="accent1"/>
+            </a:lnRef>
+            <a:fillRef idx="0">
+              <a:schemeClr val="accent1"/>
+            </a:fillRef>
+            <a:effectRef idx="0">
+              <a:schemeClr val="accent1"/>
+            </a:effectRef>
+            <a:fontRef idx="minor">
+              <a:schemeClr val="tx1"/>
+            </a:fontRef>
+          </p:style>
+        </p:cxnSp>
+        <p:pic>
+          <p:nvPicPr>
+            <p:cNvPr id="314" name="Grafik 313">
+              <a:extLst>
+                <a:ext uri="{FF2B5EF4-FFF2-40B4-BE49-F238E27FC236}">
+                  <a16:creationId xmlns:a16="http://schemas.microsoft.com/office/drawing/2014/main" id="{8A28C6E1-E18E-476F-B2DF-9826F2F100DC}"/>
+                </a:ext>
+              </a:extLst>
+            </p:cNvPr>
+            <p:cNvPicPr>
+              <a:picLocks noChangeAspect="1"/>
+            </p:cNvPicPr>
+            <p:nvPr>
+              <p:custDataLst>
+                <p:tags r:id="rId1"/>
+              </p:custDataLst>
+            </p:nvPr>
+          </p:nvPicPr>
+          <p:blipFill>
+            <a:blip r:embed="rId64">
+              <a:extLst>
+                <a:ext uri="{28A0092B-C50C-407E-A947-70E740481C1C}">
+                  <a14:useLocalDpi xmlns:a14="http://schemas.microsoft.com/office/drawing/2010/main" val="0"/>
+                </a:ext>
+              </a:extLst>
+            </a:blip>
+            <a:stretch>
+              <a:fillRect/>
+            </a:stretch>
+          </p:blipFill>
+          <p:spPr>
+            <a:xfrm>
+              <a:off x="702470" y="4905268"/>
+              <a:ext cx="739251" cy="259206"/>
+            </a:xfrm>
+            <a:prstGeom prst="rect">
+              <a:avLst/>
+            </a:prstGeom>
+          </p:spPr>
+        </p:pic>
+        <p:pic>
+          <p:nvPicPr>
+            <p:cNvPr id="315" name="Grafik 314">
+              <a:extLst>
+                <a:ext uri="{FF2B5EF4-FFF2-40B4-BE49-F238E27FC236}">
+                  <a16:creationId xmlns:a16="http://schemas.microsoft.com/office/drawing/2014/main" id="{E7370D9E-784F-4632-8D79-D7877C199762}"/>
+                </a:ext>
+              </a:extLst>
+            </p:cNvPr>
+            <p:cNvPicPr>
+              <a:picLocks noChangeAspect="1"/>
+            </p:cNvPicPr>
+            <p:nvPr>
+              <p:custDataLst>
+                <p:tags r:id="rId2"/>
+              </p:custDataLst>
+            </p:nvPr>
+          </p:nvPicPr>
+          <p:blipFill>
+            <a:blip r:embed="rId65">
+              <a:extLst>
+                <a:ext uri="{28A0092B-C50C-407E-A947-70E740481C1C}">
+                  <a14:useLocalDpi xmlns:a14="http://schemas.microsoft.com/office/drawing/2010/main" val="0"/>
+                </a:ext>
+              </a:extLst>
+            </a:blip>
+            <a:stretch>
+              <a:fillRect/>
+            </a:stretch>
+          </p:blipFill>
+          <p:spPr>
+            <a:xfrm>
+              <a:off x="667330" y="6282540"/>
+              <a:ext cx="807180" cy="364403"/>
+            </a:xfrm>
+            <a:prstGeom prst="rect">
+              <a:avLst/>
+            </a:prstGeom>
+          </p:spPr>
+        </p:pic>
+        <p:pic>
+          <p:nvPicPr>
+            <p:cNvPr id="316" name="Grafik 315">
+              <a:extLst>
+                <a:ext uri="{FF2B5EF4-FFF2-40B4-BE49-F238E27FC236}">
+                  <a16:creationId xmlns:a16="http://schemas.microsoft.com/office/drawing/2014/main" id="{3A52A2B1-A545-4196-97B5-CAFA5214529A}"/>
+                </a:ext>
+              </a:extLst>
+            </p:cNvPr>
+            <p:cNvPicPr>
+              <a:picLocks noChangeAspect="1"/>
+            </p:cNvPicPr>
+            <p:nvPr>
+              <p:custDataLst>
+                <p:tags r:id="rId3"/>
+              </p:custDataLst>
+            </p:nvPr>
+          </p:nvPicPr>
+          <p:blipFill>
+            <a:blip r:embed="rId66">
+              <a:extLst>
+                <a:ext uri="{28A0092B-C50C-407E-A947-70E740481C1C}">
+                  <a14:useLocalDpi xmlns:a14="http://schemas.microsoft.com/office/drawing/2010/main" val="0"/>
+                </a:ext>
+              </a:extLst>
+            </a:blip>
+            <a:stretch>
+              <a:fillRect/>
+            </a:stretch>
+          </p:blipFill>
+          <p:spPr>
+            <a:xfrm>
+              <a:off x="1839359" y="7055122"/>
+              <a:ext cx="386637" cy="261876"/>
+            </a:xfrm>
+            <a:prstGeom prst="rect">
+              <a:avLst/>
+            </a:prstGeom>
+          </p:spPr>
+        </p:pic>
+        <p:pic>
+          <p:nvPicPr>
+            <p:cNvPr id="317" name="Grafik 316">
+              <a:extLst>
+                <a:ext uri="{FF2B5EF4-FFF2-40B4-BE49-F238E27FC236}">
+                  <a16:creationId xmlns:a16="http://schemas.microsoft.com/office/drawing/2014/main" id="{1AA6975E-551A-4B26-B8CB-4B9986FA7796}"/>
+                </a:ext>
+              </a:extLst>
+            </p:cNvPr>
+            <p:cNvPicPr>
+              <a:picLocks noChangeAspect="1"/>
+            </p:cNvPicPr>
+            <p:nvPr>
+              <p:custDataLst>
+                <p:tags r:id="rId4"/>
+              </p:custDataLst>
+            </p:nvPr>
+          </p:nvPicPr>
+          <p:blipFill>
+            <a:blip r:embed="rId67">
+              <a:extLst>
+                <a:ext uri="{28A0092B-C50C-407E-A947-70E740481C1C}">
+                  <a14:useLocalDpi xmlns:a14="http://schemas.microsoft.com/office/drawing/2010/main" val="0"/>
+                </a:ext>
+              </a:extLst>
+            </a:blip>
+            <a:stretch>
+              <a:fillRect/>
+            </a:stretch>
+          </p:blipFill>
+          <p:spPr>
+            <a:xfrm>
+              <a:off x="6400158" y="6282540"/>
+              <a:ext cx="390533" cy="368154"/>
+            </a:xfrm>
+            <a:prstGeom prst="rect">
+              <a:avLst/>
+            </a:prstGeom>
+          </p:spPr>
+        </p:pic>
+        <p:pic>
+          <p:nvPicPr>
+            <p:cNvPr id="318" name="Grafik 317">
+              <a:extLst>
+                <a:ext uri="{FF2B5EF4-FFF2-40B4-BE49-F238E27FC236}">
+                  <a16:creationId xmlns:a16="http://schemas.microsoft.com/office/drawing/2014/main" id="{026069D3-2585-484E-9EAD-EDF697F899F9}"/>
+                </a:ext>
+              </a:extLst>
+            </p:cNvPr>
+            <p:cNvPicPr>
+              <a:picLocks noChangeAspect="1"/>
+            </p:cNvPicPr>
+            <p:nvPr>
+              <p:custDataLst>
+                <p:tags r:id="rId5"/>
+              </p:custDataLst>
+            </p:nvPr>
+          </p:nvPicPr>
+          <p:blipFill>
+            <a:blip r:embed="rId68">
+              <a:extLst>
+                <a:ext uri="{28A0092B-C50C-407E-A947-70E740481C1C}">
+                  <a14:useLocalDpi xmlns:a14="http://schemas.microsoft.com/office/drawing/2010/main" val="0"/>
+                </a:ext>
+              </a:extLst>
+            </a:blip>
+            <a:stretch>
+              <a:fillRect/>
+            </a:stretch>
+          </p:blipFill>
+          <p:spPr>
+            <a:xfrm>
+              <a:off x="6397639" y="4927747"/>
+              <a:ext cx="325501" cy="264572"/>
+            </a:xfrm>
+            <a:prstGeom prst="rect">
+              <a:avLst/>
+            </a:prstGeom>
+          </p:spPr>
+        </p:pic>
         <p:grpSp>
           <p:nvGrpSpPr>
-            <p:cNvPr id="37" name="Gruppieren 36">
+            <p:cNvPr id="319" name="Gruppieren 318">
               <a:extLst>
                 <a:ext uri="{FF2B5EF4-FFF2-40B4-BE49-F238E27FC236}">
-                  <a16:creationId xmlns:a16="http://schemas.microsoft.com/office/drawing/2014/main" id="{56C1ECA2-1470-4687-98F6-45CE39F847AA}"/>
+                  <a16:creationId xmlns:a16="http://schemas.microsoft.com/office/drawing/2014/main" id="{DC4C299F-0139-4F31-8067-C1B3D5D974C4}"/>
                 </a:ext>
               </a:extLst>
             </p:cNvPr>
@@ -14515,18 +15149,18 @@
           </p:nvGrpSpPr>
           <p:grpSpPr>
             <a:xfrm>
-              <a:off x="3255855" y="5173497"/>
-              <a:ext cx="252000" cy="252000"/>
-              <a:chOff x="2230288" y="4701980"/>
-              <a:chExt cx="252000" cy="252000"/>
+              <a:off x="3492638" y="4854871"/>
+              <a:ext cx="360000" cy="360000"/>
+              <a:chOff x="4698475" y="2103347"/>
+              <a:chExt cx="360000" cy="360000"/>
             </a:xfrm>
           </p:grpSpPr>
           <p:sp>
             <p:nvSpPr>
-              <p:cNvPr id="33" name="Ellipse 32">
+              <p:cNvPr id="344" name="Ellipse 343">
                 <a:extLst>
                   <a:ext uri="{FF2B5EF4-FFF2-40B4-BE49-F238E27FC236}">
-                    <a16:creationId xmlns:a16="http://schemas.microsoft.com/office/drawing/2014/main" id="{94D0CF1C-0012-4196-8987-1601A126E5D5}"/>
+                    <a16:creationId xmlns:a16="http://schemas.microsoft.com/office/drawing/2014/main" id="{86258F7A-0C9F-4B94-834D-813880FA93C9}"/>
                   </a:ext>
                 </a:extLst>
               </p:cNvPr>
@@ -14535,8 +15169,8 @@
             </p:nvSpPr>
             <p:spPr>
               <a:xfrm>
-                <a:off x="2230288" y="4701980"/>
-                <a:ext cx="252000" cy="252000"/>
+                <a:off x="4698475" y="2103347"/>
+                <a:ext cx="360000" cy="360000"/>
               </a:xfrm>
               <a:prstGeom prst="ellipse">
                 <a:avLst/>
@@ -14575,10 +15209,10 @@
           </p:sp>
           <p:pic>
             <p:nvPicPr>
-              <p:cNvPr id="143" name="Grafik 142">
+              <p:cNvPr id="345" name="Grafik 344">
                 <a:extLst>
                   <a:ext uri="{FF2B5EF4-FFF2-40B4-BE49-F238E27FC236}">
-                    <a16:creationId xmlns:a16="http://schemas.microsoft.com/office/drawing/2014/main" id="{2ED154D0-3496-4189-A654-DD42C3A8C299}"/>
+                    <a16:creationId xmlns:a16="http://schemas.microsoft.com/office/drawing/2014/main" id="{E8D2A833-1AEF-4B6C-95B6-561D89592DD9}"/>
                   </a:ext>
                 </a:extLst>
               </p:cNvPr>
@@ -14605,8 +15239,8 @@
             </p:blipFill>
             <p:spPr>
               <a:xfrm>
-                <a:off x="2294708" y="4765181"/>
-                <a:ext cx="128622" cy="127625"/>
+                <a:off x="4729099" y="2132211"/>
+                <a:ext cx="301302" cy="302272"/>
               </a:xfrm>
               <a:prstGeom prst="rect">
                 <a:avLst/>
@@ -14616,10 +15250,10 @@
         </p:grpSp>
         <p:grpSp>
           <p:nvGrpSpPr>
-            <p:cNvPr id="150" name="Gruppieren 149">
+            <p:cNvPr id="320" name="Gruppieren 319">
               <a:extLst>
                 <a:ext uri="{FF2B5EF4-FFF2-40B4-BE49-F238E27FC236}">
-                  <a16:creationId xmlns:a16="http://schemas.microsoft.com/office/drawing/2014/main" id="{1D9EE582-FA1A-40B1-B40D-3F9A648C9FB4}"/>
+                  <a16:creationId xmlns:a16="http://schemas.microsoft.com/office/drawing/2014/main" id="{A7309E4B-4331-42B6-B15E-6609EED412C3}"/>
                 </a:ext>
               </a:extLst>
             </p:cNvPr>
@@ -14628,18 +15262,18 @@
           </p:nvGrpSpPr>
           <p:grpSpPr>
             <a:xfrm>
-              <a:off x="4401332" y="5681137"/>
-              <a:ext cx="252000" cy="252000"/>
-              <a:chOff x="2230288" y="4701980"/>
-              <a:chExt cx="252000" cy="252000"/>
+              <a:off x="1933809" y="5947501"/>
+              <a:ext cx="504863" cy="360000"/>
+              <a:chOff x="7166208" y="483123"/>
+              <a:chExt cx="504863" cy="360000"/>
             </a:xfrm>
           </p:grpSpPr>
           <p:sp>
             <p:nvSpPr>
-              <p:cNvPr id="151" name="Ellipse 150">
+              <p:cNvPr id="342" name="Rechteck 341">
                 <a:extLst>
                   <a:ext uri="{FF2B5EF4-FFF2-40B4-BE49-F238E27FC236}">
-                    <a16:creationId xmlns:a16="http://schemas.microsoft.com/office/drawing/2014/main" id="{3F2B6371-5FAF-4C41-A676-8E7CC06A9D5A}"/>
+                    <a16:creationId xmlns:a16="http://schemas.microsoft.com/office/drawing/2014/main" id="{A0075B03-372E-4645-B92B-A35CE331C659}"/>
                   </a:ext>
                 </a:extLst>
               </p:cNvPr>
@@ -14648,8 +15282,347 @@
             </p:nvSpPr>
             <p:spPr>
               <a:xfrm>
-                <a:off x="2230288" y="4701980"/>
-                <a:ext cx="252000" cy="252000"/>
+                <a:off x="7166208" y="483123"/>
+                <a:ext cx="504863" cy="360000"/>
+              </a:xfrm>
+              <a:prstGeom prst="rect">
+                <a:avLst/>
+              </a:prstGeom>
+              <a:solidFill>
+                <a:srgbClr val="9FFD5F"/>
+              </a:solidFill>
+              <a:ln>
+                <a:noFill/>
+              </a:ln>
+            </p:spPr>
+            <p:style>
+              <a:lnRef idx="2">
+                <a:schemeClr val="accent1">
+                  <a:shade val="50000"/>
+                </a:schemeClr>
+              </a:lnRef>
+              <a:fillRef idx="1">
+                <a:schemeClr val="accent1"/>
+              </a:fillRef>
+              <a:effectRef idx="0">
+                <a:schemeClr val="accent1"/>
+              </a:effectRef>
+              <a:fontRef idx="minor">
+                <a:schemeClr val="lt1"/>
+              </a:fontRef>
+            </p:style>
+            <p:txBody>
+              <a:bodyPr rtlCol="0" anchor="ctr"/>
+              <a:lstStyle/>
+              <a:p>
+                <a:pPr algn="ctr"/>
+                <a:endParaRPr lang="en-GB"/>
+              </a:p>
+            </p:txBody>
+          </p:sp>
+          <p:pic>
+            <p:nvPicPr>
+              <p:cNvPr id="343" name="Grafik 342">
+                <a:extLst>
+                  <a:ext uri="{FF2B5EF4-FFF2-40B4-BE49-F238E27FC236}">
+                    <a16:creationId xmlns:a16="http://schemas.microsoft.com/office/drawing/2014/main" id="{40BD7D23-2613-470C-8962-99890A94F089}"/>
+                  </a:ext>
+                </a:extLst>
+              </p:cNvPr>
+              <p:cNvPicPr>
+                <a:picLocks noChangeAspect="1"/>
+              </p:cNvPicPr>
+              <p:nvPr>
+                <p:custDataLst>
+                  <p:tags r:id="rId13"/>
+                </p:custDataLst>
+              </p:nvPr>
+            </p:nvPicPr>
+            <p:blipFill>
+              <a:blip r:embed="rId70">
+                <a:extLst>
+                  <a:ext uri="{28A0092B-C50C-407E-A947-70E740481C1C}">
+                    <a14:useLocalDpi xmlns:a14="http://schemas.microsoft.com/office/drawing/2010/main" val="0"/>
+                  </a:ext>
+                </a:extLst>
+              </a:blip>
+              <a:stretch>
+                <a:fillRect/>
+              </a:stretch>
+            </p:blipFill>
+            <p:spPr>
+              <a:xfrm>
+                <a:off x="7300876" y="567511"/>
+                <a:ext cx="235526" cy="191224"/>
+              </a:xfrm>
+              <a:prstGeom prst="rect">
+                <a:avLst/>
+              </a:prstGeom>
+            </p:spPr>
+          </p:pic>
+        </p:grpSp>
+        <p:grpSp>
+          <p:nvGrpSpPr>
+            <p:cNvPr id="321" name="Gruppieren 320">
+              <a:extLst>
+                <a:ext uri="{FF2B5EF4-FFF2-40B4-BE49-F238E27FC236}">
+                  <a16:creationId xmlns:a16="http://schemas.microsoft.com/office/drawing/2014/main" id="{BFF30775-D772-4061-9AC7-6BB2CF18F05F}"/>
+                </a:ext>
+              </a:extLst>
+            </p:cNvPr>
+            <p:cNvGrpSpPr/>
+            <p:nvPr/>
+          </p:nvGrpSpPr>
+          <p:grpSpPr>
+            <a:xfrm>
+              <a:off x="3138129" y="5947501"/>
+              <a:ext cx="1069021" cy="360000"/>
+              <a:chOff x="7805739" y="483123"/>
+              <a:chExt cx="1069021" cy="360000"/>
+            </a:xfrm>
+          </p:grpSpPr>
+          <p:sp>
+            <p:nvSpPr>
+              <p:cNvPr id="340" name="Rechteck 339">
+                <a:extLst>
+                  <a:ext uri="{FF2B5EF4-FFF2-40B4-BE49-F238E27FC236}">
+                    <a16:creationId xmlns:a16="http://schemas.microsoft.com/office/drawing/2014/main" id="{D85E4A59-C426-4259-95F3-57B774CE54D5}"/>
+                  </a:ext>
+                </a:extLst>
+              </p:cNvPr>
+              <p:cNvSpPr/>
+              <p:nvPr/>
+            </p:nvSpPr>
+            <p:spPr>
+              <a:xfrm>
+                <a:off x="7805739" y="483123"/>
+                <a:ext cx="1069021" cy="360000"/>
+              </a:xfrm>
+              <a:prstGeom prst="rect">
+                <a:avLst/>
+              </a:prstGeom>
+              <a:solidFill>
+                <a:srgbClr val="9FFD5F"/>
+              </a:solidFill>
+              <a:ln>
+                <a:noFill/>
+              </a:ln>
+            </p:spPr>
+            <p:style>
+              <a:lnRef idx="2">
+                <a:schemeClr val="accent1">
+                  <a:shade val="50000"/>
+                </a:schemeClr>
+              </a:lnRef>
+              <a:fillRef idx="1">
+                <a:schemeClr val="accent1"/>
+              </a:fillRef>
+              <a:effectRef idx="0">
+                <a:schemeClr val="accent1"/>
+              </a:effectRef>
+              <a:fontRef idx="minor">
+                <a:schemeClr val="lt1"/>
+              </a:fontRef>
+            </p:style>
+            <p:txBody>
+              <a:bodyPr rtlCol="0" anchor="ctr"/>
+              <a:lstStyle/>
+              <a:p>
+                <a:pPr algn="ctr"/>
+                <a:endParaRPr lang="en-GB"/>
+              </a:p>
+            </p:txBody>
+          </p:sp>
+          <p:pic>
+            <p:nvPicPr>
+              <p:cNvPr id="341" name="Grafik 340">
+                <a:extLst>
+                  <a:ext uri="{FF2B5EF4-FFF2-40B4-BE49-F238E27FC236}">
+                    <a16:creationId xmlns:a16="http://schemas.microsoft.com/office/drawing/2014/main" id="{49166151-45D2-435A-9368-0FA0F28B0CFD}"/>
+                  </a:ext>
+                </a:extLst>
+              </p:cNvPr>
+              <p:cNvPicPr>
+                <a:picLocks noChangeAspect="1"/>
+              </p:cNvPicPr>
+              <p:nvPr>
+                <p:custDataLst>
+                  <p:tags r:id="rId12"/>
+                </p:custDataLst>
+              </p:nvPr>
+            </p:nvPicPr>
+            <p:blipFill>
+              <a:blip r:embed="rId71">
+                <a:extLst>
+                  <a:ext uri="{28A0092B-C50C-407E-A947-70E740481C1C}">
+                    <a14:useLocalDpi xmlns:a14="http://schemas.microsoft.com/office/drawing/2010/main" val="0"/>
+                  </a:ext>
+                </a:extLst>
+              </a:blip>
+              <a:stretch>
+                <a:fillRect/>
+              </a:stretch>
+            </p:blipFill>
+            <p:spPr>
+              <a:xfrm>
+                <a:off x="7904046" y="507773"/>
+                <a:ext cx="872405" cy="310699"/>
+              </a:xfrm>
+              <a:prstGeom prst="rect">
+                <a:avLst/>
+              </a:prstGeom>
+            </p:spPr>
+          </p:pic>
+        </p:grpSp>
+        <p:grpSp>
+          <p:nvGrpSpPr>
+            <p:cNvPr id="322" name="Gruppieren 321">
+              <a:extLst>
+                <a:ext uri="{FF2B5EF4-FFF2-40B4-BE49-F238E27FC236}">
+                  <a16:creationId xmlns:a16="http://schemas.microsoft.com/office/drawing/2014/main" id="{136A5E5C-146B-469C-913A-A118D9219DED}"/>
+                </a:ext>
+              </a:extLst>
+            </p:cNvPr>
+            <p:cNvGrpSpPr/>
+            <p:nvPr/>
+          </p:nvGrpSpPr>
+          <p:grpSpPr>
+            <a:xfrm>
+              <a:off x="4838466" y="5407502"/>
+              <a:ext cx="1069021" cy="360000"/>
+              <a:chOff x="7805739" y="1364277"/>
+              <a:chExt cx="1069021" cy="360000"/>
+            </a:xfrm>
+          </p:grpSpPr>
+          <p:sp>
+            <p:nvSpPr>
+              <p:cNvPr id="338" name="Rechteck: abgerundete Ecken 337">
+                <a:extLst>
+                  <a:ext uri="{FF2B5EF4-FFF2-40B4-BE49-F238E27FC236}">
+                    <a16:creationId xmlns:a16="http://schemas.microsoft.com/office/drawing/2014/main" id="{49625C1C-225E-477B-AA78-F71F4A62A82E}"/>
+                  </a:ext>
+                </a:extLst>
+              </p:cNvPr>
+              <p:cNvSpPr/>
+              <p:nvPr/>
+            </p:nvSpPr>
+            <p:spPr>
+              <a:xfrm>
+                <a:off x="7805739" y="1364277"/>
+                <a:ext cx="1069021" cy="360000"/>
+              </a:xfrm>
+              <a:prstGeom prst="roundRect">
+                <a:avLst/>
+              </a:prstGeom>
+              <a:solidFill>
+                <a:srgbClr val="25BCFF"/>
+              </a:solidFill>
+              <a:ln>
+                <a:noFill/>
+              </a:ln>
+            </p:spPr>
+            <p:style>
+              <a:lnRef idx="2">
+                <a:schemeClr val="accent1">
+                  <a:shade val="50000"/>
+                </a:schemeClr>
+              </a:lnRef>
+              <a:fillRef idx="1">
+                <a:schemeClr val="accent1"/>
+              </a:fillRef>
+              <a:effectRef idx="0">
+                <a:schemeClr val="accent1"/>
+              </a:effectRef>
+              <a:fontRef idx="minor">
+                <a:schemeClr val="lt1"/>
+              </a:fontRef>
+            </p:style>
+            <p:txBody>
+              <a:bodyPr rtlCol="0" anchor="ctr"/>
+              <a:lstStyle/>
+              <a:p>
+                <a:pPr algn="ctr"/>
+                <a:endParaRPr lang="en-GB"/>
+              </a:p>
+            </p:txBody>
+          </p:sp>
+          <p:pic>
+            <p:nvPicPr>
+              <p:cNvPr id="339" name="Grafik 338">
+                <a:extLst>
+                  <a:ext uri="{FF2B5EF4-FFF2-40B4-BE49-F238E27FC236}">
+                    <a16:creationId xmlns:a16="http://schemas.microsoft.com/office/drawing/2014/main" id="{2BA488D8-A139-4F20-840C-20209DFD8680}"/>
+                  </a:ext>
+                </a:extLst>
+              </p:cNvPr>
+              <p:cNvPicPr>
+                <a:picLocks noChangeAspect="1"/>
+              </p:cNvPicPr>
+              <p:nvPr>
+                <p:custDataLst>
+                  <p:tags r:id="rId11"/>
+                </p:custDataLst>
+              </p:nvPr>
+            </p:nvPicPr>
+            <p:blipFill>
+              <a:blip r:embed="rId71">
+                <a:extLst>
+                  <a:ext uri="{28A0092B-C50C-407E-A947-70E740481C1C}">
+                    <a14:useLocalDpi xmlns:a14="http://schemas.microsoft.com/office/drawing/2010/main" val="0"/>
+                  </a:ext>
+                </a:extLst>
+              </a:blip>
+              <a:stretch>
+                <a:fillRect/>
+              </a:stretch>
+            </p:blipFill>
+            <p:spPr>
+              <a:xfrm>
+                <a:off x="7904046" y="1388927"/>
+                <a:ext cx="872405" cy="310699"/>
+              </a:xfrm>
+              <a:prstGeom prst="rect">
+                <a:avLst/>
+              </a:prstGeom>
+            </p:spPr>
+          </p:pic>
+        </p:grpSp>
+        <p:grpSp>
+          <p:nvGrpSpPr>
+            <p:cNvPr id="323" name="Gruppieren 322">
+              <a:extLst>
+                <a:ext uri="{FF2B5EF4-FFF2-40B4-BE49-F238E27FC236}">
+                  <a16:creationId xmlns:a16="http://schemas.microsoft.com/office/drawing/2014/main" id="{49051560-E5B4-4EC5-AA64-3306605A787A}"/>
+                </a:ext>
+              </a:extLst>
+            </p:cNvPr>
+            <p:cNvGrpSpPr/>
+            <p:nvPr/>
+          </p:nvGrpSpPr>
+          <p:grpSpPr>
+            <a:xfrm>
+              <a:off x="2005360" y="4854871"/>
+              <a:ext cx="360000" cy="360000"/>
+              <a:chOff x="2432118" y="2380399"/>
+              <a:chExt cx="360000" cy="360000"/>
+            </a:xfrm>
+          </p:grpSpPr>
+          <p:sp>
+            <p:nvSpPr>
+              <p:cNvPr id="336" name="Ellipse 335">
+                <a:extLst>
+                  <a:ext uri="{FF2B5EF4-FFF2-40B4-BE49-F238E27FC236}">
+                    <a16:creationId xmlns:a16="http://schemas.microsoft.com/office/drawing/2014/main" id="{05F0E0ED-BB81-490F-A7DB-2A68A2DA6B47}"/>
+                  </a:ext>
+                </a:extLst>
+              </p:cNvPr>
+              <p:cNvSpPr/>
+              <p:nvPr/>
+            </p:nvSpPr>
+            <p:spPr>
+              <a:xfrm>
+                <a:off x="2432118" y="2380399"/>
+                <a:ext cx="360000" cy="360000"/>
               </a:xfrm>
               <a:prstGeom prst="ellipse">
                 <a:avLst/>
@@ -14688,10 +15661,10 @@
           </p:sp>
           <p:pic>
             <p:nvPicPr>
-              <p:cNvPr id="152" name="Grafik 151">
+              <p:cNvPr id="337" name="Grafik 336">
                 <a:extLst>
                   <a:ext uri="{FF2B5EF4-FFF2-40B4-BE49-F238E27FC236}">
-                    <a16:creationId xmlns:a16="http://schemas.microsoft.com/office/drawing/2014/main" id="{AFDD4B7E-2196-4AD6-A7E7-B0973417C1F6}"/>
+                    <a16:creationId xmlns:a16="http://schemas.microsoft.com/office/drawing/2014/main" id="{2B3D017E-466D-4215-831F-05394CBEC38F}"/>
                   </a:ext>
                 </a:extLst>
               </p:cNvPr>
@@ -14700,12 +15673,12 @@
               </p:cNvPicPr>
               <p:nvPr>
                 <p:custDataLst>
-                  <p:tags r:id="rId13"/>
+                  <p:tags r:id="rId10"/>
                 </p:custDataLst>
               </p:nvPr>
             </p:nvPicPr>
             <p:blipFill>
-              <a:blip r:embed="rId69">
+              <a:blip r:embed="rId72">
                 <a:extLst>
                   <a:ext uri="{28A0092B-C50C-407E-A947-70E740481C1C}">
                     <a14:useLocalDpi xmlns:a14="http://schemas.microsoft.com/office/drawing/2010/main" val="0"/>
@@ -14718,8 +15691,8 @@
             </p:blipFill>
             <p:spPr>
               <a:xfrm>
-                <a:off x="2294708" y="4765181"/>
-                <a:ext cx="128622" cy="127625"/>
+                <a:off x="2503528" y="2453275"/>
+                <a:ext cx="217180" cy="214248"/>
               </a:xfrm>
               <a:prstGeom prst="rect">
                 <a:avLst/>
@@ -14729,10 +15702,10 @@
         </p:grpSp>
         <p:grpSp>
           <p:nvGrpSpPr>
-            <p:cNvPr id="38" name="Gruppieren 37">
+            <p:cNvPr id="324" name="Gruppieren 323">
               <a:extLst>
                 <a:ext uri="{FF2B5EF4-FFF2-40B4-BE49-F238E27FC236}">
-                  <a16:creationId xmlns:a16="http://schemas.microsoft.com/office/drawing/2014/main" id="{02FA5540-E2D3-484D-985B-6F93A22D49F7}"/>
+                  <a16:creationId xmlns:a16="http://schemas.microsoft.com/office/drawing/2014/main" id="{19306A8C-C6F2-46D1-A550-EA825BCB7E40}"/>
                 </a:ext>
               </a:extLst>
             </p:cNvPr>
@@ -14741,18 +15714,18 @@
           </p:nvGrpSpPr>
           <p:grpSpPr>
             <a:xfrm>
-              <a:off x="4401332" y="5173497"/>
-              <a:ext cx="252000" cy="252000"/>
-              <a:chOff x="2953616" y="4648323"/>
-              <a:chExt cx="252000" cy="252000"/>
+              <a:off x="3492638" y="5407502"/>
+              <a:ext cx="360000" cy="360000"/>
+              <a:chOff x="2432118" y="2380399"/>
+              <a:chExt cx="360000" cy="360000"/>
             </a:xfrm>
           </p:grpSpPr>
           <p:sp>
             <p:nvSpPr>
-              <p:cNvPr id="153" name="Ellipse 152">
+              <p:cNvPr id="334" name="Ellipse 333">
                 <a:extLst>
                   <a:ext uri="{FF2B5EF4-FFF2-40B4-BE49-F238E27FC236}">
-                    <a16:creationId xmlns:a16="http://schemas.microsoft.com/office/drawing/2014/main" id="{64076151-E8A5-4DA1-8449-F095A0A834DF}"/>
+                    <a16:creationId xmlns:a16="http://schemas.microsoft.com/office/drawing/2014/main" id="{907F906A-6B0D-4FA4-832C-6A614525900D}"/>
                   </a:ext>
                 </a:extLst>
               </p:cNvPr>
@@ -14761,8 +15734,8 @@
             </p:nvSpPr>
             <p:spPr>
               <a:xfrm>
-                <a:off x="2953616" y="4648323"/>
-                <a:ext cx="252000" cy="252000"/>
+                <a:off x="2432118" y="2380399"/>
+                <a:ext cx="360000" cy="360000"/>
               </a:xfrm>
               <a:prstGeom prst="ellipse">
                 <a:avLst/>
@@ -14801,10 +15774,10 @@
           </p:sp>
           <p:pic>
             <p:nvPicPr>
-              <p:cNvPr id="32" name="Grafik 31">
+              <p:cNvPr id="335" name="Grafik 334">
                 <a:extLst>
                   <a:ext uri="{FF2B5EF4-FFF2-40B4-BE49-F238E27FC236}">
-                    <a16:creationId xmlns:a16="http://schemas.microsoft.com/office/drawing/2014/main" id="{FA2151CB-A105-4319-9B92-D3EF836EE3FD}"/>
+                    <a16:creationId xmlns:a16="http://schemas.microsoft.com/office/drawing/2014/main" id="{751518E8-FAB2-4C49-8D71-1D1C9FBC79EF}"/>
                   </a:ext>
                 </a:extLst>
               </p:cNvPr>
@@ -14813,12 +15786,12 @@
               </p:cNvPicPr>
               <p:nvPr>
                 <p:custDataLst>
-                  <p:tags r:id="rId12"/>
+                  <p:tags r:id="rId9"/>
                 </p:custDataLst>
               </p:nvPr>
             </p:nvPicPr>
             <p:blipFill>
-              <a:blip r:embed="rId70">
+              <a:blip r:embed="rId72">
                 <a:extLst>
                   <a:ext uri="{28A0092B-C50C-407E-A947-70E740481C1C}">
                     <a14:useLocalDpi xmlns:a14="http://schemas.microsoft.com/office/drawing/2010/main" val="0"/>
@@ -14831,8 +15804,8 @@
             </p:blipFill>
             <p:spPr>
               <a:xfrm>
-                <a:off x="2990395" y="4684293"/>
-                <a:ext cx="178441" cy="180059"/>
+                <a:off x="2503528" y="2453275"/>
+                <a:ext cx="217180" cy="214248"/>
               </a:xfrm>
               <a:prstGeom prst="rect">
                 <a:avLst/>
@@ -14842,10 +15815,10 @@
         </p:grpSp>
         <p:grpSp>
           <p:nvGrpSpPr>
-            <p:cNvPr id="154" name="Gruppieren 153">
+            <p:cNvPr id="325" name="Gruppieren 324">
               <a:extLst>
                 <a:ext uri="{FF2B5EF4-FFF2-40B4-BE49-F238E27FC236}">
-                  <a16:creationId xmlns:a16="http://schemas.microsoft.com/office/drawing/2014/main" id="{35888DD2-8121-47A5-849A-571DCAED99B0}"/>
+                  <a16:creationId xmlns:a16="http://schemas.microsoft.com/office/drawing/2014/main" id="{96C4E1F9-606F-45A9-9ABA-2A56F298B687}"/>
                 </a:ext>
               </a:extLst>
             </p:cNvPr>
@@ -14854,18 +15827,18 @@
           </p:nvGrpSpPr>
           <p:grpSpPr>
             <a:xfrm>
-              <a:off x="5701836" y="6450421"/>
-              <a:ext cx="252000" cy="252000"/>
-              <a:chOff x="2230288" y="4701980"/>
-              <a:chExt cx="252000" cy="252000"/>
+              <a:off x="5192977" y="6282540"/>
+              <a:ext cx="360000" cy="360000"/>
+              <a:chOff x="2432118" y="2380399"/>
+              <a:chExt cx="360000" cy="360000"/>
             </a:xfrm>
           </p:grpSpPr>
           <p:sp>
             <p:nvSpPr>
-              <p:cNvPr id="155" name="Ellipse 154">
+              <p:cNvPr id="332" name="Ellipse 331">
                 <a:extLst>
                   <a:ext uri="{FF2B5EF4-FFF2-40B4-BE49-F238E27FC236}">
-                    <a16:creationId xmlns:a16="http://schemas.microsoft.com/office/drawing/2014/main" id="{2C7DBA54-515A-47B6-97F8-6C77AE920E8F}"/>
+                    <a16:creationId xmlns:a16="http://schemas.microsoft.com/office/drawing/2014/main" id="{F61FCFF2-D0F9-430A-A485-8D55D163502D}"/>
                   </a:ext>
                 </a:extLst>
               </p:cNvPr>
@@ -14874,8 +15847,8 @@
             </p:nvSpPr>
             <p:spPr>
               <a:xfrm>
-                <a:off x="2230288" y="4701980"/>
-                <a:ext cx="252000" cy="252000"/>
+                <a:off x="2432118" y="2380399"/>
+                <a:ext cx="360000" cy="360000"/>
               </a:xfrm>
               <a:prstGeom prst="ellipse">
                 <a:avLst/>
@@ -14914,10 +15887,10 @@
           </p:sp>
           <p:pic>
             <p:nvPicPr>
-              <p:cNvPr id="159" name="Grafik 158">
+              <p:cNvPr id="333" name="Grafik 332">
                 <a:extLst>
                   <a:ext uri="{FF2B5EF4-FFF2-40B4-BE49-F238E27FC236}">
-                    <a16:creationId xmlns:a16="http://schemas.microsoft.com/office/drawing/2014/main" id="{64E897E2-A89B-4850-AF7D-7828B82C68E1}"/>
+                    <a16:creationId xmlns:a16="http://schemas.microsoft.com/office/drawing/2014/main" id="{403442BF-0F70-4759-B134-49F62AB4BCD5}"/>
                   </a:ext>
                 </a:extLst>
               </p:cNvPr>
@@ -14926,12 +15899,12 @@
               </p:cNvPicPr>
               <p:nvPr>
                 <p:custDataLst>
-                  <p:tags r:id="rId11"/>
+                  <p:tags r:id="rId8"/>
                 </p:custDataLst>
               </p:nvPr>
             </p:nvPicPr>
             <p:blipFill>
-              <a:blip r:embed="rId69">
+              <a:blip r:embed="rId72">
                 <a:extLst>
                   <a:ext uri="{28A0092B-C50C-407E-A947-70E740481C1C}">
                     <a14:useLocalDpi xmlns:a14="http://schemas.microsoft.com/office/drawing/2010/main" val="0"/>
@@ -14944,8 +15917,8 @@
             </p:blipFill>
             <p:spPr>
               <a:xfrm>
-                <a:off x="2294708" y="4765181"/>
-                <a:ext cx="128622" cy="127625"/>
+                <a:off x="2503528" y="2453275"/>
+                <a:ext cx="217180" cy="214248"/>
               </a:xfrm>
               <a:prstGeom prst="rect">
                 <a:avLst/>
@@ -14955,10 +15928,10 @@
         </p:grpSp>
         <p:grpSp>
           <p:nvGrpSpPr>
-            <p:cNvPr id="39" name="Gruppieren 38">
+            <p:cNvPr id="326" name="Gruppieren 325">
               <a:extLst>
                 <a:ext uri="{FF2B5EF4-FFF2-40B4-BE49-F238E27FC236}">
-                  <a16:creationId xmlns:a16="http://schemas.microsoft.com/office/drawing/2014/main" id="{9D4153C9-74FD-4AEE-BA8D-04BDA8BFB495}"/>
+                  <a16:creationId xmlns:a16="http://schemas.microsoft.com/office/drawing/2014/main" id="{06A6772B-9679-4EDB-BF97-4FD62B67865A}"/>
                 </a:ext>
               </a:extLst>
             </p:cNvPr>
@@ -14967,18 +15940,18 @@
           </p:nvGrpSpPr>
           <p:grpSpPr>
             <a:xfrm>
-              <a:off x="3214044" y="6174549"/>
-              <a:ext cx="325944" cy="252000"/>
-              <a:chOff x="2224106" y="5457146"/>
-              <a:chExt cx="325944" cy="252000"/>
+              <a:off x="2534310" y="5947501"/>
+              <a:ext cx="504863" cy="360000"/>
+              <a:chOff x="7166208" y="483123"/>
+              <a:chExt cx="504863" cy="360000"/>
             </a:xfrm>
           </p:grpSpPr>
           <p:sp>
             <p:nvSpPr>
-              <p:cNvPr id="34" name="Rechteck 33">
+              <p:cNvPr id="330" name="Rechteck 329">
                 <a:extLst>
                   <a:ext uri="{FF2B5EF4-FFF2-40B4-BE49-F238E27FC236}">
-                    <a16:creationId xmlns:a16="http://schemas.microsoft.com/office/drawing/2014/main" id="{B00E1783-0CC0-447C-893A-2B5A1C9A6AEF}"/>
+                    <a16:creationId xmlns:a16="http://schemas.microsoft.com/office/drawing/2014/main" id="{D81B89C4-AAAD-4E45-9294-D9DC268B0CE1}"/>
                   </a:ext>
                 </a:extLst>
               </p:cNvPr>
@@ -14987,8 +15960,8 @@
             </p:nvSpPr>
             <p:spPr>
               <a:xfrm>
-                <a:off x="2224106" y="5457146"/>
-                <a:ext cx="325944" cy="252000"/>
+                <a:off x="7166208" y="483123"/>
+                <a:ext cx="504863" cy="360000"/>
               </a:xfrm>
               <a:prstGeom prst="rect">
                 <a:avLst/>
@@ -15027,10 +16000,10 @@
           </p:sp>
           <p:pic>
             <p:nvPicPr>
-              <p:cNvPr id="25" name="Grafik 24">
+              <p:cNvPr id="331" name="Grafik 330">
                 <a:extLst>
                   <a:ext uri="{FF2B5EF4-FFF2-40B4-BE49-F238E27FC236}">
-                    <a16:creationId xmlns:a16="http://schemas.microsoft.com/office/drawing/2014/main" id="{2AC307A8-A54B-4A65-8833-EAAEF59C164F}"/>
+                    <a16:creationId xmlns:a16="http://schemas.microsoft.com/office/drawing/2014/main" id="{74B47CEC-CD4F-4C0B-A6B8-D2E70322076A}"/>
                   </a:ext>
                 </a:extLst>
               </p:cNvPr>
@@ -15039,12 +16012,12 @@
               </p:cNvPicPr>
               <p:nvPr>
                 <p:custDataLst>
-                  <p:tags r:id="rId10"/>
+                  <p:tags r:id="rId7"/>
                 </p:custDataLst>
               </p:nvPr>
             </p:nvPicPr>
             <p:blipFill>
-              <a:blip r:embed="rId71">
+              <a:blip r:embed="rId70">
                 <a:extLst>
                   <a:ext uri="{28A0092B-C50C-407E-A947-70E740481C1C}">
                     <a14:useLocalDpi xmlns:a14="http://schemas.microsoft.com/office/drawing/2010/main" val="0"/>
@@ -15057,8 +16030,8 @@
             </p:blipFill>
             <p:spPr>
               <a:xfrm>
-                <a:off x="2317335" y="5526191"/>
-                <a:ext cx="139486" cy="113909"/>
+                <a:off x="7300876" y="567511"/>
+                <a:ext cx="235526" cy="191224"/>
               </a:xfrm>
               <a:prstGeom prst="rect">
                 <a:avLst/>
@@ -15068,10 +16041,10 @@
         </p:grpSp>
         <p:grpSp>
           <p:nvGrpSpPr>
-            <p:cNvPr id="160" name="Gruppieren 159">
+            <p:cNvPr id="327" name="Gruppieren 326">
               <a:extLst>
                 <a:ext uri="{FF2B5EF4-FFF2-40B4-BE49-F238E27FC236}">
-                  <a16:creationId xmlns:a16="http://schemas.microsoft.com/office/drawing/2014/main" id="{FFB7DC8D-0C33-49C7-B2BD-0DF8BC6652BE}"/>
+                  <a16:creationId xmlns:a16="http://schemas.microsoft.com/office/drawing/2014/main" id="{76A0B302-5875-4E83-B58F-7D1A2ED46E1F}"/>
                 </a:ext>
               </a:extLst>
             </p:cNvPr>
@@ -15080,18 +16053,18 @@
           </p:nvGrpSpPr>
           <p:grpSpPr>
             <a:xfrm>
-              <a:off x="3719866" y="6176876"/>
-              <a:ext cx="325944" cy="252000"/>
-              <a:chOff x="2224106" y="5457146"/>
-              <a:chExt cx="325944" cy="252000"/>
+              <a:off x="4406035" y="6282540"/>
+              <a:ext cx="504863" cy="360000"/>
+              <a:chOff x="7166208" y="483123"/>
+              <a:chExt cx="504863" cy="360000"/>
             </a:xfrm>
           </p:grpSpPr>
           <p:sp>
             <p:nvSpPr>
-              <p:cNvPr id="161" name="Rechteck 160">
+              <p:cNvPr id="328" name="Rechteck 327">
                 <a:extLst>
                   <a:ext uri="{FF2B5EF4-FFF2-40B4-BE49-F238E27FC236}">
-                    <a16:creationId xmlns:a16="http://schemas.microsoft.com/office/drawing/2014/main" id="{C421394D-0F2D-4589-AC17-DA141B3D27D1}"/>
+                    <a16:creationId xmlns:a16="http://schemas.microsoft.com/office/drawing/2014/main" id="{F1618FFF-0B43-4E0B-8FAC-B0A0E36BEA2E}"/>
                   </a:ext>
                 </a:extLst>
               </p:cNvPr>
@@ -15100,8 +16073,8 @@
             </p:nvSpPr>
             <p:spPr>
               <a:xfrm>
-                <a:off x="2224106" y="5457146"/>
-                <a:ext cx="325944" cy="252000"/>
+                <a:off x="7166208" y="483123"/>
+                <a:ext cx="504863" cy="360000"/>
               </a:xfrm>
               <a:prstGeom prst="rect">
                 <a:avLst/>
@@ -15140,349 +16113,10 @@
           </p:sp>
           <p:pic>
             <p:nvPicPr>
-              <p:cNvPr id="162" name="Grafik 161">
+              <p:cNvPr id="329" name="Grafik 328">
                 <a:extLst>
                   <a:ext uri="{FF2B5EF4-FFF2-40B4-BE49-F238E27FC236}">
-                    <a16:creationId xmlns:a16="http://schemas.microsoft.com/office/drawing/2014/main" id="{A82480C7-2730-492B-AD38-03983A07ABDD}"/>
-                  </a:ext>
-                </a:extLst>
-              </p:cNvPr>
-              <p:cNvPicPr>
-                <a:picLocks noChangeAspect="1"/>
-              </p:cNvPicPr>
-              <p:nvPr>
-                <p:custDataLst>
-                  <p:tags r:id="rId9"/>
-                </p:custDataLst>
-              </p:nvPr>
-            </p:nvPicPr>
-            <p:blipFill>
-              <a:blip r:embed="rId71">
-                <a:extLst>
-                  <a:ext uri="{28A0092B-C50C-407E-A947-70E740481C1C}">
-                    <a14:useLocalDpi xmlns:a14="http://schemas.microsoft.com/office/drawing/2010/main" val="0"/>
-                  </a:ext>
-                </a:extLst>
-              </a:blip>
-              <a:stretch>
-                <a:fillRect/>
-              </a:stretch>
-            </p:blipFill>
-            <p:spPr>
-              <a:xfrm>
-                <a:off x="2317335" y="5526191"/>
-                <a:ext cx="139486" cy="113909"/>
-              </a:xfrm>
-              <a:prstGeom prst="rect">
-                <a:avLst/>
-              </a:prstGeom>
-            </p:spPr>
-          </p:pic>
-        </p:grpSp>
-        <p:grpSp>
-          <p:nvGrpSpPr>
-            <p:cNvPr id="163" name="Gruppieren 162">
-              <a:extLst>
-                <a:ext uri="{FF2B5EF4-FFF2-40B4-BE49-F238E27FC236}">
-                  <a16:creationId xmlns:a16="http://schemas.microsoft.com/office/drawing/2014/main" id="{7012DF35-AA9B-45E5-956D-1DC24E515E57}"/>
-                </a:ext>
-              </a:extLst>
-            </p:cNvPr>
-            <p:cNvGrpSpPr/>
-            <p:nvPr/>
-          </p:nvGrpSpPr>
-          <p:grpSpPr>
-            <a:xfrm>
-              <a:off x="4988965" y="6448690"/>
-              <a:ext cx="325944" cy="252000"/>
-              <a:chOff x="2224106" y="5457146"/>
-              <a:chExt cx="325944" cy="252000"/>
-            </a:xfrm>
-          </p:grpSpPr>
-          <p:sp>
-            <p:nvSpPr>
-              <p:cNvPr id="165" name="Rechteck 164">
-                <a:extLst>
-                  <a:ext uri="{FF2B5EF4-FFF2-40B4-BE49-F238E27FC236}">
-                    <a16:creationId xmlns:a16="http://schemas.microsoft.com/office/drawing/2014/main" id="{005AE668-7A52-4850-A799-5B47DA1C0E0B}"/>
-                  </a:ext>
-                </a:extLst>
-              </p:cNvPr>
-              <p:cNvSpPr/>
-              <p:nvPr/>
-            </p:nvSpPr>
-            <p:spPr>
-              <a:xfrm>
-                <a:off x="2224106" y="5457146"/>
-                <a:ext cx="325944" cy="252000"/>
-              </a:xfrm>
-              <a:prstGeom prst="rect">
-                <a:avLst/>
-              </a:prstGeom>
-              <a:solidFill>
-                <a:srgbClr val="9FFD5F"/>
-              </a:solidFill>
-              <a:ln>
-                <a:noFill/>
-              </a:ln>
-            </p:spPr>
-            <p:style>
-              <a:lnRef idx="2">
-                <a:schemeClr val="accent1">
-                  <a:shade val="50000"/>
-                </a:schemeClr>
-              </a:lnRef>
-              <a:fillRef idx="1">
-                <a:schemeClr val="accent1"/>
-              </a:fillRef>
-              <a:effectRef idx="0">
-                <a:schemeClr val="accent1"/>
-              </a:effectRef>
-              <a:fontRef idx="minor">
-                <a:schemeClr val="lt1"/>
-              </a:fontRef>
-            </p:style>
-            <p:txBody>
-              <a:bodyPr rtlCol="0" anchor="ctr"/>
-              <a:lstStyle/>
-              <a:p>
-                <a:pPr algn="ctr"/>
-                <a:endParaRPr lang="en-GB"/>
-              </a:p>
-            </p:txBody>
-          </p:sp>
-          <p:pic>
-            <p:nvPicPr>
-              <p:cNvPr id="167" name="Grafik 166">
-                <a:extLst>
-                  <a:ext uri="{FF2B5EF4-FFF2-40B4-BE49-F238E27FC236}">
-                    <a16:creationId xmlns:a16="http://schemas.microsoft.com/office/drawing/2014/main" id="{A3CD0DF5-D602-4DFA-A884-68C41DEB6152}"/>
-                  </a:ext>
-                </a:extLst>
-              </p:cNvPr>
-              <p:cNvPicPr>
-                <a:picLocks noChangeAspect="1"/>
-              </p:cNvPicPr>
-              <p:nvPr>
-                <p:custDataLst>
-                  <p:tags r:id="rId8"/>
-                </p:custDataLst>
-              </p:nvPr>
-            </p:nvPicPr>
-            <p:blipFill>
-              <a:blip r:embed="rId71">
-                <a:extLst>
-                  <a:ext uri="{28A0092B-C50C-407E-A947-70E740481C1C}">
-                    <a14:useLocalDpi xmlns:a14="http://schemas.microsoft.com/office/drawing/2010/main" val="0"/>
-                  </a:ext>
-                </a:extLst>
-              </a:blip>
-              <a:stretch>
-                <a:fillRect/>
-              </a:stretch>
-            </p:blipFill>
-            <p:spPr>
-              <a:xfrm>
-                <a:off x="2317335" y="5526191"/>
-                <a:ext cx="139486" cy="113909"/>
-              </a:xfrm>
-              <a:prstGeom prst="rect">
-                <a:avLst/>
-              </a:prstGeom>
-            </p:spPr>
-          </p:pic>
-        </p:grpSp>
-        <p:grpSp>
-          <p:nvGrpSpPr>
-            <p:cNvPr id="40" name="Gruppieren 39">
-              <a:extLst>
-                <a:ext uri="{FF2B5EF4-FFF2-40B4-BE49-F238E27FC236}">
-                  <a16:creationId xmlns:a16="http://schemas.microsoft.com/office/drawing/2014/main" id="{99A0F71C-EBBC-4466-A3B3-A6E5AC904CAB}"/>
-                </a:ext>
-              </a:extLst>
-            </p:cNvPr>
-            <p:cNvGrpSpPr/>
-            <p:nvPr/>
-          </p:nvGrpSpPr>
-          <p:grpSpPr>
-            <a:xfrm>
-              <a:off x="4225688" y="6174549"/>
-              <a:ext cx="604201" cy="252000"/>
-              <a:chOff x="2945698" y="5929312"/>
-              <a:chExt cx="604201" cy="252000"/>
-            </a:xfrm>
-          </p:grpSpPr>
-          <p:sp>
-            <p:nvSpPr>
-              <p:cNvPr id="168" name="Rechteck 167">
-                <a:extLst>
-                  <a:ext uri="{FF2B5EF4-FFF2-40B4-BE49-F238E27FC236}">
-                    <a16:creationId xmlns:a16="http://schemas.microsoft.com/office/drawing/2014/main" id="{8E284758-C61D-446D-84F7-A11F2234B9E2}"/>
-                  </a:ext>
-                </a:extLst>
-              </p:cNvPr>
-              <p:cNvSpPr/>
-              <p:nvPr/>
-            </p:nvSpPr>
-            <p:spPr>
-              <a:xfrm>
-                <a:off x="2945698" y="5929312"/>
-                <a:ext cx="604201" cy="252000"/>
-              </a:xfrm>
-              <a:prstGeom prst="rect">
-                <a:avLst/>
-              </a:prstGeom>
-              <a:solidFill>
-                <a:srgbClr val="9FFD5F"/>
-              </a:solidFill>
-              <a:ln>
-                <a:noFill/>
-              </a:ln>
-            </p:spPr>
-            <p:style>
-              <a:lnRef idx="2">
-                <a:schemeClr val="accent1">
-                  <a:shade val="50000"/>
-                </a:schemeClr>
-              </a:lnRef>
-              <a:fillRef idx="1">
-                <a:schemeClr val="accent1"/>
-              </a:fillRef>
-              <a:effectRef idx="0">
-                <a:schemeClr val="accent1"/>
-              </a:effectRef>
-              <a:fontRef idx="minor">
-                <a:schemeClr val="lt1"/>
-              </a:fontRef>
-            </p:style>
-            <p:txBody>
-              <a:bodyPr rtlCol="0" anchor="ctr"/>
-              <a:lstStyle/>
-              <a:p>
-                <a:pPr algn="ctr"/>
-                <a:endParaRPr lang="en-GB"/>
-              </a:p>
-            </p:txBody>
-          </p:sp>
-          <p:pic>
-            <p:nvPicPr>
-              <p:cNvPr id="28" name="Grafik 27">
-                <a:extLst>
-                  <a:ext uri="{FF2B5EF4-FFF2-40B4-BE49-F238E27FC236}">
-                    <a16:creationId xmlns:a16="http://schemas.microsoft.com/office/drawing/2014/main" id="{7ACB39A2-B2A2-4632-9711-E6D3C86046C7}"/>
-                  </a:ext>
-                </a:extLst>
-              </p:cNvPr>
-              <p:cNvPicPr>
-                <a:picLocks noChangeAspect="1"/>
-              </p:cNvPicPr>
-              <p:nvPr>
-                <p:custDataLst>
-                  <p:tags r:id="rId7"/>
-                </p:custDataLst>
-              </p:nvPr>
-            </p:nvPicPr>
-            <p:blipFill>
-              <a:blip r:embed="rId72">
-                <a:extLst>
-                  <a:ext uri="{28A0092B-C50C-407E-A947-70E740481C1C}">
-                    <a14:useLocalDpi xmlns:a14="http://schemas.microsoft.com/office/drawing/2010/main" val="0"/>
-                  </a:ext>
-                </a:extLst>
-              </a:blip>
-              <a:stretch>
-                <a:fillRect/>
-              </a:stretch>
-            </p:blipFill>
-            <p:spPr>
-              <a:xfrm>
-                <a:off x="2995769" y="5961235"/>
-                <a:ext cx="516668" cy="185079"/>
-              </a:xfrm>
-              <a:prstGeom prst="rect">
-                <a:avLst/>
-              </a:prstGeom>
-            </p:spPr>
-          </p:pic>
-        </p:grpSp>
-        <p:grpSp>
-          <p:nvGrpSpPr>
-            <p:cNvPr id="41" name="Gruppieren 40">
-              <a:extLst>
-                <a:ext uri="{FF2B5EF4-FFF2-40B4-BE49-F238E27FC236}">
-                  <a16:creationId xmlns:a16="http://schemas.microsoft.com/office/drawing/2014/main" id="{02AC9ED7-3C00-4E53-B7E0-FB863F58E5C0}"/>
-                </a:ext>
-              </a:extLst>
-            </p:cNvPr>
-            <p:cNvGrpSpPr/>
-            <p:nvPr/>
-          </p:nvGrpSpPr>
-          <p:grpSpPr>
-            <a:xfrm>
-              <a:off x="5529940" y="5804429"/>
-              <a:ext cx="604201" cy="249414"/>
-              <a:chOff x="4279999" y="4939806"/>
-              <a:chExt cx="604201" cy="249414"/>
-            </a:xfrm>
-          </p:grpSpPr>
-          <p:sp>
-            <p:nvSpPr>
-              <p:cNvPr id="35" name="Rechteck: abgerundete Ecken 34">
-                <a:extLst>
-                  <a:ext uri="{FF2B5EF4-FFF2-40B4-BE49-F238E27FC236}">
-                    <a16:creationId xmlns:a16="http://schemas.microsoft.com/office/drawing/2014/main" id="{C4B73EAE-052E-43C5-9553-48967C934678}"/>
-                  </a:ext>
-                </a:extLst>
-              </p:cNvPr>
-              <p:cNvSpPr/>
-              <p:nvPr/>
-            </p:nvSpPr>
-            <p:spPr>
-              <a:xfrm>
-                <a:off x="4279999" y="4939806"/>
-                <a:ext cx="604201" cy="249414"/>
-              </a:xfrm>
-              <a:prstGeom prst="roundRect">
-                <a:avLst/>
-              </a:prstGeom>
-              <a:solidFill>
-                <a:srgbClr val="25BCFF"/>
-              </a:solidFill>
-              <a:ln>
-                <a:noFill/>
-              </a:ln>
-            </p:spPr>
-            <p:style>
-              <a:lnRef idx="2">
-                <a:schemeClr val="accent1">
-                  <a:shade val="50000"/>
-                </a:schemeClr>
-              </a:lnRef>
-              <a:fillRef idx="1">
-                <a:schemeClr val="accent1"/>
-              </a:fillRef>
-              <a:effectRef idx="0">
-                <a:schemeClr val="accent1"/>
-              </a:effectRef>
-              <a:fontRef idx="minor">
-                <a:schemeClr val="lt1"/>
-              </a:fontRef>
-            </p:style>
-            <p:txBody>
-              <a:bodyPr rtlCol="0" anchor="ctr"/>
-              <a:lstStyle/>
-              <a:p>
-                <a:pPr algn="ctr"/>
-                <a:endParaRPr lang="en-GB"/>
-              </a:p>
-            </p:txBody>
-          </p:sp>
-          <p:pic>
-            <p:nvPicPr>
-              <p:cNvPr id="171" name="Grafik 170">
-                <a:extLst>
-                  <a:ext uri="{FF2B5EF4-FFF2-40B4-BE49-F238E27FC236}">
-                    <a16:creationId xmlns:a16="http://schemas.microsoft.com/office/drawing/2014/main" id="{761ADC58-94D9-4DAB-AC68-14CA67CC8B8C}"/>
+                    <a16:creationId xmlns:a16="http://schemas.microsoft.com/office/drawing/2014/main" id="{B2F97040-4F65-4824-9928-FE82DDE392AC}"/>
                   </a:ext>
                 </a:extLst>
               </p:cNvPr>
@@ -15496,7 +16130,7 @@
               </p:nvPr>
             </p:nvPicPr>
             <p:blipFill>
-              <a:blip r:embed="rId72">
+              <a:blip r:embed="rId70">
                 <a:extLst>
                   <a:ext uri="{28A0092B-C50C-407E-A947-70E740481C1C}">
                     <a14:useLocalDpi xmlns:a14="http://schemas.microsoft.com/office/drawing/2010/main" val="0"/>
@@ -15509,8 +16143,8 @@
             </p:blipFill>
             <p:spPr>
               <a:xfrm>
-                <a:off x="4330071" y="4971729"/>
-                <a:ext cx="516668" cy="185079"/>
+                <a:off x="7300876" y="567511"/>
+                <a:ext cx="235526" cy="191224"/>
               </a:xfrm>
               <a:prstGeom prst="rect">
                 <a:avLst/>
@@ -15520,613 +16154,26 @@
         </p:grpSp>
         <p:cxnSp>
           <p:nvCxnSpPr>
-            <p:cNvPr id="172" name="Gerade Verbindung mit Pfeil 171">
+            <p:cNvPr id="46" name="Verbinder: gewinkelt 45">
               <a:extLst>
                 <a:ext uri="{FF2B5EF4-FFF2-40B4-BE49-F238E27FC236}">
-                  <a16:creationId xmlns:a16="http://schemas.microsoft.com/office/drawing/2014/main" id="{2E615156-795C-461D-8F83-E0D11C7108F3}"/>
+                  <a16:creationId xmlns:a16="http://schemas.microsoft.com/office/drawing/2014/main" id="{899F24F2-0D3B-44B9-8D07-4B01F6DA56AC}"/>
                 </a:ext>
               </a:extLst>
             </p:cNvPr>
             <p:cNvCxnSpPr>
               <a:cxnSpLocks/>
-              <a:endCxn id="165" idx="1"/>
+              <a:stCxn id="330" idx="0"/>
+              <a:endCxn id="334" idx="2"/>
             </p:cNvCxnSpPr>
             <p:nvPr/>
           </p:nvCxnSpPr>
           <p:spPr>
-            <a:xfrm>
-              <a:off x="2736695" y="6574690"/>
-              <a:ext cx="2252270" cy="0"/>
+            <a:xfrm rot="5400000" flipH="1" flipV="1">
+              <a:off x="2959691" y="5414554"/>
+              <a:ext cx="359999" cy="705896"/>
             </a:xfrm>
-            <a:prstGeom prst="straightConnector1">
-              <a:avLst/>
-            </a:prstGeom>
-            <a:ln w="25400">
-              <a:solidFill>
-                <a:schemeClr val="tx1"/>
-              </a:solidFill>
-              <a:tailEnd type="triangle"/>
-            </a:ln>
-          </p:spPr>
-          <p:style>
-            <a:lnRef idx="1">
-              <a:schemeClr val="accent1"/>
-            </a:lnRef>
-            <a:fillRef idx="0">
-              <a:schemeClr val="accent1"/>
-            </a:fillRef>
-            <a:effectRef idx="0">
-              <a:schemeClr val="accent1"/>
-            </a:effectRef>
-            <a:fontRef idx="minor">
-              <a:schemeClr val="tx1"/>
-            </a:fontRef>
-          </p:style>
-        </p:cxnSp>
-        <p:cxnSp>
-          <p:nvCxnSpPr>
-            <p:cNvPr id="173" name="Gerade Verbindung mit Pfeil 172">
-              <a:extLst>
-                <a:ext uri="{FF2B5EF4-FFF2-40B4-BE49-F238E27FC236}">
-                  <a16:creationId xmlns:a16="http://schemas.microsoft.com/office/drawing/2014/main" id="{717AE49C-F701-40CE-B1F9-6A05DD8BA7B1}"/>
-                </a:ext>
-              </a:extLst>
-            </p:cNvPr>
-            <p:cNvCxnSpPr>
-              <a:cxnSpLocks/>
-              <a:stCxn id="33" idx="6"/>
-              <a:endCxn id="153" idx="2"/>
-            </p:cNvCxnSpPr>
-            <p:nvPr/>
-          </p:nvCxnSpPr>
-          <p:spPr>
-            <a:xfrm>
-              <a:off x="3507855" y="5299497"/>
-              <a:ext cx="893477" cy="0"/>
-            </a:xfrm>
-            <a:prstGeom prst="straightConnector1">
-              <a:avLst/>
-            </a:prstGeom>
-            <a:ln w="25400">
-              <a:solidFill>
-                <a:schemeClr val="tx1"/>
-              </a:solidFill>
-              <a:tailEnd type="triangle"/>
-            </a:ln>
-          </p:spPr>
-          <p:style>
-            <a:lnRef idx="1">
-              <a:schemeClr val="accent1"/>
-            </a:lnRef>
-            <a:fillRef idx="0">
-              <a:schemeClr val="accent1"/>
-            </a:fillRef>
-            <a:effectRef idx="0">
-              <a:schemeClr val="accent1"/>
-            </a:effectRef>
-            <a:fontRef idx="minor">
-              <a:schemeClr val="tx1"/>
-            </a:fontRef>
-          </p:style>
-        </p:cxnSp>
-        <p:cxnSp>
-          <p:nvCxnSpPr>
-            <p:cNvPr id="176" name="Gerade Verbindung mit Pfeil 175">
-              <a:extLst>
-                <a:ext uri="{FF2B5EF4-FFF2-40B4-BE49-F238E27FC236}">
-                  <a16:creationId xmlns:a16="http://schemas.microsoft.com/office/drawing/2014/main" id="{787C2638-4321-42DF-BDF3-C63B627060E8}"/>
-                </a:ext>
-              </a:extLst>
-            </p:cNvPr>
-            <p:cNvCxnSpPr>
-              <a:cxnSpLocks/>
-              <a:stCxn id="165" idx="3"/>
-            </p:cNvCxnSpPr>
-            <p:nvPr/>
-          </p:nvCxnSpPr>
-          <p:spPr>
-            <a:xfrm>
-              <a:off x="5314909" y="6574690"/>
-              <a:ext cx="382786" cy="0"/>
-            </a:xfrm>
-            <a:prstGeom prst="straightConnector1">
-              <a:avLst/>
-            </a:prstGeom>
-            <a:ln w="25400">
-              <a:solidFill>
-                <a:schemeClr val="tx1"/>
-              </a:solidFill>
-              <a:tailEnd type="triangle"/>
-            </a:ln>
-          </p:spPr>
-          <p:style>
-            <a:lnRef idx="1">
-              <a:schemeClr val="accent1"/>
-            </a:lnRef>
-            <a:fillRef idx="0">
-              <a:schemeClr val="accent1"/>
-            </a:fillRef>
-            <a:effectRef idx="0">
-              <a:schemeClr val="accent1"/>
-            </a:effectRef>
-            <a:fontRef idx="minor">
-              <a:schemeClr val="tx1"/>
-            </a:fontRef>
-          </p:style>
-        </p:cxnSp>
-        <p:cxnSp>
-          <p:nvCxnSpPr>
-            <p:cNvPr id="179" name="Gerade Verbindung mit Pfeil 178">
-              <a:extLst>
-                <a:ext uri="{FF2B5EF4-FFF2-40B4-BE49-F238E27FC236}">
-                  <a16:creationId xmlns:a16="http://schemas.microsoft.com/office/drawing/2014/main" id="{5D300046-C20F-47ED-ABEC-366A504F4477}"/>
-                </a:ext>
-              </a:extLst>
-            </p:cNvPr>
-            <p:cNvCxnSpPr>
-              <a:cxnSpLocks/>
-              <a:stCxn id="155" idx="6"/>
-            </p:cNvCxnSpPr>
-            <p:nvPr/>
-          </p:nvCxnSpPr>
-          <p:spPr>
-            <a:xfrm>
-              <a:off x="5953836" y="6576421"/>
-              <a:ext cx="648164" cy="1013"/>
-            </a:xfrm>
-            <a:prstGeom prst="straightConnector1">
-              <a:avLst/>
-            </a:prstGeom>
-            <a:ln w="25400">
-              <a:solidFill>
-                <a:schemeClr val="tx1"/>
-              </a:solidFill>
-              <a:tailEnd type="triangle"/>
-            </a:ln>
-          </p:spPr>
-          <p:style>
-            <a:lnRef idx="1">
-              <a:schemeClr val="accent1"/>
-            </a:lnRef>
-            <a:fillRef idx="0">
-              <a:schemeClr val="accent1"/>
-            </a:fillRef>
-            <a:effectRef idx="0">
-              <a:schemeClr val="accent1"/>
-            </a:effectRef>
-            <a:fontRef idx="minor">
-              <a:schemeClr val="tx1"/>
-            </a:fontRef>
-          </p:style>
-        </p:cxnSp>
-        <p:cxnSp>
-          <p:nvCxnSpPr>
-            <p:cNvPr id="182" name="Gerade Verbindung mit Pfeil 181">
-              <a:extLst>
-                <a:ext uri="{FF2B5EF4-FFF2-40B4-BE49-F238E27FC236}">
-                  <a16:creationId xmlns:a16="http://schemas.microsoft.com/office/drawing/2014/main" id="{E7A86900-88AF-4921-8BEE-E2B5E23ABFE8}"/>
-                </a:ext>
-              </a:extLst>
-            </p:cNvPr>
-            <p:cNvCxnSpPr>
-              <a:cxnSpLocks/>
-              <a:stCxn id="168" idx="0"/>
-              <a:endCxn id="151" idx="4"/>
-            </p:cNvCxnSpPr>
-            <p:nvPr/>
-          </p:nvCxnSpPr>
-          <p:spPr>
-            <a:xfrm flipH="1" flipV="1">
-              <a:off x="4527332" y="5933137"/>
-              <a:ext cx="457" cy="241412"/>
-            </a:xfrm>
-            <a:prstGeom prst="straightConnector1">
-              <a:avLst/>
-            </a:prstGeom>
-            <a:ln w="25400">
-              <a:solidFill>
-                <a:schemeClr val="tx1"/>
-              </a:solidFill>
-              <a:tailEnd type="triangle"/>
-            </a:ln>
-          </p:spPr>
-          <p:style>
-            <a:lnRef idx="1">
-              <a:schemeClr val="accent1"/>
-            </a:lnRef>
-            <a:fillRef idx="0">
-              <a:schemeClr val="accent1"/>
-            </a:fillRef>
-            <a:effectRef idx="0">
-              <a:schemeClr val="accent1"/>
-            </a:effectRef>
-            <a:fontRef idx="minor">
-              <a:schemeClr val="tx1"/>
-            </a:fontRef>
-          </p:style>
-        </p:cxnSp>
-        <p:cxnSp>
-          <p:nvCxnSpPr>
-            <p:cNvPr id="185" name="Gerade Verbindung mit Pfeil 184">
-              <a:extLst>
-                <a:ext uri="{FF2B5EF4-FFF2-40B4-BE49-F238E27FC236}">
-                  <a16:creationId xmlns:a16="http://schemas.microsoft.com/office/drawing/2014/main" id="{A0723206-60B7-4113-9499-141E83CCA8B5}"/>
-                </a:ext>
-              </a:extLst>
-            </p:cNvPr>
-            <p:cNvCxnSpPr>
-              <a:cxnSpLocks/>
-              <a:stCxn id="151" idx="0"/>
-              <a:endCxn id="153" idx="4"/>
-            </p:cNvCxnSpPr>
-            <p:nvPr/>
-          </p:nvCxnSpPr>
-          <p:spPr>
-            <a:xfrm flipV="1">
-              <a:off x="4527332" y="5425497"/>
-              <a:ext cx="0" cy="255640"/>
-            </a:xfrm>
-            <a:prstGeom prst="straightConnector1">
-              <a:avLst/>
-            </a:prstGeom>
-            <a:ln w="25400">
-              <a:solidFill>
-                <a:schemeClr val="tx1"/>
-              </a:solidFill>
-              <a:tailEnd type="triangle"/>
-            </a:ln>
-          </p:spPr>
-          <p:style>
-            <a:lnRef idx="1">
-              <a:schemeClr val="accent1"/>
-            </a:lnRef>
-            <a:fillRef idx="0">
-              <a:schemeClr val="accent1"/>
-            </a:fillRef>
-            <a:effectRef idx="0">
-              <a:schemeClr val="accent1"/>
-            </a:effectRef>
-            <a:fontRef idx="minor">
-              <a:schemeClr val="tx1"/>
-            </a:fontRef>
-          </p:style>
-        </p:cxnSp>
-        <p:cxnSp>
-          <p:nvCxnSpPr>
-            <p:cNvPr id="188" name="Gerade Verbindung mit Pfeil 187">
-              <a:extLst>
-                <a:ext uri="{FF2B5EF4-FFF2-40B4-BE49-F238E27FC236}">
-                  <a16:creationId xmlns:a16="http://schemas.microsoft.com/office/drawing/2014/main" id="{43ED45E1-1105-4BEE-8409-73A46771F10F}"/>
-                </a:ext>
-              </a:extLst>
-            </p:cNvPr>
-            <p:cNvCxnSpPr>
-              <a:cxnSpLocks/>
-              <a:endCxn id="155" idx="0"/>
-            </p:cNvCxnSpPr>
-            <p:nvPr/>
-          </p:nvCxnSpPr>
-          <p:spPr>
-            <a:xfrm>
-              <a:off x="5827836" y="6053843"/>
-              <a:ext cx="0" cy="396578"/>
-            </a:xfrm>
-            <a:prstGeom prst="straightConnector1">
-              <a:avLst/>
-            </a:prstGeom>
-            <a:ln w="25400">
-              <a:solidFill>
-                <a:schemeClr val="tx1"/>
-              </a:solidFill>
-              <a:tailEnd type="triangle"/>
-            </a:ln>
-          </p:spPr>
-          <p:style>
-            <a:lnRef idx="1">
-              <a:schemeClr val="accent1"/>
-            </a:lnRef>
-            <a:fillRef idx="0">
-              <a:schemeClr val="accent1"/>
-            </a:fillRef>
-            <a:effectRef idx="0">
-              <a:schemeClr val="accent1"/>
-            </a:effectRef>
-            <a:fontRef idx="minor">
-              <a:schemeClr val="tx1"/>
-            </a:fontRef>
-          </p:style>
-        </p:cxnSp>
-        <p:cxnSp>
-          <p:nvCxnSpPr>
-            <p:cNvPr id="192" name="Gerade Verbindung mit Pfeil 191">
-              <a:extLst>
-                <a:ext uri="{FF2B5EF4-FFF2-40B4-BE49-F238E27FC236}">
-                  <a16:creationId xmlns:a16="http://schemas.microsoft.com/office/drawing/2014/main" id="{0976DED0-FA45-4DCF-A54C-5C7585369EBD}"/>
-                </a:ext>
-              </a:extLst>
-            </p:cNvPr>
-            <p:cNvCxnSpPr>
-              <a:cxnSpLocks/>
-              <a:stCxn id="34" idx="0"/>
-              <a:endCxn id="33" idx="4"/>
-            </p:cNvCxnSpPr>
-            <p:nvPr/>
-          </p:nvCxnSpPr>
-          <p:spPr>
-            <a:xfrm flipV="1">
-              <a:off x="3377016" y="5425497"/>
-              <a:ext cx="4839" cy="749052"/>
-            </a:xfrm>
-            <a:prstGeom prst="straightConnector1">
-              <a:avLst/>
-            </a:prstGeom>
-            <a:ln w="25400">
-              <a:solidFill>
-                <a:schemeClr val="tx1"/>
-              </a:solidFill>
-              <a:tailEnd type="triangle"/>
-            </a:ln>
-          </p:spPr>
-          <p:style>
-            <a:lnRef idx="1">
-              <a:schemeClr val="accent1"/>
-            </a:lnRef>
-            <a:fillRef idx="0">
-              <a:schemeClr val="accent1"/>
-            </a:fillRef>
-            <a:effectRef idx="0">
-              <a:schemeClr val="accent1"/>
-            </a:effectRef>
-            <a:fontRef idx="minor">
-              <a:schemeClr val="tx1"/>
-            </a:fontRef>
-          </p:style>
-        </p:cxnSp>
-        <p:cxnSp>
-          <p:nvCxnSpPr>
-            <p:cNvPr id="226" name="Gerade Verbindung mit Pfeil 225">
-              <a:extLst>
-                <a:ext uri="{FF2B5EF4-FFF2-40B4-BE49-F238E27FC236}">
-                  <a16:creationId xmlns:a16="http://schemas.microsoft.com/office/drawing/2014/main" id="{3C890FF0-289B-4C94-AA5B-07375381F2C0}"/>
-                </a:ext>
-              </a:extLst>
-            </p:cNvPr>
-            <p:cNvCxnSpPr>
-              <a:cxnSpLocks/>
-            </p:cNvCxnSpPr>
-            <p:nvPr/>
-          </p:nvCxnSpPr>
-          <p:spPr>
-            <a:xfrm flipV="1">
-              <a:off x="3223453" y="6593408"/>
-              <a:ext cx="0" cy="433084"/>
-            </a:xfrm>
-            <a:prstGeom prst="straightConnector1">
-              <a:avLst/>
-            </a:prstGeom>
-            <a:ln w="25400">
-              <a:solidFill>
-                <a:schemeClr val="tx1"/>
-              </a:solidFill>
-              <a:tailEnd type="none"/>
-            </a:ln>
-          </p:spPr>
-          <p:style>
-            <a:lnRef idx="1">
-              <a:schemeClr val="accent1"/>
-            </a:lnRef>
-            <a:fillRef idx="0">
-              <a:schemeClr val="accent1"/>
-            </a:fillRef>
-            <a:effectRef idx="0">
-              <a:schemeClr val="accent1"/>
-            </a:effectRef>
-            <a:fontRef idx="minor">
-              <a:schemeClr val="tx1"/>
-            </a:fontRef>
-          </p:style>
-        </p:cxnSp>
-        <p:cxnSp>
-          <p:nvCxnSpPr>
-            <p:cNvPr id="231" name="Gerade Verbindung mit Pfeil 230">
-              <a:extLst>
-                <a:ext uri="{FF2B5EF4-FFF2-40B4-BE49-F238E27FC236}">
-                  <a16:creationId xmlns:a16="http://schemas.microsoft.com/office/drawing/2014/main" id="{E9A56FDE-5B68-4196-9FD1-1EDED3FD7236}"/>
-                </a:ext>
-              </a:extLst>
-            </p:cNvPr>
-            <p:cNvCxnSpPr>
-              <a:cxnSpLocks/>
-              <a:endCxn id="34" idx="2"/>
-            </p:cNvCxnSpPr>
-            <p:nvPr/>
-          </p:nvCxnSpPr>
-          <p:spPr>
-            <a:xfrm flipV="1">
-              <a:off x="3377016" y="6426549"/>
-              <a:ext cx="0" cy="148141"/>
-            </a:xfrm>
-            <a:prstGeom prst="straightConnector1">
-              <a:avLst/>
-            </a:prstGeom>
-            <a:ln w="25400">
-              <a:solidFill>
-                <a:schemeClr val="tx1"/>
-              </a:solidFill>
-              <a:tailEnd type="triangle"/>
-            </a:ln>
-          </p:spPr>
-          <p:style>
-            <a:lnRef idx="1">
-              <a:schemeClr val="accent1"/>
-            </a:lnRef>
-            <a:fillRef idx="0">
-              <a:schemeClr val="accent1"/>
-            </a:fillRef>
-            <a:effectRef idx="0">
-              <a:schemeClr val="accent1"/>
-            </a:effectRef>
-            <a:fontRef idx="minor">
-              <a:schemeClr val="tx1"/>
-            </a:fontRef>
-          </p:style>
-        </p:cxnSp>
-        <p:cxnSp>
-          <p:nvCxnSpPr>
-            <p:cNvPr id="232" name="Gerade Verbindung mit Pfeil 231">
-              <a:extLst>
-                <a:ext uri="{FF2B5EF4-FFF2-40B4-BE49-F238E27FC236}">
-                  <a16:creationId xmlns:a16="http://schemas.microsoft.com/office/drawing/2014/main" id="{CE95DCA8-AEF0-4F02-89A8-B59431AFB6C0}"/>
-                </a:ext>
-              </a:extLst>
-            </p:cNvPr>
-            <p:cNvCxnSpPr>
-              <a:cxnSpLocks/>
-              <a:endCxn id="161" idx="2"/>
-            </p:cNvCxnSpPr>
-            <p:nvPr/>
-          </p:nvCxnSpPr>
-          <p:spPr>
-            <a:xfrm flipV="1">
-              <a:off x="3882838" y="6428876"/>
-              <a:ext cx="0" cy="145814"/>
-            </a:xfrm>
-            <a:prstGeom prst="straightConnector1">
-              <a:avLst/>
-            </a:prstGeom>
-            <a:ln w="25400">
-              <a:solidFill>
-                <a:schemeClr val="tx1"/>
-              </a:solidFill>
-              <a:tailEnd type="triangle"/>
-            </a:ln>
-          </p:spPr>
-          <p:style>
-            <a:lnRef idx="1">
-              <a:schemeClr val="accent1"/>
-            </a:lnRef>
-            <a:fillRef idx="0">
-              <a:schemeClr val="accent1"/>
-            </a:fillRef>
-            <a:effectRef idx="0">
-              <a:schemeClr val="accent1"/>
-            </a:effectRef>
-            <a:fontRef idx="minor">
-              <a:schemeClr val="tx1"/>
-            </a:fontRef>
-          </p:style>
-        </p:cxnSp>
-        <p:cxnSp>
-          <p:nvCxnSpPr>
-            <p:cNvPr id="238" name="Gerade Verbindung mit Pfeil 237">
-              <a:extLst>
-                <a:ext uri="{FF2B5EF4-FFF2-40B4-BE49-F238E27FC236}">
-                  <a16:creationId xmlns:a16="http://schemas.microsoft.com/office/drawing/2014/main" id="{2CA21720-E368-4978-9B5C-D7FCB169248D}"/>
-                </a:ext>
-              </a:extLst>
-            </p:cNvPr>
-            <p:cNvCxnSpPr>
-              <a:cxnSpLocks/>
-              <a:endCxn id="168" idx="2"/>
-            </p:cNvCxnSpPr>
-            <p:nvPr/>
-          </p:nvCxnSpPr>
-          <p:spPr>
-            <a:xfrm flipV="1">
-              <a:off x="4527789" y="6426549"/>
-              <a:ext cx="0" cy="148141"/>
-            </a:xfrm>
-            <a:prstGeom prst="straightConnector1">
-              <a:avLst/>
-            </a:prstGeom>
-            <a:ln w="25400">
-              <a:solidFill>
-                <a:schemeClr val="tx1"/>
-              </a:solidFill>
-              <a:tailEnd type="triangle"/>
-            </a:ln>
-          </p:spPr>
-          <p:style>
-            <a:lnRef idx="1">
-              <a:schemeClr val="accent1"/>
-            </a:lnRef>
-            <a:fillRef idx="0">
-              <a:schemeClr val="accent1"/>
-            </a:fillRef>
-            <a:effectRef idx="0">
-              <a:schemeClr val="accent1"/>
-            </a:effectRef>
-            <a:fontRef idx="minor">
-              <a:schemeClr val="tx1"/>
-            </a:fontRef>
-          </p:style>
-        </p:cxnSp>
-        <p:cxnSp>
-          <p:nvCxnSpPr>
-            <p:cNvPr id="240" name="Gerade Verbindung mit Pfeil 239">
-              <a:extLst>
-                <a:ext uri="{FF2B5EF4-FFF2-40B4-BE49-F238E27FC236}">
-                  <a16:creationId xmlns:a16="http://schemas.microsoft.com/office/drawing/2014/main" id="{4CA71771-43C6-4EC2-97DA-4E9DE7AAFF35}"/>
-                </a:ext>
-              </a:extLst>
-            </p:cNvPr>
-            <p:cNvCxnSpPr>
-              <a:cxnSpLocks/>
-              <a:endCxn id="35" idx="0"/>
-            </p:cNvCxnSpPr>
-            <p:nvPr/>
-          </p:nvCxnSpPr>
-          <p:spPr>
-            <a:xfrm>
-              <a:off x="5832041" y="5309977"/>
-              <a:ext cx="0" cy="494452"/>
-            </a:xfrm>
-            <a:prstGeom prst="straightConnector1">
-              <a:avLst/>
-            </a:prstGeom>
-            <a:ln w="25400">
-              <a:solidFill>
-                <a:schemeClr val="tx1"/>
-              </a:solidFill>
-              <a:tailEnd type="triangle"/>
-            </a:ln>
-          </p:spPr>
-          <p:style>
-            <a:lnRef idx="1">
-              <a:schemeClr val="accent1"/>
-            </a:lnRef>
-            <a:fillRef idx="0">
-              <a:schemeClr val="accent1"/>
-            </a:fillRef>
-            <a:effectRef idx="0">
-              <a:schemeClr val="accent1"/>
-            </a:effectRef>
-            <a:fontRef idx="minor">
-              <a:schemeClr val="tx1"/>
-            </a:fontRef>
-          </p:style>
-        </p:cxnSp>
-        <p:cxnSp>
-          <p:nvCxnSpPr>
-            <p:cNvPr id="169" name="Gerade Verbindung mit Pfeil 168">
-              <a:extLst>
-                <a:ext uri="{FF2B5EF4-FFF2-40B4-BE49-F238E27FC236}">
-                  <a16:creationId xmlns:a16="http://schemas.microsoft.com/office/drawing/2014/main" id="{B3129FCF-E389-4207-ABAA-6FE2A0CFBB95}"/>
-                </a:ext>
-              </a:extLst>
-            </p:cNvPr>
-            <p:cNvCxnSpPr>
-              <a:cxnSpLocks/>
-              <a:stCxn id="153" idx="6"/>
-            </p:cNvCxnSpPr>
-            <p:nvPr/>
-          </p:nvCxnSpPr>
-          <p:spPr>
-            <a:xfrm>
-              <a:off x="4653332" y="5299497"/>
-              <a:ext cx="1947303" cy="0"/>
-            </a:xfrm>
-            <a:prstGeom prst="straightConnector1">
+            <a:prstGeom prst="bentConnector2">
               <a:avLst/>
             </a:prstGeom>
             <a:ln w="25400">
@@ -16224,10 +16271,10 @@
       </p:sp>
       <p:grpSp>
         <p:nvGrpSpPr>
-          <p:cNvPr id="153" name="Gruppieren 152">
+          <p:cNvPr id="16" name="Gruppieren 15">
             <a:extLst>
               <a:ext uri="{FF2B5EF4-FFF2-40B4-BE49-F238E27FC236}">
-                <a16:creationId xmlns:a16="http://schemas.microsoft.com/office/drawing/2014/main" id="{036B3B50-34E7-4C94-BCBD-99581673065A}"/>
+                <a16:creationId xmlns:a16="http://schemas.microsoft.com/office/drawing/2014/main" id="{25C7750A-B7C1-46D2-9764-DD295874D6B0}"/>
               </a:ext>
             </a:extLst>
           </p:cNvPr>
@@ -16237,9 +16284,9 @@
         <p:grpSpPr>
           <a:xfrm>
             <a:off x="9722739" y="132156"/>
-            <a:ext cx="4916675" cy="3807189"/>
-            <a:chOff x="4534251" y="366627"/>
-            <a:chExt cx="4916675" cy="3807189"/>
+            <a:ext cx="1818403" cy="3752760"/>
+            <a:chOff x="9722739" y="132156"/>
+            <a:chExt cx="1818403" cy="3752760"/>
           </a:xfrm>
         </p:grpSpPr>
         <p:sp>
@@ -16256,7 +16303,7 @@
           </p:nvSpPr>
           <p:spPr>
             <a:xfrm>
-              <a:off x="4534251" y="1269000"/>
+              <a:off x="9722739" y="1034529"/>
               <a:ext cx="360000" cy="360000"/>
             </a:xfrm>
             <a:prstGeom prst="ellipse">
@@ -16308,7 +16355,7 @@
           </p:nvSpPr>
           <p:spPr>
             <a:xfrm>
-              <a:off x="4534251" y="1989000"/>
+              <a:off x="9722739" y="1754529"/>
               <a:ext cx="360000" cy="360000"/>
             </a:xfrm>
             <a:prstGeom prst="ellipse">
@@ -16360,7 +16407,7 @@
           </p:nvSpPr>
           <p:spPr>
             <a:xfrm>
-              <a:off x="5992654" y="1629000"/>
+              <a:off x="11181142" y="1394529"/>
               <a:ext cx="360000" cy="360000"/>
             </a:xfrm>
             <a:prstGeom prst="ellipse">
@@ -16412,7 +16459,7 @@
           </p:nvSpPr>
           <p:spPr>
             <a:xfrm>
-              <a:off x="5992654" y="2349000"/>
+              <a:off x="11181142" y="2114529"/>
               <a:ext cx="360000" cy="360000"/>
             </a:xfrm>
             <a:prstGeom prst="ellipse">
@@ -16464,7 +16511,7 @@
           </p:nvSpPr>
           <p:spPr>
             <a:xfrm>
-              <a:off x="5992654" y="3069000"/>
+              <a:off x="11181142" y="2834529"/>
               <a:ext cx="360000" cy="360000"/>
             </a:xfrm>
             <a:prstGeom prst="ellipse">
@@ -16516,7 +16563,7 @@
           </p:nvSpPr>
           <p:spPr>
             <a:xfrm>
-              <a:off x="5992654" y="909000"/>
+              <a:off x="11181142" y="674529"/>
               <a:ext cx="360000" cy="360000"/>
             </a:xfrm>
             <a:prstGeom prst="ellipse">
@@ -16568,7 +16615,7 @@
           </p:nvSpPr>
           <p:spPr>
             <a:xfrm>
-              <a:off x="4534251" y="2709000"/>
+              <a:off x="9722739" y="2474529"/>
               <a:ext cx="360000" cy="360000"/>
             </a:xfrm>
             <a:prstGeom prst="ellipse">
@@ -16623,7 +16670,7 @@
           </p:nvCxnSpPr>
           <p:spPr>
             <a:xfrm flipV="1">
-              <a:off x="4894251" y="1089000"/>
+              <a:off x="10082739" y="854529"/>
               <a:ext cx="1098403" cy="360000"/>
             </a:xfrm>
             <a:prstGeom prst="line">
@@ -16668,7 +16715,7 @@
           </p:nvCxnSpPr>
           <p:spPr>
             <a:xfrm flipH="1" flipV="1">
-              <a:off x="4894251" y="1449000"/>
+              <a:off x="10082739" y="1214529"/>
               <a:ext cx="1098403" cy="360000"/>
             </a:xfrm>
             <a:prstGeom prst="line">
@@ -16713,7 +16760,7 @@
           </p:nvCxnSpPr>
           <p:spPr>
             <a:xfrm flipH="1" flipV="1">
-              <a:off x="4894251" y="1449000"/>
+              <a:off x="10082739" y="1214529"/>
               <a:ext cx="1098403" cy="1080000"/>
             </a:xfrm>
             <a:prstGeom prst="line">
@@ -16758,7 +16805,7 @@
           </p:nvCxnSpPr>
           <p:spPr>
             <a:xfrm flipH="1" flipV="1">
-              <a:off x="4894251" y="1449000"/>
+              <a:off x="10082739" y="1214529"/>
               <a:ext cx="1098403" cy="1800000"/>
             </a:xfrm>
             <a:prstGeom prst="line">
@@ -16803,7 +16850,7 @@
           </p:nvCxnSpPr>
           <p:spPr>
             <a:xfrm flipH="1">
-              <a:off x="4894251" y="1089000"/>
+              <a:off x="10082739" y="854529"/>
               <a:ext cx="1098403" cy="1080000"/>
             </a:xfrm>
             <a:prstGeom prst="line">
@@ -16848,7 +16895,7 @@
           </p:nvCxnSpPr>
           <p:spPr>
             <a:xfrm flipH="1">
-              <a:off x="4894251" y="1809000"/>
+              <a:off x="10082739" y="1574529"/>
               <a:ext cx="1098403" cy="360000"/>
             </a:xfrm>
             <a:prstGeom prst="line">
@@ -16893,7 +16940,7 @@
           </p:nvCxnSpPr>
           <p:spPr>
             <a:xfrm flipH="1" flipV="1">
-              <a:off x="4894251" y="2169000"/>
+              <a:off x="10082739" y="1934529"/>
               <a:ext cx="1098403" cy="360000"/>
             </a:xfrm>
             <a:prstGeom prst="line">
@@ -16937,7 +16984,7 @@
           </p:nvCxnSpPr>
           <p:spPr>
             <a:xfrm flipH="1" flipV="1">
-              <a:off x="4894251" y="2169000"/>
+              <a:off x="10082739" y="1934529"/>
               <a:ext cx="1098403" cy="1080000"/>
             </a:xfrm>
             <a:prstGeom prst="line">
@@ -16982,7 +17029,7 @@
           </p:nvCxnSpPr>
           <p:spPr>
             <a:xfrm flipH="1">
-              <a:off x="4894251" y="1089000"/>
+              <a:off x="10082739" y="854529"/>
               <a:ext cx="1098403" cy="1800000"/>
             </a:xfrm>
             <a:prstGeom prst="line">
@@ -17027,7 +17074,7 @@
           </p:nvCxnSpPr>
           <p:spPr>
             <a:xfrm flipH="1">
-              <a:off x="4894251" y="1809000"/>
+              <a:off x="10082739" y="1574529"/>
               <a:ext cx="1098403" cy="1080000"/>
             </a:xfrm>
             <a:prstGeom prst="line">
@@ -17072,7 +17119,7 @@
           </p:nvCxnSpPr>
           <p:spPr>
             <a:xfrm flipH="1">
-              <a:off x="4894251" y="2529000"/>
+              <a:off x="10082739" y="2294529"/>
               <a:ext cx="1098403" cy="360000"/>
             </a:xfrm>
             <a:prstGeom prst="line">
@@ -17117,7 +17164,7 @@
           </p:nvCxnSpPr>
           <p:spPr>
             <a:xfrm flipH="1" flipV="1">
-              <a:off x="4894251" y="2889000"/>
+              <a:off x="10082739" y="2654529"/>
               <a:ext cx="1098403" cy="360000"/>
             </a:xfrm>
             <a:prstGeom prst="line">
@@ -17158,12 +17205,12 @@
             </p:cNvPicPr>
             <p:nvPr>
               <p:custDataLst>
-                <p:tags r:id="rId26"/>
+                <p:tags r:id="rId27"/>
               </p:custDataLst>
             </p:nvPr>
           </p:nvPicPr>
           <p:blipFill>
-            <a:blip r:embed="rId30">
+            <a:blip r:embed="rId31">
               <a:extLst>
                 <a:ext uri="{28A0092B-C50C-407E-A947-70E740481C1C}">
                   <a14:useLocalDpi xmlns:a14="http://schemas.microsoft.com/office/drawing/2010/main" val="0"/>
@@ -17176,7 +17223,7 @@
           </p:blipFill>
           <p:spPr>
             <a:xfrm>
-              <a:off x="4592251" y="3789002"/>
+              <a:off x="9780739" y="3554531"/>
               <a:ext cx="280368" cy="221721"/>
             </a:xfrm>
             <a:prstGeom prst="rect">
@@ -17186,50 +17233,10 @@
         </p:pic>
         <p:pic>
           <p:nvPicPr>
-            <p:cNvPr id="152" name="Grafik 151">
+            <p:cNvPr id="15" name="Grafik 14">
               <a:extLst>
                 <a:ext uri="{FF2B5EF4-FFF2-40B4-BE49-F238E27FC236}">
-                  <a16:creationId xmlns:a16="http://schemas.microsoft.com/office/drawing/2014/main" id="{65317BEA-E090-46F9-8FC5-85967A2F753B}"/>
-                </a:ext>
-              </a:extLst>
-            </p:cNvPr>
-            <p:cNvPicPr>
-              <a:picLocks noChangeAspect="1"/>
-            </p:cNvPicPr>
-            <p:nvPr>
-              <p:custDataLst>
-                <p:tags r:id="rId27"/>
-              </p:custDataLst>
-            </p:nvPr>
-          </p:nvPicPr>
-          <p:blipFill>
-            <a:blip r:embed="rId31">
-              <a:extLst>
-                <a:ext uri="{28A0092B-C50C-407E-A947-70E740481C1C}">
-                  <a14:useLocalDpi xmlns:a14="http://schemas.microsoft.com/office/drawing/2010/main" val="0"/>
-                </a:ext>
-              </a:extLst>
-            </a:blip>
-            <a:stretch>
-              <a:fillRect/>
-            </a:stretch>
-          </p:blipFill>
-          <p:spPr>
-            <a:xfrm>
-              <a:off x="6006939" y="3680650"/>
-              <a:ext cx="3443987" cy="493166"/>
-            </a:xfrm>
-            <a:prstGeom prst="rect">
-              <a:avLst/>
-            </a:prstGeom>
-          </p:spPr>
-        </p:pic>
-        <p:pic>
-          <p:nvPicPr>
-            <p:cNvPr id="150" name="Grafik 149">
-              <a:extLst>
-                <a:ext uri="{FF2B5EF4-FFF2-40B4-BE49-F238E27FC236}">
-                  <a16:creationId xmlns:a16="http://schemas.microsoft.com/office/drawing/2014/main" id="{83970358-109A-4B0B-B536-C38E70BF3B62}"/>
+                  <a16:creationId xmlns:a16="http://schemas.microsoft.com/office/drawing/2014/main" id="{B37F0F87-3115-4BBF-A5B9-7FFD0E113F92}"/>
                 </a:ext>
               </a:extLst>
             </p:cNvPr>
@@ -17256,7 +17263,47 @@
           </p:blipFill>
           <p:spPr>
             <a:xfrm>
-              <a:off x="5125043" y="366627"/>
+              <a:off x="11222029" y="3560189"/>
+              <a:ext cx="278226" cy="324727"/>
+            </a:xfrm>
+            <a:prstGeom prst="rect">
+              <a:avLst/>
+            </a:prstGeom>
+          </p:spPr>
+        </p:pic>
+        <p:pic>
+          <p:nvPicPr>
+            <p:cNvPr id="150" name="Grafik 149">
+              <a:extLst>
+                <a:ext uri="{FF2B5EF4-FFF2-40B4-BE49-F238E27FC236}">
+                  <a16:creationId xmlns:a16="http://schemas.microsoft.com/office/drawing/2014/main" id="{83970358-109A-4B0B-B536-C38E70BF3B62}"/>
+                </a:ext>
+              </a:extLst>
+            </p:cNvPr>
+            <p:cNvPicPr>
+              <a:picLocks noChangeAspect="1"/>
+            </p:cNvPicPr>
+            <p:nvPr>
+              <p:custDataLst>
+                <p:tags r:id="rId29"/>
+              </p:custDataLst>
+            </p:nvPr>
+          </p:nvPicPr>
+          <p:blipFill>
+            <a:blip r:embed="rId33">
+              <a:extLst>
+                <a:ext uri="{28A0092B-C50C-407E-A947-70E740481C1C}">
+                  <a14:useLocalDpi xmlns:a14="http://schemas.microsoft.com/office/drawing/2010/main" val="0"/>
+                </a:ext>
+              </a:extLst>
+            </a:blip>
+            <a:stretch>
+              <a:fillRect/>
+            </a:stretch>
+          </p:blipFill>
+          <p:spPr>
+            <a:xfrm>
+              <a:off x="10313531" y="132156"/>
               <a:ext cx="636817" cy="361582"/>
             </a:xfrm>
             <a:prstGeom prst="rect">
@@ -17267,10 +17314,10 @@
       </p:grpSp>
       <p:grpSp>
         <p:nvGrpSpPr>
-          <p:cNvPr id="497" name="Gruppieren 496">
+          <p:cNvPr id="12" name="Gruppieren 11">
             <a:extLst>
               <a:ext uri="{FF2B5EF4-FFF2-40B4-BE49-F238E27FC236}">
-                <a16:creationId xmlns:a16="http://schemas.microsoft.com/office/drawing/2014/main" id="{9F0D870B-1CDF-4CBF-A920-35D1A127809D}"/>
+                <a16:creationId xmlns:a16="http://schemas.microsoft.com/office/drawing/2014/main" id="{055F5DEC-483B-49F7-A71A-1514ACA0BFFC}"/>
               </a:ext>
             </a:extLst>
           </p:cNvPr>
@@ -17280,9 +17327,9 @@
         <p:grpSpPr>
           <a:xfrm>
             <a:off x="-3276758" y="5952463"/>
-            <a:ext cx="22296583" cy="5702991"/>
-            <a:chOff x="-6215809" y="5022457"/>
-            <a:chExt cx="22296583" cy="5702991"/>
+            <a:ext cx="17598515" cy="5702991"/>
+            <a:chOff x="-3276758" y="5952463"/>
+            <a:chExt cx="17598515" cy="5702991"/>
           </a:xfrm>
         </p:grpSpPr>
         <p:cxnSp>
@@ -17301,7 +17348,7 @@
           </p:nvCxnSpPr>
           <p:spPr>
             <a:xfrm>
-              <a:off x="1775202" y="8384715"/>
+              <a:off x="4714253" y="9314721"/>
               <a:ext cx="971680" cy="0"/>
             </a:xfrm>
             <a:prstGeom prst="straightConnector1">
@@ -17344,7 +17391,7 @@
           </p:nvGrpSpPr>
           <p:grpSpPr>
             <a:xfrm>
-              <a:off x="-6215809" y="5027000"/>
+              <a:off x="-3276758" y="5957006"/>
               <a:ext cx="7703614" cy="5698448"/>
               <a:chOff x="-6215809" y="5027000"/>
               <a:chExt cx="7703614" cy="5698448"/>
@@ -19198,12 +19245,12 @@
               </p:cNvPicPr>
               <p:nvPr>
                 <p:custDataLst>
-                  <p:tags r:id="rId21"/>
+                  <p:tags r:id="rId22"/>
                 </p:custDataLst>
               </p:nvPr>
             </p:nvPicPr>
             <p:blipFill>
-              <a:blip r:embed="rId33">
+              <a:blip r:embed="rId34">
                 <a:extLst>
                   <a:ext uri="{28A0092B-C50C-407E-A947-70E740481C1C}">
                     <a14:useLocalDpi xmlns:a14="http://schemas.microsoft.com/office/drawing/2010/main" val="0"/>
@@ -19238,12 +19285,12 @@
               </p:cNvPicPr>
               <p:nvPr>
                 <p:custDataLst>
-                  <p:tags r:id="rId22"/>
+                  <p:tags r:id="rId23"/>
                 </p:custDataLst>
               </p:nvPr>
             </p:nvPicPr>
             <p:blipFill>
-              <a:blip r:embed="rId30">
+              <a:blip r:embed="rId31">
                 <a:extLst>
                   <a:ext uri="{28A0092B-C50C-407E-A947-70E740481C1C}">
                     <a14:useLocalDpi xmlns:a14="http://schemas.microsoft.com/office/drawing/2010/main" val="0"/>
@@ -19278,12 +19325,12 @@
               </p:cNvPicPr>
               <p:nvPr>
                 <p:custDataLst>
-                  <p:tags r:id="rId23"/>
+                  <p:tags r:id="rId24"/>
                 </p:custDataLst>
               </p:nvPr>
             </p:nvPicPr>
             <p:blipFill>
-              <a:blip r:embed="rId34">
+              <a:blip r:embed="rId35">
                 <a:extLst>
                   <a:ext uri="{28A0092B-C50C-407E-A947-70E740481C1C}">
                     <a14:useLocalDpi xmlns:a14="http://schemas.microsoft.com/office/drawing/2010/main" val="0"/>
@@ -19750,12 +19797,12 @@
               </p:cNvPicPr>
               <p:nvPr>
                 <p:custDataLst>
-                  <p:tags r:id="rId24"/>
+                  <p:tags r:id="rId25"/>
                 </p:custDataLst>
               </p:nvPr>
             </p:nvPicPr>
             <p:blipFill>
-              <a:blip r:embed="rId35">
+              <a:blip r:embed="rId36">
                 <a:extLst>
                   <a:ext uri="{28A0092B-C50C-407E-A947-70E740481C1C}">
                     <a14:useLocalDpi xmlns:a14="http://schemas.microsoft.com/office/drawing/2010/main" val="0"/>
@@ -19790,12 +19837,12 @@
               </p:cNvPicPr>
               <p:nvPr>
                 <p:custDataLst>
-                  <p:tags r:id="rId25"/>
+                  <p:tags r:id="rId26"/>
                 </p:custDataLst>
               </p:nvPr>
             </p:nvPicPr>
             <p:blipFill>
-              <a:blip r:embed="rId36">
+              <a:blip r:embed="rId37">
                 <a:extLst>
                   <a:ext uri="{28A0092B-C50C-407E-A947-70E740481C1C}">
                     <a14:useLocalDpi xmlns:a14="http://schemas.microsoft.com/office/drawing/2010/main" val="0"/>
@@ -19819,70 +19866,34 @@
         </p:grpSp>
         <p:grpSp>
           <p:nvGrpSpPr>
-            <p:cNvPr id="496" name="Gruppieren 495">
+            <p:cNvPr id="11" name="Gruppieren 10">
               <a:extLst>
                 <a:ext uri="{FF2B5EF4-FFF2-40B4-BE49-F238E27FC236}">
-                  <a16:creationId xmlns:a16="http://schemas.microsoft.com/office/drawing/2014/main" id="{3A60878A-4C40-4343-8538-DAC966C9EFF9}"/>
+                  <a16:creationId xmlns:a16="http://schemas.microsoft.com/office/drawing/2014/main" id="{B13B11EC-D560-4C75-92E9-D5A18B4F0A41}"/>
                 </a:ext>
               </a:extLst>
             </p:cNvPr>
             <p:cNvGrpSpPr/>
-            <p:nvPr/>
+            <p:nvPr>
+              <p:custDataLst>
+                <p:tags r:id="rId12"/>
+              </p:custDataLst>
+            </p:nvPr>
           </p:nvGrpSpPr>
           <p:grpSpPr>
             <a:xfrm>
-              <a:off x="3019554" y="5022457"/>
-              <a:ext cx="13061220" cy="5702991"/>
-              <a:chOff x="3019554" y="5022457"/>
-              <a:chExt cx="13061220" cy="5702991"/>
+              <a:off x="5958605" y="5952463"/>
+              <a:ext cx="8363152" cy="5702991"/>
+              <a:chOff x="5958605" y="5952463"/>
+              <a:chExt cx="8363152" cy="5702991"/>
             </a:xfrm>
           </p:grpSpPr>
           <p:pic>
             <p:nvPicPr>
-              <p:cNvPr id="476" name="Grafik 475">
+              <p:cNvPr id="5" name="Grafik 4">
                 <a:extLst>
                   <a:ext uri="{FF2B5EF4-FFF2-40B4-BE49-F238E27FC236}">
-                    <a16:creationId xmlns:a16="http://schemas.microsoft.com/office/drawing/2014/main" id="{C8FE7E67-525C-4707-A97E-92B5F0E2649B}"/>
-                  </a:ext>
-                </a:extLst>
-              </p:cNvPr>
-              <p:cNvPicPr>
-                <a:picLocks noChangeAspect="1"/>
-              </p:cNvPicPr>
-              <p:nvPr>
-                <p:custDataLst>
-                  <p:tags r:id="rId12"/>
-                </p:custDataLst>
-              </p:nvPr>
-            </p:nvPicPr>
-            <p:blipFill>
-              <a:blip r:embed="rId37">
-                <a:extLst>
-                  <a:ext uri="{28A0092B-C50C-407E-A947-70E740481C1C}">
-                    <a14:useLocalDpi xmlns:a14="http://schemas.microsoft.com/office/drawing/2010/main" val="0"/>
-                  </a:ext>
-                </a:extLst>
-              </a:blip>
-              <a:stretch>
-                <a:fillRect/>
-              </a:stretch>
-            </p:blipFill>
-            <p:spPr>
-              <a:xfrm>
-                <a:off x="7015684" y="9792817"/>
-                <a:ext cx="5243284" cy="584770"/>
-              </a:xfrm>
-              <a:prstGeom prst="rect">
-                <a:avLst/>
-              </a:prstGeom>
-            </p:spPr>
-          </p:pic>
-          <p:pic>
-            <p:nvPicPr>
-              <p:cNvPr id="480" name="Grafik 479">
-                <a:extLst>
-                  <a:ext uri="{FF2B5EF4-FFF2-40B4-BE49-F238E27FC236}">
-                    <a16:creationId xmlns:a16="http://schemas.microsoft.com/office/drawing/2014/main" id="{F4E95C1A-620B-4373-8EE1-084BAB7F82FF}"/>
+                    <a16:creationId xmlns:a16="http://schemas.microsoft.com/office/drawing/2014/main" id="{C47ABA26-4895-4253-B989-2BE5DFB4844F}"/>
                   </a:ext>
                 </a:extLst>
               </p:cNvPr>
@@ -19909,8 +19920,8 @@
             </p:blipFill>
             <p:spPr>
               <a:xfrm>
-                <a:off x="10297888" y="8729469"/>
-                <a:ext cx="5782886" cy="593005"/>
+                <a:off x="10134734" y="10568679"/>
+                <a:ext cx="799723" cy="563815"/>
               </a:xfrm>
               <a:prstGeom prst="rect">
                 <a:avLst/>
@@ -19919,10 +19930,10 @@
           </p:pic>
           <p:pic>
             <p:nvPicPr>
-              <p:cNvPr id="452" name="Grafik 451">
+              <p:cNvPr id="10" name="Grafik 9">
                 <a:extLst>
                   <a:ext uri="{FF2B5EF4-FFF2-40B4-BE49-F238E27FC236}">
-                    <a16:creationId xmlns:a16="http://schemas.microsoft.com/office/drawing/2014/main" id="{3338872E-E323-4A06-A23D-E6163BB8DFED}"/>
+                    <a16:creationId xmlns:a16="http://schemas.microsoft.com/office/drawing/2014/main" id="{8FBFC826-5B00-4CAA-892D-DCE6E7FD2F87}"/>
                   </a:ext>
                 </a:extLst>
               </p:cNvPr>
@@ -19949,7 +19960,47 @@
             </p:blipFill>
             <p:spPr>
               <a:xfrm>
-                <a:off x="9105071" y="7172343"/>
+                <a:off x="12836355" y="9673988"/>
+                <a:ext cx="801168" cy="571755"/>
+              </a:xfrm>
+              <a:prstGeom prst="rect">
+                <a:avLst/>
+              </a:prstGeom>
+            </p:spPr>
+          </p:pic>
+          <p:pic>
+            <p:nvPicPr>
+              <p:cNvPr id="452" name="Grafik 451">
+                <a:extLst>
+                  <a:ext uri="{FF2B5EF4-FFF2-40B4-BE49-F238E27FC236}">
+                    <a16:creationId xmlns:a16="http://schemas.microsoft.com/office/drawing/2014/main" id="{3338872E-E323-4A06-A23D-E6163BB8DFED}"/>
+                  </a:ext>
+                </a:extLst>
+              </p:cNvPr>
+              <p:cNvPicPr>
+                <a:picLocks noChangeAspect="1"/>
+              </p:cNvPicPr>
+              <p:nvPr>
+                <p:custDataLst>
+                  <p:tags r:id="rId15"/>
+                </p:custDataLst>
+              </p:nvPr>
+            </p:nvPicPr>
+            <p:blipFill>
+              <a:blip r:embed="rId40">
+                <a:extLst>
+                  <a:ext uri="{28A0092B-C50C-407E-A947-70E740481C1C}">
+                    <a14:useLocalDpi xmlns:a14="http://schemas.microsoft.com/office/drawing/2010/main" val="0"/>
+                  </a:ext>
+                </a:extLst>
+              </a:blip>
+              <a:stretch>
+                <a:fillRect/>
+              </a:stretch>
+            </p:blipFill>
+            <p:spPr>
+              <a:xfrm>
+                <a:off x="12044122" y="8102349"/>
                 <a:ext cx="745835" cy="690108"/>
               </a:xfrm>
               <a:prstGeom prst="rect">
@@ -19971,7 +20022,7 @@
             </p:nvSpPr>
             <p:spPr>
               <a:xfrm>
-                <a:off x="7287406" y="7491204"/>
+                <a:off x="10226457" y="8421210"/>
                 <a:ext cx="360000" cy="360000"/>
               </a:xfrm>
               <a:prstGeom prst="ellipse">
@@ -20023,7 +20074,7 @@
             </p:nvSpPr>
             <p:spPr>
               <a:xfrm>
-                <a:off x="3555007" y="8925448"/>
+                <a:off x="6494058" y="9855454"/>
                 <a:ext cx="360000" cy="360000"/>
               </a:xfrm>
               <a:prstGeom prst="ellipse">
@@ -20077,7 +20128,7 @@
             </p:nvSpPr>
             <p:spPr>
               <a:xfrm>
-                <a:off x="3555007" y="8205448"/>
+                <a:off x="6494058" y="9135454"/>
                 <a:ext cx="360000" cy="360000"/>
               </a:xfrm>
               <a:prstGeom prst="ellipse">
@@ -20131,7 +20182,7 @@
             </p:nvSpPr>
             <p:spPr>
               <a:xfrm>
-                <a:off x="3555007" y="7485448"/>
+                <a:off x="6494058" y="8415454"/>
                 <a:ext cx="360000" cy="360000"/>
               </a:xfrm>
               <a:prstGeom prst="ellipse">
@@ -20185,7 +20236,7 @@
             </p:nvSpPr>
             <p:spPr>
               <a:xfrm>
-                <a:off x="4006231" y="8565448"/>
+                <a:off x="6945282" y="9495454"/>
                 <a:ext cx="360000" cy="360000"/>
               </a:xfrm>
               <a:prstGeom prst="ellipse">
@@ -20237,7 +20288,7 @@
             </p:nvSpPr>
             <p:spPr>
               <a:xfrm>
-                <a:off x="4006231" y="7845448"/>
+                <a:off x="6945282" y="8775454"/>
                 <a:ext cx="360000" cy="360000"/>
               </a:xfrm>
               <a:prstGeom prst="ellipse">
@@ -20289,7 +20340,7 @@
             </p:nvSpPr>
             <p:spPr>
               <a:xfrm>
-                <a:off x="4006231" y="7125448"/>
+                <a:off x="6945282" y="8055454"/>
                 <a:ext cx="360000" cy="360000"/>
               </a:xfrm>
               <a:prstGeom prst="ellipse">
@@ -20341,7 +20392,7 @@
             </p:nvSpPr>
             <p:spPr>
               <a:xfrm>
-                <a:off x="4452035" y="8204715"/>
+                <a:off x="7391086" y="9134721"/>
                 <a:ext cx="360000" cy="360000"/>
               </a:xfrm>
               <a:prstGeom prst="ellipse">
@@ -20393,7 +20444,7 @@
             </p:nvSpPr>
             <p:spPr>
               <a:xfrm>
-                <a:off x="4452035" y="7484715"/>
+                <a:off x="7391086" y="8414721"/>
                 <a:ext cx="360000" cy="360000"/>
               </a:xfrm>
               <a:prstGeom prst="ellipse">
@@ -20445,7 +20496,7 @@
             </p:nvSpPr>
             <p:spPr>
               <a:xfrm>
-                <a:off x="4452035" y="6764715"/>
+                <a:off x="7391086" y="7694721"/>
                 <a:ext cx="360000" cy="360000"/>
               </a:xfrm>
               <a:prstGeom prst="ellipse">
@@ -20497,7 +20548,7 @@
             </p:nvSpPr>
             <p:spPr>
               <a:xfrm>
-                <a:off x="3555007" y="9645448"/>
+                <a:off x="6494058" y="10575454"/>
                 <a:ext cx="360000" cy="360000"/>
               </a:xfrm>
               <a:prstGeom prst="ellipse">
@@ -20551,7 +20602,7 @@
             </p:nvSpPr>
             <p:spPr>
               <a:xfrm>
-                <a:off x="4006231" y="9285448"/>
+                <a:off x="6945282" y="10215454"/>
                 <a:ext cx="360000" cy="360000"/>
               </a:xfrm>
               <a:prstGeom prst="ellipse">
@@ -20605,7 +20656,7 @@
             </p:nvSpPr>
             <p:spPr>
               <a:xfrm>
-                <a:off x="4452035" y="8924715"/>
+                <a:off x="7391086" y="9854721"/>
                 <a:ext cx="360000" cy="360000"/>
               </a:xfrm>
               <a:prstGeom prst="ellipse">
@@ -20659,7 +20710,7 @@
             </p:nvSpPr>
             <p:spPr>
               <a:xfrm>
-                <a:off x="4897839" y="7844715"/>
+                <a:off x="7836890" y="8774721"/>
                 <a:ext cx="360000" cy="360000"/>
               </a:xfrm>
               <a:prstGeom prst="ellipse">
@@ -20711,7 +20762,7 @@
             </p:nvSpPr>
             <p:spPr>
               <a:xfrm>
-                <a:off x="4897839" y="7124715"/>
+                <a:off x="7836890" y="8054721"/>
                 <a:ext cx="360000" cy="360000"/>
               </a:xfrm>
               <a:prstGeom prst="ellipse">
@@ -20763,7 +20814,7 @@
             </p:nvSpPr>
             <p:spPr>
               <a:xfrm>
-                <a:off x="4897839" y="6404715"/>
+                <a:off x="7836890" y="7334721"/>
                 <a:ext cx="360000" cy="360000"/>
               </a:xfrm>
               <a:prstGeom prst="ellipse">
@@ -20815,7 +20866,7 @@
             </p:nvSpPr>
             <p:spPr>
               <a:xfrm>
-                <a:off x="4897839" y="8564715"/>
+                <a:off x="7836890" y="9494721"/>
                 <a:ext cx="360000" cy="360000"/>
               </a:xfrm>
               <a:prstGeom prst="ellipse">
@@ -20869,7 +20920,7 @@
             </p:nvSpPr>
             <p:spPr>
               <a:xfrm>
-                <a:off x="3555007" y="10365448"/>
+                <a:off x="6494058" y="11295454"/>
                 <a:ext cx="360000" cy="360000"/>
               </a:xfrm>
               <a:prstGeom prst="ellipse">
@@ -20923,7 +20974,7 @@
             </p:nvSpPr>
             <p:spPr>
               <a:xfrm>
-                <a:off x="4006231" y="10005448"/>
+                <a:off x="6945282" y="10935454"/>
                 <a:ext cx="360000" cy="360000"/>
               </a:xfrm>
               <a:prstGeom prst="ellipse">
@@ -20977,7 +21028,7 @@
             </p:nvSpPr>
             <p:spPr>
               <a:xfrm>
-                <a:off x="4452035" y="9644715"/>
+                <a:off x="7391086" y="10574721"/>
                 <a:ext cx="360000" cy="360000"/>
               </a:xfrm>
               <a:prstGeom prst="ellipse">
@@ -21031,7 +21082,7 @@
             </p:nvSpPr>
             <p:spPr>
               <a:xfrm>
-                <a:off x="4897839" y="9284715"/>
+                <a:off x="7836890" y="10214721"/>
                 <a:ext cx="360000" cy="360000"/>
               </a:xfrm>
               <a:prstGeom prst="ellipse">
@@ -21085,7 +21136,7 @@
             </p:nvSpPr>
             <p:spPr>
               <a:xfrm>
-                <a:off x="5345856" y="7484715"/>
+                <a:off x="8284907" y="8414721"/>
                 <a:ext cx="360000" cy="360000"/>
               </a:xfrm>
               <a:prstGeom prst="ellipse">
@@ -21139,7 +21190,7 @@
             </p:nvSpPr>
             <p:spPr>
               <a:xfrm>
-                <a:off x="5345856" y="6764715"/>
+                <a:off x="8284907" y="7694721"/>
                 <a:ext cx="360000" cy="360000"/>
               </a:xfrm>
               <a:prstGeom prst="ellipse">
@@ -21193,7 +21244,7 @@
             </p:nvSpPr>
             <p:spPr>
               <a:xfrm>
-                <a:off x="5345856" y="6044715"/>
+                <a:off x="8284907" y="6974721"/>
                 <a:ext cx="360000" cy="360000"/>
               </a:xfrm>
               <a:prstGeom prst="ellipse">
@@ -21247,7 +21298,7 @@
             </p:nvSpPr>
             <p:spPr>
               <a:xfrm>
-                <a:off x="5345856" y="8204715"/>
+                <a:off x="8284907" y="9134721"/>
                 <a:ext cx="360000" cy="360000"/>
               </a:xfrm>
               <a:prstGeom prst="ellipse">
@@ -21301,7 +21352,7 @@
             </p:nvSpPr>
             <p:spPr>
               <a:xfrm>
-                <a:off x="5345856" y="8924715"/>
+                <a:off x="8284907" y="9854721"/>
                 <a:ext cx="360000" cy="360000"/>
               </a:xfrm>
               <a:prstGeom prst="ellipse">
@@ -21359,7 +21410,7 @@
             </p:nvCxnSpPr>
             <p:spPr>
               <a:xfrm>
-                <a:off x="4812035" y="6944715"/>
+                <a:off x="7751086" y="7874721"/>
                 <a:ext cx="2475371" cy="726489"/>
               </a:xfrm>
               <a:prstGeom prst="line">
@@ -21404,7 +21455,7 @@
             </p:nvCxnSpPr>
             <p:spPr>
               <a:xfrm>
-                <a:off x="4366231" y="7305448"/>
+                <a:off x="7305282" y="8235454"/>
                 <a:ext cx="2921175" cy="365756"/>
               </a:xfrm>
               <a:prstGeom prst="line">
@@ -21449,7 +21500,7 @@
             </p:nvCxnSpPr>
             <p:spPr>
               <a:xfrm>
-                <a:off x="5257839" y="6584715"/>
+                <a:off x="8196890" y="7514721"/>
                 <a:ext cx="2029567" cy="1086489"/>
               </a:xfrm>
               <a:prstGeom prst="line">
@@ -21494,7 +21545,7 @@
             </p:nvCxnSpPr>
             <p:spPr>
               <a:xfrm>
-                <a:off x="5257839" y="7304715"/>
+                <a:off x="8196890" y="8234721"/>
                 <a:ext cx="2029567" cy="366489"/>
               </a:xfrm>
               <a:prstGeom prst="line">
@@ -21539,7 +21590,7 @@
             </p:nvCxnSpPr>
             <p:spPr>
               <a:xfrm flipV="1">
-                <a:off x="4366231" y="7671204"/>
+                <a:off x="7305282" y="8601210"/>
                 <a:ext cx="2921175" cy="354244"/>
               </a:xfrm>
               <a:prstGeom prst="line">
@@ -21584,7 +21635,7 @@
             </p:nvCxnSpPr>
             <p:spPr>
               <a:xfrm>
-                <a:off x="4812035" y="7664715"/>
+                <a:off x="7751086" y="8594721"/>
                 <a:ext cx="2475371" cy="6489"/>
               </a:xfrm>
               <a:prstGeom prst="line">
@@ -21629,7 +21680,7 @@
             </p:nvCxnSpPr>
             <p:spPr>
               <a:xfrm flipV="1">
-                <a:off x="5257839" y="7671204"/>
+                <a:off x="8196890" y="8601210"/>
                 <a:ext cx="2029567" cy="353511"/>
               </a:xfrm>
               <a:prstGeom prst="line">
@@ -21674,7 +21725,7 @@
             </p:nvCxnSpPr>
             <p:spPr>
               <a:xfrm flipV="1">
-                <a:off x="4366231" y="7671204"/>
+                <a:off x="7305282" y="8601210"/>
                 <a:ext cx="2921175" cy="1074244"/>
               </a:xfrm>
               <a:prstGeom prst="line">
@@ -21719,7 +21770,7 @@
             </p:nvCxnSpPr>
             <p:spPr>
               <a:xfrm flipV="1">
-                <a:off x="4812035" y="7671204"/>
+                <a:off x="7751086" y="8601210"/>
                 <a:ext cx="2475371" cy="713511"/>
               </a:xfrm>
               <a:prstGeom prst="line">
@@ -21760,12 +21811,12 @@
               </p:cNvPicPr>
               <p:nvPr>
                 <p:custDataLst>
-                  <p:tags r:id="rId15"/>
+                  <p:tags r:id="rId16"/>
                 </p:custDataLst>
               </p:nvPr>
             </p:nvPicPr>
             <p:blipFill>
-              <a:blip r:embed="rId33">
+              <a:blip r:embed="rId34">
                 <a:extLst>
                   <a:ext uri="{28A0092B-C50C-407E-A947-70E740481C1C}">
                     <a14:useLocalDpi xmlns:a14="http://schemas.microsoft.com/office/drawing/2010/main" val="0"/>
@@ -21778,7 +21829,7 @@
             </p:blipFill>
             <p:spPr>
               <a:xfrm>
-                <a:off x="6272622" y="6443440"/>
+                <a:off x="9211673" y="7373446"/>
                 <a:ext cx="744507" cy="689104"/>
               </a:xfrm>
               <a:prstGeom prst="rect">
@@ -21800,12 +21851,12 @@
               </p:cNvPicPr>
               <p:nvPr>
                 <p:custDataLst>
-                  <p:tags r:id="rId16"/>
+                  <p:tags r:id="rId17"/>
                 </p:custDataLst>
               </p:nvPr>
             </p:nvPicPr>
             <p:blipFill>
-              <a:blip r:embed="rId30">
+              <a:blip r:embed="rId31">
                 <a:extLst>
                   <a:ext uri="{28A0092B-C50C-407E-A947-70E740481C1C}">
                     <a14:useLocalDpi xmlns:a14="http://schemas.microsoft.com/office/drawing/2010/main" val="0"/>
@@ -21818,7 +21869,7 @@
             </p:blipFill>
             <p:spPr>
               <a:xfrm>
-                <a:off x="4718116" y="10434587"/>
+                <a:off x="7657167" y="11364593"/>
                 <a:ext cx="280368" cy="221721"/>
               </a:xfrm>
               <a:prstGeom prst="rect">
@@ -21840,7 +21891,7 @@
             </p:nvSpPr>
             <p:spPr>
               <a:xfrm>
-                <a:off x="6840322" y="7844715"/>
+                <a:off x="9779373" y="8774721"/>
                 <a:ext cx="360000" cy="360000"/>
               </a:xfrm>
               <a:prstGeom prst="ellipse">
@@ -21892,7 +21943,7 @@
             </p:nvSpPr>
             <p:spPr>
               <a:xfrm>
-                <a:off x="7287406" y="8204715"/>
+                <a:off x="10226457" y="9134721"/>
                 <a:ext cx="360000" cy="360000"/>
               </a:xfrm>
               <a:prstGeom prst="ellipse">
@@ -21944,7 +21995,7 @@
             </p:nvSpPr>
             <p:spPr>
               <a:xfrm>
-                <a:off x="6840322" y="8564715"/>
+                <a:off x="9779373" y="9494721"/>
                 <a:ext cx="360000" cy="360000"/>
               </a:xfrm>
               <a:prstGeom prst="ellipse">
@@ -21996,7 +22047,7 @@
             </p:nvSpPr>
             <p:spPr>
               <a:xfrm>
-                <a:off x="7736894" y="7844715"/>
+                <a:off x="10675945" y="8774721"/>
                 <a:ext cx="360000" cy="360000"/>
               </a:xfrm>
               <a:prstGeom prst="ellipse">
@@ -22048,7 +22099,7 @@
             </p:nvSpPr>
             <p:spPr>
               <a:xfrm>
-                <a:off x="7736894" y="7131204"/>
+                <a:off x="10675945" y="8061210"/>
                 <a:ext cx="360000" cy="360000"/>
               </a:xfrm>
               <a:prstGeom prst="ellipse">
@@ -22100,7 +22151,7 @@
             </p:nvSpPr>
             <p:spPr>
               <a:xfrm>
-                <a:off x="7282767" y="8912511"/>
+                <a:off x="10221818" y="9842517"/>
                 <a:ext cx="360000" cy="360000"/>
               </a:xfrm>
               <a:prstGeom prst="ellipse">
@@ -22152,7 +22203,7 @@
             </p:nvSpPr>
             <p:spPr>
               <a:xfrm>
-                <a:off x="6835683" y="9272511"/>
+                <a:off x="9774734" y="10202517"/>
                 <a:ext cx="360000" cy="360000"/>
               </a:xfrm>
               <a:prstGeom prst="ellipse">
@@ -22204,7 +22255,7 @@
             </p:nvSpPr>
             <p:spPr>
               <a:xfrm>
-                <a:off x="7732255" y="8552511"/>
+                <a:off x="10671306" y="9482517"/>
                 <a:ext cx="360000" cy="360000"/>
               </a:xfrm>
               <a:prstGeom prst="ellipse">
@@ -22256,7 +22307,7 @@
             </p:nvSpPr>
             <p:spPr>
               <a:xfrm>
-                <a:off x="10117888" y="8204715"/>
+                <a:off x="13056939" y="9134721"/>
                 <a:ext cx="360000" cy="360000"/>
               </a:xfrm>
               <a:prstGeom prst="ellipse">
@@ -22312,7 +22363,7 @@
             </p:nvCxnSpPr>
             <p:spPr>
               <a:xfrm>
-                <a:off x="8096894" y="7311204"/>
+                <a:off x="11035945" y="8241210"/>
                 <a:ext cx="2020994" cy="1073511"/>
               </a:xfrm>
               <a:prstGeom prst="line">
@@ -22357,7 +22408,7 @@
             </p:nvCxnSpPr>
             <p:spPr>
               <a:xfrm>
-                <a:off x="7647406" y="7671204"/>
+                <a:off x="10586457" y="8601210"/>
                 <a:ext cx="2470482" cy="713511"/>
               </a:xfrm>
               <a:prstGeom prst="line">
@@ -22402,7 +22453,7 @@
             </p:nvCxnSpPr>
             <p:spPr>
               <a:xfrm>
-                <a:off x="7200322" y="8024715"/>
+                <a:off x="10139373" y="8954721"/>
                 <a:ext cx="2917566" cy="360000"/>
               </a:xfrm>
               <a:prstGeom prst="line">
@@ -22447,7 +22498,7 @@
             </p:nvCxnSpPr>
             <p:spPr>
               <a:xfrm>
-                <a:off x="8096894" y="8024715"/>
+                <a:off x="11035945" y="8954721"/>
                 <a:ext cx="2020994" cy="360000"/>
               </a:xfrm>
               <a:prstGeom prst="line">
@@ -22492,7 +22543,7 @@
             </p:nvCxnSpPr>
             <p:spPr>
               <a:xfrm>
-                <a:off x="7647406" y="8384715"/>
+                <a:off x="10586457" y="9314721"/>
                 <a:ext cx="2470482" cy="0"/>
               </a:xfrm>
               <a:prstGeom prst="line">
@@ -22537,7 +22588,7 @@
             </p:nvCxnSpPr>
             <p:spPr>
               <a:xfrm flipV="1">
-                <a:off x="7200322" y="8384715"/>
+                <a:off x="10139373" y="9314721"/>
                 <a:ext cx="2917566" cy="360000"/>
               </a:xfrm>
               <a:prstGeom prst="line">
@@ -22582,7 +22633,7 @@
             </p:nvCxnSpPr>
             <p:spPr>
               <a:xfrm flipV="1">
-                <a:off x="7195683" y="8384715"/>
+                <a:off x="10134734" y="9314721"/>
                 <a:ext cx="2922205" cy="1067796"/>
               </a:xfrm>
               <a:prstGeom prst="line">
@@ -22627,7 +22678,7 @@
             </p:nvCxnSpPr>
             <p:spPr>
               <a:xfrm flipV="1">
-                <a:off x="7642767" y="8384715"/>
+                <a:off x="10581818" y="9314721"/>
                 <a:ext cx="2475121" cy="707796"/>
               </a:xfrm>
               <a:prstGeom prst="line">
@@ -22672,7 +22723,7 @@
             </p:nvCxnSpPr>
             <p:spPr>
               <a:xfrm flipV="1">
-                <a:off x="8092255" y="8384715"/>
+                <a:off x="11031306" y="9314721"/>
                 <a:ext cx="2025633" cy="347796"/>
               </a:xfrm>
               <a:prstGeom prst="line">
@@ -22715,7 +22766,7 @@
             </p:nvCxnSpPr>
             <p:spPr>
               <a:xfrm flipV="1">
-                <a:off x="3735007" y="7124715"/>
+                <a:off x="6674058" y="8054721"/>
                 <a:ext cx="180000" cy="147514"/>
               </a:xfrm>
               <a:prstGeom prst="straightConnector1">
@@ -22750,46 +22801,6 @@
                 <a:extLst>
                   <a:ext uri="{FF2B5EF4-FFF2-40B4-BE49-F238E27FC236}">
                     <a16:creationId xmlns:a16="http://schemas.microsoft.com/office/drawing/2014/main" id="{BDC4E487-9CC1-4FCF-9A4F-8B476C88454F}"/>
-                  </a:ext>
-                </a:extLst>
-              </p:cNvPr>
-              <p:cNvPicPr>
-                <a:picLocks noChangeAspect="1"/>
-              </p:cNvPicPr>
-              <p:nvPr>
-                <p:custDataLst>
-                  <p:tags r:id="rId17"/>
-                </p:custDataLst>
-              </p:nvPr>
-            </p:nvPicPr>
-            <p:blipFill>
-              <a:blip r:embed="rId40">
-                <a:extLst>
-                  <a:ext uri="{28A0092B-C50C-407E-A947-70E740481C1C}">
-                    <a14:useLocalDpi xmlns:a14="http://schemas.microsoft.com/office/drawing/2010/main" val="0"/>
-                  </a:ext>
-                </a:extLst>
-              </a:blip>
-              <a:stretch>
-                <a:fillRect/>
-              </a:stretch>
-            </p:blipFill>
-            <p:spPr>
-              <a:xfrm>
-                <a:off x="3019554" y="6463599"/>
-                <a:ext cx="1272292" cy="366995"/>
-              </a:xfrm>
-              <a:prstGeom prst="rect">
-                <a:avLst/>
-              </a:prstGeom>
-            </p:spPr>
-          </p:pic>
-          <p:pic>
-            <p:nvPicPr>
-              <p:cNvPr id="492" name="Grafik 491">
-                <a:extLst>
-                  <a:ext uri="{FF2B5EF4-FFF2-40B4-BE49-F238E27FC236}">
-                    <a16:creationId xmlns:a16="http://schemas.microsoft.com/office/drawing/2014/main" id="{D8ECA625-8925-4289-9A16-6F772A9AFA74}"/>
                   </a:ext>
                 </a:extLst>
               </p:cNvPr>
@@ -22816,7 +22827,47 @@
             </p:blipFill>
             <p:spPr>
               <a:xfrm>
-                <a:off x="9213070" y="5022457"/>
+                <a:off x="5958605" y="7393605"/>
+                <a:ext cx="1272292" cy="366995"/>
+              </a:xfrm>
+              <a:prstGeom prst="rect">
+                <a:avLst/>
+              </a:prstGeom>
+            </p:spPr>
+          </p:pic>
+          <p:pic>
+            <p:nvPicPr>
+              <p:cNvPr id="492" name="Grafik 491">
+                <a:extLst>
+                  <a:ext uri="{FF2B5EF4-FFF2-40B4-BE49-F238E27FC236}">
+                    <a16:creationId xmlns:a16="http://schemas.microsoft.com/office/drawing/2014/main" id="{D8ECA625-8925-4289-9A16-6F772A9AFA74}"/>
+                  </a:ext>
+                </a:extLst>
+              </p:cNvPr>
+              <p:cNvPicPr>
+                <a:picLocks noChangeAspect="1"/>
+              </p:cNvPicPr>
+              <p:nvPr>
+                <p:custDataLst>
+                  <p:tags r:id="rId19"/>
+                </p:custDataLst>
+              </p:nvPr>
+            </p:nvPicPr>
+            <p:blipFill>
+              <a:blip r:embed="rId42">
+                <a:extLst>
+                  <a:ext uri="{28A0092B-C50C-407E-A947-70E740481C1C}">
+                    <a14:useLocalDpi xmlns:a14="http://schemas.microsoft.com/office/drawing/2010/main" val="0"/>
+                  </a:ext>
+                </a:extLst>
+              </a:blip>
+              <a:stretch>
+                <a:fillRect/>
+              </a:stretch>
+            </p:blipFill>
+            <p:spPr>
+              <a:xfrm>
+                <a:off x="12152121" y="5952463"/>
                 <a:ext cx="2169636" cy="462820"/>
               </a:xfrm>
               <a:prstGeom prst="rect">
@@ -22830,46 +22881,6 @@
                 <a:extLst>
                   <a:ext uri="{FF2B5EF4-FFF2-40B4-BE49-F238E27FC236}">
                     <a16:creationId xmlns:a16="http://schemas.microsoft.com/office/drawing/2014/main" id="{19C79D5F-C918-454F-81DC-EE7AD6D97E0E}"/>
-                  </a:ext>
-                </a:extLst>
-              </p:cNvPr>
-              <p:cNvPicPr>
-                <a:picLocks noChangeAspect="1"/>
-              </p:cNvPicPr>
-              <p:nvPr>
-                <p:custDataLst>
-                  <p:tags r:id="rId19"/>
-                </p:custDataLst>
-              </p:nvPr>
-            </p:nvPicPr>
-            <p:blipFill>
-              <a:blip r:embed="rId35">
-                <a:extLst>
-                  <a:ext uri="{28A0092B-C50C-407E-A947-70E740481C1C}">
-                    <a14:useLocalDpi xmlns:a14="http://schemas.microsoft.com/office/drawing/2010/main" val="0"/>
-                  </a:ext>
-                </a:extLst>
-              </a:blip>
-              <a:stretch>
-                <a:fillRect/>
-              </a:stretch>
-            </p:blipFill>
-            <p:spPr>
-              <a:xfrm>
-                <a:off x="3587215" y="5022457"/>
-                <a:ext cx="2087164" cy="455686"/>
-              </a:xfrm>
-              <a:prstGeom prst="rect">
-                <a:avLst/>
-              </a:prstGeom>
-            </p:spPr>
-          </p:pic>
-          <p:pic>
-            <p:nvPicPr>
-              <p:cNvPr id="494" name="Grafik 493">
-                <a:extLst>
-                  <a:ext uri="{FF2B5EF4-FFF2-40B4-BE49-F238E27FC236}">
-                    <a16:creationId xmlns:a16="http://schemas.microsoft.com/office/drawing/2014/main" id="{2A2E76F7-17AC-4981-B9CC-34EF7E8845D4}"/>
                   </a:ext>
                 </a:extLst>
               </p:cNvPr>
@@ -22896,7 +22907,47 @@
             </p:blipFill>
             <p:spPr>
               <a:xfrm>
-                <a:off x="6469364" y="5022457"/>
+                <a:off x="6526266" y="5952463"/>
+                <a:ext cx="2087164" cy="455686"/>
+              </a:xfrm>
+              <a:prstGeom prst="rect">
+                <a:avLst/>
+              </a:prstGeom>
+            </p:spPr>
+          </p:pic>
+          <p:pic>
+            <p:nvPicPr>
+              <p:cNvPr id="494" name="Grafik 493">
+                <a:extLst>
+                  <a:ext uri="{FF2B5EF4-FFF2-40B4-BE49-F238E27FC236}">
+                    <a16:creationId xmlns:a16="http://schemas.microsoft.com/office/drawing/2014/main" id="{2A2E76F7-17AC-4981-B9CC-34EF7E8845D4}"/>
+                  </a:ext>
+                </a:extLst>
+              </p:cNvPr>
+              <p:cNvPicPr>
+                <a:picLocks noChangeAspect="1"/>
+              </p:cNvPicPr>
+              <p:nvPr>
+                <p:custDataLst>
+                  <p:tags r:id="rId21"/>
+                </p:custDataLst>
+              </p:nvPr>
+            </p:nvPicPr>
+            <p:blipFill>
+              <a:blip r:embed="rId37">
+                <a:extLst>
+                  <a:ext uri="{28A0092B-C50C-407E-A947-70E740481C1C}">
+                    <a14:useLocalDpi xmlns:a14="http://schemas.microsoft.com/office/drawing/2010/main" val="0"/>
+                  </a:ext>
+                </a:extLst>
+              </a:blip>
+              <a:stretch>
+                <a:fillRect/>
+              </a:stretch>
+            </p:blipFill>
+            <p:spPr>
+              <a:xfrm>
+                <a:off x="9408415" y="5952463"/>
                 <a:ext cx="1986805" cy="455629"/>
               </a:xfrm>
               <a:prstGeom prst="rect">
@@ -23093,7 +23144,7 @@
             </p:nvPr>
           </p:nvPicPr>
           <p:blipFill>
-            <a:blip r:embed="rId42">
+            <a:blip r:embed="rId43">
               <a:extLst>
                 <a:ext uri="{28A0092B-C50C-407E-A947-70E740481C1C}">
                   <a14:useLocalDpi xmlns:a14="http://schemas.microsoft.com/office/drawing/2010/main" val="0"/>
@@ -23133,7 +23184,7 @@
             </p:nvPr>
           </p:nvPicPr>
           <p:blipFill>
-            <a:blip r:embed="rId43">
+            <a:blip r:embed="rId44">
               <a:extLst>
                 <a:ext uri="{28A0092B-C50C-407E-A947-70E740481C1C}">
                   <a14:useLocalDpi xmlns:a14="http://schemas.microsoft.com/office/drawing/2010/main" val="0"/>
@@ -23173,7 +23224,7 @@
             </p:nvPr>
           </p:nvPicPr>
           <p:blipFill>
-            <a:blip r:embed="rId44">
+            <a:blip r:embed="rId45">
               <a:extLst>
                 <a:ext uri="{28A0092B-C50C-407E-A947-70E740481C1C}">
                   <a14:useLocalDpi xmlns:a14="http://schemas.microsoft.com/office/drawing/2010/main" val="0"/>
@@ -23213,7 +23264,7 @@
             </p:nvPr>
           </p:nvPicPr>
           <p:blipFill>
-            <a:blip r:embed="rId45">
+            <a:blip r:embed="rId46">
               <a:extLst>
                 <a:ext uri="{28A0092B-C50C-407E-A947-70E740481C1C}">
                   <a14:useLocalDpi xmlns:a14="http://schemas.microsoft.com/office/drawing/2010/main" val="0"/>
@@ -23253,7 +23304,7 @@
             </p:nvPr>
           </p:nvPicPr>
           <p:blipFill>
-            <a:blip r:embed="rId46">
+            <a:blip r:embed="rId47">
               <a:extLst>
                 <a:ext uri="{28A0092B-C50C-407E-A947-70E740481C1C}">
                   <a14:useLocalDpi xmlns:a14="http://schemas.microsoft.com/office/drawing/2010/main" val="0"/>
@@ -23293,7 +23344,7 @@
             </p:nvPr>
           </p:nvPicPr>
           <p:blipFill>
-            <a:blip r:embed="rId47">
+            <a:blip r:embed="rId48">
               <a:extLst>
                 <a:ext uri="{28A0092B-C50C-407E-A947-70E740481C1C}">
                   <a14:useLocalDpi xmlns:a14="http://schemas.microsoft.com/office/drawing/2010/main" val="0"/>
@@ -23333,7 +23384,7 @@
             </p:nvPr>
           </p:nvPicPr>
           <p:blipFill>
-            <a:blip r:embed="rId48">
+            <a:blip r:embed="rId49">
               <a:extLst>
                 <a:ext uri="{28A0092B-C50C-407E-A947-70E740481C1C}">
                   <a14:useLocalDpi xmlns:a14="http://schemas.microsoft.com/office/drawing/2010/main" val="0"/>
@@ -23373,7 +23424,7 @@
             </p:nvPr>
           </p:nvPicPr>
           <p:blipFill>
-            <a:blip r:embed="rId49">
+            <a:blip r:embed="rId50">
               <a:extLst>
                 <a:ext uri="{28A0092B-C50C-407E-A947-70E740481C1C}">
                   <a14:useLocalDpi xmlns:a14="http://schemas.microsoft.com/office/drawing/2010/main" val="0"/>
@@ -23465,7 +23516,7 @@
             </p:nvPr>
           </p:nvPicPr>
           <p:blipFill>
-            <a:blip r:embed="rId50">
+            <a:blip r:embed="rId51">
               <a:extLst>
                 <a:ext uri="{28A0092B-C50C-407E-A947-70E740481C1C}">
                   <a14:useLocalDpi xmlns:a14="http://schemas.microsoft.com/office/drawing/2010/main" val="0"/>
@@ -23505,7 +23556,7 @@
             </p:nvPr>
           </p:nvPicPr>
           <p:blipFill>
-            <a:blip r:embed="rId51">
+            <a:blip r:embed="rId52">
               <a:extLst>
                 <a:ext uri="{28A0092B-C50C-407E-A947-70E740481C1C}">
                   <a14:useLocalDpi xmlns:a14="http://schemas.microsoft.com/office/drawing/2010/main" val="0"/>
@@ -23545,7 +23596,7 @@
             </p:nvPr>
           </p:nvPicPr>
           <p:blipFill>
-            <a:blip r:embed="rId52">
+            <a:blip r:embed="rId53">
               <a:extLst>
                 <a:ext uri="{28A0092B-C50C-407E-A947-70E740481C1C}">
                   <a14:useLocalDpi xmlns:a14="http://schemas.microsoft.com/office/drawing/2010/main" val="0"/>
@@ -38967,11 +39018,11 @@
 <file path=ppt/tags/tag133.xml><?xml version="1.0" encoding="utf-8"?>
 <p:tagLst xmlns:a="http://schemas.openxmlformats.org/drawingml/2006/main" xmlns:r="http://schemas.openxmlformats.org/officeDocument/2006/relationships" xmlns:p="http://schemas.openxmlformats.org/presentationml/2006/main">
   <p:tag name="OUTPUTDPI" val="1200"/>
-  <p:tag name="ORIGINALHEIGHT" val="87,73905"/>
-  <p:tag name="ORIGINALWIDTH" val="244,4695"/>
-  <p:tag name="LATEXADDIN" val="\documentclass{article}&#10;\usepackage{amsmath}&#10;\usepackage{color}&#10;\pagestyle{empty}&#10;\begin{document}&#10;%\color{white}&#10;\begin{equation}&#10;\tanh&#10;\nonumber&#10;\end{equation}&#10;\end{document}"/>
+  <p:tag name="ORIGINALHEIGHT" val="54,74315"/>
+  <p:tag name="ORIGINALWIDTH" val="66,74165"/>
+  <p:tag name="LATEXADDIN" val="\documentclass{article}&#10;\usepackage{amsmath}&#10;\usepackage{color}&#10;\pagestyle{empty}&#10;\begin{document}&#10;%\color{white}&#10;\begin{equation}&#10;\sigma&#10;\nonumber&#10;\end{equation}&#10;\end{document}"/>
   <p:tag name="IGUANATEXSIZE" val="20"/>
-  <p:tag name="IGUANATEXCURSOR" val="136"/>
+  <p:tag name="IGUANATEXCURSOR" val="137"/>
   <p:tag name="TRANSPARENCY" val="Wahr"/>
   <p:tag name="FILENAME" val=""/>
   <p:tag name="LATEXENGINEID" val="0"/>
@@ -38984,6 +39035,82 @@
 </file>
 
 <file path=ppt/tags/tag134.xml><?xml version="1.0" encoding="utf-8"?>
+<p:tagLst xmlns:a="http://schemas.openxmlformats.org/drawingml/2006/main" xmlns:r="http://schemas.openxmlformats.org/officeDocument/2006/relationships" xmlns:p="http://schemas.openxmlformats.org/presentationml/2006/main">
+  <p:tag name="OUTPUTDPI" val="1200"/>
+  <p:tag name="ORIGINALHEIGHT" val="54,74315"/>
+  <p:tag name="ORIGINALWIDTH" val="66,74165"/>
+  <p:tag name="LATEXADDIN" val="\documentclass{article}&#10;\usepackage{amsmath}&#10;\usepackage{color}&#10;\pagestyle{empty}&#10;\begin{document}&#10;%\color{white}&#10;\begin{equation}&#10;\sigma&#10;\nonumber&#10;\end{equation}&#10;\end{document}"/>
+  <p:tag name="IGUANATEXSIZE" val="20"/>
+  <p:tag name="IGUANATEXCURSOR" val="137"/>
+  <p:tag name="TRANSPARENCY" val="Wahr"/>
+  <p:tag name="FILENAME" val=""/>
+  <p:tag name="LATEXENGINEID" val="0"/>
+  <p:tag name="TEMPFOLDER" val="c:\temp\"/>
+  <p:tag name="LATEXFORMHEIGHT" val="312"/>
+  <p:tag name="LATEXFORMWIDTH" val="384"/>
+  <p:tag name="LATEXFORMWRAP" val="Wahr"/>
+  <p:tag name="BITMAPVECTOR" val="0"/>
+</p:tagLst>
+</file>
+
+<file path=ppt/tags/tag135.xml><?xml version="1.0" encoding="utf-8"?>
+<p:tagLst xmlns:a="http://schemas.openxmlformats.org/drawingml/2006/main" xmlns:r="http://schemas.openxmlformats.org/officeDocument/2006/relationships" xmlns:p="http://schemas.openxmlformats.org/presentationml/2006/main">
+  <p:tag name="OUTPUTDPI" val="1200"/>
+  <p:tag name="ORIGINALHEIGHT" val="59,99252"/>
+  <p:tag name="ORIGINALWIDTH" val="60,74244"/>
+  <p:tag name="LATEXADDIN" val="\documentclass{article}&#10;\usepackage{amsmath}&#10;\usepackage{color}&#10;\pagestyle{empty}&#10;\begin{document}&#10;%\color{white}&#10;\begin{equation}&#10;\times&#10;\nonumber&#10;\end{equation}&#10;\end{document}"/>
+  <p:tag name="IGUANATEXSIZE" val="20"/>
+  <p:tag name="IGUANATEXCURSOR" val="133"/>
+  <p:tag name="TRANSPARENCY" val="Wahr"/>
+  <p:tag name="FILENAME" val=""/>
+  <p:tag name="LATEXENGINEID" val="0"/>
+  <p:tag name="TEMPFOLDER" val="c:\temp\"/>
+  <p:tag name="LATEXFORMHEIGHT" val="312"/>
+  <p:tag name="LATEXFORMWIDTH" val="384"/>
+  <p:tag name="LATEXFORMWRAP" val="Wahr"/>
+  <p:tag name="BITMAPVECTOR" val="0"/>
+</p:tagLst>
+</file>
+
+<file path=ppt/tags/tag136.xml><?xml version="1.0" encoding="utf-8"?>
+<p:tagLst xmlns:a="http://schemas.openxmlformats.org/drawingml/2006/main" xmlns:r="http://schemas.openxmlformats.org/officeDocument/2006/relationships" xmlns:p="http://schemas.openxmlformats.org/presentationml/2006/main">
+  <p:tag name="OUTPUTDPI" val="1200"/>
+  <p:tag name="ORIGINALHEIGHT" val="59,99252"/>
+  <p:tag name="ORIGINALWIDTH" val="60,74244"/>
+  <p:tag name="LATEXADDIN" val="\documentclass{article}&#10;\usepackage{amsmath}&#10;\usepackage{color}&#10;\pagestyle{empty}&#10;\begin{document}&#10;%\color{white}&#10;\begin{equation}&#10;\times&#10;\nonumber&#10;\end{equation}&#10;\end{document}"/>
+  <p:tag name="IGUANATEXSIZE" val="20"/>
+  <p:tag name="IGUANATEXCURSOR" val="133"/>
+  <p:tag name="TRANSPARENCY" val="Wahr"/>
+  <p:tag name="FILENAME" val=""/>
+  <p:tag name="LATEXENGINEID" val="0"/>
+  <p:tag name="TEMPFOLDER" val="c:\temp\"/>
+  <p:tag name="LATEXFORMHEIGHT" val="312"/>
+  <p:tag name="LATEXFORMWIDTH" val="384"/>
+  <p:tag name="LATEXFORMWRAP" val="Wahr"/>
+  <p:tag name="BITMAPVECTOR" val="0"/>
+</p:tagLst>
+</file>
+
+<file path=ppt/tags/tag137.xml><?xml version="1.0" encoding="utf-8"?>
+<p:tagLst xmlns:a="http://schemas.openxmlformats.org/drawingml/2006/main" xmlns:r="http://schemas.openxmlformats.org/officeDocument/2006/relationships" xmlns:p="http://schemas.openxmlformats.org/presentationml/2006/main">
+  <p:tag name="OUTPUTDPI" val="1200"/>
+  <p:tag name="ORIGINALHEIGHT" val="59,99252"/>
+  <p:tag name="ORIGINALWIDTH" val="60,74244"/>
+  <p:tag name="LATEXADDIN" val="\documentclass{article}&#10;\usepackage{amsmath}&#10;\usepackage{color}&#10;\pagestyle{empty}&#10;\begin{document}&#10;%\color{white}&#10;\begin{equation}&#10;\times&#10;\nonumber&#10;\end{equation}&#10;\end{document}"/>
+  <p:tag name="IGUANATEXSIZE" val="20"/>
+  <p:tag name="IGUANATEXCURSOR" val="133"/>
+  <p:tag name="TRANSPARENCY" val="Wahr"/>
+  <p:tag name="FILENAME" val=""/>
+  <p:tag name="LATEXENGINEID" val="0"/>
+  <p:tag name="TEMPFOLDER" val="c:\temp\"/>
+  <p:tag name="LATEXFORMHEIGHT" val="312"/>
+  <p:tag name="LATEXFORMWIDTH" val="384"/>
+  <p:tag name="LATEXFORMWRAP" val="Wahr"/>
+  <p:tag name="BITMAPVECTOR" val="0"/>
+</p:tagLst>
+</file>
+
+<file path=ppt/tags/tag138.xml><?xml version="1.0" encoding="utf-8"?>
 <p:tagLst xmlns:a="http://schemas.openxmlformats.org/drawingml/2006/main" xmlns:r="http://schemas.openxmlformats.org/officeDocument/2006/relationships" xmlns:p="http://schemas.openxmlformats.org/presentationml/2006/main">
   <p:tag name="OUTPUTDPI" val="1200"/>
   <p:tag name="ORIGINALHEIGHT" val="87,73905"/>
@@ -39002,90 +39129,14 @@
 </p:tagLst>
 </file>
 
-<file path=ppt/tags/tag135.xml><?xml version="1.0" encoding="utf-8"?>
-<p:tagLst xmlns:a="http://schemas.openxmlformats.org/drawingml/2006/main" xmlns:r="http://schemas.openxmlformats.org/officeDocument/2006/relationships" xmlns:p="http://schemas.openxmlformats.org/presentationml/2006/main">
-  <p:tag name="OUTPUTDPI" val="1200"/>
-  <p:tag name="ORIGINALHEIGHT" val="54,74315"/>
-  <p:tag name="ORIGINALWIDTH" val="66,74165"/>
-  <p:tag name="LATEXADDIN" val="\documentclass{article}&#10;\usepackage{amsmath}&#10;\usepackage{color}&#10;\pagestyle{empty}&#10;\begin{document}&#10;%\color{white}&#10;\begin{equation}&#10;\sigma&#10;\nonumber&#10;\end{equation}&#10;\end{document}"/>
-  <p:tag name="IGUANATEXSIZE" val="20"/>
-  <p:tag name="IGUANATEXCURSOR" val="137"/>
-  <p:tag name="TRANSPARENCY" val="Wahr"/>
-  <p:tag name="FILENAME" val=""/>
-  <p:tag name="LATEXENGINEID" val="0"/>
-  <p:tag name="TEMPFOLDER" val="c:\temp\"/>
-  <p:tag name="LATEXFORMHEIGHT" val="312"/>
-  <p:tag name="LATEXFORMWIDTH" val="384"/>
-  <p:tag name="LATEXFORMWRAP" val="Wahr"/>
-  <p:tag name="BITMAPVECTOR" val="0"/>
-</p:tagLst>
-</file>
-
-<file path=ppt/tags/tag136.xml><?xml version="1.0" encoding="utf-8"?>
-<p:tagLst xmlns:a="http://schemas.openxmlformats.org/drawingml/2006/main" xmlns:r="http://schemas.openxmlformats.org/officeDocument/2006/relationships" xmlns:p="http://schemas.openxmlformats.org/presentationml/2006/main">
-  <p:tag name="OUTPUTDPI" val="1200"/>
-  <p:tag name="ORIGINALHEIGHT" val="54,74315"/>
-  <p:tag name="ORIGINALWIDTH" val="66,74165"/>
-  <p:tag name="LATEXADDIN" val="\documentclass{article}&#10;\usepackage{amsmath}&#10;\usepackage{color}&#10;\pagestyle{empty}&#10;\begin{document}&#10;%\color{white}&#10;\begin{equation}&#10;\sigma&#10;\nonumber&#10;\end{equation}&#10;\end{document}"/>
-  <p:tag name="IGUANATEXSIZE" val="20"/>
-  <p:tag name="IGUANATEXCURSOR" val="137"/>
-  <p:tag name="TRANSPARENCY" val="Wahr"/>
-  <p:tag name="FILENAME" val=""/>
-  <p:tag name="LATEXENGINEID" val="0"/>
-  <p:tag name="TEMPFOLDER" val="c:\temp\"/>
-  <p:tag name="LATEXFORMHEIGHT" val="312"/>
-  <p:tag name="LATEXFORMWIDTH" val="384"/>
-  <p:tag name="LATEXFORMWRAP" val="Wahr"/>
-  <p:tag name="BITMAPVECTOR" val="0"/>
-</p:tagLst>
-</file>
-
-<file path=ppt/tags/tag137.xml><?xml version="1.0" encoding="utf-8"?>
-<p:tagLst xmlns:a="http://schemas.openxmlformats.org/drawingml/2006/main" xmlns:r="http://schemas.openxmlformats.org/officeDocument/2006/relationships" xmlns:p="http://schemas.openxmlformats.org/presentationml/2006/main">
-  <p:tag name="OUTPUTDPI" val="1200"/>
-  <p:tag name="ORIGINALHEIGHT" val="54,74315"/>
-  <p:tag name="ORIGINALWIDTH" val="66,74165"/>
-  <p:tag name="LATEXADDIN" val="\documentclass{article}&#10;\usepackage{amsmath}&#10;\usepackage{color}&#10;\pagestyle{empty}&#10;\begin{document}&#10;%\color{white}&#10;\begin{equation}&#10;\sigma&#10;\nonumber&#10;\end{equation}&#10;\end{document}"/>
-  <p:tag name="IGUANATEXSIZE" val="20"/>
-  <p:tag name="IGUANATEXCURSOR" val="137"/>
-  <p:tag name="TRANSPARENCY" val="Wahr"/>
-  <p:tag name="FILENAME" val=""/>
-  <p:tag name="LATEXENGINEID" val="0"/>
-  <p:tag name="TEMPFOLDER" val="c:\temp\"/>
-  <p:tag name="LATEXFORMHEIGHT" val="312"/>
-  <p:tag name="LATEXFORMWIDTH" val="384"/>
-  <p:tag name="LATEXFORMWRAP" val="Wahr"/>
-  <p:tag name="BITMAPVECTOR" val="0"/>
-</p:tagLst>
-</file>
-
-<file path=ppt/tags/tag138.xml><?xml version="1.0" encoding="utf-8"?>
-<p:tagLst xmlns:a="http://schemas.openxmlformats.org/drawingml/2006/main" xmlns:r="http://schemas.openxmlformats.org/officeDocument/2006/relationships" xmlns:p="http://schemas.openxmlformats.org/presentationml/2006/main">
-  <p:tag name="OUTPUTDPI" val="1200"/>
-  <p:tag name="ORIGINALHEIGHT" val="59,99252"/>
-  <p:tag name="ORIGINALWIDTH" val="60,74244"/>
-  <p:tag name="LATEXADDIN" val="\documentclass{article}&#10;\usepackage{amsmath}&#10;\usepackage{color}&#10;\pagestyle{empty}&#10;\begin{document}&#10;%\color{white}&#10;\begin{equation}&#10;\times&#10;\nonumber&#10;\end{equation}&#10;\end{document}"/>
-  <p:tag name="IGUANATEXSIZE" val="20"/>
-  <p:tag name="IGUANATEXCURSOR" val="133"/>
-  <p:tag name="TRANSPARENCY" val="Wahr"/>
-  <p:tag name="FILENAME" val=""/>
-  <p:tag name="LATEXENGINEID" val="0"/>
-  <p:tag name="TEMPFOLDER" val="c:\temp\"/>
-  <p:tag name="LATEXFORMHEIGHT" val="312"/>
-  <p:tag name="LATEXFORMWIDTH" val="384"/>
-  <p:tag name="LATEXFORMWRAP" val="Wahr"/>
-  <p:tag name="BITMAPVECTOR" val="0"/>
-</p:tagLst>
-</file>
-
 <file path=ppt/tags/tag139.xml><?xml version="1.0" encoding="utf-8"?>
 <p:tagLst xmlns:a="http://schemas.openxmlformats.org/drawingml/2006/main" xmlns:r="http://schemas.openxmlformats.org/officeDocument/2006/relationships" xmlns:p="http://schemas.openxmlformats.org/presentationml/2006/main">
   <p:tag name="OUTPUTDPI" val="1200"/>
-  <p:tag name="ORIGINALHEIGHT" val="83,23961"/>
-  <p:tag name="ORIGINALWIDTH" val="83,23961"/>
-  <p:tag name="LATEXADDIN" val="\documentclass{article}&#10;\usepackage{amsmath}&#10;\usepackage{color}&#10;\pagestyle{empty}&#10;\begin{document}&#10;%\color{white}&#10;\begin{equation}&#10;+&#10;\nonumber&#10;\end{equation}&#10;\end{document}"/>
+  <p:tag name="ORIGINALHEIGHT" val="87,73905"/>
+  <p:tag name="ORIGINALWIDTH" val="244,4695"/>
+  <p:tag name="LATEXADDIN" val="\documentclass{article}&#10;\usepackage{amsmath}&#10;\usepackage{color}&#10;\pagestyle{empty}&#10;\begin{document}&#10;%\color{white}&#10;\begin{equation}&#10;\tanh&#10;\nonumber&#10;\end{equation}&#10;\end{document}"/>
   <p:tag name="IGUANATEXSIZE" val="20"/>
-  <p:tag name="IGUANATEXCURSOR" val="132"/>
+  <p:tag name="IGUANATEXCURSOR" val="136"/>
   <p:tag name="TRANSPARENCY" val="Wahr"/>
   <p:tag name="FILENAME" val=""/>
   <p:tag name="LATEXENGINEID" val="0"/>
@@ -39119,11 +39170,11 @@
 <file path=ppt/tags/tag140.xml><?xml version="1.0" encoding="utf-8"?>
 <p:tagLst xmlns:a="http://schemas.openxmlformats.org/drawingml/2006/main" xmlns:r="http://schemas.openxmlformats.org/officeDocument/2006/relationships" xmlns:p="http://schemas.openxmlformats.org/presentationml/2006/main">
   <p:tag name="OUTPUTDPI" val="1200"/>
-  <p:tag name="ORIGINALHEIGHT" val="59,99252"/>
-  <p:tag name="ORIGINALWIDTH" val="60,74244"/>
-  <p:tag name="LATEXADDIN" val="\documentclass{article}&#10;\usepackage{amsmath}&#10;\usepackage{color}&#10;\pagestyle{empty}&#10;\begin{document}&#10;%\color{white}&#10;\begin{equation}&#10;\times&#10;\nonumber&#10;\end{equation}&#10;\end{document}"/>
+  <p:tag name="ORIGINALHEIGHT" val="54,74315"/>
+  <p:tag name="ORIGINALWIDTH" val="66,74165"/>
+  <p:tag name="LATEXADDIN" val="\documentclass{article}&#10;\usepackage{amsmath}&#10;\usepackage{color}&#10;\pagestyle{empty}&#10;\begin{document}&#10;%\color{white}&#10;\begin{equation}&#10;\sigma&#10;\nonumber&#10;\end{equation}&#10;\end{document}"/>
   <p:tag name="IGUANATEXSIZE" val="20"/>
-  <p:tag name="IGUANATEXCURSOR" val="133"/>
+  <p:tag name="IGUANATEXCURSOR" val="137"/>
   <p:tag name="TRANSPARENCY" val="Wahr"/>
   <p:tag name="FILENAME" val=""/>
   <p:tag name="LATEXENGINEID" val="0"/>
@@ -39138,11 +39189,11 @@
 <file path=ppt/tags/tag141.xml><?xml version="1.0" encoding="utf-8"?>
 <p:tagLst xmlns:a="http://schemas.openxmlformats.org/drawingml/2006/main" xmlns:r="http://schemas.openxmlformats.org/officeDocument/2006/relationships" xmlns:p="http://schemas.openxmlformats.org/presentationml/2006/main">
   <p:tag name="OUTPUTDPI" val="1200"/>
-  <p:tag name="ORIGINALHEIGHT" val="59,99252"/>
-  <p:tag name="ORIGINALWIDTH" val="60,74244"/>
-  <p:tag name="LATEXADDIN" val="\documentclass{article}&#10;\usepackage{amsmath}&#10;\usepackage{color}&#10;\pagestyle{empty}&#10;\begin{document}&#10;%\color{white}&#10;\begin{equation}&#10;\times&#10;\nonumber&#10;\end{equation}&#10;\end{document}"/>
+  <p:tag name="ORIGINALHEIGHT" val="83,23961"/>
+  <p:tag name="ORIGINALWIDTH" val="83,23961"/>
+  <p:tag name="LATEXADDIN" val="\documentclass{article}&#10;\usepackage{amsmath}&#10;\usepackage{color}&#10;\pagestyle{empty}&#10;\begin{document}&#10;%\color{white}&#10;\begin{equation}&#10;+&#10;\nonumber&#10;\end{equation}&#10;\end{document}"/>
   <p:tag name="IGUANATEXSIZE" val="20"/>
-  <p:tag name="IGUANATEXCURSOR" val="133"/>
+  <p:tag name="IGUANATEXCURSOR" val="132"/>
   <p:tag name="TRANSPARENCY" val="Wahr"/>
   <p:tag name="FILENAME" val=""/>
   <p:tag name="LATEXENGINEID" val="0"/>
@@ -39992,31 +40043,19 @@
 
 <file path=ppt/tags/tag182.xml><?xml version="1.0" encoding="utf-8"?>
 <p:tagLst xmlns:a="http://schemas.openxmlformats.org/drawingml/2006/main" xmlns:r="http://schemas.openxmlformats.org/officeDocument/2006/relationships" xmlns:p="http://schemas.openxmlformats.org/presentationml/2006/main">
-  <p:tag name="OUTPUTDPI" val="1200"/>
-  <p:tag name="ORIGINALHEIGHT" val="140,9824"/>
-  <p:tag name="ORIGINALWIDTH" val="1298,088"/>
-  <p:tag name="LATEXADDIN" val="\documentclass{article}&#10;\usepackage{amsmath}&#10;\usepackage{bm}&#10;\usepackage{color}&#10;\pagestyle{empty}&#10;\begin{document}&#10;%\color{white}&#10;\begin{equation}&#10;\bm{y}^{0,0} = f(\bm{k}^{0,0}*\bm{x} + \bm{b}^{0,0})&#10;\nonumber&#10;\end{equation}&#10;\end{document}"/>
-  <p:tag name="IGUANATEXSIZE" val="20"/>
-  <p:tag name="IGUANATEXCURSOR" val="197"/>
-  <p:tag name="TRANSPARENCY" val="Wahr"/>
-  <p:tag name="FILENAME" val=""/>
-  <p:tag name="LATEXENGINEID" val="0"/>
-  <p:tag name="TEMPFOLDER" val="c:\temp\"/>
-  <p:tag name="LATEXFORMHEIGHT" val="312"/>
-  <p:tag name="LATEXFORMWIDTH" val="384"/>
-  <p:tag name="LATEXFORMWRAP" val="Wahr"/>
-  <p:tag name="BITMAPVECTOR" val="0"/>
+  <p:tag name="SELECTIONNAME" val="Group 10"/>
+  <p:tag name="LAYER" val="2"/>
 </p:tagLst>
 </file>
 
 <file path=ppt/tags/tag183.xml><?xml version="1.0" encoding="utf-8"?>
 <p:tagLst xmlns:a="http://schemas.openxmlformats.org/drawingml/2006/main" xmlns:r="http://schemas.openxmlformats.org/officeDocument/2006/relationships" xmlns:p="http://schemas.openxmlformats.org/presentationml/2006/main">
   <p:tag name="OUTPUTDPI" val="1200"/>
-  <p:tag name="ORIGINALHEIGHT" val="140,9824"/>
-  <p:tag name="ORIGINALWIDTH" val="1429,321"/>
-  <p:tag name="LATEXADDIN" val="\documentclass{article}&#10;\usepackage{amsmath}&#10;\usepackage{bm}&#10;\usepackage{color}&#10;\pagestyle{empty}&#10;\begin{document}&#10;%\color{white}&#10;\begin{equation}&#10;\bm{y}^{1,0} = f(\bm{k}^{1,0}*\bm{y}^{0,0} + \bm{b}^{1,0})&#10;\nonumber&#10;\end{equation}&#10;\end{document}"/>
+  <p:tag name="ORIGINALHEIGHT" val="134,9832"/>
+  <p:tag name="ORIGINALWIDTH" val="197,9753"/>
+  <p:tag name="LATEXADDIN" val="\documentclass{article}&#10;\usepackage{amsmath}&#10;\usepackage{bm}&#10;\usepackage{color}&#10;\pagestyle{empty}&#10;\begin{document}&#10;%\color{white}&#10;\begin{equation}&#10;\bm{y}^{0,0}&#10;\nonumber&#10;\end{equation}&#10;\end{document}"/>
   <p:tag name="IGUANATEXSIZE" val="20"/>
-  <p:tag name="IGUANATEXCURSOR" val="203"/>
+  <p:tag name="IGUANATEXCURSOR" val="160"/>
   <p:tag name="TRANSPARENCY" val="Wahr"/>
   <p:tag name="FILENAME" val=""/>
   <p:tag name="LATEXENGINEID" val="0"/>
@@ -40029,6 +40068,25 @@
 </file>
 
 <file path=ppt/tags/tag184.xml><?xml version="1.0" encoding="utf-8"?>
+<p:tagLst xmlns:a="http://schemas.openxmlformats.org/drawingml/2006/main" xmlns:r="http://schemas.openxmlformats.org/officeDocument/2006/relationships" xmlns:p="http://schemas.openxmlformats.org/presentationml/2006/main">
+  <p:tag name="OUTPUTDPI" val="1200"/>
+  <p:tag name="ORIGINALHEIGHT" val="134,9832"/>
+  <p:tag name="ORIGINALWIDTH" val="197,9753"/>
+  <p:tag name="LATEXADDIN" val="\documentclass{article}&#10;\usepackage{amsmath}&#10;\usepackage{bm}&#10;\usepackage{color}&#10;\pagestyle{empty}&#10;\begin{document}&#10;%\color{white}&#10;\begin{equation}&#10;\bm{y}^{1,0}\nonumber&#10;\end{equation}&#10;\end{document}"/>
+  <p:tag name="IGUANATEXSIZE" val="20"/>
+  <p:tag name="IGUANATEXCURSOR" val="159"/>
+  <p:tag name="TRANSPARENCY" val="Wahr"/>
+  <p:tag name="FILENAME" val=""/>
+  <p:tag name="LATEXENGINEID" val="0"/>
+  <p:tag name="TEMPFOLDER" val="c:\temp\"/>
+  <p:tag name="LATEXFORMHEIGHT" val="312"/>
+  <p:tag name="LATEXFORMWIDTH" val="384"/>
+  <p:tag name="LATEXFORMWRAP" val="Wahr"/>
+  <p:tag name="BITMAPVECTOR" val="0"/>
+</p:tagLst>
+</file>
+
+<file path=ppt/tags/tag185.xml><?xml version="1.0" encoding="utf-8"?>
 <p:tagLst xmlns:a="http://schemas.openxmlformats.org/drawingml/2006/main" xmlns:r="http://schemas.openxmlformats.org/officeDocument/2006/relationships" xmlns:p="http://schemas.openxmlformats.org/presentationml/2006/main">
   <p:tag name="OUTPUTDPI" val="1200"/>
   <p:tag name="ORIGINALHEIGHT" val="170,9787"/>
@@ -40047,7 +40105,7 @@
 </p:tagLst>
 </file>
 
-<file path=ppt/tags/tag185.xml><?xml version="1.0" encoding="utf-8"?>
+<file path=ppt/tags/tag186.xml><?xml version="1.0" encoding="utf-8"?>
 <p:tagLst xmlns:a="http://schemas.openxmlformats.org/drawingml/2006/main" xmlns:r="http://schemas.openxmlformats.org/officeDocument/2006/relationships" xmlns:p="http://schemas.openxmlformats.org/presentationml/2006/main">
   <p:tag name="OUTPUTDPI" val="1200"/>
   <p:tag name="ORIGINALHEIGHT" val="170,9787"/>
@@ -40066,7 +40124,7 @@
 </p:tagLst>
 </file>
 
-<file path=ppt/tags/tag186.xml><?xml version="1.0" encoding="utf-8"?>
+<file path=ppt/tags/tag187.xml><?xml version="1.0" encoding="utf-8"?>
 <p:tagLst xmlns:a="http://schemas.openxmlformats.org/drawingml/2006/main" xmlns:r="http://schemas.openxmlformats.org/officeDocument/2006/relationships" xmlns:p="http://schemas.openxmlformats.org/presentationml/2006/main">
   <p:tag name="OUTPUTDPI" val="1200"/>
   <p:tag name="ORIGINALHEIGHT" val="56,99291"/>
@@ -40085,7 +40143,7 @@
 </p:tagLst>
 </file>
 
-<file path=ppt/tags/tag187.xml><?xml version="1.0" encoding="utf-8"?>
+<file path=ppt/tags/tag188.xml><?xml version="1.0" encoding="utf-8"?>
 <p:tagLst xmlns:a="http://schemas.openxmlformats.org/drawingml/2006/main" xmlns:r="http://schemas.openxmlformats.org/officeDocument/2006/relationships" xmlns:p="http://schemas.openxmlformats.org/presentationml/2006/main">
   <p:tag name="OUTPUTDPI" val="1200"/>
   <p:tag name="ORIGINALHEIGHT" val="89,98874"/>
@@ -40104,7 +40162,7 @@
 </p:tagLst>
 </file>
 
-<file path=ppt/tags/tag188.xml><?xml version="1.0" encoding="utf-8"?>
+<file path=ppt/tags/tag189.xml><?xml version="1.0" encoding="utf-8"?>
 <p:tagLst xmlns:a="http://schemas.openxmlformats.org/drawingml/2006/main" xmlns:r="http://schemas.openxmlformats.org/officeDocument/2006/relationships" xmlns:p="http://schemas.openxmlformats.org/presentationml/2006/main">
   <p:tag name="OUTPUTDPI" val="1200"/>
   <p:tag name="ORIGINALHEIGHT" val="111,7361"/>
@@ -40112,25 +40170,6 @@
   <p:tag name="LATEXADDIN" val="\documentclass{article}&#10;\usepackage{amsmath}&#10;\usepackage{bm}&#10;\usepackage{color}&#10;\pagestyle{empty}&#10;\begin{document}&#10;%\color{white}&#10;2nd Layer&#10;\end{document}"/>
   <p:tag name="IGUANATEXSIZE" val="20"/>
   <p:tag name="IGUANATEXCURSOR" val="133"/>
-  <p:tag name="TRANSPARENCY" val="Wahr"/>
-  <p:tag name="FILENAME" val=""/>
-  <p:tag name="LATEXENGINEID" val="0"/>
-  <p:tag name="TEMPFOLDER" val="c:\temp\"/>
-  <p:tag name="LATEXFORMHEIGHT" val="312"/>
-  <p:tag name="LATEXFORMWIDTH" val="384"/>
-  <p:tag name="LATEXFORMWRAP" val="Wahr"/>
-  <p:tag name="BITMAPVECTOR" val="0"/>
-</p:tagLst>
-</file>
-
-<file path=ppt/tags/tag189.xml><?xml version="1.0" encoding="utf-8"?>
-<p:tagLst xmlns:a="http://schemas.openxmlformats.org/drawingml/2006/main" xmlns:r="http://schemas.openxmlformats.org/officeDocument/2006/relationships" xmlns:p="http://schemas.openxmlformats.org/presentationml/2006/main">
-  <p:tag name="OUTPUTDPI" val="1200"/>
-  <p:tag name="ORIGINALHEIGHT" val="111,7361"/>
-  <p:tag name="ORIGINALWIDTH" val="516,6854"/>
-  <p:tag name="LATEXADDIN" val="\documentclass{article}&#10;\usepackage{amsmath}&#10;\usepackage{bm}&#10;\usepackage{color}&#10;\pagestyle{empty}&#10;\begin{document}&#10;%\color{white}&#10;0th Layer&#10;\end{document}"/>
-  <p:tag name="IGUANATEXSIZE" val="20"/>
-  <p:tag name="IGUANATEXCURSOR" val="139"/>
   <p:tag name="TRANSPARENCY" val="Wahr"/>
   <p:tag name="FILENAME" val=""/>
   <p:tag name="LATEXENGINEID" val="0"/>
@@ -40164,6 +40203,25 @@
 <file path=ppt/tags/tag190.xml><?xml version="1.0" encoding="utf-8"?>
 <p:tagLst xmlns:a="http://schemas.openxmlformats.org/drawingml/2006/main" xmlns:r="http://schemas.openxmlformats.org/officeDocument/2006/relationships" xmlns:p="http://schemas.openxmlformats.org/presentationml/2006/main">
   <p:tag name="OUTPUTDPI" val="1200"/>
+  <p:tag name="ORIGINALHEIGHT" val="111,7361"/>
+  <p:tag name="ORIGINALWIDTH" val="516,6854"/>
+  <p:tag name="LATEXADDIN" val="\documentclass{article}&#10;\usepackage{amsmath}&#10;\usepackage{bm}&#10;\usepackage{color}&#10;\pagestyle{empty}&#10;\begin{document}&#10;%\color{white}&#10;0th Layer&#10;\end{document}"/>
+  <p:tag name="IGUANATEXSIZE" val="20"/>
+  <p:tag name="IGUANATEXCURSOR" val="139"/>
+  <p:tag name="TRANSPARENCY" val="Wahr"/>
+  <p:tag name="FILENAME" val=""/>
+  <p:tag name="LATEXENGINEID" val="0"/>
+  <p:tag name="TEMPFOLDER" val="c:\temp\"/>
+  <p:tag name="LATEXFORMHEIGHT" val="312"/>
+  <p:tag name="LATEXFORMWIDTH" val="384"/>
+  <p:tag name="LATEXFORMWRAP" val="Wahr"/>
+  <p:tag name="BITMAPVECTOR" val="0"/>
+</p:tagLst>
+</file>
+
+<file path=ppt/tags/tag191.xml><?xml version="1.0" encoding="utf-8"?>
+<p:tagLst xmlns:a="http://schemas.openxmlformats.org/drawingml/2006/main" xmlns:r="http://schemas.openxmlformats.org/officeDocument/2006/relationships" xmlns:p="http://schemas.openxmlformats.org/presentationml/2006/main">
+  <p:tag name="OUTPUTDPI" val="1200"/>
   <p:tag name="ORIGINALHEIGHT" val="110,9861"/>
   <p:tag name="ORIGINALWIDTH" val="491,1886"/>
   <p:tag name="LATEXADDIN" val="\documentclass{article}&#10;\usepackage{amsmath}&#10;\usepackage{bm}&#10;\usepackage{color}&#10;\pagestyle{empty}&#10;\begin{document}&#10;%\color{white}&#10;1st Layer&#10;\end{document}"/>
@@ -40180,7 +40238,7 @@
 </p:tagLst>
 </file>
 
-<file path=ppt/tags/tag191.xml><?xml version="1.0" encoding="utf-8"?>
+<file path=ppt/tags/tag192.xml><?xml version="1.0" encoding="utf-8"?>
 <p:tagLst xmlns:a="http://schemas.openxmlformats.org/drawingml/2006/main" xmlns:r="http://schemas.openxmlformats.org/officeDocument/2006/relationships" xmlns:p="http://schemas.openxmlformats.org/presentationml/2006/main">
   <p:tag name="OUTPUTDPI" val="1200"/>
   <p:tag name="ORIGINALHEIGHT" val="170,9787"/>
@@ -40199,7 +40257,7 @@
 </p:tagLst>
 </file>
 
-<file path=ppt/tags/tag192.xml><?xml version="1.0" encoding="utf-8"?>
+<file path=ppt/tags/tag193.xml><?xml version="1.0" encoding="utf-8"?>
 <p:tagLst xmlns:a="http://schemas.openxmlformats.org/drawingml/2006/main" xmlns:r="http://schemas.openxmlformats.org/officeDocument/2006/relationships" xmlns:p="http://schemas.openxmlformats.org/presentationml/2006/main">
   <p:tag name="OUTPUTDPI" val="1200"/>
   <p:tag name="ORIGINALHEIGHT" val="56,99291"/>
@@ -40218,7 +40276,7 @@
 </p:tagLst>
 </file>
 
-<file path=ppt/tags/tag193.xml><?xml version="1.0" encoding="utf-8"?>
+<file path=ppt/tags/tag194.xml><?xml version="1.0" encoding="utf-8"?>
 <p:tagLst xmlns:a="http://schemas.openxmlformats.org/drawingml/2006/main" xmlns:r="http://schemas.openxmlformats.org/officeDocument/2006/relationships" xmlns:p="http://schemas.openxmlformats.org/presentationml/2006/main">
   <p:tag name="OUTPUTDPI" val="1200"/>
   <p:tag name="ORIGINALHEIGHT" val="89,98874"/>
@@ -40237,7 +40295,7 @@
 </p:tagLst>
 </file>
 
-<file path=ppt/tags/tag194.xml><?xml version="1.0" encoding="utf-8"?>
+<file path=ppt/tags/tag195.xml><?xml version="1.0" encoding="utf-8"?>
 <p:tagLst xmlns:a="http://schemas.openxmlformats.org/drawingml/2006/main" xmlns:r="http://schemas.openxmlformats.org/officeDocument/2006/relationships" xmlns:p="http://schemas.openxmlformats.org/presentationml/2006/main">
   <p:tag name="OUTPUTDPI" val="1200"/>
   <p:tag name="ORIGINALHEIGHT" val="111,7361"/>
@@ -40256,7 +40314,7 @@
 </p:tagLst>
 </file>
 
-<file path=ppt/tags/tag195.xml><?xml version="1.0" encoding="utf-8"?>
+<file path=ppt/tags/tag196.xml><?xml version="1.0" encoding="utf-8"?>
 <p:tagLst xmlns:a="http://schemas.openxmlformats.org/drawingml/2006/main" xmlns:r="http://schemas.openxmlformats.org/officeDocument/2006/relationships" xmlns:p="http://schemas.openxmlformats.org/presentationml/2006/main">
   <p:tag name="OUTPUTDPI" val="1200"/>
   <p:tag name="ORIGINALHEIGHT" val="110,9861"/>
@@ -40275,7 +40333,7 @@
 </p:tagLst>
 </file>
 
-<file path=ppt/tags/tag196.xml><?xml version="1.0" encoding="utf-8"?>
+<file path=ppt/tags/tag197.xml><?xml version="1.0" encoding="utf-8"?>
 <p:tagLst xmlns:a="http://schemas.openxmlformats.org/drawingml/2006/main" xmlns:r="http://schemas.openxmlformats.org/officeDocument/2006/relationships" xmlns:p="http://schemas.openxmlformats.org/presentationml/2006/main">
   <p:tag name="OUTPUTDPI" val="1200"/>
   <p:tag name="ORIGINALHEIGHT" val="56,99291"/>
@@ -40294,14 +40352,14 @@
 </p:tagLst>
 </file>
 
-<file path=ppt/tags/tag197.xml><?xml version="1.0" encoding="utf-8"?>
+<file path=ppt/tags/tag198.xml><?xml version="1.0" encoding="utf-8"?>
 <p:tagLst xmlns:a="http://schemas.openxmlformats.org/drawingml/2006/main" xmlns:r="http://schemas.openxmlformats.org/officeDocument/2006/relationships" xmlns:p="http://schemas.openxmlformats.org/presentationml/2006/main">
   <p:tag name="OUTPUTDPI" val="1200"/>
-  <p:tag name="ORIGINALHEIGHT" val="123,7346"/>
-  <p:tag name="ORIGINALWIDTH" val="854,1432"/>
-  <p:tag name="LATEXADDIN" val="\documentclass{article}&#10;\usepackage{amsmath}&#10;\usepackage{bm}&#10;\usepackage{color}&#10;\pagestyle{empty}&#10;\begin{document}&#10;%\color{white}&#10;\begin{equation}&#10;\bm{y} = f(\bm{W}\bm{x} + \bm{b})&#10;\nonumber&#10;\end{equation}&#10;\end{document}"/>
+  <p:tag name="ORIGINALHEIGHT" val="80,98985"/>
+  <p:tag name="ORIGINALWIDTH" val="68,99134"/>
+  <p:tag name="LATEXADDIN" val="\documentclass{article}&#10;\usepackage{amsmath}&#10;\usepackage{bm}&#10;\usepackage{color}&#10;\pagestyle{empty}&#10;\begin{document}&#10;%\color{white}&#10;\begin{equation}&#10;\bm{y}&#10;\nonumber&#10;\end{equation}&#10;\end{document}"/>
   <p:tag name="IGUANATEXSIZE" val="20"/>
-  <p:tag name="IGUANATEXCURSOR" val="180"/>
+  <p:tag name="IGUANATEXCURSOR" val="154"/>
   <p:tag name="TRANSPARENCY" val="Wahr"/>
   <p:tag name="FILENAME" val=""/>
   <p:tag name="LATEXENGINEID" val="0"/>
@@ -40313,7 +40371,7 @@
 </p:tagLst>
 </file>
 
-<file path=ppt/tags/tag198.xml><?xml version="1.0" encoding="utf-8"?>
+<file path=ppt/tags/tag199.xml><?xml version="1.0" encoding="utf-8"?>
 <p:tagLst xmlns:a="http://schemas.openxmlformats.org/drawingml/2006/main" xmlns:r="http://schemas.openxmlformats.org/officeDocument/2006/relationships" xmlns:p="http://schemas.openxmlformats.org/presentationml/2006/main">
   <p:tag name="OUTPUTDPI" val="1200"/>
   <p:tag name="ORIGINALHEIGHT" val="91,48859"/>

--- a/windows/masters_thesis_imgs.pptx
+++ b/windows/masters_thesis_imgs.pptx
@@ -17,7 +17,8 @@
     <p:sldId id="265" r:id="rId11"/>
     <p:sldId id="266" r:id="rId12"/>
     <p:sldId id="267" r:id="rId13"/>
-    <p:sldId id="268" r:id="rId14"/>
+    <p:sldId id="269" r:id="rId14"/>
+    <p:sldId id="268" r:id="rId15"/>
   </p:sldIdLst>
   <p:sldSz cx="12192000" cy="6858000"/>
   <p:notesSz cx="6858000" cy="9144000"/>
@@ -119,7 +120,7 @@
   <p:extLst>
     <p:ext uri="{EFAFB233-063F-42B5-8137-9DF3F51BA10A}">
       <p15:sldGuideLst xmlns:p15="http://schemas.microsoft.com/office/powerpoint/2012/main">
-        <p15:guide id="1" orient="horz" pos="1888" userDrawn="1">
+        <p15:guide id="1" orient="horz" pos="2160" userDrawn="1">
           <p15:clr>
             <a:srgbClr val="A4A3A4"/>
           </p15:clr>
@@ -284,7 +285,7 @@
           <a:p>
             <a:fld id="{E9193408-0E9E-4716-B232-5E8342DA9E48}" type="datetimeFigureOut">
               <a:rPr lang="en-GB" smtClean="0"/>
-              <a:t>17/07/2019</a:t>
+              <a:t>18/07/2019</a:t>
             </a:fld>
             <a:endParaRPr lang="en-GB"/>
           </a:p>
@@ -484,7 +485,7 @@
           <a:p>
             <a:fld id="{E9193408-0E9E-4716-B232-5E8342DA9E48}" type="datetimeFigureOut">
               <a:rPr lang="en-GB" smtClean="0"/>
-              <a:t>17/07/2019</a:t>
+              <a:t>18/07/2019</a:t>
             </a:fld>
             <a:endParaRPr lang="en-GB"/>
           </a:p>
@@ -694,7 +695,7 @@
           <a:p>
             <a:fld id="{E9193408-0E9E-4716-B232-5E8342DA9E48}" type="datetimeFigureOut">
               <a:rPr lang="en-GB" smtClean="0"/>
-              <a:t>17/07/2019</a:t>
+              <a:t>18/07/2019</a:t>
             </a:fld>
             <a:endParaRPr lang="en-GB"/>
           </a:p>
@@ -894,7 +895,7 @@
           <a:p>
             <a:fld id="{E9193408-0E9E-4716-B232-5E8342DA9E48}" type="datetimeFigureOut">
               <a:rPr lang="en-GB" smtClean="0"/>
-              <a:t>17/07/2019</a:t>
+              <a:t>18/07/2019</a:t>
             </a:fld>
             <a:endParaRPr lang="en-GB"/>
           </a:p>
@@ -1170,7 +1171,7 @@
           <a:p>
             <a:fld id="{E9193408-0E9E-4716-B232-5E8342DA9E48}" type="datetimeFigureOut">
               <a:rPr lang="en-GB" smtClean="0"/>
-              <a:t>17/07/2019</a:t>
+              <a:t>18/07/2019</a:t>
             </a:fld>
             <a:endParaRPr lang="en-GB"/>
           </a:p>
@@ -1438,7 +1439,7 @@
           <a:p>
             <a:fld id="{E9193408-0E9E-4716-B232-5E8342DA9E48}" type="datetimeFigureOut">
               <a:rPr lang="en-GB" smtClean="0"/>
-              <a:t>17/07/2019</a:t>
+              <a:t>18/07/2019</a:t>
             </a:fld>
             <a:endParaRPr lang="en-GB"/>
           </a:p>
@@ -1853,7 +1854,7 @@
           <a:p>
             <a:fld id="{E9193408-0E9E-4716-B232-5E8342DA9E48}" type="datetimeFigureOut">
               <a:rPr lang="en-GB" smtClean="0"/>
-              <a:t>17/07/2019</a:t>
+              <a:t>18/07/2019</a:t>
             </a:fld>
             <a:endParaRPr lang="en-GB"/>
           </a:p>
@@ -1995,7 +1996,7 @@
           <a:p>
             <a:fld id="{E9193408-0E9E-4716-B232-5E8342DA9E48}" type="datetimeFigureOut">
               <a:rPr lang="en-GB" smtClean="0"/>
-              <a:t>17/07/2019</a:t>
+              <a:t>18/07/2019</a:t>
             </a:fld>
             <a:endParaRPr lang="en-GB"/>
           </a:p>
@@ -2108,7 +2109,7 @@
           <a:p>
             <a:fld id="{E9193408-0E9E-4716-B232-5E8342DA9E48}" type="datetimeFigureOut">
               <a:rPr lang="en-GB" smtClean="0"/>
-              <a:t>17/07/2019</a:t>
+              <a:t>18/07/2019</a:t>
             </a:fld>
             <a:endParaRPr lang="en-GB"/>
           </a:p>
@@ -2421,7 +2422,7 @@
           <a:p>
             <a:fld id="{E9193408-0E9E-4716-B232-5E8342DA9E48}" type="datetimeFigureOut">
               <a:rPr lang="en-GB" smtClean="0"/>
-              <a:t>17/07/2019</a:t>
+              <a:t>18/07/2019</a:t>
             </a:fld>
             <a:endParaRPr lang="en-GB"/>
           </a:p>
@@ -2710,7 +2711,7 @@
           <a:p>
             <a:fld id="{E9193408-0E9E-4716-B232-5E8342DA9E48}" type="datetimeFigureOut">
               <a:rPr lang="en-GB" smtClean="0"/>
-              <a:t>17/07/2019</a:t>
+              <a:t>18/07/2019</a:t>
             </a:fld>
             <a:endParaRPr lang="en-GB"/>
           </a:p>
@@ -2953,7 +2954,7 @@
           <a:p>
             <a:fld id="{E9193408-0E9E-4716-B232-5E8342DA9E48}" type="datetimeFigureOut">
               <a:rPr lang="en-GB" smtClean="0"/>
-              <a:t>17/07/2019</a:t>
+              <a:t>18/07/2019</a:t>
             </a:fld>
             <a:endParaRPr lang="en-GB"/>
           </a:p>
@@ -16213,6 +16214,906 @@
 </file>
 
 <file path=ppt/slides/slide13.xml><?xml version="1.0" encoding="utf-8"?>
+<p:sld xmlns:a="http://schemas.openxmlformats.org/drawingml/2006/main" xmlns:r="http://schemas.openxmlformats.org/officeDocument/2006/relationships" xmlns:p="http://schemas.openxmlformats.org/presentationml/2006/main">
+  <p:cSld>
+    <p:spTree>
+      <p:nvGrpSpPr>
+        <p:cNvPr id="1" name=""/>
+        <p:cNvGrpSpPr/>
+        <p:nvPr/>
+      </p:nvGrpSpPr>
+      <p:grpSpPr>
+        <a:xfrm>
+          <a:off x="0" y="0"/>
+          <a:ext cx="0" cy="0"/>
+          <a:chOff x="0" y="0"/>
+          <a:chExt cx="0" cy="0"/>
+        </a:xfrm>
+      </p:grpSpPr>
+      <p:sp>
+        <p:nvSpPr>
+          <p:cNvPr id="4" name="Textfeld 3">
+            <a:extLst>
+              <a:ext uri="{FF2B5EF4-FFF2-40B4-BE49-F238E27FC236}">
+                <a16:creationId xmlns:a16="http://schemas.microsoft.com/office/drawing/2014/main" id="{4F7D5E88-ED2B-41F3-8CBF-6FE78E92AAE4}"/>
+              </a:ext>
+            </a:extLst>
+          </p:cNvPr>
+          <p:cNvSpPr txBox="1"/>
+          <p:nvPr/>
+        </p:nvSpPr>
+        <p:spPr>
+          <a:xfrm>
+            <a:off x="76199" y="66675"/>
+            <a:ext cx="2088017" cy="369332"/>
+          </a:xfrm>
+          <a:prstGeom prst="rect">
+            <a:avLst/>
+          </a:prstGeom>
+          <a:noFill/>
+        </p:spPr>
+        <p:txBody>
+          <a:bodyPr wrap="square" rtlCol="0">
+            <a:spAutoFit/>
+          </a:bodyPr>
+          <a:lstStyle/>
+          <a:p>
+            <a:r>
+              <a:rPr lang="de-DE" dirty="0" err="1"/>
+              <a:t>Neural</a:t>
+            </a:r>
+            <a:r>
+              <a:rPr lang="de-DE" dirty="0"/>
+              <a:t> Nets</a:t>
+            </a:r>
+            <a:endParaRPr lang="en-GB" dirty="0"/>
+          </a:p>
+        </p:txBody>
+      </p:sp>
+      <p:grpSp>
+        <p:nvGrpSpPr>
+          <p:cNvPr id="87" name="Gruppieren 86">
+            <a:extLst>
+              <a:ext uri="{FF2B5EF4-FFF2-40B4-BE49-F238E27FC236}">
+                <a16:creationId xmlns:a16="http://schemas.microsoft.com/office/drawing/2014/main" id="{A6F8EE83-BD76-4C33-8586-C1DD65BEF40A}"/>
+              </a:ext>
+            </a:extLst>
+          </p:cNvPr>
+          <p:cNvGrpSpPr/>
+          <p:nvPr/>
+        </p:nvGrpSpPr>
+        <p:grpSpPr>
+          <a:xfrm>
+            <a:off x="1601697" y="1206524"/>
+            <a:ext cx="8652824" cy="4083247"/>
+            <a:chOff x="4206000" y="1125502"/>
+            <a:chExt cx="8652824" cy="4083247"/>
+          </a:xfrm>
+        </p:grpSpPr>
+        <p:cxnSp>
+          <p:nvCxnSpPr>
+            <p:cNvPr id="5" name="Gerade Verbindung mit Pfeil 4">
+              <a:extLst>
+                <a:ext uri="{FF2B5EF4-FFF2-40B4-BE49-F238E27FC236}">
+                  <a16:creationId xmlns:a16="http://schemas.microsoft.com/office/drawing/2014/main" id="{7AA1795C-B008-48C8-94BF-C44444BCD16D}"/>
+                </a:ext>
+              </a:extLst>
+            </p:cNvPr>
+            <p:cNvCxnSpPr>
+              <a:cxnSpLocks/>
+            </p:cNvCxnSpPr>
+            <p:nvPr/>
+          </p:nvCxnSpPr>
+          <p:spPr>
+            <a:xfrm flipV="1">
+              <a:off x="4206000" y="3427768"/>
+              <a:ext cx="3780000" cy="1232"/>
+            </a:xfrm>
+            <a:prstGeom prst="straightConnector1">
+              <a:avLst/>
+            </a:prstGeom>
+            <a:ln w="25400">
+              <a:solidFill>
+                <a:schemeClr val="tx1"/>
+              </a:solidFill>
+              <a:tailEnd type="triangle"/>
+            </a:ln>
+          </p:spPr>
+          <p:style>
+            <a:lnRef idx="1">
+              <a:schemeClr val="accent1"/>
+            </a:lnRef>
+            <a:fillRef idx="0">
+              <a:schemeClr val="accent1"/>
+            </a:fillRef>
+            <a:effectRef idx="0">
+              <a:schemeClr val="accent1"/>
+            </a:effectRef>
+            <a:fontRef idx="minor">
+              <a:schemeClr val="tx1"/>
+            </a:fontRef>
+          </p:style>
+        </p:cxnSp>
+        <p:cxnSp>
+          <p:nvCxnSpPr>
+            <p:cNvPr id="7" name="Gerade Verbindung mit Pfeil 6">
+              <a:extLst>
+                <a:ext uri="{FF2B5EF4-FFF2-40B4-BE49-F238E27FC236}">
+                  <a16:creationId xmlns:a16="http://schemas.microsoft.com/office/drawing/2014/main" id="{BEC4BAC4-A085-4EE7-829C-EF2348FB7CD6}"/>
+                </a:ext>
+              </a:extLst>
+            </p:cNvPr>
+            <p:cNvCxnSpPr>
+              <a:cxnSpLocks/>
+            </p:cNvCxnSpPr>
+            <p:nvPr/>
+          </p:nvCxnSpPr>
+          <p:spPr>
+            <a:xfrm flipH="1" flipV="1">
+              <a:off x="6096000" y="1428749"/>
+              <a:ext cx="0" cy="3780000"/>
+            </a:xfrm>
+            <a:prstGeom prst="straightConnector1">
+              <a:avLst/>
+            </a:prstGeom>
+            <a:ln w="25400">
+              <a:solidFill>
+                <a:schemeClr val="tx1"/>
+              </a:solidFill>
+              <a:tailEnd type="triangle"/>
+            </a:ln>
+          </p:spPr>
+          <p:style>
+            <a:lnRef idx="1">
+              <a:schemeClr val="accent1"/>
+            </a:lnRef>
+            <a:fillRef idx="0">
+              <a:schemeClr val="accent1"/>
+            </a:fillRef>
+            <a:effectRef idx="0">
+              <a:schemeClr val="accent1"/>
+            </a:effectRef>
+            <a:fontRef idx="minor">
+              <a:schemeClr val="tx1"/>
+            </a:fontRef>
+          </p:style>
+        </p:cxnSp>
+        <p:cxnSp>
+          <p:nvCxnSpPr>
+            <p:cNvPr id="10" name="Gerader Verbinder 9">
+              <a:extLst>
+                <a:ext uri="{FF2B5EF4-FFF2-40B4-BE49-F238E27FC236}">
+                  <a16:creationId xmlns:a16="http://schemas.microsoft.com/office/drawing/2014/main" id="{E18455F3-A5E9-44BA-B724-DA8D4D45B5FD}"/>
+                </a:ext>
+              </a:extLst>
+            </p:cNvPr>
+            <p:cNvCxnSpPr>
+              <a:cxnSpLocks/>
+            </p:cNvCxnSpPr>
+            <p:nvPr/>
+          </p:nvCxnSpPr>
+          <p:spPr>
+            <a:xfrm>
+              <a:off x="5048250" y="1428749"/>
+              <a:ext cx="2937750" cy="3143251"/>
+            </a:xfrm>
+            <a:prstGeom prst="line">
+              <a:avLst/>
+            </a:prstGeom>
+            <a:ln>
+              <a:solidFill>
+                <a:schemeClr val="tx1"/>
+              </a:solidFill>
+              <a:prstDash val="dash"/>
+            </a:ln>
+          </p:spPr>
+          <p:style>
+            <a:lnRef idx="1">
+              <a:schemeClr val="accent1"/>
+            </a:lnRef>
+            <a:fillRef idx="0">
+              <a:schemeClr val="accent1"/>
+            </a:fillRef>
+            <a:effectRef idx="0">
+              <a:schemeClr val="accent1"/>
+            </a:effectRef>
+            <a:fontRef idx="minor">
+              <a:schemeClr val="tx1"/>
+            </a:fontRef>
+          </p:style>
+        </p:cxnSp>
+        <p:cxnSp>
+          <p:nvCxnSpPr>
+            <p:cNvPr id="11" name="Gerader Verbinder 10">
+              <a:extLst>
+                <a:ext uri="{FF2B5EF4-FFF2-40B4-BE49-F238E27FC236}">
+                  <a16:creationId xmlns:a16="http://schemas.microsoft.com/office/drawing/2014/main" id="{118D2EFB-F07F-4BE1-BA4E-7CE9EE3BF9B0}"/>
+                </a:ext>
+              </a:extLst>
+            </p:cNvPr>
+            <p:cNvCxnSpPr>
+              <a:cxnSpLocks/>
+            </p:cNvCxnSpPr>
+            <p:nvPr/>
+          </p:nvCxnSpPr>
+          <p:spPr>
+            <a:xfrm flipV="1">
+              <a:off x="4206000" y="2223022"/>
+              <a:ext cx="3780000" cy="2565063"/>
+            </a:xfrm>
+            <a:prstGeom prst="line">
+              <a:avLst/>
+            </a:prstGeom>
+            <a:ln>
+              <a:solidFill>
+                <a:schemeClr val="tx1"/>
+              </a:solidFill>
+              <a:prstDash val="dash"/>
+            </a:ln>
+          </p:spPr>
+          <p:style>
+            <a:lnRef idx="1">
+              <a:schemeClr val="accent1"/>
+            </a:lnRef>
+            <a:fillRef idx="0">
+              <a:schemeClr val="accent1"/>
+            </a:fillRef>
+            <a:effectRef idx="0">
+              <a:schemeClr val="accent1"/>
+            </a:effectRef>
+            <a:fontRef idx="minor">
+              <a:schemeClr val="tx1"/>
+            </a:fontRef>
+          </p:style>
+        </p:cxnSp>
+        <p:pic>
+          <p:nvPicPr>
+            <p:cNvPr id="22" name="Grafik 21">
+              <a:extLst>
+                <a:ext uri="{FF2B5EF4-FFF2-40B4-BE49-F238E27FC236}">
+                  <a16:creationId xmlns:a16="http://schemas.microsoft.com/office/drawing/2014/main" id="{FE2B0BA8-C195-4B14-835C-E3932819D08E}"/>
+                </a:ext>
+              </a:extLst>
+            </p:cNvPr>
+            <p:cNvPicPr>
+              <a:picLocks noChangeAspect="1"/>
+            </p:cNvPicPr>
+            <p:nvPr>
+              <p:custDataLst>
+                <p:tags r:id="rId1"/>
+              </p:custDataLst>
+            </p:nvPr>
+          </p:nvPicPr>
+          <p:blipFill>
+            <a:blip r:embed="rId6">
+              <a:extLst>
+                <a:ext uri="{28A0092B-C50C-407E-A947-70E740481C1C}">
+                  <a14:useLocalDpi xmlns:a14="http://schemas.microsoft.com/office/drawing/2010/main" val="0"/>
+                </a:ext>
+              </a:extLst>
+            </a:blip>
+            <a:stretch>
+              <a:fillRect/>
+            </a:stretch>
+          </p:blipFill>
+          <p:spPr>
+            <a:xfrm>
+              <a:off x="8070613" y="3313385"/>
+              <a:ext cx="390641" cy="261633"/>
+            </a:xfrm>
+            <a:prstGeom prst="rect">
+              <a:avLst/>
+            </a:prstGeom>
+          </p:spPr>
+        </p:pic>
+        <p:pic>
+          <p:nvPicPr>
+            <p:cNvPr id="25" name="Grafik 24">
+              <a:extLst>
+                <a:ext uri="{FF2B5EF4-FFF2-40B4-BE49-F238E27FC236}">
+                  <a16:creationId xmlns:a16="http://schemas.microsoft.com/office/drawing/2014/main" id="{4C589953-7346-44EF-B83F-99DE98763AE0}"/>
+                </a:ext>
+              </a:extLst>
+            </p:cNvPr>
+            <p:cNvPicPr>
+              <a:picLocks noChangeAspect="1"/>
+            </p:cNvPicPr>
+            <p:nvPr>
+              <p:custDataLst>
+                <p:tags r:id="rId2"/>
+              </p:custDataLst>
+            </p:nvPr>
+          </p:nvPicPr>
+          <p:blipFill>
+            <a:blip r:embed="rId7">
+              <a:extLst>
+                <a:ext uri="{28A0092B-C50C-407E-A947-70E740481C1C}">
+                  <a14:useLocalDpi xmlns:a14="http://schemas.microsoft.com/office/drawing/2010/main" val="0"/>
+                </a:ext>
+              </a:extLst>
+            </a:blip>
+            <a:stretch>
+              <a:fillRect/>
+            </a:stretch>
+          </p:blipFill>
+          <p:spPr>